--- a/p_update.pptx
+++ b/p_update.pptx
@@ -15,6 +15,8 @@
     <p:sldId id="263" r:id="rId9"/>
     <p:sldId id="264" r:id="rId10"/>
     <p:sldId id="265" r:id="rId11"/>
+    <p:sldId id="266" r:id="rId12"/>
+    <p:sldId id="267" r:id="rId13"/>
   </p:sldIdLst>
   <p:sldSz cx="12192000" cy="6858000"/>
   <p:notesSz cx="6858000" cy="9144000"/>
@@ -268,7 +270,7 @@
           <a:p>
             <a:fld id="{AC0A374C-67DD-7B41-A977-89CB4768BCE6}" type="datetimeFigureOut">
               <a:rPr lang="en-US" smtClean="0"/>
-              <a:t>7/25/2022</a:t>
+              <a:t>7/28/2022</a:t>
             </a:fld>
             <a:endParaRPr lang="en-US"/>
           </a:p>
@@ -466,7 +468,7 @@
           <a:p>
             <a:fld id="{AC0A374C-67DD-7B41-A977-89CB4768BCE6}" type="datetimeFigureOut">
               <a:rPr lang="en-US" smtClean="0"/>
-              <a:t>7/25/2022</a:t>
+              <a:t>7/28/2022</a:t>
             </a:fld>
             <a:endParaRPr lang="en-US"/>
           </a:p>
@@ -674,7 +676,7 @@
           <a:p>
             <a:fld id="{AC0A374C-67DD-7B41-A977-89CB4768BCE6}" type="datetimeFigureOut">
               <a:rPr lang="en-US" smtClean="0"/>
-              <a:t>7/25/2022</a:t>
+              <a:t>7/28/2022</a:t>
             </a:fld>
             <a:endParaRPr lang="en-US"/>
           </a:p>
@@ -872,7 +874,7 @@
           <a:p>
             <a:fld id="{AC0A374C-67DD-7B41-A977-89CB4768BCE6}" type="datetimeFigureOut">
               <a:rPr lang="en-US" smtClean="0"/>
-              <a:t>7/25/2022</a:t>
+              <a:t>7/28/2022</a:t>
             </a:fld>
             <a:endParaRPr lang="en-US"/>
           </a:p>
@@ -1147,7 +1149,7 @@
           <a:p>
             <a:fld id="{AC0A374C-67DD-7B41-A977-89CB4768BCE6}" type="datetimeFigureOut">
               <a:rPr lang="en-US" smtClean="0"/>
-              <a:t>7/25/2022</a:t>
+              <a:t>7/28/2022</a:t>
             </a:fld>
             <a:endParaRPr lang="en-US"/>
           </a:p>
@@ -1412,7 +1414,7 @@
           <a:p>
             <a:fld id="{AC0A374C-67DD-7B41-A977-89CB4768BCE6}" type="datetimeFigureOut">
               <a:rPr lang="en-US" smtClean="0"/>
-              <a:t>7/25/2022</a:t>
+              <a:t>7/28/2022</a:t>
             </a:fld>
             <a:endParaRPr lang="en-US"/>
           </a:p>
@@ -1824,7 +1826,7 @@
           <a:p>
             <a:fld id="{AC0A374C-67DD-7B41-A977-89CB4768BCE6}" type="datetimeFigureOut">
               <a:rPr lang="en-US" smtClean="0"/>
-              <a:t>7/25/2022</a:t>
+              <a:t>7/28/2022</a:t>
             </a:fld>
             <a:endParaRPr lang="en-US"/>
           </a:p>
@@ -1965,7 +1967,7 @@
           <a:p>
             <a:fld id="{AC0A374C-67DD-7B41-A977-89CB4768BCE6}" type="datetimeFigureOut">
               <a:rPr lang="en-US" smtClean="0"/>
-              <a:t>7/25/2022</a:t>
+              <a:t>7/28/2022</a:t>
             </a:fld>
             <a:endParaRPr lang="en-US"/>
           </a:p>
@@ -2078,7 +2080,7 @@
           <a:p>
             <a:fld id="{AC0A374C-67DD-7B41-A977-89CB4768BCE6}" type="datetimeFigureOut">
               <a:rPr lang="en-US" smtClean="0"/>
-              <a:t>7/25/2022</a:t>
+              <a:t>7/28/2022</a:t>
             </a:fld>
             <a:endParaRPr lang="en-US"/>
           </a:p>
@@ -2389,7 +2391,7 @@
           <a:p>
             <a:fld id="{AC0A374C-67DD-7B41-A977-89CB4768BCE6}" type="datetimeFigureOut">
               <a:rPr lang="en-US" smtClean="0"/>
-              <a:t>7/25/2022</a:t>
+              <a:t>7/28/2022</a:t>
             </a:fld>
             <a:endParaRPr lang="en-US"/>
           </a:p>
@@ -2677,7 +2679,7 @@
           <a:p>
             <a:fld id="{AC0A374C-67DD-7B41-A977-89CB4768BCE6}" type="datetimeFigureOut">
               <a:rPr lang="en-US" smtClean="0"/>
-              <a:t>7/25/2022</a:t>
+              <a:t>7/28/2022</a:t>
             </a:fld>
             <a:endParaRPr lang="en-US"/>
           </a:p>
@@ -2918,7 +2920,7 @@
           <a:p>
             <a:fld id="{AC0A374C-67DD-7B41-A977-89CB4768BCE6}" type="datetimeFigureOut">
               <a:rPr lang="en-US" smtClean="0"/>
-              <a:t>7/25/2022</a:t>
+              <a:t>7/28/2022</a:t>
             </a:fld>
             <a:endParaRPr lang="en-US"/>
           </a:p>
@@ -3512,804 +3514,825 @@
           <a:chExt cx="0" cy="0"/>
         </a:xfrm>
       </p:grpSpPr>
-      <p:sp>
-        <p:nvSpPr>
-          <p:cNvPr id="2" name="TextBox 1">
-            <a:extLst>
-              <a:ext uri="{FF2B5EF4-FFF2-40B4-BE49-F238E27FC236}">
-                <a16:creationId xmlns:a16="http://schemas.microsoft.com/office/drawing/2014/main" id="{B599C167-C824-43D1-1354-26BAEF86C5A4}"/>
-              </a:ext>
-            </a:extLst>
-          </p:cNvPr>
-          <p:cNvSpPr txBox="1"/>
+      <p:grpSp>
+        <p:nvGrpSpPr>
+          <p:cNvPr id="8" name="Group 7">
+            <a:extLst>
+              <a:ext uri="{FF2B5EF4-FFF2-40B4-BE49-F238E27FC236}">
+                <a16:creationId xmlns:a16="http://schemas.microsoft.com/office/drawing/2014/main" id="{AE1F0747-60C3-4199-18D1-566290CFD546}"/>
+              </a:ext>
+            </a:extLst>
+          </p:cNvPr>
+          <p:cNvGrpSpPr/>
           <p:nvPr/>
-        </p:nvSpPr>
-        <p:spPr>
+        </p:nvGrpSpPr>
+        <p:grpSpPr>
           <a:xfrm>
             <a:off x="402443" y="128954"/>
-            <a:ext cx="1828800" cy="369332"/>
+            <a:ext cx="11260168" cy="3673207"/>
+            <a:chOff x="402443" y="128954"/>
+            <a:chExt cx="11260168" cy="3673207"/>
           </a:xfrm>
-          <a:prstGeom prst="rect">
-            <a:avLst/>
-          </a:prstGeom>
-          <a:noFill/>
-        </p:spPr>
-        <p:txBody>
-          <a:bodyPr rot="0" spcFirstLastPara="0" vert="horz" wrap="square" lIns="91440" tIns="45720" rIns="91440" bIns="45720" numCol="1" spcCol="0" rtlCol="0" fromWordArt="0" anchor="t" anchorCtr="0" forceAA="0" compatLnSpc="1">
-            <a:prstTxWarp prst="textNoShape">
+        </p:grpSpPr>
+        <p:sp>
+          <p:nvSpPr>
+            <p:cNvPr id="2" name="TextBox 1">
+              <a:extLst>
+                <a:ext uri="{FF2B5EF4-FFF2-40B4-BE49-F238E27FC236}">
+                  <a16:creationId xmlns:a16="http://schemas.microsoft.com/office/drawing/2014/main" id="{B599C167-C824-43D1-1354-26BAEF86C5A4}"/>
+                </a:ext>
+              </a:extLst>
+            </p:cNvPr>
+            <p:cNvSpPr txBox="1"/>
+            <p:nvPr/>
+          </p:nvSpPr>
+          <p:spPr>
+            <a:xfrm>
+              <a:off x="402443" y="128954"/>
+              <a:ext cx="1828800" cy="369332"/>
+            </a:xfrm>
+            <a:prstGeom prst="rect">
               <a:avLst/>
-            </a:prstTxWarp>
-            <a:spAutoFit/>
-          </a:bodyPr>
-          <a:lstStyle>
-            <a:defPPr>
-              <a:defRPr lang="en-US"/>
-            </a:defPPr>
-            <a:lvl1pPr marL="0" algn="l" defTabSz="914400" rtl="0" eaLnBrk="1" latinLnBrk="0" hangingPunct="1">
-              <a:defRPr sz="1800" kern="1200">
-                <a:solidFill>
-                  <a:schemeClr val="tx1"/>
-                </a:solidFill>
-                <a:latin typeface="+mn-lt"/>
-                <a:ea typeface="+mn-ea"/>
-                <a:cs typeface="+mn-cs"/>
-              </a:defRPr>
-            </a:lvl1pPr>
-            <a:lvl2pPr marL="457200" algn="l" defTabSz="914400" rtl="0" eaLnBrk="1" latinLnBrk="0" hangingPunct="1">
-              <a:defRPr sz="1800" kern="1200">
-                <a:solidFill>
-                  <a:schemeClr val="tx1"/>
-                </a:solidFill>
-                <a:latin typeface="+mn-lt"/>
-                <a:ea typeface="+mn-ea"/>
-                <a:cs typeface="+mn-cs"/>
-              </a:defRPr>
-            </a:lvl2pPr>
-            <a:lvl3pPr marL="914400" algn="l" defTabSz="914400" rtl="0" eaLnBrk="1" latinLnBrk="0" hangingPunct="1">
-              <a:defRPr sz="1800" kern="1200">
-                <a:solidFill>
-                  <a:schemeClr val="tx1"/>
-                </a:solidFill>
-                <a:latin typeface="+mn-lt"/>
-                <a:ea typeface="+mn-ea"/>
-                <a:cs typeface="+mn-cs"/>
-              </a:defRPr>
-            </a:lvl3pPr>
-            <a:lvl4pPr marL="1371600" algn="l" defTabSz="914400" rtl="0" eaLnBrk="1" latinLnBrk="0" hangingPunct="1">
-              <a:defRPr sz="1800" kern="1200">
-                <a:solidFill>
-                  <a:schemeClr val="tx1"/>
-                </a:solidFill>
-                <a:latin typeface="+mn-lt"/>
-                <a:ea typeface="+mn-ea"/>
-                <a:cs typeface="+mn-cs"/>
-              </a:defRPr>
-            </a:lvl4pPr>
-            <a:lvl5pPr marL="1828800" algn="l" defTabSz="914400" rtl="0" eaLnBrk="1" latinLnBrk="0" hangingPunct="1">
-              <a:defRPr sz="1800" kern="1200">
-                <a:solidFill>
-                  <a:schemeClr val="tx1"/>
-                </a:solidFill>
-                <a:latin typeface="+mn-lt"/>
-                <a:ea typeface="+mn-ea"/>
-                <a:cs typeface="+mn-cs"/>
-              </a:defRPr>
-            </a:lvl5pPr>
-            <a:lvl6pPr marL="2286000" algn="l" defTabSz="914400" rtl="0" eaLnBrk="1" latinLnBrk="0" hangingPunct="1">
-              <a:defRPr sz="1800" kern="1200">
-                <a:solidFill>
-                  <a:schemeClr val="tx1"/>
-                </a:solidFill>
-                <a:latin typeface="+mn-lt"/>
-                <a:ea typeface="+mn-ea"/>
-                <a:cs typeface="+mn-cs"/>
-              </a:defRPr>
-            </a:lvl6pPr>
-            <a:lvl7pPr marL="2743200" algn="l" defTabSz="914400" rtl="0" eaLnBrk="1" latinLnBrk="0" hangingPunct="1">
-              <a:defRPr sz="1800" kern="1200">
-                <a:solidFill>
-                  <a:schemeClr val="tx1"/>
-                </a:solidFill>
-                <a:latin typeface="+mn-lt"/>
-                <a:ea typeface="+mn-ea"/>
-                <a:cs typeface="+mn-cs"/>
-              </a:defRPr>
-            </a:lvl7pPr>
-            <a:lvl8pPr marL="3200400" algn="l" defTabSz="914400" rtl="0" eaLnBrk="1" latinLnBrk="0" hangingPunct="1">
-              <a:defRPr sz="1800" kern="1200">
-                <a:solidFill>
-                  <a:schemeClr val="tx1"/>
-                </a:solidFill>
-                <a:latin typeface="+mn-lt"/>
-                <a:ea typeface="+mn-ea"/>
-                <a:cs typeface="+mn-cs"/>
-              </a:defRPr>
-            </a:lvl8pPr>
-            <a:lvl9pPr marL="3657600" algn="l" defTabSz="914400" rtl="0" eaLnBrk="1" latinLnBrk="0" hangingPunct="1">
-              <a:defRPr sz="1800" kern="1200">
-                <a:solidFill>
-                  <a:schemeClr val="tx1"/>
-                </a:solidFill>
-                <a:latin typeface="+mn-lt"/>
-                <a:ea typeface="+mn-ea"/>
-                <a:cs typeface="+mn-cs"/>
-              </a:defRPr>
-            </a:lvl9pPr>
-          </a:lstStyle>
-          <a:p>
-            <a:pPr algn="l"/>
-            <a:r>
-              <a:rPr lang="en-US" dirty="0"/>
-              <a:t>06 06 260</a:t>
-            </a:r>
-          </a:p>
-        </p:txBody>
-      </p:sp>
-      <p:sp>
-        <p:nvSpPr>
-          <p:cNvPr id="3" name="TextBox 2">
-            <a:extLst>
-              <a:ext uri="{FF2B5EF4-FFF2-40B4-BE49-F238E27FC236}">
-                <a16:creationId xmlns:a16="http://schemas.microsoft.com/office/drawing/2014/main" id="{9E1ADE55-5323-A47F-B6BA-889C42394C76}"/>
-              </a:ext>
-            </a:extLst>
-          </p:cNvPr>
-          <p:cNvSpPr txBox="1"/>
-          <p:nvPr/>
-        </p:nvSpPr>
-        <p:spPr>
-          <a:xfrm>
-            <a:off x="5373372" y="128954"/>
-            <a:ext cx="1828800" cy="369332"/>
-          </a:xfrm>
-          <a:prstGeom prst="rect">
-            <a:avLst/>
-          </a:prstGeom>
-          <a:noFill/>
-        </p:spPr>
-        <p:txBody>
-          <a:bodyPr rot="0" spcFirstLastPara="0" vert="horz" wrap="square" lIns="91440" tIns="45720" rIns="91440" bIns="45720" numCol="1" spcCol="0" rtlCol="0" fromWordArt="0" anchor="t" anchorCtr="0" forceAA="0" compatLnSpc="1">
-            <a:prstTxWarp prst="textNoShape">
+            </a:prstGeom>
+            <a:noFill/>
+          </p:spPr>
+          <p:txBody>
+            <a:bodyPr rot="0" spcFirstLastPara="0" vert="horz" wrap="square" lIns="91440" tIns="45720" rIns="91440" bIns="45720" numCol="1" spcCol="0" rtlCol="0" fromWordArt="0" anchor="t" anchorCtr="0" forceAA="0" compatLnSpc="1">
+              <a:prstTxWarp prst="textNoShape">
+                <a:avLst/>
+              </a:prstTxWarp>
+              <a:spAutoFit/>
+            </a:bodyPr>
+            <a:lstStyle>
+              <a:defPPr>
+                <a:defRPr lang="en-US"/>
+              </a:defPPr>
+              <a:lvl1pPr marL="0" algn="l" defTabSz="914400" rtl="0" eaLnBrk="1" latinLnBrk="0" hangingPunct="1">
+                <a:defRPr sz="1800" kern="1200">
+                  <a:solidFill>
+                    <a:schemeClr val="tx1"/>
+                  </a:solidFill>
+                  <a:latin typeface="+mn-lt"/>
+                  <a:ea typeface="+mn-ea"/>
+                  <a:cs typeface="+mn-cs"/>
+                </a:defRPr>
+              </a:lvl1pPr>
+              <a:lvl2pPr marL="457200" algn="l" defTabSz="914400" rtl="0" eaLnBrk="1" latinLnBrk="0" hangingPunct="1">
+                <a:defRPr sz="1800" kern="1200">
+                  <a:solidFill>
+                    <a:schemeClr val="tx1"/>
+                  </a:solidFill>
+                  <a:latin typeface="+mn-lt"/>
+                  <a:ea typeface="+mn-ea"/>
+                  <a:cs typeface="+mn-cs"/>
+                </a:defRPr>
+              </a:lvl2pPr>
+              <a:lvl3pPr marL="914400" algn="l" defTabSz="914400" rtl="0" eaLnBrk="1" latinLnBrk="0" hangingPunct="1">
+                <a:defRPr sz="1800" kern="1200">
+                  <a:solidFill>
+                    <a:schemeClr val="tx1"/>
+                  </a:solidFill>
+                  <a:latin typeface="+mn-lt"/>
+                  <a:ea typeface="+mn-ea"/>
+                  <a:cs typeface="+mn-cs"/>
+                </a:defRPr>
+              </a:lvl3pPr>
+              <a:lvl4pPr marL="1371600" algn="l" defTabSz="914400" rtl="0" eaLnBrk="1" latinLnBrk="0" hangingPunct="1">
+                <a:defRPr sz="1800" kern="1200">
+                  <a:solidFill>
+                    <a:schemeClr val="tx1"/>
+                  </a:solidFill>
+                  <a:latin typeface="+mn-lt"/>
+                  <a:ea typeface="+mn-ea"/>
+                  <a:cs typeface="+mn-cs"/>
+                </a:defRPr>
+              </a:lvl4pPr>
+              <a:lvl5pPr marL="1828800" algn="l" defTabSz="914400" rtl="0" eaLnBrk="1" latinLnBrk="0" hangingPunct="1">
+                <a:defRPr sz="1800" kern="1200">
+                  <a:solidFill>
+                    <a:schemeClr val="tx1"/>
+                  </a:solidFill>
+                  <a:latin typeface="+mn-lt"/>
+                  <a:ea typeface="+mn-ea"/>
+                  <a:cs typeface="+mn-cs"/>
+                </a:defRPr>
+              </a:lvl5pPr>
+              <a:lvl6pPr marL="2286000" algn="l" defTabSz="914400" rtl="0" eaLnBrk="1" latinLnBrk="0" hangingPunct="1">
+                <a:defRPr sz="1800" kern="1200">
+                  <a:solidFill>
+                    <a:schemeClr val="tx1"/>
+                  </a:solidFill>
+                  <a:latin typeface="+mn-lt"/>
+                  <a:ea typeface="+mn-ea"/>
+                  <a:cs typeface="+mn-cs"/>
+                </a:defRPr>
+              </a:lvl6pPr>
+              <a:lvl7pPr marL="2743200" algn="l" defTabSz="914400" rtl="0" eaLnBrk="1" latinLnBrk="0" hangingPunct="1">
+                <a:defRPr sz="1800" kern="1200">
+                  <a:solidFill>
+                    <a:schemeClr val="tx1"/>
+                  </a:solidFill>
+                  <a:latin typeface="+mn-lt"/>
+                  <a:ea typeface="+mn-ea"/>
+                  <a:cs typeface="+mn-cs"/>
+                </a:defRPr>
+              </a:lvl7pPr>
+              <a:lvl8pPr marL="3200400" algn="l" defTabSz="914400" rtl="0" eaLnBrk="1" latinLnBrk="0" hangingPunct="1">
+                <a:defRPr sz="1800" kern="1200">
+                  <a:solidFill>
+                    <a:schemeClr val="tx1"/>
+                  </a:solidFill>
+                  <a:latin typeface="+mn-lt"/>
+                  <a:ea typeface="+mn-ea"/>
+                  <a:cs typeface="+mn-cs"/>
+                </a:defRPr>
+              </a:lvl8pPr>
+              <a:lvl9pPr marL="3657600" algn="l" defTabSz="914400" rtl="0" eaLnBrk="1" latinLnBrk="0" hangingPunct="1">
+                <a:defRPr sz="1800" kern="1200">
+                  <a:solidFill>
+                    <a:schemeClr val="tx1"/>
+                  </a:solidFill>
+                  <a:latin typeface="+mn-lt"/>
+                  <a:ea typeface="+mn-ea"/>
+                  <a:cs typeface="+mn-cs"/>
+                </a:defRPr>
+              </a:lvl9pPr>
+            </a:lstStyle>
+            <a:p>
+              <a:pPr algn="l"/>
+              <a:r>
+                <a:rPr lang="en-US" dirty="0"/>
+                <a:t>06 06 260</a:t>
+              </a:r>
+            </a:p>
+          </p:txBody>
+        </p:sp>
+        <p:sp>
+          <p:nvSpPr>
+            <p:cNvPr id="3" name="TextBox 2">
+              <a:extLst>
+                <a:ext uri="{FF2B5EF4-FFF2-40B4-BE49-F238E27FC236}">
+                  <a16:creationId xmlns:a16="http://schemas.microsoft.com/office/drawing/2014/main" id="{9E1ADE55-5323-A47F-B6BA-889C42394C76}"/>
+                </a:ext>
+              </a:extLst>
+            </p:cNvPr>
+            <p:cNvSpPr txBox="1"/>
+            <p:nvPr/>
+          </p:nvSpPr>
+          <p:spPr>
+            <a:xfrm>
+              <a:off x="5373372" y="128954"/>
+              <a:ext cx="1828800" cy="369332"/>
+            </a:xfrm>
+            <a:prstGeom prst="rect">
               <a:avLst/>
-            </a:prstTxWarp>
-            <a:spAutoFit/>
-          </a:bodyPr>
-          <a:lstStyle>
-            <a:defPPr>
-              <a:defRPr lang="en-US"/>
-            </a:defPPr>
-            <a:lvl1pPr marL="0" algn="l" defTabSz="914400" rtl="0" eaLnBrk="1" latinLnBrk="0" hangingPunct="1">
-              <a:defRPr sz="1800" kern="1200">
-                <a:solidFill>
-                  <a:schemeClr val="tx1"/>
-                </a:solidFill>
-                <a:latin typeface="+mn-lt"/>
-                <a:ea typeface="+mn-ea"/>
-                <a:cs typeface="+mn-cs"/>
-              </a:defRPr>
-            </a:lvl1pPr>
-            <a:lvl2pPr marL="457200" algn="l" defTabSz="914400" rtl="0" eaLnBrk="1" latinLnBrk="0" hangingPunct="1">
-              <a:defRPr sz="1800" kern="1200">
-                <a:solidFill>
-                  <a:schemeClr val="tx1"/>
-                </a:solidFill>
-                <a:latin typeface="+mn-lt"/>
-                <a:ea typeface="+mn-ea"/>
-                <a:cs typeface="+mn-cs"/>
-              </a:defRPr>
-            </a:lvl2pPr>
-            <a:lvl3pPr marL="914400" algn="l" defTabSz="914400" rtl="0" eaLnBrk="1" latinLnBrk="0" hangingPunct="1">
-              <a:defRPr sz="1800" kern="1200">
-                <a:solidFill>
-                  <a:schemeClr val="tx1"/>
-                </a:solidFill>
-                <a:latin typeface="+mn-lt"/>
-                <a:ea typeface="+mn-ea"/>
-                <a:cs typeface="+mn-cs"/>
-              </a:defRPr>
-            </a:lvl3pPr>
-            <a:lvl4pPr marL="1371600" algn="l" defTabSz="914400" rtl="0" eaLnBrk="1" latinLnBrk="0" hangingPunct="1">
-              <a:defRPr sz="1800" kern="1200">
-                <a:solidFill>
-                  <a:schemeClr val="tx1"/>
-                </a:solidFill>
-                <a:latin typeface="+mn-lt"/>
-                <a:ea typeface="+mn-ea"/>
-                <a:cs typeface="+mn-cs"/>
-              </a:defRPr>
-            </a:lvl4pPr>
-            <a:lvl5pPr marL="1828800" algn="l" defTabSz="914400" rtl="0" eaLnBrk="1" latinLnBrk="0" hangingPunct="1">
-              <a:defRPr sz="1800" kern="1200">
-                <a:solidFill>
-                  <a:schemeClr val="tx1"/>
-                </a:solidFill>
-                <a:latin typeface="+mn-lt"/>
-                <a:ea typeface="+mn-ea"/>
-                <a:cs typeface="+mn-cs"/>
-              </a:defRPr>
-            </a:lvl5pPr>
-            <a:lvl6pPr marL="2286000" algn="l" defTabSz="914400" rtl="0" eaLnBrk="1" latinLnBrk="0" hangingPunct="1">
-              <a:defRPr sz="1800" kern="1200">
-                <a:solidFill>
-                  <a:schemeClr val="tx1"/>
-                </a:solidFill>
-                <a:latin typeface="+mn-lt"/>
-                <a:ea typeface="+mn-ea"/>
-                <a:cs typeface="+mn-cs"/>
-              </a:defRPr>
-            </a:lvl6pPr>
-            <a:lvl7pPr marL="2743200" algn="l" defTabSz="914400" rtl="0" eaLnBrk="1" latinLnBrk="0" hangingPunct="1">
-              <a:defRPr sz="1800" kern="1200">
-                <a:solidFill>
-                  <a:schemeClr val="tx1"/>
-                </a:solidFill>
-                <a:latin typeface="+mn-lt"/>
-                <a:ea typeface="+mn-ea"/>
-                <a:cs typeface="+mn-cs"/>
-              </a:defRPr>
-            </a:lvl7pPr>
-            <a:lvl8pPr marL="3200400" algn="l" defTabSz="914400" rtl="0" eaLnBrk="1" latinLnBrk="0" hangingPunct="1">
-              <a:defRPr sz="1800" kern="1200">
-                <a:solidFill>
-                  <a:schemeClr val="tx1"/>
-                </a:solidFill>
-                <a:latin typeface="+mn-lt"/>
-                <a:ea typeface="+mn-ea"/>
-                <a:cs typeface="+mn-cs"/>
-              </a:defRPr>
-            </a:lvl8pPr>
-            <a:lvl9pPr marL="3657600" algn="l" defTabSz="914400" rtl="0" eaLnBrk="1" latinLnBrk="0" hangingPunct="1">
-              <a:defRPr sz="1800" kern="1200">
-                <a:solidFill>
-                  <a:schemeClr val="tx1"/>
-                </a:solidFill>
-                <a:latin typeface="+mn-lt"/>
-                <a:ea typeface="+mn-ea"/>
-                <a:cs typeface="+mn-cs"/>
-              </a:defRPr>
-            </a:lvl9pPr>
-          </a:lstStyle>
-          <a:p>
-            <a:pPr algn="l"/>
-            <a:r>
-              <a:rPr lang="en-US" dirty="0"/>
-              <a:t>06 06 240</a:t>
-            </a:r>
-          </a:p>
-        </p:txBody>
-      </p:sp>
-      <p:sp>
-        <p:nvSpPr>
-          <p:cNvPr id="4" name="TextBox 3">
-            <a:extLst>
-              <a:ext uri="{FF2B5EF4-FFF2-40B4-BE49-F238E27FC236}">
-                <a16:creationId xmlns:a16="http://schemas.microsoft.com/office/drawing/2014/main" id="{69639BF3-8358-71D7-D113-EE6C791755CE}"/>
-              </a:ext>
-            </a:extLst>
-          </p:cNvPr>
-          <p:cNvSpPr txBox="1"/>
-          <p:nvPr/>
-        </p:nvSpPr>
-        <p:spPr>
-          <a:xfrm>
-            <a:off x="9833811" y="128954"/>
-            <a:ext cx="1828800" cy="369332"/>
-          </a:xfrm>
-          <a:prstGeom prst="rect">
-            <a:avLst/>
-          </a:prstGeom>
-          <a:noFill/>
-        </p:spPr>
-        <p:txBody>
-          <a:bodyPr rot="0" spcFirstLastPara="0" vert="horz" wrap="square" lIns="91440" tIns="45720" rIns="91440" bIns="45720" numCol="1" spcCol="0" rtlCol="0" fromWordArt="0" anchor="t" anchorCtr="0" forceAA="0" compatLnSpc="1">
-            <a:prstTxWarp prst="textNoShape">
+            </a:prstGeom>
+            <a:noFill/>
+          </p:spPr>
+          <p:txBody>
+            <a:bodyPr rot="0" spcFirstLastPara="0" vert="horz" wrap="square" lIns="91440" tIns="45720" rIns="91440" bIns="45720" numCol="1" spcCol="0" rtlCol="0" fromWordArt="0" anchor="t" anchorCtr="0" forceAA="0" compatLnSpc="1">
+              <a:prstTxWarp prst="textNoShape">
+                <a:avLst/>
+              </a:prstTxWarp>
+              <a:spAutoFit/>
+            </a:bodyPr>
+            <a:lstStyle>
+              <a:defPPr>
+                <a:defRPr lang="en-US"/>
+              </a:defPPr>
+              <a:lvl1pPr marL="0" algn="l" defTabSz="914400" rtl="0" eaLnBrk="1" latinLnBrk="0" hangingPunct="1">
+                <a:defRPr sz="1800" kern="1200">
+                  <a:solidFill>
+                    <a:schemeClr val="tx1"/>
+                  </a:solidFill>
+                  <a:latin typeface="+mn-lt"/>
+                  <a:ea typeface="+mn-ea"/>
+                  <a:cs typeface="+mn-cs"/>
+                </a:defRPr>
+              </a:lvl1pPr>
+              <a:lvl2pPr marL="457200" algn="l" defTabSz="914400" rtl="0" eaLnBrk="1" latinLnBrk="0" hangingPunct="1">
+                <a:defRPr sz="1800" kern="1200">
+                  <a:solidFill>
+                    <a:schemeClr val="tx1"/>
+                  </a:solidFill>
+                  <a:latin typeface="+mn-lt"/>
+                  <a:ea typeface="+mn-ea"/>
+                  <a:cs typeface="+mn-cs"/>
+                </a:defRPr>
+              </a:lvl2pPr>
+              <a:lvl3pPr marL="914400" algn="l" defTabSz="914400" rtl="0" eaLnBrk="1" latinLnBrk="0" hangingPunct="1">
+                <a:defRPr sz="1800" kern="1200">
+                  <a:solidFill>
+                    <a:schemeClr val="tx1"/>
+                  </a:solidFill>
+                  <a:latin typeface="+mn-lt"/>
+                  <a:ea typeface="+mn-ea"/>
+                  <a:cs typeface="+mn-cs"/>
+                </a:defRPr>
+              </a:lvl3pPr>
+              <a:lvl4pPr marL="1371600" algn="l" defTabSz="914400" rtl="0" eaLnBrk="1" latinLnBrk="0" hangingPunct="1">
+                <a:defRPr sz="1800" kern="1200">
+                  <a:solidFill>
+                    <a:schemeClr val="tx1"/>
+                  </a:solidFill>
+                  <a:latin typeface="+mn-lt"/>
+                  <a:ea typeface="+mn-ea"/>
+                  <a:cs typeface="+mn-cs"/>
+                </a:defRPr>
+              </a:lvl4pPr>
+              <a:lvl5pPr marL="1828800" algn="l" defTabSz="914400" rtl="0" eaLnBrk="1" latinLnBrk="0" hangingPunct="1">
+                <a:defRPr sz="1800" kern="1200">
+                  <a:solidFill>
+                    <a:schemeClr val="tx1"/>
+                  </a:solidFill>
+                  <a:latin typeface="+mn-lt"/>
+                  <a:ea typeface="+mn-ea"/>
+                  <a:cs typeface="+mn-cs"/>
+                </a:defRPr>
+              </a:lvl5pPr>
+              <a:lvl6pPr marL="2286000" algn="l" defTabSz="914400" rtl="0" eaLnBrk="1" latinLnBrk="0" hangingPunct="1">
+                <a:defRPr sz="1800" kern="1200">
+                  <a:solidFill>
+                    <a:schemeClr val="tx1"/>
+                  </a:solidFill>
+                  <a:latin typeface="+mn-lt"/>
+                  <a:ea typeface="+mn-ea"/>
+                  <a:cs typeface="+mn-cs"/>
+                </a:defRPr>
+              </a:lvl6pPr>
+              <a:lvl7pPr marL="2743200" algn="l" defTabSz="914400" rtl="0" eaLnBrk="1" latinLnBrk="0" hangingPunct="1">
+                <a:defRPr sz="1800" kern="1200">
+                  <a:solidFill>
+                    <a:schemeClr val="tx1"/>
+                  </a:solidFill>
+                  <a:latin typeface="+mn-lt"/>
+                  <a:ea typeface="+mn-ea"/>
+                  <a:cs typeface="+mn-cs"/>
+                </a:defRPr>
+              </a:lvl7pPr>
+              <a:lvl8pPr marL="3200400" algn="l" defTabSz="914400" rtl="0" eaLnBrk="1" latinLnBrk="0" hangingPunct="1">
+                <a:defRPr sz="1800" kern="1200">
+                  <a:solidFill>
+                    <a:schemeClr val="tx1"/>
+                  </a:solidFill>
+                  <a:latin typeface="+mn-lt"/>
+                  <a:ea typeface="+mn-ea"/>
+                  <a:cs typeface="+mn-cs"/>
+                </a:defRPr>
+              </a:lvl8pPr>
+              <a:lvl9pPr marL="3657600" algn="l" defTabSz="914400" rtl="0" eaLnBrk="1" latinLnBrk="0" hangingPunct="1">
+                <a:defRPr sz="1800" kern="1200">
+                  <a:solidFill>
+                    <a:schemeClr val="tx1"/>
+                  </a:solidFill>
+                  <a:latin typeface="+mn-lt"/>
+                  <a:ea typeface="+mn-ea"/>
+                  <a:cs typeface="+mn-cs"/>
+                </a:defRPr>
+              </a:lvl9pPr>
+            </a:lstStyle>
+            <a:p>
+              <a:pPr algn="l"/>
+              <a:r>
+                <a:rPr lang="en-US" dirty="0"/>
+                <a:t>06 06 240</a:t>
+              </a:r>
+            </a:p>
+          </p:txBody>
+        </p:sp>
+        <p:sp>
+          <p:nvSpPr>
+            <p:cNvPr id="4" name="TextBox 3">
+              <a:extLst>
+                <a:ext uri="{FF2B5EF4-FFF2-40B4-BE49-F238E27FC236}">
+                  <a16:creationId xmlns:a16="http://schemas.microsoft.com/office/drawing/2014/main" id="{69639BF3-8358-71D7-D113-EE6C791755CE}"/>
+                </a:ext>
+              </a:extLst>
+            </p:cNvPr>
+            <p:cNvSpPr txBox="1"/>
+            <p:nvPr/>
+          </p:nvSpPr>
+          <p:spPr>
+            <a:xfrm>
+              <a:off x="9833811" y="128954"/>
+              <a:ext cx="1828800" cy="369332"/>
+            </a:xfrm>
+            <a:prstGeom prst="rect">
               <a:avLst/>
-            </a:prstTxWarp>
-            <a:spAutoFit/>
-          </a:bodyPr>
-          <a:lstStyle>
-            <a:defPPr>
-              <a:defRPr lang="en-US"/>
-            </a:defPPr>
-            <a:lvl1pPr marL="0" algn="l" defTabSz="914400" rtl="0" eaLnBrk="1" latinLnBrk="0" hangingPunct="1">
-              <a:defRPr sz="1800" kern="1200">
-                <a:solidFill>
-                  <a:schemeClr val="tx1"/>
-                </a:solidFill>
-                <a:latin typeface="+mn-lt"/>
-                <a:ea typeface="+mn-ea"/>
-                <a:cs typeface="+mn-cs"/>
-              </a:defRPr>
-            </a:lvl1pPr>
-            <a:lvl2pPr marL="457200" algn="l" defTabSz="914400" rtl="0" eaLnBrk="1" latinLnBrk="0" hangingPunct="1">
-              <a:defRPr sz="1800" kern="1200">
-                <a:solidFill>
-                  <a:schemeClr val="tx1"/>
-                </a:solidFill>
-                <a:latin typeface="+mn-lt"/>
-                <a:ea typeface="+mn-ea"/>
-                <a:cs typeface="+mn-cs"/>
-              </a:defRPr>
-            </a:lvl2pPr>
-            <a:lvl3pPr marL="914400" algn="l" defTabSz="914400" rtl="0" eaLnBrk="1" latinLnBrk="0" hangingPunct="1">
-              <a:defRPr sz="1800" kern="1200">
-                <a:solidFill>
-                  <a:schemeClr val="tx1"/>
-                </a:solidFill>
-                <a:latin typeface="+mn-lt"/>
-                <a:ea typeface="+mn-ea"/>
-                <a:cs typeface="+mn-cs"/>
-              </a:defRPr>
-            </a:lvl3pPr>
-            <a:lvl4pPr marL="1371600" algn="l" defTabSz="914400" rtl="0" eaLnBrk="1" latinLnBrk="0" hangingPunct="1">
-              <a:defRPr sz="1800" kern="1200">
-                <a:solidFill>
-                  <a:schemeClr val="tx1"/>
-                </a:solidFill>
-                <a:latin typeface="+mn-lt"/>
-                <a:ea typeface="+mn-ea"/>
-                <a:cs typeface="+mn-cs"/>
-              </a:defRPr>
-            </a:lvl4pPr>
-            <a:lvl5pPr marL="1828800" algn="l" defTabSz="914400" rtl="0" eaLnBrk="1" latinLnBrk="0" hangingPunct="1">
-              <a:defRPr sz="1800" kern="1200">
-                <a:solidFill>
-                  <a:schemeClr val="tx1"/>
-                </a:solidFill>
-                <a:latin typeface="+mn-lt"/>
-                <a:ea typeface="+mn-ea"/>
-                <a:cs typeface="+mn-cs"/>
-              </a:defRPr>
-            </a:lvl5pPr>
-            <a:lvl6pPr marL="2286000" algn="l" defTabSz="914400" rtl="0" eaLnBrk="1" latinLnBrk="0" hangingPunct="1">
-              <a:defRPr sz="1800" kern="1200">
-                <a:solidFill>
-                  <a:schemeClr val="tx1"/>
-                </a:solidFill>
-                <a:latin typeface="+mn-lt"/>
-                <a:ea typeface="+mn-ea"/>
-                <a:cs typeface="+mn-cs"/>
-              </a:defRPr>
-            </a:lvl6pPr>
-            <a:lvl7pPr marL="2743200" algn="l" defTabSz="914400" rtl="0" eaLnBrk="1" latinLnBrk="0" hangingPunct="1">
-              <a:defRPr sz="1800" kern="1200">
-                <a:solidFill>
-                  <a:schemeClr val="tx1"/>
-                </a:solidFill>
-                <a:latin typeface="+mn-lt"/>
-                <a:ea typeface="+mn-ea"/>
-                <a:cs typeface="+mn-cs"/>
-              </a:defRPr>
-            </a:lvl7pPr>
-            <a:lvl8pPr marL="3200400" algn="l" defTabSz="914400" rtl="0" eaLnBrk="1" latinLnBrk="0" hangingPunct="1">
-              <a:defRPr sz="1800" kern="1200">
-                <a:solidFill>
-                  <a:schemeClr val="tx1"/>
-                </a:solidFill>
-                <a:latin typeface="+mn-lt"/>
-                <a:ea typeface="+mn-ea"/>
-                <a:cs typeface="+mn-cs"/>
-              </a:defRPr>
-            </a:lvl8pPr>
-            <a:lvl9pPr marL="3657600" algn="l" defTabSz="914400" rtl="0" eaLnBrk="1" latinLnBrk="0" hangingPunct="1">
-              <a:defRPr sz="1800" kern="1200">
-                <a:solidFill>
-                  <a:schemeClr val="tx1"/>
-                </a:solidFill>
-                <a:latin typeface="+mn-lt"/>
-                <a:ea typeface="+mn-ea"/>
-                <a:cs typeface="+mn-cs"/>
-              </a:defRPr>
-            </a:lvl9pPr>
-          </a:lstStyle>
-          <a:p>
-            <a:pPr algn="l"/>
-            <a:r>
-              <a:rPr lang="en-US" dirty="0"/>
-              <a:t>06 06 220</a:t>
-            </a:r>
-          </a:p>
-        </p:txBody>
-      </p:sp>
-      <p:sp>
-        <p:nvSpPr>
-          <p:cNvPr id="5" name="TextBox 4">
-            <a:extLst>
-              <a:ext uri="{FF2B5EF4-FFF2-40B4-BE49-F238E27FC236}">
-                <a16:creationId xmlns:a16="http://schemas.microsoft.com/office/drawing/2014/main" id="{400E377C-EDF2-C36E-336A-D4F749F0088E}"/>
-              </a:ext>
-            </a:extLst>
-          </p:cNvPr>
-          <p:cNvSpPr txBox="1"/>
-          <p:nvPr/>
-        </p:nvSpPr>
-        <p:spPr>
-          <a:xfrm>
-            <a:off x="402443" y="3429000"/>
-            <a:ext cx="1828800" cy="369332"/>
-          </a:xfrm>
-          <a:prstGeom prst="rect">
-            <a:avLst/>
-          </a:prstGeom>
-          <a:noFill/>
-        </p:spPr>
-        <p:txBody>
-          <a:bodyPr rot="0" spcFirstLastPara="0" vert="horz" wrap="square" lIns="91440" tIns="45720" rIns="91440" bIns="45720" numCol="1" spcCol="0" rtlCol="0" fromWordArt="0" anchor="t" anchorCtr="0" forceAA="0" compatLnSpc="1">
-            <a:prstTxWarp prst="textNoShape">
+            </a:prstGeom>
+            <a:noFill/>
+          </p:spPr>
+          <p:txBody>
+            <a:bodyPr rot="0" spcFirstLastPara="0" vert="horz" wrap="square" lIns="91440" tIns="45720" rIns="91440" bIns="45720" numCol="1" spcCol="0" rtlCol="0" fromWordArt="0" anchor="t" anchorCtr="0" forceAA="0" compatLnSpc="1">
+              <a:prstTxWarp prst="textNoShape">
+                <a:avLst/>
+              </a:prstTxWarp>
+              <a:spAutoFit/>
+            </a:bodyPr>
+            <a:lstStyle>
+              <a:defPPr>
+                <a:defRPr lang="en-US"/>
+              </a:defPPr>
+              <a:lvl1pPr marL="0" algn="l" defTabSz="914400" rtl="0" eaLnBrk="1" latinLnBrk="0" hangingPunct="1">
+                <a:defRPr sz="1800" kern="1200">
+                  <a:solidFill>
+                    <a:schemeClr val="tx1"/>
+                  </a:solidFill>
+                  <a:latin typeface="+mn-lt"/>
+                  <a:ea typeface="+mn-ea"/>
+                  <a:cs typeface="+mn-cs"/>
+                </a:defRPr>
+              </a:lvl1pPr>
+              <a:lvl2pPr marL="457200" algn="l" defTabSz="914400" rtl="0" eaLnBrk="1" latinLnBrk="0" hangingPunct="1">
+                <a:defRPr sz="1800" kern="1200">
+                  <a:solidFill>
+                    <a:schemeClr val="tx1"/>
+                  </a:solidFill>
+                  <a:latin typeface="+mn-lt"/>
+                  <a:ea typeface="+mn-ea"/>
+                  <a:cs typeface="+mn-cs"/>
+                </a:defRPr>
+              </a:lvl2pPr>
+              <a:lvl3pPr marL="914400" algn="l" defTabSz="914400" rtl="0" eaLnBrk="1" latinLnBrk="0" hangingPunct="1">
+                <a:defRPr sz="1800" kern="1200">
+                  <a:solidFill>
+                    <a:schemeClr val="tx1"/>
+                  </a:solidFill>
+                  <a:latin typeface="+mn-lt"/>
+                  <a:ea typeface="+mn-ea"/>
+                  <a:cs typeface="+mn-cs"/>
+                </a:defRPr>
+              </a:lvl3pPr>
+              <a:lvl4pPr marL="1371600" algn="l" defTabSz="914400" rtl="0" eaLnBrk="1" latinLnBrk="0" hangingPunct="1">
+                <a:defRPr sz="1800" kern="1200">
+                  <a:solidFill>
+                    <a:schemeClr val="tx1"/>
+                  </a:solidFill>
+                  <a:latin typeface="+mn-lt"/>
+                  <a:ea typeface="+mn-ea"/>
+                  <a:cs typeface="+mn-cs"/>
+                </a:defRPr>
+              </a:lvl4pPr>
+              <a:lvl5pPr marL="1828800" algn="l" defTabSz="914400" rtl="0" eaLnBrk="1" latinLnBrk="0" hangingPunct="1">
+                <a:defRPr sz="1800" kern="1200">
+                  <a:solidFill>
+                    <a:schemeClr val="tx1"/>
+                  </a:solidFill>
+                  <a:latin typeface="+mn-lt"/>
+                  <a:ea typeface="+mn-ea"/>
+                  <a:cs typeface="+mn-cs"/>
+                </a:defRPr>
+              </a:lvl5pPr>
+              <a:lvl6pPr marL="2286000" algn="l" defTabSz="914400" rtl="0" eaLnBrk="1" latinLnBrk="0" hangingPunct="1">
+                <a:defRPr sz="1800" kern="1200">
+                  <a:solidFill>
+                    <a:schemeClr val="tx1"/>
+                  </a:solidFill>
+                  <a:latin typeface="+mn-lt"/>
+                  <a:ea typeface="+mn-ea"/>
+                  <a:cs typeface="+mn-cs"/>
+                </a:defRPr>
+              </a:lvl6pPr>
+              <a:lvl7pPr marL="2743200" algn="l" defTabSz="914400" rtl="0" eaLnBrk="1" latinLnBrk="0" hangingPunct="1">
+                <a:defRPr sz="1800" kern="1200">
+                  <a:solidFill>
+                    <a:schemeClr val="tx1"/>
+                  </a:solidFill>
+                  <a:latin typeface="+mn-lt"/>
+                  <a:ea typeface="+mn-ea"/>
+                  <a:cs typeface="+mn-cs"/>
+                </a:defRPr>
+              </a:lvl7pPr>
+              <a:lvl8pPr marL="3200400" algn="l" defTabSz="914400" rtl="0" eaLnBrk="1" latinLnBrk="0" hangingPunct="1">
+                <a:defRPr sz="1800" kern="1200">
+                  <a:solidFill>
+                    <a:schemeClr val="tx1"/>
+                  </a:solidFill>
+                  <a:latin typeface="+mn-lt"/>
+                  <a:ea typeface="+mn-ea"/>
+                  <a:cs typeface="+mn-cs"/>
+                </a:defRPr>
+              </a:lvl8pPr>
+              <a:lvl9pPr marL="3657600" algn="l" defTabSz="914400" rtl="0" eaLnBrk="1" latinLnBrk="0" hangingPunct="1">
+                <a:defRPr sz="1800" kern="1200">
+                  <a:solidFill>
+                    <a:schemeClr val="tx1"/>
+                  </a:solidFill>
+                  <a:latin typeface="+mn-lt"/>
+                  <a:ea typeface="+mn-ea"/>
+                  <a:cs typeface="+mn-cs"/>
+                </a:defRPr>
+              </a:lvl9pPr>
+            </a:lstStyle>
+            <a:p>
+              <a:pPr algn="l"/>
+              <a:r>
+                <a:rPr lang="en-US" dirty="0"/>
+                <a:t>06 06 220</a:t>
+              </a:r>
+            </a:p>
+          </p:txBody>
+        </p:sp>
+        <p:sp>
+          <p:nvSpPr>
+            <p:cNvPr id="5" name="TextBox 4">
+              <a:extLst>
+                <a:ext uri="{FF2B5EF4-FFF2-40B4-BE49-F238E27FC236}">
+                  <a16:creationId xmlns:a16="http://schemas.microsoft.com/office/drawing/2014/main" id="{400E377C-EDF2-C36E-336A-D4F749F0088E}"/>
+                </a:ext>
+              </a:extLst>
+            </p:cNvPr>
+            <p:cNvSpPr txBox="1"/>
+            <p:nvPr/>
+          </p:nvSpPr>
+          <p:spPr>
+            <a:xfrm>
+              <a:off x="402443" y="3429000"/>
+              <a:ext cx="1828800" cy="369332"/>
+            </a:xfrm>
+            <a:prstGeom prst="rect">
               <a:avLst/>
-            </a:prstTxWarp>
-            <a:spAutoFit/>
-          </a:bodyPr>
-          <a:lstStyle>
-            <a:defPPr>
-              <a:defRPr lang="en-US"/>
-            </a:defPPr>
-            <a:lvl1pPr marL="0" algn="l" defTabSz="914400" rtl="0" eaLnBrk="1" latinLnBrk="0" hangingPunct="1">
-              <a:defRPr sz="1800" kern="1200">
-                <a:solidFill>
-                  <a:schemeClr val="tx1"/>
-                </a:solidFill>
-                <a:latin typeface="+mn-lt"/>
-                <a:ea typeface="+mn-ea"/>
-                <a:cs typeface="+mn-cs"/>
-              </a:defRPr>
-            </a:lvl1pPr>
-            <a:lvl2pPr marL="457200" algn="l" defTabSz="914400" rtl="0" eaLnBrk="1" latinLnBrk="0" hangingPunct="1">
-              <a:defRPr sz="1800" kern="1200">
-                <a:solidFill>
-                  <a:schemeClr val="tx1"/>
-                </a:solidFill>
-                <a:latin typeface="+mn-lt"/>
-                <a:ea typeface="+mn-ea"/>
-                <a:cs typeface="+mn-cs"/>
-              </a:defRPr>
-            </a:lvl2pPr>
-            <a:lvl3pPr marL="914400" algn="l" defTabSz="914400" rtl="0" eaLnBrk="1" latinLnBrk="0" hangingPunct="1">
-              <a:defRPr sz="1800" kern="1200">
-                <a:solidFill>
-                  <a:schemeClr val="tx1"/>
-                </a:solidFill>
-                <a:latin typeface="+mn-lt"/>
-                <a:ea typeface="+mn-ea"/>
-                <a:cs typeface="+mn-cs"/>
-              </a:defRPr>
-            </a:lvl3pPr>
-            <a:lvl4pPr marL="1371600" algn="l" defTabSz="914400" rtl="0" eaLnBrk="1" latinLnBrk="0" hangingPunct="1">
-              <a:defRPr sz="1800" kern="1200">
-                <a:solidFill>
-                  <a:schemeClr val="tx1"/>
-                </a:solidFill>
-                <a:latin typeface="+mn-lt"/>
-                <a:ea typeface="+mn-ea"/>
-                <a:cs typeface="+mn-cs"/>
-              </a:defRPr>
-            </a:lvl4pPr>
-            <a:lvl5pPr marL="1828800" algn="l" defTabSz="914400" rtl="0" eaLnBrk="1" latinLnBrk="0" hangingPunct="1">
-              <a:defRPr sz="1800" kern="1200">
-                <a:solidFill>
-                  <a:schemeClr val="tx1"/>
-                </a:solidFill>
-                <a:latin typeface="+mn-lt"/>
-                <a:ea typeface="+mn-ea"/>
-                <a:cs typeface="+mn-cs"/>
-              </a:defRPr>
-            </a:lvl5pPr>
-            <a:lvl6pPr marL="2286000" algn="l" defTabSz="914400" rtl="0" eaLnBrk="1" latinLnBrk="0" hangingPunct="1">
-              <a:defRPr sz="1800" kern="1200">
-                <a:solidFill>
-                  <a:schemeClr val="tx1"/>
-                </a:solidFill>
-                <a:latin typeface="+mn-lt"/>
-                <a:ea typeface="+mn-ea"/>
-                <a:cs typeface="+mn-cs"/>
-              </a:defRPr>
-            </a:lvl6pPr>
-            <a:lvl7pPr marL="2743200" algn="l" defTabSz="914400" rtl="0" eaLnBrk="1" latinLnBrk="0" hangingPunct="1">
-              <a:defRPr sz="1800" kern="1200">
-                <a:solidFill>
-                  <a:schemeClr val="tx1"/>
-                </a:solidFill>
-                <a:latin typeface="+mn-lt"/>
-                <a:ea typeface="+mn-ea"/>
-                <a:cs typeface="+mn-cs"/>
-              </a:defRPr>
-            </a:lvl7pPr>
-            <a:lvl8pPr marL="3200400" algn="l" defTabSz="914400" rtl="0" eaLnBrk="1" latinLnBrk="0" hangingPunct="1">
-              <a:defRPr sz="1800" kern="1200">
-                <a:solidFill>
-                  <a:schemeClr val="tx1"/>
-                </a:solidFill>
-                <a:latin typeface="+mn-lt"/>
-                <a:ea typeface="+mn-ea"/>
-                <a:cs typeface="+mn-cs"/>
-              </a:defRPr>
-            </a:lvl8pPr>
-            <a:lvl9pPr marL="3657600" algn="l" defTabSz="914400" rtl="0" eaLnBrk="1" latinLnBrk="0" hangingPunct="1">
-              <a:defRPr sz="1800" kern="1200">
-                <a:solidFill>
-                  <a:schemeClr val="tx1"/>
-                </a:solidFill>
-                <a:latin typeface="+mn-lt"/>
-                <a:ea typeface="+mn-ea"/>
-                <a:cs typeface="+mn-cs"/>
-              </a:defRPr>
-            </a:lvl9pPr>
-          </a:lstStyle>
-          <a:p>
-            <a:pPr algn="l"/>
-            <a:r>
-              <a:rPr lang="en-US" dirty="0"/>
-              <a:t>07 06 260</a:t>
-            </a:r>
-          </a:p>
-        </p:txBody>
-      </p:sp>
-      <p:sp>
-        <p:nvSpPr>
-          <p:cNvPr id="6" name="TextBox 5">
-            <a:extLst>
-              <a:ext uri="{FF2B5EF4-FFF2-40B4-BE49-F238E27FC236}">
-                <a16:creationId xmlns:a16="http://schemas.microsoft.com/office/drawing/2014/main" id="{35F22FF2-031C-B824-D453-2E981C074843}"/>
-              </a:ext>
-            </a:extLst>
-          </p:cNvPr>
-          <p:cNvSpPr txBox="1"/>
-          <p:nvPr/>
-        </p:nvSpPr>
-        <p:spPr>
-          <a:xfrm>
-            <a:off x="5277158" y="3432829"/>
-            <a:ext cx="1828800" cy="369332"/>
-          </a:xfrm>
-          <a:prstGeom prst="rect">
-            <a:avLst/>
-          </a:prstGeom>
-          <a:noFill/>
-        </p:spPr>
-        <p:txBody>
-          <a:bodyPr rot="0" spcFirstLastPara="0" vert="horz" wrap="square" lIns="91440" tIns="45720" rIns="91440" bIns="45720" numCol="1" spcCol="0" rtlCol="0" fromWordArt="0" anchor="t" anchorCtr="0" forceAA="0" compatLnSpc="1">
-            <a:prstTxWarp prst="textNoShape">
+            </a:prstGeom>
+            <a:noFill/>
+          </p:spPr>
+          <p:txBody>
+            <a:bodyPr rot="0" spcFirstLastPara="0" vert="horz" wrap="square" lIns="91440" tIns="45720" rIns="91440" bIns="45720" numCol="1" spcCol="0" rtlCol="0" fromWordArt="0" anchor="t" anchorCtr="0" forceAA="0" compatLnSpc="1">
+              <a:prstTxWarp prst="textNoShape">
+                <a:avLst/>
+              </a:prstTxWarp>
+              <a:spAutoFit/>
+            </a:bodyPr>
+            <a:lstStyle>
+              <a:defPPr>
+                <a:defRPr lang="en-US"/>
+              </a:defPPr>
+              <a:lvl1pPr marL="0" algn="l" defTabSz="914400" rtl="0" eaLnBrk="1" latinLnBrk="0" hangingPunct="1">
+                <a:defRPr sz="1800" kern="1200">
+                  <a:solidFill>
+                    <a:schemeClr val="tx1"/>
+                  </a:solidFill>
+                  <a:latin typeface="+mn-lt"/>
+                  <a:ea typeface="+mn-ea"/>
+                  <a:cs typeface="+mn-cs"/>
+                </a:defRPr>
+              </a:lvl1pPr>
+              <a:lvl2pPr marL="457200" algn="l" defTabSz="914400" rtl="0" eaLnBrk="1" latinLnBrk="0" hangingPunct="1">
+                <a:defRPr sz="1800" kern="1200">
+                  <a:solidFill>
+                    <a:schemeClr val="tx1"/>
+                  </a:solidFill>
+                  <a:latin typeface="+mn-lt"/>
+                  <a:ea typeface="+mn-ea"/>
+                  <a:cs typeface="+mn-cs"/>
+                </a:defRPr>
+              </a:lvl2pPr>
+              <a:lvl3pPr marL="914400" algn="l" defTabSz="914400" rtl="0" eaLnBrk="1" latinLnBrk="0" hangingPunct="1">
+                <a:defRPr sz="1800" kern="1200">
+                  <a:solidFill>
+                    <a:schemeClr val="tx1"/>
+                  </a:solidFill>
+                  <a:latin typeface="+mn-lt"/>
+                  <a:ea typeface="+mn-ea"/>
+                  <a:cs typeface="+mn-cs"/>
+                </a:defRPr>
+              </a:lvl3pPr>
+              <a:lvl4pPr marL="1371600" algn="l" defTabSz="914400" rtl="0" eaLnBrk="1" latinLnBrk="0" hangingPunct="1">
+                <a:defRPr sz="1800" kern="1200">
+                  <a:solidFill>
+                    <a:schemeClr val="tx1"/>
+                  </a:solidFill>
+                  <a:latin typeface="+mn-lt"/>
+                  <a:ea typeface="+mn-ea"/>
+                  <a:cs typeface="+mn-cs"/>
+                </a:defRPr>
+              </a:lvl4pPr>
+              <a:lvl5pPr marL="1828800" algn="l" defTabSz="914400" rtl="0" eaLnBrk="1" latinLnBrk="0" hangingPunct="1">
+                <a:defRPr sz="1800" kern="1200">
+                  <a:solidFill>
+                    <a:schemeClr val="tx1"/>
+                  </a:solidFill>
+                  <a:latin typeface="+mn-lt"/>
+                  <a:ea typeface="+mn-ea"/>
+                  <a:cs typeface="+mn-cs"/>
+                </a:defRPr>
+              </a:lvl5pPr>
+              <a:lvl6pPr marL="2286000" algn="l" defTabSz="914400" rtl="0" eaLnBrk="1" latinLnBrk="0" hangingPunct="1">
+                <a:defRPr sz="1800" kern="1200">
+                  <a:solidFill>
+                    <a:schemeClr val="tx1"/>
+                  </a:solidFill>
+                  <a:latin typeface="+mn-lt"/>
+                  <a:ea typeface="+mn-ea"/>
+                  <a:cs typeface="+mn-cs"/>
+                </a:defRPr>
+              </a:lvl6pPr>
+              <a:lvl7pPr marL="2743200" algn="l" defTabSz="914400" rtl="0" eaLnBrk="1" latinLnBrk="0" hangingPunct="1">
+                <a:defRPr sz="1800" kern="1200">
+                  <a:solidFill>
+                    <a:schemeClr val="tx1"/>
+                  </a:solidFill>
+                  <a:latin typeface="+mn-lt"/>
+                  <a:ea typeface="+mn-ea"/>
+                  <a:cs typeface="+mn-cs"/>
+                </a:defRPr>
+              </a:lvl7pPr>
+              <a:lvl8pPr marL="3200400" algn="l" defTabSz="914400" rtl="0" eaLnBrk="1" latinLnBrk="0" hangingPunct="1">
+                <a:defRPr sz="1800" kern="1200">
+                  <a:solidFill>
+                    <a:schemeClr val="tx1"/>
+                  </a:solidFill>
+                  <a:latin typeface="+mn-lt"/>
+                  <a:ea typeface="+mn-ea"/>
+                  <a:cs typeface="+mn-cs"/>
+                </a:defRPr>
+              </a:lvl8pPr>
+              <a:lvl9pPr marL="3657600" algn="l" defTabSz="914400" rtl="0" eaLnBrk="1" latinLnBrk="0" hangingPunct="1">
+                <a:defRPr sz="1800" kern="1200">
+                  <a:solidFill>
+                    <a:schemeClr val="tx1"/>
+                  </a:solidFill>
+                  <a:latin typeface="+mn-lt"/>
+                  <a:ea typeface="+mn-ea"/>
+                  <a:cs typeface="+mn-cs"/>
+                </a:defRPr>
+              </a:lvl9pPr>
+            </a:lstStyle>
+            <a:p>
+              <a:pPr algn="l"/>
+              <a:r>
+                <a:rPr lang="en-US" dirty="0"/>
+                <a:t>07 06 260</a:t>
+              </a:r>
+            </a:p>
+          </p:txBody>
+        </p:sp>
+        <p:sp>
+          <p:nvSpPr>
+            <p:cNvPr id="6" name="TextBox 5">
+              <a:extLst>
+                <a:ext uri="{FF2B5EF4-FFF2-40B4-BE49-F238E27FC236}">
+                  <a16:creationId xmlns:a16="http://schemas.microsoft.com/office/drawing/2014/main" id="{35F22FF2-031C-B824-D453-2E981C074843}"/>
+                </a:ext>
+              </a:extLst>
+            </p:cNvPr>
+            <p:cNvSpPr txBox="1"/>
+            <p:nvPr/>
+          </p:nvSpPr>
+          <p:spPr>
+            <a:xfrm>
+              <a:off x="5277158" y="3432829"/>
+              <a:ext cx="1828800" cy="369332"/>
+            </a:xfrm>
+            <a:prstGeom prst="rect">
               <a:avLst/>
-            </a:prstTxWarp>
-            <a:spAutoFit/>
-          </a:bodyPr>
-          <a:lstStyle>
-            <a:defPPr>
-              <a:defRPr lang="en-US"/>
-            </a:defPPr>
-            <a:lvl1pPr marL="0" algn="l" defTabSz="914400" rtl="0" eaLnBrk="1" latinLnBrk="0" hangingPunct="1">
-              <a:defRPr sz="1800" kern="1200">
-                <a:solidFill>
-                  <a:schemeClr val="tx1"/>
-                </a:solidFill>
-                <a:latin typeface="+mn-lt"/>
-                <a:ea typeface="+mn-ea"/>
-                <a:cs typeface="+mn-cs"/>
-              </a:defRPr>
-            </a:lvl1pPr>
-            <a:lvl2pPr marL="457200" algn="l" defTabSz="914400" rtl="0" eaLnBrk="1" latinLnBrk="0" hangingPunct="1">
-              <a:defRPr sz="1800" kern="1200">
-                <a:solidFill>
-                  <a:schemeClr val="tx1"/>
-                </a:solidFill>
-                <a:latin typeface="+mn-lt"/>
-                <a:ea typeface="+mn-ea"/>
-                <a:cs typeface="+mn-cs"/>
-              </a:defRPr>
-            </a:lvl2pPr>
-            <a:lvl3pPr marL="914400" algn="l" defTabSz="914400" rtl="0" eaLnBrk="1" latinLnBrk="0" hangingPunct="1">
-              <a:defRPr sz="1800" kern="1200">
-                <a:solidFill>
-                  <a:schemeClr val="tx1"/>
-                </a:solidFill>
-                <a:latin typeface="+mn-lt"/>
-                <a:ea typeface="+mn-ea"/>
-                <a:cs typeface="+mn-cs"/>
-              </a:defRPr>
-            </a:lvl3pPr>
-            <a:lvl4pPr marL="1371600" algn="l" defTabSz="914400" rtl="0" eaLnBrk="1" latinLnBrk="0" hangingPunct="1">
-              <a:defRPr sz="1800" kern="1200">
-                <a:solidFill>
-                  <a:schemeClr val="tx1"/>
-                </a:solidFill>
-                <a:latin typeface="+mn-lt"/>
-                <a:ea typeface="+mn-ea"/>
-                <a:cs typeface="+mn-cs"/>
-              </a:defRPr>
-            </a:lvl4pPr>
-            <a:lvl5pPr marL="1828800" algn="l" defTabSz="914400" rtl="0" eaLnBrk="1" latinLnBrk="0" hangingPunct="1">
-              <a:defRPr sz="1800" kern="1200">
-                <a:solidFill>
-                  <a:schemeClr val="tx1"/>
-                </a:solidFill>
-                <a:latin typeface="+mn-lt"/>
-                <a:ea typeface="+mn-ea"/>
-                <a:cs typeface="+mn-cs"/>
-              </a:defRPr>
-            </a:lvl5pPr>
-            <a:lvl6pPr marL="2286000" algn="l" defTabSz="914400" rtl="0" eaLnBrk="1" latinLnBrk="0" hangingPunct="1">
-              <a:defRPr sz="1800" kern="1200">
-                <a:solidFill>
-                  <a:schemeClr val="tx1"/>
-                </a:solidFill>
-                <a:latin typeface="+mn-lt"/>
-                <a:ea typeface="+mn-ea"/>
-                <a:cs typeface="+mn-cs"/>
-              </a:defRPr>
-            </a:lvl6pPr>
-            <a:lvl7pPr marL="2743200" algn="l" defTabSz="914400" rtl="0" eaLnBrk="1" latinLnBrk="0" hangingPunct="1">
-              <a:defRPr sz="1800" kern="1200">
-                <a:solidFill>
-                  <a:schemeClr val="tx1"/>
-                </a:solidFill>
-                <a:latin typeface="+mn-lt"/>
-                <a:ea typeface="+mn-ea"/>
-                <a:cs typeface="+mn-cs"/>
-              </a:defRPr>
-            </a:lvl7pPr>
-            <a:lvl8pPr marL="3200400" algn="l" defTabSz="914400" rtl="0" eaLnBrk="1" latinLnBrk="0" hangingPunct="1">
-              <a:defRPr sz="1800" kern="1200">
-                <a:solidFill>
-                  <a:schemeClr val="tx1"/>
-                </a:solidFill>
-                <a:latin typeface="+mn-lt"/>
-                <a:ea typeface="+mn-ea"/>
-                <a:cs typeface="+mn-cs"/>
-              </a:defRPr>
-            </a:lvl8pPr>
-            <a:lvl9pPr marL="3657600" algn="l" defTabSz="914400" rtl="0" eaLnBrk="1" latinLnBrk="0" hangingPunct="1">
-              <a:defRPr sz="1800" kern="1200">
-                <a:solidFill>
-                  <a:schemeClr val="tx1"/>
-                </a:solidFill>
-                <a:latin typeface="+mn-lt"/>
-                <a:ea typeface="+mn-ea"/>
-                <a:cs typeface="+mn-cs"/>
-              </a:defRPr>
-            </a:lvl9pPr>
-          </a:lstStyle>
-          <a:p>
-            <a:pPr algn="l"/>
-            <a:r>
-              <a:rPr lang="en-US" dirty="0"/>
-              <a:t>07 06 240</a:t>
-            </a:r>
-          </a:p>
-        </p:txBody>
-      </p:sp>
-      <p:sp>
-        <p:nvSpPr>
-          <p:cNvPr id="7" name="TextBox 6">
-            <a:extLst>
-              <a:ext uri="{FF2B5EF4-FFF2-40B4-BE49-F238E27FC236}">
-                <a16:creationId xmlns:a16="http://schemas.microsoft.com/office/drawing/2014/main" id="{045878B7-051C-926F-3FCB-BAAD456545DB}"/>
-              </a:ext>
-            </a:extLst>
-          </p:cNvPr>
-          <p:cNvSpPr txBox="1"/>
-          <p:nvPr/>
-        </p:nvSpPr>
-        <p:spPr>
-          <a:xfrm>
-            <a:off x="9833811" y="3429000"/>
-            <a:ext cx="1828800" cy="369332"/>
-          </a:xfrm>
-          <a:prstGeom prst="rect">
-            <a:avLst/>
-          </a:prstGeom>
-          <a:noFill/>
-        </p:spPr>
-        <p:txBody>
-          <a:bodyPr rot="0" spcFirstLastPara="0" vert="horz" wrap="square" lIns="91440" tIns="45720" rIns="91440" bIns="45720" numCol="1" spcCol="0" rtlCol="0" fromWordArt="0" anchor="t" anchorCtr="0" forceAA="0" compatLnSpc="1">
-            <a:prstTxWarp prst="textNoShape">
+            </a:prstGeom>
+            <a:noFill/>
+          </p:spPr>
+          <p:txBody>
+            <a:bodyPr rot="0" spcFirstLastPara="0" vert="horz" wrap="square" lIns="91440" tIns="45720" rIns="91440" bIns="45720" numCol="1" spcCol="0" rtlCol="0" fromWordArt="0" anchor="t" anchorCtr="0" forceAA="0" compatLnSpc="1">
+              <a:prstTxWarp prst="textNoShape">
+                <a:avLst/>
+              </a:prstTxWarp>
+              <a:spAutoFit/>
+            </a:bodyPr>
+            <a:lstStyle>
+              <a:defPPr>
+                <a:defRPr lang="en-US"/>
+              </a:defPPr>
+              <a:lvl1pPr marL="0" algn="l" defTabSz="914400" rtl="0" eaLnBrk="1" latinLnBrk="0" hangingPunct="1">
+                <a:defRPr sz="1800" kern="1200">
+                  <a:solidFill>
+                    <a:schemeClr val="tx1"/>
+                  </a:solidFill>
+                  <a:latin typeface="+mn-lt"/>
+                  <a:ea typeface="+mn-ea"/>
+                  <a:cs typeface="+mn-cs"/>
+                </a:defRPr>
+              </a:lvl1pPr>
+              <a:lvl2pPr marL="457200" algn="l" defTabSz="914400" rtl="0" eaLnBrk="1" latinLnBrk="0" hangingPunct="1">
+                <a:defRPr sz="1800" kern="1200">
+                  <a:solidFill>
+                    <a:schemeClr val="tx1"/>
+                  </a:solidFill>
+                  <a:latin typeface="+mn-lt"/>
+                  <a:ea typeface="+mn-ea"/>
+                  <a:cs typeface="+mn-cs"/>
+                </a:defRPr>
+              </a:lvl2pPr>
+              <a:lvl3pPr marL="914400" algn="l" defTabSz="914400" rtl="0" eaLnBrk="1" latinLnBrk="0" hangingPunct="1">
+                <a:defRPr sz="1800" kern="1200">
+                  <a:solidFill>
+                    <a:schemeClr val="tx1"/>
+                  </a:solidFill>
+                  <a:latin typeface="+mn-lt"/>
+                  <a:ea typeface="+mn-ea"/>
+                  <a:cs typeface="+mn-cs"/>
+                </a:defRPr>
+              </a:lvl3pPr>
+              <a:lvl4pPr marL="1371600" algn="l" defTabSz="914400" rtl="0" eaLnBrk="1" latinLnBrk="0" hangingPunct="1">
+                <a:defRPr sz="1800" kern="1200">
+                  <a:solidFill>
+                    <a:schemeClr val="tx1"/>
+                  </a:solidFill>
+                  <a:latin typeface="+mn-lt"/>
+                  <a:ea typeface="+mn-ea"/>
+                  <a:cs typeface="+mn-cs"/>
+                </a:defRPr>
+              </a:lvl4pPr>
+              <a:lvl5pPr marL="1828800" algn="l" defTabSz="914400" rtl="0" eaLnBrk="1" latinLnBrk="0" hangingPunct="1">
+                <a:defRPr sz="1800" kern="1200">
+                  <a:solidFill>
+                    <a:schemeClr val="tx1"/>
+                  </a:solidFill>
+                  <a:latin typeface="+mn-lt"/>
+                  <a:ea typeface="+mn-ea"/>
+                  <a:cs typeface="+mn-cs"/>
+                </a:defRPr>
+              </a:lvl5pPr>
+              <a:lvl6pPr marL="2286000" algn="l" defTabSz="914400" rtl="0" eaLnBrk="1" latinLnBrk="0" hangingPunct="1">
+                <a:defRPr sz="1800" kern="1200">
+                  <a:solidFill>
+                    <a:schemeClr val="tx1"/>
+                  </a:solidFill>
+                  <a:latin typeface="+mn-lt"/>
+                  <a:ea typeface="+mn-ea"/>
+                  <a:cs typeface="+mn-cs"/>
+                </a:defRPr>
+              </a:lvl6pPr>
+              <a:lvl7pPr marL="2743200" algn="l" defTabSz="914400" rtl="0" eaLnBrk="1" latinLnBrk="0" hangingPunct="1">
+                <a:defRPr sz="1800" kern="1200">
+                  <a:solidFill>
+                    <a:schemeClr val="tx1"/>
+                  </a:solidFill>
+                  <a:latin typeface="+mn-lt"/>
+                  <a:ea typeface="+mn-ea"/>
+                  <a:cs typeface="+mn-cs"/>
+                </a:defRPr>
+              </a:lvl7pPr>
+              <a:lvl8pPr marL="3200400" algn="l" defTabSz="914400" rtl="0" eaLnBrk="1" latinLnBrk="0" hangingPunct="1">
+                <a:defRPr sz="1800" kern="1200">
+                  <a:solidFill>
+                    <a:schemeClr val="tx1"/>
+                  </a:solidFill>
+                  <a:latin typeface="+mn-lt"/>
+                  <a:ea typeface="+mn-ea"/>
+                  <a:cs typeface="+mn-cs"/>
+                </a:defRPr>
+              </a:lvl8pPr>
+              <a:lvl9pPr marL="3657600" algn="l" defTabSz="914400" rtl="0" eaLnBrk="1" latinLnBrk="0" hangingPunct="1">
+                <a:defRPr sz="1800" kern="1200">
+                  <a:solidFill>
+                    <a:schemeClr val="tx1"/>
+                  </a:solidFill>
+                  <a:latin typeface="+mn-lt"/>
+                  <a:ea typeface="+mn-ea"/>
+                  <a:cs typeface="+mn-cs"/>
+                </a:defRPr>
+              </a:lvl9pPr>
+            </a:lstStyle>
+            <a:p>
+              <a:pPr algn="l"/>
+              <a:r>
+                <a:rPr lang="en-US" dirty="0"/>
+                <a:t>07 06 240</a:t>
+              </a:r>
+            </a:p>
+          </p:txBody>
+        </p:sp>
+        <p:sp>
+          <p:nvSpPr>
+            <p:cNvPr id="7" name="TextBox 6">
+              <a:extLst>
+                <a:ext uri="{FF2B5EF4-FFF2-40B4-BE49-F238E27FC236}">
+                  <a16:creationId xmlns:a16="http://schemas.microsoft.com/office/drawing/2014/main" id="{045878B7-051C-926F-3FCB-BAAD456545DB}"/>
+                </a:ext>
+              </a:extLst>
+            </p:cNvPr>
+            <p:cNvSpPr txBox="1"/>
+            <p:nvPr/>
+          </p:nvSpPr>
+          <p:spPr>
+            <a:xfrm>
+              <a:off x="9833811" y="3429000"/>
+              <a:ext cx="1828800" cy="369332"/>
+            </a:xfrm>
+            <a:prstGeom prst="rect">
               <a:avLst/>
-            </a:prstTxWarp>
-            <a:spAutoFit/>
-          </a:bodyPr>
-          <a:lstStyle>
-            <a:defPPr>
-              <a:defRPr lang="en-US"/>
-            </a:defPPr>
-            <a:lvl1pPr marL="0" algn="l" defTabSz="914400" rtl="0" eaLnBrk="1" latinLnBrk="0" hangingPunct="1">
-              <a:defRPr sz="1800" kern="1200">
-                <a:solidFill>
-                  <a:schemeClr val="tx1"/>
-                </a:solidFill>
-                <a:latin typeface="+mn-lt"/>
-                <a:ea typeface="+mn-ea"/>
-                <a:cs typeface="+mn-cs"/>
-              </a:defRPr>
-            </a:lvl1pPr>
-            <a:lvl2pPr marL="457200" algn="l" defTabSz="914400" rtl="0" eaLnBrk="1" latinLnBrk="0" hangingPunct="1">
-              <a:defRPr sz="1800" kern="1200">
-                <a:solidFill>
-                  <a:schemeClr val="tx1"/>
-                </a:solidFill>
-                <a:latin typeface="+mn-lt"/>
-                <a:ea typeface="+mn-ea"/>
-                <a:cs typeface="+mn-cs"/>
-              </a:defRPr>
-            </a:lvl2pPr>
-            <a:lvl3pPr marL="914400" algn="l" defTabSz="914400" rtl="0" eaLnBrk="1" latinLnBrk="0" hangingPunct="1">
-              <a:defRPr sz="1800" kern="1200">
-                <a:solidFill>
-                  <a:schemeClr val="tx1"/>
-                </a:solidFill>
-                <a:latin typeface="+mn-lt"/>
-                <a:ea typeface="+mn-ea"/>
-                <a:cs typeface="+mn-cs"/>
-              </a:defRPr>
-            </a:lvl3pPr>
-            <a:lvl4pPr marL="1371600" algn="l" defTabSz="914400" rtl="0" eaLnBrk="1" latinLnBrk="0" hangingPunct="1">
-              <a:defRPr sz="1800" kern="1200">
-                <a:solidFill>
-                  <a:schemeClr val="tx1"/>
-                </a:solidFill>
-                <a:latin typeface="+mn-lt"/>
-                <a:ea typeface="+mn-ea"/>
-                <a:cs typeface="+mn-cs"/>
-              </a:defRPr>
-            </a:lvl4pPr>
-            <a:lvl5pPr marL="1828800" algn="l" defTabSz="914400" rtl="0" eaLnBrk="1" latinLnBrk="0" hangingPunct="1">
-              <a:defRPr sz="1800" kern="1200">
-                <a:solidFill>
-                  <a:schemeClr val="tx1"/>
-                </a:solidFill>
-                <a:latin typeface="+mn-lt"/>
-                <a:ea typeface="+mn-ea"/>
-                <a:cs typeface="+mn-cs"/>
-              </a:defRPr>
-            </a:lvl5pPr>
-            <a:lvl6pPr marL="2286000" algn="l" defTabSz="914400" rtl="0" eaLnBrk="1" latinLnBrk="0" hangingPunct="1">
-              <a:defRPr sz="1800" kern="1200">
-                <a:solidFill>
-                  <a:schemeClr val="tx1"/>
-                </a:solidFill>
-                <a:latin typeface="+mn-lt"/>
-                <a:ea typeface="+mn-ea"/>
-                <a:cs typeface="+mn-cs"/>
-              </a:defRPr>
-            </a:lvl6pPr>
-            <a:lvl7pPr marL="2743200" algn="l" defTabSz="914400" rtl="0" eaLnBrk="1" latinLnBrk="0" hangingPunct="1">
-              <a:defRPr sz="1800" kern="1200">
-                <a:solidFill>
-                  <a:schemeClr val="tx1"/>
-                </a:solidFill>
-                <a:latin typeface="+mn-lt"/>
-                <a:ea typeface="+mn-ea"/>
-                <a:cs typeface="+mn-cs"/>
-              </a:defRPr>
-            </a:lvl7pPr>
-            <a:lvl8pPr marL="3200400" algn="l" defTabSz="914400" rtl="0" eaLnBrk="1" latinLnBrk="0" hangingPunct="1">
-              <a:defRPr sz="1800" kern="1200">
-                <a:solidFill>
-                  <a:schemeClr val="tx1"/>
-                </a:solidFill>
-                <a:latin typeface="+mn-lt"/>
-                <a:ea typeface="+mn-ea"/>
-                <a:cs typeface="+mn-cs"/>
-              </a:defRPr>
-            </a:lvl8pPr>
-            <a:lvl9pPr marL="3657600" algn="l" defTabSz="914400" rtl="0" eaLnBrk="1" latinLnBrk="0" hangingPunct="1">
-              <a:defRPr sz="1800" kern="1200">
-                <a:solidFill>
-                  <a:schemeClr val="tx1"/>
-                </a:solidFill>
-                <a:latin typeface="+mn-lt"/>
-                <a:ea typeface="+mn-ea"/>
-                <a:cs typeface="+mn-cs"/>
-              </a:defRPr>
-            </a:lvl9pPr>
-          </a:lstStyle>
-          <a:p>
-            <a:pPr algn="l"/>
-            <a:r>
-              <a:rPr lang="en-US" dirty="0"/>
-              <a:t>07 06 220</a:t>
-            </a:r>
-          </a:p>
-        </p:txBody>
-      </p:sp>
+            </a:prstGeom>
+            <a:noFill/>
+          </p:spPr>
+          <p:txBody>
+            <a:bodyPr rot="0" spcFirstLastPara="0" vert="horz" wrap="square" lIns="91440" tIns="45720" rIns="91440" bIns="45720" numCol="1" spcCol="0" rtlCol="0" fromWordArt="0" anchor="t" anchorCtr="0" forceAA="0" compatLnSpc="1">
+              <a:prstTxWarp prst="textNoShape">
+                <a:avLst/>
+              </a:prstTxWarp>
+              <a:spAutoFit/>
+            </a:bodyPr>
+            <a:lstStyle>
+              <a:defPPr>
+                <a:defRPr lang="en-US"/>
+              </a:defPPr>
+              <a:lvl1pPr marL="0" algn="l" defTabSz="914400" rtl="0" eaLnBrk="1" latinLnBrk="0" hangingPunct="1">
+                <a:defRPr sz="1800" kern="1200">
+                  <a:solidFill>
+                    <a:schemeClr val="tx1"/>
+                  </a:solidFill>
+                  <a:latin typeface="+mn-lt"/>
+                  <a:ea typeface="+mn-ea"/>
+                  <a:cs typeface="+mn-cs"/>
+                </a:defRPr>
+              </a:lvl1pPr>
+              <a:lvl2pPr marL="457200" algn="l" defTabSz="914400" rtl="0" eaLnBrk="1" latinLnBrk="0" hangingPunct="1">
+                <a:defRPr sz="1800" kern="1200">
+                  <a:solidFill>
+                    <a:schemeClr val="tx1"/>
+                  </a:solidFill>
+                  <a:latin typeface="+mn-lt"/>
+                  <a:ea typeface="+mn-ea"/>
+                  <a:cs typeface="+mn-cs"/>
+                </a:defRPr>
+              </a:lvl2pPr>
+              <a:lvl3pPr marL="914400" algn="l" defTabSz="914400" rtl="0" eaLnBrk="1" latinLnBrk="0" hangingPunct="1">
+                <a:defRPr sz="1800" kern="1200">
+                  <a:solidFill>
+                    <a:schemeClr val="tx1"/>
+                  </a:solidFill>
+                  <a:latin typeface="+mn-lt"/>
+                  <a:ea typeface="+mn-ea"/>
+                  <a:cs typeface="+mn-cs"/>
+                </a:defRPr>
+              </a:lvl3pPr>
+              <a:lvl4pPr marL="1371600" algn="l" defTabSz="914400" rtl="0" eaLnBrk="1" latinLnBrk="0" hangingPunct="1">
+                <a:defRPr sz="1800" kern="1200">
+                  <a:solidFill>
+                    <a:schemeClr val="tx1"/>
+                  </a:solidFill>
+                  <a:latin typeface="+mn-lt"/>
+                  <a:ea typeface="+mn-ea"/>
+                  <a:cs typeface="+mn-cs"/>
+                </a:defRPr>
+              </a:lvl4pPr>
+              <a:lvl5pPr marL="1828800" algn="l" defTabSz="914400" rtl="0" eaLnBrk="1" latinLnBrk="0" hangingPunct="1">
+                <a:defRPr sz="1800" kern="1200">
+                  <a:solidFill>
+                    <a:schemeClr val="tx1"/>
+                  </a:solidFill>
+                  <a:latin typeface="+mn-lt"/>
+                  <a:ea typeface="+mn-ea"/>
+                  <a:cs typeface="+mn-cs"/>
+                </a:defRPr>
+              </a:lvl5pPr>
+              <a:lvl6pPr marL="2286000" algn="l" defTabSz="914400" rtl="0" eaLnBrk="1" latinLnBrk="0" hangingPunct="1">
+                <a:defRPr sz="1800" kern="1200">
+                  <a:solidFill>
+                    <a:schemeClr val="tx1"/>
+                  </a:solidFill>
+                  <a:latin typeface="+mn-lt"/>
+                  <a:ea typeface="+mn-ea"/>
+                  <a:cs typeface="+mn-cs"/>
+                </a:defRPr>
+              </a:lvl6pPr>
+              <a:lvl7pPr marL="2743200" algn="l" defTabSz="914400" rtl="0" eaLnBrk="1" latinLnBrk="0" hangingPunct="1">
+                <a:defRPr sz="1800" kern="1200">
+                  <a:solidFill>
+                    <a:schemeClr val="tx1"/>
+                  </a:solidFill>
+                  <a:latin typeface="+mn-lt"/>
+                  <a:ea typeface="+mn-ea"/>
+                  <a:cs typeface="+mn-cs"/>
+                </a:defRPr>
+              </a:lvl7pPr>
+              <a:lvl8pPr marL="3200400" algn="l" defTabSz="914400" rtl="0" eaLnBrk="1" latinLnBrk="0" hangingPunct="1">
+                <a:defRPr sz="1800" kern="1200">
+                  <a:solidFill>
+                    <a:schemeClr val="tx1"/>
+                  </a:solidFill>
+                  <a:latin typeface="+mn-lt"/>
+                  <a:ea typeface="+mn-ea"/>
+                  <a:cs typeface="+mn-cs"/>
+                </a:defRPr>
+              </a:lvl8pPr>
+              <a:lvl9pPr marL="3657600" algn="l" defTabSz="914400" rtl="0" eaLnBrk="1" latinLnBrk="0" hangingPunct="1">
+                <a:defRPr sz="1800" kern="1200">
+                  <a:solidFill>
+                    <a:schemeClr val="tx1"/>
+                  </a:solidFill>
+                  <a:latin typeface="+mn-lt"/>
+                  <a:ea typeface="+mn-ea"/>
+                  <a:cs typeface="+mn-cs"/>
+                </a:defRPr>
+              </a:lvl9pPr>
+            </a:lstStyle>
+            <a:p>
+              <a:pPr algn="l"/>
+              <a:r>
+                <a:rPr lang="en-US" dirty="0"/>
+                <a:t>07 06 220</a:t>
+              </a:r>
+            </a:p>
+          </p:txBody>
+        </p:sp>
+      </p:grpSp>
       <p:pic>
         <p:nvPicPr>
           <p:cNvPr id="2050" name="Picture 2">
@@ -4596,6 +4619,1986 @@
     <p:extLst>
       <p:ext uri="{BB962C8B-B14F-4D97-AF65-F5344CB8AC3E}">
         <p14:creationId xmlns:p14="http://schemas.microsoft.com/office/powerpoint/2010/main" val="591904135"/>
+      </p:ext>
+    </p:extLst>
+  </p:cSld>
+  <p:clrMapOvr>
+    <a:masterClrMapping/>
+  </p:clrMapOvr>
+</p:sld>
+</file>
+
+<file path=ppt/slides/slide11.xml><?xml version="1.0" encoding="utf-8"?>
+<p:sld xmlns:a="http://schemas.openxmlformats.org/drawingml/2006/main" xmlns:r="http://schemas.openxmlformats.org/officeDocument/2006/relationships" xmlns:p="http://schemas.openxmlformats.org/presentationml/2006/main">
+  <p:cSld>
+    <p:spTree>
+      <p:nvGrpSpPr>
+        <p:cNvPr id="1" name=""/>
+        <p:cNvGrpSpPr/>
+        <p:nvPr/>
+      </p:nvGrpSpPr>
+      <p:grpSpPr>
+        <a:xfrm>
+          <a:off x="0" y="0"/>
+          <a:ext cx="0" cy="0"/>
+          <a:chOff x="0" y="0"/>
+          <a:chExt cx="0" cy="0"/>
+        </a:xfrm>
+      </p:grpSpPr>
+      <p:pic>
+        <p:nvPicPr>
+          <p:cNvPr id="2050" name="Picture 2">
+            <a:extLst>
+              <a:ext uri="{FF2B5EF4-FFF2-40B4-BE49-F238E27FC236}">
+                <a16:creationId xmlns:a16="http://schemas.microsoft.com/office/drawing/2014/main" id="{5CBBCB1D-DA3E-7B67-70C9-DE8EC178F914}"/>
+              </a:ext>
+            </a:extLst>
+          </p:cNvPr>
+          <p:cNvPicPr>
+            <a:picLocks noChangeAspect="1" noChangeArrowheads="1"/>
+          </p:cNvPicPr>
+          <p:nvPr/>
+        </p:nvPicPr>
+        <p:blipFill>
+          <a:blip r:embed="rId2">
+            <a:extLst>
+              <a:ext uri="{28A0092B-C50C-407E-A947-70E740481C1C}">
+                <a14:useLocalDpi xmlns:a14="http://schemas.microsoft.com/office/drawing/2010/main" val="0"/>
+              </a:ext>
+            </a:extLst>
+          </a:blip>
+          <a:srcRect/>
+          <a:stretch>
+            <a:fillRect/>
+          </a:stretch>
+        </p:blipFill>
+        <p:spPr bwMode="auto">
+          <a:xfrm>
+            <a:off x="8931368" y="681317"/>
+            <a:ext cx="3424212" cy="2643045"/>
+          </a:xfrm>
+          <a:prstGeom prst="rect">
+            <a:avLst/>
+          </a:prstGeom>
+          <a:noFill/>
+          <a:extLst>
+            <a:ext uri="{909E8E84-426E-40DD-AFC4-6F175D3DCCD1}">
+              <a14:hiddenFill xmlns:a14="http://schemas.microsoft.com/office/drawing/2010/main">
+                <a:solidFill>
+                  <a:srgbClr val="FFFFFF"/>
+                </a:solidFill>
+              </a14:hiddenFill>
+            </a:ext>
+          </a:extLst>
+        </p:spPr>
+      </p:pic>
+      <p:grpSp>
+        <p:nvGrpSpPr>
+          <p:cNvPr id="3" name="Group 2">
+            <a:extLst>
+              <a:ext uri="{FF2B5EF4-FFF2-40B4-BE49-F238E27FC236}">
+                <a16:creationId xmlns:a16="http://schemas.microsoft.com/office/drawing/2014/main" id="{933A28A3-894E-3933-1CEC-0BE65DDADDC9}"/>
+              </a:ext>
+            </a:extLst>
+          </p:cNvPr>
+          <p:cNvGrpSpPr/>
+          <p:nvPr/>
+        </p:nvGrpSpPr>
+        <p:grpSpPr>
+          <a:xfrm>
+            <a:off x="402443" y="128954"/>
+            <a:ext cx="11260168" cy="3673207"/>
+            <a:chOff x="402443" y="128954"/>
+            <a:chExt cx="11260168" cy="3673207"/>
+          </a:xfrm>
+        </p:grpSpPr>
+        <p:sp>
+          <p:nvSpPr>
+            <p:cNvPr id="4" name="TextBox 3">
+              <a:extLst>
+                <a:ext uri="{FF2B5EF4-FFF2-40B4-BE49-F238E27FC236}">
+                  <a16:creationId xmlns:a16="http://schemas.microsoft.com/office/drawing/2014/main" id="{0314ABB1-1170-F182-39D6-3566A35E579D}"/>
+                </a:ext>
+              </a:extLst>
+            </p:cNvPr>
+            <p:cNvSpPr txBox="1"/>
+            <p:nvPr/>
+          </p:nvSpPr>
+          <p:spPr>
+            <a:xfrm>
+              <a:off x="402443" y="128954"/>
+              <a:ext cx="1828800" cy="369332"/>
+            </a:xfrm>
+            <a:prstGeom prst="rect">
+              <a:avLst/>
+            </a:prstGeom>
+            <a:noFill/>
+          </p:spPr>
+          <p:txBody>
+            <a:bodyPr rot="0" spcFirstLastPara="0" vert="horz" wrap="square" lIns="91440" tIns="45720" rIns="91440" bIns="45720" numCol="1" spcCol="0" rtlCol="0" fromWordArt="0" anchor="t" anchorCtr="0" forceAA="0" compatLnSpc="1">
+              <a:prstTxWarp prst="textNoShape">
+                <a:avLst/>
+              </a:prstTxWarp>
+              <a:spAutoFit/>
+            </a:bodyPr>
+            <a:lstStyle>
+              <a:defPPr>
+                <a:defRPr lang="en-US"/>
+              </a:defPPr>
+              <a:lvl1pPr marL="0" algn="l" defTabSz="914400" rtl="0" eaLnBrk="1" latinLnBrk="0" hangingPunct="1">
+                <a:defRPr sz="1800" kern="1200">
+                  <a:solidFill>
+                    <a:schemeClr val="tx1"/>
+                  </a:solidFill>
+                  <a:latin typeface="+mn-lt"/>
+                  <a:ea typeface="+mn-ea"/>
+                  <a:cs typeface="+mn-cs"/>
+                </a:defRPr>
+              </a:lvl1pPr>
+              <a:lvl2pPr marL="457200" algn="l" defTabSz="914400" rtl="0" eaLnBrk="1" latinLnBrk="0" hangingPunct="1">
+                <a:defRPr sz="1800" kern="1200">
+                  <a:solidFill>
+                    <a:schemeClr val="tx1"/>
+                  </a:solidFill>
+                  <a:latin typeface="+mn-lt"/>
+                  <a:ea typeface="+mn-ea"/>
+                  <a:cs typeface="+mn-cs"/>
+                </a:defRPr>
+              </a:lvl2pPr>
+              <a:lvl3pPr marL="914400" algn="l" defTabSz="914400" rtl="0" eaLnBrk="1" latinLnBrk="0" hangingPunct="1">
+                <a:defRPr sz="1800" kern="1200">
+                  <a:solidFill>
+                    <a:schemeClr val="tx1"/>
+                  </a:solidFill>
+                  <a:latin typeface="+mn-lt"/>
+                  <a:ea typeface="+mn-ea"/>
+                  <a:cs typeface="+mn-cs"/>
+                </a:defRPr>
+              </a:lvl3pPr>
+              <a:lvl4pPr marL="1371600" algn="l" defTabSz="914400" rtl="0" eaLnBrk="1" latinLnBrk="0" hangingPunct="1">
+                <a:defRPr sz="1800" kern="1200">
+                  <a:solidFill>
+                    <a:schemeClr val="tx1"/>
+                  </a:solidFill>
+                  <a:latin typeface="+mn-lt"/>
+                  <a:ea typeface="+mn-ea"/>
+                  <a:cs typeface="+mn-cs"/>
+                </a:defRPr>
+              </a:lvl4pPr>
+              <a:lvl5pPr marL="1828800" algn="l" defTabSz="914400" rtl="0" eaLnBrk="1" latinLnBrk="0" hangingPunct="1">
+                <a:defRPr sz="1800" kern="1200">
+                  <a:solidFill>
+                    <a:schemeClr val="tx1"/>
+                  </a:solidFill>
+                  <a:latin typeface="+mn-lt"/>
+                  <a:ea typeface="+mn-ea"/>
+                  <a:cs typeface="+mn-cs"/>
+                </a:defRPr>
+              </a:lvl5pPr>
+              <a:lvl6pPr marL="2286000" algn="l" defTabSz="914400" rtl="0" eaLnBrk="1" latinLnBrk="0" hangingPunct="1">
+                <a:defRPr sz="1800" kern="1200">
+                  <a:solidFill>
+                    <a:schemeClr val="tx1"/>
+                  </a:solidFill>
+                  <a:latin typeface="+mn-lt"/>
+                  <a:ea typeface="+mn-ea"/>
+                  <a:cs typeface="+mn-cs"/>
+                </a:defRPr>
+              </a:lvl6pPr>
+              <a:lvl7pPr marL="2743200" algn="l" defTabSz="914400" rtl="0" eaLnBrk="1" latinLnBrk="0" hangingPunct="1">
+                <a:defRPr sz="1800" kern="1200">
+                  <a:solidFill>
+                    <a:schemeClr val="tx1"/>
+                  </a:solidFill>
+                  <a:latin typeface="+mn-lt"/>
+                  <a:ea typeface="+mn-ea"/>
+                  <a:cs typeface="+mn-cs"/>
+                </a:defRPr>
+              </a:lvl7pPr>
+              <a:lvl8pPr marL="3200400" algn="l" defTabSz="914400" rtl="0" eaLnBrk="1" latinLnBrk="0" hangingPunct="1">
+                <a:defRPr sz="1800" kern="1200">
+                  <a:solidFill>
+                    <a:schemeClr val="tx1"/>
+                  </a:solidFill>
+                  <a:latin typeface="+mn-lt"/>
+                  <a:ea typeface="+mn-ea"/>
+                  <a:cs typeface="+mn-cs"/>
+                </a:defRPr>
+              </a:lvl8pPr>
+              <a:lvl9pPr marL="3657600" algn="l" defTabSz="914400" rtl="0" eaLnBrk="1" latinLnBrk="0" hangingPunct="1">
+                <a:defRPr sz="1800" kern="1200">
+                  <a:solidFill>
+                    <a:schemeClr val="tx1"/>
+                  </a:solidFill>
+                  <a:latin typeface="+mn-lt"/>
+                  <a:ea typeface="+mn-ea"/>
+                  <a:cs typeface="+mn-cs"/>
+                </a:defRPr>
+              </a:lvl9pPr>
+            </a:lstStyle>
+            <a:p>
+              <a:pPr algn="l"/>
+              <a:r>
+                <a:rPr lang="en-US" dirty="0"/>
+                <a:t>05 07 260</a:t>
+              </a:r>
+            </a:p>
+          </p:txBody>
+        </p:sp>
+        <p:sp>
+          <p:nvSpPr>
+            <p:cNvPr id="5" name="TextBox 4">
+              <a:extLst>
+                <a:ext uri="{FF2B5EF4-FFF2-40B4-BE49-F238E27FC236}">
+                  <a16:creationId xmlns:a16="http://schemas.microsoft.com/office/drawing/2014/main" id="{C02B495E-AF07-0F49-E278-E0170691F25C}"/>
+                </a:ext>
+              </a:extLst>
+            </p:cNvPr>
+            <p:cNvSpPr txBox="1"/>
+            <p:nvPr/>
+          </p:nvSpPr>
+          <p:spPr>
+            <a:xfrm>
+              <a:off x="5373372" y="128954"/>
+              <a:ext cx="1828800" cy="369332"/>
+            </a:xfrm>
+            <a:prstGeom prst="rect">
+              <a:avLst/>
+            </a:prstGeom>
+            <a:noFill/>
+          </p:spPr>
+          <p:txBody>
+            <a:bodyPr rot="0" spcFirstLastPara="0" vert="horz" wrap="square" lIns="91440" tIns="45720" rIns="91440" bIns="45720" numCol="1" spcCol="0" rtlCol="0" fromWordArt="0" anchor="t" anchorCtr="0" forceAA="0" compatLnSpc="1">
+              <a:prstTxWarp prst="textNoShape">
+                <a:avLst/>
+              </a:prstTxWarp>
+              <a:spAutoFit/>
+            </a:bodyPr>
+            <a:lstStyle>
+              <a:defPPr>
+                <a:defRPr lang="en-US"/>
+              </a:defPPr>
+              <a:lvl1pPr marL="0" algn="l" defTabSz="914400" rtl="0" eaLnBrk="1" latinLnBrk="0" hangingPunct="1">
+                <a:defRPr sz="1800" kern="1200">
+                  <a:solidFill>
+                    <a:schemeClr val="tx1"/>
+                  </a:solidFill>
+                  <a:latin typeface="+mn-lt"/>
+                  <a:ea typeface="+mn-ea"/>
+                  <a:cs typeface="+mn-cs"/>
+                </a:defRPr>
+              </a:lvl1pPr>
+              <a:lvl2pPr marL="457200" algn="l" defTabSz="914400" rtl="0" eaLnBrk="1" latinLnBrk="0" hangingPunct="1">
+                <a:defRPr sz="1800" kern="1200">
+                  <a:solidFill>
+                    <a:schemeClr val="tx1"/>
+                  </a:solidFill>
+                  <a:latin typeface="+mn-lt"/>
+                  <a:ea typeface="+mn-ea"/>
+                  <a:cs typeface="+mn-cs"/>
+                </a:defRPr>
+              </a:lvl2pPr>
+              <a:lvl3pPr marL="914400" algn="l" defTabSz="914400" rtl="0" eaLnBrk="1" latinLnBrk="0" hangingPunct="1">
+                <a:defRPr sz="1800" kern="1200">
+                  <a:solidFill>
+                    <a:schemeClr val="tx1"/>
+                  </a:solidFill>
+                  <a:latin typeface="+mn-lt"/>
+                  <a:ea typeface="+mn-ea"/>
+                  <a:cs typeface="+mn-cs"/>
+                </a:defRPr>
+              </a:lvl3pPr>
+              <a:lvl4pPr marL="1371600" algn="l" defTabSz="914400" rtl="0" eaLnBrk="1" latinLnBrk="0" hangingPunct="1">
+                <a:defRPr sz="1800" kern="1200">
+                  <a:solidFill>
+                    <a:schemeClr val="tx1"/>
+                  </a:solidFill>
+                  <a:latin typeface="+mn-lt"/>
+                  <a:ea typeface="+mn-ea"/>
+                  <a:cs typeface="+mn-cs"/>
+                </a:defRPr>
+              </a:lvl4pPr>
+              <a:lvl5pPr marL="1828800" algn="l" defTabSz="914400" rtl="0" eaLnBrk="1" latinLnBrk="0" hangingPunct="1">
+                <a:defRPr sz="1800" kern="1200">
+                  <a:solidFill>
+                    <a:schemeClr val="tx1"/>
+                  </a:solidFill>
+                  <a:latin typeface="+mn-lt"/>
+                  <a:ea typeface="+mn-ea"/>
+                  <a:cs typeface="+mn-cs"/>
+                </a:defRPr>
+              </a:lvl5pPr>
+              <a:lvl6pPr marL="2286000" algn="l" defTabSz="914400" rtl="0" eaLnBrk="1" latinLnBrk="0" hangingPunct="1">
+                <a:defRPr sz="1800" kern="1200">
+                  <a:solidFill>
+                    <a:schemeClr val="tx1"/>
+                  </a:solidFill>
+                  <a:latin typeface="+mn-lt"/>
+                  <a:ea typeface="+mn-ea"/>
+                  <a:cs typeface="+mn-cs"/>
+                </a:defRPr>
+              </a:lvl6pPr>
+              <a:lvl7pPr marL="2743200" algn="l" defTabSz="914400" rtl="0" eaLnBrk="1" latinLnBrk="0" hangingPunct="1">
+                <a:defRPr sz="1800" kern="1200">
+                  <a:solidFill>
+                    <a:schemeClr val="tx1"/>
+                  </a:solidFill>
+                  <a:latin typeface="+mn-lt"/>
+                  <a:ea typeface="+mn-ea"/>
+                  <a:cs typeface="+mn-cs"/>
+                </a:defRPr>
+              </a:lvl7pPr>
+              <a:lvl8pPr marL="3200400" algn="l" defTabSz="914400" rtl="0" eaLnBrk="1" latinLnBrk="0" hangingPunct="1">
+                <a:defRPr sz="1800" kern="1200">
+                  <a:solidFill>
+                    <a:schemeClr val="tx1"/>
+                  </a:solidFill>
+                  <a:latin typeface="+mn-lt"/>
+                  <a:ea typeface="+mn-ea"/>
+                  <a:cs typeface="+mn-cs"/>
+                </a:defRPr>
+              </a:lvl8pPr>
+              <a:lvl9pPr marL="3657600" algn="l" defTabSz="914400" rtl="0" eaLnBrk="1" latinLnBrk="0" hangingPunct="1">
+                <a:defRPr sz="1800" kern="1200">
+                  <a:solidFill>
+                    <a:schemeClr val="tx1"/>
+                  </a:solidFill>
+                  <a:latin typeface="+mn-lt"/>
+                  <a:ea typeface="+mn-ea"/>
+                  <a:cs typeface="+mn-cs"/>
+                </a:defRPr>
+              </a:lvl9pPr>
+            </a:lstStyle>
+            <a:p>
+              <a:pPr algn="l"/>
+              <a:r>
+                <a:rPr lang="en-US" dirty="0"/>
+                <a:t>05 07 240</a:t>
+              </a:r>
+            </a:p>
+          </p:txBody>
+        </p:sp>
+        <p:sp>
+          <p:nvSpPr>
+            <p:cNvPr id="6" name="TextBox 5">
+              <a:extLst>
+                <a:ext uri="{FF2B5EF4-FFF2-40B4-BE49-F238E27FC236}">
+                  <a16:creationId xmlns:a16="http://schemas.microsoft.com/office/drawing/2014/main" id="{30CB6639-86D5-BB8C-CD6E-23A240D35956}"/>
+                </a:ext>
+              </a:extLst>
+            </p:cNvPr>
+            <p:cNvSpPr txBox="1"/>
+            <p:nvPr/>
+          </p:nvSpPr>
+          <p:spPr>
+            <a:xfrm>
+              <a:off x="9833811" y="128954"/>
+              <a:ext cx="1828800" cy="369332"/>
+            </a:xfrm>
+            <a:prstGeom prst="rect">
+              <a:avLst/>
+            </a:prstGeom>
+            <a:noFill/>
+          </p:spPr>
+          <p:txBody>
+            <a:bodyPr rot="0" spcFirstLastPara="0" vert="horz" wrap="square" lIns="91440" tIns="45720" rIns="91440" bIns="45720" numCol="1" spcCol="0" rtlCol="0" fromWordArt="0" anchor="t" anchorCtr="0" forceAA="0" compatLnSpc="1">
+              <a:prstTxWarp prst="textNoShape">
+                <a:avLst/>
+              </a:prstTxWarp>
+              <a:spAutoFit/>
+            </a:bodyPr>
+            <a:lstStyle>
+              <a:defPPr>
+                <a:defRPr lang="en-US"/>
+              </a:defPPr>
+              <a:lvl1pPr marL="0" algn="l" defTabSz="914400" rtl="0" eaLnBrk="1" latinLnBrk="0" hangingPunct="1">
+                <a:defRPr sz="1800" kern="1200">
+                  <a:solidFill>
+                    <a:schemeClr val="tx1"/>
+                  </a:solidFill>
+                  <a:latin typeface="+mn-lt"/>
+                  <a:ea typeface="+mn-ea"/>
+                  <a:cs typeface="+mn-cs"/>
+                </a:defRPr>
+              </a:lvl1pPr>
+              <a:lvl2pPr marL="457200" algn="l" defTabSz="914400" rtl="0" eaLnBrk="1" latinLnBrk="0" hangingPunct="1">
+                <a:defRPr sz="1800" kern="1200">
+                  <a:solidFill>
+                    <a:schemeClr val="tx1"/>
+                  </a:solidFill>
+                  <a:latin typeface="+mn-lt"/>
+                  <a:ea typeface="+mn-ea"/>
+                  <a:cs typeface="+mn-cs"/>
+                </a:defRPr>
+              </a:lvl2pPr>
+              <a:lvl3pPr marL="914400" algn="l" defTabSz="914400" rtl="0" eaLnBrk="1" latinLnBrk="0" hangingPunct="1">
+                <a:defRPr sz="1800" kern="1200">
+                  <a:solidFill>
+                    <a:schemeClr val="tx1"/>
+                  </a:solidFill>
+                  <a:latin typeface="+mn-lt"/>
+                  <a:ea typeface="+mn-ea"/>
+                  <a:cs typeface="+mn-cs"/>
+                </a:defRPr>
+              </a:lvl3pPr>
+              <a:lvl4pPr marL="1371600" algn="l" defTabSz="914400" rtl="0" eaLnBrk="1" latinLnBrk="0" hangingPunct="1">
+                <a:defRPr sz="1800" kern="1200">
+                  <a:solidFill>
+                    <a:schemeClr val="tx1"/>
+                  </a:solidFill>
+                  <a:latin typeface="+mn-lt"/>
+                  <a:ea typeface="+mn-ea"/>
+                  <a:cs typeface="+mn-cs"/>
+                </a:defRPr>
+              </a:lvl4pPr>
+              <a:lvl5pPr marL="1828800" algn="l" defTabSz="914400" rtl="0" eaLnBrk="1" latinLnBrk="0" hangingPunct="1">
+                <a:defRPr sz="1800" kern="1200">
+                  <a:solidFill>
+                    <a:schemeClr val="tx1"/>
+                  </a:solidFill>
+                  <a:latin typeface="+mn-lt"/>
+                  <a:ea typeface="+mn-ea"/>
+                  <a:cs typeface="+mn-cs"/>
+                </a:defRPr>
+              </a:lvl5pPr>
+              <a:lvl6pPr marL="2286000" algn="l" defTabSz="914400" rtl="0" eaLnBrk="1" latinLnBrk="0" hangingPunct="1">
+                <a:defRPr sz="1800" kern="1200">
+                  <a:solidFill>
+                    <a:schemeClr val="tx1"/>
+                  </a:solidFill>
+                  <a:latin typeface="+mn-lt"/>
+                  <a:ea typeface="+mn-ea"/>
+                  <a:cs typeface="+mn-cs"/>
+                </a:defRPr>
+              </a:lvl6pPr>
+              <a:lvl7pPr marL="2743200" algn="l" defTabSz="914400" rtl="0" eaLnBrk="1" latinLnBrk="0" hangingPunct="1">
+                <a:defRPr sz="1800" kern="1200">
+                  <a:solidFill>
+                    <a:schemeClr val="tx1"/>
+                  </a:solidFill>
+                  <a:latin typeface="+mn-lt"/>
+                  <a:ea typeface="+mn-ea"/>
+                  <a:cs typeface="+mn-cs"/>
+                </a:defRPr>
+              </a:lvl7pPr>
+              <a:lvl8pPr marL="3200400" algn="l" defTabSz="914400" rtl="0" eaLnBrk="1" latinLnBrk="0" hangingPunct="1">
+                <a:defRPr sz="1800" kern="1200">
+                  <a:solidFill>
+                    <a:schemeClr val="tx1"/>
+                  </a:solidFill>
+                  <a:latin typeface="+mn-lt"/>
+                  <a:ea typeface="+mn-ea"/>
+                  <a:cs typeface="+mn-cs"/>
+                </a:defRPr>
+              </a:lvl8pPr>
+              <a:lvl9pPr marL="3657600" algn="l" defTabSz="914400" rtl="0" eaLnBrk="1" latinLnBrk="0" hangingPunct="1">
+                <a:defRPr sz="1800" kern="1200">
+                  <a:solidFill>
+                    <a:schemeClr val="tx1"/>
+                  </a:solidFill>
+                  <a:latin typeface="+mn-lt"/>
+                  <a:ea typeface="+mn-ea"/>
+                  <a:cs typeface="+mn-cs"/>
+                </a:defRPr>
+              </a:lvl9pPr>
+            </a:lstStyle>
+            <a:p>
+              <a:pPr algn="l"/>
+              <a:r>
+                <a:rPr lang="en-US" dirty="0"/>
+                <a:t>05 07 220</a:t>
+              </a:r>
+            </a:p>
+          </p:txBody>
+        </p:sp>
+        <p:sp>
+          <p:nvSpPr>
+            <p:cNvPr id="7" name="TextBox 6">
+              <a:extLst>
+                <a:ext uri="{FF2B5EF4-FFF2-40B4-BE49-F238E27FC236}">
+                  <a16:creationId xmlns:a16="http://schemas.microsoft.com/office/drawing/2014/main" id="{1007F6B6-4509-AC27-1D6E-C623DA252D4C}"/>
+                </a:ext>
+              </a:extLst>
+            </p:cNvPr>
+            <p:cNvSpPr txBox="1"/>
+            <p:nvPr/>
+          </p:nvSpPr>
+          <p:spPr>
+            <a:xfrm>
+              <a:off x="402443" y="3429000"/>
+              <a:ext cx="1828800" cy="369332"/>
+            </a:xfrm>
+            <a:prstGeom prst="rect">
+              <a:avLst/>
+            </a:prstGeom>
+            <a:noFill/>
+          </p:spPr>
+          <p:txBody>
+            <a:bodyPr rot="0" spcFirstLastPara="0" vert="horz" wrap="square" lIns="91440" tIns="45720" rIns="91440" bIns="45720" numCol="1" spcCol="0" rtlCol="0" fromWordArt="0" anchor="t" anchorCtr="0" forceAA="0" compatLnSpc="1">
+              <a:prstTxWarp prst="textNoShape">
+                <a:avLst/>
+              </a:prstTxWarp>
+              <a:spAutoFit/>
+            </a:bodyPr>
+            <a:lstStyle>
+              <a:defPPr>
+                <a:defRPr lang="en-US"/>
+              </a:defPPr>
+              <a:lvl1pPr marL="0" algn="l" defTabSz="914400" rtl="0" eaLnBrk="1" latinLnBrk="0" hangingPunct="1">
+                <a:defRPr sz="1800" kern="1200">
+                  <a:solidFill>
+                    <a:schemeClr val="tx1"/>
+                  </a:solidFill>
+                  <a:latin typeface="+mn-lt"/>
+                  <a:ea typeface="+mn-ea"/>
+                  <a:cs typeface="+mn-cs"/>
+                </a:defRPr>
+              </a:lvl1pPr>
+              <a:lvl2pPr marL="457200" algn="l" defTabSz="914400" rtl="0" eaLnBrk="1" latinLnBrk="0" hangingPunct="1">
+                <a:defRPr sz="1800" kern="1200">
+                  <a:solidFill>
+                    <a:schemeClr val="tx1"/>
+                  </a:solidFill>
+                  <a:latin typeface="+mn-lt"/>
+                  <a:ea typeface="+mn-ea"/>
+                  <a:cs typeface="+mn-cs"/>
+                </a:defRPr>
+              </a:lvl2pPr>
+              <a:lvl3pPr marL="914400" algn="l" defTabSz="914400" rtl="0" eaLnBrk="1" latinLnBrk="0" hangingPunct="1">
+                <a:defRPr sz="1800" kern="1200">
+                  <a:solidFill>
+                    <a:schemeClr val="tx1"/>
+                  </a:solidFill>
+                  <a:latin typeface="+mn-lt"/>
+                  <a:ea typeface="+mn-ea"/>
+                  <a:cs typeface="+mn-cs"/>
+                </a:defRPr>
+              </a:lvl3pPr>
+              <a:lvl4pPr marL="1371600" algn="l" defTabSz="914400" rtl="0" eaLnBrk="1" latinLnBrk="0" hangingPunct="1">
+                <a:defRPr sz="1800" kern="1200">
+                  <a:solidFill>
+                    <a:schemeClr val="tx1"/>
+                  </a:solidFill>
+                  <a:latin typeface="+mn-lt"/>
+                  <a:ea typeface="+mn-ea"/>
+                  <a:cs typeface="+mn-cs"/>
+                </a:defRPr>
+              </a:lvl4pPr>
+              <a:lvl5pPr marL="1828800" algn="l" defTabSz="914400" rtl="0" eaLnBrk="1" latinLnBrk="0" hangingPunct="1">
+                <a:defRPr sz="1800" kern="1200">
+                  <a:solidFill>
+                    <a:schemeClr val="tx1"/>
+                  </a:solidFill>
+                  <a:latin typeface="+mn-lt"/>
+                  <a:ea typeface="+mn-ea"/>
+                  <a:cs typeface="+mn-cs"/>
+                </a:defRPr>
+              </a:lvl5pPr>
+              <a:lvl6pPr marL="2286000" algn="l" defTabSz="914400" rtl="0" eaLnBrk="1" latinLnBrk="0" hangingPunct="1">
+                <a:defRPr sz="1800" kern="1200">
+                  <a:solidFill>
+                    <a:schemeClr val="tx1"/>
+                  </a:solidFill>
+                  <a:latin typeface="+mn-lt"/>
+                  <a:ea typeface="+mn-ea"/>
+                  <a:cs typeface="+mn-cs"/>
+                </a:defRPr>
+              </a:lvl6pPr>
+              <a:lvl7pPr marL="2743200" algn="l" defTabSz="914400" rtl="0" eaLnBrk="1" latinLnBrk="0" hangingPunct="1">
+                <a:defRPr sz="1800" kern="1200">
+                  <a:solidFill>
+                    <a:schemeClr val="tx1"/>
+                  </a:solidFill>
+                  <a:latin typeface="+mn-lt"/>
+                  <a:ea typeface="+mn-ea"/>
+                  <a:cs typeface="+mn-cs"/>
+                </a:defRPr>
+              </a:lvl7pPr>
+              <a:lvl8pPr marL="3200400" algn="l" defTabSz="914400" rtl="0" eaLnBrk="1" latinLnBrk="0" hangingPunct="1">
+                <a:defRPr sz="1800" kern="1200">
+                  <a:solidFill>
+                    <a:schemeClr val="tx1"/>
+                  </a:solidFill>
+                  <a:latin typeface="+mn-lt"/>
+                  <a:ea typeface="+mn-ea"/>
+                  <a:cs typeface="+mn-cs"/>
+                </a:defRPr>
+              </a:lvl8pPr>
+              <a:lvl9pPr marL="3657600" algn="l" defTabSz="914400" rtl="0" eaLnBrk="1" latinLnBrk="0" hangingPunct="1">
+                <a:defRPr sz="1800" kern="1200">
+                  <a:solidFill>
+                    <a:schemeClr val="tx1"/>
+                  </a:solidFill>
+                  <a:latin typeface="+mn-lt"/>
+                  <a:ea typeface="+mn-ea"/>
+                  <a:cs typeface="+mn-cs"/>
+                </a:defRPr>
+              </a:lvl9pPr>
+            </a:lstStyle>
+            <a:p>
+              <a:pPr algn="l"/>
+              <a:r>
+                <a:rPr lang="en-US" dirty="0"/>
+                <a:t>06 07 260</a:t>
+              </a:r>
+            </a:p>
+          </p:txBody>
+        </p:sp>
+        <p:sp>
+          <p:nvSpPr>
+            <p:cNvPr id="8" name="TextBox 7">
+              <a:extLst>
+                <a:ext uri="{FF2B5EF4-FFF2-40B4-BE49-F238E27FC236}">
+                  <a16:creationId xmlns:a16="http://schemas.microsoft.com/office/drawing/2014/main" id="{9D538E70-F3E3-6AAB-F217-A75C834510D8}"/>
+                </a:ext>
+              </a:extLst>
+            </p:cNvPr>
+            <p:cNvSpPr txBox="1"/>
+            <p:nvPr/>
+          </p:nvSpPr>
+          <p:spPr>
+            <a:xfrm>
+              <a:off x="5277158" y="3432829"/>
+              <a:ext cx="1828800" cy="369332"/>
+            </a:xfrm>
+            <a:prstGeom prst="rect">
+              <a:avLst/>
+            </a:prstGeom>
+            <a:noFill/>
+          </p:spPr>
+          <p:txBody>
+            <a:bodyPr rot="0" spcFirstLastPara="0" vert="horz" wrap="square" lIns="91440" tIns="45720" rIns="91440" bIns="45720" numCol="1" spcCol="0" rtlCol="0" fromWordArt="0" anchor="t" anchorCtr="0" forceAA="0" compatLnSpc="1">
+              <a:prstTxWarp prst="textNoShape">
+                <a:avLst/>
+              </a:prstTxWarp>
+              <a:spAutoFit/>
+            </a:bodyPr>
+            <a:lstStyle>
+              <a:defPPr>
+                <a:defRPr lang="en-US"/>
+              </a:defPPr>
+              <a:lvl1pPr marL="0" algn="l" defTabSz="914400" rtl="0" eaLnBrk="1" latinLnBrk="0" hangingPunct="1">
+                <a:defRPr sz="1800" kern="1200">
+                  <a:solidFill>
+                    <a:schemeClr val="tx1"/>
+                  </a:solidFill>
+                  <a:latin typeface="+mn-lt"/>
+                  <a:ea typeface="+mn-ea"/>
+                  <a:cs typeface="+mn-cs"/>
+                </a:defRPr>
+              </a:lvl1pPr>
+              <a:lvl2pPr marL="457200" algn="l" defTabSz="914400" rtl="0" eaLnBrk="1" latinLnBrk="0" hangingPunct="1">
+                <a:defRPr sz="1800" kern="1200">
+                  <a:solidFill>
+                    <a:schemeClr val="tx1"/>
+                  </a:solidFill>
+                  <a:latin typeface="+mn-lt"/>
+                  <a:ea typeface="+mn-ea"/>
+                  <a:cs typeface="+mn-cs"/>
+                </a:defRPr>
+              </a:lvl2pPr>
+              <a:lvl3pPr marL="914400" algn="l" defTabSz="914400" rtl="0" eaLnBrk="1" latinLnBrk="0" hangingPunct="1">
+                <a:defRPr sz="1800" kern="1200">
+                  <a:solidFill>
+                    <a:schemeClr val="tx1"/>
+                  </a:solidFill>
+                  <a:latin typeface="+mn-lt"/>
+                  <a:ea typeface="+mn-ea"/>
+                  <a:cs typeface="+mn-cs"/>
+                </a:defRPr>
+              </a:lvl3pPr>
+              <a:lvl4pPr marL="1371600" algn="l" defTabSz="914400" rtl="0" eaLnBrk="1" latinLnBrk="0" hangingPunct="1">
+                <a:defRPr sz="1800" kern="1200">
+                  <a:solidFill>
+                    <a:schemeClr val="tx1"/>
+                  </a:solidFill>
+                  <a:latin typeface="+mn-lt"/>
+                  <a:ea typeface="+mn-ea"/>
+                  <a:cs typeface="+mn-cs"/>
+                </a:defRPr>
+              </a:lvl4pPr>
+              <a:lvl5pPr marL="1828800" algn="l" defTabSz="914400" rtl="0" eaLnBrk="1" latinLnBrk="0" hangingPunct="1">
+                <a:defRPr sz="1800" kern="1200">
+                  <a:solidFill>
+                    <a:schemeClr val="tx1"/>
+                  </a:solidFill>
+                  <a:latin typeface="+mn-lt"/>
+                  <a:ea typeface="+mn-ea"/>
+                  <a:cs typeface="+mn-cs"/>
+                </a:defRPr>
+              </a:lvl5pPr>
+              <a:lvl6pPr marL="2286000" algn="l" defTabSz="914400" rtl="0" eaLnBrk="1" latinLnBrk="0" hangingPunct="1">
+                <a:defRPr sz="1800" kern="1200">
+                  <a:solidFill>
+                    <a:schemeClr val="tx1"/>
+                  </a:solidFill>
+                  <a:latin typeface="+mn-lt"/>
+                  <a:ea typeface="+mn-ea"/>
+                  <a:cs typeface="+mn-cs"/>
+                </a:defRPr>
+              </a:lvl6pPr>
+              <a:lvl7pPr marL="2743200" algn="l" defTabSz="914400" rtl="0" eaLnBrk="1" latinLnBrk="0" hangingPunct="1">
+                <a:defRPr sz="1800" kern="1200">
+                  <a:solidFill>
+                    <a:schemeClr val="tx1"/>
+                  </a:solidFill>
+                  <a:latin typeface="+mn-lt"/>
+                  <a:ea typeface="+mn-ea"/>
+                  <a:cs typeface="+mn-cs"/>
+                </a:defRPr>
+              </a:lvl7pPr>
+              <a:lvl8pPr marL="3200400" algn="l" defTabSz="914400" rtl="0" eaLnBrk="1" latinLnBrk="0" hangingPunct="1">
+                <a:defRPr sz="1800" kern="1200">
+                  <a:solidFill>
+                    <a:schemeClr val="tx1"/>
+                  </a:solidFill>
+                  <a:latin typeface="+mn-lt"/>
+                  <a:ea typeface="+mn-ea"/>
+                  <a:cs typeface="+mn-cs"/>
+                </a:defRPr>
+              </a:lvl8pPr>
+              <a:lvl9pPr marL="3657600" algn="l" defTabSz="914400" rtl="0" eaLnBrk="1" latinLnBrk="0" hangingPunct="1">
+                <a:defRPr sz="1800" kern="1200">
+                  <a:solidFill>
+                    <a:schemeClr val="tx1"/>
+                  </a:solidFill>
+                  <a:latin typeface="+mn-lt"/>
+                  <a:ea typeface="+mn-ea"/>
+                  <a:cs typeface="+mn-cs"/>
+                </a:defRPr>
+              </a:lvl9pPr>
+            </a:lstStyle>
+            <a:p>
+              <a:pPr algn="l"/>
+              <a:r>
+                <a:rPr lang="en-US" dirty="0"/>
+                <a:t>06 07 240</a:t>
+              </a:r>
+            </a:p>
+          </p:txBody>
+        </p:sp>
+        <p:sp>
+          <p:nvSpPr>
+            <p:cNvPr id="9" name="TextBox 8">
+              <a:extLst>
+                <a:ext uri="{FF2B5EF4-FFF2-40B4-BE49-F238E27FC236}">
+                  <a16:creationId xmlns:a16="http://schemas.microsoft.com/office/drawing/2014/main" id="{5C704112-5CCF-D702-0DFE-8DA447DEACF0}"/>
+                </a:ext>
+              </a:extLst>
+            </p:cNvPr>
+            <p:cNvSpPr txBox="1"/>
+            <p:nvPr/>
+          </p:nvSpPr>
+          <p:spPr>
+            <a:xfrm>
+              <a:off x="9833811" y="3429000"/>
+              <a:ext cx="1828800" cy="369332"/>
+            </a:xfrm>
+            <a:prstGeom prst="rect">
+              <a:avLst/>
+            </a:prstGeom>
+            <a:noFill/>
+          </p:spPr>
+          <p:txBody>
+            <a:bodyPr rot="0" spcFirstLastPara="0" vert="horz" wrap="square" lIns="91440" tIns="45720" rIns="91440" bIns="45720" numCol="1" spcCol="0" rtlCol="0" fromWordArt="0" anchor="t" anchorCtr="0" forceAA="0" compatLnSpc="1">
+              <a:prstTxWarp prst="textNoShape">
+                <a:avLst/>
+              </a:prstTxWarp>
+              <a:spAutoFit/>
+            </a:bodyPr>
+            <a:lstStyle>
+              <a:defPPr>
+                <a:defRPr lang="en-US"/>
+              </a:defPPr>
+              <a:lvl1pPr marL="0" algn="l" defTabSz="914400" rtl="0" eaLnBrk="1" latinLnBrk="0" hangingPunct="1">
+                <a:defRPr sz="1800" kern="1200">
+                  <a:solidFill>
+                    <a:schemeClr val="tx1"/>
+                  </a:solidFill>
+                  <a:latin typeface="+mn-lt"/>
+                  <a:ea typeface="+mn-ea"/>
+                  <a:cs typeface="+mn-cs"/>
+                </a:defRPr>
+              </a:lvl1pPr>
+              <a:lvl2pPr marL="457200" algn="l" defTabSz="914400" rtl="0" eaLnBrk="1" latinLnBrk="0" hangingPunct="1">
+                <a:defRPr sz="1800" kern="1200">
+                  <a:solidFill>
+                    <a:schemeClr val="tx1"/>
+                  </a:solidFill>
+                  <a:latin typeface="+mn-lt"/>
+                  <a:ea typeface="+mn-ea"/>
+                  <a:cs typeface="+mn-cs"/>
+                </a:defRPr>
+              </a:lvl2pPr>
+              <a:lvl3pPr marL="914400" algn="l" defTabSz="914400" rtl="0" eaLnBrk="1" latinLnBrk="0" hangingPunct="1">
+                <a:defRPr sz="1800" kern="1200">
+                  <a:solidFill>
+                    <a:schemeClr val="tx1"/>
+                  </a:solidFill>
+                  <a:latin typeface="+mn-lt"/>
+                  <a:ea typeface="+mn-ea"/>
+                  <a:cs typeface="+mn-cs"/>
+                </a:defRPr>
+              </a:lvl3pPr>
+              <a:lvl4pPr marL="1371600" algn="l" defTabSz="914400" rtl="0" eaLnBrk="1" latinLnBrk="0" hangingPunct="1">
+                <a:defRPr sz="1800" kern="1200">
+                  <a:solidFill>
+                    <a:schemeClr val="tx1"/>
+                  </a:solidFill>
+                  <a:latin typeface="+mn-lt"/>
+                  <a:ea typeface="+mn-ea"/>
+                  <a:cs typeface="+mn-cs"/>
+                </a:defRPr>
+              </a:lvl4pPr>
+              <a:lvl5pPr marL="1828800" algn="l" defTabSz="914400" rtl="0" eaLnBrk="1" latinLnBrk="0" hangingPunct="1">
+                <a:defRPr sz="1800" kern="1200">
+                  <a:solidFill>
+                    <a:schemeClr val="tx1"/>
+                  </a:solidFill>
+                  <a:latin typeface="+mn-lt"/>
+                  <a:ea typeface="+mn-ea"/>
+                  <a:cs typeface="+mn-cs"/>
+                </a:defRPr>
+              </a:lvl5pPr>
+              <a:lvl6pPr marL="2286000" algn="l" defTabSz="914400" rtl="0" eaLnBrk="1" latinLnBrk="0" hangingPunct="1">
+                <a:defRPr sz="1800" kern="1200">
+                  <a:solidFill>
+                    <a:schemeClr val="tx1"/>
+                  </a:solidFill>
+                  <a:latin typeface="+mn-lt"/>
+                  <a:ea typeface="+mn-ea"/>
+                  <a:cs typeface="+mn-cs"/>
+                </a:defRPr>
+              </a:lvl6pPr>
+              <a:lvl7pPr marL="2743200" algn="l" defTabSz="914400" rtl="0" eaLnBrk="1" latinLnBrk="0" hangingPunct="1">
+                <a:defRPr sz="1800" kern="1200">
+                  <a:solidFill>
+                    <a:schemeClr val="tx1"/>
+                  </a:solidFill>
+                  <a:latin typeface="+mn-lt"/>
+                  <a:ea typeface="+mn-ea"/>
+                  <a:cs typeface="+mn-cs"/>
+                </a:defRPr>
+              </a:lvl7pPr>
+              <a:lvl8pPr marL="3200400" algn="l" defTabSz="914400" rtl="0" eaLnBrk="1" latinLnBrk="0" hangingPunct="1">
+                <a:defRPr sz="1800" kern="1200">
+                  <a:solidFill>
+                    <a:schemeClr val="tx1"/>
+                  </a:solidFill>
+                  <a:latin typeface="+mn-lt"/>
+                  <a:ea typeface="+mn-ea"/>
+                  <a:cs typeface="+mn-cs"/>
+                </a:defRPr>
+              </a:lvl8pPr>
+              <a:lvl9pPr marL="3657600" algn="l" defTabSz="914400" rtl="0" eaLnBrk="1" latinLnBrk="0" hangingPunct="1">
+                <a:defRPr sz="1800" kern="1200">
+                  <a:solidFill>
+                    <a:schemeClr val="tx1"/>
+                  </a:solidFill>
+                  <a:latin typeface="+mn-lt"/>
+                  <a:ea typeface="+mn-ea"/>
+                  <a:cs typeface="+mn-cs"/>
+                </a:defRPr>
+              </a:lvl9pPr>
+            </a:lstStyle>
+            <a:p>
+              <a:pPr algn="l"/>
+              <a:r>
+                <a:rPr lang="en-US" dirty="0"/>
+                <a:t>06 07 220</a:t>
+              </a:r>
+            </a:p>
+          </p:txBody>
+        </p:sp>
+      </p:grpSp>
+      <p:pic>
+        <p:nvPicPr>
+          <p:cNvPr id="2052" name="Picture 4">
+            <a:extLst>
+              <a:ext uri="{FF2B5EF4-FFF2-40B4-BE49-F238E27FC236}">
+                <a16:creationId xmlns:a16="http://schemas.microsoft.com/office/drawing/2014/main" id="{28D89431-39B1-4D83-B20E-FCD48C1D1219}"/>
+              </a:ext>
+            </a:extLst>
+          </p:cNvPr>
+          <p:cNvPicPr>
+            <a:picLocks noChangeAspect="1" noChangeArrowheads="1"/>
+          </p:cNvPicPr>
+          <p:nvPr/>
+        </p:nvPicPr>
+        <p:blipFill>
+          <a:blip r:embed="rId3">
+            <a:extLst>
+              <a:ext uri="{28A0092B-C50C-407E-A947-70E740481C1C}">
+                <a14:useLocalDpi xmlns:a14="http://schemas.microsoft.com/office/drawing/2010/main" val="0"/>
+              </a:ext>
+            </a:extLst>
+          </a:blip>
+          <a:srcRect/>
+          <a:stretch>
+            <a:fillRect/>
+          </a:stretch>
+        </p:blipFill>
+        <p:spPr bwMode="auto">
+          <a:xfrm>
+            <a:off x="4473971" y="757039"/>
+            <a:ext cx="3424211" cy="2643045"/>
+          </a:xfrm>
+          <a:prstGeom prst="rect">
+            <a:avLst/>
+          </a:prstGeom>
+          <a:noFill/>
+          <a:extLst>
+            <a:ext uri="{909E8E84-426E-40DD-AFC4-6F175D3DCCD1}">
+              <a14:hiddenFill xmlns:a14="http://schemas.microsoft.com/office/drawing/2010/main">
+                <a:solidFill>
+                  <a:srgbClr val="FFFFFF"/>
+                </a:solidFill>
+              </a14:hiddenFill>
+            </a:ext>
+          </a:extLst>
+        </p:spPr>
+      </p:pic>
+      <p:pic>
+        <p:nvPicPr>
+          <p:cNvPr id="2054" name="Picture 6">
+            <a:extLst>
+              <a:ext uri="{FF2B5EF4-FFF2-40B4-BE49-F238E27FC236}">
+                <a16:creationId xmlns:a16="http://schemas.microsoft.com/office/drawing/2014/main" id="{D582B97F-BAC9-CD05-78A6-006B56E25BC7}"/>
+              </a:ext>
+            </a:extLst>
+          </p:cNvPr>
+          <p:cNvPicPr>
+            <a:picLocks noChangeAspect="1" noChangeArrowheads="1"/>
+          </p:cNvPicPr>
+          <p:nvPr/>
+        </p:nvPicPr>
+        <p:blipFill>
+          <a:blip r:embed="rId4">
+            <a:extLst>
+              <a:ext uri="{28A0092B-C50C-407E-A947-70E740481C1C}">
+                <a14:useLocalDpi xmlns:a14="http://schemas.microsoft.com/office/drawing/2010/main" val="0"/>
+              </a:ext>
+            </a:extLst>
+          </a:blip>
+          <a:srcRect/>
+          <a:stretch>
+            <a:fillRect/>
+          </a:stretch>
+        </p:blipFill>
+        <p:spPr bwMode="auto">
+          <a:xfrm>
+            <a:off x="16574" y="757039"/>
+            <a:ext cx="3424213" cy="2643046"/>
+          </a:xfrm>
+          <a:prstGeom prst="rect">
+            <a:avLst/>
+          </a:prstGeom>
+          <a:noFill/>
+          <a:extLst>
+            <a:ext uri="{909E8E84-426E-40DD-AFC4-6F175D3DCCD1}">
+              <a14:hiddenFill xmlns:a14="http://schemas.microsoft.com/office/drawing/2010/main">
+                <a:solidFill>
+                  <a:srgbClr val="FFFFFF"/>
+                </a:solidFill>
+              </a14:hiddenFill>
+            </a:ext>
+          </a:extLst>
+        </p:spPr>
+      </p:pic>
+    </p:spTree>
+    <p:extLst>
+      <p:ext uri="{BB962C8B-B14F-4D97-AF65-F5344CB8AC3E}">
+        <p14:creationId xmlns:p14="http://schemas.microsoft.com/office/powerpoint/2010/main" val="2071703939"/>
+      </p:ext>
+    </p:extLst>
+  </p:cSld>
+  <p:clrMapOvr>
+    <a:masterClrMapping/>
+  </p:clrMapOvr>
+</p:sld>
+</file>
+
+<file path=ppt/slides/slide12.xml><?xml version="1.0" encoding="utf-8"?>
+<p:sld xmlns:a="http://schemas.openxmlformats.org/drawingml/2006/main" xmlns:r="http://schemas.openxmlformats.org/officeDocument/2006/relationships" xmlns:p="http://schemas.openxmlformats.org/presentationml/2006/main">
+  <p:cSld>
+    <p:spTree>
+      <p:nvGrpSpPr>
+        <p:cNvPr id="1" name=""/>
+        <p:cNvGrpSpPr/>
+        <p:nvPr/>
+      </p:nvGrpSpPr>
+      <p:grpSpPr>
+        <a:xfrm>
+          <a:off x="0" y="0"/>
+          <a:ext cx="0" cy="0"/>
+          <a:chOff x="0" y="0"/>
+          <a:chExt cx="0" cy="0"/>
+        </a:xfrm>
+      </p:grpSpPr>
+      <p:grpSp>
+        <p:nvGrpSpPr>
+          <p:cNvPr id="2" name="Group 1">
+            <a:extLst>
+              <a:ext uri="{FF2B5EF4-FFF2-40B4-BE49-F238E27FC236}">
+                <a16:creationId xmlns:a16="http://schemas.microsoft.com/office/drawing/2014/main" id="{6FDE1044-D79E-0BC9-FC4F-CCB785EDC631}"/>
+              </a:ext>
+            </a:extLst>
+          </p:cNvPr>
+          <p:cNvGrpSpPr/>
+          <p:nvPr/>
+        </p:nvGrpSpPr>
+        <p:grpSpPr>
+          <a:xfrm>
+            <a:off x="402443" y="128954"/>
+            <a:ext cx="11260168" cy="3673207"/>
+            <a:chOff x="402443" y="128954"/>
+            <a:chExt cx="11260168" cy="3673207"/>
+          </a:xfrm>
+        </p:grpSpPr>
+        <p:sp>
+          <p:nvSpPr>
+            <p:cNvPr id="3" name="TextBox 2">
+              <a:extLst>
+                <a:ext uri="{FF2B5EF4-FFF2-40B4-BE49-F238E27FC236}">
+                  <a16:creationId xmlns:a16="http://schemas.microsoft.com/office/drawing/2014/main" id="{B17B2FC2-ACFC-68E9-6E62-018A38980225}"/>
+                </a:ext>
+              </a:extLst>
+            </p:cNvPr>
+            <p:cNvSpPr txBox="1"/>
+            <p:nvPr/>
+          </p:nvSpPr>
+          <p:spPr>
+            <a:xfrm>
+              <a:off x="402443" y="128954"/>
+              <a:ext cx="1828800" cy="369332"/>
+            </a:xfrm>
+            <a:prstGeom prst="rect">
+              <a:avLst/>
+            </a:prstGeom>
+            <a:noFill/>
+          </p:spPr>
+          <p:txBody>
+            <a:bodyPr rot="0" spcFirstLastPara="0" vert="horz" wrap="square" lIns="91440" tIns="45720" rIns="91440" bIns="45720" numCol="1" spcCol="0" rtlCol="0" fromWordArt="0" anchor="t" anchorCtr="0" forceAA="0" compatLnSpc="1">
+              <a:prstTxWarp prst="textNoShape">
+                <a:avLst/>
+              </a:prstTxWarp>
+              <a:spAutoFit/>
+            </a:bodyPr>
+            <a:lstStyle>
+              <a:defPPr>
+                <a:defRPr lang="en-US"/>
+              </a:defPPr>
+              <a:lvl1pPr marL="0" algn="l" defTabSz="914400" rtl="0" eaLnBrk="1" latinLnBrk="0" hangingPunct="1">
+                <a:defRPr sz="1800" kern="1200">
+                  <a:solidFill>
+                    <a:schemeClr val="tx1"/>
+                  </a:solidFill>
+                  <a:latin typeface="+mn-lt"/>
+                  <a:ea typeface="+mn-ea"/>
+                  <a:cs typeface="+mn-cs"/>
+                </a:defRPr>
+              </a:lvl1pPr>
+              <a:lvl2pPr marL="457200" algn="l" defTabSz="914400" rtl="0" eaLnBrk="1" latinLnBrk="0" hangingPunct="1">
+                <a:defRPr sz="1800" kern="1200">
+                  <a:solidFill>
+                    <a:schemeClr val="tx1"/>
+                  </a:solidFill>
+                  <a:latin typeface="+mn-lt"/>
+                  <a:ea typeface="+mn-ea"/>
+                  <a:cs typeface="+mn-cs"/>
+                </a:defRPr>
+              </a:lvl2pPr>
+              <a:lvl3pPr marL="914400" algn="l" defTabSz="914400" rtl="0" eaLnBrk="1" latinLnBrk="0" hangingPunct="1">
+                <a:defRPr sz="1800" kern="1200">
+                  <a:solidFill>
+                    <a:schemeClr val="tx1"/>
+                  </a:solidFill>
+                  <a:latin typeface="+mn-lt"/>
+                  <a:ea typeface="+mn-ea"/>
+                  <a:cs typeface="+mn-cs"/>
+                </a:defRPr>
+              </a:lvl3pPr>
+              <a:lvl4pPr marL="1371600" algn="l" defTabSz="914400" rtl="0" eaLnBrk="1" latinLnBrk="0" hangingPunct="1">
+                <a:defRPr sz="1800" kern="1200">
+                  <a:solidFill>
+                    <a:schemeClr val="tx1"/>
+                  </a:solidFill>
+                  <a:latin typeface="+mn-lt"/>
+                  <a:ea typeface="+mn-ea"/>
+                  <a:cs typeface="+mn-cs"/>
+                </a:defRPr>
+              </a:lvl4pPr>
+              <a:lvl5pPr marL="1828800" algn="l" defTabSz="914400" rtl="0" eaLnBrk="1" latinLnBrk="0" hangingPunct="1">
+                <a:defRPr sz="1800" kern="1200">
+                  <a:solidFill>
+                    <a:schemeClr val="tx1"/>
+                  </a:solidFill>
+                  <a:latin typeface="+mn-lt"/>
+                  <a:ea typeface="+mn-ea"/>
+                  <a:cs typeface="+mn-cs"/>
+                </a:defRPr>
+              </a:lvl5pPr>
+              <a:lvl6pPr marL="2286000" algn="l" defTabSz="914400" rtl="0" eaLnBrk="1" latinLnBrk="0" hangingPunct="1">
+                <a:defRPr sz="1800" kern="1200">
+                  <a:solidFill>
+                    <a:schemeClr val="tx1"/>
+                  </a:solidFill>
+                  <a:latin typeface="+mn-lt"/>
+                  <a:ea typeface="+mn-ea"/>
+                  <a:cs typeface="+mn-cs"/>
+                </a:defRPr>
+              </a:lvl6pPr>
+              <a:lvl7pPr marL="2743200" algn="l" defTabSz="914400" rtl="0" eaLnBrk="1" latinLnBrk="0" hangingPunct="1">
+                <a:defRPr sz="1800" kern="1200">
+                  <a:solidFill>
+                    <a:schemeClr val="tx1"/>
+                  </a:solidFill>
+                  <a:latin typeface="+mn-lt"/>
+                  <a:ea typeface="+mn-ea"/>
+                  <a:cs typeface="+mn-cs"/>
+                </a:defRPr>
+              </a:lvl7pPr>
+              <a:lvl8pPr marL="3200400" algn="l" defTabSz="914400" rtl="0" eaLnBrk="1" latinLnBrk="0" hangingPunct="1">
+                <a:defRPr sz="1800" kern="1200">
+                  <a:solidFill>
+                    <a:schemeClr val="tx1"/>
+                  </a:solidFill>
+                  <a:latin typeface="+mn-lt"/>
+                  <a:ea typeface="+mn-ea"/>
+                  <a:cs typeface="+mn-cs"/>
+                </a:defRPr>
+              </a:lvl8pPr>
+              <a:lvl9pPr marL="3657600" algn="l" defTabSz="914400" rtl="0" eaLnBrk="1" latinLnBrk="0" hangingPunct="1">
+                <a:defRPr sz="1800" kern="1200">
+                  <a:solidFill>
+                    <a:schemeClr val="tx1"/>
+                  </a:solidFill>
+                  <a:latin typeface="+mn-lt"/>
+                  <a:ea typeface="+mn-ea"/>
+                  <a:cs typeface="+mn-cs"/>
+                </a:defRPr>
+              </a:lvl9pPr>
+            </a:lstStyle>
+            <a:p>
+              <a:pPr algn="l"/>
+              <a:r>
+                <a:rPr lang="en-US" dirty="0"/>
+                <a:t>07 07 260</a:t>
+              </a:r>
+            </a:p>
+          </p:txBody>
+        </p:sp>
+        <p:sp>
+          <p:nvSpPr>
+            <p:cNvPr id="4" name="TextBox 3">
+              <a:extLst>
+                <a:ext uri="{FF2B5EF4-FFF2-40B4-BE49-F238E27FC236}">
+                  <a16:creationId xmlns:a16="http://schemas.microsoft.com/office/drawing/2014/main" id="{F56B8EAC-AB7C-99DD-3181-7F751035C37E}"/>
+                </a:ext>
+              </a:extLst>
+            </p:cNvPr>
+            <p:cNvSpPr txBox="1"/>
+            <p:nvPr/>
+          </p:nvSpPr>
+          <p:spPr>
+            <a:xfrm>
+              <a:off x="5373372" y="128954"/>
+              <a:ext cx="1828800" cy="369332"/>
+            </a:xfrm>
+            <a:prstGeom prst="rect">
+              <a:avLst/>
+            </a:prstGeom>
+            <a:noFill/>
+          </p:spPr>
+          <p:txBody>
+            <a:bodyPr rot="0" spcFirstLastPara="0" vert="horz" wrap="square" lIns="91440" tIns="45720" rIns="91440" bIns="45720" numCol="1" spcCol="0" rtlCol="0" fromWordArt="0" anchor="t" anchorCtr="0" forceAA="0" compatLnSpc="1">
+              <a:prstTxWarp prst="textNoShape">
+                <a:avLst/>
+              </a:prstTxWarp>
+              <a:spAutoFit/>
+            </a:bodyPr>
+            <a:lstStyle>
+              <a:defPPr>
+                <a:defRPr lang="en-US"/>
+              </a:defPPr>
+              <a:lvl1pPr marL="0" algn="l" defTabSz="914400" rtl="0" eaLnBrk="1" latinLnBrk="0" hangingPunct="1">
+                <a:defRPr sz="1800" kern="1200">
+                  <a:solidFill>
+                    <a:schemeClr val="tx1"/>
+                  </a:solidFill>
+                  <a:latin typeface="+mn-lt"/>
+                  <a:ea typeface="+mn-ea"/>
+                  <a:cs typeface="+mn-cs"/>
+                </a:defRPr>
+              </a:lvl1pPr>
+              <a:lvl2pPr marL="457200" algn="l" defTabSz="914400" rtl="0" eaLnBrk="1" latinLnBrk="0" hangingPunct="1">
+                <a:defRPr sz="1800" kern="1200">
+                  <a:solidFill>
+                    <a:schemeClr val="tx1"/>
+                  </a:solidFill>
+                  <a:latin typeface="+mn-lt"/>
+                  <a:ea typeface="+mn-ea"/>
+                  <a:cs typeface="+mn-cs"/>
+                </a:defRPr>
+              </a:lvl2pPr>
+              <a:lvl3pPr marL="914400" algn="l" defTabSz="914400" rtl="0" eaLnBrk="1" latinLnBrk="0" hangingPunct="1">
+                <a:defRPr sz="1800" kern="1200">
+                  <a:solidFill>
+                    <a:schemeClr val="tx1"/>
+                  </a:solidFill>
+                  <a:latin typeface="+mn-lt"/>
+                  <a:ea typeface="+mn-ea"/>
+                  <a:cs typeface="+mn-cs"/>
+                </a:defRPr>
+              </a:lvl3pPr>
+              <a:lvl4pPr marL="1371600" algn="l" defTabSz="914400" rtl="0" eaLnBrk="1" latinLnBrk="0" hangingPunct="1">
+                <a:defRPr sz="1800" kern="1200">
+                  <a:solidFill>
+                    <a:schemeClr val="tx1"/>
+                  </a:solidFill>
+                  <a:latin typeface="+mn-lt"/>
+                  <a:ea typeface="+mn-ea"/>
+                  <a:cs typeface="+mn-cs"/>
+                </a:defRPr>
+              </a:lvl4pPr>
+              <a:lvl5pPr marL="1828800" algn="l" defTabSz="914400" rtl="0" eaLnBrk="1" latinLnBrk="0" hangingPunct="1">
+                <a:defRPr sz="1800" kern="1200">
+                  <a:solidFill>
+                    <a:schemeClr val="tx1"/>
+                  </a:solidFill>
+                  <a:latin typeface="+mn-lt"/>
+                  <a:ea typeface="+mn-ea"/>
+                  <a:cs typeface="+mn-cs"/>
+                </a:defRPr>
+              </a:lvl5pPr>
+              <a:lvl6pPr marL="2286000" algn="l" defTabSz="914400" rtl="0" eaLnBrk="1" latinLnBrk="0" hangingPunct="1">
+                <a:defRPr sz="1800" kern="1200">
+                  <a:solidFill>
+                    <a:schemeClr val="tx1"/>
+                  </a:solidFill>
+                  <a:latin typeface="+mn-lt"/>
+                  <a:ea typeface="+mn-ea"/>
+                  <a:cs typeface="+mn-cs"/>
+                </a:defRPr>
+              </a:lvl6pPr>
+              <a:lvl7pPr marL="2743200" algn="l" defTabSz="914400" rtl="0" eaLnBrk="1" latinLnBrk="0" hangingPunct="1">
+                <a:defRPr sz="1800" kern="1200">
+                  <a:solidFill>
+                    <a:schemeClr val="tx1"/>
+                  </a:solidFill>
+                  <a:latin typeface="+mn-lt"/>
+                  <a:ea typeface="+mn-ea"/>
+                  <a:cs typeface="+mn-cs"/>
+                </a:defRPr>
+              </a:lvl7pPr>
+              <a:lvl8pPr marL="3200400" algn="l" defTabSz="914400" rtl="0" eaLnBrk="1" latinLnBrk="0" hangingPunct="1">
+                <a:defRPr sz="1800" kern="1200">
+                  <a:solidFill>
+                    <a:schemeClr val="tx1"/>
+                  </a:solidFill>
+                  <a:latin typeface="+mn-lt"/>
+                  <a:ea typeface="+mn-ea"/>
+                  <a:cs typeface="+mn-cs"/>
+                </a:defRPr>
+              </a:lvl8pPr>
+              <a:lvl9pPr marL="3657600" algn="l" defTabSz="914400" rtl="0" eaLnBrk="1" latinLnBrk="0" hangingPunct="1">
+                <a:defRPr sz="1800" kern="1200">
+                  <a:solidFill>
+                    <a:schemeClr val="tx1"/>
+                  </a:solidFill>
+                  <a:latin typeface="+mn-lt"/>
+                  <a:ea typeface="+mn-ea"/>
+                  <a:cs typeface="+mn-cs"/>
+                </a:defRPr>
+              </a:lvl9pPr>
+            </a:lstStyle>
+            <a:p>
+              <a:pPr algn="l"/>
+              <a:r>
+                <a:rPr lang="en-US" dirty="0"/>
+                <a:t>07 07 240</a:t>
+              </a:r>
+            </a:p>
+          </p:txBody>
+        </p:sp>
+        <p:sp>
+          <p:nvSpPr>
+            <p:cNvPr id="5" name="TextBox 4">
+              <a:extLst>
+                <a:ext uri="{FF2B5EF4-FFF2-40B4-BE49-F238E27FC236}">
+                  <a16:creationId xmlns:a16="http://schemas.microsoft.com/office/drawing/2014/main" id="{2D7FD586-038F-A5B1-64FF-0C6F22702C7A}"/>
+                </a:ext>
+              </a:extLst>
+            </p:cNvPr>
+            <p:cNvSpPr txBox="1"/>
+            <p:nvPr/>
+          </p:nvSpPr>
+          <p:spPr>
+            <a:xfrm>
+              <a:off x="9833811" y="128954"/>
+              <a:ext cx="1828800" cy="369332"/>
+            </a:xfrm>
+            <a:prstGeom prst="rect">
+              <a:avLst/>
+            </a:prstGeom>
+            <a:noFill/>
+          </p:spPr>
+          <p:txBody>
+            <a:bodyPr rot="0" spcFirstLastPara="0" vert="horz" wrap="square" lIns="91440" tIns="45720" rIns="91440" bIns="45720" numCol="1" spcCol="0" rtlCol="0" fromWordArt="0" anchor="t" anchorCtr="0" forceAA="0" compatLnSpc="1">
+              <a:prstTxWarp prst="textNoShape">
+                <a:avLst/>
+              </a:prstTxWarp>
+              <a:spAutoFit/>
+            </a:bodyPr>
+            <a:lstStyle>
+              <a:defPPr>
+                <a:defRPr lang="en-US"/>
+              </a:defPPr>
+              <a:lvl1pPr marL="0" algn="l" defTabSz="914400" rtl="0" eaLnBrk="1" latinLnBrk="0" hangingPunct="1">
+                <a:defRPr sz="1800" kern="1200">
+                  <a:solidFill>
+                    <a:schemeClr val="tx1"/>
+                  </a:solidFill>
+                  <a:latin typeface="+mn-lt"/>
+                  <a:ea typeface="+mn-ea"/>
+                  <a:cs typeface="+mn-cs"/>
+                </a:defRPr>
+              </a:lvl1pPr>
+              <a:lvl2pPr marL="457200" algn="l" defTabSz="914400" rtl="0" eaLnBrk="1" latinLnBrk="0" hangingPunct="1">
+                <a:defRPr sz="1800" kern="1200">
+                  <a:solidFill>
+                    <a:schemeClr val="tx1"/>
+                  </a:solidFill>
+                  <a:latin typeface="+mn-lt"/>
+                  <a:ea typeface="+mn-ea"/>
+                  <a:cs typeface="+mn-cs"/>
+                </a:defRPr>
+              </a:lvl2pPr>
+              <a:lvl3pPr marL="914400" algn="l" defTabSz="914400" rtl="0" eaLnBrk="1" latinLnBrk="0" hangingPunct="1">
+                <a:defRPr sz="1800" kern="1200">
+                  <a:solidFill>
+                    <a:schemeClr val="tx1"/>
+                  </a:solidFill>
+                  <a:latin typeface="+mn-lt"/>
+                  <a:ea typeface="+mn-ea"/>
+                  <a:cs typeface="+mn-cs"/>
+                </a:defRPr>
+              </a:lvl3pPr>
+              <a:lvl4pPr marL="1371600" algn="l" defTabSz="914400" rtl="0" eaLnBrk="1" latinLnBrk="0" hangingPunct="1">
+                <a:defRPr sz="1800" kern="1200">
+                  <a:solidFill>
+                    <a:schemeClr val="tx1"/>
+                  </a:solidFill>
+                  <a:latin typeface="+mn-lt"/>
+                  <a:ea typeface="+mn-ea"/>
+                  <a:cs typeface="+mn-cs"/>
+                </a:defRPr>
+              </a:lvl4pPr>
+              <a:lvl5pPr marL="1828800" algn="l" defTabSz="914400" rtl="0" eaLnBrk="1" latinLnBrk="0" hangingPunct="1">
+                <a:defRPr sz="1800" kern="1200">
+                  <a:solidFill>
+                    <a:schemeClr val="tx1"/>
+                  </a:solidFill>
+                  <a:latin typeface="+mn-lt"/>
+                  <a:ea typeface="+mn-ea"/>
+                  <a:cs typeface="+mn-cs"/>
+                </a:defRPr>
+              </a:lvl5pPr>
+              <a:lvl6pPr marL="2286000" algn="l" defTabSz="914400" rtl="0" eaLnBrk="1" latinLnBrk="0" hangingPunct="1">
+                <a:defRPr sz="1800" kern="1200">
+                  <a:solidFill>
+                    <a:schemeClr val="tx1"/>
+                  </a:solidFill>
+                  <a:latin typeface="+mn-lt"/>
+                  <a:ea typeface="+mn-ea"/>
+                  <a:cs typeface="+mn-cs"/>
+                </a:defRPr>
+              </a:lvl6pPr>
+              <a:lvl7pPr marL="2743200" algn="l" defTabSz="914400" rtl="0" eaLnBrk="1" latinLnBrk="0" hangingPunct="1">
+                <a:defRPr sz="1800" kern="1200">
+                  <a:solidFill>
+                    <a:schemeClr val="tx1"/>
+                  </a:solidFill>
+                  <a:latin typeface="+mn-lt"/>
+                  <a:ea typeface="+mn-ea"/>
+                  <a:cs typeface="+mn-cs"/>
+                </a:defRPr>
+              </a:lvl7pPr>
+              <a:lvl8pPr marL="3200400" algn="l" defTabSz="914400" rtl="0" eaLnBrk="1" latinLnBrk="0" hangingPunct="1">
+                <a:defRPr sz="1800" kern="1200">
+                  <a:solidFill>
+                    <a:schemeClr val="tx1"/>
+                  </a:solidFill>
+                  <a:latin typeface="+mn-lt"/>
+                  <a:ea typeface="+mn-ea"/>
+                  <a:cs typeface="+mn-cs"/>
+                </a:defRPr>
+              </a:lvl8pPr>
+              <a:lvl9pPr marL="3657600" algn="l" defTabSz="914400" rtl="0" eaLnBrk="1" latinLnBrk="0" hangingPunct="1">
+                <a:defRPr sz="1800" kern="1200">
+                  <a:solidFill>
+                    <a:schemeClr val="tx1"/>
+                  </a:solidFill>
+                  <a:latin typeface="+mn-lt"/>
+                  <a:ea typeface="+mn-ea"/>
+                  <a:cs typeface="+mn-cs"/>
+                </a:defRPr>
+              </a:lvl9pPr>
+            </a:lstStyle>
+            <a:p>
+              <a:pPr algn="l"/>
+              <a:r>
+                <a:rPr lang="en-US" dirty="0"/>
+                <a:t>07 07 220</a:t>
+              </a:r>
+            </a:p>
+          </p:txBody>
+        </p:sp>
+        <p:sp>
+          <p:nvSpPr>
+            <p:cNvPr id="6" name="TextBox 5">
+              <a:extLst>
+                <a:ext uri="{FF2B5EF4-FFF2-40B4-BE49-F238E27FC236}">
+                  <a16:creationId xmlns:a16="http://schemas.microsoft.com/office/drawing/2014/main" id="{820970DA-86D9-239D-B4E3-0EDDF35D78EB}"/>
+                </a:ext>
+              </a:extLst>
+            </p:cNvPr>
+            <p:cNvSpPr txBox="1"/>
+            <p:nvPr/>
+          </p:nvSpPr>
+          <p:spPr>
+            <a:xfrm>
+              <a:off x="402443" y="3429000"/>
+              <a:ext cx="1828800" cy="369332"/>
+            </a:xfrm>
+            <a:prstGeom prst="rect">
+              <a:avLst/>
+            </a:prstGeom>
+            <a:noFill/>
+          </p:spPr>
+          <p:txBody>
+            <a:bodyPr rot="0" spcFirstLastPara="0" vert="horz" wrap="square" lIns="91440" tIns="45720" rIns="91440" bIns="45720" numCol="1" spcCol="0" rtlCol="0" fromWordArt="0" anchor="t" anchorCtr="0" forceAA="0" compatLnSpc="1">
+              <a:prstTxWarp prst="textNoShape">
+                <a:avLst/>
+              </a:prstTxWarp>
+              <a:spAutoFit/>
+            </a:bodyPr>
+            <a:lstStyle>
+              <a:defPPr>
+                <a:defRPr lang="en-US"/>
+              </a:defPPr>
+              <a:lvl1pPr marL="0" algn="l" defTabSz="914400" rtl="0" eaLnBrk="1" latinLnBrk="0" hangingPunct="1">
+                <a:defRPr sz="1800" kern="1200">
+                  <a:solidFill>
+                    <a:schemeClr val="tx1"/>
+                  </a:solidFill>
+                  <a:latin typeface="+mn-lt"/>
+                  <a:ea typeface="+mn-ea"/>
+                  <a:cs typeface="+mn-cs"/>
+                </a:defRPr>
+              </a:lvl1pPr>
+              <a:lvl2pPr marL="457200" algn="l" defTabSz="914400" rtl="0" eaLnBrk="1" latinLnBrk="0" hangingPunct="1">
+                <a:defRPr sz="1800" kern="1200">
+                  <a:solidFill>
+                    <a:schemeClr val="tx1"/>
+                  </a:solidFill>
+                  <a:latin typeface="+mn-lt"/>
+                  <a:ea typeface="+mn-ea"/>
+                  <a:cs typeface="+mn-cs"/>
+                </a:defRPr>
+              </a:lvl2pPr>
+              <a:lvl3pPr marL="914400" algn="l" defTabSz="914400" rtl="0" eaLnBrk="1" latinLnBrk="0" hangingPunct="1">
+                <a:defRPr sz="1800" kern="1200">
+                  <a:solidFill>
+                    <a:schemeClr val="tx1"/>
+                  </a:solidFill>
+                  <a:latin typeface="+mn-lt"/>
+                  <a:ea typeface="+mn-ea"/>
+                  <a:cs typeface="+mn-cs"/>
+                </a:defRPr>
+              </a:lvl3pPr>
+              <a:lvl4pPr marL="1371600" algn="l" defTabSz="914400" rtl="0" eaLnBrk="1" latinLnBrk="0" hangingPunct="1">
+                <a:defRPr sz="1800" kern="1200">
+                  <a:solidFill>
+                    <a:schemeClr val="tx1"/>
+                  </a:solidFill>
+                  <a:latin typeface="+mn-lt"/>
+                  <a:ea typeface="+mn-ea"/>
+                  <a:cs typeface="+mn-cs"/>
+                </a:defRPr>
+              </a:lvl4pPr>
+              <a:lvl5pPr marL="1828800" algn="l" defTabSz="914400" rtl="0" eaLnBrk="1" latinLnBrk="0" hangingPunct="1">
+                <a:defRPr sz="1800" kern="1200">
+                  <a:solidFill>
+                    <a:schemeClr val="tx1"/>
+                  </a:solidFill>
+                  <a:latin typeface="+mn-lt"/>
+                  <a:ea typeface="+mn-ea"/>
+                  <a:cs typeface="+mn-cs"/>
+                </a:defRPr>
+              </a:lvl5pPr>
+              <a:lvl6pPr marL="2286000" algn="l" defTabSz="914400" rtl="0" eaLnBrk="1" latinLnBrk="0" hangingPunct="1">
+                <a:defRPr sz="1800" kern="1200">
+                  <a:solidFill>
+                    <a:schemeClr val="tx1"/>
+                  </a:solidFill>
+                  <a:latin typeface="+mn-lt"/>
+                  <a:ea typeface="+mn-ea"/>
+                  <a:cs typeface="+mn-cs"/>
+                </a:defRPr>
+              </a:lvl6pPr>
+              <a:lvl7pPr marL="2743200" algn="l" defTabSz="914400" rtl="0" eaLnBrk="1" latinLnBrk="0" hangingPunct="1">
+                <a:defRPr sz="1800" kern="1200">
+                  <a:solidFill>
+                    <a:schemeClr val="tx1"/>
+                  </a:solidFill>
+                  <a:latin typeface="+mn-lt"/>
+                  <a:ea typeface="+mn-ea"/>
+                  <a:cs typeface="+mn-cs"/>
+                </a:defRPr>
+              </a:lvl7pPr>
+              <a:lvl8pPr marL="3200400" algn="l" defTabSz="914400" rtl="0" eaLnBrk="1" latinLnBrk="0" hangingPunct="1">
+                <a:defRPr sz="1800" kern="1200">
+                  <a:solidFill>
+                    <a:schemeClr val="tx1"/>
+                  </a:solidFill>
+                  <a:latin typeface="+mn-lt"/>
+                  <a:ea typeface="+mn-ea"/>
+                  <a:cs typeface="+mn-cs"/>
+                </a:defRPr>
+              </a:lvl8pPr>
+              <a:lvl9pPr marL="3657600" algn="l" defTabSz="914400" rtl="0" eaLnBrk="1" latinLnBrk="0" hangingPunct="1">
+                <a:defRPr sz="1800" kern="1200">
+                  <a:solidFill>
+                    <a:schemeClr val="tx1"/>
+                  </a:solidFill>
+                  <a:latin typeface="+mn-lt"/>
+                  <a:ea typeface="+mn-ea"/>
+                  <a:cs typeface="+mn-cs"/>
+                </a:defRPr>
+              </a:lvl9pPr>
+            </a:lstStyle>
+            <a:p>
+              <a:pPr algn="l"/>
+              <a:r>
+                <a:rPr lang="en-US" dirty="0"/>
+                <a:t>08 07 260</a:t>
+              </a:r>
+            </a:p>
+          </p:txBody>
+        </p:sp>
+        <p:sp>
+          <p:nvSpPr>
+            <p:cNvPr id="7" name="TextBox 6">
+              <a:extLst>
+                <a:ext uri="{FF2B5EF4-FFF2-40B4-BE49-F238E27FC236}">
+                  <a16:creationId xmlns:a16="http://schemas.microsoft.com/office/drawing/2014/main" id="{B570EC5E-F4C5-272A-54D4-465821892917}"/>
+                </a:ext>
+              </a:extLst>
+            </p:cNvPr>
+            <p:cNvSpPr txBox="1"/>
+            <p:nvPr/>
+          </p:nvSpPr>
+          <p:spPr>
+            <a:xfrm>
+              <a:off x="5277158" y="3432829"/>
+              <a:ext cx="1828800" cy="369332"/>
+            </a:xfrm>
+            <a:prstGeom prst="rect">
+              <a:avLst/>
+            </a:prstGeom>
+            <a:noFill/>
+          </p:spPr>
+          <p:txBody>
+            <a:bodyPr rot="0" spcFirstLastPara="0" vert="horz" wrap="square" lIns="91440" tIns="45720" rIns="91440" bIns="45720" numCol="1" spcCol="0" rtlCol="0" fromWordArt="0" anchor="t" anchorCtr="0" forceAA="0" compatLnSpc="1">
+              <a:prstTxWarp prst="textNoShape">
+                <a:avLst/>
+              </a:prstTxWarp>
+              <a:spAutoFit/>
+            </a:bodyPr>
+            <a:lstStyle>
+              <a:defPPr>
+                <a:defRPr lang="en-US"/>
+              </a:defPPr>
+              <a:lvl1pPr marL="0" algn="l" defTabSz="914400" rtl="0" eaLnBrk="1" latinLnBrk="0" hangingPunct="1">
+                <a:defRPr sz="1800" kern="1200">
+                  <a:solidFill>
+                    <a:schemeClr val="tx1"/>
+                  </a:solidFill>
+                  <a:latin typeface="+mn-lt"/>
+                  <a:ea typeface="+mn-ea"/>
+                  <a:cs typeface="+mn-cs"/>
+                </a:defRPr>
+              </a:lvl1pPr>
+              <a:lvl2pPr marL="457200" algn="l" defTabSz="914400" rtl="0" eaLnBrk="1" latinLnBrk="0" hangingPunct="1">
+                <a:defRPr sz="1800" kern="1200">
+                  <a:solidFill>
+                    <a:schemeClr val="tx1"/>
+                  </a:solidFill>
+                  <a:latin typeface="+mn-lt"/>
+                  <a:ea typeface="+mn-ea"/>
+                  <a:cs typeface="+mn-cs"/>
+                </a:defRPr>
+              </a:lvl2pPr>
+              <a:lvl3pPr marL="914400" algn="l" defTabSz="914400" rtl="0" eaLnBrk="1" latinLnBrk="0" hangingPunct="1">
+                <a:defRPr sz="1800" kern="1200">
+                  <a:solidFill>
+                    <a:schemeClr val="tx1"/>
+                  </a:solidFill>
+                  <a:latin typeface="+mn-lt"/>
+                  <a:ea typeface="+mn-ea"/>
+                  <a:cs typeface="+mn-cs"/>
+                </a:defRPr>
+              </a:lvl3pPr>
+              <a:lvl4pPr marL="1371600" algn="l" defTabSz="914400" rtl="0" eaLnBrk="1" latinLnBrk="0" hangingPunct="1">
+                <a:defRPr sz="1800" kern="1200">
+                  <a:solidFill>
+                    <a:schemeClr val="tx1"/>
+                  </a:solidFill>
+                  <a:latin typeface="+mn-lt"/>
+                  <a:ea typeface="+mn-ea"/>
+                  <a:cs typeface="+mn-cs"/>
+                </a:defRPr>
+              </a:lvl4pPr>
+              <a:lvl5pPr marL="1828800" algn="l" defTabSz="914400" rtl="0" eaLnBrk="1" latinLnBrk="0" hangingPunct="1">
+                <a:defRPr sz="1800" kern="1200">
+                  <a:solidFill>
+                    <a:schemeClr val="tx1"/>
+                  </a:solidFill>
+                  <a:latin typeface="+mn-lt"/>
+                  <a:ea typeface="+mn-ea"/>
+                  <a:cs typeface="+mn-cs"/>
+                </a:defRPr>
+              </a:lvl5pPr>
+              <a:lvl6pPr marL="2286000" algn="l" defTabSz="914400" rtl="0" eaLnBrk="1" latinLnBrk="0" hangingPunct="1">
+                <a:defRPr sz="1800" kern="1200">
+                  <a:solidFill>
+                    <a:schemeClr val="tx1"/>
+                  </a:solidFill>
+                  <a:latin typeface="+mn-lt"/>
+                  <a:ea typeface="+mn-ea"/>
+                  <a:cs typeface="+mn-cs"/>
+                </a:defRPr>
+              </a:lvl6pPr>
+              <a:lvl7pPr marL="2743200" algn="l" defTabSz="914400" rtl="0" eaLnBrk="1" latinLnBrk="0" hangingPunct="1">
+                <a:defRPr sz="1800" kern="1200">
+                  <a:solidFill>
+                    <a:schemeClr val="tx1"/>
+                  </a:solidFill>
+                  <a:latin typeface="+mn-lt"/>
+                  <a:ea typeface="+mn-ea"/>
+                  <a:cs typeface="+mn-cs"/>
+                </a:defRPr>
+              </a:lvl7pPr>
+              <a:lvl8pPr marL="3200400" algn="l" defTabSz="914400" rtl="0" eaLnBrk="1" latinLnBrk="0" hangingPunct="1">
+                <a:defRPr sz="1800" kern="1200">
+                  <a:solidFill>
+                    <a:schemeClr val="tx1"/>
+                  </a:solidFill>
+                  <a:latin typeface="+mn-lt"/>
+                  <a:ea typeface="+mn-ea"/>
+                  <a:cs typeface="+mn-cs"/>
+                </a:defRPr>
+              </a:lvl8pPr>
+              <a:lvl9pPr marL="3657600" algn="l" defTabSz="914400" rtl="0" eaLnBrk="1" latinLnBrk="0" hangingPunct="1">
+                <a:defRPr sz="1800" kern="1200">
+                  <a:solidFill>
+                    <a:schemeClr val="tx1"/>
+                  </a:solidFill>
+                  <a:latin typeface="+mn-lt"/>
+                  <a:ea typeface="+mn-ea"/>
+                  <a:cs typeface="+mn-cs"/>
+                </a:defRPr>
+              </a:lvl9pPr>
+            </a:lstStyle>
+            <a:p>
+              <a:pPr algn="l"/>
+              <a:r>
+                <a:rPr lang="en-US" dirty="0"/>
+                <a:t>08 07 240</a:t>
+              </a:r>
+            </a:p>
+          </p:txBody>
+        </p:sp>
+        <p:sp>
+          <p:nvSpPr>
+            <p:cNvPr id="8" name="TextBox 7">
+              <a:extLst>
+                <a:ext uri="{FF2B5EF4-FFF2-40B4-BE49-F238E27FC236}">
+                  <a16:creationId xmlns:a16="http://schemas.microsoft.com/office/drawing/2014/main" id="{5A6446D4-5B58-DC7E-E7B4-FF1721D8B2DE}"/>
+                </a:ext>
+              </a:extLst>
+            </p:cNvPr>
+            <p:cNvSpPr txBox="1"/>
+            <p:nvPr/>
+          </p:nvSpPr>
+          <p:spPr>
+            <a:xfrm>
+              <a:off x="9833811" y="3429000"/>
+              <a:ext cx="1828800" cy="369332"/>
+            </a:xfrm>
+            <a:prstGeom prst="rect">
+              <a:avLst/>
+            </a:prstGeom>
+            <a:noFill/>
+          </p:spPr>
+          <p:txBody>
+            <a:bodyPr rot="0" spcFirstLastPara="0" vert="horz" wrap="square" lIns="91440" tIns="45720" rIns="91440" bIns="45720" numCol="1" spcCol="0" rtlCol="0" fromWordArt="0" anchor="t" anchorCtr="0" forceAA="0" compatLnSpc="1">
+              <a:prstTxWarp prst="textNoShape">
+                <a:avLst/>
+              </a:prstTxWarp>
+              <a:spAutoFit/>
+            </a:bodyPr>
+            <a:lstStyle>
+              <a:defPPr>
+                <a:defRPr lang="en-US"/>
+              </a:defPPr>
+              <a:lvl1pPr marL="0" algn="l" defTabSz="914400" rtl="0" eaLnBrk="1" latinLnBrk="0" hangingPunct="1">
+                <a:defRPr sz="1800" kern="1200">
+                  <a:solidFill>
+                    <a:schemeClr val="tx1"/>
+                  </a:solidFill>
+                  <a:latin typeface="+mn-lt"/>
+                  <a:ea typeface="+mn-ea"/>
+                  <a:cs typeface="+mn-cs"/>
+                </a:defRPr>
+              </a:lvl1pPr>
+              <a:lvl2pPr marL="457200" algn="l" defTabSz="914400" rtl="0" eaLnBrk="1" latinLnBrk="0" hangingPunct="1">
+                <a:defRPr sz="1800" kern="1200">
+                  <a:solidFill>
+                    <a:schemeClr val="tx1"/>
+                  </a:solidFill>
+                  <a:latin typeface="+mn-lt"/>
+                  <a:ea typeface="+mn-ea"/>
+                  <a:cs typeface="+mn-cs"/>
+                </a:defRPr>
+              </a:lvl2pPr>
+              <a:lvl3pPr marL="914400" algn="l" defTabSz="914400" rtl="0" eaLnBrk="1" latinLnBrk="0" hangingPunct="1">
+                <a:defRPr sz="1800" kern="1200">
+                  <a:solidFill>
+                    <a:schemeClr val="tx1"/>
+                  </a:solidFill>
+                  <a:latin typeface="+mn-lt"/>
+                  <a:ea typeface="+mn-ea"/>
+                  <a:cs typeface="+mn-cs"/>
+                </a:defRPr>
+              </a:lvl3pPr>
+              <a:lvl4pPr marL="1371600" algn="l" defTabSz="914400" rtl="0" eaLnBrk="1" latinLnBrk="0" hangingPunct="1">
+                <a:defRPr sz="1800" kern="1200">
+                  <a:solidFill>
+                    <a:schemeClr val="tx1"/>
+                  </a:solidFill>
+                  <a:latin typeface="+mn-lt"/>
+                  <a:ea typeface="+mn-ea"/>
+                  <a:cs typeface="+mn-cs"/>
+                </a:defRPr>
+              </a:lvl4pPr>
+              <a:lvl5pPr marL="1828800" algn="l" defTabSz="914400" rtl="0" eaLnBrk="1" latinLnBrk="0" hangingPunct="1">
+                <a:defRPr sz="1800" kern="1200">
+                  <a:solidFill>
+                    <a:schemeClr val="tx1"/>
+                  </a:solidFill>
+                  <a:latin typeface="+mn-lt"/>
+                  <a:ea typeface="+mn-ea"/>
+                  <a:cs typeface="+mn-cs"/>
+                </a:defRPr>
+              </a:lvl5pPr>
+              <a:lvl6pPr marL="2286000" algn="l" defTabSz="914400" rtl="0" eaLnBrk="1" latinLnBrk="0" hangingPunct="1">
+                <a:defRPr sz="1800" kern="1200">
+                  <a:solidFill>
+                    <a:schemeClr val="tx1"/>
+                  </a:solidFill>
+                  <a:latin typeface="+mn-lt"/>
+                  <a:ea typeface="+mn-ea"/>
+                  <a:cs typeface="+mn-cs"/>
+                </a:defRPr>
+              </a:lvl6pPr>
+              <a:lvl7pPr marL="2743200" algn="l" defTabSz="914400" rtl="0" eaLnBrk="1" latinLnBrk="0" hangingPunct="1">
+                <a:defRPr sz="1800" kern="1200">
+                  <a:solidFill>
+                    <a:schemeClr val="tx1"/>
+                  </a:solidFill>
+                  <a:latin typeface="+mn-lt"/>
+                  <a:ea typeface="+mn-ea"/>
+                  <a:cs typeface="+mn-cs"/>
+                </a:defRPr>
+              </a:lvl7pPr>
+              <a:lvl8pPr marL="3200400" algn="l" defTabSz="914400" rtl="0" eaLnBrk="1" latinLnBrk="0" hangingPunct="1">
+                <a:defRPr sz="1800" kern="1200">
+                  <a:solidFill>
+                    <a:schemeClr val="tx1"/>
+                  </a:solidFill>
+                  <a:latin typeface="+mn-lt"/>
+                  <a:ea typeface="+mn-ea"/>
+                  <a:cs typeface="+mn-cs"/>
+                </a:defRPr>
+              </a:lvl8pPr>
+              <a:lvl9pPr marL="3657600" algn="l" defTabSz="914400" rtl="0" eaLnBrk="1" latinLnBrk="0" hangingPunct="1">
+                <a:defRPr sz="1800" kern="1200">
+                  <a:solidFill>
+                    <a:schemeClr val="tx1"/>
+                  </a:solidFill>
+                  <a:latin typeface="+mn-lt"/>
+                  <a:ea typeface="+mn-ea"/>
+                  <a:cs typeface="+mn-cs"/>
+                </a:defRPr>
+              </a:lvl9pPr>
+            </a:lstStyle>
+            <a:p>
+              <a:pPr algn="l"/>
+              <a:r>
+                <a:rPr lang="en-US" dirty="0"/>
+                <a:t>08 07 220</a:t>
+              </a:r>
+            </a:p>
+          </p:txBody>
+        </p:sp>
+      </p:grpSp>
+      <p:pic>
+        <p:nvPicPr>
+          <p:cNvPr id="3074" name="Picture 2">
+            <a:extLst>
+              <a:ext uri="{FF2B5EF4-FFF2-40B4-BE49-F238E27FC236}">
+                <a16:creationId xmlns:a16="http://schemas.microsoft.com/office/drawing/2014/main" id="{865AF41A-8A7D-27AD-6D66-67D4236A60B7}"/>
+              </a:ext>
+            </a:extLst>
+          </p:cNvPr>
+          <p:cNvPicPr>
+            <a:picLocks noChangeAspect="1" noChangeArrowheads="1"/>
+          </p:cNvPicPr>
+          <p:nvPr/>
+        </p:nvPicPr>
+        <p:blipFill>
+          <a:blip r:embed="rId2">
+            <a:extLst>
+              <a:ext uri="{28A0092B-C50C-407E-A947-70E740481C1C}">
+                <a14:useLocalDpi xmlns:a14="http://schemas.microsoft.com/office/drawing/2010/main" val="0"/>
+              </a:ext>
+            </a:extLst>
+          </a:blip>
+          <a:srcRect/>
+          <a:stretch>
+            <a:fillRect/>
+          </a:stretch>
+        </p:blipFill>
+        <p:spPr bwMode="auto">
+          <a:xfrm>
+            <a:off x="8196263" y="3861055"/>
+            <a:ext cx="3882709" cy="2996945"/>
+          </a:xfrm>
+          <a:prstGeom prst="rect">
+            <a:avLst/>
+          </a:prstGeom>
+          <a:noFill/>
+          <a:extLst>
+            <a:ext uri="{909E8E84-426E-40DD-AFC4-6F175D3DCCD1}">
+              <a14:hiddenFill xmlns:a14="http://schemas.microsoft.com/office/drawing/2010/main">
+                <a:solidFill>
+                  <a:srgbClr val="FFFFFF"/>
+                </a:solidFill>
+              </a14:hiddenFill>
+            </a:ext>
+          </a:extLst>
+        </p:spPr>
+      </p:pic>
+      <p:pic>
+        <p:nvPicPr>
+          <p:cNvPr id="3076" name="Picture 4">
+            <a:extLst>
+              <a:ext uri="{FF2B5EF4-FFF2-40B4-BE49-F238E27FC236}">
+                <a16:creationId xmlns:a16="http://schemas.microsoft.com/office/drawing/2014/main" id="{1ED2C80F-22ED-A5DE-0A72-AF38468DC78B}"/>
+              </a:ext>
+            </a:extLst>
+          </p:cNvPr>
+          <p:cNvPicPr>
+            <a:picLocks noChangeAspect="1" noChangeArrowheads="1"/>
+          </p:cNvPicPr>
+          <p:nvPr/>
+        </p:nvPicPr>
+        <p:blipFill>
+          <a:blip r:embed="rId3">
+            <a:extLst>
+              <a:ext uri="{28A0092B-C50C-407E-A947-70E740481C1C}">
+                <a14:useLocalDpi xmlns:a14="http://schemas.microsoft.com/office/drawing/2010/main" val="0"/>
+              </a:ext>
+            </a:extLst>
+          </a:blip>
+          <a:srcRect/>
+          <a:stretch>
+            <a:fillRect/>
+          </a:stretch>
+        </p:blipFill>
+        <p:spPr bwMode="auto">
+          <a:xfrm>
+            <a:off x="3832811" y="3861054"/>
+            <a:ext cx="3882709" cy="2996945"/>
+          </a:xfrm>
+          <a:prstGeom prst="rect">
+            <a:avLst/>
+          </a:prstGeom>
+          <a:noFill/>
+          <a:extLst>
+            <a:ext uri="{909E8E84-426E-40DD-AFC4-6F175D3DCCD1}">
+              <a14:hiddenFill xmlns:a14="http://schemas.microsoft.com/office/drawing/2010/main">
+                <a:solidFill>
+                  <a:srgbClr val="FFFFFF"/>
+                </a:solidFill>
+              </a14:hiddenFill>
+            </a:ext>
+          </a:extLst>
+        </p:spPr>
+      </p:pic>
+      <p:pic>
+        <p:nvPicPr>
+          <p:cNvPr id="3080" name="Picture 8">
+            <a:extLst>
+              <a:ext uri="{FF2B5EF4-FFF2-40B4-BE49-F238E27FC236}">
+                <a16:creationId xmlns:a16="http://schemas.microsoft.com/office/drawing/2014/main" id="{7A853646-B2BA-DAF1-6E89-7D345D59ED51}"/>
+              </a:ext>
+            </a:extLst>
+          </p:cNvPr>
+          <p:cNvPicPr>
+            <a:picLocks noChangeAspect="1" noChangeArrowheads="1"/>
+          </p:cNvPicPr>
+          <p:nvPr/>
+        </p:nvPicPr>
+        <p:blipFill>
+          <a:blip r:embed="rId4">
+            <a:extLst>
+              <a:ext uri="{28A0092B-C50C-407E-A947-70E740481C1C}">
+                <a14:useLocalDpi xmlns:a14="http://schemas.microsoft.com/office/drawing/2010/main" val="0"/>
+              </a:ext>
+            </a:extLst>
+          </a:blip>
+          <a:srcRect/>
+          <a:stretch>
+            <a:fillRect/>
+          </a:stretch>
+        </p:blipFill>
+        <p:spPr bwMode="auto">
+          <a:xfrm>
+            <a:off x="-49898" y="3798332"/>
+            <a:ext cx="3882709" cy="2996945"/>
+          </a:xfrm>
+          <a:prstGeom prst="rect">
+            <a:avLst/>
+          </a:prstGeom>
+          <a:noFill/>
+          <a:extLst>
+            <a:ext uri="{909E8E84-426E-40DD-AFC4-6F175D3DCCD1}">
+              <a14:hiddenFill xmlns:a14="http://schemas.microsoft.com/office/drawing/2010/main">
+                <a:solidFill>
+                  <a:srgbClr val="FFFFFF"/>
+                </a:solidFill>
+              </a14:hiddenFill>
+            </a:ext>
+          </a:extLst>
+        </p:spPr>
+      </p:pic>
+    </p:spTree>
+    <p:extLst>
+      <p:ext uri="{BB962C8B-B14F-4D97-AF65-F5344CB8AC3E}">
+        <p14:creationId xmlns:p14="http://schemas.microsoft.com/office/powerpoint/2010/main" val="2595355566"/>
       </p:ext>
     </p:extLst>
   </p:cSld>

--- a/p_update.pptx
+++ b/p_update.pptx
@@ -17,6 +17,9 @@
     <p:sldId id="265" r:id="rId11"/>
     <p:sldId id="266" r:id="rId12"/>
     <p:sldId id="267" r:id="rId13"/>
+    <p:sldId id="268" r:id="rId14"/>
+    <p:sldId id="269" r:id="rId15"/>
+    <p:sldId id="271" r:id="rId16"/>
   </p:sldIdLst>
   <p:sldSz cx="12192000" cy="6858000"/>
   <p:notesSz cx="6858000" cy="9144000"/>
@@ -270,7 +273,7 @@
           <a:p>
             <a:fld id="{AC0A374C-67DD-7B41-A977-89CB4768BCE6}" type="datetimeFigureOut">
               <a:rPr lang="en-US" smtClean="0"/>
-              <a:t>7/28/2022</a:t>
+              <a:t>8/1/2022</a:t>
             </a:fld>
             <a:endParaRPr lang="en-US"/>
           </a:p>
@@ -468,7 +471,7 @@
           <a:p>
             <a:fld id="{AC0A374C-67DD-7B41-A977-89CB4768BCE6}" type="datetimeFigureOut">
               <a:rPr lang="en-US" smtClean="0"/>
-              <a:t>7/28/2022</a:t>
+              <a:t>8/1/2022</a:t>
             </a:fld>
             <a:endParaRPr lang="en-US"/>
           </a:p>
@@ -676,7 +679,7 @@
           <a:p>
             <a:fld id="{AC0A374C-67DD-7B41-A977-89CB4768BCE6}" type="datetimeFigureOut">
               <a:rPr lang="en-US" smtClean="0"/>
-              <a:t>7/28/2022</a:t>
+              <a:t>8/1/2022</a:t>
             </a:fld>
             <a:endParaRPr lang="en-US"/>
           </a:p>
@@ -874,7 +877,7 @@
           <a:p>
             <a:fld id="{AC0A374C-67DD-7B41-A977-89CB4768BCE6}" type="datetimeFigureOut">
               <a:rPr lang="en-US" smtClean="0"/>
-              <a:t>7/28/2022</a:t>
+              <a:t>8/1/2022</a:t>
             </a:fld>
             <a:endParaRPr lang="en-US"/>
           </a:p>
@@ -1149,7 +1152,7 @@
           <a:p>
             <a:fld id="{AC0A374C-67DD-7B41-A977-89CB4768BCE6}" type="datetimeFigureOut">
               <a:rPr lang="en-US" smtClean="0"/>
-              <a:t>7/28/2022</a:t>
+              <a:t>8/1/2022</a:t>
             </a:fld>
             <a:endParaRPr lang="en-US"/>
           </a:p>
@@ -1414,7 +1417,7 @@
           <a:p>
             <a:fld id="{AC0A374C-67DD-7B41-A977-89CB4768BCE6}" type="datetimeFigureOut">
               <a:rPr lang="en-US" smtClean="0"/>
-              <a:t>7/28/2022</a:t>
+              <a:t>8/1/2022</a:t>
             </a:fld>
             <a:endParaRPr lang="en-US"/>
           </a:p>
@@ -1826,7 +1829,7 @@
           <a:p>
             <a:fld id="{AC0A374C-67DD-7B41-A977-89CB4768BCE6}" type="datetimeFigureOut">
               <a:rPr lang="en-US" smtClean="0"/>
-              <a:t>7/28/2022</a:t>
+              <a:t>8/1/2022</a:t>
             </a:fld>
             <a:endParaRPr lang="en-US"/>
           </a:p>
@@ -1967,7 +1970,7 @@
           <a:p>
             <a:fld id="{AC0A374C-67DD-7B41-A977-89CB4768BCE6}" type="datetimeFigureOut">
               <a:rPr lang="en-US" smtClean="0"/>
-              <a:t>7/28/2022</a:t>
+              <a:t>8/1/2022</a:t>
             </a:fld>
             <a:endParaRPr lang="en-US"/>
           </a:p>
@@ -2080,7 +2083,7 @@
           <a:p>
             <a:fld id="{AC0A374C-67DD-7B41-A977-89CB4768BCE6}" type="datetimeFigureOut">
               <a:rPr lang="en-US" smtClean="0"/>
-              <a:t>7/28/2022</a:t>
+              <a:t>8/1/2022</a:t>
             </a:fld>
             <a:endParaRPr lang="en-US"/>
           </a:p>
@@ -2391,7 +2394,7 @@
           <a:p>
             <a:fld id="{AC0A374C-67DD-7B41-A977-89CB4768BCE6}" type="datetimeFigureOut">
               <a:rPr lang="en-US" smtClean="0"/>
-              <a:t>7/28/2022</a:t>
+              <a:t>8/1/2022</a:t>
             </a:fld>
             <a:endParaRPr lang="en-US"/>
           </a:p>
@@ -2679,7 +2682,7 @@
           <a:p>
             <a:fld id="{AC0A374C-67DD-7B41-A977-89CB4768BCE6}" type="datetimeFigureOut">
               <a:rPr lang="en-US" smtClean="0"/>
-              <a:t>7/28/2022</a:t>
+              <a:t>8/1/2022</a:t>
             </a:fld>
             <a:endParaRPr lang="en-US"/>
           </a:p>
@@ -2920,7 +2923,7 @@
           <a:p>
             <a:fld id="{AC0A374C-67DD-7B41-A977-89CB4768BCE6}" type="datetimeFigureOut">
               <a:rPr lang="en-US" smtClean="0"/>
-              <a:t>7/28/2022</a:t>
+              <a:t>8/1/2022</a:t>
             </a:fld>
             <a:endParaRPr lang="en-US"/>
           </a:p>
@@ -6608,6 +6611,2133 @@
 </p:sld>
 </file>
 
+<file path=ppt/slides/slide13.xml><?xml version="1.0" encoding="utf-8"?>
+<p:sld xmlns:a="http://schemas.openxmlformats.org/drawingml/2006/main" xmlns:r="http://schemas.openxmlformats.org/officeDocument/2006/relationships" xmlns:p="http://schemas.openxmlformats.org/presentationml/2006/main">
+  <p:cSld>
+    <p:spTree>
+      <p:nvGrpSpPr>
+        <p:cNvPr id="1" name=""/>
+        <p:cNvGrpSpPr/>
+        <p:nvPr/>
+      </p:nvGrpSpPr>
+      <p:grpSpPr>
+        <a:xfrm>
+          <a:off x="0" y="0"/>
+          <a:ext cx="0" cy="0"/>
+          <a:chOff x="0" y="0"/>
+          <a:chExt cx="0" cy="0"/>
+        </a:xfrm>
+      </p:grpSpPr>
+      <p:grpSp>
+        <p:nvGrpSpPr>
+          <p:cNvPr id="2" name="Group 1">
+            <a:extLst>
+              <a:ext uri="{FF2B5EF4-FFF2-40B4-BE49-F238E27FC236}">
+                <a16:creationId xmlns:a16="http://schemas.microsoft.com/office/drawing/2014/main" id="{48BB38F6-EE66-D025-0B25-0FE0898A75A9}"/>
+              </a:ext>
+            </a:extLst>
+          </p:cNvPr>
+          <p:cNvGrpSpPr/>
+          <p:nvPr/>
+        </p:nvGrpSpPr>
+        <p:grpSpPr>
+          <a:xfrm>
+            <a:off x="402443" y="128954"/>
+            <a:ext cx="11260168" cy="3673207"/>
+            <a:chOff x="402443" y="128954"/>
+            <a:chExt cx="11260168" cy="3673207"/>
+          </a:xfrm>
+        </p:grpSpPr>
+        <p:sp>
+          <p:nvSpPr>
+            <p:cNvPr id="3" name="TextBox 2">
+              <a:extLst>
+                <a:ext uri="{FF2B5EF4-FFF2-40B4-BE49-F238E27FC236}">
+                  <a16:creationId xmlns:a16="http://schemas.microsoft.com/office/drawing/2014/main" id="{845A49FA-FE14-09A5-F261-E31E1B9EB010}"/>
+                </a:ext>
+              </a:extLst>
+            </p:cNvPr>
+            <p:cNvSpPr txBox="1"/>
+            <p:nvPr/>
+          </p:nvSpPr>
+          <p:spPr>
+            <a:xfrm>
+              <a:off x="402443" y="128954"/>
+              <a:ext cx="1828800" cy="369332"/>
+            </a:xfrm>
+            <a:prstGeom prst="rect">
+              <a:avLst/>
+            </a:prstGeom>
+            <a:noFill/>
+          </p:spPr>
+          <p:txBody>
+            <a:bodyPr rot="0" spcFirstLastPara="0" vert="horz" wrap="square" lIns="91440" tIns="45720" rIns="91440" bIns="45720" numCol="1" spcCol="0" rtlCol="0" fromWordArt="0" anchor="t" anchorCtr="0" forceAA="0" compatLnSpc="1">
+              <a:prstTxWarp prst="textNoShape">
+                <a:avLst/>
+              </a:prstTxWarp>
+              <a:spAutoFit/>
+            </a:bodyPr>
+            <a:lstStyle>
+              <a:defPPr>
+                <a:defRPr lang="en-US"/>
+              </a:defPPr>
+              <a:lvl1pPr marL="0" algn="l" defTabSz="914400" rtl="0" eaLnBrk="1" latinLnBrk="0" hangingPunct="1">
+                <a:defRPr sz="1800" kern="1200">
+                  <a:solidFill>
+                    <a:schemeClr val="tx1"/>
+                  </a:solidFill>
+                  <a:latin typeface="+mn-lt"/>
+                  <a:ea typeface="+mn-ea"/>
+                  <a:cs typeface="+mn-cs"/>
+                </a:defRPr>
+              </a:lvl1pPr>
+              <a:lvl2pPr marL="457200" algn="l" defTabSz="914400" rtl="0" eaLnBrk="1" latinLnBrk="0" hangingPunct="1">
+                <a:defRPr sz="1800" kern="1200">
+                  <a:solidFill>
+                    <a:schemeClr val="tx1"/>
+                  </a:solidFill>
+                  <a:latin typeface="+mn-lt"/>
+                  <a:ea typeface="+mn-ea"/>
+                  <a:cs typeface="+mn-cs"/>
+                </a:defRPr>
+              </a:lvl2pPr>
+              <a:lvl3pPr marL="914400" algn="l" defTabSz="914400" rtl="0" eaLnBrk="1" latinLnBrk="0" hangingPunct="1">
+                <a:defRPr sz="1800" kern="1200">
+                  <a:solidFill>
+                    <a:schemeClr val="tx1"/>
+                  </a:solidFill>
+                  <a:latin typeface="+mn-lt"/>
+                  <a:ea typeface="+mn-ea"/>
+                  <a:cs typeface="+mn-cs"/>
+                </a:defRPr>
+              </a:lvl3pPr>
+              <a:lvl4pPr marL="1371600" algn="l" defTabSz="914400" rtl="0" eaLnBrk="1" latinLnBrk="0" hangingPunct="1">
+                <a:defRPr sz="1800" kern="1200">
+                  <a:solidFill>
+                    <a:schemeClr val="tx1"/>
+                  </a:solidFill>
+                  <a:latin typeface="+mn-lt"/>
+                  <a:ea typeface="+mn-ea"/>
+                  <a:cs typeface="+mn-cs"/>
+                </a:defRPr>
+              </a:lvl4pPr>
+              <a:lvl5pPr marL="1828800" algn="l" defTabSz="914400" rtl="0" eaLnBrk="1" latinLnBrk="0" hangingPunct="1">
+                <a:defRPr sz="1800" kern="1200">
+                  <a:solidFill>
+                    <a:schemeClr val="tx1"/>
+                  </a:solidFill>
+                  <a:latin typeface="+mn-lt"/>
+                  <a:ea typeface="+mn-ea"/>
+                  <a:cs typeface="+mn-cs"/>
+                </a:defRPr>
+              </a:lvl5pPr>
+              <a:lvl6pPr marL="2286000" algn="l" defTabSz="914400" rtl="0" eaLnBrk="1" latinLnBrk="0" hangingPunct="1">
+                <a:defRPr sz="1800" kern="1200">
+                  <a:solidFill>
+                    <a:schemeClr val="tx1"/>
+                  </a:solidFill>
+                  <a:latin typeface="+mn-lt"/>
+                  <a:ea typeface="+mn-ea"/>
+                  <a:cs typeface="+mn-cs"/>
+                </a:defRPr>
+              </a:lvl6pPr>
+              <a:lvl7pPr marL="2743200" algn="l" defTabSz="914400" rtl="0" eaLnBrk="1" latinLnBrk="0" hangingPunct="1">
+                <a:defRPr sz="1800" kern="1200">
+                  <a:solidFill>
+                    <a:schemeClr val="tx1"/>
+                  </a:solidFill>
+                  <a:latin typeface="+mn-lt"/>
+                  <a:ea typeface="+mn-ea"/>
+                  <a:cs typeface="+mn-cs"/>
+                </a:defRPr>
+              </a:lvl7pPr>
+              <a:lvl8pPr marL="3200400" algn="l" defTabSz="914400" rtl="0" eaLnBrk="1" latinLnBrk="0" hangingPunct="1">
+                <a:defRPr sz="1800" kern="1200">
+                  <a:solidFill>
+                    <a:schemeClr val="tx1"/>
+                  </a:solidFill>
+                  <a:latin typeface="+mn-lt"/>
+                  <a:ea typeface="+mn-ea"/>
+                  <a:cs typeface="+mn-cs"/>
+                </a:defRPr>
+              </a:lvl8pPr>
+              <a:lvl9pPr marL="3657600" algn="l" defTabSz="914400" rtl="0" eaLnBrk="1" latinLnBrk="0" hangingPunct="1">
+                <a:defRPr sz="1800" kern="1200">
+                  <a:solidFill>
+                    <a:schemeClr val="tx1"/>
+                  </a:solidFill>
+                  <a:latin typeface="+mn-lt"/>
+                  <a:ea typeface="+mn-ea"/>
+                  <a:cs typeface="+mn-cs"/>
+                </a:defRPr>
+              </a:lvl9pPr>
+            </a:lstStyle>
+            <a:p>
+              <a:pPr algn="l"/>
+              <a:r>
+                <a:rPr lang="en-US" dirty="0"/>
+                <a:t>06 09 260</a:t>
+              </a:r>
+            </a:p>
+          </p:txBody>
+        </p:sp>
+        <p:sp>
+          <p:nvSpPr>
+            <p:cNvPr id="4" name="TextBox 3">
+              <a:extLst>
+                <a:ext uri="{FF2B5EF4-FFF2-40B4-BE49-F238E27FC236}">
+                  <a16:creationId xmlns:a16="http://schemas.microsoft.com/office/drawing/2014/main" id="{5D9D32C1-EF01-6F19-2847-0465BD547108}"/>
+                </a:ext>
+              </a:extLst>
+            </p:cNvPr>
+            <p:cNvSpPr txBox="1"/>
+            <p:nvPr/>
+          </p:nvSpPr>
+          <p:spPr>
+            <a:xfrm>
+              <a:off x="5373372" y="128954"/>
+              <a:ext cx="1828800" cy="369332"/>
+            </a:xfrm>
+            <a:prstGeom prst="rect">
+              <a:avLst/>
+            </a:prstGeom>
+            <a:noFill/>
+          </p:spPr>
+          <p:txBody>
+            <a:bodyPr rot="0" spcFirstLastPara="0" vert="horz" wrap="square" lIns="91440" tIns="45720" rIns="91440" bIns="45720" numCol="1" spcCol="0" rtlCol="0" fromWordArt="0" anchor="t" anchorCtr="0" forceAA="0" compatLnSpc="1">
+              <a:prstTxWarp prst="textNoShape">
+                <a:avLst/>
+              </a:prstTxWarp>
+              <a:spAutoFit/>
+            </a:bodyPr>
+            <a:lstStyle>
+              <a:defPPr>
+                <a:defRPr lang="en-US"/>
+              </a:defPPr>
+              <a:lvl1pPr marL="0" algn="l" defTabSz="914400" rtl="0" eaLnBrk="1" latinLnBrk="0" hangingPunct="1">
+                <a:defRPr sz="1800" kern="1200">
+                  <a:solidFill>
+                    <a:schemeClr val="tx1"/>
+                  </a:solidFill>
+                  <a:latin typeface="+mn-lt"/>
+                  <a:ea typeface="+mn-ea"/>
+                  <a:cs typeface="+mn-cs"/>
+                </a:defRPr>
+              </a:lvl1pPr>
+              <a:lvl2pPr marL="457200" algn="l" defTabSz="914400" rtl="0" eaLnBrk="1" latinLnBrk="0" hangingPunct="1">
+                <a:defRPr sz="1800" kern="1200">
+                  <a:solidFill>
+                    <a:schemeClr val="tx1"/>
+                  </a:solidFill>
+                  <a:latin typeface="+mn-lt"/>
+                  <a:ea typeface="+mn-ea"/>
+                  <a:cs typeface="+mn-cs"/>
+                </a:defRPr>
+              </a:lvl2pPr>
+              <a:lvl3pPr marL="914400" algn="l" defTabSz="914400" rtl="0" eaLnBrk="1" latinLnBrk="0" hangingPunct="1">
+                <a:defRPr sz="1800" kern="1200">
+                  <a:solidFill>
+                    <a:schemeClr val="tx1"/>
+                  </a:solidFill>
+                  <a:latin typeface="+mn-lt"/>
+                  <a:ea typeface="+mn-ea"/>
+                  <a:cs typeface="+mn-cs"/>
+                </a:defRPr>
+              </a:lvl3pPr>
+              <a:lvl4pPr marL="1371600" algn="l" defTabSz="914400" rtl="0" eaLnBrk="1" latinLnBrk="0" hangingPunct="1">
+                <a:defRPr sz="1800" kern="1200">
+                  <a:solidFill>
+                    <a:schemeClr val="tx1"/>
+                  </a:solidFill>
+                  <a:latin typeface="+mn-lt"/>
+                  <a:ea typeface="+mn-ea"/>
+                  <a:cs typeface="+mn-cs"/>
+                </a:defRPr>
+              </a:lvl4pPr>
+              <a:lvl5pPr marL="1828800" algn="l" defTabSz="914400" rtl="0" eaLnBrk="1" latinLnBrk="0" hangingPunct="1">
+                <a:defRPr sz="1800" kern="1200">
+                  <a:solidFill>
+                    <a:schemeClr val="tx1"/>
+                  </a:solidFill>
+                  <a:latin typeface="+mn-lt"/>
+                  <a:ea typeface="+mn-ea"/>
+                  <a:cs typeface="+mn-cs"/>
+                </a:defRPr>
+              </a:lvl5pPr>
+              <a:lvl6pPr marL="2286000" algn="l" defTabSz="914400" rtl="0" eaLnBrk="1" latinLnBrk="0" hangingPunct="1">
+                <a:defRPr sz="1800" kern="1200">
+                  <a:solidFill>
+                    <a:schemeClr val="tx1"/>
+                  </a:solidFill>
+                  <a:latin typeface="+mn-lt"/>
+                  <a:ea typeface="+mn-ea"/>
+                  <a:cs typeface="+mn-cs"/>
+                </a:defRPr>
+              </a:lvl6pPr>
+              <a:lvl7pPr marL="2743200" algn="l" defTabSz="914400" rtl="0" eaLnBrk="1" latinLnBrk="0" hangingPunct="1">
+                <a:defRPr sz="1800" kern="1200">
+                  <a:solidFill>
+                    <a:schemeClr val="tx1"/>
+                  </a:solidFill>
+                  <a:latin typeface="+mn-lt"/>
+                  <a:ea typeface="+mn-ea"/>
+                  <a:cs typeface="+mn-cs"/>
+                </a:defRPr>
+              </a:lvl7pPr>
+              <a:lvl8pPr marL="3200400" algn="l" defTabSz="914400" rtl="0" eaLnBrk="1" latinLnBrk="0" hangingPunct="1">
+                <a:defRPr sz="1800" kern="1200">
+                  <a:solidFill>
+                    <a:schemeClr val="tx1"/>
+                  </a:solidFill>
+                  <a:latin typeface="+mn-lt"/>
+                  <a:ea typeface="+mn-ea"/>
+                  <a:cs typeface="+mn-cs"/>
+                </a:defRPr>
+              </a:lvl8pPr>
+              <a:lvl9pPr marL="3657600" algn="l" defTabSz="914400" rtl="0" eaLnBrk="1" latinLnBrk="0" hangingPunct="1">
+                <a:defRPr sz="1800" kern="1200">
+                  <a:solidFill>
+                    <a:schemeClr val="tx1"/>
+                  </a:solidFill>
+                  <a:latin typeface="+mn-lt"/>
+                  <a:ea typeface="+mn-ea"/>
+                  <a:cs typeface="+mn-cs"/>
+                </a:defRPr>
+              </a:lvl9pPr>
+            </a:lstStyle>
+            <a:p>
+              <a:pPr algn="l"/>
+              <a:r>
+                <a:rPr lang="en-US" dirty="0"/>
+                <a:t>06 09 240</a:t>
+              </a:r>
+            </a:p>
+          </p:txBody>
+        </p:sp>
+        <p:sp>
+          <p:nvSpPr>
+            <p:cNvPr id="5" name="TextBox 4">
+              <a:extLst>
+                <a:ext uri="{FF2B5EF4-FFF2-40B4-BE49-F238E27FC236}">
+                  <a16:creationId xmlns:a16="http://schemas.microsoft.com/office/drawing/2014/main" id="{A6F07378-5FEC-51FB-FA5B-BA2FB65C7880}"/>
+                </a:ext>
+              </a:extLst>
+            </p:cNvPr>
+            <p:cNvSpPr txBox="1"/>
+            <p:nvPr/>
+          </p:nvSpPr>
+          <p:spPr>
+            <a:xfrm>
+              <a:off x="9833811" y="128954"/>
+              <a:ext cx="1828800" cy="369332"/>
+            </a:xfrm>
+            <a:prstGeom prst="rect">
+              <a:avLst/>
+            </a:prstGeom>
+            <a:noFill/>
+          </p:spPr>
+          <p:txBody>
+            <a:bodyPr rot="0" spcFirstLastPara="0" vert="horz" wrap="square" lIns="91440" tIns="45720" rIns="91440" bIns="45720" numCol="1" spcCol="0" rtlCol="0" fromWordArt="0" anchor="t" anchorCtr="0" forceAA="0" compatLnSpc="1">
+              <a:prstTxWarp prst="textNoShape">
+                <a:avLst/>
+              </a:prstTxWarp>
+              <a:spAutoFit/>
+            </a:bodyPr>
+            <a:lstStyle>
+              <a:defPPr>
+                <a:defRPr lang="en-US"/>
+              </a:defPPr>
+              <a:lvl1pPr marL="0" algn="l" defTabSz="914400" rtl="0" eaLnBrk="1" latinLnBrk="0" hangingPunct="1">
+                <a:defRPr sz="1800" kern="1200">
+                  <a:solidFill>
+                    <a:schemeClr val="tx1"/>
+                  </a:solidFill>
+                  <a:latin typeface="+mn-lt"/>
+                  <a:ea typeface="+mn-ea"/>
+                  <a:cs typeface="+mn-cs"/>
+                </a:defRPr>
+              </a:lvl1pPr>
+              <a:lvl2pPr marL="457200" algn="l" defTabSz="914400" rtl="0" eaLnBrk="1" latinLnBrk="0" hangingPunct="1">
+                <a:defRPr sz="1800" kern="1200">
+                  <a:solidFill>
+                    <a:schemeClr val="tx1"/>
+                  </a:solidFill>
+                  <a:latin typeface="+mn-lt"/>
+                  <a:ea typeface="+mn-ea"/>
+                  <a:cs typeface="+mn-cs"/>
+                </a:defRPr>
+              </a:lvl2pPr>
+              <a:lvl3pPr marL="914400" algn="l" defTabSz="914400" rtl="0" eaLnBrk="1" latinLnBrk="0" hangingPunct="1">
+                <a:defRPr sz="1800" kern="1200">
+                  <a:solidFill>
+                    <a:schemeClr val="tx1"/>
+                  </a:solidFill>
+                  <a:latin typeface="+mn-lt"/>
+                  <a:ea typeface="+mn-ea"/>
+                  <a:cs typeface="+mn-cs"/>
+                </a:defRPr>
+              </a:lvl3pPr>
+              <a:lvl4pPr marL="1371600" algn="l" defTabSz="914400" rtl="0" eaLnBrk="1" latinLnBrk="0" hangingPunct="1">
+                <a:defRPr sz="1800" kern="1200">
+                  <a:solidFill>
+                    <a:schemeClr val="tx1"/>
+                  </a:solidFill>
+                  <a:latin typeface="+mn-lt"/>
+                  <a:ea typeface="+mn-ea"/>
+                  <a:cs typeface="+mn-cs"/>
+                </a:defRPr>
+              </a:lvl4pPr>
+              <a:lvl5pPr marL="1828800" algn="l" defTabSz="914400" rtl="0" eaLnBrk="1" latinLnBrk="0" hangingPunct="1">
+                <a:defRPr sz="1800" kern="1200">
+                  <a:solidFill>
+                    <a:schemeClr val="tx1"/>
+                  </a:solidFill>
+                  <a:latin typeface="+mn-lt"/>
+                  <a:ea typeface="+mn-ea"/>
+                  <a:cs typeface="+mn-cs"/>
+                </a:defRPr>
+              </a:lvl5pPr>
+              <a:lvl6pPr marL="2286000" algn="l" defTabSz="914400" rtl="0" eaLnBrk="1" latinLnBrk="0" hangingPunct="1">
+                <a:defRPr sz="1800" kern="1200">
+                  <a:solidFill>
+                    <a:schemeClr val="tx1"/>
+                  </a:solidFill>
+                  <a:latin typeface="+mn-lt"/>
+                  <a:ea typeface="+mn-ea"/>
+                  <a:cs typeface="+mn-cs"/>
+                </a:defRPr>
+              </a:lvl6pPr>
+              <a:lvl7pPr marL="2743200" algn="l" defTabSz="914400" rtl="0" eaLnBrk="1" latinLnBrk="0" hangingPunct="1">
+                <a:defRPr sz="1800" kern="1200">
+                  <a:solidFill>
+                    <a:schemeClr val="tx1"/>
+                  </a:solidFill>
+                  <a:latin typeface="+mn-lt"/>
+                  <a:ea typeface="+mn-ea"/>
+                  <a:cs typeface="+mn-cs"/>
+                </a:defRPr>
+              </a:lvl7pPr>
+              <a:lvl8pPr marL="3200400" algn="l" defTabSz="914400" rtl="0" eaLnBrk="1" latinLnBrk="0" hangingPunct="1">
+                <a:defRPr sz="1800" kern="1200">
+                  <a:solidFill>
+                    <a:schemeClr val="tx1"/>
+                  </a:solidFill>
+                  <a:latin typeface="+mn-lt"/>
+                  <a:ea typeface="+mn-ea"/>
+                  <a:cs typeface="+mn-cs"/>
+                </a:defRPr>
+              </a:lvl8pPr>
+              <a:lvl9pPr marL="3657600" algn="l" defTabSz="914400" rtl="0" eaLnBrk="1" latinLnBrk="0" hangingPunct="1">
+                <a:defRPr sz="1800" kern="1200">
+                  <a:solidFill>
+                    <a:schemeClr val="tx1"/>
+                  </a:solidFill>
+                  <a:latin typeface="+mn-lt"/>
+                  <a:ea typeface="+mn-ea"/>
+                  <a:cs typeface="+mn-cs"/>
+                </a:defRPr>
+              </a:lvl9pPr>
+            </a:lstStyle>
+            <a:p>
+              <a:pPr algn="l"/>
+              <a:r>
+                <a:rPr lang="en-US" dirty="0"/>
+                <a:t>06 09 220</a:t>
+              </a:r>
+            </a:p>
+          </p:txBody>
+        </p:sp>
+        <p:sp>
+          <p:nvSpPr>
+            <p:cNvPr id="6" name="TextBox 5">
+              <a:extLst>
+                <a:ext uri="{FF2B5EF4-FFF2-40B4-BE49-F238E27FC236}">
+                  <a16:creationId xmlns:a16="http://schemas.microsoft.com/office/drawing/2014/main" id="{EDE81B5E-1582-EC75-D7DF-078074CEBE61}"/>
+                </a:ext>
+              </a:extLst>
+            </p:cNvPr>
+            <p:cNvSpPr txBox="1"/>
+            <p:nvPr/>
+          </p:nvSpPr>
+          <p:spPr>
+            <a:xfrm>
+              <a:off x="402443" y="3429000"/>
+              <a:ext cx="1828800" cy="369332"/>
+            </a:xfrm>
+            <a:prstGeom prst="rect">
+              <a:avLst/>
+            </a:prstGeom>
+            <a:noFill/>
+          </p:spPr>
+          <p:txBody>
+            <a:bodyPr rot="0" spcFirstLastPara="0" vert="horz" wrap="square" lIns="91440" tIns="45720" rIns="91440" bIns="45720" numCol="1" spcCol="0" rtlCol="0" fromWordArt="0" anchor="t" anchorCtr="0" forceAA="0" compatLnSpc="1">
+              <a:prstTxWarp prst="textNoShape">
+                <a:avLst/>
+              </a:prstTxWarp>
+              <a:spAutoFit/>
+            </a:bodyPr>
+            <a:lstStyle>
+              <a:defPPr>
+                <a:defRPr lang="en-US"/>
+              </a:defPPr>
+              <a:lvl1pPr marL="0" algn="l" defTabSz="914400" rtl="0" eaLnBrk="1" latinLnBrk="0" hangingPunct="1">
+                <a:defRPr sz="1800" kern="1200">
+                  <a:solidFill>
+                    <a:schemeClr val="tx1"/>
+                  </a:solidFill>
+                  <a:latin typeface="+mn-lt"/>
+                  <a:ea typeface="+mn-ea"/>
+                  <a:cs typeface="+mn-cs"/>
+                </a:defRPr>
+              </a:lvl1pPr>
+              <a:lvl2pPr marL="457200" algn="l" defTabSz="914400" rtl="0" eaLnBrk="1" latinLnBrk="0" hangingPunct="1">
+                <a:defRPr sz="1800" kern="1200">
+                  <a:solidFill>
+                    <a:schemeClr val="tx1"/>
+                  </a:solidFill>
+                  <a:latin typeface="+mn-lt"/>
+                  <a:ea typeface="+mn-ea"/>
+                  <a:cs typeface="+mn-cs"/>
+                </a:defRPr>
+              </a:lvl2pPr>
+              <a:lvl3pPr marL="914400" algn="l" defTabSz="914400" rtl="0" eaLnBrk="1" latinLnBrk="0" hangingPunct="1">
+                <a:defRPr sz="1800" kern="1200">
+                  <a:solidFill>
+                    <a:schemeClr val="tx1"/>
+                  </a:solidFill>
+                  <a:latin typeface="+mn-lt"/>
+                  <a:ea typeface="+mn-ea"/>
+                  <a:cs typeface="+mn-cs"/>
+                </a:defRPr>
+              </a:lvl3pPr>
+              <a:lvl4pPr marL="1371600" algn="l" defTabSz="914400" rtl="0" eaLnBrk="1" latinLnBrk="0" hangingPunct="1">
+                <a:defRPr sz="1800" kern="1200">
+                  <a:solidFill>
+                    <a:schemeClr val="tx1"/>
+                  </a:solidFill>
+                  <a:latin typeface="+mn-lt"/>
+                  <a:ea typeface="+mn-ea"/>
+                  <a:cs typeface="+mn-cs"/>
+                </a:defRPr>
+              </a:lvl4pPr>
+              <a:lvl5pPr marL="1828800" algn="l" defTabSz="914400" rtl="0" eaLnBrk="1" latinLnBrk="0" hangingPunct="1">
+                <a:defRPr sz="1800" kern="1200">
+                  <a:solidFill>
+                    <a:schemeClr val="tx1"/>
+                  </a:solidFill>
+                  <a:latin typeface="+mn-lt"/>
+                  <a:ea typeface="+mn-ea"/>
+                  <a:cs typeface="+mn-cs"/>
+                </a:defRPr>
+              </a:lvl5pPr>
+              <a:lvl6pPr marL="2286000" algn="l" defTabSz="914400" rtl="0" eaLnBrk="1" latinLnBrk="0" hangingPunct="1">
+                <a:defRPr sz="1800" kern="1200">
+                  <a:solidFill>
+                    <a:schemeClr val="tx1"/>
+                  </a:solidFill>
+                  <a:latin typeface="+mn-lt"/>
+                  <a:ea typeface="+mn-ea"/>
+                  <a:cs typeface="+mn-cs"/>
+                </a:defRPr>
+              </a:lvl6pPr>
+              <a:lvl7pPr marL="2743200" algn="l" defTabSz="914400" rtl="0" eaLnBrk="1" latinLnBrk="0" hangingPunct="1">
+                <a:defRPr sz="1800" kern="1200">
+                  <a:solidFill>
+                    <a:schemeClr val="tx1"/>
+                  </a:solidFill>
+                  <a:latin typeface="+mn-lt"/>
+                  <a:ea typeface="+mn-ea"/>
+                  <a:cs typeface="+mn-cs"/>
+                </a:defRPr>
+              </a:lvl7pPr>
+              <a:lvl8pPr marL="3200400" algn="l" defTabSz="914400" rtl="0" eaLnBrk="1" latinLnBrk="0" hangingPunct="1">
+                <a:defRPr sz="1800" kern="1200">
+                  <a:solidFill>
+                    <a:schemeClr val="tx1"/>
+                  </a:solidFill>
+                  <a:latin typeface="+mn-lt"/>
+                  <a:ea typeface="+mn-ea"/>
+                  <a:cs typeface="+mn-cs"/>
+                </a:defRPr>
+              </a:lvl8pPr>
+              <a:lvl9pPr marL="3657600" algn="l" defTabSz="914400" rtl="0" eaLnBrk="1" latinLnBrk="0" hangingPunct="1">
+                <a:defRPr sz="1800" kern="1200">
+                  <a:solidFill>
+                    <a:schemeClr val="tx1"/>
+                  </a:solidFill>
+                  <a:latin typeface="+mn-lt"/>
+                  <a:ea typeface="+mn-ea"/>
+                  <a:cs typeface="+mn-cs"/>
+                </a:defRPr>
+              </a:lvl9pPr>
+            </a:lstStyle>
+            <a:p>
+              <a:pPr algn="l"/>
+              <a:r>
+                <a:rPr lang="en-US" dirty="0"/>
+                <a:t>07 09 260</a:t>
+              </a:r>
+            </a:p>
+          </p:txBody>
+        </p:sp>
+        <p:sp>
+          <p:nvSpPr>
+            <p:cNvPr id="7" name="TextBox 6">
+              <a:extLst>
+                <a:ext uri="{FF2B5EF4-FFF2-40B4-BE49-F238E27FC236}">
+                  <a16:creationId xmlns:a16="http://schemas.microsoft.com/office/drawing/2014/main" id="{8AFEFB7E-E7A3-B721-5F37-5257754932E1}"/>
+                </a:ext>
+              </a:extLst>
+            </p:cNvPr>
+            <p:cNvSpPr txBox="1"/>
+            <p:nvPr/>
+          </p:nvSpPr>
+          <p:spPr>
+            <a:xfrm>
+              <a:off x="5277158" y="3432829"/>
+              <a:ext cx="1828800" cy="369332"/>
+            </a:xfrm>
+            <a:prstGeom prst="rect">
+              <a:avLst/>
+            </a:prstGeom>
+            <a:noFill/>
+          </p:spPr>
+          <p:txBody>
+            <a:bodyPr rot="0" spcFirstLastPara="0" vert="horz" wrap="square" lIns="91440" tIns="45720" rIns="91440" bIns="45720" numCol="1" spcCol="0" rtlCol="0" fromWordArt="0" anchor="t" anchorCtr="0" forceAA="0" compatLnSpc="1">
+              <a:prstTxWarp prst="textNoShape">
+                <a:avLst/>
+              </a:prstTxWarp>
+              <a:spAutoFit/>
+            </a:bodyPr>
+            <a:lstStyle>
+              <a:defPPr>
+                <a:defRPr lang="en-US"/>
+              </a:defPPr>
+              <a:lvl1pPr marL="0" algn="l" defTabSz="914400" rtl="0" eaLnBrk="1" latinLnBrk="0" hangingPunct="1">
+                <a:defRPr sz="1800" kern="1200">
+                  <a:solidFill>
+                    <a:schemeClr val="tx1"/>
+                  </a:solidFill>
+                  <a:latin typeface="+mn-lt"/>
+                  <a:ea typeface="+mn-ea"/>
+                  <a:cs typeface="+mn-cs"/>
+                </a:defRPr>
+              </a:lvl1pPr>
+              <a:lvl2pPr marL="457200" algn="l" defTabSz="914400" rtl="0" eaLnBrk="1" latinLnBrk="0" hangingPunct="1">
+                <a:defRPr sz="1800" kern="1200">
+                  <a:solidFill>
+                    <a:schemeClr val="tx1"/>
+                  </a:solidFill>
+                  <a:latin typeface="+mn-lt"/>
+                  <a:ea typeface="+mn-ea"/>
+                  <a:cs typeface="+mn-cs"/>
+                </a:defRPr>
+              </a:lvl2pPr>
+              <a:lvl3pPr marL="914400" algn="l" defTabSz="914400" rtl="0" eaLnBrk="1" latinLnBrk="0" hangingPunct="1">
+                <a:defRPr sz="1800" kern="1200">
+                  <a:solidFill>
+                    <a:schemeClr val="tx1"/>
+                  </a:solidFill>
+                  <a:latin typeface="+mn-lt"/>
+                  <a:ea typeface="+mn-ea"/>
+                  <a:cs typeface="+mn-cs"/>
+                </a:defRPr>
+              </a:lvl3pPr>
+              <a:lvl4pPr marL="1371600" algn="l" defTabSz="914400" rtl="0" eaLnBrk="1" latinLnBrk="0" hangingPunct="1">
+                <a:defRPr sz="1800" kern="1200">
+                  <a:solidFill>
+                    <a:schemeClr val="tx1"/>
+                  </a:solidFill>
+                  <a:latin typeface="+mn-lt"/>
+                  <a:ea typeface="+mn-ea"/>
+                  <a:cs typeface="+mn-cs"/>
+                </a:defRPr>
+              </a:lvl4pPr>
+              <a:lvl5pPr marL="1828800" algn="l" defTabSz="914400" rtl="0" eaLnBrk="1" latinLnBrk="0" hangingPunct="1">
+                <a:defRPr sz="1800" kern="1200">
+                  <a:solidFill>
+                    <a:schemeClr val="tx1"/>
+                  </a:solidFill>
+                  <a:latin typeface="+mn-lt"/>
+                  <a:ea typeface="+mn-ea"/>
+                  <a:cs typeface="+mn-cs"/>
+                </a:defRPr>
+              </a:lvl5pPr>
+              <a:lvl6pPr marL="2286000" algn="l" defTabSz="914400" rtl="0" eaLnBrk="1" latinLnBrk="0" hangingPunct="1">
+                <a:defRPr sz="1800" kern="1200">
+                  <a:solidFill>
+                    <a:schemeClr val="tx1"/>
+                  </a:solidFill>
+                  <a:latin typeface="+mn-lt"/>
+                  <a:ea typeface="+mn-ea"/>
+                  <a:cs typeface="+mn-cs"/>
+                </a:defRPr>
+              </a:lvl6pPr>
+              <a:lvl7pPr marL="2743200" algn="l" defTabSz="914400" rtl="0" eaLnBrk="1" latinLnBrk="0" hangingPunct="1">
+                <a:defRPr sz="1800" kern="1200">
+                  <a:solidFill>
+                    <a:schemeClr val="tx1"/>
+                  </a:solidFill>
+                  <a:latin typeface="+mn-lt"/>
+                  <a:ea typeface="+mn-ea"/>
+                  <a:cs typeface="+mn-cs"/>
+                </a:defRPr>
+              </a:lvl7pPr>
+              <a:lvl8pPr marL="3200400" algn="l" defTabSz="914400" rtl="0" eaLnBrk="1" latinLnBrk="0" hangingPunct="1">
+                <a:defRPr sz="1800" kern="1200">
+                  <a:solidFill>
+                    <a:schemeClr val="tx1"/>
+                  </a:solidFill>
+                  <a:latin typeface="+mn-lt"/>
+                  <a:ea typeface="+mn-ea"/>
+                  <a:cs typeface="+mn-cs"/>
+                </a:defRPr>
+              </a:lvl8pPr>
+              <a:lvl9pPr marL="3657600" algn="l" defTabSz="914400" rtl="0" eaLnBrk="1" latinLnBrk="0" hangingPunct="1">
+                <a:defRPr sz="1800" kern="1200">
+                  <a:solidFill>
+                    <a:schemeClr val="tx1"/>
+                  </a:solidFill>
+                  <a:latin typeface="+mn-lt"/>
+                  <a:ea typeface="+mn-ea"/>
+                  <a:cs typeface="+mn-cs"/>
+                </a:defRPr>
+              </a:lvl9pPr>
+            </a:lstStyle>
+            <a:p>
+              <a:pPr algn="l"/>
+              <a:r>
+                <a:rPr lang="en-US" dirty="0"/>
+                <a:t>07 09 240</a:t>
+              </a:r>
+            </a:p>
+          </p:txBody>
+        </p:sp>
+        <p:sp>
+          <p:nvSpPr>
+            <p:cNvPr id="8" name="TextBox 7">
+              <a:extLst>
+                <a:ext uri="{FF2B5EF4-FFF2-40B4-BE49-F238E27FC236}">
+                  <a16:creationId xmlns:a16="http://schemas.microsoft.com/office/drawing/2014/main" id="{99ACF886-60CC-BF53-BEC8-D996B9591742}"/>
+                </a:ext>
+              </a:extLst>
+            </p:cNvPr>
+            <p:cNvSpPr txBox="1"/>
+            <p:nvPr/>
+          </p:nvSpPr>
+          <p:spPr>
+            <a:xfrm>
+              <a:off x="9833811" y="3429000"/>
+              <a:ext cx="1828800" cy="369332"/>
+            </a:xfrm>
+            <a:prstGeom prst="rect">
+              <a:avLst/>
+            </a:prstGeom>
+            <a:noFill/>
+          </p:spPr>
+          <p:txBody>
+            <a:bodyPr rot="0" spcFirstLastPara="0" vert="horz" wrap="square" lIns="91440" tIns="45720" rIns="91440" bIns="45720" numCol="1" spcCol="0" rtlCol="0" fromWordArt="0" anchor="t" anchorCtr="0" forceAA="0" compatLnSpc="1">
+              <a:prstTxWarp prst="textNoShape">
+                <a:avLst/>
+              </a:prstTxWarp>
+              <a:spAutoFit/>
+            </a:bodyPr>
+            <a:lstStyle>
+              <a:defPPr>
+                <a:defRPr lang="en-US"/>
+              </a:defPPr>
+              <a:lvl1pPr marL="0" algn="l" defTabSz="914400" rtl="0" eaLnBrk="1" latinLnBrk="0" hangingPunct="1">
+                <a:defRPr sz="1800" kern="1200">
+                  <a:solidFill>
+                    <a:schemeClr val="tx1"/>
+                  </a:solidFill>
+                  <a:latin typeface="+mn-lt"/>
+                  <a:ea typeface="+mn-ea"/>
+                  <a:cs typeface="+mn-cs"/>
+                </a:defRPr>
+              </a:lvl1pPr>
+              <a:lvl2pPr marL="457200" algn="l" defTabSz="914400" rtl="0" eaLnBrk="1" latinLnBrk="0" hangingPunct="1">
+                <a:defRPr sz="1800" kern="1200">
+                  <a:solidFill>
+                    <a:schemeClr val="tx1"/>
+                  </a:solidFill>
+                  <a:latin typeface="+mn-lt"/>
+                  <a:ea typeface="+mn-ea"/>
+                  <a:cs typeface="+mn-cs"/>
+                </a:defRPr>
+              </a:lvl2pPr>
+              <a:lvl3pPr marL="914400" algn="l" defTabSz="914400" rtl="0" eaLnBrk="1" latinLnBrk="0" hangingPunct="1">
+                <a:defRPr sz="1800" kern="1200">
+                  <a:solidFill>
+                    <a:schemeClr val="tx1"/>
+                  </a:solidFill>
+                  <a:latin typeface="+mn-lt"/>
+                  <a:ea typeface="+mn-ea"/>
+                  <a:cs typeface="+mn-cs"/>
+                </a:defRPr>
+              </a:lvl3pPr>
+              <a:lvl4pPr marL="1371600" algn="l" defTabSz="914400" rtl="0" eaLnBrk="1" latinLnBrk="0" hangingPunct="1">
+                <a:defRPr sz="1800" kern="1200">
+                  <a:solidFill>
+                    <a:schemeClr val="tx1"/>
+                  </a:solidFill>
+                  <a:latin typeface="+mn-lt"/>
+                  <a:ea typeface="+mn-ea"/>
+                  <a:cs typeface="+mn-cs"/>
+                </a:defRPr>
+              </a:lvl4pPr>
+              <a:lvl5pPr marL="1828800" algn="l" defTabSz="914400" rtl="0" eaLnBrk="1" latinLnBrk="0" hangingPunct="1">
+                <a:defRPr sz="1800" kern="1200">
+                  <a:solidFill>
+                    <a:schemeClr val="tx1"/>
+                  </a:solidFill>
+                  <a:latin typeface="+mn-lt"/>
+                  <a:ea typeface="+mn-ea"/>
+                  <a:cs typeface="+mn-cs"/>
+                </a:defRPr>
+              </a:lvl5pPr>
+              <a:lvl6pPr marL="2286000" algn="l" defTabSz="914400" rtl="0" eaLnBrk="1" latinLnBrk="0" hangingPunct="1">
+                <a:defRPr sz="1800" kern="1200">
+                  <a:solidFill>
+                    <a:schemeClr val="tx1"/>
+                  </a:solidFill>
+                  <a:latin typeface="+mn-lt"/>
+                  <a:ea typeface="+mn-ea"/>
+                  <a:cs typeface="+mn-cs"/>
+                </a:defRPr>
+              </a:lvl6pPr>
+              <a:lvl7pPr marL="2743200" algn="l" defTabSz="914400" rtl="0" eaLnBrk="1" latinLnBrk="0" hangingPunct="1">
+                <a:defRPr sz="1800" kern="1200">
+                  <a:solidFill>
+                    <a:schemeClr val="tx1"/>
+                  </a:solidFill>
+                  <a:latin typeface="+mn-lt"/>
+                  <a:ea typeface="+mn-ea"/>
+                  <a:cs typeface="+mn-cs"/>
+                </a:defRPr>
+              </a:lvl7pPr>
+              <a:lvl8pPr marL="3200400" algn="l" defTabSz="914400" rtl="0" eaLnBrk="1" latinLnBrk="0" hangingPunct="1">
+                <a:defRPr sz="1800" kern="1200">
+                  <a:solidFill>
+                    <a:schemeClr val="tx1"/>
+                  </a:solidFill>
+                  <a:latin typeface="+mn-lt"/>
+                  <a:ea typeface="+mn-ea"/>
+                  <a:cs typeface="+mn-cs"/>
+                </a:defRPr>
+              </a:lvl8pPr>
+              <a:lvl9pPr marL="3657600" algn="l" defTabSz="914400" rtl="0" eaLnBrk="1" latinLnBrk="0" hangingPunct="1">
+                <a:defRPr sz="1800" kern="1200">
+                  <a:solidFill>
+                    <a:schemeClr val="tx1"/>
+                  </a:solidFill>
+                  <a:latin typeface="+mn-lt"/>
+                  <a:ea typeface="+mn-ea"/>
+                  <a:cs typeface="+mn-cs"/>
+                </a:defRPr>
+              </a:lvl9pPr>
+            </a:lstStyle>
+            <a:p>
+              <a:pPr algn="l"/>
+              <a:r>
+                <a:rPr lang="en-US" dirty="0"/>
+                <a:t>07 09 220</a:t>
+              </a:r>
+            </a:p>
+          </p:txBody>
+        </p:sp>
+      </p:grpSp>
+    </p:spTree>
+    <p:extLst>
+      <p:ext uri="{BB962C8B-B14F-4D97-AF65-F5344CB8AC3E}">
+        <p14:creationId xmlns:p14="http://schemas.microsoft.com/office/powerpoint/2010/main" val="2348189675"/>
+      </p:ext>
+    </p:extLst>
+  </p:cSld>
+  <p:clrMapOvr>
+    <a:masterClrMapping/>
+  </p:clrMapOvr>
+</p:sld>
+</file>
+
+<file path=ppt/slides/slide14.xml><?xml version="1.0" encoding="utf-8"?>
+<p:sld xmlns:a="http://schemas.openxmlformats.org/drawingml/2006/main" xmlns:r="http://schemas.openxmlformats.org/officeDocument/2006/relationships" xmlns:p="http://schemas.openxmlformats.org/presentationml/2006/main">
+  <p:cSld>
+    <p:spTree>
+      <p:nvGrpSpPr>
+        <p:cNvPr id="1" name=""/>
+        <p:cNvGrpSpPr/>
+        <p:nvPr/>
+      </p:nvGrpSpPr>
+      <p:grpSpPr>
+        <a:xfrm>
+          <a:off x="0" y="0"/>
+          <a:ext cx="0" cy="0"/>
+          <a:chOff x="0" y="0"/>
+          <a:chExt cx="0" cy="0"/>
+        </a:xfrm>
+      </p:grpSpPr>
+      <p:grpSp>
+        <p:nvGrpSpPr>
+          <p:cNvPr id="2" name="Group 1">
+            <a:extLst>
+              <a:ext uri="{FF2B5EF4-FFF2-40B4-BE49-F238E27FC236}">
+                <a16:creationId xmlns:a16="http://schemas.microsoft.com/office/drawing/2014/main" id="{48BB38F6-EE66-D025-0B25-0FE0898A75A9}"/>
+              </a:ext>
+            </a:extLst>
+          </p:cNvPr>
+          <p:cNvGrpSpPr/>
+          <p:nvPr/>
+        </p:nvGrpSpPr>
+        <p:grpSpPr>
+          <a:xfrm>
+            <a:off x="402443" y="128954"/>
+            <a:ext cx="11260168" cy="3673207"/>
+            <a:chOff x="402443" y="128954"/>
+            <a:chExt cx="11260168" cy="3673207"/>
+          </a:xfrm>
+        </p:grpSpPr>
+        <p:sp>
+          <p:nvSpPr>
+            <p:cNvPr id="3" name="TextBox 2">
+              <a:extLst>
+                <a:ext uri="{FF2B5EF4-FFF2-40B4-BE49-F238E27FC236}">
+                  <a16:creationId xmlns:a16="http://schemas.microsoft.com/office/drawing/2014/main" id="{845A49FA-FE14-09A5-F261-E31E1B9EB010}"/>
+                </a:ext>
+              </a:extLst>
+            </p:cNvPr>
+            <p:cNvSpPr txBox="1"/>
+            <p:nvPr/>
+          </p:nvSpPr>
+          <p:spPr>
+            <a:xfrm>
+              <a:off x="402443" y="128954"/>
+              <a:ext cx="1828800" cy="369332"/>
+            </a:xfrm>
+            <a:prstGeom prst="rect">
+              <a:avLst/>
+            </a:prstGeom>
+            <a:noFill/>
+          </p:spPr>
+          <p:txBody>
+            <a:bodyPr rot="0" spcFirstLastPara="0" vert="horz" wrap="square" lIns="91440" tIns="45720" rIns="91440" bIns="45720" numCol="1" spcCol="0" rtlCol="0" fromWordArt="0" anchor="t" anchorCtr="0" forceAA="0" compatLnSpc="1">
+              <a:prstTxWarp prst="textNoShape">
+                <a:avLst/>
+              </a:prstTxWarp>
+              <a:spAutoFit/>
+            </a:bodyPr>
+            <a:lstStyle>
+              <a:defPPr>
+                <a:defRPr lang="en-US"/>
+              </a:defPPr>
+              <a:lvl1pPr marL="0" algn="l" defTabSz="914400" rtl="0" eaLnBrk="1" latinLnBrk="0" hangingPunct="1">
+                <a:defRPr sz="1800" kern="1200">
+                  <a:solidFill>
+                    <a:schemeClr val="tx1"/>
+                  </a:solidFill>
+                  <a:latin typeface="+mn-lt"/>
+                  <a:ea typeface="+mn-ea"/>
+                  <a:cs typeface="+mn-cs"/>
+                </a:defRPr>
+              </a:lvl1pPr>
+              <a:lvl2pPr marL="457200" algn="l" defTabSz="914400" rtl="0" eaLnBrk="1" latinLnBrk="0" hangingPunct="1">
+                <a:defRPr sz="1800" kern="1200">
+                  <a:solidFill>
+                    <a:schemeClr val="tx1"/>
+                  </a:solidFill>
+                  <a:latin typeface="+mn-lt"/>
+                  <a:ea typeface="+mn-ea"/>
+                  <a:cs typeface="+mn-cs"/>
+                </a:defRPr>
+              </a:lvl2pPr>
+              <a:lvl3pPr marL="914400" algn="l" defTabSz="914400" rtl="0" eaLnBrk="1" latinLnBrk="0" hangingPunct="1">
+                <a:defRPr sz="1800" kern="1200">
+                  <a:solidFill>
+                    <a:schemeClr val="tx1"/>
+                  </a:solidFill>
+                  <a:latin typeface="+mn-lt"/>
+                  <a:ea typeface="+mn-ea"/>
+                  <a:cs typeface="+mn-cs"/>
+                </a:defRPr>
+              </a:lvl3pPr>
+              <a:lvl4pPr marL="1371600" algn="l" defTabSz="914400" rtl="0" eaLnBrk="1" latinLnBrk="0" hangingPunct="1">
+                <a:defRPr sz="1800" kern="1200">
+                  <a:solidFill>
+                    <a:schemeClr val="tx1"/>
+                  </a:solidFill>
+                  <a:latin typeface="+mn-lt"/>
+                  <a:ea typeface="+mn-ea"/>
+                  <a:cs typeface="+mn-cs"/>
+                </a:defRPr>
+              </a:lvl4pPr>
+              <a:lvl5pPr marL="1828800" algn="l" defTabSz="914400" rtl="0" eaLnBrk="1" latinLnBrk="0" hangingPunct="1">
+                <a:defRPr sz="1800" kern="1200">
+                  <a:solidFill>
+                    <a:schemeClr val="tx1"/>
+                  </a:solidFill>
+                  <a:latin typeface="+mn-lt"/>
+                  <a:ea typeface="+mn-ea"/>
+                  <a:cs typeface="+mn-cs"/>
+                </a:defRPr>
+              </a:lvl5pPr>
+              <a:lvl6pPr marL="2286000" algn="l" defTabSz="914400" rtl="0" eaLnBrk="1" latinLnBrk="0" hangingPunct="1">
+                <a:defRPr sz="1800" kern="1200">
+                  <a:solidFill>
+                    <a:schemeClr val="tx1"/>
+                  </a:solidFill>
+                  <a:latin typeface="+mn-lt"/>
+                  <a:ea typeface="+mn-ea"/>
+                  <a:cs typeface="+mn-cs"/>
+                </a:defRPr>
+              </a:lvl6pPr>
+              <a:lvl7pPr marL="2743200" algn="l" defTabSz="914400" rtl="0" eaLnBrk="1" latinLnBrk="0" hangingPunct="1">
+                <a:defRPr sz="1800" kern="1200">
+                  <a:solidFill>
+                    <a:schemeClr val="tx1"/>
+                  </a:solidFill>
+                  <a:latin typeface="+mn-lt"/>
+                  <a:ea typeface="+mn-ea"/>
+                  <a:cs typeface="+mn-cs"/>
+                </a:defRPr>
+              </a:lvl7pPr>
+              <a:lvl8pPr marL="3200400" algn="l" defTabSz="914400" rtl="0" eaLnBrk="1" latinLnBrk="0" hangingPunct="1">
+                <a:defRPr sz="1800" kern="1200">
+                  <a:solidFill>
+                    <a:schemeClr val="tx1"/>
+                  </a:solidFill>
+                  <a:latin typeface="+mn-lt"/>
+                  <a:ea typeface="+mn-ea"/>
+                  <a:cs typeface="+mn-cs"/>
+                </a:defRPr>
+              </a:lvl8pPr>
+              <a:lvl9pPr marL="3657600" algn="l" defTabSz="914400" rtl="0" eaLnBrk="1" latinLnBrk="0" hangingPunct="1">
+                <a:defRPr sz="1800" kern="1200">
+                  <a:solidFill>
+                    <a:schemeClr val="tx1"/>
+                  </a:solidFill>
+                  <a:latin typeface="+mn-lt"/>
+                  <a:ea typeface="+mn-ea"/>
+                  <a:cs typeface="+mn-cs"/>
+                </a:defRPr>
+              </a:lvl9pPr>
+            </a:lstStyle>
+            <a:p>
+              <a:pPr algn="l"/>
+              <a:r>
+                <a:rPr lang="en-US" dirty="0"/>
+                <a:t>08 09 260</a:t>
+              </a:r>
+            </a:p>
+          </p:txBody>
+        </p:sp>
+        <p:sp>
+          <p:nvSpPr>
+            <p:cNvPr id="4" name="TextBox 3">
+              <a:extLst>
+                <a:ext uri="{FF2B5EF4-FFF2-40B4-BE49-F238E27FC236}">
+                  <a16:creationId xmlns:a16="http://schemas.microsoft.com/office/drawing/2014/main" id="{5D9D32C1-EF01-6F19-2847-0465BD547108}"/>
+                </a:ext>
+              </a:extLst>
+            </p:cNvPr>
+            <p:cNvSpPr txBox="1"/>
+            <p:nvPr/>
+          </p:nvSpPr>
+          <p:spPr>
+            <a:xfrm>
+              <a:off x="5373372" y="128954"/>
+              <a:ext cx="1828800" cy="369332"/>
+            </a:xfrm>
+            <a:prstGeom prst="rect">
+              <a:avLst/>
+            </a:prstGeom>
+            <a:noFill/>
+          </p:spPr>
+          <p:txBody>
+            <a:bodyPr rot="0" spcFirstLastPara="0" vert="horz" wrap="square" lIns="91440" tIns="45720" rIns="91440" bIns="45720" numCol="1" spcCol="0" rtlCol="0" fromWordArt="0" anchor="t" anchorCtr="0" forceAA="0" compatLnSpc="1">
+              <a:prstTxWarp prst="textNoShape">
+                <a:avLst/>
+              </a:prstTxWarp>
+              <a:spAutoFit/>
+            </a:bodyPr>
+            <a:lstStyle>
+              <a:defPPr>
+                <a:defRPr lang="en-US"/>
+              </a:defPPr>
+              <a:lvl1pPr marL="0" algn="l" defTabSz="914400" rtl="0" eaLnBrk="1" latinLnBrk="0" hangingPunct="1">
+                <a:defRPr sz="1800" kern="1200">
+                  <a:solidFill>
+                    <a:schemeClr val="tx1"/>
+                  </a:solidFill>
+                  <a:latin typeface="+mn-lt"/>
+                  <a:ea typeface="+mn-ea"/>
+                  <a:cs typeface="+mn-cs"/>
+                </a:defRPr>
+              </a:lvl1pPr>
+              <a:lvl2pPr marL="457200" algn="l" defTabSz="914400" rtl="0" eaLnBrk="1" latinLnBrk="0" hangingPunct="1">
+                <a:defRPr sz="1800" kern="1200">
+                  <a:solidFill>
+                    <a:schemeClr val="tx1"/>
+                  </a:solidFill>
+                  <a:latin typeface="+mn-lt"/>
+                  <a:ea typeface="+mn-ea"/>
+                  <a:cs typeface="+mn-cs"/>
+                </a:defRPr>
+              </a:lvl2pPr>
+              <a:lvl3pPr marL="914400" algn="l" defTabSz="914400" rtl="0" eaLnBrk="1" latinLnBrk="0" hangingPunct="1">
+                <a:defRPr sz="1800" kern="1200">
+                  <a:solidFill>
+                    <a:schemeClr val="tx1"/>
+                  </a:solidFill>
+                  <a:latin typeface="+mn-lt"/>
+                  <a:ea typeface="+mn-ea"/>
+                  <a:cs typeface="+mn-cs"/>
+                </a:defRPr>
+              </a:lvl3pPr>
+              <a:lvl4pPr marL="1371600" algn="l" defTabSz="914400" rtl="0" eaLnBrk="1" latinLnBrk="0" hangingPunct="1">
+                <a:defRPr sz="1800" kern="1200">
+                  <a:solidFill>
+                    <a:schemeClr val="tx1"/>
+                  </a:solidFill>
+                  <a:latin typeface="+mn-lt"/>
+                  <a:ea typeface="+mn-ea"/>
+                  <a:cs typeface="+mn-cs"/>
+                </a:defRPr>
+              </a:lvl4pPr>
+              <a:lvl5pPr marL="1828800" algn="l" defTabSz="914400" rtl="0" eaLnBrk="1" latinLnBrk="0" hangingPunct="1">
+                <a:defRPr sz="1800" kern="1200">
+                  <a:solidFill>
+                    <a:schemeClr val="tx1"/>
+                  </a:solidFill>
+                  <a:latin typeface="+mn-lt"/>
+                  <a:ea typeface="+mn-ea"/>
+                  <a:cs typeface="+mn-cs"/>
+                </a:defRPr>
+              </a:lvl5pPr>
+              <a:lvl6pPr marL="2286000" algn="l" defTabSz="914400" rtl="0" eaLnBrk="1" latinLnBrk="0" hangingPunct="1">
+                <a:defRPr sz="1800" kern="1200">
+                  <a:solidFill>
+                    <a:schemeClr val="tx1"/>
+                  </a:solidFill>
+                  <a:latin typeface="+mn-lt"/>
+                  <a:ea typeface="+mn-ea"/>
+                  <a:cs typeface="+mn-cs"/>
+                </a:defRPr>
+              </a:lvl6pPr>
+              <a:lvl7pPr marL="2743200" algn="l" defTabSz="914400" rtl="0" eaLnBrk="1" latinLnBrk="0" hangingPunct="1">
+                <a:defRPr sz="1800" kern="1200">
+                  <a:solidFill>
+                    <a:schemeClr val="tx1"/>
+                  </a:solidFill>
+                  <a:latin typeface="+mn-lt"/>
+                  <a:ea typeface="+mn-ea"/>
+                  <a:cs typeface="+mn-cs"/>
+                </a:defRPr>
+              </a:lvl7pPr>
+              <a:lvl8pPr marL="3200400" algn="l" defTabSz="914400" rtl="0" eaLnBrk="1" latinLnBrk="0" hangingPunct="1">
+                <a:defRPr sz="1800" kern="1200">
+                  <a:solidFill>
+                    <a:schemeClr val="tx1"/>
+                  </a:solidFill>
+                  <a:latin typeface="+mn-lt"/>
+                  <a:ea typeface="+mn-ea"/>
+                  <a:cs typeface="+mn-cs"/>
+                </a:defRPr>
+              </a:lvl8pPr>
+              <a:lvl9pPr marL="3657600" algn="l" defTabSz="914400" rtl="0" eaLnBrk="1" latinLnBrk="0" hangingPunct="1">
+                <a:defRPr sz="1800" kern="1200">
+                  <a:solidFill>
+                    <a:schemeClr val="tx1"/>
+                  </a:solidFill>
+                  <a:latin typeface="+mn-lt"/>
+                  <a:ea typeface="+mn-ea"/>
+                  <a:cs typeface="+mn-cs"/>
+                </a:defRPr>
+              </a:lvl9pPr>
+            </a:lstStyle>
+            <a:p>
+              <a:pPr algn="l"/>
+              <a:r>
+                <a:rPr lang="en-US" dirty="0"/>
+                <a:t>08 09 240</a:t>
+              </a:r>
+            </a:p>
+          </p:txBody>
+        </p:sp>
+        <p:sp>
+          <p:nvSpPr>
+            <p:cNvPr id="5" name="TextBox 4">
+              <a:extLst>
+                <a:ext uri="{FF2B5EF4-FFF2-40B4-BE49-F238E27FC236}">
+                  <a16:creationId xmlns:a16="http://schemas.microsoft.com/office/drawing/2014/main" id="{A6F07378-5FEC-51FB-FA5B-BA2FB65C7880}"/>
+                </a:ext>
+              </a:extLst>
+            </p:cNvPr>
+            <p:cNvSpPr txBox="1"/>
+            <p:nvPr/>
+          </p:nvSpPr>
+          <p:spPr>
+            <a:xfrm>
+              <a:off x="9833811" y="128954"/>
+              <a:ext cx="1828800" cy="369332"/>
+            </a:xfrm>
+            <a:prstGeom prst="rect">
+              <a:avLst/>
+            </a:prstGeom>
+            <a:noFill/>
+          </p:spPr>
+          <p:txBody>
+            <a:bodyPr rot="0" spcFirstLastPara="0" vert="horz" wrap="square" lIns="91440" tIns="45720" rIns="91440" bIns="45720" numCol="1" spcCol="0" rtlCol="0" fromWordArt="0" anchor="t" anchorCtr="0" forceAA="0" compatLnSpc="1">
+              <a:prstTxWarp prst="textNoShape">
+                <a:avLst/>
+              </a:prstTxWarp>
+              <a:spAutoFit/>
+            </a:bodyPr>
+            <a:lstStyle>
+              <a:defPPr>
+                <a:defRPr lang="en-US"/>
+              </a:defPPr>
+              <a:lvl1pPr marL="0" algn="l" defTabSz="914400" rtl="0" eaLnBrk="1" latinLnBrk="0" hangingPunct="1">
+                <a:defRPr sz="1800" kern="1200">
+                  <a:solidFill>
+                    <a:schemeClr val="tx1"/>
+                  </a:solidFill>
+                  <a:latin typeface="+mn-lt"/>
+                  <a:ea typeface="+mn-ea"/>
+                  <a:cs typeface="+mn-cs"/>
+                </a:defRPr>
+              </a:lvl1pPr>
+              <a:lvl2pPr marL="457200" algn="l" defTabSz="914400" rtl="0" eaLnBrk="1" latinLnBrk="0" hangingPunct="1">
+                <a:defRPr sz="1800" kern="1200">
+                  <a:solidFill>
+                    <a:schemeClr val="tx1"/>
+                  </a:solidFill>
+                  <a:latin typeface="+mn-lt"/>
+                  <a:ea typeface="+mn-ea"/>
+                  <a:cs typeface="+mn-cs"/>
+                </a:defRPr>
+              </a:lvl2pPr>
+              <a:lvl3pPr marL="914400" algn="l" defTabSz="914400" rtl="0" eaLnBrk="1" latinLnBrk="0" hangingPunct="1">
+                <a:defRPr sz="1800" kern="1200">
+                  <a:solidFill>
+                    <a:schemeClr val="tx1"/>
+                  </a:solidFill>
+                  <a:latin typeface="+mn-lt"/>
+                  <a:ea typeface="+mn-ea"/>
+                  <a:cs typeface="+mn-cs"/>
+                </a:defRPr>
+              </a:lvl3pPr>
+              <a:lvl4pPr marL="1371600" algn="l" defTabSz="914400" rtl="0" eaLnBrk="1" latinLnBrk="0" hangingPunct="1">
+                <a:defRPr sz="1800" kern="1200">
+                  <a:solidFill>
+                    <a:schemeClr val="tx1"/>
+                  </a:solidFill>
+                  <a:latin typeface="+mn-lt"/>
+                  <a:ea typeface="+mn-ea"/>
+                  <a:cs typeface="+mn-cs"/>
+                </a:defRPr>
+              </a:lvl4pPr>
+              <a:lvl5pPr marL="1828800" algn="l" defTabSz="914400" rtl="0" eaLnBrk="1" latinLnBrk="0" hangingPunct="1">
+                <a:defRPr sz="1800" kern="1200">
+                  <a:solidFill>
+                    <a:schemeClr val="tx1"/>
+                  </a:solidFill>
+                  <a:latin typeface="+mn-lt"/>
+                  <a:ea typeface="+mn-ea"/>
+                  <a:cs typeface="+mn-cs"/>
+                </a:defRPr>
+              </a:lvl5pPr>
+              <a:lvl6pPr marL="2286000" algn="l" defTabSz="914400" rtl="0" eaLnBrk="1" latinLnBrk="0" hangingPunct="1">
+                <a:defRPr sz="1800" kern="1200">
+                  <a:solidFill>
+                    <a:schemeClr val="tx1"/>
+                  </a:solidFill>
+                  <a:latin typeface="+mn-lt"/>
+                  <a:ea typeface="+mn-ea"/>
+                  <a:cs typeface="+mn-cs"/>
+                </a:defRPr>
+              </a:lvl6pPr>
+              <a:lvl7pPr marL="2743200" algn="l" defTabSz="914400" rtl="0" eaLnBrk="1" latinLnBrk="0" hangingPunct="1">
+                <a:defRPr sz="1800" kern="1200">
+                  <a:solidFill>
+                    <a:schemeClr val="tx1"/>
+                  </a:solidFill>
+                  <a:latin typeface="+mn-lt"/>
+                  <a:ea typeface="+mn-ea"/>
+                  <a:cs typeface="+mn-cs"/>
+                </a:defRPr>
+              </a:lvl7pPr>
+              <a:lvl8pPr marL="3200400" algn="l" defTabSz="914400" rtl="0" eaLnBrk="1" latinLnBrk="0" hangingPunct="1">
+                <a:defRPr sz="1800" kern="1200">
+                  <a:solidFill>
+                    <a:schemeClr val="tx1"/>
+                  </a:solidFill>
+                  <a:latin typeface="+mn-lt"/>
+                  <a:ea typeface="+mn-ea"/>
+                  <a:cs typeface="+mn-cs"/>
+                </a:defRPr>
+              </a:lvl8pPr>
+              <a:lvl9pPr marL="3657600" algn="l" defTabSz="914400" rtl="0" eaLnBrk="1" latinLnBrk="0" hangingPunct="1">
+                <a:defRPr sz="1800" kern="1200">
+                  <a:solidFill>
+                    <a:schemeClr val="tx1"/>
+                  </a:solidFill>
+                  <a:latin typeface="+mn-lt"/>
+                  <a:ea typeface="+mn-ea"/>
+                  <a:cs typeface="+mn-cs"/>
+                </a:defRPr>
+              </a:lvl9pPr>
+            </a:lstStyle>
+            <a:p>
+              <a:pPr algn="l"/>
+              <a:r>
+                <a:rPr lang="en-US" dirty="0"/>
+                <a:t>08 09 220</a:t>
+              </a:r>
+            </a:p>
+          </p:txBody>
+        </p:sp>
+        <p:sp>
+          <p:nvSpPr>
+            <p:cNvPr id="6" name="TextBox 5">
+              <a:extLst>
+                <a:ext uri="{FF2B5EF4-FFF2-40B4-BE49-F238E27FC236}">
+                  <a16:creationId xmlns:a16="http://schemas.microsoft.com/office/drawing/2014/main" id="{EDE81B5E-1582-EC75-D7DF-078074CEBE61}"/>
+                </a:ext>
+              </a:extLst>
+            </p:cNvPr>
+            <p:cNvSpPr txBox="1"/>
+            <p:nvPr/>
+          </p:nvSpPr>
+          <p:spPr>
+            <a:xfrm>
+              <a:off x="402443" y="3429000"/>
+              <a:ext cx="1828800" cy="369332"/>
+            </a:xfrm>
+            <a:prstGeom prst="rect">
+              <a:avLst/>
+            </a:prstGeom>
+            <a:noFill/>
+          </p:spPr>
+          <p:txBody>
+            <a:bodyPr rot="0" spcFirstLastPara="0" vert="horz" wrap="square" lIns="91440" tIns="45720" rIns="91440" bIns="45720" numCol="1" spcCol="0" rtlCol="0" fromWordArt="0" anchor="t" anchorCtr="0" forceAA="0" compatLnSpc="1">
+              <a:prstTxWarp prst="textNoShape">
+                <a:avLst/>
+              </a:prstTxWarp>
+              <a:spAutoFit/>
+            </a:bodyPr>
+            <a:lstStyle>
+              <a:defPPr>
+                <a:defRPr lang="en-US"/>
+              </a:defPPr>
+              <a:lvl1pPr marL="0" algn="l" defTabSz="914400" rtl="0" eaLnBrk="1" latinLnBrk="0" hangingPunct="1">
+                <a:defRPr sz="1800" kern="1200">
+                  <a:solidFill>
+                    <a:schemeClr val="tx1"/>
+                  </a:solidFill>
+                  <a:latin typeface="+mn-lt"/>
+                  <a:ea typeface="+mn-ea"/>
+                  <a:cs typeface="+mn-cs"/>
+                </a:defRPr>
+              </a:lvl1pPr>
+              <a:lvl2pPr marL="457200" algn="l" defTabSz="914400" rtl="0" eaLnBrk="1" latinLnBrk="0" hangingPunct="1">
+                <a:defRPr sz="1800" kern="1200">
+                  <a:solidFill>
+                    <a:schemeClr val="tx1"/>
+                  </a:solidFill>
+                  <a:latin typeface="+mn-lt"/>
+                  <a:ea typeface="+mn-ea"/>
+                  <a:cs typeface="+mn-cs"/>
+                </a:defRPr>
+              </a:lvl2pPr>
+              <a:lvl3pPr marL="914400" algn="l" defTabSz="914400" rtl="0" eaLnBrk="1" latinLnBrk="0" hangingPunct="1">
+                <a:defRPr sz="1800" kern="1200">
+                  <a:solidFill>
+                    <a:schemeClr val="tx1"/>
+                  </a:solidFill>
+                  <a:latin typeface="+mn-lt"/>
+                  <a:ea typeface="+mn-ea"/>
+                  <a:cs typeface="+mn-cs"/>
+                </a:defRPr>
+              </a:lvl3pPr>
+              <a:lvl4pPr marL="1371600" algn="l" defTabSz="914400" rtl="0" eaLnBrk="1" latinLnBrk="0" hangingPunct="1">
+                <a:defRPr sz="1800" kern="1200">
+                  <a:solidFill>
+                    <a:schemeClr val="tx1"/>
+                  </a:solidFill>
+                  <a:latin typeface="+mn-lt"/>
+                  <a:ea typeface="+mn-ea"/>
+                  <a:cs typeface="+mn-cs"/>
+                </a:defRPr>
+              </a:lvl4pPr>
+              <a:lvl5pPr marL="1828800" algn="l" defTabSz="914400" rtl="0" eaLnBrk="1" latinLnBrk="0" hangingPunct="1">
+                <a:defRPr sz="1800" kern="1200">
+                  <a:solidFill>
+                    <a:schemeClr val="tx1"/>
+                  </a:solidFill>
+                  <a:latin typeface="+mn-lt"/>
+                  <a:ea typeface="+mn-ea"/>
+                  <a:cs typeface="+mn-cs"/>
+                </a:defRPr>
+              </a:lvl5pPr>
+              <a:lvl6pPr marL="2286000" algn="l" defTabSz="914400" rtl="0" eaLnBrk="1" latinLnBrk="0" hangingPunct="1">
+                <a:defRPr sz="1800" kern="1200">
+                  <a:solidFill>
+                    <a:schemeClr val="tx1"/>
+                  </a:solidFill>
+                  <a:latin typeface="+mn-lt"/>
+                  <a:ea typeface="+mn-ea"/>
+                  <a:cs typeface="+mn-cs"/>
+                </a:defRPr>
+              </a:lvl6pPr>
+              <a:lvl7pPr marL="2743200" algn="l" defTabSz="914400" rtl="0" eaLnBrk="1" latinLnBrk="0" hangingPunct="1">
+                <a:defRPr sz="1800" kern="1200">
+                  <a:solidFill>
+                    <a:schemeClr val="tx1"/>
+                  </a:solidFill>
+                  <a:latin typeface="+mn-lt"/>
+                  <a:ea typeface="+mn-ea"/>
+                  <a:cs typeface="+mn-cs"/>
+                </a:defRPr>
+              </a:lvl7pPr>
+              <a:lvl8pPr marL="3200400" algn="l" defTabSz="914400" rtl="0" eaLnBrk="1" latinLnBrk="0" hangingPunct="1">
+                <a:defRPr sz="1800" kern="1200">
+                  <a:solidFill>
+                    <a:schemeClr val="tx1"/>
+                  </a:solidFill>
+                  <a:latin typeface="+mn-lt"/>
+                  <a:ea typeface="+mn-ea"/>
+                  <a:cs typeface="+mn-cs"/>
+                </a:defRPr>
+              </a:lvl8pPr>
+              <a:lvl9pPr marL="3657600" algn="l" defTabSz="914400" rtl="0" eaLnBrk="1" latinLnBrk="0" hangingPunct="1">
+                <a:defRPr sz="1800" kern="1200">
+                  <a:solidFill>
+                    <a:schemeClr val="tx1"/>
+                  </a:solidFill>
+                  <a:latin typeface="+mn-lt"/>
+                  <a:ea typeface="+mn-ea"/>
+                  <a:cs typeface="+mn-cs"/>
+                </a:defRPr>
+              </a:lvl9pPr>
+            </a:lstStyle>
+            <a:p>
+              <a:pPr algn="l"/>
+              <a:r>
+                <a:rPr lang="en-US" dirty="0"/>
+                <a:t>09 09 260</a:t>
+              </a:r>
+            </a:p>
+          </p:txBody>
+        </p:sp>
+        <p:sp>
+          <p:nvSpPr>
+            <p:cNvPr id="7" name="TextBox 6">
+              <a:extLst>
+                <a:ext uri="{FF2B5EF4-FFF2-40B4-BE49-F238E27FC236}">
+                  <a16:creationId xmlns:a16="http://schemas.microsoft.com/office/drawing/2014/main" id="{8AFEFB7E-E7A3-B721-5F37-5257754932E1}"/>
+                </a:ext>
+              </a:extLst>
+            </p:cNvPr>
+            <p:cNvSpPr txBox="1"/>
+            <p:nvPr/>
+          </p:nvSpPr>
+          <p:spPr>
+            <a:xfrm>
+              <a:off x="5277158" y="3432829"/>
+              <a:ext cx="1828800" cy="369332"/>
+            </a:xfrm>
+            <a:prstGeom prst="rect">
+              <a:avLst/>
+            </a:prstGeom>
+            <a:noFill/>
+          </p:spPr>
+          <p:txBody>
+            <a:bodyPr rot="0" spcFirstLastPara="0" vert="horz" wrap="square" lIns="91440" tIns="45720" rIns="91440" bIns="45720" numCol="1" spcCol="0" rtlCol="0" fromWordArt="0" anchor="t" anchorCtr="0" forceAA="0" compatLnSpc="1">
+              <a:prstTxWarp prst="textNoShape">
+                <a:avLst/>
+              </a:prstTxWarp>
+              <a:spAutoFit/>
+            </a:bodyPr>
+            <a:lstStyle>
+              <a:defPPr>
+                <a:defRPr lang="en-US"/>
+              </a:defPPr>
+              <a:lvl1pPr marL="0" algn="l" defTabSz="914400" rtl="0" eaLnBrk="1" latinLnBrk="0" hangingPunct="1">
+                <a:defRPr sz="1800" kern="1200">
+                  <a:solidFill>
+                    <a:schemeClr val="tx1"/>
+                  </a:solidFill>
+                  <a:latin typeface="+mn-lt"/>
+                  <a:ea typeface="+mn-ea"/>
+                  <a:cs typeface="+mn-cs"/>
+                </a:defRPr>
+              </a:lvl1pPr>
+              <a:lvl2pPr marL="457200" algn="l" defTabSz="914400" rtl="0" eaLnBrk="1" latinLnBrk="0" hangingPunct="1">
+                <a:defRPr sz="1800" kern="1200">
+                  <a:solidFill>
+                    <a:schemeClr val="tx1"/>
+                  </a:solidFill>
+                  <a:latin typeface="+mn-lt"/>
+                  <a:ea typeface="+mn-ea"/>
+                  <a:cs typeface="+mn-cs"/>
+                </a:defRPr>
+              </a:lvl2pPr>
+              <a:lvl3pPr marL="914400" algn="l" defTabSz="914400" rtl="0" eaLnBrk="1" latinLnBrk="0" hangingPunct="1">
+                <a:defRPr sz="1800" kern="1200">
+                  <a:solidFill>
+                    <a:schemeClr val="tx1"/>
+                  </a:solidFill>
+                  <a:latin typeface="+mn-lt"/>
+                  <a:ea typeface="+mn-ea"/>
+                  <a:cs typeface="+mn-cs"/>
+                </a:defRPr>
+              </a:lvl3pPr>
+              <a:lvl4pPr marL="1371600" algn="l" defTabSz="914400" rtl="0" eaLnBrk="1" latinLnBrk="0" hangingPunct="1">
+                <a:defRPr sz="1800" kern="1200">
+                  <a:solidFill>
+                    <a:schemeClr val="tx1"/>
+                  </a:solidFill>
+                  <a:latin typeface="+mn-lt"/>
+                  <a:ea typeface="+mn-ea"/>
+                  <a:cs typeface="+mn-cs"/>
+                </a:defRPr>
+              </a:lvl4pPr>
+              <a:lvl5pPr marL="1828800" algn="l" defTabSz="914400" rtl="0" eaLnBrk="1" latinLnBrk="0" hangingPunct="1">
+                <a:defRPr sz="1800" kern="1200">
+                  <a:solidFill>
+                    <a:schemeClr val="tx1"/>
+                  </a:solidFill>
+                  <a:latin typeface="+mn-lt"/>
+                  <a:ea typeface="+mn-ea"/>
+                  <a:cs typeface="+mn-cs"/>
+                </a:defRPr>
+              </a:lvl5pPr>
+              <a:lvl6pPr marL="2286000" algn="l" defTabSz="914400" rtl="0" eaLnBrk="1" latinLnBrk="0" hangingPunct="1">
+                <a:defRPr sz="1800" kern="1200">
+                  <a:solidFill>
+                    <a:schemeClr val="tx1"/>
+                  </a:solidFill>
+                  <a:latin typeface="+mn-lt"/>
+                  <a:ea typeface="+mn-ea"/>
+                  <a:cs typeface="+mn-cs"/>
+                </a:defRPr>
+              </a:lvl6pPr>
+              <a:lvl7pPr marL="2743200" algn="l" defTabSz="914400" rtl="0" eaLnBrk="1" latinLnBrk="0" hangingPunct="1">
+                <a:defRPr sz="1800" kern="1200">
+                  <a:solidFill>
+                    <a:schemeClr val="tx1"/>
+                  </a:solidFill>
+                  <a:latin typeface="+mn-lt"/>
+                  <a:ea typeface="+mn-ea"/>
+                  <a:cs typeface="+mn-cs"/>
+                </a:defRPr>
+              </a:lvl7pPr>
+              <a:lvl8pPr marL="3200400" algn="l" defTabSz="914400" rtl="0" eaLnBrk="1" latinLnBrk="0" hangingPunct="1">
+                <a:defRPr sz="1800" kern="1200">
+                  <a:solidFill>
+                    <a:schemeClr val="tx1"/>
+                  </a:solidFill>
+                  <a:latin typeface="+mn-lt"/>
+                  <a:ea typeface="+mn-ea"/>
+                  <a:cs typeface="+mn-cs"/>
+                </a:defRPr>
+              </a:lvl8pPr>
+              <a:lvl9pPr marL="3657600" algn="l" defTabSz="914400" rtl="0" eaLnBrk="1" latinLnBrk="0" hangingPunct="1">
+                <a:defRPr sz="1800" kern="1200">
+                  <a:solidFill>
+                    <a:schemeClr val="tx1"/>
+                  </a:solidFill>
+                  <a:latin typeface="+mn-lt"/>
+                  <a:ea typeface="+mn-ea"/>
+                  <a:cs typeface="+mn-cs"/>
+                </a:defRPr>
+              </a:lvl9pPr>
+            </a:lstStyle>
+            <a:p>
+              <a:pPr algn="l"/>
+              <a:r>
+                <a:rPr lang="en-US" dirty="0"/>
+                <a:t>09 09 240</a:t>
+              </a:r>
+            </a:p>
+          </p:txBody>
+        </p:sp>
+        <p:sp>
+          <p:nvSpPr>
+            <p:cNvPr id="8" name="TextBox 7">
+              <a:extLst>
+                <a:ext uri="{FF2B5EF4-FFF2-40B4-BE49-F238E27FC236}">
+                  <a16:creationId xmlns:a16="http://schemas.microsoft.com/office/drawing/2014/main" id="{99ACF886-60CC-BF53-BEC8-D996B9591742}"/>
+                </a:ext>
+              </a:extLst>
+            </p:cNvPr>
+            <p:cNvSpPr txBox="1"/>
+            <p:nvPr/>
+          </p:nvSpPr>
+          <p:spPr>
+            <a:xfrm>
+              <a:off x="9833811" y="3429000"/>
+              <a:ext cx="1828800" cy="369332"/>
+            </a:xfrm>
+            <a:prstGeom prst="rect">
+              <a:avLst/>
+            </a:prstGeom>
+            <a:noFill/>
+          </p:spPr>
+          <p:txBody>
+            <a:bodyPr rot="0" spcFirstLastPara="0" vert="horz" wrap="square" lIns="91440" tIns="45720" rIns="91440" bIns="45720" numCol="1" spcCol="0" rtlCol="0" fromWordArt="0" anchor="t" anchorCtr="0" forceAA="0" compatLnSpc="1">
+              <a:prstTxWarp prst="textNoShape">
+                <a:avLst/>
+              </a:prstTxWarp>
+              <a:spAutoFit/>
+            </a:bodyPr>
+            <a:lstStyle>
+              <a:defPPr>
+                <a:defRPr lang="en-US"/>
+              </a:defPPr>
+              <a:lvl1pPr marL="0" algn="l" defTabSz="914400" rtl="0" eaLnBrk="1" latinLnBrk="0" hangingPunct="1">
+                <a:defRPr sz="1800" kern="1200">
+                  <a:solidFill>
+                    <a:schemeClr val="tx1"/>
+                  </a:solidFill>
+                  <a:latin typeface="+mn-lt"/>
+                  <a:ea typeface="+mn-ea"/>
+                  <a:cs typeface="+mn-cs"/>
+                </a:defRPr>
+              </a:lvl1pPr>
+              <a:lvl2pPr marL="457200" algn="l" defTabSz="914400" rtl="0" eaLnBrk="1" latinLnBrk="0" hangingPunct="1">
+                <a:defRPr sz="1800" kern="1200">
+                  <a:solidFill>
+                    <a:schemeClr val="tx1"/>
+                  </a:solidFill>
+                  <a:latin typeface="+mn-lt"/>
+                  <a:ea typeface="+mn-ea"/>
+                  <a:cs typeface="+mn-cs"/>
+                </a:defRPr>
+              </a:lvl2pPr>
+              <a:lvl3pPr marL="914400" algn="l" defTabSz="914400" rtl="0" eaLnBrk="1" latinLnBrk="0" hangingPunct="1">
+                <a:defRPr sz="1800" kern="1200">
+                  <a:solidFill>
+                    <a:schemeClr val="tx1"/>
+                  </a:solidFill>
+                  <a:latin typeface="+mn-lt"/>
+                  <a:ea typeface="+mn-ea"/>
+                  <a:cs typeface="+mn-cs"/>
+                </a:defRPr>
+              </a:lvl3pPr>
+              <a:lvl4pPr marL="1371600" algn="l" defTabSz="914400" rtl="0" eaLnBrk="1" latinLnBrk="0" hangingPunct="1">
+                <a:defRPr sz="1800" kern="1200">
+                  <a:solidFill>
+                    <a:schemeClr val="tx1"/>
+                  </a:solidFill>
+                  <a:latin typeface="+mn-lt"/>
+                  <a:ea typeface="+mn-ea"/>
+                  <a:cs typeface="+mn-cs"/>
+                </a:defRPr>
+              </a:lvl4pPr>
+              <a:lvl5pPr marL="1828800" algn="l" defTabSz="914400" rtl="0" eaLnBrk="1" latinLnBrk="0" hangingPunct="1">
+                <a:defRPr sz="1800" kern="1200">
+                  <a:solidFill>
+                    <a:schemeClr val="tx1"/>
+                  </a:solidFill>
+                  <a:latin typeface="+mn-lt"/>
+                  <a:ea typeface="+mn-ea"/>
+                  <a:cs typeface="+mn-cs"/>
+                </a:defRPr>
+              </a:lvl5pPr>
+              <a:lvl6pPr marL="2286000" algn="l" defTabSz="914400" rtl="0" eaLnBrk="1" latinLnBrk="0" hangingPunct="1">
+                <a:defRPr sz="1800" kern="1200">
+                  <a:solidFill>
+                    <a:schemeClr val="tx1"/>
+                  </a:solidFill>
+                  <a:latin typeface="+mn-lt"/>
+                  <a:ea typeface="+mn-ea"/>
+                  <a:cs typeface="+mn-cs"/>
+                </a:defRPr>
+              </a:lvl6pPr>
+              <a:lvl7pPr marL="2743200" algn="l" defTabSz="914400" rtl="0" eaLnBrk="1" latinLnBrk="0" hangingPunct="1">
+                <a:defRPr sz="1800" kern="1200">
+                  <a:solidFill>
+                    <a:schemeClr val="tx1"/>
+                  </a:solidFill>
+                  <a:latin typeface="+mn-lt"/>
+                  <a:ea typeface="+mn-ea"/>
+                  <a:cs typeface="+mn-cs"/>
+                </a:defRPr>
+              </a:lvl7pPr>
+              <a:lvl8pPr marL="3200400" algn="l" defTabSz="914400" rtl="0" eaLnBrk="1" latinLnBrk="0" hangingPunct="1">
+                <a:defRPr sz="1800" kern="1200">
+                  <a:solidFill>
+                    <a:schemeClr val="tx1"/>
+                  </a:solidFill>
+                  <a:latin typeface="+mn-lt"/>
+                  <a:ea typeface="+mn-ea"/>
+                  <a:cs typeface="+mn-cs"/>
+                </a:defRPr>
+              </a:lvl8pPr>
+              <a:lvl9pPr marL="3657600" algn="l" defTabSz="914400" rtl="0" eaLnBrk="1" latinLnBrk="0" hangingPunct="1">
+                <a:defRPr sz="1800" kern="1200">
+                  <a:solidFill>
+                    <a:schemeClr val="tx1"/>
+                  </a:solidFill>
+                  <a:latin typeface="+mn-lt"/>
+                  <a:ea typeface="+mn-ea"/>
+                  <a:cs typeface="+mn-cs"/>
+                </a:defRPr>
+              </a:lvl9pPr>
+            </a:lstStyle>
+            <a:p>
+              <a:pPr algn="l"/>
+              <a:r>
+                <a:rPr lang="en-US" dirty="0"/>
+                <a:t>09 09 220</a:t>
+              </a:r>
+            </a:p>
+          </p:txBody>
+        </p:sp>
+      </p:grpSp>
+    </p:spTree>
+    <p:extLst>
+      <p:ext uri="{BB962C8B-B14F-4D97-AF65-F5344CB8AC3E}">
+        <p14:creationId xmlns:p14="http://schemas.microsoft.com/office/powerpoint/2010/main" val="1536358761"/>
+      </p:ext>
+    </p:extLst>
+  </p:cSld>
+  <p:clrMapOvr>
+    <a:masterClrMapping/>
+  </p:clrMapOvr>
+</p:sld>
+</file>
+
+<file path=ppt/slides/slide15.xml><?xml version="1.0" encoding="utf-8"?>
+<p:sld xmlns:a="http://schemas.openxmlformats.org/drawingml/2006/main" xmlns:r="http://schemas.openxmlformats.org/officeDocument/2006/relationships" xmlns:p="http://schemas.openxmlformats.org/presentationml/2006/main">
+  <p:cSld>
+    <p:spTree>
+      <p:nvGrpSpPr>
+        <p:cNvPr id="1" name=""/>
+        <p:cNvGrpSpPr/>
+        <p:nvPr/>
+      </p:nvGrpSpPr>
+      <p:grpSpPr>
+        <a:xfrm>
+          <a:off x="0" y="0"/>
+          <a:ext cx="0" cy="0"/>
+          <a:chOff x="0" y="0"/>
+          <a:chExt cx="0" cy="0"/>
+        </a:xfrm>
+      </p:grpSpPr>
+      <p:sp>
+        <p:nvSpPr>
+          <p:cNvPr id="3" name="TextBox 2">
+            <a:extLst>
+              <a:ext uri="{FF2B5EF4-FFF2-40B4-BE49-F238E27FC236}">
+                <a16:creationId xmlns:a16="http://schemas.microsoft.com/office/drawing/2014/main" id="{845A49FA-FE14-09A5-F261-E31E1B9EB010}"/>
+              </a:ext>
+            </a:extLst>
+          </p:cNvPr>
+          <p:cNvSpPr txBox="1"/>
+          <p:nvPr/>
+        </p:nvSpPr>
+        <p:spPr>
+          <a:xfrm>
+            <a:off x="402443" y="128954"/>
+            <a:ext cx="1828800" cy="369332"/>
+          </a:xfrm>
+          <a:prstGeom prst="rect">
+            <a:avLst/>
+          </a:prstGeom>
+          <a:noFill/>
+        </p:spPr>
+        <p:txBody>
+          <a:bodyPr rot="0" spcFirstLastPara="0" vert="horz" wrap="square" lIns="91440" tIns="45720" rIns="91440" bIns="45720" numCol="1" spcCol="0" rtlCol="0" fromWordArt="0" anchor="t" anchorCtr="0" forceAA="0" compatLnSpc="1">
+            <a:prstTxWarp prst="textNoShape">
+              <a:avLst/>
+            </a:prstTxWarp>
+            <a:spAutoFit/>
+          </a:bodyPr>
+          <a:lstStyle>
+            <a:defPPr>
+              <a:defRPr lang="en-US"/>
+            </a:defPPr>
+            <a:lvl1pPr marL="0" algn="l" defTabSz="914400" rtl="0" eaLnBrk="1" latinLnBrk="0" hangingPunct="1">
+              <a:defRPr sz="1800" kern="1200">
+                <a:solidFill>
+                  <a:schemeClr val="tx1"/>
+                </a:solidFill>
+                <a:latin typeface="+mn-lt"/>
+                <a:ea typeface="+mn-ea"/>
+                <a:cs typeface="+mn-cs"/>
+              </a:defRPr>
+            </a:lvl1pPr>
+            <a:lvl2pPr marL="457200" algn="l" defTabSz="914400" rtl="0" eaLnBrk="1" latinLnBrk="0" hangingPunct="1">
+              <a:defRPr sz="1800" kern="1200">
+                <a:solidFill>
+                  <a:schemeClr val="tx1"/>
+                </a:solidFill>
+                <a:latin typeface="+mn-lt"/>
+                <a:ea typeface="+mn-ea"/>
+                <a:cs typeface="+mn-cs"/>
+              </a:defRPr>
+            </a:lvl2pPr>
+            <a:lvl3pPr marL="914400" algn="l" defTabSz="914400" rtl="0" eaLnBrk="1" latinLnBrk="0" hangingPunct="1">
+              <a:defRPr sz="1800" kern="1200">
+                <a:solidFill>
+                  <a:schemeClr val="tx1"/>
+                </a:solidFill>
+                <a:latin typeface="+mn-lt"/>
+                <a:ea typeface="+mn-ea"/>
+                <a:cs typeface="+mn-cs"/>
+              </a:defRPr>
+            </a:lvl3pPr>
+            <a:lvl4pPr marL="1371600" algn="l" defTabSz="914400" rtl="0" eaLnBrk="1" latinLnBrk="0" hangingPunct="1">
+              <a:defRPr sz="1800" kern="1200">
+                <a:solidFill>
+                  <a:schemeClr val="tx1"/>
+                </a:solidFill>
+                <a:latin typeface="+mn-lt"/>
+                <a:ea typeface="+mn-ea"/>
+                <a:cs typeface="+mn-cs"/>
+              </a:defRPr>
+            </a:lvl4pPr>
+            <a:lvl5pPr marL="1828800" algn="l" defTabSz="914400" rtl="0" eaLnBrk="1" latinLnBrk="0" hangingPunct="1">
+              <a:defRPr sz="1800" kern="1200">
+                <a:solidFill>
+                  <a:schemeClr val="tx1"/>
+                </a:solidFill>
+                <a:latin typeface="+mn-lt"/>
+                <a:ea typeface="+mn-ea"/>
+                <a:cs typeface="+mn-cs"/>
+              </a:defRPr>
+            </a:lvl5pPr>
+            <a:lvl6pPr marL="2286000" algn="l" defTabSz="914400" rtl="0" eaLnBrk="1" latinLnBrk="0" hangingPunct="1">
+              <a:defRPr sz="1800" kern="1200">
+                <a:solidFill>
+                  <a:schemeClr val="tx1"/>
+                </a:solidFill>
+                <a:latin typeface="+mn-lt"/>
+                <a:ea typeface="+mn-ea"/>
+                <a:cs typeface="+mn-cs"/>
+              </a:defRPr>
+            </a:lvl6pPr>
+            <a:lvl7pPr marL="2743200" algn="l" defTabSz="914400" rtl="0" eaLnBrk="1" latinLnBrk="0" hangingPunct="1">
+              <a:defRPr sz="1800" kern="1200">
+                <a:solidFill>
+                  <a:schemeClr val="tx1"/>
+                </a:solidFill>
+                <a:latin typeface="+mn-lt"/>
+                <a:ea typeface="+mn-ea"/>
+                <a:cs typeface="+mn-cs"/>
+              </a:defRPr>
+            </a:lvl7pPr>
+            <a:lvl8pPr marL="3200400" algn="l" defTabSz="914400" rtl="0" eaLnBrk="1" latinLnBrk="0" hangingPunct="1">
+              <a:defRPr sz="1800" kern="1200">
+                <a:solidFill>
+                  <a:schemeClr val="tx1"/>
+                </a:solidFill>
+                <a:latin typeface="+mn-lt"/>
+                <a:ea typeface="+mn-ea"/>
+                <a:cs typeface="+mn-cs"/>
+              </a:defRPr>
+            </a:lvl8pPr>
+            <a:lvl9pPr marL="3657600" algn="l" defTabSz="914400" rtl="0" eaLnBrk="1" latinLnBrk="0" hangingPunct="1">
+              <a:defRPr sz="1800" kern="1200">
+                <a:solidFill>
+                  <a:schemeClr val="tx1"/>
+                </a:solidFill>
+                <a:latin typeface="+mn-lt"/>
+                <a:ea typeface="+mn-ea"/>
+                <a:cs typeface="+mn-cs"/>
+              </a:defRPr>
+            </a:lvl9pPr>
+          </a:lstStyle>
+          <a:p>
+            <a:pPr algn="l"/>
+            <a:r>
+              <a:rPr lang="en-US" dirty="0"/>
+              <a:t>10 09 260</a:t>
+            </a:r>
+          </a:p>
+        </p:txBody>
+      </p:sp>
+      <p:sp>
+        <p:nvSpPr>
+          <p:cNvPr id="4" name="TextBox 3">
+            <a:extLst>
+              <a:ext uri="{FF2B5EF4-FFF2-40B4-BE49-F238E27FC236}">
+                <a16:creationId xmlns:a16="http://schemas.microsoft.com/office/drawing/2014/main" id="{5D9D32C1-EF01-6F19-2847-0465BD547108}"/>
+              </a:ext>
+            </a:extLst>
+          </p:cNvPr>
+          <p:cNvSpPr txBox="1"/>
+          <p:nvPr/>
+        </p:nvSpPr>
+        <p:spPr>
+          <a:xfrm>
+            <a:off x="5373372" y="128954"/>
+            <a:ext cx="1828800" cy="369332"/>
+          </a:xfrm>
+          <a:prstGeom prst="rect">
+            <a:avLst/>
+          </a:prstGeom>
+          <a:noFill/>
+        </p:spPr>
+        <p:txBody>
+          <a:bodyPr rot="0" spcFirstLastPara="0" vert="horz" wrap="square" lIns="91440" tIns="45720" rIns="91440" bIns="45720" numCol="1" spcCol="0" rtlCol="0" fromWordArt="0" anchor="t" anchorCtr="0" forceAA="0" compatLnSpc="1">
+            <a:prstTxWarp prst="textNoShape">
+              <a:avLst/>
+            </a:prstTxWarp>
+            <a:spAutoFit/>
+          </a:bodyPr>
+          <a:lstStyle>
+            <a:defPPr>
+              <a:defRPr lang="en-US"/>
+            </a:defPPr>
+            <a:lvl1pPr marL="0" algn="l" defTabSz="914400" rtl="0" eaLnBrk="1" latinLnBrk="0" hangingPunct="1">
+              <a:defRPr sz="1800" kern="1200">
+                <a:solidFill>
+                  <a:schemeClr val="tx1"/>
+                </a:solidFill>
+                <a:latin typeface="+mn-lt"/>
+                <a:ea typeface="+mn-ea"/>
+                <a:cs typeface="+mn-cs"/>
+              </a:defRPr>
+            </a:lvl1pPr>
+            <a:lvl2pPr marL="457200" algn="l" defTabSz="914400" rtl="0" eaLnBrk="1" latinLnBrk="0" hangingPunct="1">
+              <a:defRPr sz="1800" kern="1200">
+                <a:solidFill>
+                  <a:schemeClr val="tx1"/>
+                </a:solidFill>
+                <a:latin typeface="+mn-lt"/>
+                <a:ea typeface="+mn-ea"/>
+                <a:cs typeface="+mn-cs"/>
+              </a:defRPr>
+            </a:lvl2pPr>
+            <a:lvl3pPr marL="914400" algn="l" defTabSz="914400" rtl="0" eaLnBrk="1" latinLnBrk="0" hangingPunct="1">
+              <a:defRPr sz="1800" kern="1200">
+                <a:solidFill>
+                  <a:schemeClr val="tx1"/>
+                </a:solidFill>
+                <a:latin typeface="+mn-lt"/>
+                <a:ea typeface="+mn-ea"/>
+                <a:cs typeface="+mn-cs"/>
+              </a:defRPr>
+            </a:lvl3pPr>
+            <a:lvl4pPr marL="1371600" algn="l" defTabSz="914400" rtl="0" eaLnBrk="1" latinLnBrk="0" hangingPunct="1">
+              <a:defRPr sz="1800" kern="1200">
+                <a:solidFill>
+                  <a:schemeClr val="tx1"/>
+                </a:solidFill>
+                <a:latin typeface="+mn-lt"/>
+                <a:ea typeface="+mn-ea"/>
+                <a:cs typeface="+mn-cs"/>
+              </a:defRPr>
+            </a:lvl4pPr>
+            <a:lvl5pPr marL="1828800" algn="l" defTabSz="914400" rtl="0" eaLnBrk="1" latinLnBrk="0" hangingPunct="1">
+              <a:defRPr sz="1800" kern="1200">
+                <a:solidFill>
+                  <a:schemeClr val="tx1"/>
+                </a:solidFill>
+                <a:latin typeface="+mn-lt"/>
+                <a:ea typeface="+mn-ea"/>
+                <a:cs typeface="+mn-cs"/>
+              </a:defRPr>
+            </a:lvl5pPr>
+            <a:lvl6pPr marL="2286000" algn="l" defTabSz="914400" rtl="0" eaLnBrk="1" latinLnBrk="0" hangingPunct="1">
+              <a:defRPr sz="1800" kern="1200">
+                <a:solidFill>
+                  <a:schemeClr val="tx1"/>
+                </a:solidFill>
+                <a:latin typeface="+mn-lt"/>
+                <a:ea typeface="+mn-ea"/>
+                <a:cs typeface="+mn-cs"/>
+              </a:defRPr>
+            </a:lvl6pPr>
+            <a:lvl7pPr marL="2743200" algn="l" defTabSz="914400" rtl="0" eaLnBrk="1" latinLnBrk="0" hangingPunct="1">
+              <a:defRPr sz="1800" kern="1200">
+                <a:solidFill>
+                  <a:schemeClr val="tx1"/>
+                </a:solidFill>
+                <a:latin typeface="+mn-lt"/>
+                <a:ea typeface="+mn-ea"/>
+                <a:cs typeface="+mn-cs"/>
+              </a:defRPr>
+            </a:lvl7pPr>
+            <a:lvl8pPr marL="3200400" algn="l" defTabSz="914400" rtl="0" eaLnBrk="1" latinLnBrk="0" hangingPunct="1">
+              <a:defRPr sz="1800" kern="1200">
+                <a:solidFill>
+                  <a:schemeClr val="tx1"/>
+                </a:solidFill>
+                <a:latin typeface="+mn-lt"/>
+                <a:ea typeface="+mn-ea"/>
+                <a:cs typeface="+mn-cs"/>
+              </a:defRPr>
+            </a:lvl8pPr>
+            <a:lvl9pPr marL="3657600" algn="l" defTabSz="914400" rtl="0" eaLnBrk="1" latinLnBrk="0" hangingPunct="1">
+              <a:defRPr sz="1800" kern="1200">
+                <a:solidFill>
+                  <a:schemeClr val="tx1"/>
+                </a:solidFill>
+                <a:latin typeface="+mn-lt"/>
+                <a:ea typeface="+mn-ea"/>
+                <a:cs typeface="+mn-cs"/>
+              </a:defRPr>
+            </a:lvl9pPr>
+          </a:lstStyle>
+          <a:p>
+            <a:pPr algn="l"/>
+            <a:r>
+              <a:rPr lang="en-US" dirty="0"/>
+              <a:t>10 09 240</a:t>
+            </a:r>
+          </a:p>
+        </p:txBody>
+      </p:sp>
+      <p:sp>
+        <p:nvSpPr>
+          <p:cNvPr id="5" name="TextBox 4">
+            <a:extLst>
+              <a:ext uri="{FF2B5EF4-FFF2-40B4-BE49-F238E27FC236}">
+                <a16:creationId xmlns:a16="http://schemas.microsoft.com/office/drawing/2014/main" id="{A6F07378-5FEC-51FB-FA5B-BA2FB65C7880}"/>
+              </a:ext>
+            </a:extLst>
+          </p:cNvPr>
+          <p:cNvSpPr txBox="1"/>
+          <p:nvPr/>
+        </p:nvSpPr>
+        <p:spPr>
+          <a:xfrm>
+            <a:off x="9833811" y="128954"/>
+            <a:ext cx="1828800" cy="369332"/>
+          </a:xfrm>
+          <a:prstGeom prst="rect">
+            <a:avLst/>
+          </a:prstGeom>
+          <a:noFill/>
+        </p:spPr>
+        <p:txBody>
+          <a:bodyPr rot="0" spcFirstLastPara="0" vert="horz" wrap="square" lIns="91440" tIns="45720" rIns="91440" bIns="45720" numCol="1" spcCol="0" rtlCol="0" fromWordArt="0" anchor="t" anchorCtr="0" forceAA="0" compatLnSpc="1">
+            <a:prstTxWarp prst="textNoShape">
+              <a:avLst/>
+            </a:prstTxWarp>
+            <a:spAutoFit/>
+          </a:bodyPr>
+          <a:lstStyle>
+            <a:defPPr>
+              <a:defRPr lang="en-US"/>
+            </a:defPPr>
+            <a:lvl1pPr marL="0" algn="l" defTabSz="914400" rtl="0" eaLnBrk="1" latinLnBrk="0" hangingPunct="1">
+              <a:defRPr sz="1800" kern="1200">
+                <a:solidFill>
+                  <a:schemeClr val="tx1"/>
+                </a:solidFill>
+                <a:latin typeface="+mn-lt"/>
+                <a:ea typeface="+mn-ea"/>
+                <a:cs typeface="+mn-cs"/>
+              </a:defRPr>
+            </a:lvl1pPr>
+            <a:lvl2pPr marL="457200" algn="l" defTabSz="914400" rtl="0" eaLnBrk="1" latinLnBrk="0" hangingPunct="1">
+              <a:defRPr sz="1800" kern="1200">
+                <a:solidFill>
+                  <a:schemeClr val="tx1"/>
+                </a:solidFill>
+                <a:latin typeface="+mn-lt"/>
+                <a:ea typeface="+mn-ea"/>
+                <a:cs typeface="+mn-cs"/>
+              </a:defRPr>
+            </a:lvl2pPr>
+            <a:lvl3pPr marL="914400" algn="l" defTabSz="914400" rtl="0" eaLnBrk="1" latinLnBrk="0" hangingPunct="1">
+              <a:defRPr sz="1800" kern="1200">
+                <a:solidFill>
+                  <a:schemeClr val="tx1"/>
+                </a:solidFill>
+                <a:latin typeface="+mn-lt"/>
+                <a:ea typeface="+mn-ea"/>
+                <a:cs typeface="+mn-cs"/>
+              </a:defRPr>
+            </a:lvl3pPr>
+            <a:lvl4pPr marL="1371600" algn="l" defTabSz="914400" rtl="0" eaLnBrk="1" latinLnBrk="0" hangingPunct="1">
+              <a:defRPr sz="1800" kern="1200">
+                <a:solidFill>
+                  <a:schemeClr val="tx1"/>
+                </a:solidFill>
+                <a:latin typeface="+mn-lt"/>
+                <a:ea typeface="+mn-ea"/>
+                <a:cs typeface="+mn-cs"/>
+              </a:defRPr>
+            </a:lvl4pPr>
+            <a:lvl5pPr marL="1828800" algn="l" defTabSz="914400" rtl="0" eaLnBrk="1" latinLnBrk="0" hangingPunct="1">
+              <a:defRPr sz="1800" kern="1200">
+                <a:solidFill>
+                  <a:schemeClr val="tx1"/>
+                </a:solidFill>
+                <a:latin typeface="+mn-lt"/>
+                <a:ea typeface="+mn-ea"/>
+                <a:cs typeface="+mn-cs"/>
+              </a:defRPr>
+            </a:lvl5pPr>
+            <a:lvl6pPr marL="2286000" algn="l" defTabSz="914400" rtl="0" eaLnBrk="1" latinLnBrk="0" hangingPunct="1">
+              <a:defRPr sz="1800" kern="1200">
+                <a:solidFill>
+                  <a:schemeClr val="tx1"/>
+                </a:solidFill>
+                <a:latin typeface="+mn-lt"/>
+                <a:ea typeface="+mn-ea"/>
+                <a:cs typeface="+mn-cs"/>
+              </a:defRPr>
+            </a:lvl6pPr>
+            <a:lvl7pPr marL="2743200" algn="l" defTabSz="914400" rtl="0" eaLnBrk="1" latinLnBrk="0" hangingPunct="1">
+              <a:defRPr sz="1800" kern="1200">
+                <a:solidFill>
+                  <a:schemeClr val="tx1"/>
+                </a:solidFill>
+                <a:latin typeface="+mn-lt"/>
+                <a:ea typeface="+mn-ea"/>
+                <a:cs typeface="+mn-cs"/>
+              </a:defRPr>
+            </a:lvl7pPr>
+            <a:lvl8pPr marL="3200400" algn="l" defTabSz="914400" rtl="0" eaLnBrk="1" latinLnBrk="0" hangingPunct="1">
+              <a:defRPr sz="1800" kern="1200">
+                <a:solidFill>
+                  <a:schemeClr val="tx1"/>
+                </a:solidFill>
+                <a:latin typeface="+mn-lt"/>
+                <a:ea typeface="+mn-ea"/>
+                <a:cs typeface="+mn-cs"/>
+              </a:defRPr>
+            </a:lvl8pPr>
+            <a:lvl9pPr marL="3657600" algn="l" defTabSz="914400" rtl="0" eaLnBrk="1" latinLnBrk="0" hangingPunct="1">
+              <a:defRPr sz="1800" kern="1200">
+                <a:solidFill>
+                  <a:schemeClr val="tx1"/>
+                </a:solidFill>
+                <a:latin typeface="+mn-lt"/>
+                <a:ea typeface="+mn-ea"/>
+                <a:cs typeface="+mn-cs"/>
+              </a:defRPr>
+            </a:lvl9pPr>
+          </a:lstStyle>
+          <a:p>
+            <a:pPr algn="l"/>
+            <a:r>
+              <a:rPr lang="en-US" dirty="0"/>
+              <a:t>10 09 220</a:t>
+            </a:r>
+          </a:p>
+        </p:txBody>
+      </p:sp>
+    </p:spTree>
+    <p:extLst>
+      <p:ext uri="{BB962C8B-B14F-4D97-AF65-F5344CB8AC3E}">
+        <p14:creationId xmlns:p14="http://schemas.microsoft.com/office/powerpoint/2010/main" val="1221207151"/>
+      </p:ext>
+    </p:extLst>
+  </p:cSld>
+  <p:clrMapOvr>
+    <a:masterClrMapping/>
+  </p:clrMapOvr>
+</p:sld>
+</file>
+
 <file path=ppt/slides/slide2.xml><?xml version="1.0" encoding="utf-8"?>
 <p:sld xmlns:a="http://schemas.openxmlformats.org/drawingml/2006/main" xmlns:r="http://schemas.openxmlformats.org/officeDocument/2006/relationships" xmlns:p="http://schemas.openxmlformats.org/presentationml/2006/main">
   <p:cSld>

--- a/p_update.pptx
+++ b/p_update.pptx
@@ -8725,6 +8725,53 @@
           </a:p>
         </p:txBody>
       </p:sp>
+      <p:pic>
+        <p:nvPicPr>
+          <p:cNvPr id="1026" name="Picture 2">
+            <a:extLst>
+              <a:ext uri="{FF2B5EF4-FFF2-40B4-BE49-F238E27FC236}">
+                <a16:creationId xmlns:a16="http://schemas.microsoft.com/office/drawing/2014/main" id="{3D3DC36F-F202-B61B-1133-3A953B4DDC10}"/>
+              </a:ext>
+            </a:extLst>
+          </p:cNvPr>
+          <p:cNvPicPr>
+            <a:picLocks noChangeAspect="1" noChangeArrowheads="1"/>
+          </p:cNvPicPr>
+          <p:nvPr/>
+        </p:nvPicPr>
+        <p:blipFill>
+          <a:blip r:embed="rId2">
+            <a:extLst>
+              <a:ext uri="{28A0092B-C50C-407E-A947-70E740481C1C}">
+                <a14:useLocalDpi xmlns:a14="http://schemas.microsoft.com/office/drawing/2010/main" val="0"/>
+              </a:ext>
+            </a:extLst>
+          </a:blip>
+          <a:srcRect/>
+          <a:stretch>
+            <a:fillRect/>
+          </a:stretch>
+        </p:blipFill>
+        <p:spPr bwMode="auto">
+          <a:xfrm>
+            <a:off x="8754105" y="806568"/>
+            <a:ext cx="3112517" cy="2402458"/>
+          </a:xfrm>
+          <a:prstGeom prst="rect">
+            <a:avLst/>
+          </a:prstGeom>
+          <a:noFill/>
+          <a:extLst>
+            <a:ext uri="{909E8E84-426E-40DD-AFC4-6F175D3DCCD1}">
+              <a14:hiddenFill xmlns:a14="http://schemas.microsoft.com/office/drawing/2010/main">
+                <a:solidFill>
+                  <a:srgbClr val="FFFFFF"/>
+                </a:solidFill>
+              </a14:hiddenFill>
+            </a:ext>
+          </a:extLst>
+        </p:spPr>
+      </p:pic>
     </p:spTree>
     <p:extLst>
       <p:ext uri="{BB962C8B-B14F-4D97-AF65-F5344CB8AC3E}">

--- a/p_update.pptx
+++ b/p_update.pptx
@@ -8772,6 +8772,53 @@
           </a:extLst>
         </p:spPr>
       </p:pic>
+      <p:pic>
+        <p:nvPicPr>
+          <p:cNvPr id="1030" name="Picture 6">
+            <a:extLst>
+              <a:ext uri="{FF2B5EF4-FFF2-40B4-BE49-F238E27FC236}">
+                <a16:creationId xmlns:a16="http://schemas.microsoft.com/office/drawing/2014/main" id="{07CD5E9F-7B50-1E68-5D71-E86B94F80A31}"/>
+              </a:ext>
+            </a:extLst>
+          </p:cNvPr>
+          <p:cNvPicPr>
+            <a:picLocks noChangeAspect="1" noChangeArrowheads="1"/>
+          </p:cNvPicPr>
+          <p:nvPr/>
+        </p:nvPicPr>
+        <p:blipFill>
+          <a:blip r:embed="rId3">
+            <a:extLst>
+              <a:ext uri="{28A0092B-C50C-407E-A947-70E740481C1C}">
+                <a14:useLocalDpi xmlns:a14="http://schemas.microsoft.com/office/drawing/2010/main" val="0"/>
+              </a:ext>
+            </a:extLst>
+          </a:blip>
+          <a:srcRect/>
+          <a:stretch>
+            <a:fillRect/>
+          </a:stretch>
+        </p:blipFill>
+        <p:spPr bwMode="auto">
+          <a:xfrm>
+            <a:off x="4647932" y="806567"/>
+            <a:ext cx="3061526" cy="2363099"/>
+          </a:xfrm>
+          <a:prstGeom prst="rect">
+            <a:avLst/>
+          </a:prstGeom>
+          <a:noFill/>
+          <a:extLst>
+            <a:ext uri="{909E8E84-426E-40DD-AFC4-6F175D3DCCD1}">
+              <a14:hiddenFill xmlns:a14="http://schemas.microsoft.com/office/drawing/2010/main">
+                <a:solidFill>
+                  <a:srgbClr val="FFFFFF"/>
+                </a:solidFill>
+              </a14:hiddenFill>
+            </a:ext>
+          </a:extLst>
+        </p:spPr>
+      </p:pic>
     </p:spTree>
     <p:extLst>
       <p:ext uri="{BB962C8B-B14F-4D97-AF65-F5344CB8AC3E}">

--- a/p_update.pptx
+++ b/p_update.pptx
@@ -8296,6 +8296,194 @@
           </p:txBody>
         </p:sp>
       </p:grpSp>
+      <p:pic>
+        <p:nvPicPr>
+          <p:cNvPr id="2050" name="Picture 2">
+            <a:extLst>
+              <a:ext uri="{FF2B5EF4-FFF2-40B4-BE49-F238E27FC236}">
+                <a16:creationId xmlns:a16="http://schemas.microsoft.com/office/drawing/2014/main" id="{DAA05450-BAB6-3667-DA5A-473A2A75282B}"/>
+              </a:ext>
+            </a:extLst>
+          </p:cNvPr>
+          <p:cNvPicPr>
+            <a:picLocks noChangeAspect="1" noChangeArrowheads="1"/>
+          </p:cNvPicPr>
+          <p:nvPr/>
+        </p:nvPicPr>
+        <p:blipFill>
+          <a:blip r:embed="rId2">
+            <a:extLst>
+              <a:ext uri="{28A0092B-C50C-407E-A947-70E740481C1C}">
+                <a14:useLocalDpi xmlns:a14="http://schemas.microsoft.com/office/drawing/2010/main" val="0"/>
+              </a:ext>
+            </a:extLst>
+          </a:blip>
+          <a:srcRect/>
+          <a:stretch>
+            <a:fillRect/>
+          </a:stretch>
+        </p:blipFill>
+        <p:spPr bwMode="auto">
+          <a:xfrm>
+            <a:off x="8555697" y="4011074"/>
+            <a:ext cx="3521283" cy="2717972"/>
+          </a:xfrm>
+          <a:prstGeom prst="rect">
+            <a:avLst/>
+          </a:prstGeom>
+          <a:noFill/>
+          <a:extLst>
+            <a:ext uri="{909E8E84-426E-40DD-AFC4-6F175D3DCCD1}">
+              <a14:hiddenFill xmlns:a14="http://schemas.microsoft.com/office/drawing/2010/main">
+                <a:solidFill>
+                  <a:srgbClr val="FFFFFF"/>
+                </a:solidFill>
+              </a14:hiddenFill>
+            </a:ext>
+          </a:extLst>
+        </p:spPr>
+      </p:pic>
+      <p:pic>
+        <p:nvPicPr>
+          <p:cNvPr id="2052" name="Picture 4">
+            <a:extLst>
+              <a:ext uri="{FF2B5EF4-FFF2-40B4-BE49-F238E27FC236}">
+                <a16:creationId xmlns:a16="http://schemas.microsoft.com/office/drawing/2014/main" id="{5DBD36AC-70B6-2595-EBDB-A838FB8A7F97}"/>
+              </a:ext>
+            </a:extLst>
+          </p:cNvPr>
+          <p:cNvPicPr>
+            <a:picLocks noChangeAspect="1" noChangeArrowheads="1"/>
+          </p:cNvPicPr>
+          <p:nvPr/>
+        </p:nvPicPr>
+        <p:blipFill>
+          <a:blip r:embed="rId3">
+            <a:extLst>
+              <a:ext uri="{28A0092B-C50C-407E-A947-70E740481C1C}">
+                <a14:useLocalDpi xmlns:a14="http://schemas.microsoft.com/office/drawing/2010/main" val="0"/>
+              </a:ext>
+            </a:extLst>
+          </a:blip>
+          <a:srcRect/>
+          <a:stretch>
+            <a:fillRect/>
+          </a:stretch>
+        </p:blipFill>
+        <p:spPr bwMode="auto">
+          <a:xfrm>
+            <a:off x="4199357" y="3999650"/>
+            <a:ext cx="3521285" cy="2717973"/>
+          </a:xfrm>
+          <a:prstGeom prst="rect">
+            <a:avLst/>
+          </a:prstGeom>
+          <a:noFill/>
+          <a:extLst>
+            <a:ext uri="{909E8E84-426E-40DD-AFC4-6F175D3DCCD1}">
+              <a14:hiddenFill xmlns:a14="http://schemas.microsoft.com/office/drawing/2010/main">
+                <a:solidFill>
+                  <a:srgbClr val="FFFFFF"/>
+                </a:solidFill>
+              </a14:hiddenFill>
+            </a:ext>
+          </a:extLst>
+        </p:spPr>
+      </p:pic>
+      <p:pic>
+        <p:nvPicPr>
+          <p:cNvPr id="2054" name="Picture 6">
+            <a:extLst>
+              <a:ext uri="{FF2B5EF4-FFF2-40B4-BE49-F238E27FC236}">
+                <a16:creationId xmlns:a16="http://schemas.microsoft.com/office/drawing/2014/main" id="{68F7BB65-978A-07A0-74A9-C2AFBB99E312}"/>
+              </a:ext>
+            </a:extLst>
+          </p:cNvPr>
+          <p:cNvPicPr>
+            <a:picLocks noChangeAspect="1" noChangeArrowheads="1"/>
+          </p:cNvPicPr>
+          <p:nvPr/>
+        </p:nvPicPr>
+        <p:blipFill>
+          <a:blip r:embed="rId4">
+            <a:extLst>
+              <a:ext uri="{28A0092B-C50C-407E-A947-70E740481C1C}">
+                <a14:useLocalDpi xmlns:a14="http://schemas.microsoft.com/office/drawing/2010/main" val="0"/>
+              </a:ext>
+            </a:extLst>
+          </a:blip>
+          <a:srcRect/>
+          <a:stretch>
+            <a:fillRect/>
+          </a:stretch>
+        </p:blipFill>
+        <p:spPr bwMode="auto">
+          <a:xfrm>
+            <a:off x="8555694" y="498286"/>
+            <a:ext cx="3521286" cy="2717974"/>
+          </a:xfrm>
+          <a:prstGeom prst="rect">
+            <a:avLst/>
+          </a:prstGeom>
+          <a:noFill/>
+          <a:extLst>
+            <a:ext uri="{909E8E84-426E-40DD-AFC4-6F175D3DCCD1}">
+              <a14:hiddenFill xmlns:a14="http://schemas.microsoft.com/office/drawing/2010/main">
+                <a:solidFill>
+                  <a:srgbClr val="FFFFFF"/>
+                </a:solidFill>
+              </a14:hiddenFill>
+            </a:ext>
+          </a:extLst>
+        </p:spPr>
+      </p:pic>
+      <p:pic>
+        <p:nvPicPr>
+          <p:cNvPr id="2056" name="Picture 8">
+            <a:extLst>
+              <a:ext uri="{FF2B5EF4-FFF2-40B4-BE49-F238E27FC236}">
+                <a16:creationId xmlns:a16="http://schemas.microsoft.com/office/drawing/2014/main" id="{B7AE0C96-AE50-3ABC-B3AF-F4A77B4CA2BC}"/>
+              </a:ext>
+            </a:extLst>
+          </p:cNvPr>
+          <p:cNvPicPr>
+            <a:picLocks noChangeAspect="1" noChangeArrowheads="1"/>
+          </p:cNvPicPr>
+          <p:nvPr/>
+        </p:nvPicPr>
+        <p:blipFill>
+          <a:blip r:embed="rId5">
+            <a:extLst>
+              <a:ext uri="{28A0092B-C50C-407E-A947-70E740481C1C}">
+                <a14:useLocalDpi xmlns:a14="http://schemas.microsoft.com/office/drawing/2010/main" val="0"/>
+              </a:ext>
+            </a:extLst>
+          </a:blip>
+          <a:srcRect/>
+          <a:stretch>
+            <a:fillRect/>
+          </a:stretch>
+        </p:blipFill>
+        <p:spPr bwMode="auto">
+          <a:xfrm>
+            <a:off x="4199354" y="517365"/>
+            <a:ext cx="3521288" cy="2717975"/>
+          </a:xfrm>
+          <a:prstGeom prst="rect">
+            <a:avLst/>
+          </a:prstGeom>
+          <a:noFill/>
+          <a:extLst>
+            <a:ext uri="{909E8E84-426E-40DD-AFC4-6F175D3DCCD1}">
+              <a14:hiddenFill xmlns:a14="http://schemas.microsoft.com/office/drawing/2010/main">
+                <a:solidFill>
+                  <a:srgbClr val="FFFFFF"/>
+                </a:solidFill>
+              </a14:hiddenFill>
+            </a:ext>
+          </a:extLst>
+        </p:spPr>
+      </p:pic>
     </p:spTree>
     <p:extLst>
       <p:ext uri="{BB962C8B-B14F-4D97-AF65-F5344CB8AC3E}">
@@ -8803,6 +8991,53 @@
           <a:xfrm>
             <a:off x="4647932" y="806567"/>
             <a:ext cx="3061526" cy="2363099"/>
+          </a:xfrm>
+          <a:prstGeom prst="rect">
+            <a:avLst/>
+          </a:prstGeom>
+          <a:noFill/>
+          <a:extLst>
+            <a:ext uri="{909E8E84-426E-40DD-AFC4-6F175D3DCCD1}">
+              <a14:hiddenFill xmlns:a14="http://schemas.microsoft.com/office/drawing/2010/main">
+                <a:solidFill>
+                  <a:srgbClr val="FFFFFF"/>
+                </a:solidFill>
+              </a14:hiddenFill>
+            </a:ext>
+          </a:extLst>
+        </p:spPr>
+      </p:pic>
+      <p:pic>
+        <p:nvPicPr>
+          <p:cNvPr id="1032" name="Picture 8">
+            <a:extLst>
+              <a:ext uri="{FF2B5EF4-FFF2-40B4-BE49-F238E27FC236}">
+                <a16:creationId xmlns:a16="http://schemas.microsoft.com/office/drawing/2014/main" id="{8B48B59E-FA18-56F4-5FAE-7CE5CAD26025}"/>
+              </a:ext>
+            </a:extLst>
+          </p:cNvPr>
+          <p:cNvPicPr>
+            <a:picLocks noChangeAspect="1" noChangeArrowheads="1"/>
+          </p:cNvPicPr>
+          <p:nvPr/>
+        </p:nvPicPr>
+        <p:blipFill>
+          <a:blip r:embed="rId4">
+            <a:extLst>
+              <a:ext uri="{28A0092B-C50C-407E-A947-70E740481C1C}">
+                <a14:useLocalDpi xmlns:a14="http://schemas.microsoft.com/office/drawing/2010/main" val="0"/>
+              </a:ext>
+            </a:extLst>
+          </a:blip>
+          <a:srcRect/>
+          <a:stretch>
+            <a:fillRect/>
+          </a:stretch>
+        </p:blipFill>
+        <p:spPr bwMode="auto">
+          <a:xfrm>
+            <a:off x="490768" y="767209"/>
+            <a:ext cx="3112517" cy="2402457"/>
           </a:xfrm>
           <a:prstGeom prst="rect">
             <a:avLst/>

--- a/p_update.pptx
+++ b/p_update.pptx
@@ -8484,6 +8484,53 @@
           </a:extLst>
         </p:spPr>
       </p:pic>
+      <p:pic>
+        <p:nvPicPr>
+          <p:cNvPr id="2058" name="Picture 10">
+            <a:extLst>
+              <a:ext uri="{FF2B5EF4-FFF2-40B4-BE49-F238E27FC236}">
+                <a16:creationId xmlns:a16="http://schemas.microsoft.com/office/drawing/2014/main" id="{14EE28EA-EE27-E41B-AF2F-34FA2A4C4BC3}"/>
+              </a:ext>
+            </a:extLst>
+          </p:cNvPr>
+          <p:cNvPicPr>
+            <a:picLocks noChangeAspect="1" noChangeArrowheads="1"/>
+          </p:cNvPicPr>
+          <p:nvPr/>
+        </p:nvPicPr>
+        <p:blipFill>
+          <a:blip r:embed="rId6">
+            <a:extLst>
+              <a:ext uri="{28A0092B-C50C-407E-A947-70E740481C1C}">
+                <a14:useLocalDpi xmlns:a14="http://schemas.microsoft.com/office/drawing/2010/main" val="0"/>
+              </a:ext>
+            </a:extLst>
+          </a:blip>
+          <a:srcRect/>
+          <a:stretch>
+            <a:fillRect/>
+          </a:stretch>
+        </p:blipFill>
+        <p:spPr bwMode="auto">
+          <a:xfrm>
+            <a:off x="115020" y="517365"/>
+            <a:ext cx="3521285" cy="2717973"/>
+          </a:xfrm>
+          <a:prstGeom prst="rect">
+            <a:avLst/>
+          </a:prstGeom>
+          <a:noFill/>
+          <a:extLst>
+            <a:ext uri="{909E8E84-426E-40DD-AFC4-6F175D3DCCD1}">
+              <a14:hiddenFill xmlns:a14="http://schemas.microsoft.com/office/drawing/2010/main">
+                <a:solidFill>
+                  <a:srgbClr val="FFFFFF"/>
+                </a:solidFill>
+              </a14:hiddenFill>
+            </a:ext>
+          </a:extLst>
+        </p:spPr>
+      </p:pic>
     </p:spTree>
     <p:extLst>
       <p:ext uri="{BB962C8B-B14F-4D97-AF65-F5344CB8AC3E}">

--- a/p_update.pptx
+++ b/p_update.pptx
@@ -8989,8 +8989,8 @@
         </p:blipFill>
         <p:spPr bwMode="auto">
           <a:xfrm>
-            <a:off x="8754105" y="806568"/>
-            <a:ext cx="3112517" cy="2402458"/>
+            <a:off x="8710973" y="720389"/>
+            <a:ext cx="3397281" cy="2622259"/>
           </a:xfrm>
           <a:prstGeom prst="rect">
             <a:avLst/>
@@ -9036,8 +9036,8 @@
         </p:blipFill>
         <p:spPr bwMode="auto">
           <a:xfrm>
-            <a:off x="4647932" y="806567"/>
-            <a:ext cx="3061526" cy="2363099"/>
+            <a:off x="4616959" y="741870"/>
+            <a:ext cx="3341625" cy="2579299"/>
           </a:xfrm>
           <a:prstGeom prst="rect">
             <a:avLst/>
@@ -9056,10 +9056,10 @@
       </p:pic>
       <p:pic>
         <p:nvPicPr>
-          <p:cNvPr id="1032" name="Picture 8">
-            <a:extLst>
-              <a:ext uri="{FF2B5EF4-FFF2-40B4-BE49-F238E27FC236}">
-                <a16:creationId xmlns:a16="http://schemas.microsoft.com/office/drawing/2014/main" id="{8B48B59E-FA18-56F4-5FAE-7CE5CAD26025}"/>
+          <p:cNvPr id="1034" name="Picture 10">
+            <a:extLst>
+              <a:ext uri="{FF2B5EF4-FFF2-40B4-BE49-F238E27FC236}">
+                <a16:creationId xmlns:a16="http://schemas.microsoft.com/office/drawing/2014/main" id="{5DE8606B-9E7C-8863-3CEB-5DBFC85AF761}"/>
               </a:ext>
             </a:extLst>
           </p:cNvPr>
@@ -9083,8 +9083,8 @@
         </p:blipFill>
         <p:spPr bwMode="auto">
           <a:xfrm>
-            <a:off x="490768" y="767209"/>
-            <a:ext cx="3112517" cy="2402457"/>
+            <a:off x="325377" y="741871"/>
+            <a:ext cx="3341625" cy="2579299"/>
           </a:xfrm>
           <a:prstGeom prst="rect">
             <a:avLst/>

--- a/p_update.pptx
+++ b/p_update.pptx
@@ -20,6 +20,10 @@
     <p:sldId id="268" r:id="rId14"/>
     <p:sldId id="269" r:id="rId15"/>
     <p:sldId id="271" r:id="rId16"/>
+    <p:sldId id="272" r:id="rId17"/>
+    <p:sldId id="273" r:id="rId18"/>
+    <p:sldId id="274" r:id="rId19"/>
+    <p:sldId id="275" r:id="rId20"/>
   </p:sldIdLst>
   <p:sldSz cx="12192000" cy="6858000"/>
   <p:notesSz cx="6858000" cy="9144000"/>
@@ -273,7 +277,7 @@
           <a:p>
             <a:fld id="{AC0A374C-67DD-7B41-A977-89CB4768BCE6}" type="datetimeFigureOut">
               <a:rPr lang="en-US" smtClean="0"/>
-              <a:t>8/1/2022</a:t>
+              <a:t>8/4/2022</a:t>
             </a:fld>
             <a:endParaRPr lang="en-US"/>
           </a:p>
@@ -471,7 +475,7 @@
           <a:p>
             <a:fld id="{AC0A374C-67DD-7B41-A977-89CB4768BCE6}" type="datetimeFigureOut">
               <a:rPr lang="en-US" smtClean="0"/>
-              <a:t>8/1/2022</a:t>
+              <a:t>8/4/2022</a:t>
             </a:fld>
             <a:endParaRPr lang="en-US"/>
           </a:p>
@@ -679,7 +683,7 @@
           <a:p>
             <a:fld id="{AC0A374C-67DD-7B41-A977-89CB4768BCE6}" type="datetimeFigureOut">
               <a:rPr lang="en-US" smtClean="0"/>
-              <a:t>8/1/2022</a:t>
+              <a:t>8/4/2022</a:t>
             </a:fld>
             <a:endParaRPr lang="en-US"/>
           </a:p>
@@ -877,7 +881,7 @@
           <a:p>
             <a:fld id="{AC0A374C-67DD-7B41-A977-89CB4768BCE6}" type="datetimeFigureOut">
               <a:rPr lang="en-US" smtClean="0"/>
-              <a:t>8/1/2022</a:t>
+              <a:t>8/4/2022</a:t>
             </a:fld>
             <a:endParaRPr lang="en-US"/>
           </a:p>
@@ -1152,7 +1156,7 @@
           <a:p>
             <a:fld id="{AC0A374C-67DD-7B41-A977-89CB4768BCE6}" type="datetimeFigureOut">
               <a:rPr lang="en-US" smtClean="0"/>
-              <a:t>8/1/2022</a:t>
+              <a:t>8/4/2022</a:t>
             </a:fld>
             <a:endParaRPr lang="en-US"/>
           </a:p>
@@ -1417,7 +1421,7 @@
           <a:p>
             <a:fld id="{AC0A374C-67DD-7B41-A977-89CB4768BCE6}" type="datetimeFigureOut">
               <a:rPr lang="en-US" smtClean="0"/>
-              <a:t>8/1/2022</a:t>
+              <a:t>8/4/2022</a:t>
             </a:fld>
             <a:endParaRPr lang="en-US"/>
           </a:p>
@@ -1829,7 +1833,7 @@
           <a:p>
             <a:fld id="{AC0A374C-67DD-7B41-A977-89CB4768BCE6}" type="datetimeFigureOut">
               <a:rPr lang="en-US" smtClean="0"/>
-              <a:t>8/1/2022</a:t>
+              <a:t>8/4/2022</a:t>
             </a:fld>
             <a:endParaRPr lang="en-US"/>
           </a:p>
@@ -1970,7 +1974,7 @@
           <a:p>
             <a:fld id="{AC0A374C-67DD-7B41-A977-89CB4768BCE6}" type="datetimeFigureOut">
               <a:rPr lang="en-US" smtClean="0"/>
-              <a:t>8/1/2022</a:t>
+              <a:t>8/4/2022</a:t>
             </a:fld>
             <a:endParaRPr lang="en-US"/>
           </a:p>
@@ -2083,7 +2087,7 @@
           <a:p>
             <a:fld id="{AC0A374C-67DD-7B41-A977-89CB4768BCE6}" type="datetimeFigureOut">
               <a:rPr lang="en-US" smtClean="0"/>
-              <a:t>8/1/2022</a:t>
+              <a:t>8/4/2022</a:t>
             </a:fld>
             <a:endParaRPr lang="en-US"/>
           </a:p>
@@ -2394,7 +2398,7 @@
           <a:p>
             <a:fld id="{AC0A374C-67DD-7B41-A977-89CB4768BCE6}" type="datetimeFigureOut">
               <a:rPr lang="en-US" smtClean="0"/>
-              <a:t>8/1/2022</a:t>
+              <a:t>8/4/2022</a:t>
             </a:fld>
             <a:endParaRPr lang="en-US"/>
           </a:p>
@@ -2682,7 +2686,7 @@
           <a:p>
             <a:fld id="{AC0A374C-67DD-7B41-A977-89CB4768BCE6}" type="datetimeFigureOut">
               <a:rPr lang="en-US" smtClean="0"/>
-              <a:t>8/1/2022</a:t>
+              <a:t>8/4/2022</a:t>
             </a:fld>
             <a:endParaRPr lang="en-US"/>
           </a:p>
@@ -2923,7 +2927,7 @@
           <a:p>
             <a:fld id="{AC0A374C-67DD-7B41-A977-89CB4768BCE6}" type="datetimeFigureOut">
               <a:rPr lang="en-US" smtClean="0"/>
-              <a:t>8/1/2022</a:t>
+              <a:t>8/4/2022</a:t>
             </a:fld>
             <a:endParaRPr lang="en-US"/>
           </a:p>
@@ -9114,6 +9118,3003 @@
 </p:sld>
 </file>
 
+<file path=ppt/slides/slide16.xml><?xml version="1.0" encoding="utf-8"?>
+<p:sld xmlns:a="http://schemas.openxmlformats.org/drawingml/2006/main" xmlns:r="http://schemas.openxmlformats.org/officeDocument/2006/relationships" xmlns:p="http://schemas.openxmlformats.org/presentationml/2006/main">
+  <p:cSld>
+    <p:spTree>
+      <p:nvGrpSpPr>
+        <p:cNvPr id="1" name=""/>
+        <p:cNvGrpSpPr/>
+        <p:nvPr/>
+      </p:nvGrpSpPr>
+      <p:grpSpPr>
+        <a:xfrm>
+          <a:off x="0" y="0"/>
+          <a:ext cx="0" cy="0"/>
+          <a:chOff x="0" y="0"/>
+          <a:chExt cx="0" cy="0"/>
+        </a:xfrm>
+      </p:grpSpPr>
+      <p:grpSp>
+        <p:nvGrpSpPr>
+          <p:cNvPr id="2" name="Group 1">
+            <a:extLst>
+              <a:ext uri="{FF2B5EF4-FFF2-40B4-BE49-F238E27FC236}">
+                <a16:creationId xmlns:a16="http://schemas.microsoft.com/office/drawing/2014/main" id="{48BB38F6-EE66-D025-0B25-0FE0898A75A9}"/>
+              </a:ext>
+            </a:extLst>
+          </p:cNvPr>
+          <p:cNvGrpSpPr/>
+          <p:nvPr/>
+        </p:nvGrpSpPr>
+        <p:grpSpPr>
+          <a:xfrm>
+            <a:off x="402443" y="128954"/>
+            <a:ext cx="11260168" cy="3673207"/>
+            <a:chOff x="402443" y="128954"/>
+            <a:chExt cx="11260168" cy="3673207"/>
+          </a:xfrm>
+        </p:grpSpPr>
+        <p:sp>
+          <p:nvSpPr>
+            <p:cNvPr id="3" name="TextBox 2">
+              <a:extLst>
+                <a:ext uri="{FF2B5EF4-FFF2-40B4-BE49-F238E27FC236}">
+                  <a16:creationId xmlns:a16="http://schemas.microsoft.com/office/drawing/2014/main" id="{845A49FA-FE14-09A5-F261-E31E1B9EB010}"/>
+                </a:ext>
+              </a:extLst>
+            </p:cNvPr>
+            <p:cNvSpPr txBox="1"/>
+            <p:nvPr/>
+          </p:nvSpPr>
+          <p:spPr>
+            <a:xfrm>
+              <a:off x="402443" y="128954"/>
+              <a:ext cx="1828800" cy="369332"/>
+            </a:xfrm>
+            <a:prstGeom prst="rect">
+              <a:avLst/>
+            </a:prstGeom>
+            <a:noFill/>
+          </p:spPr>
+          <p:txBody>
+            <a:bodyPr rot="0" spcFirstLastPara="0" vert="horz" wrap="square" lIns="91440" tIns="45720" rIns="91440" bIns="45720" numCol="1" spcCol="0" rtlCol="0" fromWordArt="0" anchor="t" anchorCtr="0" forceAA="0" compatLnSpc="1">
+              <a:prstTxWarp prst="textNoShape">
+                <a:avLst/>
+              </a:prstTxWarp>
+              <a:spAutoFit/>
+            </a:bodyPr>
+            <a:lstStyle>
+              <a:defPPr>
+                <a:defRPr lang="en-US"/>
+              </a:defPPr>
+              <a:lvl1pPr marL="0" algn="l" defTabSz="914400" rtl="0" eaLnBrk="1" latinLnBrk="0" hangingPunct="1">
+                <a:defRPr sz="1800" kern="1200">
+                  <a:solidFill>
+                    <a:schemeClr val="tx1"/>
+                  </a:solidFill>
+                  <a:latin typeface="+mn-lt"/>
+                  <a:ea typeface="+mn-ea"/>
+                  <a:cs typeface="+mn-cs"/>
+                </a:defRPr>
+              </a:lvl1pPr>
+              <a:lvl2pPr marL="457200" algn="l" defTabSz="914400" rtl="0" eaLnBrk="1" latinLnBrk="0" hangingPunct="1">
+                <a:defRPr sz="1800" kern="1200">
+                  <a:solidFill>
+                    <a:schemeClr val="tx1"/>
+                  </a:solidFill>
+                  <a:latin typeface="+mn-lt"/>
+                  <a:ea typeface="+mn-ea"/>
+                  <a:cs typeface="+mn-cs"/>
+                </a:defRPr>
+              </a:lvl2pPr>
+              <a:lvl3pPr marL="914400" algn="l" defTabSz="914400" rtl="0" eaLnBrk="1" latinLnBrk="0" hangingPunct="1">
+                <a:defRPr sz="1800" kern="1200">
+                  <a:solidFill>
+                    <a:schemeClr val="tx1"/>
+                  </a:solidFill>
+                  <a:latin typeface="+mn-lt"/>
+                  <a:ea typeface="+mn-ea"/>
+                  <a:cs typeface="+mn-cs"/>
+                </a:defRPr>
+              </a:lvl3pPr>
+              <a:lvl4pPr marL="1371600" algn="l" defTabSz="914400" rtl="0" eaLnBrk="1" latinLnBrk="0" hangingPunct="1">
+                <a:defRPr sz="1800" kern="1200">
+                  <a:solidFill>
+                    <a:schemeClr val="tx1"/>
+                  </a:solidFill>
+                  <a:latin typeface="+mn-lt"/>
+                  <a:ea typeface="+mn-ea"/>
+                  <a:cs typeface="+mn-cs"/>
+                </a:defRPr>
+              </a:lvl4pPr>
+              <a:lvl5pPr marL="1828800" algn="l" defTabSz="914400" rtl="0" eaLnBrk="1" latinLnBrk="0" hangingPunct="1">
+                <a:defRPr sz="1800" kern="1200">
+                  <a:solidFill>
+                    <a:schemeClr val="tx1"/>
+                  </a:solidFill>
+                  <a:latin typeface="+mn-lt"/>
+                  <a:ea typeface="+mn-ea"/>
+                  <a:cs typeface="+mn-cs"/>
+                </a:defRPr>
+              </a:lvl5pPr>
+              <a:lvl6pPr marL="2286000" algn="l" defTabSz="914400" rtl="0" eaLnBrk="1" latinLnBrk="0" hangingPunct="1">
+                <a:defRPr sz="1800" kern="1200">
+                  <a:solidFill>
+                    <a:schemeClr val="tx1"/>
+                  </a:solidFill>
+                  <a:latin typeface="+mn-lt"/>
+                  <a:ea typeface="+mn-ea"/>
+                  <a:cs typeface="+mn-cs"/>
+                </a:defRPr>
+              </a:lvl6pPr>
+              <a:lvl7pPr marL="2743200" algn="l" defTabSz="914400" rtl="0" eaLnBrk="1" latinLnBrk="0" hangingPunct="1">
+                <a:defRPr sz="1800" kern="1200">
+                  <a:solidFill>
+                    <a:schemeClr val="tx1"/>
+                  </a:solidFill>
+                  <a:latin typeface="+mn-lt"/>
+                  <a:ea typeface="+mn-ea"/>
+                  <a:cs typeface="+mn-cs"/>
+                </a:defRPr>
+              </a:lvl7pPr>
+              <a:lvl8pPr marL="3200400" algn="l" defTabSz="914400" rtl="0" eaLnBrk="1" latinLnBrk="0" hangingPunct="1">
+                <a:defRPr sz="1800" kern="1200">
+                  <a:solidFill>
+                    <a:schemeClr val="tx1"/>
+                  </a:solidFill>
+                  <a:latin typeface="+mn-lt"/>
+                  <a:ea typeface="+mn-ea"/>
+                  <a:cs typeface="+mn-cs"/>
+                </a:defRPr>
+              </a:lvl8pPr>
+              <a:lvl9pPr marL="3657600" algn="l" defTabSz="914400" rtl="0" eaLnBrk="1" latinLnBrk="0" hangingPunct="1">
+                <a:defRPr sz="1800" kern="1200">
+                  <a:solidFill>
+                    <a:schemeClr val="tx1"/>
+                  </a:solidFill>
+                  <a:latin typeface="+mn-lt"/>
+                  <a:ea typeface="+mn-ea"/>
+                  <a:cs typeface="+mn-cs"/>
+                </a:defRPr>
+              </a:lvl9pPr>
+            </a:lstStyle>
+            <a:p>
+              <a:pPr algn="l"/>
+              <a:r>
+                <a:rPr lang="en-US" dirty="0"/>
+                <a:t>1.0 1.0 2.6</a:t>
+              </a:r>
+            </a:p>
+          </p:txBody>
+        </p:sp>
+        <p:sp>
+          <p:nvSpPr>
+            <p:cNvPr id="4" name="TextBox 3">
+              <a:extLst>
+                <a:ext uri="{FF2B5EF4-FFF2-40B4-BE49-F238E27FC236}">
+                  <a16:creationId xmlns:a16="http://schemas.microsoft.com/office/drawing/2014/main" id="{5D9D32C1-EF01-6F19-2847-0465BD547108}"/>
+                </a:ext>
+              </a:extLst>
+            </p:cNvPr>
+            <p:cNvSpPr txBox="1"/>
+            <p:nvPr/>
+          </p:nvSpPr>
+          <p:spPr>
+            <a:xfrm>
+              <a:off x="5373372" y="128954"/>
+              <a:ext cx="1828800" cy="369332"/>
+            </a:xfrm>
+            <a:prstGeom prst="rect">
+              <a:avLst/>
+            </a:prstGeom>
+            <a:noFill/>
+          </p:spPr>
+          <p:txBody>
+            <a:bodyPr rot="0" spcFirstLastPara="0" vert="horz" wrap="square" lIns="91440" tIns="45720" rIns="91440" bIns="45720" numCol="1" spcCol="0" rtlCol="0" fromWordArt="0" anchor="t" anchorCtr="0" forceAA="0" compatLnSpc="1">
+              <a:prstTxWarp prst="textNoShape">
+                <a:avLst/>
+              </a:prstTxWarp>
+              <a:spAutoFit/>
+            </a:bodyPr>
+            <a:lstStyle>
+              <a:defPPr>
+                <a:defRPr lang="en-US"/>
+              </a:defPPr>
+              <a:lvl1pPr marL="0" algn="l" defTabSz="914400" rtl="0" eaLnBrk="1" latinLnBrk="0" hangingPunct="1">
+                <a:defRPr sz="1800" kern="1200">
+                  <a:solidFill>
+                    <a:schemeClr val="tx1"/>
+                  </a:solidFill>
+                  <a:latin typeface="+mn-lt"/>
+                  <a:ea typeface="+mn-ea"/>
+                  <a:cs typeface="+mn-cs"/>
+                </a:defRPr>
+              </a:lvl1pPr>
+              <a:lvl2pPr marL="457200" algn="l" defTabSz="914400" rtl="0" eaLnBrk="1" latinLnBrk="0" hangingPunct="1">
+                <a:defRPr sz="1800" kern="1200">
+                  <a:solidFill>
+                    <a:schemeClr val="tx1"/>
+                  </a:solidFill>
+                  <a:latin typeface="+mn-lt"/>
+                  <a:ea typeface="+mn-ea"/>
+                  <a:cs typeface="+mn-cs"/>
+                </a:defRPr>
+              </a:lvl2pPr>
+              <a:lvl3pPr marL="914400" algn="l" defTabSz="914400" rtl="0" eaLnBrk="1" latinLnBrk="0" hangingPunct="1">
+                <a:defRPr sz="1800" kern="1200">
+                  <a:solidFill>
+                    <a:schemeClr val="tx1"/>
+                  </a:solidFill>
+                  <a:latin typeface="+mn-lt"/>
+                  <a:ea typeface="+mn-ea"/>
+                  <a:cs typeface="+mn-cs"/>
+                </a:defRPr>
+              </a:lvl3pPr>
+              <a:lvl4pPr marL="1371600" algn="l" defTabSz="914400" rtl="0" eaLnBrk="1" latinLnBrk="0" hangingPunct="1">
+                <a:defRPr sz="1800" kern="1200">
+                  <a:solidFill>
+                    <a:schemeClr val="tx1"/>
+                  </a:solidFill>
+                  <a:latin typeface="+mn-lt"/>
+                  <a:ea typeface="+mn-ea"/>
+                  <a:cs typeface="+mn-cs"/>
+                </a:defRPr>
+              </a:lvl4pPr>
+              <a:lvl5pPr marL="1828800" algn="l" defTabSz="914400" rtl="0" eaLnBrk="1" latinLnBrk="0" hangingPunct="1">
+                <a:defRPr sz="1800" kern="1200">
+                  <a:solidFill>
+                    <a:schemeClr val="tx1"/>
+                  </a:solidFill>
+                  <a:latin typeface="+mn-lt"/>
+                  <a:ea typeface="+mn-ea"/>
+                  <a:cs typeface="+mn-cs"/>
+                </a:defRPr>
+              </a:lvl5pPr>
+              <a:lvl6pPr marL="2286000" algn="l" defTabSz="914400" rtl="0" eaLnBrk="1" latinLnBrk="0" hangingPunct="1">
+                <a:defRPr sz="1800" kern="1200">
+                  <a:solidFill>
+                    <a:schemeClr val="tx1"/>
+                  </a:solidFill>
+                  <a:latin typeface="+mn-lt"/>
+                  <a:ea typeface="+mn-ea"/>
+                  <a:cs typeface="+mn-cs"/>
+                </a:defRPr>
+              </a:lvl6pPr>
+              <a:lvl7pPr marL="2743200" algn="l" defTabSz="914400" rtl="0" eaLnBrk="1" latinLnBrk="0" hangingPunct="1">
+                <a:defRPr sz="1800" kern="1200">
+                  <a:solidFill>
+                    <a:schemeClr val="tx1"/>
+                  </a:solidFill>
+                  <a:latin typeface="+mn-lt"/>
+                  <a:ea typeface="+mn-ea"/>
+                  <a:cs typeface="+mn-cs"/>
+                </a:defRPr>
+              </a:lvl7pPr>
+              <a:lvl8pPr marL="3200400" algn="l" defTabSz="914400" rtl="0" eaLnBrk="1" latinLnBrk="0" hangingPunct="1">
+                <a:defRPr sz="1800" kern="1200">
+                  <a:solidFill>
+                    <a:schemeClr val="tx1"/>
+                  </a:solidFill>
+                  <a:latin typeface="+mn-lt"/>
+                  <a:ea typeface="+mn-ea"/>
+                  <a:cs typeface="+mn-cs"/>
+                </a:defRPr>
+              </a:lvl8pPr>
+              <a:lvl9pPr marL="3657600" algn="l" defTabSz="914400" rtl="0" eaLnBrk="1" latinLnBrk="0" hangingPunct="1">
+                <a:defRPr sz="1800" kern="1200">
+                  <a:solidFill>
+                    <a:schemeClr val="tx1"/>
+                  </a:solidFill>
+                  <a:latin typeface="+mn-lt"/>
+                  <a:ea typeface="+mn-ea"/>
+                  <a:cs typeface="+mn-cs"/>
+                </a:defRPr>
+              </a:lvl9pPr>
+            </a:lstStyle>
+            <a:p>
+              <a:pPr algn="l"/>
+              <a:r>
+                <a:rPr lang="en-US" dirty="0"/>
+                <a:t>1.0 1.0 2.8</a:t>
+              </a:r>
+            </a:p>
+          </p:txBody>
+        </p:sp>
+        <p:sp>
+          <p:nvSpPr>
+            <p:cNvPr id="5" name="TextBox 4">
+              <a:extLst>
+                <a:ext uri="{FF2B5EF4-FFF2-40B4-BE49-F238E27FC236}">
+                  <a16:creationId xmlns:a16="http://schemas.microsoft.com/office/drawing/2014/main" id="{A6F07378-5FEC-51FB-FA5B-BA2FB65C7880}"/>
+                </a:ext>
+              </a:extLst>
+            </p:cNvPr>
+            <p:cNvSpPr txBox="1"/>
+            <p:nvPr/>
+          </p:nvSpPr>
+          <p:spPr>
+            <a:xfrm>
+              <a:off x="9833811" y="128954"/>
+              <a:ext cx="1828800" cy="369332"/>
+            </a:xfrm>
+            <a:prstGeom prst="rect">
+              <a:avLst/>
+            </a:prstGeom>
+            <a:noFill/>
+          </p:spPr>
+          <p:txBody>
+            <a:bodyPr rot="0" spcFirstLastPara="0" vert="horz" wrap="square" lIns="91440" tIns="45720" rIns="91440" bIns="45720" numCol="1" spcCol="0" rtlCol="0" fromWordArt="0" anchor="t" anchorCtr="0" forceAA="0" compatLnSpc="1">
+              <a:prstTxWarp prst="textNoShape">
+                <a:avLst/>
+              </a:prstTxWarp>
+              <a:spAutoFit/>
+            </a:bodyPr>
+            <a:lstStyle>
+              <a:defPPr>
+                <a:defRPr lang="en-US"/>
+              </a:defPPr>
+              <a:lvl1pPr marL="0" algn="l" defTabSz="914400" rtl="0" eaLnBrk="1" latinLnBrk="0" hangingPunct="1">
+                <a:defRPr sz="1800" kern="1200">
+                  <a:solidFill>
+                    <a:schemeClr val="tx1"/>
+                  </a:solidFill>
+                  <a:latin typeface="+mn-lt"/>
+                  <a:ea typeface="+mn-ea"/>
+                  <a:cs typeface="+mn-cs"/>
+                </a:defRPr>
+              </a:lvl1pPr>
+              <a:lvl2pPr marL="457200" algn="l" defTabSz="914400" rtl="0" eaLnBrk="1" latinLnBrk="0" hangingPunct="1">
+                <a:defRPr sz="1800" kern="1200">
+                  <a:solidFill>
+                    <a:schemeClr val="tx1"/>
+                  </a:solidFill>
+                  <a:latin typeface="+mn-lt"/>
+                  <a:ea typeface="+mn-ea"/>
+                  <a:cs typeface="+mn-cs"/>
+                </a:defRPr>
+              </a:lvl2pPr>
+              <a:lvl3pPr marL="914400" algn="l" defTabSz="914400" rtl="0" eaLnBrk="1" latinLnBrk="0" hangingPunct="1">
+                <a:defRPr sz="1800" kern="1200">
+                  <a:solidFill>
+                    <a:schemeClr val="tx1"/>
+                  </a:solidFill>
+                  <a:latin typeface="+mn-lt"/>
+                  <a:ea typeface="+mn-ea"/>
+                  <a:cs typeface="+mn-cs"/>
+                </a:defRPr>
+              </a:lvl3pPr>
+              <a:lvl4pPr marL="1371600" algn="l" defTabSz="914400" rtl="0" eaLnBrk="1" latinLnBrk="0" hangingPunct="1">
+                <a:defRPr sz="1800" kern="1200">
+                  <a:solidFill>
+                    <a:schemeClr val="tx1"/>
+                  </a:solidFill>
+                  <a:latin typeface="+mn-lt"/>
+                  <a:ea typeface="+mn-ea"/>
+                  <a:cs typeface="+mn-cs"/>
+                </a:defRPr>
+              </a:lvl4pPr>
+              <a:lvl5pPr marL="1828800" algn="l" defTabSz="914400" rtl="0" eaLnBrk="1" latinLnBrk="0" hangingPunct="1">
+                <a:defRPr sz="1800" kern="1200">
+                  <a:solidFill>
+                    <a:schemeClr val="tx1"/>
+                  </a:solidFill>
+                  <a:latin typeface="+mn-lt"/>
+                  <a:ea typeface="+mn-ea"/>
+                  <a:cs typeface="+mn-cs"/>
+                </a:defRPr>
+              </a:lvl5pPr>
+              <a:lvl6pPr marL="2286000" algn="l" defTabSz="914400" rtl="0" eaLnBrk="1" latinLnBrk="0" hangingPunct="1">
+                <a:defRPr sz="1800" kern="1200">
+                  <a:solidFill>
+                    <a:schemeClr val="tx1"/>
+                  </a:solidFill>
+                  <a:latin typeface="+mn-lt"/>
+                  <a:ea typeface="+mn-ea"/>
+                  <a:cs typeface="+mn-cs"/>
+                </a:defRPr>
+              </a:lvl6pPr>
+              <a:lvl7pPr marL="2743200" algn="l" defTabSz="914400" rtl="0" eaLnBrk="1" latinLnBrk="0" hangingPunct="1">
+                <a:defRPr sz="1800" kern="1200">
+                  <a:solidFill>
+                    <a:schemeClr val="tx1"/>
+                  </a:solidFill>
+                  <a:latin typeface="+mn-lt"/>
+                  <a:ea typeface="+mn-ea"/>
+                  <a:cs typeface="+mn-cs"/>
+                </a:defRPr>
+              </a:lvl7pPr>
+              <a:lvl8pPr marL="3200400" algn="l" defTabSz="914400" rtl="0" eaLnBrk="1" latinLnBrk="0" hangingPunct="1">
+                <a:defRPr sz="1800" kern="1200">
+                  <a:solidFill>
+                    <a:schemeClr val="tx1"/>
+                  </a:solidFill>
+                  <a:latin typeface="+mn-lt"/>
+                  <a:ea typeface="+mn-ea"/>
+                  <a:cs typeface="+mn-cs"/>
+                </a:defRPr>
+              </a:lvl8pPr>
+              <a:lvl9pPr marL="3657600" algn="l" defTabSz="914400" rtl="0" eaLnBrk="1" latinLnBrk="0" hangingPunct="1">
+                <a:defRPr sz="1800" kern="1200">
+                  <a:solidFill>
+                    <a:schemeClr val="tx1"/>
+                  </a:solidFill>
+                  <a:latin typeface="+mn-lt"/>
+                  <a:ea typeface="+mn-ea"/>
+                  <a:cs typeface="+mn-cs"/>
+                </a:defRPr>
+              </a:lvl9pPr>
+            </a:lstStyle>
+            <a:p>
+              <a:pPr algn="l"/>
+              <a:r>
+                <a:rPr lang="en-US" dirty="0"/>
+                <a:t>1.0 1.0 3.0</a:t>
+              </a:r>
+            </a:p>
+          </p:txBody>
+        </p:sp>
+        <p:sp>
+          <p:nvSpPr>
+            <p:cNvPr id="6" name="TextBox 5">
+              <a:extLst>
+                <a:ext uri="{FF2B5EF4-FFF2-40B4-BE49-F238E27FC236}">
+                  <a16:creationId xmlns:a16="http://schemas.microsoft.com/office/drawing/2014/main" id="{EDE81B5E-1582-EC75-D7DF-078074CEBE61}"/>
+                </a:ext>
+              </a:extLst>
+            </p:cNvPr>
+            <p:cNvSpPr txBox="1"/>
+            <p:nvPr/>
+          </p:nvSpPr>
+          <p:spPr>
+            <a:xfrm>
+              <a:off x="402443" y="3429000"/>
+              <a:ext cx="1828800" cy="369332"/>
+            </a:xfrm>
+            <a:prstGeom prst="rect">
+              <a:avLst/>
+            </a:prstGeom>
+            <a:noFill/>
+          </p:spPr>
+          <p:txBody>
+            <a:bodyPr rot="0" spcFirstLastPara="0" vert="horz" wrap="square" lIns="91440" tIns="45720" rIns="91440" bIns="45720" numCol="1" spcCol="0" rtlCol="0" fromWordArt="0" anchor="t" anchorCtr="0" forceAA="0" compatLnSpc="1">
+              <a:prstTxWarp prst="textNoShape">
+                <a:avLst/>
+              </a:prstTxWarp>
+              <a:spAutoFit/>
+            </a:bodyPr>
+            <a:lstStyle>
+              <a:defPPr>
+                <a:defRPr lang="en-US"/>
+              </a:defPPr>
+              <a:lvl1pPr marL="0" algn="l" defTabSz="914400" rtl="0" eaLnBrk="1" latinLnBrk="0" hangingPunct="1">
+                <a:defRPr sz="1800" kern="1200">
+                  <a:solidFill>
+                    <a:schemeClr val="tx1"/>
+                  </a:solidFill>
+                  <a:latin typeface="+mn-lt"/>
+                  <a:ea typeface="+mn-ea"/>
+                  <a:cs typeface="+mn-cs"/>
+                </a:defRPr>
+              </a:lvl1pPr>
+              <a:lvl2pPr marL="457200" algn="l" defTabSz="914400" rtl="0" eaLnBrk="1" latinLnBrk="0" hangingPunct="1">
+                <a:defRPr sz="1800" kern="1200">
+                  <a:solidFill>
+                    <a:schemeClr val="tx1"/>
+                  </a:solidFill>
+                  <a:latin typeface="+mn-lt"/>
+                  <a:ea typeface="+mn-ea"/>
+                  <a:cs typeface="+mn-cs"/>
+                </a:defRPr>
+              </a:lvl2pPr>
+              <a:lvl3pPr marL="914400" algn="l" defTabSz="914400" rtl="0" eaLnBrk="1" latinLnBrk="0" hangingPunct="1">
+                <a:defRPr sz="1800" kern="1200">
+                  <a:solidFill>
+                    <a:schemeClr val="tx1"/>
+                  </a:solidFill>
+                  <a:latin typeface="+mn-lt"/>
+                  <a:ea typeface="+mn-ea"/>
+                  <a:cs typeface="+mn-cs"/>
+                </a:defRPr>
+              </a:lvl3pPr>
+              <a:lvl4pPr marL="1371600" algn="l" defTabSz="914400" rtl="0" eaLnBrk="1" latinLnBrk="0" hangingPunct="1">
+                <a:defRPr sz="1800" kern="1200">
+                  <a:solidFill>
+                    <a:schemeClr val="tx1"/>
+                  </a:solidFill>
+                  <a:latin typeface="+mn-lt"/>
+                  <a:ea typeface="+mn-ea"/>
+                  <a:cs typeface="+mn-cs"/>
+                </a:defRPr>
+              </a:lvl4pPr>
+              <a:lvl5pPr marL="1828800" algn="l" defTabSz="914400" rtl="0" eaLnBrk="1" latinLnBrk="0" hangingPunct="1">
+                <a:defRPr sz="1800" kern="1200">
+                  <a:solidFill>
+                    <a:schemeClr val="tx1"/>
+                  </a:solidFill>
+                  <a:latin typeface="+mn-lt"/>
+                  <a:ea typeface="+mn-ea"/>
+                  <a:cs typeface="+mn-cs"/>
+                </a:defRPr>
+              </a:lvl5pPr>
+              <a:lvl6pPr marL="2286000" algn="l" defTabSz="914400" rtl="0" eaLnBrk="1" latinLnBrk="0" hangingPunct="1">
+                <a:defRPr sz="1800" kern="1200">
+                  <a:solidFill>
+                    <a:schemeClr val="tx1"/>
+                  </a:solidFill>
+                  <a:latin typeface="+mn-lt"/>
+                  <a:ea typeface="+mn-ea"/>
+                  <a:cs typeface="+mn-cs"/>
+                </a:defRPr>
+              </a:lvl6pPr>
+              <a:lvl7pPr marL="2743200" algn="l" defTabSz="914400" rtl="0" eaLnBrk="1" latinLnBrk="0" hangingPunct="1">
+                <a:defRPr sz="1800" kern="1200">
+                  <a:solidFill>
+                    <a:schemeClr val="tx1"/>
+                  </a:solidFill>
+                  <a:latin typeface="+mn-lt"/>
+                  <a:ea typeface="+mn-ea"/>
+                  <a:cs typeface="+mn-cs"/>
+                </a:defRPr>
+              </a:lvl7pPr>
+              <a:lvl8pPr marL="3200400" algn="l" defTabSz="914400" rtl="0" eaLnBrk="1" latinLnBrk="0" hangingPunct="1">
+                <a:defRPr sz="1800" kern="1200">
+                  <a:solidFill>
+                    <a:schemeClr val="tx1"/>
+                  </a:solidFill>
+                  <a:latin typeface="+mn-lt"/>
+                  <a:ea typeface="+mn-ea"/>
+                  <a:cs typeface="+mn-cs"/>
+                </a:defRPr>
+              </a:lvl8pPr>
+              <a:lvl9pPr marL="3657600" algn="l" defTabSz="914400" rtl="0" eaLnBrk="1" latinLnBrk="0" hangingPunct="1">
+                <a:defRPr sz="1800" kern="1200">
+                  <a:solidFill>
+                    <a:schemeClr val="tx1"/>
+                  </a:solidFill>
+                  <a:latin typeface="+mn-lt"/>
+                  <a:ea typeface="+mn-ea"/>
+                  <a:cs typeface="+mn-cs"/>
+                </a:defRPr>
+              </a:lvl9pPr>
+            </a:lstStyle>
+            <a:p>
+              <a:pPr algn="l"/>
+              <a:r>
+                <a:rPr lang="en-US" dirty="0"/>
+                <a:t>1.2 1.0 2.6</a:t>
+              </a:r>
+            </a:p>
+          </p:txBody>
+        </p:sp>
+        <p:sp>
+          <p:nvSpPr>
+            <p:cNvPr id="7" name="TextBox 6">
+              <a:extLst>
+                <a:ext uri="{FF2B5EF4-FFF2-40B4-BE49-F238E27FC236}">
+                  <a16:creationId xmlns:a16="http://schemas.microsoft.com/office/drawing/2014/main" id="{8AFEFB7E-E7A3-B721-5F37-5257754932E1}"/>
+                </a:ext>
+              </a:extLst>
+            </p:cNvPr>
+            <p:cNvSpPr txBox="1"/>
+            <p:nvPr/>
+          </p:nvSpPr>
+          <p:spPr>
+            <a:xfrm>
+              <a:off x="5277158" y="3432829"/>
+              <a:ext cx="1828800" cy="369332"/>
+            </a:xfrm>
+            <a:prstGeom prst="rect">
+              <a:avLst/>
+            </a:prstGeom>
+            <a:noFill/>
+          </p:spPr>
+          <p:txBody>
+            <a:bodyPr rot="0" spcFirstLastPara="0" vert="horz" wrap="square" lIns="91440" tIns="45720" rIns="91440" bIns="45720" numCol="1" spcCol="0" rtlCol="0" fromWordArt="0" anchor="t" anchorCtr="0" forceAA="0" compatLnSpc="1">
+              <a:prstTxWarp prst="textNoShape">
+                <a:avLst/>
+              </a:prstTxWarp>
+              <a:spAutoFit/>
+            </a:bodyPr>
+            <a:lstStyle>
+              <a:defPPr>
+                <a:defRPr lang="en-US"/>
+              </a:defPPr>
+              <a:lvl1pPr marL="0" algn="l" defTabSz="914400" rtl="0" eaLnBrk="1" latinLnBrk="0" hangingPunct="1">
+                <a:defRPr sz="1800" kern="1200">
+                  <a:solidFill>
+                    <a:schemeClr val="tx1"/>
+                  </a:solidFill>
+                  <a:latin typeface="+mn-lt"/>
+                  <a:ea typeface="+mn-ea"/>
+                  <a:cs typeface="+mn-cs"/>
+                </a:defRPr>
+              </a:lvl1pPr>
+              <a:lvl2pPr marL="457200" algn="l" defTabSz="914400" rtl="0" eaLnBrk="1" latinLnBrk="0" hangingPunct="1">
+                <a:defRPr sz="1800" kern="1200">
+                  <a:solidFill>
+                    <a:schemeClr val="tx1"/>
+                  </a:solidFill>
+                  <a:latin typeface="+mn-lt"/>
+                  <a:ea typeface="+mn-ea"/>
+                  <a:cs typeface="+mn-cs"/>
+                </a:defRPr>
+              </a:lvl2pPr>
+              <a:lvl3pPr marL="914400" algn="l" defTabSz="914400" rtl="0" eaLnBrk="1" latinLnBrk="0" hangingPunct="1">
+                <a:defRPr sz="1800" kern="1200">
+                  <a:solidFill>
+                    <a:schemeClr val="tx1"/>
+                  </a:solidFill>
+                  <a:latin typeface="+mn-lt"/>
+                  <a:ea typeface="+mn-ea"/>
+                  <a:cs typeface="+mn-cs"/>
+                </a:defRPr>
+              </a:lvl3pPr>
+              <a:lvl4pPr marL="1371600" algn="l" defTabSz="914400" rtl="0" eaLnBrk="1" latinLnBrk="0" hangingPunct="1">
+                <a:defRPr sz="1800" kern="1200">
+                  <a:solidFill>
+                    <a:schemeClr val="tx1"/>
+                  </a:solidFill>
+                  <a:latin typeface="+mn-lt"/>
+                  <a:ea typeface="+mn-ea"/>
+                  <a:cs typeface="+mn-cs"/>
+                </a:defRPr>
+              </a:lvl4pPr>
+              <a:lvl5pPr marL="1828800" algn="l" defTabSz="914400" rtl="0" eaLnBrk="1" latinLnBrk="0" hangingPunct="1">
+                <a:defRPr sz="1800" kern="1200">
+                  <a:solidFill>
+                    <a:schemeClr val="tx1"/>
+                  </a:solidFill>
+                  <a:latin typeface="+mn-lt"/>
+                  <a:ea typeface="+mn-ea"/>
+                  <a:cs typeface="+mn-cs"/>
+                </a:defRPr>
+              </a:lvl5pPr>
+              <a:lvl6pPr marL="2286000" algn="l" defTabSz="914400" rtl="0" eaLnBrk="1" latinLnBrk="0" hangingPunct="1">
+                <a:defRPr sz="1800" kern="1200">
+                  <a:solidFill>
+                    <a:schemeClr val="tx1"/>
+                  </a:solidFill>
+                  <a:latin typeface="+mn-lt"/>
+                  <a:ea typeface="+mn-ea"/>
+                  <a:cs typeface="+mn-cs"/>
+                </a:defRPr>
+              </a:lvl6pPr>
+              <a:lvl7pPr marL="2743200" algn="l" defTabSz="914400" rtl="0" eaLnBrk="1" latinLnBrk="0" hangingPunct="1">
+                <a:defRPr sz="1800" kern="1200">
+                  <a:solidFill>
+                    <a:schemeClr val="tx1"/>
+                  </a:solidFill>
+                  <a:latin typeface="+mn-lt"/>
+                  <a:ea typeface="+mn-ea"/>
+                  <a:cs typeface="+mn-cs"/>
+                </a:defRPr>
+              </a:lvl7pPr>
+              <a:lvl8pPr marL="3200400" algn="l" defTabSz="914400" rtl="0" eaLnBrk="1" latinLnBrk="0" hangingPunct="1">
+                <a:defRPr sz="1800" kern="1200">
+                  <a:solidFill>
+                    <a:schemeClr val="tx1"/>
+                  </a:solidFill>
+                  <a:latin typeface="+mn-lt"/>
+                  <a:ea typeface="+mn-ea"/>
+                  <a:cs typeface="+mn-cs"/>
+                </a:defRPr>
+              </a:lvl8pPr>
+              <a:lvl9pPr marL="3657600" algn="l" defTabSz="914400" rtl="0" eaLnBrk="1" latinLnBrk="0" hangingPunct="1">
+                <a:defRPr sz="1800" kern="1200">
+                  <a:solidFill>
+                    <a:schemeClr val="tx1"/>
+                  </a:solidFill>
+                  <a:latin typeface="+mn-lt"/>
+                  <a:ea typeface="+mn-ea"/>
+                  <a:cs typeface="+mn-cs"/>
+                </a:defRPr>
+              </a:lvl9pPr>
+            </a:lstStyle>
+            <a:p>
+              <a:pPr algn="l"/>
+              <a:r>
+                <a:rPr lang="en-US" dirty="0"/>
+                <a:t>1.2 1.0 2.8</a:t>
+              </a:r>
+            </a:p>
+          </p:txBody>
+        </p:sp>
+        <p:sp>
+          <p:nvSpPr>
+            <p:cNvPr id="8" name="TextBox 7">
+              <a:extLst>
+                <a:ext uri="{FF2B5EF4-FFF2-40B4-BE49-F238E27FC236}">
+                  <a16:creationId xmlns:a16="http://schemas.microsoft.com/office/drawing/2014/main" id="{99ACF886-60CC-BF53-BEC8-D996B9591742}"/>
+                </a:ext>
+              </a:extLst>
+            </p:cNvPr>
+            <p:cNvSpPr txBox="1"/>
+            <p:nvPr/>
+          </p:nvSpPr>
+          <p:spPr>
+            <a:xfrm>
+              <a:off x="9833811" y="3429000"/>
+              <a:ext cx="1828800" cy="369332"/>
+            </a:xfrm>
+            <a:prstGeom prst="rect">
+              <a:avLst/>
+            </a:prstGeom>
+            <a:noFill/>
+          </p:spPr>
+          <p:txBody>
+            <a:bodyPr rot="0" spcFirstLastPara="0" vert="horz" wrap="square" lIns="91440" tIns="45720" rIns="91440" bIns="45720" numCol="1" spcCol="0" rtlCol="0" fromWordArt="0" anchor="t" anchorCtr="0" forceAA="0" compatLnSpc="1">
+              <a:prstTxWarp prst="textNoShape">
+                <a:avLst/>
+              </a:prstTxWarp>
+              <a:spAutoFit/>
+            </a:bodyPr>
+            <a:lstStyle>
+              <a:defPPr>
+                <a:defRPr lang="en-US"/>
+              </a:defPPr>
+              <a:lvl1pPr marL="0" algn="l" defTabSz="914400" rtl="0" eaLnBrk="1" latinLnBrk="0" hangingPunct="1">
+                <a:defRPr sz="1800" kern="1200">
+                  <a:solidFill>
+                    <a:schemeClr val="tx1"/>
+                  </a:solidFill>
+                  <a:latin typeface="+mn-lt"/>
+                  <a:ea typeface="+mn-ea"/>
+                  <a:cs typeface="+mn-cs"/>
+                </a:defRPr>
+              </a:lvl1pPr>
+              <a:lvl2pPr marL="457200" algn="l" defTabSz="914400" rtl="0" eaLnBrk="1" latinLnBrk="0" hangingPunct="1">
+                <a:defRPr sz="1800" kern="1200">
+                  <a:solidFill>
+                    <a:schemeClr val="tx1"/>
+                  </a:solidFill>
+                  <a:latin typeface="+mn-lt"/>
+                  <a:ea typeface="+mn-ea"/>
+                  <a:cs typeface="+mn-cs"/>
+                </a:defRPr>
+              </a:lvl2pPr>
+              <a:lvl3pPr marL="914400" algn="l" defTabSz="914400" rtl="0" eaLnBrk="1" latinLnBrk="0" hangingPunct="1">
+                <a:defRPr sz="1800" kern="1200">
+                  <a:solidFill>
+                    <a:schemeClr val="tx1"/>
+                  </a:solidFill>
+                  <a:latin typeface="+mn-lt"/>
+                  <a:ea typeface="+mn-ea"/>
+                  <a:cs typeface="+mn-cs"/>
+                </a:defRPr>
+              </a:lvl3pPr>
+              <a:lvl4pPr marL="1371600" algn="l" defTabSz="914400" rtl="0" eaLnBrk="1" latinLnBrk="0" hangingPunct="1">
+                <a:defRPr sz="1800" kern="1200">
+                  <a:solidFill>
+                    <a:schemeClr val="tx1"/>
+                  </a:solidFill>
+                  <a:latin typeface="+mn-lt"/>
+                  <a:ea typeface="+mn-ea"/>
+                  <a:cs typeface="+mn-cs"/>
+                </a:defRPr>
+              </a:lvl4pPr>
+              <a:lvl5pPr marL="1828800" algn="l" defTabSz="914400" rtl="0" eaLnBrk="1" latinLnBrk="0" hangingPunct="1">
+                <a:defRPr sz="1800" kern="1200">
+                  <a:solidFill>
+                    <a:schemeClr val="tx1"/>
+                  </a:solidFill>
+                  <a:latin typeface="+mn-lt"/>
+                  <a:ea typeface="+mn-ea"/>
+                  <a:cs typeface="+mn-cs"/>
+                </a:defRPr>
+              </a:lvl5pPr>
+              <a:lvl6pPr marL="2286000" algn="l" defTabSz="914400" rtl="0" eaLnBrk="1" latinLnBrk="0" hangingPunct="1">
+                <a:defRPr sz="1800" kern="1200">
+                  <a:solidFill>
+                    <a:schemeClr val="tx1"/>
+                  </a:solidFill>
+                  <a:latin typeface="+mn-lt"/>
+                  <a:ea typeface="+mn-ea"/>
+                  <a:cs typeface="+mn-cs"/>
+                </a:defRPr>
+              </a:lvl6pPr>
+              <a:lvl7pPr marL="2743200" algn="l" defTabSz="914400" rtl="0" eaLnBrk="1" latinLnBrk="0" hangingPunct="1">
+                <a:defRPr sz="1800" kern="1200">
+                  <a:solidFill>
+                    <a:schemeClr val="tx1"/>
+                  </a:solidFill>
+                  <a:latin typeface="+mn-lt"/>
+                  <a:ea typeface="+mn-ea"/>
+                  <a:cs typeface="+mn-cs"/>
+                </a:defRPr>
+              </a:lvl7pPr>
+              <a:lvl8pPr marL="3200400" algn="l" defTabSz="914400" rtl="0" eaLnBrk="1" latinLnBrk="0" hangingPunct="1">
+                <a:defRPr sz="1800" kern="1200">
+                  <a:solidFill>
+                    <a:schemeClr val="tx1"/>
+                  </a:solidFill>
+                  <a:latin typeface="+mn-lt"/>
+                  <a:ea typeface="+mn-ea"/>
+                  <a:cs typeface="+mn-cs"/>
+                </a:defRPr>
+              </a:lvl8pPr>
+              <a:lvl9pPr marL="3657600" algn="l" defTabSz="914400" rtl="0" eaLnBrk="1" latinLnBrk="0" hangingPunct="1">
+                <a:defRPr sz="1800" kern="1200">
+                  <a:solidFill>
+                    <a:schemeClr val="tx1"/>
+                  </a:solidFill>
+                  <a:latin typeface="+mn-lt"/>
+                  <a:ea typeface="+mn-ea"/>
+                  <a:cs typeface="+mn-cs"/>
+                </a:defRPr>
+              </a:lvl9pPr>
+            </a:lstStyle>
+            <a:p>
+              <a:pPr algn="l"/>
+              <a:r>
+                <a:rPr lang="en-US" dirty="0"/>
+                <a:t>1.2 1.0 3.0</a:t>
+              </a:r>
+            </a:p>
+          </p:txBody>
+        </p:sp>
+      </p:grpSp>
+    </p:spTree>
+    <p:extLst>
+      <p:ext uri="{BB962C8B-B14F-4D97-AF65-F5344CB8AC3E}">
+        <p14:creationId xmlns:p14="http://schemas.microsoft.com/office/powerpoint/2010/main" val="1552035296"/>
+      </p:ext>
+    </p:extLst>
+  </p:cSld>
+  <p:clrMapOvr>
+    <a:masterClrMapping/>
+  </p:clrMapOvr>
+</p:sld>
+</file>
+
+<file path=ppt/slides/slide17.xml><?xml version="1.0" encoding="utf-8"?>
+<p:sld xmlns:a="http://schemas.openxmlformats.org/drawingml/2006/main" xmlns:r="http://schemas.openxmlformats.org/officeDocument/2006/relationships" xmlns:p="http://schemas.openxmlformats.org/presentationml/2006/main">
+  <p:cSld>
+    <p:spTree>
+      <p:nvGrpSpPr>
+        <p:cNvPr id="1" name=""/>
+        <p:cNvGrpSpPr/>
+        <p:nvPr/>
+      </p:nvGrpSpPr>
+      <p:grpSpPr>
+        <a:xfrm>
+          <a:off x="0" y="0"/>
+          <a:ext cx="0" cy="0"/>
+          <a:chOff x="0" y="0"/>
+          <a:chExt cx="0" cy="0"/>
+        </a:xfrm>
+      </p:grpSpPr>
+      <p:grpSp>
+        <p:nvGrpSpPr>
+          <p:cNvPr id="2" name="Group 1">
+            <a:extLst>
+              <a:ext uri="{FF2B5EF4-FFF2-40B4-BE49-F238E27FC236}">
+                <a16:creationId xmlns:a16="http://schemas.microsoft.com/office/drawing/2014/main" id="{48BB38F6-EE66-D025-0B25-0FE0898A75A9}"/>
+              </a:ext>
+            </a:extLst>
+          </p:cNvPr>
+          <p:cNvGrpSpPr/>
+          <p:nvPr/>
+        </p:nvGrpSpPr>
+        <p:grpSpPr>
+          <a:xfrm>
+            <a:off x="402443" y="128954"/>
+            <a:ext cx="11260168" cy="3673207"/>
+            <a:chOff x="402443" y="128954"/>
+            <a:chExt cx="11260168" cy="3673207"/>
+          </a:xfrm>
+        </p:grpSpPr>
+        <p:sp>
+          <p:nvSpPr>
+            <p:cNvPr id="3" name="TextBox 2">
+              <a:extLst>
+                <a:ext uri="{FF2B5EF4-FFF2-40B4-BE49-F238E27FC236}">
+                  <a16:creationId xmlns:a16="http://schemas.microsoft.com/office/drawing/2014/main" id="{845A49FA-FE14-09A5-F261-E31E1B9EB010}"/>
+                </a:ext>
+              </a:extLst>
+            </p:cNvPr>
+            <p:cNvSpPr txBox="1"/>
+            <p:nvPr/>
+          </p:nvSpPr>
+          <p:spPr>
+            <a:xfrm>
+              <a:off x="402443" y="128954"/>
+              <a:ext cx="1828800" cy="369332"/>
+            </a:xfrm>
+            <a:prstGeom prst="rect">
+              <a:avLst/>
+            </a:prstGeom>
+            <a:noFill/>
+          </p:spPr>
+          <p:txBody>
+            <a:bodyPr rot="0" spcFirstLastPara="0" vert="horz" wrap="square" lIns="91440" tIns="45720" rIns="91440" bIns="45720" numCol="1" spcCol="0" rtlCol="0" fromWordArt="0" anchor="t" anchorCtr="0" forceAA="0" compatLnSpc="1">
+              <a:prstTxWarp prst="textNoShape">
+                <a:avLst/>
+              </a:prstTxWarp>
+              <a:spAutoFit/>
+            </a:bodyPr>
+            <a:lstStyle>
+              <a:defPPr>
+                <a:defRPr lang="en-US"/>
+              </a:defPPr>
+              <a:lvl1pPr marL="0" algn="l" defTabSz="914400" rtl="0" eaLnBrk="1" latinLnBrk="0" hangingPunct="1">
+                <a:defRPr sz="1800" kern="1200">
+                  <a:solidFill>
+                    <a:schemeClr val="tx1"/>
+                  </a:solidFill>
+                  <a:latin typeface="+mn-lt"/>
+                  <a:ea typeface="+mn-ea"/>
+                  <a:cs typeface="+mn-cs"/>
+                </a:defRPr>
+              </a:lvl1pPr>
+              <a:lvl2pPr marL="457200" algn="l" defTabSz="914400" rtl="0" eaLnBrk="1" latinLnBrk="0" hangingPunct="1">
+                <a:defRPr sz="1800" kern="1200">
+                  <a:solidFill>
+                    <a:schemeClr val="tx1"/>
+                  </a:solidFill>
+                  <a:latin typeface="+mn-lt"/>
+                  <a:ea typeface="+mn-ea"/>
+                  <a:cs typeface="+mn-cs"/>
+                </a:defRPr>
+              </a:lvl2pPr>
+              <a:lvl3pPr marL="914400" algn="l" defTabSz="914400" rtl="0" eaLnBrk="1" latinLnBrk="0" hangingPunct="1">
+                <a:defRPr sz="1800" kern="1200">
+                  <a:solidFill>
+                    <a:schemeClr val="tx1"/>
+                  </a:solidFill>
+                  <a:latin typeface="+mn-lt"/>
+                  <a:ea typeface="+mn-ea"/>
+                  <a:cs typeface="+mn-cs"/>
+                </a:defRPr>
+              </a:lvl3pPr>
+              <a:lvl4pPr marL="1371600" algn="l" defTabSz="914400" rtl="0" eaLnBrk="1" latinLnBrk="0" hangingPunct="1">
+                <a:defRPr sz="1800" kern="1200">
+                  <a:solidFill>
+                    <a:schemeClr val="tx1"/>
+                  </a:solidFill>
+                  <a:latin typeface="+mn-lt"/>
+                  <a:ea typeface="+mn-ea"/>
+                  <a:cs typeface="+mn-cs"/>
+                </a:defRPr>
+              </a:lvl4pPr>
+              <a:lvl5pPr marL="1828800" algn="l" defTabSz="914400" rtl="0" eaLnBrk="1" latinLnBrk="0" hangingPunct="1">
+                <a:defRPr sz="1800" kern="1200">
+                  <a:solidFill>
+                    <a:schemeClr val="tx1"/>
+                  </a:solidFill>
+                  <a:latin typeface="+mn-lt"/>
+                  <a:ea typeface="+mn-ea"/>
+                  <a:cs typeface="+mn-cs"/>
+                </a:defRPr>
+              </a:lvl5pPr>
+              <a:lvl6pPr marL="2286000" algn="l" defTabSz="914400" rtl="0" eaLnBrk="1" latinLnBrk="0" hangingPunct="1">
+                <a:defRPr sz="1800" kern="1200">
+                  <a:solidFill>
+                    <a:schemeClr val="tx1"/>
+                  </a:solidFill>
+                  <a:latin typeface="+mn-lt"/>
+                  <a:ea typeface="+mn-ea"/>
+                  <a:cs typeface="+mn-cs"/>
+                </a:defRPr>
+              </a:lvl6pPr>
+              <a:lvl7pPr marL="2743200" algn="l" defTabSz="914400" rtl="0" eaLnBrk="1" latinLnBrk="0" hangingPunct="1">
+                <a:defRPr sz="1800" kern="1200">
+                  <a:solidFill>
+                    <a:schemeClr val="tx1"/>
+                  </a:solidFill>
+                  <a:latin typeface="+mn-lt"/>
+                  <a:ea typeface="+mn-ea"/>
+                  <a:cs typeface="+mn-cs"/>
+                </a:defRPr>
+              </a:lvl7pPr>
+              <a:lvl8pPr marL="3200400" algn="l" defTabSz="914400" rtl="0" eaLnBrk="1" latinLnBrk="0" hangingPunct="1">
+                <a:defRPr sz="1800" kern="1200">
+                  <a:solidFill>
+                    <a:schemeClr val="tx1"/>
+                  </a:solidFill>
+                  <a:latin typeface="+mn-lt"/>
+                  <a:ea typeface="+mn-ea"/>
+                  <a:cs typeface="+mn-cs"/>
+                </a:defRPr>
+              </a:lvl8pPr>
+              <a:lvl9pPr marL="3657600" algn="l" defTabSz="914400" rtl="0" eaLnBrk="1" latinLnBrk="0" hangingPunct="1">
+                <a:defRPr sz="1800" kern="1200">
+                  <a:solidFill>
+                    <a:schemeClr val="tx1"/>
+                  </a:solidFill>
+                  <a:latin typeface="+mn-lt"/>
+                  <a:ea typeface="+mn-ea"/>
+                  <a:cs typeface="+mn-cs"/>
+                </a:defRPr>
+              </a:lvl9pPr>
+            </a:lstStyle>
+            <a:p>
+              <a:pPr algn="l"/>
+              <a:r>
+                <a:rPr lang="en-US" dirty="0"/>
+                <a:t>1.4 1.0 2.6</a:t>
+              </a:r>
+            </a:p>
+          </p:txBody>
+        </p:sp>
+        <p:sp>
+          <p:nvSpPr>
+            <p:cNvPr id="4" name="TextBox 3">
+              <a:extLst>
+                <a:ext uri="{FF2B5EF4-FFF2-40B4-BE49-F238E27FC236}">
+                  <a16:creationId xmlns:a16="http://schemas.microsoft.com/office/drawing/2014/main" id="{5D9D32C1-EF01-6F19-2847-0465BD547108}"/>
+                </a:ext>
+              </a:extLst>
+            </p:cNvPr>
+            <p:cNvSpPr txBox="1"/>
+            <p:nvPr/>
+          </p:nvSpPr>
+          <p:spPr>
+            <a:xfrm>
+              <a:off x="5373372" y="128954"/>
+              <a:ext cx="1828800" cy="369332"/>
+            </a:xfrm>
+            <a:prstGeom prst="rect">
+              <a:avLst/>
+            </a:prstGeom>
+            <a:noFill/>
+          </p:spPr>
+          <p:txBody>
+            <a:bodyPr rot="0" spcFirstLastPara="0" vert="horz" wrap="square" lIns="91440" tIns="45720" rIns="91440" bIns="45720" numCol="1" spcCol="0" rtlCol="0" fromWordArt="0" anchor="t" anchorCtr="0" forceAA="0" compatLnSpc="1">
+              <a:prstTxWarp prst="textNoShape">
+                <a:avLst/>
+              </a:prstTxWarp>
+              <a:spAutoFit/>
+            </a:bodyPr>
+            <a:lstStyle>
+              <a:defPPr>
+                <a:defRPr lang="en-US"/>
+              </a:defPPr>
+              <a:lvl1pPr marL="0" algn="l" defTabSz="914400" rtl="0" eaLnBrk="1" latinLnBrk="0" hangingPunct="1">
+                <a:defRPr sz="1800" kern="1200">
+                  <a:solidFill>
+                    <a:schemeClr val="tx1"/>
+                  </a:solidFill>
+                  <a:latin typeface="+mn-lt"/>
+                  <a:ea typeface="+mn-ea"/>
+                  <a:cs typeface="+mn-cs"/>
+                </a:defRPr>
+              </a:lvl1pPr>
+              <a:lvl2pPr marL="457200" algn="l" defTabSz="914400" rtl="0" eaLnBrk="1" latinLnBrk="0" hangingPunct="1">
+                <a:defRPr sz="1800" kern="1200">
+                  <a:solidFill>
+                    <a:schemeClr val="tx1"/>
+                  </a:solidFill>
+                  <a:latin typeface="+mn-lt"/>
+                  <a:ea typeface="+mn-ea"/>
+                  <a:cs typeface="+mn-cs"/>
+                </a:defRPr>
+              </a:lvl2pPr>
+              <a:lvl3pPr marL="914400" algn="l" defTabSz="914400" rtl="0" eaLnBrk="1" latinLnBrk="0" hangingPunct="1">
+                <a:defRPr sz="1800" kern="1200">
+                  <a:solidFill>
+                    <a:schemeClr val="tx1"/>
+                  </a:solidFill>
+                  <a:latin typeface="+mn-lt"/>
+                  <a:ea typeface="+mn-ea"/>
+                  <a:cs typeface="+mn-cs"/>
+                </a:defRPr>
+              </a:lvl3pPr>
+              <a:lvl4pPr marL="1371600" algn="l" defTabSz="914400" rtl="0" eaLnBrk="1" latinLnBrk="0" hangingPunct="1">
+                <a:defRPr sz="1800" kern="1200">
+                  <a:solidFill>
+                    <a:schemeClr val="tx1"/>
+                  </a:solidFill>
+                  <a:latin typeface="+mn-lt"/>
+                  <a:ea typeface="+mn-ea"/>
+                  <a:cs typeface="+mn-cs"/>
+                </a:defRPr>
+              </a:lvl4pPr>
+              <a:lvl5pPr marL="1828800" algn="l" defTabSz="914400" rtl="0" eaLnBrk="1" latinLnBrk="0" hangingPunct="1">
+                <a:defRPr sz="1800" kern="1200">
+                  <a:solidFill>
+                    <a:schemeClr val="tx1"/>
+                  </a:solidFill>
+                  <a:latin typeface="+mn-lt"/>
+                  <a:ea typeface="+mn-ea"/>
+                  <a:cs typeface="+mn-cs"/>
+                </a:defRPr>
+              </a:lvl5pPr>
+              <a:lvl6pPr marL="2286000" algn="l" defTabSz="914400" rtl="0" eaLnBrk="1" latinLnBrk="0" hangingPunct="1">
+                <a:defRPr sz="1800" kern="1200">
+                  <a:solidFill>
+                    <a:schemeClr val="tx1"/>
+                  </a:solidFill>
+                  <a:latin typeface="+mn-lt"/>
+                  <a:ea typeface="+mn-ea"/>
+                  <a:cs typeface="+mn-cs"/>
+                </a:defRPr>
+              </a:lvl6pPr>
+              <a:lvl7pPr marL="2743200" algn="l" defTabSz="914400" rtl="0" eaLnBrk="1" latinLnBrk="0" hangingPunct="1">
+                <a:defRPr sz="1800" kern="1200">
+                  <a:solidFill>
+                    <a:schemeClr val="tx1"/>
+                  </a:solidFill>
+                  <a:latin typeface="+mn-lt"/>
+                  <a:ea typeface="+mn-ea"/>
+                  <a:cs typeface="+mn-cs"/>
+                </a:defRPr>
+              </a:lvl7pPr>
+              <a:lvl8pPr marL="3200400" algn="l" defTabSz="914400" rtl="0" eaLnBrk="1" latinLnBrk="0" hangingPunct="1">
+                <a:defRPr sz="1800" kern="1200">
+                  <a:solidFill>
+                    <a:schemeClr val="tx1"/>
+                  </a:solidFill>
+                  <a:latin typeface="+mn-lt"/>
+                  <a:ea typeface="+mn-ea"/>
+                  <a:cs typeface="+mn-cs"/>
+                </a:defRPr>
+              </a:lvl8pPr>
+              <a:lvl9pPr marL="3657600" algn="l" defTabSz="914400" rtl="0" eaLnBrk="1" latinLnBrk="0" hangingPunct="1">
+                <a:defRPr sz="1800" kern="1200">
+                  <a:solidFill>
+                    <a:schemeClr val="tx1"/>
+                  </a:solidFill>
+                  <a:latin typeface="+mn-lt"/>
+                  <a:ea typeface="+mn-ea"/>
+                  <a:cs typeface="+mn-cs"/>
+                </a:defRPr>
+              </a:lvl9pPr>
+            </a:lstStyle>
+            <a:p>
+              <a:pPr algn="l"/>
+              <a:r>
+                <a:rPr lang="en-US" dirty="0"/>
+                <a:t>1.4 1.0 2.8</a:t>
+              </a:r>
+            </a:p>
+          </p:txBody>
+        </p:sp>
+        <p:sp>
+          <p:nvSpPr>
+            <p:cNvPr id="5" name="TextBox 4">
+              <a:extLst>
+                <a:ext uri="{FF2B5EF4-FFF2-40B4-BE49-F238E27FC236}">
+                  <a16:creationId xmlns:a16="http://schemas.microsoft.com/office/drawing/2014/main" id="{A6F07378-5FEC-51FB-FA5B-BA2FB65C7880}"/>
+                </a:ext>
+              </a:extLst>
+            </p:cNvPr>
+            <p:cNvSpPr txBox="1"/>
+            <p:nvPr/>
+          </p:nvSpPr>
+          <p:spPr>
+            <a:xfrm>
+              <a:off x="9833811" y="128954"/>
+              <a:ext cx="1828800" cy="369332"/>
+            </a:xfrm>
+            <a:prstGeom prst="rect">
+              <a:avLst/>
+            </a:prstGeom>
+            <a:noFill/>
+          </p:spPr>
+          <p:txBody>
+            <a:bodyPr rot="0" spcFirstLastPara="0" vert="horz" wrap="square" lIns="91440" tIns="45720" rIns="91440" bIns="45720" numCol="1" spcCol="0" rtlCol="0" fromWordArt="0" anchor="t" anchorCtr="0" forceAA="0" compatLnSpc="1">
+              <a:prstTxWarp prst="textNoShape">
+                <a:avLst/>
+              </a:prstTxWarp>
+              <a:spAutoFit/>
+            </a:bodyPr>
+            <a:lstStyle>
+              <a:defPPr>
+                <a:defRPr lang="en-US"/>
+              </a:defPPr>
+              <a:lvl1pPr marL="0" algn="l" defTabSz="914400" rtl="0" eaLnBrk="1" latinLnBrk="0" hangingPunct="1">
+                <a:defRPr sz="1800" kern="1200">
+                  <a:solidFill>
+                    <a:schemeClr val="tx1"/>
+                  </a:solidFill>
+                  <a:latin typeface="+mn-lt"/>
+                  <a:ea typeface="+mn-ea"/>
+                  <a:cs typeface="+mn-cs"/>
+                </a:defRPr>
+              </a:lvl1pPr>
+              <a:lvl2pPr marL="457200" algn="l" defTabSz="914400" rtl="0" eaLnBrk="1" latinLnBrk="0" hangingPunct="1">
+                <a:defRPr sz="1800" kern="1200">
+                  <a:solidFill>
+                    <a:schemeClr val="tx1"/>
+                  </a:solidFill>
+                  <a:latin typeface="+mn-lt"/>
+                  <a:ea typeface="+mn-ea"/>
+                  <a:cs typeface="+mn-cs"/>
+                </a:defRPr>
+              </a:lvl2pPr>
+              <a:lvl3pPr marL="914400" algn="l" defTabSz="914400" rtl="0" eaLnBrk="1" latinLnBrk="0" hangingPunct="1">
+                <a:defRPr sz="1800" kern="1200">
+                  <a:solidFill>
+                    <a:schemeClr val="tx1"/>
+                  </a:solidFill>
+                  <a:latin typeface="+mn-lt"/>
+                  <a:ea typeface="+mn-ea"/>
+                  <a:cs typeface="+mn-cs"/>
+                </a:defRPr>
+              </a:lvl3pPr>
+              <a:lvl4pPr marL="1371600" algn="l" defTabSz="914400" rtl="0" eaLnBrk="1" latinLnBrk="0" hangingPunct="1">
+                <a:defRPr sz="1800" kern="1200">
+                  <a:solidFill>
+                    <a:schemeClr val="tx1"/>
+                  </a:solidFill>
+                  <a:latin typeface="+mn-lt"/>
+                  <a:ea typeface="+mn-ea"/>
+                  <a:cs typeface="+mn-cs"/>
+                </a:defRPr>
+              </a:lvl4pPr>
+              <a:lvl5pPr marL="1828800" algn="l" defTabSz="914400" rtl="0" eaLnBrk="1" latinLnBrk="0" hangingPunct="1">
+                <a:defRPr sz="1800" kern="1200">
+                  <a:solidFill>
+                    <a:schemeClr val="tx1"/>
+                  </a:solidFill>
+                  <a:latin typeface="+mn-lt"/>
+                  <a:ea typeface="+mn-ea"/>
+                  <a:cs typeface="+mn-cs"/>
+                </a:defRPr>
+              </a:lvl5pPr>
+              <a:lvl6pPr marL="2286000" algn="l" defTabSz="914400" rtl="0" eaLnBrk="1" latinLnBrk="0" hangingPunct="1">
+                <a:defRPr sz="1800" kern="1200">
+                  <a:solidFill>
+                    <a:schemeClr val="tx1"/>
+                  </a:solidFill>
+                  <a:latin typeface="+mn-lt"/>
+                  <a:ea typeface="+mn-ea"/>
+                  <a:cs typeface="+mn-cs"/>
+                </a:defRPr>
+              </a:lvl6pPr>
+              <a:lvl7pPr marL="2743200" algn="l" defTabSz="914400" rtl="0" eaLnBrk="1" latinLnBrk="0" hangingPunct="1">
+                <a:defRPr sz="1800" kern="1200">
+                  <a:solidFill>
+                    <a:schemeClr val="tx1"/>
+                  </a:solidFill>
+                  <a:latin typeface="+mn-lt"/>
+                  <a:ea typeface="+mn-ea"/>
+                  <a:cs typeface="+mn-cs"/>
+                </a:defRPr>
+              </a:lvl7pPr>
+              <a:lvl8pPr marL="3200400" algn="l" defTabSz="914400" rtl="0" eaLnBrk="1" latinLnBrk="0" hangingPunct="1">
+                <a:defRPr sz="1800" kern="1200">
+                  <a:solidFill>
+                    <a:schemeClr val="tx1"/>
+                  </a:solidFill>
+                  <a:latin typeface="+mn-lt"/>
+                  <a:ea typeface="+mn-ea"/>
+                  <a:cs typeface="+mn-cs"/>
+                </a:defRPr>
+              </a:lvl8pPr>
+              <a:lvl9pPr marL="3657600" algn="l" defTabSz="914400" rtl="0" eaLnBrk="1" latinLnBrk="0" hangingPunct="1">
+                <a:defRPr sz="1800" kern="1200">
+                  <a:solidFill>
+                    <a:schemeClr val="tx1"/>
+                  </a:solidFill>
+                  <a:latin typeface="+mn-lt"/>
+                  <a:ea typeface="+mn-ea"/>
+                  <a:cs typeface="+mn-cs"/>
+                </a:defRPr>
+              </a:lvl9pPr>
+            </a:lstStyle>
+            <a:p>
+              <a:pPr algn="l"/>
+              <a:r>
+                <a:rPr lang="en-US" dirty="0"/>
+                <a:t>1.4 1.0 3.0</a:t>
+              </a:r>
+            </a:p>
+          </p:txBody>
+        </p:sp>
+        <p:sp>
+          <p:nvSpPr>
+            <p:cNvPr id="6" name="TextBox 5">
+              <a:extLst>
+                <a:ext uri="{FF2B5EF4-FFF2-40B4-BE49-F238E27FC236}">
+                  <a16:creationId xmlns:a16="http://schemas.microsoft.com/office/drawing/2014/main" id="{EDE81B5E-1582-EC75-D7DF-078074CEBE61}"/>
+                </a:ext>
+              </a:extLst>
+            </p:cNvPr>
+            <p:cNvSpPr txBox="1"/>
+            <p:nvPr/>
+          </p:nvSpPr>
+          <p:spPr>
+            <a:xfrm>
+              <a:off x="402443" y="3429000"/>
+              <a:ext cx="1828800" cy="369332"/>
+            </a:xfrm>
+            <a:prstGeom prst="rect">
+              <a:avLst/>
+            </a:prstGeom>
+            <a:noFill/>
+          </p:spPr>
+          <p:txBody>
+            <a:bodyPr rot="0" spcFirstLastPara="0" vert="horz" wrap="square" lIns="91440" tIns="45720" rIns="91440" bIns="45720" numCol="1" spcCol="0" rtlCol="0" fromWordArt="0" anchor="t" anchorCtr="0" forceAA="0" compatLnSpc="1">
+              <a:prstTxWarp prst="textNoShape">
+                <a:avLst/>
+              </a:prstTxWarp>
+              <a:spAutoFit/>
+            </a:bodyPr>
+            <a:lstStyle>
+              <a:defPPr>
+                <a:defRPr lang="en-US"/>
+              </a:defPPr>
+              <a:lvl1pPr marL="0" algn="l" defTabSz="914400" rtl="0" eaLnBrk="1" latinLnBrk="0" hangingPunct="1">
+                <a:defRPr sz="1800" kern="1200">
+                  <a:solidFill>
+                    <a:schemeClr val="tx1"/>
+                  </a:solidFill>
+                  <a:latin typeface="+mn-lt"/>
+                  <a:ea typeface="+mn-ea"/>
+                  <a:cs typeface="+mn-cs"/>
+                </a:defRPr>
+              </a:lvl1pPr>
+              <a:lvl2pPr marL="457200" algn="l" defTabSz="914400" rtl="0" eaLnBrk="1" latinLnBrk="0" hangingPunct="1">
+                <a:defRPr sz="1800" kern="1200">
+                  <a:solidFill>
+                    <a:schemeClr val="tx1"/>
+                  </a:solidFill>
+                  <a:latin typeface="+mn-lt"/>
+                  <a:ea typeface="+mn-ea"/>
+                  <a:cs typeface="+mn-cs"/>
+                </a:defRPr>
+              </a:lvl2pPr>
+              <a:lvl3pPr marL="914400" algn="l" defTabSz="914400" rtl="0" eaLnBrk="1" latinLnBrk="0" hangingPunct="1">
+                <a:defRPr sz="1800" kern="1200">
+                  <a:solidFill>
+                    <a:schemeClr val="tx1"/>
+                  </a:solidFill>
+                  <a:latin typeface="+mn-lt"/>
+                  <a:ea typeface="+mn-ea"/>
+                  <a:cs typeface="+mn-cs"/>
+                </a:defRPr>
+              </a:lvl3pPr>
+              <a:lvl4pPr marL="1371600" algn="l" defTabSz="914400" rtl="0" eaLnBrk="1" latinLnBrk="0" hangingPunct="1">
+                <a:defRPr sz="1800" kern="1200">
+                  <a:solidFill>
+                    <a:schemeClr val="tx1"/>
+                  </a:solidFill>
+                  <a:latin typeface="+mn-lt"/>
+                  <a:ea typeface="+mn-ea"/>
+                  <a:cs typeface="+mn-cs"/>
+                </a:defRPr>
+              </a:lvl4pPr>
+              <a:lvl5pPr marL="1828800" algn="l" defTabSz="914400" rtl="0" eaLnBrk="1" latinLnBrk="0" hangingPunct="1">
+                <a:defRPr sz="1800" kern="1200">
+                  <a:solidFill>
+                    <a:schemeClr val="tx1"/>
+                  </a:solidFill>
+                  <a:latin typeface="+mn-lt"/>
+                  <a:ea typeface="+mn-ea"/>
+                  <a:cs typeface="+mn-cs"/>
+                </a:defRPr>
+              </a:lvl5pPr>
+              <a:lvl6pPr marL="2286000" algn="l" defTabSz="914400" rtl="0" eaLnBrk="1" latinLnBrk="0" hangingPunct="1">
+                <a:defRPr sz="1800" kern="1200">
+                  <a:solidFill>
+                    <a:schemeClr val="tx1"/>
+                  </a:solidFill>
+                  <a:latin typeface="+mn-lt"/>
+                  <a:ea typeface="+mn-ea"/>
+                  <a:cs typeface="+mn-cs"/>
+                </a:defRPr>
+              </a:lvl6pPr>
+              <a:lvl7pPr marL="2743200" algn="l" defTabSz="914400" rtl="0" eaLnBrk="1" latinLnBrk="0" hangingPunct="1">
+                <a:defRPr sz="1800" kern="1200">
+                  <a:solidFill>
+                    <a:schemeClr val="tx1"/>
+                  </a:solidFill>
+                  <a:latin typeface="+mn-lt"/>
+                  <a:ea typeface="+mn-ea"/>
+                  <a:cs typeface="+mn-cs"/>
+                </a:defRPr>
+              </a:lvl7pPr>
+              <a:lvl8pPr marL="3200400" algn="l" defTabSz="914400" rtl="0" eaLnBrk="1" latinLnBrk="0" hangingPunct="1">
+                <a:defRPr sz="1800" kern="1200">
+                  <a:solidFill>
+                    <a:schemeClr val="tx1"/>
+                  </a:solidFill>
+                  <a:latin typeface="+mn-lt"/>
+                  <a:ea typeface="+mn-ea"/>
+                  <a:cs typeface="+mn-cs"/>
+                </a:defRPr>
+              </a:lvl8pPr>
+              <a:lvl9pPr marL="3657600" algn="l" defTabSz="914400" rtl="0" eaLnBrk="1" latinLnBrk="0" hangingPunct="1">
+                <a:defRPr sz="1800" kern="1200">
+                  <a:solidFill>
+                    <a:schemeClr val="tx1"/>
+                  </a:solidFill>
+                  <a:latin typeface="+mn-lt"/>
+                  <a:ea typeface="+mn-ea"/>
+                  <a:cs typeface="+mn-cs"/>
+                </a:defRPr>
+              </a:lvl9pPr>
+            </a:lstStyle>
+            <a:p>
+              <a:pPr algn="l"/>
+              <a:r>
+                <a:rPr lang="en-US" dirty="0"/>
+                <a:t>1.0 1.2 2.6</a:t>
+              </a:r>
+            </a:p>
+          </p:txBody>
+        </p:sp>
+        <p:sp>
+          <p:nvSpPr>
+            <p:cNvPr id="7" name="TextBox 6">
+              <a:extLst>
+                <a:ext uri="{FF2B5EF4-FFF2-40B4-BE49-F238E27FC236}">
+                  <a16:creationId xmlns:a16="http://schemas.microsoft.com/office/drawing/2014/main" id="{8AFEFB7E-E7A3-B721-5F37-5257754932E1}"/>
+                </a:ext>
+              </a:extLst>
+            </p:cNvPr>
+            <p:cNvSpPr txBox="1"/>
+            <p:nvPr/>
+          </p:nvSpPr>
+          <p:spPr>
+            <a:xfrm>
+              <a:off x="5277158" y="3432829"/>
+              <a:ext cx="1828800" cy="369332"/>
+            </a:xfrm>
+            <a:prstGeom prst="rect">
+              <a:avLst/>
+            </a:prstGeom>
+            <a:noFill/>
+          </p:spPr>
+          <p:txBody>
+            <a:bodyPr rot="0" spcFirstLastPara="0" vert="horz" wrap="square" lIns="91440" tIns="45720" rIns="91440" bIns="45720" numCol="1" spcCol="0" rtlCol="0" fromWordArt="0" anchor="t" anchorCtr="0" forceAA="0" compatLnSpc="1">
+              <a:prstTxWarp prst="textNoShape">
+                <a:avLst/>
+              </a:prstTxWarp>
+              <a:spAutoFit/>
+            </a:bodyPr>
+            <a:lstStyle>
+              <a:defPPr>
+                <a:defRPr lang="en-US"/>
+              </a:defPPr>
+              <a:lvl1pPr marL="0" algn="l" defTabSz="914400" rtl="0" eaLnBrk="1" latinLnBrk="0" hangingPunct="1">
+                <a:defRPr sz="1800" kern="1200">
+                  <a:solidFill>
+                    <a:schemeClr val="tx1"/>
+                  </a:solidFill>
+                  <a:latin typeface="+mn-lt"/>
+                  <a:ea typeface="+mn-ea"/>
+                  <a:cs typeface="+mn-cs"/>
+                </a:defRPr>
+              </a:lvl1pPr>
+              <a:lvl2pPr marL="457200" algn="l" defTabSz="914400" rtl="0" eaLnBrk="1" latinLnBrk="0" hangingPunct="1">
+                <a:defRPr sz="1800" kern="1200">
+                  <a:solidFill>
+                    <a:schemeClr val="tx1"/>
+                  </a:solidFill>
+                  <a:latin typeface="+mn-lt"/>
+                  <a:ea typeface="+mn-ea"/>
+                  <a:cs typeface="+mn-cs"/>
+                </a:defRPr>
+              </a:lvl2pPr>
+              <a:lvl3pPr marL="914400" algn="l" defTabSz="914400" rtl="0" eaLnBrk="1" latinLnBrk="0" hangingPunct="1">
+                <a:defRPr sz="1800" kern="1200">
+                  <a:solidFill>
+                    <a:schemeClr val="tx1"/>
+                  </a:solidFill>
+                  <a:latin typeface="+mn-lt"/>
+                  <a:ea typeface="+mn-ea"/>
+                  <a:cs typeface="+mn-cs"/>
+                </a:defRPr>
+              </a:lvl3pPr>
+              <a:lvl4pPr marL="1371600" algn="l" defTabSz="914400" rtl="0" eaLnBrk="1" latinLnBrk="0" hangingPunct="1">
+                <a:defRPr sz="1800" kern="1200">
+                  <a:solidFill>
+                    <a:schemeClr val="tx1"/>
+                  </a:solidFill>
+                  <a:latin typeface="+mn-lt"/>
+                  <a:ea typeface="+mn-ea"/>
+                  <a:cs typeface="+mn-cs"/>
+                </a:defRPr>
+              </a:lvl4pPr>
+              <a:lvl5pPr marL="1828800" algn="l" defTabSz="914400" rtl="0" eaLnBrk="1" latinLnBrk="0" hangingPunct="1">
+                <a:defRPr sz="1800" kern="1200">
+                  <a:solidFill>
+                    <a:schemeClr val="tx1"/>
+                  </a:solidFill>
+                  <a:latin typeface="+mn-lt"/>
+                  <a:ea typeface="+mn-ea"/>
+                  <a:cs typeface="+mn-cs"/>
+                </a:defRPr>
+              </a:lvl5pPr>
+              <a:lvl6pPr marL="2286000" algn="l" defTabSz="914400" rtl="0" eaLnBrk="1" latinLnBrk="0" hangingPunct="1">
+                <a:defRPr sz="1800" kern="1200">
+                  <a:solidFill>
+                    <a:schemeClr val="tx1"/>
+                  </a:solidFill>
+                  <a:latin typeface="+mn-lt"/>
+                  <a:ea typeface="+mn-ea"/>
+                  <a:cs typeface="+mn-cs"/>
+                </a:defRPr>
+              </a:lvl6pPr>
+              <a:lvl7pPr marL="2743200" algn="l" defTabSz="914400" rtl="0" eaLnBrk="1" latinLnBrk="0" hangingPunct="1">
+                <a:defRPr sz="1800" kern="1200">
+                  <a:solidFill>
+                    <a:schemeClr val="tx1"/>
+                  </a:solidFill>
+                  <a:latin typeface="+mn-lt"/>
+                  <a:ea typeface="+mn-ea"/>
+                  <a:cs typeface="+mn-cs"/>
+                </a:defRPr>
+              </a:lvl7pPr>
+              <a:lvl8pPr marL="3200400" algn="l" defTabSz="914400" rtl="0" eaLnBrk="1" latinLnBrk="0" hangingPunct="1">
+                <a:defRPr sz="1800" kern="1200">
+                  <a:solidFill>
+                    <a:schemeClr val="tx1"/>
+                  </a:solidFill>
+                  <a:latin typeface="+mn-lt"/>
+                  <a:ea typeface="+mn-ea"/>
+                  <a:cs typeface="+mn-cs"/>
+                </a:defRPr>
+              </a:lvl8pPr>
+              <a:lvl9pPr marL="3657600" algn="l" defTabSz="914400" rtl="0" eaLnBrk="1" latinLnBrk="0" hangingPunct="1">
+                <a:defRPr sz="1800" kern="1200">
+                  <a:solidFill>
+                    <a:schemeClr val="tx1"/>
+                  </a:solidFill>
+                  <a:latin typeface="+mn-lt"/>
+                  <a:ea typeface="+mn-ea"/>
+                  <a:cs typeface="+mn-cs"/>
+                </a:defRPr>
+              </a:lvl9pPr>
+            </a:lstStyle>
+            <a:p>
+              <a:pPr algn="l"/>
+              <a:r>
+                <a:rPr lang="en-US" dirty="0"/>
+                <a:t>1.0 1.2 2.8</a:t>
+              </a:r>
+            </a:p>
+          </p:txBody>
+        </p:sp>
+        <p:sp>
+          <p:nvSpPr>
+            <p:cNvPr id="8" name="TextBox 7">
+              <a:extLst>
+                <a:ext uri="{FF2B5EF4-FFF2-40B4-BE49-F238E27FC236}">
+                  <a16:creationId xmlns:a16="http://schemas.microsoft.com/office/drawing/2014/main" id="{99ACF886-60CC-BF53-BEC8-D996B9591742}"/>
+                </a:ext>
+              </a:extLst>
+            </p:cNvPr>
+            <p:cNvSpPr txBox="1"/>
+            <p:nvPr/>
+          </p:nvSpPr>
+          <p:spPr>
+            <a:xfrm>
+              <a:off x="9833811" y="3429000"/>
+              <a:ext cx="1828800" cy="369332"/>
+            </a:xfrm>
+            <a:prstGeom prst="rect">
+              <a:avLst/>
+            </a:prstGeom>
+            <a:noFill/>
+          </p:spPr>
+          <p:txBody>
+            <a:bodyPr rot="0" spcFirstLastPara="0" vert="horz" wrap="square" lIns="91440" tIns="45720" rIns="91440" bIns="45720" numCol="1" spcCol="0" rtlCol="0" fromWordArt="0" anchor="t" anchorCtr="0" forceAA="0" compatLnSpc="1">
+              <a:prstTxWarp prst="textNoShape">
+                <a:avLst/>
+              </a:prstTxWarp>
+              <a:spAutoFit/>
+            </a:bodyPr>
+            <a:lstStyle>
+              <a:defPPr>
+                <a:defRPr lang="en-US"/>
+              </a:defPPr>
+              <a:lvl1pPr marL="0" algn="l" defTabSz="914400" rtl="0" eaLnBrk="1" latinLnBrk="0" hangingPunct="1">
+                <a:defRPr sz="1800" kern="1200">
+                  <a:solidFill>
+                    <a:schemeClr val="tx1"/>
+                  </a:solidFill>
+                  <a:latin typeface="+mn-lt"/>
+                  <a:ea typeface="+mn-ea"/>
+                  <a:cs typeface="+mn-cs"/>
+                </a:defRPr>
+              </a:lvl1pPr>
+              <a:lvl2pPr marL="457200" algn="l" defTabSz="914400" rtl="0" eaLnBrk="1" latinLnBrk="0" hangingPunct="1">
+                <a:defRPr sz="1800" kern="1200">
+                  <a:solidFill>
+                    <a:schemeClr val="tx1"/>
+                  </a:solidFill>
+                  <a:latin typeface="+mn-lt"/>
+                  <a:ea typeface="+mn-ea"/>
+                  <a:cs typeface="+mn-cs"/>
+                </a:defRPr>
+              </a:lvl2pPr>
+              <a:lvl3pPr marL="914400" algn="l" defTabSz="914400" rtl="0" eaLnBrk="1" latinLnBrk="0" hangingPunct="1">
+                <a:defRPr sz="1800" kern="1200">
+                  <a:solidFill>
+                    <a:schemeClr val="tx1"/>
+                  </a:solidFill>
+                  <a:latin typeface="+mn-lt"/>
+                  <a:ea typeface="+mn-ea"/>
+                  <a:cs typeface="+mn-cs"/>
+                </a:defRPr>
+              </a:lvl3pPr>
+              <a:lvl4pPr marL="1371600" algn="l" defTabSz="914400" rtl="0" eaLnBrk="1" latinLnBrk="0" hangingPunct="1">
+                <a:defRPr sz="1800" kern="1200">
+                  <a:solidFill>
+                    <a:schemeClr val="tx1"/>
+                  </a:solidFill>
+                  <a:latin typeface="+mn-lt"/>
+                  <a:ea typeface="+mn-ea"/>
+                  <a:cs typeface="+mn-cs"/>
+                </a:defRPr>
+              </a:lvl4pPr>
+              <a:lvl5pPr marL="1828800" algn="l" defTabSz="914400" rtl="0" eaLnBrk="1" latinLnBrk="0" hangingPunct="1">
+                <a:defRPr sz="1800" kern="1200">
+                  <a:solidFill>
+                    <a:schemeClr val="tx1"/>
+                  </a:solidFill>
+                  <a:latin typeface="+mn-lt"/>
+                  <a:ea typeface="+mn-ea"/>
+                  <a:cs typeface="+mn-cs"/>
+                </a:defRPr>
+              </a:lvl5pPr>
+              <a:lvl6pPr marL="2286000" algn="l" defTabSz="914400" rtl="0" eaLnBrk="1" latinLnBrk="0" hangingPunct="1">
+                <a:defRPr sz="1800" kern="1200">
+                  <a:solidFill>
+                    <a:schemeClr val="tx1"/>
+                  </a:solidFill>
+                  <a:latin typeface="+mn-lt"/>
+                  <a:ea typeface="+mn-ea"/>
+                  <a:cs typeface="+mn-cs"/>
+                </a:defRPr>
+              </a:lvl6pPr>
+              <a:lvl7pPr marL="2743200" algn="l" defTabSz="914400" rtl="0" eaLnBrk="1" latinLnBrk="0" hangingPunct="1">
+                <a:defRPr sz="1800" kern="1200">
+                  <a:solidFill>
+                    <a:schemeClr val="tx1"/>
+                  </a:solidFill>
+                  <a:latin typeface="+mn-lt"/>
+                  <a:ea typeface="+mn-ea"/>
+                  <a:cs typeface="+mn-cs"/>
+                </a:defRPr>
+              </a:lvl7pPr>
+              <a:lvl8pPr marL="3200400" algn="l" defTabSz="914400" rtl="0" eaLnBrk="1" latinLnBrk="0" hangingPunct="1">
+                <a:defRPr sz="1800" kern="1200">
+                  <a:solidFill>
+                    <a:schemeClr val="tx1"/>
+                  </a:solidFill>
+                  <a:latin typeface="+mn-lt"/>
+                  <a:ea typeface="+mn-ea"/>
+                  <a:cs typeface="+mn-cs"/>
+                </a:defRPr>
+              </a:lvl8pPr>
+              <a:lvl9pPr marL="3657600" algn="l" defTabSz="914400" rtl="0" eaLnBrk="1" latinLnBrk="0" hangingPunct="1">
+                <a:defRPr sz="1800" kern="1200">
+                  <a:solidFill>
+                    <a:schemeClr val="tx1"/>
+                  </a:solidFill>
+                  <a:latin typeface="+mn-lt"/>
+                  <a:ea typeface="+mn-ea"/>
+                  <a:cs typeface="+mn-cs"/>
+                </a:defRPr>
+              </a:lvl9pPr>
+            </a:lstStyle>
+            <a:p>
+              <a:pPr algn="l"/>
+              <a:r>
+                <a:rPr lang="en-US" dirty="0"/>
+                <a:t>1.0 1.2 3.0</a:t>
+              </a:r>
+            </a:p>
+          </p:txBody>
+        </p:sp>
+      </p:grpSp>
+    </p:spTree>
+    <p:extLst>
+      <p:ext uri="{BB962C8B-B14F-4D97-AF65-F5344CB8AC3E}">
+        <p14:creationId xmlns:p14="http://schemas.microsoft.com/office/powerpoint/2010/main" val="1126669228"/>
+      </p:ext>
+    </p:extLst>
+  </p:cSld>
+  <p:clrMapOvr>
+    <a:masterClrMapping/>
+  </p:clrMapOvr>
+</p:sld>
+</file>
+
+<file path=ppt/slides/slide18.xml><?xml version="1.0" encoding="utf-8"?>
+<p:sld xmlns:a="http://schemas.openxmlformats.org/drawingml/2006/main" xmlns:r="http://schemas.openxmlformats.org/officeDocument/2006/relationships" xmlns:p="http://schemas.openxmlformats.org/presentationml/2006/main">
+  <p:cSld>
+    <p:spTree>
+      <p:nvGrpSpPr>
+        <p:cNvPr id="1" name=""/>
+        <p:cNvGrpSpPr/>
+        <p:nvPr/>
+      </p:nvGrpSpPr>
+      <p:grpSpPr>
+        <a:xfrm>
+          <a:off x="0" y="0"/>
+          <a:ext cx="0" cy="0"/>
+          <a:chOff x="0" y="0"/>
+          <a:chExt cx="0" cy="0"/>
+        </a:xfrm>
+      </p:grpSpPr>
+      <p:grpSp>
+        <p:nvGrpSpPr>
+          <p:cNvPr id="2" name="Group 1">
+            <a:extLst>
+              <a:ext uri="{FF2B5EF4-FFF2-40B4-BE49-F238E27FC236}">
+                <a16:creationId xmlns:a16="http://schemas.microsoft.com/office/drawing/2014/main" id="{48BB38F6-EE66-D025-0B25-0FE0898A75A9}"/>
+              </a:ext>
+            </a:extLst>
+          </p:cNvPr>
+          <p:cNvGrpSpPr/>
+          <p:nvPr/>
+        </p:nvGrpSpPr>
+        <p:grpSpPr>
+          <a:xfrm>
+            <a:off x="402443" y="128954"/>
+            <a:ext cx="11260168" cy="3673207"/>
+            <a:chOff x="402443" y="128954"/>
+            <a:chExt cx="11260168" cy="3673207"/>
+          </a:xfrm>
+        </p:grpSpPr>
+        <p:sp>
+          <p:nvSpPr>
+            <p:cNvPr id="3" name="TextBox 2">
+              <a:extLst>
+                <a:ext uri="{FF2B5EF4-FFF2-40B4-BE49-F238E27FC236}">
+                  <a16:creationId xmlns:a16="http://schemas.microsoft.com/office/drawing/2014/main" id="{845A49FA-FE14-09A5-F261-E31E1B9EB010}"/>
+                </a:ext>
+              </a:extLst>
+            </p:cNvPr>
+            <p:cNvSpPr txBox="1"/>
+            <p:nvPr/>
+          </p:nvSpPr>
+          <p:spPr>
+            <a:xfrm>
+              <a:off x="402443" y="128954"/>
+              <a:ext cx="1828800" cy="369332"/>
+            </a:xfrm>
+            <a:prstGeom prst="rect">
+              <a:avLst/>
+            </a:prstGeom>
+            <a:noFill/>
+          </p:spPr>
+          <p:txBody>
+            <a:bodyPr rot="0" spcFirstLastPara="0" vert="horz" wrap="square" lIns="91440" tIns="45720" rIns="91440" bIns="45720" numCol="1" spcCol="0" rtlCol="0" fromWordArt="0" anchor="t" anchorCtr="0" forceAA="0" compatLnSpc="1">
+              <a:prstTxWarp prst="textNoShape">
+                <a:avLst/>
+              </a:prstTxWarp>
+              <a:spAutoFit/>
+            </a:bodyPr>
+            <a:lstStyle>
+              <a:defPPr>
+                <a:defRPr lang="en-US"/>
+              </a:defPPr>
+              <a:lvl1pPr marL="0" algn="l" defTabSz="914400" rtl="0" eaLnBrk="1" latinLnBrk="0" hangingPunct="1">
+                <a:defRPr sz="1800" kern="1200">
+                  <a:solidFill>
+                    <a:schemeClr val="tx1"/>
+                  </a:solidFill>
+                  <a:latin typeface="+mn-lt"/>
+                  <a:ea typeface="+mn-ea"/>
+                  <a:cs typeface="+mn-cs"/>
+                </a:defRPr>
+              </a:lvl1pPr>
+              <a:lvl2pPr marL="457200" algn="l" defTabSz="914400" rtl="0" eaLnBrk="1" latinLnBrk="0" hangingPunct="1">
+                <a:defRPr sz="1800" kern="1200">
+                  <a:solidFill>
+                    <a:schemeClr val="tx1"/>
+                  </a:solidFill>
+                  <a:latin typeface="+mn-lt"/>
+                  <a:ea typeface="+mn-ea"/>
+                  <a:cs typeface="+mn-cs"/>
+                </a:defRPr>
+              </a:lvl2pPr>
+              <a:lvl3pPr marL="914400" algn="l" defTabSz="914400" rtl="0" eaLnBrk="1" latinLnBrk="0" hangingPunct="1">
+                <a:defRPr sz="1800" kern="1200">
+                  <a:solidFill>
+                    <a:schemeClr val="tx1"/>
+                  </a:solidFill>
+                  <a:latin typeface="+mn-lt"/>
+                  <a:ea typeface="+mn-ea"/>
+                  <a:cs typeface="+mn-cs"/>
+                </a:defRPr>
+              </a:lvl3pPr>
+              <a:lvl4pPr marL="1371600" algn="l" defTabSz="914400" rtl="0" eaLnBrk="1" latinLnBrk="0" hangingPunct="1">
+                <a:defRPr sz="1800" kern="1200">
+                  <a:solidFill>
+                    <a:schemeClr val="tx1"/>
+                  </a:solidFill>
+                  <a:latin typeface="+mn-lt"/>
+                  <a:ea typeface="+mn-ea"/>
+                  <a:cs typeface="+mn-cs"/>
+                </a:defRPr>
+              </a:lvl4pPr>
+              <a:lvl5pPr marL="1828800" algn="l" defTabSz="914400" rtl="0" eaLnBrk="1" latinLnBrk="0" hangingPunct="1">
+                <a:defRPr sz="1800" kern="1200">
+                  <a:solidFill>
+                    <a:schemeClr val="tx1"/>
+                  </a:solidFill>
+                  <a:latin typeface="+mn-lt"/>
+                  <a:ea typeface="+mn-ea"/>
+                  <a:cs typeface="+mn-cs"/>
+                </a:defRPr>
+              </a:lvl5pPr>
+              <a:lvl6pPr marL="2286000" algn="l" defTabSz="914400" rtl="0" eaLnBrk="1" latinLnBrk="0" hangingPunct="1">
+                <a:defRPr sz="1800" kern="1200">
+                  <a:solidFill>
+                    <a:schemeClr val="tx1"/>
+                  </a:solidFill>
+                  <a:latin typeface="+mn-lt"/>
+                  <a:ea typeface="+mn-ea"/>
+                  <a:cs typeface="+mn-cs"/>
+                </a:defRPr>
+              </a:lvl6pPr>
+              <a:lvl7pPr marL="2743200" algn="l" defTabSz="914400" rtl="0" eaLnBrk="1" latinLnBrk="0" hangingPunct="1">
+                <a:defRPr sz="1800" kern="1200">
+                  <a:solidFill>
+                    <a:schemeClr val="tx1"/>
+                  </a:solidFill>
+                  <a:latin typeface="+mn-lt"/>
+                  <a:ea typeface="+mn-ea"/>
+                  <a:cs typeface="+mn-cs"/>
+                </a:defRPr>
+              </a:lvl7pPr>
+              <a:lvl8pPr marL="3200400" algn="l" defTabSz="914400" rtl="0" eaLnBrk="1" latinLnBrk="0" hangingPunct="1">
+                <a:defRPr sz="1800" kern="1200">
+                  <a:solidFill>
+                    <a:schemeClr val="tx1"/>
+                  </a:solidFill>
+                  <a:latin typeface="+mn-lt"/>
+                  <a:ea typeface="+mn-ea"/>
+                  <a:cs typeface="+mn-cs"/>
+                </a:defRPr>
+              </a:lvl8pPr>
+              <a:lvl9pPr marL="3657600" algn="l" defTabSz="914400" rtl="0" eaLnBrk="1" latinLnBrk="0" hangingPunct="1">
+                <a:defRPr sz="1800" kern="1200">
+                  <a:solidFill>
+                    <a:schemeClr val="tx1"/>
+                  </a:solidFill>
+                  <a:latin typeface="+mn-lt"/>
+                  <a:ea typeface="+mn-ea"/>
+                  <a:cs typeface="+mn-cs"/>
+                </a:defRPr>
+              </a:lvl9pPr>
+            </a:lstStyle>
+            <a:p>
+              <a:pPr algn="l"/>
+              <a:r>
+                <a:rPr lang="en-US" dirty="0"/>
+                <a:t>1.0 1.4 2.6</a:t>
+              </a:r>
+            </a:p>
+          </p:txBody>
+        </p:sp>
+        <p:sp>
+          <p:nvSpPr>
+            <p:cNvPr id="4" name="TextBox 3">
+              <a:extLst>
+                <a:ext uri="{FF2B5EF4-FFF2-40B4-BE49-F238E27FC236}">
+                  <a16:creationId xmlns:a16="http://schemas.microsoft.com/office/drawing/2014/main" id="{5D9D32C1-EF01-6F19-2847-0465BD547108}"/>
+                </a:ext>
+              </a:extLst>
+            </p:cNvPr>
+            <p:cNvSpPr txBox="1"/>
+            <p:nvPr/>
+          </p:nvSpPr>
+          <p:spPr>
+            <a:xfrm>
+              <a:off x="5373372" y="128954"/>
+              <a:ext cx="1828800" cy="369332"/>
+            </a:xfrm>
+            <a:prstGeom prst="rect">
+              <a:avLst/>
+            </a:prstGeom>
+            <a:noFill/>
+          </p:spPr>
+          <p:txBody>
+            <a:bodyPr rot="0" spcFirstLastPara="0" vert="horz" wrap="square" lIns="91440" tIns="45720" rIns="91440" bIns="45720" numCol="1" spcCol="0" rtlCol="0" fromWordArt="0" anchor="t" anchorCtr="0" forceAA="0" compatLnSpc="1">
+              <a:prstTxWarp prst="textNoShape">
+                <a:avLst/>
+              </a:prstTxWarp>
+              <a:spAutoFit/>
+            </a:bodyPr>
+            <a:lstStyle>
+              <a:defPPr>
+                <a:defRPr lang="en-US"/>
+              </a:defPPr>
+              <a:lvl1pPr marL="0" algn="l" defTabSz="914400" rtl="0" eaLnBrk="1" latinLnBrk="0" hangingPunct="1">
+                <a:defRPr sz="1800" kern="1200">
+                  <a:solidFill>
+                    <a:schemeClr val="tx1"/>
+                  </a:solidFill>
+                  <a:latin typeface="+mn-lt"/>
+                  <a:ea typeface="+mn-ea"/>
+                  <a:cs typeface="+mn-cs"/>
+                </a:defRPr>
+              </a:lvl1pPr>
+              <a:lvl2pPr marL="457200" algn="l" defTabSz="914400" rtl="0" eaLnBrk="1" latinLnBrk="0" hangingPunct="1">
+                <a:defRPr sz="1800" kern="1200">
+                  <a:solidFill>
+                    <a:schemeClr val="tx1"/>
+                  </a:solidFill>
+                  <a:latin typeface="+mn-lt"/>
+                  <a:ea typeface="+mn-ea"/>
+                  <a:cs typeface="+mn-cs"/>
+                </a:defRPr>
+              </a:lvl2pPr>
+              <a:lvl3pPr marL="914400" algn="l" defTabSz="914400" rtl="0" eaLnBrk="1" latinLnBrk="0" hangingPunct="1">
+                <a:defRPr sz="1800" kern="1200">
+                  <a:solidFill>
+                    <a:schemeClr val="tx1"/>
+                  </a:solidFill>
+                  <a:latin typeface="+mn-lt"/>
+                  <a:ea typeface="+mn-ea"/>
+                  <a:cs typeface="+mn-cs"/>
+                </a:defRPr>
+              </a:lvl3pPr>
+              <a:lvl4pPr marL="1371600" algn="l" defTabSz="914400" rtl="0" eaLnBrk="1" latinLnBrk="0" hangingPunct="1">
+                <a:defRPr sz="1800" kern="1200">
+                  <a:solidFill>
+                    <a:schemeClr val="tx1"/>
+                  </a:solidFill>
+                  <a:latin typeface="+mn-lt"/>
+                  <a:ea typeface="+mn-ea"/>
+                  <a:cs typeface="+mn-cs"/>
+                </a:defRPr>
+              </a:lvl4pPr>
+              <a:lvl5pPr marL="1828800" algn="l" defTabSz="914400" rtl="0" eaLnBrk="1" latinLnBrk="0" hangingPunct="1">
+                <a:defRPr sz="1800" kern="1200">
+                  <a:solidFill>
+                    <a:schemeClr val="tx1"/>
+                  </a:solidFill>
+                  <a:latin typeface="+mn-lt"/>
+                  <a:ea typeface="+mn-ea"/>
+                  <a:cs typeface="+mn-cs"/>
+                </a:defRPr>
+              </a:lvl5pPr>
+              <a:lvl6pPr marL="2286000" algn="l" defTabSz="914400" rtl="0" eaLnBrk="1" latinLnBrk="0" hangingPunct="1">
+                <a:defRPr sz="1800" kern="1200">
+                  <a:solidFill>
+                    <a:schemeClr val="tx1"/>
+                  </a:solidFill>
+                  <a:latin typeface="+mn-lt"/>
+                  <a:ea typeface="+mn-ea"/>
+                  <a:cs typeface="+mn-cs"/>
+                </a:defRPr>
+              </a:lvl6pPr>
+              <a:lvl7pPr marL="2743200" algn="l" defTabSz="914400" rtl="0" eaLnBrk="1" latinLnBrk="0" hangingPunct="1">
+                <a:defRPr sz="1800" kern="1200">
+                  <a:solidFill>
+                    <a:schemeClr val="tx1"/>
+                  </a:solidFill>
+                  <a:latin typeface="+mn-lt"/>
+                  <a:ea typeface="+mn-ea"/>
+                  <a:cs typeface="+mn-cs"/>
+                </a:defRPr>
+              </a:lvl7pPr>
+              <a:lvl8pPr marL="3200400" algn="l" defTabSz="914400" rtl="0" eaLnBrk="1" latinLnBrk="0" hangingPunct="1">
+                <a:defRPr sz="1800" kern="1200">
+                  <a:solidFill>
+                    <a:schemeClr val="tx1"/>
+                  </a:solidFill>
+                  <a:latin typeface="+mn-lt"/>
+                  <a:ea typeface="+mn-ea"/>
+                  <a:cs typeface="+mn-cs"/>
+                </a:defRPr>
+              </a:lvl8pPr>
+              <a:lvl9pPr marL="3657600" algn="l" defTabSz="914400" rtl="0" eaLnBrk="1" latinLnBrk="0" hangingPunct="1">
+                <a:defRPr sz="1800" kern="1200">
+                  <a:solidFill>
+                    <a:schemeClr val="tx1"/>
+                  </a:solidFill>
+                  <a:latin typeface="+mn-lt"/>
+                  <a:ea typeface="+mn-ea"/>
+                  <a:cs typeface="+mn-cs"/>
+                </a:defRPr>
+              </a:lvl9pPr>
+            </a:lstStyle>
+            <a:p>
+              <a:pPr algn="l"/>
+              <a:r>
+                <a:rPr lang="en-US" dirty="0"/>
+                <a:t>1.0 1.4 2.8</a:t>
+              </a:r>
+            </a:p>
+          </p:txBody>
+        </p:sp>
+        <p:sp>
+          <p:nvSpPr>
+            <p:cNvPr id="5" name="TextBox 4">
+              <a:extLst>
+                <a:ext uri="{FF2B5EF4-FFF2-40B4-BE49-F238E27FC236}">
+                  <a16:creationId xmlns:a16="http://schemas.microsoft.com/office/drawing/2014/main" id="{A6F07378-5FEC-51FB-FA5B-BA2FB65C7880}"/>
+                </a:ext>
+              </a:extLst>
+            </p:cNvPr>
+            <p:cNvSpPr txBox="1"/>
+            <p:nvPr/>
+          </p:nvSpPr>
+          <p:spPr>
+            <a:xfrm>
+              <a:off x="9833811" y="128954"/>
+              <a:ext cx="1828800" cy="369332"/>
+            </a:xfrm>
+            <a:prstGeom prst="rect">
+              <a:avLst/>
+            </a:prstGeom>
+            <a:noFill/>
+          </p:spPr>
+          <p:txBody>
+            <a:bodyPr rot="0" spcFirstLastPara="0" vert="horz" wrap="square" lIns="91440" tIns="45720" rIns="91440" bIns="45720" numCol="1" spcCol="0" rtlCol="0" fromWordArt="0" anchor="t" anchorCtr="0" forceAA="0" compatLnSpc="1">
+              <a:prstTxWarp prst="textNoShape">
+                <a:avLst/>
+              </a:prstTxWarp>
+              <a:spAutoFit/>
+            </a:bodyPr>
+            <a:lstStyle>
+              <a:defPPr>
+                <a:defRPr lang="en-US"/>
+              </a:defPPr>
+              <a:lvl1pPr marL="0" algn="l" defTabSz="914400" rtl="0" eaLnBrk="1" latinLnBrk="0" hangingPunct="1">
+                <a:defRPr sz="1800" kern="1200">
+                  <a:solidFill>
+                    <a:schemeClr val="tx1"/>
+                  </a:solidFill>
+                  <a:latin typeface="+mn-lt"/>
+                  <a:ea typeface="+mn-ea"/>
+                  <a:cs typeface="+mn-cs"/>
+                </a:defRPr>
+              </a:lvl1pPr>
+              <a:lvl2pPr marL="457200" algn="l" defTabSz="914400" rtl="0" eaLnBrk="1" latinLnBrk="0" hangingPunct="1">
+                <a:defRPr sz="1800" kern="1200">
+                  <a:solidFill>
+                    <a:schemeClr val="tx1"/>
+                  </a:solidFill>
+                  <a:latin typeface="+mn-lt"/>
+                  <a:ea typeface="+mn-ea"/>
+                  <a:cs typeface="+mn-cs"/>
+                </a:defRPr>
+              </a:lvl2pPr>
+              <a:lvl3pPr marL="914400" algn="l" defTabSz="914400" rtl="0" eaLnBrk="1" latinLnBrk="0" hangingPunct="1">
+                <a:defRPr sz="1800" kern="1200">
+                  <a:solidFill>
+                    <a:schemeClr val="tx1"/>
+                  </a:solidFill>
+                  <a:latin typeface="+mn-lt"/>
+                  <a:ea typeface="+mn-ea"/>
+                  <a:cs typeface="+mn-cs"/>
+                </a:defRPr>
+              </a:lvl3pPr>
+              <a:lvl4pPr marL="1371600" algn="l" defTabSz="914400" rtl="0" eaLnBrk="1" latinLnBrk="0" hangingPunct="1">
+                <a:defRPr sz="1800" kern="1200">
+                  <a:solidFill>
+                    <a:schemeClr val="tx1"/>
+                  </a:solidFill>
+                  <a:latin typeface="+mn-lt"/>
+                  <a:ea typeface="+mn-ea"/>
+                  <a:cs typeface="+mn-cs"/>
+                </a:defRPr>
+              </a:lvl4pPr>
+              <a:lvl5pPr marL="1828800" algn="l" defTabSz="914400" rtl="0" eaLnBrk="1" latinLnBrk="0" hangingPunct="1">
+                <a:defRPr sz="1800" kern="1200">
+                  <a:solidFill>
+                    <a:schemeClr val="tx1"/>
+                  </a:solidFill>
+                  <a:latin typeface="+mn-lt"/>
+                  <a:ea typeface="+mn-ea"/>
+                  <a:cs typeface="+mn-cs"/>
+                </a:defRPr>
+              </a:lvl5pPr>
+              <a:lvl6pPr marL="2286000" algn="l" defTabSz="914400" rtl="0" eaLnBrk="1" latinLnBrk="0" hangingPunct="1">
+                <a:defRPr sz="1800" kern="1200">
+                  <a:solidFill>
+                    <a:schemeClr val="tx1"/>
+                  </a:solidFill>
+                  <a:latin typeface="+mn-lt"/>
+                  <a:ea typeface="+mn-ea"/>
+                  <a:cs typeface="+mn-cs"/>
+                </a:defRPr>
+              </a:lvl6pPr>
+              <a:lvl7pPr marL="2743200" algn="l" defTabSz="914400" rtl="0" eaLnBrk="1" latinLnBrk="0" hangingPunct="1">
+                <a:defRPr sz="1800" kern="1200">
+                  <a:solidFill>
+                    <a:schemeClr val="tx1"/>
+                  </a:solidFill>
+                  <a:latin typeface="+mn-lt"/>
+                  <a:ea typeface="+mn-ea"/>
+                  <a:cs typeface="+mn-cs"/>
+                </a:defRPr>
+              </a:lvl7pPr>
+              <a:lvl8pPr marL="3200400" algn="l" defTabSz="914400" rtl="0" eaLnBrk="1" latinLnBrk="0" hangingPunct="1">
+                <a:defRPr sz="1800" kern="1200">
+                  <a:solidFill>
+                    <a:schemeClr val="tx1"/>
+                  </a:solidFill>
+                  <a:latin typeface="+mn-lt"/>
+                  <a:ea typeface="+mn-ea"/>
+                  <a:cs typeface="+mn-cs"/>
+                </a:defRPr>
+              </a:lvl8pPr>
+              <a:lvl9pPr marL="3657600" algn="l" defTabSz="914400" rtl="0" eaLnBrk="1" latinLnBrk="0" hangingPunct="1">
+                <a:defRPr sz="1800" kern="1200">
+                  <a:solidFill>
+                    <a:schemeClr val="tx1"/>
+                  </a:solidFill>
+                  <a:latin typeface="+mn-lt"/>
+                  <a:ea typeface="+mn-ea"/>
+                  <a:cs typeface="+mn-cs"/>
+                </a:defRPr>
+              </a:lvl9pPr>
+            </a:lstStyle>
+            <a:p>
+              <a:pPr algn="l"/>
+              <a:r>
+                <a:rPr lang="en-US" dirty="0"/>
+                <a:t>1.0 1.4 3.0</a:t>
+              </a:r>
+            </a:p>
+          </p:txBody>
+        </p:sp>
+        <p:sp>
+          <p:nvSpPr>
+            <p:cNvPr id="6" name="TextBox 5">
+              <a:extLst>
+                <a:ext uri="{FF2B5EF4-FFF2-40B4-BE49-F238E27FC236}">
+                  <a16:creationId xmlns:a16="http://schemas.microsoft.com/office/drawing/2014/main" id="{EDE81B5E-1582-EC75-D7DF-078074CEBE61}"/>
+                </a:ext>
+              </a:extLst>
+            </p:cNvPr>
+            <p:cNvSpPr txBox="1"/>
+            <p:nvPr/>
+          </p:nvSpPr>
+          <p:spPr>
+            <a:xfrm>
+              <a:off x="402443" y="3429000"/>
+              <a:ext cx="1828800" cy="369332"/>
+            </a:xfrm>
+            <a:prstGeom prst="rect">
+              <a:avLst/>
+            </a:prstGeom>
+            <a:noFill/>
+          </p:spPr>
+          <p:txBody>
+            <a:bodyPr rot="0" spcFirstLastPara="0" vert="horz" wrap="square" lIns="91440" tIns="45720" rIns="91440" bIns="45720" numCol="1" spcCol="0" rtlCol="0" fromWordArt="0" anchor="t" anchorCtr="0" forceAA="0" compatLnSpc="1">
+              <a:prstTxWarp prst="textNoShape">
+                <a:avLst/>
+              </a:prstTxWarp>
+              <a:spAutoFit/>
+            </a:bodyPr>
+            <a:lstStyle>
+              <a:defPPr>
+                <a:defRPr lang="en-US"/>
+              </a:defPPr>
+              <a:lvl1pPr marL="0" algn="l" defTabSz="914400" rtl="0" eaLnBrk="1" latinLnBrk="0" hangingPunct="1">
+                <a:defRPr sz="1800" kern="1200">
+                  <a:solidFill>
+                    <a:schemeClr val="tx1"/>
+                  </a:solidFill>
+                  <a:latin typeface="+mn-lt"/>
+                  <a:ea typeface="+mn-ea"/>
+                  <a:cs typeface="+mn-cs"/>
+                </a:defRPr>
+              </a:lvl1pPr>
+              <a:lvl2pPr marL="457200" algn="l" defTabSz="914400" rtl="0" eaLnBrk="1" latinLnBrk="0" hangingPunct="1">
+                <a:defRPr sz="1800" kern="1200">
+                  <a:solidFill>
+                    <a:schemeClr val="tx1"/>
+                  </a:solidFill>
+                  <a:latin typeface="+mn-lt"/>
+                  <a:ea typeface="+mn-ea"/>
+                  <a:cs typeface="+mn-cs"/>
+                </a:defRPr>
+              </a:lvl2pPr>
+              <a:lvl3pPr marL="914400" algn="l" defTabSz="914400" rtl="0" eaLnBrk="1" latinLnBrk="0" hangingPunct="1">
+                <a:defRPr sz="1800" kern="1200">
+                  <a:solidFill>
+                    <a:schemeClr val="tx1"/>
+                  </a:solidFill>
+                  <a:latin typeface="+mn-lt"/>
+                  <a:ea typeface="+mn-ea"/>
+                  <a:cs typeface="+mn-cs"/>
+                </a:defRPr>
+              </a:lvl3pPr>
+              <a:lvl4pPr marL="1371600" algn="l" defTabSz="914400" rtl="0" eaLnBrk="1" latinLnBrk="0" hangingPunct="1">
+                <a:defRPr sz="1800" kern="1200">
+                  <a:solidFill>
+                    <a:schemeClr val="tx1"/>
+                  </a:solidFill>
+                  <a:latin typeface="+mn-lt"/>
+                  <a:ea typeface="+mn-ea"/>
+                  <a:cs typeface="+mn-cs"/>
+                </a:defRPr>
+              </a:lvl4pPr>
+              <a:lvl5pPr marL="1828800" algn="l" defTabSz="914400" rtl="0" eaLnBrk="1" latinLnBrk="0" hangingPunct="1">
+                <a:defRPr sz="1800" kern="1200">
+                  <a:solidFill>
+                    <a:schemeClr val="tx1"/>
+                  </a:solidFill>
+                  <a:latin typeface="+mn-lt"/>
+                  <a:ea typeface="+mn-ea"/>
+                  <a:cs typeface="+mn-cs"/>
+                </a:defRPr>
+              </a:lvl5pPr>
+              <a:lvl6pPr marL="2286000" algn="l" defTabSz="914400" rtl="0" eaLnBrk="1" latinLnBrk="0" hangingPunct="1">
+                <a:defRPr sz="1800" kern="1200">
+                  <a:solidFill>
+                    <a:schemeClr val="tx1"/>
+                  </a:solidFill>
+                  <a:latin typeface="+mn-lt"/>
+                  <a:ea typeface="+mn-ea"/>
+                  <a:cs typeface="+mn-cs"/>
+                </a:defRPr>
+              </a:lvl6pPr>
+              <a:lvl7pPr marL="2743200" algn="l" defTabSz="914400" rtl="0" eaLnBrk="1" latinLnBrk="0" hangingPunct="1">
+                <a:defRPr sz="1800" kern="1200">
+                  <a:solidFill>
+                    <a:schemeClr val="tx1"/>
+                  </a:solidFill>
+                  <a:latin typeface="+mn-lt"/>
+                  <a:ea typeface="+mn-ea"/>
+                  <a:cs typeface="+mn-cs"/>
+                </a:defRPr>
+              </a:lvl7pPr>
+              <a:lvl8pPr marL="3200400" algn="l" defTabSz="914400" rtl="0" eaLnBrk="1" latinLnBrk="0" hangingPunct="1">
+                <a:defRPr sz="1800" kern="1200">
+                  <a:solidFill>
+                    <a:schemeClr val="tx1"/>
+                  </a:solidFill>
+                  <a:latin typeface="+mn-lt"/>
+                  <a:ea typeface="+mn-ea"/>
+                  <a:cs typeface="+mn-cs"/>
+                </a:defRPr>
+              </a:lvl8pPr>
+              <a:lvl9pPr marL="3657600" algn="l" defTabSz="914400" rtl="0" eaLnBrk="1" latinLnBrk="0" hangingPunct="1">
+                <a:defRPr sz="1800" kern="1200">
+                  <a:solidFill>
+                    <a:schemeClr val="tx1"/>
+                  </a:solidFill>
+                  <a:latin typeface="+mn-lt"/>
+                  <a:ea typeface="+mn-ea"/>
+                  <a:cs typeface="+mn-cs"/>
+                </a:defRPr>
+              </a:lvl9pPr>
+            </a:lstStyle>
+            <a:p>
+              <a:pPr algn="l"/>
+              <a:r>
+                <a:rPr lang="en-US" dirty="0"/>
+                <a:t>1.2 1.4 2.6</a:t>
+              </a:r>
+            </a:p>
+          </p:txBody>
+        </p:sp>
+        <p:sp>
+          <p:nvSpPr>
+            <p:cNvPr id="7" name="TextBox 6">
+              <a:extLst>
+                <a:ext uri="{FF2B5EF4-FFF2-40B4-BE49-F238E27FC236}">
+                  <a16:creationId xmlns:a16="http://schemas.microsoft.com/office/drawing/2014/main" id="{8AFEFB7E-E7A3-B721-5F37-5257754932E1}"/>
+                </a:ext>
+              </a:extLst>
+            </p:cNvPr>
+            <p:cNvSpPr txBox="1"/>
+            <p:nvPr/>
+          </p:nvSpPr>
+          <p:spPr>
+            <a:xfrm>
+              <a:off x="5277158" y="3432829"/>
+              <a:ext cx="1828800" cy="369332"/>
+            </a:xfrm>
+            <a:prstGeom prst="rect">
+              <a:avLst/>
+            </a:prstGeom>
+            <a:noFill/>
+          </p:spPr>
+          <p:txBody>
+            <a:bodyPr rot="0" spcFirstLastPara="0" vert="horz" wrap="square" lIns="91440" tIns="45720" rIns="91440" bIns="45720" numCol="1" spcCol="0" rtlCol="0" fromWordArt="0" anchor="t" anchorCtr="0" forceAA="0" compatLnSpc="1">
+              <a:prstTxWarp prst="textNoShape">
+                <a:avLst/>
+              </a:prstTxWarp>
+              <a:spAutoFit/>
+            </a:bodyPr>
+            <a:lstStyle>
+              <a:defPPr>
+                <a:defRPr lang="en-US"/>
+              </a:defPPr>
+              <a:lvl1pPr marL="0" algn="l" defTabSz="914400" rtl="0" eaLnBrk="1" latinLnBrk="0" hangingPunct="1">
+                <a:defRPr sz="1800" kern="1200">
+                  <a:solidFill>
+                    <a:schemeClr val="tx1"/>
+                  </a:solidFill>
+                  <a:latin typeface="+mn-lt"/>
+                  <a:ea typeface="+mn-ea"/>
+                  <a:cs typeface="+mn-cs"/>
+                </a:defRPr>
+              </a:lvl1pPr>
+              <a:lvl2pPr marL="457200" algn="l" defTabSz="914400" rtl="0" eaLnBrk="1" latinLnBrk="0" hangingPunct="1">
+                <a:defRPr sz="1800" kern="1200">
+                  <a:solidFill>
+                    <a:schemeClr val="tx1"/>
+                  </a:solidFill>
+                  <a:latin typeface="+mn-lt"/>
+                  <a:ea typeface="+mn-ea"/>
+                  <a:cs typeface="+mn-cs"/>
+                </a:defRPr>
+              </a:lvl2pPr>
+              <a:lvl3pPr marL="914400" algn="l" defTabSz="914400" rtl="0" eaLnBrk="1" latinLnBrk="0" hangingPunct="1">
+                <a:defRPr sz="1800" kern="1200">
+                  <a:solidFill>
+                    <a:schemeClr val="tx1"/>
+                  </a:solidFill>
+                  <a:latin typeface="+mn-lt"/>
+                  <a:ea typeface="+mn-ea"/>
+                  <a:cs typeface="+mn-cs"/>
+                </a:defRPr>
+              </a:lvl3pPr>
+              <a:lvl4pPr marL="1371600" algn="l" defTabSz="914400" rtl="0" eaLnBrk="1" latinLnBrk="0" hangingPunct="1">
+                <a:defRPr sz="1800" kern="1200">
+                  <a:solidFill>
+                    <a:schemeClr val="tx1"/>
+                  </a:solidFill>
+                  <a:latin typeface="+mn-lt"/>
+                  <a:ea typeface="+mn-ea"/>
+                  <a:cs typeface="+mn-cs"/>
+                </a:defRPr>
+              </a:lvl4pPr>
+              <a:lvl5pPr marL="1828800" algn="l" defTabSz="914400" rtl="0" eaLnBrk="1" latinLnBrk="0" hangingPunct="1">
+                <a:defRPr sz="1800" kern="1200">
+                  <a:solidFill>
+                    <a:schemeClr val="tx1"/>
+                  </a:solidFill>
+                  <a:latin typeface="+mn-lt"/>
+                  <a:ea typeface="+mn-ea"/>
+                  <a:cs typeface="+mn-cs"/>
+                </a:defRPr>
+              </a:lvl5pPr>
+              <a:lvl6pPr marL="2286000" algn="l" defTabSz="914400" rtl="0" eaLnBrk="1" latinLnBrk="0" hangingPunct="1">
+                <a:defRPr sz="1800" kern="1200">
+                  <a:solidFill>
+                    <a:schemeClr val="tx1"/>
+                  </a:solidFill>
+                  <a:latin typeface="+mn-lt"/>
+                  <a:ea typeface="+mn-ea"/>
+                  <a:cs typeface="+mn-cs"/>
+                </a:defRPr>
+              </a:lvl6pPr>
+              <a:lvl7pPr marL="2743200" algn="l" defTabSz="914400" rtl="0" eaLnBrk="1" latinLnBrk="0" hangingPunct="1">
+                <a:defRPr sz="1800" kern="1200">
+                  <a:solidFill>
+                    <a:schemeClr val="tx1"/>
+                  </a:solidFill>
+                  <a:latin typeface="+mn-lt"/>
+                  <a:ea typeface="+mn-ea"/>
+                  <a:cs typeface="+mn-cs"/>
+                </a:defRPr>
+              </a:lvl7pPr>
+              <a:lvl8pPr marL="3200400" algn="l" defTabSz="914400" rtl="0" eaLnBrk="1" latinLnBrk="0" hangingPunct="1">
+                <a:defRPr sz="1800" kern="1200">
+                  <a:solidFill>
+                    <a:schemeClr val="tx1"/>
+                  </a:solidFill>
+                  <a:latin typeface="+mn-lt"/>
+                  <a:ea typeface="+mn-ea"/>
+                  <a:cs typeface="+mn-cs"/>
+                </a:defRPr>
+              </a:lvl8pPr>
+              <a:lvl9pPr marL="3657600" algn="l" defTabSz="914400" rtl="0" eaLnBrk="1" latinLnBrk="0" hangingPunct="1">
+                <a:defRPr sz="1800" kern="1200">
+                  <a:solidFill>
+                    <a:schemeClr val="tx1"/>
+                  </a:solidFill>
+                  <a:latin typeface="+mn-lt"/>
+                  <a:ea typeface="+mn-ea"/>
+                  <a:cs typeface="+mn-cs"/>
+                </a:defRPr>
+              </a:lvl9pPr>
+            </a:lstStyle>
+            <a:p>
+              <a:pPr algn="l"/>
+              <a:r>
+                <a:rPr lang="en-US" dirty="0"/>
+                <a:t>1.2 1.4 2.8</a:t>
+              </a:r>
+            </a:p>
+          </p:txBody>
+        </p:sp>
+        <p:sp>
+          <p:nvSpPr>
+            <p:cNvPr id="8" name="TextBox 7">
+              <a:extLst>
+                <a:ext uri="{FF2B5EF4-FFF2-40B4-BE49-F238E27FC236}">
+                  <a16:creationId xmlns:a16="http://schemas.microsoft.com/office/drawing/2014/main" id="{99ACF886-60CC-BF53-BEC8-D996B9591742}"/>
+                </a:ext>
+              </a:extLst>
+            </p:cNvPr>
+            <p:cNvSpPr txBox="1"/>
+            <p:nvPr/>
+          </p:nvSpPr>
+          <p:spPr>
+            <a:xfrm>
+              <a:off x="9833811" y="3429000"/>
+              <a:ext cx="1828800" cy="369332"/>
+            </a:xfrm>
+            <a:prstGeom prst="rect">
+              <a:avLst/>
+            </a:prstGeom>
+            <a:noFill/>
+          </p:spPr>
+          <p:txBody>
+            <a:bodyPr rot="0" spcFirstLastPara="0" vert="horz" wrap="square" lIns="91440" tIns="45720" rIns="91440" bIns="45720" numCol="1" spcCol="0" rtlCol="0" fromWordArt="0" anchor="t" anchorCtr="0" forceAA="0" compatLnSpc="1">
+              <a:prstTxWarp prst="textNoShape">
+                <a:avLst/>
+              </a:prstTxWarp>
+              <a:spAutoFit/>
+            </a:bodyPr>
+            <a:lstStyle>
+              <a:defPPr>
+                <a:defRPr lang="en-US"/>
+              </a:defPPr>
+              <a:lvl1pPr marL="0" algn="l" defTabSz="914400" rtl="0" eaLnBrk="1" latinLnBrk="0" hangingPunct="1">
+                <a:defRPr sz="1800" kern="1200">
+                  <a:solidFill>
+                    <a:schemeClr val="tx1"/>
+                  </a:solidFill>
+                  <a:latin typeface="+mn-lt"/>
+                  <a:ea typeface="+mn-ea"/>
+                  <a:cs typeface="+mn-cs"/>
+                </a:defRPr>
+              </a:lvl1pPr>
+              <a:lvl2pPr marL="457200" algn="l" defTabSz="914400" rtl="0" eaLnBrk="1" latinLnBrk="0" hangingPunct="1">
+                <a:defRPr sz="1800" kern="1200">
+                  <a:solidFill>
+                    <a:schemeClr val="tx1"/>
+                  </a:solidFill>
+                  <a:latin typeface="+mn-lt"/>
+                  <a:ea typeface="+mn-ea"/>
+                  <a:cs typeface="+mn-cs"/>
+                </a:defRPr>
+              </a:lvl2pPr>
+              <a:lvl3pPr marL="914400" algn="l" defTabSz="914400" rtl="0" eaLnBrk="1" latinLnBrk="0" hangingPunct="1">
+                <a:defRPr sz="1800" kern="1200">
+                  <a:solidFill>
+                    <a:schemeClr val="tx1"/>
+                  </a:solidFill>
+                  <a:latin typeface="+mn-lt"/>
+                  <a:ea typeface="+mn-ea"/>
+                  <a:cs typeface="+mn-cs"/>
+                </a:defRPr>
+              </a:lvl3pPr>
+              <a:lvl4pPr marL="1371600" algn="l" defTabSz="914400" rtl="0" eaLnBrk="1" latinLnBrk="0" hangingPunct="1">
+                <a:defRPr sz="1800" kern="1200">
+                  <a:solidFill>
+                    <a:schemeClr val="tx1"/>
+                  </a:solidFill>
+                  <a:latin typeface="+mn-lt"/>
+                  <a:ea typeface="+mn-ea"/>
+                  <a:cs typeface="+mn-cs"/>
+                </a:defRPr>
+              </a:lvl4pPr>
+              <a:lvl5pPr marL="1828800" algn="l" defTabSz="914400" rtl="0" eaLnBrk="1" latinLnBrk="0" hangingPunct="1">
+                <a:defRPr sz="1800" kern="1200">
+                  <a:solidFill>
+                    <a:schemeClr val="tx1"/>
+                  </a:solidFill>
+                  <a:latin typeface="+mn-lt"/>
+                  <a:ea typeface="+mn-ea"/>
+                  <a:cs typeface="+mn-cs"/>
+                </a:defRPr>
+              </a:lvl5pPr>
+              <a:lvl6pPr marL="2286000" algn="l" defTabSz="914400" rtl="0" eaLnBrk="1" latinLnBrk="0" hangingPunct="1">
+                <a:defRPr sz="1800" kern="1200">
+                  <a:solidFill>
+                    <a:schemeClr val="tx1"/>
+                  </a:solidFill>
+                  <a:latin typeface="+mn-lt"/>
+                  <a:ea typeface="+mn-ea"/>
+                  <a:cs typeface="+mn-cs"/>
+                </a:defRPr>
+              </a:lvl6pPr>
+              <a:lvl7pPr marL="2743200" algn="l" defTabSz="914400" rtl="0" eaLnBrk="1" latinLnBrk="0" hangingPunct="1">
+                <a:defRPr sz="1800" kern="1200">
+                  <a:solidFill>
+                    <a:schemeClr val="tx1"/>
+                  </a:solidFill>
+                  <a:latin typeface="+mn-lt"/>
+                  <a:ea typeface="+mn-ea"/>
+                  <a:cs typeface="+mn-cs"/>
+                </a:defRPr>
+              </a:lvl7pPr>
+              <a:lvl8pPr marL="3200400" algn="l" defTabSz="914400" rtl="0" eaLnBrk="1" latinLnBrk="0" hangingPunct="1">
+                <a:defRPr sz="1800" kern="1200">
+                  <a:solidFill>
+                    <a:schemeClr val="tx1"/>
+                  </a:solidFill>
+                  <a:latin typeface="+mn-lt"/>
+                  <a:ea typeface="+mn-ea"/>
+                  <a:cs typeface="+mn-cs"/>
+                </a:defRPr>
+              </a:lvl8pPr>
+              <a:lvl9pPr marL="3657600" algn="l" defTabSz="914400" rtl="0" eaLnBrk="1" latinLnBrk="0" hangingPunct="1">
+                <a:defRPr sz="1800" kern="1200">
+                  <a:solidFill>
+                    <a:schemeClr val="tx1"/>
+                  </a:solidFill>
+                  <a:latin typeface="+mn-lt"/>
+                  <a:ea typeface="+mn-ea"/>
+                  <a:cs typeface="+mn-cs"/>
+                </a:defRPr>
+              </a:lvl9pPr>
+            </a:lstStyle>
+            <a:p>
+              <a:pPr algn="l"/>
+              <a:r>
+                <a:rPr lang="en-US" dirty="0"/>
+                <a:t>1.2 1.4 3.0</a:t>
+              </a:r>
+            </a:p>
+          </p:txBody>
+        </p:sp>
+      </p:grpSp>
+    </p:spTree>
+    <p:extLst>
+      <p:ext uri="{BB962C8B-B14F-4D97-AF65-F5344CB8AC3E}">
+        <p14:creationId xmlns:p14="http://schemas.microsoft.com/office/powerpoint/2010/main" val="1365727334"/>
+      </p:ext>
+    </p:extLst>
+  </p:cSld>
+  <p:clrMapOvr>
+    <a:masterClrMapping/>
+  </p:clrMapOvr>
+</p:sld>
+</file>
+
+<file path=ppt/slides/slide19.xml><?xml version="1.0" encoding="utf-8"?>
+<p:sld xmlns:a="http://schemas.openxmlformats.org/drawingml/2006/main" xmlns:r="http://schemas.openxmlformats.org/officeDocument/2006/relationships" xmlns:p="http://schemas.openxmlformats.org/presentationml/2006/main">
+  <p:cSld>
+    <p:spTree>
+      <p:nvGrpSpPr>
+        <p:cNvPr id="1" name=""/>
+        <p:cNvGrpSpPr/>
+        <p:nvPr/>
+      </p:nvGrpSpPr>
+      <p:grpSpPr>
+        <a:xfrm>
+          <a:off x="0" y="0"/>
+          <a:ext cx="0" cy="0"/>
+          <a:chOff x="0" y="0"/>
+          <a:chExt cx="0" cy="0"/>
+        </a:xfrm>
+      </p:grpSpPr>
+      <p:grpSp>
+        <p:nvGrpSpPr>
+          <p:cNvPr id="2" name="Group 1">
+            <a:extLst>
+              <a:ext uri="{FF2B5EF4-FFF2-40B4-BE49-F238E27FC236}">
+                <a16:creationId xmlns:a16="http://schemas.microsoft.com/office/drawing/2014/main" id="{48BB38F6-EE66-D025-0B25-0FE0898A75A9}"/>
+              </a:ext>
+            </a:extLst>
+          </p:cNvPr>
+          <p:cNvGrpSpPr/>
+          <p:nvPr/>
+        </p:nvGrpSpPr>
+        <p:grpSpPr>
+          <a:xfrm>
+            <a:off x="402443" y="128954"/>
+            <a:ext cx="11260168" cy="369332"/>
+            <a:chOff x="402443" y="128954"/>
+            <a:chExt cx="11260168" cy="369332"/>
+          </a:xfrm>
+        </p:grpSpPr>
+        <p:sp>
+          <p:nvSpPr>
+            <p:cNvPr id="3" name="TextBox 2">
+              <a:extLst>
+                <a:ext uri="{FF2B5EF4-FFF2-40B4-BE49-F238E27FC236}">
+                  <a16:creationId xmlns:a16="http://schemas.microsoft.com/office/drawing/2014/main" id="{845A49FA-FE14-09A5-F261-E31E1B9EB010}"/>
+                </a:ext>
+              </a:extLst>
+            </p:cNvPr>
+            <p:cNvSpPr txBox="1"/>
+            <p:nvPr/>
+          </p:nvSpPr>
+          <p:spPr>
+            <a:xfrm>
+              <a:off x="402443" y="128954"/>
+              <a:ext cx="1828800" cy="369332"/>
+            </a:xfrm>
+            <a:prstGeom prst="rect">
+              <a:avLst/>
+            </a:prstGeom>
+            <a:noFill/>
+          </p:spPr>
+          <p:txBody>
+            <a:bodyPr rot="0" spcFirstLastPara="0" vert="horz" wrap="square" lIns="91440" tIns="45720" rIns="91440" bIns="45720" numCol="1" spcCol="0" rtlCol="0" fromWordArt="0" anchor="t" anchorCtr="0" forceAA="0" compatLnSpc="1">
+              <a:prstTxWarp prst="textNoShape">
+                <a:avLst/>
+              </a:prstTxWarp>
+              <a:spAutoFit/>
+            </a:bodyPr>
+            <a:lstStyle>
+              <a:defPPr>
+                <a:defRPr lang="en-US"/>
+              </a:defPPr>
+              <a:lvl1pPr marL="0" algn="l" defTabSz="914400" rtl="0" eaLnBrk="1" latinLnBrk="0" hangingPunct="1">
+                <a:defRPr sz="1800" kern="1200">
+                  <a:solidFill>
+                    <a:schemeClr val="tx1"/>
+                  </a:solidFill>
+                  <a:latin typeface="+mn-lt"/>
+                  <a:ea typeface="+mn-ea"/>
+                  <a:cs typeface="+mn-cs"/>
+                </a:defRPr>
+              </a:lvl1pPr>
+              <a:lvl2pPr marL="457200" algn="l" defTabSz="914400" rtl="0" eaLnBrk="1" latinLnBrk="0" hangingPunct="1">
+                <a:defRPr sz="1800" kern="1200">
+                  <a:solidFill>
+                    <a:schemeClr val="tx1"/>
+                  </a:solidFill>
+                  <a:latin typeface="+mn-lt"/>
+                  <a:ea typeface="+mn-ea"/>
+                  <a:cs typeface="+mn-cs"/>
+                </a:defRPr>
+              </a:lvl2pPr>
+              <a:lvl3pPr marL="914400" algn="l" defTabSz="914400" rtl="0" eaLnBrk="1" latinLnBrk="0" hangingPunct="1">
+                <a:defRPr sz="1800" kern="1200">
+                  <a:solidFill>
+                    <a:schemeClr val="tx1"/>
+                  </a:solidFill>
+                  <a:latin typeface="+mn-lt"/>
+                  <a:ea typeface="+mn-ea"/>
+                  <a:cs typeface="+mn-cs"/>
+                </a:defRPr>
+              </a:lvl3pPr>
+              <a:lvl4pPr marL="1371600" algn="l" defTabSz="914400" rtl="0" eaLnBrk="1" latinLnBrk="0" hangingPunct="1">
+                <a:defRPr sz="1800" kern="1200">
+                  <a:solidFill>
+                    <a:schemeClr val="tx1"/>
+                  </a:solidFill>
+                  <a:latin typeface="+mn-lt"/>
+                  <a:ea typeface="+mn-ea"/>
+                  <a:cs typeface="+mn-cs"/>
+                </a:defRPr>
+              </a:lvl4pPr>
+              <a:lvl5pPr marL="1828800" algn="l" defTabSz="914400" rtl="0" eaLnBrk="1" latinLnBrk="0" hangingPunct="1">
+                <a:defRPr sz="1800" kern="1200">
+                  <a:solidFill>
+                    <a:schemeClr val="tx1"/>
+                  </a:solidFill>
+                  <a:latin typeface="+mn-lt"/>
+                  <a:ea typeface="+mn-ea"/>
+                  <a:cs typeface="+mn-cs"/>
+                </a:defRPr>
+              </a:lvl5pPr>
+              <a:lvl6pPr marL="2286000" algn="l" defTabSz="914400" rtl="0" eaLnBrk="1" latinLnBrk="0" hangingPunct="1">
+                <a:defRPr sz="1800" kern="1200">
+                  <a:solidFill>
+                    <a:schemeClr val="tx1"/>
+                  </a:solidFill>
+                  <a:latin typeface="+mn-lt"/>
+                  <a:ea typeface="+mn-ea"/>
+                  <a:cs typeface="+mn-cs"/>
+                </a:defRPr>
+              </a:lvl6pPr>
+              <a:lvl7pPr marL="2743200" algn="l" defTabSz="914400" rtl="0" eaLnBrk="1" latinLnBrk="0" hangingPunct="1">
+                <a:defRPr sz="1800" kern="1200">
+                  <a:solidFill>
+                    <a:schemeClr val="tx1"/>
+                  </a:solidFill>
+                  <a:latin typeface="+mn-lt"/>
+                  <a:ea typeface="+mn-ea"/>
+                  <a:cs typeface="+mn-cs"/>
+                </a:defRPr>
+              </a:lvl7pPr>
+              <a:lvl8pPr marL="3200400" algn="l" defTabSz="914400" rtl="0" eaLnBrk="1" latinLnBrk="0" hangingPunct="1">
+                <a:defRPr sz="1800" kern="1200">
+                  <a:solidFill>
+                    <a:schemeClr val="tx1"/>
+                  </a:solidFill>
+                  <a:latin typeface="+mn-lt"/>
+                  <a:ea typeface="+mn-ea"/>
+                  <a:cs typeface="+mn-cs"/>
+                </a:defRPr>
+              </a:lvl8pPr>
+              <a:lvl9pPr marL="3657600" algn="l" defTabSz="914400" rtl="0" eaLnBrk="1" latinLnBrk="0" hangingPunct="1">
+                <a:defRPr sz="1800" kern="1200">
+                  <a:solidFill>
+                    <a:schemeClr val="tx1"/>
+                  </a:solidFill>
+                  <a:latin typeface="+mn-lt"/>
+                  <a:ea typeface="+mn-ea"/>
+                  <a:cs typeface="+mn-cs"/>
+                </a:defRPr>
+              </a:lvl9pPr>
+            </a:lstStyle>
+            <a:p>
+              <a:pPr algn="l"/>
+              <a:r>
+                <a:rPr lang="en-US" dirty="0"/>
+                <a:t>1.4 1.4 2.6</a:t>
+              </a:r>
+            </a:p>
+          </p:txBody>
+        </p:sp>
+        <p:sp>
+          <p:nvSpPr>
+            <p:cNvPr id="4" name="TextBox 3">
+              <a:extLst>
+                <a:ext uri="{FF2B5EF4-FFF2-40B4-BE49-F238E27FC236}">
+                  <a16:creationId xmlns:a16="http://schemas.microsoft.com/office/drawing/2014/main" id="{5D9D32C1-EF01-6F19-2847-0465BD547108}"/>
+                </a:ext>
+              </a:extLst>
+            </p:cNvPr>
+            <p:cNvSpPr txBox="1"/>
+            <p:nvPr/>
+          </p:nvSpPr>
+          <p:spPr>
+            <a:xfrm>
+              <a:off x="5373372" y="128954"/>
+              <a:ext cx="1828800" cy="369332"/>
+            </a:xfrm>
+            <a:prstGeom prst="rect">
+              <a:avLst/>
+            </a:prstGeom>
+            <a:noFill/>
+          </p:spPr>
+          <p:txBody>
+            <a:bodyPr rot="0" spcFirstLastPara="0" vert="horz" wrap="square" lIns="91440" tIns="45720" rIns="91440" bIns="45720" numCol="1" spcCol="0" rtlCol="0" fromWordArt="0" anchor="t" anchorCtr="0" forceAA="0" compatLnSpc="1">
+              <a:prstTxWarp prst="textNoShape">
+                <a:avLst/>
+              </a:prstTxWarp>
+              <a:spAutoFit/>
+            </a:bodyPr>
+            <a:lstStyle>
+              <a:defPPr>
+                <a:defRPr lang="en-US"/>
+              </a:defPPr>
+              <a:lvl1pPr marL="0" algn="l" defTabSz="914400" rtl="0" eaLnBrk="1" latinLnBrk="0" hangingPunct="1">
+                <a:defRPr sz="1800" kern="1200">
+                  <a:solidFill>
+                    <a:schemeClr val="tx1"/>
+                  </a:solidFill>
+                  <a:latin typeface="+mn-lt"/>
+                  <a:ea typeface="+mn-ea"/>
+                  <a:cs typeface="+mn-cs"/>
+                </a:defRPr>
+              </a:lvl1pPr>
+              <a:lvl2pPr marL="457200" algn="l" defTabSz="914400" rtl="0" eaLnBrk="1" latinLnBrk="0" hangingPunct="1">
+                <a:defRPr sz="1800" kern="1200">
+                  <a:solidFill>
+                    <a:schemeClr val="tx1"/>
+                  </a:solidFill>
+                  <a:latin typeface="+mn-lt"/>
+                  <a:ea typeface="+mn-ea"/>
+                  <a:cs typeface="+mn-cs"/>
+                </a:defRPr>
+              </a:lvl2pPr>
+              <a:lvl3pPr marL="914400" algn="l" defTabSz="914400" rtl="0" eaLnBrk="1" latinLnBrk="0" hangingPunct="1">
+                <a:defRPr sz="1800" kern="1200">
+                  <a:solidFill>
+                    <a:schemeClr val="tx1"/>
+                  </a:solidFill>
+                  <a:latin typeface="+mn-lt"/>
+                  <a:ea typeface="+mn-ea"/>
+                  <a:cs typeface="+mn-cs"/>
+                </a:defRPr>
+              </a:lvl3pPr>
+              <a:lvl4pPr marL="1371600" algn="l" defTabSz="914400" rtl="0" eaLnBrk="1" latinLnBrk="0" hangingPunct="1">
+                <a:defRPr sz="1800" kern="1200">
+                  <a:solidFill>
+                    <a:schemeClr val="tx1"/>
+                  </a:solidFill>
+                  <a:latin typeface="+mn-lt"/>
+                  <a:ea typeface="+mn-ea"/>
+                  <a:cs typeface="+mn-cs"/>
+                </a:defRPr>
+              </a:lvl4pPr>
+              <a:lvl5pPr marL="1828800" algn="l" defTabSz="914400" rtl="0" eaLnBrk="1" latinLnBrk="0" hangingPunct="1">
+                <a:defRPr sz="1800" kern="1200">
+                  <a:solidFill>
+                    <a:schemeClr val="tx1"/>
+                  </a:solidFill>
+                  <a:latin typeface="+mn-lt"/>
+                  <a:ea typeface="+mn-ea"/>
+                  <a:cs typeface="+mn-cs"/>
+                </a:defRPr>
+              </a:lvl5pPr>
+              <a:lvl6pPr marL="2286000" algn="l" defTabSz="914400" rtl="0" eaLnBrk="1" latinLnBrk="0" hangingPunct="1">
+                <a:defRPr sz="1800" kern="1200">
+                  <a:solidFill>
+                    <a:schemeClr val="tx1"/>
+                  </a:solidFill>
+                  <a:latin typeface="+mn-lt"/>
+                  <a:ea typeface="+mn-ea"/>
+                  <a:cs typeface="+mn-cs"/>
+                </a:defRPr>
+              </a:lvl6pPr>
+              <a:lvl7pPr marL="2743200" algn="l" defTabSz="914400" rtl="0" eaLnBrk="1" latinLnBrk="0" hangingPunct="1">
+                <a:defRPr sz="1800" kern="1200">
+                  <a:solidFill>
+                    <a:schemeClr val="tx1"/>
+                  </a:solidFill>
+                  <a:latin typeface="+mn-lt"/>
+                  <a:ea typeface="+mn-ea"/>
+                  <a:cs typeface="+mn-cs"/>
+                </a:defRPr>
+              </a:lvl7pPr>
+              <a:lvl8pPr marL="3200400" algn="l" defTabSz="914400" rtl="0" eaLnBrk="1" latinLnBrk="0" hangingPunct="1">
+                <a:defRPr sz="1800" kern="1200">
+                  <a:solidFill>
+                    <a:schemeClr val="tx1"/>
+                  </a:solidFill>
+                  <a:latin typeface="+mn-lt"/>
+                  <a:ea typeface="+mn-ea"/>
+                  <a:cs typeface="+mn-cs"/>
+                </a:defRPr>
+              </a:lvl8pPr>
+              <a:lvl9pPr marL="3657600" algn="l" defTabSz="914400" rtl="0" eaLnBrk="1" latinLnBrk="0" hangingPunct="1">
+                <a:defRPr sz="1800" kern="1200">
+                  <a:solidFill>
+                    <a:schemeClr val="tx1"/>
+                  </a:solidFill>
+                  <a:latin typeface="+mn-lt"/>
+                  <a:ea typeface="+mn-ea"/>
+                  <a:cs typeface="+mn-cs"/>
+                </a:defRPr>
+              </a:lvl9pPr>
+            </a:lstStyle>
+            <a:p>
+              <a:pPr algn="l"/>
+              <a:r>
+                <a:rPr lang="en-US" dirty="0"/>
+                <a:t>1.4 1.4 2.8</a:t>
+              </a:r>
+            </a:p>
+          </p:txBody>
+        </p:sp>
+        <p:sp>
+          <p:nvSpPr>
+            <p:cNvPr id="5" name="TextBox 4">
+              <a:extLst>
+                <a:ext uri="{FF2B5EF4-FFF2-40B4-BE49-F238E27FC236}">
+                  <a16:creationId xmlns:a16="http://schemas.microsoft.com/office/drawing/2014/main" id="{A6F07378-5FEC-51FB-FA5B-BA2FB65C7880}"/>
+                </a:ext>
+              </a:extLst>
+            </p:cNvPr>
+            <p:cNvSpPr txBox="1"/>
+            <p:nvPr/>
+          </p:nvSpPr>
+          <p:spPr>
+            <a:xfrm>
+              <a:off x="9833811" y="128954"/>
+              <a:ext cx="1828800" cy="369332"/>
+            </a:xfrm>
+            <a:prstGeom prst="rect">
+              <a:avLst/>
+            </a:prstGeom>
+            <a:noFill/>
+          </p:spPr>
+          <p:txBody>
+            <a:bodyPr rot="0" spcFirstLastPara="0" vert="horz" wrap="square" lIns="91440" tIns="45720" rIns="91440" bIns="45720" numCol="1" spcCol="0" rtlCol="0" fromWordArt="0" anchor="t" anchorCtr="0" forceAA="0" compatLnSpc="1">
+              <a:prstTxWarp prst="textNoShape">
+                <a:avLst/>
+              </a:prstTxWarp>
+              <a:spAutoFit/>
+            </a:bodyPr>
+            <a:lstStyle>
+              <a:defPPr>
+                <a:defRPr lang="en-US"/>
+              </a:defPPr>
+              <a:lvl1pPr marL="0" algn="l" defTabSz="914400" rtl="0" eaLnBrk="1" latinLnBrk="0" hangingPunct="1">
+                <a:defRPr sz="1800" kern="1200">
+                  <a:solidFill>
+                    <a:schemeClr val="tx1"/>
+                  </a:solidFill>
+                  <a:latin typeface="+mn-lt"/>
+                  <a:ea typeface="+mn-ea"/>
+                  <a:cs typeface="+mn-cs"/>
+                </a:defRPr>
+              </a:lvl1pPr>
+              <a:lvl2pPr marL="457200" algn="l" defTabSz="914400" rtl="0" eaLnBrk="1" latinLnBrk="0" hangingPunct="1">
+                <a:defRPr sz="1800" kern="1200">
+                  <a:solidFill>
+                    <a:schemeClr val="tx1"/>
+                  </a:solidFill>
+                  <a:latin typeface="+mn-lt"/>
+                  <a:ea typeface="+mn-ea"/>
+                  <a:cs typeface="+mn-cs"/>
+                </a:defRPr>
+              </a:lvl2pPr>
+              <a:lvl3pPr marL="914400" algn="l" defTabSz="914400" rtl="0" eaLnBrk="1" latinLnBrk="0" hangingPunct="1">
+                <a:defRPr sz="1800" kern="1200">
+                  <a:solidFill>
+                    <a:schemeClr val="tx1"/>
+                  </a:solidFill>
+                  <a:latin typeface="+mn-lt"/>
+                  <a:ea typeface="+mn-ea"/>
+                  <a:cs typeface="+mn-cs"/>
+                </a:defRPr>
+              </a:lvl3pPr>
+              <a:lvl4pPr marL="1371600" algn="l" defTabSz="914400" rtl="0" eaLnBrk="1" latinLnBrk="0" hangingPunct="1">
+                <a:defRPr sz="1800" kern="1200">
+                  <a:solidFill>
+                    <a:schemeClr val="tx1"/>
+                  </a:solidFill>
+                  <a:latin typeface="+mn-lt"/>
+                  <a:ea typeface="+mn-ea"/>
+                  <a:cs typeface="+mn-cs"/>
+                </a:defRPr>
+              </a:lvl4pPr>
+              <a:lvl5pPr marL="1828800" algn="l" defTabSz="914400" rtl="0" eaLnBrk="1" latinLnBrk="0" hangingPunct="1">
+                <a:defRPr sz="1800" kern="1200">
+                  <a:solidFill>
+                    <a:schemeClr val="tx1"/>
+                  </a:solidFill>
+                  <a:latin typeface="+mn-lt"/>
+                  <a:ea typeface="+mn-ea"/>
+                  <a:cs typeface="+mn-cs"/>
+                </a:defRPr>
+              </a:lvl5pPr>
+              <a:lvl6pPr marL="2286000" algn="l" defTabSz="914400" rtl="0" eaLnBrk="1" latinLnBrk="0" hangingPunct="1">
+                <a:defRPr sz="1800" kern="1200">
+                  <a:solidFill>
+                    <a:schemeClr val="tx1"/>
+                  </a:solidFill>
+                  <a:latin typeface="+mn-lt"/>
+                  <a:ea typeface="+mn-ea"/>
+                  <a:cs typeface="+mn-cs"/>
+                </a:defRPr>
+              </a:lvl6pPr>
+              <a:lvl7pPr marL="2743200" algn="l" defTabSz="914400" rtl="0" eaLnBrk="1" latinLnBrk="0" hangingPunct="1">
+                <a:defRPr sz="1800" kern="1200">
+                  <a:solidFill>
+                    <a:schemeClr val="tx1"/>
+                  </a:solidFill>
+                  <a:latin typeface="+mn-lt"/>
+                  <a:ea typeface="+mn-ea"/>
+                  <a:cs typeface="+mn-cs"/>
+                </a:defRPr>
+              </a:lvl7pPr>
+              <a:lvl8pPr marL="3200400" algn="l" defTabSz="914400" rtl="0" eaLnBrk="1" latinLnBrk="0" hangingPunct="1">
+                <a:defRPr sz="1800" kern="1200">
+                  <a:solidFill>
+                    <a:schemeClr val="tx1"/>
+                  </a:solidFill>
+                  <a:latin typeface="+mn-lt"/>
+                  <a:ea typeface="+mn-ea"/>
+                  <a:cs typeface="+mn-cs"/>
+                </a:defRPr>
+              </a:lvl8pPr>
+              <a:lvl9pPr marL="3657600" algn="l" defTabSz="914400" rtl="0" eaLnBrk="1" latinLnBrk="0" hangingPunct="1">
+                <a:defRPr sz="1800" kern="1200">
+                  <a:solidFill>
+                    <a:schemeClr val="tx1"/>
+                  </a:solidFill>
+                  <a:latin typeface="+mn-lt"/>
+                  <a:ea typeface="+mn-ea"/>
+                  <a:cs typeface="+mn-cs"/>
+                </a:defRPr>
+              </a:lvl9pPr>
+            </a:lstStyle>
+            <a:p>
+              <a:pPr algn="l"/>
+              <a:r>
+                <a:rPr lang="en-US" dirty="0"/>
+                <a:t>1.4 1.4 3.0</a:t>
+              </a:r>
+            </a:p>
+          </p:txBody>
+        </p:sp>
+      </p:grpSp>
+    </p:spTree>
+    <p:extLst>
+      <p:ext uri="{BB962C8B-B14F-4D97-AF65-F5344CB8AC3E}">
+        <p14:creationId xmlns:p14="http://schemas.microsoft.com/office/powerpoint/2010/main" val="3672273678"/>
+      </p:ext>
+    </p:extLst>
+  </p:cSld>
+  <p:clrMapOvr>
+    <a:masterClrMapping/>
+  </p:clrMapOvr>
+</p:sld>
+</file>
+
 <file path=ppt/slides/slide2.xml><?xml version="1.0" encoding="utf-8"?>
 <p:sld xmlns:a="http://schemas.openxmlformats.org/drawingml/2006/main" xmlns:r="http://schemas.openxmlformats.org/officeDocument/2006/relationships" xmlns:p="http://schemas.openxmlformats.org/presentationml/2006/main">
   <p:cSld>

--- a/p_update.pptx
+++ b/p_update.pptx
@@ -9954,6 +9954,147 @@
           </p:txBody>
         </p:sp>
       </p:grpSp>
+      <p:pic>
+        <p:nvPicPr>
+          <p:cNvPr id="1026" name="Picture 2">
+            <a:extLst>
+              <a:ext uri="{FF2B5EF4-FFF2-40B4-BE49-F238E27FC236}">
+                <a16:creationId xmlns:a16="http://schemas.microsoft.com/office/drawing/2014/main" id="{6A574EA9-A31F-5964-4019-9E64239E3414}"/>
+              </a:ext>
+            </a:extLst>
+          </p:cNvPr>
+          <p:cNvPicPr>
+            <a:picLocks noChangeAspect="1" noChangeArrowheads="1"/>
+          </p:cNvPicPr>
+          <p:nvPr/>
+        </p:nvPicPr>
+        <p:blipFill>
+          <a:blip r:embed="rId2">
+            <a:extLst>
+              <a:ext uri="{28A0092B-C50C-407E-A947-70E740481C1C}">
+                <a14:useLocalDpi xmlns:a14="http://schemas.microsoft.com/office/drawing/2010/main" val="0"/>
+              </a:ext>
+            </a:extLst>
+          </a:blip>
+          <a:srcRect/>
+          <a:stretch>
+            <a:fillRect/>
+          </a:stretch>
+        </p:blipFill>
+        <p:spPr bwMode="auto">
+          <a:xfrm>
+            <a:off x="110437" y="687887"/>
+            <a:ext cx="3305624" cy="2551511"/>
+          </a:xfrm>
+          <a:prstGeom prst="rect">
+            <a:avLst/>
+          </a:prstGeom>
+          <a:noFill/>
+          <a:extLst>
+            <a:ext uri="{909E8E84-426E-40DD-AFC4-6F175D3DCCD1}">
+              <a14:hiddenFill xmlns:a14="http://schemas.microsoft.com/office/drawing/2010/main">
+                <a:solidFill>
+                  <a:srgbClr val="FFFFFF"/>
+                </a:solidFill>
+              </a14:hiddenFill>
+            </a:ext>
+          </a:extLst>
+        </p:spPr>
+      </p:pic>
+      <p:pic>
+        <p:nvPicPr>
+          <p:cNvPr id="1028" name="Picture 4">
+            <a:extLst>
+              <a:ext uri="{FF2B5EF4-FFF2-40B4-BE49-F238E27FC236}">
+                <a16:creationId xmlns:a16="http://schemas.microsoft.com/office/drawing/2014/main" id="{3C9B6521-0EEC-AD84-3339-D7376035C946}"/>
+              </a:ext>
+            </a:extLst>
+          </p:cNvPr>
+          <p:cNvPicPr>
+            <a:picLocks noChangeAspect="1" noChangeArrowheads="1"/>
+          </p:cNvPicPr>
+          <p:nvPr/>
+        </p:nvPicPr>
+        <p:blipFill>
+          <a:blip r:embed="rId3">
+            <a:extLst>
+              <a:ext uri="{28A0092B-C50C-407E-A947-70E740481C1C}">
+                <a14:useLocalDpi xmlns:a14="http://schemas.microsoft.com/office/drawing/2010/main" val="0"/>
+              </a:ext>
+            </a:extLst>
+          </a:blip>
+          <a:srcRect/>
+          <a:stretch>
+            <a:fillRect/>
+          </a:stretch>
+        </p:blipFill>
+        <p:spPr bwMode="auto">
+          <a:xfrm>
+            <a:off x="4138973" y="687886"/>
+            <a:ext cx="3305624" cy="2551511"/>
+          </a:xfrm>
+          <a:prstGeom prst="rect">
+            <a:avLst/>
+          </a:prstGeom>
+          <a:noFill/>
+          <a:extLst>
+            <a:ext uri="{909E8E84-426E-40DD-AFC4-6F175D3DCCD1}">
+              <a14:hiddenFill xmlns:a14="http://schemas.microsoft.com/office/drawing/2010/main">
+                <a:solidFill>
+                  <a:srgbClr val="FFFFFF"/>
+                </a:solidFill>
+              </a14:hiddenFill>
+            </a:ext>
+          </a:extLst>
+        </p:spPr>
+      </p:pic>
+      <p:pic>
+        <p:nvPicPr>
+          <p:cNvPr id="1030" name="Picture 6">
+            <a:extLst>
+              <a:ext uri="{FF2B5EF4-FFF2-40B4-BE49-F238E27FC236}">
+                <a16:creationId xmlns:a16="http://schemas.microsoft.com/office/drawing/2014/main" id="{6FD7B63C-E570-6F7E-ED9F-3BA5B6BDFAE6}"/>
+              </a:ext>
+            </a:extLst>
+          </p:cNvPr>
+          <p:cNvPicPr>
+            <a:picLocks noChangeAspect="1" noChangeArrowheads="1"/>
+          </p:cNvPicPr>
+          <p:nvPr/>
+        </p:nvPicPr>
+        <p:blipFill>
+          <a:blip r:embed="rId4">
+            <a:extLst>
+              <a:ext uri="{28A0092B-C50C-407E-A947-70E740481C1C}">
+                <a14:useLocalDpi xmlns:a14="http://schemas.microsoft.com/office/drawing/2010/main" val="0"/>
+              </a:ext>
+            </a:extLst>
+          </a:blip>
+          <a:srcRect/>
+          <a:stretch>
+            <a:fillRect/>
+          </a:stretch>
+        </p:blipFill>
+        <p:spPr bwMode="auto">
+          <a:xfrm>
+            <a:off x="8624010" y="687885"/>
+            <a:ext cx="3305623" cy="2551510"/>
+          </a:xfrm>
+          <a:prstGeom prst="rect">
+            <a:avLst/>
+          </a:prstGeom>
+          <a:noFill/>
+          <a:extLst>
+            <a:ext uri="{909E8E84-426E-40DD-AFC4-6F175D3DCCD1}">
+              <a14:hiddenFill xmlns:a14="http://schemas.microsoft.com/office/drawing/2010/main">
+                <a:solidFill>
+                  <a:srgbClr val="FFFFFF"/>
+                </a:solidFill>
+              </a14:hiddenFill>
+            </a:ext>
+          </a:extLst>
+        </p:spPr>
+      </p:pic>
     </p:spTree>
     <p:extLst>
       <p:ext uri="{BB962C8B-B14F-4D97-AF65-F5344CB8AC3E}">

--- a/p_update.pptx
+++ b/p_update.pptx
@@ -10095,6 +10095,147 @@
           </a:extLst>
         </p:spPr>
       </p:pic>
+      <p:pic>
+        <p:nvPicPr>
+          <p:cNvPr id="1032" name="Picture 8">
+            <a:extLst>
+              <a:ext uri="{FF2B5EF4-FFF2-40B4-BE49-F238E27FC236}">
+                <a16:creationId xmlns:a16="http://schemas.microsoft.com/office/drawing/2014/main" id="{8DCC806E-F682-25D5-4169-223BD4A3046B}"/>
+              </a:ext>
+            </a:extLst>
+          </p:cNvPr>
+          <p:cNvPicPr>
+            <a:picLocks noChangeAspect="1" noChangeArrowheads="1"/>
+          </p:cNvPicPr>
+          <p:nvPr/>
+        </p:nvPicPr>
+        <p:blipFill>
+          <a:blip r:embed="rId5">
+            <a:extLst>
+              <a:ext uri="{28A0092B-C50C-407E-A947-70E740481C1C}">
+                <a14:useLocalDpi xmlns:a14="http://schemas.microsoft.com/office/drawing/2010/main" val="0"/>
+              </a:ext>
+            </a:extLst>
+          </a:blip>
+          <a:srcRect/>
+          <a:stretch>
+            <a:fillRect/>
+          </a:stretch>
+        </p:blipFill>
+        <p:spPr bwMode="auto">
+          <a:xfrm>
+            <a:off x="110438" y="4064411"/>
+            <a:ext cx="3305623" cy="2551510"/>
+          </a:xfrm>
+          <a:prstGeom prst="rect">
+            <a:avLst/>
+          </a:prstGeom>
+          <a:noFill/>
+          <a:extLst>
+            <a:ext uri="{909E8E84-426E-40DD-AFC4-6F175D3DCCD1}">
+              <a14:hiddenFill xmlns:a14="http://schemas.microsoft.com/office/drawing/2010/main">
+                <a:solidFill>
+                  <a:srgbClr val="FFFFFF"/>
+                </a:solidFill>
+              </a14:hiddenFill>
+            </a:ext>
+          </a:extLst>
+        </p:spPr>
+      </p:pic>
+      <p:pic>
+        <p:nvPicPr>
+          <p:cNvPr id="1034" name="Picture 10">
+            <a:extLst>
+              <a:ext uri="{FF2B5EF4-FFF2-40B4-BE49-F238E27FC236}">
+                <a16:creationId xmlns:a16="http://schemas.microsoft.com/office/drawing/2014/main" id="{3B3B3B39-A6E1-D1D1-C662-8139AA88E419}"/>
+              </a:ext>
+            </a:extLst>
+          </p:cNvPr>
+          <p:cNvPicPr>
+            <a:picLocks noChangeAspect="1" noChangeArrowheads="1"/>
+          </p:cNvPicPr>
+          <p:nvPr/>
+        </p:nvPicPr>
+        <p:blipFill>
+          <a:blip r:embed="rId6">
+            <a:extLst>
+              <a:ext uri="{28A0092B-C50C-407E-A947-70E740481C1C}">
+                <a14:useLocalDpi xmlns:a14="http://schemas.microsoft.com/office/drawing/2010/main" val="0"/>
+              </a:ext>
+            </a:extLst>
+          </a:blip>
+          <a:srcRect/>
+          <a:stretch>
+            <a:fillRect/>
+          </a:stretch>
+        </p:blipFill>
+        <p:spPr bwMode="auto">
+          <a:xfrm>
+            <a:off x="4138973" y="3995593"/>
+            <a:ext cx="3305624" cy="2551511"/>
+          </a:xfrm>
+          <a:prstGeom prst="rect">
+            <a:avLst/>
+          </a:prstGeom>
+          <a:noFill/>
+          <a:extLst>
+            <a:ext uri="{909E8E84-426E-40DD-AFC4-6F175D3DCCD1}">
+              <a14:hiddenFill xmlns:a14="http://schemas.microsoft.com/office/drawing/2010/main">
+                <a:solidFill>
+                  <a:srgbClr val="FFFFFF"/>
+                </a:solidFill>
+              </a14:hiddenFill>
+            </a:ext>
+          </a:extLst>
+        </p:spPr>
+      </p:pic>
+      <p:pic>
+        <p:nvPicPr>
+          <p:cNvPr id="1036" name="Picture 12">
+            <a:extLst>
+              <a:ext uri="{FF2B5EF4-FFF2-40B4-BE49-F238E27FC236}">
+                <a16:creationId xmlns:a16="http://schemas.microsoft.com/office/drawing/2014/main" id="{67947670-A9DC-00DF-4E08-9585B89581C0}"/>
+              </a:ext>
+            </a:extLst>
+          </p:cNvPr>
+          <p:cNvPicPr>
+            <a:picLocks noChangeAspect="1" noChangeArrowheads="1"/>
+          </p:cNvPicPr>
+          <p:nvPr/>
+        </p:nvPicPr>
+        <p:blipFill>
+          <a:blip r:embed="rId7">
+            <a:extLst>
+              <a:ext uri="{28A0092B-C50C-407E-A947-70E740481C1C}">
+                <a14:useLocalDpi xmlns:a14="http://schemas.microsoft.com/office/drawing/2010/main" val="0"/>
+              </a:ext>
+            </a:extLst>
+          </a:blip>
+          <a:srcRect/>
+          <a:stretch>
+            <a:fillRect/>
+          </a:stretch>
+        </p:blipFill>
+        <p:spPr bwMode="auto">
+          <a:xfrm>
+            <a:off x="8647014" y="3995593"/>
+            <a:ext cx="3305626" cy="2551512"/>
+          </a:xfrm>
+          <a:prstGeom prst="rect">
+            <a:avLst/>
+          </a:prstGeom>
+          <a:noFill/>
+          <a:extLst>
+            <a:ext uri="{909E8E84-426E-40DD-AFC4-6F175D3DCCD1}">
+              <a14:hiddenFill xmlns:a14="http://schemas.microsoft.com/office/drawing/2010/main">
+                <a:solidFill>
+                  <a:srgbClr val="FFFFFF"/>
+                </a:solidFill>
+              </a14:hiddenFill>
+            </a:ext>
+          </a:extLst>
+        </p:spPr>
+      </p:pic>
     </p:spTree>
     <p:extLst>
       <p:ext uri="{BB962C8B-B14F-4D97-AF65-F5344CB8AC3E}">
@@ -10944,6 +11085,53 @@
           </p:txBody>
         </p:sp>
       </p:grpSp>
+      <p:pic>
+        <p:nvPicPr>
+          <p:cNvPr id="2050" name="Picture 2">
+            <a:extLst>
+              <a:ext uri="{FF2B5EF4-FFF2-40B4-BE49-F238E27FC236}">
+                <a16:creationId xmlns:a16="http://schemas.microsoft.com/office/drawing/2014/main" id="{5A8F5FDB-69AB-31AA-9544-4D471E455940}"/>
+              </a:ext>
+            </a:extLst>
+          </p:cNvPr>
+          <p:cNvPicPr>
+            <a:picLocks noChangeAspect="1" noChangeArrowheads="1"/>
+          </p:cNvPicPr>
+          <p:nvPr/>
+        </p:nvPicPr>
+        <p:blipFill>
+          <a:blip r:embed="rId2">
+            <a:extLst>
+              <a:ext uri="{28A0092B-C50C-407E-A947-70E740481C1C}">
+                <a14:useLocalDpi xmlns:a14="http://schemas.microsoft.com/office/drawing/2010/main" val="0"/>
+              </a:ext>
+            </a:extLst>
+          </a:blip>
+          <a:srcRect/>
+          <a:stretch>
+            <a:fillRect/>
+          </a:stretch>
+        </p:blipFill>
+        <p:spPr bwMode="auto">
+          <a:xfrm>
+            <a:off x="144943" y="645464"/>
+            <a:ext cx="3410644" cy="2632573"/>
+          </a:xfrm>
+          <a:prstGeom prst="rect">
+            <a:avLst/>
+          </a:prstGeom>
+          <a:noFill/>
+          <a:extLst>
+            <a:ext uri="{909E8E84-426E-40DD-AFC4-6F175D3DCCD1}">
+              <a14:hiddenFill xmlns:a14="http://schemas.microsoft.com/office/drawing/2010/main">
+                <a:solidFill>
+                  <a:srgbClr val="FFFFFF"/>
+                </a:solidFill>
+              </a14:hiddenFill>
+            </a:ext>
+          </a:extLst>
+        </p:spPr>
+      </p:pic>
     </p:spTree>
     <p:extLst>
       <p:ext uri="{BB962C8B-B14F-4D97-AF65-F5344CB8AC3E}">
@@ -11793,6 +11981,194 @@
           </p:txBody>
         </p:sp>
       </p:grpSp>
+      <p:pic>
+        <p:nvPicPr>
+          <p:cNvPr id="3074" name="Picture 2">
+            <a:extLst>
+              <a:ext uri="{FF2B5EF4-FFF2-40B4-BE49-F238E27FC236}">
+                <a16:creationId xmlns:a16="http://schemas.microsoft.com/office/drawing/2014/main" id="{8E4D24C5-B6BA-CC6F-8C09-6C335B8E4830}"/>
+              </a:ext>
+            </a:extLst>
+          </p:cNvPr>
+          <p:cNvPicPr>
+            <a:picLocks noChangeAspect="1" noChangeArrowheads="1"/>
+          </p:cNvPicPr>
+          <p:nvPr/>
+        </p:nvPicPr>
+        <p:blipFill>
+          <a:blip r:embed="rId2">
+            <a:extLst>
+              <a:ext uri="{28A0092B-C50C-407E-A947-70E740481C1C}">
+                <a14:useLocalDpi xmlns:a14="http://schemas.microsoft.com/office/drawing/2010/main" val="0"/>
+              </a:ext>
+            </a:extLst>
+          </a:blip>
+          <a:srcRect/>
+          <a:stretch>
+            <a:fillRect/>
+          </a:stretch>
+        </p:blipFill>
+        <p:spPr bwMode="auto">
+          <a:xfrm>
+            <a:off x="177508" y="564707"/>
+            <a:ext cx="3624799" cy="2797872"/>
+          </a:xfrm>
+          <a:prstGeom prst="rect">
+            <a:avLst/>
+          </a:prstGeom>
+          <a:noFill/>
+          <a:extLst>
+            <a:ext uri="{909E8E84-426E-40DD-AFC4-6F175D3DCCD1}">
+              <a14:hiddenFill xmlns:a14="http://schemas.microsoft.com/office/drawing/2010/main">
+                <a:solidFill>
+                  <a:srgbClr val="FFFFFF"/>
+                </a:solidFill>
+              </a14:hiddenFill>
+            </a:ext>
+          </a:extLst>
+        </p:spPr>
+      </p:pic>
+      <p:pic>
+        <p:nvPicPr>
+          <p:cNvPr id="3076" name="Picture 4">
+            <a:extLst>
+              <a:ext uri="{FF2B5EF4-FFF2-40B4-BE49-F238E27FC236}">
+                <a16:creationId xmlns:a16="http://schemas.microsoft.com/office/drawing/2014/main" id="{F9CC3FAF-E4CE-C310-2A30-34EDCAB782E5}"/>
+              </a:ext>
+            </a:extLst>
+          </p:cNvPr>
+          <p:cNvPicPr>
+            <a:picLocks noChangeAspect="1" noChangeArrowheads="1"/>
+          </p:cNvPicPr>
+          <p:nvPr/>
+        </p:nvPicPr>
+        <p:blipFill>
+          <a:blip r:embed="rId3">
+            <a:extLst>
+              <a:ext uri="{28A0092B-C50C-407E-A947-70E740481C1C}">
+                <a14:useLocalDpi xmlns:a14="http://schemas.microsoft.com/office/drawing/2010/main" val="0"/>
+              </a:ext>
+            </a:extLst>
+          </a:blip>
+          <a:srcRect/>
+          <a:stretch>
+            <a:fillRect/>
+          </a:stretch>
+        </p:blipFill>
+        <p:spPr bwMode="auto">
+          <a:xfrm>
+            <a:off x="4283601" y="588011"/>
+            <a:ext cx="3624798" cy="2797872"/>
+          </a:xfrm>
+          <a:prstGeom prst="rect">
+            <a:avLst/>
+          </a:prstGeom>
+          <a:noFill/>
+          <a:extLst>
+            <a:ext uri="{909E8E84-426E-40DD-AFC4-6F175D3DCCD1}">
+              <a14:hiddenFill xmlns:a14="http://schemas.microsoft.com/office/drawing/2010/main">
+                <a:solidFill>
+                  <a:srgbClr val="FFFFFF"/>
+                </a:solidFill>
+              </a14:hiddenFill>
+            </a:ext>
+          </a:extLst>
+        </p:spPr>
+      </p:pic>
+      <p:pic>
+        <p:nvPicPr>
+          <p:cNvPr id="3078" name="Picture 6">
+            <a:extLst>
+              <a:ext uri="{FF2B5EF4-FFF2-40B4-BE49-F238E27FC236}">
+                <a16:creationId xmlns:a16="http://schemas.microsoft.com/office/drawing/2014/main" id="{0B68A2D7-CE62-FF09-F397-0CBB91C17BB4}"/>
+              </a:ext>
+            </a:extLst>
+          </p:cNvPr>
+          <p:cNvPicPr>
+            <a:picLocks noChangeAspect="1" noChangeArrowheads="1"/>
+          </p:cNvPicPr>
+          <p:nvPr/>
+        </p:nvPicPr>
+        <p:blipFill>
+          <a:blip r:embed="rId4">
+            <a:extLst>
+              <a:ext uri="{28A0092B-C50C-407E-A947-70E740481C1C}">
+                <a14:useLocalDpi xmlns:a14="http://schemas.microsoft.com/office/drawing/2010/main" val="0"/>
+              </a:ext>
+            </a:extLst>
+          </a:blip>
+          <a:srcRect/>
+          <a:stretch>
+            <a:fillRect/>
+          </a:stretch>
+        </p:blipFill>
+        <p:spPr bwMode="auto">
+          <a:xfrm>
+            <a:off x="8422258" y="564707"/>
+            <a:ext cx="3624799" cy="2797872"/>
+          </a:xfrm>
+          <a:prstGeom prst="rect">
+            <a:avLst/>
+          </a:prstGeom>
+          <a:noFill/>
+          <a:extLst>
+            <a:ext uri="{909E8E84-426E-40DD-AFC4-6F175D3DCCD1}">
+              <a14:hiddenFill xmlns:a14="http://schemas.microsoft.com/office/drawing/2010/main">
+                <a:solidFill>
+                  <a:srgbClr val="FFFFFF"/>
+                </a:solidFill>
+              </a14:hiddenFill>
+            </a:ext>
+          </a:extLst>
+        </p:spPr>
+      </p:pic>
+      <p:pic>
+        <p:nvPicPr>
+          <p:cNvPr id="3080" name="Picture 8">
+            <a:extLst>
+              <a:ext uri="{FF2B5EF4-FFF2-40B4-BE49-F238E27FC236}">
+                <a16:creationId xmlns:a16="http://schemas.microsoft.com/office/drawing/2014/main" id="{5F846FAB-8309-7BE3-F4DB-ABA78888D9B3}"/>
+              </a:ext>
+            </a:extLst>
+          </p:cNvPr>
+          <p:cNvPicPr>
+            <a:picLocks noChangeAspect="1" noChangeArrowheads="1"/>
+          </p:cNvPicPr>
+          <p:nvPr/>
+        </p:nvPicPr>
+        <p:blipFill>
+          <a:blip r:embed="rId5">
+            <a:extLst>
+              <a:ext uri="{28A0092B-C50C-407E-A947-70E740481C1C}">
+                <a14:useLocalDpi xmlns:a14="http://schemas.microsoft.com/office/drawing/2010/main" val="0"/>
+              </a:ext>
+            </a:extLst>
+          </a:blip>
+          <a:srcRect/>
+          <a:stretch>
+            <a:fillRect/>
+          </a:stretch>
+        </p:blipFill>
+        <p:spPr bwMode="auto">
+          <a:xfrm>
+            <a:off x="177507" y="3963956"/>
+            <a:ext cx="3624800" cy="2797873"/>
+          </a:xfrm>
+          <a:prstGeom prst="rect">
+            <a:avLst/>
+          </a:prstGeom>
+          <a:noFill/>
+          <a:extLst>
+            <a:ext uri="{909E8E84-426E-40DD-AFC4-6F175D3DCCD1}">
+              <a14:hiddenFill xmlns:a14="http://schemas.microsoft.com/office/drawing/2010/main">
+                <a:solidFill>
+                  <a:srgbClr val="FFFFFF"/>
+                </a:solidFill>
+              </a14:hiddenFill>
+            </a:ext>
+          </a:extLst>
+        </p:spPr>
+      </p:pic>
     </p:spTree>
     <p:extLst>
       <p:ext uri="{BB962C8B-B14F-4D97-AF65-F5344CB8AC3E}">

--- a/p_update.pptx
+++ b/p_update.pptx
@@ -12169,6 +12169,53 @@
           </a:extLst>
         </p:spPr>
       </p:pic>
+      <p:pic>
+        <p:nvPicPr>
+          <p:cNvPr id="3082" name="Picture 10">
+            <a:extLst>
+              <a:ext uri="{FF2B5EF4-FFF2-40B4-BE49-F238E27FC236}">
+                <a16:creationId xmlns:a16="http://schemas.microsoft.com/office/drawing/2014/main" id="{2A581940-55FE-05EE-AA96-347CBCDE55AD}"/>
+              </a:ext>
+            </a:extLst>
+          </p:cNvPr>
+          <p:cNvPicPr>
+            <a:picLocks noChangeAspect="1" noChangeArrowheads="1"/>
+          </p:cNvPicPr>
+          <p:nvPr/>
+        </p:nvPicPr>
+        <p:blipFill>
+          <a:blip r:embed="rId6">
+            <a:extLst>
+              <a:ext uri="{28A0092B-C50C-407E-A947-70E740481C1C}">
+                <a14:useLocalDpi xmlns:a14="http://schemas.microsoft.com/office/drawing/2010/main" val="0"/>
+              </a:ext>
+            </a:extLst>
+          </a:blip>
+          <a:srcRect/>
+          <a:stretch>
+            <a:fillRect/>
+          </a:stretch>
+        </p:blipFill>
+        <p:spPr bwMode="auto">
+          <a:xfrm>
+            <a:off x="4292191" y="3963957"/>
+            <a:ext cx="3624799" cy="2797872"/>
+          </a:xfrm>
+          <a:prstGeom prst="rect">
+            <a:avLst/>
+          </a:prstGeom>
+          <a:noFill/>
+          <a:extLst>
+            <a:ext uri="{909E8E84-426E-40DD-AFC4-6F175D3DCCD1}">
+              <a14:hiddenFill xmlns:a14="http://schemas.microsoft.com/office/drawing/2010/main">
+                <a:solidFill>
+                  <a:srgbClr val="FFFFFF"/>
+                </a:solidFill>
+              </a14:hiddenFill>
+            </a:ext>
+          </a:extLst>
+        </p:spPr>
+      </p:pic>
     </p:spTree>
     <p:extLst>
       <p:ext uri="{BB962C8B-B14F-4D97-AF65-F5344CB8AC3E}">

--- a/p_update.pptx
+++ b/p_update.pptx
@@ -12151,7 +12151,7 @@
         </p:blipFill>
         <p:spPr bwMode="auto">
           <a:xfrm>
-            <a:off x="177507" y="3963956"/>
+            <a:off x="168916" y="3798331"/>
             <a:ext cx="3624800" cy="2797873"/>
           </a:xfrm>
           <a:prstGeom prst="rect">
@@ -12198,8 +12198,55 @@
         </p:blipFill>
         <p:spPr bwMode="auto">
           <a:xfrm>
-            <a:off x="4292191" y="3963957"/>
+            <a:off x="4283600" y="3798332"/>
             <a:ext cx="3624799" cy="2797872"/>
+          </a:xfrm>
+          <a:prstGeom prst="rect">
+            <a:avLst/>
+          </a:prstGeom>
+          <a:noFill/>
+          <a:extLst>
+            <a:ext uri="{909E8E84-426E-40DD-AFC4-6F175D3DCCD1}">
+              <a14:hiddenFill xmlns:a14="http://schemas.microsoft.com/office/drawing/2010/main">
+                <a:solidFill>
+                  <a:srgbClr val="FFFFFF"/>
+                </a:solidFill>
+              </a14:hiddenFill>
+            </a:ext>
+          </a:extLst>
+        </p:spPr>
+      </p:pic>
+      <p:pic>
+        <p:nvPicPr>
+          <p:cNvPr id="3084" name="Picture 12">
+            <a:extLst>
+              <a:ext uri="{FF2B5EF4-FFF2-40B4-BE49-F238E27FC236}">
+                <a16:creationId xmlns:a16="http://schemas.microsoft.com/office/drawing/2014/main" id="{BE1DA47B-C40F-BB4F-4489-8EAEFD344461}"/>
+              </a:ext>
+            </a:extLst>
+          </p:cNvPr>
+          <p:cNvPicPr>
+            <a:picLocks noChangeAspect="1" noChangeArrowheads="1"/>
+          </p:cNvPicPr>
+          <p:nvPr/>
+        </p:nvPicPr>
+        <p:blipFill>
+          <a:blip r:embed="rId7">
+            <a:extLst>
+              <a:ext uri="{28A0092B-C50C-407E-A947-70E740481C1C}">
+                <a14:useLocalDpi xmlns:a14="http://schemas.microsoft.com/office/drawing/2010/main" val="0"/>
+              </a:ext>
+            </a:extLst>
+          </a:blip>
+          <a:srcRect/>
+          <a:stretch>
+            <a:fillRect/>
+          </a:stretch>
+        </p:blipFill>
+        <p:spPr bwMode="auto">
+          <a:xfrm>
+            <a:off x="8398283" y="3765549"/>
+            <a:ext cx="3624800" cy="2797873"/>
           </a:xfrm>
           <a:prstGeom prst="rect">
             <a:avLst/>

--- a/p_update.pptx
+++ b/p_update.pptx
@@ -3425,36 +3425,6 @@
           </a:p>
         </p:txBody>
       </p:sp>
-      <p:pic>
-        <p:nvPicPr>
-          <p:cNvPr id="6" name="Picture 5">
-            <a:extLst>
-              <a:ext uri="{FF2B5EF4-FFF2-40B4-BE49-F238E27FC236}">
-                <a16:creationId xmlns:a16="http://schemas.microsoft.com/office/drawing/2014/main" id="{2C0D6A3C-140E-CA9F-D9C0-79DD6DF383A8}"/>
-              </a:ext>
-            </a:extLst>
-          </p:cNvPr>
-          <p:cNvPicPr>
-            <a:picLocks noChangeAspect="1"/>
-          </p:cNvPicPr>
-          <p:nvPr/>
-        </p:nvPicPr>
-        <p:blipFill>
-          <a:blip r:embed="rId2"/>
-          <a:stretch>
-            <a:fillRect/>
-          </a:stretch>
-        </p:blipFill>
-        <p:spPr>
-          <a:xfrm>
-            <a:off x="745700" y="2126164"/>
-            <a:ext cx="5350298" cy="4440746"/>
-          </a:xfrm>
-          <a:prstGeom prst="rect">
-            <a:avLst/>
-          </a:prstGeom>
-        </p:spPr>
-      </p:pic>
       <p:sp>
         <p:nvSpPr>
           <p:cNvPr id="7" name="TextBox 6">
@@ -3491,6 +3461,42 @@
           </a:p>
         </p:txBody>
       </p:sp>
+      <p:pic>
+        <p:nvPicPr>
+          <p:cNvPr id="5" name="Picture 4" descr="A picture containing chart&#10;&#10;Description automatically generated">
+            <a:extLst>
+              <a:ext uri="{FF2B5EF4-FFF2-40B4-BE49-F238E27FC236}">
+                <a16:creationId xmlns:a16="http://schemas.microsoft.com/office/drawing/2014/main" id="{387FDFA4-2F9B-A81A-F089-6F9D00044554}"/>
+              </a:ext>
+            </a:extLst>
+          </p:cNvPr>
+          <p:cNvPicPr>
+            <a:picLocks noChangeAspect="1"/>
+          </p:cNvPicPr>
+          <p:nvPr/>
+        </p:nvPicPr>
+        <p:blipFill>
+          <a:blip r:embed="rId2">
+            <a:extLst>
+              <a:ext uri="{28A0092B-C50C-407E-A947-70E740481C1C}">
+                <a14:useLocalDpi xmlns:a14="http://schemas.microsoft.com/office/drawing/2010/main" val="0"/>
+              </a:ext>
+            </a:extLst>
+          </a:blip>
+          <a:stretch>
+            <a:fillRect/>
+          </a:stretch>
+        </p:blipFill>
+        <p:spPr>
+          <a:xfrm>
+            <a:off x="529800" y="2259510"/>
+            <a:ext cx="5491437" cy="4511833"/>
+          </a:xfrm>
+          <a:prstGeom prst="rect">
+            <a:avLst/>
+          </a:prstGeom>
+        </p:spPr>
+      </p:pic>
     </p:spTree>
     <p:extLst>
       <p:ext uri="{BB962C8B-B14F-4D97-AF65-F5344CB8AC3E}">

--- a/p_update.pptx
+++ b/p_update.pptx
@@ -277,7 +277,7 @@
           <a:p>
             <a:fld id="{AC0A374C-67DD-7B41-A977-89CB4768BCE6}" type="datetimeFigureOut">
               <a:rPr lang="en-US" smtClean="0"/>
-              <a:t>8/4/2022</a:t>
+              <a:t>8/9/2022</a:t>
             </a:fld>
             <a:endParaRPr lang="en-US"/>
           </a:p>
@@ -475,7 +475,7 @@
           <a:p>
             <a:fld id="{AC0A374C-67DD-7B41-A977-89CB4768BCE6}" type="datetimeFigureOut">
               <a:rPr lang="en-US" smtClean="0"/>
-              <a:t>8/4/2022</a:t>
+              <a:t>8/9/2022</a:t>
             </a:fld>
             <a:endParaRPr lang="en-US"/>
           </a:p>
@@ -683,7 +683,7 @@
           <a:p>
             <a:fld id="{AC0A374C-67DD-7B41-A977-89CB4768BCE6}" type="datetimeFigureOut">
               <a:rPr lang="en-US" smtClean="0"/>
-              <a:t>8/4/2022</a:t>
+              <a:t>8/9/2022</a:t>
             </a:fld>
             <a:endParaRPr lang="en-US"/>
           </a:p>
@@ -881,7 +881,7 @@
           <a:p>
             <a:fld id="{AC0A374C-67DD-7B41-A977-89CB4768BCE6}" type="datetimeFigureOut">
               <a:rPr lang="en-US" smtClean="0"/>
-              <a:t>8/4/2022</a:t>
+              <a:t>8/9/2022</a:t>
             </a:fld>
             <a:endParaRPr lang="en-US"/>
           </a:p>
@@ -1156,7 +1156,7 @@
           <a:p>
             <a:fld id="{AC0A374C-67DD-7B41-A977-89CB4768BCE6}" type="datetimeFigureOut">
               <a:rPr lang="en-US" smtClean="0"/>
-              <a:t>8/4/2022</a:t>
+              <a:t>8/9/2022</a:t>
             </a:fld>
             <a:endParaRPr lang="en-US"/>
           </a:p>
@@ -1421,7 +1421,7 @@
           <a:p>
             <a:fld id="{AC0A374C-67DD-7B41-A977-89CB4768BCE6}" type="datetimeFigureOut">
               <a:rPr lang="en-US" smtClean="0"/>
-              <a:t>8/4/2022</a:t>
+              <a:t>8/9/2022</a:t>
             </a:fld>
             <a:endParaRPr lang="en-US"/>
           </a:p>
@@ -1833,7 +1833,7 @@
           <a:p>
             <a:fld id="{AC0A374C-67DD-7B41-A977-89CB4768BCE6}" type="datetimeFigureOut">
               <a:rPr lang="en-US" smtClean="0"/>
-              <a:t>8/4/2022</a:t>
+              <a:t>8/9/2022</a:t>
             </a:fld>
             <a:endParaRPr lang="en-US"/>
           </a:p>
@@ -1974,7 +1974,7 @@
           <a:p>
             <a:fld id="{AC0A374C-67DD-7B41-A977-89CB4768BCE6}" type="datetimeFigureOut">
               <a:rPr lang="en-US" smtClean="0"/>
-              <a:t>8/4/2022</a:t>
+              <a:t>8/9/2022</a:t>
             </a:fld>
             <a:endParaRPr lang="en-US"/>
           </a:p>
@@ -2087,7 +2087,7 @@
           <a:p>
             <a:fld id="{AC0A374C-67DD-7B41-A977-89CB4768BCE6}" type="datetimeFigureOut">
               <a:rPr lang="en-US" smtClean="0"/>
-              <a:t>8/4/2022</a:t>
+              <a:t>8/9/2022</a:t>
             </a:fld>
             <a:endParaRPr lang="en-US"/>
           </a:p>
@@ -2398,7 +2398,7 @@
           <a:p>
             <a:fld id="{AC0A374C-67DD-7B41-A977-89CB4768BCE6}" type="datetimeFigureOut">
               <a:rPr lang="en-US" smtClean="0"/>
-              <a:t>8/4/2022</a:t>
+              <a:t>8/9/2022</a:t>
             </a:fld>
             <a:endParaRPr lang="en-US"/>
           </a:p>
@@ -2686,7 +2686,7 @@
           <a:p>
             <a:fld id="{AC0A374C-67DD-7B41-A977-89CB4768BCE6}" type="datetimeFigureOut">
               <a:rPr lang="en-US" smtClean="0"/>
-              <a:t>8/4/2022</a:t>
+              <a:t>8/9/2022</a:t>
             </a:fld>
             <a:endParaRPr lang="en-US"/>
           </a:p>
@@ -2927,7 +2927,7 @@
           <a:p>
             <a:fld id="{AC0A374C-67DD-7B41-A977-89CB4768BCE6}" type="datetimeFigureOut">
               <a:rPr lang="en-US" smtClean="0"/>
-              <a:t>8/4/2022</a:t>
+              <a:t>8/9/2022</a:t>
             </a:fld>
             <a:endParaRPr lang="en-US"/>
           </a:p>
@@ -11989,10 +11989,10 @@
       </p:grpSp>
       <p:pic>
         <p:nvPicPr>
-          <p:cNvPr id="3074" name="Picture 2">
+          <p:cNvPr id="1026" name="Picture 2">
             <a:extLst>
               <a:ext uri="{FF2B5EF4-FFF2-40B4-BE49-F238E27FC236}">
-                <a16:creationId xmlns:a16="http://schemas.microsoft.com/office/drawing/2014/main" id="{8E4D24C5-B6BA-CC6F-8C09-6C335B8E4830}"/>
+                <a16:creationId xmlns:a16="http://schemas.microsoft.com/office/drawing/2014/main" id="{4965F46C-EA8A-F9A7-6036-C00DBF05E2C1}"/>
               </a:ext>
             </a:extLst>
           </p:cNvPr>
@@ -12016,8 +12016,8 @@
         </p:blipFill>
         <p:spPr bwMode="auto">
           <a:xfrm>
-            <a:off x="177508" y="564707"/>
-            <a:ext cx="3624799" cy="2797872"/>
+            <a:off x="8398283" y="498286"/>
+            <a:ext cx="3624801" cy="2797874"/>
           </a:xfrm>
           <a:prstGeom prst="rect">
             <a:avLst/>
@@ -12036,10 +12036,10 @@
       </p:pic>
       <p:pic>
         <p:nvPicPr>
-          <p:cNvPr id="3076" name="Picture 4">
+          <p:cNvPr id="1028" name="Picture 4">
             <a:extLst>
               <a:ext uri="{FF2B5EF4-FFF2-40B4-BE49-F238E27FC236}">
-                <a16:creationId xmlns:a16="http://schemas.microsoft.com/office/drawing/2014/main" id="{F9CC3FAF-E4CE-C310-2A30-34EDCAB782E5}"/>
+                <a16:creationId xmlns:a16="http://schemas.microsoft.com/office/drawing/2014/main" id="{FFBC12A2-9AED-1E34-7B05-CC7226541856}"/>
               </a:ext>
             </a:extLst>
           </p:cNvPr>
@@ -12063,8 +12063,8 @@
         </p:blipFill>
         <p:spPr bwMode="auto">
           <a:xfrm>
-            <a:off x="4283601" y="588011"/>
-            <a:ext cx="3624798" cy="2797872"/>
+            <a:off x="4283600" y="564707"/>
+            <a:ext cx="3624801" cy="2797874"/>
           </a:xfrm>
           <a:prstGeom prst="rect">
             <a:avLst/>
@@ -12083,10 +12083,10 @@
       </p:pic>
       <p:pic>
         <p:nvPicPr>
-          <p:cNvPr id="3078" name="Picture 6">
+          <p:cNvPr id="1030" name="Picture 6">
             <a:extLst>
               <a:ext uri="{FF2B5EF4-FFF2-40B4-BE49-F238E27FC236}">
-                <a16:creationId xmlns:a16="http://schemas.microsoft.com/office/drawing/2014/main" id="{0B68A2D7-CE62-FF09-F397-0CBB91C17BB4}"/>
+                <a16:creationId xmlns:a16="http://schemas.microsoft.com/office/drawing/2014/main" id="{6796EFA8-562C-808D-86B5-98BCFDA6D0FF}"/>
               </a:ext>
             </a:extLst>
           </p:cNvPr>
@@ -12110,8 +12110,8 @@
         </p:blipFill>
         <p:spPr bwMode="auto">
           <a:xfrm>
-            <a:off x="8422258" y="564707"/>
-            <a:ext cx="3624799" cy="2797872"/>
+            <a:off x="60743" y="572465"/>
+            <a:ext cx="3624801" cy="2797874"/>
           </a:xfrm>
           <a:prstGeom prst="rect">
             <a:avLst/>
@@ -12130,10 +12130,10 @@
       </p:pic>
       <p:pic>
         <p:nvPicPr>
-          <p:cNvPr id="3080" name="Picture 8">
+          <p:cNvPr id="1032" name="Picture 8">
             <a:extLst>
               <a:ext uri="{FF2B5EF4-FFF2-40B4-BE49-F238E27FC236}">
-                <a16:creationId xmlns:a16="http://schemas.microsoft.com/office/drawing/2014/main" id="{5F846FAB-8309-7BE3-F4DB-ABA78888D9B3}"/>
+                <a16:creationId xmlns:a16="http://schemas.microsoft.com/office/drawing/2014/main" id="{D1ABB392-1A2A-CEEA-152C-0E6BD1583AD3}"/>
               </a:ext>
             </a:extLst>
           </p:cNvPr>
@@ -12157,8 +12157,8 @@
         </p:blipFill>
         <p:spPr bwMode="auto">
           <a:xfrm>
-            <a:off x="168916" y="3798331"/>
-            <a:ext cx="3624800" cy="2797873"/>
+            <a:off x="60743" y="3765547"/>
+            <a:ext cx="3624803" cy="2797875"/>
           </a:xfrm>
           <a:prstGeom prst="rect">
             <a:avLst/>
@@ -12177,10 +12177,10 @@
       </p:pic>
       <p:pic>
         <p:nvPicPr>
-          <p:cNvPr id="3082" name="Picture 10">
+          <p:cNvPr id="1034" name="Picture 10">
             <a:extLst>
               <a:ext uri="{FF2B5EF4-FFF2-40B4-BE49-F238E27FC236}">
-                <a16:creationId xmlns:a16="http://schemas.microsoft.com/office/drawing/2014/main" id="{2A581940-55FE-05EE-AA96-347CBCDE55AD}"/>
+                <a16:creationId xmlns:a16="http://schemas.microsoft.com/office/drawing/2014/main" id="{2C261A44-0BBF-489D-2C05-C58982AB5863}"/>
               </a:ext>
             </a:extLst>
           </p:cNvPr>
@@ -12204,8 +12204,8 @@
         </p:blipFill>
         <p:spPr bwMode="auto">
           <a:xfrm>
-            <a:off x="4283600" y="3798332"/>
-            <a:ext cx="3624799" cy="2797872"/>
+            <a:off x="4278942" y="3765546"/>
+            <a:ext cx="3624803" cy="2797875"/>
           </a:xfrm>
           <a:prstGeom prst="rect">
             <a:avLst/>
@@ -12224,10 +12224,10 @@
       </p:pic>
       <p:pic>
         <p:nvPicPr>
-          <p:cNvPr id="3084" name="Picture 12">
+          <p:cNvPr id="1038" name="Picture 14">
             <a:extLst>
               <a:ext uri="{FF2B5EF4-FFF2-40B4-BE49-F238E27FC236}">
-                <a16:creationId xmlns:a16="http://schemas.microsoft.com/office/drawing/2014/main" id="{BE1DA47B-C40F-BB4F-4489-8EAEFD344461}"/>
+                <a16:creationId xmlns:a16="http://schemas.microsoft.com/office/drawing/2014/main" id="{B59D771F-D35A-216F-5C3B-C0FA0D314375}"/>
               </a:ext>
             </a:extLst>
           </p:cNvPr>
@@ -12251,8 +12251,8 @@
         </p:blipFill>
         <p:spPr bwMode="auto">
           <a:xfrm>
-            <a:off x="8398283" y="3765549"/>
-            <a:ext cx="3624800" cy="2797873"/>
+            <a:off x="8398281" y="3765546"/>
+            <a:ext cx="3624803" cy="2797875"/>
           </a:xfrm>
           <a:prstGeom prst="rect">
             <a:avLst/>
@@ -12719,6 +12719,147 @@
           </p:txBody>
         </p:sp>
       </p:grpSp>
+      <p:pic>
+        <p:nvPicPr>
+          <p:cNvPr id="2050" name="Picture 2">
+            <a:extLst>
+              <a:ext uri="{FF2B5EF4-FFF2-40B4-BE49-F238E27FC236}">
+                <a16:creationId xmlns:a16="http://schemas.microsoft.com/office/drawing/2014/main" id="{8E56CA3F-41A3-438A-D1C4-C2A83DD776F6}"/>
+              </a:ext>
+            </a:extLst>
+          </p:cNvPr>
+          <p:cNvPicPr>
+            <a:picLocks noChangeAspect="1" noChangeArrowheads="1"/>
+          </p:cNvPicPr>
+          <p:nvPr/>
+        </p:nvPicPr>
+        <p:blipFill>
+          <a:blip r:embed="rId2">
+            <a:extLst>
+              <a:ext uri="{28A0092B-C50C-407E-A947-70E740481C1C}">
+                <a14:useLocalDpi xmlns:a14="http://schemas.microsoft.com/office/drawing/2010/main" val="0"/>
+              </a:ext>
+            </a:extLst>
+          </a:blip>
+          <a:srcRect/>
+          <a:stretch>
+            <a:fillRect/>
+          </a:stretch>
+        </p:blipFill>
+        <p:spPr bwMode="auto">
+          <a:xfrm>
+            <a:off x="68931" y="638355"/>
+            <a:ext cx="3519740" cy="2716781"/>
+          </a:xfrm>
+          <a:prstGeom prst="rect">
+            <a:avLst/>
+          </a:prstGeom>
+          <a:noFill/>
+          <a:extLst>
+            <a:ext uri="{909E8E84-426E-40DD-AFC4-6F175D3DCCD1}">
+              <a14:hiddenFill xmlns:a14="http://schemas.microsoft.com/office/drawing/2010/main">
+                <a:solidFill>
+                  <a:srgbClr val="FFFFFF"/>
+                </a:solidFill>
+              </a14:hiddenFill>
+            </a:ext>
+          </a:extLst>
+        </p:spPr>
+      </p:pic>
+      <p:pic>
+        <p:nvPicPr>
+          <p:cNvPr id="2052" name="Picture 4">
+            <a:extLst>
+              <a:ext uri="{FF2B5EF4-FFF2-40B4-BE49-F238E27FC236}">
+                <a16:creationId xmlns:a16="http://schemas.microsoft.com/office/drawing/2014/main" id="{D1F4F0ED-8906-26C4-F256-C632503C6F9B}"/>
+              </a:ext>
+            </a:extLst>
+          </p:cNvPr>
+          <p:cNvPicPr>
+            <a:picLocks noChangeAspect="1" noChangeArrowheads="1"/>
+          </p:cNvPicPr>
+          <p:nvPr/>
+        </p:nvPicPr>
+        <p:blipFill>
+          <a:blip r:embed="rId3">
+            <a:extLst>
+              <a:ext uri="{28A0092B-C50C-407E-A947-70E740481C1C}">
+                <a14:useLocalDpi xmlns:a14="http://schemas.microsoft.com/office/drawing/2010/main" val="0"/>
+              </a:ext>
+            </a:extLst>
+          </a:blip>
+          <a:srcRect/>
+          <a:stretch>
+            <a:fillRect/>
+          </a:stretch>
+        </p:blipFill>
+        <p:spPr bwMode="auto">
+          <a:xfrm>
+            <a:off x="4233863" y="638354"/>
+            <a:ext cx="3519741" cy="2716781"/>
+          </a:xfrm>
+          <a:prstGeom prst="rect">
+            <a:avLst/>
+          </a:prstGeom>
+          <a:noFill/>
+          <a:extLst>
+            <a:ext uri="{909E8E84-426E-40DD-AFC4-6F175D3DCCD1}">
+              <a14:hiddenFill xmlns:a14="http://schemas.microsoft.com/office/drawing/2010/main">
+                <a:solidFill>
+                  <a:srgbClr val="FFFFFF"/>
+                </a:solidFill>
+              </a14:hiddenFill>
+            </a:ext>
+          </a:extLst>
+        </p:spPr>
+      </p:pic>
+      <p:pic>
+        <p:nvPicPr>
+          <p:cNvPr id="2054" name="Picture 6">
+            <a:extLst>
+              <a:ext uri="{FF2B5EF4-FFF2-40B4-BE49-F238E27FC236}">
+                <a16:creationId xmlns:a16="http://schemas.microsoft.com/office/drawing/2014/main" id="{7ED00ACC-FBDA-D435-CE9F-2AEDEECAF6DE}"/>
+              </a:ext>
+            </a:extLst>
+          </p:cNvPr>
+          <p:cNvPicPr>
+            <a:picLocks noChangeAspect="1" noChangeArrowheads="1"/>
+          </p:cNvPicPr>
+          <p:nvPr/>
+        </p:nvPicPr>
+        <p:blipFill>
+          <a:blip r:embed="rId4">
+            <a:extLst>
+              <a:ext uri="{28A0092B-C50C-407E-A947-70E740481C1C}">
+                <a14:useLocalDpi xmlns:a14="http://schemas.microsoft.com/office/drawing/2010/main" val="0"/>
+              </a:ext>
+            </a:extLst>
+          </a:blip>
+          <a:srcRect/>
+          <a:stretch>
+            <a:fillRect/>
+          </a:stretch>
+        </p:blipFill>
+        <p:spPr bwMode="auto">
+          <a:xfrm>
+            <a:off x="8603328" y="638354"/>
+            <a:ext cx="3519741" cy="2716781"/>
+          </a:xfrm>
+          <a:prstGeom prst="rect">
+            <a:avLst/>
+          </a:prstGeom>
+          <a:noFill/>
+          <a:extLst>
+            <a:ext uri="{909E8E84-426E-40DD-AFC4-6F175D3DCCD1}">
+              <a14:hiddenFill xmlns:a14="http://schemas.microsoft.com/office/drawing/2010/main">
+                <a:solidFill>
+                  <a:srgbClr val="FFFFFF"/>
+                </a:solidFill>
+              </a14:hiddenFill>
+            </a:ext>
+          </a:extLst>
+        </p:spPr>
+      </p:pic>
     </p:spTree>
     <p:extLst>
       <p:ext uri="{BB962C8B-B14F-4D97-AF65-F5344CB8AC3E}">

--- a/p_update.pptx
+++ b/p_update.pptx
@@ -9962,10 +9962,10 @@
       </p:grpSp>
       <p:pic>
         <p:nvPicPr>
-          <p:cNvPr id="1026" name="Picture 2">
+          <p:cNvPr id="3074" name="Picture 2">
             <a:extLst>
               <a:ext uri="{FF2B5EF4-FFF2-40B4-BE49-F238E27FC236}">
-                <a16:creationId xmlns:a16="http://schemas.microsoft.com/office/drawing/2014/main" id="{6A574EA9-A31F-5964-4019-9E64239E3414}"/>
+                <a16:creationId xmlns:a16="http://schemas.microsoft.com/office/drawing/2014/main" id="{5240911C-D0A4-2238-3BAD-D311E2462E56}"/>
               </a:ext>
             </a:extLst>
           </p:cNvPr>
@@ -9989,7 +9989,7 @@
         </p:blipFill>
         <p:spPr bwMode="auto">
           <a:xfrm>
-            <a:off x="110437" y="687887"/>
+            <a:off x="8581577" y="680228"/>
             <a:ext cx="3305624" cy="2551511"/>
           </a:xfrm>
           <a:prstGeom prst="rect">
@@ -10009,10 +10009,10 @@
       </p:pic>
       <p:pic>
         <p:nvPicPr>
-          <p:cNvPr id="1028" name="Picture 4">
+          <p:cNvPr id="3076" name="Picture 4">
             <a:extLst>
               <a:ext uri="{FF2B5EF4-FFF2-40B4-BE49-F238E27FC236}">
-                <a16:creationId xmlns:a16="http://schemas.microsoft.com/office/drawing/2014/main" id="{3C9B6521-0EEC-AD84-3339-D7376035C946}"/>
+                <a16:creationId xmlns:a16="http://schemas.microsoft.com/office/drawing/2014/main" id="{40375453-B6D3-5883-0528-2825712855DB}"/>
               </a:ext>
             </a:extLst>
           </p:cNvPr>
@@ -10036,7 +10036,7 @@
         </p:blipFill>
         <p:spPr bwMode="auto">
           <a:xfrm>
-            <a:off x="4138973" y="687886"/>
+            <a:off x="4268370" y="680227"/>
             <a:ext cx="3305624" cy="2551511"/>
           </a:xfrm>
           <a:prstGeom prst="rect">
@@ -10056,10 +10056,10 @@
       </p:pic>
       <p:pic>
         <p:nvPicPr>
-          <p:cNvPr id="1030" name="Picture 6">
+          <p:cNvPr id="3078" name="Picture 6">
             <a:extLst>
               <a:ext uri="{FF2B5EF4-FFF2-40B4-BE49-F238E27FC236}">
-                <a16:creationId xmlns:a16="http://schemas.microsoft.com/office/drawing/2014/main" id="{6FD7B63C-E570-6F7E-ED9F-3BA5B6BDFAE6}"/>
+                <a16:creationId xmlns:a16="http://schemas.microsoft.com/office/drawing/2014/main" id="{CD4DB955-F814-290E-CD8F-D30C33A3F609}"/>
               </a:ext>
             </a:extLst>
           </p:cNvPr>
@@ -10083,8 +10083,8 @@
         </p:blipFill>
         <p:spPr bwMode="auto">
           <a:xfrm>
-            <a:off x="8624010" y="687885"/>
-            <a:ext cx="3305623" cy="2551510"/>
+            <a:off x="0" y="680225"/>
+            <a:ext cx="3305627" cy="2551513"/>
           </a:xfrm>
           <a:prstGeom prst="rect">
             <a:avLst/>
@@ -10103,10 +10103,10 @@
       </p:pic>
       <p:pic>
         <p:nvPicPr>
-          <p:cNvPr id="1032" name="Picture 8">
+          <p:cNvPr id="3080" name="Picture 8">
             <a:extLst>
               <a:ext uri="{FF2B5EF4-FFF2-40B4-BE49-F238E27FC236}">
-                <a16:creationId xmlns:a16="http://schemas.microsoft.com/office/drawing/2014/main" id="{8DCC806E-F682-25D5-4169-223BD4A3046B}"/>
+                <a16:creationId xmlns:a16="http://schemas.microsoft.com/office/drawing/2014/main" id="{C25FD497-4D9A-CCF8-CBF7-8B64DA57498B}"/>
               </a:ext>
             </a:extLst>
           </p:cNvPr>
@@ -10130,8 +10130,8 @@
         </p:blipFill>
         <p:spPr bwMode="auto">
           <a:xfrm>
-            <a:off x="110438" y="4064411"/>
-            <a:ext cx="3305623" cy="2551510"/>
+            <a:off x="84558" y="3995593"/>
+            <a:ext cx="3305627" cy="2551513"/>
           </a:xfrm>
           <a:prstGeom prst="rect">
             <a:avLst/>
@@ -10150,10 +10150,10 @@
       </p:pic>
       <p:pic>
         <p:nvPicPr>
-          <p:cNvPr id="1034" name="Picture 10">
+          <p:cNvPr id="3082" name="Picture 10">
             <a:extLst>
               <a:ext uri="{FF2B5EF4-FFF2-40B4-BE49-F238E27FC236}">
-                <a16:creationId xmlns:a16="http://schemas.microsoft.com/office/drawing/2014/main" id="{3B3B3B39-A6E1-D1D1-C662-8139AA88E419}"/>
+                <a16:creationId xmlns:a16="http://schemas.microsoft.com/office/drawing/2014/main" id="{25905548-1FF6-3F3D-65D2-9E9997F7E731}"/>
               </a:ext>
             </a:extLst>
           </p:cNvPr>
@@ -10177,8 +10177,8 @@
         </p:blipFill>
         <p:spPr bwMode="auto">
           <a:xfrm>
-            <a:off x="4138973" y="3995593"/>
-            <a:ext cx="3305624" cy="2551511"/>
+            <a:off x="4365786" y="3995592"/>
+            <a:ext cx="3305627" cy="2551513"/>
           </a:xfrm>
           <a:prstGeom prst="rect">
             <a:avLst/>
@@ -10197,10 +10197,10 @@
       </p:pic>
       <p:pic>
         <p:nvPicPr>
-          <p:cNvPr id="1036" name="Picture 12">
+          <p:cNvPr id="3084" name="Picture 12">
             <a:extLst>
               <a:ext uri="{FF2B5EF4-FFF2-40B4-BE49-F238E27FC236}">
-                <a16:creationId xmlns:a16="http://schemas.microsoft.com/office/drawing/2014/main" id="{67947670-A9DC-00DF-4E08-9585B89581C0}"/>
+                <a16:creationId xmlns:a16="http://schemas.microsoft.com/office/drawing/2014/main" id="{175832E8-424E-B81A-5C73-00665AB19209}"/>
               </a:ext>
             </a:extLst>
           </p:cNvPr>
@@ -10224,8 +10224,8 @@
         </p:blipFill>
         <p:spPr bwMode="auto">
           <a:xfrm>
-            <a:off x="8647014" y="3995593"/>
-            <a:ext cx="3305626" cy="2551512"/>
+            <a:off x="8581577" y="3995592"/>
+            <a:ext cx="3305628" cy="2551514"/>
           </a:xfrm>
           <a:prstGeom prst="rect">
             <a:avLst/>
@@ -11093,10 +11093,10 @@
       </p:grpSp>
       <p:pic>
         <p:nvPicPr>
-          <p:cNvPr id="2050" name="Picture 2">
+          <p:cNvPr id="4098" name="Picture 2">
             <a:extLst>
               <a:ext uri="{FF2B5EF4-FFF2-40B4-BE49-F238E27FC236}">
-                <a16:creationId xmlns:a16="http://schemas.microsoft.com/office/drawing/2014/main" id="{5A8F5FDB-69AB-31AA-9544-4D471E455940}"/>
+                <a16:creationId xmlns:a16="http://schemas.microsoft.com/office/drawing/2014/main" id="{BF1A673E-DA5F-5846-29E9-0FB59BF27E59}"/>
               </a:ext>
             </a:extLst>
           </p:cNvPr>
@@ -11120,8 +11120,149 @@
         </p:blipFill>
         <p:spPr bwMode="auto">
           <a:xfrm>
-            <a:off x="144943" y="645464"/>
-            <a:ext cx="3410644" cy="2632573"/>
+            <a:off x="231207" y="639758"/>
+            <a:ext cx="3430333" cy="2647770"/>
+          </a:xfrm>
+          <a:prstGeom prst="rect">
+            <a:avLst/>
+          </a:prstGeom>
+          <a:noFill/>
+          <a:extLst>
+            <a:ext uri="{909E8E84-426E-40DD-AFC4-6F175D3DCCD1}">
+              <a14:hiddenFill xmlns:a14="http://schemas.microsoft.com/office/drawing/2010/main">
+                <a:solidFill>
+                  <a:srgbClr val="FFFFFF"/>
+                </a:solidFill>
+              </a14:hiddenFill>
+            </a:ext>
+          </a:extLst>
+        </p:spPr>
+      </p:pic>
+      <p:pic>
+        <p:nvPicPr>
+          <p:cNvPr id="4100" name="Picture 4">
+            <a:extLst>
+              <a:ext uri="{FF2B5EF4-FFF2-40B4-BE49-F238E27FC236}">
+                <a16:creationId xmlns:a16="http://schemas.microsoft.com/office/drawing/2014/main" id="{74A64A5E-C4DC-D2F1-7C00-1F600E849BB8}"/>
+              </a:ext>
+            </a:extLst>
+          </p:cNvPr>
+          <p:cNvPicPr>
+            <a:picLocks noChangeAspect="1" noChangeArrowheads="1"/>
+          </p:cNvPicPr>
+          <p:nvPr/>
+        </p:nvPicPr>
+        <p:blipFill>
+          <a:blip r:embed="rId3">
+            <a:extLst>
+              <a:ext uri="{28A0092B-C50C-407E-A947-70E740481C1C}">
+                <a14:useLocalDpi xmlns:a14="http://schemas.microsoft.com/office/drawing/2010/main" val="0"/>
+              </a:ext>
+            </a:extLst>
+          </a:blip>
+          <a:srcRect/>
+          <a:stretch>
+            <a:fillRect/>
+          </a:stretch>
+        </p:blipFill>
+        <p:spPr bwMode="auto">
+          <a:xfrm>
+            <a:off x="231207" y="3816449"/>
+            <a:ext cx="3430334" cy="2647771"/>
+          </a:xfrm>
+          <a:prstGeom prst="rect">
+            <a:avLst/>
+          </a:prstGeom>
+          <a:noFill/>
+          <a:extLst>
+            <a:ext uri="{909E8E84-426E-40DD-AFC4-6F175D3DCCD1}">
+              <a14:hiddenFill xmlns:a14="http://schemas.microsoft.com/office/drawing/2010/main">
+                <a:solidFill>
+                  <a:srgbClr val="FFFFFF"/>
+                </a:solidFill>
+              </a14:hiddenFill>
+            </a:ext>
+          </a:extLst>
+        </p:spPr>
+      </p:pic>
+      <p:pic>
+        <p:nvPicPr>
+          <p:cNvPr id="4102" name="Picture 6">
+            <a:extLst>
+              <a:ext uri="{FF2B5EF4-FFF2-40B4-BE49-F238E27FC236}">
+                <a16:creationId xmlns:a16="http://schemas.microsoft.com/office/drawing/2014/main" id="{C78A2304-CE56-7CA2-4F50-AC8D85E80DDB}"/>
+              </a:ext>
+            </a:extLst>
+          </p:cNvPr>
+          <p:cNvPicPr>
+            <a:picLocks noChangeAspect="1" noChangeArrowheads="1"/>
+          </p:cNvPicPr>
+          <p:nvPr/>
+        </p:nvPicPr>
+        <p:blipFill>
+          <a:blip r:embed="rId4">
+            <a:extLst>
+              <a:ext uri="{28A0092B-C50C-407E-A947-70E740481C1C}">
+                <a14:useLocalDpi xmlns:a14="http://schemas.microsoft.com/office/drawing/2010/main" val="0"/>
+              </a:ext>
+            </a:extLst>
+          </a:blip>
+          <a:srcRect/>
+          <a:stretch>
+            <a:fillRect/>
+          </a:stretch>
+        </p:blipFill>
+        <p:spPr bwMode="auto">
+          <a:xfrm>
+            <a:off x="4032489" y="3798332"/>
+            <a:ext cx="3430336" cy="2647772"/>
+          </a:xfrm>
+          <a:prstGeom prst="rect">
+            <a:avLst/>
+          </a:prstGeom>
+          <a:noFill/>
+          <a:extLst>
+            <a:ext uri="{909E8E84-426E-40DD-AFC4-6F175D3DCCD1}">
+              <a14:hiddenFill xmlns:a14="http://schemas.microsoft.com/office/drawing/2010/main">
+                <a:solidFill>
+                  <a:srgbClr val="FFFFFF"/>
+                </a:solidFill>
+              </a14:hiddenFill>
+            </a:ext>
+          </a:extLst>
+        </p:spPr>
+      </p:pic>
+      <p:pic>
+        <p:nvPicPr>
+          <p:cNvPr id="4104" name="Picture 8">
+            <a:extLst>
+              <a:ext uri="{FF2B5EF4-FFF2-40B4-BE49-F238E27FC236}">
+                <a16:creationId xmlns:a16="http://schemas.microsoft.com/office/drawing/2014/main" id="{D7EF6A7E-0A56-A49D-8B85-587A43E9D972}"/>
+              </a:ext>
+            </a:extLst>
+          </p:cNvPr>
+          <p:cNvPicPr>
+            <a:picLocks noChangeAspect="1" noChangeArrowheads="1"/>
+          </p:cNvPicPr>
+          <p:nvPr/>
+        </p:nvPicPr>
+        <p:blipFill>
+          <a:blip r:embed="rId5">
+            <a:extLst>
+              <a:ext uri="{28A0092B-C50C-407E-A947-70E740481C1C}">
+                <a14:useLocalDpi xmlns:a14="http://schemas.microsoft.com/office/drawing/2010/main" val="0"/>
+              </a:ext>
+            </a:extLst>
+          </a:blip>
+          <a:srcRect/>
+          <a:stretch>
+            <a:fillRect/>
+          </a:stretch>
+        </p:blipFill>
+        <p:spPr bwMode="auto">
+          <a:xfrm>
+            <a:off x="8530461" y="3816448"/>
+            <a:ext cx="3430336" cy="2647772"/>
           </a:xfrm>
           <a:prstGeom prst="rect">
             <a:avLst/>

--- a/p_update.pptx
+++ b/p_update.pptx
@@ -22,8 +22,9 @@
     <p:sldId id="271" r:id="rId16"/>
     <p:sldId id="272" r:id="rId17"/>
     <p:sldId id="273" r:id="rId18"/>
-    <p:sldId id="274" r:id="rId19"/>
-    <p:sldId id="275" r:id="rId20"/>
+    <p:sldId id="276" r:id="rId19"/>
+    <p:sldId id="274" r:id="rId20"/>
+    <p:sldId id="275" r:id="rId21"/>
   </p:sldIdLst>
   <p:sldSz cx="12192000" cy="6858000"/>
   <p:notesSz cx="6858000" cy="9144000"/>
@@ -11457,6 +11458,1043 @@
               <a:pPr algn="l"/>
               <a:r>
                 <a:rPr lang="en-US" dirty="0"/>
+                <a:t>1.2 1.2 2.6</a:t>
+              </a:r>
+            </a:p>
+          </p:txBody>
+        </p:sp>
+        <p:sp>
+          <p:nvSpPr>
+            <p:cNvPr id="4" name="TextBox 3">
+              <a:extLst>
+                <a:ext uri="{FF2B5EF4-FFF2-40B4-BE49-F238E27FC236}">
+                  <a16:creationId xmlns:a16="http://schemas.microsoft.com/office/drawing/2014/main" id="{5D9D32C1-EF01-6F19-2847-0465BD547108}"/>
+                </a:ext>
+              </a:extLst>
+            </p:cNvPr>
+            <p:cNvSpPr txBox="1"/>
+            <p:nvPr/>
+          </p:nvSpPr>
+          <p:spPr>
+            <a:xfrm>
+              <a:off x="5373372" y="128954"/>
+              <a:ext cx="1828800" cy="369332"/>
+            </a:xfrm>
+            <a:prstGeom prst="rect">
+              <a:avLst/>
+            </a:prstGeom>
+            <a:noFill/>
+          </p:spPr>
+          <p:txBody>
+            <a:bodyPr rot="0" spcFirstLastPara="0" vert="horz" wrap="square" lIns="91440" tIns="45720" rIns="91440" bIns="45720" numCol="1" spcCol="0" rtlCol="0" fromWordArt="0" anchor="t" anchorCtr="0" forceAA="0" compatLnSpc="1">
+              <a:prstTxWarp prst="textNoShape">
+                <a:avLst/>
+              </a:prstTxWarp>
+              <a:spAutoFit/>
+            </a:bodyPr>
+            <a:lstStyle>
+              <a:defPPr>
+                <a:defRPr lang="en-US"/>
+              </a:defPPr>
+              <a:lvl1pPr marL="0" algn="l" defTabSz="914400" rtl="0" eaLnBrk="1" latinLnBrk="0" hangingPunct="1">
+                <a:defRPr sz="1800" kern="1200">
+                  <a:solidFill>
+                    <a:schemeClr val="tx1"/>
+                  </a:solidFill>
+                  <a:latin typeface="+mn-lt"/>
+                  <a:ea typeface="+mn-ea"/>
+                  <a:cs typeface="+mn-cs"/>
+                </a:defRPr>
+              </a:lvl1pPr>
+              <a:lvl2pPr marL="457200" algn="l" defTabSz="914400" rtl="0" eaLnBrk="1" latinLnBrk="0" hangingPunct="1">
+                <a:defRPr sz="1800" kern="1200">
+                  <a:solidFill>
+                    <a:schemeClr val="tx1"/>
+                  </a:solidFill>
+                  <a:latin typeface="+mn-lt"/>
+                  <a:ea typeface="+mn-ea"/>
+                  <a:cs typeface="+mn-cs"/>
+                </a:defRPr>
+              </a:lvl2pPr>
+              <a:lvl3pPr marL="914400" algn="l" defTabSz="914400" rtl="0" eaLnBrk="1" latinLnBrk="0" hangingPunct="1">
+                <a:defRPr sz="1800" kern="1200">
+                  <a:solidFill>
+                    <a:schemeClr val="tx1"/>
+                  </a:solidFill>
+                  <a:latin typeface="+mn-lt"/>
+                  <a:ea typeface="+mn-ea"/>
+                  <a:cs typeface="+mn-cs"/>
+                </a:defRPr>
+              </a:lvl3pPr>
+              <a:lvl4pPr marL="1371600" algn="l" defTabSz="914400" rtl="0" eaLnBrk="1" latinLnBrk="0" hangingPunct="1">
+                <a:defRPr sz="1800" kern="1200">
+                  <a:solidFill>
+                    <a:schemeClr val="tx1"/>
+                  </a:solidFill>
+                  <a:latin typeface="+mn-lt"/>
+                  <a:ea typeface="+mn-ea"/>
+                  <a:cs typeface="+mn-cs"/>
+                </a:defRPr>
+              </a:lvl4pPr>
+              <a:lvl5pPr marL="1828800" algn="l" defTabSz="914400" rtl="0" eaLnBrk="1" latinLnBrk="0" hangingPunct="1">
+                <a:defRPr sz="1800" kern="1200">
+                  <a:solidFill>
+                    <a:schemeClr val="tx1"/>
+                  </a:solidFill>
+                  <a:latin typeface="+mn-lt"/>
+                  <a:ea typeface="+mn-ea"/>
+                  <a:cs typeface="+mn-cs"/>
+                </a:defRPr>
+              </a:lvl5pPr>
+              <a:lvl6pPr marL="2286000" algn="l" defTabSz="914400" rtl="0" eaLnBrk="1" latinLnBrk="0" hangingPunct="1">
+                <a:defRPr sz="1800" kern="1200">
+                  <a:solidFill>
+                    <a:schemeClr val="tx1"/>
+                  </a:solidFill>
+                  <a:latin typeface="+mn-lt"/>
+                  <a:ea typeface="+mn-ea"/>
+                  <a:cs typeface="+mn-cs"/>
+                </a:defRPr>
+              </a:lvl6pPr>
+              <a:lvl7pPr marL="2743200" algn="l" defTabSz="914400" rtl="0" eaLnBrk="1" latinLnBrk="0" hangingPunct="1">
+                <a:defRPr sz="1800" kern="1200">
+                  <a:solidFill>
+                    <a:schemeClr val="tx1"/>
+                  </a:solidFill>
+                  <a:latin typeface="+mn-lt"/>
+                  <a:ea typeface="+mn-ea"/>
+                  <a:cs typeface="+mn-cs"/>
+                </a:defRPr>
+              </a:lvl7pPr>
+              <a:lvl8pPr marL="3200400" algn="l" defTabSz="914400" rtl="0" eaLnBrk="1" latinLnBrk="0" hangingPunct="1">
+                <a:defRPr sz="1800" kern="1200">
+                  <a:solidFill>
+                    <a:schemeClr val="tx1"/>
+                  </a:solidFill>
+                  <a:latin typeface="+mn-lt"/>
+                  <a:ea typeface="+mn-ea"/>
+                  <a:cs typeface="+mn-cs"/>
+                </a:defRPr>
+              </a:lvl8pPr>
+              <a:lvl9pPr marL="3657600" algn="l" defTabSz="914400" rtl="0" eaLnBrk="1" latinLnBrk="0" hangingPunct="1">
+                <a:defRPr sz="1800" kern="1200">
+                  <a:solidFill>
+                    <a:schemeClr val="tx1"/>
+                  </a:solidFill>
+                  <a:latin typeface="+mn-lt"/>
+                  <a:ea typeface="+mn-ea"/>
+                  <a:cs typeface="+mn-cs"/>
+                </a:defRPr>
+              </a:lvl9pPr>
+            </a:lstStyle>
+            <a:p>
+              <a:pPr algn="l"/>
+              <a:r>
+                <a:rPr lang="en-US" dirty="0"/>
+                <a:t>1.2 1.2 2.8</a:t>
+              </a:r>
+            </a:p>
+          </p:txBody>
+        </p:sp>
+        <p:sp>
+          <p:nvSpPr>
+            <p:cNvPr id="5" name="TextBox 4">
+              <a:extLst>
+                <a:ext uri="{FF2B5EF4-FFF2-40B4-BE49-F238E27FC236}">
+                  <a16:creationId xmlns:a16="http://schemas.microsoft.com/office/drawing/2014/main" id="{A6F07378-5FEC-51FB-FA5B-BA2FB65C7880}"/>
+                </a:ext>
+              </a:extLst>
+            </p:cNvPr>
+            <p:cNvSpPr txBox="1"/>
+            <p:nvPr/>
+          </p:nvSpPr>
+          <p:spPr>
+            <a:xfrm>
+              <a:off x="9833811" y="128954"/>
+              <a:ext cx="1828800" cy="369332"/>
+            </a:xfrm>
+            <a:prstGeom prst="rect">
+              <a:avLst/>
+            </a:prstGeom>
+            <a:noFill/>
+          </p:spPr>
+          <p:txBody>
+            <a:bodyPr rot="0" spcFirstLastPara="0" vert="horz" wrap="square" lIns="91440" tIns="45720" rIns="91440" bIns="45720" numCol="1" spcCol="0" rtlCol="0" fromWordArt="0" anchor="t" anchorCtr="0" forceAA="0" compatLnSpc="1">
+              <a:prstTxWarp prst="textNoShape">
+                <a:avLst/>
+              </a:prstTxWarp>
+              <a:spAutoFit/>
+            </a:bodyPr>
+            <a:lstStyle>
+              <a:defPPr>
+                <a:defRPr lang="en-US"/>
+              </a:defPPr>
+              <a:lvl1pPr marL="0" algn="l" defTabSz="914400" rtl="0" eaLnBrk="1" latinLnBrk="0" hangingPunct="1">
+                <a:defRPr sz="1800" kern="1200">
+                  <a:solidFill>
+                    <a:schemeClr val="tx1"/>
+                  </a:solidFill>
+                  <a:latin typeface="+mn-lt"/>
+                  <a:ea typeface="+mn-ea"/>
+                  <a:cs typeface="+mn-cs"/>
+                </a:defRPr>
+              </a:lvl1pPr>
+              <a:lvl2pPr marL="457200" algn="l" defTabSz="914400" rtl="0" eaLnBrk="1" latinLnBrk="0" hangingPunct="1">
+                <a:defRPr sz="1800" kern="1200">
+                  <a:solidFill>
+                    <a:schemeClr val="tx1"/>
+                  </a:solidFill>
+                  <a:latin typeface="+mn-lt"/>
+                  <a:ea typeface="+mn-ea"/>
+                  <a:cs typeface="+mn-cs"/>
+                </a:defRPr>
+              </a:lvl2pPr>
+              <a:lvl3pPr marL="914400" algn="l" defTabSz="914400" rtl="0" eaLnBrk="1" latinLnBrk="0" hangingPunct="1">
+                <a:defRPr sz="1800" kern="1200">
+                  <a:solidFill>
+                    <a:schemeClr val="tx1"/>
+                  </a:solidFill>
+                  <a:latin typeface="+mn-lt"/>
+                  <a:ea typeface="+mn-ea"/>
+                  <a:cs typeface="+mn-cs"/>
+                </a:defRPr>
+              </a:lvl3pPr>
+              <a:lvl4pPr marL="1371600" algn="l" defTabSz="914400" rtl="0" eaLnBrk="1" latinLnBrk="0" hangingPunct="1">
+                <a:defRPr sz="1800" kern="1200">
+                  <a:solidFill>
+                    <a:schemeClr val="tx1"/>
+                  </a:solidFill>
+                  <a:latin typeface="+mn-lt"/>
+                  <a:ea typeface="+mn-ea"/>
+                  <a:cs typeface="+mn-cs"/>
+                </a:defRPr>
+              </a:lvl4pPr>
+              <a:lvl5pPr marL="1828800" algn="l" defTabSz="914400" rtl="0" eaLnBrk="1" latinLnBrk="0" hangingPunct="1">
+                <a:defRPr sz="1800" kern="1200">
+                  <a:solidFill>
+                    <a:schemeClr val="tx1"/>
+                  </a:solidFill>
+                  <a:latin typeface="+mn-lt"/>
+                  <a:ea typeface="+mn-ea"/>
+                  <a:cs typeface="+mn-cs"/>
+                </a:defRPr>
+              </a:lvl5pPr>
+              <a:lvl6pPr marL="2286000" algn="l" defTabSz="914400" rtl="0" eaLnBrk="1" latinLnBrk="0" hangingPunct="1">
+                <a:defRPr sz="1800" kern="1200">
+                  <a:solidFill>
+                    <a:schemeClr val="tx1"/>
+                  </a:solidFill>
+                  <a:latin typeface="+mn-lt"/>
+                  <a:ea typeface="+mn-ea"/>
+                  <a:cs typeface="+mn-cs"/>
+                </a:defRPr>
+              </a:lvl6pPr>
+              <a:lvl7pPr marL="2743200" algn="l" defTabSz="914400" rtl="0" eaLnBrk="1" latinLnBrk="0" hangingPunct="1">
+                <a:defRPr sz="1800" kern="1200">
+                  <a:solidFill>
+                    <a:schemeClr val="tx1"/>
+                  </a:solidFill>
+                  <a:latin typeface="+mn-lt"/>
+                  <a:ea typeface="+mn-ea"/>
+                  <a:cs typeface="+mn-cs"/>
+                </a:defRPr>
+              </a:lvl7pPr>
+              <a:lvl8pPr marL="3200400" algn="l" defTabSz="914400" rtl="0" eaLnBrk="1" latinLnBrk="0" hangingPunct="1">
+                <a:defRPr sz="1800" kern="1200">
+                  <a:solidFill>
+                    <a:schemeClr val="tx1"/>
+                  </a:solidFill>
+                  <a:latin typeface="+mn-lt"/>
+                  <a:ea typeface="+mn-ea"/>
+                  <a:cs typeface="+mn-cs"/>
+                </a:defRPr>
+              </a:lvl8pPr>
+              <a:lvl9pPr marL="3657600" algn="l" defTabSz="914400" rtl="0" eaLnBrk="1" latinLnBrk="0" hangingPunct="1">
+                <a:defRPr sz="1800" kern="1200">
+                  <a:solidFill>
+                    <a:schemeClr val="tx1"/>
+                  </a:solidFill>
+                  <a:latin typeface="+mn-lt"/>
+                  <a:ea typeface="+mn-ea"/>
+                  <a:cs typeface="+mn-cs"/>
+                </a:defRPr>
+              </a:lvl9pPr>
+            </a:lstStyle>
+            <a:p>
+              <a:pPr algn="l"/>
+              <a:r>
+                <a:rPr lang="en-US" dirty="0"/>
+                <a:t>1.2 1.2 3.0</a:t>
+              </a:r>
+            </a:p>
+          </p:txBody>
+        </p:sp>
+        <p:sp>
+          <p:nvSpPr>
+            <p:cNvPr id="6" name="TextBox 5">
+              <a:extLst>
+                <a:ext uri="{FF2B5EF4-FFF2-40B4-BE49-F238E27FC236}">
+                  <a16:creationId xmlns:a16="http://schemas.microsoft.com/office/drawing/2014/main" id="{EDE81B5E-1582-EC75-D7DF-078074CEBE61}"/>
+                </a:ext>
+              </a:extLst>
+            </p:cNvPr>
+            <p:cNvSpPr txBox="1"/>
+            <p:nvPr/>
+          </p:nvSpPr>
+          <p:spPr>
+            <a:xfrm>
+              <a:off x="402443" y="3429000"/>
+              <a:ext cx="1828800" cy="369332"/>
+            </a:xfrm>
+            <a:prstGeom prst="rect">
+              <a:avLst/>
+            </a:prstGeom>
+            <a:noFill/>
+          </p:spPr>
+          <p:txBody>
+            <a:bodyPr rot="0" spcFirstLastPara="0" vert="horz" wrap="square" lIns="91440" tIns="45720" rIns="91440" bIns="45720" numCol="1" spcCol="0" rtlCol="0" fromWordArt="0" anchor="t" anchorCtr="0" forceAA="0" compatLnSpc="1">
+              <a:prstTxWarp prst="textNoShape">
+                <a:avLst/>
+              </a:prstTxWarp>
+              <a:spAutoFit/>
+            </a:bodyPr>
+            <a:lstStyle>
+              <a:defPPr>
+                <a:defRPr lang="en-US"/>
+              </a:defPPr>
+              <a:lvl1pPr marL="0" algn="l" defTabSz="914400" rtl="0" eaLnBrk="1" latinLnBrk="0" hangingPunct="1">
+                <a:defRPr sz="1800" kern="1200">
+                  <a:solidFill>
+                    <a:schemeClr val="tx1"/>
+                  </a:solidFill>
+                  <a:latin typeface="+mn-lt"/>
+                  <a:ea typeface="+mn-ea"/>
+                  <a:cs typeface="+mn-cs"/>
+                </a:defRPr>
+              </a:lvl1pPr>
+              <a:lvl2pPr marL="457200" algn="l" defTabSz="914400" rtl="0" eaLnBrk="1" latinLnBrk="0" hangingPunct="1">
+                <a:defRPr sz="1800" kern="1200">
+                  <a:solidFill>
+                    <a:schemeClr val="tx1"/>
+                  </a:solidFill>
+                  <a:latin typeface="+mn-lt"/>
+                  <a:ea typeface="+mn-ea"/>
+                  <a:cs typeface="+mn-cs"/>
+                </a:defRPr>
+              </a:lvl2pPr>
+              <a:lvl3pPr marL="914400" algn="l" defTabSz="914400" rtl="0" eaLnBrk="1" latinLnBrk="0" hangingPunct="1">
+                <a:defRPr sz="1800" kern="1200">
+                  <a:solidFill>
+                    <a:schemeClr val="tx1"/>
+                  </a:solidFill>
+                  <a:latin typeface="+mn-lt"/>
+                  <a:ea typeface="+mn-ea"/>
+                  <a:cs typeface="+mn-cs"/>
+                </a:defRPr>
+              </a:lvl3pPr>
+              <a:lvl4pPr marL="1371600" algn="l" defTabSz="914400" rtl="0" eaLnBrk="1" latinLnBrk="0" hangingPunct="1">
+                <a:defRPr sz="1800" kern="1200">
+                  <a:solidFill>
+                    <a:schemeClr val="tx1"/>
+                  </a:solidFill>
+                  <a:latin typeface="+mn-lt"/>
+                  <a:ea typeface="+mn-ea"/>
+                  <a:cs typeface="+mn-cs"/>
+                </a:defRPr>
+              </a:lvl4pPr>
+              <a:lvl5pPr marL="1828800" algn="l" defTabSz="914400" rtl="0" eaLnBrk="1" latinLnBrk="0" hangingPunct="1">
+                <a:defRPr sz="1800" kern="1200">
+                  <a:solidFill>
+                    <a:schemeClr val="tx1"/>
+                  </a:solidFill>
+                  <a:latin typeface="+mn-lt"/>
+                  <a:ea typeface="+mn-ea"/>
+                  <a:cs typeface="+mn-cs"/>
+                </a:defRPr>
+              </a:lvl5pPr>
+              <a:lvl6pPr marL="2286000" algn="l" defTabSz="914400" rtl="0" eaLnBrk="1" latinLnBrk="0" hangingPunct="1">
+                <a:defRPr sz="1800" kern="1200">
+                  <a:solidFill>
+                    <a:schemeClr val="tx1"/>
+                  </a:solidFill>
+                  <a:latin typeface="+mn-lt"/>
+                  <a:ea typeface="+mn-ea"/>
+                  <a:cs typeface="+mn-cs"/>
+                </a:defRPr>
+              </a:lvl6pPr>
+              <a:lvl7pPr marL="2743200" algn="l" defTabSz="914400" rtl="0" eaLnBrk="1" latinLnBrk="0" hangingPunct="1">
+                <a:defRPr sz="1800" kern="1200">
+                  <a:solidFill>
+                    <a:schemeClr val="tx1"/>
+                  </a:solidFill>
+                  <a:latin typeface="+mn-lt"/>
+                  <a:ea typeface="+mn-ea"/>
+                  <a:cs typeface="+mn-cs"/>
+                </a:defRPr>
+              </a:lvl7pPr>
+              <a:lvl8pPr marL="3200400" algn="l" defTabSz="914400" rtl="0" eaLnBrk="1" latinLnBrk="0" hangingPunct="1">
+                <a:defRPr sz="1800" kern="1200">
+                  <a:solidFill>
+                    <a:schemeClr val="tx1"/>
+                  </a:solidFill>
+                  <a:latin typeface="+mn-lt"/>
+                  <a:ea typeface="+mn-ea"/>
+                  <a:cs typeface="+mn-cs"/>
+                </a:defRPr>
+              </a:lvl8pPr>
+              <a:lvl9pPr marL="3657600" algn="l" defTabSz="914400" rtl="0" eaLnBrk="1" latinLnBrk="0" hangingPunct="1">
+                <a:defRPr sz="1800" kern="1200">
+                  <a:solidFill>
+                    <a:schemeClr val="tx1"/>
+                  </a:solidFill>
+                  <a:latin typeface="+mn-lt"/>
+                  <a:ea typeface="+mn-ea"/>
+                  <a:cs typeface="+mn-cs"/>
+                </a:defRPr>
+              </a:lvl9pPr>
+            </a:lstStyle>
+            <a:p>
+              <a:pPr algn="l"/>
+              <a:r>
+                <a:rPr lang="en-US" dirty="0"/>
+                <a:t>1.4 1.2 2.6</a:t>
+              </a:r>
+            </a:p>
+          </p:txBody>
+        </p:sp>
+        <p:sp>
+          <p:nvSpPr>
+            <p:cNvPr id="7" name="TextBox 6">
+              <a:extLst>
+                <a:ext uri="{FF2B5EF4-FFF2-40B4-BE49-F238E27FC236}">
+                  <a16:creationId xmlns:a16="http://schemas.microsoft.com/office/drawing/2014/main" id="{8AFEFB7E-E7A3-B721-5F37-5257754932E1}"/>
+                </a:ext>
+              </a:extLst>
+            </p:cNvPr>
+            <p:cNvSpPr txBox="1"/>
+            <p:nvPr/>
+          </p:nvSpPr>
+          <p:spPr>
+            <a:xfrm>
+              <a:off x="5277158" y="3432829"/>
+              <a:ext cx="1828800" cy="369332"/>
+            </a:xfrm>
+            <a:prstGeom prst="rect">
+              <a:avLst/>
+            </a:prstGeom>
+            <a:noFill/>
+          </p:spPr>
+          <p:txBody>
+            <a:bodyPr rot="0" spcFirstLastPara="0" vert="horz" wrap="square" lIns="91440" tIns="45720" rIns="91440" bIns="45720" numCol="1" spcCol="0" rtlCol="0" fromWordArt="0" anchor="t" anchorCtr="0" forceAA="0" compatLnSpc="1">
+              <a:prstTxWarp prst="textNoShape">
+                <a:avLst/>
+              </a:prstTxWarp>
+              <a:spAutoFit/>
+            </a:bodyPr>
+            <a:lstStyle>
+              <a:defPPr>
+                <a:defRPr lang="en-US"/>
+              </a:defPPr>
+              <a:lvl1pPr marL="0" algn="l" defTabSz="914400" rtl="0" eaLnBrk="1" latinLnBrk="0" hangingPunct="1">
+                <a:defRPr sz="1800" kern="1200">
+                  <a:solidFill>
+                    <a:schemeClr val="tx1"/>
+                  </a:solidFill>
+                  <a:latin typeface="+mn-lt"/>
+                  <a:ea typeface="+mn-ea"/>
+                  <a:cs typeface="+mn-cs"/>
+                </a:defRPr>
+              </a:lvl1pPr>
+              <a:lvl2pPr marL="457200" algn="l" defTabSz="914400" rtl="0" eaLnBrk="1" latinLnBrk="0" hangingPunct="1">
+                <a:defRPr sz="1800" kern="1200">
+                  <a:solidFill>
+                    <a:schemeClr val="tx1"/>
+                  </a:solidFill>
+                  <a:latin typeface="+mn-lt"/>
+                  <a:ea typeface="+mn-ea"/>
+                  <a:cs typeface="+mn-cs"/>
+                </a:defRPr>
+              </a:lvl2pPr>
+              <a:lvl3pPr marL="914400" algn="l" defTabSz="914400" rtl="0" eaLnBrk="1" latinLnBrk="0" hangingPunct="1">
+                <a:defRPr sz="1800" kern="1200">
+                  <a:solidFill>
+                    <a:schemeClr val="tx1"/>
+                  </a:solidFill>
+                  <a:latin typeface="+mn-lt"/>
+                  <a:ea typeface="+mn-ea"/>
+                  <a:cs typeface="+mn-cs"/>
+                </a:defRPr>
+              </a:lvl3pPr>
+              <a:lvl4pPr marL="1371600" algn="l" defTabSz="914400" rtl="0" eaLnBrk="1" latinLnBrk="0" hangingPunct="1">
+                <a:defRPr sz="1800" kern="1200">
+                  <a:solidFill>
+                    <a:schemeClr val="tx1"/>
+                  </a:solidFill>
+                  <a:latin typeface="+mn-lt"/>
+                  <a:ea typeface="+mn-ea"/>
+                  <a:cs typeface="+mn-cs"/>
+                </a:defRPr>
+              </a:lvl4pPr>
+              <a:lvl5pPr marL="1828800" algn="l" defTabSz="914400" rtl="0" eaLnBrk="1" latinLnBrk="0" hangingPunct="1">
+                <a:defRPr sz="1800" kern="1200">
+                  <a:solidFill>
+                    <a:schemeClr val="tx1"/>
+                  </a:solidFill>
+                  <a:latin typeface="+mn-lt"/>
+                  <a:ea typeface="+mn-ea"/>
+                  <a:cs typeface="+mn-cs"/>
+                </a:defRPr>
+              </a:lvl5pPr>
+              <a:lvl6pPr marL="2286000" algn="l" defTabSz="914400" rtl="0" eaLnBrk="1" latinLnBrk="0" hangingPunct="1">
+                <a:defRPr sz="1800" kern="1200">
+                  <a:solidFill>
+                    <a:schemeClr val="tx1"/>
+                  </a:solidFill>
+                  <a:latin typeface="+mn-lt"/>
+                  <a:ea typeface="+mn-ea"/>
+                  <a:cs typeface="+mn-cs"/>
+                </a:defRPr>
+              </a:lvl6pPr>
+              <a:lvl7pPr marL="2743200" algn="l" defTabSz="914400" rtl="0" eaLnBrk="1" latinLnBrk="0" hangingPunct="1">
+                <a:defRPr sz="1800" kern="1200">
+                  <a:solidFill>
+                    <a:schemeClr val="tx1"/>
+                  </a:solidFill>
+                  <a:latin typeface="+mn-lt"/>
+                  <a:ea typeface="+mn-ea"/>
+                  <a:cs typeface="+mn-cs"/>
+                </a:defRPr>
+              </a:lvl7pPr>
+              <a:lvl8pPr marL="3200400" algn="l" defTabSz="914400" rtl="0" eaLnBrk="1" latinLnBrk="0" hangingPunct="1">
+                <a:defRPr sz="1800" kern="1200">
+                  <a:solidFill>
+                    <a:schemeClr val="tx1"/>
+                  </a:solidFill>
+                  <a:latin typeface="+mn-lt"/>
+                  <a:ea typeface="+mn-ea"/>
+                  <a:cs typeface="+mn-cs"/>
+                </a:defRPr>
+              </a:lvl8pPr>
+              <a:lvl9pPr marL="3657600" algn="l" defTabSz="914400" rtl="0" eaLnBrk="1" latinLnBrk="0" hangingPunct="1">
+                <a:defRPr sz="1800" kern="1200">
+                  <a:solidFill>
+                    <a:schemeClr val="tx1"/>
+                  </a:solidFill>
+                  <a:latin typeface="+mn-lt"/>
+                  <a:ea typeface="+mn-ea"/>
+                  <a:cs typeface="+mn-cs"/>
+                </a:defRPr>
+              </a:lvl9pPr>
+            </a:lstStyle>
+            <a:p>
+              <a:pPr algn="l"/>
+              <a:r>
+                <a:rPr lang="en-US" dirty="0"/>
+                <a:t>1.4 1.2 2.8</a:t>
+              </a:r>
+            </a:p>
+          </p:txBody>
+        </p:sp>
+        <p:sp>
+          <p:nvSpPr>
+            <p:cNvPr id="8" name="TextBox 7">
+              <a:extLst>
+                <a:ext uri="{FF2B5EF4-FFF2-40B4-BE49-F238E27FC236}">
+                  <a16:creationId xmlns:a16="http://schemas.microsoft.com/office/drawing/2014/main" id="{99ACF886-60CC-BF53-BEC8-D996B9591742}"/>
+                </a:ext>
+              </a:extLst>
+            </p:cNvPr>
+            <p:cNvSpPr txBox="1"/>
+            <p:nvPr/>
+          </p:nvSpPr>
+          <p:spPr>
+            <a:xfrm>
+              <a:off x="9833811" y="3429000"/>
+              <a:ext cx="1828800" cy="369332"/>
+            </a:xfrm>
+            <a:prstGeom prst="rect">
+              <a:avLst/>
+            </a:prstGeom>
+            <a:noFill/>
+          </p:spPr>
+          <p:txBody>
+            <a:bodyPr rot="0" spcFirstLastPara="0" vert="horz" wrap="square" lIns="91440" tIns="45720" rIns="91440" bIns="45720" numCol="1" spcCol="0" rtlCol="0" fromWordArt="0" anchor="t" anchorCtr="0" forceAA="0" compatLnSpc="1">
+              <a:prstTxWarp prst="textNoShape">
+                <a:avLst/>
+              </a:prstTxWarp>
+              <a:spAutoFit/>
+            </a:bodyPr>
+            <a:lstStyle>
+              <a:defPPr>
+                <a:defRPr lang="en-US"/>
+              </a:defPPr>
+              <a:lvl1pPr marL="0" algn="l" defTabSz="914400" rtl="0" eaLnBrk="1" latinLnBrk="0" hangingPunct="1">
+                <a:defRPr sz="1800" kern="1200">
+                  <a:solidFill>
+                    <a:schemeClr val="tx1"/>
+                  </a:solidFill>
+                  <a:latin typeface="+mn-lt"/>
+                  <a:ea typeface="+mn-ea"/>
+                  <a:cs typeface="+mn-cs"/>
+                </a:defRPr>
+              </a:lvl1pPr>
+              <a:lvl2pPr marL="457200" algn="l" defTabSz="914400" rtl="0" eaLnBrk="1" latinLnBrk="0" hangingPunct="1">
+                <a:defRPr sz="1800" kern="1200">
+                  <a:solidFill>
+                    <a:schemeClr val="tx1"/>
+                  </a:solidFill>
+                  <a:latin typeface="+mn-lt"/>
+                  <a:ea typeface="+mn-ea"/>
+                  <a:cs typeface="+mn-cs"/>
+                </a:defRPr>
+              </a:lvl2pPr>
+              <a:lvl3pPr marL="914400" algn="l" defTabSz="914400" rtl="0" eaLnBrk="1" latinLnBrk="0" hangingPunct="1">
+                <a:defRPr sz="1800" kern="1200">
+                  <a:solidFill>
+                    <a:schemeClr val="tx1"/>
+                  </a:solidFill>
+                  <a:latin typeface="+mn-lt"/>
+                  <a:ea typeface="+mn-ea"/>
+                  <a:cs typeface="+mn-cs"/>
+                </a:defRPr>
+              </a:lvl3pPr>
+              <a:lvl4pPr marL="1371600" algn="l" defTabSz="914400" rtl="0" eaLnBrk="1" latinLnBrk="0" hangingPunct="1">
+                <a:defRPr sz="1800" kern="1200">
+                  <a:solidFill>
+                    <a:schemeClr val="tx1"/>
+                  </a:solidFill>
+                  <a:latin typeface="+mn-lt"/>
+                  <a:ea typeface="+mn-ea"/>
+                  <a:cs typeface="+mn-cs"/>
+                </a:defRPr>
+              </a:lvl4pPr>
+              <a:lvl5pPr marL="1828800" algn="l" defTabSz="914400" rtl="0" eaLnBrk="1" latinLnBrk="0" hangingPunct="1">
+                <a:defRPr sz="1800" kern="1200">
+                  <a:solidFill>
+                    <a:schemeClr val="tx1"/>
+                  </a:solidFill>
+                  <a:latin typeface="+mn-lt"/>
+                  <a:ea typeface="+mn-ea"/>
+                  <a:cs typeface="+mn-cs"/>
+                </a:defRPr>
+              </a:lvl5pPr>
+              <a:lvl6pPr marL="2286000" algn="l" defTabSz="914400" rtl="0" eaLnBrk="1" latinLnBrk="0" hangingPunct="1">
+                <a:defRPr sz="1800" kern="1200">
+                  <a:solidFill>
+                    <a:schemeClr val="tx1"/>
+                  </a:solidFill>
+                  <a:latin typeface="+mn-lt"/>
+                  <a:ea typeface="+mn-ea"/>
+                  <a:cs typeface="+mn-cs"/>
+                </a:defRPr>
+              </a:lvl6pPr>
+              <a:lvl7pPr marL="2743200" algn="l" defTabSz="914400" rtl="0" eaLnBrk="1" latinLnBrk="0" hangingPunct="1">
+                <a:defRPr sz="1800" kern="1200">
+                  <a:solidFill>
+                    <a:schemeClr val="tx1"/>
+                  </a:solidFill>
+                  <a:latin typeface="+mn-lt"/>
+                  <a:ea typeface="+mn-ea"/>
+                  <a:cs typeface="+mn-cs"/>
+                </a:defRPr>
+              </a:lvl7pPr>
+              <a:lvl8pPr marL="3200400" algn="l" defTabSz="914400" rtl="0" eaLnBrk="1" latinLnBrk="0" hangingPunct="1">
+                <a:defRPr sz="1800" kern="1200">
+                  <a:solidFill>
+                    <a:schemeClr val="tx1"/>
+                  </a:solidFill>
+                  <a:latin typeface="+mn-lt"/>
+                  <a:ea typeface="+mn-ea"/>
+                  <a:cs typeface="+mn-cs"/>
+                </a:defRPr>
+              </a:lvl8pPr>
+              <a:lvl9pPr marL="3657600" algn="l" defTabSz="914400" rtl="0" eaLnBrk="1" latinLnBrk="0" hangingPunct="1">
+                <a:defRPr sz="1800" kern="1200">
+                  <a:solidFill>
+                    <a:schemeClr val="tx1"/>
+                  </a:solidFill>
+                  <a:latin typeface="+mn-lt"/>
+                  <a:ea typeface="+mn-ea"/>
+                  <a:cs typeface="+mn-cs"/>
+                </a:defRPr>
+              </a:lvl9pPr>
+            </a:lstStyle>
+            <a:p>
+              <a:pPr algn="l"/>
+              <a:r>
+                <a:rPr lang="en-US" dirty="0"/>
+                <a:t>1.4 1.2 3.0</a:t>
+              </a:r>
+            </a:p>
+          </p:txBody>
+        </p:sp>
+      </p:grpSp>
+      <p:pic>
+        <p:nvPicPr>
+          <p:cNvPr id="5122" name="Picture 2">
+            <a:extLst>
+              <a:ext uri="{FF2B5EF4-FFF2-40B4-BE49-F238E27FC236}">
+                <a16:creationId xmlns:a16="http://schemas.microsoft.com/office/drawing/2014/main" id="{CDB8E33E-1B5C-69EA-CBE3-C146C31B1A20}"/>
+              </a:ext>
+            </a:extLst>
+          </p:cNvPr>
+          <p:cNvPicPr>
+            <a:picLocks noChangeAspect="1" noChangeArrowheads="1"/>
+          </p:cNvPicPr>
+          <p:nvPr/>
+        </p:nvPicPr>
+        <p:blipFill>
+          <a:blip r:embed="rId2">
+            <a:extLst>
+              <a:ext uri="{28A0092B-C50C-407E-A947-70E740481C1C}">
+                <a14:useLocalDpi xmlns:a14="http://schemas.microsoft.com/office/drawing/2010/main" val="0"/>
+              </a:ext>
+            </a:extLst>
+          </a:blip>
+          <a:srcRect/>
+          <a:stretch>
+            <a:fillRect/>
+          </a:stretch>
+        </p:blipFill>
+        <p:spPr bwMode="auto">
+          <a:xfrm>
+            <a:off x="8831743" y="592788"/>
+            <a:ext cx="3266545" cy="2521347"/>
+          </a:xfrm>
+          <a:prstGeom prst="rect">
+            <a:avLst/>
+          </a:prstGeom>
+          <a:noFill/>
+          <a:extLst>
+            <a:ext uri="{909E8E84-426E-40DD-AFC4-6F175D3DCCD1}">
+              <a14:hiddenFill xmlns:a14="http://schemas.microsoft.com/office/drawing/2010/main">
+                <a:solidFill>
+                  <a:srgbClr val="FFFFFF"/>
+                </a:solidFill>
+              </a14:hiddenFill>
+            </a:ext>
+          </a:extLst>
+        </p:spPr>
+      </p:pic>
+      <p:pic>
+        <p:nvPicPr>
+          <p:cNvPr id="5124" name="Picture 4">
+            <a:extLst>
+              <a:ext uri="{FF2B5EF4-FFF2-40B4-BE49-F238E27FC236}">
+                <a16:creationId xmlns:a16="http://schemas.microsoft.com/office/drawing/2014/main" id="{E0ADB9E9-CC3C-1075-21CE-1FFE5714551C}"/>
+              </a:ext>
+            </a:extLst>
+          </p:cNvPr>
+          <p:cNvPicPr>
+            <a:picLocks noChangeAspect="1" noChangeArrowheads="1"/>
+          </p:cNvPicPr>
+          <p:nvPr/>
+        </p:nvPicPr>
+        <p:blipFill>
+          <a:blip r:embed="rId3">
+            <a:extLst>
+              <a:ext uri="{28A0092B-C50C-407E-A947-70E740481C1C}">
+                <a14:useLocalDpi xmlns:a14="http://schemas.microsoft.com/office/drawing/2010/main" val="0"/>
+              </a:ext>
+            </a:extLst>
+          </a:blip>
+          <a:srcRect/>
+          <a:stretch>
+            <a:fillRect/>
+          </a:stretch>
+        </p:blipFill>
+        <p:spPr bwMode="auto">
+          <a:xfrm>
+            <a:off x="4371886" y="592788"/>
+            <a:ext cx="3266546" cy="2521348"/>
+          </a:xfrm>
+          <a:prstGeom prst="rect">
+            <a:avLst/>
+          </a:prstGeom>
+          <a:noFill/>
+          <a:extLst>
+            <a:ext uri="{909E8E84-426E-40DD-AFC4-6F175D3DCCD1}">
+              <a14:hiddenFill xmlns:a14="http://schemas.microsoft.com/office/drawing/2010/main">
+                <a:solidFill>
+                  <a:srgbClr val="FFFFFF"/>
+                </a:solidFill>
+              </a14:hiddenFill>
+            </a:ext>
+          </a:extLst>
+        </p:spPr>
+      </p:pic>
+      <p:pic>
+        <p:nvPicPr>
+          <p:cNvPr id="5126" name="Picture 6">
+            <a:extLst>
+              <a:ext uri="{FF2B5EF4-FFF2-40B4-BE49-F238E27FC236}">
+                <a16:creationId xmlns:a16="http://schemas.microsoft.com/office/drawing/2014/main" id="{8D7F3E7B-A442-68E5-A3A9-CC7E68F7C53B}"/>
+              </a:ext>
+            </a:extLst>
+          </p:cNvPr>
+          <p:cNvPicPr>
+            <a:picLocks noChangeAspect="1" noChangeArrowheads="1"/>
+          </p:cNvPicPr>
+          <p:nvPr/>
+        </p:nvPicPr>
+        <p:blipFill>
+          <a:blip r:embed="rId4">
+            <a:extLst>
+              <a:ext uri="{28A0092B-C50C-407E-A947-70E740481C1C}">
+                <a14:useLocalDpi xmlns:a14="http://schemas.microsoft.com/office/drawing/2010/main" val="0"/>
+              </a:ext>
+            </a:extLst>
+          </a:blip>
+          <a:srcRect/>
+          <a:stretch>
+            <a:fillRect/>
+          </a:stretch>
+        </p:blipFill>
+        <p:spPr bwMode="auto">
+          <a:xfrm>
+            <a:off x="93712" y="592788"/>
+            <a:ext cx="3266546" cy="2521348"/>
+          </a:xfrm>
+          <a:prstGeom prst="rect">
+            <a:avLst/>
+          </a:prstGeom>
+          <a:noFill/>
+          <a:extLst>
+            <a:ext uri="{909E8E84-426E-40DD-AFC4-6F175D3DCCD1}">
+              <a14:hiddenFill xmlns:a14="http://schemas.microsoft.com/office/drawing/2010/main">
+                <a:solidFill>
+                  <a:srgbClr val="FFFFFF"/>
+                </a:solidFill>
+              </a14:hiddenFill>
+            </a:ext>
+          </a:extLst>
+        </p:spPr>
+      </p:pic>
+      <p:pic>
+        <p:nvPicPr>
+          <p:cNvPr id="5128" name="Picture 8">
+            <a:extLst>
+              <a:ext uri="{FF2B5EF4-FFF2-40B4-BE49-F238E27FC236}">
+                <a16:creationId xmlns:a16="http://schemas.microsoft.com/office/drawing/2014/main" id="{784E19CA-060C-890F-EB4B-9CCB622F64EA}"/>
+              </a:ext>
+            </a:extLst>
+          </p:cNvPr>
+          <p:cNvPicPr>
+            <a:picLocks noChangeAspect="1" noChangeArrowheads="1"/>
+          </p:cNvPicPr>
+          <p:nvPr/>
+        </p:nvPicPr>
+        <p:blipFill>
+          <a:blip r:embed="rId5">
+            <a:extLst>
+              <a:ext uri="{28A0092B-C50C-407E-A947-70E740481C1C}">
+                <a14:useLocalDpi xmlns:a14="http://schemas.microsoft.com/office/drawing/2010/main" val="0"/>
+              </a:ext>
+            </a:extLst>
+          </a:blip>
+          <a:srcRect/>
+          <a:stretch>
+            <a:fillRect/>
+          </a:stretch>
+        </p:blipFill>
+        <p:spPr bwMode="auto">
+          <a:xfrm>
+            <a:off x="93712" y="3956550"/>
+            <a:ext cx="3266546" cy="2521348"/>
+          </a:xfrm>
+          <a:prstGeom prst="rect">
+            <a:avLst/>
+          </a:prstGeom>
+          <a:noFill/>
+          <a:extLst>
+            <a:ext uri="{909E8E84-426E-40DD-AFC4-6F175D3DCCD1}">
+              <a14:hiddenFill xmlns:a14="http://schemas.microsoft.com/office/drawing/2010/main">
+                <a:solidFill>
+                  <a:srgbClr val="FFFFFF"/>
+                </a:solidFill>
+              </a14:hiddenFill>
+            </a:ext>
+          </a:extLst>
+        </p:spPr>
+      </p:pic>
+    </p:spTree>
+    <p:extLst>
+      <p:ext uri="{BB962C8B-B14F-4D97-AF65-F5344CB8AC3E}">
+        <p14:creationId xmlns:p14="http://schemas.microsoft.com/office/powerpoint/2010/main" val="2354562838"/>
+      </p:ext>
+    </p:extLst>
+  </p:cSld>
+  <p:clrMapOvr>
+    <a:masterClrMapping/>
+  </p:clrMapOvr>
+</p:sld>
+</file>
+
+<file path=ppt/slides/slide19.xml><?xml version="1.0" encoding="utf-8"?>
+<p:sld xmlns:a="http://schemas.openxmlformats.org/drawingml/2006/main" xmlns:r="http://schemas.openxmlformats.org/officeDocument/2006/relationships" xmlns:p="http://schemas.openxmlformats.org/presentationml/2006/main">
+  <p:cSld>
+    <p:spTree>
+      <p:nvGrpSpPr>
+        <p:cNvPr id="1" name=""/>
+        <p:cNvGrpSpPr/>
+        <p:nvPr/>
+      </p:nvGrpSpPr>
+      <p:grpSpPr>
+        <a:xfrm>
+          <a:off x="0" y="0"/>
+          <a:ext cx="0" cy="0"/>
+          <a:chOff x="0" y="0"/>
+          <a:chExt cx="0" cy="0"/>
+        </a:xfrm>
+      </p:grpSpPr>
+      <p:grpSp>
+        <p:nvGrpSpPr>
+          <p:cNvPr id="2" name="Group 1">
+            <a:extLst>
+              <a:ext uri="{FF2B5EF4-FFF2-40B4-BE49-F238E27FC236}">
+                <a16:creationId xmlns:a16="http://schemas.microsoft.com/office/drawing/2014/main" id="{48BB38F6-EE66-D025-0B25-0FE0898A75A9}"/>
+              </a:ext>
+            </a:extLst>
+          </p:cNvPr>
+          <p:cNvGrpSpPr/>
+          <p:nvPr/>
+        </p:nvGrpSpPr>
+        <p:grpSpPr>
+          <a:xfrm>
+            <a:off x="402443" y="128954"/>
+            <a:ext cx="11260168" cy="3673207"/>
+            <a:chOff x="402443" y="128954"/>
+            <a:chExt cx="11260168" cy="3673207"/>
+          </a:xfrm>
+        </p:grpSpPr>
+        <p:sp>
+          <p:nvSpPr>
+            <p:cNvPr id="3" name="TextBox 2">
+              <a:extLst>
+                <a:ext uri="{FF2B5EF4-FFF2-40B4-BE49-F238E27FC236}">
+                  <a16:creationId xmlns:a16="http://schemas.microsoft.com/office/drawing/2014/main" id="{845A49FA-FE14-09A5-F261-E31E1B9EB010}"/>
+                </a:ext>
+              </a:extLst>
+            </p:cNvPr>
+            <p:cNvSpPr txBox="1"/>
+            <p:nvPr/>
+          </p:nvSpPr>
+          <p:spPr>
+            <a:xfrm>
+              <a:off x="402443" y="128954"/>
+              <a:ext cx="1828800" cy="369332"/>
+            </a:xfrm>
+            <a:prstGeom prst="rect">
+              <a:avLst/>
+            </a:prstGeom>
+            <a:noFill/>
+          </p:spPr>
+          <p:txBody>
+            <a:bodyPr rot="0" spcFirstLastPara="0" vert="horz" wrap="square" lIns="91440" tIns="45720" rIns="91440" bIns="45720" numCol="1" spcCol="0" rtlCol="0" fromWordArt="0" anchor="t" anchorCtr="0" forceAA="0" compatLnSpc="1">
+              <a:prstTxWarp prst="textNoShape">
+                <a:avLst/>
+              </a:prstTxWarp>
+              <a:spAutoFit/>
+            </a:bodyPr>
+            <a:lstStyle>
+              <a:defPPr>
+                <a:defRPr lang="en-US"/>
+              </a:defPPr>
+              <a:lvl1pPr marL="0" algn="l" defTabSz="914400" rtl="0" eaLnBrk="1" latinLnBrk="0" hangingPunct="1">
+                <a:defRPr sz="1800" kern="1200">
+                  <a:solidFill>
+                    <a:schemeClr val="tx1"/>
+                  </a:solidFill>
+                  <a:latin typeface="+mn-lt"/>
+                  <a:ea typeface="+mn-ea"/>
+                  <a:cs typeface="+mn-cs"/>
+                </a:defRPr>
+              </a:lvl1pPr>
+              <a:lvl2pPr marL="457200" algn="l" defTabSz="914400" rtl="0" eaLnBrk="1" latinLnBrk="0" hangingPunct="1">
+                <a:defRPr sz="1800" kern="1200">
+                  <a:solidFill>
+                    <a:schemeClr val="tx1"/>
+                  </a:solidFill>
+                  <a:latin typeface="+mn-lt"/>
+                  <a:ea typeface="+mn-ea"/>
+                  <a:cs typeface="+mn-cs"/>
+                </a:defRPr>
+              </a:lvl2pPr>
+              <a:lvl3pPr marL="914400" algn="l" defTabSz="914400" rtl="0" eaLnBrk="1" latinLnBrk="0" hangingPunct="1">
+                <a:defRPr sz="1800" kern="1200">
+                  <a:solidFill>
+                    <a:schemeClr val="tx1"/>
+                  </a:solidFill>
+                  <a:latin typeface="+mn-lt"/>
+                  <a:ea typeface="+mn-ea"/>
+                  <a:cs typeface="+mn-cs"/>
+                </a:defRPr>
+              </a:lvl3pPr>
+              <a:lvl4pPr marL="1371600" algn="l" defTabSz="914400" rtl="0" eaLnBrk="1" latinLnBrk="0" hangingPunct="1">
+                <a:defRPr sz="1800" kern="1200">
+                  <a:solidFill>
+                    <a:schemeClr val="tx1"/>
+                  </a:solidFill>
+                  <a:latin typeface="+mn-lt"/>
+                  <a:ea typeface="+mn-ea"/>
+                  <a:cs typeface="+mn-cs"/>
+                </a:defRPr>
+              </a:lvl4pPr>
+              <a:lvl5pPr marL="1828800" algn="l" defTabSz="914400" rtl="0" eaLnBrk="1" latinLnBrk="0" hangingPunct="1">
+                <a:defRPr sz="1800" kern="1200">
+                  <a:solidFill>
+                    <a:schemeClr val="tx1"/>
+                  </a:solidFill>
+                  <a:latin typeface="+mn-lt"/>
+                  <a:ea typeface="+mn-ea"/>
+                  <a:cs typeface="+mn-cs"/>
+                </a:defRPr>
+              </a:lvl5pPr>
+              <a:lvl6pPr marL="2286000" algn="l" defTabSz="914400" rtl="0" eaLnBrk="1" latinLnBrk="0" hangingPunct="1">
+                <a:defRPr sz="1800" kern="1200">
+                  <a:solidFill>
+                    <a:schemeClr val="tx1"/>
+                  </a:solidFill>
+                  <a:latin typeface="+mn-lt"/>
+                  <a:ea typeface="+mn-ea"/>
+                  <a:cs typeface="+mn-cs"/>
+                </a:defRPr>
+              </a:lvl6pPr>
+              <a:lvl7pPr marL="2743200" algn="l" defTabSz="914400" rtl="0" eaLnBrk="1" latinLnBrk="0" hangingPunct="1">
+                <a:defRPr sz="1800" kern="1200">
+                  <a:solidFill>
+                    <a:schemeClr val="tx1"/>
+                  </a:solidFill>
+                  <a:latin typeface="+mn-lt"/>
+                  <a:ea typeface="+mn-ea"/>
+                  <a:cs typeface="+mn-cs"/>
+                </a:defRPr>
+              </a:lvl7pPr>
+              <a:lvl8pPr marL="3200400" algn="l" defTabSz="914400" rtl="0" eaLnBrk="1" latinLnBrk="0" hangingPunct="1">
+                <a:defRPr sz="1800" kern="1200">
+                  <a:solidFill>
+                    <a:schemeClr val="tx1"/>
+                  </a:solidFill>
+                  <a:latin typeface="+mn-lt"/>
+                  <a:ea typeface="+mn-ea"/>
+                  <a:cs typeface="+mn-cs"/>
+                </a:defRPr>
+              </a:lvl8pPr>
+              <a:lvl9pPr marL="3657600" algn="l" defTabSz="914400" rtl="0" eaLnBrk="1" latinLnBrk="0" hangingPunct="1">
+                <a:defRPr sz="1800" kern="1200">
+                  <a:solidFill>
+                    <a:schemeClr val="tx1"/>
+                  </a:solidFill>
+                  <a:latin typeface="+mn-lt"/>
+                  <a:ea typeface="+mn-ea"/>
+                  <a:cs typeface="+mn-cs"/>
+                </a:defRPr>
+              </a:lvl9pPr>
+            </a:lstStyle>
+            <a:p>
+              <a:pPr algn="l"/>
+              <a:r>
+                <a:rPr lang="en-US" dirty="0"/>
                 <a:t>1.0 1.4 2.6</a:t>
               </a:r>
             </a:p>
@@ -12423,7 +13461,918 @@
 </p:sld>
 </file>
 
-<file path=ppt/slides/slide19.xml><?xml version="1.0" encoding="utf-8"?>
+<file path=ppt/slides/slide2.xml><?xml version="1.0" encoding="utf-8"?>
+<p:sld xmlns:a="http://schemas.openxmlformats.org/drawingml/2006/main" xmlns:r="http://schemas.openxmlformats.org/officeDocument/2006/relationships" xmlns:p="http://schemas.openxmlformats.org/presentationml/2006/main">
+  <p:cSld>
+    <p:spTree>
+      <p:nvGrpSpPr>
+        <p:cNvPr id="1" name=""/>
+        <p:cNvGrpSpPr/>
+        <p:nvPr/>
+      </p:nvGrpSpPr>
+      <p:grpSpPr>
+        <a:xfrm>
+          <a:off x="0" y="0"/>
+          <a:ext cx="0" cy="0"/>
+          <a:chOff x="0" y="0"/>
+          <a:chExt cx="0" cy="0"/>
+        </a:xfrm>
+      </p:grpSpPr>
+      <p:pic>
+        <p:nvPicPr>
+          <p:cNvPr id="4" name="Picture 3">
+            <a:extLst>
+              <a:ext uri="{FF2B5EF4-FFF2-40B4-BE49-F238E27FC236}">
+                <a16:creationId xmlns:a16="http://schemas.microsoft.com/office/drawing/2014/main" id="{B429A8CE-EC8D-EEDB-B4D8-19C627053941}"/>
+              </a:ext>
+            </a:extLst>
+          </p:cNvPr>
+          <p:cNvPicPr>
+            <a:picLocks noChangeAspect="1"/>
+          </p:cNvPicPr>
+          <p:nvPr/>
+        </p:nvPicPr>
+        <p:blipFill>
+          <a:blip r:embed="rId2"/>
+          <a:stretch>
+            <a:fillRect/>
+          </a:stretch>
+        </p:blipFill>
+        <p:spPr>
+          <a:xfrm>
+            <a:off x="850775" y="4006850"/>
+            <a:ext cx="3517900" cy="2654300"/>
+          </a:xfrm>
+          <a:prstGeom prst="rect">
+            <a:avLst/>
+          </a:prstGeom>
+        </p:spPr>
+      </p:pic>
+      <p:pic>
+        <p:nvPicPr>
+          <p:cNvPr id="7" name="Picture 6">
+            <a:extLst>
+              <a:ext uri="{FF2B5EF4-FFF2-40B4-BE49-F238E27FC236}">
+                <a16:creationId xmlns:a16="http://schemas.microsoft.com/office/drawing/2014/main" id="{94D70BFC-6EDF-6A89-50C2-4153BD9C7E3D}"/>
+              </a:ext>
+            </a:extLst>
+          </p:cNvPr>
+          <p:cNvPicPr>
+            <a:picLocks noChangeAspect="1"/>
+          </p:cNvPicPr>
+          <p:nvPr/>
+        </p:nvPicPr>
+        <p:blipFill>
+          <a:blip r:embed="rId3"/>
+          <a:stretch>
+            <a:fillRect/>
+          </a:stretch>
+        </p:blipFill>
+        <p:spPr>
+          <a:xfrm>
+            <a:off x="850775" y="906556"/>
+            <a:ext cx="3594100" cy="2654300"/>
+          </a:xfrm>
+          <a:prstGeom prst="rect">
+            <a:avLst/>
+          </a:prstGeom>
+        </p:spPr>
+      </p:pic>
+      <p:sp>
+        <p:nvSpPr>
+          <p:cNvPr id="10" name="TextBox 9">
+            <a:extLst>
+              <a:ext uri="{FF2B5EF4-FFF2-40B4-BE49-F238E27FC236}">
+                <a16:creationId xmlns:a16="http://schemas.microsoft.com/office/drawing/2014/main" id="{D858BEA2-EB99-EB03-CAF0-8836F610A0A0}"/>
+              </a:ext>
+            </a:extLst>
+          </p:cNvPr>
+          <p:cNvSpPr txBox="1"/>
+          <p:nvPr/>
+        </p:nvSpPr>
+        <p:spPr>
+          <a:xfrm>
+            <a:off x="2067610" y="537224"/>
+            <a:ext cx="1828800" cy="369332"/>
+          </a:xfrm>
+          <a:prstGeom prst="rect">
+            <a:avLst/>
+          </a:prstGeom>
+          <a:noFill/>
+        </p:spPr>
+        <p:txBody>
+          <a:bodyPr wrap="square" rtlCol="0">
+            <a:spAutoFit/>
+          </a:bodyPr>
+          <a:lstStyle/>
+          <a:p>
+            <a:pPr algn="l"/>
+            <a:r>
+              <a:rPr lang="en-US" dirty="0"/>
+              <a:t>06 04 260</a:t>
+            </a:r>
+          </a:p>
+        </p:txBody>
+      </p:sp>
+      <p:sp>
+        <p:nvSpPr>
+          <p:cNvPr id="13" name="TextBox 12">
+            <a:extLst>
+              <a:ext uri="{FF2B5EF4-FFF2-40B4-BE49-F238E27FC236}">
+                <a16:creationId xmlns:a16="http://schemas.microsoft.com/office/drawing/2014/main" id="{D8AF0677-0048-AE2B-B46A-E1AC4D443119}"/>
+              </a:ext>
+            </a:extLst>
+          </p:cNvPr>
+          <p:cNvSpPr txBox="1"/>
+          <p:nvPr/>
+        </p:nvSpPr>
+        <p:spPr>
+          <a:xfrm>
+            <a:off x="2067610" y="3637518"/>
+            <a:ext cx="1828800" cy="369332"/>
+          </a:xfrm>
+          <a:prstGeom prst="rect">
+            <a:avLst/>
+          </a:prstGeom>
+          <a:noFill/>
+        </p:spPr>
+        <p:txBody>
+          <a:bodyPr rot="0" spcFirstLastPara="0" vert="horz" wrap="square" lIns="91440" tIns="45720" rIns="91440" bIns="45720" numCol="1" spcCol="0" rtlCol="0" fromWordArt="0" anchor="t" anchorCtr="0" forceAA="0" compatLnSpc="1">
+            <a:prstTxWarp prst="textNoShape">
+              <a:avLst/>
+            </a:prstTxWarp>
+            <a:spAutoFit/>
+          </a:bodyPr>
+          <a:lstStyle>
+            <a:defPPr>
+              <a:defRPr lang="en-US"/>
+            </a:defPPr>
+            <a:lvl1pPr marL="0" algn="l" defTabSz="914400" rtl="0" eaLnBrk="1" latinLnBrk="0" hangingPunct="1">
+              <a:defRPr sz="1800" kern="1200">
+                <a:solidFill>
+                  <a:schemeClr val="tx1"/>
+                </a:solidFill>
+                <a:latin typeface="+mn-lt"/>
+                <a:ea typeface="+mn-ea"/>
+                <a:cs typeface="+mn-cs"/>
+              </a:defRPr>
+            </a:lvl1pPr>
+            <a:lvl2pPr marL="457200" algn="l" defTabSz="914400" rtl="0" eaLnBrk="1" latinLnBrk="0" hangingPunct="1">
+              <a:defRPr sz="1800" kern="1200">
+                <a:solidFill>
+                  <a:schemeClr val="tx1"/>
+                </a:solidFill>
+                <a:latin typeface="+mn-lt"/>
+                <a:ea typeface="+mn-ea"/>
+                <a:cs typeface="+mn-cs"/>
+              </a:defRPr>
+            </a:lvl2pPr>
+            <a:lvl3pPr marL="914400" algn="l" defTabSz="914400" rtl="0" eaLnBrk="1" latinLnBrk="0" hangingPunct="1">
+              <a:defRPr sz="1800" kern="1200">
+                <a:solidFill>
+                  <a:schemeClr val="tx1"/>
+                </a:solidFill>
+                <a:latin typeface="+mn-lt"/>
+                <a:ea typeface="+mn-ea"/>
+                <a:cs typeface="+mn-cs"/>
+              </a:defRPr>
+            </a:lvl3pPr>
+            <a:lvl4pPr marL="1371600" algn="l" defTabSz="914400" rtl="0" eaLnBrk="1" latinLnBrk="0" hangingPunct="1">
+              <a:defRPr sz="1800" kern="1200">
+                <a:solidFill>
+                  <a:schemeClr val="tx1"/>
+                </a:solidFill>
+                <a:latin typeface="+mn-lt"/>
+                <a:ea typeface="+mn-ea"/>
+                <a:cs typeface="+mn-cs"/>
+              </a:defRPr>
+            </a:lvl4pPr>
+            <a:lvl5pPr marL="1828800" algn="l" defTabSz="914400" rtl="0" eaLnBrk="1" latinLnBrk="0" hangingPunct="1">
+              <a:defRPr sz="1800" kern="1200">
+                <a:solidFill>
+                  <a:schemeClr val="tx1"/>
+                </a:solidFill>
+                <a:latin typeface="+mn-lt"/>
+                <a:ea typeface="+mn-ea"/>
+                <a:cs typeface="+mn-cs"/>
+              </a:defRPr>
+            </a:lvl5pPr>
+            <a:lvl6pPr marL="2286000" algn="l" defTabSz="914400" rtl="0" eaLnBrk="1" latinLnBrk="0" hangingPunct="1">
+              <a:defRPr sz="1800" kern="1200">
+                <a:solidFill>
+                  <a:schemeClr val="tx1"/>
+                </a:solidFill>
+                <a:latin typeface="+mn-lt"/>
+                <a:ea typeface="+mn-ea"/>
+                <a:cs typeface="+mn-cs"/>
+              </a:defRPr>
+            </a:lvl6pPr>
+            <a:lvl7pPr marL="2743200" algn="l" defTabSz="914400" rtl="0" eaLnBrk="1" latinLnBrk="0" hangingPunct="1">
+              <a:defRPr sz="1800" kern="1200">
+                <a:solidFill>
+                  <a:schemeClr val="tx1"/>
+                </a:solidFill>
+                <a:latin typeface="+mn-lt"/>
+                <a:ea typeface="+mn-ea"/>
+                <a:cs typeface="+mn-cs"/>
+              </a:defRPr>
+            </a:lvl7pPr>
+            <a:lvl8pPr marL="3200400" algn="l" defTabSz="914400" rtl="0" eaLnBrk="1" latinLnBrk="0" hangingPunct="1">
+              <a:defRPr sz="1800" kern="1200">
+                <a:solidFill>
+                  <a:schemeClr val="tx1"/>
+                </a:solidFill>
+                <a:latin typeface="+mn-lt"/>
+                <a:ea typeface="+mn-ea"/>
+                <a:cs typeface="+mn-cs"/>
+              </a:defRPr>
+            </a:lvl8pPr>
+            <a:lvl9pPr marL="3657600" algn="l" defTabSz="914400" rtl="0" eaLnBrk="1" latinLnBrk="0" hangingPunct="1">
+              <a:defRPr sz="1800" kern="1200">
+                <a:solidFill>
+                  <a:schemeClr val="tx1"/>
+                </a:solidFill>
+                <a:latin typeface="+mn-lt"/>
+                <a:ea typeface="+mn-ea"/>
+                <a:cs typeface="+mn-cs"/>
+              </a:defRPr>
+            </a:lvl9pPr>
+          </a:lstStyle>
+          <a:p>
+            <a:pPr algn="l"/>
+            <a:r>
+              <a:rPr lang="en-US" dirty="0"/>
+              <a:t>07 04 260</a:t>
+            </a:r>
+          </a:p>
+        </p:txBody>
+      </p:sp>
+      <p:pic>
+        <p:nvPicPr>
+          <p:cNvPr id="19" name="Picture 18">
+            <a:extLst>
+              <a:ext uri="{FF2B5EF4-FFF2-40B4-BE49-F238E27FC236}">
+                <a16:creationId xmlns:a16="http://schemas.microsoft.com/office/drawing/2014/main" id="{33248488-68AA-3677-ED06-2965B61A2655}"/>
+              </a:ext>
+            </a:extLst>
+          </p:cNvPr>
+          <p:cNvPicPr>
+            <a:picLocks noChangeAspect="1"/>
+          </p:cNvPicPr>
+          <p:nvPr/>
+        </p:nvPicPr>
+        <p:blipFill>
+          <a:blip r:embed="rId4"/>
+          <a:stretch>
+            <a:fillRect/>
+          </a:stretch>
+        </p:blipFill>
+        <p:spPr>
+          <a:xfrm>
+            <a:off x="4777692" y="4006850"/>
+            <a:ext cx="3517900" cy="2654300"/>
+          </a:xfrm>
+          <a:prstGeom prst="rect">
+            <a:avLst/>
+          </a:prstGeom>
+        </p:spPr>
+      </p:pic>
+      <p:sp>
+        <p:nvSpPr>
+          <p:cNvPr id="22" name="TextBox 21">
+            <a:extLst>
+              <a:ext uri="{FF2B5EF4-FFF2-40B4-BE49-F238E27FC236}">
+                <a16:creationId xmlns:a16="http://schemas.microsoft.com/office/drawing/2014/main" id="{C2B256D1-EB64-3E37-26E7-75C2CA8CB394}"/>
+              </a:ext>
+            </a:extLst>
+          </p:cNvPr>
+          <p:cNvSpPr txBox="1"/>
+          <p:nvPr/>
+        </p:nvSpPr>
+        <p:spPr>
+          <a:xfrm>
+            <a:off x="6001998" y="3664252"/>
+            <a:ext cx="1828800" cy="369332"/>
+          </a:xfrm>
+          <a:prstGeom prst="rect">
+            <a:avLst/>
+          </a:prstGeom>
+          <a:noFill/>
+        </p:spPr>
+        <p:txBody>
+          <a:bodyPr rot="0" spcFirstLastPara="0" vert="horz" wrap="square" lIns="91440" tIns="45720" rIns="91440" bIns="45720" numCol="1" spcCol="0" rtlCol="0" fromWordArt="0" anchor="t" anchorCtr="0" forceAA="0" compatLnSpc="1">
+            <a:prstTxWarp prst="textNoShape">
+              <a:avLst/>
+            </a:prstTxWarp>
+            <a:spAutoFit/>
+          </a:bodyPr>
+          <a:lstStyle>
+            <a:defPPr>
+              <a:defRPr lang="en-US"/>
+            </a:defPPr>
+            <a:lvl1pPr marL="0" algn="l" defTabSz="914400" rtl="0" eaLnBrk="1" latinLnBrk="0" hangingPunct="1">
+              <a:defRPr sz="1800" kern="1200">
+                <a:solidFill>
+                  <a:schemeClr val="tx1"/>
+                </a:solidFill>
+                <a:latin typeface="+mn-lt"/>
+                <a:ea typeface="+mn-ea"/>
+                <a:cs typeface="+mn-cs"/>
+              </a:defRPr>
+            </a:lvl1pPr>
+            <a:lvl2pPr marL="457200" algn="l" defTabSz="914400" rtl="0" eaLnBrk="1" latinLnBrk="0" hangingPunct="1">
+              <a:defRPr sz="1800" kern="1200">
+                <a:solidFill>
+                  <a:schemeClr val="tx1"/>
+                </a:solidFill>
+                <a:latin typeface="+mn-lt"/>
+                <a:ea typeface="+mn-ea"/>
+                <a:cs typeface="+mn-cs"/>
+              </a:defRPr>
+            </a:lvl2pPr>
+            <a:lvl3pPr marL="914400" algn="l" defTabSz="914400" rtl="0" eaLnBrk="1" latinLnBrk="0" hangingPunct="1">
+              <a:defRPr sz="1800" kern="1200">
+                <a:solidFill>
+                  <a:schemeClr val="tx1"/>
+                </a:solidFill>
+                <a:latin typeface="+mn-lt"/>
+                <a:ea typeface="+mn-ea"/>
+                <a:cs typeface="+mn-cs"/>
+              </a:defRPr>
+            </a:lvl3pPr>
+            <a:lvl4pPr marL="1371600" algn="l" defTabSz="914400" rtl="0" eaLnBrk="1" latinLnBrk="0" hangingPunct="1">
+              <a:defRPr sz="1800" kern="1200">
+                <a:solidFill>
+                  <a:schemeClr val="tx1"/>
+                </a:solidFill>
+                <a:latin typeface="+mn-lt"/>
+                <a:ea typeface="+mn-ea"/>
+                <a:cs typeface="+mn-cs"/>
+              </a:defRPr>
+            </a:lvl4pPr>
+            <a:lvl5pPr marL="1828800" algn="l" defTabSz="914400" rtl="0" eaLnBrk="1" latinLnBrk="0" hangingPunct="1">
+              <a:defRPr sz="1800" kern="1200">
+                <a:solidFill>
+                  <a:schemeClr val="tx1"/>
+                </a:solidFill>
+                <a:latin typeface="+mn-lt"/>
+                <a:ea typeface="+mn-ea"/>
+                <a:cs typeface="+mn-cs"/>
+              </a:defRPr>
+            </a:lvl5pPr>
+            <a:lvl6pPr marL="2286000" algn="l" defTabSz="914400" rtl="0" eaLnBrk="1" latinLnBrk="0" hangingPunct="1">
+              <a:defRPr sz="1800" kern="1200">
+                <a:solidFill>
+                  <a:schemeClr val="tx1"/>
+                </a:solidFill>
+                <a:latin typeface="+mn-lt"/>
+                <a:ea typeface="+mn-ea"/>
+                <a:cs typeface="+mn-cs"/>
+              </a:defRPr>
+            </a:lvl6pPr>
+            <a:lvl7pPr marL="2743200" algn="l" defTabSz="914400" rtl="0" eaLnBrk="1" latinLnBrk="0" hangingPunct="1">
+              <a:defRPr sz="1800" kern="1200">
+                <a:solidFill>
+                  <a:schemeClr val="tx1"/>
+                </a:solidFill>
+                <a:latin typeface="+mn-lt"/>
+                <a:ea typeface="+mn-ea"/>
+                <a:cs typeface="+mn-cs"/>
+              </a:defRPr>
+            </a:lvl7pPr>
+            <a:lvl8pPr marL="3200400" algn="l" defTabSz="914400" rtl="0" eaLnBrk="1" latinLnBrk="0" hangingPunct="1">
+              <a:defRPr sz="1800" kern="1200">
+                <a:solidFill>
+                  <a:schemeClr val="tx1"/>
+                </a:solidFill>
+                <a:latin typeface="+mn-lt"/>
+                <a:ea typeface="+mn-ea"/>
+                <a:cs typeface="+mn-cs"/>
+              </a:defRPr>
+            </a:lvl8pPr>
+            <a:lvl9pPr marL="3657600" algn="l" defTabSz="914400" rtl="0" eaLnBrk="1" latinLnBrk="0" hangingPunct="1">
+              <a:defRPr sz="1800" kern="1200">
+                <a:solidFill>
+                  <a:schemeClr val="tx1"/>
+                </a:solidFill>
+                <a:latin typeface="+mn-lt"/>
+                <a:ea typeface="+mn-ea"/>
+                <a:cs typeface="+mn-cs"/>
+              </a:defRPr>
+            </a:lvl9pPr>
+          </a:lstStyle>
+          <a:p>
+            <a:pPr algn="l"/>
+            <a:r>
+              <a:rPr lang="en-US" dirty="0"/>
+              <a:t>07 04 240</a:t>
+            </a:r>
+          </a:p>
+        </p:txBody>
+      </p:sp>
+      <p:pic>
+        <p:nvPicPr>
+          <p:cNvPr id="25" name="Picture 24">
+            <a:extLst>
+              <a:ext uri="{FF2B5EF4-FFF2-40B4-BE49-F238E27FC236}">
+                <a16:creationId xmlns:a16="http://schemas.microsoft.com/office/drawing/2014/main" id="{FFDC5507-A931-D4DD-E54B-73259046B0F2}"/>
+              </a:ext>
+            </a:extLst>
+          </p:cNvPr>
+          <p:cNvPicPr>
+            <a:picLocks noChangeAspect="1"/>
+          </p:cNvPicPr>
+          <p:nvPr/>
+        </p:nvPicPr>
+        <p:blipFill>
+          <a:blip r:embed="rId5"/>
+          <a:stretch>
+            <a:fillRect/>
+          </a:stretch>
+        </p:blipFill>
+        <p:spPr>
+          <a:xfrm>
+            <a:off x="8495677" y="4006850"/>
+            <a:ext cx="3517900" cy="2654300"/>
+          </a:xfrm>
+          <a:prstGeom prst="rect">
+            <a:avLst/>
+          </a:prstGeom>
+        </p:spPr>
+      </p:pic>
+      <p:sp>
+        <p:nvSpPr>
+          <p:cNvPr id="27" name="TextBox 26">
+            <a:extLst>
+              <a:ext uri="{FF2B5EF4-FFF2-40B4-BE49-F238E27FC236}">
+                <a16:creationId xmlns:a16="http://schemas.microsoft.com/office/drawing/2014/main" id="{742075FD-878E-A000-7516-3F0631213825}"/>
+              </a:ext>
+            </a:extLst>
+          </p:cNvPr>
+          <p:cNvSpPr txBox="1"/>
+          <p:nvPr/>
+        </p:nvSpPr>
+        <p:spPr>
+          <a:xfrm>
+            <a:off x="9864856" y="3637518"/>
+            <a:ext cx="1828800" cy="369332"/>
+          </a:xfrm>
+          <a:prstGeom prst="rect">
+            <a:avLst/>
+          </a:prstGeom>
+          <a:noFill/>
+        </p:spPr>
+        <p:txBody>
+          <a:bodyPr rot="0" spcFirstLastPara="0" vert="horz" wrap="square" lIns="91440" tIns="45720" rIns="91440" bIns="45720" numCol="1" spcCol="0" rtlCol="0" fromWordArt="0" anchor="t" anchorCtr="0" forceAA="0" compatLnSpc="1">
+            <a:prstTxWarp prst="textNoShape">
+              <a:avLst/>
+            </a:prstTxWarp>
+            <a:spAutoFit/>
+          </a:bodyPr>
+          <a:lstStyle>
+            <a:defPPr>
+              <a:defRPr lang="en-US"/>
+            </a:defPPr>
+            <a:lvl1pPr marL="0" algn="l" defTabSz="914400" rtl="0" eaLnBrk="1" latinLnBrk="0" hangingPunct="1">
+              <a:defRPr sz="1800" kern="1200">
+                <a:solidFill>
+                  <a:schemeClr val="tx1"/>
+                </a:solidFill>
+                <a:latin typeface="+mn-lt"/>
+                <a:ea typeface="+mn-ea"/>
+                <a:cs typeface="+mn-cs"/>
+              </a:defRPr>
+            </a:lvl1pPr>
+            <a:lvl2pPr marL="457200" algn="l" defTabSz="914400" rtl="0" eaLnBrk="1" latinLnBrk="0" hangingPunct="1">
+              <a:defRPr sz="1800" kern="1200">
+                <a:solidFill>
+                  <a:schemeClr val="tx1"/>
+                </a:solidFill>
+                <a:latin typeface="+mn-lt"/>
+                <a:ea typeface="+mn-ea"/>
+                <a:cs typeface="+mn-cs"/>
+              </a:defRPr>
+            </a:lvl2pPr>
+            <a:lvl3pPr marL="914400" algn="l" defTabSz="914400" rtl="0" eaLnBrk="1" latinLnBrk="0" hangingPunct="1">
+              <a:defRPr sz="1800" kern="1200">
+                <a:solidFill>
+                  <a:schemeClr val="tx1"/>
+                </a:solidFill>
+                <a:latin typeface="+mn-lt"/>
+                <a:ea typeface="+mn-ea"/>
+                <a:cs typeface="+mn-cs"/>
+              </a:defRPr>
+            </a:lvl3pPr>
+            <a:lvl4pPr marL="1371600" algn="l" defTabSz="914400" rtl="0" eaLnBrk="1" latinLnBrk="0" hangingPunct="1">
+              <a:defRPr sz="1800" kern="1200">
+                <a:solidFill>
+                  <a:schemeClr val="tx1"/>
+                </a:solidFill>
+                <a:latin typeface="+mn-lt"/>
+                <a:ea typeface="+mn-ea"/>
+                <a:cs typeface="+mn-cs"/>
+              </a:defRPr>
+            </a:lvl4pPr>
+            <a:lvl5pPr marL="1828800" algn="l" defTabSz="914400" rtl="0" eaLnBrk="1" latinLnBrk="0" hangingPunct="1">
+              <a:defRPr sz="1800" kern="1200">
+                <a:solidFill>
+                  <a:schemeClr val="tx1"/>
+                </a:solidFill>
+                <a:latin typeface="+mn-lt"/>
+                <a:ea typeface="+mn-ea"/>
+                <a:cs typeface="+mn-cs"/>
+              </a:defRPr>
+            </a:lvl5pPr>
+            <a:lvl6pPr marL="2286000" algn="l" defTabSz="914400" rtl="0" eaLnBrk="1" latinLnBrk="0" hangingPunct="1">
+              <a:defRPr sz="1800" kern="1200">
+                <a:solidFill>
+                  <a:schemeClr val="tx1"/>
+                </a:solidFill>
+                <a:latin typeface="+mn-lt"/>
+                <a:ea typeface="+mn-ea"/>
+                <a:cs typeface="+mn-cs"/>
+              </a:defRPr>
+            </a:lvl6pPr>
+            <a:lvl7pPr marL="2743200" algn="l" defTabSz="914400" rtl="0" eaLnBrk="1" latinLnBrk="0" hangingPunct="1">
+              <a:defRPr sz="1800" kern="1200">
+                <a:solidFill>
+                  <a:schemeClr val="tx1"/>
+                </a:solidFill>
+                <a:latin typeface="+mn-lt"/>
+                <a:ea typeface="+mn-ea"/>
+                <a:cs typeface="+mn-cs"/>
+              </a:defRPr>
+            </a:lvl7pPr>
+            <a:lvl8pPr marL="3200400" algn="l" defTabSz="914400" rtl="0" eaLnBrk="1" latinLnBrk="0" hangingPunct="1">
+              <a:defRPr sz="1800" kern="1200">
+                <a:solidFill>
+                  <a:schemeClr val="tx1"/>
+                </a:solidFill>
+                <a:latin typeface="+mn-lt"/>
+                <a:ea typeface="+mn-ea"/>
+                <a:cs typeface="+mn-cs"/>
+              </a:defRPr>
+            </a:lvl8pPr>
+            <a:lvl9pPr marL="3657600" algn="l" defTabSz="914400" rtl="0" eaLnBrk="1" latinLnBrk="0" hangingPunct="1">
+              <a:defRPr sz="1800" kern="1200">
+                <a:solidFill>
+                  <a:schemeClr val="tx1"/>
+                </a:solidFill>
+                <a:latin typeface="+mn-lt"/>
+                <a:ea typeface="+mn-ea"/>
+                <a:cs typeface="+mn-cs"/>
+              </a:defRPr>
+            </a:lvl9pPr>
+          </a:lstStyle>
+          <a:p>
+            <a:pPr algn="l"/>
+            <a:r>
+              <a:rPr lang="en-US" dirty="0"/>
+              <a:t>07 04 220</a:t>
+            </a:r>
+          </a:p>
+        </p:txBody>
+      </p:sp>
+      <p:pic>
+        <p:nvPicPr>
+          <p:cNvPr id="30" name="Picture 29">
+            <a:extLst>
+              <a:ext uri="{FF2B5EF4-FFF2-40B4-BE49-F238E27FC236}">
+                <a16:creationId xmlns:a16="http://schemas.microsoft.com/office/drawing/2014/main" id="{EF87362B-B479-BD3F-14A0-43E0AC925E2B}"/>
+              </a:ext>
+            </a:extLst>
+          </p:cNvPr>
+          <p:cNvPicPr>
+            <a:picLocks noChangeAspect="1"/>
+          </p:cNvPicPr>
+          <p:nvPr/>
+        </p:nvPicPr>
+        <p:blipFill>
+          <a:blip r:embed="rId6"/>
+          <a:stretch>
+            <a:fillRect/>
+          </a:stretch>
+        </p:blipFill>
+        <p:spPr>
+          <a:xfrm>
+            <a:off x="4782115" y="906556"/>
+            <a:ext cx="3517900" cy="2654300"/>
+          </a:xfrm>
+          <a:prstGeom prst="rect">
+            <a:avLst/>
+          </a:prstGeom>
+        </p:spPr>
+      </p:pic>
+      <p:sp>
+        <p:nvSpPr>
+          <p:cNvPr id="33" name="TextBox 32">
+            <a:extLst>
+              <a:ext uri="{FF2B5EF4-FFF2-40B4-BE49-F238E27FC236}">
+                <a16:creationId xmlns:a16="http://schemas.microsoft.com/office/drawing/2014/main" id="{835FAE8F-1060-49CA-66D8-AFF9A44C8001}"/>
+              </a:ext>
+            </a:extLst>
+          </p:cNvPr>
+          <p:cNvSpPr txBox="1"/>
+          <p:nvPr/>
+        </p:nvSpPr>
+        <p:spPr>
+          <a:xfrm>
+            <a:off x="6001998" y="550591"/>
+            <a:ext cx="1828800" cy="369332"/>
+          </a:xfrm>
+          <a:prstGeom prst="rect">
+            <a:avLst/>
+          </a:prstGeom>
+          <a:noFill/>
+        </p:spPr>
+        <p:txBody>
+          <a:bodyPr rot="0" spcFirstLastPara="0" vert="horz" wrap="square" lIns="91440" tIns="45720" rIns="91440" bIns="45720" numCol="1" spcCol="0" rtlCol="0" fromWordArt="0" anchor="t" anchorCtr="0" forceAA="0" compatLnSpc="1">
+            <a:prstTxWarp prst="textNoShape">
+              <a:avLst/>
+            </a:prstTxWarp>
+            <a:spAutoFit/>
+          </a:bodyPr>
+          <a:lstStyle>
+            <a:defPPr>
+              <a:defRPr lang="en-US"/>
+            </a:defPPr>
+            <a:lvl1pPr marL="0" algn="l" defTabSz="914400" rtl="0" eaLnBrk="1" latinLnBrk="0" hangingPunct="1">
+              <a:defRPr sz="1800" kern="1200">
+                <a:solidFill>
+                  <a:schemeClr val="tx1"/>
+                </a:solidFill>
+                <a:latin typeface="+mn-lt"/>
+                <a:ea typeface="+mn-ea"/>
+                <a:cs typeface="+mn-cs"/>
+              </a:defRPr>
+            </a:lvl1pPr>
+            <a:lvl2pPr marL="457200" algn="l" defTabSz="914400" rtl="0" eaLnBrk="1" latinLnBrk="0" hangingPunct="1">
+              <a:defRPr sz="1800" kern="1200">
+                <a:solidFill>
+                  <a:schemeClr val="tx1"/>
+                </a:solidFill>
+                <a:latin typeface="+mn-lt"/>
+                <a:ea typeface="+mn-ea"/>
+                <a:cs typeface="+mn-cs"/>
+              </a:defRPr>
+            </a:lvl2pPr>
+            <a:lvl3pPr marL="914400" algn="l" defTabSz="914400" rtl="0" eaLnBrk="1" latinLnBrk="0" hangingPunct="1">
+              <a:defRPr sz="1800" kern="1200">
+                <a:solidFill>
+                  <a:schemeClr val="tx1"/>
+                </a:solidFill>
+                <a:latin typeface="+mn-lt"/>
+                <a:ea typeface="+mn-ea"/>
+                <a:cs typeface="+mn-cs"/>
+              </a:defRPr>
+            </a:lvl3pPr>
+            <a:lvl4pPr marL="1371600" algn="l" defTabSz="914400" rtl="0" eaLnBrk="1" latinLnBrk="0" hangingPunct="1">
+              <a:defRPr sz="1800" kern="1200">
+                <a:solidFill>
+                  <a:schemeClr val="tx1"/>
+                </a:solidFill>
+                <a:latin typeface="+mn-lt"/>
+                <a:ea typeface="+mn-ea"/>
+                <a:cs typeface="+mn-cs"/>
+              </a:defRPr>
+            </a:lvl4pPr>
+            <a:lvl5pPr marL="1828800" algn="l" defTabSz="914400" rtl="0" eaLnBrk="1" latinLnBrk="0" hangingPunct="1">
+              <a:defRPr sz="1800" kern="1200">
+                <a:solidFill>
+                  <a:schemeClr val="tx1"/>
+                </a:solidFill>
+                <a:latin typeface="+mn-lt"/>
+                <a:ea typeface="+mn-ea"/>
+                <a:cs typeface="+mn-cs"/>
+              </a:defRPr>
+            </a:lvl5pPr>
+            <a:lvl6pPr marL="2286000" algn="l" defTabSz="914400" rtl="0" eaLnBrk="1" latinLnBrk="0" hangingPunct="1">
+              <a:defRPr sz="1800" kern="1200">
+                <a:solidFill>
+                  <a:schemeClr val="tx1"/>
+                </a:solidFill>
+                <a:latin typeface="+mn-lt"/>
+                <a:ea typeface="+mn-ea"/>
+                <a:cs typeface="+mn-cs"/>
+              </a:defRPr>
+            </a:lvl6pPr>
+            <a:lvl7pPr marL="2743200" algn="l" defTabSz="914400" rtl="0" eaLnBrk="1" latinLnBrk="0" hangingPunct="1">
+              <a:defRPr sz="1800" kern="1200">
+                <a:solidFill>
+                  <a:schemeClr val="tx1"/>
+                </a:solidFill>
+                <a:latin typeface="+mn-lt"/>
+                <a:ea typeface="+mn-ea"/>
+                <a:cs typeface="+mn-cs"/>
+              </a:defRPr>
+            </a:lvl7pPr>
+            <a:lvl8pPr marL="3200400" algn="l" defTabSz="914400" rtl="0" eaLnBrk="1" latinLnBrk="0" hangingPunct="1">
+              <a:defRPr sz="1800" kern="1200">
+                <a:solidFill>
+                  <a:schemeClr val="tx1"/>
+                </a:solidFill>
+                <a:latin typeface="+mn-lt"/>
+                <a:ea typeface="+mn-ea"/>
+                <a:cs typeface="+mn-cs"/>
+              </a:defRPr>
+            </a:lvl8pPr>
+            <a:lvl9pPr marL="3657600" algn="l" defTabSz="914400" rtl="0" eaLnBrk="1" latinLnBrk="0" hangingPunct="1">
+              <a:defRPr sz="1800" kern="1200">
+                <a:solidFill>
+                  <a:schemeClr val="tx1"/>
+                </a:solidFill>
+                <a:latin typeface="+mn-lt"/>
+                <a:ea typeface="+mn-ea"/>
+                <a:cs typeface="+mn-cs"/>
+              </a:defRPr>
+            </a:lvl9pPr>
+          </a:lstStyle>
+          <a:p>
+            <a:pPr algn="l"/>
+            <a:r>
+              <a:rPr lang="en-US" dirty="0"/>
+              <a:t>06 04 240</a:t>
+            </a:r>
+          </a:p>
+        </p:txBody>
+      </p:sp>
+      <p:pic>
+        <p:nvPicPr>
+          <p:cNvPr id="36" name="Picture 35">
+            <a:extLst>
+              <a:ext uri="{FF2B5EF4-FFF2-40B4-BE49-F238E27FC236}">
+                <a16:creationId xmlns:a16="http://schemas.microsoft.com/office/drawing/2014/main" id="{6803F02E-02A6-4E7E-93EC-7C83A1296A32}"/>
+              </a:ext>
+            </a:extLst>
+          </p:cNvPr>
+          <p:cNvPicPr>
+            <a:picLocks noChangeAspect="1"/>
+          </p:cNvPicPr>
+          <p:nvPr/>
+        </p:nvPicPr>
+        <p:blipFill>
+          <a:blip r:embed="rId7"/>
+          <a:stretch>
+            <a:fillRect/>
+          </a:stretch>
+        </p:blipFill>
+        <p:spPr>
+          <a:xfrm>
+            <a:off x="8439526" y="906556"/>
+            <a:ext cx="3517900" cy="2654300"/>
+          </a:xfrm>
+          <a:prstGeom prst="rect">
+            <a:avLst/>
+          </a:prstGeom>
+        </p:spPr>
+      </p:pic>
+      <p:sp>
+        <p:nvSpPr>
+          <p:cNvPr id="39" name="TextBox 38">
+            <a:extLst>
+              <a:ext uri="{FF2B5EF4-FFF2-40B4-BE49-F238E27FC236}">
+                <a16:creationId xmlns:a16="http://schemas.microsoft.com/office/drawing/2014/main" id="{35EB9581-7234-7417-3092-EE3F50867104}"/>
+              </a:ext>
+            </a:extLst>
+          </p:cNvPr>
+          <p:cNvSpPr txBox="1"/>
+          <p:nvPr/>
+        </p:nvSpPr>
+        <p:spPr>
+          <a:xfrm>
+            <a:off x="9857138" y="537224"/>
+            <a:ext cx="1828800" cy="369332"/>
+          </a:xfrm>
+          <a:prstGeom prst="rect">
+            <a:avLst/>
+          </a:prstGeom>
+          <a:noFill/>
+        </p:spPr>
+        <p:txBody>
+          <a:bodyPr rot="0" spcFirstLastPara="0" vert="horz" wrap="square" lIns="91440" tIns="45720" rIns="91440" bIns="45720" numCol="1" spcCol="0" rtlCol="0" fromWordArt="0" anchor="t" anchorCtr="0" forceAA="0" compatLnSpc="1">
+            <a:prstTxWarp prst="textNoShape">
+              <a:avLst/>
+            </a:prstTxWarp>
+            <a:spAutoFit/>
+          </a:bodyPr>
+          <a:lstStyle>
+            <a:defPPr>
+              <a:defRPr lang="en-US"/>
+            </a:defPPr>
+            <a:lvl1pPr marL="0" algn="l" defTabSz="914400" rtl="0" eaLnBrk="1" latinLnBrk="0" hangingPunct="1">
+              <a:defRPr sz="1800" kern="1200">
+                <a:solidFill>
+                  <a:schemeClr val="tx1"/>
+                </a:solidFill>
+                <a:latin typeface="+mn-lt"/>
+                <a:ea typeface="+mn-ea"/>
+                <a:cs typeface="+mn-cs"/>
+              </a:defRPr>
+            </a:lvl1pPr>
+            <a:lvl2pPr marL="457200" algn="l" defTabSz="914400" rtl="0" eaLnBrk="1" latinLnBrk="0" hangingPunct="1">
+              <a:defRPr sz="1800" kern="1200">
+                <a:solidFill>
+                  <a:schemeClr val="tx1"/>
+                </a:solidFill>
+                <a:latin typeface="+mn-lt"/>
+                <a:ea typeface="+mn-ea"/>
+                <a:cs typeface="+mn-cs"/>
+              </a:defRPr>
+            </a:lvl2pPr>
+            <a:lvl3pPr marL="914400" algn="l" defTabSz="914400" rtl="0" eaLnBrk="1" latinLnBrk="0" hangingPunct="1">
+              <a:defRPr sz="1800" kern="1200">
+                <a:solidFill>
+                  <a:schemeClr val="tx1"/>
+                </a:solidFill>
+                <a:latin typeface="+mn-lt"/>
+                <a:ea typeface="+mn-ea"/>
+                <a:cs typeface="+mn-cs"/>
+              </a:defRPr>
+            </a:lvl3pPr>
+            <a:lvl4pPr marL="1371600" algn="l" defTabSz="914400" rtl="0" eaLnBrk="1" latinLnBrk="0" hangingPunct="1">
+              <a:defRPr sz="1800" kern="1200">
+                <a:solidFill>
+                  <a:schemeClr val="tx1"/>
+                </a:solidFill>
+                <a:latin typeface="+mn-lt"/>
+                <a:ea typeface="+mn-ea"/>
+                <a:cs typeface="+mn-cs"/>
+              </a:defRPr>
+            </a:lvl4pPr>
+            <a:lvl5pPr marL="1828800" algn="l" defTabSz="914400" rtl="0" eaLnBrk="1" latinLnBrk="0" hangingPunct="1">
+              <a:defRPr sz="1800" kern="1200">
+                <a:solidFill>
+                  <a:schemeClr val="tx1"/>
+                </a:solidFill>
+                <a:latin typeface="+mn-lt"/>
+                <a:ea typeface="+mn-ea"/>
+                <a:cs typeface="+mn-cs"/>
+              </a:defRPr>
+            </a:lvl5pPr>
+            <a:lvl6pPr marL="2286000" algn="l" defTabSz="914400" rtl="0" eaLnBrk="1" latinLnBrk="0" hangingPunct="1">
+              <a:defRPr sz="1800" kern="1200">
+                <a:solidFill>
+                  <a:schemeClr val="tx1"/>
+                </a:solidFill>
+                <a:latin typeface="+mn-lt"/>
+                <a:ea typeface="+mn-ea"/>
+                <a:cs typeface="+mn-cs"/>
+              </a:defRPr>
+            </a:lvl6pPr>
+            <a:lvl7pPr marL="2743200" algn="l" defTabSz="914400" rtl="0" eaLnBrk="1" latinLnBrk="0" hangingPunct="1">
+              <a:defRPr sz="1800" kern="1200">
+                <a:solidFill>
+                  <a:schemeClr val="tx1"/>
+                </a:solidFill>
+                <a:latin typeface="+mn-lt"/>
+                <a:ea typeface="+mn-ea"/>
+                <a:cs typeface="+mn-cs"/>
+              </a:defRPr>
+            </a:lvl7pPr>
+            <a:lvl8pPr marL="3200400" algn="l" defTabSz="914400" rtl="0" eaLnBrk="1" latinLnBrk="0" hangingPunct="1">
+              <a:defRPr sz="1800" kern="1200">
+                <a:solidFill>
+                  <a:schemeClr val="tx1"/>
+                </a:solidFill>
+                <a:latin typeface="+mn-lt"/>
+                <a:ea typeface="+mn-ea"/>
+                <a:cs typeface="+mn-cs"/>
+              </a:defRPr>
+            </a:lvl8pPr>
+            <a:lvl9pPr marL="3657600" algn="l" defTabSz="914400" rtl="0" eaLnBrk="1" latinLnBrk="0" hangingPunct="1">
+              <a:defRPr sz="1800" kern="1200">
+                <a:solidFill>
+                  <a:schemeClr val="tx1"/>
+                </a:solidFill>
+                <a:latin typeface="+mn-lt"/>
+                <a:ea typeface="+mn-ea"/>
+                <a:cs typeface="+mn-cs"/>
+              </a:defRPr>
+            </a:lvl9pPr>
+          </a:lstStyle>
+          <a:p>
+            <a:pPr algn="l"/>
+            <a:r>
+              <a:rPr lang="en-US" dirty="0"/>
+              <a:t>06 04 220</a:t>
+            </a:r>
+          </a:p>
+        </p:txBody>
+      </p:sp>
+    </p:spTree>
+    <p:extLst>
+      <p:ext uri="{BB962C8B-B14F-4D97-AF65-F5344CB8AC3E}">
+        <p14:creationId xmlns:p14="http://schemas.microsoft.com/office/powerpoint/2010/main" val="1883268242"/>
+      </p:ext>
+    </p:extLst>
+  </p:cSld>
+  <p:clrMapOvr>
+    <a:masterClrMapping/>
+  </p:clrMapOvr>
+</p:sld>
+</file>
+
+<file path=ppt/slides/slide20.xml><?xml version="1.0" encoding="utf-8"?>
 <p:sld xmlns:a="http://schemas.openxmlformats.org/drawingml/2006/main" xmlns:r="http://schemas.openxmlformats.org/officeDocument/2006/relationships" xmlns:p="http://schemas.openxmlformats.org/presentationml/2006/main">
   <p:cSld>
     <p:spTree>
@@ -13005,917 +14954,6 @@
     <p:extLst>
       <p:ext uri="{BB962C8B-B14F-4D97-AF65-F5344CB8AC3E}">
         <p14:creationId xmlns:p14="http://schemas.microsoft.com/office/powerpoint/2010/main" val="3672273678"/>
-      </p:ext>
-    </p:extLst>
-  </p:cSld>
-  <p:clrMapOvr>
-    <a:masterClrMapping/>
-  </p:clrMapOvr>
-</p:sld>
-</file>
-
-<file path=ppt/slides/slide2.xml><?xml version="1.0" encoding="utf-8"?>
-<p:sld xmlns:a="http://schemas.openxmlformats.org/drawingml/2006/main" xmlns:r="http://schemas.openxmlformats.org/officeDocument/2006/relationships" xmlns:p="http://schemas.openxmlformats.org/presentationml/2006/main">
-  <p:cSld>
-    <p:spTree>
-      <p:nvGrpSpPr>
-        <p:cNvPr id="1" name=""/>
-        <p:cNvGrpSpPr/>
-        <p:nvPr/>
-      </p:nvGrpSpPr>
-      <p:grpSpPr>
-        <a:xfrm>
-          <a:off x="0" y="0"/>
-          <a:ext cx="0" cy="0"/>
-          <a:chOff x="0" y="0"/>
-          <a:chExt cx="0" cy="0"/>
-        </a:xfrm>
-      </p:grpSpPr>
-      <p:pic>
-        <p:nvPicPr>
-          <p:cNvPr id="4" name="Picture 3">
-            <a:extLst>
-              <a:ext uri="{FF2B5EF4-FFF2-40B4-BE49-F238E27FC236}">
-                <a16:creationId xmlns:a16="http://schemas.microsoft.com/office/drawing/2014/main" id="{B429A8CE-EC8D-EEDB-B4D8-19C627053941}"/>
-              </a:ext>
-            </a:extLst>
-          </p:cNvPr>
-          <p:cNvPicPr>
-            <a:picLocks noChangeAspect="1"/>
-          </p:cNvPicPr>
-          <p:nvPr/>
-        </p:nvPicPr>
-        <p:blipFill>
-          <a:blip r:embed="rId2"/>
-          <a:stretch>
-            <a:fillRect/>
-          </a:stretch>
-        </p:blipFill>
-        <p:spPr>
-          <a:xfrm>
-            <a:off x="850775" y="4006850"/>
-            <a:ext cx="3517900" cy="2654300"/>
-          </a:xfrm>
-          <a:prstGeom prst="rect">
-            <a:avLst/>
-          </a:prstGeom>
-        </p:spPr>
-      </p:pic>
-      <p:pic>
-        <p:nvPicPr>
-          <p:cNvPr id="7" name="Picture 6">
-            <a:extLst>
-              <a:ext uri="{FF2B5EF4-FFF2-40B4-BE49-F238E27FC236}">
-                <a16:creationId xmlns:a16="http://schemas.microsoft.com/office/drawing/2014/main" id="{94D70BFC-6EDF-6A89-50C2-4153BD9C7E3D}"/>
-              </a:ext>
-            </a:extLst>
-          </p:cNvPr>
-          <p:cNvPicPr>
-            <a:picLocks noChangeAspect="1"/>
-          </p:cNvPicPr>
-          <p:nvPr/>
-        </p:nvPicPr>
-        <p:blipFill>
-          <a:blip r:embed="rId3"/>
-          <a:stretch>
-            <a:fillRect/>
-          </a:stretch>
-        </p:blipFill>
-        <p:spPr>
-          <a:xfrm>
-            <a:off x="850775" y="906556"/>
-            <a:ext cx="3594100" cy="2654300"/>
-          </a:xfrm>
-          <a:prstGeom prst="rect">
-            <a:avLst/>
-          </a:prstGeom>
-        </p:spPr>
-      </p:pic>
-      <p:sp>
-        <p:nvSpPr>
-          <p:cNvPr id="10" name="TextBox 9">
-            <a:extLst>
-              <a:ext uri="{FF2B5EF4-FFF2-40B4-BE49-F238E27FC236}">
-                <a16:creationId xmlns:a16="http://schemas.microsoft.com/office/drawing/2014/main" id="{D858BEA2-EB99-EB03-CAF0-8836F610A0A0}"/>
-              </a:ext>
-            </a:extLst>
-          </p:cNvPr>
-          <p:cNvSpPr txBox="1"/>
-          <p:nvPr/>
-        </p:nvSpPr>
-        <p:spPr>
-          <a:xfrm>
-            <a:off x="2067610" y="537224"/>
-            <a:ext cx="1828800" cy="369332"/>
-          </a:xfrm>
-          <a:prstGeom prst="rect">
-            <a:avLst/>
-          </a:prstGeom>
-          <a:noFill/>
-        </p:spPr>
-        <p:txBody>
-          <a:bodyPr wrap="square" rtlCol="0">
-            <a:spAutoFit/>
-          </a:bodyPr>
-          <a:lstStyle/>
-          <a:p>
-            <a:pPr algn="l"/>
-            <a:r>
-              <a:rPr lang="en-US" dirty="0"/>
-              <a:t>06 04 260</a:t>
-            </a:r>
-          </a:p>
-        </p:txBody>
-      </p:sp>
-      <p:sp>
-        <p:nvSpPr>
-          <p:cNvPr id="13" name="TextBox 12">
-            <a:extLst>
-              <a:ext uri="{FF2B5EF4-FFF2-40B4-BE49-F238E27FC236}">
-                <a16:creationId xmlns:a16="http://schemas.microsoft.com/office/drawing/2014/main" id="{D8AF0677-0048-AE2B-B46A-E1AC4D443119}"/>
-              </a:ext>
-            </a:extLst>
-          </p:cNvPr>
-          <p:cNvSpPr txBox="1"/>
-          <p:nvPr/>
-        </p:nvSpPr>
-        <p:spPr>
-          <a:xfrm>
-            <a:off x="2067610" y="3637518"/>
-            <a:ext cx="1828800" cy="369332"/>
-          </a:xfrm>
-          <a:prstGeom prst="rect">
-            <a:avLst/>
-          </a:prstGeom>
-          <a:noFill/>
-        </p:spPr>
-        <p:txBody>
-          <a:bodyPr rot="0" spcFirstLastPara="0" vert="horz" wrap="square" lIns="91440" tIns="45720" rIns="91440" bIns="45720" numCol="1" spcCol="0" rtlCol="0" fromWordArt="0" anchor="t" anchorCtr="0" forceAA="0" compatLnSpc="1">
-            <a:prstTxWarp prst="textNoShape">
-              <a:avLst/>
-            </a:prstTxWarp>
-            <a:spAutoFit/>
-          </a:bodyPr>
-          <a:lstStyle>
-            <a:defPPr>
-              <a:defRPr lang="en-US"/>
-            </a:defPPr>
-            <a:lvl1pPr marL="0" algn="l" defTabSz="914400" rtl="0" eaLnBrk="1" latinLnBrk="0" hangingPunct="1">
-              <a:defRPr sz="1800" kern="1200">
-                <a:solidFill>
-                  <a:schemeClr val="tx1"/>
-                </a:solidFill>
-                <a:latin typeface="+mn-lt"/>
-                <a:ea typeface="+mn-ea"/>
-                <a:cs typeface="+mn-cs"/>
-              </a:defRPr>
-            </a:lvl1pPr>
-            <a:lvl2pPr marL="457200" algn="l" defTabSz="914400" rtl="0" eaLnBrk="1" latinLnBrk="0" hangingPunct="1">
-              <a:defRPr sz="1800" kern="1200">
-                <a:solidFill>
-                  <a:schemeClr val="tx1"/>
-                </a:solidFill>
-                <a:latin typeface="+mn-lt"/>
-                <a:ea typeface="+mn-ea"/>
-                <a:cs typeface="+mn-cs"/>
-              </a:defRPr>
-            </a:lvl2pPr>
-            <a:lvl3pPr marL="914400" algn="l" defTabSz="914400" rtl="0" eaLnBrk="1" latinLnBrk="0" hangingPunct="1">
-              <a:defRPr sz="1800" kern="1200">
-                <a:solidFill>
-                  <a:schemeClr val="tx1"/>
-                </a:solidFill>
-                <a:latin typeface="+mn-lt"/>
-                <a:ea typeface="+mn-ea"/>
-                <a:cs typeface="+mn-cs"/>
-              </a:defRPr>
-            </a:lvl3pPr>
-            <a:lvl4pPr marL="1371600" algn="l" defTabSz="914400" rtl="0" eaLnBrk="1" latinLnBrk="0" hangingPunct="1">
-              <a:defRPr sz="1800" kern="1200">
-                <a:solidFill>
-                  <a:schemeClr val="tx1"/>
-                </a:solidFill>
-                <a:latin typeface="+mn-lt"/>
-                <a:ea typeface="+mn-ea"/>
-                <a:cs typeface="+mn-cs"/>
-              </a:defRPr>
-            </a:lvl4pPr>
-            <a:lvl5pPr marL="1828800" algn="l" defTabSz="914400" rtl="0" eaLnBrk="1" latinLnBrk="0" hangingPunct="1">
-              <a:defRPr sz="1800" kern="1200">
-                <a:solidFill>
-                  <a:schemeClr val="tx1"/>
-                </a:solidFill>
-                <a:latin typeface="+mn-lt"/>
-                <a:ea typeface="+mn-ea"/>
-                <a:cs typeface="+mn-cs"/>
-              </a:defRPr>
-            </a:lvl5pPr>
-            <a:lvl6pPr marL="2286000" algn="l" defTabSz="914400" rtl="0" eaLnBrk="1" latinLnBrk="0" hangingPunct="1">
-              <a:defRPr sz="1800" kern="1200">
-                <a:solidFill>
-                  <a:schemeClr val="tx1"/>
-                </a:solidFill>
-                <a:latin typeface="+mn-lt"/>
-                <a:ea typeface="+mn-ea"/>
-                <a:cs typeface="+mn-cs"/>
-              </a:defRPr>
-            </a:lvl6pPr>
-            <a:lvl7pPr marL="2743200" algn="l" defTabSz="914400" rtl="0" eaLnBrk="1" latinLnBrk="0" hangingPunct="1">
-              <a:defRPr sz="1800" kern="1200">
-                <a:solidFill>
-                  <a:schemeClr val="tx1"/>
-                </a:solidFill>
-                <a:latin typeface="+mn-lt"/>
-                <a:ea typeface="+mn-ea"/>
-                <a:cs typeface="+mn-cs"/>
-              </a:defRPr>
-            </a:lvl7pPr>
-            <a:lvl8pPr marL="3200400" algn="l" defTabSz="914400" rtl="0" eaLnBrk="1" latinLnBrk="0" hangingPunct="1">
-              <a:defRPr sz="1800" kern="1200">
-                <a:solidFill>
-                  <a:schemeClr val="tx1"/>
-                </a:solidFill>
-                <a:latin typeface="+mn-lt"/>
-                <a:ea typeface="+mn-ea"/>
-                <a:cs typeface="+mn-cs"/>
-              </a:defRPr>
-            </a:lvl8pPr>
-            <a:lvl9pPr marL="3657600" algn="l" defTabSz="914400" rtl="0" eaLnBrk="1" latinLnBrk="0" hangingPunct="1">
-              <a:defRPr sz="1800" kern="1200">
-                <a:solidFill>
-                  <a:schemeClr val="tx1"/>
-                </a:solidFill>
-                <a:latin typeface="+mn-lt"/>
-                <a:ea typeface="+mn-ea"/>
-                <a:cs typeface="+mn-cs"/>
-              </a:defRPr>
-            </a:lvl9pPr>
-          </a:lstStyle>
-          <a:p>
-            <a:pPr algn="l"/>
-            <a:r>
-              <a:rPr lang="en-US" dirty="0"/>
-              <a:t>07 04 260</a:t>
-            </a:r>
-          </a:p>
-        </p:txBody>
-      </p:sp>
-      <p:pic>
-        <p:nvPicPr>
-          <p:cNvPr id="19" name="Picture 18">
-            <a:extLst>
-              <a:ext uri="{FF2B5EF4-FFF2-40B4-BE49-F238E27FC236}">
-                <a16:creationId xmlns:a16="http://schemas.microsoft.com/office/drawing/2014/main" id="{33248488-68AA-3677-ED06-2965B61A2655}"/>
-              </a:ext>
-            </a:extLst>
-          </p:cNvPr>
-          <p:cNvPicPr>
-            <a:picLocks noChangeAspect="1"/>
-          </p:cNvPicPr>
-          <p:nvPr/>
-        </p:nvPicPr>
-        <p:blipFill>
-          <a:blip r:embed="rId4"/>
-          <a:stretch>
-            <a:fillRect/>
-          </a:stretch>
-        </p:blipFill>
-        <p:spPr>
-          <a:xfrm>
-            <a:off x="4777692" y="4006850"/>
-            <a:ext cx="3517900" cy="2654300"/>
-          </a:xfrm>
-          <a:prstGeom prst="rect">
-            <a:avLst/>
-          </a:prstGeom>
-        </p:spPr>
-      </p:pic>
-      <p:sp>
-        <p:nvSpPr>
-          <p:cNvPr id="22" name="TextBox 21">
-            <a:extLst>
-              <a:ext uri="{FF2B5EF4-FFF2-40B4-BE49-F238E27FC236}">
-                <a16:creationId xmlns:a16="http://schemas.microsoft.com/office/drawing/2014/main" id="{C2B256D1-EB64-3E37-26E7-75C2CA8CB394}"/>
-              </a:ext>
-            </a:extLst>
-          </p:cNvPr>
-          <p:cNvSpPr txBox="1"/>
-          <p:nvPr/>
-        </p:nvSpPr>
-        <p:spPr>
-          <a:xfrm>
-            <a:off x="6001998" y="3664252"/>
-            <a:ext cx="1828800" cy="369332"/>
-          </a:xfrm>
-          <a:prstGeom prst="rect">
-            <a:avLst/>
-          </a:prstGeom>
-          <a:noFill/>
-        </p:spPr>
-        <p:txBody>
-          <a:bodyPr rot="0" spcFirstLastPara="0" vert="horz" wrap="square" lIns="91440" tIns="45720" rIns="91440" bIns="45720" numCol="1" spcCol="0" rtlCol="0" fromWordArt="0" anchor="t" anchorCtr="0" forceAA="0" compatLnSpc="1">
-            <a:prstTxWarp prst="textNoShape">
-              <a:avLst/>
-            </a:prstTxWarp>
-            <a:spAutoFit/>
-          </a:bodyPr>
-          <a:lstStyle>
-            <a:defPPr>
-              <a:defRPr lang="en-US"/>
-            </a:defPPr>
-            <a:lvl1pPr marL="0" algn="l" defTabSz="914400" rtl="0" eaLnBrk="1" latinLnBrk="0" hangingPunct="1">
-              <a:defRPr sz="1800" kern="1200">
-                <a:solidFill>
-                  <a:schemeClr val="tx1"/>
-                </a:solidFill>
-                <a:latin typeface="+mn-lt"/>
-                <a:ea typeface="+mn-ea"/>
-                <a:cs typeface="+mn-cs"/>
-              </a:defRPr>
-            </a:lvl1pPr>
-            <a:lvl2pPr marL="457200" algn="l" defTabSz="914400" rtl="0" eaLnBrk="1" latinLnBrk="0" hangingPunct="1">
-              <a:defRPr sz="1800" kern="1200">
-                <a:solidFill>
-                  <a:schemeClr val="tx1"/>
-                </a:solidFill>
-                <a:latin typeface="+mn-lt"/>
-                <a:ea typeface="+mn-ea"/>
-                <a:cs typeface="+mn-cs"/>
-              </a:defRPr>
-            </a:lvl2pPr>
-            <a:lvl3pPr marL="914400" algn="l" defTabSz="914400" rtl="0" eaLnBrk="1" latinLnBrk="0" hangingPunct="1">
-              <a:defRPr sz="1800" kern="1200">
-                <a:solidFill>
-                  <a:schemeClr val="tx1"/>
-                </a:solidFill>
-                <a:latin typeface="+mn-lt"/>
-                <a:ea typeface="+mn-ea"/>
-                <a:cs typeface="+mn-cs"/>
-              </a:defRPr>
-            </a:lvl3pPr>
-            <a:lvl4pPr marL="1371600" algn="l" defTabSz="914400" rtl="0" eaLnBrk="1" latinLnBrk="0" hangingPunct="1">
-              <a:defRPr sz="1800" kern="1200">
-                <a:solidFill>
-                  <a:schemeClr val="tx1"/>
-                </a:solidFill>
-                <a:latin typeface="+mn-lt"/>
-                <a:ea typeface="+mn-ea"/>
-                <a:cs typeface="+mn-cs"/>
-              </a:defRPr>
-            </a:lvl4pPr>
-            <a:lvl5pPr marL="1828800" algn="l" defTabSz="914400" rtl="0" eaLnBrk="1" latinLnBrk="0" hangingPunct="1">
-              <a:defRPr sz="1800" kern="1200">
-                <a:solidFill>
-                  <a:schemeClr val="tx1"/>
-                </a:solidFill>
-                <a:latin typeface="+mn-lt"/>
-                <a:ea typeface="+mn-ea"/>
-                <a:cs typeface="+mn-cs"/>
-              </a:defRPr>
-            </a:lvl5pPr>
-            <a:lvl6pPr marL="2286000" algn="l" defTabSz="914400" rtl="0" eaLnBrk="1" latinLnBrk="0" hangingPunct="1">
-              <a:defRPr sz="1800" kern="1200">
-                <a:solidFill>
-                  <a:schemeClr val="tx1"/>
-                </a:solidFill>
-                <a:latin typeface="+mn-lt"/>
-                <a:ea typeface="+mn-ea"/>
-                <a:cs typeface="+mn-cs"/>
-              </a:defRPr>
-            </a:lvl6pPr>
-            <a:lvl7pPr marL="2743200" algn="l" defTabSz="914400" rtl="0" eaLnBrk="1" latinLnBrk="0" hangingPunct="1">
-              <a:defRPr sz="1800" kern="1200">
-                <a:solidFill>
-                  <a:schemeClr val="tx1"/>
-                </a:solidFill>
-                <a:latin typeface="+mn-lt"/>
-                <a:ea typeface="+mn-ea"/>
-                <a:cs typeface="+mn-cs"/>
-              </a:defRPr>
-            </a:lvl7pPr>
-            <a:lvl8pPr marL="3200400" algn="l" defTabSz="914400" rtl="0" eaLnBrk="1" latinLnBrk="0" hangingPunct="1">
-              <a:defRPr sz="1800" kern="1200">
-                <a:solidFill>
-                  <a:schemeClr val="tx1"/>
-                </a:solidFill>
-                <a:latin typeface="+mn-lt"/>
-                <a:ea typeface="+mn-ea"/>
-                <a:cs typeface="+mn-cs"/>
-              </a:defRPr>
-            </a:lvl8pPr>
-            <a:lvl9pPr marL="3657600" algn="l" defTabSz="914400" rtl="0" eaLnBrk="1" latinLnBrk="0" hangingPunct="1">
-              <a:defRPr sz="1800" kern="1200">
-                <a:solidFill>
-                  <a:schemeClr val="tx1"/>
-                </a:solidFill>
-                <a:latin typeface="+mn-lt"/>
-                <a:ea typeface="+mn-ea"/>
-                <a:cs typeface="+mn-cs"/>
-              </a:defRPr>
-            </a:lvl9pPr>
-          </a:lstStyle>
-          <a:p>
-            <a:pPr algn="l"/>
-            <a:r>
-              <a:rPr lang="en-US" dirty="0"/>
-              <a:t>07 04 240</a:t>
-            </a:r>
-          </a:p>
-        </p:txBody>
-      </p:sp>
-      <p:pic>
-        <p:nvPicPr>
-          <p:cNvPr id="25" name="Picture 24">
-            <a:extLst>
-              <a:ext uri="{FF2B5EF4-FFF2-40B4-BE49-F238E27FC236}">
-                <a16:creationId xmlns:a16="http://schemas.microsoft.com/office/drawing/2014/main" id="{FFDC5507-A931-D4DD-E54B-73259046B0F2}"/>
-              </a:ext>
-            </a:extLst>
-          </p:cNvPr>
-          <p:cNvPicPr>
-            <a:picLocks noChangeAspect="1"/>
-          </p:cNvPicPr>
-          <p:nvPr/>
-        </p:nvPicPr>
-        <p:blipFill>
-          <a:blip r:embed="rId5"/>
-          <a:stretch>
-            <a:fillRect/>
-          </a:stretch>
-        </p:blipFill>
-        <p:spPr>
-          <a:xfrm>
-            <a:off x="8495677" y="4006850"/>
-            <a:ext cx="3517900" cy="2654300"/>
-          </a:xfrm>
-          <a:prstGeom prst="rect">
-            <a:avLst/>
-          </a:prstGeom>
-        </p:spPr>
-      </p:pic>
-      <p:sp>
-        <p:nvSpPr>
-          <p:cNvPr id="27" name="TextBox 26">
-            <a:extLst>
-              <a:ext uri="{FF2B5EF4-FFF2-40B4-BE49-F238E27FC236}">
-                <a16:creationId xmlns:a16="http://schemas.microsoft.com/office/drawing/2014/main" id="{742075FD-878E-A000-7516-3F0631213825}"/>
-              </a:ext>
-            </a:extLst>
-          </p:cNvPr>
-          <p:cNvSpPr txBox="1"/>
-          <p:nvPr/>
-        </p:nvSpPr>
-        <p:spPr>
-          <a:xfrm>
-            <a:off x="9864856" y="3637518"/>
-            <a:ext cx="1828800" cy="369332"/>
-          </a:xfrm>
-          <a:prstGeom prst="rect">
-            <a:avLst/>
-          </a:prstGeom>
-          <a:noFill/>
-        </p:spPr>
-        <p:txBody>
-          <a:bodyPr rot="0" spcFirstLastPara="0" vert="horz" wrap="square" lIns="91440" tIns="45720" rIns="91440" bIns="45720" numCol="1" spcCol="0" rtlCol="0" fromWordArt="0" anchor="t" anchorCtr="0" forceAA="0" compatLnSpc="1">
-            <a:prstTxWarp prst="textNoShape">
-              <a:avLst/>
-            </a:prstTxWarp>
-            <a:spAutoFit/>
-          </a:bodyPr>
-          <a:lstStyle>
-            <a:defPPr>
-              <a:defRPr lang="en-US"/>
-            </a:defPPr>
-            <a:lvl1pPr marL="0" algn="l" defTabSz="914400" rtl="0" eaLnBrk="1" latinLnBrk="0" hangingPunct="1">
-              <a:defRPr sz="1800" kern="1200">
-                <a:solidFill>
-                  <a:schemeClr val="tx1"/>
-                </a:solidFill>
-                <a:latin typeface="+mn-lt"/>
-                <a:ea typeface="+mn-ea"/>
-                <a:cs typeface="+mn-cs"/>
-              </a:defRPr>
-            </a:lvl1pPr>
-            <a:lvl2pPr marL="457200" algn="l" defTabSz="914400" rtl="0" eaLnBrk="1" latinLnBrk="0" hangingPunct="1">
-              <a:defRPr sz="1800" kern="1200">
-                <a:solidFill>
-                  <a:schemeClr val="tx1"/>
-                </a:solidFill>
-                <a:latin typeface="+mn-lt"/>
-                <a:ea typeface="+mn-ea"/>
-                <a:cs typeface="+mn-cs"/>
-              </a:defRPr>
-            </a:lvl2pPr>
-            <a:lvl3pPr marL="914400" algn="l" defTabSz="914400" rtl="0" eaLnBrk="1" latinLnBrk="0" hangingPunct="1">
-              <a:defRPr sz="1800" kern="1200">
-                <a:solidFill>
-                  <a:schemeClr val="tx1"/>
-                </a:solidFill>
-                <a:latin typeface="+mn-lt"/>
-                <a:ea typeface="+mn-ea"/>
-                <a:cs typeface="+mn-cs"/>
-              </a:defRPr>
-            </a:lvl3pPr>
-            <a:lvl4pPr marL="1371600" algn="l" defTabSz="914400" rtl="0" eaLnBrk="1" latinLnBrk="0" hangingPunct="1">
-              <a:defRPr sz="1800" kern="1200">
-                <a:solidFill>
-                  <a:schemeClr val="tx1"/>
-                </a:solidFill>
-                <a:latin typeface="+mn-lt"/>
-                <a:ea typeface="+mn-ea"/>
-                <a:cs typeface="+mn-cs"/>
-              </a:defRPr>
-            </a:lvl4pPr>
-            <a:lvl5pPr marL="1828800" algn="l" defTabSz="914400" rtl="0" eaLnBrk="1" latinLnBrk="0" hangingPunct="1">
-              <a:defRPr sz="1800" kern="1200">
-                <a:solidFill>
-                  <a:schemeClr val="tx1"/>
-                </a:solidFill>
-                <a:latin typeface="+mn-lt"/>
-                <a:ea typeface="+mn-ea"/>
-                <a:cs typeface="+mn-cs"/>
-              </a:defRPr>
-            </a:lvl5pPr>
-            <a:lvl6pPr marL="2286000" algn="l" defTabSz="914400" rtl="0" eaLnBrk="1" latinLnBrk="0" hangingPunct="1">
-              <a:defRPr sz="1800" kern="1200">
-                <a:solidFill>
-                  <a:schemeClr val="tx1"/>
-                </a:solidFill>
-                <a:latin typeface="+mn-lt"/>
-                <a:ea typeface="+mn-ea"/>
-                <a:cs typeface="+mn-cs"/>
-              </a:defRPr>
-            </a:lvl6pPr>
-            <a:lvl7pPr marL="2743200" algn="l" defTabSz="914400" rtl="0" eaLnBrk="1" latinLnBrk="0" hangingPunct="1">
-              <a:defRPr sz="1800" kern="1200">
-                <a:solidFill>
-                  <a:schemeClr val="tx1"/>
-                </a:solidFill>
-                <a:latin typeface="+mn-lt"/>
-                <a:ea typeface="+mn-ea"/>
-                <a:cs typeface="+mn-cs"/>
-              </a:defRPr>
-            </a:lvl7pPr>
-            <a:lvl8pPr marL="3200400" algn="l" defTabSz="914400" rtl="0" eaLnBrk="1" latinLnBrk="0" hangingPunct="1">
-              <a:defRPr sz="1800" kern="1200">
-                <a:solidFill>
-                  <a:schemeClr val="tx1"/>
-                </a:solidFill>
-                <a:latin typeface="+mn-lt"/>
-                <a:ea typeface="+mn-ea"/>
-                <a:cs typeface="+mn-cs"/>
-              </a:defRPr>
-            </a:lvl8pPr>
-            <a:lvl9pPr marL="3657600" algn="l" defTabSz="914400" rtl="0" eaLnBrk="1" latinLnBrk="0" hangingPunct="1">
-              <a:defRPr sz="1800" kern="1200">
-                <a:solidFill>
-                  <a:schemeClr val="tx1"/>
-                </a:solidFill>
-                <a:latin typeface="+mn-lt"/>
-                <a:ea typeface="+mn-ea"/>
-                <a:cs typeface="+mn-cs"/>
-              </a:defRPr>
-            </a:lvl9pPr>
-          </a:lstStyle>
-          <a:p>
-            <a:pPr algn="l"/>
-            <a:r>
-              <a:rPr lang="en-US" dirty="0"/>
-              <a:t>07 04 220</a:t>
-            </a:r>
-          </a:p>
-        </p:txBody>
-      </p:sp>
-      <p:pic>
-        <p:nvPicPr>
-          <p:cNvPr id="30" name="Picture 29">
-            <a:extLst>
-              <a:ext uri="{FF2B5EF4-FFF2-40B4-BE49-F238E27FC236}">
-                <a16:creationId xmlns:a16="http://schemas.microsoft.com/office/drawing/2014/main" id="{EF87362B-B479-BD3F-14A0-43E0AC925E2B}"/>
-              </a:ext>
-            </a:extLst>
-          </p:cNvPr>
-          <p:cNvPicPr>
-            <a:picLocks noChangeAspect="1"/>
-          </p:cNvPicPr>
-          <p:nvPr/>
-        </p:nvPicPr>
-        <p:blipFill>
-          <a:blip r:embed="rId6"/>
-          <a:stretch>
-            <a:fillRect/>
-          </a:stretch>
-        </p:blipFill>
-        <p:spPr>
-          <a:xfrm>
-            <a:off x="4782115" y="906556"/>
-            <a:ext cx="3517900" cy="2654300"/>
-          </a:xfrm>
-          <a:prstGeom prst="rect">
-            <a:avLst/>
-          </a:prstGeom>
-        </p:spPr>
-      </p:pic>
-      <p:sp>
-        <p:nvSpPr>
-          <p:cNvPr id="33" name="TextBox 32">
-            <a:extLst>
-              <a:ext uri="{FF2B5EF4-FFF2-40B4-BE49-F238E27FC236}">
-                <a16:creationId xmlns:a16="http://schemas.microsoft.com/office/drawing/2014/main" id="{835FAE8F-1060-49CA-66D8-AFF9A44C8001}"/>
-              </a:ext>
-            </a:extLst>
-          </p:cNvPr>
-          <p:cNvSpPr txBox="1"/>
-          <p:nvPr/>
-        </p:nvSpPr>
-        <p:spPr>
-          <a:xfrm>
-            <a:off x="6001998" y="550591"/>
-            <a:ext cx="1828800" cy="369332"/>
-          </a:xfrm>
-          <a:prstGeom prst="rect">
-            <a:avLst/>
-          </a:prstGeom>
-          <a:noFill/>
-        </p:spPr>
-        <p:txBody>
-          <a:bodyPr rot="0" spcFirstLastPara="0" vert="horz" wrap="square" lIns="91440" tIns="45720" rIns="91440" bIns="45720" numCol="1" spcCol="0" rtlCol="0" fromWordArt="0" anchor="t" anchorCtr="0" forceAA="0" compatLnSpc="1">
-            <a:prstTxWarp prst="textNoShape">
-              <a:avLst/>
-            </a:prstTxWarp>
-            <a:spAutoFit/>
-          </a:bodyPr>
-          <a:lstStyle>
-            <a:defPPr>
-              <a:defRPr lang="en-US"/>
-            </a:defPPr>
-            <a:lvl1pPr marL="0" algn="l" defTabSz="914400" rtl="0" eaLnBrk="1" latinLnBrk="0" hangingPunct="1">
-              <a:defRPr sz="1800" kern="1200">
-                <a:solidFill>
-                  <a:schemeClr val="tx1"/>
-                </a:solidFill>
-                <a:latin typeface="+mn-lt"/>
-                <a:ea typeface="+mn-ea"/>
-                <a:cs typeface="+mn-cs"/>
-              </a:defRPr>
-            </a:lvl1pPr>
-            <a:lvl2pPr marL="457200" algn="l" defTabSz="914400" rtl="0" eaLnBrk="1" latinLnBrk="0" hangingPunct="1">
-              <a:defRPr sz="1800" kern="1200">
-                <a:solidFill>
-                  <a:schemeClr val="tx1"/>
-                </a:solidFill>
-                <a:latin typeface="+mn-lt"/>
-                <a:ea typeface="+mn-ea"/>
-                <a:cs typeface="+mn-cs"/>
-              </a:defRPr>
-            </a:lvl2pPr>
-            <a:lvl3pPr marL="914400" algn="l" defTabSz="914400" rtl="0" eaLnBrk="1" latinLnBrk="0" hangingPunct="1">
-              <a:defRPr sz="1800" kern="1200">
-                <a:solidFill>
-                  <a:schemeClr val="tx1"/>
-                </a:solidFill>
-                <a:latin typeface="+mn-lt"/>
-                <a:ea typeface="+mn-ea"/>
-                <a:cs typeface="+mn-cs"/>
-              </a:defRPr>
-            </a:lvl3pPr>
-            <a:lvl4pPr marL="1371600" algn="l" defTabSz="914400" rtl="0" eaLnBrk="1" latinLnBrk="0" hangingPunct="1">
-              <a:defRPr sz="1800" kern="1200">
-                <a:solidFill>
-                  <a:schemeClr val="tx1"/>
-                </a:solidFill>
-                <a:latin typeface="+mn-lt"/>
-                <a:ea typeface="+mn-ea"/>
-                <a:cs typeface="+mn-cs"/>
-              </a:defRPr>
-            </a:lvl4pPr>
-            <a:lvl5pPr marL="1828800" algn="l" defTabSz="914400" rtl="0" eaLnBrk="1" latinLnBrk="0" hangingPunct="1">
-              <a:defRPr sz="1800" kern="1200">
-                <a:solidFill>
-                  <a:schemeClr val="tx1"/>
-                </a:solidFill>
-                <a:latin typeface="+mn-lt"/>
-                <a:ea typeface="+mn-ea"/>
-                <a:cs typeface="+mn-cs"/>
-              </a:defRPr>
-            </a:lvl5pPr>
-            <a:lvl6pPr marL="2286000" algn="l" defTabSz="914400" rtl="0" eaLnBrk="1" latinLnBrk="0" hangingPunct="1">
-              <a:defRPr sz="1800" kern="1200">
-                <a:solidFill>
-                  <a:schemeClr val="tx1"/>
-                </a:solidFill>
-                <a:latin typeface="+mn-lt"/>
-                <a:ea typeface="+mn-ea"/>
-                <a:cs typeface="+mn-cs"/>
-              </a:defRPr>
-            </a:lvl6pPr>
-            <a:lvl7pPr marL="2743200" algn="l" defTabSz="914400" rtl="0" eaLnBrk="1" latinLnBrk="0" hangingPunct="1">
-              <a:defRPr sz="1800" kern="1200">
-                <a:solidFill>
-                  <a:schemeClr val="tx1"/>
-                </a:solidFill>
-                <a:latin typeface="+mn-lt"/>
-                <a:ea typeface="+mn-ea"/>
-                <a:cs typeface="+mn-cs"/>
-              </a:defRPr>
-            </a:lvl7pPr>
-            <a:lvl8pPr marL="3200400" algn="l" defTabSz="914400" rtl="0" eaLnBrk="1" latinLnBrk="0" hangingPunct="1">
-              <a:defRPr sz="1800" kern="1200">
-                <a:solidFill>
-                  <a:schemeClr val="tx1"/>
-                </a:solidFill>
-                <a:latin typeface="+mn-lt"/>
-                <a:ea typeface="+mn-ea"/>
-                <a:cs typeface="+mn-cs"/>
-              </a:defRPr>
-            </a:lvl8pPr>
-            <a:lvl9pPr marL="3657600" algn="l" defTabSz="914400" rtl="0" eaLnBrk="1" latinLnBrk="0" hangingPunct="1">
-              <a:defRPr sz="1800" kern="1200">
-                <a:solidFill>
-                  <a:schemeClr val="tx1"/>
-                </a:solidFill>
-                <a:latin typeface="+mn-lt"/>
-                <a:ea typeface="+mn-ea"/>
-                <a:cs typeface="+mn-cs"/>
-              </a:defRPr>
-            </a:lvl9pPr>
-          </a:lstStyle>
-          <a:p>
-            <a:pPr algn="l"/>
-            <a:r>
-              <a:rPr lang="en-US" dirty="0"/>
-              <a:t>06 04 240</a:t>
-            </a:r>
-          </a:p>
-        </p:txBody>
-      </p:sp>
-      <p:pic>
-        <p:nvPicPr>
-          <p:cNvPr id="36" name="Picture 35">
-            <a:extLst>
-              <a:ext uri="{FF2B5EF4-FFF2-40B4-BE49-F238E27FC236}">
-                <a16:creationId xmlns:a16="http://schemas.microsoft.com/office/drawing/2014/main" id="{6803F02E-02A6-4E7E-93EC-7C83A1296A32}"/>
-              </a:ext>
-            </a:extLst>
-          </p:cNvPr>
-          <p:cNvPicPr>
-            <a:picLocks noChangeAspect="1"/>
-          </p:cNvPicPr>
-          <p:nvPr/>
-        </p:nvPicPr>
-        <p:blipFill>
-          <a:blip r:embed="rId7"/>
-          <a:stretch>
-            <a:fillRect/>
-          </a:stretch>
-        </p:blipFill>
-        <p:spPr>
-          <a:xfrm>
-            <a:off x="8439526" y="906556"/>
-            <a:ext cx="3517900" cy="2654300"/>
-          </a:xfrm>
-          <a:prstGeom prst="rect">
-            <a:avLst/>
-          </a:prstGeom>
-        </p:spPr>
-      </p:pic>
-      <p:sp>
-        <p:nvSpPr>
-          <p:cNvPr id="39" name="TextBox 38">
-            <a:extLst>
-              <a:ext uri="{FF2B5EF4-FFF2-40B4-BE49-F238E27FC236}">
-                <a16:creationId xmlns:a16="http://schemas.microsoft.com/office/drawing/2014/main" id="{35EB9581-7234-7417-3092-EE3F50867104}"/>
-              </a:ext>
-            </a:extLst>
-          </p:cNvPr>
-          <p:cNvSpPr txBox="1"/>
-          <p:nvPr/>
-        </p:nvSpPr>
-        <p:spPr>
-          <a:xfrm>
-            <a:off x="9857138" y="537224"/>
-            <a:ext cx="1828800" cy="369332"/>
-          </a:xfrm>
-          <a:prstGeom prst="rect">
-            <a:avLst/>
-          </a:prstGeom>
-          <a:noFill/>
-        </p:spPr>
-        <p:txBody>
-          <a:bodyPr rot="0" spcFirstLastPara="0" vert="horz" wrap="square" lIns="91440" tIns="45720" rIns="91440" bIns="45720" numCol="1" spcCol="0" rtlCol="0" fromWordArt="0" anchor="t" anchorCtr="0" forceAA="0" compatLnSpc="1">
-            <a:prstTxWarp prst="textNoShape">
-              <a:avLst/>
-            </a:prstTxWarp>
-            <a:spAutoFit/>
-          </a:bodyPr>
-          <a:lstStyle>
-            <a:defPPr>
-              <a:defRPr lang="en-US"/>
-            </a:defPPr>
-            <a:lvl1pPr marL="0" algn="l" defTabSz="914400" rtl="0" eaLnBrk="1" latinLnBrk="0" hangingPunct="1">
-              <a:defRPr sz="1800" kern="1200">
-                <a:solidFill>
-                  <a:schemeClr val="tx1"/>
-                </a:solidFill>
-                <a:latin typeface="+mn-lt"/>
-                <a:ea typeface="+mn-ea"/>
-                <a:cs typeface="+mn-cs"/>
-              </a:defRPr>
-            </a:lvl1pPr>
-            <a:lvl2pPr marL="457200" algn="l" defTabSz="914400" rtl="0" eaLnBrk="1" latinLnBrk="0" hangingPunct="1">
-              <a:defRPr sz="1800" kern="1200">
-                <a:solidFill>
-                  <a:schemeClr val="tx1"/>
-                </a:solidFill>
-                <a:latin typeface="+mn-lt"/>
-                <a:ea typeface="+mn-ea"/>
-                <a:cs typeface="+mn-cs"/>
-              </a:defRPr>
-            </a:lvl2pPr>
-            <a:lvl3pPr marL="914400" algn="l" defTabSz="914400" rtl="0" eaLnBrk="1" latinLnBrk="0" hangingPunct="1">
-              <a:defRPr sz="1800" kern="1200">
-                <a:solidFill>
-                  <a:schemeClr val="tx1"/>
-                </a:solidFill>
-                <a:latin typeface="+mn-lt"/>
-                <a:ea typeface="+mn-ea"/>
-                <a:cs typeface="+mn-cs"/>
-              </a:defRPr>
-            </a:lvl3pPr>
-            <a:lvl4pPr marL="1371600" algn="l" defTabSz="914400" rtl="0" eaLnBrk="1" latinLnBrk="0" hangingPunct="1">
-              <a:defRPr sz="1800" kern="1200">
-                <a:solidFill>
-                  <a:schemeClr val="tx1"/>
-                </a:solidFill>
-                <a:latin typeface="+mn-lt"/>
-                <a:ea typeface="+mn-ea"/>
-                <a:cs typeface="+mn-cs"/>
-              </a:defRPr>
-            </a:lvl4pPr>
-            <a:lvl5pPr marL="1828800" algn="l" defTabSz="914400" rtl="0" eaLnBrk="1" latinLnBrk="0" hangingPunct="1">
-              <a:defRPr sz="1800" kern="1200">
-                <a:solidFill>
-                  <a:schemeClr val="tx1"/>
-                </a:solidFill>
-                <a:latin typeface="+mn-lt"/>
-                <a:ea typeface="+mn-ea"/>
-                <a:cs typeface="+mn-cs"/>
-              </a:defRPr>
-            </a:lvl5pPr>
-            <a:lvl6pPr marL="2286000" algn="l" defTabSz="914400" rtl="0" eaLnBrk="1" latinLnBrk="0" hangingPunct="1">
-              <a:defRPr sz="1800" kern="1200">
-                <a:solidFill>
-                  <a:schemeClr val="tx1"/>
-                </a:solidFill>
-                <a:latin typeface="+mn-lt"/>
-                <a:ea typeface="+mn-ea"/>
-                <a:cs typeface="+mn-cs"/>
-              </a:defRPr>
-            </a:lvl6pPr>
-            <a:lvl7pPr marL="2743200" algn="l" defTabSz="914400" rtl="0" eaLnBrk="1" latinLnBrk="0" hangingPunct="1">
-              <a:defRPr sz="1800" kern="1200">
-                <a:solidFill>
-                  <a:schemeClr val="tx1"/>
-                </a:solidFill>
-                <a:latin typeface="+mn-lt"/>
-                <a:ea typeface="+mn-ea"/>
-                <a:cs typeface="+mn-cs"/>
-              </a:defRPr>
-            </a:lvl7pPr>
-            <a:lvl8pPr marL="3200400" algn="l" defTabSz="914400" rtl="0" eaLnBrk="1" latinLnBrk="0" hangingPunct="1">
-              <a:defRPr sz="1800" kern="1200">
-                <a:solidFill>
-                  <a:schemeClr val="tx1"/>
-                </a:solidFill>
-                <a:latin typeface="+mn-lt"/>
-                <a:ea typeface="+mn-ea"/>
-                <a:cs typeface="+mn-cs"/>
-              </a:defRPr>
-            </a:lvl8pPr>
-            <a:lvl9pPr marL="3657600" algn="l" defTabSz="914400" rtl="0" eaLnBrk="1" latinLnBrk="0" hangingPunct="1">
-              <a:defRPr sz="1800" kern="1200">
-                <a:solidFill>
-                  <a:schemeClr val="tx1"/>
-                </a:solidFill>
-                <a:latin typeface="+mn-lt"/>
-                <a:ea typeface="+mn-ea"/>
-                <a:cs typeface="+mn-cs"/>
-              </a:defRPr>
-            </a:lvl9pPr>
-          </a:lstStyle>
-          <a:p>
-            <a:pPr algn="l"/>
-            <a:r>
-              <a:rPr lang="en-US" dirty="0"/>
-              <a:t>06 04 220</a:t>
-            </a:r>
-          </a:p>
-        </p:txBody>
-      </p:sp>
-    </p:spTree>
-    <p:extLst>
-      <p:ext uri="{BB962C8B-B14F-4D97-AF65-F5344CB8AC3E}">
-        <p14:creationId xmlns:p14="http://schemas.microsoft.com/office/powerpoint/2010/main" val="1883268242"/>
       </p:ext>
     </p:extLst>
   </p:cSld>

--- a/p_update.pptx
+++ b/p_update.pptx
@@ -278,7 +278,7 @@
           <a:p>
             <a:fld id="{AC0A374C-67DD-7B41-A977-89CB4768BCE6}" type="datetimeFigureOut">
               <a:rPr lang="en-US" smtClean="0"/>
-              <a:t>8/9/2022</a:t>
+              <a:t>8/15/2022</a:t>
             </a:fld>
             <a:endParaRPr lang="en-US"/>
           </a:p>
@@ -476,7 +476,7 @@
           <a:p>
             <a:fld id="{AC0A374C-67DD-7B41-A977-89CB4768BCE6}" type="datetimeFigureOut">
               <a:rPr lang="en-US" smtClean="0"/>
-              <a:t>8/9/2022</a:t>
+              <a:t>8/15/2022</a:t>
             </a:fld>
             <a:endParaRPr lang="en-US"/>
           </a:p>
@@ -684,7 +684,7 @@
           <a:p>
             <a:fld id="{AC0A374C-67DD-7B41-A977-89CB4768BCE6}" type="datetimeFigureOut">
               <a:rPr lang="en-US" smtClean="0"/>
-              <a:t>8/9/2022</a:t>
+              <a:t>8/15/2022</a:t>
             </a:fld>
             <a:endParaRPr lang="en-US"/>
           </a:p>
@@ -882,7 +882,7 @@
           <a:p>
             <a:fld id="{AC0A374C-67DD-7B41-A977-89CB4768BCE6}" type="datetimeFigureOut">
               <a:rPr lang="en-US" smtClean="0"/>
-              <a:t>8/9/2022</a:t>
+              <a:t>8/15/2022</a:t>
             </a:fld>
             <a:endParaRPr lang="en-US"/>
           </a:p>
@@ -1157,7 +1157,7 @@
           <a:p>
             <a:fld id="{AC0A374C-67DD-7B41-A977-89CB4768BCE6}" type="datetimeFigureOut">
               <a:rPr lang="en-US" smtClean="0"/>
-              <a:t>8/9/2022</a:t>
+              <a:t>8/15/2022</a:t>
             </a:fld>
             <a:endParaRPr lang="en-US"/>
           </a:p>
@@ -1422,7 +1422,7 @@
           <a:p>
             <a:fld id="{AC0A374C-67DD-7B41-A977-89CB4768BCE6}" type="datetimeFigureOut">
               <a:rPr lang="en-US" smtClean="0"/>
-              <a:t>8/9/2022</a:t>
+              <a:t>8/15/2022</a:t>
             </a:fld>
             <a:endParaRPr lang="en-US"/>
           </a:p>
@@ -1834,7 +1834,7 @@
           <a:p>
             <a:fld id="{AC0A374C-67DD-7B41-A977-89CB4768BCE6}" type="datetimeFigureOut">
               <a:rPr lang="en-US" smtClean="0"/>
-              <a:t>8/9/2022</a:t>
+              <a:t>8/15/2022</a:t>
             </a:fld>
             <a:endParaRPr lang="en-US"/>
           </a:p>
@@ -1975,7 +1975,7 @@
           <a:p>
             <a:fld id="{AC0A374C-67DD-7B41-A977-89CB4768BCE6}" type="datetimeFigureOut">
               <a:rPr lang="en-US" smtClean="0"/>
-              <a:t>8/9/2022</a:t>
+              <a:t>8/15/2022</a:t>
             </a:fld>
             <a:endParaRPr lang="en-US"/>
           </a:p>
@@ -2088,7 +2088,7 @@
           <a:p>
             <a:fld id="{AC0A374C-67DD-7B41-A977-89CB4768BCE6}" type="datetimeFigureOut">
               <a:rPr lang="en-US" smtClean="0"/>
-              <a:t>8/9/2022</a:t>
+              <a:t>8/15/2022</a:t>
             </a:fld>
             <a:endParaRPr lang="en-US"/>
           </a:p>
@@ -2399,7 +2399,7 @@
           <a:p>
             <a:fld id="{AC0A374C-67DD-7B41-A977-89CB4768BCE6}" type="datetimeFigureOut">
               <a:rPr lang="en-US" smtClean="0"/>
-              <a:t>8/9/2022</a:t>
+              <a:t>8/15/2022</a:t>
             </a:fld>
             <a:endParaRPr lang="en-US"/>
           </a:p>
@@ -2687,7 +2687,7 @@
           <a:p>
             <a:fld id="{AC0A374C-67DD-7B41-A977-89CB4768BCE6}" type="datetimeFigureOut">
               <a:rPr lang="en-US" smtClean="0"/>
-              <a:t>8/9/2022</a:t>
+              <a:t>8/15/2022</a:t>
             </a:fld>
             <a:endParaRPr lang="en-US"/>
           </a:p>
@@ -2928,7 +2928,7 @@
           <a:p>
             <a:fld id="{AC0A374C-67DD-7B41-A977-89CB4768BCE6}" type="datetimeFigureOut">
               <a:rPr lang="en-US" smtClean="0"/>
-              <a:t>8/9/2022</a:t>
+              <a:t>8/15/2022</a:t>
             </a:fld>
             <a:endParaRPr lang="en-US"/>
           </a:p>
@@ -13168,10 +13168,10 @@
       </p:grpSp>
       <p:pic>
         <p:nvPicPr>
-          <p:cNvPr id="1026" name="Picture 2">
+          <p:cNvPr id="9" name="Picture 2">
             <a:extLst>
               <a:ext uri="{FF2B5EF4-FFF2-40B4-BE49-F238E27FC236}">
-                <a16:creationId xmlns:a16="http://schemas.microsoft.com/office/drawing/2014/main" id="{4965F46C-EA8A-F9A7-6036-C00DBF05E2C1}"/>
+                <a16:creationId xmlns:a16="http://schemas.microsoft.com/office/drawing/2014/main" id="{074F9242-E5CE-6E01-912A-3552FBBDEFAD}"/>
               </a:ext>
             </a:extLst>
           </p:cNvPr>
@@ -13195,8 +13195,8 @@
         </p:blipFill>
         <p:spPr bwMode="auto">
           <a:xfrm>
-            <a:off x="8398283" y="498286"/>
-            <a:ext cx="3624801" cy="2797874"/>
+            <a:off x="168914" y="564705"/>
+            <a:ext cx="3624804" cy="2797876"/>
           </a:xfrm>
           <a:prstGeom prst="rect">
             <a:avLst/>
@@ -13215,10 +13215,10 @@
       </p:pic>
       <p:pic>
         <p:nvPicPr>
-          <p:cNvPr id="1028" name="Picture 4">
+          <p:cNvPr id="10" name="Picture 4">
             <a:extLst>
               <a:ext uri="{FF2B5EF4-FFF2-40B4-BE49-F238E27FC236}">
-                <a16:creationId xmlns:a16="http://schemas.microsoft.com/office/drawing/2014/main" id="{FFBC12A2-9AED-1E34-7B05-CC7226541856}"/>
+                <a16:creationId xmlns:a16="http://schemas.microsoft.com/office/drawing/2014/main" id="{383B0670-FA59-F468-D47F-F614749B5D3B}"/>
               </a:ext>
             </a:extLst>
           </p:cNvPr>
@@ -13242,8 +13242,8 @@
         </p:blipFill>
         <p:spPr bwMode="auto">
           <a:xfrm>
-            <a:off x="4283600" y="564707"/>
-            <a:ext cx="3624801" cy="2797874"/>
+            <a:off x="4278941" y="564705"/>
+            <a:ext cx="3624804" cy="2797876"/>
           </a:xfrm>
           <a:prstGeom prst="rect">
             <a:avLst/>
@@ -13262,10 +13262,10 @@
       </p:pic>
       <p:pic>
         <p:nvPicPr>
-          <p:cNvPr id="1030" name="Picture 6">
+          <p:cNvPr id="11" name="Picture 6">
             <a:extLst>
               <a:ext uri="{FF2B5EF4-FFF2-40B4-BE49-F238E27FC236}">
-                <a16:creationId xmlns:a16="http://schemas.microsoft.com/office/drawing/2014/main" id="{6796EFA8-562C-808D-86B5-98BCFDA6D0FF}"/>
+                <a16:creationId xmlns:a16="http://schemas.microsoft.com/office/drawing/2014/main" id="{E2552D86-B51B-D362-B0B2-0444B5E1FA07}"/>
               </a:ext>
             </a:extLst>
           </p:cNvPr>
@@ -13289,8 +13289,8 @@
         </p:blipFill>
         <p:spPr bwMode="auto">
           <a:xfrm>
-            <a:off x="60743" y="572465"/>
-            <a:ext cx="3624801" cy="2797874"/>
+            <a:off x="8398279" y="564704"/>
+            <a:ext cx="3624805" cy="2797877"/>
           </a:xfrm>
           <a:prstGeom prst="rect">
             <a:avLst/>
@@ -13309,10 +13309,10 @@
       </p:pic>
       <p:pic>
         <p:nvPicPr>
-          <p:cNvPr id="1032" name="Picture 8">
+          <p:cNvPr id="12" name="Picture 8">
             <a:extLst>
               <a:ext uri="{FF2B5EF4-FFF2-40B4-BE49-F238E27FC236}">
-                <a16:creationId xmlns:a16="http://schemas.microsoft.com/office/drawing/2014/main" id="{D1ABB392-1A2A-CEEA-152C-0E6BD1583AD3}"/>
+                <a16:creationId xmlns:a16="http://schemas.microsoft.com/office/drawing/2014/main" id="{C871D7AE-308E-BF55-A4A0-504131CB1911}"/>
               </a:ext>
             </a:extLst>
           </p:cNvPr>
@@ -13336,8 +13336,8 @@
         </p:blipFill>
         <p:spPr bwMode="auto">
           <a:xfrm>
-            <a:off x="60743" y="3765547"/>
-            <a:ext cx="3624803" cy="2797875"/>
+            <a:off x="159601" y="3864751"/>
+            <a:ext cx="3624805" cy="2797877"/>
           </a:xfrm>
           <a:prstGeom prst="rect">
             <a:avLst/>
@@ -13356,10 +13356,10 @@
       </p:pic>
       <p:pic>
         <p:nvPicPr>
-          <p:cNvPr id="1034" name="Picture 10">
+          <p:cNvPr id="13" name="Picture 10">
             <a:extLst>
               <a:ext uri="{FF2B5EF4-FFF2-40B4-BE49-F238E27FC236}">
-                <a16:creationId xmlns:a16="http://schemas.microsoft.com/office/drawing/2014/main" id="{2C261A44-0BBF-489D-2C05-C58982AB5863}"/>
+                <a16:creationId xmlns:a16="http://schemas.microsoft.com/office/drawing/2014/main" id="{3FC378DB-CB59-AF06-DDD1-62B6D69202BE}"/>
               </a:ext>
             </a:extLst>
           </p:cNvPr>
@@ -13383,8 +13383,8 @@
         </p:blipFill>
         <p:spPr bwMode="auto">
           <a:xfrm>
-            <a:off x="4278942" y="3765546"/>
-            <a:ext cx="3624803" cy="2797875"/>
+            <a:off x="4278939" y="3864750"/>
+            <a:ext cx="3624806" cy="2797878"/>
           </a:xfrm>
           <a:prstGeom prst="rect">
             <a:avLst/>
@@ -13403,10 +13403,10 @@
       </p:pic>
       <p:pic>
         <p:nvPicPr>
-          <p:cNvPr id="1038" name="Picture 14">
+          <p:cNvPr id="1036" name="Picture 12">
             <a:extLst>
               <a:ext uri="{FF2B5EF4-FFF2-40B4-BE49-F238E27FC236}">
-                <a16:creationId xmlns:a16="http://schemas.microsoft.com/office/drawing/2014/main" id="{B59D771F-D35A-216F-5C3B-C0FA0D314375}"/>
+                <a16:creationId xmlns:a16="http://schemas.microsoft.com/office/drawing/2014/main" id="{5C2EB1A8-427C-3ACB-5F81-5B0FCA53BFAF}"/>
               </a:ext>
             </a:extLst>
           </p:cNvPr>
@@ -13430,8 +13430,8 @@
         </p:blipFill>
         <p:spPr bwMode="auto">
           <a:xfrm>
-            <a:off x="8398281" y="3765546"/>
-            <a:ext cx="3624803" cy="2797875"/>
+            <a:off x="8407595" y="3864752"/>
+            <a:ext cx="3624804" cy="2797876"/>
           </a:xfrm>
           <a:prstGeom prst="rect">
             <a:avLst/>

--- a/p_update.pptx
+++ b/p_update.pptx
@@ -278,7 +278,7 @@
           <a:p>
             <a:fld id="{AC0A374C-67DD-7B41-A977-89CB4768BCE6}" type="datetimeFigureOut">
               <a:rPr lang="en-US" smtClean="0"/>
-              <a:t>8/15/2022</a:t>
+              <a:t>8/22/2022</a:t>
             </a:fld>
             <a:endParaRPr lang="en-US"/>
           </a:p>
@@ -476,7 +476,7 @@
           <a:p>
             <a:fld id="{AC0A374C-67DD-7B41-A977-89CB4768BCE6}" type="datetimeFigureOut">
               <a:rPr lang="en-US" smtClean="0"/>
-              <a:t>8/15/2022</a:t>
+              <a:t>8/22/2022</a:t>
             </a:fld>
             <a:endParaRPr lang="en-US"/>
           </a:p>
@@ -684,7 +684,7 @@
           <a:p>
             <a:fld id="{AC0A374C-67DD-7B41-A977-89CB4768BCE6}" type="datetimeFigureOut">
               <a:rPr lang="en-US" smtClean="0"/>
-              <a:t>8/15/2022</a:t>
+              <a:t>8/22/2022</a:t>
             </a:fld>
             <a:endParaRPr lang="en-US"/>
           </a:p>
@@ -882,7 +882,7 @@
           <a:p>
             <a:fld id="{AC0A374C-67DD-7B41-A977-89CB4768BCE6}" type="datetimeFigureOut">
               <a:rPr lang="en-US" smtClean="0"/>
-              <a:t>8/15/2022</a:t>
+              <a:t>8/22/2022</a:t>
             </a:fld>
             <a:endParaRPr lang="en-US"/>
           </a:p>
@@ -1157,7 +1157,7 @@
           <a:p>
             <a:fld id="{AC0A374C-67DD-7B41-A977-89CB4768BCE6}" type="datetimeFigureOut">
               <a:rPr lang="en-US" smtClean="0"/>
-              <a:t>8/15/2022</a:t>
+              <a:t>8/22/2022</a:t>
             </a:fld>
             <a:endParaRPr lang="en-US"/>
           </a:p>
@@ -1422,7 +1422,7 @@
           <a:p>
             <a:fld id="{AC0A374C-67DD-7B41-A977-89CB4768BCE6}" type="datetimeFigureOut">
               <a:rPr lang="en-US" smtClean="0"/>
-              <a:t>8/15/2022</a:t>
+              <a:t>8/22/2022</a:t>
             </a:fld>
             <a:endParaRPr lang="en-US"/>
           </a:p>
@@ -1834,7 +1834,7 @@
           <a:p>
             <a:fld id="{AC0A374C-67DD-7B41-A977-89CB4768BCE6}" type="datetimeFigureOut">
               <a:rPr lang="en-US" smtClean="0"/>
-              <a:t>8/15/2022</a:t>
+              <a:t>8/22/2022</a:t>
             </a:fld>
             <a:endParaRPr lang="en-US"/>
           </a:p>
@@ -1975,7 +1975,7 @@
           <a:p>
             <a:fld id="{AC0A374C-67DD-7B41-A977-89CB4768BCE6}" type="datetimeFigureOut">
               <a:rPr lang="en-US" smtClean="0"/>
-              <a:t>8/15/2022</a:t>
+              <a:t>8/22/2022</a:t>
             </a:fld>
             <a:endParaRPr lang="en-US"/>
           </a:p>
@@ -2088,7 +2088,7 @@
           <a:p>
             <a:fld id="{AC0A374C-67DD-7B41-A977-89CB4768BCE6}" type="datetimeFigureOut">
               <a:rPr lang="en-US" smtClean="0"/>
-              <a:t>8/15/2022</a:t>
+              <a:t>8/22/2022</a:t>
             </a:fld>
             <a:endParaRPr lang="en-US"/>
           </a:p>
@@ -2399,7 +2399,7 @@
           <a:p>
             <a:fld id="{AC0A374C-67DD-7B41-A977-89CB4768BCE6}" type="datetimeFigureOut">
               <a:rPr lang="en-US" smtClean="0"/>
-              <a:t>8/15/2022</a:t>
+              <a:t>8/22/2022</a:t>
             </a:fld>
             <a:endParaRPr lang="en-US"/>
           </a:p>
@@ -2687,7 +2687,7 @@
           <a:p>
             <a:fld id="{AC0A374C-67DD-7B41-A977-89CB4768BCE6}" type="datetimeFigureOut">
               <a:rPr lang="en-US" smtClean="0"/>
-              <a:t>8/15/2022</a:t>
+              <a:t>8/22/2022</a:t>
             </a:fld>
             <a:endParaRPr lang="en-US"/>
           </a:p>
@@ -2928,7 +2928,7 @@
           <a:p>
             <a:fld id="{AC0A374C-67DD-7B41-A977-89CB4768BCE6}" type="datetimeFigureOut">
               <a:rPr lang="en-US" smtClean="0"/>
-              <a:t>8/15/2022</a:t>
+              <a:t>8/22/2022</a:t>
             </a:fld>
             <a:endParaRPr lang="en-US"/>
           </a:p>
@@ -13168,10 +13168,10 @@
       </p:grpSp>
       <p:pic>
         <p:nvPicPr>
-          <p:cNvPr id="9" name="Picture 2">
+          <p:cNvPr id="1026" name="Picture 2">
             <a:extLst>
               <a:ext uri="{FF2B5EF4-FFF2-40B4-BE49-F238E27FC236}">
-                <a16:creationId xmlns:a16="http://schemas.microsoft.com/office/drawing/2014/main" id="{074F9242-E5CE-6E01-912A-3552FBBDEFAD}"/>
+                <a16:creationId xmlns:a16="http://schemas.microsoft.com/office/drawing/2014/main" id="{5277AB63-B192-F333-7501-FC00FF1EBCAC}"/>
               </a:ext>
             </a:extLst>
           </p:cNvPr>
@@ -13195,8 +13195,8 @@
         </p:blipFill>
         <p:spPr bwMode="auto">
           <a:xfrm>
-            <a:off x="168914" y="564705"/>
-            <a:ext cx="3624804" cy="2797876"/>
+            <a:off x="8407595" y="564704"/>
+            <a:ext cx="3624806" cy="2797878"/>
           </a:xfrm>
           <a:prstGeom prst="rect">
             <a:avLst/>
@@ -13215,10 +13215,10 @@
       </p:pic>
       <p:pic>
         <p:nvPicPr>
-          <p:cNvPr id="10" name="Picture 4">
+          <p:cNvPr id="1028" name="Picture 4">
             <a:extLst>
               <a:ext uri="{FF2B5EF4-FFF2-40B4-BE49-F238E27FC236}">
-                <a16:creationId xmlns:a16="http://schemas.microsoft.com/office/drawing/2014/main" id="{383B0670-FA59-F468-D47F-F614749B5D3B}"/>
+                <a16:creationId xmlns:a16="http://schemas.microsoft.com/office/drawing/2014/main" id="{6B88AAC1-DC07-10E0-8770-5138BDFB51F4}"/>
               </a:ext>
             </a:extLst>
           </p:cNvPr>
@@ -13242,54 +13242,7 @@
         </p:blipFill>
         <p:spPr bwMode="auto">
           <a:xfrm>
-            <a:off x="4278941" y="564705"/>
-            <a:ext cx="3624804" cy="2797876"/>
-          </a:xfrm>
-          <a:prstGeom prst="rect">
-            <a:avLst/>
-          </a:prstGeom>
-          <a:noFill/>
-          <a:extLst>
-            <a:ext uri="{909E8E84-426E-40DD-AFC4-6F175D3DCCD1}">
-              <a14:hiddenFill xmlns:a14="http://schemas.microsoft.com/office/drawing/2010/main">
-                <a:solidFill>
-                  <a:srgbClr val="FFFFFF"/>
-                </a:solidFill>
-              </a14:hiddenFill>
-            </a:ext>
-          </a:extLst>
-        </p:spPr>
-      </p:pic>
-      <p:pic>
-        <p:nvPicPr>
-          <p:cNvPr id="11" name="Picture 6">
-            <a:extLst>
-              <a:ext uri="{FF2B5EF4-FFF2-40B4-BE49-F238E27FC236}">
-                <a16:creationId xmlns:a16="http://schemas.microsoft.com/office/drawing/2014/main" id="{E2552D86-B51B-D362-B0B2-0444B5E1FA07}"/>
-              </a:ext>
-            </a:extLst>
-          </p:cNvPr>
-          <p:cNvPicPr>
-            <a:picLocks noChangeAspect="1" noChangeArrowheads="1"/>
-          </p:cNvPicPr>
-          <p:nvPr/>
-        </p:nvPicPr>
-        <p:blipFill>
-          <a:blip r:embed="rId4">
-            <a:extLst>
-              <a:ext uri="{28A0092B-C50C-407E-A947-70E740481C1C}">
-                <a14:useLocalDpi xmlns:a14="http://schemas.microsoft.com/office/drawing/2010/main" val="0"/>
-              </a:ext>
-            </a:extLst>
-          </a:blip>
-          <a:srcRect/>
-          <a:stretch>
-            <a:fillRect/>
-          </a:stretch>
-        </p:blipFill>
-        <p:spPr bwMode="auto">
-          <a:xfrm>
-            <a:off x="8398279" y="564704"/>
+            <a:off x="4278939" y="560875"/>
             <a:ext cx="3624805" cy="2797877"/>
           </a:xfrm>
           <a:prstGeom prst="rect">
@@ -13309,10 +13262,57 @@
       </p:pic>
       <p:pic>
         <p:nvPicPr>
-          <p:cNvPr id="12" name="Picture 8">
+          <p:cNvPr id="1030" name="Picture 6">
             <a:extLst>
               <a:ext uri="{FF2B5EF4-FFF2-40B4-BE49-F238E27FC236}">
-                <a16:creationId xmlns:a16="http://schemas.microsoft.com/office/drawing/2014/main" id="{C871D7AE-308E-BF55-A4A0-504131CB1911}"/>
+                <a16:creationId xmlns:a16="http://schemas.microsoft.com/office/drawing/2014/main" id="{85973B54-347E-26F4-1029-5A4986E29787}"/>
+              </a:ext>
+            </a:extLst>
+          </p:cNvPr>
+          <p:cNvPicPr>
+            <a:picLocks noChangeAspect="1" noChangeArrowheads="1"/>
+          </p:cNvPicPr>
+          <p:nvPr/>
+        </p:nvPicPr>
+        <p:blipFill>
+          <a:blip r:embed="rId4">
+            <a:extLst>
+              <a:ext uri="{28A0092B-C50C-407E-A947-70E740481C1C}">
+                <a14:useLocalDpi xmlns:a14="http://schemas.microsoft.com/office/drawing/2010/main" val="0"/>
+              </a:ext>
+            </a:extLst>
+          </a:blip>
+          <a:srcRect/>
+          <a:stretch>
+            <a:fillRect/>
+          </a:stretch>
+        </p:blipFill>
+        <p:spPr bwMode="auto">
+          <a:xfrm>
+            <a:off x="159599" y="560873"/>
+            <a:ext cx="3624808" cy="2797879"/>
+          </a:xfrm>
+          <a:prstGeom prst="rect">
+            <a:avLst/>
+          </a:prstGeom>
+          <a:noFill/>
+          <a:extLst>
+            <a:ext uri="{909E8E84-426E-40DD-AFC4-6F175D3DCCD1}">
+              <a14:hiddenFill xmlns:a14="http://schemas.microsoft.com/office/drawing/2010/main">
+                <a:solidFill>
+                  <a:srgbClr val="FFFFFF"/>
+                </a:solidFill>
+              </a14:hiddenFill>
+            </a:ext>
+          </a:extLst>
+        </p:spPr>
+      </p:pic>
+      <p:pic>
+        <p:nvPicPr>
+          <p:cNvPr id="1032" name="Picture 8">
+            <a:extLst>
+              <a:ext uri="{FF2B5EF4-FFF2-40B4-BE49-F238E27FC236}">
+                <a16:creationId xmlns:a16="http://schemas.microsoft.com/office/drawing/2014/main" id="{78A61A6F-E24D-D7C0-2897-0D2F6366DE9A}"/>
               </a:ext>
             </a:extLst>
           </p:cNvPr>
@@ -13336,8 +13336,8 @@
         </p:blipFill>
         <p:spPr bwMode="auto">
           <a:xfrm>
-            <a:off x="159601" y="3864751"/>
-            <a:ext cx="3624805" cy="2797877"/>
+            <a:off x="150281" y="3864750"/>
+            <a:ext cx="3624808" cy="2797879"/>
           </a:xfrm>
           <a:prstGeom prst="rect">
             <a:avLst/>
@@ -13356,10 +13356,10 @@
       </p:pic>
       <p:pic>
         <p:nvPicPr>
-          <p:cNvPr id="13" name="Picture 10">
+          <p:cNvPr id="1034" name="Picture 10">
             <a:extLst>
               <a:ext uri="{FF2B5EF4-FFF2-40B4-BE49-F238E27FC236}">
-                <a16:creationId xmlns:a16="http://schemas.microsoft.com/office/drawing/2014/main" id="{3FC378DB-CB59-AF06-DDD1-62B6D69202BE}"/>
+                <a16:creationId xmlns:a16="http://schemas.microsoft.com/office/drawing/2014/main" id="{559B7AE8-BAEF-ACC3-8E8A-2AF73EA879E9}"/>
               </a:ext>
             </a:extLst>
           </p:cNvPr>
@@ -13383,8 +13383,8 @@
         </p:blipFill>
         <p:spPr bwMode="auto">
           <a:xfrm>
-            <a:off x="4278939" y="3864750"/>
-            <a:ext cx="3624806" cy="2797878"/>
+            <a:off x="4278937" y="3878947"/>
+            <a:ext cx="3624809" cy="2797880"/>
           </a:xfrm>
           <a:prstGeom prst="rect">
             <a:avLst/>
@@ -13403,10 +13403,10 @@
       </p:pic>
       <p:pic>
         <p:nvPicPr>
-          <p:cNvPr id="1036" name="Picture 12">
+          <p:cNvPr id="14" name="Picture 12">
             <a:extLst>
               <a:ext uri="{FF2B5EF4-FFF2-40B4-BE49-F238E27FC236}">
-                <a16:creationId xmlns:a16="http://schemas.microsoft.com/office/drawing/2014/main" id="{5C2EB1A8-427C-3ACB-5F81-5B0FCA53BFAF}"/>
+                <a16:creationId xmlns:a16="http://schemas.microsoft.com/office/drawing/2014/main" id="{CD190B77-BFDC-9983-3305-C2B080A9C472}"/>
               </a:ext>
             </a:extLst>
           </p:cNvPr>
@@ -13430,8 +13430,8 @@
         </p:blipFill>
         <p:spPr bwMode="auto">
           <a:xfrm>
-            <a:off x="8407595" y="3864752"/>
-            <a:ext cx="3624804" cy="2797876"/>
+            <a:off x="8407592" y="3878947"/>
+            <a:ext cx="3624809" cy="2797880"/>
           </a:xfrm>
           <a:prstGeom prst="rect">
             <a:avLst/>

--- a/p_update.pptx
+++ b/p_update.pptx
@@ -278,7 +278,7 @@
           <a:p>
             <a:fld id="{AC0A374C-67DD-7B41-A977-89CB4768BCE6}" type="datetimeFigureOut">
               <a:rPr lang="en-US" smtClean="0"/>
-              <a:t>8/22/2022</a:t>
+              <a:t>8/29/2022</a:t>
             </a:fld>
             <a:endParaRPr lang="en-US"/>
           </a:p>
@@ -476,7 +476,7 @@
           <a:p>
             <a:fld id="{AC0A374C-67DD-7B41-A977-89CB4768BCE6}" type="datetimeFigureOut">
               <a:rPr lang="en-US" smtClean="0"/>
-              <a:t>8/22/2022</a:t>
+              <a:t>8/29/2022</a:t>
             </a:fld>
             <a:endParaRPr lang="en-US"/>
           </a:p>
@@ -684,7 +684,7 @@
           <a:p>
             <a:fld id="{AC0A374C-67DD-7B41-A977-89CB4768BCE6}" type="datetimeFigureOut">
               <a:rPr lang="en-US" smtClean="0"/>
-              <a:t>8/22/2022</a:t>
+              <a:t>8/29/2022</a:t>
             </a:fld>
             <a:endParaRPr lang="en-US"/>
           </a:p>
@@ -882,7 +882,7 @@
           <a:p>
             <a:fld id="{AC0A374C-67DD-7B41-A977-89CB4768BCE6}" type="datetimeFigureOut">
               <a:rPr lang="en-US" smtClean="0"/>
-              <a:t>8/22/2022</a:t>
+              <a:t>8/29/2022</a:t>
             </a:fld>
             <a:endParaRPr lang="en-US"/>
           </a:p>
@@ -1157,7 +1157,7 @@
           <a:p>
             <a:fld id="{AC0A374C-67DD-7B41-A977-89CB4768BCE6}" type="datetimeFigureOut">
               <a:rPr lang="en-US" smtClean="0"/>
-              <a:t>8/22/2022</a:t>
+              <a:t>8/29/2022</a:t>
             </a:fld>
             <a:endParaRPr lang="en-US"/>
           </a:p>
@@ -1422,7 +1422,7 @@
           <a:p>
             <a:fld id="{AC0A374C-67DD-7B41-A977-89CB4768BCE6}" type="datetimeFigureOut">
               <a:rPr lang="en-US" smtClean="0"/>
-              <a:t>8/22/2022</a:t>
+              <a:t>8/29/2022</a:t>
             </a:fld>
             <a:endParaRPr lang="en-US"/>
           </a:p>
@@ -1834,7 +1834,7 @@
           <a:p>
             <a:fld id="{AC0A374C-67DD-7B41-A977-89CB4768BCE6}" type="datetimeFigureOut">
               <a:rPr lang="en-US" smtClean="0"/>
-              <a:t>8/22/2022</a:t>
+              <a:t>8/29/2022</a:t>
             </a:fld>
             <a:endParaRPr lang="en-US"/>
           </a:p>
@@ -1975,7 +1975,7 @@
           <a:p>
             <a:fld id="{AC0A374C-67DD-7B41-A977-89CB4768BCE6}" type="datetimeFigureOut">
               <a:rPr lang="en-US" smtClean="0"/>
-              <a:t>8/22/2022</a:t>
+              <a:t>8/29/2022</a:t>
             </a:fld>
             <a:endParaRPr lang="en-US"/>
           </a:p>
@@ -2088,7 +2088,7 @@
           <a:p>
             <a:fld id="{AC0A374C-67DD-7B41-A977-89CB4768BCE6}" type="datetimeFigureOut">
               <a:rPr lang="en-US" smtClean="0"/>
-              <a:t>8/22/2022</a:t>
+              <a:t>8/29/2022</a:t>
             </a:fld>
             <a:endParaRPr lang="en-US"/>
           </a:p>
@@ -2399,7 +2399,7 @@
           <a:p>
             <a:fld id="{AC0A374C-67DD-7B41-A977-89CB4768BCE6}" type="datetimeFigureOut">
               <a:rPr lang="en-US" smtClean="0"/>
-              <a:t>8/22/2022</a:t>
+              <a:t>8/29/2022</a:t>
             </a:fld>
             <a:endParaRPr lang="en-US"/>
           </a:p>
@@ -2687,7 +2687,7 @@
           <a:p>
             <a:fld id="{AC0A374C-67DD-7B41-A977-89CB4768BCE6}" type="datetimeFigureOut">
               <a:rPr lang="en-US" smtClean="0"/>
-              <a:t>8/22/2022</a:t>
+              <a:t>8/29/2022</a:t>
             </a:fld>
             <a:endParaRPr lang="en-US"/>
           </a:p>
@@ -2928,7 +2928,7 @@
           <a:p>
             <a:fld id="{AC0A374C-67DD-7B41-A977-89CB4768BCE6}" type="datetimeFigureOut">
               <a:rPr lang="en-US" smtClean="0"/>
-              <a:t>8/22/2022</a:t>
+              <a:t>8/29/2022</a:t>
             </a:fld>
             <a:endParaRPr lang="en-US"/>
           </a:p>
@@ -13309,10 +13309,10 @@
       </p:pic>
       <p:pic>
         <p:nvPicPr>
-          <p:cNvPr id="1032" name="Picture 8">
+          <p:cNvPr id="9" name="Picture 2">
             <a:extLst>
               <a:ext uri="{FF2B5EF4-FFF2-40B4-BE49-F238E27FC236}">
-                <a16:creationId xmlns:a16="http://schemas.microsoft.com/office/drawing/2014/main" id="{78A61A6F-E24D-D7C0-2897-0D2F6366DE9A}"/>
+                <a16:creationId xmlns:a16="http://schemas.microsoft.com/office/drawing/2014/main" id="{F37476A4-BEE8-9FC5-24F6-3D4E40533821}"/>
               </a:ext>
             </a:extLst>
           </p:cNvPr>
@@ -13323,100 +13323,6 @@
         </p:nvPicPr>
         <p:blipFill>
           <a:blip r:embed="rId5">
-            <a:extLst>
-              <a:ext uri="{28A0092B-C50C-407E-A947-70E740481C1C}">
-                <a14:useLocalDpi xmlns:a14="http://schemas.microsoft.com/office/drawing/2010/main" val="0"/>
-              </a:ext>
-            </a:extLst>
-          </a:blip>
-          <a:srcRect/>
-          <a:stretch>
-            <a:fillRect/>
-          </a:stretch>
-        </p:blipFill>
-        <p:spPr bwMode="auto">
-          <a:xfrm>
-            <a:off x="150281" y="3864750"/>
-            <a:ext cx="3624808" cy="2797879"/>
-          </a:xfrm>
-          <a:prstGeom prst="rect">
-            <a:avLst/>
-          </a:prstGeom>
-          <a:noFill/>
-          <a:extLst>
-            <a:ext uri="{909E8E84-426E-40DD-AFC4-6F175D3DCCD1}">
-              <a14:hiddenFill xmlns:a14="http://schemas.microsoft.com/office/drawing/2010/main">
-                <a:solidFill>
-                  <a:srgbClr val="FFFFFF"/>
-                </a:solidFill>
-              </a14:hiddenFill>
-            </a:ext>
-          </a:extLst>
-        </p:spPr>
-      </p:pic>
-      <p:pic>
-        <p:nvPicPr>
-          <p:cNvPr id="1034" name="Picture 10">
-            <a:extLst>
-              <a:ext uri="{FF2B5EF4-FFF2-40B4-BE49-F238E27FC236}">
-                <a16:creationId xmlns:a16="http://schemas.microsoft.com/office/drawing/2014/main" id="{559B7AE8-BAEF-ACC3-8E8A-2AF73EA879E9}"/>
-              </a:ext>
-            </a:extLst>
-          </p:cNvPr>
-          <p:cNvPicPr>
-            <a:picLocks noChangeAspect="1" noChangeArrowheads="1"/>
-          </p:cNvPicPr>
-          <p:nvPr/>
-        </p:nvPicPr>
-        <p:blipFill>
-          <a:blip r:embed="rId6">
-            <a:extLst>
-              <a:ext uri="{28A0092B-C50C-407E-A947-70E740481C1C}">
-                <a14:useLocalDpi xmlns:a14="http://schemas.microsoft.com/office/drawing/2010/main" val="0"/>
-              </a:ext>
-            </a:extLst>
-          </a:blip>
-          <a:srcRect/>
-          <a:stretch>
-            <a:fillRect/>
-          </a:stretch>
-        </p:blipFill>
-        <p:spPr bwMode="auto">
-          <a:xfrm>
-            <a:off x="4278937" y="3878947"/>
-            <a:ext cx="3624809" cy="2797880"/>
-          </a:xfrm>
-          <a:prstGeom prst="rect">
-            <a:avLst/>
-          </a:prstGeom>
-          <a:noFill/>
-          <a:extLst>
-            <a:ext uri="{909E8E84-426E-40DD-AFC4-6F175D3DCCD1}">
-              <a14:hiddenFill xmlns:a14="http://schemas.microsoft.com/office/drawing/2010/main">
-                <a:solidFill>
-                  <a:srgbClr val="FFFFFF"/>
-                </a:solidFill>
-              </a14:hiddenFill>
-            </a:ext>
-          </a:extLst>
-        </p:spPr>
-      </p:pic>
-      <p:pic>
-        <p:nvPicPr>
-          <p:cNvPr id="14" name="Picture 12">
-            <a:extLst>
-              <a:ext uri="{FF2B5EF4-FFF2-40B4-BE49-F238E27FC236}">
-                <a16:creationId xmlns:a16="http://schemas.microsoft.com/office/drawing/2014/main" id="{CD190B77-BFDC-9983-3305-C2B080A9C472}"/>
-              </a:ext>
-            </a:extLst>
-          </p:cNvPr>
-          <p:cNvPicPr>
-            <a:picLocks noChangeAspect="1" noChangeArrowheads="1"/>
-          </p:cNvPicPr>
-          <p:nvPr/>
-        </p:nvPicPr>
-        <p:blipFill>
-          <a:blip r:embed="rId7">
             <a:extLst>
               <a:ext uri="{28A0092B-C50C-407E-A947-70E740481C1C}">
                 <a14:useLocalDpi xmlns:a14="http://schemas.microsoft.com/office/drawing/2010/main" val="0"/>
@@ -13432,6 +13338,147 @@
           <a:xfrm>
             <a:off x="8407592" y="3878947"/>
             <a:ext cx="3624809" cy="2797880"/>
+          </a:xfrm>
+          <a:prstGeom prst="rect">
+            <a:avLst/>
+          </a:prstGeom>
+          <a:noFill/>
+          <a:extLst>
+            <a:ext uri="{909E8E84-426E-40DD-AFC4-6F175D3DCCD1}">
+              <a14:hiddenFill xmlns:a14="http://schemas.microsoft.com/office/drawing/2010/main">
+                <a:solidFill>
+                  <a:srgbClr val="FFFFFF"/>
+                </a:solidFill>
+              </a14:hiddenFill>
+            </a:ext>
+          </a:extLst>
+        </p:spPr>
+      </p:pic>
+      <p:pic>
+        <p:nvPicPr>
+          <p:cNvPr id="10" name="Picture 4">
+            <a:extLst>
+              <a:ext uri="{FF2B5EF4-FFF2-40B4-BE49-F238E27FC236}">
+                <a16:creationId xmlns:a16="http://schemas.microsoft.com/office/drawing/2014/main" id="{80FD7FBA-25FD-E1F0-B0F2-725D2C4FBF6B}"/>
+              </a:ext>
+            </a:extLst>
+          </p:cNvPr>
+          <p:cNvPicPr>
+            <a:picLocks noChangeAspect="1" noChangeArrowheads="1"/>
+          </p:cNvPicPr>
+          <p:nvPr/>
+        </p:nvPicPr>
+        <p:blipFill>
+          <a:blip r:embed="rId6">
+            <a:extLst>
+              <a:ext uri="{28A0092B-C50C-407E-A947-70E740481C1C}">
+                <a14:useLocalDpi xmlns:a14="http://schemas.microsoft.com/office/drawing/2010/main" val="0"/>
+              </a:ext>
+            </a:extLst>
+          </a:blip>
+          <a:srcRect/>
+          <a:stretch>
+            <a:fillRect/>
+          </a:stretch>
+        </p:blipFill>
+        <p:spPr bwMode="auto">
+          <a:xfrm>
+            <a:off x="4278935" y="3864749"/>
+            <a:ext cx="3624809" cy="2797880"/>
+          </a:xfrm>
+          <a:prstGeom prst="rect">
+            <a:avLst/>
+          </a:prstGeom>
+          <a:noFill/>
+          <a:extLst>
+            <a:ext uri="{909E8E84-426E-40DD-AFC4-6F175D3DCCD1}">
+              <a14:hiddenFill xmlns:a14="http://schemas.microsoft.com/office/drawing/2010/main">
+                <a:solidFill>
+                  <a:srgbClr val="FFFFFF"/>
+                </a:solidFill>
+              </a14:hiddenFill>
+            </a:ext>
+          </a:extLst>
+        </p:spPr>
+      </p:pic>
+      <p:pic>
+        <p:nvPicPr>
+          <p:cNvPr id="11" name="Picture 6">
+            <a:extLst>
+              <a:ext uri="{FF2B5EF4-FFF2-40B4-BE49-F238E27FC236}">
+                <a16:creationId xmlns:a16="http://schemas.microsoft.com/office/drawing/2014/main" id="{5422EABA-411A-FC2E-1940-CE40DAFE2714}"/>
+              </a:ext>
+            </a:extLst>
+          </p:cNvPr>
+          <p:cNvPicPr>
+            <a:picLocks noChangeAspect="1" noChangeArrowheads="1"/>
+          </p:cNvPicPr>
+          <p:nvPr/>
+        </p:nvPicPr>
+        <p:blipFill>
+          <a:blip r:embed="rId7">
+            <a:extLst>
+              <a:ext uri="{28A0092B-C50C-407E-A947-70E740481C1C}">
+                <a14:useLocalDpi xmlns:a14="http://schemas.microsoft.com/office/drawing/2010/main" val="0"/>
+              </a:ext>
+            </a:extLst>
+          </a:blip>
+          <a:srcRect/>
+          <a:stretch>
+            <a:fillRect/>
+          </a:stretch>
+        </p:blipFill>
+        <p:spPr bwMode="auto">
+          <a:xfrm>
+            <a:off x="150278" y="3885094"/>
+            <a:ext cx="3624809" cy="2797880"/>
+          </a:xfrm>
+          <a:prstGeom prst="rect">
+            <a:avLst/>
+          </a:prstGeom>
+          <a:noFill/>
+          <a:extLst>
+            <a:ext uri="{909E8E84-426E-40DD-AFC4-6F175D3DCCD1}">
+              <a14:hiddenFill xmlns:a14="http://schemas.microsoft.com/office/drawing/2010/main">
+                <a:solidFill>
+                  <a:srgbClr val="FFFFFF"/>
+                </a:solidFill>
+              </a14:hiddenFill>
+            </a:ext>
+          </a:extLst>
+        </p:spPr>
+      </p:pic>
+      <p:pic>
+        <p:nvPicPr>
+          <p:cNvPr id="12" name="Picture 8">
+            <a:extLst>
+              <a:ext uri="{FF2B5EF4-FFF2-40B4-BE49-F238E27FC236}">
+                <a16:creationId xmlns:a16="http://schemas.microsoft.com/office/drawing/2014/main" id="{42D43B97-3E96-6E09-BD3C-907C23665BA3}"/>
+              </a:ext>
+            </a:extLst>
+          </p:cNvPr>
+          <p:cNvPicPr>
+            <a:picLocks noChangeAspect="1" noChangeArrowheads="1"/>
+          </p:cNvPicPr>
+          <p:nvPr/>
+        </p:nvPicPr>
+        <p:blipFill>
+          <a:blip r:embed="rId8">
+            <a:extLst>
+              <a:ext uri="{28A0092B-C50C-407E-A947-70E740481C1C}">
+                <a14:useLocalDpi xmlns:a14="http://schemas.microsoft.com/office/drawing/2010/main" val="0"/>
+              </a:ext>
+            </a:extLst>
+          </a:blip>
+          <a:srcRect/>
+          <a:stretch>
+            <a:fillRect/>
+          </a:stretch>
+        </p:blipFill>
+        <p:spPr bwMode="auto">
+          <a:xfrm>
+            <a:off x="529389" y="1215627"/>
+            <a:ext cx="5553075" cy="4286250"/>
           </a:xfrm>
           <a:prstGeom prst="rect">
             <a:avLst/>

--- a/p_update.pptx
+++ b/p_update.pptx
@@ -13403,10 +13403,10 @@
       </p:pic>
       <p:pic>
         <p:nvPicPr>
-          <p:cNvPr id="11" name="Picture 6">
+          <p:cNvPr id="12" name="Picture 8">
             <a:extLst>
               <a:ext uri="{FF2B5EF4-FFF2-40B4-BE49-F238E27FC236}">
-                <a16:creationId xmlns:a16="http://schemas.microsoft.com/office/drawing/2014/main" id="{5422EABA-411A-FC2E-1940-CE40DAFE2714}"/>
+                <a16:creationId xmlns:a16="http://schemas.microsoft.com/office/drawing/2014/main" id="{42D43B97-3E96-6E09-BD3C-907C23665BA3}"/>
               </a:ext>
             </a:extLst>
           </p:cNvPr>
@@ -13430,55 +13430,8 @@
         </p:blipFill>
         <p:spPr bwMode="auto">
           <a:xfrm>
-            <a:off x="150278" y="3885094"/>
-            <a:ext cx="3624809" cy="2797880"/>
-          </a:xfrm>
-          <a:prstGeom prst="rect">
-            <a:avLst/>
-          </a:prstGeom>
-          <a:noFill/>
-          <a:extLst>
-            <a:ext uri="{909E8E84-426E-40DD-AFC4-6F175D3DCCD1}">
-              <a14:hiddenFill xmlns:a14="http://schemas.microsoft.com/office/drawing/2010/main">
-                <a:solidFill>
-                  <a:srgbClr val="FFFFFF"/>
-                </a:solidFill>
-              </a14:hiddenFill>
-            </a:ext>
-          </a:extLst>
-        </p:spPr>
-      </p:pic>
-      <p:pic>
-        <p:nvPicPr>
-          <p:cNvPr id="12" name="Picture 8">
-            <a:extLst>
-              <a:ext uri="{FF2B5EF4-FFF2-40B4-BE49-F238E27FC236}">
-                <a16:creationId xmlns:a16="http://schemas.microsoft.com/office/drawing/2014/main" id="{42D43B97-3E96-6E09-BD3C-907C23665BA3}"/>
-              </a:ext>
-            </a:extLst>
-          </p:cNvPr>
-          <p:cNvPicPr>
-            <a:picLocks noChangeAspect="1" noChangeArrowheads="1"/>
-          </p:cNvPicPr>
-          <p:nvPr/>
-        </p:nvPicPr>
-        <p:blipFill>
-          <a:blip r:embed="rId8">
-            <a:extLst>
-              <a:ext uri="{28A0092B-C50C-407E-A947-70E740481C1C}">
-                <a14:useLocalDpi xmlns:a14="http://schemas.microsoft.com/office/drawing/2010/main" val="0"/>
-              </a:ext>
-            </a:extLst>
-          </a:blip>
-          <a:srcRect/>
-          <a:stretch>
-            <a:fillRect/>
-          </a:stretch>
-        </p:blipFill>
-        <p:spPr bwMode="auto">
-          <a:xfrm>
-            <a:off x="529389" y="1215627"/>
-            <a:ext cx="5553075" cy="4286250"/>
+            <a:off x="65100" y="3791809"/>
+            <a:ext cx="3719307" cy="2870820"/>
           </a:xfrm>
           <a:prstGeom prst="rect">
             <a:avLst/>

--- a/p_update.pptx
+++ b/p_update.pptx
@@ -278,7 +278,7 @@
           <a:p>
             <a:fld id="{AC0A374C-67DD-7B41-A977-89CB4768BCE6}" type="datetimeFigureOut">
               <a:rPr lang="en-US" smtClean="0"/>
-              <a:t>8/29/2022</a:t>
+              <a:t>9/1/2022</a:t>
             </a:fld>
             <a:endParaRPr lang="en-US"/>
           </a:p>
@@ -476,7 +476,7 @@
           <a:p>
             <a:fld id="{AC0A374C-67DD-7B41-A977-89CB4768BCE6}" type="datetimeFigureOut">
               <a:rPr lang="en-US" smtClean="0"/>
-              <a:t>8/29/2022</a:t>
+              <a:t>9/1/2022</a:t>
             </a:fld>
             <a:endParaRPr lang="en-US"/>
           </a:p>
@@ -684,7 +684,7 @@
           <a:p>
             <a:fld id="{AC0A374C-67DD-7B41-A977-89CB4768BCE6}" type="datetimeFigureOut">
               <a:rPr lang="en-US" smtClean="0"/>
-              <a:t>8/29/2022</a:t>
+              <a:t>9/1/2022</a:t>
             </a:fld>
             <a:endParaRPr lang="en-US"/>
           </a:p>
@@ -882,7 +882,7 @@
           <a:p>
             <a:fld id="{AC0A374C-67DD-7B41-A977-89CB4768BCE6}" type="datetimeFigureOut">
               <a:rPr lang="en-US" smtClean="0"/>
-              <a:t>8/29/2022</a:t>
+              <a:t>9/1/2022</a:t>
             </a:fld>
             <a:endParaRPr lang="en-US"/>
           </a:p>
@@ -1157,7 +1157,7 @@
           <a:p>
             <a:fld id="{AC0A374C-67DD-7B41-A977-89CB4768BCE6}" type="datetimeFigureOut">
               <a:rPr lang="en-US" smtClean="0"/>
-              <a:t>8/29/2022</a:t>
+              <a:t>9/1/2022</a:t>
             </a:fld>
             <a:endParaRPr lang="en-US"/>
           </a:p>
@@ -1422,7 +1422,7 @@
           <a:p>
             <a:fld id="{AC0A374C-67DD-7B41-A977-89CB4768BCE6}" type="datetimeFigureOut">
               <a:rPr lang="en-US" smtClean="0"/>
-              <a:t>8/29/2022</a:t>
+              <a:t>9/1/2022</a:t>
             </a:fld>
             <a:endParaRPr lang="en-US"/>
           </a:p>
@@ -1834,7 +1834,7 @@
           <a:p>
             <a:fld id="{AC0A374C-67DD-7B41-A977-89CB4768BCE6}" type="datetimeFigureOut">
               <a:rPr lang="en-US" smtClean="0"/>
-              <a:t>8/29/2022</a:t>
+              <a:t>9/1/2022</a:t>
             </a:fld>
             <a:endParaRPr lang="en-US"/>
           </a:p>
@@ -1975,7 +1975,7 @@
           <a:p>
             <a:fld id="{AC0A374C-67DD-7B41-A977-89CB4768BCE6}" type="datetimeFigureOut">
               <a:rPr lang="en-US" smtClean="0"/>
-              <a:t>8/29/2022</a:t>
+              <a:t>9/1/2022</a:t>
             </a:fld>
             <a:endParaRPr lang="en-US"/>
           </a:p>
@@ -2088,7 +2088,7 @@
           <a:p>
             <a:fld id="{AC0A374C-67DD-7B41-A977-89CB4768BCE6}" type="datetimeFigureOut">
               <a:rPr lang="en-US" smtClean="0"/>
-              <a:t>8/29/2022</a:t>
+              <a:t>9/1/2022</a:t>
             </a:fld>
             <a:endParaRPr lang="en-US"/>
           </a:p>
@@ -2399,7 +2399,7 @@
           <a:p>
             <a:fld id="{AC0A374C-67DD-7B41-A977-89CB4768BCE6}" type="datetimeFigureOut">
               <a:rPr lang="en-US" smtClean="0"/>
-              <a:t>8/29/2022</a:t>
+              <a:t>9/1/2022</a:t>
             </a:fld>
             <a:endParaRPr lang="en-US"/>
           </a:p>
@@ -2687,7 +2687,7 @@
           <a:p>
             <a:fld id="{AC0A374C-67DD-7B41-A977-89CB4768BCE6}" type="datetimeFigureOut">
               <a:rPr lang="en-US" smtClean="0"/>
-              <a:t>8/29/2022</a:t>
+              <a:t>9/1/2022</a:t>
             </a:fld>
             <a:endParaRPr lang="en-US"/>
           </a:p>
@@ -2928,7 +2928,7 @@
           <a:p>
             <a:fld id="{AC0A374C-67DD-7B41-A977-89CB4768BCE6}" type="datetimeFigureOut">
               <a:rPr lang="en-US" smtClean="0"/>
-              <a:t>8/29/2022</a:t>
+              <a:t>9/1/2022</a:t>
             </a:fld>
             <a:endParaRPr lang="en-US"/>
           </a:p>

--- a/p_update.pptx
+++ b/p_update.pptx
@@ -6,25 +6,28 @@
   </p:sldMasterIdLst>
   <p:sldIdLst>
     <p:sldId id="256" r:id="rId2"/>
-    <p:sldId id="257" r:id="rId3"/>
-    <p:sldId id="258" r:id="rId4"/>
-    <p:sldId id="259" r:id="rId5"/>
-    <p:sldId id="260" r:id="rId6"/>
-    <p:sldId id="261" r:id="rId7"/>
-    <p:sldId id="262" r:id="rId8"/>
-    <p:sldId id="263" r:id="rId9"/>
-    <p:sldId id="264" r:id="rId10"/>
-    <p:sldId id="265" r:id="rId11"/>
-    <p:sldId id="266" r:id="rId12"/>
-    <p:sldId id="267" r:id="rId13"/>
-    <p:sldId id="268" r:id="rId14"/>
-    <p:sldId id="269" r:id="rId15"/>
-    <p:sldId id="271" r:id="rId16"/>
-    <p:sldId id="272" r:id="rId17"/>
-    <p:sldId id="273" r:id="rId18"/>
-    <p:sldId id="276" r:id="rId19"/>
-    <p:sldId id="274" r:id="rId20"/>
-    <p:sldId id="275" r:id="rId21"/>
+    <p:sldId id="277" r:id="rId3"/>
+    <p:sldId id="300" r:id="rId4"/>
+    <p:sldId id="301" r:id="rId5"/>
+    <p:sldId id="257" r:id="rId6"/>
+    <p:sldId id="258" r:id="rId7"/>
+    <p:sldId id="259" r:id="rId8"/>
+    <p:sldId id="260" r:id="rId9"/>
+    <p:sldId id="261" r:id="rId10"/>
+    <p:sldId id="262" r:id="rId11"/>
+    <p:sldId id="263" r:id="rId12"/>
+    <p:sldId id="264" r:id="rId13"/>
+    <p:sldId id="265" r:id="rId14"/>
+    <p:sldId id="266" r:id="rId15"/>
+    <p:sldId id="267" r:id="rId16"/>
+    <p:sldId id="268" r:id="rId17"/>
+    <p:sldId id="269" r:id="rId18"/>
+    <p:sldId id="271" r:id="rId19"/>
+    <p:sldId id="272" r:id="rId20"/>
+    <p:sldId id="273" r:id="rId21"/>
+    <p:sldId id="276" r:id="rId22"/>
+    <p:sldId id="274" r:id="rId23"/>
+    <p:sldId id="275" r:id="rId24"/>
   </p:sldIdLst>
   <p:sldSz cx="12192000" cy="6858000"/>
   <p:notesSz cx="6858000" cy="9144000"/>
@@ -278,7 +281,7 @@
           <a:p>
             <a:fld id="{AC0A374C-67DD-7B41-A977-89CB4768BCE6}" type="datetimeFigureOut">
               <a:rPr lang="en-US" smtClean="0"/>
-              <a:t>9/1/2022</a:t>
+              <a:t>9/23/2022</a:t>
             </a:fld>
             <a:endParaRPr lang="en-US"/>
           </a:p>
@@ -476,7 +479,7 @@
           <a:p>
             <a:fld id="{AC0A374C-67DD-7B41-A977-89CB4768BCE6}" type="datetimeFigureOut">
               <a:rPr lang="en-US" smtClean="0"/>
-              <a:t>9/1/2022</a:t>
+              <a:t>9/23/2022</a:t>
             </a:fld>
             <a:endParaRPr lang="en-US"/>
           </a:p>
@@ -684,7 +687,7 @@
           <a:p>
             <a:fld id="{AC0A374C-67DD-7B41-A977-89CB4768BCE6}" type="datetimeFigureOut">
               <a:rPr lang="en-US" smtClean="0"/>
-              <a:t>9/1/2022</a:t>
+              <a:t>9/23/2022</a:t>
             </a:fld>
             <a:endParaRPr lang="en-US"/>
           </a:p>
@@ -882,7 +885,7 @@
           <a:p>
             <a:fld id="{AC0A374C-67DD-7B41-A977-89CB4768BCE6}" type="datetimeFigureOut">
               <a:rPr lang="en-US" smtClean="0"/>
-              <a:t>9/1/2022</a:t>
+              <a:t>9/23/2022</a:t>
             </a:fld>
             <a:endParaRPr lang="en-US"/>
           </a:p>
@@ -1157,7 +1160,7 @@
           <a:p>
             <a:fld id="{AC0A374C-67DD-7B41-A977-89CB4768BCE6}" type="datetimeFigureOut">
               <a:rPr lang="en-US" smtClean="0"/>
-              <a:t>9/1/2022</a:t>
+              <a:t>9/23/2022</a:t>
             </a:fld>
             <a:endParaRPr lang="en-US"/>
           </a:p>
@@ -1422,7 +1425,7 @@
           <a:p>
             <a:fld id="{AC0A374C-67DD-7B41-A977-89CB4768BCE6}" type="datetimeFigureOut">
               <a:rPr lang="en-US" smtClean="0"/>
-              <a:t>9/1/2022</a:t>
+              <a:t>9/23/2022</a:t>
             </a:fld>
             <a:endParaRPr lang="en-US"/>
           </a:p>
@@ -1834,7 +1837,7 @@
           <a:p>
             <a:fld id="{AC0A374C-67DD-7B41-A977-89CB4768BCE6}" type="datetimeFigureOut">
               <a:rPr lang="en-US" smtClean="0"/>
-              <a:t>9/1/2022</a:t>
+              <a:t>9/23/2022</a:t>
             </a:fld>
             <a:endParaRPr lang="en-US"/>
           </a:p>
@@ -1975,7 +1978,7 @@
           <a:p>
             <a:fld id="{AC0A374C-67DD-7B41-A977-89CB4768BCE6}" type="datetimeFigureOut">
               <a:rPr lang="en-US" smtClean="0"/>
-              <a:t>9/1/2022</a:t>
+              <a:t>9/23/2022</a:t>
             </a:fld>
             <a:endParaRPr lang="en-US"/>
           </a:p>
@@ -2088,7 +2091,7 @@
           <a:p>
             <a:fld id="{AC0A374C-67DD-7B41-A977-89CB4768BCE6}" type="datetimeFigureOut">
               <a:rPr lang="en-US" smtClean="0"/>
-              <a:t>9/1/2022</a:t>
+              <a:t>9/23/2022</a:t>
             </a:fld>
             <a:endParaRPr lang="en-US"/>
           </a:p>
@@ -2399,7 +2402,7 @@
           <a:p>
             <a:fld id="{AC0A374C-67DD-7B41-A977-89CB4768BCE6}" type="datetimeFigureOut">
               <a:rPr lang="en-US" smtClean="0"/>
-              <a:t>9/1/2022</a:t>
+              <a:t>9/23/2022</a:t>
             </a:fld>
             <a:endParaRPr lang="en-US"/>
           </a:p>
@@ -2687,7 +2690,7 @@
           <a:p>
             <a:fld id="{AC0A374C-67DD-7B41-A977-89CB4768BCE6}" type="datetimeFigureOut">
               <a:rPr lang="en-US" smtClean="0"/>
-              <a:t>9/1/2022</a:t>
+              <a:t>9/23/2022</a:t>
             </a:fld>
             <a:endParaRPr lang="en-US"/>
           </a:p>
@@ -2928,7 +2931,7 @@
           <a:p>
             <a:fld id="{AC0A374C-67DD-7B41-A977-89CB4768BCE6}" type="datetimeFigureOut">
               <a:rPr lang="en-US" smtClean="0"/>
-              <a:t>9/1/2022</a:t>
+              <a:t>9/23/2022</a:t>
             </a:fld>
             <a:endParaRPr lang="en-US"/>
           </a:p>
@@ -3528,6 +3531,3190 @@
           <a:chExt cx="0" cy="0"/>
         </a:xfrm>
       </p:grpSpPr>
+      <p:sp>
+        <p:nvSpPr>
+          <p:cNvPr id="2" name="TextBox 1">
+            <a:extLst>
+              <a:ext uri="{FF2B5EF4-FFF2-40B4-BE49-F238E27FC236}">
+                <a16:creationId xmlns:a16="http://schemas.microsoft.com/office/drawing/2014/main" id="{60D631D1-A33D-11B5-B137-439A30633540}"/>
+              </a:ext>
+            </a:extLst>
+          </p:cNvPr>
+          <p:cNvSpPr txBox="1"/>
+          <p:nvPr/>
+        </p:nvSpPr>
+        <p:spPr>
+          <a:xfrm>
+            <a:off x="931832" y="3429000"/>
+            <a:ext cx="1828800" cy="369332"/>
+          </a:xfrm>
+          <a:prstGeom prst="rect">
+            <a:avLst/>
+          </a:prstGeom>
+          <a:noFill/>
+        </p:spPr>
+        <p:txBody>
+          <a:bodyPr wrap="square" rtlCol="0">
+            <a:spAutoFit/>
+          </a:bodyPr>
+          <a:lstStyle>
+            <a:defPPr>
+              <a:defRPr lang="en-US"/>
+            </a:defPPr>
+            <a:lvl1pPr marL="0" algn="l" defTabSz="914400" rtl="0" eaLnBrk="1" latinLnBrk="0" hangingPunct="1">
+              <a:defRPr sz="1800" kern="1200">
+                <a:solidFill>
+                  <a:schemeClr val="tx1"/>
+                </a:solidFill>
+                <a:latin typeface="+mn-lt"/>
+                <a:ea typeface="+mn-ea"/>
+                <a:cs typeface="+mn-cs"/>
+              </a:defRPr>
+            </a:lvl1pPr>
+            <a:lvl2pPr marL="457200" algn="l" defTabSz="914400" rtl="0" eaLnBrk="1" latinLnBrk="0" hangingPunct="1">
+              <a:defRPr sz="1800" kern="1200">
+                <a:solidFill>
+                  <a:schemeClr val="tx1"/>
+                </a:solidFill>
+                <a:latin typeface="+mn-lt"/>
+                <a:ea typeface="+mn-ea"/>
+                <a:cs typeface="+mn-cs"/>
+              </a:defRPr>
+            </a:lvl2pPr>
+            <a:lvl3pPr marL="914400" algn="l" defTabSz="914400" rtl="0" eaLnBrk="1" latinLnBrk="0" hangingPunct="1">
+              <a:defRPr sz="1800" kern="1200">
+                <a:solidFill>
+                  <a:schemeClr val="tx1"/>
+                </a:solidFill>
+                <a:latin typeface="+mn-lt"/>
+                <a:ea typeface="+mn-ea"/>
+                <a:cs typeface="+mn-cs"/>
+              </a:defRPr>
+            </a:lvl3pPr>
+            <a:lvl4pPr marL="1371600" algn="l" defTabSz="914400" rtl="0" eaLnBrk="1" latinLnBrk="0" hangingPunct="1">
+              <a:defRPr sz="1800" kern="1200">
+                <a:solidFill>
+                  <a:schemeClr val="tx1"/>
+                </a:solidFill>
+                <a:latin typeface="+mn-lt"/>
+                <a:ea typeface="+mn-ea"/>
+                <a:cs typeface="+mn-cs"/>
+              </a:defRPr>
+            </a:lvl4pPr>
+            <a:lvl5pPr marL="1828800" algn="l" defTabSz="914400" rtl="0" eaLnBrk="1" latinLnBrk="0" hangingPunct="1">
+              <a:defRPr sz="1800" kern="1200">
+                <a:solidFill>
+                  <a:schemeClr val="tx1"/>
+                </a:solidFill>
+                <a:latin typeface="+mn-lt"/>
+                <a:ea typeface="+mn-ea"/>
+                <a:cs typeface="+mn-cs"/>
+              </a:defRPr>
+            </a:lvl5pPr>
+            <a:lvl6pPr marL="2286000" algn="l" defTabSz="914400" rtl="0" eaLnBrk="1" latinLnBrk="0" hangingPunct="1">
+              <a:defRPr sz="1800" kern="1200">
+                <a:solidFill>
+                  <a:schemeClr val="tx1"/>
+                </a:solidFill>
+                <a:latin typeface="+mn-lt"/>
+                <a:ea typeface="+mn-ea"/>
+                <a:cs typeface="+mn-cs"/>
+              </a:defRPr>
+            </a:lvl6pPr>
+            <a:lvl7pPr marL="2743200" algn="l" defTabSz="914400" rtl="0" eaLnBrk="1" latinLnBrk="0" hangingPunct="1">
+              <a:defRPr sz="1800" kern="1200">
+                <a:solidFill>
+                  <a:schemeClr val="tx1"/>
+                </a:solidFill>
+                <a:latin typeface="+mn-lt"/>
+                <a:ea typeface="+mn-ea"/>
+                <a:cs typeface="+mn-cs"/>
+              </a:defRPr>
+            </a:lvl7pPr>
+            <a:lvl8pPr marL="3200400" algn="l" defTabSz="914400" rtl="0" eaLnBrk="1" latinLnBrk="0" hangingPunct="1">
+              <a:defRPr sz="1800" kern="1200">
+                <a:solidFill>
+                  <a:schemeClr val="tx1"/>
+                </a:solidFill>
+                <a:latin typeface="+mn-lt"/>
+                <a:ea typeface="+mn-ea"/>
+                <a:cs typeface="+mn-cs"/>
+              </a:defRPr>
+            </a:lvl8pPr>
+            <a:lvl9pPr marL="3657600" algn="l" defTabSz="914400" rtl="0" eaLnBrk="1" latinLnBrk="0" hangingPunct="1">
+              <a:defRPr sz="1800" kern="1200">
+                <a:solidFill>
+                  <a:schemeClr val="tx1"/>
+                </a:solidFill>
+                <a:latin typeface="+mn-lt"/>
+                <a:ea typeface="+mn-ea"/>
+                <a:cs typeface="+mn-cs"/>
+              </a:defRPr>
+            </a:lvl9pPr>
+          </a:lstStyle>
+          <a:p>
+            <a:pPr algn="l"/>
+            <a:r>
+              <a:rPr lang="en-US" dirty="0"/>
+              <a:t>05 05 260</a:t>
+            </a:r>
+          </a:p>
+        </p:txBody>
+      </p:sp>
+      <p:sp>
+        <p:nvSpPr>
+          <p:cNvPr id="3" name="TextBox 2">
+            <a:extLst>
+              <a:ext uri="{FF2B5EF4-FFF2-40B4-BE49-F238E27FC236}">
+                <a16:creationId xmlns:a16="http://schemas.microsoft.com/office/drawing/2014/main" id="{F58D34E2-E5CD-37F2-AB7F-87C70CA66F4A}"/>
+              </a:ext>
+            </a:extLst>
+          </p:cNvPr>
+          <p:cNvSpPr txBox="1"/>
+          <p:nvPr/>
+        </p:nvSpPr>
+        <p:spPr>
+          <a:xfrm>
+            <a:off x="5902761" y="3429000"/>
+            <a:ext cx="1828800" cy="369332"/>
+          </a:xfrm>
+          <a:prstGeom prst="rect">
+            <a:avLst/>
+          </a:prstGeom>
+          <a:noFill/>
+        </p:spPr>
+        <p:txBody>
+          <a:bodyPr wrap="square" rtlCol="0">
+            <a:spAutoFit/>
+          </a:bodyPr>
+          <a:lstStyle>
+            <a:defPPr>
+              <a:defRPr lang="en-US"/>
+            </a:defPPr>
+            <a:lvl1pPr marL="0" algn="l" defTabSz="914400" rtl="0" eaLnBrk="1" latinLnBrk="0" hangingPunct="1">
+              <a:defRPr sz="1800" kern="1200">
+                <a:solidFill>
+                  <a:schemeClr val="tx1"/>
+                </a:solidFill>
+                <a:latin typeface="+mn-lt"/>
+                <a:ea typeface="+mn-ea"/>
+                <a:cs typeface="+mn-cs"/>
+              </a:defRPr>
+            </a:lvl1pPr>
+            <a:lvl2pPr marL="457200" algn="l" defTabSz="914400" rtl="0" eaLnBrk="1" latinLnBrk="0" hangingPunct="1">
+              <a:defRPr sz="1800" kern="1200">
+                <a:solidFill>
+                  <a:schemeClr val="tx1"/>
+                </a:solidFill>
+                <a:latin typeface="+mn-lt"/>
+                <a:ea typeface="+mn-ea"/>
+                <a:cs typeface="+mn-cs"/>
+              </a:defRPr>
+            </a:lvl2pPr>
+            <a:lvl3pPr marL="914400" algn="l" defTabSz="914400" rtl="0" eaLnBrk="1" latinLnBrk="0" hangingPunct="1">
+              <a:defRPr sz="1800" kern="1200">
+                <a:solidFill>
+                  <a:schemeClr val="tx1"/>
+                </a:solidFill>
+                <a:latin typeface="+mn-lt"/>
+                <a:ea typeface="+mn-ea"/>
+                <a:cs typeface="+mn-cs"/>
+              </a:defRPr>
+            </a:lvl3pPr>
+            <a:lvl4pPr marL="1371600" algn="l" defTabSz="914400" rtl="0" eaLnBrk="1" latinLnBrk="0" hangingPunct="1">
+              <a:defRPr sz="1800" kern="1200">
+                <a:solidFill>
+                  <a:schemeClr val="tx1"/>
+                </a:solidFill>
+                <a:latin typeface="+mn-lt"/>
+                <a:ea typeface="+mn-ea"/>
+                <a:cs typeface="+mn-cs"/>
+              </a:defRPr>
+            </a:lvl4pPr>
+            <a:lvl5pPr marL="1828800" algn="l" defTabSz="914400" rtl="0" eaLnBrk="1" latinLnBrk="0" hangingPunct="1">
+              <a:defRPr sz="1800" kern="1200">
+                <a:solidFill>
+                  <a:schemeClr val="tx1"/>
+                </a:solidFill>
+                <a:latin typeface="+mn-lt"/>
+                <a:ea typeface="+mn-ea"/>
+                <a:cs typeface="+mn-cs"/>
+              </a:defRPr>
+            </a:lvl5pPr>
+            <a:lvl6pPr marL="2286000" algn="l" defTabSz="914400" rtl="0" eaLnBrk="1" latinLnBrk="0" hangingPunct="1">
+              <a:defRPr sz="1800" kern="1200">
+                <a:solidFill>
+                  <a:schemeClr val="tx1"/>
+                </a:solidFill>
+                <a:latin typeface="+mn-lt"/>
+                <a:ea typeface="+mn-ea"/>
+                <a:cs typeface="+mn-cs"/>
+              </a:defRPr>
+            </a:lvl6pPr>
+            <a:lvl7pPr marL="2743200" algn="l" defTabSz="914400" rtl="0" eaLnBrk="1" latinLnBrk="0" hangingPunct="1">
+              <a:defRPr sz="1800" kern="1200">
+                <a:solidFill>
+                  <a:schemeClr val="tx1"/>
+                </a:solidFill>
+                <a:latin typeface="+mn-lt"/>
+                <a:ea typeface="+mn-ea"/>
+                <a:cs typeface="+mn-cs"/>
+              </a:defRPr>
+            </a:lvl7pPr>
+            <a:lvl8pPr marL="3200400" algn="l" defTabSz="914400" rtl="0" eaLnBrk="1" latinLnBrk="0" hangingPunct="1">
+              <a:defRPr sz="1800" kern="1200">
+                <a:solidFill>
+                  <a:schemeClr val="tx1"/>
+                </a:solidFill>
+                <a:latin typeface="+mn-lt"/>
+                <a:ea typeface="+mn-ea"/>
+                <a:cs typeface="+mn-cs"/>
+              </a:defRPr>
+            </a:lvl8pPr>
+            <a:lvl9pPr marL="3657600" algn="l" defTabSz="914400" rtl="0" eaLnBrk="1" latinLnBrk="0" hangingPunct="1">
+              <a:defRPr sz="1800" kern="1200">
+                <a:solidFill>
+                  <a:schemeClr val="tx1"/>
+                </a:solidFill>
+                <a:latin typeface="+mn-lt"/>
+                <a:ea typeface="+mn-ea"/>
+                <a:cs typeface="+mn-cs"/>
+              </a:defRPr>
+            </a:lvl9pPr>
+          </a:lstStyle>
+          <a:p>
+            <a:pPr algn="l"/>
+            <a:r>
+              <a:rPr lang="en-US" dirty="0"/>
+              <a:t>05 05 240</a:t>
+            </a:r>
+          </a:p>
+        </p:txBody>
+      </p:sp>
+      <p:sp>
+        <p:nvSpPr>
+          <p:cNvPr id="4" name="TextBox 3">
+            <a:extLst>
+              <a:ext uri="{FF2B5EF4-FFF2-40B4-BE49-F238E27FC236}">
+                <a16:creationId xmlns:a16="http://schemas.microsoft.com/office/drawing/2014/main" id="{7BBB5A24-E0C0-9D8A-DDC0-2537808DE244}"/>
+              </a:ext>
+            </a:extLst>
+          </p:cNvPr>
+          <p:cNvSpPr txBox="1"/>
+          <p:nvPr/>
+        </p:nvSpPr>
+        <p:spPr>
+          <a:xfrm>
+            <a:off x="10363200" y="3429000"/>
+            <a:ext cx="1828800" cy="369332"/>
+          </a:xfrm>
+          <a:prstGeom prst="rect">
+            <a:avLst/>
+          </a:prstGeom>
+          <a:noFill/>
+        </p:spPr>
+        <p:txBody>
+          <a:bodyPr wrap="square" rtlCol="0">
+            <a:spAutoFit/>
+          </a:bodyPr>
+          <a:lstStyle>
+            <a:defPPr>
+              <a:defRPr lang="en-US"/>
+            </a:defPPr>
+            <a:lvl1pPr marL="0" algn="l" defTabSz="914400" rtl="0" eaLnBrk="1" latinLnBrk="0" hangingPunct="1">
+              <a:defRPr sz="1800" kern="1200">
+                <a:solidFill>
+                  <a:schemeClr val="tx1"/>
+                </a:solidFill>
+                <a:latin typeface="+mn-lt"/>
+                <a:ea typeface="+mn-ea"/>
+                <a:cs typeface="+mn-cs"/>
+              </a:defRPr>
+            </a:lvl1pPr>
+            <a:lvl2pPr marL="457200" algn="l" defTabSz="914400" rtl="0" eaLnBrk="1" latinLnBrk="0" hangingPunct="1">
+              <a:defRPr sz="1800" kern="1200">
+                <a:solidFill>
+                  <a:schemeClr val="tx1"/>
+                </a:solidFill>
+                <a:latin typeface="+mn-lt"/>
+                <a:ea typeface="+mn-ea"/>
+                <a:cs typeface="+mn-cs"/>
+              </a:defRPr>
+            </a:lvl2pPr>
+            <a:lvl3pPr marL="914400" algn="l" defTabSz="914400" rtl="0" eaLnBrk="1" latinLnBrk="0" hangingPunct="1">
+              <a:defRPr sz="1800" kern="1200">
+                <a:solidFill>
+                  <a:schemeClr val="tx1"/>
+                </a:solidFill>
+                <a:latin typeface="+mn-lt"/>
+                <a:ea typeface="+mn-ea"/>
+                <a:cs typeface="+mn-cs"/>
+              </a:defRPr>
+            </a:lvl3pPr>
+            <a:lvl4pPr marL="1371600" algn="l" defTabSz="914400" rtl="0" eaLnBrk="1" latinLnBrk="0" hangingPunct="1">
+              <a:defRPr sz="1800" kern="1200">
+                <a:solidFill>
+                  <a:schemeClr val="tx1"/>
+                </a:solidFill>
+                <a:latin typeface="+mn-lt"/>
+                <a:ea typeface="+mn-ea"/>
+                <a:cs typeface="+mn-cs"/>
+              </a:defRPr>
+            </a:lvl4pPr>
+            <a:lvl5pPr marL="1828800" algn="l" defTabSz="914400" rtl="0" eaLnBrk="1" latinLnBrk="0" hangingPunct="1">
+              <a:defRPr sz="1800" kern="1200">
+                <a:solidFill>
+                  <a:schemeClr val="tx1"/>
+                </a:solidFill>
+                <a:latin typeface="+mn-lt"/>
+                <a:ea typeface="+mn-ea"/>
+                <a:cs typeface="+mn-cs"/>
+              </a:defRPr>
+            </a:lvl5pPr>
+            <a:lvl6pPr marL="2286000" algn="l" defTabSz="914400" rtl="0" eaLnBrk="1" latinLnBrk="0" hangingPunct="1">
+              <a:defRPr sz="1800" kern="1200">
+                <a:solidFill>
+                  <a:schemeClr val="tx1"/>
+                </a:solidFill>
+                <a:latin typeface="+mn-lt"/>
+                <a:ea typeface="+mn-ea"/>
+                <a:cs typeface="+mn-cs"/>
+              </a:defRPr>
+            </a:lvl6pPr>
+            <a:lvl7pPr marL="2743200" algn="l" defTabSz="914400" rtl="0" eaLnBrk="1" latinLnBrk="0" hangingPunct="1">
+              <a:defRPr sz="1800" kern="1200">
+                <a:solidFill>
+                  <a:schemeClr val="tx1"/>
+                </a:solidFill>
+                <a:latin typeface="+mn-lt"/>
+                <a:ea typeface="+mn-ea"/>
+                <a:cs typeface="+mn-cs"/>
+              </a:defRPr>
+            </a:lvl7pPr>
+            <a:lvl8pPr marL="3200400" algn="l" defTabSz="914400" rtl="0" eaLnBrk="1" latinLnBrk="0" hangingPunct="1">
+              <a:defRPr sz="1800" kern="1200">
+                <a:solidFill>
+                  <a:schemeClr val="tx1"/>
+                </a:solidFill>
+                <a:latin typeface="+mn-lt"/>
+                <a:ea typeface="+mn-ea"/>
+                <a:cs typeface="+mn-cs"/>
+              </a:defRPr>
+            </a:lvl8pPr>
+            <a:lvl9pPr marL="3657600" algn="l" defTabSz="914400" rtl="0" eaLnBrk="1" latinLnBrk="0" hangingPunct="1">
+              <a:defRPr sz="1800" kern="1200">
+                <a:solidFill>
+                  <a:schemeClr val="tx1"/>
+                </a:solidFill>
+                <a:latin typeface="+mn-lt"/>
+                <a:ea typeface="+mn-ea"/>
+                <a:cs typeface="+mn-cs"/>
+              </a:defRPr>
+            </a:lvl9pPr>
+          </a:lstStyle>
+          <a:p>
+            <a:pPr algn="l"/>
+            <a:r>
+              <a:rPr lang="en-US" dirty="0"/>
+              <a:t>05 05 220</a:t>
+            </a:r>
+          </a:p>
+        </p:txBody>
+      </p:sp>
+      <p:sp>
+        <p:nvSpPr>
+          <p:cNvPr id="5" name="TextBox 4">
+            <a:extLst>
+              <a:ext uri="{FF2B5EF4-FFF2-40B4-BE49-F238E27FC236}">
+                <a16:creationId xmlns:a16="http://schemas.microsoft.com/office/drawing/2014/main" id="{16BBCF28-1D1A-3EF3-CC38-69EBD0101811}"/>
+              </a:ext>
+            </a:extLst>
+          </p:cNvPr>
+          <p:cNvSpPr txBox="1"/>
+          <p:nvPr/>
+        </p:nvSpPr>
+        <p:spPr>
+          <a:xfrm>
+            <a:off x="931832" y="112912"/>
+            <a:ext cx="1828800" cy="369332"/>
+          </a:xfrm>
+          <a:prstGeom prst="rect">
+            <a:avLst/>
+          </a:prstGeom>
+          <a:noFill/>
+        </p:spPr>
+        <p:txBody>
+          <a:bodyPr rot="0" spcFirstLastPara="0" vert="horz" wrap="square" lIns="91440" tIns="45720" rIns="91440" bIns="45720" numCol="1" spcCol="0" rtlCol="0" fromWordArt="0" anchor="t" anchorCtr="0" forceAA="0" compatLnSpc="1">
+            <a:prstTxWarp prst="textNoShape">
+              <a:avLst/>
+            </a:prstTxWarp>
+            <a:spAutoFit/>
+          </a:bodyPr>
+          <a:lstStyle>
+            <a:defPPr>
+              <a:defRPr lang="en-US"/>
+            </a:defPPr>
+            <a:lvl1pPr marL="0" algn="l" defTabSz="914400" rtl="0" eaLnBrk="1" latinLnBrk="0" hangingPunct="1">
+              <a:defRPr sz="1800" kern="1200">
+                <a:solidFill>
+                  <a:schemeClr val="tx1"/>
+                </a:solidFill>
+                <a:latin typeface="+mn-lt"/>
+                <a:ea typeface="+mn-ea"/>
+                <a:cs typeface="+mn-cs"/>
+              </a:defRPr>
+            </a:lvl1pPr>
+            <a:lvl2pPr marL="457200" algn="l" defTabSz="914400" rtl="0" eaLnBrk="1" latinLnBrk="0" hangingPunct="1">
+              <a:defRPr sz="1800" kern="1200">
+                <a:solidFill>
+                  <a:schemeClr val="tx1"/>
+                </a:solidFill>
+                <a:latin typeface="+mn-lt"/>
+                <a:ea typeface="+mn-ea"/>
+                <a:cs typeface="+mn-cs"/>
+              </a:defRPr>
+            </a:lvl2pPr>
+            <a:lvl3pPr marL="914400" algn="l" defTabSz="914400" rtl="0" eaLnBrk="1" latinLnBrk="0" hangingPunct="1">
+              <a:defRPr sz="1800" kern="1200">
+                <a:solidFill>
+                  <a:schemeClr val="tx1"/>
+                </a:solidFill>
+                <a:latin typeface="+mn-lt"/>
+                <a:ea typeface="+mn-ea"/>
+                <a:cs typeface="+mn-cs"/>
+              </a:defRPr>
+            </a:lvl3pPr>
+            <a:lvl4pPr marL="1371600" algn="l" defTabSz="914400" rtl="0" eaLnBrk="1" latinLnBrk="0" hangingPunct="1">
+              <a:defRPr sz="1800" kern="1200">
+                <a:solidFill>
+                  <a:schemeClr val="tx1"/>
+                </a:solidFill>
+                <a:latin typeface="+mn-lt"/>
+                <a:ea typeface="+mn-ea"/>
+                <a:cs typeface="+mn-cs"/>
+              </a:defRPr>
+            </a:lvl4pPr>
+            <a:lvl5pPr marL="1828800" algn="l" defTabSz="914400" rtl="0" eaLnBrk="1" latinLnBrk="0" hangingPunct="1">
+              <a:defRPr sz="1800" kern="1200">
+                <a:solidFill>
+                  <a:schemeClr val="tx1"/>
+                </a:solidFill>
+                <a:latin typeface="+mn-lt"/>
+                <a:ea typeface="+mn-ea"/>
+                <a:cs typeface="+mn-cs"/>
+              </a:defRPr>
+            </a:lvl5pPr>
+            <a:lvl6pPr marL="2286000" algn="l" defTabSz="914400" rtl="0" eaLnBrk="1" latinLnBrk="0" hangingPunct="1">
+              <a:defRPr sz="1800" kern="1200">
+                <a:solidFill>
+                  <a:schemeClr val="tx1"/>
+                </a:solidFill>
+                <a:latin typeface="+mn-lt"/>
+                <a:ea typeface="+mn-ea"/>
+                <a:cs typeface="+mn-cs"/>
+              </a:defRPr>
+            </a:lvl6pPr>
+            <a:lvl7pPr marL="2743200" algn="l" defTabSz="914400" rtl="0" eaLnBrk="1" latinLnBrk="0" hangingPunct="1">
+              <a:defRPr sz="1800" kern="1200">
+                <a:solidFill>
+                  <a:schemeClr val="tx1"/>
+                </a:solidFill>
+                <a:latin typeface="+mn-lt"/>
+                <a:ea typeface="+mn-ea"/>
+                <a:cs typeface="+mn-cs"/>
+              </a:defRPr>
+            </a:lvl7pPr>
+            <a:lvl8pPr marL="3200400" algn="l" defTabSz="914400" rtl="0" eaLnBrk="1" latinLnBrk="0" hangingPunct="1">
+              <a:defRPr sz="1800" kern="1200">
+                <a:solidFill>
+                  <a:schemeClr val="tx1"/>
+                </a:solidFill>
+                <a:latin typeface="+mn-lt"/>
+                <a:ea typeface="+mn-ea"/>
+                <a:cs typeface="+mn-cs"/>
+              </a:defRPr>
+            </a:lvl8pPr>
+            <a:lvl9pPr marL="3657600" algn="l" defTabSz="914400" rtl="0" eaLnBrk="1" latinLnBrk="0" hangingPunct="1">
+              <a:defRPr sz="1800" kern="1200">
+                <a:solidFill>
+                  <a:schemeClr val="tx1"/>
+                </a:solidFill>
+                <a:latin typeface="+mn-lt"/>
+                <a:ea typeface="+mn-ea"/>
+                <a:cs typeface="+mn-cs"/>
+              </a:defRPr>
+            </a:lvl9pPr>
+          </a:lstStyle>
+          <a:p>
+            <a:pPr algn="l"/>
+            <a:r>
+              <a:rPr lang="en-US" dirty="0"/>
+              <a:t>04 05 260</a:t>
+            </a:r>
+          </a:p>
+        </p:txBody>
+      </p:sp>
+      <p:sp>
+        <p:nvSpPr>
+          <p:cNvPr id="6" name="TextBox 5">
+            <a:extLst>
+              <a:ext uri="{FF2B5EF4-FFF2-40B4-BE49-F238E27FC236}">
+                <a16:creationId xmlns:a16="http://schemas.microsoft.com/office/drawing/2014/main" id="{38B58565-9DC2-053E-841A-FDF2DC27ECF0}"/>
+              </a:ext>
+            </a:extLst>
+          </p:cNvPr>
+          <p:cNvSpPr txBox="1"/>
+          <p:nvPr/>
+        </p:nvSpPr>
+        <p:spPr>
+          <a:xfrm>
+            <a:off x="5902761" y="112912"/>
+            <a:ext cx="1828800" cy="369332"/>
+          </a:xfrm>
+          <a:prstGeom prst="rect">
+            <a:avLst/>
+          </a:prstGeom>
+          <a:noFill/>
+        </p:spPr>
+        <p:txBody>
+          <a:bodyPr rot="0" spcFirstLastPara="0" vert="horz" wrap="square" lIns="91440" tIns="45720" rIns="91440" bIns="45720" numCol="1" spcCol="0" rtlCol="0" fromWordArt="0" anchor="t" anchorCtr="0" forceAA="0" compatLnSpc="1">
+            <a:prstTxWarp prst="textNoShape">
+              <a:avLst/>
+            </a:prstTxWarp>
+            <a:spAutoFit/>
+          </a:bodyPr>
+          <a:lstStyle>
+            <a:defPPr>
+              <a:defRPr lang="en-US"/>
+            </a:defPPr>
+            <a:lvl1pPr marL="0" algn="l" defTabSz="914400" rtl="0" eaLnBrk="1" latinLnBrk="0" hangingPunct="1">
+              <a:defRPr sz="1800" kern="1200">
+                <a:solidFill>
+                  <a:schemeClr val="tx1"/>
+                </a:solidFill>
+                <a:latin typeface="+mn-lt"/>
+                <a:ea typeface="+mn-ea"/>
+                <a:cs typeface="+mn-cs"/>
+              </a:defRPr>
+            </a:lvl1pPr>
+            <a:lvl2pPr marL="457200" algn="l" defTabSz="914400" rtl="0" eaLnBrk="1" latinLnBrk="0" hangingPunct="1">
+              <a:defRPr sz="1800" kern="1200">
+                <a:solidFill>
+                  <a:schemeClr val="tx1"/>
+                </a:solidFill>
+                <a:latin typeface="+mn-lt"/>
+                <a:ea typeface="+mn-ea"/>
+                <a:cs typeface="+mn-cs"/>
+              </a:defRPr>
+            </a:lvl2pPr>
+            <a:lvl3pPr marL="914400" algn="l" defTabSz="914400" rtl="0" eaLnBrk="1" latinLnBrk="0" hangingPunct="1">
+              <a:defRPr sz="1800" kern="1200">
+                <a:solidFill>
+                  <a:schemeClr val="tx1"/>
+                </a:solidFill>
+                <a:latin typeface="+mn-lt"/>
+                <a:ea typeface="+mn-ea"/>
+                <a:cs typeface="+mn-cs"/>
+              </a:defRPr>
+            </a:lvl3pPr>
+            <a:lvl4pPr marL="1371600" algn="l" defTabSz="914400" rtl="0" eaLnBrk="1" latinLnBrk="0" hangingPunct="1">
+              <a:defRPr sz="1800" kern="1200">
+                <a:solidFill>
+                  <a:schemeClr val="tx1"/>
+                </a:solidFill>
+                <a:latin typeface="+mn-lt"/>
+                <a:ea typeface="+mn-ea"/>
+                <a:cs typeface="+mn-cs"/>
+              </a:defRPr>
+            </a:lvl4pPr>
+            <a:lvl5pPr marL="1828800" algn="l" defTabSz="914400" rtl="0" eaLnBrk="1" latinLnBrk="0" hangingPunct="1">
+              <a:defRPr sz="1800" kern="1200">
+                <a:solidFill>
+                  <a:schemeClr val="tx1"/>
+                </a:solidFill>
+                <a:latin typeface="+mn-lt"/>
+                <a:ea typeface="+mn-ea"/>
+                <a:cs typeface="+mn-cs"/>
+              </a:defRPr>
+            </a:lvl5pPr>
+            <a:lvl6pPr marL="2286000" algn="l" defTabSz="914400" rtl="0" eaLnBrk="1" latinLnBrk="0" hangingPunct="1">
+              <a:defRPr sz="1800" kern="1200">
+                <a:solidFill>
+                  <a:schemeClr val="tx1"/>
+                </a:solidFill>
+                <a:latin typeface="+mn-lt"/>
+                <a:ea typeface="+mn-ea"/>
+                <a:cs typeface="+mn-cs"/>
+              </a:defRPr>
+            </a:lvl6pPr>
+            <a:lvl7pPr marL="2743200" algn="l" defTabSz="914400" rtl="0" eaLnBrk="1" latinLnBrk="0" hangingPunct="1">
+              <a:defRPr sz="1800" kern="1200">
+                <a:solidFill>
+                  <a:schemeClr val="tx1"/>
+                </a:solidFill>
+                <a:latin typeface="+mn-lt"/>
+                <a:ea typeface="+mn-ea"/>
+                <a:cs typeface="+mn-cs"/>
+              </a:defRPr>
+            </a:lvl7pPr>
+            <a:lvl8pPr marL="3200400" algn="l" defTabSz="914400" rtl="0" eaLnBrk="1" latinLnBrk="0" hangingPunct="1">
+              <a:defRPr sz="1800" kern="1200">
+                <a:solidFill>
+                  <a:schemeClr val="tx1"/>
+                </a:solidFill>
+                <a:latin typeface="+mn-lt"/>
+                <a:ea typeface="+mn-ea"/>
+                <a:cs typeface="+mn-cs"/>
+              </a:defRPr>
+            </a:lvl8pPr>
+            <a:lvl9pPr marL="3657600" algn="l" defTabSz="914400" rtl="0" eaLnBrk="1" latinLnBrk="0" hangingPunct="1">
+              <a:defRPr sz="1800" kern="1200">
+                <a:solidFill>
+                  <a:schemeClr val="tx1"/>
+                </a:solidFill>
+                <a:latin typeface="+mn-lt"/>
+                <a:ea typeface="+mn-ea"/>
+                <a:cs typeface="+mn-cs"/>
+              </a:defRPr>
+            </a:lvl9pPr>
+          </a:lstStyle>
+          <a:p>
+            <a:pPr algn="l"/>
+            <a:r>
+              <a:rPr lang="en-US" dirty="0"/>
+              <a:t>04 05 240</a:t>
+            </a:r>
+          </a:p>
+        </p:txBody>
+      </p:sp>
+      <p:sp>
+        <p:nvSpPr>
+          <p:cNvPr id="7" name="TextBox 6">
+            <a:extLst>
+              <a:ext uri="{FF2B5EF4-FFF2-40B4-BE49-F238E27FC236}">
+                <a16:creationId xmlns:a16="http://schemas.microsoft.com/office/drawing/2014/main" id="{79BB5248-5D6D-C5E8-E484-40F746BB0160}"/>
+              </a:ext>
+            </a:extLst>
+          </p:cNvPr>
+          <p:cNvSpPr txBox="1"/>
+          <p:nvPr/>
+        </p:nvSpPr>
+        <p:spPr>
+          <a:xfrm>
+            <a:off x="10363200" y="112912"/>
+            <a:ext cx="1828800" cy="369332"/>
+          </a:xfrm>
+          <a:prstGeom prst="rect">
+            <a:avLst/>
+          </a:prstGeom>
+          <a:noFill/>
+        </p:spPr>
+        <p:txBody>
+          <a:bodyPr rot="0" spcFirstLastPara="0" vert="horz" wrap="square" lIns="91440" tIns="45720" rIns="91440" bIns="45720" numCol="1" spcCol="0" rtlCol="0" fromWordArt="0" anchor="t" anchorCtr="0" forceAA="0" compatLnSpc="1">
+            <a:prstTxWarp prst="textNoShape">
+              <a:avLst/>
+            </a:prstTxWarp>
+            <a:spAutoFit/>
+          </a:bodyPr>
+          <a:lstStyle>
+            <a:defPPr>
+              <a:defRPr lang="en-US"/>
+            </a:defPPr>
+            <a:lvl1pPr marL="0" algn="l" defTabSz="914400" rtl="0" eaLnBrk="1" latinLnBrk="0" hangingPunct="1">
+              <a:defRPr sz="1800" kern="1200">
+                <a:solidFill>
+                  <a:schemeClr val="tx1"/>
+                </a:solidFill>
+                <a:latin typeface="+mn-lt"/>
+                <a:ea typeface="+mn-ea"/>
+                <a:cs typeface="+mn-cs"/>
+              </a:defRPr>
+            </a:lvl1pPr>
+            <a:lvl2pPr marL="457200" algn="l" defTabSz="914400" rtl="0" eaLnBrk="1" latinLnBrk="0" hangingPunct="1">
+              <a:defRPr sz="1800" kern="1200">
+                <a:solidFill>
+                  <a:schemeClr val="tx1"/>
+                </a:solidFill>
+                <a:latin typeface="+mn-lt"/>
+                <a:ea typeface="+mn-ea"/>
+                <a:cs typeface="+mn-cs"/>
+              </a:defRPr>
+            </a:lvl2pPr>
+            <a:lvl3pPr marL="914400" algn="l" defTabSz="914400" rtl="0" eaLnBrk="1" latinLnBrk="0" hangingPunct="1">
+              <a:defRPr sz="1800" kern="1200">
+                <a:solidFill>
+                  <a:schemeClr val="tx1"/>
+                </a:solidFill>
+                <a:latin typeface="+mn-lt"/>
+                <a:ea typeface="+mn-ea"/>
+                <a:cs typeface="+mn-cs"/>
+              </a:defRPr>
+            </a:lvl3pPr>
+            <a:lvl4pPr marL="1371600" algn="l" defTabSz="914400" rtl="0" eaLnBrk="1" latinLnBrk="0" hangingPunct="1">
+              <a:defRPr sz="1800" kern="1200">
+                <a:solidFill>
+                  <a:schemeClr val="tx1"/>
+                </a:solidFill>
+                <a:latin typeface="+mn-lt"/>
+                <a:ea typeface="+mn-ea"/>
+                <a:cs typeface="+mn-cs"/>
+              </a:defRPr>
+            </a:lvl4pPr>
+            <a:lvl5pPr marL="1828800" algn="l" defTabSz="914400" rtl="0" eaLnBrk="1" latinLnBrk="0" hangingPunct="1">
+              <a:defRPr sz="1800" kern="1200">
+                <a:solidFill>
+                  <a:schemeClr val="tx1"/>
+                </a:solidFill>
+                <a:latin typeface="+mn-lt"/>
+                <a:ea typeface="+mn-ea"/>
+                <a:cs typeface="+mn-cs"/>
+              </a:defRPr>
+            </a:lvl5pPr>
+            <a:lvl6pPr marL="2286000" algn="l" defTabSz="914400" rtl="0" eaLnBrk="1" latinLnBrk="0" hangingPunct="1">
+              <a:defRPr sz="1800" kern="1200">
+                <a:solidFill>
+                  <a:schemeClr val="tx1"/>
+                </a:solidFill>
+                <a:latin typeface="+mn-lt"/>
+                <a:ea typeface="+mn-ea"/>
+                <a:cs typeface="+mn-cs"/>
+              </a:defRPr>
+            </a:lvl6pPr>
+            <a:lvl7pPr marL="2743200" algn="l" defTabSz="914400" rtl="0" eaLnBrk="1" latinLnBrk="0" hangingPunct="1">
+              <a:defRPr sz="1800" kern="1200">
+                <a:solidFill>
+                  <a:schemeClr val="tx1"/>
+                </a:solidFill>
+                <a:latin typeface="+mn-lt"/>
+                <a:ea typeface="+mn-ea"/>
+                <a:cs typeface="+mn-cs"/>
+              </a:defRPr>
+            </a:lvl7pPr>
+            <a:lvl8pPr marL="3200400" algn="l" defTabSz="914400" rtl="0" eaLnBrk="1" latinLnBrk="0" hangingPunct="1">
+              <a:defRPr sz="1800" kern="1200">
+                <a:solidFill>
+                  <a:schemeClr val="tx1"/>
+                </a:solidFill>
+                <a:latin typeface="+mn-lt"/>
+                <a:ea typeface="+mn-ea"/>
+                <a:cs typeface="+mn-cs"/>
+              </a:defRPr>
+            </a:lvl8pPr>
+            <a:lvl9pPr marL="3657600" algn="l" defTabSz="914400" rtl="0" eaLnBrk="1" latinLnBrk="0" hangingPunct="1">
+              <a:defRPr sz="1800" kern="1200">
+                <a:solidFill>
+                  <a:schemeClr val="tx1"/>
+                </a:solidFill>
+                <a:latin typeface="+mn-lt"/>
+                <a:ea typeface="+mn-ea"/>
+                <a:cs typeface="+mn-cs"/>
+              </a:defRPr>
+            </a:lvl9pPr>
+          </a:lstStyle>
+          <a:p>
+            <a:pPr algn="l"/>
+            <a:r>
+              <a:rPr lang="en-US" dirty="0"/>
+              <a:t>04 05 220</a:t>
+            </a:r>
+          </a:p>
+        </p:txBody>
+      </p:sp>
+      <p:pic>
+        <p:nvPicPr>
+          <p:cNvPr id="1026" name="Picture 2">
+            <a:extLst>
+              <a:ext uri="{FF2B5EF4-FFF2-40B4-BE49-F238E27FC236}">
+                <a16:creationId xmlns:a16="http://schemas.microsoft.com/office/drawing/2014/main" id="{49F681A9-280D-6F96-5D58-1C6F11DFC22B}"/>
+              </a:ext>
+            </a:extLst>
+          </p:cNvPr>
+          <p:cNvPicPr>
+            <a:picLocks noChangeAspect="1" noChangeArrowheads="1"/>
+          </p:cNvPicPr>
+          <p:nvPr/>
+        </p:nvPicPr>
+        <p:blipFill>
+          <a:blip r:embed="rId2">
+            <a:extLst>
+              <a:ext uri="{28A0092B-C50C-407E-A947-70E740481C1C}">
+                <a14:useLocalDpi xmlns:a14="http://schemas.microsoft.com/office/drawing/2010/main" val="0"/>
+              </a:ext>
+            </a:extLst>
+          </a:blip>
+          <a:srcRect/>
+          <a:stretch>
+            <a:fillRect/>
+          </a:stretch>
+        </p:blipFill>
+        <p:spPr bwMode="auto">
+          <a:xfrm>
+            <a:off x="8238122" y="482244"/>
+            <a:ext cx="3777414" cy="2856925"/>
+          </a:xfrm>
+          <a:prstGeom prst="rect">
+            <a:avLst/>
+          </a:prstGeom>
+          <a:noFill/>
+          <a:extLst>
+            <a:ext uri="{909E8E84-426E-40DD-AFC4-6F175D3DCCD1}">
+              <a14:hiddenFill xmlns:a14="http://schemas.microsoft.com/office/drawing/2010/main">
+                <a:solidFill>
+                  <a:srgbClr val="FFFFFF"/>
+                </a:solidFill>
+              </a14:hiddenFill>
+            </a:ext>
+          </a:extLst>
+        </p:spPr>
+      </p:pic>
+      <p:pic>
+        <p:nvPicPr>
+          <p:cNvPr id="1028" name="Picture 4">
+            <a:extLst>
+              <a:ext uri="{FF2B5EF4-FFF2-40B4-BE49-F238E27FC236}">
+                <a16:creationId xmlns:a16="http://schemas.microsoft.com/office/drawing/2014/main" id="{F3A239CC-9714-3ED8-205A-8EC7584FA5C0}"/>
+              </a:ext>
+            </a:extLst>
+          </p:cNvPr>
+          <p:cNvPicPr>
+            <a:picLocks noChangeAspect="1" noChangeArrowheads="1"/>
+          </p:cNvPicPr>
+          <p:nvPr/>
+        </p:nvPicPr>
+        <p:blipFill>
+          <a:blip r:embed="rId3">
+            <a:extLst>
+              <a:ext uri="{28A0092B-C50C-407E-A947-70E740481C1C}">
+                <a14:useLocalDpi xmlns:a14="http://schemas.microsoft.com/office/drawing/2010/main" val="0"/>
+              </a:ext>
+            </a:extLst>
+          </a:blip>
+          <a:srcRect/>
+          <a:stretch>
+            <a:fillRect/>
+          </a:stretch>
+        </p:blipFill>
+        <p:spPr bwMode="auto">
+          <a:xfrm>
+            <a:off x="4207293" y="482243"/>
+            <a:ext cx="3777414" cy="2856925"/>
+          </a:xfrm>
+          <a:prstGeom prst="rect">
+            <a:avLst/>
+          </a:prstGeom>
+          <a:noFill/>
+          <a:extLst>
+            <a:ext uri="{909E8E84-426E-40DD-AFC4-6F175D3DCCD1}">
+              <a14:hiddenFill xmlns:a14="http://schemas.microsoft.com/office/drawing/2010/main">
+                <a:solidFill>
+                  <a:srgbClr val="FFFFFF"/>
+                </a:solidFill>
+              </a14:hiddenFill>
+            </a:ext>
+          </a:extLst>
+        </p:spPr>
+      </p:pic>
+      <p:pic>
+        <p:nvPicPr>
+          <p:cNvPr id="1030" name="Picture 6">
+            <a:extLst>
+              <a:ext uri="{FF2B5EF4-FFF2-40B4-BE49-F238E27FC236}">
+                <a16:creationId xmlns:a16="http://schemas.microsoft.com/office/drawing/2014/main" id="{8A2D1A6D-E348-5E87-0240-894F303D8917}"/>
+              </a:ext>
+            </a:extLst>
+          </p:cNvPr>
+          <p:cNvPicPr>
+            <a:picLocks noChangeAspect="1" noChangeArrowheads="1"/>
+          </p:cNvPicPr>
+          <p:nvPr/>
+        </p:nvPicPr>
+        <p:blipFill>
+          <a:blip r:embed="rId4">
+            <a:extLst>
+              <a:ext uri="{28A0092B-C50C-407E-A947-70E740481C1C}">
+                <a14:useLocalDpi xmlns:a14="http://schemas.microsoft.com/office/drawing/2010/main" val="0"/>
+              </a:ext>
+            </a:extLst>
+          </a:blip>
+          <a:srcRect/>
+          <a:stretch>
+            <a:fillRect/>
+          </a:stretch>
+        </p:blipFill>
+        <p:spPr bwMode="auto">
+          <a:xfrm>
+            <a:off x="109933" y="482242"/>
+            <a:ext cx="3777414" cy="2856925"/>
+          </a:xfrm>
+          <a:prstGeom prst="rect">
+            <a:avLst/>
+          </a:prstGeom>
+          <a:noFill/>
+          <a:extLst>
+            <a:ext uri="{909E8E84-426E-40DD-AFC4-6F175D3DCCD1}">
+              <a14:hiddenFill xmlns:a14="http://schemas.microsoft.com/office/drawing/2010/main">
+                <a:solidFill>
+                  <a:srgbClr val="FFFFFF"/>
+                </a:solidFill>
+              </a14:hiddenFill>
+            </a:ext>
+          </a:extLst>
+        </p:spPr>
+      </p:pic>
+      <p:pic>
+        <p:nvPicPr>
+          <p:cNvPr id="1032" name="Picture 8">
+            <a:extLst>
+              <a:ext uri="{FF2B5EF4-FFF2-40B4-BE49-F238E27FC236}">
+                <a16:creationId xmlns:a16="http://schemas.microsoft.com/office/drawing/2014/main" id="{892E248A-B409-E081-68C6-EBBABB18F41C}"/>
+              </a:ext>
+            </a:extLst>
+          </p:cNvPr>
+          <p:cNvPicPr>
+            <a:picLocks noChangeAspect="1" noChangeArrowheads="1"/>
+          </p:cNvPicPr>
+          <p:nvPr/>
+        </p:nvPicPr>
+        <p:blipFill>
+          <a:blip r:embed="rId5">
+            <a:extLst>
+              <a:ext uri="{28A0092B-C50C-407E-A947-70E740481C1C}">
+                <a14:useLocalDpi xmlns:a14="http://schemas.microsoft.com/office/drawing/2010/main" val="0"/>
+              </a:ext>
+            </a:extLst>
+          </a:blip>
+          <a:srcRect/>
+          <a:stretch>
+            <a:fillRect/>
+          </a:stretch>
+        </p:blipFill>
+        <p:spPr bwMode="auto">
+          <a:xfrm>
+            <a:off x="109933" y="3800741"/>
+            <a:ext cx="3777414" cy="2856925"/>
+          </a:xfrm>
+          <a:prstGeom prst="rect">
+            <a:avLst/>
+          </a:prstGeom>
+          <a:noFill/>
+          <a:extLst>
+            <a:ext uri="{909E8E84-426E-40DD-AFC4-6F175D3DCCD1}">
+              <a14:hiddenFill xmlns:a14="http://schemas.microsoft.com/office/drawing/2010/main">
+                <a:solidFill>
+                  <a:srgbClr val="FFFFFF"/>
+                </a:solidFill>
+              </a14:hiddenFill>
+            </a:ext>
+          </a:extLst>
+        </p:spPr>
+      </p:pic>
+      <p:pic>
+        <p:nvPicPr>
+          <p:cNvPr id="1034" name="Picture 10">
+            <a:extLst>
+              <a:ext uri="{FF2B5EF4-FFF2-40B4-BE49-F238E27FC236}">
+                <a16:creationId xmlns:a16="http://schemas.microsoft.com/office/drawing/2014/main" id="{F7872B73-82C1-092A-B050-C0785332A7AD}"/>
+              </a:ext>
+            </a:extLst>
+          </p:cNvPr>
+          <p:cNvPicPr>
+            <a:picLocks noChangeAspect="1" noChangeArrowheads="1"/>
+          </p:cNvPicPr>
+          <p:nvPr/>
+        </p:nvPicPr>
+        <p:blipFill>
+          <a:blip r:embed="rId6">
+            <a:extLst>
+              <a:ext uri="{28A0092B-C50C-407E-A947-70E740481C1C}">
+                <a14:useLocalDpi xmlns:a14="http://schemas.microsoft.com/office/drawing/2010/main" val="0"/>
+              </a:ext>
+            </a:extLst>
+          </a:blip>
+          <a:srcRect/>
+          <a:stretch>
+            <a:fillRect/>
+          </a:stretch>
+        </p:blipFill>
+        <p:spPr bwMode="auto">
+          <a:xfrm>
+            <a:off x="8238122" y="3888163"/>
+            <a:ext cx="3889709" cy="2941856"/>
+          </a:xfrm>
+          <a:prstGeom prst="rect">
+            <a:avLst/>
+          </a:prstGeom>
+          <a:noFill/>
+          <a:extLst>
+            <a:ext uri="{909E8E84-426E-40DD-AFC4-6F175D3DCCD1}">
+              <a14:hiddenFill xmlns:a14="http://schemas.microsoft.com/office/drawing/2010/main">
+                <a:solidFill>
+                  <a:srgbClr val="FFFFFF"/>
+                </a:solidFill>
+              </a14:hiddenFill>
+            </a:ext>
+          </a:extLst>
+        </p:spPr>
+      </p:pic>
+    </p:spTree>
+    <p:extLst>
+      <p:ext uri="{BB962C8B-B14F-4D97-AF65-F5344CB8AC3E}">
+        <p14:creationId xmlns:p14="http://schemas.microsoft.com/office/powerpoint/2010/main" val="1068187080"/>
+      </p:ext>
+    </p:extLst>
+  </p:cSld>
+  <p:clrMapOvr>
+    <a:masterClrMapping/>
+  </p:clrMapOvr>
+</p:sld>
+</file>
+
+<file path=ppt/slides/slide11.xml><?xml version="1.0" encoding="utf-8"?>
+<p:sld xmlns:a="http://schemas.openxmlformats.org/drawingml/2006/main" xmlns:r="http://schemas.openxmlformats.org/officeDocument/2006/relationships" xmlns:p="http://schemas.openxmlformats.org/presentationml/2006/main">
+  <p:cSld>
+    <p:spTree>
+      <p:nvGrpSpPr>
+        <p:cNvPr id="1" name=""/>
+        <p:cNvGrpSpPr/>
+        <p:nvPr/>
+      </p:nvGrpSpPr>
+      <p:grpSpPr>
+        <a:xfrm>
+          <a:off x="0" y="0"/>
+          <a:ext cx="0" cy="0"/>
+          <a:chOff x="0" y="0"/>
+          <a:chExt cx="0" cy="0"/>
+        </a:xfrm>
+      </p:grpSpPr>
+      <p:sp>
+        <p:nvSpPr>
+          <p:cNvPr id="2" name="TextBox 1">
+            <a:extLst>
+              <a:ext uri="{FF2B5EF4-FFF2-40B4-BE49-F238E27FC236}">
+                <a16:creationId xmlns:a16="http://schemas.microsoft.com/office/drawing/2014/main" id="{B4A7CCA5-ECF0-8052-0786-C643323DF650}"/>
+              </a:ext>
+            </a:extLst>
+          </p:cNvPr>
+          <p:cNvSpPr txBox="1"/>
+          <p:nvPr/>
+        </p:nvSpPr>
+        <p:spPr>
+          <a:xfrm>
+            <a:off x="931832" y="3429000"/>
+            <a:ext cx="1828800" cy="369332"/>
+          </a:xfrm>
+          <a:prstGeom prst="rect">
+            <a:avLst/>
+          </a:prstGeom>
+          <a:noFill/>
+        </p:spPr>
+        <p:txBody>
+          <a:bodyPr wrap="square" rtlCol="0">
+            <a:spAutoFit/>
+          </a:bodyPr>
+          <a:lstStyle>
+            <a:defPPr>
+              <a:defRPr lang="en-US"/>
+            </a:defPPr>
+            <a:lvl1pPr marL="0" algn="l" defTabSz="914400" rtl="0" eaLnBrk="1" latinLnBrk="0" hangingPunct="1">
+              <a:defRPr sz="1800" kern="1200">
+                <a:solidFill>
+                  <a:schemeClr val="tx1"/>
+                </a:solidFill>
+                <a:latin typeface="+mn-lt"/>
+                <a:ea typeface="+mn-ea"/>
+                <a:cs typeface="+mn-cs"/>
+              </a:defRPr>
+            </a:lvl1pPr>
+            <a:lvl2pPr marL="457200" algn="l" defTabSz="914400" rtl="0" eaLnBrk="1" latinLnBrk="0" hangingPunct="1">
+              <a:defRPr sz="1800" kern="1200">
+                <a:solidFill>
+                  <a:schemeClr val="tx1"/>
+                </a:solidFill>
+                <a:latin typeface="+mn-lt"/>
+                <a:ea typeface="+mn-ea"/>
+                <a:cs typeface="+mn-cs"/>
+              </a:defRPr>
+            </a:lvl2pPr>
+            <a:lvl3pPr marL="914400" algn="l" defTabSz="914400" rtl="0" eaLnBrk="1" latinLnBrk="0" hangingPunct="1">
+              <a:defRPr sz="1800" kern="1200">
+                <a:solidFill>
+                  <a:schemeClr val="tx1"/>
+                </a:solidFill>
+                <a:latin typeface="+mn-lt"/>
+                <a:ea typeface="+mn-ea"/>
+                <a:cs typeface="+mn-cs"/>
+              </a:defRPr>
+            </a:lvl3pPr>
+            <a:lvl4pPr marL="1371600" algn="l" defTabSz="914400" rtl="0" eaLnBrk="1" latinLnBrk="0" hangingPunct="1">
+              <a:defRPr sz="1800" kern="1200">
+                <a:solidFill>
+                  <a:schemeClr val="tx1"/>
+                </a:solidFill>
+                <a:latin typeface="+mn-lt"/>
+                <a:ea typeface="+mn-ea"/>
+                <a:cs typeface="+mn-cs"/>
+              </a:defRPr>
+            </a:lvl4pPr>
+            <a:lvl5pPr marL="1828800" algn="l" defTabSz="914400" rtl="0" eaLnBrk="1" latinLnBrk="0" hangingPunct="1">
+              <a:defRPr sz="1800" kern="1200">
+                <a:solidFill>
+                  <a:schemeClr val="tx1"/>
+                </a:solidFill>
+                <a:latin typeface="+mn-lt"/>
+                <a:ea typeface="+mn-ea"/>
+                <a:cs typeface="+mn-cs"/>
+              </a:defRPr>
+            </a:lvl5pPr>
+            <a:lvl6pPr marL="2286000" algn="l" defTabSz="914400" rtl="0" eaLnBrk="1" latinLnBrk="0" hangingPunct="1">
+              <a:defRPr sz="1800" kern="1200">
+                <a:solidFill>
+                  <a:schemeClr val="tx1"/>
+                </a:solidFill>
+                <a:latin typeface="+mn-lt"/>
+                <a:ea typeface="+mn-ea"/>
+                <a:cs typeface="+mn-cs"/>
+              </a:defRPr>
+            </a:lvl6pPr>
+            <a:lvl7pPr marL="2743200" algn="l" defTabSz="914400" rtl="0" eaLnBrk="1" latinLnBrk="0" hangingPunct="1">
+              <a:defRPr sz="1800" kern="1200">
+                <a:solidFill>
+                  <a:schemeClr val="tx1"/>
+                </a:solidFill>
+                <a:latin typeface="+mn-lt"/>
+                <a:ea typeface="+mn-ea"/>
+                <a:cs typeface="+mn-cs"/>
+              </a:defRPr>
+            </a:lvl7pPr>
+            <a:lvl8pPr marL="3200400" algn="l" defTabSz="914400" rtl="0" eaLnBrk="1" latinLnBrk="0" hangingPunct="1">
+              <a:defRPr sz="1800" kern="1200">
+                <a:solidFill>
+                  <a:schemeClr val="tx1"/>
+                </a:solidFill>
+                <a:latin typeface="+mn-lt"/>
+                <a:ea typeface="+mn-ea"/>
+                <a:cs typeface="+mn-cs"/>
+              </a:defRPr>
+            </a:lvl8pPr>
+            <a:lvl9pPr marL="3657600" algn="l" defTabSz="914400" rtl="0" eaLnBrk="1" latinLnBrk="0" hangingPunct="1">
+              <a:defRPr sz="1800" kern="1200">
+                <a:solidFill>
+                  <a:schemeClr val="tx1"/>
+                </a:solidFill>
+                <a:latin typeface="+mn-lt"/>
+                <a:ea typeface="+mn-ea"/>
+                <a:cs typeface="+mn-cs"/>
+              </a:defRPr>
+            </a:lvl9pPr>
+          </a:lstStyle>
+          <a:p>
+            <a:pPr algn="l"/>
+            <a:r>
+              <a:rPr lang="en-US" dirty="0"/>
+              <a:t>07 05 260</a:t>
+            </a:r>
+          </a:p>
+        </p:txBody>
+      </p:sp>
+      <p:sp>
+        <p:nvSpPr>
+          <p:cNvPr id="3" name="TextBox 2">
+            <a:extLst>
+              <a:ext uri="{FF2B5EF4-FFF2-40B4-BE49-F238E27FC236}">
+                <a16:creationId xmlns:a16="http://schemas.microsoft.com/office/drawing/2014/main" id="{D08FA683-F9A0-4D47-2C0D-61321642E019}"/>
+              </a:ext>
+            </a:extLst>
+          </p:cNvPr>
+          <p:cNvSpPr txBox="1"/>
+          <p:nvPr/>
+        </p:nvSpPr>
+        <p:spPr>
+          <a:xfrm>
+            <a:off x="5902761" y="3429000"/>
+            <a:ext cx="1828800" cy="369332"/>
+          </a:xfrm>
+          <a:prstGeom prst="rect">
+            <a:avLst/>
+          </a:prstGeom>
+          <a:noFill/>
+        </p:spPr>
+        <p:txBody>
+          <a:bodyPr wrap="square" rtlCol="0">
+            <a:spAutoFit/>
+          </a:bodyPr>
+          <a:lstStyle>
+            <a:defPPr>
+              <a:defRPr lang="en-US"/>
+            </a:defPPr>
+            <a:lvl1pPr marL="0" algn="l" defTabSz="914400" rtl="0" eaLnBrk="1" latinLnBrk="0" hangingPunct="1">
+              <a:defRPr sz="1800" kern="1200">
+                <a:solidFill>
+                  <a:schemeClr val="tx1"/>
+                </a:solidFill>
+                <a:latin typeface="+mn-lt"/>
+                <a:ea typeface="+mn-ea"/>
+                <a:cs typeface="+mn-cs"/>
+              </a:defRPr>
+            </a:lvl1pPr>
+            <a:lvl2pPr marL="457200" algn="l" defTabSz="914400" rtl="0" eaLnBrk="1" latinLnBrk="0" hangingPunct="1">
+              <a:defRPr sz="1800" kern="1200">
+                <a:solidFill>
+                  <a:schemeClr val="tx1"/>
+                </a:solidFill>
+                <a:latin typeface="+mn-lt"/>
+                <a:ea typeface="+mn-ea"/>
+                <a:cs typeface="+mn-cs"/>
+              </a:defRPr>
+            </a:lvl2pPr>
+            <a:lvl3pPr marL="914400" algn="l" defTabSz="914400" rtl="0" eaLnBrk="1" latinLnBrk="0" hangingPunct="1">
+              <a:defRPr sz="1800" kern="1200">
+                <a:solidFill>
+                  <a:schemeClr val="tx1"/>
+                </a:solidFill>
+                <a:latin typeface="+mn-lt"/>
+                <a:ea typeface="+mn-ea"/>
+                <a:cs typeface="+mn-cs"/>
+              </a:defRPr>
+            </a:lvl3pPr>
+            <a:lvl4pPr marL="1371600" algn="l" defTabSz="914400" rtl="0" eaLnBrk="1" latinLnBrk="0" hangingPunct="1">
+              <a:defRPr sz="1800" kern="1200">
+                <a:solidFill>
+                  <a:schemeClr val="tx1"/>
+                </a:solidFill>
+                <a:latin typeface="+mn-lt"/>
+                <a:ea typeface="+mn-ea"/>
+                <a:cs typeface="+mn-cs"/>
+              </a:defRPr>
+            </a:lvl4pPr>
+            <a:lvl5pPr marL="1828800" algn="l" defTabSz="914400" rtl="0" eaLnBrk="1" latinLnBrk="0" hangingPunct="1">
+              <a:defRPr sz="1800" kern="1200">
+                <a:solidFill>
+                  <a:schemeClr val="tx1"/>
+                </a:solidFill>
+                <a:latin typeface="+mn-lt"/>
+                <a:ea typeface="+mn-ea"/>
+                <a:cs typeface="+mn-cs"/>
+              </a:defRPr>
+            </a:lvl5pPr>
+            <a:lvl6pPr marL="2286000" algn="l" defTabSz="914400" rtl="0" eaLnBrk="1" latinLnBrk="0" hangingPunct="1">
+              <a:defRPr sz="1800" kern="1200">
+                <a:solidFill>
+                  <a:schemeClr val="tx1"/>
+                </a:solidFill>
+                <a:latin typeface="+mn-lt"/>
+                <a:ea typeface="+mn-ea"/>
+                <a:cs typeface="+mn-cs"/>
+              </a:defRPr>
+            </a:lvl6pPr>
+            <a:lvl7pPr marL="2743200" algn="l" defTabSz="914400" rtl="0" eaLnBrk="1" latinLnBrk="0" hangingPunct="1">
+              <a:defRPr sz="1800" kern="1200">
+                <a:solidFill>
+                  <a:schemeClr val="tx1"/>
+                </a:solidFill>
+                <a:latin typeface="+mn-lt"/>
+                <a:ea typeface="+mn-ea"/>
+                <a:cs typeface="+mn-cs"/>
+              </a:defRPr>
+            </a:lvl7pPr>
+            <a:lvl8pPr marL="3200400" algn="l" defTabSz="914400" rtl="0" eaLnBrk="1" latinLnBrk="0" hangingPunct="1">
+              <a:defRPr sz="1800" kern="1200">
+                <a:solidFill>
+                  <a:schemeClr val="tx1"/>
+                </a:solidFill>
+                <a:latin typeface="+mn-lt"/>
+                <a:ea typeface="+mn-ea"/>
+                <a:cs typeface="+mn-cs"/>
+              </a:defRPr>
+            </a:lvl8pPr>
+            <a:lvl9pPr marL="3657600" algn="l" defTabSz="914400" rtl="0" eaLnBrk="1" latinLnBrk="0" hangingPunct="1">
+              <a:defRPr sz="1800" kern="1200">
+                <a:solidFill>
+                  <a:schemeClr val="tx1"/>
+                </a:solidFill>
+                <a:latin typeface="+mn-lt"/>
+                <a:ea typeface="+mn-ea"/>
+                <a:cs typeface="+mn-cs"/>
+              </a:defRPr>
+            </a:lvl9pPr>
+          </a:lstStyle>
+          <a:p>
+            <a:pPr algn="l"/>
+            <a:r>
+              <a:rPr lang="en-US" dirty="0"/>
+              <a:t>07 05 240</a:t>
+            </a:r>
+          </a:p>
+        </p:txBody>
+      </p:sp>
+      <p:sp>
+        <p:nvSpPr>
+          <p:cNvPr id="4" name="TextBox 3">
+            <a:extLst>
+              <a:ext uri="{FF2B5EF4-FFF2-40B4-BE49-F238E27FC236}">
+                <a16:creationId xmlns:a16="http://schemas.microsoft.com/office/drawing/2014/main" id="{576C06CC-250A-FA54-D453-4B2CF9F6AFB1}"/>
+              </a:ext>
+            </a:extLst>
+          </p:cNvPr>
+          <p:cNvSpPr txBox="1"/>
+          <p:nvPr/>
+        </p:nvSpPr>
+        <p:spPr>
+          <a:xfrm>
+            <a:off x="10363200" y="3429000"/>
+            <a:ext cx="1828800" cy="369332"/>
+          </a:xfrm>
+          <a:prstGeom prst="rect">
+            <a:avLst/>
+          </a:prstGeom>
+          <a:noFill/>
+        </p:spPr>
+        <p:txBody>
+          <a:bodyPr wrap="square" rtlCol="0">
+            <a:spAutoFit/>
+          </a:bodyPr>
+          <a:lstStyle>
+            <a:defPPr>
+              <a:defRPr lang="en-US"/>
+            </a:defPPr>
+            <a:lvl1pPr marL="0" algn="l" defTabSz="914400" rtl="0" eaLnBrk="1" latinLnBrk="0" hangingPunct="1">
+              <a:defRPr sz="1800" kern="1200">
+                <a:solidFill>
+                  <a:schemeClr val="tx1"/>
+                </a:solidFill>
+                <a:latin typeface="+mn-lt"/>
+                <a:ea typeface="+mn-ea"/>
+                <a:cs typeface="+mn-cs"/>
+              </a:defRPr>
+            </a:lvl1pPr>
+            <a:lvl2pPr marL="457200" algn="l" defTabSz="914400" rtl="0" eaLnBrk="1" latinLnBrk="0" hangingPunct="1">
+              <a:defRPr sz="1800" kern="1200">
+                <a:solidFill>
+                  <a:schemeClr val="tx1"/>
+                </a:solidFill>
+                <a:latin typeface="+mn-lt"/>
+                <a:ea typeface="+mn-ea"/>
+                <a:cs typeface="+mn-cs"/>
+              </a:defRPr>
+            </a:lvl2pPr>
+            <a:lvl3pPr marL="914400" algn="l" defTabSz="914400" rtl="0" eaLnBrk="1" latinLnBrk="0" hangingPunct="1">
+              <a:defRPr sz="1800" kern="1200">
+                <a:solidFill>
+                  <a:schemeClr val="tx1"/>
+                </a:solidFill>
+                <a:latin typeface="+mn-lt"/>
+                <a:ea typeface="+mn-ea"/>
+                <a:cs typeface="+mn-cs"/>
+              </a:defRPr>
+            </a:lvl3pPr>
+            <a:lvl4pPr marL="1371600" algn="l" defTabSz="914400" rtl="0" eaLnBrk="1" latinLnBrk="0" hangingPunct="1">
+              <a:defRPr sz="1800" kern="1200">
+                <a:solidFill>
+                  <a:schemeClr val="tx1"/>
+                </a:solidFill>
+                <a:latin typeface="+mn-lt"/>
+                <a:ea typeface="+mn-ea"/>
+                <a:cs typeface="+mn-cs"/>
+              </a:defRPr>
+            </a:lvl4pPr>
+            <a:lvl5pPr marL="1828800" algn="l" defTabSz="914400" rtl="0" eaLnBrk="1" latinLnBrk="0" hangingPunct="1">
+              <a:defRPr sz="1800" kern="1200">
+                <a:solidFill>
+                  <a:schemeClr val="tx1"/>
+                </a:solidFill>
+                <a:latin typeface="+mn-lt"/>
+                <a:ea typeface="+mn-ea"/>
+                <a:cs typeface="+mn-cs"/>
+              </a:defRPr>
+            </a:lvl5pPr>
+            <a:lvl6pPr marL="2286000" algn="l" defTabSz="914400" rtl="0" eaLnBrk="1" latinLnBrk="0" hangingPunct="1">
+              <a:defRPr sz="1800" kern="1200">
+                <a:solidFill>
+                  <a:schemeClr val="tx1"/>
+                </a:solidFill>
+                <a:latin typeface="+mn-lt"/>
+                <a:ea typeface="+mn-ea"/>
+                <a:cs typeface="+mn-cs"/>
+              </a:defRPr>
+            </a:lvl6pPr>
+            <a:lvl7pPr marL="2743200" algn="l" defTabSz="914400" rtl="0" eaLnBrk="1" latinLnBrk="0" hangingPunct="1">
+              <a:defRPr sz="1800" kern="1200">
+                <a:solidFill>
+                  <a:schemeClr val="tx1"/>
+                </a:solidFill>
+                <a:latin typeface="+mn-lt"/>
+                <a:ea typeface="+mn-ea"/>
+                <a:cs typeface="+mn-cs"/>
+              </a:defRPr>
+            </a:lvl7pPr>
+            <a:lvl8pPr marL="3200400" algn="l" defTabSz="914400" rtl="0" eaLnBrk="1" latinLnBrk="0" hangingPunct="1">
+              <a:defRPr sz="1800" kern="1200">
+                <a:solidFill>
+                  <a:schemeClr val="tx1"/>
+                </a:solidFill>
+                <a:latin typeface="+mn-lt"/>
+                <a:ea typeface="+mn-ea"/>
+                <a:cs typeface="+mn-cs"/>
+              </a:defRPr>
+            </a:lvl8pPr>
+            <a:lvl9pPr marL="3657600" algn="l" defTabSz="914400" rtl="0" eaLnBrk="1" latinLnBrk="0" hangingPunct="1">
+              <a:defRPr sz="1800" kern="1200">
+                <a:solidFill>
+                  <a:schemeClr val="tx1"/>
+                </a:solidFill>
+                <a:latin typeface="+mn-lt"/>
+                <a:ea typeface="+mn-ea"/>
+                <a:cs typeface="+mn-cs"/>
+              </a:defRPr>
+            </a:lvl9pPr>
+          </a:lstStyle>
+          <a:p>
+            <a:pPr algn="l"/>
+            <a:r>
+              <a:rPr lang="en-US" dirty="0"/>
+              <a:t>07 05 220</a:t>
+            </a:r>
+          </a:p>
+        </p:txBody>
+      </p:sp>
+      <p:sp>
+        <p:nvSpPr>
+          <p:cNvPr id="5" name="TextBox 4">
+            <a:extLst>
+              <a:ext uri="{FF2B5EF4-FFF2-40B4-BE49-F238E27FC236}">
+                <a16:creationId xmlns:a16="http://schemas.microsoft.com/office/drawing/2014/main" id="{5A5F8213-A5B0-C703-3508-3A99FE169531}"/>
+              </a:ext>
+            </a:extLst>
+          </p:cNvPr>
+          <p:cNvSpPr txBox="1"/>
+          <p:nvPr/>
+        </p:nvSpPr>
+        <p:spPr>
+          <a:xfrm>
+            <a:off x="931832" y="112912"/>
+            <a:ext cx="1828800" cy="369332"/>
+          </a:xfrm>
+          <a:prstGeom prst="rect">
+            <a:avLst/>
+          </a:prstGeom>
+          <a:noFill/>
+        </p:spPr>
+        <p:txBody>
+          <a:bodyPr rot="0" spcFirstLastPara="0" vert="horz" wrap="square" lIns="91440" tIns="45720" rIns="91440" bIns="45720" numCol="1" spcCol="0" rtlCol="0" fromWordArt="0" anchor="t" anchorCtr="0" forceAA="0" compatLnSpc="1">
+            <a:prstTxWarp prst="textNoShape">
+              <a:avLst/>
+            </a:prstTxWarp>
+            <a:spAutoFit/>
+          </a:bodyPr>
+          <a:lstStyle>
+            <a:defPPr>
+              <a:defRPr lang="en-US"/>
+            </a:defPPr>
+            <a:lvl1pPr marL="0" algn="l" defTabSz="914400" rtl="0" eaLnBrk="1" latinLnBrk="0" hangingPunct="1">
+              <a:defRPr sz="1800" kern="1200">
+                <a:solidFill>
+                  <a:schemeClr val="tx1"/>
+                </a:solidFill>
+                <a:latin typeface="+mn-lt"/>
+                <a:ea typeface="+mn-ea"/>
+                <a:cs typeface="+mn-cs"/>
+              </a:defRPr>
+            </a:lvl1pPr>
+            <a:lvl2pPr marL="457200" algn="l" defTabSz="914400" rtl="0" eaLnBrk="1" latinLnBrk="0" hangingPunct="1">
+              <a:defRPr sz="1800" kern="1200">
+                <a:solidFill>
+                  <a:schemeClr val="tx1"/>
+                </a:solidFill>
+                <a:latin typeface="+mn-lt"/>
+                <a:ea typeface="+mn-ea"/>
+                <a:cs typeface="+mn-cs"/>
+              </a:defRPr>
+            </a:lvl2pPr>
+            <a:lvl3pPr marL="914400" algn="l" defTabSz="914400" rtl="0" eaLnBrk="1" latinLnBrk="0" hangingPunct="1">
+              <a:defRPr sz="1800" kern="1200">
+                <a:solidFill>
+                  <a:schemeClr val="tx1"/>
+                </a:solidFill>
+                <a:latin typeface="+mn-lt"/>
+                <a:ea typeface="+mn-ea"/>
+                <a:cs typeface="+mn-cs"/>
+              </a:defRPr>
+            </a:lvl3pPr>
+            <a:lvl4pPr marL="1371600" algn="l" defTabSz="914400" rtl="0" eaLnBrk="1" latinLnBrk="0" hangingPunct="1">
+              <a:defRPr sz="1800" kern="1200">
+                <a:solidFill>
+                  <a:schemeClr val="tx1"/>
+                </a:solidFill>
+                <a:latin typeface="+mn-lt"/>
+                <a:ea typeface="+mn-ea"/>
+                <a:cs typeface="+mn-cs"/>
+              </a:defRPr>
+            </a:lvl4pPr>
+            <a:lvl5pPr marL="1828800" algn="l" defTabSz="914400" rtl="0" eaLnBrk="1" latinLnBrk="0" hangingPunct="1">
+              <a:defRPr sz="1800" kern="1200">
+                <a:solidFill>
+                  <a:schemeClr val="tx1"/>
+                </a:solidFill>
+                <a:latin typeface="+mn-lt"/>
+                <a:ea typeface="+mn-ea"/>
+                <a:cs typeface="+mn-cs"/>
+              </a:defRPr>
+            </a:lvl5pPr>
+            <a:lvl6pPr marL="2286000" algn="l" defTabSz="914400" rtl="0" eaLnBrk="1" latinLnBrk="0" hangingPunct="1">
+              <a:defRPr sz="1800" kern="1200">
+                <a:solidFill>
+                  <a:schemeClr val="tx1"/>
+                </a:solidFill>
+                <a:latin typeface="+mn-lt"/>
+                <a:ea typeface="+mn-ea"/>
+                <a:cs typeface="+mn-cs"/>
+              </a:defRPr>
+            </a:lvl6pPr>
+            <a:lvl7pPr marL="2743200" algn="l" defTabSz="914400" rtl="0" eaLnBrk="1" latinLnBrk="0" hangingPunct="1">
+              <a:defRPr sz="1800" kern="1200">
+                <a:solidFill>
+                  <a:schemeClr val="tx1"/>
+                </a:solidFill>
+                <a:latin typeface="+mn-lt"/>
+                <a:ea typeface="+mn-ea"/>
+                <a:cs typeface="+mn-cs"/>
+              </a:defRPr>
+            </a:lvl7pPr>
+            <a:lvl8pPr marL="3200400" algn="l" defTabSz="914400" rtl="0" eaLnBrk="1" latinLnBrk="0" hangingPunct="1">
+              <a:defRPr sz="1800" kern="1200">
+                <a:solidFill>
+                  <a:schemeClr val="tx1"/>
+                </a:solidFill>
+                <a:latin typeface="+mn-lt"/>
+                <a:ea typeface="+mn-ea"/>
+                <a:cs typeface="+mn-cs"/>
+              </a:defRPr>
+            </a:lvl8pPr>
+            <a:lvl9pPr marL="3657600" algn="l" defTabSz="914400" rtl="0" eaLnBrk="1" latinLnBrk="0" hangingPunct="1">
+              <a:defRPr sz="1800" kern="1200">
+                <a:solidFill>
+                  <a:schemeClr val="tx1"/>
+                </a:solidFill>
+                <a:latin typeface="+mn-lt"/>
+                <a:ea typeface="+mn-ea"/>
+                <a:cs typeface="+mn-cs"/>
+              </a:defRPr>
+            </a:lvl9pPr>
+          </a:lstStyle>
+          <a:p>
+            <a:pPr algn="l"/>
+            <a:r>
+              <a:rPr lang="en-US" dirty="0"/>
+              <a:t>06 05 260</a:t>
+            </a:r>
+          </a:p>
+        </p:txBody>
+      </p:sp>
+      <p:sp>
+        <p:nvSpPr>
+          <p:cNvPr id="6" name="TextBox 5">
+            <a:extLst>
+              <a:ext uri="{FF2B5EF4-FFF2-40B4-BE49-F238E27FC236}">
+                <a16:creationId xmlns:a16="http://schemas.microsoft.com/office/drawing/2014/main" id="{534E573E-50CE-C5BA-55BB-CD22FE9C4795}"/>
+              </a:ext>
+            </a:extLst>
+          </p:cNvPr>
+          <p:cNvSpPr txBox="1"/>
+          <p:nvPr/>
+        </p:nvSpPr>
+        <p:spPr>
+          <a:xfrm>
+            <a:off x="5902761" y="112912"/>
+            <a:ext cx="1828800" cy="369332"/>
+          </a:xfrm>
+          <a:prstGeom prst="rect">
+            <a:avLst/>
+          </a:prstGeom>
+          <a:noFill/>
+        </p:spPr>
+        <p:txBody>
+          <a:bodyPr rot="0" spcFirstLastPara="0" vert="horz" wrap="square" lIns="91440" tIns="45720" rIns="91440" bIns="45720" numCol="1" spcCol="0" rtlCol="0" fromWordArt="0" anchor="t" anchorCtr="0" forceAA="0" compatLnSpc="1">
+            <a:prstTxWarp prst="textNoShape">
+              <a:avLst/>
+            </a:prstTxWarp>
+            <a:spAutoFit/>
+          </a:bodyPr>
+          <a:lstStyle>
+            <a:defPPr>
+              <a:defRPr lang="en-US"/>
+            </a:defPPr>
+            <a:lvl1pPr marL="0" algn="l" defTabSz="914400" rtl="0" eaLnBrk="1" latinLnBrk="0" hangingPunct="1">
+              <a:defRPr sz="1800" kern="1200">
+                <a:solidFill>
+                  <a:schemeClr val="tx1"/>
+                </a:solidFill>
+                <a:latin typeface="+mn-lt"/>
+                <a:ea typeface="+mn-ea"/>
+                <a:cs typeface="+mn-cs"/>
+              </a:defRPr>
+            </a:lvl1pPr>
+            <a:lvl2pPr marL="457200" algn="l" defTabSz="914400" rtl="0" eaLnBrk="1" latinLnBrk="0" hangingPunct="1">
+              <a:defRPr sz="1800" kern="1200">
+                <a:solidFill>
+                  <a:schemeClr val="tx1"/>
+                </a:solidFill>
+                <a:latin typeface="+mn-lt"/>
+                <a:ea typeface="+mn-ea"/>
+                <a:cs typeface="+mn-cs"/>
+              </a:defRPr>
+            </a:lvl2pPr>
+            <a:lvl3pPr marL="914400" algn="l" defTabSz="914400" rtl="0" eaLnBrk="1" latinLnBrk="0" hangingPunct="1">
+              <a:defRPr sz="1800" kern="1200">
+                <a:solidFill>
+                  <a:schemeClr val="tx1"/>
+                </a:solidFill>
+                <a:latin typeface="+mn-lt"/>
+                <a:ea typeface="+mn-ea"/>
+                <a:cs typeface="+mn-cs"/>
+              </a:defRPr>
+            </a:lvl3pPr>
+            <a:lvl4pPr marL="1371600" algn="l" defTabSz="914400" rtl="0" eaLnBrk="1" latinLnBrk="0" hangingPunct="1">
+              <a:defRPr sz="1800" kern="1200">
+                <a:solidFill>
+                  <a:schemeClr val="tx1"/>
+                </a:solidFill>
+                <a:latin typeface="+mn-lt"/>
+                <a:ea typeface="+mn-ea"/>
+                <a:cs typeface="+mn-cs"/>
+              </a:defRPr>
+            </a:lvl4pPr>
+            <a:lvl5pPr marL="1828800" algn="l" defTabSz="914400" rtl="0" eaLnBrk="1" latinLnBrk="0" hangingPunct="1">
+              <a:defRPr sz="1800" kern="1200">
+                <a:solidFill>
+                  <a:schemeClr val="tx1"/>
+                </a:solidFill>
+                <a:latin typeface="+mn-lt"/>
+                <a:ea typeface="+mn-ea"/>
+                <a:cs typeface="+mn-cs"/>
+              </a:defRPr>
+            </a:lvl5pPr>
+            <a:lvl6pPr marL="2286000" algn="l" defTabSz="914400" rtl="0" eaLnBrk="1" latinLnBrk="0" hangingPunct="1">
+              <a:defRPr sz="1800" kern="1200">
+                <a:solidFill>
+                  <a:schemeClr val="tx1"/>
+                </a:solidFill>
+                <a:latin typeface="+mn-lt"/>
+                <a:ea typeface="+mn-ea"/>
+                <a:cs typeface="+mn-cs"/>
+              </a:defRPr>
+            </a:lvl6pPr>
+            <a:lvl7pPr marL="2743200" algn="l" defTabSz="914400" rtl="0" eaLnBrk="1" latinLnBrk="0" hangingPunct="1">
+              <a:defRPr sz="1800" kern="1200">
+                <a:solidFill>
+                  <a:schemeClr val="tx1"/>
+                </a:solidFill>
+                <a:latin typeface="+mn-lt"/>
+                <a:ea typeface="+mn-ea"/>
+                <a:cs typeface="+mn-cs"/>
+              </a:defRPr>
+            </a:lvl7pPr>
+            <a:lvl8pPr marL="3200400" algn="l" defTabSz="914400" rtl="0" eaLnBrk="1" latinLnBrk="0" hangingPunct="1">
+              <a:defRPr sz="1800" kern="1200">
+                <a:solidFill>
+                  <a:schemeClr val="tx1"/>
+                </a:solidFill>
+                <a:latin typeface="+mn-lt"/>
+                <a:ea typeface="+mn-ea"/>
+                <a:cs typeface="+mn-cs"/>
+              </a:defRPr>
+            </a:lvl8pPr>
+            <a:lvl9pPr marL="3657600" algn="l" defTabSz="914400" rtl="0" eaLnBrk="1" latinLnBrk="0" hangingPunct="1">
+              <a:defRPr sz="1800" kern="1200">
+                <a:solidFill>
+                  <a:schemeClr val="tx1"/>
+                </a:solidFill>
+                <a:latin typeface="+mn-lt"/>
+                <a:ea typeface="+mn-ea"/>
+                <a:cs typeface="+mn-cs"/>
+              </a:defRPr>
+            </a:lvl9pPr>
+          </a:lstStyle>
+          <a:p>
+            <a:pPr algn="l"/>
+            <a:r>
+              <a:rPr lang="en-US" dirty="0"/>
+              <a:t>06 05 240</a:t>
+            </a:r>
+          </a:p>
+        </p:txBody>
+      </p:sp>
+      <p:sp>
+        <p:nvSpPr>
+          <p:cNvPr id="7" name="TextBox 6">
+            <a:extLst>
+              <a:ext uri="{FF2B5EF4-FFF2-40B4-BE49-F238E27FC236}">
+                <a16:creationId xmlns:a16="http://schemas.microsoft.com/office/drawing/2014/main" id="{7CF49E84-3AF4-905F-EA46-D114456B9191}"/>
+              </a:ext>
+            </a:extLst>
+          </p:cNvPr>
+          <p:cNvSpPr txBox="1"/>
+          <p:nvPr/>
+        </p:nvSpPr>
+        <p:spPr>
+          <a:xfrm>
+            <a:off x="10363200" y="112912"/>
+            <a:ext cx="1828800" cy="369332"/>
+          </a:xfrm>
+          <a:prstGeom prst="rect">
+            <a:avLst/>
+          </a:prstGeom>
+          <a:noFill/>
+        </p:spPr>
+        <p:txBody>
+          <a:bodyPr rot="0" spcFirstLastPara="0" vert="horz" wrap="square" lIns="91440" tIns="45720" rIns="91440" bIns="45720" numCol="1" spcCol="0" rtlCol="0" fromWordArt="0" anchor="t" anchorCtr="0" forceAA="0" compatLnSpc="1">
+            <a:prstTxWarp prst="textNoShape">
+              <a:avLst/>
+            </a:prstTxWarp>
+            <a:spAutoFit/>
+          </a:bodyPr>
+          <a:lstStyle>
+            <a:defPPr>
+              <a:defRPr lang="en-US"/>
+            </a:defPPr>
+            <a:lvl1pPr marL="0" algn="l" defTabSz="914400" rtl="0" eaLnBrk="1" latinLnBrk="0" hangingPunct="1">
+              <a:defRPr sz="1800" kern="1200">
+                <a:solidFill>
+                  <a:schemeClr val="tx1"/>
+                </a:solidFill>
+                <a:latin typeface="+mn-lt"/>
+                <a:ea typeface="+mn-ea"/>
+                <a:cs typeface="+mn-cs"/>
+              </a:defRPr>
+            </a:lvl1pPr>
+            <a:lvl2pPr marL="457200" algn="l" defTabSz="914400" rtl="0" eaLnBrk="1" latinLnBrk="0" hangingPunct="1">
+              <a:defRPr sz="1800" kern="1200">
+                <a:solidFill>
+                  <a:schemeClr val="tx1"/>
+                </a:solidFill>
+                <a:latin typeface="+mn-lt"/>
+                <a:ea typeface="+mn-ea"/>
+                <a:cs typeface="+mn-cs"/>
+              </a:defRPr>
+            </a:lvl2pPr>
+            <a:lvl3pPr marL="914400" algn="l" defTabSz="914400" rtl="0" eaLnBrk="1" latinLnBrk="0" hangingPunct="1">
+              <a:defRPr sz="1800" kern="1200">
+                <a:solidFill>
+                  <a:schemeClr val="tx1"/>
+                </a:solidFill>
+                <a:latin typeface="+mn-lt"/>
+                <a:ea typeface="+mn-ea"/>
+                <a:cs typeface="+mn-cs"/>
+              </a:defRPr>
+            </a:lvl3pPr>
+            <a:lvl4pPr marL="1371600" algn="l" defTabSz="914400" rtl="0" eaLnBrk="1" latinLnBrk="0" hangingPunct="1">
+              <a:defRPr sz="1800" kern="1200">
+                <a:solidFill>
+                  <a:schemeClr val="tx1"/>
+                </a:solidFill>
+                <a:latin typeface="+mn-lt"/>
+                <a:ea typeface="+mn-ea"/>
+                <a:cs typeface="+mn-cs"/>
+              </a:defRPr>
+            </a:lvl4pPr>
+            <a:lvl5pPr marL="1828800" algn="l" defTabSz="914400" rtl="0" eaLnBrk="1" latinLnBrk="0" hangingPunct="1">
+              <a:defRPr sz="1800" kern="1200">
+                <a:solidFill>
+                  <a:schemeClr val="tx1"/>
+                </a:solidFill>
+                <a:latin typeface="+mn-lt"/>
+                <a:ea typeface="+mn-ea"/>
+                <a:cs typeface="+mn-cs"/>
+              </a:defRPr>
+            </a:lvl5pPr>
+            <a:lvl6pPr marL="2286000" algn="l" defTabSz="914400" rtl="0" eaLnBrk="1" latinLnBrk="0" hangingPunct="1">
+              <a:defRPr sz="1800" kern="1200">
+                <a:solidFill>
+                  <a:schemeClr val="tx1"/>
+                </a:solidFill>
+                <a:latin typeface="+mn-lt"/>
+                <a:ea typeface="+mn-ea"/>
+                <a:cs typeface="+mn-cs"/>
+              </a:defRPr>
+            </a:lvl6pPr>
+            <a:lvl7pPr marL="2743200" algn="l" defTabSz="914400" rtl="0" eaLnBrk="1" latinLnBrk="0" hangingPunct="1">
+              <a:defRPr sz="1800" kern="1200">
+                <a:solidFill>
+                  <a:schemeClr val="tx1"/>
+                </a:solidFill>
+                <a:latin typeface="+mn-lt"/>
+                <a:ea typeface="+mn-ea"/>
+                <a:cs typeface="+mn-cs"/>
+              </a:defRPr>
+            </a:lvl7pPr>
+            <a:lvl8pPr marL="3200400" algn="l" defTabSz="914400" rtl="0" eaLnBrk="1" latinLnBrk="0" hangingPunct="1">
+              <a:defRPr sz="1800" kern="1200">
+                <a:solidFill>
+                  <a:schemeClr val="tx1"/>
+                </a:solidFill>
+                <a:latin typeface="+mn-lt"/>
+                <a:ea typeface="+mn-ea"/>
+                <a:cs typeface="+mn-cs"/>
+              </a:defRPr>
+            </a:lvl8pPr>
+            <a:lvl9pPr marL="3657600" algn="l" defTabSz="914400" rtl="0" eaLnBrk="1" latinLnBrk="0" hangingPunct="1">
+              <a:defRPr sz="1800" kern="1200">
+                <a:solidFill>
+                  <a:schemeClr val="tx1"/>
+                </a:solidFill>
+                <a:latin typeface="+mn-lt"/>
+                <a:ea typeface="+mn-ea"/>
+                <a:cs typeface="+mn-cs"/>
+              </a:defRPr>
+            </a:lvl9pPr>
+          </a:lstStyle>
+          <a:p>
+            <a:pPr algn="l"/>
+            <a:r>
+              <a:rPr lang="en-US" dirty="0"/>
+              <a:t>06 05 220</a:t>
+            </a:r>
+          </a:p>
+        </p:txBody>
+      </p:sp>
+      <p:pic>
+        <p:nvPicPr>
+          <p:cNvPr id="2050" name="Picture 2">
+            <a:extLst>
+              <a:ext uri="{FF2B5EF4-FFF2-40B4-BE49-F238E27FC236}">
+                <a16:creationId xmlns:a16="http://schemas.microsoft.com/office/drawing/2014/main" id="{70B8CA5F-1E3D-4E7D-0823-62A8E2E17E0F}"/>
+              </a:ext>
+            </a:extLst>
+          </p:cNvPr>
+          <p:cNvPicPr>
+            <a:picLocks noChangeAspect="1" noChangeArrowheads="1"/>
+          </p:cNvPicPr>
+          <p:nvPr/>
+        </p:nvPicPr>
+        <p:blipFill>
+          <a:blip r:embed="rId2">
+            <a:extLst>
+              <a:ext uri="{28A0092B-C50C-407E-A947-70E740481C1C}">
+                <a14:useLocalDpi xmlns:a14="http://schemas.microsoft.com/office/drawing/2010/main" val="0"/>
+              </a:ext>
+            </a:extLst>
+          </a:blip>
+          <a:srcRect/>
+          <a:stretch>
+            <a:fillRect/>
+          </a:stretch>
+        </p:blipFill>
+        <p:spPr bwMode="auto">
+          <a:xfrm>
+            <a:off x="8863764" y="482244"/>
+            <a:ext cx="3328236" cy="2517204"/>
+          </a:xfrm>
+          <a:prstGeom prst="rect">
+            <a:avLst/>
+          </a:prstGeom>
+          <a:noFill/>
+          <a:extLst>
+            <a:ext uri="{909E8E84-426E-40DD-AFC4-6F175D3DCCD1}">
+              <a14:hiddenFill xmlns:a14="http://schemas.microsoft.com/office/drawing/2010/main">
+                <a:solidFill>
+                  <a:srgbClr val="FFFFFF"/>
+                </a:solidFill>
+              </a14:hiddenFill>
+            </a:ext>
+          </a:extLst>
+        </p:spPr>
+      </p:pic>
+      <p:pic>
+        <p:nvPicPr>
+          <p:cNvPr id="2052" name="Picture 4">
+            <a:extLst>
+              <a:ext uri="{FF2B5EF4-FFF2-40B4-BE49-F238E27FC236}">
+                <a16:creationId xmlns:a16="http://schemas.microsoft.com/office/drawing/2014/main" id="{F7623D9B-4683-1363-0E15-FD172323F19F}"/>
+              </a:ext>
+            </a:extLst>
+          </p:cNvPr>
+          <p:cNvPicPr>
+            <a:picLocks noChangeAspect="1" noChangeArrowheads="1"/>
+          </p:cNvPicPr>
+          <p:nvPr/>
+        </p:nvPicPr>
+        <p:blipFill>
+          <a:blip r:embed="rId3">
+            <a:extLst>
+              <a:ext uri="{28A0092B-C50C-407E-A947-70E740481C1C}">
+                <a14:useLocalDpi xmlns:a14="http://schemas.microsoft.com/office/drawing/2010/main" val="0"/>
+              </a:ext>
+            </a:extLst>
+          </a:blip>
+          <a:srcRect/>
+          <a:stretch>
+            <a:fillRect/>
+          </a:stretch>
+        </p:blipFill>
+        <p:spPr bwMode="auto">
+          <a:xfrm>
+            <a:off x="4621128" y="482244"/>
+            <a:ext cx="3328236" cy="2517204"/>
+          </a:xfrm>
+          <a:prstGeom prst="rect">
+            <a:avLst/>
+          </a:prstGeom>
+          <a:noFill/>
+          <a:extLst>
+            <a:ext uri="{909E8E84-426E-40DD-AFC4-6F175D3DCCD1}">
+              <a14:hiddenFill xmlns:a14="http://schemas.microsoft.com/office/drawing/2010/main">
+                <a:solidFill>
+                  <a:srgbClr val="FFFFFF"/>
+                </a:solidFill>
+              </a14:hiddenFill>
+            </a:ext>
+          </a:extLst>
+        </p:spPr>
+      </p:pic>
+      <p:pic>
+        <p:nvPicPr>
+          <p:cNvPr id="8" name="Picture 7">
+            <a:extLst>
+              <a:ext uri="{FF2B5EF4-FFF2-40B4-BE49-F238E27FC236}">
+                <a16:creationId xmlns:a16="http://schemas.microsoft.com/office/drawing/2014/main" id="{66E6DF2E-6E03-4336-8738-31E884C40838}"/>
+              </a:ext>
+            </a:extLst>
+          </p:cNvPr>
+          <p:cNvPicPr>
+            <a:picLocks noChangeAspect="1"/>
+          </p:cNvPicPr>
+          <p:nvPr/>
+        </p:nvPicPr>
+        <p:blipFill>
+          <a:blip r:embed="rId4"/>
+          <a:stretch>
+            <a:fillRect/>
+          </a:stretch>
+        </p:blipFill>
+        <p:spPr>
+          <a:xfrm>
+            <a:off x="182114" y="489854"/>
+            <a:ext cx="3328236" cy="2517204"/>
+          </a:xfrm>
+          <a:prstGeom prst="rect">
+            <a:avLst/>
+          </a:prstGeom>
+        </p:spPr>
+      </p:pic>
+      <p:pic>
+        <p:nvPicPr>
+          <p:cNvPr id="2054" name="Picture 6">
+            <a:extLst>
+              <a:ext uri="{FF2B5EF4-FFF2-40B4-BE49-F238E27FC236}">
+                <a16:creationId xmlns:a16="http://schemas.microsoft.com/office/drawing/2014/main" id="{89832D12-2749-D7C9-B675-CDA7790EE7F7}"/>
+              </a:ext>
+            </a:extLst>
+          </p:cNvPr>
+          <p:cNvPicPr>
+            <a:picLocks noChangeAspect="1" noChangeArrowheads="1"/>
+          </p:cNvPicPr>
+          <p:nvPr/>
+        </p:nvPicPr>
+        <p:blipFill>
+          <a:blip r:embed="rId5">
+            <a:extLst>
+              <a:ext uri="{28A0092B-C50C-407E-A947-70E740481C1C}">
+                <a14:useLocalDpi xmlns:a14="http://schemas.microsoft.com/office/drawing/2010/main" val="0"/>
+              </a:ext>
+            </a:extLst>
+          </a:blip>
+          <a:srcRect/>
+          <a:stretch>
+            <a:fillRect/>
+          </a:stretch>
+        </p:blipFill>
+        <p:spPr bwMode="auto">
+          <a:xfrm>
+            <a:off x="182114" y="4062316"/>
+            <a:ext cx="3328236" cy="2517204"/>
+          </a:xfrm>
+          <a:prstGeom prst="rect">
+            <a:avLst/>
+          </a:prstGeom>
+          <a:noFill/>
+          <a:extLst>
+            <a:ext uri="{909E8E84-426E-40DD-AFC4-6F175D3DCCD1}">
+              <a14:hiddenFill xmlns:a14="http://schemas.microsoft.com/office/drawing/2010/main">
+                <a:solidFill>
+                  <a:srgbClr val="FFFFFF"/>
+                </a:solidFill>
+              </a14:hiddenFill>
+            </a:ext>
+          </a:extLst>
+        </p:spPr>
+      </p:pic>
+      <p:pic>
+        <p:nvPicPr>
+          <p:cNvPr id="2056" name="Picture 8">
+            <a:extLst>
+              <a:ext uri="{FF2B5EF4-FFF2-40B4-BE49-F238E27FC236}">
+                <a16:creationId xmlns:a16="http://schemas.microsoft.com/office/drawing/2014/main" id="{023528C3-2D29-F131-CE1E-F733991C8E2D}"/>
+              </a:ext>
+            </a:extLst>
+          </p:cNvPr>
+          <p:cNvPicPr>
+            <a:picLocks noChangeAspect="1" noChangeArrowheads="1"/>
+          </p:cNvPicPr>
+          <p:nvPr/>
+        </p:nvPicPr>
+        <p:blipFill>
+          <a:blip r:embed="rId6">
+            <a:extLst>
+              <a:ext uri="{28A0092B-C50C-407E-A947-70E740481C1C}">
+                <a14:useLocalDpi xmlns:a14="http://schemas.microsoft.com/office/drawing/2010/main" val="0"/>
+              </a:ext>
+            </a:extLst>
+          </a:blip>
+          <a:srcRect/>
+          <a:stretch>
+            <a:fillRect/>
+          </a:stretch>
+        </p:blipFill>
+        <p:spPr bwMode="auto">
+          <a:xfrm>
+            <a:off x="4621128" y="4062316"/>
+            <a:ext cx="3328236" cy="2517204"/>
+          </a:xfrm>
+          <a:prstGeom prst="rect">
+            <a:avLst/>
+          </a:prstGeom>
+          <a:noFill/>
+          <a:extLst>
+            <a:ext uri="{909E8E84-426E-40DD-AFC4-6F175D3DCCD1}">
+              <a14:hiddenFill xmlns:a14="http://schemas.microsoft.com/office/drawing/2010/main">
+                <a:solidFill>
+                  <a:srgbClr val="FFFFFF"/>
+                </a:solidFill>
+              </a14:hiddenFill>
+            </a:ext>
+          </a:extLst>
+        </p:spPr>
+      </p:pic>
+      <p:pic>
+        <p:nvPicPr>
+          <p:cNvPr id="2058" name="Picture 10">
+            <a:extLst>
+              <a:ext uri="{FF2B5EF4-FFF2-40B4-BE49-F238E27FC236}">
+                <a16:creationId xmlns:a16="http://schemas.microsoft.com/office/drawing/2014/main" id="{C5EE4768-A9A0-A459-45D9-62C25B4696C8}"/>
+              </a:ext>
+            </a:extLst>
+          </p:cNvPr>
+          <p:cNvPicPr>
+            <a:picLocks noChangeAspect="1" noChangeArrowheads="1"/>
+          </p:cNvPicPr>
+          <p:nvPr/>
+        </p:nvPicPr>
+        <p:blipFill>
+          <a:blip r:embed="rId7">
+            <a:extLst>
+              <a:ext uri="{28A0092B-C50C-407E-A947-70E740481C1C}">
+                <a14:useLocalDpi xmlns:a14="http://schemas.microsoft.com/office/drawing/2010/main" val="0"/>
+              </a:ext>
+            </a:extLst>
+          </a:blip>
+          <a:srcRect/>
+          <a:stretch>
+            <a:fillRect/>
+          </a:stretch>
+        </p:blipFill>
+        <p:spPr bwMode="auto">
+          <a:xfrm>
+            <a:off x="8833803" y="4025463"/>
+            <a:ext cx="3328236" cy="2517204"/>
+          </a:xfrm>
+          <a:prstGeom prst="rect">
+            <a:avLst/>
+          </a:prstGeom>
+          <a:noFill/>
+          <a:extLst>
+            <a:ext uri="{909E8E84-426E-40DD-AFC4-6F175D3DCCD1}">
+              <a14:hiddenFill xmlns:a14="http://schemas.microsoft.com/office/drawing/2010/main">
+                <a:solidFill>
+                  <a:srgbClr val="FFFFFF"/>
+                </a:solidFill>
+              </a14:hiddenFill>
+            </a:ext>
+          </a:extLst>
+        </p:spPr>
+      </p:pic>
+    </p:spTree>
+    <p:extLst>
+      <p:ext uri="{BB962C8B-B14F-4D97-AF65-F5344CB8AC3E}">
+        <p14:creationId xmlns:p14="http://schemas.microsoft.com/office/powerpoint/2010/main" val="3915003146"/>
+      </p:ext>
+    </p:extLst>
+  </p:cSld>
+  <p:clrMapOvr>
+    <a:masterClrMapping/>
+  </p:clrMapOvr>
+</p:sld>
+</file>
+
+<file path=ppt/slides/slide12.xml><?xml version="1.0" encoding="utf-8"?>
+<p:sld xmlns:a="http://schemas.openxmlformats.org/drawingml/2006/main" xmlns:r="http://schemas.openxmlformats.org/officeDocument/2006/relationships" xmlns:p="http://schemas.openxmlformats.org/presentationml/2006/main">
+  <p:cSld>
+    <p:spTree>
+      <p:nvGrpSpPr>
+        <p:cNvPr id="1" name=""/>
+        <p:cNvGrpSpPr/>
+        <p:nvPr/>
+      </p:nvGrpSpPr>
+      <p:grpSpPr>
+        <a:xfrm>
+          <a:off x="0" y="0"/>
+          <a:ext cx="0" cy="0"/>
+          <a:chOff x="0" y="0"/>
+          <a:chExt cx="0" cy="0"/>
+        </a:xfrm>
+      </p:grpSpPr>
+      <p:sp>
+        <p:nvSpPr>
+          <p:cNvPr id="2" name="TextBox 1">
+            <a:extLst>
+              <a:ext uri="{FF2B5EF4-FFF2-40B4-BE49-F238E27FC236}">
+                <a16:creationId xmlns:a16="http://schemas.microsoft.com/office/drawing/2014/main" id="{C4B3D408-169B-3C17-5FD2-805B4ED1F6F9}"/>
+              </a:ext>
+            </a:extLst>
+          </p:cNvPr>
+          <p:cNvSpPr txBox="1"/>
+          <p:nvPr/>
+        </p:nvSpPr>
+        <p:spPr>
+          <a:xfrm>
+            <a:off x="402443" y="128954"/>
+            <a:ext cx="1828800" cy="369332"/>
+          </a:xfrm>
+          <a:prstGeom prst="rect">
+            <a:avLst/>
+          </a:prstGeom>
+          <a:noFill/>
+        </p:spPr>
+        <p:txBody>
+          <a:bodyPr rot="0" spcFirstLastPara="0" vert="horz" wrap="square" lIns="91440" tIns="45720" rIns="91440" bIns="45720" numCol="1" spcCol="0" rtlCol="0" fromWordArt="0" anchor="t" anchorCtr="0" forceAA="0" compatLnSpc="1">
+            <a:prstTxWarp prst="textNoShape">
+              <a:avLst/>
+            </a:prstTxWarp>
+            <a:spAutoFit/>
+          </a:bodyPr>
+          <a:lstStyle>
+            <a:defPPr>
+              <a:defRPr lang="en-US"/>
+            </a:defPPr>
+            <a:lvl1pPr marL="0" algn="l" defTabSz="914400" rtl="0" eaLnBrk="1" latinLnBrk="0" hangingPunct="1">
+              <a:defRPr sz="1800" kern="1200">
+                <a:solidFill>
+                  <a:schemeClr val="tx1"/>
+                </a:solidFill>
+                <a:latin typeface="+mn-lt"/>
+                <a:ea typeface="+mn-ea"/>
+                <a:cs typeface="+mn-cs"/>
+              </a:defRPr>
+            </a:lvl1pPr>
+            <a:lvl2pPr marL="457200" algn="l" defTabSz="914400" rtl="0" eaLnBrk="1" latinLnBrk="0" hangingPunct="1">
+              <a:defRPr sz="1800" kern="1200">
+                <a:solidFill>
+                  <a:schemeClr val="tx1"/>
+                </a:solidFill>
+                <a:latin typeface="+mn-lt"/>
+                <a:ea typeface="+mn-ea"/>
+                <a:cs typeface="+mn-cs"/>
+              </a:defRPr>
+            </a:lvl2pPr>
+            <a:lvl3pPr marL="914400" algn="l" defTabSz="914400" rtl="0" eaLnBrk="1" latinLnBrk="0" hangingPunct="1">
+              <a:defRPr sz="1800" kern="1200">
+                <a:solidFill>
+                  <a:schemeClr val="tx1"/>
+                </a:solidFill>
+                <a:latin typeface="+mn-lt"/>
+                <a:ea typeface="+mn-ea"/>
+                <a:cs typeface="+mn-cs"/>
+              </a:defRPr>
+            </a:lvl3pPr>
+            <a:lvl4pPr marL="1371600" algn="l" defTabSz="914400" rtl="0" eaLnBrk="1" latinLnBrk="0" hangingPunct="1">
+              <a:defRPr sz="1800" kern="1200">
+                <a:solidFill>
+                  <a:schemeClr val="tx1"/>
+                </a:solidFill>
+                <a:latin typeface="+mn-lt"/>
+                <a:ea typeface="+mn-ea"/>
+                <a:cs typeface="+mn-cs"/>
+              </a:defRPr>
+            </a:lvl4pPr>
+            <a:lvl5pPr marL="1828800" algn="l" defTabSz="914400" rtl="0" eaLnBrk="1" latinLnBrk="0" hangingPunct="1">
+              <a:defRPr sz="1800" kern="1200">
+                <a:solidFill>
+                  <a:schemeClr val="tx1"/>
+                </a:solidFill>
+                <a:latin typeface="+mn-lt"/>
+                <a:ea typeface="+mn-ea"/>
+                <a:cs typeface="+mn-cs"/>
+              </a:defRPr>
+            </a:lvl5pPr>
+            <a:lvl6pPr marL="2286000" algn="l" defTabSz="914400" rtl="0" eaLnBrk="1" latinLnBrk="0" hangingPunct="1">
+              <a:defRPr sz="1800" kern="1200">
+                <a:solidFill>
+                  <a:schemeClr val="tx1"/>
+                </a:solidFill>
+                <a:latin typeface="+mn-lt"/>
+                <a:ea typeface="+mn-ea"/>
+                <a:cs typeface="+mn-cs"/>
+              </a:defRPr>
+            </a:lvl6pPr>
+            <a:lvl7pPr marL="2743200" algn="l" defTabSz="914400" rtl="0" eaLnBrk="1" latinLnBrk="0" hangingPunct="1">
+              <a:defRPr sz="1800" kern="1200">
+                <a:solidFill>
+                  <a:schemeClr val="tx1"/>
+                </a:solidFill>
+                <a:latin typeface="+mn-lt"/>
+                <a:ea typeface="+mn-ea"/>
+                <a:cs typeface="+mn-cs"/>
+              </a:defRPr>
+            </a:lvl7pPr>
+            <a:lvl8pPr marL="3200400" algn="l" defTabSz="914400" rtl="0" eaLnBrk="1" latinLnBrk="0" hangingPunct="1">
+              <a:defRPr sz="1800" kern="1200">
+                <a:solidFill>
+                  <a:schemeClr val="tx1"/>
+                </a:solidFill>
+                <a:latin typeface="+mn-lt"/>
+                <a:ea typeface="+mn-ea"/>
+                <a:cs typeface="+mn-cs"/>
+              </a:defRPr>
+            </a:lvl8pPr>
+            <a:lvl9pPr marL="3657600" algn="l" defTabSz="914400" rtl="0" eaLnBrk="1" latinLnBrk="0" hangingPunct="1">
+              <a:defRPr sz="1800" kern="1200">
+                <a:solidFill>
+                  <a:schemeClr val="tx1"/>
+                </a:solidFill>
+                <a:latin typeface="+mn-lt"/>
+                <a:ea typeface="+mn-ea"/>
+                <a:cs typeface="+mn-cs"/>
+              </a:defRPr>
+            </a:lvl9pPr>
+          </a:lstStyle>
+          <a:p>
+            <a:pPr algn="l"/>
+            <a:r>
+              <a:rPr lang="en-US" dirty="0"/>
+              <a:t>04 06 260</a:t>
+            </a:r>
+          </a:p>
+        </p:txBody>
+      </p:sp>
+      <p:sp>
+        <p:nvSpPr>
+          <p:cNvPr id="3" name="TextBox 2">
+            <a:extLst>
+              <a:ext uri="{FF2B5EF4-FFF2-40B4-BE49-F238E27FC236}">
+                <a16:creationId xmlns:a16="http://schemas.microsoft.com/office/drawing/2014/main" id="{8F2D25A8-FDC1-11E4-5C42-8C56943FC66E}"/>
+              </a:ext>
+            </a:extLst>
+          </p:cNvPr>
+          <p:cNvSpPr txBox="1"/>
+          <p:nvPr/>
+        </p:nvSpPr>
+        <p:spPr>
+          <a:xfrm>
+            <a:off x="5373372" y="128954"/>
+            <a:ext cx="1828800" cy="369332"/>
+          </a:xfrm>
+          <a:prstGeom prst="rect">
+            <a:avLst/>
+          </a:prstGeom>
+          <a:noFill/>
+        </p:spPr>
+        <p:txBody>
+          <a:bodyPr rot="0" spcFirstLastPara="0" vert="horz" wrap="square" lIns="91440" tIns="45720" rIns="91440" bIns="45720" numCol="1" spcCol="0" rtlCol="0" fromWordArt="0" anchor="t" anchorCtr="0" forceAA="0" compatLnSpc="1">
+            <a:prstTxWarp prst="textNoShape">
+              <a:avLst/>
+            </a:prstTxWarp>
+            <a:spAutoFit/>
+          </a:bodyPr>
+          <a:lstStyle>
+            <a:defPPr>
+              <a:defRPr lang="en-US"/>
+            </a:defPPr>
+            <a:lvl1pPr marL="0" algn="l" defTabSz="914400" rtl="0" eaLnBrk="1" latinLnBrk="0" hangingPunct="1">
+              <a:defRPr sz="1800" kern="1200">
+                <a:solidFill>
+                  <a:schemeClr val="tx1"/>
+                </a:solidFill>
+                <a:latin typeface="+mn-lt"/>
+                <a:ea typeface="+mn-ea"/>
+                <a:cs typeface="+mn-cs"/>
+              </a:defRPr>
+            </a:lvl1pPr>
+            <a:lvl2pPr marL="457200" algn="l" defTabSz="914400" rtl="0" eaLnBrk="1" latinLnBrk="0" hangingPunct="1">
+              <a:defRPr sz="1800" kern="1200">
+                <a:solidFill>
+                  <a:schemeClr val="tx1"/>
+                </a:solidFill>
+                <a:latin typeface="+mn-lt"/>
+                <a:ea typeface="+mn-ea"/>
+                <a:cs typeface="+mn-cs"/>
+              </a:defRPr>
+            </a:lvl2pPr>
+            <a:lvl3pPr marL="914400" algn="l" defTabSz="914400" rtl="0" eaLnBrk="1" latinLnBrk="0" hangingPunct="1">
+              <a:defRPr sz="1800" kern="1200">
+                <a:solidFill>
+                  <a:schemeClr val="tx1"/>
+                </a:solidFill>
+                <a:latin typeface="+mn-lt"/>
+                <a:ea typeface="+mn-ea"/>
+                <a:cs typeface="+mn-cs"/>
+              </a:defRPr>
+            </a:lvl3pPr>
+            <a:lvl4pPr marL="1371600" algn="l" defTabSz="914400" rtl="0" eaLnBrk="1" latinLnBrk="0" hangingPunct="1">
+              <a:defRPr sz="1800" kern="1200">
+                <a:solidFill>
+                  <a:schemeClr val="tx1"/>
+                </a:solidFill>
+                <a:latin typeface="+mn-lt"/>
+                <a:ea typeface="+mn-ea"/>
+                <a:cs typeface="+mn-cs"/>
+              </a:defRPr>
+            </a:lvl4pPr>
+            <a:lvl5pPr marL="1828800" algn="l" defTabSz="914400" rtl="0" eaLnBrk="1" latinLnBrk="0" hangingPunct="1">
+              <a:defRPr sz="1800" kern="1200">
+                <a:solidFill>
+                  <a:schemeClr val="tx1"/>
+                </a:solidFill>
+                <a:latin typeface="+mn-lt"/>
+                <a:ea typeface="+mn-ea"/>
+                <a:cs typeface="+mn-cs"/>
+              </a:defRPr>
+            </a:lvl5pPr>
+            <a:lvl6pPr marL="2286000" algn="l" defTabSz="914400" rtl="0" eaLnBrk="1" latinLnBrk="0" hangingPunct="1">
+              <a:defRPr sz="1800" kern="1200">
+                <a:solidFill>
+                  <a:schemeClr val="tx1"/>
+                </a:solidFill>
+                <a:latin typeface="+mn-lt"/>
+                <a:ea typeface="+mn-ea"/>
+                <a:cs typeface="+mn-cs"/>
+              </a:defRPr>
+            </a:lvl6pPr>
+            <a:lvl7pPr marL="2743200" algn="l" defTabSz="914400" rtl="0" eaLnBrk="1" latinLnBrk="0" hangingPunct="1">
+              <a:defRPr sz="1800" kern="1200">
+                <a:solidFill>
+                  <a:schemeClr val="tx1"/>
+                </a:solidFill>
+                <a:latin typeface="+mn-lt"/>
+                <a:ea typeface="+mn-ea"/>
+                <a:cs typeface="+mn-cs"/>
+              </a:defRPr>
+            </a:lvl7pPr>
+            <a:lvl8pPr marL="3200400" algn="l" defTabSz="914400" rtl="0" eaLnBrk="1" latinLnBrk="0" hangingPunct="1">
+              <a:defRPr sz="1800" kern="1200">
+                <a:solidFill>
+                  <a:schemeClr val="tx1"/>
+                </a:solidFill>
+                <a:latin typeface="+mn-lt"/>
+                <a:ea typeface="+mn-ea"/>
+                <a:cs typeface="+mn-cs"/>
+              </a:defRPr>
+            </a:lvl8pPr>
+            <a:lvl9pPr marL="3657600" algn="l" defTabSz="914400" rtl="0" eaLnBrk="1" latinLnBrk="0" hangingPunct="1">
+              <a:defRPr sz="1800" kern="1200">
+                <a:solidFill>
+                  <a:schemeClr val="tx1"/>
+                </a:solidFill>
+                <a:latin typeface="+mn-lt"/>
+                <a:ea typeface="+mn-ea"/>
+                <a:cs typeface="+mn-cs"/>
+              </a:defRPr>
+            </a:lvl9pPr>
+          </a:lstStyle>
+          <a:p>
+            <a:pPr algn="l"/>
+            <a:r>
+              <a:rPr lang="en-US" dirty="0"/>
+              <a:t>04 06 240</a:t>
+            </a:r>
+          </a:p>
+        </p:txBody>
+      </p:sp>
+      <p:sp>
+        <p:nvSpPr>
+          <p:cNvPr id="4" name="TextBox 3">
+            <a:extLst>
+              <a:ext uri="{FF2B5EF4-FFF2-40B4-BE49-F238E27FC236}">
+                <a16:creationId xmlns:a16="http://schemas.microsoft.com/office/drawing/2014/main" id="{B16B6C62-DD09-170D-01F7-B07B26866A8C}"/>
+              </a:ext>
+            </a:extLst>
+          </p:cNvPr>
+          <p:cNvSpPr txBox="1"/>
+          <p:nvPr/>
+        </p:nvSpPr>
+        <p:spPr>
+          <a:xfrm>
+            <a:off x="9833811" y="128954"/>
+            <a:ext cx="1828800" cy="369332"/>
+          </a:xfrm>
+          <a:prstGeom prst="rect">
+            <a:avLst/>
+          </a:prstGeom>
+          <a:noFill/>
+        </p:spPr>
+        <p:txBody>
+          <a:bodyPr rot="0" spcFirstLastPara="0" vert="horz" wrap="square" lIns="91440" tIns="45720" rIns="91440" bIns="45720" numCol="1" spcCol="0" rtlCol="0" fromWordArt="0" anchor="t" anchorCtr="0" forceAA="0" compatLnSpc="1">
+            <a:prstTxWarp prst="textNoShape">
+              <a:avLst/>
+            </a:prstTxWarp>
+            <a:spAutoFit/>
+          </a:bodyPr>
+          <a:lstStyle>
+            <a:defPPr>
+              <a:defRPr lang="en-US"/>
+            </a:defPPr>
+            <a:lvl1pPr marL="0" algn="l" defTabSz="914400" rtl="0" eaLnBrk="1" latinLnBrk="0" hangingPunct="1">
+              <a:defRPr sz="1800" kern="1200">
+                <a:solidFill>
+                  <a:schemeClr val="tx1"/>
+                </a:solidFill>
+                <a:latin typeface="+mn-lt"/>
+                <a:ea typeface="+mn-ea"/>
+                <a:cs typeface="+mn-cs"/>
+              </a:defRPr>
+            </a:lvl1pPr>
+            <a:lvl2pPr marL="457200" algn="l" defTabSz="914400" rtl="0" eaLnBrk="1" latinLnBrk="0" hangingPunct="1">
+              <a:defRPr sz="1800" kern="1200">
+                <a:solidFill>
+                  <a:schemeClr val="tx1"/>
+                </a:solidFill>
+                <a:latin typeface="+mn-lt"/>
+                <a:ea typeface="+mn-ea"/>
+                <a:cs typeface="+mn-cs"/>
+              </a:defRPr>
+            </a:lvl2pPr>
+            <a:lvl3pPr marL="914400" algn="l" defTabSz="914400" rtl="0" eaLnBrk="1" latinLnBrk="0" hangingPunct="1">
+              <a:defRPr sz="1800" kern="1200">
+                <a:solidFill>
+                  <a:schemeClr val="tx1"/>
+                </a:solidFill>
+                <a:latin typeface="+mn-lt"/>
+                <a:ea typeface="+mn-ea"/>
+                <a:cs typeface="+mn-cs"/>
+              </a:defRPr>
+            </a:lvl3pPr>
+            <a:lvl4pPr marL="1371600" algn="l" defTabSz="914400" rtl="0" eaLnBrk="1" latinLnBrk="0" hangingPunct="1">
+              <a:defRPr sz="1800" kern="1200">
+                <a:solidFill>
+                  <a:schemeClr val="tx1"/>
+                </a:solidFill>
+                <a:latin typeface="+mn-lt"/>
+                <a:ea typeface="+mn-ea"/>
+                <a:cs typeface="+mn-cs"/>
+              </a:defRPr>
+            </a:lvl4pPr>
+            <a:lvl5pPr marL="1828800" algn="l" defTabSz="914400" rtl="0" eaLnBrk="1" latinLnBrk="0" hangingPunct="1">
+              <a:defRPr sz="1800" kern="1200">
+                <a:solidFill>
+                  <a:schemeClr val="tx1"/>
+                </a:solidFill>
+                <a:latin typeface="+mn-lt"/>
+                <a:ea typeface="+mn-ea"/>
+                <a:cs typeface="+mn-cs"/>
+              </a:defRPr>
+            </a:lvl5pPr>
+            <a:lvl6pPr marL="2286000" algn="l" defTabSz="914400" rtl="0" eaLnBrk="1" latinLnBrk="0" hangingPunct="1">
+              <a:defRPr sz="1800" kern="1200">
+                <a:solidFill>
+                  <a:schemeClr val="tx1"/>
+                </a:solidFill>
+                <a:latin typeface="+mn-lt"/>
+                <a:ea typeface="+mn-ea"/>
+                <a:cs typeface="+mn-cs"/>
+              </a:defRPr>
+            </a:lvl6pPr>
+            <a:lvl7pPr marL="2743200" algn="l" defTabSz="914400" rtl="0" eaLnBrk="1" latinLnBrk="0" hangingPunct="1">
+              <a:defRPr sz="1800" kern="1200">
+                <a:solidFill>
+                  <a:schemeClr val="tx1"/>
+                </a:solidFill>
+                <a:latin typeface="+mn-lt"/>
+                <a:ea typeface="+mn-ea"/>
+                <a:cs typeface="+mn-cs"/>
+              </a:defRPr>
+            </a:lvl7pPr>
+            <a:lvl8pPr marL="3200400" algn="l" defTabSz="914400" rtl="0" eaLnBrk="1" latinLnBrk="0" hangingPunct="1">
+              <a:defRPr sz="1800" kern="1200">
+                <a:solidFill>
+                  <a:schemeClr val="tx1"/>
+                </a:solidFill>
+                <a:latin typeface="+mn-lt"/>
+                <a:ea typeface="+mn-ea"/>
+                <a:cs typeface="+mn-cs"/>
+              </a:defRPr>
+            </a:lvl8pPr>
+            <a:lvl9pPr marL="3657600" algn="l" defTabSz="914400" rtl="0" eaLnBrk="1" latinLnBrk="0" hangingPunct="1">
+              <a:defRPr sz="1800" kern="1200">
+                <a:solidFill>
+                  <a:schemeClr val="tx1"/>
+                </a:solidFill>
+                <a:latin typeface="+mn-lt"/>
+                <a:ea typeface="+mn-ea"/>
+                <a:cs typeface="+mn-cs"/>
+              </a:defRPr>
+            </a:lvl9pPr>
+          </a:lstStyle>
+          <a:p>
+            <a:pPr algn="l"/>
+            <a:r>
+              <a:rPr lang="en-US" dirty="0"/>
+              <a:t>04 06 220</a:t>
+            </a:r>
+          </a:p>
+        </p:txBody>
+      </p:sp>
+      <p:sp>
+        <p:nvSpPr>
+          <p:cNvPr id="5" name="TextBox 4">
+            <a:extLst>
+              <a:ext uri="{FF2B5EF4-FFF2-40B4-BE49-F238E27FC236}">
+                <a16:creationId xmlns:a16="http://schemas.microsoft.com/office/drawing/2014/main" id="{D9043183-8050-6296-C2E8-C2CB3BA5735B}"/>
+              </a:ext>
+            </a:extLst>
+          </p:cNvPr>
+          <p:cNvSpPr txBox="1"/>
+          <p:nvPr/>
+        </p:nvSpPr>
+        <p:spPr>
+          <a:xfrm>
+            <a:off x="402443" y="3429000"/>
+            <a:ext cx="1828800" cy="369332"/>
+          </a:xfrm>
+          <a:prstGeom prst="rect">
+            <a:avLst/>
+          </a:prstGeom>
+          <a:noFill/>
+        </p:spPr>
+        <p:txBody>
+          <a:bodyPr rot="0" spcFirstLastPara="0" vert="horz" wrap="square" lIns="91440" tIns="45720" rIns="91440" bIns="45720" numCol="1" spcCol="0" rtlCol="0" fromWordArt="0" anchor="t" anchorCtr="0" forceAA="0" compatLnSpc="1">
+            <a:prstTxWarp prst="textNoShape">
+              <a:avLst/>
+            </a:prstTxWarp>
+            <a:spAutoFit/>
+          </a:bodyPr>
+          <a:lstStyle>
+            <a:defPPr>
+              <a:defRPr lang="en-US"/>
+            </a:defPPr>
+            <a:lvl1pPr marL="0" algn="l" defTabSz="914400" rtl="0" eaLnBrk="1" latinLnBrk="0" hangingPunct="1">
+              <a:defRPr sz="1800" kern="1200">
+                <a:solidFill>
+                  <a:schemeClr val="tx1"/>
+                </a:solidFill>
+                <a:latin typeface="+mn-lt"/>
+                <a:ea typeface="+mn-ea"/>
+                <a:cs typeface="+mn-cs"/>
+              </a:defRPr>
+            </a:lvl1pPr>
+            <a:lvl2pPr marL="457200" algn="l" defTabSz="914400" rtl="0" eaLnBrk="1" latinLnBrk="0" hangingPunct="1">
+              <a:defRPr sz="1800" kern="1200">
+                <a:solidFill>
+                  <a:schemeClr val="tx1"/>
+                </a:solidFill>
+                <a:latin typeface="+mn-lt"/>
+                <a:ea typeface="+mn-ea"/>
+                <a:cs typeface="+mn-cs"/>
+              </a:defRPr>
+            </a:lvl2pPr>
+            <a:lvl3pPr marL="914400" algn="l" defTabSz="914400" rtl="0" eaLnBrk="1" latinLnBrk="0" hangingPunct="1">
+              <a:defRPr sz="1800" kern="1200">
+                <a:solidFill>
+                  <a:schemeClr val="tx1"/>
+                </a:solidFill>
+                <a:latin typeface="+mn-lt"/>
+                <a:ea typeface="+mn-ea"/>
+                <a:cs typeface="+mn-cs"/>
+              </a:defRPr>
+            </a:lvl3pPr>
+            <a:lvl4pPr marL="1371600" algn="l" defTabSz="914400" rtl="0" eaLnBrk="1" latinLnBrk="0" hangingPunct="1">
+              <a:defRPr sz="1800" kern="1200">
+                <a:solidFill>
+                  <a:schemeClr val="tx1"/>
+                </a:solidFill>
+                <a:latin typeface="+mn-lt"/>
+                <a:ea typeface="+mn-ea"/>
+                <a:cs typeface="+mn-cs"/>
+              </a:defRPr>
+            </a:lvl4pPr>
+            <a:lvl5pPr marL="1828800" algn="l" defTabSz="914400" rtl="0" eaLnBrk="1" latinLnBrk="0" hangingPunct="1">
+              <a:defRPr sz="1800" kern="1200">
+                <a:solidFill>
+                  <a:schemeClr val="tx1"/>
+                </a:solidFill>
+                <a:latin typeface="+mn-lt"/>
+                <a:ea typeface="+mn-ea"/>
+                <a:cs typeface="+mn-cs"/>
+              </a:defRPr>
+            </a:lvl5pPr>
+            <a:lvl6pPr marL="2286000" algn="l" defTabSz="914400" rtl="0" eaLnBrk="1" latinLnBrk="0" hangingPunct="1">
+              <a:defRPr sz="1800" kern="1200">
+                <a:solidFill>
+                  <a:schemeClr val="tx1"/>
+                </a:solidFill>
+                <a:latin typeface="+mn-lt"/>
+                <a:ea typeface="+mn-ea"/>
+                <a:cs typeface="+mn-cs"/>
+              </a:defRPr>
+            </a:lvl6pPr>
+            <a:lvl7pPr marL="2743200" algn="l" defTabSz="914400" rtl="0" eaLnBrk="1" latinLnBrk="0" hangingPunct="1">
+              <a:defRPr sz="1800" kern="1200">
+                <a:solidFill>
+                  <a:schemeClr val="tx1"/>
+                </a:solidFill>
+                <a:latin typeface="+mn-lt"/>
+                <a:ea typeface="+mn-ea"/>
+                <a:cs typeface="+mn-cs"/>
+              </a:defRPr>
+            </a:lvl7pPr>
+            <a:lvl8pPr marL="3200400" algn="l" defTabSz="914400" rtl="0" eaLnBrk="1" latinLnBrk="0" hangingPunct="1">
+              <a:defRPr sz="1800" kern="1200">
+                <a:solidFill>
+                  <a:schemeClr val="tx1"/>
+                </a:solidFill>
+                <a:latin typeface="+mn-lt"/>
+                <a:ea typeface="+mn-ea"/>
+                <a:cs typeface="+mn-cs"/>
+              </a:defRPr>
+            </a:lvl8pPr>
+            <a:lvl9pPr marL="3657600" algn="l" defTabSz="914400" rtl="0" eaLnBrk="1" latinLnBrk="0" hangingPunct="1">
+              <a:defRPr sz="1800" kern="1200">
+                <a:solidFill>
+                  <a:schemeClr val="tx1"/>
+                </a:solidFill>
+                <a:latin typeface="+mn-lt"/>
+                <a:ea typeface="+mn-ea"/>
+                <a:cs typeface="+mn-cs"/>
+              </a:defRPr>
+            </a:lvl9pPr>
+          </a:lstStyle>
+          <a:p>
+            <a:pPr algn="l"/>
+            <a:r>
+              <a:rPr lang="en-US" dirty="0"/>
+              <a:t>05 06 260</a:t>
+            </a:r>
+          </a:p>
+        </p:txBody>
+      </p:sp>
+      <p:sp>
+        <p:nvSpPr>
+          <p:cNvPr id="6" name="TextBox 5">
+            <a:extLst>
+              <a:ext uri="{FF2B5EF4-FFF2-40B4-BE49-F238E27FC236}">
+                <a16:creationId xmlns:a16="http://schemas.microsoft.com/office/drawing/2014/main" id="{39765D5A-B3C7-9EE1-0216-F806BE74B0D7}"/>
+              </a:ext>
+            </a:extLst>
+          </p:cNvPr>
+          <p:cNvSpPr txBox="1"/>
+          <p:nvPr/>
+        </p:nvSpPr>
+        <p:spPr>
+          <a:xfrm>
+            <a:off x="5277158" y="3432829"/>
+            <a:ext cx="1828800" cy="369332"/>
+          </a:xfrm>
+          <a:prstGeom prst="rect">
+            <a:avLst/>
+          </a:prstGeom>
+          <a:noFill/>
+        </p:spPr>
+        <p:txBody>
+          <a:bodyPr rot="0" spcFirstLastPara="0" vert="horz" wrap="square" lIns="91440" tIns="45720" rIns="91440" bIns="45720" numCol="1" spcCol="0" rtlCol="0" fromWordArt="0" anchor="t" anchorCtr="0" forceAA="0" compatLnSpc="1">
+            <a:prstTxWarp prst="textNoShape">
+              <a:avLst/>
+            </a:prstTxWarp>
+            <a:spAutoFit/>
+          </a:bodyPr>
+          <a:lstStyle>
+            <a:defPPr>
+              <a:defRPr lang="en-US"/>
+            </a:defPPr>
+            <a:lvl1pPr marL="0" algn="l" defTabSz="914400" rtl="0" eaLnBrk="1" latinLnBrk="0" hangingPunct="1">
+              <a:defRPr sz="1800" kern="1200">
+                <a:solidFill>
+                  <a:schemeClr val="tx1"/>
+                </a:solidFill>
+                <a:latin typeface="+mn-lt"/>
+                <a:ea typeface="+mn-ea"/>
+                <a:cs typeface="+mn-cs"/>
+              </a:defRPr>
+            </a:lvl1pPr>
+            <a:lvl2pPr marL="457200" algn="l" defTabSz="914400" rtl="0" eaLnBrk="1" latinLnBrk="0" hangingPunct="1">
+              <a:defRPr sz="1800" kern="1200">
+                <a:solidFill>
+                  <a:schemeClr val="tx1"/>
+                </a:solidFill>
+                <a:latin typeface="+mn-lt"/>
+                <a:ea typeface="+mn-ea"/>
+                <a:cs typeface="+mn-cs"/>
+              </a:defRPr>
+            </a:lvl2pPr>
+            <a:lvl3pPr marL="914400" algn="l" defTabSz="914400" rtl="0" eaLnBrk="1" latinLnBrk="0" hangingPunct="1">
+              <a:defRPr sz="1800" kern="1200">
+                <a:solidFill>
+                  <a:schemeClr val="tx1"/>
+                </a:solidFill>
+                <a:latin typeface="+mn-lt"/>
+                <a:ea typeface="+mn-ea"/>
+                <a:cs typeface="+mn-cs"/>
+              </a:defRPr>
+            </a:lvl3pPr>
+            <a:lvl4pPr marL="1371600" algn="l" defTabSz="914400" rtl="0" eaLnBrk="1" latinLnBrk="0" hangingPunct="1">
+              <a:defRPr sz="1800" kern="1200">
+                <a:solidFill>
+                  <a:schemeClr val="tx1"/>
+                </a:solidFill>
+                <a:latin typeface="+mn-lt"/>
+                <a:ea typeface="+mn-ea"/>
+                <a:cs typeface="+mn-cs"/>
+              </a:defRPr>
+            </a:lvl4pPr>
+            <a:lvl5pPr marL="1828800" algn="l" defTabSz="914400" rtl="0" eaLnBrk="1" latinLnBrk="0" hangingPunct="1">
+              <a:defRPr sz="1800" kern="1200">
+                <a:solidFill>
+                  <a:schemeClr val="tx1"/>
+                </a:solidFill>
+                <a:latin typeface="+mn-lt"/>
+                <a:ea typeface="+mn-ea"/>
+                <a:cs typeface="+mn-cs"/>
+              </a:defRPr>
+            </a:lvl5pPr>
+            <a:lvl6pPr marL="2286000" algn="l" defTabSz="914400" rtl="0" eaLnBrk="1" latinLnBrk="0" hangingPunct="1">
+              <a:defRPr sz="1800" kern="1200">
+                <a:solidFill>
+                  <a:schemeClr val="tx1"/>
+                </a:solidFill>
+                <a:latin typeface="+mn-lt"/>
+                <a:ea typeface="+mn-ea"/>
+                <a:cs typeface="+mn-cs"/>
+              </a:defRPr>
+            </a:lvl6pPr>
+            <a:lvl7pPr marL="2743200" algn="l" defTabSz="914400" rtl="0" eaLnBrk="1" latinLnBrk="0" hangingPunct="1">
+              <a:defRPr sz="1800" kern="1200">
+                <a:solidFill>
+                  <a:schemeClr val="tx1"/>
+                </a:solidFill>
+                <a:latin typeface="+mn-lt"/>
+                <a:ea typeface="+mn-ea"/>
+                <a:cs typeface="+mn-cs"/>
+              </a:defRPr>
+            </a:lvl7pPr>
+            <a:lvl8pPr marL="3200400" algn="l" defTabSz="914400" rtl="0" eaLnBrk="1" latinLnBrk="0" hangingPunct="1">
+              <a:defRPr sz="1800" kern="1200">
+                <a:solidFill>
+                  <a:schemeClr val="tx1"/>
+                </a:solidFill>
+                <a:latin typeface="+mn-lt"/>
+                <a:ea typeface="+mn-ea"/>
+                <a:cs typeface="+mn-cs"/>
+              </a:defRPr>
+            </a:lvl8pPr>
+            <a:lvl9pPr marL="3657600" algn="l" defTabSz="914400" rtl="0" eaLnBrk="1" latinLnBrk="0" hangingPunct="1">
+              <a:defRPr sz="1800" kern="1200">
+                <a:solidFill>
+                  <a:schemeClr val="tx1"/>
+                </a:solidFill>
+                <a:latin typeface="+mn-lt"/>
+                <a:ea typeface="+mn-ea"/>
+                <a:cs typeface="+mn-cs"/>
+              </a:defRPr>
+            </a:lvl9pPr>
+          </a:lstStyle>
+          <a:p>
+            <a:pPr algn="l"/>
+            <a:r>
+              <a:rPr lang="en-US" dirty="0"/>
+              <a:t>05 06 240</a:t>
+            </a:r>
+          </a:p>
+        </p:txBody>
+      </p:sp>
+      <p:sp>
+        <p:nvSpPr>
+          <p:cNvPr id="7" name="TextBox 6">
+            <a:extLst>
+              <a:ext uri="{FF2B5EF4-FFF2-40B4-BE49-F238E27FC236}">
+                <a16:creationId xmlns:a16="http://schemas.microsoft.com/office/drawing/2014/main" id="{A7CCC87D-4B5F-801C-3DBA-65E174B6525C}"/>
+              </a:ext>
+            </a:extLst>
+          </p:cNvPr>
+          <p:cNvSpPr txBox="1"/>
+          <p:nvPr/>
+        </p:nvSpPr>
+        <p:spPr>
+          <a:xfrm>
+            <a:off x="9833811" y="3429000"/>
+            <a:ext cx="1828800" cy="369332"/>
+          </a:xfrm>
+          <a:prstGeom prst="rect">
+            <a:avLst/>
+          </a:prstGeom>
+          <a:noFill/>
+        </p:spPr>
+        <p:txBody>
+          <a:bodyPr rot="0" spcFirstLastPara="0" vert="horz" wrap="square" lIns="91440" tIns="45720" rIns="91440" bIns="45720" numCol="1" spcCol="0" rtlCol="0" fromWordArt="0" anchor="t" anchorCtr="0" forceAA="0" compatLnSpc="1">
+            <a:prstTxWarp prst="textNoShape">
+              <a:avLst/>
+            </a:prstTxWarp>
+            <a:spAutoFit/>
+          </a:bodyPr>
+          <a:lstStyle>
+            <a:defPPr>
+              <a:defRPr lang="en-US"/>
+            </a:defPPr>
+            <a:lvl1pPr marL="0" algn="l" defTabSz="914400" rtl="0" eaLnBrk="1" latinLnBrk="0" hangingPunct="1">
+              <a:defRPr sz="1800" kern="1200">
+                <a:solidFill>
+                  <a:schemeClr val="tx1"/>
+                </a:solidFill>
+                <a:latin typeface="+mn-lt"/>
+                <a:ea typeface="+mn-ea"/>
+                <a:cs typeface="+mn-cs"/>
+              </a:defRPr>
+            </a:lvl1pPr>
+            <a:lvl2pPr marL="457200" algn="l" defTabSz="914400" rtl="0" eaLnBrk="1" latinLnBrk="0" hangingPunct="1">
+              <a:defRPr sz="1800" kern="1200">
+                <a:solidFill>
+                  <a:schemeClr val="tx1"/>
+                </a:solidFill>
+                <a:latin typeface="+mn-lt"/>
+                <a:ea typeface="+mn-ea"/>
+                <a:cs typeface="+mn-cs"/>
+              </a:defRPr>
+            </a:lvl2pPr>
+            <a:lvl3pPr marL="914400" algn="l" defTabSz="914400" rtl="0" eaLnBrk="1" latinLnBrk="0" hangingPunct="1">
+              <a:defRPr sz="1800" kern="1200">
+                <a:solidFill>
+                  <a:schemeClr val="tx1"/>
+                </a:solidFill>
+                <a:latin typeface="+mn-lt"/>
+                <a:ea typeface="+mn-ea"/>
+                <a:cs typeface="+mn-cs"/>
+              </a:defRPr>
+            </a:lvl3pPr>
+            <a:lvl4pPr marL="1371600" algn="l" defTabSz="914400" rtl="0" eaLnBrk="1" latinLnBrk="0" hangingPunct="1">
+              <a:defRPr sz="1800" kern="1200">
+                <a:solidFill>
+                  <a:schemeClr val="tx1"/>
+                </a:solidFill>
+                <a:latin typeface="+mn-lt"/>
+                <a:ea typeface="+mn-ea"/>
+                <a:cs typeface="+mn-cs"/>
+              </a:defRPr>
+            </a:lvl4pPr>
+            <a:lvl5pPr marL="1828800" algn="l" defTabSz="914400" rtl="0" eaLnBrk="1" latinLnBrk="0" hangingPunct="1">
+              <a:defRPr sz="1800" kern="1200">
+                <a:solidFill>
+                  <a:schemeClr val="tx1"/>
+                </a:solidFill>
+                <a:latin typeface="+mn-lt"/>
+                <a:ea typeface="+mn-ea"/>
+                <a:cs typeface="+mn-cs"/>
+              </a:defRPr>
+            </a:lvl5pPr>
+            <a:lvl6pPr marL="2286000" algn="l" defTabSz="914400" rtl="0" eaLnBrk="1" latinLnBrk="0" hangingPunct="1">
+              <a:defRPr sz="1800" kern="1200">
+                <a:solidFill>
+                  <a:schemeClr val="tx1"/>
+                </a:solidFill>
+                <a:latin typeface="+mn-lt"/>
+                <a:ea typeface="+mn-ea"/>
+                <a:cs typeface="+mn-cs"/>
+              </a:defRPr>
+            </a:lvl6pPr>
+            <a:lvl7pPr marL="2743200" algn="l" defTabSz="914400" rtl="0" eaLnBrk="1" latinLnBrk="0" hangingPunct="1">
+              <a:defRPr sz="1800" kern="1200">
+                <a:solidFill>
+                  <a:schemeClr val="tx1"/>
+                </a:solidFill>
+                <a:latin typeface="+mn-lt"/>
+                <a:ea typeface="+mn-ea"/>
+                <a:cs typeface="+mn-cs"/>
+              </a:defRPr>
+            </a:lvl7pPr>
+            <a:lvl8pPr marL="3200400" algn="l" defTabSz="914400" rtl="0" eaLnBrk="1" latinLnBrk="0" hangingPunct="1">
+              <a:defRPr sz="1800" kern="1200">
+                <a:solidFill>
+                  <a:schemeClr val="tx1"/>
+                </a:solidFill>
+                <a:latin typeface="+mn-lt"/>
+                <a:ea typeface="+mn-ea"/>
+                <a:cs typeface="+mn-cs"/>
+              </a:defRPr>
+            </a:lvl8pPr>
+            <a:lvl9pPr marL="3657600" algn="l" defTabSz="914400" rtl="0" eaLnBrk="1" latinLnBrk="0" hangingPunct="1">
+              <a:defRPr sz="1800" kern="1200">
+                <a:solidFill>
+                  <a:schemeClr val="tx1"/>
+                </a:solidFill>
+                <a:latin typeface="+mn-lt"/>
+                <a:ea typeface="+mn-ea"/>
+                <a:cs typeface="+mn-cs"/>
+              </a:defRPr>
+            </a:lvl9pPr>
+          </a:lstStyle>
+          <a:p>
+            <a:pPr algn="l"/>
+            <a:r>
+              <a:rPr lang="en-US" dirty="0"/>
+              <a:t>05 06 220</a:t>
+            </a:r>
+          </a:p>
+        </p:txBody>
+      </p:sp>
+      <p:pic>
+        <p:nvPicPr>
+          <p:cNvPr id="1026" name="Picture 2">
+            <a:extLst>
+              <a:ext uri="{FF2B5EF4-FFF2-40B4-BE49-F238E27FC236}">
+                <a16:creationId xmlns:a16="http://schemas.microsoft.com/office/drawing/2014/main" id="{63357C54-3EDF-FAB3-0386-25CAEE5F46B0}"/>
+              </a:ext>
+            </a:extLst>
+          </p:cNvPr>
+          <p:cNvPicPr>
+            <a:picLocks noChangeAspect="1" noChangeArrowheads="1"/>
+          </p:cNvPicPr>
+          <p:nvPr/>
+        </p:nvPicPr>
+        <p:blipFill>
+          <a:blip r:embed="rId2">
+            <a:extLst>
+              <a:ext uri="{28A0092B-C50C-407E-A947-70E740481C1C}">
+                <a14:useLocalDpi xmlns:a14="http://schemas.microsoft.com/office/drawing/2010/main" val="0"/>
+              </a:ext>
+            </a:extLst>
+          </a:blip>
+          <a:srcRect/>
+          <a:stretch>
+            <a:fillRect/>
+          </a:stretch>
+        </p:blipFill>
+        <p:spPr bwMode="auto">
+          <a:xfrm>
+            <a:off x="4555331" y="715705"/>
+            <a:ext cx="3081337" cy="2378390"/>
+          </a:xfrm>
+          <a:prstGeom prst="rect">
+            <a:avLst/>
+          </a:prstGeom>
+          <a:noFill/>
+          <a:extLst>
+            <a:ext uri="{909E8E84-426E-40DD-AFC4-6F175D3DCCD1}">
+              <a14:hiddenFill xmlns:a14="http://schemas.microsoft.com/office/drawing/2010/main">
+                <a:solidFill>
+                  <a:srgbClr val="FFFFFF"/>
+                </a:solidFill>
+              </a14:hiddenFill>
+            </a:ext>
+          </a:extLst>
+        </p:spPr>
+      </p:pic>
+      <p:pic>
+        <p:nvPicPr>
+          <p:cNvPr id="1028" name="Picture 4">
+            <a:extLst>
+              <a:ext uri="{FF2B5EF4-FFF2-40B4-BE49-F238E27FC236}">
+                <a16:creationId xmlns:a16="http://schemas.microsoft.com/office/drawing/2014/main" id="{3CAC5DF9-756A-08DC-37B9-F3C40EDE75E7}"/>
+              </a:ext>
+            </a:extLst>
+          </p:cNvPr>
+          <p:cNvPicPr>
+            <a:picLocks noChangeAspect="1" noChangeArrowheads="1"/>
+          </p:cNvPicPr>
+          <p:nvPr/>
+        </p:nvPicPr>
+        <p:blipFill>
+          <a:blip r:embed="rId3">
+            <a:extLst>
+              <a:ext uri="{28A0092B-C50C-407E-A947-70E740481C1C}">
+                <a14:useLocalDpi xmlns:a14="http://schemas.microsoft.com/office/drawing/2010/main" val="0"/>
+              </a:ext>
+            </a:extLst>
+          </a:blip>
+          <a:srcRect/>
+          <a:stretch>
+            <a:fillRect/>
+          </a:stretch>
+        </p:blipFill>
+        <p:spPr bwMode="auto">
+          <a:xfrm>
+            <a:off x="8581274" y="774448"/>
+            <a:ext cx="3081337" cy="2378390"/>
+          </a:xfrm>
+          <a:prstGeom prst="rect">
+            <a:avLst/>
+          </a:prstGeom>
+          <a:noFill/>
+          <a:extLst>
+            <a:ext uri="{909E8E84-426E-40DD-AFC4-6F175D3DCCD1}">
+              <a14:hiddenFill xmlns:a14="http://schemas.microsoft.com/office/drawing/2010/main">
+                <a:solidFill>
+                  <a:srgbClr val="FFFFFF"/>
+                </a:solidFill>
+              </a14:hiddenFill>
+            </a:ext>
+          </a:extLst>
+        </p:spPr>
+      </p:pic>
+      <p:pic>
+        <p:nvPicPr>
+          <p:cNvPr id="1030" name="Picture 6">
+            <a:extLst>
+              <a:ext uri="{FF2B5EF4-FFF2-40B4-BE49-F238E27FC236}">
+                <a16:creationId xmlns:a16="http://schemas.microsoft.com/office/drawing/2014/main" id="{9430E7A9-8F6C-BF4F-FAF6-AE4A3C5CEC0B}"/>
+              </a:ext>
+            </a:extLst>
+          </p:cNvPr>
+          <p:cNvPicPr>
+            <a:picLocks noChangeAspect="1" noChangeArrowheads="1"/>
+          </p:cNvPicPr>
+          <p:nvPr/>
+        </p:nvPicPr>
+        <p:blipFill>
+          <a:blip r:embed="rId4">
+            <a:extLst>
+              <a:ext uri="{28A0092B-C50C-407E-A947-70E740481C1C}">
+                <a14:useLocalDpi xmlns:a14="http://schemas.microsoft.com/office/drawing/2010/main" val="0"/>
+              </a:ext>
+            </a:extLst>
+          </a:blip>
+          <a:srcRect/>
+          <a:stretch>
+            <a:fillRect/>
+          </a:stretch>
+        </p:blipFill>
+        <p:spPr bwMode="auto">
+          <a:xfrm>
+            <a:off x="377181" y="715705"/>
+            <a:ext cx="3233546" cy="2495876"/>
+          </a:xfrm>
+          <a:prstGeom prst="rect">
+            <a:avLst/>
+          </a:prstGeom>
+          <a:noFill/>
+          <a:extLst>
+            <a:ext uri="{909E8E84-426E-40DD-AFC4-6F175D3DCCD1}">
+              <a14:hiddenFill xmlns:a14="http://schemas.microsoft.com/office/drawing/2010/main">
+                <a:solidFill>
+                  <a:srgbClr val="FFFFFF"/>
+                </a:solidFill>
+              </a14:hiddenFill>
+            </a:ext>
+          </a:extLst>
+        </p:spPr>
+      </p:pic>
+      <p:pic>
+        <p:nvPicPr>
+          <p:cNvPr id="1032" name="Picture 8">
+            <a:extLst>
+              <a:ext uri="{FF2B5EF4-FFF2-40B4-BE49-F238E27FC236}">
+                <a16:creationId xmlns:a16="http://schemas.microsoft.com/office/drawing/2014/main" id="{1067CA43-26BB-1C90-CABB-D2F8E673A361}"/>
+              </a:ext>
+            </a:extLst>
+          </p:cNvPr>
+          <p:cNvPicPr>
+            <a:picLocks noChangeAspect="1" noChangeArrowheads="1"/>
+          </p:cNvPicPr>
+          <p:nvPr/>
+        </p:nvPicPr>
+        <p:blipFill>
+          <a:blip r:embed="rId4">
+            <a:extLst>
+              <a:ext uri="{28A0092B-C50C-407E-A947-70E740481C1C}">
+                <a14:useLocalDpi xmlns:a14="http://schemas.microsoft.com/office/drawing/2010/main" val="0"/>
+              </a:ext>
+            </a:extLst>
+          </a:blip>
+          <a:srcRect/>
+          <a:stretch>
+            <a:fillRect/>
+          </a:stretch>
+        </p:blipFill>
+        <p:spPr bwMode="auto">
+          <a:xfrm>
+            <a:off x="8581274" y="4074494"/>
+            <a:ext cx="3233546" cy="2495876"/>
+          </a:xfrm>
+          <a:prstGeom prst="rect">
+            <a:avLst/>
+          </a:prstGeom>
+          <a:noFill/>
+          <a:extLst>
+            <a:ext uri="{909E8E84-426E-40DD-AFC4-6F175D3DCCD1}">
+              <a14:hiddenFill xmlns:a14="http://schemas.microsoft.com/office/drawing/2010/main">
+                <a:solidFill>
+                  <a:srgbClr val="FFFFFF"/>
+                </a:solidFill>
+              </a14:hiddenFill>
+            </a:ext>
+          </a:extLst>
+        </p:spPr>
+      </p:pic>
+      <p:pic>
+        <p:nvPicPr>
+          <p:cNvPr id="8" name="Picture 7">
+            <a:extLst>
+              <a:ext uri="{FF2B5EF4-FFF2-40B4-BE49-F238E27FC236}">
+                <a16:creationId xmlns:a16="http://schemas.microsoft.com/office/drawing/2014/main" id="{377B9A6C-8C9C-DB77-E399-E58B5C6D8FC3}"/>
+              </a:ext>
+            </a:extLst>
+          </p:cNvPr>
+          <p:cNvPicPr>
+            <a:picLocks noChangeAspect="1"/>
+          </p:cNvPicPr>
+          <p:nvPr/>
+        </p:nvPicPr>
+        <p:blipFill>
+          <a:blip r:embed="rId5"/>
+          <a:stretch>
+            <a:fillRect/>
+          </a:stretch>
+        </p:blipFill>
+        <p:spPr>
+          <a:xfrm>
+            <a:off x="377180" y="3999508"/>
+            <a:ext cx="3198746" cy="2469015"/>
+          </a:xfrm>
+          <a:prstGeom prst="rect">
+            <a:avLst/>
+          </a:prstGeom>
+        </p:spPr>
+      </p:pic>
+    </p:spTree>
+    <p:extLst>
+      <p:ext uri="{BB962C8B-B14F-4D97-AF65-F5344CB8AC3E}">
+        <p14:creationId xmlns:p14="http://schemas.microsoft.com/office/powerpoint/2010/main" val="286941453"/>
+      </p:ext>
+    </p:extLst>
+  </p:cSld>
+  <p:clrMapOvr>
+    <a:masterClrMapping/>
+  </p:clrMapOvr>
+</p:sld>
+</file>
+
+<file path=ppt/slides/slide13.xml><?xml version="1.0" encoding="utf-8"?>
+<p:sld xmlns:a="http://schemas.openxmlformats.org/drawingml/2006/main" xmlns:r="http://schemas.openxmlformats.org/officeDocument/2006/relationships" xmlns:p="http://schemas.openxmlformats.org/presentationml/2006/main">
+  <p:cSld>
+    <p:spTree>
+      <p:nvGrpSpPr>
+        <p:cNvPr id="1" name=""/>
+        <p:cNvGrpSpPr/>
+        <p:nvPr/>
+      </p:nvGrpSpPr>
+      <p:grpSpPr>
+        <a:xfrm>
+          <a:off x="0" y="0"/>
+          <a:ext cx="0" cy="0"/>
+          <a:chOff x="0" y="0"/>
+          <a:chExt cx="0" cy="0"/>
+        </a:xfrm>
+      </p:grpSpPr>
       <p:grpSp>
         <p:nvGrpSpPr>
           <p:cNvPr id="8" name="Group 7">
@@ -4642,7 +7829,7 @@
 </p:sld>
 </file>
 
-<file path=ppt/slides/slide11.xml><?xml version="1.0" encoding="utf-8"?>
+<file path=ppt/slides/slide14.xml><?xml version="1.0" encoding="utf-8"?>
 <p:sld xmlns:a="http://schemas.openxmlformats.org/drawingml/2006/main" xmlns:r="http://schemas.openxmlformats.org/officeDocument/2006/relationships" xmlns:p="http://schemas.openxmlformats.org/presentationml/2006/main">
   <p:cSld>
     <p:spTree>
@@ -5632,7 +8819,7 @@
 </p:sld>
 </file>
 
-<file path=ppt/slides/slide12.xml><?xml version="1.0" encoding="utf-8"?>
+<file path=ppt/slides/slide15.xml><?xml version="1.0" encoding="utf-8"?>
 <p:sld xmlns:a="http://schemas.openxmlformats.org/drawingml/2006/main" xmlns:r="http://schemas.openxmlformats.org/officeDocument/2006/relationships" xmlns:p="http://schemas.openxmlformats.org/presentationml/2006/main">
   <p:cSld>
     <p:spTree>
@@ -6622,7 +9809,7 @@
 </p:sld>
 </file>
 
-<file path=ppt/slides/slide13.xml><?xml version="1.0" encoding="utf-8"?>
+<file path=ppt/slides/slide16.xml><?xml version="1.0" encoding="utf-8"?>
 <p:sld xmlns:a="http://schemas.openxmlformats.org/drawingml/2006/main" xmlns:r="http://schemas.openxmlformats.org/officeDocument/2006/relationships" xmlns:p="http://schemas.openxmlformats.org/presentationml/2006/main">
   <p:cSld>
     <p:spTree>
@@ -7471,7 +10658,7 @@
 </p:sld>
 </file>
 
-<file path=ppt/slides/slide14.xml><?xml version="1.0" encoding="utf-8"?>
+<file path=ppt/slides/slide17.xml><?xml version="1.0" encoding="utf-8"?>
 <p:sld xmlns:a="http://schemas.openxmlformats.org/drawingml/2006/main" xmlns:r="http://schemas.openxmlformats.org/officeDocument/2006/relationships" xmlns:p="http://schemas.openxmlformats.org/presentationml/2006/main">
   <p:cSld>
     <p:spTree>
@@ -8555,7 +11742,7 @@
 </p:sld>
 </file>
 
-<file path=ppt/slides/slide15.xml><?xml version="1.0" encoding="utf-8"?>
+<file path=ppt/slides/slide18.xml><?xml version="1.0" encoding="utf-8"?>
 <p:sld xmlns:a="http://schemas.openxmlformats.org/drawingml/2006/main" xmlns:r="http://schemas.openxmlformats.org/officeDocument/2006/relationships" xmlns:p="http://schemas.openxmlformats.org/presentationml/2006/main">
   <p:cSld>
     <p:spTree>
@@ -9125,7 +12312,7 @@
 </p:sld>
 </file>
 
-<file path=ppt/slides/slide16.xml><?xml version="1.0" encoding="utf-8"?>
+<file path=ppt/slides/slide19.xml><?xml version="1.0" encoding="utf-8"?>
 <p:sld xmlns:a="http://schemas.openxmlformats.org/drawingml/2006/main" xmlns:r="http://schemas.openxmlformats.org/officeDocument/2006/relationships" xmlns:p="http://schemas.openxmlformats.org/presentationml/2006/main">
   <p:cSld>
     <p:spTree>
@@ -10256,7 +13443,521 @@
 </p:sld>
 </file>
 
-<file path=ppt/slides/slide17.xml><?xml version="1.0" encoding="utf-8"?>
+<file path=ppt/slides/slide2.xml><?xml version="1.0" encoding="utf-8"?>
+<p:sld xmlns:a="http://schemas.openxmlformats.org/drawingml/2006/main" xmlns:r="http://schemas.openxmlformats.org/officeDocument/2006/relationships" xmlns:p="http://schemas.openxmlformats.org/presentationml/2006/main">
+  <p:cSld>
+    <p:spTree>
+      <p:nvGrpSpPr>
+        <p:cNvPr id="1" name=""/>
+        <p:cNvGrpSpPr/>
+        <p:nvPr/>
+      </p:nvGrpSpPr>
+      <p:grpSpPr>
+        <a:xfrm>
+          <a:off x="0" y="0"/>
+          <a:ext cx="0" cy="0"/>
+          <a:chOff x="0" y="0"/>
+          <a:chExt cx="0" cy="0"/>
+        </a:xfrm>
+      </p:grpSpPr>
+      <p:sp>
+        <p:nvSpPr>
+          <p:cNvPr id="2" name="Title 1">
+            <a:extLst>
+              <a:ext uri="{FF2B5EF4-FFF2-40B4-BE49-F238E27FC236}">
+                <a16:creationId xmlns:a16="http://schemas.microsoft.com/office/drawing/2014/main" id="{4D08F7EB-D83B-4DCD-BFF4-52B9A7C4F515}"/>
+              </a:ext>
+            </a:extLst>
+          </p:cNvPr>
+          <p:cNvSpPr>
+            <a:spLocks noGrp="1"/>
+          </p:cNvSpPr>
+          <p:nvPr>
+            <p:ph type="title"/>
+          </p:nvPr>
+        </p:nvSpPr>
+        <p:spPr/>
+        <p:txBody>
+          <a:bodyPr/>
+          <a:lstStyle/>
+          <a:p>
+            <a:r>
+              <a:rPr lang="en-US" b="1" dirty="0"/>
+              <a:t>Incorrect </a:t>
+            </a:r>
+          </a:p>
+        </p:txBody>
+      </p:sp>
+      <p:sp>
+        <p:nvSpPr>
+          <p:cNvPr id="4" name="Slide Number Placeholder 3">
+            <a:extLst>
+              <a:ext uri="{FF2B5EF4-FFF2-40B4-BE49-F238E27FC236}">
+                <a16:creationId xmlns:a16="http://schemas.microsoft.com/office/drawing/2014/main" id="{CD0D7E19-A497-4180-BCBD-300D348A995F}"/>
+              </a:ext>
+            </a:extLst>
+          </p:cNvPr>
+          <p:cNvSpPr>
+            <a:spLocks noGrp="1"/>
+          </p:cNvSpPr>
+          <p:nvPr>
+            <p:ph type="sldNum" sz="quarter" idx="12"/>
+          </p:nvPr>
+        </p:nvSpPr>
+        <p:spPr/>
+        <p:txBody>
+          <a:bodyPr/>
+          <a:lstStyle/>
+          <a:p>
+            <a:fld id="{5911C0E6-D9CE-431C-92CB-BB39B872F930}" type="slidenum">
+              <a:rPr lang="en-US" smtClean="0"/>
+              <a:t>2</a:t>
+            </a:fld>
+            <a:endParaRPr lang="en-US"/>
+          </a:p>
+        </p:txBody>
+      </p:sp>
+      <p:pic>
+        <p:nvPicPr>
+          <p:cNvPr id="6146" name="Picture 2">
+            <a:extLst>
+              <a:ext uri="{FF2B5EF4-FFF2-40B4-BE49-F238E27FC236}">
+                <a16:creationId xmlns:a16="http://schemas.microsoft.com/office/drawing/2014/main" id="{E59AB28A-47C2-437B-9AAD-396519FB978C}"/>
+              </a:ext>
+            </a:extLst>
+          </p:cNvPr>
+          <p:cNvPicPr>
+            <a:picLocks noChangeAspect="1" noChangeArrowheads="1"/>
+          </p:cNvPicPr>
+          <p:nvPr/>
+        </p:nvPicPr>
+        <p:blipFill>
+          <a:blip r:embed="rId2">
+            <a:extLst>
+              <a:ext uri="{28A0092B-C50C-407E-A947-70E740481C1C}">
+                <a14:useLocalDpi xmlns:a14="http://schemas.microsoft.com/office/drawing/2010/main" val="0"/>
+              </a:ext>
+            </a:extLst>
+          </a:blip>
+          <a:srcRect/>
+          <a:stretch>
+            <a:fillRect/>
+          </a:stretch>
+        </p:blipFill>
+        <p:spPr bwMode="auto">
+          <a:xfrm>
+            <a:off x="319717" y="2022145"/>
+            <a:ext cx="4807455" cy="3453758"/>
+          </a:xfrm>
+          <a:prstGeom prst="rect">
+            <a:avLst/>
+          </a:prstGeom>
+          <a:noFill/>
+          <a:extLst>
+            <a:ext uri="{909E8E84-426E-40DD-AFC4-6F175D3DCCD1}">
+              <a14:hiddenFill xmlns:a14="http://schemas.microsoft.com/office/drawing/2010/main">
+                <a:solidFill>
+                  <a:srgbClr val="FFFFFF"/>
+                </a:solidFill>
+              </a14:hiddenFill>
+            </a:ext>
+          </a:extLst>
+        </p:spPr>
+      </p:pic>
+      <p:grpSp>
+        <p:nvGrpSpPr>
+          <p:cNvPr id="7" name="Group 6">
+            <a:extLst>
+              <a:ext uri="{FF2B5EF4-FFF2-40B4-BE49-F238E27FC236}">
+                <a16:creationId xmlns:a16="http://schemas.microsoft.com/office/drawing/2014/main" id="{9AAA39CB-8DA8-4A84-A731-4EE0983EDA6F}"/>
+              </a:ext>
+            </a:extLst>
+          </p:cNvPr>
+          <p:cNvGrpSpPr/>
+          <p:nvPr/>
+        </p:nvGrpSpPr>
+        <p:grpSpPr>
+          <a:xfrm>
+            <a:off x="5619031" y="4645479"/>
+            <a:ext cx="6489324" cy="1202385"/>
+            <a:chOff x="493940" y="5297117"/>
+            <a:chExt cx="5694590" cy="1055131"/>
+          </a:xfrm>
+        </p:grpSpPr>
+        <p:pic>
+          <p:nvPicPr>
+            <p:cNvPr id="6148" name="Picture 4">
+              <a:extLst>
+                <a:ext uri="{FF2B5EF4-FFF2-40B4-BE49-F238E27FC236}">
+                  <a16:creationId xmlns:a16="http://schemas.microsoft.com/office/drawing/2014/main" id="{5A7B531A-ECFB-4608-8A86-D2A02018C822}"/>
+                </a:ext>
+              </a:extLst>
+            </p:cNvPr>
+            <p:cNvPicPr>
+              <a:picLocks noChangeAspect="1" noChangeArrowheads="1"/>
+            </p:cNvPicPr>
+            <p:nvPr/>
+          </p:nvPicPr>
+          <p:blipFill>
+            <a:blip r:embed="rId3">
+              <a:extLst>
+                <a:ext uri="{28A0092B-C50C-407E-A947-70E740481C1C}">
+                  <a14:useLocalDpi xmlns:a14="http://schemas.microsoft.com/office/drawing/2010/main" val="0"/>
+                </a:ext>
+              </a:extLst>
+            </a:blip>
+            <a:srcRect/>
+            <a:stretch>
+              <a:fillRect/>
+            </a:stretch>
+          </p:blipFill>
+          <p:spPr bwMode="auto">
+            <a:xfrm>
+              <a:off x="493940" y="5297117"/>
+              <a:ext cx="5694590" cy="1055131"/>
+            </a:xfrm>
+            <a:prstGeom prst="rect">
+              <a:avLst/>
+            </a:prstGeom>
+            <a:noFill/>
+            <a:extLst>
+              <a:ext uri="{909E8E84-426E-40DD-AFC4-6F175D3DCCD1}">
+                <a14:hiddenFill xmlns:a14="http://schemas.microsoft.com/office/drawing/2010/main">
+                  <a:solidFill>
+                    <a:srgbClr val="FFFFFF"/>
+                  </a:solidFill>
+                </a14:hiddenFill>
+              </a:ext>
+            </a:extLst>
+          </p:spPr>
+        </p:pic>
+        <p:pic>
+          <p:nvPicPr>
+            <p:cNvPr id="6152" name="Picture 8">
+              <a:extLst>
+                <a:ext uri="{FF2B5EF4-FFF2-40B4-BE49-F238E27FC236}">
+                  <a16:creationId xmlns:a16="http://schemas.microsoft.com/office/drawing/2014/main" id="{9B292BD5-0C28-4E27-A283-5DCDB899E437}"/>
+                </a:ext>
+              </a:extLst>
+            </p:cNvPr>
+            <p:cNvPicPr>
+              <a:picLocks noChangeAspect="1" noChangeArrowheads="1"/>
+            </p:cNvPicPr>
+            <p:nvPr/>
+          </p:nvPicPr>
+          <p:blipFill rotWithShape="1">
+            <a:blip r:embed="rId4">
+              <a:extLst>
+                <a:ext uri="{28A0092B-C50C-407E-A947-70E740481C1C}">
+                  <a14:useLocalDpi xmlns:a14="http://schemas.microsoft.com/office/drawing/2010/main" val="0"/>
+                </a:ext>
+              </a:extLst>
+            </a:blip>
+            <a:srcRect l="4049" r="4863"/>
+            <a:stretch/>
+          </p:blipFill>
+          <p:spPr bwMode="auto">
+            <a:xfrm>
+              <a:off x="493940" y="5533666"/>
+              <a:ext cx="5602060" cy="531647"/>
+            </a:xfrm>
+            <a:prstGeom prst="rect">
+              <a:avLst/>
+            </a:prstGeom>
+            <a:noFill/>
+            <a:extLst>
+              <a:ext uri="{909E8E84-426E-40DD-AFC4-6F175D3DCCD1}">
+                <a14:hiddenFill xmlns:a14="http://schemas.microsoft.com/office/drawing/2010/main">
+                  <a:solidFill>
+                    <a:srgbClr val="FFFFFF"/>
+                  </a:solidFill>
+                </a14:hiddenFill>
+              </a:ext>
+            </a:extLst>
+          </p:spPr>
+        </p:pic>
+      </p:grpSp>
+      <p:cxnSp>
+        <p:nvCxnSpPr>
+          <p:cNvPr id="12" name="Straight Arrow Connector 11">
+            <a:extLst>
+              <a:ext uri="{FF2B5EF4-FFF2-40B4-BE49-F238E27FC236}">
+                <a16:creationId xmlns:a16="http://schemas.microsoft.com/office/drawing/2014/main" id="{798AE519-8A17-4666-B737-381CD3E4189B}"/>
+              </a:ext>
+            </a:extLst>
+          </p:cNvPr>
+          <p:cNvCxnSpPr>
+            <a:cxnSpLocks/>
+            <a:endCxn id="6152" idx="1"/>
+          </p:cNvCxnSpPr>
+          <p:nvPr/>
+        </p:nvCxnSpPr>
+        <p:spPr>
+          <a:xfrm>
+            <a:off x="3396343" y="4645479"/>
+            <a:ext cx="2222688" cy="572484"/>
+          </a:xfrm>
+          <a:prstGeom prst="straightConnector1">
+            <a:avLst/>
+          </a:prstGeom>
+          <a:ln w="38100">
+            <a:solidFill>
+              <a:schemeClr val="accent2"/>
+            </a:solidFill>
+            <a:tailEnd type="triangle"/>
+          </a:ln>
+        </p:spPr>
+        <p:style>
+          <a:lnRef idx="1">
+            <a:schemeClr val="accent1"/>
+          </a:lnRef>
+          <a:fillRef idx="0">
+            <a:schemeClr val="accent1"/>
+          </a:fillRef>
+          <a:effectRef idx="0">
+            <a:schemeClr val="accent1"/>
+          </a:effectRef>
+          <a:fontRef idx="minor">
+            <a:schemeClr val="tx1"/>
+          </a:fontRef>
+        </p:style>
+      </p:cxnSp>
+      <p:pic>
+        <p:nvPicPr>
+          <p:cNvPr id="5" name="Picture 4">
+            <a:extLst>
+              <a:ext uri="{FF2B5EF4-FFF2-40B4-BE49-F238E27FC236}">
+                <a16:creationId xmlns:a16="http://schemas.microsoft.com/office/drawing/2014/main" id="{50BF59E1-C563-4F54-A986-8F9423E7E9DD}"/>
+              </a:ext>
+            </a:extLst>
+          </p:cNvPr>
+          <p:cNvPicPr>
+            <a:picLocks noChangeAspect="1"/>
+          </p:cNvPicPr>
+          <p:nvPr/>
+        </p:nvPicPr>
+        <p:blipFill>
+          <a:blip r:embed="rId5"/>
+          <a:stretch>
+            <a:fillRect/>
+          </a:stretch>
+        </p:blipFill>
+        <p:spPr>
+          <a:xfrm>
+            <a:off x="6252943" y="1602537"/>
+            <a:ext cx="4715313" cy="2715963"/>
+          </a:xfrm>
+          <a:prstGeom prst="rect">
+            <a:avLst/>
+          </a:prstGeom>
+        </p:spPr>
+      </p:pic>
+    </p:spTree>
+    <p:extLst>
+      <p:ext uri="{BB962C8B-B14F-4D97-AF65-F5344CB8AC3E}">
+        <p14:creationId xmlns:p14="http://schemas.microsoft.com/office/powerpoint/2010/main" val="2367372522"/>
+      </p:ext>
+    </p:extLst>
+  </p:cSld>
+  <p:clrMapOvr>
+    <a:masterClrMapping/>
+  </p:clrMapOvr>
+  <p:timing>
+    <p:tnLst>
+      <p:par>
+        <p:cTn id="1" dur="indefinite" restart="never" nodeType="tmRoot">
+          <p:childTnLst>
+            <p:seq concurrent="1" nextAc="seek">
+              <p:cTn id="2" dur="indefinite" nodeType="mainSeq">
+                <p:childTnLst>
+                  <p:par>
+                    <p:cTn id="3" fill="hold">
+                      <p:stCondLst>
+                        <p:cond delay="indefinite"/>
+                      </p:stCondLst>
+                      <p:childTnLst>
+                        <p:par>
+                          <p:cTn id="4" fill="hold">
+                            <p:stCondLst>
+                              <p:cond delay="0"/>
+                            </p:stCondLst>
+                            <p:childTnLst>
+                              <p:par>
+                                <p:cTn id="5" presetID="1" presetClass="entr" presetSubtype="0" fill="hold" nodeType="clickEffect">
+                                  <p:stCondLst>
+                                    <p:cond delay="0"/>
+                                  </p:stCondLst>
+                                  <p:childTnLst>
+                                    <p:set>
+                                      <p:cBhvr>
+                                        <p:cTn id="6" dur="1" fill="hold">
+                                          <p:stCondLst>
+                                            <p:cond delay="0"/>
+                                          </p:stCondLst>
+                                        </p:cTn>
+                                        <p:tgtEl>
+                                          <p:spTgt spid="6146"/>
+                                        </p:tgtEl>
+                                        <p:attrNameLst>
+                                          <p:attrName>style.visibility</p:attrName>
+                                        </p:attrNameLst>
+                                      </p:cBhvr>
+                                      <p:to>
+                                        <p:strVal val="visible"/>
+                                      </p:to>
+                                    </p:set>
+                                  </p:childTnLst>
+                                </p:cTn>
+                              </p:par>
+                            </p:childTnLst>
+                          </p:cTn>
+                        </p:par>
+                      </p:childTnLst>
+                    </p:cTn>
+                  </p:par>
+                  <p:par>
+                    <p:cTn id="7" fill="hold">
+                      <p:stCondLst>
+                        <p:cond delay="indefinite"/>
+                      </p:stCondLst>
+                      <p:childTnLst>
+                        <p:par>
+                          <p:cTn id="8" fill="hold">
+                            <p:stCondLst>
+                              <p:cond delay="0"/>
+                            </p:stCondLst>
+                            <p:childTnLst>
+                              <p:par>
+                                <p:cTn id="9" presetID="1" presetClass="entr" presetSubtype="0" fill="hold" nodeType="clickEffect">
+                                  <p:stCondLst>
+                                    <p:cond delay="0"/>
+                                  </p:stCondLst>
+                                  <p:childTnLst>
+                                    <p:set>
+                                      <p:cBhvr>
+                                        <p:cTn id="10" dur="1" fill="hold">
+                                          <p:stCondLst>
+                                            <p:cond delay="0"/>
+                                          </p:stCondLst>
+                                        </p:cTn>
+                                        <p:tgtEl>
+                                          <p:spTgt spid="5"/>
+                                        </p:tgtEl>
+                                        <p:attrNameLst>
+                                          <p:attrName>style.visibility</p:attrName>
+                                        </p:attrNameLst>
+                                      </p:cBhvr>
+                                      <p:to>
+                                        <p:strVal val="visible"/>
+                                      </p:to>
+                                    </p:set>
+                                  </p:childTnLst>
+                                </p:cTn>
+                              </p:par>
+                            </p:childTnLst>
+                          </p:cTn>
+                        </p:par>
+                      </p:childTnLst>
+                    </p:cTn>
+                  </p:par>
+                  <p:par>
+                    <p:cTn id="11" fill="hold">
+                      <p:stCondLst>
+                        <p:cond delay="indefinite"/>
+                      </p:stCondLst>
+                      <p:childTnLst>
+                        <p:par>
+                          <p:cTn id="12" fill="hold">
+                            <p:stCondLst>
+                              <p:cond delay="0"/>
+                            </p:stCondLst>
+                            <p:childTnLst>
+                              <p:par>
+                                <p:cTn id="13" presetID="1" presetClass="entr" presetSubtype="0" fill="hold" nodeType="clickEffect">
+                                  <p:stCondLst>
+                                    <p:cond delay="0"/>
+                                  </p:stCondLst>
+                                  <p:childTnLst>
+                                    <p:set>
+                                      <p:cBhvr>
+                                        <p:cTn id="14" dur="1" fill="hold">
+                                          <p:stCondLst>
+                                            <p:cond delay="0"/>
+                                          </p:stCondLst>
+                                        </p:cTn>
+                                        <p:tgtEl>
+                                          <p:spTgt spid="12"/>
+                                        </p:tgtEl>
+                                        <p:attrNameLst>
+                                          <p:attrName>style.visibility</p:attrName>
+                                        </p:attrNameLst>
+                                      </p:cBhvr>
+                                      <p:to>
+                                        <p:strVal val="visible"/>
+                                      </p:to>
+                                    </p:set>
+                                  </p:childTnLst>
+                                </p:cTn>
+                              </p:par>
+                              <p:par>
+                                <p:cTn id="15" presetID="1" presetClass="entr" presetSubtype="0" fill="hold" nodeType="withEffect">
+                                  <p:stCondLst>
+                                    <p:cond delay="0"/>
+                                  </p:stCondLst>
+                                  <p:childTnLst>
+                                    <p:set>
+                                      <p:cBhvr>
+                                        <p:cTn id="16" dur="1" fill="hold">
+                                          <p:stCondLst>
+                                            <p:cond delay="0"/>
+                                          </p:stCondLst>
+                                        </p:cTn>
+                                        <p:tgtEl>
+                                          <p:spTgt spid="7"/>
+                                        </p:tgtEl>
+                                        <p:attrNameLst>
+                                          <p:attrName>style.visibility</p:attrName>
+                                        </p:attrNameLst>
+                                      </p:cBhvr>
+                                      <p:to>
+                                        <p:strVal val="visible"/>
+                                      </p:to>
+                                    </p:set>
+                                  </p:childTnLst>
+                                </p:cTn>
+                              </p:par>
+                            </p:childTnLst>
+                          </p:cTn>
+                        </p:par>
+                      </p:childTnLst>
+                    </p:cTn>
+                  </p:par>
+                </p:childTnLst>
+              </p:cTn>
+              <p:prevCondLst>
+                <p:cond evt="onPrev" delay="0">
+                  <p:tgtEl>
+                    <p:sldTgt/>
+                  </p:tgtEl>
+                </p:cond>
+              </p:prevCondLst>
+              <p:nextCondLst>
+                <p:cond evt="onNext" delay="0">
+                  <p:tgtEl>
+                    <p:sldTgt/>
+                  </p:tgtEl>
+                </p:cond>
+              </p:nextCondLst>
+            </p:seq>
+          </p:childTnLst>
+        </p:cTn>
+      </p:par>
+    </p:tnLst>
+  </p:timing>
+</p:sld>
+</file>
+
+<file path=ppt/slides/slide20.xml><?xml version="1.0" encoding="utf-8"?>
 <p:sld xmlns:a="http://schemas.openxmlformats.org/drawingml/2006/main" xmlns:r="http://schemas.openxmlformats.org/officeDocument/2006/relationships" xmlns:p="http://schemas.openxmlformats.org/presentationml/2006/main">
   <p:cSld>
     <p:spTree>
@@ -11293,7 +14994,7 @@
 </p:sld>
 </file>
 
-<file path=ppt/slides/slide18.xml><?xml version="1.0" encoding="utf-8"?>
+<file path=ppt/slides/slide21.xml><?xml version="1.0" encoding="utf-8"?>
 <p:sld xmlns:a="http://schemas.openxmlformats.org/drawingml/2006/main" xmlns:r="http://schemas.openxmlformats.org/officeDocument/2006/relationships" xmlns:p="http://schemas.openxmlformats.org/presentationml/2006/main">
   <p:cSld>
     <p:spTree>
@@ -12330,7 +16031,7 @@
 </p:sld>
 </file>
 
-<file path=ppt/slides/slide19.xml><?xml version="1.0" encoding="utf-8"?>
+<file path=ppt/slides/slide22.xml><?xml version="1.0" encoding="utf-8"?>
 <p:sld xmlns:a="http://schemas.openxmlformats.org/drawingml/2006/main" xmlns:r="http://schemas.openxmlformats.org/officeDocument/2006/relationships" xmlns:p="http://schemas.openxmlformats.org/presentationml/2006/main">
   <p:cSld>
     <p:spTree>
@@ -13461,918 +17162,7 @@
 </p:sld>
 </file>
 
-<file path=ppt/slides/slide2.xml><?xml version="1.0" encoding="utf-8"?>
-<p:sld xmlns:a="http://schemas.openxmlformats.org/drawingml/2006/main" xmlns:r="http://schemas.openxmlformats.org/officeDocument/2006/relationships" xmlns:p="http://schemas.openxmlformats.org/presentationml/2006/main">
-  <p:cSld>
-    <p:spTree>
-      <p:nvGrpSpPr>
-        <p:cNvPr id="1" name=""/>
-        <p:cNvGrpSpPr/>
-        <p:nvPr/>
-      </p:nvGrpSpPr>
-      <p:grpSpPr>
-        <a:xfrm>
-          <a:off x="0" y="0"/>
-          <a:ext cx="0" cy="0"/>
-          <a:chOff x="0" y="0"/>
-          <a:chExt cx="0" cy="0"/>
-        </a:xfrm>
-      </p:grpSpPr>
-      <p:pic>
-        <p:nvPicPr>
-          <p:cNvPr id="4" name="Picture 3">
-            <a:extLst>
-              <a:ext uri="{FF2B5EF4-FFF2-40B4-BE49-F238E27FC236}">
-                <a16:creationId xmlns:a16="http://schemas.microsoft.com/office/drawing/2014/main" id="{B429A8CE-EC8D-EEDB-B4D8-19C627053941}"/>
-              </a:ext>
-            </a:extLst>
-          </p:cNvPr>
-          <p:cNvPicPr>
-            <a:picLocks noChangeAspect="1"/>
-          </p:cNvPicPr>
-          <p:nvPr/>
-        </p:nvPicPr>
-        <p:blipFill>
-          <a:blip r:embed="rId2"/>
-          <a:stretch>
-            <a:fillRect/>
-          </a:stretch>
-        </p:blipFill>
-        <p:spPr>
-          <a:xfrm>
-            <a:off x="850775" y="4006850"/>
-            <a:ext cx="3517900" cy="2654300"/>
-          </a:xfrm>
-          <a:prstGeom prst="rect">
-            <a:avLst/>
-          </a:prstGeom>
-        </p:spPr>
-      </p:pic>
-      <p:pic>
-        <p:nvPicPr>
-          <p:cNvPr id="7" name="Picture 6">
-            <a:extLst>
-              <a:ext uri="{FF2B5EF4-FFF2-40B4-BE49-F238E27FC236}">
-                <a16:creationId xmlns:a16="http://schemas.microsoft.com/office/drawing/2014/main" id="{94D70BFC-6EDF-6A89-50C2-4153BD9C7E3D}"/>
-              </a:ext>
-            </a:extLst>
-          </p:cNvPr>
-          <p:cNvPicPr>
-            <a:picLocks noChangeAspect="1"/>
-          </p:cNvPicPr>
-          <p:nvPr/>
-        </p:nvPicPr>
-        <p:blipFill>
-          <a:blip r:embed="rId3"/>
-          <a:stretch>
-            <a:fillRect/>
-          </a:stretch>
-        </p:blipFill>
-        <p:spPr>
-          <a:xfrm>
-            <a:off x="850775" y="906556"/>
-            <a:ext cx="3594100" cy="2654300"/>
-          </a:xfrm>
-          <a:prstGeom prst="rect">
-            <a:avLst/>
-          </a:prstGeom>
-        </p:spPr>
-      </p:pic>
-      <p:sp>
-        <p:nvSpPr>
-          <p:cNvPr id="10" name="TextBox 9">
-            <a:extLst>
-              <a:ext uri="{FF2B5EF4-FFF2-40B4-BE49-F238E27FC236}">
-                <a16:creationId xmlns:a16="http://schemas.microsoft.com/office/drawing/2014/main" id="{D858BEA2-EB99-EB03-CAF0-8836F610A0A0}"/>
-              </a:ext>
-            </a:extLst>
-          </p:cNvPr>
-          <p:cNvSpPr txBox="1"/>
-          <p:nvPr/>
-        </p:nvSpPr>
-        <p:spPr>
-          <a:xfrm>
-            <a:off x="2067610" y="537224"/>
-            <a:ext cx="1828800" cy="369332"/>
-          </a:xfrm>
-          <a:prstGeom prst="rect">
-            <a:avLst/>
-          </a:prstGeom>
-          <a:noFill/>
-        </p:spPr>
-        <p:txBody>
-          <a:bodyPr wrap="square" rtlCol="0">
-            <a:spAutoFit/>
-          </a:bodyPr>
-          <a:lstStyle/>
-          <a:p>
-            <a:pPr algn="l"/>
-            <a:r>
-              <a:rPr lang="en-US" dirty="0"/>
-              <a:t>06 04 260</a:t>
-            </a:r>
-          </a:p>
-        </p:txBody>
-      </p:sp>
-      <p:sp>
-        <p:nvSpPr>
-          <p:cNvPr id="13" name="TextBox 12">
-            <a:extLst>
-              <a:ext uri="{FF2B5EF4-FFF2-40B4-BE49-F238E27FC236}">
-                <a16:creationId xmlns:a16="http://schemas.microsoft.com/office/drawing/2014/main" id="{D8AF0677-0048-AE2B-B46A-E1AC4D443119}"/>
-              </a:ext>
-            </a:extLst>
-          </p:cNvPr>
-          <p:cNvSpPr txBox="1"/>
-          <p:nvPr/>
-        </p:nvSpPr>
-        <p:spPr>
-          <a:xfrm>
-            <a:off x="2067610" y="3637518"/>
-            <a:ext cx="1828800" cy="369332"/>
-          </a:xfrm>
-          <a:prstGeom prst="rect">
-            <a:avLst/>
-          </a:prstGeom>
-          <a:noFill/>
-        </p:spPr>
-        <p:txBody>
-          <a:bodyPr rot="0" spcFirstLastPara="0" vert="horz" wrap="square" lIns="91440" tIns="45720" rIns="91440" bIns="45720" numCol="1" spcCol="0" rtlCol="0" fromWordArt="0" anchor="t" anchorCtr="0" forceAA="0" compatLnSpc="1">
-            <a:prstTxWarp prst="textNoShape">
-              <a:avLst/>
-            </a:prstTxWarp>
-            <a:spAutoFit/>
-          </a:bodyPr>
-          <a:lstStyle>
-            <a:defPPr>
-              <a:defRPr lang="en-US"/>
-            </a:defPPr>
-            <a:lvl1pPr marL="0" algn="l" defTabSz="914400" rtl="0" eaLnBrk="1" latinLnBrk="0" hangingPunct="1">
-              <a:defRPr sz="1800" kern="1200">
-                <a:solidFill>
-                  <a:schemeClr val="tx1"/>
-                </a:solidFill>
-                <a:latin typeface="+mn-lt"/>
-                <a:ea typeface="+mn-ea"/>
-                <a:cs typeface="+mn-cs"/>
-              </a:defRPr>
-            </a:lvl1pPr>
-            <a:lvl2pPr marL="457200" algn="l" defTabSz="914400" rtl="0" eaLnBrk="1" latinLnBrk="0" hangingPunct="1">
-              <a:defRPr sz="1800" kern="1200">
-                <a:solidFill>
-                  <a:schemeClr val="tx1"/>
-                </a:solidFill>
-                <a:latin typeface="+mn-lt"/>
-                <a:ea typeface="+mn-ea"/>
-                <a:cs typeface="+mn-cs"/>
-              </a:defRPr>
-            </a:lvl2pPr>
-            <a:lvl3pPr marL="914400" algn="l" defTabSz="914400" rtl="0" eaLnBrk="1" latinLnBrk="0" hangingPunct="1">
-              <a:defRPr sz="1800" kern="1200">
-                <a:solidFill>
-                  <a:schemeClr val="tx1"/>
-                </a:solidFill>
-                <a:latin typeface="+mn-lt"/>
-                <a:ea typeface="+mn-ea"/>
-                <a:cs typeface="+mn-cs"/>
-              </a:defRPr>
-            </a:lvl3pPr>
-            <a:lvl4pPr marL="1371600" algn="l" defTabSz="914400" rtl="0" eaLnBrk="1" latinLnBrk="0" hangingPunct="1">
-              <a:defRPr sz="1800" kern="1200">
-                <a:solidFill>
-                  <a:schemeClr val="tx1"/>
-                </a:solidFill>
-                <a:latin typeface="+mn-lt"/>
-                <a:ea typeface="+mn-ea"/>
-                <a:cs typeface="+mn-cs"/>
-              </a:defRPr>
-            </a:lvl4pPr>
-            <a:lvl5pPr marL="1828800" algn="l" defTabSz="914400" rtl="0" eaLnBrk="1" latinLnBrk="0" hangingPunct="1">
-              <a:defRPr sz="1800" kern="1200">
-                <a:solidFill>
-                  <a:schemeClr val="tx1"/>
-                </a:solidFill>
-                <a:latin typeface="+mn-lt"/>
-                <a:ea typeface="+mn-ea"/>
-                <a:cs typeface="+mn-cs"/>
-              </a:defRPr>
-            </a:lvl5pPr>
-            <a:lvl6pPr marL="2286000" algn="l" defTabSz="914400" rtl="0" eaLnBrk="1" latinLnBrk="0" hangingPunct="1">
-              <a:defRPr sz="1800" kern="1200">
-                <a:solidFill>
-                  <a:schemeClr val="tx1"/>
-                </a:solidFill>
-                <a:latin typeface="+mn-lt"/>
-                <a:ea typeface="+mn-ea"/>
-                <a:cs typeface="+mn-cs"/>
-              </a:defRPr>
-            </a:lvl6pPr>
-            <a:lvl7pPr marL="2743200" algn="l" defTabSz="914400" rtl="0" eaLnBrk="1" latinLnBrk="0" hangingPunct="1">
-              <a:defRPr sz="1800" kern="1200">
-                <a:solidFill>
-                  <a:schemeClr val="tx1"/>
-                </a:solidFill>
-                <a:latin typeface="+mn-lt"/>
-                <a:ea typeface="+mn-ea"/>
-                <a:cs typeface="+mn-cs"/>
-              </a:defRPr>
-            </a:lvl7pPr>
-            <a:lvl8pPr marL="3200400" algn="l" defTabSz="914400" rtl="0" eaLnBrk="1" latinLnBrk="0" hangingPunct="1">
-              <a:defRPr sz="1800" kern="1200">
-                <a:solidFill>
-                  <a:schemeClr val="tx1"/>
-                </a:solidFill>
-                <a:latin typeface="+mn-lt"/>
-                <a:ea typeface="+mn-ea"/>
-                <a:cs typeface="+mn-cs"/>
-              </a:defRPr>
-            </a:lvl8pPr>
-            <a:lvl9pPr marL="3657600" algn="l" defTabSz="914400" rtl="0" eaLnBrk="1" latinLnBrk="0" hangingPunct="1">
-              <a:defRPr sz="1800" kern="1200">
-                <a:solidFill>
-                  <a:schemeClr val="tx1"/>
-                </a:solidFill>
-                <a:latin typeface="+mn-lt"/>
-                <a:ea typeface="+mn-ea"/>
-                <a:cs typeface="+mn-cs"/>
-              </a:defRPr>
-            </a:lvl9pPr>
-          </a:lstStyle>
-          <a:p>
-            <a:pPr algn="l"/>
-            <a:r>
-              <a:rPr lang="en-US" dirty="0"/>
-              <a:t>07 04 260</a:t>
-            </a:r>
-          </a:p>
-        </p:txBody>
-      </p:sp>
-      <p:pic>
-        <p:nvPicPr>
-          <p:cNvPr id="19" name="Picture 18">
-            <a:extLst>
-              <a:ext uri="{FF2B5EF4-FFF2-40B4-BE49-F238E27FC236}">
-                <a16:creationId xmlns:a16="http://schemas.microsoft.com/office/drawing/2014/main" id="{33248488-68AA-3677-ED06-2965B61A2655}"/>
-              </a:ext>
-            </a:extLst>
-          </p:cNvPr>
-          <p:cNvPicPr>
-            <a:picLocks noChangeAspect="1"/>
-          </p:cNvPicPr>
-          <p:nvPr/>
-        </p:nvPicPr>
-        <p:blipFill>
-          <a:blip r:embed="rId4"/>
-          <a:stretch>
-            <a:fillRect/>
-          </a:stretch>
-        </p:blipFill>
-        <p:spPr>
-          <a:xfrm>
-            <a:off x="4777692" y="4006850"/>
-            <a:ext cx="3517900" cy="2654300"/>
-          </a:xfrm>
-          <a:prstGeom prst="rect">
-            <a:avLst/>
-          </a:prstGeom>
-        </p:spPr>
-      </p:pic>
-      <p:sp>
-        <p:nvSpPr>
-          <p:cNvPr id="22" name="TextBox 21">
-            <a:extLst>
-              <a:ext uri="{FF2B5EF4-FFF2-40B4-BE49-F238E27FC236}">
-                <a16:creationId xmlns:a16="http://schemas.microsoft.com/office/drawing/2014/main" id="{C2B256D1-EB64-3E37-26E7-75C2CA8CB394}"/>
-              </a:ext>
-            </a:extLst>
-          </p:cNvPr>
-          <p:cNvSpPr txBox="1"/>
-          <p:nvPr/>
-        </p:nvSpPr>
-        <p:spPr>
-          <a:xfrm>
-            <a:off x="6001998" y="3664252"/>
-            <a:ext cx="1828800" cy="369332"/>
-          </a:xfrm>
-          <a:prstGeom prst="rect">
-            <a:avLst/>
-          </a:prstGeom>
-          <a:noFill/>
-        </p:spPr>
-        <p:txBody>
-          <a:bodyPr rot="0" spcFirstLastPara="0" vert="horz" wrap="square" lIns="91440" tIns="45720" rIns="91440" bIns="45720" numCol="1" spcCol="0" rtlCol="0" fromWordArt="0" anchor="t" anchorCtr="0" forceAA="0" compatLnSpc="1">
-            <a:prstTxWarp prst="textNoShape">
-              <a:avLst/>
-            </a:prstTxWarp>
-            <a:spAutoFit/>
-          </a:bodyPr>
-          <a:lstStyle>
-            <a:defPPr>
-              <a:defRPr lang="en-US"/>
-            </a:defPPr>
-            <a:lvl1pPr marL="0" algn="l" defTabSz="914400" rtl="0" eaLnBrk="1" latinLnBrk="0" hangingPunct="1">
-              <a:defRPr sz="1800" kern="1200">
-                <a:solidFill>
-                  <a:schemeClr val="tx1"/>
-                </a:solidFill>
-                <a:latin typeface="+mn-lt"/>
-                <a:ea typeface="+mn-ea"/>
-                <a:cs typeface="+mn-cs"/>
-              </a:defRPr>
-            </a:lvl1pPr>
-            <a:lvl2pPr marL="457200" algn="l" defTabSz="914400" rtl="0" eaLnBrk="1" latinLnBrk="0" hangingPunct="1">
-              <a:defRPr sz="1800" kern="1200">
-                <a:solidFill>
-                  <a:schemeClr val="tx1"/>
-                </a:solidFill>
-                <a:latin typeface="+mn-lt"/>
-                <a:ea typeface="+mn-ea"/>
-                <a:cs typeface="+mn-cs"/>
-              </a:defRPr>
-            </a:lvl2pPr>
-            <a:lvl3pPr marL="914400" algn="l" defTabSz="914400" rtl="0" eaLnBrk="1" latinLnBrk="0" hangingPunct="1">
-              <a:defRPr sz="1800" kern="1200">
-                <a:solidFill>
-                  <a:schemeClr val="tx1"/>
-                </a:solidFill>
-                <a:latin typeface="+mn-lt"/>
-                <a:ea typeface="+mn-ea"/>
-                <a:cs typeface="+mn-cs"/>
-              </a:defRPr>
-            </a:lvl3pPr>
-            <a:lvl4pPr marL="1371600" algn="l" defTabSz="914400" rtl="0" eaLnBrk="1" latinLnBrk="0" hangingPunct="1">
-              <a:defRPr sz="1800" kern="1200">
-                <a:solidFill>
-                  <a:schemeClr val="tx1"/>
-                </a:solidFill>
-                <a:latin typeface="+mn-lt"/>
-                <a:ea typeface="+mn-ea"/>
-                <a:cs typeface="+mn-cs"/>
-              </a:defRPr>
-            </a:lvl4pPr>
-            <a:lvl5pPr marL="1828800" algn="l" defTabSz="914400" rtl="0" eaLnBrk="1" latinLnBrk="0" hangingPunct="1">
-              <a:defRPr sz="1800" kern="1200">
-                <a:solidFill>
-                  <a:schemeClr val="tx1"/>
-                </a:solidFill>
-                <a:latin typeface="+mn-lt"/>
-                <a:ea typeface="+mn-ea"/>
-                <a:cs typeface="+mn-cs"/>
-              </a:defRPr>
-            </a:lvl5pPr>
-            <a:lvl6pPr marL="2286000" algn="l" defTabSz="914400" rtl="0" eaLnBrk="1" latinLnBrk="0" hangingPunct="1">
-              <a:defRPr sz="1800" kern="1200">
-                <a:solidFill>
-                  <a:schemeClr val="tx1"/>
-                </a:solidFill>
-                <a:latin typeface="+mn-lt"/>
-                <a:ea typeface="+mn-ea"/>
-                <a:cs typeface="+mn-cs"/>
-              </a:defRPr>
-            </a:lvl6pPr>
-            <a:lvl7pPr marL="2743200" algn="l" defTabSz="914400" rtl="0" eaLnBrk="1" latinLnBrk="0" hangingPunct="1">
-              <a:defRPr sz="1800" kern="1200">
-                <a:solidFill>
-                  <a:schemeClr val="tx1"/>
-                </a:solidFill>
-                <a:latin typeface="+mn-lt"/>
-                <a:ea typeface="+mn-ea"/>
-                <a:cs typeface="+mn-cs"/>
-              </a:defRPr>
-            </a:lvl7pPr>
-            <a:lvl8pPr marL="3200400" algn="l" defTabSz="914400" rtl="0" eaLnBrk="1" latinLnBrk="0" hangingPunct="1">
-              <a:defRPr sz="1800" kern="1200">
-                <a:solidFill>
-                  <a:schemeClr val="tx1"/>
-                </a:solidFill>
-                <a:latin typeface="+mn-lt"/>
-                <a:ea typeface="+mn-ea"/>
-                <a:cs typeface="+mn-cs"/>
-              </a:defRPr>
-            </a:lvl8pPr>
-            <a:lvl9pPr marL="3657600" algn="l" defTabSz="914400" rtl="0" eaLnBrk="1" latinLnBrk="0" hangingPunct="1">
-              <a:defRPr sz="1800" kern="1200">
-                <a:solidFill>
-                  <a:schemeClr val="tx1"/>
-                </a:solidFill>
-                <a:latin typeface="+mn-lt"/>
-                <a:ea typeface="+mn-ea"/>
-                <a:cs typeface="+mn-cs"/>
-              </a:defRPr>
-            </a:lvl9pPr>
-          </a:lstStyle>
-          <a:p>
-            <a:pPr algn="l"/>
-            <a:r>
-              <a:rPr lang="en-US" dirty="0"/>
-              <a:t>07 04 240</a:t>
-            </a:r>
-          </a:p>
-        </p:txBody>
-      </p:sp>
-      <p:pic>
-        <p:nvPicPr>
-          <p:cNvPr id="25" name="Picture 24">
-            <a:extLst>
-              <a:ext uri="{FF2B5EF4-FFF2-40B4-BE49-F238E27FC236}">
-                <a16:creationId xmlns:a16="http://schemas.microsoft.com/office/drawing/2014/main" id="{FFDC5507-A931-D4DD-E54B-73259046B0F2}"/>
-              </a:ext>
-            </a:extLst>
-          </p:cNvPr>
-          <p:cNvPicPr>
-            <a:picLocks noChangeAspect="1"/>
-          </p:cNvPicPr>
-          <p:nvPr/>
-        </p:nvPicPr>
-        <p:blipFill>
-          <a:blip r:embed="rId5"/>
-          <a:stretch>
-            <a:fillRect/>
-          </a:stretch>
-        </p:blipFill>
-        <p:spPr>
-          <a:xfrm>
-            <a:off x="8495677" y="4006850"/>
-            <a:ext cx="3517900" cy="2654300"/>
-          </a:xfrm>
-          <a:prstGeom prst="rect">
-            <a:avLst/>
-          </a:prstGeom>
-        </p:spPr>
-      </p:pic>
-      <p:sp>
-        <p:nvSpPr>
-          <p:cNvPr id="27" name="TextBox 26">
-            <a:extLst>
-              <a:ext uri="{FF2B5EF4-FFF2-40B4-BE49-F238E27FC236}">
-                <a16:creationId xmlns:a16="http://schemas.microsoft.com/office/drawing/2014/main" id="{742075FD-878E-A000-7516-3F0631213825}"/>
-              </a:ext>
-            </a:extLst>
-          </p:cNvPr>
-          <p:cNvSpPr txBox="1"/>
-          <p:nvPr/>
-        </p:nvSpPr>
-        <p:spPr>
-          <a:xfrm>
-            <a:off x="9864856" y="3637518"/>
-            <a:ext cx="1828800" cy="369332"/>
-          </a:xfrm>
-          <a:prstGeom prst="rect">
-            <a:avLst/>
-          </a:prstGeom>
-          <a:noFill/>
-        </p:spPr>
-        <p:txBody>
-          <a:bodyPr rot="0" spcFirstLastPara="0" vert="horz" wrap="square" lIns="91440" tIns="45720" rIns="91440" bIns="45720" numCol="1" spcCol="0" rtlCol="0" fromWordArt="0" anchor="t" anchorCtr="0" forceAA="0" compatLnSpc="1">
-            <a:prstTxWarp prst="textNoShape">
-              <a:avLst/>
-            </a:prstTxWarp>
-            <a:spAutoFit/>
-          </a:bodyPr>
-          <a:lstStyle>
-            <a:defPPr>
-              <a:defRPr lang="en-US"/>
-            </a:defPPr>
-            <a:lvl1pPr marL="0" algn="l" defTabSz="914400" rtl="0" eaLnBrk="1" latinLnBrk="0" hangingPunct="1">
-              <a:defRPr sz="1800" kern="1200">
-                <a:solidFill>
-                  <a:schemeClr val="tx1"/>
-                </a:solidFill>
-                <a:latin typeface="+mn-lt"/>
-                <a:ea typeface="+mn-ea"/>
-                <a:cs typeface="+mn-cs"/>
-              </a:defRPr>
-            </a:lvl1pPr>
-            <a:lvl2pPr marL="457200" algn="l" defTabSz="914400" rtl="0" eaLnBrk="1" latinLnBrk="0" hangingPunct="1">
-              <a:defRPr sz="1800" kern="1200">
-                <a:solidFill>
-                  <a:schemeClr val="tx1"/>
-                </a:solidFill>
-                <a:latin typeface="+mn-lt"/>
-                <a:ea typeface="+mn-ea"/>
-                <a:cs typeface="+mn-cs"/>
-              </a:defRPr>
-            </a:lvl2pPr>
-            <a:lvl3pPr marL="914400" algn="l" defTabSz="914400" rtl="0" eaLnBrk="1" latinLnBrk="0" hangingPunct="1">
-              <a:defRPr sz="1800" kern="1200">
-                <a:solidFill>
-                  <a:schemeClr val="tx1"/>
-                </a:solidFill>
-                <a:latin typeface="+mn-lt"/>
-                <a:ea typeface="+mn-ea"/>
-                <a:cs typeface="+mn-cs"/>
-              </a:defRPr>
-            </a:lvl3pPr>
-            <a:lvl4pPr marL="1371600" algn="l" defTabSz="914400" rtl="0" eaLnBrk="1" latinLnBrk="0" hangingPunct="1">
-              <a:defRPr sz="1800" kern="1200">
-                <a:solidFill>
-                  <a:schemeClr val="tx1"/>
-                </a:solidFill>
-                <a:latin typeface="+mn-lt"/>
-                <a:ea typeface="+mn-ea"/>
-                <a:cs typeface="+mn-cs"/>
-              </a:defRPr>
-            </a:lvl4pPr>
-            <a:lvl5pPr marL="1828800" algn="l" defTabSz="914400" rtl="0" eaLnBrk="1" latinLnBrk="0" hangingPunct="1">
-              <a:defRPr sz="1800" kern="1200">
-                <a:solidFill>
-                  <a:schemeClr val="tx1"/>
-                </a:solidFill>
-                <a:latin typeface="+mn-lt"/>
-                <a:ea typeface="+mn-ea"/>
-                <a:cs typeface="+mn-cs"/>
-              </a:defRPr>
-            </a:lvl5pPr>
-            <a:lvl6pPr marL="2286000" algn="l" defTabSz="914400" rtl="0" eaLnBrk="1" latinLnBrk="0" hangingPunct="1">
-              <a:defRPr sz="1800" kern="1200">
-                <a:solidFill>
-                  <a:schemeClr val="tx1"/>
-                </a:solidFill>
-                <a:latin typeface="+mn-lt"/>
-                <a:ea typeface="+mn-ea"/>
-                <a:cs typeface="+mn-cs"/>
-              </a:defRPr>
-            </a:lvl6pPr>
-            <a:lvl7pPr marL="2743200" algn="l" defTabSz="914400" rtl="0" eaLnBrk="1" latinLnBrk="0" hangingPunct="1">
-              <a:defRPr sz="1800" kern="1200">
-                <a:solidFill>
-                  <a:schemeClr val="tx1"/>
-                </a:solidFill>
-                <a:latin typeface="+mn-lt"/>
-                <a:ea typeface="+mn-ea"/>
-                <a:cs typeface="+mn-cs"/>
-              </a:defRPr>
-            </a:lvl7pPr>
-            <a:lvl8pPr marL="3200400" algn="l" defTabSz="914400" rtl="0" eaLnBrk="1" latinLnBrk="0" hangingPunct="1">
-              <a:defRPr sz="1800" kern="1200">
-                <a:solidFill>
-                  <a:schemeClr val="tx1"/>
-                </a:solidFill>
-                <a:latin typeface="+mn-lt"/>
-                <a:ea typeface="+mn-ea"/>
-                <a:cs typeface="+mn-cs"/>
-              </a:defRPr>
-            </a:lvl8pPr>
-            <a:lvl9pPr marL="3657600" algn="l" defTabSz="914400" rtl="0" eaLnBrk="1" latinLnBrk="0" hangingPunct="1">
-              <a:defRPr sz="1800" kern="1200">
-                <a:solidFill>
-                  <a:schemeClr val="tx1"/>
-                </a:solidFill>
-                <a:latin typeface="+mn-lt"/>
-                <a:ea typeface="+mn-ea"/>
-                <a:cs typeface="+mn-cs"/>
-              </a:defRPr>
-            </a:lvl9pPr>
-          </a:lstStyle>
-          <a:p>
-            <a:pPr algn="l"/>
-            <a:r>
-              <a:rPr lang="en-US" dirty="0"/>
-              <a:t>07 04 220</a:t>
-            </a:r>
-          </a:p>
-        </p:txBody>
-      </p:sp>
-      <p:pic>
-        <p:nvPicPr>
-          <p:cNvPr id="30" name="Picture 29">
-            <a:extLst>
-              <a:ext uri="{FF2B5EF4-FFF2-40B4-BE49-F238E27FC236}">
-                <a16:creationId xmlns:a16="http://schemas.microsoft.com/office/drawing/2014/main" id="{EF87362B-B479-BD3F-14A0-43E0AC925E2B}"/>
-              </a:ext>
-            </a:extLst>
-          </p:cNvPr>
-          <p:cNvPicPr>
-            <a:picLocks noChangeAspect="1"/>
-          </p:cNvPicPr>
-          <p:nvPr/>
-        </p:nvPicPr>
-        <p:blipFill>
-          <a:blip r:embed="rId6"/>
-          <a:stretch>
-            <a:fillRect/>
-          </a:stretch>
-        </p:blipFill>
-        <p:spPr>
-          <a:xfrm>
-            <a:off x="4782115" y="906556"/>
-            <a:ext cx="3517900" cy="2654300"/>
-          </a:xfrm>
-          <a:prstGeom prst="rect">
-            <a:avLst/>
-          </a:prstGeom>
-        </p:spPr>
-      </p:pic>
-      <p:sp>
-        <p:nvSpPr>
-          <p:cNvPr id="33" name="TextBox 32">
-            <a:extLst>
-              <a:ext uri="{FF2B5EF4-FFF2-40B4-BE49-F238E27FC236}">
-                <a16:creationId xmlns:a16="http://schemas.microsoft.com/office/drawing/2014/main" id="{835FAE8F-1060-49CA-66D8-AFF9A44C8001}"/>
-              </a:ext>
-            </a:extLst>
-          </p:cNvPr>
-          <p:cNvSpPr txBox="1"/>
-          <p:nvPr/>
-        </p:nvSpPr>
-        <p:spPr>
-          <a:xfrm>
-            <a:off x="6001998" y="550591"/>
-            <a:ext cx="1828800" cy="369332"/>
-          </a:xfrm>
-          <a:prstGeom prst="rect">
-            <a:avLst/>
-          </a:prstGeom>
-          <a:noFill/>
-        </p:spPr>
-        <p:txBody>
-          <a:bodyPr rot="0" spcFirstLastPara="0" vert="horz" wrap="square" lIns="91440" tIns="45720" rIns="91440" bIns="45720" numCol="1" spcCol="0" rtlCol="0" fromWordArt="0" anchor="t" anchorCtr="0" forceAA="0" compatLnSpc="1">
-            <a:prstTxWarp prst="textNoShape">
-              <a:avLst/>
-            </a:prstTxWarp>
-            <a:spAutoFit/>
-          </a:bodyPr>
-          <a:lstStyle>
-            <a:defPPr>
-              <a:defRPr lang="en-US"/>
-            </a:defPPr>
-            <a:lvl1pPr marL="0" algn="l" defTabSz="914400" rtl="0" eaLnBrk="1" latinLnBrk="0" hangingPunct="1">
-              <a:defRPr sz="1800" kern="1200">
-                <a:solidFill>
-                  <a:schemeClr val="tx1"/>
-                </a:solidFill>
-                <a:latin typeface="+mn-lt"/>
-                <a:ea typeface="+mn-ea"/>
-                <a:cs typeface="+mn-cs"/>
-              </a:defRPr>
-            </a:lvl1pPr>
-            <a:lvl2pPr marL="457200" algn="l" defTabSz="914400" rtl="0" eaLnBrk="1" latinLnBrk="0" hangingPunct="1">
-              <a:defRPr sz="1800" kern="1200">
-                <a:solidFill>
-                  <a:schemeClr val="tx1"/>
-                </a:solidFill>
-                <a:latin typeface="+mn-lt"/>
-                <a:ea typeface="+mn-ea"/>
-                <a:cs typeface="+mn-cs"/>
-              </a:defRPr>
-            </a:lvl2pPr>
-            <a:lvl3pPr marL="914400" algn="l" defTabSz="914400" rtl="0" eaLnBrk="1" latinLnBrk="0" hangingPunct="1">
-              <a:defRPr sz="1800" kern="1200">
-                <a:solidFill>
-                  <a:schemeClr val="tx1"/>
-                </a:solidFill>
-                <a:latin typeface="+mn-lt"/>
-                <a:ea typeface="+mn-ea"/>
-                <a:cs typeface="+mn-cs"/>
-              </a:defRPr>
-            </a:lvl3pPr>
-            <a:lvl4pPr marL="1371600" algn="l" defTabSz="914400" rtl="0" eaLnBrk="1" latinLnBrk="0" hangingPunct="1">
-              <a:defRPr sz="1800" kern="1200">
-                <a:solidFill>
-                  <a:schemeClr val="tx1"/>
-                </a:solidFill>
-                <a:latin typeface="+mn-lt"/>
-                <a:ea typeface="+mn-ea"/>
-                <a:cs typeface="+mn-cs"/>
-              </a:defRPr>
-            </a:lvl4pPr>
-            <a:lvl5pPr marL="1828800" algn="l" defTabSz="914400" rtl="0" eaLnBrk="1" latinLnBrk="0" hangingPunct="1">
-              <a:defRPr sz="1800" kern="1200">
-                <a:solidFill>
-                  <a:schemeClr val="tx1"/>
-                </a:solidFill>
-                <a:latin typeface="+mn-lt"/>
-                <a:ea typeface="+mn-ea"/>
-                <a:cs typeface="+mn-cs"/>
-              </a:defRPr>
-            </a:lvl5pPr>
-            <a:lvl6pPr marL="2286000" algn="l" defTabSz="914400" rtl="0" eaLnBrk="1" latinLnBrk="0" hangingPunct="1">
-              <a:defRPr sz="1800" kern="1200">
-                <a:solidFill>
-                  <a:schemeClr val="tx1"/>
-                </a:solidFill>
-                <a:latin typeface="+mn-lt"/>
-                <a:ea typeface="+mn-ea"/>
-                <a:cs typeface="+mn-cs"/>
-              </a:defRPr>
-            </a:lvl6pPr>
-            <a:lvl7pPr marL="2743200" algn="l" defTabSz="914400" rtl="0" eaLnBrk="1" latinLnBrk="0" hangingPunct="1">
-              <a:defRPr sz="1800" kern="1200">
-                <a:solidFill>
-                  <a:schemeClr val="tx1"/>
-                </a:solidFill>
-                <a:latin typeface="+mn-lt"/>
-                <a:ea typeface="+mn-ea"/>
-                <a:cs typeface="+mn-cs"/>
-              </a:defRPr>
-            </a:lvl7pPr>
-            <a:lvl8pPr marL="3200400" algn="l" defTabSz="914400" rtl="0" eaLnBrk="1" latinLnBrk="0" hangingPunct="1">
-              <a:defRPr sz="1800" kern="1200">
-                <a:solidFill>
-                  <a:schemeClr val="tx1"/>
-                </a:solidFill>
-                <a:latin typeface="+mn-lt"/>
-                <a:ea typeface="+mn-ea"/>
-                <a:cs typeface="+mn-cs"/>
-              </a:defRPr>
-            </a:lvl8pPr>
-            <a:lvl9pPr marL="3657600" algn="l" defTabSz="914400" rtl="0" eaLnBrk="1" latinLnBrk="0" hangingPunct="1">
-              <a:defRPr sz="1800" kern="1200">
-                <a:solidFill>
-                  <a:schemeClr val="tx1"/>
-                </a:solidFill>
-                <a:latin typeface="+mn-lt"/>
-                <a:ea typeface="+mn-ea"/>
-                <a:cs typeface="+mn-cs"/>
-              </a:defRPr>
-            </a:lvl9pPr>
-          </a:lstStyle>
-          <a:p>
-            <a:pPr algn="l"/>
-            <a:r>
-              <a:rPr lang="en-US" dirty="0"/>
-              <a:t>06 04 240</a:t>
-            </a:r>
-          </a:p>
-        </p:txBody>
-      </p:sp>
-      <p:pic>
-        <p:nvPicPr>
-          <p:cNvPr id="36" name="Picture 35">
-            <a:extLst>
-              <a:ext uri="{FF2B5EF4-FFF2-40B4-BE49-F238E27FC236}">
-                <a16:creationId xmlns:a16="http://schemas.microsoft.com/office/drawing/2014/main" id="{6803F02E-02A6-4E7E-93EC-7C83A1296A32}"/>
-              </a:ext>
-            </a:extLst>
-          </p:cNvPr>
-          <p:cNvPicPr>
-            <a:picLocks noChangeAspect="1"/>
-          </p:cNvPicPr>
-          <p:nvPr/>
-        </p:nvPicPr>
-        <p:blipFill>
-          <a:blip r:embed="rId7"/>
-          <a:stretch>
-            <a:fillRect/>
-          </a:stretch>
-        </p:blipFill>
-        <p:spPr>
-          <a:xfrm>
-            <a:off x="8439526" y="906556"/>
-            <a:ext cx="3517900" cy="2654300"/>
-          </a:xfrm>
-          <a:prstGeom prst="rect">
-            <a:avLst/>
-          </a:prstGeom>
-        </p:spPr>
-      </p:pic>
-      <p:sp>
-        <p:nvSpPr>
-          <p:cNvPr id="39" name="TextBox 38">
-            <a:extLst>
-              <a:ext uri="{FF2B5EF4-FFF2-40B4-BE49-F238E27FC236}">
-                <a16:creationId xmlns:a16="http://schemas.microsoft.com/office/drawing/2014/main" id="{35EB9581-7234-7417-3092-EE3F50867104}"/>
-              </a:ext>
-            </a:extLst>
-          </p:cNvPr>
-          <p:cNvSpPr txBox="1"/>
-          <p:nvPr/>
-        </p:nvSpPr>
-        <p:spPr>
-          <a:xfrm>
-            <a:off x="9857138" y="537224"/>
-            <a:ext cx="1828800" cy="369332"/>
-          </a:xfrm>
-          <a:prstGeom prst="rect">
-            <a:avLst/>
-          </a:prstGeom>
-          <a:noFill/>
-        </p:spPr>
-        <p:txBody>
-          <a:bodyPr rot="0" spcFirstLastPara="0" vert="horz" wrap="square" lIns="91440" tIns="45720" rIns="91440" bIns="45720" numCol="1" spcCol="0" rtlCol="0" fromWordArt="0" anchor="t" anchorCtr="0" forceAA="0" compatLnSpc="1">
-            <a:prstTxWarp prst="textNoShape">
-              <a:avLst/>
-            </a:prstTxWarp>
-            <a:spAutoFit/>
-          </a:bodyPr>
-          <a:lstStyle>
-            <a:defPPr>
-              <a:defRPr lang="en-US"/>
-            </a:defPPr>
-            <a:lvl1pPr marL="0" algn="l" defTabSz="914400" rtl="0" eaLnBrk="1" latinLnBrk="0" hangingPunct="1">
-              <a:defRPr sz="1800" kern="1200">
-                <a:solidFill>
-                  <a:schemeClr val="tx1"/>
-                </a:solidFill>
-                <a:latin typeface="+mn-lt"/>
-                <a:ea typeface="+mn-ea"/>
-                <a:cs typeface="+mn-cs"/>
-              </a:defRPr>
-            </a:lvl1pPr>
-            <a:lvl2pPr marL="457200" algn="l" defTabSz="914400" rtl="0" eaLnBrk="1" latinLnBrk="0" hangingPunct="1">
-              <a:defRPr sz="1800" kern="1200">
-                <a:solidFill>
-                  <a:schemeClr val="tx1"/>
-                </a:solidFill>
-                <a:latin typeface="+mn-lt"/>
-                <a:ea typeface="+mn-ea"/>
-                <a:cs typeface="+mn-cs"/>
-              </a:defRPr>
-            </a:lvl2pPr>
-            <a:lvl3pPr marL="914400" algn="l" defTabSz="914400" rtl="0" eaLnBrk="1" latinLnBrk="0" hangingPunct="1">
-              <a:defRPr sz="1800" kern="1200">
-                <a:solidFill>
-                  <a:schemeClr val="tx1"/>
-                </a:solidFill>
-                <a:latin typeface="+mn-lt"/>
-                <a:ea typeface="+mn-ea"/>
-                <a:cs typeface="+mn-cs"/>
-              </a:defRPr>
-            </a:lvl3pPr>
-            <a:lvl4pPr marL="1371600" algn="l" defTabSz="914400" rtl="0" eaLnBrk="1" latinLnBrk="0" hangingPunct="1">
-              <a:defRPr sz="1800" kern="1200">
-                <a:solidFill>
-                  <a:schemeClr val="tx1"/>
-                </a:solidFill>
-                <a:latin typeface="+mn-lt"/>
-                <a:ea typeface="+mn-ea"/>
-                <a:cs typeface="+mn-cs"/>
-              </a:defRPr>
-            </a:lvl4pPr>
-            <a:lvl5pPr marL="1828800" algn="l" defTabSz="914400" rtl="0" eaLnBrk="1" latinLnBrk="0" hangingPunct="1">
-              <a:defRPr sz="1800" kern="1200">
-                <a:solidFill>
-                  <a:schemeClr val="tx1"/>
-                </a:solidFill>
-                <a:latin typeface="+mn-lt"/>
-                <a:ea typeface="+mn-ea"/>
-                <a:cs typeface="+mn-cs"/>
-              </a:defRPr>
-            </a:lvl5pPr>
-            <a:lvl6pPr marL="2286000" algn="l" defTabSz="914400" rtl="0" eaLnBrk="1" latinLnBrk="0" hangingPunct="1">
-              <a:defRPr sz="1800" kern="1200">
-                <a:solidFill>
-                  <a:schemeClr val="tx1"/>
-                </a:solidFill>
-                <a:latin typeface="+mn-lt"/>
-                <a:ea typeface="+mn-ea"/>
-                <a:cs typeface="+mn-cs"/>
-              </a:defRPr>
-            </a:lvl6pPr>
-            <a:lvl7pPr marL="2743200" algn="l" defTabSz="914400" rtl="0" eaLnBrk="1" latinLnBrk="0" hangingPunct="1">
-              <a:defRPr sz="1800" kern="1200">
-                <a:solidFill>
-                  <a:schemeClr val="tx1"/>
-                </a:solidFill>
-                <a:latin typeface="+mn-lt"/>
-                <a:ea typeface="+mn-ea"/>
-                <a:cs typeface="+mn-cs"/>
-              </a:defRPr>
-            </a:lvl7pPr>
-            <a:lvl8pPr marL="3200400" algn="l" defTabSz="914400" rtl="0" eaLnBrk="1" latinLnBrk="0" hangingPunct="1">
-              <a:defRPr sz="1800" kern="1200">
-                <a:solidFill>
-                  <a:schemeClr val="tx1"/>
-                </a:solidFill>
-                <a:latin typeface="+mn-lt"/>
-                <a:ea typeface="+mn-ea"/>
-                <a:cs typeface="+mn-cs"/>
-              </a:defRPr>
-            </a:lvl8pPr>
-            <a:lvl9pPr marL="3657600" algn="l" defTabSz="914400" rtl="0" eaLnBrk="1" latinLnBrk="0" hangingPunct="1">
-              <a:defRPr sz="1800" kern="1200">
-                <a:solidFill>
-                  <a:schemeClr val="tx1"/>
-                </a:solidFill>
-                <a:latin typeface="+mn-lt"/>
-                <a:ea typeface="+mn-ea"/>
-                <a:cs typeface="+mn-cs"/>
-              </a:defRPr>
-            </a:lvl9pPr>
-          </a:lstStyle>
-          <a:p>
-            <a:pPr algn="l"/>
-            <a:r>
-              <a:rPr lang="en-US" dirty="0"/>
-              <a:t>06 04 220</a:t>
-            </a:r>
-          </a:p>
-        </p:txBody>
-      </p:sp>
-    </p:spTree>
-    <p:extLst>
-      <p:ext uri="{BB962C8B-B14F-4D97-AF65-F5344CB8AC3E}">
-        <p14:creationId xmlns:p14="http://schemas.microsoft.com/office/powerpoint/2010/main" val="1883268242"/>
-      </p:ext>
-    </p:extLst>
-  </p:cSld>
-  <p:clrMapOvr>
-    <a:masterClrMapping/>
-  </p:clrMapOvr>
-</p:sld>
-</file>
-
-<file path=ppt/slides/slide20.xml><?xml version="1.0" encoding="utf-8"?>
+<file path=ppt/slides/slide23.xml><?xml version="1.0" encoding="utf-8"?>
 <p:sld xmlns:a="http://schemas.openxmlformats.org/drawingml/2006/main" xmlns:r="http://schemas.openxmlformats.org/officeDocument/2006/relationships" xmlns:p="http://schemas.openxmlformats.org/presentationml/2006/main">
   <p:cSld>
     <p:spTree>
@@ -14982,6 +17772,1716 @@
       </p:grpSpPr>
       <p:sp>
         <p:nvSpPr>
+          <p:cNvPr id="2" name="Title 1">
+            <a:extLst>
+              <a:ext uri="{FF2B5EF4-FFF2-40B4-BE49-F238E27FC236}">
+                <a16:creationId xmlns:a16="http://schemas.microsoft.com/office/drawing/2014/main" id="{EB47B52C-BBA7-4073-9056-4722B053BBD8}"/>
+              </a:ext>
+            </a:extLst>
+          </p:cNvPr>
+          <p:cNvSpPr>
+            <a:spLocks noGrp="1"/>
+          </p:cNvSpPr>
+          <p:nvPr>
+            <p:ph type="title"/>
+          </p:nvPr>
+        </p:nvSpPr>
+        <p:spPr/>
+        <p:txBody>
+          <a:bodyPr/>
+          <a:lstStyle/>
+          <a:p>
+            <a:r>
+              <a:rPr lang="en-US" dirty="0"/>
+              <a:t>Corrected - 20220722</a:t>
+            </a:r>
+          </a:p>
+        </p:txBody>
+      </p:sp>
+      <p:sp>
+        <p:nvSpPr>
+          <p:cNvPr id="4" name="Slide Number Placeholder 3">
+            <a:extLst>
+              <a:ext uri="{FF2B5EF4-FFF2-40B4-BE49-F238E27FC236}">
+                <a16:creationId xmlns:a16="http://schemas.microsoft.com/office/drawing/2014/main" id="{D8DB8B51-943B-4767-84E0-466D603B6631}"/>
+              </a:ext>
+            </a:extLst>
+          </p:cNvPr>
+          <p:cNvSpPr>
+            <a:spLocks noGrp="1"/>
+          </p:cNvSpPr>
+          <p:nvPr>
+            <p:ph type="sldNum" sz="quarter" idx="12"/>
+          </p:nvPr>
+        </p:nvSpPr>
+        <p:spPr/>
+        <p:txBody>
+          <a:bodyPr/>
+          <a:lstStyle/>
+          <a:p>
+            <a:fld id="{5911C0E6-D9CE-431C-92CB-BB39B872F930}" type="slidenum">
+              <a:rPr lang="en-US" smtClean="0"/>
+              <a:t>3</a:t>
+            </a:fld>
+            <a:endParaRPr lang="en-US"/>
+          </a:p>
+        </p:txBody>
+      </p:sp>
+      <p:pic>
+        <p:nvPicPr>
+          <p:cNvPr id="1026" name="Picture 2">
+            <a:extLst>
+              <a:ext uri="{FF2B5EF4-FFF2-40B4-BE49-F238E27FC236}">
+                <a16:creationId xmlns:a16="http://schemas.microsoft.com/office/drawing/2014/main" id="{E849ACAE-8DD6-1E2F-D0C2-A2BB6251CC51}"/>
+              </a:ext>
+            </a:extLst>
+          </p:cNvPr>
+          <p:cNvPicPr>
+            <a:picLocks noChangeAspect="1" noChangeArrowheads="1"/>
+          </p:cNvPicPr>
+          <p:nvPr/>
+        </p:nvPicPr>
+        <p:blipFill rotWithShape="1">
+          <a:blip r:embed="rId2">
+            <a:extLst>
+              <a:ext uri="{28A0092B-C50C-407E-A947-70E740481C1C}">
+                <a14:useLocalDpi xmlns:a14="http://schemas.microsoft.com/office/drawing/2010/main" val="0"/>
+              </a:ext>
+            </a:extLst>
+          </a:blip>
+          <a:srcRect l="47480"/>
+          <a:stretch/>
+        </p:blipFill>
+        <p:spPr bwMode="auto">
+          <a:xfrm>
+            <a:off x="122541" y="1630434"/>
+            <a:ext cx="4857440" cy="3594471"/>
+          </a:xfrm>
+          <a:prstGeom prst="rect">
+            <a:avLst/>
+          </a:prstGeom>
+          <a:noFill/>
+          <a:extLst>
+            <a:ext uri="{909E8E84-426E-40DD-AFC4-6F175D3DCCD1}">
+              <a14:hiddenFill xmlns:a14="http://schemas.microsoft.com/office/drawing/2010/main">
+                <a:solidFill>
+                  <a:srgbClr val="FFFFFF"/>
+                </a:solidFill>
+              </a14:hiddenFill>
+            </a:ext>
+          </a:extLst>
+        </p:spPr>
+      </p:pic>
+      <p:grpSp>
+        <p:nvGrpSpPr>
+          <p:cNvPr id="3" name="Group 2">
+            <a:extLst>
+              <a:ext uri="{FF2B5EF4-FFF2-40B4-BE49-F238E27FC236}">
+                <a16:creationId xmlns:a16="http://schemas.microsoft.com/office/drawing/2014/main" id="{1863C3E0-EFEE-2EC8-9BBF-2D5A3C9476C9}"/>
+              </a:ext>
+            </a:extLst>
+          </p:cNvPr>
+          <p:cNvGrpSpPr/>
+          <p:nvPr/>
+        </p:nvGrpSpPr>
+        <p:grpSpPr>
+          <a:xfrm>
+            <a:off x="4321795" y="2837882"/>
+            <a:ext cx="7870205" cy="1458243"/>
+            <a:chOff x="3554185" y="5134619"/>
+            <a:chExt cx="8564336" cy="1586856"/>
+          </a:xfrm>
+        </p:grpSpPr>
+        <p:pic>
+          <p:nvPicPr>
+            <p:cNvPr id="1028" name="Picture 4">
+              <a:extLst>
+                <a:ext uri="{FF2B5EF4-FFF2-40B4-BE49-F238E27FC236}">
+                  <a16:creationId xmlns:a16="http://schemas.microsoft.com/office/drawing/2014/main" id="{06899FE2-EB71-513D-CD7B-049A7CF935A1}"/>
+                </a:ext>
+              </a:extLst>
+            </p:cNvPr>
+            <p:cNvPicPr>
+              <a:picLocks noChangeAspect="1" noChangeArrowheads="1"/>
+            </p:cNvPicPr>
+            <p:nvPr/>
+          </p:nvPicPr>
+          <p:blipFill>
+            <a:blip r:embed="rId3">
+              <a:extLst>
+                <a:ext uri="{28A0092B-C50C-407E-A947-70E740481C1C}">
+                  <a14:useLocalDpi xmlns:a14="http://schemas.microsoft.com/office/drawing/2010/main" val="0"/>
+                </a:ext>
+              </a:extLst>
+            </a:blip>
+            <a:srcRect/>
+            <a:stretch>
+              <a:fillRect/>
+            </a:stretch>
+          </p:blipFill>
+          <p:spPr bwMode="auto">
+            <a:xfrm>
+              <a:off x="3554185" y="5134619"/>
+              <a:ext cx="8564336" cy="1586856"/>
+            </a:xfrm>
+            <a:prstGeom prst="rect">
+              <a:avLst/>
+            </a:prstGeom>
+            <a:noFill/>
+            <a:extLst>
+              <a:ext uri="{909E8E84-426E-40DD-AFC4-6F175D3DCCD1}">
+                <a14:hiddenFill xmlns:a14="http://schemas.microsoft.com/office/drawing/2010/main">
+                  <a:solidFill>
+                    <a:srgbClr val="FFFFFF"/>
+                  </a:solidFill>
+                </a14:hiddenFill>
+              </a:ext>
+            </a:extLst>
+          </p:spPr>
+        </p:pic>
+        <p:pic>
+          <p:nvPicPr>
+            <p:cNvPr id="1034" name="Picture 10">
+              <a:extLst>
+                <a:ext uri="{FF2B5EF4-FFF2-40B4-BE49-F238E27FC236}">
+                  <a16:creationId xmlns:a16="http://schemas.microsoft.com/office/drawing/2014/main" id="{84472DFC-C0AC-D3D4-235B-038D732594BC}"/>
+                </a:ext>
+              </a:extLst>
+            </p:cNvPr>
+            <p:cNvPicPr>
+              <a:picLocks noChangeAspect="1" noChangeArrowheads="1"/>
+            </p:cNvPicPr>
+            <p:nvPr/>
+          </p:nvPicPr>
+          <p:blipFill rotWithShape="1">
+            <a:blip r:embed="rId4">
+              <a:extLst>
+                <a:ext uri="{28A0092B-C50C-407E-A947-70E740481C1C}">
+                  <a14:useLocalDpi xmlns:a14="http://schemas.microsoft.com/office/drawing/2010/main" val="0"/>
+                </a:ext>
+              </a:extLst>
+            </a:blip>
+            <a:srcRect l="4270" r="4505"/>
+            <a:stretch/>
+          </p:blipFill>
+          <p:spPr bwMode="auto">
+            <a:xfrm>
+              <a:off x="3554185" y="5510146"/>
+              <a:ext cx="8430987" cy="810401"/>
+            </a:xfrm>
+            <a:prstGeom prst="rect">
+              <a:avLst/>
+            </a:prstGeom>
+            <a:noFill/>
+            <a:extLst>
+              <a:ext uri="{909E8E84-426E-40DD-AFC4-6F175D3DCCD1}">
+                <a14:hiddenFill xmlns:a14="http://schemas.microsoft.com/office/drawing/2010/main">
+                  <a:solidFill>
+                    <a:srgbClr val="FFFFFF"/>
+                  </a:solidFill>
+                </a14:hiddenFill>
+              </a:ext>
+            </a:extLst>
+          </p:spPr>
+        </p:pic>
+      </p:grpSp>
+    </p:spTree>
+    <p:extLst>
+      <p:ext uri="{BB962C8B-B14F-4D97-AF65-F5344CB8AC3E}">
+        <p14:creationId xmlns:p14="http://schemas.microsoft.com/office/powerpoint/2010/main" val="3318004504"/>
+      </p:ext>
+    </p:extLst>
+  </p:cSld>
+  <p:clrMapOvr>
+    <a:masterClrMapping/>
+  </p:clrMapOvr>
+</p:sld>
+</file>
+
+<file path=ppt/slides/slide4.xml><?xml version="1.0" encoding="utf-8"?>
+<p:sld xmlns:a="http://schemas.openxmlformats.org/drawingml/2006/main" xmlns:r="http://schemas.openxmlformats.org/officeDocument/2006/relationships" xmlns:p="http://schemas.openxmlformats.org/presentationml/2006/main">
+  <p:cSld>
+    <p:spTree>
+      <p:nvGrpSpPr>
+        <p:cNvPr id="1" name=""/>
+        <p:cNvGrpSpPr/>
+        <p:nvPr/>
+      </p:nvGrpSpPr>
+      <p:grpSpPr>
+        <a:xfrm>
+          <a:off x="0" y="0"/>
+          <a:ext cx="0" cy="0"/>
+          <a:chOff x="0" y="0"/>
+          <a:chExt cx="0" cy="0"/>
+        </a:xfrm>
+      </p:grpSpPr>
+      <p:grpSp>
+        <p:nvGrpSpPr>
+          <p:cNvPr id="2" name="Group 1">
+            <a:extLst>
+              <a:ext uri="{FF2B5EF4-FFF2-40B4-BE49-F238E27FC236}">
+                <a16:creationId xmlns:a16="http://schemas.microsoft.com/office/drawing/2014/main" id="{D67F037B-7317-8010-44F1-2186FAD95AEC}"/>
+              </a:ext>
+            </a:extLst>
+          </p:cNvPr>
+          <p:cNvGrpSpPr/>
+          <p:nvPr/>
+        </p:nvGrpSpPr>
+        <p:grpSpPr>
+          <a:xfrm>
+            <a:off x="5098211" y="4355774"/>
+            <a:ext cx="6783238" cy="1256843"/>
+            <a:chOff x="493940" y="5297117"/>
+            <a:chExt cx="5694590" cy="1055131"/>
+          </a:xfrm>
+        </p:grpSpPr>
+        <p:pic>
+          <p:nvPicPr>
+            <p:cNvPr id="3" name="Picture 4">
+              <a:extLst>
+                <a:ext uri="{FF2B5EF4-FFF2-40B4-BE49-F238E27FC236}">
+                  <a16:creationId xmlns:a16="http://schemas.microsoft.com/office/drawing/2014/main" id="{68777A9F-9801-A93B-0ECC-13E2AC2D7C76}"/>
+                </a:ext>
+              </a:extLst>
+            </p:cNvPr>
+            <p:cNvPicPr>
+              <a:picLocks noChangeAspect="1" noChangeArrowheads="1"/>
+            </p:cNvPicPr>
+            <p:nvPr/>
+          </p:nvPicPr>
+          <p:blipFill>
+            <a:blip r:embed="rId2">
+              <a:extLst>
+                <a:ext uri="{28A0092B-C50C-407E-A947-70E740481C1C}">
+                  <a14:useLocalDpi xmlns:a14="http://schemas.microsoft.com/office/drawing/2010/main" val="0"/>
+                </a:ext>
+              </a:extLst>
+            </a:blip>
+            <a:srcRect/>
+            <a:stretch>
+              <a:fillRect/>
+            </a:stretch>
+          </p:blipFill>
+          <p:spPr bwMode="auto">
+            <a:xfrm>
+              <a:off x="493940" y="5297117"/>
+              <a:ext cx="5694590" cy="1055131"/>
+            </a:xfrm>
+            <a:prstGeom prst="rect">
+              <a:avLst/>
+            </a:prstGeom>
+            <a:noFill/>
+            <a:extLst>
+              <a:ext uri="{909E8E84-426E-40DD-AFC4-6F175D3DCCD1}">
+                <a14:hiddenFill xmlns:a14="http://schemas.microsoft.com/office/drawing/2010/main">
+                  <a:solidFill>
+                    <a:srgbClr val="FFFFFF"/>
+                  </a:solidFill>
+                </a14:hiddenFill>
+              </a:ext>
+            </a:extLst>
+          </p:spPr>
+        </p:pic>
+        <p:pic>
+          <p:nvPicPr>
+            <p:cNvPr id="4" name="Picture 8">
+              <a:extLst>
+                <a:ext uri="{FF2B5EF4-FFF2-40B4-BE49-F238E27FC236}">
+                  <a16:creationId xmlns:a16="http://schemas.microsoft.com/office/drawing/2014/main" id="{6CB84C71-84A4-F0EF-BA87-CD5DAF5520AC}"/>
+                </a:ext>
+              </a:extLst>
+            </p:cNvPr>
+            <p:cNvPicPr>
+              <a:picLocks noChangeAspect="1" noChangeArrowheads="1"/>
+            </p:cNvPicPr>
+            <p:nvPr/>
+          </p:nvPicPr>
+          <p:blipFill rotWithShape="1">
+            <a:blip r:embed="rId3">
+              <a:extLst>
+                <a:ext uri="{28A0092B-C50C-407E-A947-70E740481C1C}">
+                  <a14:useLocalDpi xmlns:a14="http://schemas.microsoft.com/office/drawing/2010/main" val="0"/>
+                </a:ext>
+              </a:extLst>
+            </a:blip>
+            <a:srcRect l="4049" r="4863"/>
+            <a:stretch/>
+          </p:blipFill>
+          <p:spPr bwMode="auto">
+            <a:xfrm>
+              <a:off x="493940" y="5533666"/>
+              <a:ext cx="5602060" cy="531647"/>
+            </a:xfrm>
+            <a:prstGeom prst="rect">
+              <a:avLst/>
+            </a:prstGeom>
+            <a:noFill/>
+            <a:extLst>
+              <a:ext uri="{909E8E84-426E-40DD-AFC4-6F175D3DCCD1}">
+                <a14:hiddenFill xmlns:a14="http://schemas.microsoft.com/office/drawing/2010/main">
+                  <a:solidFill>
+                    <a:srgbClr val="FFFFFF"/>
+                  </a:solidFill>
+                </a14:hiddenFill>
+              </a:ext>
+            </a:extLst>
+          </p:spPr>
+        </p:pic>
+      </p:grpSp>
+      <p:grpSp>
+        <p:nvGrpSpPr>
+          <p:cNvPr id="6" name="Group 5">
+            <a:extLst>
+              <a:ext uri="{FF2B5EF4-FFF2-40B4-BE49-F238E27FC236}">
+                <a16:creationId xmlns:a16="http://schemas.microsoft.com/office/drawing/2014/main" id="{E88DB087-DA8F-CFBA-99C5-B3727B51AE41}"/>
+              </a:ext>
+            </a:extLst>
+          </p:cNvPr>
+          <p:cNvGrpSpPr/>
+          <p:nvPr/>
+        </p:nvGrpSpPr>
+        <p:grpSpPr>
+          <a:xfrm>
+            <a:off x="4987991" y="1163820"/>
+            <a:ext cx="6783239" cy="1256843"/>
+            <a:chOff x="3554185" y="5134619"/>
+            <a:chExt cx="8564336" cy="1586856"/>
+          </a:xfrm>
+        </p:grpSpPr>
+        <p:pic>
+          <p:nvPicPr>
+            <p:cNvPr id="7" name="Picture 4">
+              <a:extLst>
+                <a:ext uri="{FF2B5EF4-FFF2-40B4-BE49-F238E27FC236}">
+                  <a16:creationId xmlns:a16="http://schemas.microsoft.com/office/drawing/2014/main" id="{584704AA-5639-6788-325E-CC3F754080F7}"/>
+                </a:ext>
+              </a:extLst>
+            </p:cNvPr>
+            <p:cNvPicPr>
+              <a:picLocks noChangeAspect="1" noChangeArrowheads="1"/>
+            </p:cNvPicPr>
+            <p:nvPr/>
+          </p:nvPicPr>
+          <p:blipFill>
+            <a:blip r:embed="rId4">
+              <a:extLst>
+                <a:ext uri="{28A0092B-C50C-407E-A947-70E740481C1C}">
+                  <a14:useLocalDpi xmlns:a14="http://schemas.microsoft.com/office/drawing/2010/main" val="0"/>
+                </a:ext>
+              </a:extLst>
+            </a:blip>
+            <a:srcRect/>
+            <a:stretch>
+              <a:fillRect/>
+            </a:stretch>
+          </p:blipFill>
+          <p:spPr bwMode="auto">
+            <a:xfrm>
+              <a:off x="3554185" y="5134619"/>
+              <a:ext cx="8564336" cy="1586856"/>
+            </a:xfrm>
+            <a:prstGeom prst="rect">
+              <a:avLst/>
+            </a:prstGeom>
+            <a:noFill/>
+            <a:extLst>
+              <a:ext uri="{909E8E84-426E-40DD-AFC4-6F175D3DCCD1}">
+                <a14:hiddenFill xmlns:a14="http://schemas.microsoft.com/office/drawing/2010/main">
+                  <a:solidFill>
+                    <a:srgbClr val="FFFFFF"/>
+                  </a:solidFill>
+                </a14:hiddenFill>
+              </a:ext>
+            </a:extLst>
+          </p:spPr>
+        </p:pic>
+        <p:pic>
+          <p:nvPicPr>
+            <p:cNvPr id="8" name="Picture 10">
+              <a:extLst>
+                <a:ext uri="{FF2B5EF4-FFF2-40B4-BE49-F238E27FC236}">
+                  <a16:creationId xmlns:a16="http://schemas.microsoft.com/office/drawing/2014/main" id="{FBBD8687-5FD2-62A9-F3DE-F15DC4BF6803}"/>
+                </a:ext>
+              </a:extLst>
+            </p:cNvPr>
+            <p:cNvPicPr>
+              <a:picLocks noChangeAspect="1" noChangeArrowheads="1"/>
+            </p:cNvPicPr>
+            <p:nvPr/>
+          </p:nvPicPr>
+          <p:blipFill rotWithShape="1">
+            <a:blip r:embed="rId5">
+              <a:extLst>
+                <a:ext uri="{28A0092B-C50C-407E-A947-70E740481C1C}">
+                  <a14:useLocalDpi xmlns:a14="http://schemas.microsoft.com/office/drawing/2010/main" val="0"/>
+                </a:ext>
+              </a:extLst>
+            </a:blip>
+            <a:srcRect l="4270" r="4505"/>
+            <a:stretch/>
+          </p:blipFill>
+          <p:spPr bwMode="auto">
+            <a:xfrm>
+              <a:off x="3554185" y="5510146"/>
+              <a:ext cx="8430987" cy="810401"/>
+            </a:xfrm>
+            <a:prstGeom prst="rect">
+              <a:avLst/>
+            </a:prstGeom>
+            <a:noFill/>
+            <a:extLst>
+              <a:ext uri="{909E8E84-426E-40DD-AFC4-6F175D3DCCD1}">
+                <a14:hiddenFill xmlns:a14="http://schemas.microsoft.com/office/drawing/2010/main">
+                  <a:solidFill>
+                    <a:srgbClr val="FFFFFF"/>
+                  </a:solidFill>
+                </a14:hiddenFill>
+              </a:ext>
+            </a:extLst>
+          </p:spPr>
+        </p:pic>
+      </p:grpSp>
+      <p:pic>
+        <p:nvPicPr>
+          <p:cNvPr id="9" name="Picture 8">
+            <a:extLst>
+              <a:ext uri="{FF2B5EF4-FFF2-40B4-BE49-F238E27FC236}">
+                <a16:creationId xmlns:a16="http://schemas.microsoft.com/office/drawing/2014/main" id="{C6A3403F-5DDC-1E5E-CF7A-D8CA73291426}"/>
+              </a:ext>
+            </a:extLst>
+          </p:cNvPr>
+          <p:cNvPicPr>
+            <a:picLocks noChangeAspect="1"/>
+          </p:cNvPicPr>
+          <p:nvPr/>
+        </p:nvPicPr>
+        <p:blipFill>
+          <a:blip r:embed="rId6"/>
+          <a:stretch>
+            <a:fillRect/>
+          </a:stretch>
+        </p:blipFill>
+        <p:spPr>
+          <a:xfrm>
+            <a:off x="310551" y="3787156"/>
+            <a:ext cx="4156476" cy="2394080"/>
+          </a:xfrm>
+          <a:prstGeom prst="rect">
+            <a:avLst/>
+          </a:prstGeom>
+        </p:spPr>
+      </p:pic>
+      <p:pic>
+        <p:nvPicPr>
+          <p:cNvPr id="11" name="Picture 10">
+            <a:extLst>
+              <a:ext uri="{FF2B5EF4-FFF2-40B4-BE49-F238E27FC236}">
+                <a16:creationId xmlns:a16="http://schemas.microsoft.com/office/drawing/2014/main" id="{2B6B7B25-7035-CFF9-50C3-675F889EC13A}"/>
+              </a:ext>
+            </a:extLst>
+          </p:cNvPr>
+          <p:cNvPicPr>
+            <a:picLocks noChangeAspect="1"/>
+          </p:cNvPicPr>
+          <p:nvPr/>
+        </p:nvPicPr>
+        <p:blipFill>
+          <a:blip r:embed="rId7"/>
+          <a:stretch>
+            <a:fillRect/>
+          </a:stretch>
+        </p:blipFill>
+        <p:spPr>
+          <a:xfrm>
+            <a:off x="310551" y="957403"/>
+            <a:ext cx="4213394" cy="1874030"/>
+          </a:xfrm>
+          <a:prstGeom prst="rect">
+            <a:avLst/>
+          </a:prstGeom>
+        </p:spPr>
+      </p:pic>
+      <p:cxnSp>
+        <p:nvCxnSpPr>
+          <p:cNvPr id="13" name="Straight Connector 12">
+            <a:extLst>
+              <a:ext uri="{FF2B5EF4-FFF2-40B4-BE49-F238E27FC236}">
+                <a16:creationId xmlns:a16="http://schemas.microsoft.com/office/drawing/2014/main" id="{9E8CA0D8-1BE0-46A0-61E4-7B288B2CEAA2}"/>
+              </a:ext>
+            </a:extLst>
+          </p:cNvPr>
+          <p:cNvCxnSpPr>
+            <a:cxnSpLocks/>
+          </p:cNvCxnSpPr>
+          <p:nvPr/>
+        </p:nvCxnSpPr>
+        <p:spPr>
+          <a:xfrm>
+            <a:off x="0" y="3429000"/>
+            <a:ext cx="12192000" cy="0"/>
+          </a:xfrm>
+          <a:prstGeom prst="line">
+            <a:avLst/>
+          </a:prstGeom>
+          <a:ln w="38100">
+            <a:solidFill>
+              <a:schemeClr val="tx1"/>
+            </a:solidFill>
+          </a:ln>
+        </p:spPr>
+        <p:style>
+          <a:lnRef idx="1">
+            <a:schemeClr val="accent1"/>
+          </a:lnRef>
+          <a:fillRef idx="0">
+            <a:schemeClr val="accent1"/>
+          </a:fillRef>
+          <a:effectRef idx="0">
+            <a:schemeClr val="accent1"/>
+          </a:effectRef>
+          <a:fontRef idx="minor">
+            <a:schemeClr val="tx1"/>
+          </a:fontRef>
+        </p:style>
+      </p:cxnSp>
+      <p:sp>
+        <p:nvSpPr>
+          <p:cNvPr id="15" name="TextBox 14">
+            <a:extLst>
+              <a:ext uri="{FF2B5EF4-FFF2-40B4-BE49-F238E27FC236}">
+                <a16:creationId xmlns:a16="http://schemas.microsoft.com/office/drawing/2014/main" id="{ACE971EF-27D4-BF2B-5477-45A2364948A7}"/>
+              </a:ext>
+            </a:extLst>
+          </p:cNvPr>
+          <p:cNvSpPr txBox="1"/>
+          <p:nvPr/>
+        </p:nvSpPr>
+        <p:spPr>
+          <a:xfrm>
+            <a:off x="4698808" y="182523"/>
+            <a:ext cx="1926277" cy="461665"/>
+          </a:xfrm>
+          <a:prstGeom prst="rect">
+            <a:avLst/>
+          </a:prstGeom>
+          <a:noFill/>
+        </p:spPr>
+        <p:txBody>
+          <a:bodyPr wrap="square" rtlCol="0">
+            <a:spAutoFit/>
+          </a:bodyPr>
+          <a:lstStyle/>
+          <a:p>
+            <a:pPr algn="ctr"/>
+            <a:r>
+              <a:rPr lang="en-US" sz="2400" b="1" dirty="0"/>
+              <a:t>Corrected</a:t>
+            </a:r>
+          </a:p>
+        </p:txBody>
+      </p:sp>
+      <p:sp>
+        <p:nvSpPr>
+          <p:cNvPr id="16" name="TextBox 15">
+            <a:extLst>
+              <a:ext uri="{FF2B5EF4-FFF2-40B4-BE49-F238E27FC236}">
+                <a16:creationId xmlns:a16="http://schemas.microsoft.com/office/drawing/2014/main" id="{FFC2C645-75BF-E6C3-CEA9-4E3F2E31767D}"/>
+              </a:ext>
+            </a:extLst>
+          </p:cNvPr>
+          <p:cNvSpPr txBox="1"/>
+          <p:nvPr/>
+        </p:nvSpPr>
+        <p:spPr>
+          <a:xfrm>
+            <a:off x="4698809" y="6334795"/>
+            <a:ext cx="1926277" cy="461665"/>
+          </a:xfrm>
+          <a:prstGeom prst="rect">
+            <a:avLst/>
+          </a:prstGeom>
+          <a:noFill/>
+        </p:spPr>
+        <p:txBody>
+          <a:bodyPr wrap="square" rtlCol="0">
+            <a:spAutoFit/>
+          </a:bodyPr>
+          <a:lstStyle/>
+          <a:p>
+            <a:pPr algn="ctr"/>
+            <a:r>
+              <a:rPr lang="en-US" sz="2400" b="1" dirty="0"/>
+              <a:t>Previous</a:t>
+            </a:r>
+          </a:p>
+        </p:txBody>
+      </p:sp>
+    </p:spTree>
+    <p:extLst>
+      <p:ext uri="{BB962C8B-B14F-4D97-AF65-F5344CB8AC3E}">
+        <p14:creationId xmlns:p14="http://schemas.microsoft.com/office/powerpoint/2010/main" val="321652107"/>
+      </p:ext>
+    </p:extLst>
+  </p:cSld>
+  <p:clrMapOvr>
+    <a:masterClrMapping/>
+  </p:clrMapOvr>
+  <p:timing>
+    <p:tnLst>
+      <p:par>
+        <p:cTn id="1" dur="indefinite" restart="never" nodeType="tmRoot">
+          <p:childTnLst>
+            <p:seq concurrent="1" nextAc="seek">
+              <p:cTn id="2" dur="indefinite" nodeType="mainSeq">
+                <p:childTnLst>
+                  <p:par>
+                    <p:cTn id="3" fill="hold">
+                      <p:stCondLst>
+                        <p:cond delay="indefinite"/>
+                        <p:cond evt="onBegin" delay="0">
+                          <p:tn val="2"/>
+                        </p:cond>
+                      </p:stCondLst>
+                      <p:childTnLst>
+                        <p:par>
+                          <p:cTn id="4" fill="hold">
+                            <p:stCondLst>
+                              <p:cond delay="0"/>
+                            </p:stCondLst>
+                            <p:childTnLst>
+                              <p:par>
+                                <p:cTn id="5" presetID="1" presetClass="entr" presetSubtype="0" fill="hold" nodeType="withEffect">
+                                  <p:stCondLst>
+                                    <p:cond delay="0"/>
+                                  </p:stCondLst>
+                                  <p:childTnLst>
+                                    <p:set>
+                                      <p:cBhvr>
+                                        <p:cTn id="6" dur="1" fill="hold">
+                                          <p:stCondLst>
+                                            <p:cond delay="0"/>
+                                          </p:stCondLst>
+                                        </p:cTn>
+                                        <p:tgtEl>
+                                          <p:spTgt spid="2"/>
+                                        </p:tgtEl>
+                                        <p:attrNameLst>
+                                          <p:attrName>style.visibility</p:attrName>
+                                        </p:attrNameLst>
+                                      </p:cBhvr>
+                                      <p:to>
+                                        <p:strVal val="visible"/>
+                                      </p:to>
+                                    </p:set>
+                                  </p:childTnLst>
+                                </p:cTn>
+                              </p:par>
+                            </p:childTnLst>
+                          </p:cTn>
+                        </p:par>
+                      </p:childTnLst>
+                    </p:cTn>
+                  </p:par>
+                  <p:par>
+                    <p:cTn id="7" fill="hold">
+                      <p:stCondLst>
+                        <p:cond delay="indefinite"/>
+                      </p:stCondLst>
+                      <p:childTnLst>
+                        <p:par>
+                          <p:cTn id="8" fill="hold">
+                            <p:stCondLst>
+                              <p:cond delay="0"/>
+                            </p:stCondLst>
+                            <p:childTnLst>
+                              <p:par>
+                                <p:cTn id="9" presetID="1" presetClass="entr" presetSubtype="0" fill="hold" nodeType="clickEffect">
+                                  <p:stCondLst>
+                                    <p:cond delay="0"/>
+                                  </p:stCondLst>
+                                  <p:childTnLst>
+                                    <p:set>
+                                      <p:cBhvr>
+                                        <p:cTn id="10" dur="1" fill="hold">
+                                          <p:stCondLst>
+                                            <p:cond delay="0"/>
+                                          </p:stCondLst>
+                                        </p:cTn>
+                                        <p:tgtEl>
+                                          <p:spTgt spid="9"/>
+                                        </p:tgtEl>
+                                        <p:attrNameLst>
+                                          <p:attrName>style.visibility</p:attrName>
+                                        </p:attrNameLst>
+                                      </p:cBhvr>
+                                      <p:to>
+                                        <p:strVal val="visible"/>
+                                      </p:to>
+                                    </p:set>
+                                  </p:childTnLst>
+                                </p:cTn>
+                              </p:par>
+                            </p:childTnLst>
+                          </p:cTn>
+                        </p:par>
+                      </p:childTnLst>
+                    </p:cTn>
+                  </p:par>
+                </p:childTnLst>
+              </p:cTn>
+              <p:prevCondLst>
+                <p:cond evt="onPrev" delay="0">
+                  <p:tgtEl>
+                    <p:sldTgt/>
+                  </p:tgtEl>
+                </p:cond>
+              </p:prevCondLst>
+              <p:nextCondLst>
+                <p:cond evt="onNext" delay="0">
+                  <p:tgtEl>
+                    <p:sldTgt/>
+                  </p:tgtEl>
+                </p:cond>
+              </p:nextCondLst>
+            </p:seq>
+          </p:childTnLst>
+        </p:cTn>
+      </p:par>
+    </p:tnLst>
+  </p:timing>
+</p:sld>
+</file>
+
+<file path=ppt/slides/slide5.xml><?xml version="1.0" encoding="utf-8"?>
+<p:sld xmlns:a="http://schemas.openxmlformats.org/drawingml/2006/main" xmlns:r="http://schemas.openxmlformats.org/officeDocument/2006/relationships" xmlns:p="http://schemas.openxmlformats.org/presentationml/2006/main">
+  <p:cSld>
+    <p:spTree>
+      <p:nvGrpSpPr>
+        <p:cNvPr id="1" name=""/>
+        <p:cNvGrpSpPr/>
+        <p:nvPr/>
+      </p:nvGrpSpPr>
+      <p:grpSpPr>
+        <a:xfrm>
+          <a:off x="0" y="0"/>
+          <a:ext cx="0" cy="0"/>
+          <a:chOff x="0" y="0"/>
+          <a:chExt cx="0" cy="0"/>
+        </a:xfrm>
+      </p:grpSpPr>
+      <p:pic>
+        <p:nvPicPr>
+          <p:cNvPr id="4" name="Picture 3">
+            <a:extLst>
+              <a:ext uri="{FF2B5EF4-FFF2-40B4-BE49-F238E27FC236}">
+                <a16:creationId xmlns:a16="http://schemas.microsoft.com/office/drawing/2014/main" id="{B429A8CE-EC8D-EEDB-B4D8-19C627053941}"/>
+              </a:ext>
+            </a:extLst>
+          </p:cNvPr>
+          <p:cNvPicPr>
+            <a:picLocks noChangeAspect="1"/>
+          </p:cNvPicPr>
+          <p:nvPr/>
+        </p:nvPicPr>
+        <p:blipFill>
+          <a:blip r:embed="rId2"/>
+          <a:stretch>
+            <a:fillRect/>
+          </a:stretch>
+        </p:blipFill>
+        <p:spPr>
+          <a:xfrm>
+            <a:off x="850775" y="4006850"/>
+            <a:ext cx="3517900" cy="2654300"/>
+          </a:xfrm>
+          <a:prstGeom prst="rect">
+            <a:avLst/>
+          </a:prstGeom>
+        </p:spPr>
+      </p:pic>
+      <p:pic>
+        <p:nvPicPr>
+          <p:cNvPr id="7" name="Picture 6">
+            <a:extLst>
+              <a:ext uri="{FF2B5EF4-FFF2-40B4-BE49-F238E27FC236}">
+                <a16:creationId xmlns:a16="http://schemas.microsoft.com/office/drawing/2014/main" id="{94D70BFC-6EDF-6A89-50C2-4153BD9C7E3D}"/>
+              </a:ext>
+            </a:extLst>
+          </p:cNvPr>
+          <p:cNvPicPr>
+            <a:picLocks noChangeAspect="1"/>
+          </p:cNvPicPr>
+          <p:nvPr/>
+        </p:nvPicPr>
+        <p:blipFill>
+          <a:blip r:embed="rId3"/>
+          <a:stretch>
+            <a:fillRect/>
+          </a:stretch>
+        </p:blipFill>
+        <p:spPr>
+          <a:xfrm>
+            <a:off x="850775" y="906556"/>
+            <a:ext cx="3594100" cy="2654300"/>
+          </a:xfrm>
+          <a:prstGeom prst="rect">
+            <a:avLst/>
+          </a:prstGeom>
+        </p:spPr>
+      </p:pic>
+      <p:sp>
+        <p:nvSpPr>
+          <p:cNvPr id="10" name="TextBox 9">
+            <a:extLst>
+              <a:ext uri="{FF2B5EF4-FFF2-40B4-BE49-F238E27FC236}">
+                <a16:creationId xmlns:a16="http://schemas.microsoft.com/office/drawing/2014/main" id="{D858BEA2-EB99-EB03-CAF0-8836F610A0A0}"/>
+              </a:ext>
+            </a:extLst>
+          </p:cNvPr>
+          <p:cNvSpPr txBox="1"/>
+          <p:nvPr/>
+        </p:nvSpPr>
+        <p:spPr>
+          <a:xfrm>
+            <a:off x="2067610" y="537224"/>
+            <a:ext cx="1828800" cy="369332"/>
+          </a:xfrm>
+          <a:prstGeom prst="rect">
+            <a:avLst/>
+          </a:prstGeom>
+          <a:noFill/>
+        </p:spPr>
+        <p:txBody>
+          <a:bodyPr wrap="square" rtlCol="0">
+            <a:spAutoFit/>
+          </a:bodyPr>
+          <a:lstStyle/>
+          <a:p>
+            <a:pPr algn="l"/>
+            <a:r>
+              <a:rPr lang="en-US" dirty="0"/>
+              <a:t>06 04 260</a:t>
+            </a:r>
+          </a:p>
+        </p:txBody>
+      </p:sp>
+      <p:sp>
+        <p:nvSpPr>
+          <p:cNvPr id="13" name="TextBox 12">
+            <a:extLst>
+              <a:ext uri="{FF2B5EF4-FFF2-40B4-BE49-F238E27FC236}">
+                <a16:creationId xmlns:a16="http://schemas.microsoft.com/office/drawing/2014/main" id="{D8AF0677-0048-AE2B-B46A-E1AC4D443119}"/>
+              </a:ext>
+            </a:extLst>
+          </p:cNvPr>
+          <p:cNvSpPr txBox="1"/>
+          <p:nvPr/>
+        </p:nvSpPr>
+        <p:spPr>
+          <a:xfrm>
+            <a:off x="2067610" y="3637518"/>
+            <a:ext cx="1828800" cy="369332"/>
+          </a:xfrm>
+          <a:prstGeom prst="rect">
+            <a:avLst/>
+          </a:prstGeom>
+          <a:noFill/>
+        </p:spPr>
+        <p:txBody>
+          <a:bodyPr rot="0" spcFirstLastPara="0" vert="horz" wrap="square" lIns="91440" tIns="45720" rIns="91440" bIns="45720" numCol="1" spcCol="0" rtlCol="0" fromWordArt="0" anchor="t" anchorCtr="0" forceAA="0" compatLnSpc="1">
+            <a:prstTxWarp prst="textNoShape">
+              <a:avLst/>
+            </a:prstTxWarp>
+            <a:spAutoFit/>
+          </a:bodyPr>
+          <a:lstStyle>
+            <a:defPPr>
+              <a:defRPr lang="en-US"/>
+            </a:defPPr>
+            <a:lvl1pPr marL="0" algn="l" defTabSz="914400" rtl="0" eaLnBrk="1" latinLnBrk="0" hangingPunct="1">
+              <a:defRPr sz="1800" kern="1200">
+                <a:solidFill>
+                  <a:schemeClr val="tx1"/>
+                </a:solidFill>
+                <a:latin typeface="+mn-lt"/>
+                <a:ea typeface="+mn-ea"/>
+                <a:cs typeface="+mn-cs"/>
+              </a:defRPr>
+            </a:lvl1pPr>
+            <a:lvl2pPr marL="457200" algn="l" defTabSz="914400" rtl="0" eaLnBrk="1" latinLnBrk="0" hangingPunct="1">
+              <a:defRPr sz="1800" kern="1200">
+                <a:solidFill>
+                  <a:schemeClr val="tx1"/>
+                </a:solidFill>
+                <a:latin typeface="+mn-lt"/>
+                <a:ea typeface="+mn-ea"/>
+                <a:cs typeface="+mn-cs"/>
+              </a:defRPr>
+            </a:lvl2pPr>
+            <a:lvl3pPr marL="914400" algn="l" defTabSz="914400" rtl="0" eaLnBrk="1" latinLnBrk="0" hangingPunct="1">
+              <a:defRPr sz="1800" kern="1200">
+                <a:solidFill>
+                  <a:schemeClr val="tx1"/>
+                </a:solidFill>
+                <a:latin typeface="+mn-lt"/>
+                <a:ea typeface="+mn-ea"/>
+                <a:cs typeface="+mn-cs"/>
+              </a:defRPr>
+            </a:lvl3pPr>
+            <a:lvl4pPr marL="1371600" algn="l" defTabSz="914400" rtl="0" eaLnBrk="1" latinLnBrk="0" hangingPunct="1">
+              <a:defRPr sz="1800" kern="1200">
+                <a:solidFill>
+                  <a:schemeClr val="tx1"/>
+                </a:solidFill>
+                <a:latin typeface="+mn-lt"/>
+                <a:ea typeface="+mn-ea"/>
+                <a:cs typeface="+mn-cs"/>
+              </a:defRPr>
+            </a:lvl4pPr>
+            <a:lvl5pPr marL="1828800" algn="l" defTabSz="914400" rtl="0" eaLnBrk="1" latinLnBrk="0" hangingPunct="1">
+              <a:defRPr sz="1800" kern="1200">
+                <a:solidFill>
+                  <a:schemeClr val="tx1"/>
+                </a:solidFill>
+                <a:latin typeface="+mn-lt"/>
+                <a:ea typeface="+mn-ea"/>
+                <a:cs typeface="+mn-cs"/>
+              </a:defRPr>
+            </a:lvl5pPr>
+            <a:lvl6pPr marL="2286000" algn="l" defTabSz="914400" rtl="0" eaLnBrk="1" latinLnBrk="0" hangingPunct="1">
+              <a:defRPr sz="1800" kern="1200">
+                <a:solidFill>
+                  <a:schemeClr val="tx1"/>
+                </a:solidFill>
+                <a:latin typeface="+mn-lt"/>
+                <a:ea typeface="+mn-ea"/>
+                <a:cs typeface="+mn-cs"/>
+              </a:defRPr>
+            </a:lvl6pPr>
+            <a:lvl7pPr marL="2743200" algn="l" defTabSz="914400" rtl="0" eaLnBrk="1" latinLnBrk="0" hangingPunct="1">
+              <a:defRPr sz="1800" kern="1200">
+                <a:solidFill>
+                  <a:schemeClr val="tx1"/>
+                </a:solidFill>
+                <a:latin typeface="+mn-lt"/>
+                <a:ea typeface="+mn-ea"/>
+                <a:cs typeface="+mn-cs"/>
+              </a:defRPr>
+            </a:lvl7pPr>
+            <a:lvl8pPr marL="3200400" algn="l" defTabSz="914400" rtl="0" eaLnBrk="1" latinLnBrk="0" hangingPunct="1">
+              <a:defRPr sz="1800" kern="1200">
+                <a:solidFill>
+                  <a:schemeClr val="tx1"/>
+                </a:solidFill>
+                <a:latin typeface="+mn-lt"/>
+                <a:ea typeface="+mn-ea"/>
+                <a:cs typeface="+mn-cs"/>
+              </a:defRPr>
+            </a:lvl8pPr>
+            <a:lvl9pPr marL="3657600" algn="l" defTabSz="914400" rtl="0" eaLnBrk="1" latinLnBrk="0" hangingPunct="1">
+              <a:defRPr sz="1800" kern="1200">
+                <a:solidFill>
+                  <a:schemeClr val="tx1"/>
+                </a:solidFill>
+                <a:latin typeface="+mn-lt"/>
+                <a:ea typeface="+mn-ea"/>
+                <a:cs typeface="+mn-cs"/>
+              </a:defRPr>
+            </a:lvl9pPr>
+          </a:lstStyle>
+          <a:p>
+            <a:pPr algn="l"/>
+            <a:r>
+              <a:rPr lang="en-US" dirty="0"/>
+              <a:t>07 04 260</a:t>
+            </a:r>
+          </a:p>
+        </p:txBody>
+      </p:sp>
+      <p:pic>
+        <p:nvPicPr>
+          <p:cNvPr id="19" name="Picture 18">
+            <a:extLst>
+              <a:ext uri="{FF2B5EF4-FFF2-40B4-BE49-F238E27FC236}">
+                <a16:creationId xmlns:a16="http://schemas.microsoft.com/office/drawing/2014/main" id="{33248488-68AA-3677-ED06-2965B61A2655}"/>
+              </a:ext>
+            </a:extLst>
+          </p:cNvPr>
+          <p:cNvPicPr>
+            <a:picLocks noChangeAspect="1"/>
+          </p:cNvPicPr>
+          <p:nvPr/>
+        </p:nvPicPr>
+        <p:blipFill>
+          <a:blip r:embed="rId4"/>
+          <a:stretch>
+            <a:fillRect/>
+          </a:stretch>
+        </p:blipFill>
+        <p:spPr>
+          <a:xfrm>
+            <a:off x="4777692" y="4006850"/>
+            <a:ext cx="3517900" cy="2654300"/>
+          </a:xfrm>
+          <a:prstGeom prst="rect">
+            <a:avLst/>
+          </a:prstGeom>
+        </p:spPr>
+      </p:pic>
+      <p:sp>
+        <p:nvSpPr>
+          <p:cNvPr id="22" name="TextBox 21">
+            <a:extLst>
+              <a:ext uri="{FF2B5EF4-FFF2-40B4-BE49-F238E27FC236}">
+                <a16:creationId xmlns:a16="http://schemas.microsoft.com/office/drawing/2014/main" id="{C2B256D1-EB64-3E37-26E7-75C2CA8CB394}"/>
+              </a:ext>
+            </a:extLst>
+          </p:cNvPr>
+          <p:cNvSpPr txBox="1"/>
+          <p:nvPr/>
+        </p:nvSpPr>
+        <p:spPr>
+          <a:xfrm>
+            <a:off x="6001998" y="3664252"/>
+            <a:ext cx="1828800" cy="369332"/>
+          </a:xfrm>
+          <a:prstGeom prst="rect">
+            <a:avLst/>
+          </a:prstGeom>
+          <a:noFill/>
+        </p:spPr>
+        <p:txBody>
+          <a:bodyPr rot="0" spcFirstLastPara="0" vert="horz" wrap="square" lIns="91440" tIns="45720" rIns="91440" bIns="45720" numCol="1" spcCol="0" rtlCol="0" fromWordArt="0" anchor="t" anchorCtr="0" forceAA="0" compatLnSpc="1">
+            <a:prstTxWarp prst="textNoShape">
+              <a:avLst/>
+            </a:prstTxWarp>
+            <a:spAutoFit/>
+          </a:bodyPr>
+          <a:lstStyle>
+            <a:defPPr>
+              <a:defRPr lang="en-US"/>
+            </a:defPPr>
+            <a:lvl1pPr marL="0" algn="l" defTabSz="914400" rtl="0" eaLnBrk="1" latinLnBrk="0" hangingPunct="1">
+              <a:defRPr sz="1800" kern="1200">
+                <a:solidFill>
+                  <a:schemeClr val="tx1"/>
+                </a:solidFill>
+                <a:latin typeface="+mn-lt"/>
+                <a:ea typeface="+mn-ea"/>
+                <a:cs typeface="+mn-cs"/>
+              </a:defRPr>
+            </a:lvl1pPr>
+            <a:lvl2pPr marL="457200" algn="l" defTabSz="914400" rtl="0" eaLnBrk="1" latinLnBrk="0" hangingPunct="1">
+              <a:defRPr sz="1800" kern="1200">
+                <a:solidFill>
+                  <a:schemeClr val="tx1"/>
+                </a:solidFill>
+                <a:latin typeface="+mn-lt"/>
+                <a:ea typeface="+mn-ea"/>
+                <a:cs typeface="+mn-cs"/>
+              </a:defRPr>
+            </a:lvl2pPr>
+            <a:lvl3pPr marL="914400" algn="l" defTabSz="914400" rtl="0" eaLnBrk="1" latinLnBrk="0" hangingPunct="1">
+              <a:defRPr sz="1800" kern="1200">
+                <a:solidFill>
+                  <a:schemeClr val="tx1"/>
+                </a:solidFill>
+                <a:latin typeface="+mn-lt"/>
+                <a:ea typeface="+mn-ea"/>
+                <a:cs typeface="+mn-cs"/>
+              </a:defRPr>
+            </a:lvl3pPr>
+            <a:lvl4pPr marL="1371600" algn="l" defTabSz="914400" rtl="0" eaLnBrk="1" latinLnBrk="0" hangingPunct="1">
+              <a:defRPr sz="1800" kern="1200">
+                <a:solidFill>
+                  <a:schemeClr val="tx1"/>
+                </a:solidFill>
+                <a:latin typeface="+mn-lt"/>
+                <a:ea typeface="+mn-ea"/>
+                <a:cs typeface="+mn-cs"/>
+              </a:defRPr>
+            </a:lvl4pPr>
+            <a:lvl5pPr marL="1828800" algn="l" defTabSz="914400" rtl="0" eaLnBrk="1" latinLnBrk="0" hangingPunct="1">
+              <a:defRPr sz="1800" kern="1200">
+                <a:solidFill>
+                  <a:schemeClr val="tx1"/>
+                </a:solidFill>
+                <a:latin typeface="+mn-lt"/>
+                <a:ea typeface="+mn-ea"/>
+                <a:cs typeface="+mn-cs"/>
+              </a:defRPr>
+            </a:lvl5pPr>
+            <a:lvl6pPr marL="2286000" algn="l" defTabSz="914400" rtl="0" eaLnBrk="1" latinLnBrk="0" hangingPunct="1">
+              <a:defRPr sz="1800" kern="1200">
+                <a:solidFill>
+                  <a:schemeClr val="tx1"/>
+                </a:solidFill>
+                <a:latin typeface="+mn-lt"/>
+                <a:ea typeface="+mn-ea"/>
+                <a:cs typeface="+mn-cs"/>
+              </a:defRPr>
+            </a:lvl6pPr>
+            <a:lvl7pPr marL="2743200" algn="l" defTabSz="914400" rtl="0" eaLnBrk="1" latinLnBrk="0" hangingPunct="1">
+              <a:defRPr sz="1800" kern="1200">
+                <a:solidFill>
+                  <a:schemeClr val="tx1"/>
+                </a:solidFill>
+                <a:latin typeface="+mn-lt"/>
+                <a:ea typeface="+mn-ea"/>
+                <a:cs typeface="+mn-cs"/>
+              </a:defRPr>
+            </a:lvl7pPr>
+            <a:lvl8pPr marL="3200400" algn="l" defTabSz="914400" rtl="0" eaLnBrk="1" latinLnBrk="0" hangingPunct="1">
+              <a:defRPr sz="1800" kern="1200">
+                <a:solidFill>
+                  <a:schemeClr val="tx1"/>
+                </a:solidFill>
+                <a:latin typeface="+mn-lt"/>
+                <a:ea typeface="+mn-ea"/>
+                <a:cs typeface="+mn-cs"/>
+              </a:defRPr>
+            </a:lvl8pPr>
+            <a:lvl9pPr marL="3657600" algn="l" defTabSz="914400" rtl="0" eaLnBrk="1" latinLnBrk="0" hangingPunct="1">
+              <a:defRPr sz="1800" kern="1200">
+                <a:solidFill>
+                  <a:schemeClr val="tx1"/>
+                </a:solidFill>
+                <a:latin typeface="+mn-lt"/>
+                <a:ea typeface="+mn-ea"/>
+                <a:cs typeface="+mn-cs"/>
+              </a:defRPr>
+            </a:lvl9pPr>
+          </a:lstStyle>
+          <a:p>
+            <a:pPr algn="l"/>
+            <a:r>
+              <a:rPr lang="en-US" dirty="0"/>
+              <a:t>07 04 240</a:t>
+            </a:r>
+          </a:p>
+        </p:txBody>
+      </p:sp>
+      <p:pic>
+        <p:nvPicPr>
+          <p:cNvPr id="25" name="Picture 24">
+            <a:extLst>
+              <a:ext uri="{FF2B5EF4-FFF2-40B4-BE49-F238E27FC236}">
+                <a16:creationId xmlns:a16="http://schemas.microsoft.com/office/drawing/2014/main" id="{FFDC5507-A931-D4DD-E54B-73259046B0F2}"/>
+              </a:ext>
+            </a:extLst>
+          </p:cNvPr>
+          <p:cNvPicPr>
+            <a:picLocks noChangeAspect="1"/>
+          </p:cNvPicPr>
+          <p:nvPr/>
+        </p:nvPicPr>
+        <p:blipFill>
+          <a:blip r:embed="rId5"/>
+          <a:stretch>
+            <a:fillRect/>
+          </a:stretch>
+        </p:blipFill>
+        <p:spPr>
+          <a:xfrm>
+            <a:off x="8495677" y="4006850"/>
+            <a:ext cx="3517900" cy="2654300"/>
+          </a:xfrm>
+          <a:prstGeom prst="rect">
+            <a:avLst/>
+          </a:prstGeom>
+        </p:spPr>
+      </p:pic>
+      <p:sp>
+        <p:nvSpPr>
+          <p:cNvPr id="27" name="TextBox 26">
+            <a:extLst>
+              <a:ext uri="{FF2B5EF4-FFF2-40B4-BE49-F238E27FC236}">
+                <a16:creationId xmlns:a16="http://schemas.microsoft.com/office/drawing/2014/main" id="{742075FD-878E-A000-7516-3F0631213825}"/>
+              </a:ext>
+            </a:extLst>
+          </p:cNvPr>
+          <p:cNvSpPr txBox="1"/>
+          <p:nvPr/>
+        </p:nvSpPr>
+        <p:spPr>
+          <a:xfrm>
+            <a:off x="9864856" y="3637518"/>
+            <a:ext cx="1828800" cy="369332"/>
+          </a:xfrm>
+          <a:prstGeom prst="rect">
+            <a:avLst/>
+          </a:prstGeom>
+          <a:noFill/>
+        </p:spPr>
+        <p:txBody>
+          <a:bodyPr rot="0" spcFirstLastPara="0" vert="horz" wrap="square" lIns="91440" tIns="45720" rIns="91440" bIns="45720" numCol="1" spcCol="0" rtlCol="0" fromWordArt="0" anchor="t" anchorCtr="0" forceAA="0" compatLnSpc="1">
+            <a:prstTxWarp prst="textNoShape">
+              <a:avLst/>
+            </a:prstTxWarp>
+            <a:spAutoFit/>
+          </a:bodyPr>
+          <a:lstStyle>
+            <a:defPPr>
+              <a:defRPr lang="en-US"/>
+            </a:defPPr>
+            <a:lvl1pPr marL="0" algn="l" defTabSz="914400" rtl="0" eaLnBrk="1" latinLnBrk="0" hangingPunct="1">
+              <a:defRPr sz="1800" kern="1200">
+                <a:solidFill>
+                  <a:schemeClr val="tx1"/>
+                </a:solidFill>
+                <a:latin typeface="+mn-lt"/>
+                <a:ea typeface="+mn-ea"/>
+                <a:cs typeface="+mn-cs"/>
+              </a:defRPr>
+            </a:lvl1pPr>
+            <a:lvl2pPr marL="457200" algn="l" defTabSz="914400" rtl="0" eaLnBrk="1" latinLnBrk="0" hangingPunct="1">
+              <a:defRPr sz="1800" kern="1200">
+                <a:solidFill>
+                  <a:schemeClr val="tx1"/>
+                </a:solidFill>
+                <a:latin typeface="+mn-lt"/>
+                <a:ea typeface="+mn-ea"/>
+                <a:cs typeface="+mn-cs"/>
+              </a:defRPr>
+            </a:lvl2pPr>
+            <a:lvl3pPr marL="914400" algn="l" defTabSz="914400" rtl="0" eaLnBrk="1" latinLnBrk="0" hangingPunct="1">
+              <a:defRPr sz="1800" kern="1200">
+                <a:solidFill>
+                  <a:schemeClr val="tx1"/>
+                </a:solidFill>
+                <a:latin typeface="+mn-lt"/>
+                <a:ea typeface="+mn-ea"/>
+                <a:cs typeface="+mn-cs"/>
+              </a:defRPr>
+            </a:lvl3pPr>
+            <a:lvl4pPr marL="1371600" algn="l" defTabSz="914400" rtl="0" eaLnBrk="1" latinLnBrk="0" hangingPunct="1">
+              <a:defRPr sz="1800" kern="1200">
+                <a:solidFill>
+                  <a:schemeClr val="tx1"/>
+                </a:solidFill>
+                <a:latin typeface="+mn-lt"/>
+                <a:ea typeface="+mn-ea"/>
+                <a:cs typeface="+mn-cs"/>
+              </a:defRPr>
+            </a:lvl4pPr>
+            <a:lvl5pPr marL="1828800" algn="l" defTabSz="914400" rtl="0" eaLnBrk="1" latinLnBrk="0" hangingPunct="1">
+              <a:defRPr sz="1800" kern="1200">
+                <a:solidFill>
+                  <a:schemeClr val="tx1"/>
+                </a:solidFill>
+                <a:latin typeface="+mn-lt"/>
+                <a:ea typeface="+mn-ea"/>
+                <a:cs typeface="+mn-cs"/>
+              </a:defRPr>
+            </a:lvl5pPr>
+            <a:lvl6pPr marL="2286000" algn="l" defTabSz="914400" rtl="0" eaLnBrk="1" latinLnBrk="0" hangingPunct="1">
+              <a:defRPr sz="1800" kern="1200">
+                <a:solidFill>
+                  <a:schemeClr val="tx1"/>
+                </a:solidFill>
+                <a:latin typeface="+mn-lt"/>
+                <a:ea typeface="+mn-ea"/>
+                <a:cs typeface="+mn-cs"/>
+              </a:defRPr>
+            </a:lvl6pPr>
+            <a:lvl7pPr marL="2743200" algn="l" defTabSz="914400" rtl="0" eaLnBrk="1" latinLnBrk="0" hangingPunct="1">
+              <a:defRPr sz="1800" kern="1200">
+                <a:solidFill>
+                  <a:schemeClr val="tx1"/>
+                </a:solidFill>
+                <a:latin typeface="+mn-lt"/>
+                <a:ea typeface="+mn-ea"/>
+                <a:cs typeface="+mn-cs"/>
+              </a:defRPr>
+            </a:lvl7pPr>
+            <a:lvl8pPr marL="3200400" algn="l" defTabSz="914400" rtl="0" eaLnBrk="1" latinLnBrk="0" hangingPunct="1">
+              <a:defRPr sz="1800" kern="1200">
+                <a:solidFill>
+                  <a:schemeClr val="tx1"/>
+                </a:solidFill>
+                <a:latin typeface="+mn-lt"/>
+                <a:ea typeface="+mn-ea"/>
+                <a:cs typeface="+mn-cs"/>
+              </a:defRPr>
+            </a:lvl8pPr>
+            <a:lvl9pPr marL="3657600" algn="l" defTabSz="914400" rtl="0" eaLnBrk="1" latinLnBrk="0" hangingPunct="1">
+              <a:defRPr sz="1800" kern="1200">
+                <a:solidFill>
+                  <a:schemeClr val="tx1"/>
+                </a:solidFill>
+                <a:latin typeface="+mn-lt"/>
+                <a:ea typeface="+mn-ea"/>
+                <a:cs typeface="+mn-cs"/>
+              </a:defRPr>
+            </a:lvl9pPr>
+          </a:lstStyle>
+          <a:p>
+            <a:pPr algn="l"/>
+            <a:r>
+              <a:rPr lang="en-US" dirty="0"/>
+              <a:t>07 04 220</a:t>
+            </a:r>
+          </a:p>
+        </p:txBody>
+      </p:sp>
+      <p:pic>
+        <p:nvPicPr>
+          <p:cNvPr id="30" name="Picture 29">
+            <a:extLst>
+              <a:ext uri="{FF2B5EF4-FFF2-40B4-BE49-F238E27FC236}">
+                <a16:creationId xmlns:a16="http://schemas.microsoft.com/office/drawing/2014/main" id="{EF87362B-B479-BD3F-14A0-43E0AC925E2B}"/>
+              </a:ext>
+            </a:extLst>
+          </p:cNvPr>
+          <p:cNvPicPr>
+            <a:picLocks noChangeAspect="1"/>
+          </p:cNvPicPr>
+          <p:nvPr/>
+        </p:nvPicPr>
+        <p:blipFill>
+          <a:blip r:embed="rId6"/>
+          <a:stretch>
+            <a:fillRect/>
+          </a:stretch>
+        </p:blipFill>
+        <p:spPr>
+          <a:xfrm>
+            <a:off x="4782115" y="906556"/>
+            <a:ext cx="3517900" cy="2654300"/>
+          </a:xfrm>
+          <a:prstGeom prst="rect">
+            <a:avLst/>
+          </a:prstGeom>
+        </p:spPr>
+      </p:pic>
+      <p:sp>
+        <p:nvSpPr>
+          <p:cNvPr id="33" name="TextBox 32">
+            <a:extLst>
+              <a:ext uri="{FF2B5EF4-FFF2-40B4-BE49-F238E27FC236}">
+                <a16:creationId xmlns:a16="http://schemas.microsoft.com/office/drawing/2014/main" id="{835FAE8F-1060-49CA-66D8-AFF9A44C8001}"/>
+              </a:ext>
+            </a:extLst>
+          </p:cNvPr>
+          <p:cNvSpPr txBox="1"/>
+          <p:nvPr/>
+        </p:nvSpPr>
+        <p:spPr>
+          <a:xfrm>
+            <a:off x="6001998" y="550591"/>
+            <a:ext cx="1828800" cy="369332"/>
+          </a:xfrm>
+          <a:prstGeom prst="rect">
+            <a:avLst/>
+          </a:prstGeom>
+          <a:noFill/>
+        </p:spPr>
+        <p:txBody>
+          <a:bodyPr rot="0" spcFirstLastPara="0" vert="horz" wrap="square" lIns="91440" tIns="45720" rIns="91440" bIns="45720" numCol="1" spcCol="0" rtlCol="0" fromWordArt="0" anchor="t" anchorCtr="0" forceAA="0" compatLnSpc="1">
+            <a:prstTxWarp prst="textNoShape">
+              <a:avLst/>
+            </a:prstTxWarp>
+            <a:spAutoFit/>
+          </a:bodyPr>
+          <a:lstStyle>
+            <a:defPPr>
+              <a:defRPr lang="en-US"/>
+            </a:defPPr>
+            <a:lvl1pPr marL="0" algn="l" defTabSz="914400" rtl="0" eaLnBrk="1" latinLnBrk="0" hangingPunct="1">
+              <a:defRPr sz="1800" kern="1200">
+                <a:solidFill>
+                  <a:schemeClr val="tx1"/>
+                </a:solidFill>
+                <a:latin typeface="+mn-lt"/>
+                <a:ea typeface="+mn-ea"/>
+                <a:cs typeface="+mn-cs"/>
+              </a:defRPr>
+            </a:lvl1pPr>
+            <a:lvl2pPr marL="457200" algn="l" defTabSz="914400" rtl="0" eaLnBrk="1" latinLnBrk="0" hangingPunct="1">
+              <a:defRPr sz="1800" kern="1200">
+                <a:solidFill>
+                  <a:schemeClr val="tx1"/>
+                </a:solidFill>
+                <a:latin typeface="+mn-lt"/>
+                <a:ea typeface="+mn-ea"/>
+                <a:cs typeface="+mn-cs"/>
+              </a:defRPr>
+            </a:lvl2pPr>
+            <a:lvl3pPr marL="914400" algn="l" defTabSz="914400" rtl="0" eaLnBrk="1" latinLnBrk="0" hangingPunct="1">
+              <a:defRPr sz="1800" kern="1200">
+                <a:solidFill>
+                  <a:schemeClr val="tx1"/>
+                </a:solidFill>
+                <a:latin typeface="+mn-lt"/>
+                <a:ea typeface="+mn-ea"/>
+                <a:cs typeface="+mn-cs"/>
+              </a:defRPr>
+            </a:lvl3pPr>
+            <a:lvl4pPr marL="1371600" algn="l" defTabSz="914400" rtl="0" eaLnBrk="1" latinLnBrk="0" hangingPunct="1">
+              <a:defRPr sz="1800" kern="1200">
+                <a:solidFill>
+                  <a:schemeClr val="tx1"/>
+                </a:solidFill>
+                <a:latin typeface="+mn-lt"/>
+                <a:ea typeface="+mn-ea"/>
+                <a:cs typeface="+mn-cs"/>
+              </a:defRPr>
+            </a:lvl4pPr>
+            <a:lvl5pPr marL="1828800" algn="l" defTabSz="914400" rtl="0" eaLnBrk="1" latinLnBrk="0" hangingPunct="1">
+              <a:defRPr sz="1800" kern="1200">
+                <a:solidFill>
+                  <a:schemeClr val="tx1"/>
+                </a:solidFill>
+                <a:latin typeface="+mn-lt"/>
+                <a:ea typeface="+mn-ea"/>
+                <a:cs typeface="+mn-cs"/>
+              </a:defRPr>
+            </a:lvl5pPr>
+            <a:lvl6pPr marL="2286000" algn="l" defTabSz="914400" rtl="0" eaLnBrk="1" latinLnBrk="0" hangingPunct="1">
+              <a:defRPr sz="1800" kern="1200">
+                <a:solidFill>
+                  <a:schemeClr val="tx1"/>
+                </a:solidFill>
+                <a:latin typeface="+mn-lt"/>
+                <a:ea typeface="+mn-ea"/>
+                <a:cs typeface="+mn-cs"/>
+              </a:defRPr>
+            </a:lvl6pPr>
+            <a:lvl7pPr marL="2743200" algn="l" defTabSz="914400" rtl="0" eaLnBrk="1" latinLnBrk="0" hangingPunct="1">
+              <a:defRPr sz="1800" kern="1200">
+                <a:solidFill>
+                  <a:schemeClr val="tx1"/>
+                </a:solidFill>
+                <a:latin typeface="+mn-lt"/>
+                <a:ea typeface="+mn-ea"/>
+                <a:cs typeface="+mn-cs"/>
+              </a:defRPr>
+            </a:lvl7pPr>
+            <a:lvl8pPr marL="3200400" algn="l" defTabSz="914400" rtl="0" eaLnBrk="1" latinLnBrk="0" hangingPunct="1">
+              <a:defRPr sz="1800" kern="1200">
+                <a:solidFill>
+                  <a:schemeClr val="tx1"/>
+                </a:solidFill>
+                <a:latin typeface="+mn-lt"/>
+                <a:ea typeface="+mn-ea"/>
+                <a:cs typeface="+mn-cs"/>
+              </a:defRPr>
+            </a:lvl8pPr>
+            <a:lvl9pPr marL="3657600" algn="l" defTabSz="914400" rtl="0" eaLnBrk="1" latinLnBrk="0" hangingPunct="1">
+              <a:defRPr sz="1800" kern="1200">
+                <a:solidFill>
+                  <a:schemeClr val="tx1"/>
+                </a:solidFill>
+                <a:latin typeface="+mn-lt"/>
+                <a:ea typeface="+mn-ea"/>
+                <a:cs typeface="+mn-cs"/>
+              </a:defRPr>
+            </a:lvl9pPr>
+          </a:lstStyle>
+          <a:p>
+            <a:pPr algn="l"/>
+            <a:r>
+              <a:rPr lang="en-US" dirty="0"/>
+              <a:t>06 04 240</a:t>
+            </a:r>
+          </a:p>
+        </p:txBody>
+      </p:sp>
+      <p:pic>
+        <p:nvPicPr>
+          <p:cNvPr id="36" name="Picture 35">
+            <a:extLst>
+              <a:ext uri="{FF2B5EF4-FFF2-40B4-BE49-F238E27FC236}">
+                <a16:creationId xmlns:a16="http://schemas.microsoft.com/office/drawing/2014/main" id="{6803F02E-02A6-4E7E-93EC-7C83A1296A32}"/>
+              </a:ext>
+            </a:extLst>
+          </p:cNvPr>
+          <p:cNvPicPr>
+            <a:picLocks noChangeAspect="1"/>
+          </p:cNvPicPr>
+          <p:nvPr/>
+        </p:nvPicPr>
+        <p:blipFill>
+          <a:blip r:embed="rId7"/>
+          <a:stretch>
+            <a:fillRect/>
+          </a:stretch>
+        </p:blipFill>
+        <p:spPr>
+          <a:xfrm>
+            <a:off x="8439526" y="906556"/>
+            <a:ext cx="3517900" cy="2654300"/>
+          </a:xfrm>
+          <a:prstGeom prst="rect">
+            <a:avLst/>
+          </a:prstGeom>
+        </p:spPr>
+      </p:pic>
+      <p:sp>
+        <p:nvSpPr>
+          <p:cNvPr id="39" name="TextBox 38">
+            <a:extLst>
+              <a:ext uri="{FF2B5EF4-FFF2-40B4-BE49-F238E27FC236}">
+                <a16:creationId xmlns:a16="http://schemas.microsoft.com/office/drawing/2014/main" id="{35EB9581-7234-7417-3092-EE3F50867104}"/>
+              </a:ext>
+            </a:extLst>
+          </p:cNvPr>
+          <p:cNvSpPr txBox="1"/>
+          <p:nvPr/>
+        </p:nvSpPr>
+        <p:spPr>
+          <a:xfrm>
+            <a:off x="9857138" y="537224"/>
+            <a:ext cx="1828800" cy="369332"/>
+          </a:xfrm>
+          <a:prstGeom prst="rect">
+            <a:avLst/>
+          </a:prstGeom>
+          <a:noFill/>
+        </p:spPr>
+        <p:txBody>
+          <a:bodyPr rot="0" spcFirstLastPara="0" vert="horz" wrap="square" lIns="91440" tIns="45720" rIns="91440" bIns="45720" numCol="1" spcCol="0" rtlCol="0" fromWordArt="0" anchor="t" anchorCtr="0" forceAA="0" compatLnSpc="1">
+            <a:prstTxWarp prst="textNoShape">
+              <a:avLst/>
+            </a:prstTxWarp>
+            <a:spAutoFit/>
+          </a:bodyPr>
+          <a:lstStyle>
+            <a:defPPr>
+              <a:defRPr lang="en-US"/>
+            </a:defPPr>
+            <a:lvl1pPr marL="0" algn="l" defTabSz="914400" rtl="0" eaLnBrk="1" latinLnBrk="0" hangingPunct="1">
+              <a:defRPr sz="1800" kern="1200">
+                <a:solidFill>
+                  <a:schemeClr val="tx1"/>
+                </a:solidFill>
+                <a:latin typeface="+mn-lt"/>
+                <a:ea typeface="+mn-ea"/>
+                <a:cs typeface="+mn-cs"/>
+              </a:defRPr>
+            </a:lvl1pPr>
+            <a:lvl2pPr marL="457200" algn="l" defTabSz="914400" rtl="0" eaLnBrk="1" latinLnBrk="0" hangingPunct="1">
+              <a:defRPr sz="1800" kern="1200">
+                <a:solidFill>
+                  <a:schemeClr val="tx1"/>
+                </a:solidFill>
+                <a:latin typeface="+mn-lt"/>
+                <a:ea typeface="+mn-ea"/>
+                <a:cs typeface="+mn-cs"/>
+              </a:defRPr>
+            </a:lvl2pPr>
+            <a:lvl3pPr marL="914400" algn="l" defTabSz="914400" rtl="0" eaLnBrk="1" latinLnBrk="0" hangingPunct="1">
+              <a:defRPr sz="1800" kern="1200">
+                <a:solidFill>
+                  <a:schemeClr val="tx1"/>
+                </a:solidFill>
+                <a:latin typeface="+mn-lt"/>
+                <a:ea typeface="+mn-ea"/>
+                <a:cs typeface="+mn-cs"/>
+              </a:defRPr>
+            </a:lvl3pPr>
+            <a:lvl4pPr marL="1371600" algn="l" defTabSz="914400" rtl="0" eaLnBrk="1" latinLnBrk="0" hangingPunct="1">
+              <a:defRPr sz="1800" kern="1200">
+                <a:solidFill>
+                  <a:schemeClr val="tx1"/>
+                </a:solidFill>
+                <a:latin typeface="+mn-lt"/>
+                <a:ea typeface="+mn-ea"/>
+                <a:cs typeface="+mn-cs"/>
+              </a:defRPr>
+            </a:lvl4pPr>
+            <a:lvl5pPr marL="1828800" algn="l" defTabSz="914400" rtl="0" eaLnBrk="1" latinLnBrk="0" hangingPunct="1">
+              <a:defRPr sz="1800" kern="1200">
+                <a:solidFill>
+                  <a:schemeClr val="tx1"/>
+                </a:solidFill>
+                <a:latin typeface="+mn-lt"/>
+                <a:ea typeface="+mn-ea"/>
+                <a:cs typeface="+mn-cs"/>
+              </a:defRPr>
+            </a:lvl5pPr>
+            <a:lvl6pPr marL="2286000" algn="l" defTabSz="914400" rtl="0" eaLnBrk="1" latinLnBrk="0" hangingPunct="1">
+              <a:defRPr sz="1800" kern="1200">
+                <a:solidFill>
+                  <a:schemeClr val="tx1"/>
+                </a:solidFill>
+                <a:latin typeface="+mn-lt"/>
+                <a:ea typeface="+mn-ea"/>
+                <a:cs typeface="+mn-cs"/>
+              </a:defRPr>
+            </a:lvl6pPr>
+            <a:lvl7pPr marL="2743200" algn="l" defTabSz="914400" rtl="0" eaLnBrk="1" latinLnBrk="0" hangingPunct="1">
+              <a:defRPr sz="1800" kern="1200">
+                <a:solidFill>
+                  <a:schemeClr val="tx1"/>
+                </a:solidFill>
+                <a:latin typeface="+mn-lt"/>
+                <a:ea typeface="+mn-ea"/>
+                <a:cs typeface="+mn-cs"/>
+              </a:defRPr>
+            </a:lvl7pPr>
+            <a:lvl8pPr marL="3200400" algn="l" defTabSz="914400" rtl="0" eaLnBrk="1" latinLnBrk="0" hangingPunct="1">
+              <a:defRPr sz="1800" kern="1200">
+                <a:solidFill>
+                  <a:schemeClr val="tx1"/>
+                </a:solidFill>
+                <a:latin typeface="+mn-lt"/>
+                <a:ea typeface="+mn-ea"/>
+                <a:cs typeface="+mn-cs"/>
+              </a:defRPr>
+            </a:lvl8pPr>
+            <a:lvl9pPr marL="3657600" algn="l" defTabSz="914400" rtl="0" eaLnBrk="1" latinLnBrk="0" hangingPunct="1">
+              <a:defRPr sz="1800" kern="1200">
+                <a:solidFill>
+                  <a:schemeClr val="tx1"/>
+                </a:solidFill>
+                <a:latin typeface="+mn-lt"/>
+                <a:ea typeface="+mn-ea"/>
+                <a:cs typeface="+mn-cs"/>
+              </a:defRPr>
+            </a:lvl9pPr>
+          </a:lstStyle>
+          <a:p>
+            <a:pPr algn="l"/>
+            <a:r>
+              <a:rPr lang="en-US" dirty="0"/>
+              <a:t>06 04 220</a:t>
+            </a:r>
+          </a:p>
+        </p:txBody>
+      </p:sp>
+    </p:spTree>
+    <p:extLst>
+      <p:ext uri="{BB962C8B-B14F-4D97-AF65-F5344CB8AC3E}">
+        <p14:creationId xmlns:p14="http://schemas.microsoft.com/office/powerpoint/2010/main" val="1883268242"/>
+      </p:ext>
+    </p:extLst>
+  </p:cSld>
+  <p:clrMapOvr>
+    <a:masterClrMapping/>
+  </p:clrMapOvr>
+</p:sld>
+</file>
+
+<file path=ppt/slides/slide6.xml><?xml version="1.0" encoding="utf-8"?>
+<p:sld xmlns:a="http://schemas.openxmlformats.org/drawingml/2006/main" xmlns:r="http://schemas.openxmlformats.org/officeDocument/2006/relationships" xmlns:p="http://schemas.openxmlformats.org/presentationml/2006/main">
+  <p:cSld>
+    <p:spTree>
+      <p:nvGrpSpPr>
+        <p:cNvPr id="1" name=""/>
+        <p:cNvGrpSpPr/>
+        <p:nvPr/>
+      </p:nvGrpSpPr>
+      <p:grpSpPr>
+        <a:xfrm>
+          <a:off x="0" y="0"/>
+          <a:ext cx="0" cy="0"/>
+          <a:chOff x="0" y="0"/>
+          <a:chExt cx="0" cy="0"/>
+        </a:xfrm>
+      </p:grpSpPr>
+      <p:sp>
+        <p:nvSpPr>
           <p:cNvPr id="7" name="TextBox 6">
             <a:extLst>
               <a:ext uri="{FF2B5EF4-FFF2-40B4-BE49-F238E27FC236}">
@@ -15962,7 +20462,7 @@
 </p:sld>
 </file>
 
-<file path=ppt/slides/slide4.xml><?xml version="1.0" encoding="utf-8"?>
+<file path=ppt/slides/slide7.xml><?xml version="1.0" encoding="utf-8"?>
 <p:sld xmlns:a="http://schemas.openxmlformats.org/drawingml/2006/main" xmlns:r="http://schemas.openxmlformats.org/officeDocument/2006/relationships" xmlns:p="http://schemas.openxmlformats.org/presentationml/2006/main">
   <p:cSld>
     <p:spTree>
@@ -16418,7 +20918,7 @@
 </p:sld>
 </file>
 
-<file path=ppt/slides/slide5.xml><?xml version="1.0" encoding="utf-8"?>
+<file path=ppt/slides/slide8.xml><?xml version="1.0" encoding="utf-8"?>
 <p:sld xmlns:a="http://schemas.openxmlformats.org/drawingml/2006/main" xmlns:r="http://schemas.openxmlformats.org/officeDocument/2006/relationships" xmlns:p="http://schemas.openxmlformats.org/presentationml/2006/main">
   <p:cSld>
     <p:spTree>
@@ -17408,7 +21908,7 @@
 </p:sld>
 </file>
 
-<file path=ppt/slides/slide6.xml><?xml version="1.0" encoding="utf-8"?>
+<file path=ppt/slides/slide9.xml><?xml version="1.0" encoding="utf-8"?>
 <p:sld xmlns:a="http://schemas.openxmlformats.org/drawingml/2006/main" xmlns:r="http://schemas.openxmlformats.org/officeDocument/2006/relationships" xmlns:p="http://schemas.openxmlformats.org/presentationml/2006/main">
   <p:cSld>
     <p:spTree>
@@ -18403,3190 +22903,6 @@
     <p:extLst>
       <p:ext uri="{BB962C8B-B14F-4D97-AF65-F5344CB8AC3E}">
         <p14:creationId xmlns:p14="http://schemas.microsoft.com/office/powerpoint/2010/main" val="3199346117"/>
-      </p:ext>
-    </p:extLst>
-  </p:cSld>
-  <p:clrMapOvr>
-    <a:masterClrMapping/>
-  </p:clrMapOvr>
-</p:sld>
-</file>
-
-<file path=ppt/slides/slide7.xml><?xml version="1.0" encoding="utf-8"?>
-<p:sld xmlns:a="http://schemas.openxmlformats.org/drawingml/2006/main" xmlns:r="http://schemas.openxmlformats.org/officeDocument/2006/relationships" xmlns:p="http://schemas.openxmlformats.org/presentationml/2006/main">
-  <p:cSld>
-    <p:spTree>
-      <p:nvGrpSpPr>
-        <p:cNvPr id="1" name=""/>
-        <p:cNvGrpSpPr/>
-        <p:nvPr/>
-      </p:nvGrpSpPr>
-      <p:grpSpPr>
-        <a:xfrm>
-          <a:off x="0" y="0"/>
-          <a:ext cx="0" cy="0"/>
-          <a:chOff x="0" y="0"/>
-          <a:chExt cx="0" cy="0"/>
-        </a:xfrm>
-      </p:grpSpPr>
-      <p:sp>
-        <p:nvSpPr>
-          <p:cNvPr id="2" name="TextBox 1">
-            <a:extLst>
-              <a:ext uri="{FF2B5EF4-FFF2-40B4-BE49-F238E27FC236}">
-                <a16:creationId xmlns:a16="http://schemas.microsoft.com/office/drawing/2014/main" id="{60D631D1-A33D-11B5-B137-439A30633540}"/>
-              </a:ext>
-            </a:extLst>
-          </p:cNvPr>
-          <p:cNvSpPr txBox="1"/>
-          <p:nvPr/>
-        </p:nvSpPr>
-        <p:spPr>
-          <a:xfrm>
-            <a:off x="931832" y="3429000"/>
-            <a:ext cx="1828800" cy="369332"/>
-          </a:xfrm>
-          <a:prstGeom prst="rect">
-            <a:avLst/>
-          </a:prstGeom>
-          <a:noFill/>
-        </p:spPr>
-        <p:txBody>
-          <a:bodyPr wrap="square" rtlCol="0">
-            <a:spAutoFit/>
-          </a:bodyPr>
-          <a:lstStyle>
-            <a:defPPr>
-              <a:defRPr lang="en-US"/>
-            </a:defPPr>
-            <a:lvl1pPr marL="0" algn="l" defTabSz="914400" rtl="0" eaLnBrk="1" latinLnBrk="0" hangingPunct="1">
-              <a:defRPr sz="1800" kern="1200">
-                <a:solidFill>
-                  <a:schemeClr val="tx1"/>
-                </a:solidFill>
-                <a:latin typeface="+mn-lt"/>
-                <a:ea typeface="+mn-ea"/>
-                <a:cs typeface="+mn-cs"/>
-              </a:defRPr>
-            </a:lvl1pPr>
-            <a:lvl2pPr marL="457200" algn="l" defTabSz="914400" rtl="0" eaLnBrk="1" latinLnBrk="0" hangingPunct="1">
-              <a:defRPr sz="1800" kern="1200">
-                <a:solidFill>
-                  <a:schemeClr val="tx1"/>
-                </a:solidFill>
-                <a:latin typeface="+mn-lt"/>
-                <a:ea typeface="+mn-ea"/>
-                <a:cs typeface="+mn-cs"/>
-              </a:defRPr>
-            </a:lvl2pPr>
-            <a:lvl3pPr marL="914400" algn="l" defTabSz="914400" rtl="0" eaLnBrk="1" latinLnBrk="0" hangingPunct="1">
-              <a:defRPr sz="1800" kern="1200">
-                <a:solidFill>
-                  <a:schemeClr val="tx1"/>
-                </a:solidFill>
-                <a:latin typeface="+mn-lt"/>
-                <a:ea typeface="+mn-ea"/>
-                <a:cs typeface="+mn-cs"/>
-              </a:defRPr>
-            </a:lvl3pPr>
-            <a:lvl4pPr marL="1371600" algn="l" defTabSz="914400" rtl="0" eaLnBrk="1" latinLnBrk="0" hangingPunct="1">
-              <a:defRPr sz="1800" kern="1200">
-                <a:solidFill>
-                  <a:schemeClr val="tx1"/>
-                </a:solidFill>
-                <a:latin typeface="+mn-lt"/>
-                <a:ea typeface="+mn-ea"/>
-                <a:cs typeface="+mn-cs"/>
-              </a:defRPr>
-            </a:lvl4pPr>
-            <a:lvl5pPr marL="1828800" algn="l" defTabSz="914400" rtl="0" eaLnBrk="1" latinLnBrk="0" hangingPunct="1">
-              <a:defRPr sz="1800" kern="1200">
-                <a:solidFill>
-                  <a:schemeClr val="tx1"/>
-                </a:solidFill>
-                <a:latin typeface="+mn-lt"/>
-                <a:ea typeface="+mn-ea"/>
-                <a:cs typeface="+mn-cs"/>
-              </a:defRPr>
-            </a:lvl5pPr>
-            <a:lvl6pPr marL="2286000" algn="l" defTabSz="914400" rtl="0" eaLnBrk="1" latinLnBrk="0" hangingPunct="1">
-              <a:defRPr sz="1800" kern="1200">
-                <a:solidFill>
-                  <a:schemeClr val="tx1"/>
-                </a:solidFill>
-                <a:latin typeface="+mn-lt"/>
-                <a:ea typeface="+mn-ea"/>
-                <a:cs typeface="+mn-cs"/>
-              </a:defRPr>
-            </a:lvl6pPr>
-            <a:lvl7pPr marL="2743200" algn="l" defTabSz="914400" rtl="0" eaLnBrk="1" latinLnBrk="0" hangingPunct="1">
-              <a:defRPr sz="1800" kern="1200">
-                <a:solidFill>
-                  <a:schemeClr val="tx1"/>
-                </a:solidFill>
-                <a:latin typeface="+mn-lt"/>
-                <a:ea typeface="+mn-ea"/>
-                <a:cs typeface="+mn-cs"/>
-              </a:defRPr>
-            </a:lvl7pPr>
-            <a:lvl8pPr marL="3200400" algn="l" defTabSz="914400" rtl="0" eaLnBrk="1" latinLnBrk="0" hangingPunct="1">
-              <a:defRPr sz="1800" kern="1200">
-                <a:solidFill>
-                  <a:schemeClr val="tx1"/>
-                </a:solidFill>
-                <a:latin typeface="+mn-lt"/>
-                <a:ea typeface="+mn-ea"/>
-                <a:cs typeface="+mn-cs"/>
-              </a:defRPr>
-            </a:lvl8pPr>
-            <a:lvl9pPr marL="3657600" algn="l" defTabSz="914400" rtl="0" eaLnBrk="1" latinLnBrk="0" hangingPunct="1">
-              <a:defRPr sz="1800" kern="1200">
-                <a:solidFill>
-                  <a:schemeClr val="tx1"/>
-                </a:solidFill>
-                <a:latin typeface="+mn-lt"/>
-                <a:ea typeface="+mn-ea"/>
-                <a:cs typeface="+mn-cs"/>
-              </a:defRPr>
-            </a:lvl9pPr>
-          </a:lstStyle>
-          <a:p>
-            <a:pPr algn="l"/>
-            <a:r>
-              <a:rPr lang="en-US" dirty="0"/>
-              <a:t>05 05 260</a:t>
-            </a:r>
-          </a:p>
-        </p:txBody>
-      </p:sp>
-      <p:sp>
-        <p:nvSpPr>
-          <p:cNvPr id="3" name="TextBox 2">
-            <a:extLst>
-              <a:ext uri="{FF2B5EF4-FFF2-40B4-BE49-F238E27FC236}">
-                <a16:creationId xmlns:a16="http://schemas.microsoft.com/office/drawing/2014/main" id="{F58D34E2-E5CD-37F2-AB7F-87C70CA66F4A}"/>
-              </a:ext>
-            </a:extLst>
-          </p:cNvPr>
-          <p:cNvSpPr txBox="1"/>
-          <p:nvPr/>
-        </p:nvSpPr>
-        <p:spPr>
-          <a:xfrm>
-            <a:off x="5902761" y="3429000"/>
-            <a:ext cx="1828800" cy="369332"/>
-          </a:xfrm>
-          <a:prstGeom prst="rect">
-            <a:avLst/>
-          </a:prstGeom>
-          <a:noFill/>
-        </p:spPr>
-        <p:txBody>
-          <a:bodyPr wrap="square" rtlCol="0">
-            <a:spAutoFit/>
-          </a:bodyPr>
-          <a:lstStyle>
-            <a:defPPr>
-              <a:defRPr lang="en-US"/>
-            </a:defPPr>
-            <a:lvl1pPr marL="0" algn="l" defTabSz="914400" rtl="0" eaLnBrk="1" latinLnBrk="0" hangingPunct="1">
-              <a:defRPr sz="1800" kern="1200">
-                <a:solidFill>
-                  <a:schemeClr val="tx1"/>
-                </a:solidFill>
-                <a:latin typeface="+mn-lt"/>
-                <a:ea typeface="+mn-ea"/>
-                <a:cs typeface="+mn-cs"/>
-              </a:defRPr>
-            </a:lvl1pPr>
-            <a:lvl2pPr marL="457200" algn="l" defTabSz="914400" rtl="0" eaLnBrk="1" latinLnBrk="0" hangingPunct="1">
-              <a:defRPr sz="1800" kern="1200">
-                <a:solidFill>
-                  <a:schemeClr val="tx1"/>
-                </a:solidFill>
-                <a:latin typeface="+mn-lt"/>
-                <a:ea typeface="+mn-ea"/>
-                <a:cs typeface="+mn-cs"/>
-              </a:defRPr>
-            </a:lvl2pPr>
-            <a:lvl3pPr marL="914400" algn="l" defTabSz="914400" rtl="0" eaLnBrk="1" latinLnBrk="0" hangingPunct="1">
-              <a:defRPr sz="1800" kern="1200">
-                <a:solidFill>
-                  <a:schemeClr val="tx1"/>
-                </a:solidFill>
-                <a:latin typeface="+mn-lt"/>
-                <a:ea typeface="+mn-ea"/>
-                <a:cs typeface="+mn-cs"/>
-              </a:defRPr>
-            </a:lvl3pPr>
-            <a:lvl4pPr marL="1371600" algn="l" defTabSz="914400" rtl="0" eaLnBrk="1" latinLnBrk="0" hangingPunct="1">
-              <a:defRPr sz="1800" kern="1200">
-                <a:solidFill>
-                  <a:schemeClr val="tx1"/>
-                </a:solidFill>
-                <a:latin typeface="+mn-lt"/>
-                <a:ea typeface="+mn-ea"/>
-                <a:cs typeface="+mn-cs"/>
-              </a:defRPr>
-            </a:lvl4pPr>
-            <a:lvl5pPr marL="1828800" algn="l" defTabSz="914400" rtl="0" eaLnBrk="1" latinLnBrk="0" hangingPunct="1">
-              <a:defRPr sz="1800" kern="1200">
-                <a:solidFill>
-                  <a:schemeClr val="tx1"/>
-                </a:solidFill>
-                <a:latin typeface="+mn-lt"/>
-                <a:ea typeface="+mn-ea"/>
-                <a:cs typeface="+mn-cs"/>
-              </a:defRPr>
-            </a:lvl5pPr>
-            <a:lvl6pPr marL="2286000" algn="l" defTabSz="914400" rtl="0" eaLnBrk="1" latinLnBrk="0" hangingPunct="1">
-              <a:defRPr sz="1800" kern="1200">
-                <a:solidFill>
-                  <a:schemeClr val="tx1"/>
-                </a:solidFill>
-                <a:latin typeface="+mn-lt"/>
-                <a:ea typeface="+mn-ea"/>
-                <a:cs typeface="+mn-cs"/>
-              </a:defRPr>
-            </a:lvl6pPr>
-            <a:lvl7pPr marL="2743200" algn="l" defTabSz="914400" rtl="0" eaLnBrk="1" latinLnBrk="0" hangingPunct="1">
-              <a:defRPr sz="1800" kern="1200">
-                <a:solidFill>
-                  <a:schemeClr val="tx1"/>
-                </a:solidFill>
-                <a:latin typeface="+mn-lt"/>
-                <a:ea typeface="+mn-ea"/>
-                <a:cs typeface="+mn-cs"/>
-              </a:defRPr>
-            </a:lvl7pPr>
-            <a:lvl8pPr marL="3200400" algn="l" defTabSz="914400" rtl="0" eaLnBrk="1" latinLnBrk="0" hangingPunct="1">
-              <a:defRPr sz="1800" kern="1200">
-                <a:solidFill>
-                  <a:schemeClr val="tx1"/>
-                </a:solidFill>
-                <a:latin typeface="+mn-lt"/>
-                <a:ea typeface="+mn-ea"/>
-                <a:cs typeface="+mn-cs"/>
-              </a:defRPr>
-            </a:lvl8pPr>
-            <a:lvl9pPr marL="3657600" algn="l" defTabSz="914400" rtl="0" eaLnBrk="1" latinLnBrk="0" hangingPunct="1">
-              <a:defRPr sz="1800" kern="1200">
-                <a:solidFill>
-                  <a:schemeClr val="tx1"/>
-                </a:solidFill>
-                <a:latin typeface="+mn-lt"/>
-                <a:ea typeface="+mn-ea"/>
-                <a:cs typeface="+mn-cs"/>
-              </a:defRPr>
-            </a:lvl9pPr>
-          </a:lstStyle>
-          <a:p>
-            <a:pPr algn="l"/>
-            <a:r>
-              <a:rPr lang="en-US" dirty="0"/>
-              <a:t>05 05 240</a:t>
-            </a:r>
-          </a:p>
-        </p:txBody>
-      </p:sp>
-      <p:sp>
-        <p:nvSpPr>
-          <p:cNvPr id="4" name="TextBox 3">
-            <a:extLst>
-              <a:ext uri="{FF2B5EF4-FFF2-40B4-BE49-F238E27FC236}">
-                <a16:creationId xmlns:a16="http://schemas.microsoft.com/office/drawing/2014/main" id="{7BBB5A24-E0C0-9D8A-DDC0-2537808DE244}"/>
-              </a:ext>
-            </a:extLst>
-          </p:cNvPr>
-          <p:cNvSpPr txBox="1"/>
-          <p:nvPr/>
-        </p:nvSpPr>
-        <p:spPr>
-          <a:xfrm>
-            <a:off x="10363200" y="3429000"/>
-            <a:ext cx="1828800" cy="369332"/>
-          </a:xfrm>
-          <a:prstGeom prst="rect">
-            <a:avLst/>
-          </a:prstGeom>
-          <a:noFill/>
-        </p:spPr>
-        <p:txBody>
-          <a:bodyPr wrap="square" rtlCol="0">
-            <a:spAutoFit/>
-          </a:bodyPr>
-          <a:lstStyle>
-            <a:defPPr>
-              <a:defRPr lang="en-US"/>
-            </a:defPPr>
-            <a:lvl1pPr marL="0" algn="l" defTabSz="914400" rtl="0" eaLnBrk="1" latinLnBrk="0" hangingPunct="1">
-              <a:defRPr sz="1800" kern="1200">
-                <a:solidFill>
-                  <a:schemeClr val="tx1"/>
-                </a:solidFill>
-                <a:latin typeface="+mn-lt"/>
-                <a:ea typeface="+mn-ea"/>
-                <a:cs typeface="+mn-cs"/>
-              </a:defRPr>
-            </a:lvl1pPr>
-            <a:lvl2pPr marL="457200" algn="l" defTabSz="914400" rtl="0" eaLnBrk="1" latinLnBrk="0" hangingPunct="1">
-              <a:defRPr sz="1800" kern="1200">
-                <a:solidFill>
-                  <a:schemeClr val="tx1"/>
-                </a:solidFill>
-                <a:latin typeface="+mn-lt"/>
-                <a:ea typeface="+mn-ea"/>
-                <a:cs typeface="+mn-cs"/>
-              </a:defRPr>
-            </a:lvl2pPr>
-            <a:lvl3pPr marL="914400" algn="l" defTabSz="914400" rtl="0" eaLnBrk="1" latinLnBrk="0" hangingPunct="1">
-              <a:defRPr sz="1800" kern="1200">
-                <a:solidFill>
-                  <a:schemeClr val="tx1"/>
-                </a:solidFill>
-                <a:latin typeface="+mn-lt"/>
-                <a:ea typeface="+mn-ea"/>
-                <a:cs typeface="+mn-cs"/>
-              </a:defRPr>
-            </a:lvl3pPr>
-            <a:lvl4pPr marL="1371600" algn="l" defTabSz="914400" rtl="0" eaLnBrk="1" latinLnBrk="0" hangingPunct="1">
-              <a:defRPr sz="1800" kern="1200">
-                <a:solidFill>
-                  <a:schemeClr val="tx1"/>
-                </a:solidFill>
-                <a:latin typeface="+mn-lt"/>
-                <a:ea typeface="+mn-ea"/>
-                <a:cs typeface="+mn-cs"/>
-              </a:defRPr>
-            </a:lvl4pPr>
-            <a:lvl5pPr marL="1828800" algn="l" defTabSz="914400" rtl="0" eaLnBrk="1" latinLnBrk="0" hangingPunct="1">
-              <a:defRPr sz="1800" kern="1200">
-                <a:solidFill>
-                  <a:schemeClr val="tx1"/>
-                </a:solidFill>
-                <a:latin typeface="+mn-lt"/>
-                <a:ea typeface="+mn-ea"/>
-                <a:cs typeface="+mn-cs"/>
-              </a:defRPr>
-            </a:lvl5pPr>
-            <a:lvl6pPr marL="2286000" algn="l" defTabSz="914400" rtl="0" eaLnBrk="1" latinLnBrk="0" hangingPunct="1">
-              <a:defRPr sz="1800" kern="1200">
-                <a:solidFill>
-                  <a:schemeClr val="tx1"/>
-                </a:solidFill>
-                <a:latin typeface="+mn-lt"/>
-                <a:ea typeface="+mn-ea"/>
-                <a:cs typeface="+mn-cs"/>
-              </a:defRPr>
-            </a:lvl6pPr>
-            <a:lvl7pPr marL="2743200" algn="l" defTabSz="914400" rtl="0" eaLnBrk="1" latinLnBrk="0" hangingPunct="1">
-              <a:defRPr sz="1800" kern="1200">
-                <a:solidFill>
-                  <a:schemeClr val="tx1"/>
-                </a:solidFill>
-                <a:latin typeface="+mn-lt"/>
-                <a:ea typeface="+mn-ea"/>
-                <a:cs typeface="+mn-cs"/>
-              </a:defRPr>
-            </a:lvl7pPr>
-            <a:lvl8pPr marL="3200400" algn="l" defTabSz="914400" rtl="0" eaLnBrk="1" latinLnBrk="0" hangingPunct="1">
-              <a:defRPr sz="1800" kern="1200">
-                <a:solidFill>
-                  <a:schemeClr val="tx1"/>
-                </a:solidFill>
-                <a:latin typeface="+mn-lt"/>
-                <a:ea typeface="+mn-ea"/>
-                <a:cs typeface="+mn-cs"/>
-              </a:defRPr>
-            </a:lvl8pPr>
-            <a:lvl9pPr marL="3657600" algn="l" defTabSz="914400" rtl="0" eaLnBrk="1" latinLnBrk="0" hangingPunct="1">
-              <a:defRPr sz="1800" kern="1200">
-                <a:solidFill>
-                  <a:schemeClr val="tx1"/>
-                </a:solidFill>
-                <a:latin typeface="+mn-lt"/>
-                <a:ea typeface="+mn-ea"/>
-                <a:cs typeface="+mn-cs"/>
-              </a:defRPr>
-            </a:lvl9pPr>
-          </a:lstStyle>
-          <a:p>
-            <a:pPr algn="l"/>
-            <a:r>
-              <a:rPr lang="en-US" dirty="0"/>
-              <a:t>05 05 220</a:t>
-            </a:r>
-          </a:p>
-        </p:txBody>
-      </p:sp>
-      <p:sp>
-        <p:nvSpPr>
-          <p:cNvPr id="5" name="TextBox 4">
-            <a:extLst>
-              <a:ext uri="{FF2B5EF4-FFF2-40B4-BE49-F238E27FC236}">
-                <a16:creationId xmlns:a16="http://schemas.microsoft.com/office/drawing/2014/main" id="{16BBCF28-1D1A-3EF3-CC38-69EBD0101811}"/>
-              </a:ext>
-            </a:extLst>
-          </p:cNvPr>
-          <p:cNvSpPr txBox="1"/>
-          <p:nvPr/>
-        </p:nvSpPr>
-        <p:spPr>
-          <a:xfrm>
-            <a:off x="931832" y="112912"/>
-            <a:ext cx="1828800" cy="369332"/>
-          </a:xfrm>
-          <a:prstGeom prst="rect">
-            <a:avLst/>
-          </a:prstGeom>
-          <a:noFill/>
-        </p:spPr>
-        <p:txBody>
-          <a:bodyPr rot="0" spcFirstLastPara="0" vert="horz" wrap="square" lIns="91440" tIns="45720" rIns="91440" bIns="45720" numCol="1" spcCol="0" rtlCol="0" fromWordArt="0" anchor="t" anchorCtr="0" forceAA="0" compatLnSpc="1">
-            <a:prstTxWarp prst="textNoShape">
-              <a:avLst/>
-            </a:prstTxWarp>
-            <a:spAutoFit/>
-          </a:bodyPr>
-          <a:lstStyle>
-            <a:defPPr>
-              <a:defRPr lang="en-US"/>
-            </a:defPPr>
-            <a:lvl1pPr marL="0" algn="l" defTabSz="914400" rtl="0" eaLnBrk="1" latinLnBrk="0" hangingPunct="1">
-              <a:defRPr sz="1800" kern="1200">
-                <a:solidFill>
-                  <a:schemeClr val="tx1"/>
-                </a:solidFill>
-                <a:latin typeface="+mn-lt"/>
-                <a:ea typeface="+mn-ea"/>
-                <a:cs typeface="+mn-cs"/>
-              </a:defRPr>
-            </a:lvl1pPr>
-            <a:lvl2pPr marL="457200" algn="l" defTabSz="914400" rtl="0" eaLnBrk="1" latinLnBrk="0" hangingPunct="1">
-              <a:defRPr sz="1800" kern="1200">
-                <a:solidFill>
-                  <a:schemeClr val="tx1"/>
-                </a:solidFill>
-                <a:latin typeface="+mn-lt"/>
-                <a:ea typeface="+mn-ea"/>
-                <a:cs typeface="+mn-cs"/>
-              </a:defRPr>
-            </a:lvl2pPr>
-            <a:lvl3pPr marL="914400" algn="l" defTabSz="914400" rtl="0" eaLnBrk="1" latinLnBrk="0" hangingPunct="1">
-              <a:defRPr sz="1800" kern="1200">
-                <a:solidFill>
-                  <a:schemeClr val="tx1"/>
-                </a:solidFill>
-                <a:latin typeface="+mn-lt"/>
-                <a:ea typeface="+mn-ea"/>
-                <a:cs typeface="+mn-cs"/>
-              </a:defRPr>
-            </a:lvl3pPr>
-            <a:lvl4pPr marL="1371600" algn="l" defTabSz="914400" rtl="0" eaLnBrk="1" latinLnBrk="0" hangingPunct="1">
-              <a:defRPr sz="1800" kern="1200">
-                <a:solidFill>
-                  <a:schemeClr val="tx1"/>
-                </a:solidFill>
-                <a:latin typeface="+mn-lt"/>
-                <a:ea typeface="+mn-ea"/>
-                <a:cs typeface="+mn-cs"/>
-              </a:defRPr>
-            </a:lvl4pPr>
-            <a:lvl5pPr marL="1828800" algn="l" defTabSz="914400" rtl="0" eaLnBrk="1" latinLnBrk="0" hangingPunct="1">
-              <a:defRPr sz="1800" kern="1200">
-                <a:solidFill>
-                  <a:schemeClr val="tx1"/>
-                </a:solidFill>
-                <a:latin typeface="+mn-lt"/>
-                <a:ea typeface="+mn-ea"/>
-                <a:cs typeface="+mn-cs"/>
-              </a:defRPr>
-            </a:lvl5pPr>
-            <a:lvl6pPr marL="2286000" algn="l" defTabSz="914400" rtl="0" eaLnBrk="1" latinLnBrk="0" hangingPunct="1">
-              <a:defRPr sz="1800" kern="1200">
-                <a:solidFill>
-                  <a:schemeClr val="tx1"/>
-                </a:solidFill>
-                <a:latin typeface="+mn-lt"/>
-                <a:ea typeface="+mn-ea"/>
-                <a:cs typeface="+mn-cs"/>
-              </a:defRPr>
-            </a:lvl6pPr>
-            <a:lvl7pPr marL="2743200" algn="l" defTabSz="914400" rtl="0" eaLnBrk="1" latinLnBrk="0" hangingPunct="1">
-              <a:defRPr sz="1800" kern="1200">
-                <a:solidFill>
-                  <a:schemeClr val="tx1"/>
-                </a:solidFill>
-                <a:latin typeface="+mn-lt"/>
-                <a:ea typeface="+mn-ea"/>
-                <a:cs typeface="+mn-cs"/>
-              </a:defRPr>
-            </a:lvl7pPr>
-            <a:lvl8pPr marL="3200400" algn="l" defTabSz="914400" rtl="0" eaLnBrk="1" latinLnBrk="0" hangingPunct="1">
-              <a:defRPr sz="1800" kern="1200">
-                <a:solidFill>
-                  <a:schemeClr val="tx1"/>
-                </a:solidFill>
-                <a:latin typeface="+mn-lt"/>
-                <a:ea typeface="+mn-ea"/>
-                <a:cs typeface="+mn-cs"/>
-              </a:defRPr>
-            </a:lvl8pPr>
-            <a:lvl9pPr marL="3657600" algn="l" defTabSz="914400" rtl="0" eaLnBrk="1" latinLnBrk="0" hangingPunct="1">
-              <a:defRPr sz="1800" kern="1200">
-                <a:solidFill>
-                  <a:schemeClr val="tx1"/>
-                </a:solidFill>
-                <a:latin typeface="+mn-lt"/>
-                <a:ea typeface="+mn-ea"/>
-                <a:cs typeface="+mn-cs"/>
-              </a:defRPr>
-            </a:lvl9pPr>
-          </a:lstStyle>
-          <a:p>
-            <a:pPr algn="l"/>
-            <a:r>
-              <a:rPr lang="en-US" dirty="0"/>
-              <a:t>04 05 260</a:t>
-            </a:r>
-          </a:p>
-        </p:txBody>
-      </p:sp>
-      <p:sp>
-        <p:nvSpPr>
-          <p:cNvPr id="6" name="TextBox 5">
-            <a:extLst>
-              <a:ext uri="{FF2B5EF4-FFF2-40B4-BE49-F238E27FC236}">
-                <a16:creationId xmlns:a16="http://schemas.microsoft.com/office/drawing/2014/main" id="{38B58565-9DC2-053E-841A-FDF2DC27ECF0}"/>
-              </a:ext>
-            </a:extLst>
-          </p:cNvPr>
-          <p:cNvSpPr txBox="1"/>
-          <p:nvPr/>
-        </p:nvSpPr>
-        <p:spPr>
-          <a:xfrm>
-            <a:off x="5902761" y="112912"/>
-            <a:ext cx="1828800" cy="369332"/>
-          </a:xfrm>
-          <a:prstGeom prst="rect">
-            <a:avLst/>
-          </a:prstGeom>
-          <a:noFill/>
-        </p:spPr>
-        <p:txBody>
-          <a:bodyPr rot="0" spcFirstLastPara="0" vert="horz" wrap="square" lIns="91440" tIns="45720" rIns="91440" bIns="45720" numCol="1" spcCol="0" rtlCol="0" fromWordArt="0" anchor="t" anchorCtr="0" forceAA="0" compatLnSpc="1">
-            <a:prstTxWarp prst="textNoShape">
-              <a:avLst/>
-            </a:prstTxWarp>
-            <a:spAutoFit/>
-          </a:bodyPr>
-          <a:lstStyle>
-            <a:defPPr>
-              <a:defRPr lang="en-US"/>
-            </a:defPPr>
-            <a:lvl1pPr marL="0" algn="l" defTabSz="914400" rtl="0" eaLnBrk="1" latinLnBrk="0" hangingPunct="1">
-              <a:defRPr sz="1800" kern="1200">
-                <a:solidFill>
-                  <a:schemeClr val="tx1"/>
-                </a:solidFill>
-                <a:latin typeface="+mn-lt"/>
-                <a:ea typeface="+mn-ea"/>
-                <a:cs typeface="+mn-cs"/>
-              </a:defRPr>
-            </a:lvl1pPr>
-            <a:lvl2pPr marL="457200" algn="l" defTabSz="914400" rtl="0" eaLnBrk="1" latinLnBrk="0" hangingPunct="1">
-              <a:defRPr sz="1800" kern="1200">
-                <a:solidFill>
-                  <a:schemeClr val="tx1"/>
-                </a:solidFill>
-                <a:latin typeface="+mn-lt"/>
-                <a:ea typeface="+mn-ea"/>
-                <a:cs typeface="+mn-cs"/>
-              </a:defRPr>
-            </a:lvl2pPr>
-            <a:lvl3pPr marL="914400" algn="l" defTabSz="914400" rtl="0" eaLnBrk="1" latinLnBrk="0" hangingPunct="1">
-              <a:defRPr sz="1800" kern="1200">
-                <a:solidFill>
-                  <a:schemeClr val="tx1"/>
-                </a:solidFill>
-                <a:latin typeface="+mn-lt"/>
-                <a:ea typeface="+mn-ea"/>
-                <a:cs typeface="+mn-cs"/>
-              </a:defRPr>
-            </a:lvl3pPr>
-            <a:lvl4pPr marL="1371600" algn="l" defTabSz="914400" rtl="0" eaLnBrk="1" latinLnBrk="0" hangingPunct="1">
-              <a:defRPr sz="1800" kern="1200">
-                <a:solidFill>
-                  <a:schemeClr val="tx1"/>
-                </a:solidFill>
-                <a:latin typeface="+mn-lt"/>
-                <a:ea typeface="+mn-ea"/>
-                <a:cs typeface="+mn-cs"/>
-              </a:defRPr>
-            </a:lvl4pPr>
-            <a:lvl5pPr marL="1828800" algn="l" defTabSz="914400" rtl="0" eaLnBrk="1" latinLnBrk="0" hangingPunct="1">
-              <a:defRPr sz="1800" kern="1200">
-                <a:solidFill>
-                  <a:schemeClr val="tx1"/>
-                </a:solidFill>
-                <a:latin typeface="+mn-lt"/>
-                <a:ea typeface="+mn-ea"/>
-                <a:cs typeface="+mn-cs"/>
-              </a:defRPr>
-            </a:lvl5pPr>
-            <a:lvl6pPr marL="2286000" algn="l" defTabSz="914400" rtl="0" eaLnBrk="1" latinLnBrk="0" hangingPunct="1">
-              <a:defRPr sz="1800" kern="1200">
-                <a:solidFill>
-                  <a:schemeClr val="tx1"/>
-                </a:solidFill>
-                <a:latin typeface="+mn-lt"/>
-                <a:ea typeface="+mn-ea"/>
-                <a:cs typeface="+mn-cs"/>
-              </a:defRPr>
-            </a:lvl6pPr>
-            <a:lvl7pPr marL="2743200" algn="l" defTabSz="914400" rtl="0" eaLnBrk="1" latinLnBrk="0" hangingPunct="1">
-              <a:defRPr sz="1800" kern="1200">
-                <a:solidFill>
-                  <a:schemeClr val="tx1"/>
-                </a:solidFill>
-                <a:latin typeface="+mn-lt"/>
-                <a:ea typeface="+mn-ea"/>
-                <a:cs typeface="+mn-cs"/>
-              </a:defRPr>
-            </a:lvl7pPr>
-            <a:lvl8pPr marL="3200400" algn="l" defTabSz="914400" rtl="0" eaLnBrk="1" latinLnBrk="0" hangingPunct="1">
-              <a:defRPr sz="1800" kern="1200">
-                <a:solidFill>
-                  <a:schemeClr val="tx1"/>
-                </a:solidFill>
-                <a:latin typeface="+mn-lt"/>
-                <a:ea typeface="+mn-ea"/>
-                <a:cs typeface="+mn-cs"/>
-              </a:defRPr>
-            </a:lvl8pPr>
-            <a:lvl9pPr marL="3657600" algn="l" defTabSz="914400" rtl="0" eaLnBrk="1" latinLnBrk="0" hangingPunct="1">
-              <a:defRPr sz="1800" kern="1200">
-                <a:solidFill>
-                  <a:schemeClr val="tx1"/>
-                </a:solidFill>
-                <a:latin typeface="+mn-lt"/>
-                <a:ea typeface="+mn-ea"/>
-                <a:cs typeface="+mn-cs"/>
-              </a:defRPr>
-            </a:lvl9pPr>
-          </a:lstStyle>
-          <a:p>
-            <a:pPr algn="l"/>
-            <a:r>
-              <a:rPr lang="en-US" dirty="0"/>
-              <a:t>04 05 240</a:t>
-            </a:r>
-          </a:p>
-        </p:txBody>
-      </p:sp>
-      <p:sp>
-        <p:nvSpPr>
-          <p:cNvPr id="7" name="TextBox 6">
-            <a:extLst>
-              <a:ext uri="{FF2B5EF4-FFF2-40B4-BE49-F238E27FC236}">
-                <a16:creationId xmlns:a16="http://schemas.microsoft.com/office/drawing/2014/main" id="{79BB5248-5D6D-C5E8-E484-40F746BB0160}"/>
-              </a:ext>
-            </a:extLst>
-          </p:cNvPr>
-          <p:cNvSpPr txBox="1"/>
-          <p:nvPr/>
-        </p:nvSpPr>
-        <p:spPr>
-          <a:xfrm>
-            <a:off x="10363200" y="112912"/>
-            <a:ext cx="1828800" cy="369332"/>
-          </a:xfrm>
-          <a:prstGeom prst="rect">
-            <a:avLst/>
-          </a:prstGeom>
-          <a:noFill/>
-        </p:spPr>
-        <p:txBody>
-          <a:bodyPr rot="0" spcFirstLastPara="0" vert="horz" wrap="square" lIns="91440" tIns="45720" rIns="91440" bIns="45720" numCol="1" spcCol="0" rtlCol="0" fromWordArt="0" anchor="t" anchorCtr="0" forceAA="0" compatLnSpc="1">
-            <a:prstTxWarp prst="textNoShape">
-              <a:avLst/>
-            </a:prstTxWarp>
-            <a:spAutoFit/>
-          </a:bodyPr>
-          <a:lstStyle>
-            <a:defPPr>
-              <a:defRPr lang="en-US"/>
-            </a:defPPr>
-            <a:lvl1pPr marL="0" algn="l" defTabSz="914400" rtl="0" eaLnBrk="1" latinLnBrk="0" hangingPunct="1">
-              <a:defRPr sz="1800" kern="1200">
-                <a:solidFill>
-                  <a:schemeClr val="tx1"/>
-                </a:solidFill>
-                <a:latin typeface="+mn-lt"/>
-                <a:ea typeface="+mn-ea"/>
-                <a:cs typeface="+mn-cs"/>
-              </a:defRPr>
-            </a:lvl1pPr>
-            <a:lvl2pPr marL="457200" algn="l" defTabSz="914400" rtl="0" eaLnBrk="1" latinLnBrk="0" hangingPunct="1">
-              <a:defRPr sz="1800" kern="1200">
-                <a:solidFill>
-                  <a:schemeClr val="tx1"/>
-                </a:solidFill>
-                <a:latin typeface="+mn-lt"/>
-                <a:ea typeface="+mn-ea"/>
-                <a:cs typeface="+mn-cs"/>
-              </a:defRPr>
-            </a:lvl2pPr>
-            <a:lvl3pPr marL="914400" algn="l" defTabSz="914400" rtl="0" eaLnBrk="1" latinLnBrk="0" hangingPunct="1">
-              <a:defRPr sz="1800" kern="1200">
-                <a:solidFill>
-                  <a:schemeClr val="tx1"/>
-                </a:solidFill>
-                <a:latin typeface="+mn-lt"/>
-                <a:ea typeface="+mn-ea"/>
-                <a:cs typeface="+mn-cs"/>
-              </a:defRPr>
-            </a:lvl3pPr>
-            <a:lvl4pPr marL="1371600" algn="l" defTabSz="914400" rtl="0" eaLnBrk="1" latinLnBrk="0" hangingPunct="1">
-              <a:defRPr sz="1800" kern="1200">
-                <a:solidFill>
-                  <a:schemeClr val="tx1"/>
-                </a:solidFill>
-                <a:latin typeface="+mn-lt"/>
-                <a:ea typeface="+mn-ea"/>
-                <a:cs typeface="+mn-cs"/>
-              </a:defRPr>
-            </a:lvl4pPr>
-            <a:lvl5pPr marL="1828800" algn="l" defTabSz="914400" rtl="0" eaLnBrk="1" latinLnBrk="0" hangingPunct="1">
-              <a:defRPr sz="1800" kern="1200">
-                <a:solidFill>
-                  <a:schemeClr val="tx1"/>
-                </a:solidFill>
-                <a:latin typeface="+mn-lt"/>
-                <a:ea typeface="+mn-ea"/>
-                <a:cs typeface="+mn-cs"/>
-              </a:defRPr>
-            </a:lvl5pPr>
-            <a:lvl6pPr marL="2286000" algn="l" defTabSz="914400" rtl="0" eaLnBrk="1" latinLnBrk="0" hangingPunct="1">
-              <a:defRPr sz="1800" kern="1200">
-                <a:solidFill>
-                  <a:schemeClr val="tx1"/>
-                </a:solidFill>
-                <a:latin typeface="+mn-lt"/>
-                <a:ea typeface="+mn-ea"/>
-                <a:cs typeface="+mn-cs"/>
-              </a:defRPr>
-            </a:lvl6pPr>
-            <a:lvl7pPr marL="2743200" algn="l" defTabSz="914400" rtl="0" eaLnBrk="1" latinLnBrk="0" hangingPunct="1">
-              <a:defRPr sz="1800" kern="1200">
-                <a:solidFill>
-                  <a:schemeClr val="tx1"/>
-                </a:solidFill>
-                <a:latin typeface="+mn-lt"/>
-                <a:ea typeface="+mn-ea"/>
-                <a:cs typeface="+mn-cs"/>
-              </a:defRPr>
-            </a:lvl7pPr>
-            <a:lvl8pPr marL="3200400" algn="l" defTabSz="914400" rtl="0" eaLnBrk="1" latinLnBrk="0" hangingPunct="1">
-              <a:defRPr sz="1800" kern="1200">
-                <a:solidFill>
-                  <a:schemeClr val="tx1"/>
-                </a:solidFill>
-                <a:latin typeface="+mn-lt"/>
-                <a:ea typeface="+mn-ea"/>
-                <a:cs typeface="+mn-cs"/>
-              </a:defRPr>
-            </a:lvl8pPr>
-            <a:lvl9pPr marL="3657600" algn="l" defTabSz="914400" rtl="0" eaLnBrk="1" latinLnBrk="0" hangingPunct="1">
-              <a:defRPr sz="1800" kern="1200">
-                <a:solidFill>
-                  <a:schemeClr val="tx1"/>
-                </a:solidFill>
-                <a:latin typeface="+mn-lt"/>
-                <a:ea typeface="+mn-ea"/>
-                <a:cs typeface="+mn-cs"/>
-              </a:defRPr>
-            </a:lvl9pPr>
-          </a:lstStyle>
-          <a:p>
-            <a:pPr algn="l"/>
-            <a:r>
-              <a:rPr lang="en-US" dirty="0"/>
-              <a:t>04 05 220</a:t>
-            </a:r>
-          </a:p>
-        </p:txBody>
-      </p:sp>
-      <p:pic>
-        <p:nvPicPr>
-          <p:cNvPr id="1026" name="Picture 2">
-            <a:extLst>
-              <a:ext uri="{FF2B5EF4-FFF2-40B4-BE49-F238E27FC236}">
-                <a16:creationId xmlns:a16="http://schemas.microsoft.com/office/drawing/2014/main" id="{49F681A9-280D-6F96-5D58-1C6F11DFC22B}"/>
-              </a:ext>
-            </a:extLst>
-          </p:cNvPr>
-          <p:cNvPicPr>
-            <a:picLocks noChangeAspect="1" noChangeArrowheads="1"/>
-          </p:cNvPicPr>
-          <p:nvPr/>
-        </p:nvPicPr>
-        <p:blipFill>
-          <a:blip r:embed="rId2">
-            <a:extLst>
-              <a:ext uri="{28A0092B-C50C-407E-A947-70E740481C1C}">
-                <a14:useLocalDpi xmlns:a14="http://schemas.microsoft.com/office/drawing/2010/main" val="0"/>
-              </a:ext>
-            </a:extLst>
-          </a:blip>
-          <a:srcRect/>
-          <a:stretch>
-            <a:fillRect/>
-          </a:stretch>
-        </p:blipFill>
-        <p:spPr bwMode="auto">
-          <a:xfrm>
-            <a:off x="8238122" y="482244"/>
-            <a:ext cx="3777414" cy="2856925"/>
-          </a:xfrm>
-          <a:prstGeom prst="rect">
-            <a:avLst/>
-          </a:prstGeom>
-          <a:noFill/>
-          <a:extLst>
-            <a:ext uri="{909E8E84-426E-40DD-AFC4-6F175D3DCCD1}">
-              <a14:hiddenFill xmlns:a14="http://schemas.microsoft.com/office/drawing/2010/main">
-                <a:solidFill>
-                  <a:srgbClr val="FFFFFF"/>
-                </a:solidFill>
-              </a14:hiddenFill>
-            </a:ext>
-          </a:extLst>
-        </p:spPr>
-      </p:pic>
-      <p:pic>
-        <p:nvPicPr>
-          <p:cNvPr id="1028" name="Picture 4">
-            <a:extLst>
-              <a:ext uri="{FF2B5EF4-FFF2-40B4-BE49-F238E27FC236}">
-                <a16:creationId xmlns:a16="http://schemas.microsoft.com/office/drawing/2014/main" id="{F3A239CC-9714-3ED8-205A-8EC7584FA5C0}"/>
-              </a:ext>
-            </a:extLst>
-          </p:cNvPr>
-          <p:cNvPicPr>
-            <a:picLocks noChangeAspect="1" noChangeArrowheads="1"/>
-          </p:cNvPicPr>
-          <p:nvPr/>
-        </p:nvPicPr>
-        <p:blipFill>
-          <a:blip r:embed="rId3">
-            <a:extLst>
-              <a:ext uri="{28A0092B-C50C-407E-A947-70E740481C1C}">
-                <a14:useLocalDpi xmlns:a14="http://schemas.microsoft.com/office/drawing/2010/main" val="0"/>
-              </a:ext>
-            </a:extLst>
-          </a:blip>
-          <a:srcRect/>
-          <a:stretch>
-            <a:fillRect/>
-          </a:stretch>
-        </p:blipFill>
-        <p:spPr bwMode="auto">
-          <a:xfrm>
-            <a:off x="4207293" y="482243"/>
-            <a:ext cx="3777414" cy="2856925"/>
-          </a:xfrm>
-          <a:prstGeom prst="rect">
-            <a:avLst/>
-          </a:prstGeom>
-          <a:noFill/>
-          <a:extLst>
-            <a:ext uri="{909E8E84-426E-40DD-AFC4-6F175D3DCCD1}">
-              <a14:hiddenFill xmlns:a14="http://schemas.microsoft.com/office/drawing/2010/main">
-                <a:solidFill>
-                  <a:srgbClr val="FFFFFF"/>
-                </a:solidFill>
-              </a14:hiddenFill>
-            </a:ext>
-          </a:extLst>
-        </p:spPr>
-      </p:pic>
-      <p:pic>
-        <p:nvPicPr>
-          <p:cNvPr id="1030" name="Picture 6">
-            <a:extLst>
-              <a:ext uri="{FF2B5EF4-FFF2-40B4-BE49-F238E27FC236}">
-                <a16:creationId xmlns:a16="http://schemas.microsoft.com/office/drawing/2014/main" id="{8A2D1A6D-E348-5E87-0240-894F303D8917}"/>
-              </a:ext>
-            </a:extLst>
-          </p:cNvPr>
-          <p:cNvPicPr>
-            <a:picLocks noChangeAspect="1" noChangeArrowheads="1"/>
-          </p:cNvPicPr>
-          <p:nvPr/>
-        </p:nvPicPr>
-        <p:blipFill>
-          <a:blip r:embed="rId4">
-            <a:extLst>
-              <a:ext uri="{28A0092B-C50C-407E-A947-70E740481C1C}">
-                <a14:useLocalDpi xmlns:a14="http://schemas.microsoft.com/office/drawing/2010/main" val="0"/>
-              </a:ext>
-            </a:extLst>
-          </a:blip>
-          <a:srcRect/>
-          <a:stretch>
-            <a:fillRect/>
-          </a:stretch>
-        </p:blipFill>
-        <p:spPr bwMode="auto">
-          <a:xfrm>
-            <a:off x="109933" y="482242"/>
-            <a:ext cx="3777414" cy="2856925"/>
-          </a:xfrm>
-          <a:prstGeom prst="rect">
-            <a:avLst/>
-          </a:prstGeom>
-          <a:noFill/>
-          <a:extLst>
-            <a:ext uri="{909E8E84-426E-40DD-AFC4-6F175D3DCCD1}">
-              <a14:hiddenFill xmlns:a14="http://schemas.microsoft.com/office/drawing/2010/main">
-                <a:solidFill>
-                  <a:srgbClr val="FFFFFF"/>
-                </a:solidFill>
-              </a14:hiddenFill>
-            </a:ext>
-          </a:extLst>
-        </p:spPr>
-      </p:pic>
-      <p:pic>
-        <p:nvPicPr>
-          <p:cNvPr id="1032" name="Picture 8">
-            <a:extLst>
-              <a:ext uri="{FF2B5EF4-FFF2-40B4-BE49-F238E27FC236}">
-                <a16:creationId xmlns:a16="http://schemas.microsoft.com/office/drawing/2014/main" id="{892E248A-B409-E081-68C6-EBBABB18F41C}"/>
-              </a:ext>
-            </a:extLst>
-          </p:cNvPr>
-          <p:cNvPicPr>
-            <a:picLocks noChangeAspect="1" noChangeArrowheads="1"/>
-          </p:cNvPicPr>
-          <p:nvPr/>
-        </p:nvPicPr>
-        <p:blipFill>
-          <a:blip r:embed="rId5">
-            <a:extLst>
-              <a:ext uri="{28A0092B-C50C-407E-A947-70E740481C1C}">
-                <a14:useLocalDpi xmlns:a14="http://schemas.microsoft.com/office/drawing/2010/main" val="0"/>
-              </a:ext>
-            </a:extLst>
-          </a:blip>
-          <a:srcRect/>
-          <a:stretch>
-            <a:fillRect/>
-          </a:stretch>
-        </p:blipFill>
-        <p:spPr bwMode="auto">
-          <a:xfrm>
-            <a:off x="109933" y="3800741"/>
-            <a:ext cx="3777414" cy="2856925"/>
-          </a:xfrm>
-          <a:prstGeom prst="rect">
-            <a:avLst/>
-          </a:prstGeom>
-          <a:noFill/>
-          <a:extLst>
-            <a:ext uri="{909E8E84-426E-40DD-AFC4-6F175D3DCCD1}">
-              <a14:hiddenFill xmlns:a14="http://schemas.microsoft.com/office/drawing/2010/main">
-                <a:solidFill>
-                  <a:srgbClr val="FFFFFF"/>
-                </a:solidFill>
-              </a14:hiddenFill>
-            </a:ext>
-          </a:extLst>
-        </p:spPr>
-      </p:pic>
-      <p:pic>
-        <p:nvPicPr>
-          <p:cNvPr id="1034" name="Picture 10">
-            <a:extLst>
-              <a:ext uri="{FF2B5EF4-FFF2-40B4-BE49-F238E27FC236}">
-                <a16:creationId xmlns:a16="http://schemas.microsoft.com/office/drawing/2014/main" id="{F7872B73-82C1-092A-B050-C0785332A7AD}"/>
-              </a:ext>
-            </a:extLst>
-          </p:cNvPr>
-          <p:cNvPicPr>
-            <a:picLocks noChangeAspect="1" noChangeArrowheads="1"/>
-          </p:cNvPicPr>
-          <p:nvPr/>
-        </p:nvPicPr>
-        <p:blipFill>
-          <a:blip r:embed="rId6">
-            <a:extLst>
-              <a:ext uri="{28A0092B-C50C-407E-A947-70E740481C1C}">
-                <a14:useLocalDpi xmlns:a14="http://schemas.microsoft.com/office/drawing/2010/main" val="0"/>
-              </a:ext>
-            </a:extLst>
-          </a:blip>
-          <a:srcRect/>
-          <a:stretch>
-            <a:fillRect/>
-          </a:stretch>
-        </p:blipFill>
-        <p:spPr bwMode="auto">
-          <a:xfrm>
-            <a:off x="8238122" y="3888163"/>
-            <a:ext cx="3889709" cy="2941856"/>
-          </a:xfrm>
-          <a:prstGeom prst="rect">
-            <a:avLst/>
-          </a:prstGeom>
-          <a:noFill/>
-          <a:extLst>
-            <a:ext uri="{909E8E84-426E-40DD-AFC4-6F175D3DCCD1}">
-              <a14:hiddenFill xmlns:a14="http://schemas.microsoft.com/office/drawing/2010/main">
-                <a:solidFill>
-                  <a:srgbClr val="FFFFFF"/>
-                </a:solidFill>
-              </a14:hiddenFill>
-            </a:ext>
-          </a:extLst>
-        </p:spPr>
-      </p:pic>
-    </p:spTree>
-    <p:extLst>
-      <p:ext uri="{BB962C8B-B14F-4D97-AF65-F5344CB8AC3E}">
-        <p14:creationId xmlns:p14="http://schemas.microsoft.com/office/powerpoint/2010/main" val="1068187080"/>
-      </p:ext>
-    </p:extLst>
-  </p:cSld>
-  <p:clrMapOvr>
-    <a:masterClrMapping/>
-  </p:clrMapOvr>
-</p:sld>
-</file>
-
-<file path=ppt/slides/slide8.xml><?xml version="1.0" encoding="utf-8"?>
-<p:sld xmlns:a="http://schemas.openxmlformats.org/drawingml/2006/main" xmlns:r="http://schemas.openxmlformats.org/officeDocument/2006/relationships" xmlns:p="http://schemas.openxmlformats.org/presentationml/2006/main">
-  <p:cSld>
-    <p:spTree>
-      <p:nvGrpSpPr>
-        <p:cNvPr id="1" name=""/>
-        <p:cNvGrpSpPr/>
-        <p:nvPr/>
-      </p:nvGrpSpPr>
-      <p:grpSpPr>
-        <a:xfrm>
-          <a:off x="0" y="0"/>
-          <a:ext cx="0" cy="0"/>
-          <a:chOff x="0" y="0"/>
-          <a:chExt cx="0" cy="0"/>
-        </a:xfrm>
-      </p:grpSpPr>
-      <p:sp>
-        <p:nvSpPr>
-          <p:cNvPr id="2" name="TextBox 1">
-            <a:extLst>
-              <a:ext uri="{FF2B5EF4-FFF2-40B4-BE49-F238E27FC236}">
-                <a16:creationId xmlns:a16="http://schemas.microsoft.com/office/drawing/2014/main" id="{B4A7CCA5-ECF0-8052-0786-C643323DF650}"/>
-              </a:ext>
-            </a:extLst>
-          </p:cNvPr>
-          <p:cNvSpPr txBox="1"/>
-          <p:nvPr/>
-        </p:nvSpPr>
-        <p:spPr>
-          <a:xfrm>
-            <a:off x="931832" y="3429000"/>
-            <a:ext cx="1828800" cy="369332"/>
-          </a:xfrm>
-          <a:prstGeom prst="rect">
-            <a:avLst/>
-          </a:prstGeom>
-          <a:noFill/>
-        </p:spPr>
-        <p:txBody>
-          <a:bodyPr wrap="square" rtlCol="0">
-            <a:spAutoFit/>
-          </a:bodyPr>
-          <a:lstStyle>
-            <a:defPPr>
-              <a:defRPr lang="en-US"/>
-            </a:defPPr>
-            <a:lvl1pPr marL="0" algn="l" defTabSz="914400" rtl="0" eaLnBrk="1" latinLnBrk="0" hangingPunct="1">
-              <a:defRPr sz="1800" kern="1200">
-                <a:solidFill>
-                  <a:schemeClr val="tx1"/>
-                </a:solidFill>
-                <a:latin typeface="+mn-lt"/>
-                <a:ea typeface="+mn-ea"/>
-                <a:cs typeface="+mn-cs"/>
-              </a:defRPr>
-            </a:lvl1pPr>
-            <a:lvl2pPr marL="457200" algn="l" defTabSz="914400" rtl="0" eaLnBrk="1" latinLnBrk="0" hangingPunct="1">
-              <a:defRPr sz="1800" kern="1200">
-                <a:solidFill>
-                  <a:schemeClr val="tx1"/>
-                </a:solidFill>
-                <a:latin typeface="+mn-lt"/>
-                <a:ea typeface="+mn-ea"/>
-                <a:cs typeface="+mn-cs"/>
-              </a:defRPr>
-            </a:lvl2pPr>
-            <a:lvl3pPr marL="914400" algn="l" defTabSz="914400" rtl="0" eaLnBrk="1" latinLnBrk="0" hangingPunct="1">
-              <a:defRPr sz="1800" kern="1200">
-                <a:solidFill>
-                  <a:schemeClr val="tx1"/>
-                </a:solidFill>
-                <a:latin typeface="+mn-lt"/>
-                <a:ea typeface="+mn-ea"/>
-                <a:cs typeface="+mn-cs"/>
-              </a:defRPr>
-            </a:lvl3pPr>
-            <a:lvl4pPr marL="1371600" algn="l" defTabSz="914400" rtl="0" eaLnBrk="1" latinLnBrk="0" hangingPunct="1">
-              <a:defRPr sz="1800" kern="1200">
-                <a:solidFill>
-                  <a:schemeClr val="tx1"/>
-                </a:solidFill>
-                <a:latin typeface="+mn-lt"/>
-                <a:ea typeface="+mn-ea"/>
-                <a:cs typeface="+mn-cs"/>
-              </a:defRPr>
-            </a:lvl4pPr>
-            <a:lvl5pPr marL="1828800" algn="l" defTabSz="914400" rtl="0" eaLnBrk="1" latinLnBrk="0" hangingPunct="1">
-              <a:defRPr sz="1800" kern="1200">
-                <a:solidFill>
-                  <a:schemeClr val="tx1"/>
-                </a:solidFill>
-                <a:latin typeface="+mn-lt"/>
-                <a:ea typeface="+mn-ea"/>
-                <a:cs typeface="+mn-cs"/>
-              </a:defRPr>
-            </a:lvl5pPr>
-            <a:lvl6pPr marL="2286000" algn="l" defTabSz="914400" rtl="0" eaLnBrk="1" latinLnBrk="0" hangingPunct="1">
-              <a:defRPr sz="1800" kern="1200">
-                <a:solidFill>
-                  <a:schemeClr val="tx1"/>
-                </a:solidFill>
-                <a:latin typeface="+mn-lt"/>
-                <a:ea typeface="+mn-ea"/>
-                <a:cs typeface="+mn-cs"/>
-              </a:defRPr>
-            </a:lvl6pPr>
-            <a:lvl7pPr marL="2743200" algn="l" defTabSz="914400" rtl="0" eaLnBrk="1" latinLnBrk="0" hangingPunct="1">
-              <a:defRPr sz="1800" kern="1200">
-                <a:solidFill>
-                  <a:schemeClr val="tx1"/>
-                </a:solidFill>
-                <a:latin typeface="+mn-lt"/>
-                <a:ea typeface="+mn-ea"/>
-                <a:cs typeface="+mn-cs"/>
-              </a:defRPr>
-            </a:lvl7pPr>
-            <a:lvl8pPr marL="3200400" algn="l" defTabSz="914400" rtl="0" eaLnBrk="1" latinLnBrk="0" hangingPunct="1">
-              <a:defRPr sz="1800" kern="1200">
-                <a:solidFill>
-                  <a:schemeClr val="tx1"/>
-                </a:solidFill>
-                <a:latin typeface="+mn-lt"/>
-                <a:ea typeface="+mn-ea"/>
-                <a:cs typeface="+mn-cs"/>
-              </a:defRPr>
-            </a:lvl8pPr>
-            <a:lvl9pPr marL="3657600" algn="l" defTabSz="914400" rtl="0" eaLnBrk="1" latinLnBrk="0" hangingPunct="1">
-              <a:defRPr sz="1800" kern="1200">
-                <a:solidFill>
-                  <a:schemeClr val="tx1"/>
-                </a:solidFill>
-                <a:latin typeface="+mn-lt"/>
-                <a:ea typeface="+mn-ea"/>
-                <a:cs typeface="+mn-cs"/>
-              </a:defRPr>
-            </a:lvl9pPr>
-          </a:lstStyle>
-          <a:p>
-            <a:pPr algn="l"/>
-            <a:r>
-              <a:rPr lang="en-US" dirty="0"/>
-              <a:t>07 05 260</a:t>
-            </a:r>
-          </a:p>
-        </p:txBody>
-      </p:sp>
-      <p:sp>
-        <p:nvSpPr>
-          <p:cNvPr id="3" name="TextBox 2">
-            <a:extLst>
-              <a:ext uri="{FF2B5EF4-FFF2-40B4-BE49-F238E27FC236}">
-                <a16:creationId xmlns:a16="http://schemas.microsoft.com/office/drawing/2014/main" id="{D08FA683-F9A0-4D47-2C0D-61321642E019}"/>
-              </a:ext>
-            </a:extLst>
-          </p:cNvPr>
-          <p:cNvSpPr txBox="1"/>
-          <p:nvPr/>
-        </p:nvSpPr>
-        <p:spPr>
-          <a:xfrm>
-            <a:off x="5902761" y="3429000"/>
-            <a:ext cx="1828800" cy="369332"/>
-          </a:xfrm>
-          <a:prstGeom prst="rect">
-            <a:avLst/>
-          </a:prstGeom>
-          <a:noFill/>
-        </p:spPr>
-        <p:txBody>
-          <a:bodyPr wrap="square" rtlCol="0">
-            <a:spAutoFit/>
-          </a:bodyPr>
-          <a:lstStyle>
-            <a:defPPr>
-              <a:defRPr lang="en-US"/>
-            </a:defPPr>
-            <a:lvl1pPr marL="0" algn="l" defTabSz="914400" rtl="0" eaLnBrk="1" latinLnBrk="0" hangingPunct="1">
-              <a:defRPr sz="1800" kern="1200">
-                <a:solidFill>
-                  <a:schemeClr val="tx1"/>
-                </a:solidFill>
-                <a:latin typeface="+mn-lt"/>
-                <a:ea typeface="+mn-ea"/>
-                <a:cs typeface="+mn-cs"/>
-              </a:defRPr>
-            </a:lvl1pPr>
-            <a:lvl2pPr marL="457200" algn="l" defTabSz="914400" rtl="0" eaLnBrk="1" latinLnBrk="0" hangingPunct="1">
-              <a:defRPr sz="1800" kern="1200">
-                <a:solidFill>
-                  <a:schemeClr val="tx1"/>
-                </a:solidFill>
-                <a:latin typeface="+mn-lt"/>
-                <a:ea typeface="+mn-ea"/>
-                <a:cs typeface="+mn-cs"/>
-              </a:defRPr>
-            </a:lvl2pPr>
-            <a:lvl3pPr marL="914400" algn="l" defTabSz="914400" rtl="0" eaLnBrk="1" latinLnBrk="0" hangingPunct="1">
-              <a:defRPr sz="1800" kern="1200">
-                <a:solidFill>
-                  <a:schemeClr val="tx1"/>
-                </a:solidFill>
-                <a:latin typeface="+mn-lt"/>
-                <a:ea typeface="+mn-ea"/>
-                <a:cs typeface="+mn-cs"/>
-              </a:defRPr>
-            </a:lvl3pPr>
-            <a:lvl4pPr marL="1371600" algn="l" defTabSz="914400" rtl="0" eaLnBrk="1" latinLnBrk="0" hangingPunct="1">
-              <a:defRPr sz="1800" kern="1200">
-                <a:solidFill>
-                  <a:schemeClr val="tx1"/>
-                </a:solidFill>
-                <a:latin typeface="+mn-lt"/>
-                <a:ea typeface="+mn-ea"/>
-                <a:cs typeface="+mn-cs"/>
-              </a:defRPr>
-            </a:lvl4pPr>
-            <a:lvl5pPr marL="1828800" algn="l" defTabSz="914400" rtl="0" eaLnBrk="1" latinLnBrk="0" hangingPunct="1">
-              <a:defRPr sz="1800" kern="1200">
-                <a:solidFill>
-                  <a:schemeClr val="tx1"/>
-                </a:solidFill>
-                <a:latin typeface="+mn-lt"/>
-                <a:ea typeface="+mn-ea"/>
-                <a:cs typeface="+mn-cs"/>
-              </a:defRPr>
-            </a:lvl5pPr>
-            <a:lvl6pPr marL="2286000" algn="l" defTabSz="914400" rtl="0" eaLnBrk="1" latinLnBrk="0" hangingPunct="1">
-              <a:defRPr sz="1800" kern="1200">
-                <a:solidFill>
-                  <a:schemeClr val="tx1"/>
-                </a:solidFill>
-                <a:latin typeface="+mn-lt"/>
-                <a:ea typeface="+mn-ea"/>
-                <a:cs typeface="+mn-cs"/>
-              </a:defRPr>
-            </a:lvl6pPr>
-            <a:lvl7pPr marL="2743200" algn="l" defTabSz="914400" rtl="0" eaLnBrk="1" latinLnBrk="0" hangingPunct="1">
-              <a:defRPr sz="1800" kern="1200">
-                <a:solidFill>
-                  <a:schemeClr val="tx1"/>
-                </a:solidFill>
-                <a:latin typeface="+mn-lt"/>
-                <a:ea typeface="+mn-ea"/>
-                <a:cs typeface="+mn-cs"/>
-              </a:defRPr>
-            </a:lvl7pPr>
-            <a:lvl8pPr marL="3200400" algn="l" defTabSz="914400" rtl="0" eaLnBrk="1" latinLnBrk="0" hangingPunct="1">
-              <a:defRPr sz="1800" kern="1200">
-                <a:solidFill>
-                  <a:schemeClr val="tx1"/>
-                </a:solidFill>
-                <a:latin typeface="+mn-lt"/>
-                <a:ea typeface="+mn-ea"/>
-                <a:cs typeface="+mn-cs"/>
-              </a:defRPr>
-            </a:lvl8pPr>
-            <a:lvl9pPr marL="3657600" algn="l" defTabSz="914400" rtl="0" eaLnBrk="1" latinLnBrk="0" hangingPunct="1">
-              <a:defRPr sz="1800" kern="1200">
-                <a:solidFill>
-                  <a:schemeClr val="tx1"/>
-                </a:solidFill>
-                <a:latin typeface="+mn-lt"/>
-                <a:ea typeface="+mn-ea"/>
-                <a:cs typeface="+mn-cs"/>
-              </a:defRPr>
-            </a:lvl9pPr>
-          </a:lstStyle>
-          <a:p>
-            <a:pPr algn="l"/>
-            <a:r>
-              <a:rPr lang="en-US" dirty="0"/>
-              <a:t>07 05 240</a:t>
-            </a:r>
-          </a:p>
-        </p:txBody>
-      </p:sp>
-      <p:sp>
-        <p:nvSpPr>
-          <p:cNvPr id="4" name="TextBox 3">
-            <a:extLst>
-              <a:ext uri="{FF2B5EF4-FFF2-40B4-BE49-F238E27FC236}">
-                <a16:creationId xmlns:a16="http://schemas.microsoft.com/office/drawing/2014/main" id="{576C06CC-250A-FA54-D453-4B2CF9F6AFB1}"/>
-              </a:ext>
-            </a:extLst>
-          </p:cNvPr>
-          <p:cNvSpPr txBox="1"/>
-          <p:nvPr/>
-        </p:nvSpPr>
-        <p:spPr>
-          <a:xfrm>
-            <a:off x="10363200" y="3429000"/>
-            <a:ext cx="1828800" cy="369332"/>
-          </a:xfrm>
-          <a:prstGeom prst="rect">
-            <a:avLst/>
-          </a:prstGeom>
-          <a:noFill/>
-        </p:spPr>
-        <p:txBody>
-          <a:bodyPr wrap="square" rtlCol="0">
-            <a:spAutoFit/>
-          </a:bodyPr>
-          <a:lstStyle>
-            <a:defPPr>
-              <a:defRPr lang="en-US"/>
-            </a:defPPr>
-            <a:lvl1pPr marL="0" algn="l" defTabSz="914400" rtl="0" eaLnBrk="1" latinLnBrk="0" hangingPunct="1">
-              <a:defRPr sz="1800" kern="1200">
-                <a:solidFill>
-                  <a:schemeClr val="tx1"/>
-                </a:solidFill>
-                <a:latin typeface="+mn-lt"/>
-                <a:ea typeface="+mn-ea"/>
-                <a:cs typeface="+mn-cs"/>
-              </a:defRPr>
-            </a:lvl1pPr>
-            <a:lvl2pPr marL="457200" algn="l" defTabSz="914400" rtl="0" eaLnBrk="1" latinLnBrk="0" hangingPunct="1">
-              <a:defRPr sz="1800" kern="1200">
-                <a:solidFill>
-                  <a:schemeClr val="tx1"/>
-                </a:solidFill>
-                <a:latin typeface="+mn-lt"/>
-                <a:ea typeface="+mn-ea"/>
-                <a:cs typeface="+mn-cs"/>
-              </a:defRPr>
-            </a:lvl2pPr>
-            <a:lvl3pPr marL="914400" algn="l" defTabSz="914400" rtl="0" eaLnBrk="1" latinLnBrk="0" hangingPunct="1">
-              <a:defRPr sz="1800" kern="1200">
-                <a:solidFill>
-                  <a:schemeClr val="tx1"/>
-                </a:solidFill>
-                <a:latin typeface="+mn-lt"/>
-                <a:ea typeface="+mn-ea"/>
-                <a:cs typeface="+mn-cs"/>
-              </a:defRPr>
-            </a:lvl3pPr>
-            <a:lvl4pPr marL="1371600" algn="l" defTabSz="914400" rtl="0" eaLnBrk="1" latinLnBrk="0" hangingPunct="1">
-              <a:defRPr sz="1800" kern="1200">
-                <a:solidFill>
-                  <a:schemeClr val="tx1"/>
-                </a:solidFill>
-                <a:latin typeface="+mn-lt"/>
-                <a:ea typeface="+mn-ea"/>
-                <a:cs typeface="+mn-cs"/>
-              </a:defRPr>
-            </a:lvl4pPr>
-            <a:lvl5pPr marL="1828800" algn="l" defTabSz="914400" rtl="0" eaLnBrk="1" latinLnBrk="0" hangingPunct="1">
-              <a:defRPr sz="1800" kern="1200">
-                <a:solidFill>
-                  <a:schemeClr val="tx1"/>
-                </a:solidFill>
-                <a:latin typeface="+mn-lt"/>
-                <a:ea typeface="+mn-ea"/>
-                <a:cs typeface="+mn-cs"/>
-              </a:defRPr>
-            </a:lvl5pPr>
-            <a:lvl6pPr marL="2286000" algn="l" defTabSz="914400" rtl="0" eaLnBrk="1" latinLnBrk="0" hangingPunct="1">
-              <a:defRPr sz="1800" kern="1200">
-                <a:solidFill>
-                  <a:schemeClr val="tx1"/>
-                </a:solidFill>
-                <a:latin typeface="+mn-lt"/>
-                <a:ea typeface="+mn-ea"/>
-                <a:cs typeface="+mn-cs"/>
-              </a:defRPr>
-            </a:lvl6pPr>
-            <a:lvl7pPr marL="2743200" algn="l" defTabSz="914400" rtl="0" eaLnBrk="1" latinLnBrk="0" hangingPunct="1">
-              <a:defRPr sz="1800" kern="1200">
-                <a:solidFill>
-                  <a:schemeClr val="tx1"/>
-                </a:solidFill>
-                <a:latin typeface="+mn-lt"/>
-                <a:ea typeface="+mn-ea"/>
-                <a:cs typeface="+mn-cs"/>
-              </a:defRPr>
-            </a:lvl7pPr>
-            <a:lvl8pPr marL="3200400" algn="l" defTabSz="914400" rtl="0" eaLnBrk="1" latinLnBrk="0" hangingPunct="1">
-              <a:defRPr sz="1800" kern="1200">
-                <a:solidFill>
-                  <a:schemeClr val="tx1"/>
-                </a:solidFill>
-                <a:latin typeface="+mn-lt"/>
-                <a:ea typeface="+mn-ea"/>
-                <a:cs typeface="+mn-cs"/>
-              </a:defRPr>
-            </a:lvl8pPr>
-            <a:lvl9pPr marL="3657600" algn="l" defTabSz="914400" rtl="0" eaLnBrk="1" latinLnBrk="0" hangingPunct="1">
-              <a:defRPr sz="1800" kern="1200">
-                <a:solidFill>
-                  <a:schemeClr val="tx1"/>
-                </a:solidFill>
-                <a:latin typeface="+mn-lt"/>
-                <a:ea typeface="+mn-ea"/>
-                <a:cs typeface="+mn-cs"/>
-              </a:defRPr>
-            </a:lvl9pPr>
-          </a:lstStyle>
-          <a:p>
-            <a:pPr algn="l"/>
-            <a:r>
-              <a:rPr lang="en-US" dirty="0"/>
-              <a:t>07 05 220</a:t>
-            </a:r>
-          </a:p>
-        </p:txBody>
-      </p:sp>
-      <p:sp>
-        <p:nvSpPr>
-          <p:cNvPr id="5" name="TextBox 4">
-            <a:extLst>
-              <a:ext uri="{FF2B5EF4-FFF2-40B4-BE49-F238E27FC236}">
-                <a16:creationId xmlns:a16="http://schemas.microsoft.com/office/drawing/2014/main" id="{5A5F8213-A5B0-C703-3508-3A99FE169531}"/>
-              </a:ext>
-            </a:extLst>
-          </p:cNvPr>
-          <p:cNvSpPr txBox="1"/>
-          <p:nvPr/>
-        </p:nvSpPr>
-        <p:spPr>
-          <a:xfrm>
-            <a:off x="931832" y="112912"/>
-            <a:ext cx="1828800" cy="369332"/>
-          </a:xfrm>
-          <a:prstGeom prst="rect">
-            <a:avLst/>
-          </a:prstGeom>
-          <a:noFill/>
-        </p:spPr>
-        <p:txBody>
-          <a:bodyPr rot="0" spcFirstLastPara="0" vert="horz" wrap="square" lIns="91440" tIns="45720" rIns="91440" bIns="45720" numCol="1" spcCol="0" rtlCol="0" fromWordArt="0" anchor="t" anchorCtr="0" forceAA="0" compatLnSpc="1">
-            <a:prstTxWarp prst="textNoShape">
-              <a:avLst/>
-            </a:prstTxWarp>
-            <a:spAutoFit/>
-          </a:bodyPr>
-          <a:lstStyle>
-            <a:defPPr>
-              <a:defRPr lang="en-US"/>
-            </a:defPPr>
-            <a:lvl1pPr marL="0" algn="l" defTabSz="914400" rtl="0" eaLnBrk="1" latinLnBrk="0" hangingPunct="1">
-              <a:defRPr sz="1800" kern="1200">
-                <a:solidFill>
-                  <a:schemeClr val="tx1"/>
-                </a:solidFill>
-                <a:latin typeface="+mn-lt"/>
-                <a:ea typeface="+mn-ea"/>
-                <a:cs typeface="+mn-cs"/>
-              </a:defRPr>
-            </a:lvl1pPr>
-            <a:lvl2pPr marL="457200" algn="l" defTabSz="914400" rtl="0" eaLnBrk="1" latinLnBrk="0" hangingPunct="1">
-              <a:defRPr sz="1800" kern="1200">
-                <a:solidFill>
-                  <a:schemeClr val="tx1"/>
-                </a:solidFill>
-                <a:latin typeface="+mn-lt"/>
-                <a:ea typeface="+mn-ea"/>
-                <a:cs typeface="+mn-cs"/>
-              </a:defRPr>
-            </a:lvl2pPr>
-            <a:lvl3pPr marL="914400" algn="l" defTabSz="914400" rtl="0" eaLnBrk="1" latinLnBrk="0" hangingPunct="1">
-              <a:defRPr sz="1800" kern="1200">
-                <a:solidFill>
-                  <a:schemeClr val="tx1"/>
-                </a:solidFill>
-                <a:latin typeface="+mn-lt"/>
-                <a:ea typeface="+mn-ea"/>
-                <a:cs typeface="+mn-cs"/>
-              </a:defRPr>
-            </a:lvl3pPr>
-            <a:lvl4pPr marL="1371600" algn="l" defTabSz="914400" rtl="0" eaLnBrk="1" latinLnBrk="0" hangingPunct="1">
-              <a:defRPr sz="1800" kern="1200">
-                <a:solidFill>
-                  <a:schemeClr val="tx1"/>
-                </a:solidFill>
-                <a:latin typeface="+mn-lt"/>
-                <a:ea typeface="+mn-ea"/>
-                <a:cs typeface="+mn-cs"/>
-              </a:defRPr>
-            </a:lvl4pPr>
-            <a:lvl5pPr marL="1828800" algn="l" defTabSz="914400" rtl="0" eaLnBrk="1" latinLnBrk="0" hangingPunct="1">
-              <a:defRPr sz="1800" kern="1200">
-                <a:solidFill>
-                  <a:schemeClr val="tx1"/>
-                </a:solidFill>
-                <a:latin typeface="+mn-lt"/>
-                <a:ea typeface="+mn-ea"/>
-                <a:cs typeface="+mn-cs"/>
-              </a:defRPr>
-            </a:lvl5pPr>
-            <a:lvl6pPr marL="2286000" algn="l" defTabSz="914400" rtl="0" eaLnBrk="1" latinLnBrk="0" hangingPunct="1">
-              <a:defRPr sz="1800" kern="1200">
-                <a:solidFill>
-                  <a:schemeClr val="tx1"/>
-                </a:solidFill>
-                <a:latin typeface="+mn-lt"/>
-                <a:ea typeface="+mn-ea"/>
-                <a:cs typeface="+mn-cs"/>
-              </a:defRPr>
-            </a:lvl6pPr>
-            <a:lvl7pPr marL="2743200" algn="l" defTabSz="914400" rtl="0" eaLnBrk="1" latinLnBrk="0" hangingPunct="1">
-              <a:defRPr sz="1800" kern="1200">
-                <a:solidFill>
-                  <a:schemeClr val="tx1"/>
-                </a:solidFill>
-                <a:latin typeface="+mn-lt"/>
-                <a:ea typeface="+mn-ea"/>
-                <a:cs typeface="+mn-cs"/>
-              </a:defRPr>
-            </a:lvl7pPr>
-            <a:lvl8pPr marL="3200400" algn="l" defTabSz="914400" rtl="0" eaLnBrk="1" latinLnBrk="0" hangingPunct="1">
-              <a:defRPr sz="1800" kern="1200">
-                <a:solidFill>
-                  <a:schemeClr val="tx1"/>
-                </a:solidFill>
-                <a:latin typeface="+mn-lt"/>
-                <a:ea typeface="+mn-ea"/>
-                <a:cs typeface="+mn-cs"/>
-              </a:defRPr>
-            </a:lvl8pPr>
-            <a:lvl9pPr marL="3657600" algn="l" defTabSz="914400" rtl="0" eaLnBrk="1" latinLnBrk="0" hangingPunct="1">
-              <a:defRPr sz="1800" kern="1200">
-                <a:solidFill>
-                  <a:schemeClr val="tx1"/>
-                </a:solidFill>
-                <a:latin typeface="+mn-lt"/>
-                <a:ea typeface="+mn-ea"/>
-                <a:cs typeface="+mn-cs"/>
-              </a:defRPr>
-            </a:lvl9pPr>
-          </a:lstStyle>
-          <a:p>
-            <a:pPr algn="l"/>
-            <a:r>
-              <a:rPr lang="en-US" dirty="0"/>
-              <a:t>06 05 260</a:t>
-            </a:r>
-          </a:p>
-        </p:txBody>
-      </p:sp>
-      <p:sp>
-        <p:nvSpPr>
-          <p:cNvPr id="6" name="TextBox 5">
-            <a:extLst>
-              <a:ext uri="{FF2B5EF4-FFF2-40B4-BE49-F238E27FC236}">
-                <a16:creationId xmlns:a16="http://schemas.microsoft.com/office/drawing/2014/main" id="{534E573E-50CE-C5BA-55BB-CD22FE9C4795}"/>
-              </a:ext>
-            </a:extLst>
-          </p:cNvPr>
-          <p:cNvSpPr txBox="1"/>
-          <p:nvPr/>
-        </p:nvSpPr>
-        <p:spPr>
-          <a:xfrm>
-            <a:off x="5902761" y="112912"/>
-            <a:ext cx="1828800" cy="369332"/>
-          </a:xfrm>
-          <a:prstGeom prst="rect">
-            <a:avLst/>
-          </a:prstGeom>
-          <a:noFill/>
-        </p:spPr>
-        <p:txBody>
-          <a:bodyPr rot="0" spcFirstLastPara="0" vert="horz" wrap="square" lIns="91440" tIns="45720" rIns="91440" bIns="45720" numCol="1" spcCol="0" rtlCol="0" fromWordArt="0" anchor="t" anchorCtr="0" forceAA="0" compatLnSpc="1">
-            <a:prstTxWarp prst="textNoShape">
-              <a:avLst/>
-            </a:prstTxWarp>
-            <a:spAutoFit/>
-          </a:bodyPr>
-          <a:lstStyle>
-            <a:defPPr>
-              <a:defRPr lang="en-US"/>
-            </a:defPPr>
-            <a:lvl1pPr marL="0" algn="l" defTabSz="914400" rtl="0" eaLnBrk="1" latinLnBrk="0" hangingPunct="1">
-              <a:defRPr sz="1800" kern="1200">
-                <a:solidFill>
-                  <a:schemeClr val="tx1"/>
-                </a:solidFill>
-                <a:latin typeface="+mn-lt"/>
-                <a:ea typeface="+mn-ea"/>
-                <a:cs typeface="+mn-cs"/>
-              </a:defRPr>
-            </a:lvl1pPr>
-            <a:lvl2pPr marL="457200" algn="l" defTabSz="914400" rtl="0" eaLnBrk="1" latinLnBrk="0" hangingPunct="1">
-              <a:defRPr sz="1800" kern="1200">
-                <a:solidFill>
-                  <a:schemeClr val="tx1"/>
-                </a:solidFill>
-                <a:latin typeface="+mn-lt"/>
-                <a:ea typeface="+mn-ea"/>
-                <a:cs typeface="+mn-cs"/>
-              </a:defRPr>
-            </a:lvl2pPr>
-            <a:lvl3pPr marL="914400" algn="l" defTabSz="914400" rtl="0" eaLnBrk="1" latinLnBrk="0" hangingPunct="1">
-              <a:defRPr sz="1800" kern="1200">
-                <a:solidFill>
-                  <a:schemeClr val="tx1"/>
-                </a:solidFill>
-                <a:latin typeface="+mn-lt"/>
-                <a:ea typeface="+mn-ea"/>
-                <a:cs typeface="+mn-cs"/>
-              </a:defRPr>
-            </a:lvl3pPr>
-            <a:lvl4pPr marL="1371600" algn="l" defTabSz="914400" rtl="0" eaLnBrk="1" latinLnBrk="0" hangingPunct="1">
-              <a:defRPr sz="1800" kern="1200">
-                <a:solidFill>
-                  <a:schemeClr val="tx1"/>
-                </a:solidFill>
-                <a:latin typeface="+mn-lt"/>
-                <a:ea typeface="+mn-ea"/>
-                <a:cs typeface="+mn-cs"/>
-              </a:defRPr>
-            </a:lvl4pPr>
-            <a:lvl5pPr marL="1828800" algn="l" defTabSz="914400" rtl="0" eaLnBrk="1" latinLnBrk="0" hangingPunct="1">
-              <a:defRPr sz="1800" kern="1200">
-                <a:solidFill>
-                  <a:schemeClr val="tx1"/>
-                </a:solidFill>
-                <a:latin typeface="+mn-lt"/>
-                <a:ea typeface="+mn-ea"/>
-                <a:cs typeface="+mn-cs"/>
-              </a:defRPr>
-            </a:lvl5pPr>
-            <a:lvl6pPr marL="2286000" algn="l" defTabSz="914400" rtl="0" eaLnBrk="1" latinLnBrk="0" hangingPunct="1">
-              <a:defRPr sz="1800" kern="1200">
-                <a:solidFill>
-                  <a:schemeClr val="tx1"/>
-                </a:solidFill>
-                <a:latin typeface="+mn-lt"/>
-                <a:ea typeface="+mn-ea"/>
-                <a:cs typeface="+mn-cs"/>
-              </a:defRPr>
-            </a:lvl6pPr>
-            <a:lvl7pPr marL="2743200" algn="l" defTabSz="914400" rtl="0" eaLnBrk="1" latinLnBrk="0" hangingPunct="1">
-              <a:defRPr sz="1800" kern="1200">
-                <a:solidFill>
-                  <a:schemeClr val="tx1"/>
-                </a:solidFill>
-                <a:latin typeface="+mn-lt"/>
-                <a:ea typeface="+mn-ea"/>
-                <a:cs typeface="+mn-cs"/>
-              </a:defRPr>
-            </a:lvl7pPr>
-            <a:lvl8pPr marL="3200400" algn="l" defTabSz="914400" rtl="0" eaLnBrk="1" latinLnBrk="0" hangingPunct="1">
-              <a:defRPr sz="1800" kern="1200">
-                <a:solidFill>
-                  <a:schemeClr val="tx1"/>
-                </a:solidFill>
-                <a:latin typeface="+mn-lt"/>
-                <a:ea typeface="+mn-ea"/>
-                <a:cs typeface="+mn-cs"/>
-              </a:defRPr>
-            </a:lvl8pPr>
-            <a:lvl9pPr marL="3657600" algn="l" defTabSz="914400" rtl="0" eaLnBrk="1" latinLnBrk="0" hangingPunct="1">
-              <a:defRPr sz="1800" kern="1200">
-                <a:solidFill>
-                  <a:schemeClr val="tx1"/>
-                </a:solidFill>
-                <a:latin typeface="+mn-lt"/>
-                <a:ea typeface="+mn-ea"/>
-                <a:cs typeface="+mn-cs"/>
-              </a:defRPr>
-            </a:lvl9pPr>
-          </a:lstStyle>
-          <a:p>
-            <a:pPr algn="l"/>
-            <a:r>
-              <a:rPr lang="en-US" dirty="0"/>
-              <a:t>06 05 240</a:t>
-            </a:r>
-          </a:p>
-        </p:txBody>
-      </p:sp>
-      <p:sp>
-        <p:nvSpPr>
-          <p:cNvPr id="7" name="TextBox 6">
-            <a:extLst>
-              <a:ext uri="{FF2B5EF4-FFF2-40B4-BE49-F238E27FC236}">
-                <a16:creationId xmlns:a16="http://schemas.microsoft.com/office/drawing/2014/main" id="{7CF49E84-3AF4-905F-EA46-D114456B9191}"/>
-              </a:ext>
-            </a:extLst>
-          </p:cNvPr>
-          <p:cNvSpPr txBox="1"/>
-          <p:nvPr/>
-        </p:nvSpPr>
-        <p:spPr>
-          <a:xfrm>
-            <a:off x="10363200" y="112912"/>
-            <a:ext cx="1828800" cy="369332"/>
-          </a:xfrm>
-          <a:prstGeom prst="rect">
-            <a:avLst/>
-          </a:prstGeom>
-          <a:noFill/>
-        </p:spPr>
-        <p:txBody>
-          <a:bodyPr rot="0" spcFirstLastPara="0" vert="horz" wrap="square" lIns="91440" tIns="45720" rIns="91440" bIns="45720" numCol="1" spcCol="0" rtlCol="0" fromWordArt="0" anchor="t" anchorCtr="0" forceAA="0" compatLnSpc="1">
-            <a:prstTxWarp prst="textNoShape">
-              <a:avLst/>
-            </a:prstTxWarp>
-            <a:spAutoFit/>
-          </a:bodyPr>
-          <a:lstStyle>
-            <a:defPPr>
-              <a:defRPr lang="en-US"/>
-            </a:defPPr>
-            <a:lvl1pPr marL="0" algn="l" defTabSz="914400" rtl="0" eaLnBrk="1" latinLnBrk="0" hangingPunct="1">
-              <a:defRPr sz="1800" kern="1200">
-                <a:solidFill>
-                  <a:schemeClr val="tx1"/>
-                </a:solidFill>
-                <a:latin typeface="+mn-lt"/>
-                <a:ea typeface="+mn-ea"/>
-                <a:cs typeface="+mn-cs"/>
-              </a:defRPr>
-            </a:lvl1pPr>
-            <a:lvl2pPr marL="457200" algn="l" defTabSz="914400" rtl="0" eaLnBrk="1" latinLnBrk="0" hangingPunct="1">
-              <a:defRPr sz="1800" kern="1200">
-                <a:solidFill>
-                  <a:schemeClr val="tx1"/>
-                </a:solidFill>
-                <a:latin typeface="+mn-lt"/>
-                <a:ea typeface="+mn-ea"/>
-                <a:cs typeface="+mn-cs"/>
-              </a:defRPr>
-            </a:lvl2pPr>
-            <a:lvl3pPr marL="914400" algn="l" defTabSz="914400" rtl="0" eaLnBrk="1" latinLnBrk="0" hangingPunct="1">
-              <a:defRPr sz="1800" kern="1200">
-                <a:solidFill>
-                  <a:schemeClr val="tx1"/>
-                </a:solidFill>
-                <a:latin typeface="+mn-lt"/>
-                <a:ea typeface="+mn-ea"/>
-                <a:cs typeface="+mn-cs"/>
-              </a:defRPr>
-            </a:lvl3pPr>
-            <a:lvl4pPr marL="1371600" algn="l" defTabSz="914400" rtl="0" eaLnBrk="1" latinLnBrk="0" hangingPunct="1">
-              <a:defRPr sz="1800" kern="1200">
-                <a:solidFill>
-                  <a:schemeClr val="tx1"/>
-                </a:solidFill>
-                <a:latin typeface="+mn-lt"/>
-                <a:ea typeface="+mn-ea"/>
-                <a:cs typeface="+mn-cs"/>
-              </a:defRPr>
-            </a:lvl4pPr>
-            <a:lvl5pPr marL="1828800" algn="l" defTabSz="914400" rtl="0" eaLnBrk="1" latinLnBrk="0" hangingPunct="1">
-              <a:defRPr sz="1800" kern="1200">
-                <a:solidFill>
-                  <a:schemeClr val="tx1"/>
-                </a:solidFill>
-                <a:latin typeface="+mn-lt"/>
-                <a:ea typeface="+mn-ea"/>
-                <a:cs typeface="+mn-cs"/>
-              </a:defRPr>
-            </a:lvl5pPr>
-            <a:lvl6pPr marL="2286000" algn="l" defTabSz="914400" rtl="0" eaLnBrk="1" latinLnBrk="0" hangingPunct="1">
-              <a:defRPr sz="1800" kern="1200">
-                <a:solidFill>
-                  <a:schemeClr val="tx1"/>
-                </a:solidFill>
-                <a:latin typeface="+mn-lt"/>
-                <a:ea typeface="+mn-ea"/>
-                <a:cs typeface="+mn-cs"/>
-              </a:defRPr>
-            </a:lvl6pPr>
-            <a:lvl7pPr marL="2743200" algn="l" defTabSz="914400" rtl="0" eaLnBrk="1" latinLnBrk="0" hangingPunct="1">
-              <a:defRPr sz="1800" kern="1200">
-                <a:solidFill>
-                  <a:schemeClr val="tx1"/>
-                </a:solidFill>
-                <a:latin typeface="+mn-lt"/>
-                <a:ea typeface="+mn-ea"/>
-                <a:cs typeface="+mn-cs"/>
-              </a:defRPr>
-            </a:lvl7pPr>
-            <a:lvl8pPr marL="3200400" algn="l" defTabSz="914400" rtl="0" eaLnBrk="1" latinLnBrk="0" hangingPunct="1">
-              <a:defRPr sz="1800" kern="1200">
-                <a:solidFill>
-                  <a:schemeClr val="tx1"/>
-                </a:solidFill>
-                <a:latin typeface="+mn-lt"/>
-                <a:ea typeface="+mn-ea"/>
-                <a:cs typeface="+mn-cs"/>
-              </a:defRPr>
-            </a:lvl8pPr>
-            <a:lvl9pPr marL="3657600" algn="l" defTabSz="914400" rtl="0" eaLnBrk="1" latinLnBrk="0" hangingPunct="1">
-              <a:defRPr sz="1800" kern="1200">
-                <a:solidFill>
-                  <a:schemeClr val="tx1"/>
-                </a:solidFill>
-                <a:latin typeface="+mn-lt"/>
-                <a:ea typeface="+mn-ea"/>
-                <a:cs typeface="+mn-cs"/>
-              </a:defRPr>
-            </a:lvl9pPr>
-          </a:lstStyle>
-          <a:p>
-            <a:pPr algn="l"/>
-            <a:r>
-              <a:rPr lang="en-US" dirty="0"/>
-              <a:t>06 05 220</a:t>
-            </a:r>
-          </a:p>
-        </p:txBody>
-      </p:sp>
-      <p:pic>
-        <p:nvPicPr>
-          <p:cNvPr id="2050" name="Picture 2">
-            <a:extLst>
-              <a:ext uri="{FF2B5EF4-FFF2-40B4-BE49-F238E27FC236}">
-                <a16:creationId xmlns:a16="http://schemas.microsoft.com/office/drawing/2014/main" id="{70B8CA5F-1E3D-4E7D-0823-62A8E2E17E0F}"/>
-              </a:ext>
-            </a:extLst>
-          </p:cNvPr>
-          <p:cNvPicPr>
-            <a:picLocks noChangeAspect="1" noChangeArrowheads="1"/>
-          </p:cNvPicPr>
-          <p:nvPr/>
-        </p:nvPicPr>
-        <p:blipFill>
-          <a:blip r:embed="rId2">
-            <a:extLst>
-              <a:ext uri="{28A0092B-C50C-407E-A947-70E740481C1C}">
-                <a14:useLocalDpi xmlns:a14="http://schemas.microsoft.com/office/drawing/2010/main" val="0"/>
-              </a:ext>
-            </a:extLst>
-          </a:blip>
-          <a:srcRect/>
-          <a:stretch>
-            <a:fillRect/>
-          </a:stretch>
-        </p:blipFill>
-        <p:spPr bwMode="auto">
-          <a:xfrm>
-            <a:off x="8863764" y="482244"/>
-            <a:ext cx="3328236" cy="2517204"/>
-          </a:xfrm>
-          <a:prstGeom prst="rect">
-            <a:avLst/>
-          </a:prstGeom>
-          <a:noFill/>
-          <a:extLst>
-            <a:ext uri="{909E8E84-426E-40DD-AFC4-6F175D3DCCD1}">
-              <a14:hiddenFill xmlns:a14="http://schemas.microsoft.com/office/drawing/2010/main">
-                <a:solidFill>
-                  <a:srgbClr val="FFFFFF"/>
-                </a:solidFill>
-              </a14:hiddenFill>
-            </a:ext>
-          </a:extLst>
-        </p:spPr>
-      </p:pic>
-      <p:pic>
-        <p:nvPicPr>
-          <p:cNvPr id="2052" name="Picture 4">
-            <a:extLst>
-              <a:ext uri="{FF2B5EF4-FFF2-40B4-BE49-F238E27FC236}">
-                <a16:creationId xmlns:a16="http://schemas.microsoft.com/office/drawing/2014/main" id="{F7623D9B-4683-1363-0E15-FD172323F19F}"/>
-              </a:ext>
-            </a:extLst>
-          </p:cNvPr>
-          <p:cNvPicPr>
-            <a:picLocks noChangeAspect="1" noChangeArrowheads="1"/>
-          </p:cNvPicPr>
-          <p:nvPr/>
-        </p:nvPicPr>
-        <p:blipFill>
-          <a:blip r:embed="rId3">
-            <a:extLst>
-              <a:ext uri="{28A0092B-C50C-407E-A947-70E740481C1C}">
-                <a14:useLocalDpi xmlns:a14="http://schemas.microsoft.com/office/drawing/2010/main" val="0"/>
-              </a:ext>
-            </a:extLst>
-          </a:blip>
-          <a:srcRect/>
-          <a:stretch>
-            <a:fillRect/>
-          </a:stretch>
-        </p:blipFill>
-        <p:spPr bwMode="auto">
-          <a:xfrm>
-            <a:off x="4621128" y="482244"/>
-            <a:ext cx="3328236" cy="2517204"/>
-          </a:xfrm>
-          <a:prstGeom prst="rect">
-            <a:avLst/>
-          </a:prstGeom>
-          <a:noFill/>
-          <a:extLst>
-            <a:ext uri="{909E8E84-426E-40DD-AFC4-6F175D3DCCD1}">
-              <a14:hiddenFill xmlns:a14="http://schemas.microsoft.com/office/drawing/2010/main">
-                <a:solidFill>
-                  <a:srgbClr val="FFFFFF"/>
-                </a:solidFill>
-              </a14:hiddenFill>
-            </a:ext>
-          </a:extLst>
-        </p:spPr>
-      </p:pic>
-      <p:pic>
-        <p:nvPicPr>
-          <p:cNvPr id="8" name="Picture 7">
-            <a:extLst>
-              <a:ext uri="{FF2B5EF4-FFF2-40B4-BE49-F238E27FC236}">
-                <a16:creationId xmlns:a16="http://schemas.microsoft.com/office/drawing/2014/main" id="{66E6DF2E-6E03-4336-8738-31E884C40838}"/>
-              </a:ext>
-            </a:extLst>
-          </p:cNvPr>
-          <p:cNvPicPr>
-            <a:picLocks noChangeAspect="1"/>
-          </p:cNvPicPr>
-          <p:nvPr/>
-        </p:nvPicPr>
-        <p:blipFill>
-          <a:blip r:embed="rId4"/>
-          <a:stretch>
-            <a:fillRect/>
-          </a:stretch>
-        </p:blipFill>
-        <p:spPr>
-          <a:xfrm>
-            <a:off x="182114" y="489854"/>
-            <a:ext cx="3328236" cy="2517204"/>
-          </a:xfrm>
-          <a:prstGeom prst="rect">
-            <a:avLst/>
-          </a:prstGeom>
-        </p:spPr>
-      </p:pic>
-      <p:pic>
-        <p:nvPicPr>
-          <p:cNvPr id="2054" name="Picture 6">
-            <a:extLst>
-              <a:ext uri="{FF2B5EF4-FFF2-40B4-BE49-F238E27FC236}">
-                <a16:creationId xmlns:a16="http://schemas.microsoft.com/office/drawing/2014/main" id="{89832D12-2749-D7C9-B675-CDA7790EE7F7}"/>
-              </a:ext>
-            </a:extLst>
-          </p:cNvPr>
-          <p:cNvPicPr>
-            <a:picLocks noChangeAspect="1" noChangeArrowheads="1"/>
-          </p:cNvPicPr>
-          <p:nvPr/>
-        </p:nvPicPr>
-        <p:blipFill>
-          <a:blip r:embed="rId5">
-            <a:extLst>
-              <a:ext uri="{28A0092B-C50C-407E-A947-70E740481C1C}">
-                <a14:useLocalDpi xmlns:a14="http://schemas.microsoft.com/office/drawing/2010/main" val="0"/>
-              </a:ext>
-            </a:extLst>
-          </a:blip>
-          <a:srcRect/>
-          <a:stretch>
-            <a:fillRect/>
-          </a:stretch>
-        </p:blipFill>
-        <p:spPr bwMode="auto">
-          <a:xfrm>
-            <a:off x="182114" y="4062316"/>
-            <a:ext cx="3328236" cy="2517204"/>
-          </a:xfrm>
-          <a:prstGeom prst="rect">
-            <a:avLst/>
-          </a:prstGeom>
-          <a:noFill/>
-          <a:extLst>
-            <a:ext uri="{909E8E84-426E-40DD-AFC4-6F175D3DCCD1}">
-              <a14:hiddenFill xmlns:a14="http://schemas.microsoft.com/office/drawing/2010/main">
-                <a:solidFill>
-                  <a:srgbClr val="FFFFFF"/>
-                </a:solidFill>
-              </a14:hiddenFill>
-            </a:ext>
-          </a:extLst>
-        </p:spPr>
-      </p:pic>
-      <p:pic>
-        <p:nvPicPr>
-          <p:cNvPr id="2056" name="Picture 8">
-            <a:extLst>
-              <a:ext uri="{FF2B5EF4-FFF2-40B4-BE49-F238E27FC236}">
-                <a16:creationId xmlns:a16="http://schemas.microsoft.com/office/drawing/2014/main" id="{023528C3-2D29-F131-CE1E-F733991C8E2D}"/>
-              </a:ext>
-            </a:extLst>
-          </p:cNvPr>
-          <p:cNvPicPr>
-            <a:picLocks noChangeAspect="1" noChangeArrowheads="1"/>
-          </p:cNvPicPr>
-          <p:nvPr/>
-        </p:nvPicPr>
-        <p:blipFill>
-          <a:blip r:embed="rId6">
-            <a:extLst>
-              <a:ext uri="{28A0092B-C50C-407E-A947-70E740481C1C}">
-                <a14:useLocalDpi xmlns:a14="http://schemas.microsoft.com/office/drawing/2010/main" val="0"/>
-              </a:ext>
-            </a:extLst>
-          </a:blip>
-          <a:srcRect/>
-          <a:stretch>
-            <a:fillRect/>
-          </a:stretch>
-        </p:blipFill>
-        <p:spPr bwMode="auto">
-          <a:xfrm>
-            <a:off x="4621128" y="4062316"/>
-            <a:ext cx="3328236" cy="2517204"/>
-          </a:xfrm>
-          <a:prstGeom prst="rect">
-            <a:avLst/>
-          </a:prstGeom>
-          <a:noFill/>
-          <a:extLst>
-            <a:ext uri="{909E8E84-426E-40DD-AFC4-6F175D3DCCD1}">
-              <a14:hiddenFill xmlns:a14="http://schemas.microsoft.com/office/drawing/2010/main">
-                <a:solidFill>
-                  <a:srgbClr val="FFFFFF"/>
-                </a:solidFill>
-              </a14:hiddenFill>
-            </a:ext>
-          </a:extLst>
-        </p:spPr>
-      </p:pic>
-      <p:pic>
-        <p:nvPicPr>
-          <p:cNvPr id="2058" name="Picture 10">
-            <a:extLst>
-              <a:ext uri="{FF2B5EF4-FFF2-40B4-BE49-F238E27FC236}">
-                <a16:creationId xmlns:a16="http://schemas.microsoft.com/office/drawing/2014/main" id="{C5EE4768-A9A0-A459-45D9-62C25B4696C8}"/>
-              </a:ext>
-            </a:extLst>
-          </p:cNvPr>
-          <p:cNvPicPr>
-            <a:picLocks noChangeAspect="1" noChangeArrowheads="1"/>
-          </p:cNvPicPr>
-          <p:nvPr/>
-        </p:nvPicPr>
-        <p:blipFill>
-          <a:blip r:embed="rId7">
-            <a:extLst>
-              <a:ext uri="{28A0092B-C50C-407E-A947-70E740481C1C}">
-                <a14:useLocalDpi xmlns:a14="http://schemas.microsoft.com/office/drawing/2010/main" val="0"/>
-              </a:ext>
-            </a:extLst>
-          </a:blip>
-          <a:srcRect/>
-          <a:stretch>
-            <a:fillRect/>
-          </a:stretch>
-        </p:blipFill>
-        <p:spPr bwMode="auto">
-          <a:xfrm>
-            <a:off x="8833803" y="4025463"/>
-            <a:ext cx="3328236" cy="2517204"/>
-          </a:xfrm>
-          <a:prstGeom prst="rect">
-            <a:avLst/>
-          </a:prstGeom>
-          <a:noFill/>
-          <a:extLst>
-            <a:ext uri="{909E8E84-426E-40DD-AFC4-6F175D3DCCD1}">
-              <a14:hiddenFill xmlns:a14="http://schemas.microsoft.com/office/drawing/2010/main">
-                <a:solidFill>
-                  <a:srgbClr val="FFFFFF"/>
-                </a:solidFill>
-              </a14:hiddenFill>
-            </a:ext>
-          </a:extLst>
-        </p:spPr>
-      </p:pic>
-    </p:spTree>
-    <p:extLst>
-      <p:ext uri="{BB962C8B-B14F-4D97-AF65-F5344CB8AC3E}">
-        <p14:creationId xmlns:p14="http://schemas.microsoft.com/office/powerpoint/2010/main" val="3915003146"/>
-      </p:ext>
-    </p:extLst>
-  </p:cSld>
-  <p:clrMapOvr>
-    <a:masterClrMapping/>
-  </p:clrMapOvr>
-</p:sld>
-</file>
-
-<file path=ppt/slides/slide9.xml><?xml version="1.0" encoding="utf-8"?>
-<p:sld xmlns:a="http://schemas.openxmlformats.org/drawingml/2006/main" xmlns:r="http://schemas.openxmlformats.org/officeDocument/2006/relationships" xmlns:p="http://schemas.openxmlformats.org/presentationml/2006/main">
-  <p:cSld>
-    <p:spTree>
-      <p:nvGrpSpPr>
-        <p:cNvPr id="1" name=""/>
-        <p:cNvGrpSpPr/>
-        <p:nvPr/>
-      </p:nvGrpSpPr>
-      <p:grpSpPr>
-        <a:xfrm>
-          <a:off x="0" y="0"/>
-          <a:ext cx="0" cy="0"/>
-          <a:chOff x="0" y="0"/>
-          <a:chExt cx="0" cy="0"/>
-        </a:xfrm>
-      </p:grpSpPr>
-      <p:sp>
-        <p:nvSpPr>
-          <p:cNvPr id="2" name="TextBox 1">
-            <a:extLst>
-              <a:ext uri="{FF2B5EF4-FFF2-40B4-BE49-F238E27FC236}">
-                <a16:creationId xmlns:a16="http://schemas.microsoft.com/office/drawing/2014/main" id="{C4B3D408-169B-3C17-5FD2-805B4ED1F6F9}"/>
-              </a:ext>
-            </a:extLst>
-          </p:cNvPr>
-          <p:cNvSpPr txBox="1"/>
-          <p:nvPr/>
-        </p:nvSpPr>
-        <p:spPr>
-          <a:xfrm>
-            <a:off x="402443" y="128954"/>
-            <a:ext cx="1828800" cy="369332"/>
-          </a:xfrm>
-          <a:prstGeom prst="rect">
-            <a:avLst/>
-          </a:prstGeom>
-          <a:noFill/>
-        </p:spPr>
-        <p:txBody>
-          <a:bodyPr rot="0" spcFirstLastPara="0" vert="horz" wrap="square" lIns="91440" tIns="45720" rIns="91440" bIns="45720" numCol="1" spcCol="0" rtlCol="0" fromWordArt="0" anchor="t" anchorCtr="0" forceAA="0" compatLnSpc="1">
-            <a:prstTxWarp prst="textNoShape">
-              <a:avLst/>
-            </a:prstTxWarp>
-            <a:spAutoFit/>
-          </a:bodyPr>
-          <a:lstStyle>
-            <a:defPPr>
-              <a:defRPr lang="en-US"/>
-            </a:defPPr>
-            <a:lvl1pPr marL="0" algn="l" defTabSz="914400" rtl="0" eaLnBrk="1" latinLnBrk="0" hangingPunct="1">
-              <a:defRPr sz="1800" kern="1200">
-                <a:solidFill>
-                  <a:schemeClr val="tx1"/>
-                </a:solidFill>
-                <a:latin typeface="+mn-lt"/>
-                <a:ea typeface="+mn-ea"/>
-                <a:cs typeface="+mn-cs"/>
-              </a:defRPr>
-            </a:lvl1pPr>
-            <a:lvl2pPr marL="457200" algn="l" defTabSz="914400" rtl="0" eaLnBrk="1" latinLnBrk="0" hangingPunct="1">
-              <a:defRPr sz="1800" kern="1200">
-                <a:solidFill>
-                  <a:schemeClr val="tx1"/>
-                </a:solidFill>
-                <a:latin typeface="+mn-lt"/>
-                <a:ea typeface="+mn-ea"/>
-                <a:cs typeface="+mn-cs"/>
-              </a:defRPr>
-            </a:lvl2pPr>
-            <a:lvl3pPr marL="914400" algn="l" defTabSz="914400" rtl="0" eaLnBrk="1" latinLnBrk="0" hangingPunct="1">
-              <a:defRPr sz="1800" kern="1200">
-                <a:solidFill>
-                  <a:schemeClr val="tx1"/>
-                </a:solidFill>
-                <a:latin typeface="+mn-lt"/>
-                <a:ea typeface="+mn-ea"/>
-                <a:cs typeface="+mn-cs"/>
-              </a:defRPr>
-            </a:lvl3pPr>
-            <a:lvl4pPr marL="1371600" algn="l" defTabSz="914400" rtl="0" eaLnBrk="1" latinLnBrk="0" hangingPunct="1">
-              <a:defRPr sz="1800" kern="1200">
-                <a:solidFill>
-                  <a:schemeClr val="tx1"/>
-                </a:solidFill>
-                <a:latin typeface="+mn-lt"/>
-                <a:ea typeface="+mn-ea"/>
-                <a:cs typeface="+mn-cs"/>
-              </a:defRPr>
-            </a:lvl4pPr>
-            <a:lvl5pPr marL="1828800" algn="l" defTabSz="914400" rtl="0" eaLnBrk="1" latinLnBrk="0" hangingPunct="1">
-              <a:defRPr sz="1800" kern="1200">
-                <a:solidFill>
-                  <a:schemeClr val="tx1"/>
-                </a:solidFill>
-                <a:latin typeface="+mn-lt"/>
-                <a:ea typeface="+mn-ea"/>
-                <a:cs typeface="+mn-cs"/>
-              </a:defRPr>
-            </a:lvl5pPr>
-            <a:lvl6pPr marL="2286000" algn="l" defTabSz="914400" rtl="0" eaLnBrk="1" latinLnBrk="0" hangingPunct="1">
-              <a:defRPr sz="1800" kern="1200">
-                <a:solidFill>
-                  <a:schemeClr val="tx1"/>
-                </a:solidFill>
-                <a:latin typeface="+mn-lt"/>
-                <a:ea typeface="+mn-ea"/>
-                <a:cs typeface="+mn-cs"/>
-              </a:defRPr>
-            </a:lvl6pPr>
-            <a:lvl7pPr marL="2743200" algn="l" defTabSz="914400" rtl="0" eaLnBrk="1" latinLnBrk="0" hangingPunct="1">
-              <a:defRPr sz="1800" kern="1200">
-                <a:solidFill>
-                  <a:schemeClr val="tx1"/>
-                </a:solidFill>
-                <a:latin typeface="+mn-lt"/>
-                <a:ea typeface="+mn-ea"/>
-                <a:cs typeface="+mn-cs"/>
-              </a:defRPr>
-            </a:lvl7pPr>
-            <a:lvl8pPr marL="3200400" algn="l" defTabSz="914400" rtl="0" eaLnBrk="1" latinLnBrk="0" hangingPunct="1">
-              <a:defRPr sz="1800" kern="1200">
-                <a:solidFill>
-                  <a:schemeClr val="tx1"/>
-                </a:solidFill>
-                <a:latin typeface="+mn-lt"/>
-                <a:ea typeface="+mn-ea"/>
-                <a:cs typeface="+mn-cs"/>
-              </a:defRPr>
-            </a:lvl8pPr>
-            <a:lvl9pPr marL="3657600" algn="l" defTabSz="914400" rtl="0" eaLnBrk="1" latinLnBrk="0" hangingPunct="1">
-              <a:defRPr sz="1800" kern="1200">
-                <a:solidFill>
-                  <a:schemeClr val="tx1"/>
-                </a:solidFill>
-                <a:latin typeface="+mn-lt"/>
-                <a:ea typeface="+mn-ea"/>
-                <a:cs typeface="+mn-cs"/>
-              </a:defRPr>
-            </a:lvl9pPr>
-          </a:lstStyle>
-          <a:p>
-            <a:pPr algn="l"/>
-            <a:r>
-              <a:rPr lang="en-US" dirty="0"/>
-              <a:t>04 06 260</a:t>
-            </a:r>
-          </a:p>
-        </p:txBody>
-      </p:sp>
-      <p:sp>
-        <p:nvSpPr>
-          <p:cNvPr id="3" name="TextBox 2">
-            <a:extLst>
-              <a:ext uri="{FF2B5EF4-FFF2-40B4-BE49-F238E27FC236}">
-                <a16:creationId xmlns:a16="http://schemas.microsoft.com/office/drawing/2014/main" id="{8F2D25A8-FDC1-11E4-5C42-8C56943FC66E}"/>
-              </a:ext>
-            </a:extLst>
-          </p:cNvPr>
-          <p:cNvSpPr txBox="1"/>
-          <p:nvPr/>
-        </p:nvSpPr>
-        <p:spPr>
-          <a:xfrm>
-            <a:off x="5373372" y="128954"/>
-            <a:ext cx="1828800" cy="369332"/>
-          </a:xfrm>
-          <a:prstGeom prst="rect">
-            <a:avLst/>
-          </a:prstGeom>
-          <a:noFill/>
-        </p:spPr>
-        <p:txBody>
-          <a:bodyPr rot="0" spcFirstLastPara="0" vert="horz" wrap="square" lIns="91440" tIns="45720" rIns="91440" bIns="45720" numCol="1" spcCol="0" rtlCol="0" fromWordArt="0" anchor="t" anchorCtr="0" forceAA="0" compatLnSpc="1">
-            <a:prstTxWarp prst="textNoShape">
-              <a:avLst/>
-            </a:prstTxWarp>
-            <a:spAutoFit/>
-          </a:bodyPr>
-          <a:lstStyle>
-            <a:defPPr>
-              <a:defRPr lang="en-US"/>
-            </a:defPPr>
-            <a:lvl1pPr marL="0" algn="l" defTabSz="914400" rtl="0" eaLnBrk="1" latinLnBrk="0" hangingPunct="1">
-              <a:defRPr sz="1800" kern="1200">
-                <a:solidFill>
-                  <a:schemeClr val="tx1"/>
-                </a:solidFill>
-                <a:latin typeface="+mn-lt"/>
-                <a:ea typeface="+mn-ea"/>
-                <a:cs typeface="+mn-cs"/>
-              </a:defRPr>
-            </a:lvl1pPr>
-            <a:lvl2pPr marL="457200" algn="l" defTabSz="914400" rtl="0" eaLnBrk="1" latinLnBrk="0" hangingPunct="1">
-              <a:defRPr sz="1800" kern="1200">
-                <a:solidFill>
-                  <a:schemeClr val="tx1"/>
-                </a:solidFill>
-                <a:latin typeface="+mn-lt"/>
-                <a:ea typeface="+mn-ea"/>
-                <a:cs typeface="+mn-cs"/>
-              </a:defRPr>
-            </a:lvl2pPr>
-            <a:lvl3pPr marL="914400" algn="l" defTabSz="914400" rtl="0" eaLnBrk="1" latinLnBrk="0" hangingPunct="1">
-              <a:defRPr sz="1800" kern="1200">
-                <a:solidFill>
-                  <a:schemeClr val="tx1"/>
-                </a:solidFill>
-                <a:latin typeface="+mn-lt"/>
-                <a:ea typeface="+mn-ea"/>
-                <a:cs typeface="+mn-cs"/>
-              </a:defRPr>
-            </a:lvl3pPr>
-            <a:lvl4pPr marL="1371600" algn="l" defTabSz="914400" rtl="0" eaLnBrk="1" latinLnBrk="0" hangingPunct="1">
-              <a:defRPr sz="1800" kern="1200">
-                <a:solidFill>
-                  <a:schemeClr val="tx1"/>
-                </a:solidFill>
-                <a:latin typeface="+mn-lt"/>
-                <a:ea typeface="+mn-ea"/>
-                <a:cs typeface="+mn-cs"/>
-              </a:defRPr>
-            </a:lvl4pPr>
-            <a:lvl5pPr marL="1828800" algn="l" defTabSz="914400" rtl="0" eaLnBrk="1" latinLnBrk="0" hangingPunct="1">
-              <a:defRPr sz="1800" kern="1200">
-                <a:solidFill>
-                  <a:schemeClr val="tx1"/>
-                </a:solidFill>
-                <a:latin typeface="+mn-lt"/>
-                <a:ea typeface="+mn-ea"/>
-                <a:cs typeface="+mn-cs"/>
-              </a:defRPr>
-            </a:lvl5pPr>
-            <a:lvl6pPr marL="2286000" algn="l" defTabSz="914400" rtl="0" eaLnBrk="1" latinLnBrk="0" hangingPunct="1">
-              <a:defRPr sz="1800" kern="1200">
-                <a:solidFill>
-                  <a:schemeClr val="tx1"/>
-                </a:solidFill>
-                <a:latin typeface="+mn-lt"/>
-                <a:ea typeface="+mn-ea"/>
-                <a:cs typeface="+mn-cs"/>
-              </a:defRPr>
-            </a:lvl6pPr>
-            <a:lvl7pPr marL="2743200" algn="l" defTabSz="914400" rtl="0" eaLnBrk="1" latinLnBrk="0" hangingPunct="1">
-              <a:defRPr sz="1800" kern="1200">
-                <a:solidFill>
-                  <a:schemeClr val="tx1"/>
-                </a:solidFill>
-                <a:latin typeface="+mn-lt"/>
-                <a:ea typeface="+mn-ea"/>
-                <a:cs typeface="+mn-cs"/>
-              </a:defRPr>
-            </a:lvl7pPr>
-            <a:lvl8pPr marL="3200400" algn="l" defTabSz="914400" rtl="0" eaLnBrk="1" latinLnBrk="0" hangingPunct="1">
-              <a:defRPr sz="1800" kern="1200">
-                <a:solidFill>
-                  <a:schemeClr val="tx1"/>
-                </a:solidFill>
-                <a:latin typeface="+mn-lt"/>
-                <a:ea typeface="+mn-ea"/>
-                <a:cs typeface="+mn-cs"/>
-              </a:defRPr>
-            </a:lvl8pPr>
-            <a:lvl9pPr marL="3657600" algn="l" defTabSz="914400" rtl="0" eaLnBrk="1" latinLnBrk="0" hangingPunct="1">
-              <a:defRPr sz="1800" kern="1200">
-                <a:solidFill>
-                  <a:schemeClr val="tx1"/>
-                </a:solidFill>
-                <a:latin typeface="+mn-lt"/>
-                <a:ea typeface="+mn-ea"/>
-                <a:cs typeface="+mn-cs"/>
-              </a:defRPr>
-            </a:lvl9pPr>
-          </a:lstStyle>
-          <a:p>
-            <a:pPr algn="l"/>
-            <a:r>
-              <a:rPr lang="en-US" dirty="0"/>
-              <a:t>04 06 240</a:t>
-            </a:r>
-          </a:p>
-        </p:txBody>
-      </p:sp>
-      <p:sp>
-        <p:nvSpPr>
-          <p:cNvPr id="4" name="TextBox 3">
-            <a:extLst>
-              <a:ext uri="{FF2B5EF4-FFF2-40B4-BE49-F238E27FC236}">
-                <a16:creationId xmlns:a16="http://schemas.microsoft.com/office/drawing/2014/main" id="{B16B6C62-DD09-170D-01F7-B07B26866A8C}"/>
-              </a:ext>
-            </a:extLst>
-          </p:cNvPr>
-          <p:cNvSpPr txBox="1"/>
-          <p:nvPr/>
-        </p:nvSpPr>
-        <p:spPr>
-          <a:xfrm>
-            <a:off x="9833811" y="128954"/>
-            <a:ext cx="1828800" cy="369332"/>
-          </a:xfrm>
-          <a:prstGeom prst="rect">
-            <a:avLst/>
-          </a:prstGeom>
-          <a:noFill/>
-        </p:spPr>
-        <p:txBody>
-          <a:bodyPr rot="0" spcFirstLastPara="0" vert="horz" wrap="square" lIns="91440" tIns="45720" rIns="91440" bIns="45720" numCol="1" spcCol="0" rtlCol="0" fromWordArt="0" anchor="t" anchorCtr="0" forceAA="0" compatLnSpc="1">
-            <a:prstTxWarp prst="textNoShape">
-              <a:avLst/>
-            </a:prstTxWarp>
-            <a:spAutoFit/>
-          </a:bodyPr>
-          <a:lstStyle>
-            <a:defPPr>
-              <a:defRPr lang="en-US"/>
-            </a:defPPr>
-            <a:lvl1pPr marL="0" algn="l" defTabSz="914400" rtl="0" eaLnBrk="1" latinLnBrk="0" hangingPunct="1">
-              <a:defRPr sz="1800" kern="1200">
-                <a:solidFill>
-                  <a:schemeClr val="tx1"/>
-                </a:solidFill>
-                <a:latin typeface="+mn-lt"/>
-                <a:ea typeface="+mn-ea"/>
-                <a:cs typeface="+mn-cs"/>
-              </a:defRPr>
-            </a:lvl1pPr>
-            <a:lvl2pPr marL="457200" algn="l" defTabSz="914400" rtl="0" eaLnBrk="1" latinLnBrk="0" hangingPunct="1">
-              <a:defRPr sz="1800" kern="1200">
-                <a:solidFill>
-                  <a:schemeClr val="tx1"/>
-                </a:solidFill>
-                <a:latin typeface="+mn-lt"/>
-                <a:ea typeface="+mn-ea"/>
-                <a:cs typeface="+mn-cs"/>
-              </a:defRPr>
-            </a:lvl2pPr>
-            <a:lvl3pPr marL="914400" algn="l" defTabSz="914400" rtl="0" eaLnBrk="1" latinLnBrk="0" hangingPunct="1">
-              <a:defRPr sz="1800" kern="1200">
-                <a:solidFill>
-                  <a:schemeClr val="tx1"/>
-                </a:solidFill>
-                <a:latin typeface="+mn-lt"/>
-                <a:ea typeface="+mn-ea"/>
-                <a:cs typeface="+mn-cs"/>
-              </a:defRPr>
-            </a:lvl3pPr>
-            <a:lvl4pPr marL="1371600" algn="l" defTabSz="914400" rtl="0" eaLnBrk="1" latinLnBrk="0" hangingPunct="1">
-              <a:defRPr sz="1800" kern="1200">
-                <a:solidFill>
-                  <a:schemeClr val="tx1"/>
-                </a:solidFill>
-                <a:latin typeface="+mn-lt"/>
-                <a:ea typeface="+mn-ea"/>
-                <a:cs typeface="+mn-cs"/>
-              </a:defRPr>
-            </a:lvl4pPr>
-            <a:lvl5pPr marL="1828800" algn="l" defTabSz="914400" rtl="0" eaLnBrk="1" latinLnBrk="0" hangingPunct="1">
-              <a:defRPr sz="1800" kern="1200">
-                <a:solidFill>
-                  <a:schemeClr val="tx1"/>
-                </a:solidFill>
-                <a:latin typeface="+mn-lt"/>
-                <a:ea typeface="+mn-ea"/>
-                <a:cs typeface="+mn-cs"/>
-              </a:defRPr>
-            </a:lvl5pPr>
-            <a:lvl6pPr marL="2286000" algn="l" defTabSz="914400" rtl="0" eaLnBrk="1" latinLnBrk="0" hangingPunct="1">
-              <a:defRPr sz="1800" kern="1200">
-                <a:solidFill>
-                  <a:schemeClr val="tx1"/>
-                </a:solidFill>
-                <a:latin typeface="+mn-lt"/>
-                <a:ea typeface="+mn-ea"/>
-                <a:cs typeface="+mn-cs"/>
-              </a:defRPr>
-            </a:lvl6pPr>
-            <a:lvl7pPr marL="2743200" algn="l" defTabSz="914400" rtl="0" eaLnBrk="1" latinLnBrk="0" hangingPunct="1">
-              <a:defRPr sz="1800" kern="1200">
-                <a:solidFill>
-                  <a:schemeClr val="tx1"/>
-                </a:solidFill>
-                <a:latin typeface="+mn-lt"/>
-                <a:ea typeface="+mn-ea"/>
-                <a:cs typeface="+mn-cs"/>
-              </a:defRPr>
-            </a:lvl7pPr>
-            <a:lvl8pPr marL="3200400" algn="l" defTabSz="914400" rtl="0" eaLnBrk="1" latinLnBrk="0" hangingPunct="1">
-              <a:defRPr sz="1800" kern="1200">
-                <a:solidFill>
-                  <a:schemeClr val="tx1"/>
-                </a:solidFill>
-                <a:latin typeface="+mn-lt"/>
-                <a:ea typeface="+mn-ea"/>
-                <a:cs typeface="+mn-cs"/>
-              </a:defRPr>
-            </a:lvl8pPr>
-            <a:lvl9pPr marL="3657600" algn="l" defTabSz="914400" rtl="0" eaLnBrk="1" latinLnBrk="0" hangingPunct="1">
-              <a:defRPr sz="1800" kern="1200">
-                <a:solidFill>
-                  <a:schemeClr val="tx1"/>
-                </a:solidFill>
-                <a:latin typeface="+mn-lt"/>
-                <a:ea typeface="+mn-ea"/>
-                <a:cs typeface="+mn-cs"/>
-              </a:defRPr>
-            </a:lvl9pPr>
-          </a:lstStyle>
-          <a:p>
-            <a:pPr algn="l"/>
-            <a:r>
-              <a:rPr lang="en-US" dirty="0"/>
-              <a:t>04 06 220</a:t>
-            </a:r>
-          </a:p>
-        </p:txBody>
-      </p:sp>
-      <p:sp>
-        <p:nvSpPr>
-          <p:cNvPr id="5" name="TextBox 4">
-            <a:extLst>
-              <a:ext uri="{FF2B5EF4-FFF2-40B4-BE49-F238E27FC236}">
-                <a16:creationId xmlns:a16="http://schemas.microsoft.com/office/drawing/2014/main" id="{D9043183-8050-6296-C2E8-C2CB3BA5735B}"/>
-              </a:ext>
-            </a:extLst>
-          </p:cNvPr>
-          <p:cNvSpPr txBox="1"/>
-          <p:nvPr/>
-        </p:nvSpPr>
-        <p:spPr>
-          <a:xfrm>
-            <a:off x="402443" y="3429000"/>
-            <a:ext cx="1828800" cy="369332"/>
-          </a:xfrm>
-          <a:prstGeom prst="rect">
-            <a:avLst/>
-          </a:prstGeom>
-          <a:noFill/>
-        </p:spPr>
-        <p:txBody>
-          <a:bodyPr rot="0" spcFirstLastPara="0" vert="horz" wrap="square" lIns="91440" tIns="45720" rIns="91440" bIns="45720" numCol="1" spcCol="0" rtlCol="0" fromWordArt="0" anchor="t" anchorCtr="0" forceAA="0" compatLnSpc="1">
-            <a:prstTxWarp prst="textNoShape">
-              <a:avLst/>
-            </a:prstTxWarp>
-            <a:spAutoFit/>
-          </a:bodyPr>
-          <a:lstStyle>
-            <a:defPPr>
-              <a:defRPr lang="en-US"/>
-            </a:defPPr>
-            <a:lvl1pPr marL="0" algn="l" defTabSz="914400" rtl="0" eaLnBrk="1" latinLnBrk="0" hangingPunct="1">
-              <a:defRPr sz="1800" kern="1200">
-                <a:solidFill>
-                  <a:schemeClr val="tx1"/>
-                </a:solidFill>
-                <a:latin typeface="+mn-lt"/>
-                <a:ea typeface="+mn-ea"/>
-                <a:cs typeface="+mn-cs"/>
-              </a:defRPr>
-            </a:lvl1pPr>
-            <a:lvl2pPr marL="457200" algn="l" defTabSz="914400" rtl="0" eaLnBrk="1" latinLnBrk="0" hangingPunct="1">
-              <a:defRPr sz="1800" kern="1200">
-                <a:solidFill>
-                  <a:schemeClr val="tx1"/>
-                </a:solidFill>
-                <a:latin typeface="+mn-lt"/>
-                <a:ea typeface="+mn-ea"/>
-                <a:cs typeface="+mn-cs"/>
-              </a:defRPr>
-            </a:lvl2pPr>
-            <a:lvl3pPr marL="914400" algn="l" defTabSz="914400" rtl="0" eaLnBrk="1" latinLnBrk="0" hangingPunct="1">
-              <a:defRPr sz="1800" kern="1200">
-                <a:solidFill>
-                  <a:schemeClr val="tx1"/>
-                </a:solidFill>
-                <a:latin typeface="+mn-lt"/>
-                <a:ea typeface="+mn-ea"/>
-                <a:cs typeface="+mn-cs"/>
-              </a:defRPr>
-            </a:lvl3pPr>
-            <a:lvl4pPr marL="1371600" algn="l" defTabSz="914400" rtl="0" eaLnBrk="1" latinLnBrk="0" hangingPunct="1">
-              <a:defRPr sz="1800" kern="1200">
-                <a:solidFill>
-                  <a:schemeClr val="tx1"/>
-                </a:solidFill>
-                <a:latin typeface="+mn-lt"/>
-                <a:ea typeface="+mn-ea"/>
-                <a:cs typeface="+mn-cs"/>
-              </a:defRPr>
-            </a:lvl4pPr>
-            <a:lvl5pPr marL="1828800" algn="l" defTabSz="914400" rtl="0" eaLnBrk="1" latinLnBrk="0" hangingPunct="1">
-              <a:defRPr sz="1800" kern="1200">
-                <a:solidFill>
-                  <a:schemeClr val="tx1"/>
-                </a:solidFill>
-                <a:latin typeface="+mn-lt"/>
-                <a:ea typeface="+mn-ea"/>
-                <a:cs typeface="+mn-cs"/>
-              </a:defRPr>
-            </a:lvl5pPr>
-            <a:lvl6pPr marL="2286000" algn="l" defTabSz="914400" rtl="0" eaLnBrk="1" latinLnBrk="0" hangingPunct="1">
-              <a:defRPr sz="1800" kern="1200">
-                <a:solidFill>
-                  <a:schemeClr val="tx1"/>
-                </a:solidFill>
-                <a:latin typeface="+mn-lt"/>
-                <a:ea typeface="+mn-ea"/>
-                <a:cs typeface="+mn-cs"/>
-              </a:defRPr>
-            </a:lvl6pPr>
-            <a:lvl7pPr marL="2743200" algn="l" defTabSz="914400" rtl="0" eaLnBrk="1" latinLnBrk="0" hangingPunct="1">
-              <a:defRPr sz="1800" kern="1200">
-                <a:solidFill>
-                  <a:schemeClr val="tx1"/>
-                </a:solidFill>
-                <a:latin typeface="+mn-lt"/>
-                <a:ea typeface="+mn-ea"/>
-                <a:cs typeface="+mn-cs"/>
-              </a:defRPr>
-            </a:lvl7pPr>
-            <a:lvl8pPr marL="3200400" algn="l" defTabSz="914400" rtl="0" eaLnBrk="1" latinLnBrk="0" hangingPunct="1">
-              <a:defRPr sz="1800" kern="1200">
-                <a:solidFill>
-                  <a:schemeClr val="tx1"/>
-                </a:solidFill>
-                <a:latin typeface="+mn-lt"/>
-                <a:ea typeface="+mn-ea"/>
-                <a:cs typeface="+mn-cs"/>
-              </a:defRPr>
-            </a:lvl8pPr>
-            <a:lvl9pPr marL="3657600" algn="l" defTabSz="914400" rtl="0" eaLnBrk="1" latinLnBrk="0" hangingPunct="1">
-              <a:defRPr sz="1800" kern="1200">
-                <a:solidFill>
-                  <a:schemeClr val="tx1"/>
-                </a:solidFill>
-                <a:latin typeface="+mn-lt"/>
-                <a:ea typeface="+mn-ea"/>
-                <a:cs typeface="+mn-cs"/>
-              </a:defRPr>
-            </a:lvl9pPr>
-          </a:lstStyle>
-          <a:p>
-            <a:pPr algn="l"/>
-            <a:r>
-              <a:rPr lang="en-US" dirty="0"/>
-              <a:t>05 06 260</a:t>
-            </a:r>
-          </a:p>
-        </p:txBody>
-      </p:sp>
-      <p:sp>
-        <p:nvSpPr>
-          <p:cNvPr id="6" name="TextBox 5">
-            <a:extLst>
-              <a:ext uri="{FF2B5EF4-FFF2-40B4-BE49-F238E27FC236}">
-                <a16:creationId xmlns:a16="http://schemas.microsoft.com/office/drawing/2014/main" id="{39765D5A-B3C7-9EE1-0216-F806BE74B0D7}"/>
-              </a:ext>
-            </a:extLst>
-          </p:cNvPr>
-          <p:cNvSpPr txBox="1"/>
-          <p:nvPr/>
-        </p:nvSpPr>
-        <p:spPr>
-          <a:xfrm>
-            <a:off x="5277158" y="3432829"/>
-            <a:ext cx="1828800" cy="369332"/>
-          </a:xfrm>
-          <a:prstGeom prst="rect">
-            <a:avLst/>
-          </a:prstGeom>
-          <a:noFill/>
-        </p:spPr>
-        <p:txBody>
-          <a:bodyPr rot="0" spcFirstLastPara="0" vert="horz" wrap="square" lIns="91440" tIns="45720" rIns="91440" bIns="45720" numCol="1" spcCol="0" rtlCol="0" fromWordArt="0" anchor="t" anchorCtr="0" forceAA="0" compatLnSpc="1">
-            <a:prstTxWarp prst="textNoShape">
-              <a:avLst/>
-            </a:prstTxWarp>
-            <a:spAutoFit/>
-          </a:bodyPr>
-          <a:lstStyle>
-            <a:defPPr>
-              <a:defRPr lang="en-US"/>
-            </a:defPPr>
-            <a:lvl1pPr marL="0" algn="l" defTabSz="914400" rtl="0" eaLnBrk="1" latinLnBrk="0" hangingPunct="1">
-              <a:defRPr sz="1800" kern="1200">
-                <a:solidFill>
-                  <a:schemeClr val="tx1"/>
-                </a:solidFill>
-                <a:latin typeface="+mn-lt"/>
-                <a:ea typeface="+mn-ea"/>
-                <a:cs typeface="+mn-cs"/>
-              </a:defRPr>
-            </a:lvl1pPr>
-            <a:lvl2pPr marL="457200" algn="l" defTabSz="914400" rtl="0" eaLnBrk="1" latinLnBrk="0" hangingPunct="1">
-              <a:defRPr sz="1800" kern="1200">
-                <a:solidFill>
-                  <a:schemeClr val="tx1"/>
-                </a:solidFill>
-                <a:latin typeface="+mn-lt"/>
-                <a:ea typeface="+mn-ea"/>
-                <a:cs typeface="+mn-cs"/>
-              </a:defRPr>
-            </a:lvl2pPr>
-            <a:lvl3pPr marL="914400" algn="l" defTabSz="914400" rtl="0" eaLnBrk="1" latinLnBrk="0" hangingPunct="1">
-              <a:defRPr sz="1800" kern="1200">
-                <a:solidFill>
-                  <a:schemeClr val="tx1"/>
-                </a:solidFill>
-                <a:latin typeface="+mn-lt"/>
-                <a:ea typeface="+mn-ea"/>
-                <a:cs typeface="+mn-cs"/>
-              </a:defRPr>
-            </a:lvl3pPr>
-            <a:lvl4pPr marL="1371600" algn="l" defTabSz="914400" rtl="0" eaLnBrk="1" latinLnBrk="0" hangingPunct="1">
-              <a:defRPr sz="1800" kern="1200">
-                <a:solidFill>
-                  <a:schemeClr val="tx1"/>
-                </a:solidFill>
-                <a:latin typeface="+mn-lt"/>
-                <a:ea typeface="+mn-ea"/>
-                <a:cs typeface="+mn-cs"/>
-              </a:defRPr>
-            </a:lvl4pPr>
-            <a:lvl5pPr marL="1828800" algn="l" defTabSz="914400" rtl="0" eaLnBrk="1" latinLnBrk="0" hangingPunct="1">
-              <a:defRPr sz="1800" kern="1200">
-                <a:solidFill>
-                  <a:schemeClr val="tx1"/>
-                </a:solidFill>
-                <a:latin typeface="+mn-lt"/>
-                <a:ea typeface="+mn-ea"/>
-                <a:cs typeface="+mn-cs"/>
-              </a:defRPr>
-            </a:lvl5pPr>
-            <a:lvl6pPr marL="2286000" algn="l" defTabSz="914400" rtl="0" eaLnBrk="1" latinLnBrk="0" hangingPunct="1">
-              <a:defRPr sz="1800" kern="1200">
-                <a:solidFill>
-                  <a:schemeClr val="tx1"/>
-                </a:solidFill>
-                <a:latin typeface="+mn-lt"/>
-                <a:ea typeface="+mn-ea"/>
-                <a:cs typeface="+mn-cs"/>
-              </a:defRPr>
-            </a:lvl6pPr>
-            <a:lvl7pPr marL="2743200" algn="l" defTabSz="914400" rtl="0" eaLnBrk="1" latinLnBrk="0" hangingPunct="1">
-              <a:defRPr sz="1800" kern="1200">
-                <a:solidFill>
-                  <a:schemeClr val="tx1"/>
-                </a:solidFill>
-                <a:latin typeface="+mn-lt"/>
-                <a:ea typeface="+mn-ea"/>
-                <a:cs typeface="+mn-cs"/>
-              </a:defRPr>
-            </a:lvl7pPr>
-            <a:lvl8pPr marL="3200400" algn="l" defTabSz="914400" rtl="0" eaLnBrk="1" latinLnBrk="0" hangingPunct="1">
-              <a:defRPr sz="1800" kern="1200">
-                <a:solidFill>
-                  <a:schemeClr val="tx1"/>
-                </a:solidFill>
-                <a:latin typeface="+mn-lt"/>
-                <a:ea typeface="+mn-ea"/>
-                <a:cs typeface="+mn-cs"/>
-              </a:defRPr>
-            </a:lvl8pPr>
-            <a:lvl9pPr marL="3657600" algn="l" defTabSz="914400" rtl="0" eaLnBrk="1" latinLnBrk="0" hangingPunct="1">
-              <a:defRPr sz="1800" kern="1200">
-                <a:solidFill>
-                  <a:schemeClr val="tx1"/>
-                </a:solidFill>
-                <a:latin typeface="+mn-lt"/>
-                <a:ea typeface="+mn-ea"/>
-                <a:cs typeface="+mn-cs"/>
-              </a:defRPr>
-            </a:lvl9pPr>
-          </a:lstStyle>
-          <a:p>
-            <a:pPr algn="l"/>
-            <a:r>
-              <a:rPr lang="en-US" dirty="0"/>
-              <a:t>05 06 240</a:t>
-            </a:r>
-          </a:p>
-        </p:txBody>
-      </p:sp>
-      <p:sp>
-        <p:nvSpPr>
-          <p:cNvPr id="7" name="TextBox 6">
-            <a:extLst>
-              <a:ext uri="{FF2B5EF4-FFF2-40B4-BE49-F238E27FC236}">
-                <a16:creationId xmlns:a16="http://schemas.microsoft.com/office/drawing/2014/main" id="{A7CCC87D-4B5F-801C-3DBA-65E174B6525C}"/>
-              </a:ext>
-            </a:extLst>
-          </p:cNvPr>
-          <p:cNvSpPr txBox="1"/>
-          <p:nvPr/>
-        </p:nvSpPr>
-        <p:spPr>
-          <a:xfrm>
-            <a:off x="9833811" y="3429000"/>
-            <a:ext cx="1828800" cy="369332"/>
-          </a:xfrm>
-          <a:prstGeom prst="rect">
-            <a:avLst/>
-          </a:prstGeom>
-          <a:noFill/>
-        </p:spPr>
-        <p:txBody>
-          <a:bodyPr rot="0" spcFirstLastPara="0" vert="horz" wrap="square" lIns="91440" tIns="45720" rIns="91440" bIns="45720" numCol="1" spcCol="0" rtlCol="0" fromWordArt="0" anchor="t" anchorCtr="0" forceAA="0" compatLnSpc="1">
-            <a:prstTxWarp prst="textNoShape">
-              <a:avLst/>
-            </a:prstTxWarp>
-            <a:spAutoFit/>
-          </a:bodyPr>
-          <a:lstStyle>
-            <a:defPPr>
-              <a:defRPr lang="en-US"/>
-            </a:defPPr>
-            <a:lvl1pPr marL="0" algn="l" defTabSz="914400" rtl="0" eaLnBrk="1" latinLnBrk="0" hangingPunct="1">
-              <a:defRPr sz="1800" kern="1200">
-                <a:solidFill>
-                  <a:schemeClr val="tx1"/>
-                </a:solidFill>
-                <a:latin typeface="+mn-lt"/>
-                <a:ea typeface="+mn-ea"/>
-                <a:cs typeface="+mn-cs"/>
-              </a:defRPr>
-            </a:lvl1pPr>
-            <a:lvl2pPr marL="457200" algn="l" defTabSz="914400" rtl="0" eaLnBrk="1" latinLnBrk="0" hangingPunct="1">
-              <a:defRPr sz="1800" kern="1200">
-                <a:solidFill>
-                  <a:schemeClr val="tx1"/>
-                </a:solidFill>
-                <a:latin typeface="+mn-lt"/>
-                <a:ea typeface="+mn-ea"/>
-                <a:cs typeface="+mn-cs"/>
-              </a:defRPr>
-            </a:lvl2pPr>
-            <a:lvl3pPr marL="914400" algn="l" defTabSz="914400" rtl="0" eaLnBrk="1" latinLnBrk="0" hangingPunct="1">
-              <a:defRPr sz="1800" kern="1200">
-                <a:solidFill>
-                  <a:schemeClr val="tx1"/>
-                </a:solidFill>
-                <a:latin typeface="+mn-lt"/>
-                <a:ea typeface="+mn-ea"/>
-                <a:cs typeface="+mn-cs"/>
-              </a:defRPr>
-            </a:lvl3pPr>
-            <a:lvl4pPr marL="1371600" algn="l" defTabSz="914400" rtl="0" eaLnBrk="1" latinLnBrk="0" hangingPunct="1">
-              <a:defRPr sz="1800" kern="1200">
-                <a:solidFill>
-                  <a:schemeClr val="tx1"/>
-                </a:solidFill>
-                <a:latin typeface="+mn-lt"/>
-                <a:ea typeface="+mn-ea"/>
-                <a:cs typeface="+mn-cs"/>
-              </a:defRPr>
-            </a:lvl4pPr>
-            <a:lvl5pPr marL="1828800" algn="l" defTabSz="914400" rtl="0" eaLnBrk="1" latinLnBrk="0" hangingPunct="1">
-              <a:defRPr sz="1800" kern="1200">
-                <a:solidFill>
-                  <a:schemeClr val="tx1"/>
-                </a:solidFill>
-                <a:latin typeface="+mn-lt"/>
-                <a:ea typeface="+mn-ea"/>
-                <a:cs typeface="+mn-cs"/>
-              </a:defRPr>
-            </a:lvl5pPr>
-            <a:lvl6pPr marL="2286000" algn="l" defTabSz="914400" rtl="0" eaLnBrk="1" latinLnBrk="0" hangingPunct="1">
-              <a:defRPr sz="1800" kern="1200">
-                <a:solidFill>
-                  <a:schemeClr val="tx1"/>
-                </a:solidFill>
-                <a:latin typeface="+mn-lt"/>
-                <a:ea typeface="+mn-ea"/>
-                <a:cs typeface="+mn-cs"/>
-              </a:defRPr>
-            </a:lvl6pPr>
-            <a:lvl7pPr marL="2743200" algn="l" defTabSz="914400" rtl="0" eaLnBrk="1" latinLnBrk="0" hangingPunct="1">
-              <a:defRPr sz="1800" kern="1200">
-                <a:solidFill>
-                  <a:schemeClr val="tx1"/>
-                </a:solidFill>
-                <a:latin typeface="+mn-lt"/>
-                <a:ea typeface="+mn-ea"/>
-                <a:cs typeface="+mn-cs"/>
-              </a:defRPr>
-            </a:lvl7pPr>
-            <a:lvl8pPr marL="3200400" algn="l" defTabSz="914400" rtl="0" eaLnBrk="1" latinLnBrk="0" hangingPunct="1">
-              <a:defRPr sz="1800" kern="1200">
-                <a:solidFill>
-                  <a:schemeClr val="tx1"/>
-                </a:solidFill>
-                <a:latin typeface="+mn-lt"/>
-                <a:ea typeface="+mn-ea"/>
-                <a:cs typeface="+mn-cs"/>
-              </a:defRPr>
-            </a:lvl8pPr>
-            <a:lvl9pPr marL="3657600" algn="l" defTabSz="914400" rtl="0" eaLnBrk="1" latinLnBrk="0" hangingPunct="1">
-              <a:defRPr sz="1800" kern="1200">
-                <a:solidFill>
-                  <a:schemeClr val="tx1"/>
-                </a:solidFill>
-                <a:latin typeface="+mn-lt"/>
-                <a:ea typeface="+mn-ea"/>
-                <a:cs typeface="+mn-cs"/>
-              </a:defRPr>
-            </a:lvl9pPr>
-          </a:lstStyle>
-          <a:p>
-            <a:pPr algn="l"/>
-            <a:r>
-              <a:rPr lang="en-US" dirty="0"/>
-              <a:t>05 06 220</a:t>
-            </a:r>
-          </a:p>
-        </p:txBody>
-      </p:sp>
-      <p:pic>
-        <p:nvPicPr>
-          <p:cNvPr id="1026" name="Picture 2">
-            <a:extLst>
-              <a:ext uri="{FF2B5EF4-FFF2-40B4-BE49-F238E27FC236}">
-                <a16:creationId xmlns:a16="http://schemas.microsoft.com/office/drawing/2014/main" id="{63357C54-3EDF-FAB3-0386-25CAEE5F46B0}"/>
-              </a:ext>
-            </a:extLst>
-          </p:cNvPr>
-          <p:cNvPicPr>
-            <a:picLocks noChangeAspect="1" noChangeArrowheads="1"/>
-          </p:cNvPicPr>
-          <p:nvPr/>
-        </p:nvPicPr>
-        <p:blipFill>
-          <a:blip r:embed="rId2">
-            <a:extLst>
-              <a:ext uri="{28A0092B-C50C-407E-A947-70E740481C1C}">
-                <a14:useLocalDpi xmlns:a14="http://schemas.microsoft.com/office/drawing/2010/main" val="0"/>
-              </a:ext>
-            </a:extLst>
-          </a:blip>
-          <a:srcRect/>
-          <a:stretch>
-            <a:fillRect/>
-          </a:stretch>
-        </p:blipFill>
-        <p:spPr bwMode="auto">
-          <a:xfrm>
-            <a:off x="4555331" y="715705"/>
-            <a:ext cx="3081337" cy="2378390"/>
-          </a:xfrm>
-          <a:prstGeom prst="rect">
-            <a:avLst/>
-          </a:prstGeom>
-          <a:noFill/>
-          <a:extLst>
-            <a:ext uri="{909E8E84-426E-40DD-AFC4-6F175D3DCCD1}">
-              <a14:hiddenFill xmlns:a14="http://schemas.microsoft.com/office/drawing/2010/main">
-                <a:solidFill>
-                  <a:srgbClr val="FFFFFF"/>
-                </a:solidFill>
-              </a14:hiddenFill>
-            </a:ext>
-          </a:extLst>
-        </p:spPr>
-      </p:pic>
-      <p:pic>
-        <p:nvPicPr>
-          <p:cNvPr id="1028" name="Picture 4">
-            <a:extLst>
-              <a:ext uri="{FF2B5EF4-FFF2-40B4-BE49-F238E27FC236}">
-                <a16:creationId xmlns:a16="http://schemas.microsoft.com/office/drawing/2014/main" id="{3CAC5DF9-756A-08DC-37B9-F3C40EDE75E7}"/>
-              </a:ext>
-            </a:extLst>
-          </p:cNvPr>
-          <p:cNvPicPr>
-            <a:picLocks noChangeAspect="1" noChangeArrowheads="1"/>
-          </p:cNvPicPr>
-          <p:nvPr/>
-        </p:nvPicPr>
-        <p:blipFill>
-          <a:blip r:embed="rId3">
-            <a:extLst>
-              <a:ext uri="{28A0092B-C50C-407E-A947-70E740481C1C}">
-                <a14:useLocalDpi xmlns:a14="http://schemas.microsoft.com/office/drawing/2010/main" val="0"/>
-              </a:ext>
-            </a:extLst>
-          </a:blip>
-          <a:srcRect/>
-          <a:stretch>
-            <a:fillRect/>
-          </a:stretch>
-        </p:blipFill>
-        <p:spPr bwMode="auto">
-          <a:xfrm>
-            <a:off x="8581274" y="774448"/>
-            <a:ext cx="3081337" cy="2378390"/>
-          </a:xfrm>
-          <a:prstGeom prst="rect">
-            <a:avLst/>
-          </a:prstGeom>
-          <a:noFill/>
-          <a:extLst>
-            <a:ext uri="{909E8E84-426E-40DD-AFC4-6F175D3DCCD1}">
-              <a14:hiddenFill xmlns:a14="http://schemas.microsoft.com/office/drawing/2010/main">
-                <a:solidFill>
-                  <a:srgbClr val="FFFFFF"/>
-                </a:solidFill>
-              </a14:hiddenFill>
-            </a:ext>
-          </a:extLst>
-        </p:spPr>
-      </p:pic>
-      <p:pic>
-        <p:nvPicPr>
-          <p:cNvPr id="1030" name="Picture 6">
-            <a:extLst>
-              <a:ext uri="{FF2B5EF4-FFF2-40B4-BE49-F238E27FC236}">
-                <a16:creationId xmlns:a16="http://schemas.microsoft.com/office/drawing/2014/main" id="{9430E7A9-8F6C-BF4F-FAF6-AE4A3C5CEC0B}"/>
-              </a:ext>
-            </a:extLst>
-          </p:cNvPr>
-          <p:cNvPicPr>
-            <a:picLocks noChangeAspect="1" noChangeArrowheads="1"/>
-          </p:cNvPicPr>
-          <p:nvPr/>
-        </p:nvPicPr>
-        <p:blipFill>
-          <a:blip r:embed="rId4">
-            <a:extLst>
-              <a:ext uri="{28A0092B-C50C-407E-A947-70E740481C1C}">
-                <a14:useLocalDpi xmlns:a14="http://schemas.microsoft.com/office/drawing/2010/main" val="0"/>
-              </a:ext>
-            </a:extLst>
-          </a:blip>
-          <a:srcRect/>
-          <a:stretch>
-            <a:fillRect/>
-          </a:stretch>
-        </p:blipFill>
-        <p:spPr bwMode="auto">
-          <a:xfrm>
-            <a:off x="377181" y="715705"/>
-            <a:ext cx="3233546" cy="2495876"/>
-          </a:xfrm>
-          <a:prstGeom prst="rect">
-            <a:avLst/>
-          </a:prstGeom>
-          <a:noFill/>
-          <a:extLst>
-            <a:ext uri="{909E8E84-426E-40DD-AFC4-6F175D3DCCD1}">
-              <a14:hiddenFill xmlns:a14="http://schemas.microsoft.com/office/drawing/2010/main">
-                <a:solidFill>
-                  <a:srgbClr val="FFFFFF"/>
-                </a:solidFill>
-              </a14:hiddenFill>
-            </a:ext>
-          </a:extLst>
-        </p:spPr>
-      </p:pic>
-      <p:pic>
-        <p:nvPicPr>
-          <p:cNvPr id="1032" name="Picture 8">
-            <a:extLst>
-              <a:ext uri="{FF2B5EF4-FFF2-40B4-BE49-F238E27FC236}">
-                <a16:creationId xmlns:a16="http://schemas.microsoft.com/office/drawing/2014/main" id="{1067CA43-26BB-1C90-CABB-D2F8E673A361}"/>
-              </a:ext>
-            </a:extLst>
-          </p:cNvPr>
-          <p:cNvPicPr>
-            <a:picLocks noChangeAspect="1" noChangeArrowheads="1"/>
-          </p:cNvPicPr>
-          <p:nvPr/>
-        </p:nvPicPr>
-        <p:blipFill>
-          <a:blip r:embed="rId4">
-            <a:extLst>
-              <a:ext uri="{28A0092B-C50C-407E-A947-70E740481C1C}">
-                <a14:useLocalDpi xmlns:a14="http://schemas.microsoft.com/office/drawing/2010/main" val="0"/>
-              </a:ext>
-            </a:extLst>
-          </a:blip>
-          <a:srcRect/>
-          <a:stretch>
-            <a:fillRect/>
-          </a:stretch>
-        </p:blipFill>
-        <p:spPr bwMode="auto">
-          <a:xfrm>
-            <a:off x="8581274" y="4074494"/>
-            <a:ext cx="3233546" cy="2495876"/>
-          </a:xfrm>
-          <a:prstGeom prst="rect">
-            <a:avLst/>
-          </a:prstGeom>
-          <a:noFill/>
-          <a:extLst>
-            <a:ext uri="{909E8E84-426E-40DD-AFC4-6F175D3DCCD1}">
-              <a14:hiddenFill xmlns:a14="http://schemas.microsoft.com/office/drawing/2010/main">
-                <a:solidFill>
-                  <a:srgbClr val="FFFFFF"/>
-                </a:solidFill>
-              </a14:hiddenFill>
-            </a:ext>
-          </a:extLst>
-        </p:spPr>
-      </p:pic>
-      <p:pic>
-        <p:nvPicPr>
-          <p:cNvPr id="8" name="Picture 7">
-            <a:extLst>
-              <a:ext uri="{FF2B5EF4-FFF2-40B4-BE49-F238E27FC236}">
-                <a16:creationId xmlns:a16="http://schemas.microsoft.com/office/drawing/2014/main" id="{377B9A6C-8C9C-DB77-E399-E58B5C6D8FC3}"/>
-              </a:ext>
-            </a:extLst>
-          </p:cNvPr>
-          <p:cNvPicPr>
-            <a:picLocks noChangeAspect="1"/>
-          </p:cNvPicPr>
-          <p:nvPr/>
-        </p:nvPicPr>
-        <p:blipFill>
-          <a:blip r:embed="rId5"/>
-          <a:stretch>
-            <a:fillRect/>
-          </a:stretch>
-        </p:blipFill>
-        <p:spPr>
-          <a:xfrm>
-            <a:off x="377180" y="3999508"/>
-            <a:ext cx="3198746" cy="2469015"/>
-          </a:xfrm>
-          <a:prstGeom prst="rect">
-            <a:avLst/>
-          </a:prstGeom>
-        </p:spPr>
-      </p:pic>
-    </p:spTree>
-    <p:extLst>
-      <p:ext uri="{BB962C8B-B14F-4D97-AF65-F5344CB8AC3E}">
-        <p14:creationId xmlns:p14="http://schemas.microsoft.com/office/powerpoint/2010/main" val="286941453"/>
       </p:ext>
     </p:extLst>
   </p:cSld>

--- a/p_update.pptx
+++ b/p_update.pptx
@@ -281,7 +281,7 @@
           <a:p>
             <a:fld id="{AC0A374C-67DD-7B41-A977-89CB4768BCE6}" type="datetimeFigureOut">
               <a:rPr lang="en-US" smtClean="0"/>
-              <a:t>9/23/2022</a:t>
+              <a:t>9/26/2022</a:t>
             </a:fld>
             <a:endParaRPr lang="en-US"/>
           </a:p>
@@ -479,7 +479,7 @@
           <a:p>
             <a:fld id="{AC0A374C-67DD-7B41-A977-89CB4768BCE6}" type="datetimeFigureOut">
               <a:rPr lang="en-US" smtClean="0"/>
-              <a:t>9/23/2022</a:t>
+              <a:t>9/26/2022</a:t>
             </a:fld>
             <a:endParaRPr lang="en-US"/>
           </a:p>
@@ -687,7 +687,7 @@
           <a:p>
             <a:fld id="{AC0A374C-67DD-7B41-A977-89CB4768BCE6}" type="datetimeFigureOut">
               <a:rPr lang="en-US" smtClean="0"/>
-              <a:t>9/23/2022</a:t>
+              <a:t>9/26/2022</a:t>
             </a:fld>
             <a:endParaRPr lang="en-US"/>
           </a:p>
@@ -885,7 +885,7 @@
           <a:p>
             <a:fld id="{AC0A374C-67DD-7B41-A977-89CB4768BCE6}" type="datetimeFigureOut">
               <a:rPr lang="en-US" smtClean="0"/>
-              <a:t>9/23/2022</a:t>
+              <a:t>9/26/2022</a:t>
             </a:fld>
             <a:endParaRPr lang="en-US"/>
           </a:p>
@@ -1160,7 +1160,7 @@
           <a:p>
             <a:fld id="{AC0A374C-67DD-7B41-A977-89CB4768BCE6}" type="datetimeFigureOut">
               <a:rPr lang="en-US" smtClean="0"/>
-              <a:t>9/23/2022</a:t>
+              <a:t>9/26/2022</a:t>
             </a:fld>
             <a:endParaRPr lang="en-US"/>
           </a:p>
@@ -1425,7 +1425,7 @@
           <a:p>
             <a:fld id="{AC0A374C-67DD-7B41-A977-89CB4768BCE6}" type="datetimeFigureOut">
               <a:rPr lang="en-US" smtClean="0"/>
-              <a:t>9/23/2022</a:t>
+              <a:t>9/26/2022</a:t>
             </a:fld>
             <a:endParaRPr lang="en-US"/>
           </a:p>
@@ -1837,7 +1837,7 @@
           <a:p>
             <a:fld id="{AC0A374C-67DD-7B41-A977-89CB4768BCE6}" type="datetimeFigureOut">
               <a:rPr lang="en-US" smtClean="0"/>
-              <a:t>9/23/2022</a:t>
+              <a:t>9/26/2022</a:t>
             </a:fld>
             <a:endParaRPr lang="en-US"/>
           </a:p>
@@ -1978,7 +1978,7 @@
           <a:p>
             <a:fld id="{AC0A374C-67DD-7B41-A977-89CB4768BCE6}" type="datetimeFigureOut">
               <a:rPr lang="en-US" smtClean="0"/>
-              <a:t>9/23/2022</a:t>
+              <a:t>9/26/2022</a:t>
             </a:fld>
             <a:endParaRPr lang="en-US"/>
           </a:p>
@@ -2091,7 +2091,7 @@
           <a:p>
             <a:fld id="{AC0A374C-67DD-7B41-A977-89CB4768BCE6}" type="datetimeFigureOut">
               <a:rPr lang="en-US" smtClean="0"/>
-              <a:t>9/23/2022</a:t>
+              <a:t>9/26/2022</a:t>
             </a:fld>
             <a:endParaRPr lang="en-US"/>
           </a:p>
@@ -2402,7 +2402,7 @@
           <a:p>
             <a:fld id="{AC0A374C-67DD-7B41-A977-89CB4768BCE6}" type="datetimeFigureOut">
               <a:rPr lang="en-US" smtClean="0"/>
-              <a:t>9/23/2022</a:t>
+              <a:t>9/26/2022</a:t>
             </a:fld>
             <a:endParaRPr lang="en-US"/>
           </a:p>
@@ -2690,7 +2690,7 @@
           <a:p>
             <a:fld id="{AC0A374C-67DD-7B41-A977-89CB4768BCE6}" type="datetimeFigureOut">
               <a:rPr lang="en-US" smtClean="0"/>
-              <a:t>9/23/2022</a:t>
+              <a:t>9/26/2022</a:t>
             </a:fld>
             <a:endParaRPr lang="en-US"/>
           </a:p>
@@ -2931,7 +2931,7 @@
           <a:p>
             <a:fld id="{AC0A374C-67DD-7B41-A977-89CB4768BCE6}" type="datetimeFigureOut">
               <a:rPr lang="en-US" smtClean="0"/>
-              <a:t>9/23/2022</a:t>
+              <a:t>9/26/2022</a:t>
             </a:fld>
             <a:endParaRPr lang="en-US"/>
           </a:p>
@@ -18029,7 +18029,7 @@
         </p:nvGrpSpPr>
         <p:grpSpPr>
           <a:xfrm>
-            <a:off x="5098211" y="4355774"/>
+            <a:off x="5098211" y="4674950"/>
             <a:ext cx="6783238" cy="1256843"/>
             <a:chOff x="493940" y="5297117"/>
             <a:chExt cx="5694590" cy="1055131"/>
@@ -18263,7 +18263,7 @@
         </p:blipFill>
         <p:spPr>
           <a:xfrm>
-            <a:off x="310551" y="3787156"/>
+            <a:off x="310551" y="4106332"/>
             <a:ext cx="4156476" cy="2394080"/>
           </a:xfrm>
           <a:prstGeom prst="rect">
@@ -18394,7 +18394,7 @@
         </p:nvSpPr>
         <p:spPr>
           <a:xfrm>
-            <a:off x="4698809" y="6334795"/>
+            <a:off x="4698808" y="3556323"/>
             <a:ext cx="1926277" cy="461665"/>
           </a:xfrm>
           <a:prstGeom prst="rect">

--- a/p_update.pptx
+++ b/p_update.pptx
@@ -281,7 +281,7 @@
           <a:p>
             <a:fld id="{AC0A374C-67DD-7B41-A977-89CB4768BCE6}" type="datetimeFigureOut">
               <a:rPr lang="en-US" smtClean="0"/>
-              <a:t>9/26/2022</a:t>
+              <a:t>9/27/2022</a:t>
             </a:fld>
             <a:endParaRPr lang="en-US"/>
           </a:p>
@@ -479,7 +479,7 @@
           <a:p>
             <a:fld id="{AC0A374C-67DD-7B41-A977-89CB4768BCE6}" type="datetimeFigureOut">
               <a:rPr lang="en-US" smtClean="0"/>
-              <a:t>9/26/2022</a:t>
+              <a:t>9/27/2022</a:t>
             </a:fld>
             <a:endParaRPr lang="en-US"/>
           </a:p>
@@ -687,7 +687,7 @@
           <a:p>
             <a:fld id="{AC0A374C-67DD-7B41-A977-89CB4768BCE6}" type="datetimeFigureOut">
               <a:rPr lang="en-US" smtClean="0"/>
-              <a:t>9/26/2022</a:t>
+              <a:t>9/27/2022</a:t>
             </a:fld>
             <a:endParaRPr lang="en-US"/>
           </a:p>
@@ -885,7 +885,7 @@
           <a:p>
             <a:fld id="{AC0A374C-67DD-7B41-A977-89CB4768BCE6}" type="datetimeFigureOut">
               <a:rPr lang="en-US" smtClean="0"/>
-              <a:t>9/26/2022</a:t>
+              <a:t>9/27/2022</a:t>
             </a:fld>
             <a:endParaRPr lang="en-US"/>
           </a:p>
@@ -1160,7 +1160,7 @@
           <a:p>
             <a:fld id="{AC0A374C-67DD-7B41-A977-89CB4768BCE6}" type="datetimeFigureOut">
               <a:rPr lang="en-US" smtClean="0"/>
-              <a:t>9/26/2022</a:t>
+              <a:t>9/27/2022</a:t>
             </a:fld>
             <a:endParaRPr lang="en-US"/>
           </a:p>
@@ -1425,7 +1425,7 @@
           <a:p>
             <a:fld id="{AC0A374C-67DD-7B41-A977-89CB4768BCE6}" type="datetimeFigureOut">
               <a:rPr lang="en-US" smtClean="0"/>
-              <a:t>9/26/2022</a:t>
+              <a:t>9/27/2022</a:t>
             </a:fld>
             <a:endParaRPr lang="en-US"/>
           </a:p>
@@ -1837,7 +1837,7 @@
           <a:p>
             <a:fld id="{AC0A374C-67DD-7B41-A977-89CB4768BCE6}" type="datetimeFigureOut">
               <a:rPr lang="en-US" smtClean="0"/>
-              <a:t>9/26/2022</a:t>
+              <a:t>9/27/2022</a:t>
             </a:fld>
             <a:endParaRPr lang="en-US"/>
           </a:p>
@@ -1978,7 +1978,7 @@
           <a:p>
             <a:fld id="{AC0A374C-67DD-7B41-A977-89CB4768BCE6}" type="datetimeFigureOut">
               <a:rPr lang="en-US" smtClean="0"/>
-              <a:t>9/26/2022</a:t>
+              <a:t>9/27/2022</a:t>
             </a:fld>
             <a:endParaRPr lang="en-US"/>
           </a:p>
@@ -2091,7 +2091,7 @@
           <a:p>
             <a:fld id="{AC0A374C-67DD-7B41-A977-89CB4768BCE6}" type="datetimeFigureOut">
               <a:rPr lang="en-US" smtClean="0"/>
-              <a:t>9/26/2022</a:t>
+              <a:t>9/27/2022</a:t>
             </a:fld>
             <a:endParaRPr lang="en-US"/>
           </a:p>
@@ -2402,7 +2402,7 @@
           <a:p>
             <a:fld id="{AC0A374C-67DD-7B41-A977-89CB4768BCE6}" type="datetimeFigureOut">
               <a:rPr lang="en-US" smtClean="0"/>
-              <a:t>9/26/2022</a:t>
+              <a:t>9/27/2022</a:t>
             </a:fld>
             <a:endParaRPr lang="en-US"/>
           </a:p>
@@ -2690,7 +2690,7 @@
           <a:p>
             <a:fld id="{AC0A374C-67DD-7B41-A977-89CB4768BCE6}" type="datetimeFigureOut">
               <a:rPr lang="en-US" smtClean="0"/>
-              <a:t>9/26/2022</a:t>
+              <a:t>9/27/2022</a:t>
             </a:fld>
             <a:endParaRPr lang="en-US"/>
           </a:p>
@@ -2931,7 +2931,7 @@
           <a:p>
             <a:fld id="{AC0A374C-67DD-7B41-A977-89CB4768BCE6}" type="datetimeFigureOut">
               <a:rPr lang="en-US" smtClean="0"/>
-              <a:t>9/26/2022</a:t>
+              <a:t>9/27/2022</a:t>
             </a:fld>
             <a:endParaRPr lang="en-US"/>
           </a:p>
@@ -13244,10 +13244,10 @@
       </p:pic>
       <p:pic>
         <p:nvPicPr>
-          <p:cNvPr id="3078" name="Picture 6">
+          <p:cNvPr id="3080" name="Picture 8">
             <a:extLst>
               <a:ext uri="{FF2B5EF4-FFF2-40B4-BE49-F238E27FC236}">
-                <a16:creationId xmlns:a16="http://schemas.microsoft.com/office/drawing/2014/main" id="{CD4DB955-F814-290E-CD8F-D30C33A3F609}"/>
+                <a16:creationId xmlns:a16="http://schemas.microsoft.com/office/drawing/2014/main" id="{C25FD497-4D9A-CCF8-CBF7-8B64DA57498B}"/>
               </a:ext>
             </a:extLst>
           </p:cNvPr>
@@ -13258,53 +13258,6 @@
         </p:nvPicPr>
         <p:blipFill>
           <a:blip r:embed="rId4">
-            <a:extLst>
-              <a:ext uri="{28A0092B-C50C-407E-A947-70E740481C1C}">
-                <a14:useLocalDpi xmlns:a14="http://schemas.microsoft.com/office/drawing/2010/main" val="0"/>
-              </a:ext>
-            </a:extLst>
-          </a:blip>
-          <a:srcRect/>
-          <a:stretch>
-            <a:fillRect/>
-          </a:stretch>
-        </p:blipFill>
-        <p:spPr bwMode="auto">
-          <a:xfrm>
-            <a:off x="0" y="680225"/>
-            <a:ext cx="3305627" cy="2551513"/>
-          </a:xfrm>
-          <a:prstGeom prst="rect">
-            <a:avLst/>
-          </a:prstGeom>
-          <a:noFill/>
-          <a:extLst>
-            <a:ext uri="{909E8E84-426E-40DD-AFC4-6F175D3DCCD1}">
-              <a14:hiddenFill xmlns:a14="http://schemas.microsoft.com/office/drawing/2010/main">
-                <a:solidFill>
-                  <a:srgbClr val="FFFFFF"/>
-                </a:solidFill>
-              </a14:hiddenFill>
-            </a:ext>
-          </a:extLst>
-        </p:spPr>
-      </p:pic>
-      <p:pic>
-        <p:nvPicPr>
-          <p:cNvPr id="3080" name="Picture 8">
-            <a:extLst>
-              <a:ext uri="{FF2B5EF4-FFF2-40B4-BE49-F238E27FC236}">
-                <a16:creationId xmlns:a16="http://schemas.microsoft.com/office/drawing/2014/main" id="{C25FD497-4D9A-CCF8-CBF7-8B64DA57498B}"/>
-              </a:ext>
-            </a:extLst>
-          </p:cNvPr>
-          <p:cNvPicPr>
-            <a:picLocks noChangeAspect="1" noChangeArrowheads="1"/>
-          </p:cNvPicPr>
-          <p:nvPr/>
-        </p:nvPicPr>
-        <p:blipFill>
-          <a:blip r:embed="rId5">
             <a:extLst>
               <a:ext uri="{28A0092B-C50C-407E-A947-70E740481C1C}">
                 <a14:useLocalDpi xmlns:a14="http://schemas.microsoft.com/office/drawing/2010/main" val="0"/>
@@ -13351,7 +13304,7 @@
           <p:nvPr/>
         </p:nvPicPr>
         <p:blipFill>
-          <a:blip r:embed="rId6">
+          <a:blip r:embed="rId5">
             <a:extLst>
               <a:ext uri="{28A0092B-C50C-407E-A947-70E740481C1C}">
                 <a14:useLocalDpi xmlns:a14="http://schemas.microsoft.com/office/drawing/2010/main" val="0"/>
@@ -13398,7 +13351,7 @@
           <p:nvPr/>
         </p:nvPicPr>
         <p:blipFill>
-          <a:blip r:embed="rId7">
+          <a:blip r:embed="rId6">
             <a:extLst>
               <a:ext uri="{28A0092B-C50C-407E-A947-70E740481C1C}">
                 <a14:useLocalDpi xmlns:a14="http://schemas.microsoft.com/office/drawing/2010/main" val="0"/>
@@ -13413,6 +13366,53 @@
         <p:spPr bwMode="auto">
           <a:xfrm>
             <a:off x="8581577" y="3995592"/>
+            <a:ext cx="3305628" cy="2551514"/>
+          </a:xfrm>
+          <a:prstGeom prst="rect">
+            <a:avLst/>
+          </a:prstGeom>
+          <a:noFill/>
+          <a:extLst>
+            <a:ext uri="{909E8E84-426E-40DD-AFC4-6F175D3DCCD1}">
+              <a14:hiddenFill xmlns:a14="http://schemas.microsoft.com/office/drawing/2010/main">
+                <a:solidFill>
+                  <a:srgbClr val="FFFFFF"/>
+                </a:solidFill>
+              </a14:hiddenFill>
+            </a:ext>
+          </a:extLst>
+        </p:spPr>
+      </p:pic>
+      <p:pic>
+        <p:nvPicPr>
+          <p:cNvPr id="1026" name="Picture 2">
+            <a:extLst>
+              <a:ext uri="{FF2B5EF4-FFF2-40B4-BE49-F238E27FC236}">
+                <a16:creationId xmlns:a16="http://schemas.microsoft.com/office/drawing/2014/main" id="{A615AF49-BE8B-84AE-BA9E-2E864E313019}"/>
+              </a:ext>
+            </a:extLst>
+          </p:cNvPr>
+          <p:cNvPicPr>
+            <a:picLocks noChangeAspect="1" noChangeArrowheads="1"/>
+          </p:cNvPicPr>
+          <p:nvPr/>
+        </p:nvPicPr>
+        <p:blipFill>
+          <a:blip r:embed="rId7">
+            <a:extLst>
+              <a:ext uri="{28A0092B-C50C-407E-A947-70E740481C1C}">
+                <a14:useLocalDpi xmlns:a14="http://schemas.microsoft.com/office/drawing/2010/main" val="0"/>
+              </a:ext>
+            </a:extLst>
+          </a:blip>
+          <a:srcRect/>
+          <a:stretch>
+            <a:fillRect/>
+          </a:stretch>
+        </p:blipFill>
+        <p:spPr bwMode="auto">
+          <a:xfrm>
+            <a:off x="84558" y="680227"/>
             <a:ext cx="3305628" cy="2551514"/>
           </a:xfrm>
           <a:prstGeom prst="rect">

--- a/p_update.pptx
+++ b/p_update.pptx
@@ -23,11 +23,12 @@
     <p:sldId id="268" r:id="rId17"/>
     <p:sldId id="269" r:id="rId18"/>
     <p:sldId id="271" r:id="rId19"/>
-    <p:sldId id="272" r:id="rId20"/>
-    <p:sldId id="273" r:id="rId21"/>
-    <p:sldId id="276" r:id="rId22"/>
-    <p:sldId id="274" r:id="rId23"/>
-    <p:sldId id="275" r:id="rId24"/>
+    <p:sldId id="302" r:id="rId20"/>
+    <p:sldId id="272" r:id="rId21"/>
+    <p:sldId id="273" r:id="rId22"/>
+    <p:sldId id="276" r:id="rId23"/>
+    <p:sldId id="274" r:id="rId24"/>
+    <p:sldId id="275" r:id="rId25"/>
   </p:sldIdLst>
   <p:sldSz cx="12192000" cy="6858000"/>
   <p:notesSz cx="6858000" cy="9144000"/>
@@ -281,7 +282,7 @@
           <a:p>
             <a:fld id="{AC0A374C-67DD-7B41-A977-89CB4768BCE6}" type="datetimeFigureOut">
               <a:rPr lang="en-US" smtClean="0"/>
-              <a:t>9/27/2022</a:t>
+              <a:t>9/29/2022</a:t>
             </a:fld>
             <a:endParaRPr lang="en-US"/>
           </a:p>
@@ -479,7 +480,7 @@
           <a:p>
             <a:fld id="{AC0A374C-67DD-7B41-A977-89CB4768BCE6}" type="datetimeFigureOut">
               <a:rPr lang="en-US" smtClean="0"/>
-              <a:t>9/27/2022</a:t>
+              <a:t>9/29/2022</a:t>
             </a:fld>
             <a:endParaRPr lang="en-US"/>
           </a:p>
@@ -687,7 +688,7 @@
           <a:p>
             <a:fld id="{AC0A374C-67DD-7B41-A977-89CB4768BCE6}" type="datetimeFigureOut">
               <a:rPr lang="en-US" smtClean="0"/>
-              <a:t>9/27/2022</a:t>
+              <a:t>9/29/2022</a:t>
             </a:fld>
             <a:endParaRPr lang="en-US"/>
           </a:p>
@@ -885,7 +886,7 @@
           <a:p>
             <a:fld id="{AC0A374C-67DD-7B41-A977-89CB4768BCE6}" type="datetimeFigureOut">
               <a:rPr lang="en-US" smtClean="0"/>
-              <a:t>9/27/2022</a:t>
+              <a:t>9/29/2022</a:t>
             </a:fld>
             <a:endParaRPr lang="en-US"/>
           </a:p>
@@ -1160,7 +1161,7 @@
           <a:p>
             <a:fld id="{AC0A374C-67DD-7B41-A977-89CB4768BCE6}" type="datetimeFigureOut">
               <a:rPr lang="en-US" smtClean="0"/>
-              <a:t>9/27/2022</a:t>
+              <a:t>9/29/2022</a:t>
             </a:fld>
             <a:endParaRPr lang="en-US"/>
           </a:p>
@@ -1425,7 +1426,7 @@
           <a:p>
             <a:fld id="{AC0A374C-67DD-7B41-A977-89CB4768BCE6}" type="datetimeFigureOut">
               <a:rPr lang="en-US" smtClean="0"/>
-              <a:t>9/27/2022</a:t>
+              <a:t>9/29/2022</a:t>
             </a:fld>
             <a:endParaRPr lang="en-US"/>
           </a:p>
@@ -1837,7 +1838,7 @@
           <a:p>
             <a:fld id="{AC0A374C-67DD-7B41-A977-89CB4768BCE6}" type="datetimeFigureOut">
               <a:rPr lang="en-US" smtClean="0"/>
-              <a:t>9/27/2022</a:t>
+              <a:t>9/29/2022</a:t>
             </a:fld>
             <a:endParaRPr lang="en-US"/>
           </a:p>
@@ -1978,7 +1979,7 @@
           <a:p>
             <a:fld id="{AC0A374C-67DD-7B41-A977-89CB4768BCE6}" type="datetimeFigureOut">
               <a:rPr lang="en-US" smtClean="0"/>
-              <a:t>9/27/2022</a:t>
+              <a:t>9/29/2022</a:t>
             </a:fld>
             <a:endParaRPr lang="en-US"/>
           </a:p>
@@ -2091,7 +2092,7 @@
           <a:p>
             <a:fld id="{AC0A374C-67DD-7B41-A977-89CB4768BCE6}" type="datetimeFigureOut">
               <a:rPr lang="en-US" smtClean="0"/>
-              <a:t>9/27/2022</a:t>
+              <a:t>9/29/2022</a:t>
             </a:fld>
             <a:endParaRPr lang="en-US"/>
           </a:p>
@@ -2402,7 +2403,7 @@
           <a:p>
             <a:fld id="{AC0A374C-67DD-7B41-A977-89CB4768BCE6}" type="datetimeFigureOut">
               <a:rPr lang="en-US" smtClean="0"/>
-              <a:t>9/27/2022</a:t>
+              <a:t>9/29/2022</a:t>
             </a:fld>
             <a:endParaRPr lang="en-US"/>
           </a:p>
@@ -2690,7 +2691,7 @@
           <a:p>
             <a:fld id="{AC0A374C-67DD-7B41-A977-89CB4768BCE6}" type="datetimeFigureOut">
               <a:rPr lang="en-US" smtClean="0"/>
-              <a:t>9/27/2022</a:t>
+              <a:t>9/29/2022</a:t>
             </a:fld>
             <a:endParaRPr lang="en-US"/>
           </a:p>
@@ -2931,7 +2932,7 @@
           <a:p>
             <a:fld id="{AC0A374C-67DD-7B41-A977-89CB4768BCE6}" type="datetimeFigureOut">
               <a:rPr lang="en-US" smtClean="0"/>
-              <a:t>9/27/2022</a:t>
+              <a:t>9/29/2022</a:t>
             </a:fld>
             <a:endParaRPr lang="en-US"/>
           </a:p>
@@ -12329,831 +12330,411 @@
           <a:chExt cx="0" cy="0"/>
         </a:xfrm>
       </p:grpSpPr>
-      <p:grpSp>
-        <p:nvGrpSpPr>
-          <p:cNvPr id="2" name="Group 1">
+      <p:sp>
+        <p:nvSpPr>
+          <p:cNvPr id="2" name="TextBox 1">
             <a:extLst>
               <a:ext uri="{FF2B5EF4-FFF2-40B4-BE49-F238E27FC236}">
-                <a16:creationId xmlns:a16="http://schemas.microsoft.com/office/drawing/2014/main" id="{48BB38F6-EE66-D025-0B25-0FE0898A75A9}"/>
+                <a16:creationId xmlns:a16="http://schemas.microsoft.com/office/drawing/2014/main" id="{8C007D34-9938-BDBF-DF90-F51D086DCD6E}"/>
               </a:ext>
             </a:extLst>
           </p:cNvPr>
-          <p:cNvGrpSpPr/>
+          <p:cNvSpPr txBox="1"/>
           <p:nvPr/>
-        </p:nvGrpSpPr>
-        <p:grpSpPr>
+        </p:nvSpPr>
+        <p:spPr>
           <a:xfrm>
             <a:off x="402443" y="128954"/>
-            <a:ext cx="11260168" cy="3673207"/>
-            <a:chOff x="402443" y="128954"/>
-            <a:chExt cx="11260168" cy="3673207"/>
+            <a:ext cx="1828800" cy="369332"/>
           </a:xfrm>
-        </p:grpSpPr>
-        <p:sp>
-          <p:nvSpPr>
-            <p:cNvPr id="3" name="TextBox 2">
-              <a:extLst>
-                <a:ext uri="{FF2B5EF4-FFF2-40B4-BE49-F238E27FC236}">
-                  <a16:creationId xmlns:a16="http://schemas.microsoft.com/office/drawing/2014/main" id="{845A49FA-FE14-09A5-F261-E31E1B9EB010}"/>
-                </a:ext>
-              </a:extLst>
-            </p:cNvPr>
-            <p:cNvSpPr txBox="1"/>
-            <p:nvPr/>
-          </p:nvSpPr>
-          <p:spPr>
-            <a:xfrm>
-              <a:off x="402443" y="128954"/>
-              <a:ext cx="1828800" cy="369332"/>
-            </a:xfrm>
-            <a:prstGeom prst="rect">
+          <a:prstGeom prst="rect">
+            <a:avLst/>
+          </a:prstGeom>
+          <a:noFill/>
+        </p:spPr>
+        <p:txBody>
+          <a:bodyPr rot="0" spcFirstLastPara="0" vert="horz" wrap="square" lIns="91440" tIns="45720" rIns="91440" bIns="45720" numCol="1" spcCol="0" rtlCol="0" fromWordArt="0" anchor="t" anchorCtr="0" forceAA="0" compatLnSpc="1">
+            <a:prstTxWarp prst="textNoShape">
               <a:avLst/>
-            </a:prstGeom>
-            <a:noFill/>
-          </p:spPr>
-          <p:txBody>
-            <a:bodyPr rot="0" spcFirstLastPara="0" vert="horz" wrap="square" lIns="91440" tIns="45720" rIns="91440" bIns="45720" numCol="1" spcCol="0" rtlCol="0" fromWordArt="0" anchor="t" anchorCtr="0" forceAA="0" compatLnSpc="1">
-              <a:prstTxWarp prst="textNoShape">
-                <a:avLst/>
-              </a:prstTxWarp>
-              <a:spAutoFit/>
-            </a:bodyPr>
-            <a:lstStyle>
-              <a:defPPr>
-                <a:defRPr lang="en-US"/>
-              </a:defPPr>
-              <a:lvl1pPr marL="0" algn="l" defTabSz="914400" rtl="0" eaLnBrk="1" latinLnBrk="0" hangingPunct="1">
-                <a:defRPr sz="1800" kern="1200">
-                  <a:solidFill>
-                    <a:schemeClr val="tx1"/>
-                  </a:solidFill>
-                  <a:latin typeface="+mn-lt"/>
-                  <a:ea typeface="+mn-ea"/>
-                  <a:cs typeface="+mn-cs"/>
-                </a:defRPr>
-              </a:lvl1pPr>
-              <a:lvl2pPr marL="457200" algn="l" defTabSz="914400" rtl="0" eaLnBrk="1" latinLnBrk="0" hangingPunct="1">
-                <a:defRPr sz="1800" kern="1200">
-                  <a:solidFill>
-                    <a:schemeClr val="tx1"/>
-                  </a:solidFill>
-                  <a:latin typeface="+mn-lt"/>
-                  <a:ea typeface="+mn-ea"/>
-                  <a:cs typeface="+mn-cs"/>
-                </a:defRPr>
-              </a:lvl2pPr>
-              <a:lvl3pPr marL="914400" algn="l" defTabSz="914400" rtl="0" eaLnBrk="1" latinLnBrk="0" hangingPunct="1">
-                <a:defRPr sz="1800" kern="1200">
-                  <a:solidFill>
-                    <a:schemeClr val="tx1"/>
-                  </a:solidFill>
-                  <a:latin typeface="+mn-lt"/>
-                  <a:ea typeface="+mn-ea"/>
-                  <a:cs typeface="+mn-cs"/>
-                </a:defRPr>
-              </a:lvl3pPr>
-              <a:lvl4pPr marL="1371600" algn="l" defTabSz="914400" rtl="0" eaLnBrk="1" latinLnBrk="0" hangingPunct="1">
-                <a:defRPr sz="1800" kern="1200">
-                  <a:solidFill>
-                    <a:schemeClr val="tx1"/>
-                  </a:solidFill>
-                  <a:latin typeface="+mn-lt"/>
-                  <a:ea typeface="+mn-ea"/>
-                  <a:cs typeface="+mn-cs"/>
-                </a:defRPr>
-              </a:lvl4pPr>
-              <a:lvl5pPr marL="1828800" algn="l" defTabSz="914400" rtl="0" eaLnBrk="1" latinLnBrk="0" hangingPunct="1">
-                <a:defRPr sz="1800" kern="1200">
-                  <a:solidFill>
-                    <a:schemeClr val="tx1"/>
-                  </a:solidFill>
-                  <a:latin typeface="+mn-lt"/>
-                  <a:ea typeface="+mn-ea"/>
-                  <a:cs typeface="+mn-cs"/>
-                </a:defRPr>
-              </a:lvl5pPr>
-              <a:lvl6pPr marL="2286000" algn="l" defTabSz="914400" rtl="0" eaLnBrk="1" latinLnBrk="0" hangingPunct="1">
-                <a:defRPr sz="1800" kern="1200">
-                  <a:solidFill>
-                    <a:schemeClr val="tx1"/>
-                  </a:solidFill>
-                  <a:latin typeface="+mn-lt"/>
-                  <a:ea typeface="+mn-ea"/>
-                  <a:cs typeface="+mn-cs"/>
-                </a:defRPr>
-              </a:lvl6pPr>
-              <a:lvl7pPr marL="2743200" algn="l" defTabSz="914400" rtl="0" eaLnBrk="1" latinLnBrk="0" hangingPunct="1">
-                <a:defRPr sz="1800" kern="1200">
-                  <a:solidFill>
-                    <a:schemeClr val="tx1"/>
-                  </a:solidFill>
-                  <a:latin typeface="+mn-lt"/>
-                  <a:ea typeface="+mn-ea"/>
-                  <a:cs typeface="+mn-cs"/>
-                </a:defRPr>
-              </a:lvl7pPr>
-              <a:lvl8pPr marL="3200400" algn="l" defTabSz="914400" rtl="0" eaLnBrk="1" latinLnBrk="0" hangingPunct="1">
-                <a:defRPr sz="1800" kern="1200">
-                  <a:solidFill>
-                    <a:schemeClr val="tx1"/>
-                  </a:solidFill>
-                  <a:latin typeface="+mn-lt"/>
-                  <a:ea typeface="+mn-ea"/>
-                  <a:cs typeface="+mn-cs"/>
-                </a:defRPr>
-              </a:lvl8pPr>
-              <a:lvl9pPr marL="3657600" algn="l" defTabSz="914400" rtl="0" eaLnBrk="1" latinLnBrk="0" hangingPunct="1">
-                <a:defRPr sz="1800" kern="1200">
-                  <a:solidFill>
-                    <a:schemeClr val="tx1"/>
-                  </a:solidFill>
-                  <a:latin typeface="+mn-lt"/>
-                  <a:ea typeface="+mn-ea"/>
-                  <a:cs typeface="+mn-cs"/>
-                </a:defRPr>
-              </a:lvl9pPr>
-            </a:lstStyle>
-            <a:p>
-              <a:pPr algn="l"/>
-              <a:r>
-                <a:rPr lang="en-US" dirty="0"/>
-                <a:t>1.0 1.0 2.6</a:t>
-              </a:r>
-            </a:p>
-          </p:txBody>
-        </p:sp>
-        <p:sp>
-          <p:nvSpPr>
-            <p:cNvPr id="4" name="TextBox 3">
-              <a:extLst>
-                <a:ext uri="{FF2B5EF4-FFF2-40B4-BE49-F238E27FC236}">
-                  <a16:creationId xmlns:a16="http://schemas.microsoft.com/office/drawing/2014/main" id="{5D9D32C1-EF01-6F19-2847-0465BD547108}"/>
-                </a:ext>
-              </a:extLst>
-            </p:cNvPr>
-            <p:cNvSpPr txBox="1"/>
-            <p:nvPr/>
-          </p:nvSpPr>
-          <p:spPr>
-            <a:xfrm>
-              <a:off x="5373372" y="128954"/>
-              <a:ext cx="1828800" cy="369332"/>
-            </a:xfrm>
-            <a:prstGeom prst="rect">
+            </a:prstTxWarp>
+            <a:spAutoFit/>
+          </a:bodyPr>
+          <a:lstStyle>
+            <a:defPPr>
+              <a:defRPr lang="en-US"/>
+            </a:defPPr>
+            <a:lvl1pPr marL="0" algn="l" defTabSz="914400" rtl="0" eaLnBrk="1" latinLnBrk="0" hangingPunct="1">
+              <a:defRPr sz="1800" kern="1200">
+                <a:solidFill>
+                  <a:schemeClr val="tx1"/>
+                </a:solidFill>
+                <a:latin typeface="+mn-lt"/>
+                <a:ea typeface="+mn-ea"/>
+                <a:cs typeface="+mn-cs"/>
+              </a:defRPr>
+            </a:lvl1pPr>
+            <a:lvl2pPr marL="457200" algn="l" defTabSz="914400" rtl="0" eaLnBrk="1" latinLnBrk="0" hangingPunct="1">
+              <a:defRPr sz="1800" kern="1200">
+                <a:solidFill>
+                  <a:schemeClr val="tx1"/>
+                </a:solidFill>
+                <a:latin typeface="+mn-lt"/>
+                <a:ea typeface="+mn-ea"/>
+                <a:cs typeface="+mn-cs"/>
+              </a:defRPr>
+            </a:lvl2pPr>
+            <a:lvl3pPr marL="914400" algn="l" defTabSz="914400" rtl="0" eaLnBrk="1" latinLnBrk="0" hangingPunct="1">
+              <a:defRPr sz="1800" kern="1200">
+                <a:solidFill>
+                  <a:schemeClr val="tx1"/>
+                </a:solidFill>
+                <a:latin typeface="+mn-lt"/>
+                <a:ea typeface="+mn-ea"/>
+                <a:cs typeface="+mn-cs"/>
+              </a:defRPr>
+            </a:lvl3pPr>
+            <a:lvl4pPr marL="1371600" algn="l" defTabSz="914400" rtl="0" eaLnBrk="1" latinLnBrk="0" hangingPunct="1">
+              <a:defRPr sz="1800" kern="1200">
+                <a:solidFill>
+                  <a:schemeClr val="tx1"/>
+                </a:solidFill>
+                <a:latin typeface="+mn-lt"/>
+                <a:ea typeface="+mn-ea"/>
+                <a:cs typeface="+mn-cs"/>
+              </a:defRPr>
+            </a:lvl4pPr>
+            <a:lvl5pPr marL="1828800" algn="l" defTabSz="914400" rtl="0" eaLnBrk="1" latinLnBrk="0" hangingPunct="1">
+              <a:defRPr sz="1800" kern="1200">
+                <a:solidFill>
+                  <a:schemeClr val="tx1"/>
+                </a:solidFill>
+                <a:latin typeface="+mn-lt"/>
+                <a:ea typeface="+mn-ea"/>
+                <a:cs typeface="+mn-cs"/>
+              </a:defRPr>
+            </a:lvl5pPr>
+            <a:lvl6pPr marL="2286000" algn="l" defTabSz="914400" rtl="0" eaLnBrk="1" latinLnBrk="0" hangingPunct="1">
+              <a:defRPr sz="1800" kern="1200">
+                <a:solidFill>
+                  <a:schemeClr val="tx1"/>
+                </a:solidFill>
+                <a:latin typeface="+mn-lt"/>
+                <a:ea typeface="+mn-ea"/>
+                <a:cs typeface="+mn-cs"/>
+              </a:defRPr>
+            </a:lvl6pPr>
+            <a:lvl7pPr marL="2743200" algn="l" defTabSz="914400" rtl="0" eaLnBrk="1" latinLnBrk="0" hangingPunct="1">
+              <a:defRPr sz="1800" kern="1200">
+                <a:solidFill>
+                  <a:schemeClr val="tx1"/>
+                </a:solidFill>
+                <a:latin typeface="+mn-lt"/>
+                <a:ea typeface="+mn-ea"/>
+                <a:cs typeface="+mn-cs"/>
+              </a:defRPr>
+            </a:lvl7pPr>
+            <a:lvl8pPr marL="3200400" algn="l" defTabSz="914400" rtl="0" eaLnBrk="1" latinLnBrk="0" hangingPunct="1">
+              <a:defRPr sz="1800" kern="1200">
+                <a:solidFill>
+                  <a:schemeClr val="tx1"/>
+                </a:solidFill>
+                <a:latin typeface="+mn-lt"/>
+                <a:ea typeface="+mn-ea"/>
+                <a:cs typeface="+mn-cs"/>
+              </a:defRPr>
+            </a:lvl8pPr>
+            <a:lvl9pPr marL="3657600" algn="l" defTabSz="914400" rtl="0" eaLnBrk="1" latinLnBrk="0" hangingPunct="1">
+              <a:defRPr sz="1800" kern="1200">
+                <a:solidFill>
+                  <a:schemeClr val="tx1"/>
+                </a:solidFill>
+                <a:latin typeface="+mn-lt"/>
+                <a:ea typeface="+mn-ea"/>
+                <a:cs typeface="+mn-cs"/>
+              </a:defRPr>
+            </a:lvl9pPr>
+          </a:lstStyle>
+          <a:p>
+            <a:pPr algn="l"/>
+            <a:r>
+              <a:rPr lang="en-US" dirty="0"/>
+              <a:t>1.0 1.0 2.2</a:t>
+            </a:r>
+          </a:p>
+        </p:txBody>
+      </p:sp>
+      <p:sp>
+        <p:nvSpPr>
+          <p:cNvPr id="3" name="TextBox 2">
+            <a:extLst>
+              <a:ext uri="{FF2B5EF4-FFF2-40B4-BE49-F238E27FC236}">
+                <a16:creationId xmlns:a16="http://schemas.microsoft.com/office/drawing/2014/main" id="{F3A37A45-A755-6C8D-1004-7E4A2CF90C09}"/>
+              </a:ext>
+            </a:extLst>
+          </p:cNvPr>
+          <p:cNvSpPr txBox="1"/>
+          <p:nvPr/>
+        </p:nvSpPr>
+        <p:spPr>
+          <a:xfrm>
+            <a:off x="5373372" y="128954"/>
+            <a:ext cx="1828800" cy="369332"/>
+          </a:xfrm>
+          <a:prstGeom prst="rect">
+            <a:avLst/>
+          </a:prstGeom>
+          <a:noFill/>
+        </p:spPr>
+        <p:txBody>
+          <a:bodyPr rot="0" spcFirstLastPara="0" vert="horz" wrap="square" lIns="91440" tIns="45720" rIns="91440" bIns="45720" numCol="1" spcCol="0" rtlCol="0" fromWordArt="0" anchor="t" anchorCtr="0" forceAA="0" compatLnSpc="1">
+            <a:prstTxWarp prst="textNoShape">
               <a:avLst/>
-            </a:prstGeom>
-            <a:noFill/>
-          </p:spPr>
-          <p:txBody>
-            <a:bodyPr rot="0" spcFirstLastPara="0" vert="horz" wrap="square" lIns="91440" tIns="45720" rIns="91440" bIns="45720" numCol="1" spcCol="0" rtlCol="0" fromWordArt="0" anchor="t" anchorCtr="0" forceAA="0" compatLnSpc="1">
-              <a:prstTxWarp prst="textNoShape">
-                <a:avLst/>
-              </a:prstTxWarp>
-              <a:spAutoFit/>
-            </a:bodyPr>
-            <a:lstStyle>
-              <a:defPPr>
-                <a:defRPr lang="en-US"/>
-              </a:defPPr>
-              <a:lvl1pPr marL="0" algn="l" defTabSz="914400" rtl="0" eaLnBrk="1" latinLnBrk="0" hangingPunct="1">
-                <a:defRPr sz="1800" kern="1200">
-                  <a:solidFill>
-                    <a:schemeClr val="tx1"/>
-                  </a:solidFill>
-                  <a:latin typeface="+mn-lt"/>
-                  <a:ea typeface="+mn-ea"/>
-                  <a:cs typeface="+mn-cs"/>
-                </a:defRPr>
-              </a:lvl1pPr>
-              <a:lvl2pPr marL="457200" algn="l" defTabSz="914400" rtl="0" eaLnBrk="1" latinLnBrk="0" hangingPunct="1">
-                <a:defRPr sz="1800" kern="1200">
-                  <a:solidFill>
-                    <a:schemeClr val="tx1"/>
-                  </a:solidFill>
-                  <a:latin typeface="+mn-lt"/>
-                  <a:ea typeface="+mn-ea"/>
-                  <a:cs typeface="+mn-cs"/>
-                </a:defRPr>
-              </a:lvl2pPr>
-              <a:lvl3pPr marL="914400" algn="l" defTabSz="914400" rtl="0" eaLnBrk="1" latinLnBrk="0" hangingPunct="1">
-                <a:defRPr sz="1800" kern="1200">
-                  <a:solidFill>
-                    <a:schemeClr val="tx1"/>
-                  </a:solidFill>
-                  <a:latin typeface="+mn-lt"/>
-                  <a:ea typeface="+mn-ea"/>
-                  <a:cs typeface="+mn-cs"/>
-                </a:defRPr>
-              </a:lvl3pPr>
-              <a:lvl4pPr marL="1371600" algn="l" defTabSz="914400" rtl="0" eaLnBrk="1" latinLnBrk="0" hangingPunct="1">
-                <a:defRPr sz="1800" kern="1200">
-                  <a:solidFill>
-                    <a:schemeClr val="tx1"/>
-                  </a:solidFill>
-                  <a:latin typeface="+mn-lt"/>
-                  <a:ea typeface="+mn-ea"/>
-                  <a:cs typeface="+mn-cs"/>
-                </a:defRPr>
-              </a:lvl4pPr>
-              <a:lvl5pPr marL="1828800" algn="l" defTabSz="914400" rtl="0" eaLnBrk="1" latinLnBrk="0" hangingPunct="1">
-                <a:defRPr sz="1800" kern="1200">
-                  <a:solidFill>
-                    <a:schemeClr val="tx1"/>
-                  </a:solidFill>
-                  <a:latin typeface="+mn-lt"/>
-                  <a:ea typeface="+mn-ea"/>
-                  <a:cs typeface="+mn-cs"/>
-                </a:defRPr>
-              </a:lvl5pPr>
-              <a:lvl6pPr marL="2286000" algn="l" defTabSz="914400" rtl="0" eaLnBrk="1" latinLnBrk="0" hangingPunct="1">
-                <a:defRPr sz="1800" kern="1200">
-                  <a:solidFill>
-                    <a:schemeClr val="tx1"/>
-                  </a:solidFill>
-                  <a:latin typeface="+mn-lt"/>
-                  <a:ea typeface="+mn-ea"/>
-                  <a:cs typeface="+mn-cs"/>
-                </a:defRPr>
-              </a:lvl6pPr>
-              <a:lvl7pPr marL="2743200" algn="l" defTabSz="914400" rtl="0" eaLnBrk="1" latinLnBrk="0" hangingPunct="1">
-                <a:defRPr sz="1800" kern="1200">
-                  <a:solidFill>
-                    <a:schemeClr val="tx1"/>
-                  </a:solidFill>
-                  <a:latin typeface="+mn-lt"/>
-                  <a:ea typeface="+mn-ea"/>
-                  <a:cs typeface="+mn-cs"/>
-                </a:defRPr>
-              </a:lvl7pPr>
-              <a:lvl8pPr marL="3200400" algn="l" defTabSz="914400" rtl="0" eaLnBrk="1" latinLnBrk="0" hangingPunct="1">
-                <a:defRPr sz="1800" kern="1200">
-                  <a:solidFill>
-                    <a:schemeClr val="tx1"/>
-                  </a:solidFill>
-                  <a:latin typeface="+mn-lt"/>
-                  <a:ea typeface="+mn-ea"/>
-                  <a:cs typeface="+mn-cs"/>
-                </a:defRPr>
-              </a:lvl8pPr>
-              <a:lvl9pPr marL="3657600" algn="l" defTabSz="914400" rtl="0" eaLnBrk="1" latinLnBrk="0" hangingPunct="1">
-                <a:defRPr sz="1800" kern="1200">
-                  <a:solidFill>
-                    <a:schemeClr val="tx1"/>
-                  </a:solidFill>
-                  <a:latin typeface="+mn-lt"/>
-                  <a:ea typeface="+mn-ea"/>
-                  <a:cs typeface="+mn-cs"/>
-                </a:defRPr>
-              </a:lvl9pPr>
-            </a:lstStyle>
-            <a:p>
-              <a:pPr algn="l"/>
-              <a:r>
-                <a:rPr lang="en-US" dirty="0"/>
-                <a:t>1.0 1.0 2.8</a:t>
-              </a:r>
-            </a:p>
-          </p:txBody>
-        </p:sp>
-        <p:sp>
-          <p:nvSpPr>
-            <p:cNvPr id="5" name="TextBox 4">
-              <a:extLst>
-                <a:ext uri="{FF2B5EF4-FFF2-40B4-BE49-F238E27FC236}">
-                  <a16:creationId xmlns:a16="http://schemas.microsoft.com/office/drawing/2014/main" id="{A6F07378-5FEC-51FB-FA5B-BA2FB65C7880}"/>
-                </a:ext>
-              </a:extLst>
-            </p:cNvPr>
-            <p:cNvSpPr txBox="1"/>
-            <p:nvPr/>
-          </p:nvSpPr>
-          <p:spPr>
-            <a:xfrm>
-              <a:off x="9833811" y="128954"/>
-              <a:ext cx="1828800" cy="369332"/>
-            </a:xfrm>
-            <a:prstGeom prst="rect">
+            </a:prstTxWarp>
+            <a:spAutoFit/>
+          </a:bodyPr>
+          <a:lstStyle>
+            <a:defPPr>
+              <a:defRPr lang="en-US"/>
+            </a:defPPr>
+            <a:lvl1pPr marL="0" algn="l" defTabSz="914400" rtl="0" eaLnBrk="1" latinLnBrk="0" hangingPunct="1">
+              <a:defRPr sz="1800" kern="1200">
+                <a:solidFill>
+                  <a:schemeClr val="tx1"/>
+                </a:solidFill>
+                <a:latin typeface="+mn-lt"/>
+                <a:ea typeface="+mn-ea"/>
+                <a:cs typeface="+mn-cs"/>
+              </a:defRPr>
+            </a:lvl1pPr>
+            <a:lvl2pPr marL="457200" algn="l" defTabSz="914400" rtl="0" eaLnBrk="1" latinLnBrk="0" hangingPunct="1">
+              <a:defRPr sz="1800" kern="1200">
+                <a:solidFill>
+                  <a:schemeClr val="tx1"/>
+                </a:solidFill>
+                <a:latin typeface="+mn-lt"/>
+                <a:ea typeface="+mn-ea"/>
+                <a:cs typeface="+mn-cs"/>
+              </a:defRPr>
+            </a:lvl2pPr>
+            <a:lvl3pPr marL="914400" algn="l" defTabSz="914400" rtl="0" eaLnBrk="1" latinLnBrk="0" hangingPunct="1">
+              <a:defRPr sz="1800" kern="1200">
+                <a:solidFill>
+                  <a:schemeClr val="tx1"/>
+                </a:solidFill>
+                <a:latin typeface="+mn-lt"/>
+                <a:ea typeface="+mn-ea"/>
+                <a:cs typeface="+mn-cs"/>
+              </a:defRPr>
+            </a:lvl3pPr>
+            <a:lvl4pPr marL="1371600" algn="l" defTabSz="914400" rtl="0" eaLnBrk="1" latinLnBrk="0" hangingPunct="1">
+              <a:defRPr sz="1800" kern="1200">
+                <a:solidFill>
+                  <a:schemeClr val="tx1"/>
+                </a:solidFill>
+                <a:latin typeface="+mn-lt"/>
+                <a:ea typeface="+mn-ea"/>
+                <a:cs typeface="+mn-cs"/>
+              </a:defRPr>
+            </a:lvl4pPr>
+            <a:lvl5pPr marL="1828800" algn="l" defTabSz="914400" rtl="0" eaLnBrk="1" latinLnBrk="0" hangingPunct="1">
+              <a:defRPr sz="1800" kern="1200">
+                <a:solidFill>
+                  <a:schemeClr val="tx1"/>
+                </a:solidFill>
+                <a:latin typeface="+mn-lt"/>
+                <a:ea typeface="+mn-ea"/>
+                <a:cs typeface="+mn-cs"/>
+              </a:defRPr>
+            </a:lvl5pPr>
+            <a:lvl6pPr marL="2286000" algn="l" defTabSz="914400" rtl="0" eaLnBrk="1" latinLnBrk="0" hangingPunct="1">
+              <a:defRPr sz="1800" kern="1200">
+                <a:solidFill>
+                  <a:schemeClr val="tx1"/>
+                </a:solidFill>
+                <a:latin typeface="+mn-lt"/>
+                <a:ea typeface="+mn-ea"/>
+                <a:cs typeface="+mn-cs"/>
+              </a:defRPr>
+            </a:lvl6pPr>
+            <a:lvl7pPr marL="2743200" algn="l" defTabSz="914400" rtl="0" eaLnBrk="1" latinLnBrk="0" hangingPunct="1">
+              <a:defRPr sz="1800" kern="1200">
+                <a:solidFill>
+                  <a:schemeClr val="tx1"/>
+                </a:solidFill>
+                <a:latin typeface="+mn-lt"/>
+                <a:ea typeface="+mn-ea"/>
+                <a:cs typeface="+mn-cs"/>
+              </a:defRPr>
+            </a:lvl7pPr>
+            <a:lvl8pPr marL="3200400" algn="l" defTabSz="914400" rtl="0" eaLnBrk="1" latinLnBrk="0" hangingPunct="1">
+              <a:defRPr sz="1800" kern="1200">
+                <a:solidFill>
+                  <a:schemeClr val="tx1"/>
+                </a:solidFill>
+                <a:latin typeface="+mn-lt"/>
+                <a:ea typeface="+mn-ea"/>
+                <a:cs typeface="+mn-cs"/>
+              </a:defRPr>
+            </a:lvl8pPr>
+            <a:lvl9pPr marL="3657600" algn="l" defTabSz="914400" rtl="0" eaLnBrk="1" latinLnBrk="0" hangingPunct="1">
+              <a:defRPr sz="1800" kern="1200">
+                <a:solidFill>
+                  <a:schemeClr val="tx1"/>
+                </a:solidFill>
+                <a:latin typeface="+mn-lt"/>
+                <a:ea typeface="+mn-ea"/>
+                <a:cs typeface="+mn-cs"/>
+              </a:defRPr>
+            </a:lvl9pPr>
+          </a:lstStyle>
+          <a:p>
+            <a:pPr algn="l"/>
+            <a:r>
+              <a:rPr lang="en-US" dirty="0"/>
+              <a:t>1.0 1.0 </a:t>
+            </a:r>
+          </a:p>
+        </p:txBody>
+      </p:sp>
+      <p:sp>
+        <p:nvSpPr>
+          <p:cNvPr id="4" name="TextBox 3">
+            <a:extLst>
+              <a:ext uri="{FF2B5EF4-FFF2-40B4-BE49-F238E27FC236}">
+                <a16:creationId xmlns:a16="http://schemas.microsoft.com/office/drawing/2014/main" id="{58527F87-CE59-731F-AA63-8DA38523242C}"/>
+              </a:ext>
+            </a:extLst>
+          </p:cNvPr>
+          <p:cNvSpPr txBox="1"/>
+          <p:nvPr/>
+        </p:nvSpPr>
+        <p:spPr>
+          <a:xfrm>
+            <a:off x="9833811" y="128954"/>
+            <a:ext cx="1828800" cy="369332"/>
+          </a:xfrm>
+          <a:prstGeom prst="rect">
+            <a:avLst/>
+          </a:prstGeom>
+          <a:noFill/>
+        </p:spPr>
+        <p:txBody>
+          <a:bodyPr rot="0" spcFirstLastPara="0" vert="horz" wrap="square" lIns="91440" tIns="45720" rIns="91440" bIns="45720" numCol="1" spcCol="0" rtlCol="0" fromWordArt="0" anchor="t" anchorCtr="0" forceAA="0" compatLnSpc="1">
+            <a:prstTxWarp prst="textNoShape">
               <a:avLst/>
-            </a:prstGeom>
-            <a:noFill/>
-          </p:spPr>
-          <p:txBody>
-            <a:bodyPr rot="0" spcFirstLastPara="0" vert="horz" wrap="square" lIns="91440" tIns="45720" rIns="91440" bIns="45720" numCol="1" spcCol="0" rtlCol="0" fromWordArt="0" anchor="t" anchorCtr="0" forceAA="0" compatLnSpc="1">
-              <a:prstTxWarp prst="textNoShape">
-                <a:avLst/>
-              </a:prstTxWarp>
-              <a:spAutoFit/>
-            </a:bodyPr>
-            <a:lstStyle>
-              <a:defPPr>
-                <a:defRPr lang="en-US"/>
-              </a:defPPr>
-              <a:lvl1pPr marL="0" algn="l" defTabSz="914400" rtl="0" eaLnBrk="1" latinLnBrk="0" hangingPunct="1">
-                <a:defRPr sz="1800" kern="1200">
-                  <a:solidFill>
-                    <a:schemeClr val="tx1"/>
-                  </a:solidFill>
-                  <a:latin typeface="+mn-lt"/>
-                  <a:ea typeface="+mn-ea"/>
-                  <a:cs typeface="+mn-cs"/>
-                </a:defRPr>
-              </a:lvl1pPr>
-              <a:lvl2pPr marL="457200" algn="l" defTabSz="914400" rtl="0" eaLnBrk="1" latinLnBrk="0" hangingPunct="1">
-                <a:defRPr sz="1800" kern="1200">
-                  <a:solidFill>
-                    <a:schemeClr val="tx1"/>
-                  </a:solidFill>
-                  <a:latin typeface="+mn-lt"/>
-                  <a:ea typeface="+mn-ea"/>
-                  <a:cs typeface="+mn-cs"/>
-                </a:defRPr>
-              </a:lvl2pPr>
-              <a:lvl3pPr marL="914400" algn="l" defTabSz="914400" rtl="0" eaLnBrk="1" latinLnBrk="0" hangingPunct="1">
-                <a:defRPr sz="1800" kern="1200">
-                  <a:solidFill>
-                    <a:schemeClr val="tx1"/>
-                  </a:solidFill>
-                  <a:latin typeface="+mn-lt"/>
-                  <a:ea typeface="+mn-ea"/>
-                  <a:cs typeface="+mn-cs"/>
-                </a:defRPr>
-              </a:lvl3pPr>
-              <a:lvl4pPr marL="1371600" algn="l" defTabSz="914400" rtl="0" eaLnBrk="1" latinLnBrk="0" hangingPunct="1">
-                <a:defRPr sz="1800" kern="1200">
-                  <a:solidFill>
-                    <a:schemeClr val="tx1"/>
-                  </a:solidFill>
-                  <a:latin typeface="+mn-lt"/>
-                  <a:ea typeface="+mn-ea"/>
-                  <a:cs typeface="+mn-cs"/>
-                </a:defRPr>
-              </a:lvl4pPr>
-              <a:lvl5pPr marL="1828800" algn="l" defTabSz="914400" rtl="0" eaLnBrk="1" latinLnBrk="0" hangingPunct="1">
-                <a:defRPr sz="1800" kern="1200">
-                  <a:solidFill>
-                    <a:schemeClr val="tx1"/>
-                  </a:solidFill>
-                  <a:latin typeface="+mn-lt"/>
-                  <a:ea typeface="+mn-ea"/>
-                  <a:cs typeface="+mn-cs"/>
-                </a:defRPr>
-              </a:lvl5pPr>
-              <a:lvl6pPr marL="2286000" algn="l" defTabSz="914400" rtl="0" eaLnBrk="1" latinLnBrk="0" hangingPunct="1">
-                <a:defRPr sz="1800" kern="1200">
-                  <a:solidFill>
-                    <a:schemeClr val="tx1"/>
-                  </a:solidFill>
-                  <a:latin typeface="+mn-lt"/>
-                  <a:ea typeface="+mn-ea"/>
-                  <a:cs typeface="+mn-cs"/>
-                </a:defRPr>
-              </a:lvl6pPr>
-              <a:lvl7pPr marL="2743200" algn="l" defTabSz="914400" rtl="0" eaLnBrk="1" latinLnBrk="0" hangingPunct="1">
-                <a:defRPr sz="1800" kern="1200">
-                  <a:solidFill>
-                    <a:schemeClr val="tx1"/>
-                  </a:solidFill>
-                  <a:latin typeface="+mn-lt"/>
-                  <a:ea typeface="+mn-ea"/>
-                  <a:cs typeface="+mn-cs"/>
-                </a:defRPr>
-              </a:lvl7pPr>
-              <a:lvl8pPr marL="3200400" algn="l" defTabSz="914400" rtl="0" eaLnBrk="1" latinLnBrk="0" hangingPunct="1">
-                <a:defRPr sz="1800" kern="1200">
-                  <a:solidFill>
-                    <a:schemeClr val="tx1"/>
-                  </a:solidFill>
-                  <a:latin typeface="+mn-lt"/>
-                  <a:ea typeface="+mn-ea"/>
-                  <a:cs typeface="+mn-cs"/>
-                </a:defRPr>
-              </a:lvl8pPr>
-              <a:lvl9pPr marL="3657600" algn="l" defTabSz="914400" rtl="0" eaLnBrk="1" latinLnBrk="0" hangingPunct="1">
-                <a:defRPr sz="1800" kern="1200">
-                  <a:solidFill>
-                    <a:schemeClr val="tx1"/>
-                  </a:solidFill>
-                  <a:latin typeface="+mn-lt"/>
-                  <a:ea typeface="+mn-ea"/>
-                  <a:cs typeface="+mn-cs"/>
-                </a:defRPr>
-              </a:lvl9pPr>
-            </a:lstStyle>
-            <a:p>
-              <a:pPr algn="l"/>
-              <a:r>
-                <a:rPr lang="en-US" dirty="0"/>
-                <a:t>1.0 1.0 3.0</a:t>
-              </a:r>
-            </a:p>
-          </p:txBody>
-        </p:sp>
-        <p:sp>
-          <p:nvSpPr>
-            <p:cNvPr id="6" name="TextBox 5">
-              <a:extLst>
-                <a:ext uri="{FF2B5EF4-FFF2-40B4-BE49-F238E27FC236}">
-                  <a16:creationId xmlns:a16="http://schemas.microsoft.com/office/drawing/2014/main" id="{EDE81B5E-1582-EC75-D7DF-078074CEBE61}"/>
-                </a:ext>
-              </a:extLst>
-            </p:cNvPr>
-            <p:cNvSpPr txBox="1"/>
-            <p:nvPr/>
-          </p:nvSpPr>
-          <p:spPr>
-            <a:xfrm>
-              <a:off x="402443" y="3429000"/>
-              <a:ext cx="1828800" cy="369332"/>
-            </a:xfrm>
-            <a:prstGeom prst="rect">
-              <a:avLst/>
-            </a:prstGeom>
-            <a:noFill/>
-          </p:spPr>
-          <p:txBody>
-            <a:bodyPr rot="0" spcFirstLastPara="0" vert="horz" wrap="square" lIns="91440" tIns="45720" rIns="91440" bIns="45720" numCol="1" spcCol="0" rtlCol="0" fromWordArt="0" anchor="t" anchorCtr="0" forceAA="0" compatLnSpc="1">
-              <a:prstTxWarp prst="textNoShape">
-                <a:avLst/>
-              </a:prstTxWarp>
-              <a:spAutoFit/>
-            </a:bodyPr>
-            <a:lstStyle>
-              <a:defPPr>
-                <a:defRPr lang="en-US"/>
-              </a:defPPr>
-              <a:lvl1pPr marL="0" algn="l" defTabSz="914400" rtl="0" eaLnBrk="1" latinLnBrk="0" hangingPunct="1">
-                <a:defRPr sz="1800" kern="1200">
-                  <a:solidFill>
-                    <a:schemeClr val="tx1"/>
-                  </a:solidFill>
-                  <a:latin typeface="+mn-lt"/>
-                  <a:ea typeface="+mn-ea"/>
-                  <a:cs typeface="+mn-cs"/>
-                </a:defRPr>
-              </a:lvl1pPr>
-              <a:lvl2pPr marL="457200" algn="l" defTabSz="914400" rtl="0" eaLnBrk="1" latinLnBrk="0" hangingPunct="1">
-                <a:defRPr sz="1800" kern="1200">
-                  <a:solidFill>
-                    <a:schemeClr val="tx1"/>
-                  </a:solidFill>
-                  <a:latin typeface="+mn-lt"/>
-                  <a:ea typeface="+mn-ea"/>
-                  <a:cs typeface="+mn-cs"/>
-                </a:defRPr>
-              </a:lvl2pPr>
-              <a:lvl3pPr marL="914400" algn="l" defTabSz="914400" rtl="0" eaLnBrk="1" latinLnBrk="0" hangingPunct="1">
-                <a:defRPr sz="1800" kern="1200">
-                  <a:solidFill>
-                    <a:schemeClr val="tx1"/>
-                  </a:solidFill>
-                  <a:latin typeface="+mn-lt"/>
-                  <a:ea typeface="+mn-ea"/>
-                  <a:cs typeface="+mn-cs"/>
-                </a:defRPr>
-              </a:lvl3pPr>
-              <a:lvl4pPr marL="1371600" algn="l" defTabSz="914400" rtl="0" eaLnBrk="1" latinLnBrk="0" hangingPunct="1">
-                <a:defRPr sz="1800" kern="1200">
-                  <a:solidFill>
-                    <a:schemeClr val="tx1"/>
-                  </a:solidFill>
-                  <a:latin typeface="+mn-lt"/>
-                  <a:ea typeface="+mn-ea"/>
-                  <a:cs typeface="+mn-cs"/>
-                </a:defRPr>
-              </a:lvl4pPr>
-              <a:lvl5pPr marL="1828800" algn="l" defTabSz="914400" rtl="0" eaLnBrk="1" latinLnBrk="0" hangingPunct="1">
-                <a:defRPr sz="1800" kern="1200">
-                  <a:solidFill>
-                    <a:schemeClr val="tx1"/>
-                  </a:solidFill>
-                  <a:latin typeface="+mn-lt"/>
-                  <a:ea typeface="+mn-ea"/>
-                  <a:cs typeface="+mn-cs"/>
-                </a:defRPr>
-              </a:lvl5pPr>
-              <a:lvl6pPr marL="2286000" algn="l" defTabSz="914400" rtl="0" eaLnBrk="1" latinLnBrk="0" hangingPunct="1">
-                <a:defRPr sz="1800" kern="1200">
-                  <a:solidFill>
-                    <a:schemeClr val="tx1"/>
-                  </a:solidFill>
-                  <a:latin typeface="+mn-lt"/>
-                  <a:ea typeface="+mn-ea"/>
-                  <a:cs typeface="+mn-cs"/>
-                </a:defRPr>
-              </a:lvl6pPr>
-              <a:lvl7pPr marL="2743200" algn="l" defTabSz="914400" rtl="0" eaLnBrk="1" latinLnBrk="0" hangingPunct="1">
-                <a:defRPr sz="1800" kern="1200">
-                  <a:solidFill>
-                    <a:schemeClr val="tx1"/>
-                  </a:solidFill>
-                  <a:latin typeface="+mn-lt"/>
-                  <a:ea typeface="+mn-ea"/>
-                  <a:cs typeface="+mn-cs"/>
-                </a:defRPr>
-              </a:lvl7pPr>
-              <a:lvl8pPr marL="3200400" algn="l" defTabSz="914400" rtl="0" eaLnBrk="1" latinLnBrk="0" hangingPunct="1">
-                <a:defRPr sz="1800" kern="1200">
-                  <a:solidFill>
-                    <a:schemeClr val="tx1"/>
-                  </a:solidFill>
-                  <a:latin typeface="+mn-lt"/>
-                  <a:ea typeface="+mn-ea"/>
-                  <a:cs typeface="+mn-cs"/>
-                </a:defRPr>
-              </a:lvl8pPr>
-              <a:lvl9pPr marL="3657600" algn="l" defTabSz="914400" rtl="0" eaLnBrk="1" latinLnBrk="0" hangingPunct="1">
-                <a:defRPr sz="1800" kern="1200">
-                  <a:solidFill>
-                    <a:schemeClr val="tx1"/>
-                  </a:solidFill>
-                  <a:latin typeface="+mn-lt"/>
-                  <a:ea typeface="+mn-ea"/>
-                  <a:cs typeface="+mn-cs"/>
-                </a:defRPr>
-              </a:lvl9pPr>
-            </a:lstStyle>
-            <a:p>
-              <a:pPr algn="l"/>
-              <a:r>
-                <a:rPr lang="en-US" dirty="0"/>
-                <a:t>1.2 1.0 2.6</a:t>
-              </a:r>
-            </a:p>
-          </p:txBody>
-        </p:sp>
-        <p:sp>
-          <p:nvSpPr>
-            <p:cNvPr id="7" name="TextBox 6">
-              <a:extLst>
-                <a:ext uri="{FF2B5EF4-FFF2-40B4-BE49-F238E27FC236}">
-                  <a16:creationId xmlns:a16="http://schemas.microsoft.com/office/drawing/2014/main" id="{8AFEFB7E-E7A3-B721-5F37-5257754932E1}"/>
-                </a:ext>
-              </a:extLst>
-            </p:cNvPr>
-            <p:cNvSpPr txBox="1"/>
-            <p:nvPr/>
-          </p:nvSpPr>
-          <p:spPr>
-            <a:xfrm>
-              <a:off x="5277158" y="3432829"/>
-              <a:ext cx="1828800" cy="369332"/>
-            </a:xfrm>
-            <a:prstGeom prst="rect">
-              <a:avLst/>
-            </a:prstGeom>
-            <a:noFill/>
-          </p:spPr>
-          <p:txBody>
-            <a:bodyPr rot="0" spcFirstLastPara="0" vert="horz" wrap="square" lIns="91440" tIns="45720" rIns="91440" bIns="45720" numCol="1" spcCol="0" rtlCol="0" fromWordArt="0" anchor="t" anchorCtr="0" forceAA="0" compatLnSpc="1">
-              <a:prstTxWarp prst="textNoShape">
-                <a:avLst/>
-              </a:prstTxWarp>
-              <a:spAutoFit/>
-            </a:bodyPr>
-            <a:lstStyle>
-              <a:defPPr>
-                <a:defRPr lang="en-US"/>
-              </a:defPPr>
-              <a:lvl1pPr marL="0" algn="l" defTabSz="914400" rtl="0" eaLnBrk="1" latinLnBrk="0" hangingPunct="1">
-                <a:defRPr sz="1800" kern="1200">
-                  <a:solidFill>
-                    <a:schemeClr val="tx1"/>
-                  </a:solidFill>
-                  <a:latin typeface="+mn-lt"/>
-                  <a:ea typeface="+mn-ea"/>
-                  <a:cs typeface="+mn-cs"/>
-                </a:defRPr>
-              </a:lvl1pPr>
-              <a:lvl2pPr marL="457200" algn="l" defTabSz="914400" rtl="0" eaLnBrk="1" latinLnBrk="0" hangingPunct="1">
-                <a:defRPr sz="1800" kern="1200">
-                  <a:solidFill>
-                    <a:schemeClr val="tx1"/>
-                  </a:solidFill>
-                  <a:latin typeface="+mn-lt"/>
-                  <a:ea typeface="+mn-ea"/>
-                  <a:cs typeface="+mn-cs"/>
-                </a:defRPr>
-              </a:lvl2pPr>
-              <a:lvl3pPr marL="914400" algn="l" defTabSz="914400" rtl="0" eaLnBrk="1" latinLnBrk="0" hangingPunct="1">
-                <a:defRPr sz="1800" kern="1200">
-                  <a:solidFill>
-                    <a:schemeClr val="tx1"/>
-                  </a:solidFill>
-                  <a:latin typeface="+mn-lt"/>
-                  <a:ea typeface="+mn-ea"/>
-                  <a:cs typeface="+mn-cs"/>
-                </a:defRPr>
-              </a:lvl3pPr>
-              <a:lvl4pPr marL="1371600" algn="l" defTabSz="914400" rtl="0" eaLnBrk="1" latinLnBrk="0" hangingPunct="1">
-                <a:defRPr sz="1800" kern="1200">
-                  <a:solidFill>
-                    <a:schemeClr val="tx1"/>
-                  </a:solidFill>
-                  <a:latin typeface="+mn-lt"/>
-                  <a:ea typeface="+mn-ea"/>
-                  <a:cs typeface="+mn-cs"/>
-                </a:defRPr>
-              </a:lvl4pPr>
-              <a:lvl5pPr marL="1828800" algn="l" defTabSz="914400" rtl="0" eaLnBrk="1" latinLnBrk="0" hangingPunct="1">
-                <a:defRPr sz="1800" kern="1200">
-                  <a:solidFill>
-                    <a:schemeClr val="tx1"/>
-                  </a:solidFill>
-                  <a:latin typeface="+mn-lt"/>
-                  <a:ea typeface="+mn-ea"/>
-                  <a:cs typeface="+mn-cs"/>
-                </a:defRPr>
-              </a:lvl5pPr>
-              <a:lvl6pPr marL="2286000" algn="l" defTabSz="914400" rtl="0" eaLnBrk="1" latinLnBrk="0" hangingPunct="1">
-                <a:defRPr sz="1800" kern="1200">
-                  <a:solidFill>
-                    <a:schemeClr val="tx1"/>
-                  </a:solidFill>
-                  <a:latin typeface="+mn-lt"/>
-                  <a:ea typeface="+mn-ea"/>
-                  <a:cs typeface="+mn-cs"/>
-                </a:defRPr>
-              </a:lvl6pPr>
-              <a:lvl7pPr marL="2743200" algn="l" defTabSz="914400" rtl="0" eaLnBrk="1" latinLnBrk="0" hangingPunct="1">
-                <a:defRPr sz="1800" kern="1200">
-                  <a:solidFill>
-                    <a:schemeClr val="tx1"/>
-                  </a:solidFill>
-                  <a:latin typeface="+mn-lt"/>
-                  <a:ea typeface="+mn-ea"/>
-                  <a:cs typeface="+mn-cs"/>
-                </a:defRPr>
-              </a:lvl7pPr>
-              <a:lvl8pPr marL="3200400" algn="l" defTabSz="914400" rtl="0" eaLnBrk="1" latinLnBrk="0" hangingPunct="1">
-                <a:defRPr sz="1800" kern="1200">
-                  <a:solidFill>
-                    <a:schemeClr val="tx1"/>
-                  </a:solidFill>
-                  <a:latin typeface="+mn-lt"/>
-                  <a:ea typeface="+mn-ea"/>
-                  <a:cs typeface="+mn-cs"/>
-                </a:defRPr>
-              </a:lvl8pPr>
-              <a:lvl9pPr marL="3657600" algn="l" defTabSz="914400" rtl="0" eaLnBrk="1" latinLnBrk="0" hangingPunct="1">
-                <a:defRPr sz="1800" kern="1200">
-                  <a:solidFill>
-                    <a:schemeClr val="tx1"/>
-                  </a:solidFill>
-                  <a:latin typeface="+mn-lt"/>
-                  <a:ea typeface="+mn-ea"/>
-                  <a:cs typeface="+mn-cs"/>
-                </a:defRPr>
-              </a:lvl9pPr>
-            </a:lstStyle>
-            <a:p>
-              <a:pPr algn="l"/>
-              <a:r>
-                <a:rPr lang="en-US" dirty="0"/>
-                <a:t>1.2 1.0 2.8</a:t>
-              </a:r>
-            </a:p>
-          </p:txBody>
-        </p:sp>
-        <p:sp>
-          <p:nvSpPr>
-            <p:cNvPr id="8" name="TextBox 7">
-              <a:extLst>
-                <a:ext uri="{FF2B5EF4-FFF2-40B4-BE49-F238E27FC236}">
-                  <a16:creationId xmlns:a16="http://schemas.microsoft.com/office/drawing/2014/main" id="{99ACF886-60CC-BF53-BEC8-D996B9591742}"/>
-                </a:ext>
-              </a:extLst>
-            </p:cNvPr>
-            <p:cNvSpPr txBox="1"/>
-            <p:nvPr/>
-          </p:nvSpPr>
-          <p:spPr>
-            <a:xfrm>
-              <a:off x="9833811" y="3429000"/>
-              <a:ext cx="1828800" cy="369332"/>
-            </a:xfrm>
-            <a:prstGeom prst="rect">
-              <a:avLst/>
-            </a:prstGeom>
-            <a:noFill/>
-          </p:spPr>
-          <p:txBody>
-            <a:bodyPr rot="0" spcFirstLastPara="0" vert="horz" wrap="square" lIns="91440" tIns="45720" rIns="91440" bIns="45720" numCol="1" spcCol="0" rtlCol="0" fromWordArt="0" anchor="t" anchorCtr="0" forceAA="0" compatLnSpc="1">
-              <a:prstTxWarp prst="textNoShape">
-                <a:avLst/>
-              </a:prstTxWarp>
-              <a:spAutoFit/>
-            </a:bodyPr>
-            <a:lstStyle>
-              <a:defPPr>
-                <a:defRPr lang="en-US"/>
-              </a:defPPr>
-              <a:lvl1pPr marL="0" algn="l" defTabSz="914400" rtl="0" eaLnBrk="1" latinLnBrk="0" hangingPunct="1">
-                <a:defRPr sz="1800" kern="1200">
-                  <a:solidFill>
-                    <a:schemeClr val="tx1"/>
-                  </a:solidFill>
-                  <a:latin typeface="+mn-lt"/>
-                  <a:ea typeface="+mn-ea"/>
-                  <a:cs typeface="+mn-cs"/>
-                </a:defRPr>
-              </a:lvl1pPr>
-              <a:lvl2pPr marL="457200" algn="l" defTabSz="914400" rtl="0" eaLnBrk="1" latinLnBrk="0" hangingPunct="1">
-                <a:defRPr sz="1800" kern="1200">
-                  <a:solidFill>
-                    <a:schemeClr val="tx1"/>
-                  </a:solidFill>
-                  <a:latin typeface="+mn-lt"/>
-                  <a:ea typeface="+mn-ea"/>
-                  <a:cs typeface="+mn-cs"/>
-                </a:defRPr>
-              </a:lvl2pPr>
-              <a:lvl3pPr marL="914400" algn="l" defTabSz="914400" rtl="0" eaLnBrk="1" latinLnBrk="0" hangingPunct="1">
-                <a:defRPr sz="1800" kern="1200">
-                  <a:solidFill>
-                    <a:schemeClr val="tx1"/>
-                  </a:solidFill>
-                  <a:latin typeface="+mn-lt"/>
-                  <a:ea typeface="+mn-ea"/>
-                  <a:cs typeface="+mn-cs"/>
-                </a:defRPr>
-              </a:lvl3pPr>
-              <a:lvl4pPr marL="1371600" algn="l" defTabSz="914400" rtl="0" eaLnBrk="1" latinLnBrk="0" hangingPunct="1">
-                <a:defRPr sz="1800" kern="1200">
-                  <a:solidFill>
-                    <a:schemeClr val="tx1"/>
-                  </a:solidFill>
-                  <a:latin typeface="+mn-lt"/>
-                  <a:ea typeface="+mn-ea"/>
-                  <a:cs typeface="+mn-cs"/>
-                </a:defRPr>
-              </a:lvl4pPr>
-              <a:lvl5pPr marL="1828800" algn="l" defTabSz="914400" rtl="0" eaLnBrk="1" latinLnBrk="0" hangingPunct="1">
-                <a:defRPr sz="1800" kern="1200">
-                  <a:solidFill>
-                    <a:schemeClr val="tx1"/>
-                  </a:solidFill>
-                  <a:latin typeface="+mn-lt"/>
-                  <a:ea typeface="+mn-ea"/>
-                  <a:cs typeface="+mn-cs"/>
-                </a:defRPr>
-              </a:lvl5pPr>
-              <a:lvl6pPr marL="2286000" algn="l" defTabSz="914400" rtl="0" eaLnBrk="1" latinLnBrk="0" hangingPunct="1">
-                <a:defRPr sz="1800" kern="1200">
-                  <a:solidFill>
-                    <a:schemeClr val="tx1"/>
-                  </a:solidFill>
-                  <a:latin typeface="+mn-lt"/>
-                  <a:ea typeface="+mn-ea"/>
-                  <a:cs typeface="+mn-cs"/>
-                </a:defRPr>
-              </a:lvl6pPr>
-              <a:lvl7pPr marL="2743200" algn="l" defTabSz="914400" rtl="0" eaLnBrk="1" latinLnBrk="0" hangingPunct="1">
-                <a:defRPr sz="1800" kern="1200">
-                  <a:solidFill>
-                    <a:schemeClr val="tx1"/>
-                  </a:solidFill>
-                  <a:latin typeface="+mn-lt"/>
-                  <a:ea typeface="+mn-ea"/>
-                  <a:cs typeface="+mn-cs"/>
-                </a:defRPr>
-              </a:lvl7pPr>
-              <a:lvl8pPr marL="3200400" algn="l" defTabSz="914400" rtl="0" eaLnBrk="1" latinLnBrk="0" hangingPunct="1">
-                <a:defRPr sz="1800" kern="1200">
-                  <a:solidFill>
-                    <a:schemeClr val="tx1"/>
-                  </a:solidFill>
-                  <a:latin typeface="+mn-lt"/>
-                  <a:ea typeface="+mn-ea"/>
-                  <a:cs typeface="+mn-cs"/>
-                </a:defRPr>
-              </a:lvl8pPr>
-              <a:lvl9pPr marL="3657600" algn="l" defTabSz="914400" rtl="0" eaLnBrk="1" latinLnBrk="0" hangingPunct="1">
-                <a:defRPr sz="1800" kern="1200">
-                  <a:solidFill>
-                    <a:schemeClr val="tx1"/>
-                  </a:solidFill>
-                  <a:latin typeface="+mn-lt"/>
-                  <a:ea typeface="+mn-ea"/>
-                  <a:cs typeface="+mn-cs"/>
-                </a:defRPr>
-              </a:lvl9pPr>
-            </a:lstStyle>
-            <a:p>
-              <a:pPr algn="l"/>
-              <a:r>
-                <a:rPr lang="en-US" dirty="0"/>
-                <a:t>1.2 1.0 3.0</a:t>
-              </a:r>
-            </a:p>
-          </p:txBody>
-        </p:sp>
-      </p:grpSp>
+            </a:prstTxWarp>
+            <a:spAutoFit/>
+          </a:bodyPr>
+          <a:lstStyle>
+            <a:defPPr>
+              <a:defRPr lang="en-US"/>
+            </a:defPPr>
+            <a:lvl1pPr marL="0" algn="l" defTabSz="914400" rtl="0" eaLnBrk="1" latinLnBrk="0" hangingPunct="1">
+              <a:defRPr sz="1800" kern="1200">
+                <a:solidFill>
+                  <a:schemeClr val="tx1"/>
+                </a:solidFill>
+                <a:latin typeface="+mn-lt"/>
+                <a:ea typeface="+mn-ea"/>
+                <a:cs typeface="+mn-cs"/>
+              </a:defRPr>
+            </a:lvl1pPr>
+            <a:lvl2pPr marL="457200" algn="l" defTabSz="914400" rtl="0" eaLnBrk="1" latinLnBrk="0" hangingPunct="1">
+              <a:defRPr sz="1800" kern="1200">
+                <a:solidFill>
+                  <a:schemeClr val="tx1"/>
+                </a:solidFill>
+                <a:latin typeface="+mn-lt"/>
+                <a:ea typeface="+mn-ea"/>
+                <a:cs typeface="+mn-cs"/>
+              </a:defRPr>
+            </a:lvl2pPr>
+            <a:lvl3pPr marL="914400" algn="l" defTabSz="914400" rtl="0" eaLnBrk="1" latinLnBrk="0" hangingPunct="1">
+              <a:defRPr sz="1800" kern="1200">
+                <a:solidFill>
+                  <a:schemeClr val="tx1"/>
+                </a:solidFill>
+                <a:latin typeface="+mn-lt"/>
+                <a:ea typeface="+mn-ea"/>
+                <a:cs typeface="+mn-cs"/>
+              </a:defRPr>
+            </a:lvl3pPr>
+            <a:lvl4pPr marL="1371600" algn="l" defTabSz="914400" rtl="0" eaLnBrk="1" latinLnBrk="0" hangingPunct="1">
+              <a:defRPr sz="1800" kern="1200">
+                <a:solidFill>
+                  <a:schemeClr val="tx1"/>
+                </a:solidFill>
+                <a:latin typeface="+mn-lt"/>
+                <a:ea typeface="+mn-ea"/>
+                <a:cs typeface="+mn-cs"/>
+              </a:defRPr>
+            </a:lvl4pPr>
+            <a:lvl5pPr marL="1828800" algn="l" defTabSz="914400" rtl="0" eaLnBrk="1" latinLnBrk="0" hangingPunct="1">
+              <a:defRPr sz="1800" kern="1200">
+                <a:solidFill>
+                  <a:schemeClr val="tx1"/>
+                </a:solidFill>
+                <a:latin typeface="+mn-lt"/>
+                <a:ea typeface="+mn-ea"/>
+                <a:cs typeface="+mn-cs"/>
+              </a:defRPr>
+            </a:lvl5pPr>
+            <a:lvl6pPr marL="2286000" algn="l" defTabSz="914400" rtl="0" eaLnBrk="1" latinLnBrk="0" hangingPunct="1">
+              <a:defRPr sz="1800" kern="1200">
+                <a:solidFill>
+                  <a:schemeClr val="tx1"/>
+                </a:solidFill>
+                <a:latin typeface="+mn-lt"/>
+                <a:ea typeface="+mn-ea"/>
+                <a:cs typeface="+mn-cs"/>
+              </a:defRPr>
+            </a:lvl6pPr>
+            <a:lvl7pPr marL="2743200" algn="l" defTabSz="914400" rtl="0" eaLnBrk="1" latinLnBrk="0" hangingPunct="1">
+              <a:defRPr sz="1800" kern="1200">
+                <a:solidFill>
+                  <a:schemeClr val="tx1"/>
+                </a:solidFill>
+                <a:latin typeface="+mn-lt"/>
+                <a:ea typeface="+mn-ea"/>
+                <a:cs typeface="+mn-cs"/>
+              </a:defRPr>
+            </a:lvl7pPr>
+            <a:lvl8pPr marL="3200400" algn="l" defTabSz="914400" rtl="0" eaLnBrk="1" latinLnBrk="0" hangingPunct="1">
+              <a:defRPr sz="1800" kern="1200">
+                <a:solidFill>
+                  <a:schemeClr val="tx1"/>
+                </a:solidFill>
+                <a:latin typeface="+mn-lt"/>
+                <a:ea typeface="+mn-ea"/>
+                <a:cs typeface="+mn-cs"/>
+              </a:defRPr>
+            </a:lvl8pPr>
+            <a:lvl9pPr marL="3657600" algn="l" defTabSz="914400" rtl="0" eaLnBrk="1" latinLnBrk="0" hangingPunct="1">
+              <a:defRPr sz="1800" kern="1200">
+                <a:solidFill>
+                  <a:schemeClr val="tx1"/>
+                </a:solidFill>
+                <a:latin typeface="+mn-lt"/>
+                <a:ea typeface="+mn-ea"/>
+                <a:cs typeface="+mn-cs"/>
+              </a:defRPr>
+            </a:lvl9pPr>
+          </a:lstStyle>
+          <a:p>
+            <a:pPr algn="l"/>
+            <a:r>
+              <a:rPr lang="en-US" dirty="0"/>
+              <a:t>1.0 1.0 2.6</a:t>
+            </a:r>
+          </a:p>
+        </p:txBody>
+      </p:sp>
       <p:pic>
         <p:nvPicPr>
-          <p:cNvPr id="3074" name="Picture 2">
+          <p:cNvPr id="2050" name="Picture 2">
             <a:extLst>
               <a:ext uri="{FF2B5EF4-FFF2-40B4-BE49-F238E27FC236}">
-                <a16:creationId xmlns:a16="http://schemas.microsoft.com/office/drawing/2014/main" id="{5240911C-D0A4-2238-3BAD-D311E2462E56}"/>
+                <a16:creationId xmlns:a16="http://schemas.microsoft.com/office/drawing/2014/main" id="{832587E6-C45D-88F2-CD8A-B29F29A0B7E7}"/>
               </a:ext>
             </a:extLst>
           </p:cNvPr>
@@ -13177,8 +12758,8 @@
         </p:blipFill>
         <p:spPr bwMode="auto">
           <a:xfrm>
-            <a:off x="8581577" y="680228"/>
-            <a:ext cx="3305624" cy="2551511"/>
+            <a:off x="193508" y="786553"/>
+            <a:ext cx="3722801" cy="2954505"/>
           </a:xfrm>
           <a:prstGeom prst="rect">
             <a:avLst/>
@@ -13197,10 +12778,10 @@
       </p:pic>
       <p:pic>
         <p:nvPicPr>
-          <p:cNvPr id="3076" name="Picture 4">
+          <p:cNvPr id="5" name="Picture 4">
             <a:extLst>
               <a:ext uri="{FF2B5EF4-FFF2-40B4-BE49-F238E27FC236}">
-                <a16:creationId xmlns:a16="http://schemas.microsoft.com/office/drawing/2014/main" id="{40375453-B6D3-5883-0528-2825712855DB}"/>
+                <a16:creationId xmlns:a16="http://schemas.microsoft.com/office/drawing/2014/main" id="{85D748BF-1940-6D6F-A7E3-F009D2CCD4C2}"/>
               </a:ext>
             </a:extLst>
           </p:cNvPr>
@@ -13224,8 +12805,8 @@
         </p:blipFill>
         <p:spPr bwMode="auto">
           <a:xfrm>
-            <a:off x="4268370" y="680227"/>
-            <a:ext cx="3305624" cy="2551511"/>
+            <a:off x="8469199" y="786553"/>
+            <a:ext cx="3722801" cy="2954504"/>
           </a:xfrm>
           <a:prstGeom prst="rect">
             <a:avLst/>
@@ -13242,12 +12823,411 @@
           </a:extLst>
         </p:spPr>
       </p:pic>
+      <p:sp>
+        <p:nvSpPr>
+          <p:cNvPr id="6" name="TextBox 5">
+            <a:extLst>
+              <a:ext uri="{FF2B5EF4-FFF2-40B4-BE49-F238E27FC236}">
+                <a16:creationId xmlns:a16="http://schemas.microsoft.com/office/drawing/2014/main" id="{1C7A5545-BC7D-9A00-0B8D-F97078B5045F}"/>
+              </a:ext>
+            </a:extLst>
+          </p:cNvPr>
+          <p:cNvSpPr txBox="1"/>
+          <p:nvPr/>
+        </p:nvSpPr>
+        <p:spPr>
+          <a:xfrm>
+            <a:off x="402443" y="3884947"/>
+            <a:ext cx="1828800" cy="369332"/>
+          </a:xfrm>
+          <a:prstGeom prst="rect">
+            <a:avLst/>
+          </a:prstGeom>
+          <a:noFill/>
+        </p:spPr>
+        <p:txBody>
+          <a:bodyPr rot="0" spcFirstLastPara="0" vert="horz" wrap="square" lIns="91440" tIns="45720" rIns="91440" bIns="45720" numCol="1" spcCol="0" rtlCol="0" fromWordArt="0" anchor="t" anchorCtr="0" forceAA="0" compatLnSpc="1">
+            <a:prstTxWarp prst="textNoShape">
+              <a:avLst/>
+            </a:prstTxWarp>
+            <a:spAutoFit/>
+          </a:bodyPr>
+          <a:lstStyle>
+            <a:defPPr>
+              <a:defRPr lang="en-US"/>
+            </a:defPPr>
+            <a:lvl1pPr marL="0" algn="l" defTabSz="914400" rtl="0" eaLnBrk="1" latinLnBrk="0" hangingPunct="1">
+              <a:defRPr sz="1800" kern="1200">
+                <a:solidFill>
+                  <a:schemeClr val="tx1"/>
+                </a:solidFill>
+                <a:latin typeface="+mn-lt"/>
+                <a:ea typeface="+mn-ea"/>
+                <a:cs typeface="+mn-cs"/>
+              </a:defRPr>
+            </a:lvl1pPr>
+            <a:lvl2pPr marL="457200" algn="l" defTabSz="914400" rtl="0" eaLnBrk="1" latinLnBrk="0" hangingPunct="1">
+              <a:defRPr sz="1800" kern="1200">
+                <a:solidFill>
+                  <a:schemeClr val="tx1"/>
+                </a:solidFill>
+                <a:latin typeface="+mn-lt"/>
+                <a:ea typeface="+mn-ea"/>
+                <a:cs typeface="+mn-cs"/>
+              </a:defRPr>
+            </a:lvl2pPr>
+            <a:lvl3pPr marL="914400" algn="l" defTabSz="914400" rtl="0" eaLnBrk="1" latinLnBrk="0" hangingPunct="1">
+              <a:defRPr sz="1800" kern="1200">
+                <a:solidFill>
+                  <a:schemeClr val="tx1"/>
+                </a:solidFill>
+                <a:latin typeface="+mn-lt"/>
+                <a:ea typeface="+mn-ea"/>
+                <a:cs typeface="+mn-cs"/>
+              </a:defRPr>
+            </a:lvl3pPr>
+            <a:lvl4pPr marL="1371600" algn="l" defTabSz="914400" rtl="0" eaLnBrk="1" latinLnBrk="0" hangingPunct="1">
+              <a:defRPr sz="1800" kern="1200">
+                <a:solidFill>
+                  <a:schemeClr val="tx1"/>
+                </a:solidFill>
+                <a:latin typeface="+mn-lt"/>
+                <a:ea typeface="+mn-ea"/>
+                <a:cs typeface="+mn-cs"/>
+              </a:defRPr>
+            </a:lvl4pPr>
+            <a:lvl5pPr marL="1828800" algn="l" defTabSz="914400" rtl="0" eaLnBrk="1" latinLnBrk="0" hangingPunct="1">
+              <a:defRPr sz="1800" kern="1200">
+                <a:solidFill>
+                  <a:schemeClr val="tx1"/>
+                </a:solidFill>
+                <a:latin typeface="+mn-lt"/>
+                <a:ea typeface="+mn-ea"/>
+                <a:cs typeface="+mn-cs"/>
+              </a:defRPr>
+            </a:lvl5pPr>
+            <a:lvl6pPr marL="2286000" algn="l" defTabSz="914400" rtl="0" eaLnBrk="1" latinLnBrk="0" hangingPunct="1">
+              <a:defRPr sz="1800" kern="1200">
+                <a:solidFill>
+                  <a:schemeClr val="tx1"/>
+                </a:solidFill>
+                <a:latin typeface="+mn-lt"/>
+                <a:ea typeface="+mn-ea"/>
+                <a:cs typeface="+mn-cs"/>
+              </a:defRPr>
+            </a:lvl6pPr>
+            <a:lvl7pPr marL="2743200" algn="l" defTabSz="914400" rtl="0" eaLnBrk="1" latinLnBrk="0" hangingPunct="1">
+              <a:defRPr sz="1800" kern="1200">
+                <a:solidFill>
+                  <a:schemeClr val="tx1"/>
+                </a:solidFill>
+                <a:latin typeface="+mn-lt"/>
+                <a:ea typeface="+mn-ea"/>
+                <a:cs typeface="+mn-cs"/>
+              </a:defRPr>
+            </a:lvl7pPr>
+            <a:lvl8pPr marL="3200400" algn="l" defTabSz="914400" rtl="0" eaLnBrk="1" latinLnBrk="0" hangingPunct="1">
+              <a:defRPr sz="1800" kern="1200">
+                <a:solidFill>
+                  <a:schemeClr val="tx1"/>
+                </a:solidFill>
+                <a:latin typeface="+mn-lt"/>
+                <a:ea typeface="+mn-ea"/>
+                <a:cs typeface="+mn-cs"/>
+              </a:defRPr>
+            </a:lvl8pPr>
+            <a:lvl9pPr marL="3657600" algn="l" defTabSz="914400" rtl="0" eaLnBrk="1" latinLnBrk="0" hangingPunct="1">
+              <a:defRPr sz="1800" kern="1200">
+                <a:solidFill>
+                  <a:schemeClr val="tx1"/>
+                </a:solidFill>
+                <a:latin typeface="+mn-lt"/>
+                <a:ea typeface="+mn-ea"/>
+                <a:cs typeface="+mn-cs"/>
+              </a:defRPr>
+            </a:lvl9pPr>
+          </a:lstStyle>
+          <a:p>
+            <a:pPr algn="l"/>
+            <a:r>
+              <a:rPr lang="en-US" dirty="0"/>
+              <a:t>1.2 1.0 2.4</a:t>
+            </a:r>
+          </a:p>
+        </p:txBody>
+      </p:sp>
+      <p:sp>
+        <p:nvSpPr>
+          <p:cNvPr id="7" name="TextBox 6">
+            <a:extLst>
+              <a:ext uri="{FF2B5EF4-FFF2-40B4-BE49-F238E27FC236}">
+                <a16:creationId xmlns:a16="http://schemas.microsoft.com/office/drawing/2014/main" id="{9546BBB5-EC88-BBC6-07BD-1D4AA5398A93}"/>
+              </a:ext>
+            </a:extLst>
+          </p:cNvPr>
+          <p:cNvSpPr txBox="1"/>
+          <p:nvPr/>
+        </p:nvSpPr>
+        <p:spPr>
+          <a:xfrm>
+            <a:off x="5373372" y="3884947"/>
+            <a:ext cx="1828800" cy="369332"/>
+          </a:xfrm>
+          <a:prstGeom prst="rect">
+            <a:avLst/>
+          </a:prstGeom>
+          <a:noFill/>
+        </p:spPr>
+        <p:txBody>
+          <a:bodyPr rot="0" spcFirstLastPara="0" vert="horz" wrap="square" lIns="91440" tIns="45720" rIns="91440" bIns="45720" numCol="1" spcCol="0" rtlCol="0" fromWordArt="0" anchor="t" anchorCtr="0" forceAA="0" compatLnSpc="1">
+            <a:prstTxWarp prst="textNoShape">
+              <a:avLst/>
+            </a:prstTxWarp>
+            <a:spAutoFit/>
+          </a:bodyPr>
+          <a:lstStyle>
+            <a:defPPr>
+              <a:defRPr lang="en-US"/>
+            </a:defPPr>
+            <a:lvl1pPr marL="0" algn="l" defTabSz="914400" rtl="0" eaLnBrk="1" latinLnBrk="0" hangingPunct="1">
+              <a:defRPr sz="1800" kern="1200">
+                <a:solidFill>
+                  <a:schemeClr val="tx1"/>
+                </a:solidFill>
+                <a:latin typeface="+mn-lt"/>
+                <a:ea typeface="+mn-ea"/>
+                <a:cs typeface="+mn-cs"/>
+              </a:defRPr>
+            </a:lvl1pPr>
+            <a:lvl2pPr marL="457200" algn="l" defTabSz="914400" rtl="0" eaLnBrk="1" latinLnBrk="0" hangingPunct="1">
+              <a:defRPr sz="1800" kern="1200">
+                <a:solidFill>
+                  <a:schemeClr val="tx1"/>
+                </a:solidFill>
+                <a:latin typeface="+mn-lt"/>
+                <a:ea typeface="+mn-ea"/>
+                <a:cs typeface="+mn-cs"/>
+              </a:defRPr>
+            </a:lvl2pPr>
+            <a:lvl3pPr marL="914400" algn="l" defTabSz="914400" rtl="0" eaLnBrk="1" latinLnBrk="0" hangingPunct="1">
+              <a:defRPr sz="1800" kern="1200">
+                <a:solidFill>
+                  <a:schemeClr val="tx1"/>
+                </a:solidFill>
+                <a:latin typeface="+mn-lt"/>
+                <a:ea typeface="+mn-ea"/>
+                <a:cs typeface="+mn-cs"/>
+              </a:defRPr>
+            </a:lvl3pPr>
+            <a:lvl4pPr marL="1371600" algn="l" defTabSz="914400" rtl="0" eaLnBrk="1" latinLnBrk="0" hangingPunct="1">
+              <a:defRPr sz="1800" kern="1200">
+                <a:solidFill>
+                  <a:schemeClr val="tx1"/>
+                </a:solidFill>
+                <a:latin typeface="+mn-lt"/>
+                <a:ea typeface="+mn-ea"/>
+                <a:cs typeface="+mn-cs"/>
+              </a:defRPr>
+            </a:lvl4pPr>
+            <a:lvl5pPr marL="1828800" algn="l" defTabSz="914400" rtl="0" eaLnBrk="1" latinLnBrk="0" hangingPunct="1">
+              <a:defRPr sz="1800" kern="1200">
+                <a:solidFill>
+                  <a:schemeClr val="tx1"/>
+                </a:solidFill>
+                <a:latin typeface="+mn-lt"/>
+                <a:ea typeface="+mn-ea"/>
+                <a:cs typeface="+mn-cs"/>
+              </a:defRPr>
+            </a:lvl5pPr>
+            <a:lvl6pPr marL="2286000" algn="l" defTabSz="914400" rtl="0" eaLnBrk="1" latinLnBrk="0" hangingPunct="1">
+              <a:defRPr sz="1800" kern="1200">
+                <a:solidFill>
+                  <a:schemeClr val="tx1"/>
+                </a:solidFill>
+                <a:latin typeface="+mn-lt"/>
+                <a:ea typeface="+mn-ea"/>
+                <a:cs typeface="+mn-cs"/>
+              </a:defRPr>
+            </a:lvl6pPr>
+            <a:lvl7pPr marL="2743200" algn="l" defTabSz="914400" rtl="0" eaLnBrk="1" latinLnBrk="0" hangingPunct="1">
+              <a:defRPr sz="1800" kern="1200">
+                <a:solidFill>
+                  <a:schemeClr val="tx1"/>
+                </a:solidFill>
+                <a:latin typeface="+mn-lt"/>
+                <a:ea typeface="+mn-ea"/>
+                <a:cs typeface="+mn-cs"/>
+              </a:defRPr>
+            </a:lvl7pPr>
+            <a:lvl8pPr marL="3200400" algn="l" defTabSz="914400" rtl="0" eaLnBrk="1" latinLnBrk="0" hangingPunct="1">
+              <a:defRPr sz="1800" kern="1200">
+                <a:solidFill>
+                  <a:schemeClr val="tx1"/>
+                </a:solidFill>
+                <a:latin typeface="+mn-lt"/>
+                <a:ea typeface="+mn-ea"/>
+                <a:cs typeface="+mn-cs"/>
+              </a:defRPr>
+            </a:lvl8pPr>
+            <a:lvl9pPr marL="3657600" algn="l" defTabSz="914400" rtl="0" eaLnBrk="1" latinLnBrk="0" hangingPunct="1">
+              <a:defRPr sz="1800" kern="1200">
+                <a:solidFill>
+                  <a:schemeClr val="tx1"/>
+                </a:solidFill>
+                <a:latin typeface="+mn-lt"/>
+                <a:ea typeface="+mn-ea"/>
+                <a:cs typeface="+mn-cs"/>
+              </a:defRPr>
+            </a:lvl9pPr>
+          </a:lstStyle>
+          <a:p>
+            <a:pPr algn="l"/>
+            <a:r>
+              <a:rPr lang="en-US" dirty="0"/>
+              <a:t>1.2 1.0 </a:t>
+            </a:r>
+          </a:p>
+        </p:txBody>
+      </p:sp>
+      <p:sp>
+        <p:nvSpPr>
+          <p:cNvPr id="8" name="TextBox 7">
+            <a:extLst>
+              <a:ext uri="{FF2B5EF4-FFF2-40B4-BE49-F238E27FC236}">
+                <a16:creationId xmlns:a16="http://schemas.microsoft.com/office/drawing/2014/main" id="{EE92269C-C27C-53FD-300C-AE5E5D4626BE}"/>
+              </a:ext>
+            </a:extLst>
+          </p:cNvPr>
+          <p:cNvSpPr txBox="1"/>
+          <p:nvPr/>
+        </p:nvSpPr>
+        <p:spPr>
+          <a:xfrm>
+            <a:off x="9833811" y="3884947"/>
+            <a:ext cx="1828800" cy="369332"/>
+          </a:xfrm>
+          <a:prstGeom prst="rect">
+            <a:avLst/>
+          </a:prstGeom>
+          <a:noFill/>
+        </p:spPr>
+        <p:txBody>
+          <a:bodyPr rot="0" spcFirstLastPara="0" vert="horz" wrap="square" lIns="91440" tIns="45720" rIns="91440" bIns="45720" numCol="1" spcCol="0" rtlCol="0" fromWordArt="0" anchor="t" anchorCtr="0" forceAA="0" compatLnSpc="1">
+            <a:prstTxWarp prst="textNoShape">
+              <a:avLst/>
+            </a:prstTxWarp>
+            <a:spAutoFit/>
+          </a:bodyPr>
+          <a:lstStyle>
+            <a:defPPr>
+              <a:defRPr lang="en-US"/>
+            </a:defPPr>
+            <a:lvl1pPr marL="0" algn="l" defTabSz="914400" rtl="0" eaLnBrk="1" latinLnBrk="0" hangingPunct="1">
+              <a:defRPr sz="1800" kern="1200">
+                <a:solidFill>
+                  <a:schemeClr val="tx1"/>
+                </a:solidFill>
+                <a:latin typeface="+mn-lt"/>
+                <a:ea typeface="+mn-ea"/>
+                <a:cs typeface="+mn-cs"/>
+              </a:defRPr>
+            </a:lvl1pPr>
+            <a:lvl2pPr marL="457200" algn="l" defTabSz="914400" rtl="0" eaLnBrk="1" latinLnBrk="0" hangingPunct="1">
+              <a:defRPr sz="1800" kern="1200">
+                <a:solidFill>
+                  <a:schemeClr val="tx1"/>
+                </a:solidFill>
+                <a:latin typeface="+mn-lt"/>
+                <a:ea typeface="+mn-ea"/>
+                <a:cs typeface="+mn-cs"/>
+              </a:defRPr>
+            </a:lvl2pPr>
+            <a:lvl3pPr marL="914400" algn="l" defTabSz="914400" rtl="0" eaLnBrk="1" latinLnBrk="0" hangingPunct="1">
+              <a:defRPr sz="1800" kern="1200">
+                <a:solidFill>
+                  <a:schemeClr val="tx1"/>
+                </a:solidFill>
+                <a:latin typeface="+mn-lt"/>
+                <a:ea typeface="+mn-ea"/>
+                <a:cs typeface="+mn-cs"/>
+              </a:defRPr>
+            </a:lvl3pPr>
+            <a:lvl4pPr marL="1371600" algn="l" defTabSz="914400" rtl="0" eaLnBrk="1" latinLnBrk="0" hangingPunct="1">
+              <a:defRPr sz="1800" kern="1200">
+                <a:solidFill>
+                  <a:schemeClr val="tx1"/>
+                </a:solidFill>
+                <a:latin typeface="+mn-lt"/>
+                <a:ea typeface="+mn-ea"/>
+                <a:cs typeface="+mn-cs"/>
+              </a:defRPr>
+            </a:lvl4pPr>
+            <a:lvl5pPr marL="1828800" algn="l" defTabSz="914400" rtl="0" eaLnBrk="1" latinLnBrk="0" hangingPunct="1">
+              <a:defRPr sz="1800" kern="1200">
+                <a:solidFill>
+                  <a:schemeClr val="tx1"/>
+                </a:solidFill>
+                <a:latin typeface="+mn-lt"/>
+                <a:ea typeface="+mn-ea"/>
+                <a:cs typeface="+mn-cs"/>
+              </a:defRPr>
+            </a:lvl5pPr>
+            <a:lvl6pPr marL="2286000" algn="l" defTabSz="914400" rtl="0" eaLnBrk="1" latinLnBrk="0" hangingPunct="1">
+              <a:defRPr sz="1800" kern="1200">
+                <a:solidFill>
+                  <a:schemeClr val="tx1"/>
+                </a:solidFill>
+                <a:latin typeface="+mn-lt"/>
+                <a:ea typeface="+mn-ea"/>
+                <a:cs typeface="+mn-cs"/>
+              </a:defRPr>
+            </a:lvl6pPr>
+            <a:lvl7pPr marL="2743200" algn="l" defTabSz="914400" rtl="0" eaLnBrk="1" latinLnBrk="0" hangingPunct="1">
+              <a:defRPr sz="1800" kern="1200">
+                <a:solidFill>
+                  <a:schemeClr val="tx1"/>
+                </a:solidFill>
+                <a:latin typeface="+mn-lt"/>
+                <a:ea typeface="+mn-ea"/>
+                <a:cs typeface="+mn-cs"/>
+              </a:defRPr>
+            </a:lvl7pPr>
+            <a:lvl8pPr marL="3200400" algn="l" defTabSz="914400" rtl="0" eaLnBrk="1" latinLnBrk="0" hangingPunct="1">
+              <a:defRPr sz="1800" kern="1200">
+                <a:solidFill>
+                  <a:schemeClr val="tx1"/>
+                </a:solidFill>
+                <a:latin typeface="+mn-lt"/>
+                <a:ea typeface="+mn-ea"/>
+                <a:cs typeface="+mn-cs"/>
+              </a:defRPr>
+            </a:lvl8pPr>
+            <a:lvl9pPr marL="3657600" algn="l" defTabSz="914400" rtl="0" eaLnBrk="1" latinLnBrk="0" hangingPunct="1">
+              <a:defRPr sz="1800" kern="1200">
+                <a:solidFill>
+                  <a:schemeClr val="tx1"/>
+                </a:solidFill>
+                <a:latin typeface="+mn-lt"/>
+                <a:ea typeface="+mn-ea"/>
+                <a:cs typeface="+mn-cs"/>
+              </a:defRPr>
+            </a:lvl9pPr>
+          </a:lstStyle>
+          <a:p>
+            <a:pPr algn="l"/>
+            <a:r>
+              <a:rPr lang="en-US" dirty="0"/>
+              <a:t>1.2 1.0 2.6</a:t>
+            </a:r>
+          </a:p>
+        </p:txBody>
+      </p:sp>
       <p:pic>
         <p:nvPicPr>
-          <p:cNvPr id="3080" name="Picture 8">
+          <p:cNvPr id="9" name="Picture 8">
             <a:extLst>
               <a:ext uri="{FF2B5EF4-FFF2-40B4-BE49-F238E27FC236}">
-                <a16:creationId xmlns:a16="http://schemas.microsoft.com/office/drawing/2014/main" id="{C25FD497-4D9A-CCF8-CBF7-8B64DA57498B}"/>
+                <a16:creationId xmlns:a16="http://schemas.microsoft.com/office/drawing/2014/main" id="{7DE8DCE2-6DCE-4734-5B89-2B65415D6B8C}"/>
               </a:ext>
             </a:extLst>
           </p:cNvPr>
@@ -13271,7 +13251,7 @@
         </p:blipFill>
         <p:spPr bwMode="auto">
           <a:xfrm>
-            <a:off x="84558" y="3995593"/>
+            <a:off x="8691487" y="4306487"/>
             <a:ext cx="3305627" cy="2551513"/>
           </a:xfrm>
           <a:prstGeom prst="rect">
@@ -13289,151 +13269,10 @@
           </a:extLst>
         </p:spPr>
       </p:pic>
-      <p:pic>
-        <p:nvPicPr>
-          <p:cNvPr id="3082" name="Picture 10">
-            <a:extLst>
-              <a:ext uri="{FF2B5EF4-FFF2-40B4-BE49-F238E27FC236}">
-                <a16:creationId xmlns:a16="http://schemas.microsoft.com/office/drawing/2014/main" id="{25905548-1FF6-3F3D-65D2-9E9997F7E731}"/>
-              </a:ext>
-            </a:extLst>
-          </p:cNvPr>
-          <p:cNvPicPr>
-            <a:picLocks noChangeAspect="1" noChangeArrowheads="1"/>
-          </p:cNvPicPr>
-          <p:nvPr/>
-        </p:nvPicPr>
-        <p:blipFill>
-          <a:blip r:embed="rId5">
-            <a:extLst>
-              <a:ext uri="{28A0092B-C50C-407E-A947-70E740481C1C}">
-                <a14:useLocalDpi xmlns:a14="http://schemas.microsoft.com/office/drawing/2010/main" val="0"/>
-              </a:ext>
-            </a:extLst>
-          </a:blip>
-          <a:srcRect/>
-          <a:stretch>
-            <a:fillRect/>
-          </a:stretch>
-        </p:blipFill>
-        <p:spPr bwMode="auto">
-          <a:xfrm>
-            <a:off x="4365786" y="3995592"/>
-            <a:ext cx="3305627" cy="2551513"/>
-          </a:xfrm>
-          <a:prstGeom prst="rect">
-            <a:avLst/>
-          </a:prstGeom>
-          <a:noFill/>
-          <a:extLst>
-            <a:ext uri="{909E8E84-426E-40DD-AFC4-6F175D3DCCD1}">
-              <a14:hiddenFill xmlns:a14="http://schemas.microsoft.com/office/drawing/2010/main">
-                <a:solidFill>
-                  <a:srgbClr val="FFFFFF"/>
-                </a:solidFill>
-              </a14:hiddenFill>
-            </a:ext>
-          </a:extLst>
-        </p:spPr>
-      </p:pic>
-      <p:pic>
-        <p:nvPicPr>
-          <p:cNvPr id="3084" name="Picture 12">
-            <a:extLst>
-              <a:ext uri="{FF2B5EF4-FFF2-40B4-BE49-F238E27FC236}">
-                <a16:creationId xmlns:a16="http://schemas.microsoft.com/office/drawing/2014/main" id="{175832E8-424E-B81A-5C73-00665AB19209}"/>
-              </a:ext>
-            </a:extLst>
-          </p:cNvPr>
-          <p:cNvPicPr>
-            <a:picLocks noChangeAspect="1" noChangeArrowheads="1"/>
-          </p:cNvPicPr>
-          <p:nvPr/>
-        </p:nvPicPr>
-        <p:blipFill>
-          <a:blip r:embed="rId6">
-            <a:extLst>
-              <a:ext uri="{28A0092B-C50C-407E-A947-70E740481C1C}">
-                <a14:useLocalDpi xmlns:a14="http://schemas.microsoft.com/office/drawing/2010/main" val="0"/>
-              </a:ext>
-            </a:extLst>
-          </a:blip>
-          <a:srcRect/>
-          <a:stretch>
-            <a:fillRect/>
-          </a:stretch>
-        </p:blipFill>
-        <p:spPr bwMode="auto">
-          <a:xfrm>
-            <a:off x="8581577" y="3995592"/>
-            <a:ext cx="3305628" cy="2551514"/>
-          </a:xfrm>
-          <a:prstGeom prst="rect">
-            <a:avLst/>
-          </a:prstGeom>
-          <a:noFill/>
-          <a:extLst>
-            <a:ext uri="{909E8E84-426E-40DD-AFC4-6F175D3DCCD1}">
-              <a14:hiddenFill xmlns:a14="http://schemas.microsoft.com/office/drawing/2010/main">
-                <a:solidFill>
-                  <a:srgbClr val="FFFFFF"/>
-                </a:solidFill>
-              </a14:hiddenFill>
-            </a:ext>
-          </a:extLst>
-        </p:spPr>
-      </p:pic>
-      <p:pic>
-        <p:nvPicPr>
-          <p:cNvPr id="1026" name="Picture 2">
-            <a:extLst>
-              <a:ext uri="{FF2B5EF4-FFF2-40B4-BE49-F238E27FC236}">
-                <a16:creationId xmlns:a16="http://schemas.microsoft.com/office/drawing/2014/main" id="{A615AF49-BE8B-84AE-BA9E-2E864E313019}"/>
-              </a:ext>
-            </a:extLst>
-          </p:cNvPr>
-          <p:cNvPicPr>
-            <a:picLocks noChangeAspect="1" noChangeArrowheads="1"/>
-          </p:cNvPicPr>
-          <p:nvPr/>
-        </p:nvPicPr>
-        <p:blipFill>
-          <a:blip r:embed="rId7">
-            <a:extLst>
-              <a:ext uri="{28A0092B-C50C-407E-A947-70E740481C1C}">
-                <a14:useLocalDpi xmlns:a14="http://schemas.microsoft.com/office/drawing/2010/main" val="0"/>
-              </a:ext>
-            </a:extLst>
-          </a:blip>
-          <a:srcRect/>
-          <a:stretch>
-            <a:fillRect/>
-          </a:stretch>
-        </p:blipFill>
-        <p:spPr bwMode="auto">
-          <a:xfrm>
-            <a:off x="84558" y="680227"/>
-            <a:ext cx="3305628" cy="2551514"/>
-          </a:xfrm>
-          <a:prstGeom prst="rect">
-            <a:avLst/>
-          </a:prstGeom>
-          <a:noFill/>
-          <a:extLst>
-            <a:ext uri="{909E8E84-426E-40DD-AFC4-6F175D3DCCD1}">
-              <a14:hiddenFill xmlns:a14="http://schemas.microsoft.com/office/drawing/2010/main">
-                <a:solidFill>
-                  <a:srgbClr val="FFFFFF"/>
-                </a:solidFill>
-              </a14:hiddenFill>
-            </a:ext>
-          </a:extLst>
-        </p:spPr>
-      </p:pic>
     </p:spTree>
     <p:extLst>
       <p:ext uri="{BB962C8B-B14F-4D97-AF65-F5344CB8AC3E}">
-        <p14:creationId xmlns:p14="http://schemas.microsoft.com/office/powerpoint/2010/main" val="1552035296"/>
+        <p14:creationId xmlns:p14="http://schemas.microsoft.com/office/powerpoint/2010/main" val="3133834885"/>
       </p:ext>
     </p:extLst>
   </p:cSld>
@@ -14122,7 +13961,7 @@
               <a:pPr algn="l"/>
               <a:r>
                 <a:rPr lang="en-US" dirty="0"/>
-                <a:t>1.4 1.0 2.6</a:t>
+                <a:t>1.0 1.0 2.6</a:t>
               </a:r>
             </a:p>
           </p:txBody>
@@ -14255,7 +14094,7 @@
               <a:pPr algn="l"/>
               <a:r>
                 <a:rPr lang="en-US" dirty="0"/>
-                <a:t>1.4 1.0 2.8</a:t>
+                <a:t>1.0 1.0 2.8</a:t>
               </a:r>
             </a:p>
           </p:txBody>
@@ -14388,7 +14227,7 @@
               <a:pPr algn="l"/>
               <a:r>
                 <a:rPr lang="en-US" dirty="0"/>
-                <a:t>1.4 1.0 3.0</a:t>
+                <a:t>1.0 1.0 3.0</a:t>
               </a:r>
             </a:p>
           </p:txBody>
@@ -14521,7 +14360,7 @@
               <a:pPr algn="l"/>
               <a:r>
                 <a:rPr lang="en-US" dirty="0"/>
-                <a:t>1.0 1.2 2.6</a:t>
+                <a:t>1.2 1.0 2.6</a:t>
               </a:r>
             </a:p>
           </p:txBody>
@@ -14654,7 +14493,7 @@
               <a:pPr algn="l"/>
               <a:r>
                 <a:rPr lang="en-US" dirty="0"/>
-                <a:t>1.0 1.2 2.8</a:t>
+                <a:t>1.2 1.0 2.8</a:t>
               </a:r>
             </a:p>
           </p:txBody>
@@ -14787,7 +14626,7 @@
               <a:pPr algn="l"/>
               <a:r>
                 <a:rPr lang="en-US" dirty="0"/>
-                <a:t>1.0 1.2 3.0</a:t>
+                <a:t>1.2 1.0 3.0</a:t>
               </a:r>
             </a:p>
           </p:txBody>
@@ -14795,10 +14634,10 @@
       </p:grpSp>
       <p:pic>
         <p:nvPicPr>
-          <p:cNvPr id="4098" name="Picture 2">
+          <p:cNvPr id="3074" name="Picture 2">
             <a:extLst>
               <a:ext uri="{FF2B5EF4-FFF2-40B4-BE49-F238E27FC236}">
-                <a16:creationId xmlns:a16="http://schemas.microsoft.com/office/drawing/2014/main" id="{BF1A673E-DA5F-5846-29E9-0FB59BF27E59}"/>
+                <a16:creationId xmlns:a16="http://schemas.microsoft.com/office/drawing/2014/main" id="{5240911C-D0A4-2238-3BAD-D311E2462E56}"/>
               </a:ext>
             </a:extLst>
           </p:cNvPr>
@@ -14822,8 +14661,8 @@
         </p:blipFill>
         <p:spPr bwMode="auto">
           <a:xfrm>
-            <a:off x="231207" y="639758"/>
-            <a:ext cx="3430333" cy="2647770"/>
+            <a:off x="8581577" y="680228"/>
+            <a:ext cx="3305624" cy="2551511"/>
           </a:xfrm>
           <a:prstGeom prst="rect">
             <a:avLst/>
@@ -14842,10 +14681,10 @@
       </p:pic>
       <p:pic>
         <p:nvPicPr>
-          <p:cNvPr id="4100" name="Picture 4">
+          <p:cNvPr id="3076" name="Picture 4">
             <a:extLst>
               <a:ext uri="{FF2B5EF4-FFF2-40B4-BE49-F238E27FC236}">
-                <a16:creationId xmlns:a16="http://schemas.microsoft.com/office/drawing/2014/main" id="{74A64A5E-C4DC-D2F1-7C00-1F600E849BB8}"/>
+                <a16:creationId xmlns:a16="http://schemas.microsoft.com/office/drawing/2014/main" id="{40375453-B6D3-5883-0528-2825712855DB}"/>
               </a:ext>
             </a:extLst>
           </p:cNvPr>
@@ -14869,8 +14708,8 @@
         </p:blipFill>
         <p:spPr bwMode="auto">
           <a:xfrm>
-            <a:off x="231207" y="3816449"/>
-            <a:ext cx="3430334" cy="2647771"/>
+            <a:off x="4268370" y="680227"/>
+            <a:ext cx="3305624" cy="2551511"/>
           </a:xfrm>
           <a:prstGeom prst="rect">
             <a:avLst/>
@@ -14889,10 +14728,10 @@
       </p:pic>
       <p:pic>
         <p:nvPicPr>
-          <p:cNvPr id="4102" name="Picture 6">
+          <p:cNvPr id="3080" name="Picture 8">
             <a:extLst>
               <a:ext uri="{FF2B5EF4-FFF2-40B4-BE49-F238E27FC236}">
-                <a16:creationId xmlns:a16="http://schemas.microsoft.com/office/drawing/2014/main" id="{C78A2304-CE56-7CA2-4F50-AC8D85E80DDB}"/>
+                <a16:creationId xmlns:a16="http://schemas.microsoft.com/office/drawing/2014/main" id="{C25FD497-4D9A-CCF8-CBF7-8B64DA57498B}"/>
               </a:ext>
             </a:extLst>
           </p:cNvPr>
@@ -14916,8 +14755,8 @@
         </p:blipFill>
         <p:spPr bwMode="auto">
           <a:xfrm>
-            <a:off x="4032489" y="3798332"/>
-            <a:ext cx="3430336" cy="2647772"/>
+            <a:off x="84558" y="3995593"/>
+            <a:ext cx="3305627" cy="2551513"/>
           </a:xfrm>
           <a:prstGeom prst="rect">
             <a:avLst/>
@@ -14936,10 +14775,10 @@
       </p:pic>
       <p:pic>
         <p:nvPicPr>
-          <p:cNvPr id="4104" name="Picture 8">
+          <p:cNvPr id="3082" name="Picture 10">
             <a:extLst>
               <a:ext uri="{FF2B5EF4-FFF2-40B4-BE49-F238E27FC236}">
-                <a16:creationId xmlns:a16="http://schemas.microsoft.com/office/drawing/2014/main" id="{D7EF6A7E-0A56-A49D-8B85-587A43E9D972}"/>
+                <a16:creationId xmlns:a16="http://schemas.microsoft.com/office/drawing/2014/main" id="{25905548-1FF6-3F3D-65D2-9E9997F7E731}"/>
               </a:ext>
             </a:extLst>
           </p:cNvPr>
@@ -14963,8 +14802,8 @@
         </p:blipFill>
         <p:spPr bwMode="auto">
           <a:xfrm>
-            <a:off x="8530461" y="3816448"/>
-            <a:ext cx="3430336" cy="2647772"/>
+            <a:off x="4365786" y="3995592"/>
+            <a:ext cx="3305627" cy="2551513"/>
           </a:xfrm>
           <a:prstGeom prst="rect">
             <a:avLst/>
@@ -14981,10 +14820,104 @@
           </a:extLst>
         </p:spPr>
       </p:pic>
+      <p:pic>
+        <p:nvPicPr>
+          <p:cNvPr id="3084" name="Picture 12">
+            <a:extLst>
+              <a:ext uri="{FF2B5EF4-FFF2-40B4-BE49-F238E27FC236}">
+                <a16:creationId xmlns:a16="http://schemas.microsoft.com/office/drawing/2014/main" id="{175832E8-424E-B81A-5C73-00665AB19209}"/>
+              </a:ext>
+            </a:extLst>
+          </p:cNvPr>
+          <p:cNvPicPr>
+            <a:picLocks noChangeAspect="1" noChangeArrowheads="1"/>
+          </p:cNvPicPr>
+          <p:nvPr/>
+        </p:nvPicPr>
+        <p:blipFill>
+          <a:blip r:embed="rId6">
+            <a:extLst>
+              <a:ext uri="{28A0092B-C50C-407E-A947-70E740481C1C}">
+                <a14:useLocalDpi xmlns:a14="http://schemas.microsoft.com/office/drawing/2010/main" val="0"/>
+              </a:ext>
+            </a:extLst>
+          </a:blip>
+          <a:srcRect/>
+          <a:stretch>
+            <a:fillRect/>
+          </a:stretch>
+        </p:blipFill>
+        <p:spPr bwMode="auto">
+          <a:xfrm>
+            <a:off x="8581577" y="3995592"/>
+            <a:ext cx="3305628" cy="2551514"/>
+          </a:xfrm>
+          <a:prstGeom prst="rect">
+            <a:avLst/>
+          </a:prstGeom>
+          <a:noFill/>
+          <a:extLst>
+            <a:ext uri="{909E8E84-426E-40DD-AFC4-6F175D3DCCD1}">
+              <a14:hiddenFill xmlns:a14="http://schemas.microsoft.com/office/drawing/2010/main">
+                <a:solidFill>
+                  <a:srgbClr val="FFFFFF"/>
+                </a:solidFill>
+              </a14:hiddenFill>
+            </a:ext>
+          </a:extLst>
+        </p:spPr>
+      </p:pic>
+      <p:pic>
+        <p:nvPicPr>
+          <p:cNvPr id="1028" name="Picture 4">
+            <a:extLst>
+              <a:ext uri="{FF2B5EF4-FFF2-40B4-BE49-F238E27FC236}">
+                <a16:creationId xmlns:a16="http://schemas.microsoft.com/office/drawing/2014/main" id="{88293A63-C1A2-8F59-3334-5B47CB071F85}"/>
+              </a:ext>
+            </a:extLst>
+          </p:cNvPr>
+          <p:cNvPicPr>
+            <a:picLocks noChangeAspect="1" noChangeArrowheads="1"/>
+          </p:cNvPicPr>
+          <p:nvPr/>
+        </p:nvPicPr>
+        <p:blipFill>
+          <a:blip r:embed="rId7">
+            <a:extLst>
+              <a:ext uri="{28A0092B-C50C-407E-A947-70E740481C1C}">
+                <a14:useLocalDpi xmlns:a14="http://schemas.microsoft.com/office/drawing/2010/main" val="0"/>
+              </a:ext>
+            </a:extLst>
+          </a:blip>
+          <a:srcRect/>
+          <a:stretch>
+            <a:fillRect/>
+          </a:stretch>
+        </p:blipFill>
+        <p:spPr bwMode="auto">
+          <a:xfrm>
+            <a:off x="304799" y="813136"/>
+            <a:ext cx="3215016" cy="2551514"/>
+          </a:xfrm>
+          <a:prstGeom prst="rect">
+            <a:avLst/>
+          </a:prstGeom>
+          <a:noFill/>
+          <a:extLst>
+            <a:ext uri="{909E8E84-426E-40DD-AFC4-6F175D3DCCD1}">
+              <a14:hiddenFill xmlns:a14="http://schemas.microsoft.com/office/drawing/2010/main">
+                <a:solidFill>
+                  <a:srgbClr val="FFFFFF"/>
+                </a:solidFill>
+              </a14:hiddenFill>
+            </a:ext>
+          </a:extLst>
+        </p:spPr>
+      </p:pic>
     </p:spTree>
     <p:extLst>
       <p:ext uri="{BB962C8B-B14F-4D97-AF65-F5344CB8AC3E}">
-        <p14:creationId xmlns:p14="http://schemas.microsoft.com/office/powerpoint/2010/main" val="1126669228"/>
+        <p14:creationId xmlns:p14="http://schemas.microsoft.com/office/powerpoint/2010/main" val="1552035296"/>
       </p:ext>
     </p:extLst>
   </p:cSld>
@@ -15159,7 +15092,7 @@
               <a:pPr algn="l"/>
               <a:r>
                 <a:rPr lang="en-US" dirty="0"/>
-                <a:t>1.2 1.2 2.6</a:t>
+                <a:t>1.4 1.0 2.6</a:t>
               </a:r>
             </a:p>
           </p:txBody>
@@ -15292,7 +15225,7 @@
               <a:pPr algn="l"/>
               <a:r>
                 <a:rPr lang="en-US" dirty="0"/>
-                <a:t>1.2 1.2 2.8</a:t>
+                <a:t>1.4 1.0 2.8</a:t>
               </a:r>
             </a:p>
           </p:txBody>
@@ -15425,7 +15358,7 @@
               <a:pPr algn="l"/>
               <a:r>
                 <a:rPr lang="en-US" dirty="0"/>
-                <a:t>1.2 1.2 3.0</a:t>
+                <a:t>1.4 1.0 3.0</a:t>
               </a:r>
             </a:p>
           </p:txBody>
@@ -15558,7 +15491,7 @@
               <a:pPr algn="l"/>
               <a:r>
                 <a:rPr lang="en-US" dirty="0"/>
-                <a:t>1.4 1.2 2.6</a:t>
+                <a:t>1.0 1.2 2.6</a:t>
               </a:r>
             </a:p>
           </p:txBody>
@@ -15691,7 +15624,7 @@
               <a:pPr algn="l"/>
               <a:r>
                 <a:rPr lang="en-US" dirty="0"/>
-                <a:t>1.4 1.2 2.8</a:t>
+                <a:t>1.0 1.2 2.8</a:t>
               </a:r>
             </a:p>
           </p:txBody>
@@ -15824,7 +15757,7 @@
               <a:pPr algn="l"/>
               <a:r>
                 <a:rPr lang="en-US" dirty="0"/>
-                <a:t>1.4 1.2 3.0</a:t>
+                <a:t>1.0 1.2 3.0</a:t>
               </a:r>
             </a:p>
           </p:txBody>
@@ -15832,10 +15765,10 @@
       </p:grpSp>
       <p:pic>
         <p:nvPicPr>
-          <p:cNvPr id="5122" name="Picture 2">
+          <p:cNvPr id="4098" name="Picture 2">
             <a:extLst>
               <a:ext uri="{FF2B5EF4-FFF2-40B4-BE49-F238E27FC236}">
-                <a16:creationId xmlns:a16="http://schemas.microsoft.com/office/drawing/2014/main" id="{CDB8E33E-1B5C-69EA-CBE3-C146C31B1A20}"/>
+                <a16:creationId xmlns:a16="http://schemas.microsoft.com/office/drawing/2014/main" id="{BF1A673E-DA5F-5846-29E9-0FB59BF27E59}"/>
               </a:ext>
             </a:extLst>
           </p:cNvPr>
@@ -15859,8 +15792,8 @@
         </p:blipFill>
         <p:spPr bwMode="auto">
           <a:xfrm>
-            <a:off x="8831743" y="592788"/>
-            <a:ext cx="3266545" cy="2521347"/>
+            <a:off x="231207" y="639758"/>
+            <a:ext cx="3430333" cy="2647770"/>
           </a:xfrm>
           <a:prstGeom prst="rect">
             <a:avLst/>
@@ -15879,10 +15812,10 @@
       </p:pic>
       <p:pic>
         <p:nvPicPr>
-          <p:cNvPr id="5124" name="Picture 4">
+          <p:cNvPr id="4100" name="Picture 4">
             <a:extLst>
               <a:ext uri="{FF2B5EF4-FFF2-40B4-BE49-F238E27FC236}">
-                <a16:creationId xmlns:a16="http://schemas.microsoft.com/office/drawing/2014/main" id="{E0ADB9E9-CC3C-1075-21CE-1FFE5714551C}"/>
+                <a16:creationId xmlns:a16="http://schemas.microsoft.com/office/drawing/2014/main" id="{74A64A5E-C4DC-D2F1-7C00-1F600E849BB8}"/>
               </a:ext>
             </a:extLst>
           </p:cNvPr>
@@ -15906,8 +15839,8 @@
         </p:blipFill>
         <p:spPr bwMode="auto">
           <a:xfrm>
-            <a:off x="4371886" y="592788"/>
-            <a:ext cx="3266546" cy="2521348"/>
+            <a:off x="231207" y="3816449"/>
+            <a:ext cx="3430334" cy="2647771"/>
           </a:xfrm>
           <a:prstGeom prst="rect">
             <a:avLst/>
@@ -15926,10 +15859,10 @@
       </p:pic>
       <p:pic>
         <p:nvPicPr>
-          <p:cNvPr id="5126" name="Picture 6">
+          <p:cNvPr id="4102" name="Picture 6">
             <a:extLst>
               <a:ext uri="{FF2B5EF4-FFF2-40B4-BE49-F238E27FC236}">
-                <a16:creationId xmlns:a16="http://schemas.microsoft.com/office/drawing/2014/main" id="{8D7F3E7B-A442-68E5-A3A9-CC7E68F7C53B}"/>
+                <a16:creationId xmlns:a16="http://schemas.microsoft.com/office/drawing/2014/main" id="{C78A2304-CE56-7CA2-4F50-AC8D85E80DDB}"/>
               </a:ext>
             </a:extLst>
           </p:cNvPr>
@@ -15953,8 +15886,8 @@
         </p:blipFill>
         <p:spPr bwMode="auto">
           <a:xfrm>
-            <a:off x="93712" y="592788"/>
-            <a:ext cx="3266546" cy="2521348"/>
+            <a:off x="4032489" y="3798332"/>
+            <a:ext cx="3430336" cy="2647772"/>
           </a:xfrm>
           <a:prstGeom prst="rect">
             <a:avLst/>
@@ -15973,10 +15906,10 @@
       </p:pic>
       <p:pic>
         <p:nvPicPr>
-          <p:cNvPr id="5128" name="Picture 8">
+          <p:cNvPr id="4104" name="Picture 8">
             <a:extLst>
               <a:ext uri="{FF2B5EF4-FFF2-40B4-BE49-F238E27FC236}">
-                <a16:creationId xmlns:a16="http://schemas.microsoft.com/office/drawing/2014/main" id="{784E19CA-060C-890F-EB4B-9CCB622F64EA}"/>
+                <a16:creationId xmlns:a16="http://schemas.microsoft.com/office/drawing/2014/main" id="{D7EF6A7E-0A56-A49D-8B85-587A43E9D972}"/>
               </a:ext>
             </a:extLst>
           </p:cNvPr>
@@ -16000,8 +15933,8 @@
         </p:blipFill>
         <p:spPr bwMode="auto">
           <a:xfrm>
-            <a:off x="93712" y="3956550"/>
-            <a:ext cx="3266546" cy="2521348"/>
+            <a:off x="8530461" y="3816448"/>
+            <a:ext cx="3430336" cy="2647772"/>
           </a:xfrm>
           <a:prstGeom prst="rect">
             <a:avLst/>
@@ -16021,7 +15954,7 @@
     </p:spTree>
     <p:extLst>
       <p:ext uri="{BB962C8B-B14F-4D97-AF65-F5344CB8AC3E}">
-        <p14:creationId xmlns:p14="http://schemas.microsoft.com/office/powerpoint/2010/main" val="2354562838"/>
+        <p14:creationId xmlns:p14="http://schemas.microsoft.com/office/powerpoint/2010/main" val="1126669228"/>
       </p:ext>
     </p:extLst>
   </p:cSld>
@@ -16196,6 +16129,1043 @@
               <a:pPr algn="l"/>
               <a:r>
                 <a:rPr lang="en-US" dirty="0"/>
+                <a:t>1.2 1.2 2.6</a:t>
+              </a:r>
+            </a:p>
+          </p:txBody>
+        </p:sp>
+        <p:sp>
+          <p:nvSpPr>
+            <p:cNvPr id="4" name="TextBox 3">
+              <a:extLst>
+                <a:ext uri="{FF2B5EF4-FFF2-40B4-BE49-F238E27FC236}">
+                  <a16:creationId xmlns:a16="http://schemas.microsoft.com/office/drawing/2014/main" id="{5D9D32C1-EF01-6F19-2847-0465BD547108}"/>
+                </a:ext>
+              </a:extLst>
+            </p:cNvPr>
+            <p:cNvSpPr txBox="1"/>
+            <p:nvPr/>
+          </p:nvSpPr>
+          <p:spPr>
+            <a:xfrm>
+              <a:off x="5373372" y="128954"/>
+              <a:ext cx="1828800" cy="369332"/>
+            </a:xfrm>
+            <a:prstGeom prst="rect">
+              <a:avLst/>
+            </a:prstGeom>
+            <a:noFill/>
+          </p:spPr>
+          <p:txBody>
+            <a:bodyPr rot="0" spcFirstLastPara="0" vert="horz" wrap="square" lIns="91440" tIns="45720" rIns="91440" bIns="45720" numCol="1" spcCol="0" rtlCol="0" fromWordArt="0" anchor="t" anchorCtr="0" forceAA="0" compatLnSpc="1">
+              <a:prstTxWarp prst="textNoShape">
+                <a:avLst/>
+              </a:prstTxWarp>
+              <a:spAutoFit/>
+            </a:bodyPr>
+            <a:lstStyle>
+              <a:defPPr>
+                <a:defRPr lang="en-US"/>
+              </a:defPPr>
+              <a:lvl1pPr marL="0" algn="l" defTabSz="914400" rtl="0" eaLnBrk="1" latinLnBrk="0" hangingPunct="1">
+                <a:defRPr sz="1800" kern="1200">
+                  <a:solidFill>
+                    <a:schemeClr val="tx1"/>
+                  </a:solidFill>
+                  <a:latin typeface="+mn-lt"/>
+                  <a:ea typeface="+mn-ea"/>
+                  <a:cs typeface="+mn-cs"/>
+                </a:defRPr>
+              </a:lvl1pPr>
+              <a:lvl2pPr marL="457200" algn="l" defTabSz="914400" rtl="0" eaLnBrk="1" latinLnBrk="0" hangingPunct="1">
+                <a:defRPr sz="1800" kern="1200">
+                  <a:solidFill>
+                    <a:schemeClr val="tx1"/>
+                  </a:solidFill>
+                  <a:latin typeface="+mn-lt"/>
+                  <a:ea typeface="+mn-ea"/>
+                  <a:cs typeface="+mn-cs"/>
+                </a:defRPr>
+              </a:lvl2pPr>
+              <a:lvl3pPr marL="914400" algn="l" defTabSz="914400" rtl="0" eaLnBrk="1" latinLnBrk="0" hangingPunct="1">
+                <a:defRPr sz="1800" kern="1200">
+                  <a:solidFill>
+                    <a:schemeClr val="tx1"/>
+                  </a:solidFill>
+                  <a:latin typeface="+mn-lt"/>
+                  <a:ea typeface="+mn-ea"/>
+                  <a:cs typeface="+mn-cs"/>
+                </a:defRPr>
+              </a:lvl3pPr>
+              <a:lvl4pPr marL="1371600" algn="l" defTabSz="914400" rtl="0" eaLnBrk="1" latinLnBrk="0" hangingPunct="1">
+                <a:defRPr sz="1800" kern="1200">
+                  <a:solidFill>
+                    <a:schemeClr val="tx1"/>
+                  </a:solidFill>
+                  <a:latin typeface="+mn-lt"/>
+                  <a:ea typeface="+mn-ea"/>
+                  <a:cs typeface="+mn-cs"/>
+                </a:defRPr>
+              </a:lvl4pPr>
+              <a:lvl5pPr marL="1828800" algn="l" defTabSz="914400" rtl="0" eaLnBrk="1" latinLnBrk="0" hangingPunct="1">
+                <a:defRPr sz="1800" kern="1200">
+                  <a:solidFill>
+                    <a:schemeClr val="tx1"/>
+                  </a:solidFill>
+                  <a:latin typeface="+mn-lt"/>
+                  <a:ea typeface="+mn-ea"/>
+                  <a:cs typeface="+mn-cs"/>
+                </a:defRPr>
+              </a:lvl5pPr>
+              <a:lvl6pPr marL="2286000" algn="l" defTabSz="914400" rtl="0" eaLnBrk="1" latinLnBrk="0" hangingPunct="1">
+                <a:defRPr sz="1800" kern="1200">
+                  <a:solidFill>
+                    <a:schemeClr val="tx1"/>
+                  </a:solidFill>
+                  <a:latin typeface="+mn-lt"/>
+                  <a:ea typeface="+mn-ea"/>
+                  <a:cs typeface="+mn-cs"/>
+                </a:defRPr>
+              </a:lvl6pPr>
+              <a:lvl7pPr marL="2743200" algn="l" defTabSz="914400" rtl="0" eaLnBrk="1" latinLnBrk="0" hangingPunct="1">
+                <a:defRPr sz="1800" kern="1200">
+                  <a:solidFill>
+                    <a:schemeClr val="tx1"/>
+                  </a:solidFill>
+                  <a:latin typeface="+mn-lt"/>
+                  <a:ea typeface="+mn-ea"/>
+                  <a:cs typeface="+mn-cs"/>
+                </a:defRPr>
+              </a:lvl7pPr>
+              <a:lvl8pPr marL="3200400" algn="l" defTabSz="914400" rtl="0" eaLnBrk="1" latinLnBrk="0" hangingPunct="1">
+                <a:defRPr sz="1800" kern="1200">
+                  <a:solidFill>
+                    <a:schemeClr val="tx1"/>
+                  </a:solidFill>
+                  <a:latin typeface="+mn-lt"/>
+                  <a:ea typeface="+mn-ea"/>
+                  <a:cs typeface="+mn-cs"/>
+                </a:defRPr>
+              </a:lvl8pPr>
+              <a:lvl9pPr marL="3657600" algn="l" defTabSz="914400" rtl="0" eaLnBrk="1" latinLnBrk="0" hangingPunct="1">
+                <a:defRPr sz="1800" kern="1200">
+                  <a:solidFill>
+                    <a:schemeClr val="tx1"/>
+                  </a:solidFill>
+                  <a:latin typeface="+mn-lt"/>
+                  <a:ea typeface="+mn-ea"/>
+                  <a:cs typeface="+mn-cs"/>
+                </a:defRPr>
+              </a:lvl9pPr>
+            </a:lstStyle>
+            <a:p>
+              <a:pPr algn="l"/>
+              <a:r>
+                <a:rPr lang="en-US" dirty="0"/>
+                <a:t>1.2 1.2 2.8</a:t>
+              </a:r>
+            </a:p>
+          </p:txBody>
+        </p:sp>
+        <p:sp>
+          <p:nvSpPr>
+            <p:cNvPr id="5" name="TextBox 4">
+              <a:extLst>
+                <a:ext uri="{FF2B5EF4-FFF2-40B4-BE49-F238E27FC236}">
+                  <a16:creationId xmlns:a16="http://schemas.microsoft.com/office/drawing/2014/main" id="{A6F07378-5FEC-51FB-FA5B-BA2FB65C7880}"/>
+                </a:ext>
+              </a:extLst>
+            </p:cNvPr>
+            <p:cNvSpPr txBox="1"/>
+            <p:nvPr/>
+          </p:nvSpPr>
+          <p:spPr>
+            <a:xfrm>
+              <a:off x="9833811" y="128954"/>
+              <a:ext cx="1828800" cy="369332"/>
+            </a:xfrm>
+            <a:prstGeom prst="rect">
+              <a:avLst/>
+            </a:prstGeom>
+            <a:noFill/>
+          </p:spPr>
+          <p:txBody>
+            <a:bodyPr rot="0" spcFirstLastPara="0" vert="horz" wrap="square" lIns="91440" tIns="45720" rIns="91440" bIns="45720" numCol="1" spcCol="0" rtlCol="0" fromWordArt="0" anchor="t" anchorCtr="0" forceAA="0" compatLnSpc="1">
+              <a:prstTxWarp prst="textNoShape">
+                <a:avLst/>
+              </a:prstTxWarp>
+              <a:spAutoFit/>
+            </a:bodyPr>
+            <a:lstStyle>
+              <a:defPPr>
+                <a:defRPr lang="en-US"/>
+              </a:defPPr>
+              <a:lvl1pPr marL="0" algn="l" defTabSz="914400" rtl="0" eaLnBrk="1" latinLnBrk="0" hangingPunct="1">
+                <a:defRPr sz="1800" kern="1200">
+                  <a:solidFill>
+                    <a:schemeClr val="tx1"/>
+                  </a:solidFill>
+                  <a:latin typeface="+mn-lt"/>
+                  <a:ea typeface="+mn-ea"/>
+                  <a:cs typeface="+mn-cs"/>
+                </a:defRPr>
+              </a:lvl1pPr>
+              <a:lvl2pPr marL="457200" algn="l" defTabSz="914400" rtl="0" eaLnBrk="1" latinLnBrk="0" hangingPunct="1">
+                <a:defRPr sz="1800" kern="1200">
+                  <a:solidFill>
+                    <a:schemeClr val="tx1"/>
+                  </a:solidFill>
+                  <a:latin typeface="+mn-lt"/>
+                  <a:ea typeface="+mn-ea"/>
+                  <a:cs typeface="+mn-cs"/>
+                </a:defRPr>
+              </a:lvl2pPr>
+              <a:lvl3pPr marL="914400" algn="l" defTabSz="914400" rtl="0" eaLnBrk="1" latinLnBrk="0" hangingPunct="1">
+                <a:defRPr sz="1800" kern="1200">
+                  <a:solidFill>
+                    <a:schemeClr val="tx1"/>
+                  </a:solidFill>
+                  <a:latin typeface="+mn-lt"/>
+                  <a:ea typeface="+mn-ea"/>
+                  <a:cs typeface="+mn-cs"/>
+                </a:defRPr>
+              </a:lvl3pPr>
+              <a:lvl4pPr marL="1371600" algn="l" defTabSz="914400" rtl="0" eaLnBrk="1" latinLnBrk="0" hangingPunct="1">
+                <a:defRPr sz="1800" kern="1200">
+                  <a:solidFill>
+                    <a:schemeClr val="tx1"/>
+                  </a:solidFill>
+                  <a:latin typeface="+mn-lt"/>
+                  <a:ea typeface="+mn-ea"/>
+                  <a:cs typeface="+mn-cs"/>
+                </a:defRPr>
+              </a:lvl4pPr>
+              <a:lvl5pPr marL="1828800" algn="l" defTabSz="914400" rtl="0" eaLnBrk="1" latinLnBrk="0" hangingPunct="1">
+                <a:defRPr sz="1800" kern="1200">
+                  <a:solidFill>
+                    <a:schemeClr val="tx1"/>
+                  </a:solidFill>
+                  <a:latin typeface="+mn-lt"/>
+                  <a:ea typeface="+mn-ea"/>
+                  <a:cs typeface="+mn-cs"/>
+                </a:defRPr>
+              </a:lvl5pPr>
+              <a:lvl6pPr marL="2286000" algn="l" defTabSz="914400" rtl="0" eaLnBrk="1" latinLnBrk="0" hangingPunct="1">
+                <a:defRPr sz="1800" kern="1200">
+                  <a:solidFill>
+                    <a:schemeClr val="tx1"/>
+                  </a:solidFill>
+                  <a:latin typeface="+mn-lt"/>
+                  <a:ea typeface="+mn-ea"/>
+                  <a:cs typeface="+mn-cs"/>
+                </a:defRPr>
+              </a:lvl6pPr>
+              <a:lvl7pPr marL="2743200" algn="l" defTabSz="914400" rtl="0" eaLnBrk="1" latinLnBrk="0" hangingPunct="1">
+                <a:defRPr sz="1800" kern="1200">
+                  <a:solidFill>
+                    <a:schemeClr val="tx1"/>
+                  </a:solidFill>
+                  <a:latin typeface="+mn-lt"/>
+                  <a:ea typeface="+mn-ea"/>
+                  <a:cs typeface="+mn-cs"/>
+                </a:defRPr>
+              </a:lvl7pPr>
+              <a:lvl8pPr marL="3200400" algn="l" defTabSz="914400" rtl="0" eaLnBrk="1" latinLnBrk="0" hangingPunct="1">
+                <a:defRPr sz="1800" kern="1200">
+                  <a:solidFill>
+                    <a:schemeClr val="tx1"/>
+                  </a:solidFill>
+                  <a:latin typeface="+mn-lt"/>
+                  <a:ea typeface="+mn-ea"/>
+                  <a:cs typeface="+mn-cs"/>
+                </a:defRPr>
+              </a:lvl8pPr>
+              <a:lvl9pPr marL="3657600" algn="l" defTabSz="914400" rtl="0" eaLnBrk="1" latinLnBrk="0" hangingPunct="1">
+                <a:defRPr sz="1800" kern="1200">
+                  <a:solidFill>
+                    <a:schemeClr val="tx1"/>
+                  </a:solidFill>
+                  <a:latin typeface="+mn-lt"/>
+                  <a:ea typeface="+mn-ea"/>
+                  <a:cs typeface="+mn-cs"/>
+                </a:defRPr>
+              </a:lvl9pPr>
+            </a:lstStyle>
+            <a:p>
+              <a:pPr algn="l"/>
+              <a:r>
+                <a:rPr lang="en-US" dirty="0"/>
+                <a:t>1.2 1.2 3.0</a:t>
+              </a:r>
+            </a:p>
+          </p:txBody>
+        </p:sp>
+        <p:sp>
+          <p:nvSpPr>
+            <p:cNvPr id="6" name="TextBox 5">
+              <a:extLst>
+                <a:ext uri="{FF2B5EF4-FFF2-40B4-BE49-F238E27FC236}">
+                  <a16:creationId xmlns:a16="http://schemas.microsoft.com/office/drawing/2014/main" id="{EDE81B5E-1582-EC75-D7DF-078074CEBE61}"/>
+                </a:ext>
+              </a:extLst>
+            </p:cNvPr>
+            <p:cNvSpPr txBox="1"/>
+            <p:nvPr/>
+          </p:nvSpPr>
+          <p:spPr>
+            <a:xfrm>
+              <a:off x="402443" y="3429000"/>
+              <a:ext cx="1828800" cy="369332"/>
+            </a:xfrm>
+            <a:prstGeom prst="rect">
+              <a:avLst/>
+            </a:prstGeom>
+            <a:noFill/>
+          </p:spPr>
+          <p:txBody>
+            <a:bodyPr rot="0" spcFirstLastPara="0" vert="horz" wrap="square" lIns="91440" tIns="45720" rIns="91440" bIns="45720" numCol="1" spcCol="0" rtlCol="0" fromWordArt="0" anchor="t" anchorCtr="0" forceAA="0" compatLnSpc="1">
+              <a:prstTxWarp prst="textNoShape">
+                <a:avLst/>
+              </a:prstTxWarp>
+              <a:spAutoFit/>
+            </a:bodyPr>
+            <a:lstStyle>
+              <a:defPPr>
+                <a:defRPr lang="en-US"/>
+              </a:defPPr>
+              <a:lvl1pPr marL="0" algn="l" defTabSz="914400" rtl="0" eaLnBrk="1" latinLnBrk="0" hangingPunct="1">
+                <a:defRPr sz="1800" kern="1200">
+                  <a:solidFill>
+                    <a:schemeClr val="tx1"/>
+                  </a:solidFill>
+                  <a:latin typeface="+mn-lt"/>
+                  <a:ea typeface="+mn-ea"/>
+                  <a:cs typeface="+mn-cs"/>
+                </a:defRPr>
+              </a:lvl1pPr>
+              <a:lvl2pPr marL="457200" algn="l" defTabSz="914400" rtl="0" eaLnBrk="1" latinLnBrk="0" hangingPunct="1">
+                <a:defRPr sz="1800" kern="1200">
+                  <a:solidFill>
+                    <a:schemeClr val="tx1"/>
+                  </a:solidFill>
+                  <a:latin typeface="+mn-lt"/>
+                  <a:ea typeface="+mn-ea"/>
+                  <a:cs typeface="+mn-cs"/>
+                </a:defRPr>
+              </a:lvl2pPr>
+              <a:lvl3pPr marL="914400" algn="l" defTabSz="914400" rtl="0" eaLnBrk="1" latinLnBrk="0" hangingPunct="1">
+                <a:defRPr sz="1800" kern="1200">
+                  <a:solidFill>
+                    <a:schemeClr val="tx1"/>
+                  </a:solidFill>
+                  <a:latin typeface="+mn-lt"/>
+                  <a:ea typeface="+mn-ea"/>
+                  <a:cs typeface="+mn-cs"/>
+                </a:defRPr>
+              </a:lvl3pPr>
+              <a:lvl4pPr marL="1371600" algn="l" defTabSz="914400" rtl="0" eaLnBrk="1" latinLnBrk="0" hangingPunct="1">
+                <a:defRPr sz="1800" kern="1200">
+                  <a:solidFill>
+                    <a:schemeClr val="tx1"/>
+                  </a:solidFill>
+                  <a:latin typeface="+mn-lt"/>
+                  <a:ea typeface="+mn-ea"/>
+                  <a:cs typeface="+mn-cs"/>
+                </a:defRPr>
+              </a:lvl4pPr>
+              <a:lvl5pPr marL="1828800" algn="l" defTabSz="914400" rtl="0" eaLnBrk="1" latinLnBrk="0" hangingPunct="1">
+                <a:defRPr sz="1800" kern="1200">
+                  <a:solidFill>
+                    <a:schemeClr val="tx1"/>
+                  </a:solidFill>
+                  <a:latin typeface="+mn-lt"/>
+                  <a:ea typeface="+mn-ea"/>
+                  <a:cs typeface="+mn-cs"/>
+                </a:defRPr>
+              </a:lvl5pPr>
+              <a:lvl6pPr marL="2286000" algn="l" defTabSz="914400" rtl="0" eaLnBrk="1" latinLnBrk="0" hangingPunct="1">
+                <a:defRPr sz="1800" kern="1200">
+                  <a:solidFill>
+                    <a:schemeClr val="tx1"/>
+                  </a:solidFill>
+                  <a:latin typeface="+mn-lt"/>
+                  <a:ea typeface="+mn-ea"/>
+                  <a:cs typeface="+mn-cs"/>
+                </a:defRPr>
+              </a:lvl6pPr>
+              <a:lvl7pPr marL="2743200" algn="l" defTabSz="914400" rtl="0" eaLnBrk="1" latinLnBrk="0" hangingPunct="1">
+                <a:defRPr sz="1800" kern="1200">
+                  <a:solidFill>
+                    <a:schemeClr val="tx1"/>
+                  </a:solidFill>
+                  <a:latin typeface="+mn-lt"/>
+                  <a:ea typeface="+mn-ea"/>
+                  <a:cs typeface="+mn-cs"/>
+                </a:defRPr>
+              </a:lvl7pPr>
+              <a:lvl8pPr marL="3200400" algn="l" defTabSz="914400" rtl="0" eaLnBrk="1" latinLnBrk="0" hangingPunct="1">
+                <a:defRPr sz="1800" kern="1200">
+                  <a:solidFill>
+                    <a:schemeClr val="tx1"/>
+                  </a:solidFill>
+                  <a:latin typeface="+mn-lt"/>
+                  <a:ea typeface="+mn-ea"/>
+                  <a:cs typeface="+mn-cs"/>
+                </a:defRPr>
+              </a:lvl8pPr>
+              <a:lvl9pPr marL="3657600" algn="l" defTabSz="914400" rtl="0" eaLnBrk="1" latinLnBrk="0" hangingPunct="1">
+                <a:defRPr sz="1800" kern="1200">
+                  <a:solidFill>
+                    <a:schemeClr val="tx1"/>
+                  </a:solidFill>
+                  <a:latin typeface="+mn-lt"/>
+                  <a:ea typeface="+mn-ea"/>
+                  <a:cs typeface="+mn-cs"/>
+                </a:defRPr>
+              </a:lvl9pPr>
+            </a:lstStyle>
+            <a:p>
+              <a:pPr algn="l"/>
+              <a:r>
+                <a:rPr lang="en-US" dirty="0"/>
+                <a:t>1.4 1.2 2.6</a:t>
+              </a:r>
+            </a:p>
+          </p:txBody>
+        </p:sp>
+        <p:sp>
+          <p:nvSpPr>
+            <p:cNvPr id="7" name="TextBox 6">
+              <a:extLst>
+                <a:ext uri="{FF2B5EF4-FFF2-40B4-BE49-F238E27FC236}">
+                  <a16:creationId xmlns:a16="http://schemas.microsoft.com/office/drawing/2014/main" id="{8AFEFB7E-E7A3-B721-5F37-5257754932E1}"/>
+                </a:ext>
+              </a:extLst>
+            </p:cNvPr>
+            <p:cNvSpPr txBox="1"/>
+            <p:nvPr/>
+          </p:nvSpPr>
+          <p:spPr>
+            <a:xfrm>
+              <a:off x="5277158" y="3432829"/>
+              <a:ext cx="1828800" cy="369332"/>
+            </a:xfrm>
+            <a:prstGeom prst="rect">
+              <a:avLst/>
+            </a:prstGeom>
+            <a:noFill/>
+          </p:spPr>
+          <p:txBody>
+            <a:bodyPr rot="0" spcFirstLastPara="0" vert="horz" wrap="square" lIns="91440" tIns="45720" rIns="91440" bIns="45720" numCol="1" spcCol="0" rtlCol="0" fromWordArt="0" anchor="t" anchorCtr="0" forceAA="0" compatLnSpc="1">
+              <a:prstTxWarp prst="textNoShape">
+                <a:avLst/>
+              </a:prstTxWarp>
+              <a:spAutoFit/>
+            </a:bodyPr>
+            <a:lstStyle>
+              <a:defPPr>
+                <a:defRPr lang="en-US"/>
+              </a:defPPr>
+              <a:lvl1pPr marL="0" algn="l" defTabSz="914400" rtl="0" eaLnBrk="1" latinLnBrk="0" hangingPunct="1">
+                <a:defRPr sz="1800" kern="1200">
+                  <a:solidFill>
+                    <a:schemeClr val="tx1"/>
+                  </a:solidFill>
+                  <a:latin typeface="+mn-lt"/>
+                  <a:ea typeface="+mn-ea"/>
+                  <a:cs typeface="+mn-cs"/>
+                </a:defRPr>
+              </a:lvl1pPr>
+              <a:lvl2pPr marL="457200" algn="l" defTabSz="914400" rtl="0" eaLnBrk="1" latinLnBrk="0" hangingPunct="1">
+                <a:defRPr sz="1800" kern="1200">
+                  <a:solidFill>
+                    <a:schemeClr val="tx1"/>
+                  </a:solidFill>
+                  <a:latin typeface="+mn-lt"/>
+                  <a:ea typeface="+mn-ea"/>
+                  <a:cs typeface="+mn-cs"/>
+                </a:defRPr>
+              </a:lvl2pPr>
+              <a:lvl3pPr marL="914400" algn="l" defTabSz="914400" rtl="0" eaLnBrk="1" latinLnBrk="0" hangingPunct="1">
+                <a:defRPr sz="1800" kern="1200">
+                  <a:solidFill>
+                    <a:schemeClr val="tx1"/>
+                  </a:solidFill>
+                  <a:latin typeface="+mn-lt"/>
+                  <a:ea typeface="+mn-ea"/>
+                  <a:cs typeface="+mn-cs"/>
+                </a:defRPr>
+              </a:lvl3pPr>
+              <a:lvl4pPr marL="1371600" algn="l" defTabSz="914400" rtl="0" eaLnBrk="1" latinLnBrk="0" hangingPunct="1">
+                <a:defRPr sz="1800" kern="1200">
+                  <a:solidFill>
+                    <a:schemeClr val="tx1"/>
+                  </a:solidFill>
+                  <a:latin typeface="+mn-lt"/>
+                  <a:ea typeface="+mn-ea"/>
+                  <a:cs typeface="+mn-cs"/>
+                </a:defRPr>
+              </a:lvl4pPr>
+              <a:lvl5pPr marL="1828800" algn="l" defTabSz="914400" rtl="0" eaLnBrk="1" latinLnBrk="0" hangingPunct="1">
+                <a:defRPr sz="1800" kern="1200">
+                  <a:solidFill>
+                    <a:schemeClr val="tx1"/>
+                  </a:solidFill>
+                  <a:latin typeface="+mn-lt"/>
+                  <a:ea typeface="+mn-ea"/>
+                  <a:cs typeface="+mn-cs"/>
+                </a:defRPr>
+              </a:lvl5pPr>
+              <a:lvl6pPr marL="2286000" algn="l" defTabSz="914400" rtl="0" eaLnBrk="1" latinLnBrk="0" hangingPunct="1">
+                <a:defRPr sz="1800" kern="1200">
+                  <a:solidFill>
+                    <a:schemeClr val="tx1"/>
+                  </a:solidFill>
+                  <a:latin typeface="+mn-lt"/>
+                  <a:ea typeface="+mn-ea"/>
+                  <a:cs typeface="+mn-cs"/>
+                </a:defRPr>
+              </a:lvl6pPr>
+              <a:lvl7pPr marL="2743200" algn="l" defTabSz="914400" rtl="0" eaLnBrk="1" latinLnBrk="0" hangingPunct="1">
+                <a:defRPr sz="1800" kern="1200">
+                  <a:solidFill>
+                    <a:schemeClr val="tx1"/>
+                  </a:solidFill>
+                  <a:latin typeface="+mn-lt"/>
+                  <a:ea typeface="+mn-ea"/>
+                  <a:cs typeface="+mn-cs"/>
+                </a:defRPr>
+              </a:lvl7pPr>
+              <a:lvl8pPr marL="3200400" algn="l" defTabSz="914400" rtl="0" eaLnBrk="1" latinLnBrk="0" hangingPunct="1">
+                <a:defRPr sz="1800" kern="1200">
+                  <a:solidFill>
+                    <a:schemeClr val="tx1"/>
+                  </a:solidFill>
+                  <a:latin typeface="+mn-lt"/>
+                  <a:ea typeface="+mn-ea"/>
+                  <a:cs typeface="+mn-cs"/>
+                </a:defRPr>
+              </a:lvl8pPr>
+              <a:lvl9pPr marL="3657600" algn="l" defTabSz="914400" rtl="0" eaLnBrk="1" latinLnBrk="0" hangingPunct="1">
+                <a:defRPr sz="1800" kern="1200">
+                  <a:solidFill>
+                    <a:schemeClr val="tx1"/>
+                  </a:solidFill>
+                  <a:latin typeface="+mn-lt"/>
+                  <a:ea typeface="+mn-ea"/>
+                  <a:cs typeface="+mn-cs"/>
+                </a:defRPr>
+              </a:lvl9pPr>
+            </a:lstStyle>
+            <a:p>
+              <a:pPr algn="l"/>
+              <a:r>
+                <a:rPr lang="en-US" dirty="0"/>
+                <a:t>1.4 1.2 2.8</a:t>
+              </a:r>
+            </a:p>
+          </p:txBody>
+        </p:sp>
+        <p:sp>
+          <p:nvSpPr>
+            <p:cNvPr id="8" name="TextBox 7">
+              <a:extLst>
+                <a:ext uri="{FF2B5EF4-FFF2-40B4-BE49-F238E27FC236}">
+                  <a16:creationId xmlns:a16="http://schemas.microsoft.com/office/drawing/2014/main" id="{99ACF886-60CC-BF53-BEC8-D996B9591742}"/>
+                </a:ext>
+              </a:extLst>
+            </p:cNvPr>
+            <p:cNvSpPr txBox="1"/>
+            <p:nvPr/>
+          </p:nvSpPr>
+          <p:spPr>
+            <a:xfrm>
+              <a:off x="9833811" y="3429000"/>
+              <a:ext cx="1828800" cy="369332"/>
+            </a:xfrm>
+            <a:prstGeom prst="rect">
+              <a:avLst/>
+            </a:prstGeom>
+            <a:noFill/>
+          </p:spPr>
+          <p:txBody>
+            <a:bodyPr rot="0" spcFirstLastPara="0" vert="horz" wrap="square" lIns="91440" tIns="45720" rIns="91440" bIns="45720" numCol="1" spcCol="0" rtlCol="0" fromWordArt="0" anchor="t" anchorCtr="0" forceAA="0" compatLnSpc="1">
+              <a:prstTxWarp prst="textNoShape">
+                <a:avLst/>
+              </a:prstTxWarp>
+              <a:spAutoFit/>
+            </a:bodyPr>
+            <a:lstStyle>
+              <a:defPPr>
+                <a:defRPr lang="en-US"/>
+              </a:defPPr>
+              <a:lvl1pPr marL="0" algn="l" defTabSz="914400" rtl="0" eaLnBrk="1" latinLnBrk="0" hangingPunct="1">
+                <a:defRPr sz="1800" kern="1200">
+                  <a:solidFill>
+                    <a:schemeClr val="tx1"/>
+                  </a:solidFill>
+                  <a:latin typeface="+mn-lt"/>
+                  <a:ea typeface="+mn-ea"/>
+                  <a:cs typeface="+mn-cs"/>
+                </a:defRPr>
+              </a:lvl1pPr>
+              <a:lvl2pPr marL="457200" algn="l" defTabSz="914400" rtl="0" eaLnBrk="1" latinLnBrk="0" hangingPunct="1">
+                <a:defRPr sz="1800" kern="1200">
+                  <a:solidFill>
+                    <a:schemeClr val="tx1"/>
+                  </a:solidFill>
+                  <a:latin typeface="+mn-lt"/>
+                  <a:ea typeface="+mn-ea"/>
+                  <a:cs typeface="+mn-cs"/>
+                </a:defRPr>
+              </a:lvl2pPr>
+              <a:lvl3pPr marL="914400" algn="l" defTabSz="914400" rtl="0" eaLnBrk="1" latinLnBrk="0" hangingPunct="1">
+                <a:defRPr sz="1800" kern="1200">
+                  <a:solidFill>
+                    <a:schemeClr val="tx1"/>
+                  </a:solidFill>
+                  <a:latin typeface="+mn-lt"/>
+                  <a:ea typeface="+mn-ea"/>
+                  <a:cs typeface="+mn-cs"/>
+                </a:defRPr>
+              </a:lvl3pPr>
+              <a:lvl4pPr marL="1371600" algn="l" defTabSz="914400" rtl="0" eaLnBrk="1" latinLnBrk="0" hangingPunct="1">
+                <a:defRPr sz="1800" kern="1200">
+                  <a:solidFill>
+                    <a:schemeClr val="tx1"/>
+                  </a:solidFill>
+                  <a:latin typeface="+mn-lt"/>
+                  <a:ea typeface="+mn-ea"/>
+                  <a:cs typeface="+mn-cs"/>
+                </a:defRPr>
+              </a:lvl4pPr>
+              <a:lvl5pPr marL="1828800" algn="l" defTabSz="914400" rtl="0" eaLnBrk="1" latinLnBrk="0" hangingPunct="1">
+                <a:defRPr sz="1800" kern="1200">
+                  <a:solidFill>
+                    <a:schemeClr val="tx1"/>
+                  </a:solidFill>
+                  <a:latin typeface="+mn-lt"/>
+                  <a:ea typeface="+mn-ea"/>
+                  <a:cs typeface="+mn-cs"/>
+                </a:defRPr>
+              </a:lvl5pPr>
+              <a:lvl6pPr marL="2286000" algn="l" defTabSz="914400" rtl="0" eaLnBrk="1" latinLnBrk="0" hangingPunct="1">
+                <a:defRPr sz="1800" kern="1200">
+                  <a:solidFill>
+                    <a:schemeClr val="tx1"/>
+                  </a:solidFill>
+                  <a:latin typeface="+mn-lt"/>
+                  <a:ea typeface="+mn-ea"/>
+                  <a:cs typeface="+mn-cs"/>
+                </a:defRPr>
+              </a:lvl6pPr>
+              <a:lvl7pPr marL="2743200" algn="l" defTabSz="914400" rtl="0" eaLnBrk="1" latinLnBrk="0" hangingPunct="1">
+                <a:defRPr sz="1800" kern="1200">
+                  <a:solidFill>
+                    <a:schemeClr val="tx1"/>
+                  </a:solidFill>
+                  <a:latin typeface="+mn-lt"/>
+                  <a:ea typeface="+mn-ea"/>
+                  <a:cs typeface="+mn-cs"/>
+                </a:defRPr>
+              </a:lvl7pPr>
+              <a:lvl8pPr marL="3200400" algn="l" defTabSz="914400" rtl="0" eaLnBrk="1" latinLnBrk="0" hangingPunct="1">
+                <a:defRPr sz="1800" kern="1200">
+                  <a:solidFill>
+                    <a:schemeClr val="tx1"/>
+                  </a:solidFill>
+                  <a:latin typeface="+mn-lt"/>
+                  <a:ea typeface="+mn-ea"/>
+                  <a:cs typeface="+mn-cs"/>
+                </a:defRPr>
+              </a:lvl8pPr>
+              <a:lvl9pPr marL="3657600" algn="l" defTabSz="914400" rtl="0" eaLnBrk="1" latinLnBrk="0" hangingPunct="1">
+                <a:defRPr sz="1800" kern="1200">
+                  <a:solidFill>
+                    <a:schemeClr val="tx1"/>
+                  </a:solidFill>
+                  <a:latin typeface="+mn-lt"/>
+                  <a:ea typeface="+mn-ea"/>
+                  <a:cs typeface="+mn-cs"/>
+                </a:defRPr>
+              </a:lvl9pPr>
+            </a:lstStyle>
+            <a:p>
+              <a:pPr algn="l"/>
+              <a:r>
+                <a:rPr lang="en-US" dirty="0"/>
+                <a:t>1.4 1.2 3.0</a:t>
+              </a:r>
+            </a:p>
+          </p:txBody>
+        </p:sp>
+      </p:grpSp>
+      <p:pic>
+        <p:nvPicPr>
+          <p:cNvPr id="5122" name="Picture 2">
+            <a:extLst>
+              <a:ext uri="{FF2B5EF4-FFF2-40B4-BE49-F238E27FC236}">
+                <a16:creationId xmlns:a16="http://schemas.microsoft.com/office/drawing/2014/main" id="{CDB8E33E-1B5C-69EA-CBE3-C146C31B1A20}"/>
+              </a:ext>
+            </a:extLst>
+          </p:cNvPr>
+          <p:cNvPicPr>
+            <a:picLocks noChangeAspect="1" noChangeArrowheads="1"/>
+          </p:cNvPicPr>
+          <p:nvPr/>
+        </p:nvPicPr>
+        <p:blipFill>
+          <a:blip r:embed="rId2">
+            <a:extLst>
+              <a:ext uri="{28A0092B-C50C-407E-A947-70E740481C1C}">
+                <a14:useLocalDpi xmlns:a14="http://schemas.microsoft.com/office/drawing/2010/main" val="0"/>
+              </a:ext>
+            </a:extLst>
+          </a:blip>
+          <a:srcRect/>
+          <a:stretch>
+            <a:fillRect/>
+          </a:stretch>
+        </p:blipFill>
+        <p:spPr bwMode="auto">
+          <a:xfrm>
+            <a:off x="8831743" y="592788"/>
+            <a:ext cx="3266545" cy="2521347"/>
+          </a:xfrm>
+          <a:prstGeom prst="rect">
+            <a:avLst/>
+          </a:prstGeom>
+          <a:noFill/>
+          <a:extLst>
+            <a:ext uri="{909E8E84-426E-40DD-AFC4-6F175D3DCCD1}">
+              <a14:hiddenFill xmlns:a14="http://schemas.microsoft.com/office/drawing/2010/main">
+                <a:solidFill>
+                  <a:srgbClr val="FFFFFF"/>
+                </a:solidFill>
+              </a14:hiddenFill>
+            </a:ext>
+          </a:extLst>
+        </p:spPr>
+      </p:pic>
+      <p:pic>
+        <p:nvPicPr>
+          <p:cNvPr id="5124" name="Picture 4">
+            <a:extLst>
+              <a:ext uri="{FF2B5EF4-FFF2-40B4-BE49-F238E27FC236}">
+                <a16:creationId xmlns:a16="http://schemas.microsoft.com/office/drawing/2014/main" id="{E0ADB9E9-CC3C-1075-21CE-1FFE5714551C}"/>
+              </a:ext>
+            </a:extLst>
+          </p:cNvPr>
+          <p:cNvPicPr>
+            <a:picLocks noChangeAspect="1" noChangeArrowheads="1"/>
+          </p:cNvPicPr>
+          <p:nvPr/>
+        </p:nvPicPr>
+        <p:blipFill>
+          <a:blip r:embed="rId3">
+            <a:extLst>
+              <a:ext uri="{28A0092B-C50C-407E-A947-70E740481C1C}">
+                <a14:useLocalDpi xmlns:a14="http://schemas.microsoft.com/office/drawing/2010/main" val="0"/>
+              </a:ext>
+            </a:extLst>
+          </a:blip>
+          <a:srcRect/>
+          <a:stretch>
+            <a:fillRect/>
+          </a:stretch>
+        </p:blipFill>
+        <p:spPr bwMode="auto">
+          <a:xfrm>
+            <a:off x="4371886" y="592788"/>
+            <a:ext cx="3266546" cy="2521348"/>
+          </a:xfrm>
+          <a:prstGeom prst="rect">
+            <a:avLst/>
+          </a:prstGeom>
+          <a:noFill/>
+          <a:extLst>
+            <a:ext uri="{909E8E84-426E-40DD-AFC4-6F175D3DCCD1}">
+              <a14:hiddenFill xmlns:a14="http://schemas.microsoft.com/office/drawing/2010/main">
+                <a:solidFill>
+                  <a:srgbClr val="FFFFFF"/>
+                </a:solidFill>
+              </a14:hiddenFill>
+            </a:ext>
+          </a:extLst>
+        </p:spPr>
+      </p:pic>
+      <p:pic>
+        <p:nvPicPr>
+          <p:cNvPr id="5126" name="Picture 6">
+            <a:extLst>
+              <a:ext uri="{FF2B5EF4-FFF2-40B4-BE49-F238E27FC236}">
+                <a16:creationId xmlns:a16="http://schemas.microsoft.com/office/drawing/2014/main" id="{8D7F3E7B-A442-68E5-A3A9-CC7E68F7C53B}"/>
+              </a:ext>
+            </a:extLst>
+          </p:cNvPr>
+          <p:cNvPicPr>
+            <a:picLocks noChangeAspect="1" noChangeArrowheads="1"/>
+          </p:cNvPicPr>
+          <p:nvPr/>
+        </p:nvPicPr>
+        <p:blipFill>
+          <a:blip r:embed="rId4">
+            <a:extLst>
+              <a:ext uri="{28A0092B-C50C-407E-A947-70E740481C1C}">
+                <a14:useLocalDpi xmlns:a14="http://schemas.microsoft.com/office/drawing/2010/main" val="0"/>
+              </a:ext>
+            </a:extLst>
+          </a:blip>
+          <a:srcRect/>
+          <a:stretch>
+            <a:fillRect/>
+          </a:stretch>
+        </p:blipFill>
+        <p:spPr bwMode="auto">
+          <a:xfrm>
+            <a:off x="93712" y="592788"/>
+            <a:ext cx="3266546" cy="2521348"/>
+          </a:xfrm>
+          <a:prstGeom prst="rect">
+            <a:avLst/>
+          </a:prstGeom>
+          <a:noFill/>
+          <a:extLst>
+            <a:ext uri="{909E8E84-426E-40DD-AFC4-6F175D3DCCD1}">
+              <a14:hiddenFill xmlns:a14="http://schemas.microsoft.com/office/drawing/2010/main">
+                <a:solidFill>
+                  <a:srgbClr val="FFFFFF"/>
+                </a:solidFill>
+              </a14:hiddenFill>
+            </a:ext>
+          </a:extLst>
+        </p:spPr>
+      </p:pic>
+      <p:pic>
+        <p:nvPicPr>
+          <p:cNvPr id="5128" name="Picture 8">
+            <a:extLst>
+              <a:ext uri="{FF2B5EF4-FFF2-40B4-BE49-F238E27FC236}">
+                <a16:creationId xmlns:a16="http://schemas.microsoft.com/office/drawing/2014/main" id="{784E19CA-060C-890F-EB4B-9CCB622F64EA}"/>
+              </a:ext>
+            </a:extLst>
+          </p:cNvPr>
+          <p:cNvPicPr>
+            <a:picLocks noChangeAspect="1" noChangeArrowheads="1"/>
+          </p:cNvPicPr>
+          <p:nvPr/>
+        </p:nvPicPr>
+        <p:blipFill>
+          <a:blip r:embed="rId5">
+            <a:extLst>
+              <a:ext uri="{28A0092B-C50C-407E-A947-70E740481C1C}">
+                <a14:useLocalDpi xmlns:a14="http://schemas.microsoft.com/office/drawing/2010/main" val="0"/>
+              </a:ext>
+            </a:extLst>
+          </a:blip>
+          <a:srcRect/>
+          <a:stretch>
+            <a:fillRect/>
+          </a:stretch>
+        </p:blipFill>
+        <p:spPr bwMode="auto">
+          <a:xfrm>
+            <a:off x="93712" y="3956550"/>
+            <a:ext cx="3266546" cy="2521348"/>
+          </a:xfrm>
+          <a:prstGeom prst="rect">
+            <a:avLst/>
+          </a:prstGeom>
+          <a:noFill/>
+          <a:extLst>
+            <a:ext uri="{909E8E84-426E-40DD-AFC4-6F175D3DCCD1}">
+              <a14:hiddenFill xmlns:a14="http://schemas.microsoft.com/office/drawing/2010/main">
+                <a:solidFill>
+                  <a:srgbClr val="FFFFFF"/>
+                </a:solidFill>
+              </a14:hiddenFill>
+            </a:ext>
+          </a:extLst>
+        </p:spPr>
+      </p:pic>
+    </p:spTree>
+    <p:extLst>
+      <p:ext uri="{BB962C8B-B14F-4D97-AF65-F5344CB8AC3E}">
+        <p14:creationId xmlns:p14="http://schemas.microsoft.com/office/powerpoint/2010/main" val="2354562838"/>
+      </p:ext>
+    </p:extLst>
+  </p:cSld>
+  <p:clrMapOvr>
+    <a:masterClrMapping/>
+  </p:clrMapOvr>
+</p:sld>
+</file>
+
+<file path=ppt/slides/slide23.xml><?xml version="1.0" encoding="utf-8"?>
+<p:sld xmlns:a="http://schemas.openxmlformats.org/drawingml/2006/main" xmlns:r="http://schemas.openxmlformats.org/officeDocument/2006/relationships" xmlns:p="http://schemas.openxmlformats.org/presentationml/2006/main">
+  <p:cSld>
+    <p:spTree>
+      <p:nvGrpSpPr>
+        <p:cNvPr id="1" name=""/>
+        <p:cNvGrpSpPr/>
+        <p:nvPr/>
+      </p:nvGrpSpPr>
+      <p:grpSpPr>
+        <a:xfrm>
+          <a:off x="0" y="0"/>
+          <a:ext cx="0" cy="0"/>
+          <a:chOff x="0" y="0"/>
+          <a:chExt cx="0" cy="0"/>
+        </a:xfrm>
+      </p:grpSpPr>
+      <p:grpSp>
+        <p:nvGrpSpPr>
+          <p:cNvPr id="2" name="Group 1">
+            <a:extLst>
+              <a:ext uri="{FF2B5EF4-FFF2-40B4-BE49-F238E27FC236}">
+                <a16:creationId xmlns:a16="http://schemas.microsoft.com/office/drawing/2014/main" id="{48BB38F6-EE66-D025-0B25-0FE0898A75A9}"/>
+              </a:ext>
+            </a:extLst>
+          </p:cNvPr>
+          <p:cNvGrpSpPr/>
+          <p:nvPr/>
+        </p:nvGrpSpPr>
+        <p:grpSpPr>
+          <a:xfrm>
+            <a:off x="402443" y="128954"/>
+            <a:ext cx="11260168" cy="3673207"/>
+            <a:chOff x="402443" y="128954"/>
+            <a:chExt cx="11260168" cy="3673207"/>
+          </a:xfrm>
+        </p:grpSpPr>
+        <p:sp>
+          <p:nvSpPr>
+            <p:cNvPr id="3" name="TextBox 2">
+              <a:extLst>
+                <a:ext uri="{FF2B5EF4-FFF2-40B4-BE49-F238E27FC236}">
+                  <a16:creationId xmlns:a16="http://schemas.microsoft.com/office/drawing/2014/main" id="{845A49FA-FE14-09A5-F261-E31E1B9EB010}"/>
+                </a:ext>
+              </a:extLst>
+            </p:cNvPr>
+            <p:cNvSpPr txBox="1"/>
+            <p:nvPr/>
+          </p:nvSpPr>
+          <p:spPr>
+            <a:xfrm>
+              <a:off x="402443" y="128954"/>
+              <a:ext cx="1828800" cy="369332"/>
+            </a:xfrm>
+            <a:prstGeom prst="rect">
+              <a:avLst/>
+            </a:prstGeom>
+            <a:noFill/>
+          </p:spPr>
+          <p:txBody>
+            <a:bodyPr rot="0" spcFirstLastPara="0" vert="horz" wrap="square" lIns="91440" tIns="45720" rIns="91440" bIns="45720" numCol="1" spcCol="0" rtlCol="0" fromWordArt="0" anchor="t" anchorCtr="0" forceAA="0" compatLnSpc="1">
+              <a:prstTxWarp prst="textNoShape">
+                <a:avLst/>
+              </a:prstTxWarp>
+              <a:spAutoFit/>
+            </a:bodyPr>
+            <a:lstStyle>
+              <a:defPPr>
+                <a:defRPr lang="en-US"/>
+              </a:defPPr>
+              <a:lvl1pPr marL="0" algn="l" defTabSz="914400" rtl="0" eaLnBrk="1" latinLnBrk="0" hangingPunct="1">
+                <a:defRPr sz="1800" kern="1200">
+                  <a:solidFill>
+                    <a:schemeClr val="tx1"/>
+                  </a:solidFill>
+                  <a:latin typeface="+mn-lt"/>
+                  <a:ea typeface="+mn-ea"/>
+                  <a:cs typeface="+mn-cs"/>
+                </a:defRPr>
+              </a:lvl1pPr>
+              <a:lvl2pPr marL="457200" algn="l" defTabSz="914400" rtl="0" eaLnBrk="1" latinLnBrk="0" hangingPunct="1">
+                <a:defRPr sz="1800" kern="1200">
+                  <a:solidFill>
+                    <a:schemeClr val="tx1"/>
+                  </a:solidFill>
+                  <a:latin typeface="+mn-lt"/>
+                  <a:ea typeface="+mn-ea"/>
+                  <a:cs typeface="+mn-cs"/>
+                </a:defRPr>
+              </a:lvl2pPr>
+              <a:lvl3pPr marL="914400" algn="l" defTabSz="914400" rtl="0" eaLnBrk="1" latinLnBrk="0" hangingPunct="1">
+                <a:defRPr sz="1800" kern="1200">
+                  <a:solidFill>
+                    <a:schemeClr val="tx1"/>
+                  </a:solidFill>
+                  <a:latin typeface="+mn-lt"/>
+                  <a:ea typeface="+mn-ea"/>
+                  <a:cs typeface="+mn-cs"/>
+                </a:defRPr>
+              </a:lvl3pPr>
+              <a:lvl4pPr marL="1371600" algn="l" defTabSz="914400" rtl="0" eaLnBrk="1" latinLnBrk="0" hangingPunct="1">
+                <a:defRPr sz="1800" kern="1200">
+                  <a:solidFill>
+                    <a:schemeClr val="tx1"/>
+                  </a:solidFill>
+                  <a:latin typeface="+mn-lt"/>
+                  <a:ea typeface="+mn-ea"/>
+                  <a:cs typeface="+mn-cs"/>
+                </a:defRPr>
+              </a:lvl4pPr>
+              <a:lvl5pPr marL="1828800" algn="l" defTabSz="914400" rtl="0" eaLnBrk="1" latinLnBrk="0" hangingPunct="1">
+                <a:defRPr sz="1800" kern="1200">
+                  <a:solidFill>
+                    <a:schemeClr val="tx1"/>
+                  </a:solidFill>
+                  <a:latin typeface="+mn-lt"/>
+                  <a:ea typeface="+mn-ea"/>
+                  <a:cs typeface="+mn-cs"/>
+                </a:defRPr>
+              </a:lvl5pPr>
+              <a:lvl6pPr marL="2286000" algn="l" defTabSz="914400" rtl="0" eaLnBrk="1" latinLnBrk="0" hangingPunct="1">
+                <a:defRPr sz="1800" kern="1200">
+                  <a:solidFill>
+                    <a:schemeClr val="tx1"/>
+                  </a:solidFill>
+                  <a:latin typeface="+mn-lt"/>
+                  <a:ea typeface="+mn-ea"/>
+                  <a:cs typeface="+mn-cs"/>
+                </a:defRPr>
+              </a:lvl6pPr>
+              <a:lvl7pPr marL="2743200" algn="l" defTabSz="914400" rtl="0" eaLnBrk="1" latinLnBrk="0" hangingPunct="1">
+                <a:defRPr sz="1800" kern="1200">
+                  <a:solidFill>
+                    <a:schemeClr val="tx1"/>
+                  </a:solidFill>
+                  <a:latin typeface="+mn-lt"/>
+                  <a:ea typeface="+mn-ea"/>
+                  <a:cs typeface="+mn-cs"/>
+                </a:defRPr>
+              </a:lvl7pPr>
+              <a:lvl8pPr marL="3200400" algn="l" defTabSz="914400" rtl="0" eaLnBrk="1" latinLnBrk="0" hangingPunct="1">
+                <a:defRPr sz="1800" kern="1200">
+                  <a:solidFill>
+                    <a:schemeClr val="tx1"/>
+                  </a:solidFill>
+                  <a:latin typeface="+mn-lt"/>
+                  <a:ea typeface="+mn-ea"/>
+                  <a:cs typeface="+mn-cs"/>
+                </a:defRPr>
+              </a:lvl8pPr>
+              <a:lvl9pPr marL="3657600" algn="l" defTabSz="914400" rtl="0" eaLnBrk="1" latinLnBrk="0" hangingPunct="1">
+                <a:defRPr sz="1800" kern="1200">
+                  <a:solidFill>
+                    <a:schemeClr val="tx1"/>
+                  </a:solidFill>
+                  <a:latin typeface="+mn-lt"/>
+                  <a:ea typeface="+mn-ea"/>
+                  <a:cs typeface="+mn-cs"/>
+                </a:defRPr>
+              </a:lvl9pPr>
+            </a:lstStyle>
+            <a:p>
+              <a:pPr algn="l"/>
+              <a:r>
+                <a:rPr lang="en-US" dirty="0"/>
                 <a:t>1.0 1.4 2.6</a:t>
               </a:r>
             </a:p>
@@ -17162,7 +18132,7 @@
 </p:sld>
 </file>
 
-<file path=ppt/slides/slide23.xml><?xml version="1.0" encoding="utf-8"?>
+<file path=ppt/slides/slide24.xml><?xml version="1.0" encoding="utf-8"?>
 <p:sld xmlns:a="http://schemas.openxmlformats.org/drawingml/2006/main" xmlns:r="http://schemas.openxmlformats.org/officeDocument/2006/relationships" xmlns:p="http://schemas.openxmlformats.org/presentationml/2006/main">
   <p:cSld>
     <p:spTree>

--- a/p_update.pptx
+++ b/p_update.pptx
@@ -23,12 +23,14 @@
     <p:sldId id="268" r:id="rId17"/>
     <p:sldId id="269" r:id="rId18"/>
     <p:sldId id="271" r:id="rId19"/>
-    <p:sldId id="302" r:id="rId20"/>
-    <p:sldId id="272" r:id="rId21"/>
-    <p:sldId id="273" r:id="rId22"/>
-    <p:sldId id="276" r:id="rId23"/>
-    <p:sldId id="274" r:id="rId24"/>
-    <p:sldId id="275" r:id="rId25"/>
+    <p:sldId id="272" r:id="rId20"/>
+    <p:sldId id="273" r:id="rId21"/>
+    <p:sldId id="276" r:id="rId22"/>
+    <p:sldId id="274" r:id="rId23"/>
+    <p:sldId id="275" r:id="rId24"/>
+    <p:sldId id="302" r:id="rId25"/>
+    <p:sldId id="304" r:id="rId26"/>
+    <p:sldId id="303" r:id="rId27"/>
   </p:sldIdLst>
   <p:sldSz cx="12192000" cy="6858000"/>
   <p:notesSz cx="6858000" cy="9144000"/>
@@ -12330,411 +12332,831 @@
           <a:chExt cx="0" cy="0"/>
         </a:xfrm>
       </p:grpSpPr>
-      <p:sp>
-        <p:nvSpPr>
-          <p:cNvPr id="2" name="TextBox 1">
+      <p:grpSp>
+        <p:nvGrpSpPr>
+          <p:cNvPr id="2" name="Group 1">
             <a:extLst>
               <a:ext uri="{FF2B5EF4-FFF2-40B4-BE49-F238E27FC236}">
-                <a16:creationId xmlns:a16="http://schemas.microsoft.com/office/drawing/2014/main" id="{8C007D34-9938-BDBF-DF90-F51D086DCD6E}"/>
+                <a16:creationId xmlns:a16="http://schemas.microsoft.com/office/drawing/2014/main" id="{48BB38F6-EE66-D025-0B25-0FE0898A75A9}"/>
               </a:ext>
             </a:extLst>
           </p:cNvPr>
-          <p:cNvSpPr txBox="1"/>
+          <p:cNvGrpSpPr/>
           <p:nvPr/>
-        </p:nvSpPr>
-        <p:spPr>
+        </p:nvGrpSpPr>
+        <p:grpSpPr>
           <a:xfrm>
             <a:off x="402443" y="128954"/>
-            <a:ext cx="1828800" cy="369332"/>
+            <a:ext cx="11260168" cy="3673207"/>
+            <a:chOff x="402443" y="128954"/>
+            <a:chExt cx="11260168" cy="3673207"/>
           </a:xfrm>
-          <a:prstGeom prst="rect">
-            <a:avLst/>
-          </a:prstGeom>
-          <a:noFill/>
-        </p:spPr>
-        <p:txBody>
-          <a:bodyPr rot="0" spcFirstLastPara="0" vert="horz" wrap="square" lIns="91440" tIns="45720" rIns="91440" bIns="45720" numCol="1" spcCol="0" rtlCol="0" fromWordArt="0" anchor="t" anchorCtr="0" forceAA="0" compatLnSpc="1">
-            <a:prstTxWarp prst="textNoShape">
+        </p:grpSpPr>
+        <p:sp>
+          <p:nvSpPr>
+            <p:cNvPr id="3" name="TextBox 2">
+              <a:extLst>
+                <a:ext uri="{FF2B5EF4-FFF2-40B4-BE49-F238E27FC236}">
+                  <a16:creationId xmlns:a16="http://schemas.microsoft.com/office/drawing/2014/main" id="{845A49FA-FE14-09A5-F261-E31E1B9EB010}"/>
+                </a:ext>
+              </a:extLst>
+            </p:cNvPr>
+            <p:cNvSpPr txBox="1"/>
+            <p:nvPr/>
+          </p:nvSpPr>
+          <p:spPr>
+            <a:xfrm>
+              <a:off x="402443" y="128954"/>
+              <a:ext cx="1828800" cy="369332"/>
+            </a:xfrm>
+            <a:prstGeom prst="rect">
               <a:avLst/>
-            </a:prstTxWarp>
-            <a:spAutoFit/>
-          </a:bodyPr>
-          <a:lstStyle>
-            <a:defPPr>
-              <a:defRPr lang="en-US"/>
-            </a:defPPr>
-            <a:lvl1pPr marL="0" algn="l" defTabSz="914400" rtl="0" eaLnBrk="1" latinLnBrk="0" hangingPunct="1">
-              <a:defRPr sz="1800" kern="1200">
-                <a:solidFill>
-                  <a:schemeClr val="tx1"/>
-                </a:solidFill>
-                <a:latin typeface="+mn-lt"/>
-                <a:ea typeface="+mn-ea"/>
-                <a:cs typeface="+mn-cs"/>
-              </a:defRPr>
-            </a:lvl1pPr>
-            <a:lvl2pPr marL="457200" algn="l" defTabSz="914400" rtl="0" eaLnBrk="1" latinLnBrk="0" hangingPunct="1">
-              <a:defRPr sz="1800" kern="1200">
-                <a:solidFill>
-                  <a:schemeClr val="tx1"/>
-                </a:solidFill>
-                <a:latin typeface="+mn-lt"/>
-                <a:ea typeface="+mn-ea"/>
-                <a:cs typeface="+mn-cs"/>
-              </a:defRPr>
-            </a:lvl2pPr>
-            <a:lvl3pPr marL="914400" algn="l" defTabSz="914400" rtl="0" eaLnBrk="1" latinLnBrk="0" hangingPunct="1">
-              <a:defRPr sz="1800" kern="1200">
-                <a:solidFill>
-                  <a:schemeClr val="tx1"/>
-                </a:solidFill>
-                <a:latin typeface="+mn-lt"/>
-                <a:ea typeface="+mn-ea"/>
-                <a:cs typeface="+mn-cs"/>
-              </a:defRPr>
-            </a:lvl3pPr>
-            <a:lvl4pPr marL="1371600" algn="l" defTabSz="914400" rtl="0" eaLnBrk="1" latinLnBrk="0" hangingPunct="1">
-              <a:defRPr sz="1800" kern="1200">
-                <a:solidFill>
-                  <a:schemeClr val="tx1"/>
-                </a:solidFill>
-                <a:latin typeface="+mn-lt"/>
-                <a:ea typeface="+mn-ea"/>
-                <a:cs typeface="+mn-cs"/>
-              </a:defRPr>
-            </a:lvl4pPr>
-            <a:lvl5pPr marL="1828800" algn="l" defTabSz="914400" rtl="0" eaLnBrk="1" latinLnBrk="0" hangingPunct="1">
-              <a:defRPr sz="1800" kern="1200">
-                <a:solidFill>
-                  <a:schemeClr val="tx1"/>
-                </a:solidFill>
-                <a:latin typeface="+mn-lt"/>
-                <a:ea typeface="+mn-ea"/>
-                <a:cs typeface="+mn-cs"/>
-              </a:defRPr>
-            </a:lvl5pPr>
-            <a:lvl6pPr marL="2286000" algn="l" defTabSz="914400" rtl="0" eaLnBrk="1" latinLnBrk="0" hangingPunct="1">
-              <a:defRPr sz="1800" kern="1200">
-                <a:solidFill>
-                  <a:schemeClr val="tx1"/>
-                </a:solidFill>
-                <a:latin typeface="+mn-lt"/>
-                <a:ea typeface="+mn-ea"/>
-                <a:cs typeface="+mn-cs"/>
-              </a:defRPr>
-            </a:lvl6pPr>
-            <a:lvl7pPr marL="2743200" algn="l" defTabSz="914400" rtl="0" eaLnBrk="1" latinLnBrk="0" hangingPunct="1">
-              <a:defRPr sz="1800" kern="1200">
-                <a:solidFill>
-                  <a:schemeClr val="tx1"/>
-                </a:solidFill>
-                <a:latin typeface="+mn-lt"/>
-                <a:ea typeface="+mn-ea"/>
-                <a:cs typeface="+mn-cs"/>
-              </a:defRPr>
-            </a:lvl7pPr>
-            <a:lvl8pPr marL="3200400" algn="l" defTabSz="914400" rtl="0" eaLnBrk="1" latinLnBrk="0" hangingPunct="1">
-              <a:defRPr sz="1800" kern="1200">
-                <a:solidFill>
-                  <a:schemeClr val="tx1"/>
-                </a:solidFill>
-                <a:latin typeface="+mn-lt"/>
-                <a:ea typeface="+mn-ea"/>
-                <a:cs typeface="+mn-cs"/>
-              </a:defRPr>
-            </a:lvl8pPr>
-            <a:lvl9pPr marL="3657600" algn="l" defTabSz="914400" rtl="0" eaLnBrk="1" latinLnBrk="0" hangingPunct="1">
-              <a:defRPr sz="1800" kern="1200">
-                <a:solidFill>
-                  <a:schemeClr val="tx1"/>
-                </a:solidFill>
-                <a:latin typeface="+mn-lt"/>
-                <a:ea typeface="+mn-ea"/>
-                <a:cs typeface="+mn-cs"/>
-              </a:defRPr>
-            </a:lvl9pPr>
-          </a:lstStyle>
-          <a:p>
-            <a:pPr algn="l"/>
-            <a:r>
-              <a:rPr lang="en-US" dirty="0"/>
-              <a:t>1.0 1.0 2.2</a:t>
-            </a:r>
-          </a:p>
-        </p:txBody>
-      </p:sp>
-      <p:sp>
-        <p:nvSpPr>
-          <p:cNvPr id="3" name="TextBox 2">
-            <a:extLst>
-              <a:ext uri="{FF2B5EF4-FFF2-40B4-BE49-F238E27FC236}">
-                <a16:creationId xmlns:a16="http://schemas.microsoft.com/office/drawing/2014/main" id="{F3A37A45-A755-6C8D-1004-7E4A2CF90C09}"/>
-              </a:ext>
-            </a:extLst>
-          </p:cNvPr>
-          <p:cNvSpPr txBox="1"/>
-          <p:nvPr/>
-        </p:nvSpPr>
-        <p:spPr>
-          <a:xfrm>
-            <a:off x="5373372" y="128954"/>
-            <a:ext cx="1828800" cy="369332"/>
-          </a:xfrm>
-          <a:prstGeom prst="rect">
-            <a:avLst/>
-          </a:prstGeom>
-          <a:noFill/>
-        </p:spPr>
-        <p:txBody>
-          <a:bodyPr rot="0" spcFirstLastPara="0" vert="horz" wrap="square" lIns="91440" tIns="45720" rIns="91440" bIns="45720" numCol="1" spcCol="0" rtlCol="0" fromWordArt="0" anchor="t" anchorCtr="0" forceAA="0" compatLnSpc="1">
-            <a:prstTxWarp prst="textNoShape">
+            </a:prstGeom>
+            <a:noFill/>
+          </p:spPr>
+          <p:txBody>
+            <a:bodyPr rot="0" spcFirstLastPara="0" vert="horz" wrap="square" lIns="91440" tIns="45720" rIns="91440" bIns="45720" numCol="1" spcCol="0" rtlCol="0" fromWordArt="0" anchor="t" anchorCtr="0" forceAA="0" compatLnSpc="1">
+              <a:prstTxWarp prst="textNoShape">
+                <a:avLst/>
+              </a:prstTxWarp>
+              <a:spAutoFit/>
+            </a:bodyPr>
+            <a:lstStyle>
+              <a:defPPr>
+                <a:defRPr lang="en-US"/>
+              </a:defPPr>
+              <a:lvl1pPr marL="0" algn="l" defTabSz="914400" rtl="0" eaLnBrk="1" latinLnBrk="0" hangingPunct="1">
+                <a:defRPr sz="1800" kern="1200">
+                  <a:solidFill>
+                    <a:schemeClr val="tx1"/>
+                  </a:solidFill>
+                  <a:latin typeface="+mn-lt"/>
+                  <a:ea typeface="+mn-ea"/>
+                  <a:cs typeface="+mn-cs"/>
+                </a:defRPr>
+              </a:lvl1pPr>
+              <a:lvl2pPr marL="457200" algn="l" defTabSz="914400" rtl="0" eaLnBrk="1" latinLnBrk="0" hangingPunct="1">
+                <a:defRPr sz="1800" kern="1200">
+                  <a:solidFill>
+                    <a:schemeClr val="tx1"/>
+                  </a:solidFill>
+                  <a:latin typeface="+mn-lt"/>
+                  <a:ea typeface="+mn-ea"/>
+                  <a:cs typeface="+mn-cs"/>
+                </a:defRPr>
+              </a:lvl2pPr>
+              <a:lvl3pPr marL="914400" algn="l" defTabSz="914400" rtl="0" eaLnBrk="1" latinLnBrk="0" hangingPunct="1">
+                <a:defRPr sz="1800" kern="1200">
+                  <a:solidFill>
+                    <a:schemeClr val="tx1"/>
+                  </a:solidFill>
+                  <a:latin typeface="+mn-lt"/>
+                  <a:ea typeface="+mn-ea"/>
+                  <a:cs typeface="+mn-cs"/>
+                </a:defRPr>
+              </a:lvl3pPr>
+              <a:lvl4pPr marL="1371600" algn="l" defTabSz="914400" rtl="0" eaLnBrk="1" latinLnBrk="0" hangingPunct="1">
+                <a:defRPr sz="1800" kern="1200">
+                  <a:solidFill>
+                    <a:schemeClr val="tx1"/>
+                  </a:solidFill>
+                  <a:latin typeface="+mn-lt"/>
+                  <a:ea typeface="+mn-ea"/>
+                  <a:cs typeface="+mn-cs"/>
+                </a:defRPr>
+              </a:lvl4pPr>
+              <a:lvl5pPr marL="1828800" algn="l" defTabSz="914400" rtl="0" eaLnBrk="1" latinLnBrk="0" hangingPunct="1">
+                <a:defRPr sz="1800" kern="1200">
+                  <a:solidFill>
+                    <a:schemeClr val="tx1"/>
+                  </a:solidFill>
+                  <a:latin typeface="+mn-lt"/>
+                  <a:ea typeface="+mn-ea"/>
+                  <a:cs typeface="+mn-cs"/>
+                </a:defRPr>
+              </a:lvl5pPr>
+              <a:lvl6pPr marL="2286000" algn="l" defTabSz="914400" rtl="0" eaLnBrk="1" latinLnBrk="0" hangingPunct="1">
+                <a:defRPr sz="1800" kern="1200">
+                  <a:solidFill>
+                    <a:schemeClr val="tx1"/>
+                  </a:solidFill>
+                  <a:latin typeface="+mn-lt"/>
+                  <a:ea typeface="+mn-ea"/>
+                  <a:cs typeface="+mn-cs"/>
+                </a:defRPr>
+              </a:lvl6pPr>
+              <a:lvl7pPr marL="2743200" algn="l" defTabSz="914400" rtl="0" eaLnBrk="1" latinLnBrk="0" hangingPunct="1">
+                <a:defRPr sz="1800" kern="1200">
+                  <a:solidFill>
+                    <a:schemeClr val="tx1"/>
+                  </a:solidFill>
+                  <a:latin typeface="+mn-lt"/>
+                  <a:ea typeface="+mn-ea"/>
+                  <a:cs typeface="+mn-cs"/>
+                </a:defRPr>
+              </a:lvl7pPr>
+              <a:lvl8pPr marL="3200400" algn="l" defTabSz="914400" rtl="0" eaLnBrk="1" latinLnBrk="0" hangingPunct="1">
+                <a:defRPr sz="1800" kern="1200">
+                  <a:solidFill>
+                    <a:schemeClr val="tx1"/>
+                  </a:solidFill>
+                  <a:latin typeface="+mn-lt"/>
+                  <a:ea typeface="+mn-ea"/>
+                  <a:cs typeface="+mn-cs"/>
+                </a:defRPr>
+              </a:lvl8pPr>
+              <a:lvl9pPr marL="3657600" algn="l" defTabSz="914400" rtl="0" eaLnBrk="1" latinLnBrk="0" hangingPunct="1">
+                <a:defRPr sz="1800" kern="1200">
+                  <a:solidFill>
+                    <a:schemeClr val="tx1"/>
+                  </a:solidFill>
+                  <a:latin typeface="+mn-lt"/>
+                  <a:ea typeface="+mn-ea"/>
+                  <a:cs typeface="+mn-cs"/>
+                </a:defRPr>
+              </a:lvl9pPr>
+            </a:lstStyle>
+            <a:p>
+              <a:pPr algn="l"/>
+              <a:r>
+                <a:rPr lang="en-US" dirty="0"/>
+                <a:t>1.0 1.0 2.6</a:t>
+              </a:r>
+            </a:p>
+          </p:txBody>
+        </p:sp>
+        <p:sp>
+          <p:nvSpPr>
+            <p:cNvPr id="4" name="TextBox 3">
+              <a:extLst>
+                <a:ext uri="{FF2B5EF4-FFF2-40B4-BE49-F238E27FC236}">
+                  <a16:creationId xmlns:a16="http://schemas.microsoft.com/office/drawing/2014/main" id="{5D9D32C1-EF01-6F19-2847-0465BD547108}"/>
+                </a:ext>
+              </a:extLst>
+            </p:cNvPr>
+            <p:cNvSpPr txBox="1"/>
+            <p:nvPr/>
+          </p:nvSpPr>
+          <p:spPr>
+            <a:xfrm>
+              <a:off x="5373372" y="128954"/>
+              <a:ext cx="1828800" cy="369332"/>
+            </a:xfrm>
+            <a:prstGeom prst="rect">
               <a:avLst/>
-            </a:prstTxWarp>
-            <a:spAutoFit/>
-          </a:bodyPr>
-          <a:lstStyle>
-            <a:defPPr>
-              <a:defRPr lang="en-US"/>
-            </a:defPPr>
-            <a:lvl1pPr marL="0" algn="l" defTabSz="914400" rtl="0" eaLnBrk="1" latinLnBrk="0" hangingPunct="1">
-              <a:defRPr sz="1800" kern="1200">
-                <a:solidFill>
-                  <a:schemeClr val="tx1"/>
-                </a:solidFill>
-                <a:latin typeface="+mn-lt"/>
-                <a:ea typeface="+mn-ea"/>
-                <a:cs typeface="+mn-cs"/>
-              </a:defRPr>
-            </a:lvl1pPr>
-            <a:lvl2pPr marL="457200" algn="l" defTabSz="914400" rtl="0" eaLnBrk="1" latinLnBrk="0" hangingPunct="1">
-              <a:defRPr sz="1800" kern="1200">
-                <a:solidFill>
-                  <a:schemeClr val="tx1"/>
-                </a:solidFill>
-                <a:latin typeface="+mn-lt"/>
-                <a:ea typeface="+mn-ea"/>
-                <a:cs typeface="+mn-cs"/>
-              </a:defRPr>
-            </a:lvl2pPr>
-            <a:lvl3pPr marL="914400" algn="l" defTabSz="914400" rtl="0" eaLnBrk="1" latinLnBrk="0" hangingPunct="1">
-              <a:defRPr sz="1800" kern="1200">
-                <a:solidFill>
-                  <a:schemeClr val="tx1"/>
-                </a:solidFill>
-                <a:latin typeface="+mn-lt"/>
-                <a:ea typeface="+mn-ea"/>
-                <a:cs typeface="+mn-cs"/>
-              </a:defRPr>
-            </a:lvl3pPr>
-            <a:lvl4pPr marL="1371600" algn="l" defTabSz="914400" rtl="0" eaLnBrk="1" latinLnBrk="0" hangingPunct="1">
-              <a:defRPr sz="1800" kern="1200">
-                <a:solidFill>
-                  <a:schemeClr val="tx1"/>
-                </a:solidFill>
-                <a:latin typeface="+mn-lt"/>
-                <a:ea typeface="+mn-ea"/>
-                <a:cs typeface="+mn-cs"/>
-              </a:defRPr>
-            </a:lvl4pPr>
-            <a:lvl5pPr marL="1828800" algn="l" defTabSz="914400" rtl="0" eaLnBrk="1" latinLnBrk="0" hangingPunct="1">
-              <a:defRPr sz="1800" kern="1200">
-                <a:solidFill>
-                  <a:schemeClr val="tx1"/>
-                </a:solidFill>
-                <a:latin typeface="+mn-lt"/>
-                <a:ea typeface="+mn-ea"/>
-                <a:cs typeface="+mn-cs"/>
-              </a:defRPr>
-            </a:lvl5pPr>
-            <a:lvl6pPr marL="2286000" algn="l" defTabSz="914400" rtl="0" eaLnBrk="1" latinLnBrk="0" hangingPunct="1">
-              <a:defRPr sz="1800" kern="1200">
-                <a:solidFill>
-                  <a:schemeClr val="tx1"/>
-                </a:solidFill>
-                <a:latin typeface="+mn-lt"/>
-                <a:ea typeface="+mn-ea"/>
-                <a:cs typeface="+mn-cs"/>
-              </a:defRPr>
-            </a:lvl6pPr>
-            <a:lvl7pPr marL="2743200" algn="l" defTabSz="914400" rtl="0" eaLnBrk="1" latinLnBrk="0" hangingPunct="1">
-              <a:defRPr sz="1800" kern="1200">
-                <a:solidFill>
-                  <a:schemeClr val="tx1"/>
-                </a:solidFill>
-                <a:latin typeface="+mn-lt"/>
-                <a:ea typeface="+mn-ea"/>
-                <a:cs typeface="+mn-cs"/>
-              </a:defRPr>
-            </a:lvl7pPr>
-            <a:lvl8pPr marL="3200400" algn="l" defTabSz="914400" rtl="0" eaLnBrk="1" latinLnBrk="0" hangingPunct="1">
-              <a:defRPr sz="1800" kern="1200">
-                <a:solidFill>
-                  <a:schemeClr val="tx1"/>
-                </a:solidFill>
-                <a:latin typeface="+mn-lt"/>
-                <a:ea typeface="+mn-ea"/>
-                <a:cs typeface="+mn-cs"/>
-              </a:defRPr>
-            </a:lvl8pPr>
-            <a:lvl9pPr marL="3657600" algn="l" defTabSz="914400" rtl="0" eaLnBrk="1" latinLnBrk="0" hangingPunct="1">
-              <a:defRPr sz="1800" kern="1200">
-                <a:solidFill>
-                  <a:schemeClr val="tx1"/>
-                </a:solidFill>
-                <a:latin typeface="+mn-lt"/>
-                <a:ea typeface="+mn-ea"/>
-                <a:cs typeface="+mn-cs"/>
-              </a:defRPr>
-            </a:lvl9pPr>
-          </a:lstStyle>
-          <a:p>
-            <a:pPr algn="l"/>
-            <a:r>
-              <a:rPr lang="en-US" dirty="0"/>
-              <a:t>1.0 1.0 </a:t>
-            </a:r>
-          </a:p>
-        </p:txBody>
-      </p:sp>
-      <p:sp>
-        <p:nvSpPr>
-          <p:cNvPr id="4" name="TextBox 3">
-            <a:extLst>
-              <a:ext uri="{FF2B5EF4-FFF2-40B4-BE49-F238E27FC236}">
-                <a16:creationId xmlns:a16="http://schemas.microsoft.com/office/drawing/2014/main" id="{58527F87-CE59-731F-AA63-8DA38523242C}"/>
-              </a:ext>
-            </a:extLst>
-          </p:cNvPr>
-          <p:cNvSpPr txBox="1"/>
-          <p:nvPr/>
-        </p:nvSpPr>
-        <p:spPr>
-          <a:xfrm>
-            <a:off x="9833811" y="128954"/>
-            <a:ext cx="1828800" cy="369332"/>
-          </a:xfrm>
-          <a:prstGeom prst="rect">
-            <a:avLst/>
-          </a:prstGeom>
-          <a:noFill/>
-        </p:spPr>
-        <p:txBody>
-          <a:bodyPr rot="0" spcFirstLastPara="0" vert="horz" wrap="square" lIns="91440" tIns="45720" rIns="91440" bIns="45720" numCol="1" spcCol="0" rtlCol="0" fromWordArt="0" anchor="t" anchorCtr="0" forceAA="0" compatLnSpc="1">
-            <a:prstTxWarp prst="textNoShape">
+            </a:prstGeom>
+            <a:noFill/>
+          </p:spPr>
+          <p:txBody>
+            <a:bodyPr rot="0" spcFirstLastPara="0" vert="horz" wrap="square" lIns="91440" tIns="45720" rIns="91440" bIns="45720" numCol="1" spcCol="0" rtlCol="0" fromWordArt="0" anchor="t" anchorCtr="0" forceAA="0" compatLnSpc="1">
+              <a:prstTxWarp prst="textNoShape">
+                <a:avLst/>
+              </a:prstTxWarp>
+              <a:spAutoFit/>
+            </a:bodyPr>
+            <a:lstStyle>
+              <a:defPPr>
+                <a:defRPr lang="en-US"/>
+              </a:defPPr>
+              <a:lvl1pPr marL="0" algn="l" defTabSz="914400" rtl="0" eaLnBrk="1" latinLnBrk="0" hangingPunct="1">
+                <a:defRPr sz="1800" kern="1200">
+                  <a:solidFill>
+                    <a:schemeClr val="tx1"/>
+                  </a:solidFill>
+                  <a:latin typeface="+mn-lt"/>
+                  <a:ea typeface="+mn-ea"/>
+                  <a:cs typeface="+mn-cs"/>
+                </a:defRPr>
+              </a:lvl1pPr>
+              <a:lvl2pPr marL="457200" algn="l" defTabSz="914400" rtl="0" eaLnBrk="1" latinLnBrk="0" hangingPunct="1">
+                <a:defRPr sz="1800" kern="1200">
+                  <a:solidFill>
+                    <a:schemeClr val="tx1"/>
+                  </a:solidFill>
+                  <a:latin typeface="+mn-lt"/>
+                  <a:ea typeface="+mn-ea"/>
+                  <a:cs typeface="+mn-cs"/>
+                </a:defRPr>
+              </a:lvl2pPr>
+              <a:lvl3pPr marL="914400" algn="l" defTabSz="914400" rtl="0" eaLnBrk="1" latinLnBrk="0" hangingPunct="1">
+                <a:defRPr sz="1800" kern="1200">
+                  <a:solidFill>
+                    <a:schemeClr val="tx1"/>
+                  </a:solidFill>
+                  <a:latin typeface="+mn-lt"/>
+                  <a:ea typeface="+mn-ea"/>
+                  <a:cs typeface="+mn-cs"/>
+                </a:defRPr>
+              </a:lvl3pPr>
+              <a:lvl4pPr marL="1371600" algn="l" defTabSz="914400" rtl="0" eaLnBrk="1" latinLnBrk="0" hangingPunct="1">
+                <a:defRPr sz="1800" kern="1200">
+                  <a:solidFill>
+                    <a:schemeClr val="tx1"/>
+                  </a:solidFill>
+                  <a:latin typeface="+mn-lt"/>
+                  <a:ea typeface="+mn-ea"/>
+                  <a:cs typeface="+mn-cs"/>
+                </a:defRPr>
+              </a:lvl4pPr>
+              <a:lvl5pPr marL="1828800" algn="l" defTabSz="914400" rtl="0" eaLnBrk="1" latinLnBrk="0" hangingPunct="1">
+                <a:defRPr sz="1800" kern="1200">
+                  <a:solidFill>
+                    <a:schemeClr val="tx1"/>
+                  </a:solidFill>
+                  <a:latin typeface="+mn-lt"/>
+                  <a:ea typeface="+mn-ea"/>
+                  <a:cs typeface="+mn-cs"/>
+                </a:defRPr>
+              </a:lvl5pPr>
+              <a:lvl6pPr marL="2286000" algn="l" defTabSz="914400" rtl="0" eaLnBrk="1" latinLnBrk="0" hangingPunct="1">
+                <a:defRPr sz="1800" kern="1200">
+                  <a:solidFill>
+                    <a:schemeClr val="tx1"/>
+                  </a:solidFill>
+                  <a:latin typeface="+mn-lt"/>
+                  <a:ea typeface="+mn-ea"/>
+                  <a:cs typeface="+mn-cs"/>
+                </a:defRPr>
+              </a:lvl6pPr>
+              <a:lvl7pPr marL="2743200" algn="l" defTabSz="914400" rtl="0" eaLnBrk="1" latinLnBrk="0" hangingPunct="1">
+                <a:defRPr sz="1800" kern="1200">
+                  <a:solidFill>
+                    <a:schemeClr val="tx1"/>
+                  </a:solidFill>
+                  <a:latin typeface="+mn-lt"/>
+                  <a:ea typeface="+mn-ea"/>
+                  <a:cs typeface="+mn-cs"/>
+                </a:defRPr>
+              </a:lvl7pPr>
+              <a:lvl8pPr marL="3200400" algn="l" defTabSz="914400" rtl="0" eaLnBrk="1" latinLnBrk="0" hangingPunct="1">
+                <a:defRPr sz="1800" kern="1200">
+                  <a:solidFill>
+                    <a:schemeClr val="tx1"/>
+                  </a:solidFill>
+                  <a:latin typeface="+mn-lt"/>
+                  <a:ea typeface="+mn-ea"/>
+                  <a:cs typeface="+mn-cs"/>
+                </a:defRPr>
+              </a:lvl8pPr>
+              <a:lvl9pPr marL="3657600" algn="l" defTabSz="914400" rtl="0" eaLnBrk="1" latinLnBrk="0" hangingPunct="1">
+                <a:defRPr sz="1800" kern="1200">
+                  <a:solidFill>
+                    <a:schemeClr val="tx1"/>
+                  </a:solidFill>
+                  <a:latin typeface="+mn-lt"/>
+                  <a:ea typeface="+mn-ea"/>
+                  <a:cs typeface="+mn-cs"/>
+                </a:defRPr>
+              </a:lvl9pPr>
+            </a:lstStyle>
+            <a:p>
+              <a:pPr algn="l"/>
+              <a:r>
+                <a:rPr lang="en-US" dirty="0"/>
+                <a:t>1.0 1.0 2.8</a:t>
+              </a:r>
+            </a:p>
+          </p:txBody>
+        </p:sp>
+        <p:sp>
+          <p:nvSpPr>
+            <p:cNvPr id="5" name="TextBox 4">
+              <a:extLst>
+                <a:ext uri="{FF2B5EF4-FFF2-40B4-BE49-F238E27FC236}">
+                  <a16:creationId xmlns:a16="http://schemas.microsoft.com/office/drawing/2014/main" id="{A6F07378-5FEC-51FB-FA5B-BA2FB65C7880}"/>
+                </a:ext>
+              </a:extLst>
+            </p:cNvPr>
+            <p:cNvSpPr txBox="1"/>
+            <p:nvPr/>
+          </p:nvSpPr>
+          <p:spPr>
+            <a:xfrm>
+              <a:off x="9833811" y="128954"/>
+              <a:ext cx="1828800" cy="369332"/>
+            </a:xfrm>
+            <a:prstGeom prst="rect">
               <a:avLst/>
-            </a:prstTxWarp>
-            <a:spAutoFit/>
-          </a:bodyPr>
-          <a:lstStyle>
-            <a:defPPr>
-              <a:defRPr lang="en-US"/>
-            </a:defPPr>
-            <a:lvl1pPr marL="0" algn="l" defTabSz="914400" rtl="0" eaLnBrk="1" latinLnBrk="0" hangingPunct="1">
-              <a:defRPr sz="1800" kern="1200">
-                <a:solidFill>
-                  <a:schemeClr val="tx1"/>
-                </a:solidFill>
-                <a:latin typeface="+mn-lt"/>
-                <a:ea typeface="+mn-ea"/>
-                <a:cs typeface="+mn-cs"/>
-              </a:defRPr>
-            </a:lvl1pPr>
-            <a:lvl2pPr marL="457200" algn="l" defTabSz="914400" rtl="0" eaLnBrk="1" latinLnBrk="0" hangingPunct="1">
-              <a:defRPr sz="1800" kern="1200">
-                <a:solidFill>
-                  <a:schemeClr val="tx1"/>
-                </a:solidFill>
-                <a:latin typeface="+mn-lt"/>
-                <a:ea typeface="+mn-ea"/>
-                <a:cs typeface="+mn-cs"/>
-              </a:defRPr>
-            </a:lvl2pPr>
-            <a:lvl3pPr marL="914400" algn="l" defTabSz="914400" rtl="0" eaLnBrk="1" latinLnBrk="0" hangingPunct="1">
-              <a:defRPr sz="1800" kern="1200">
-                <a:solidFill>
-                  <a:schemeClr val="tx1"/>
-                </a:solidFill>
-                <a:latin typeface="+mn-lt"/>
-                <a:ea typeface="+mn-ea"/>
-                <a:cs typeface="+mn-cs"/>
-              </a:defRPr>
-            </a:lvl3pPr>
-            <a:lvl4pPr marL="1371600" algn="l" defTabSz="914400" rtl="0" eaLnBrk="1" latinLnBrk="0" hangingPunct="1">
-              <a:defRPr sz="1800" kern="1200">
-                <a:solidFill>
-                  <a:schemeClr val="tx1"/>
-                </a:solidFill>
-                <a:latin typeface="+mn-lt"/>
-                <a:ea typeface="+mn-ea"/>
-                <a:cs typeface="+mn-cs"/>
-              </a:defRPr>
-            </a:lvl4pPr>
-            <a:lvl5pPr marL="1828800" algn="l" defTabSz="914400" rtl="0" eaLnBrk="1" latinLnBrk="0" hangingPunct="1">
-              <a:defRPr sz="1800" kern="1200">
-                <a:solidFill>
-                  <a:schemeClr val="tx1"/>
-                </a:solidFill>
-                <a:latin typeface="+mn-lt"/>
-                <a:ea typeface="+mn-ea"/>
-                <a:cs typeface="+mn-cs"/>
-              </a:defRPr>
-            </a:lvl5pPr>
-            <a:lvl6pPr marL="2286000" algn="l" defTabSz="914400" rtl="0" eaLnBrk="1" latinLnBrk="0" hangingPunct="1">
-              <a:defRPr sz="1800" kern="1200">
-                <a:solidFill>
-                  <a:schemeClr val="tx1"/>
-                </a:solidFill>
-                <a:latin typeface="+mn-lt"/>
-                <a:ea typeface="+mn-ea"/>
-                <a:cs typeface="+mn-cs"/>
-              </a:defRPr>
-            </a:lvl6pPr>
-            <a:lvl7pPr marL="2743200" algn="l" defTabSz="914400" rtl="0" eaLnBrk="1" latinLnBrk="0" hangingPunct="1">
-              <a:defRPr sz="1800" kern="1200">
-                <a:solidFill>
-                  <a:schemeClr val="tx1"/>
-                </a:solidFill>
-                <a:latin typeface="+mn-lt"/>
-                <a:ea typeface="+mn-ea"/>
-                <a:cs typeface="+mn-cs"/>
-              </a:defRPr>
-            </a:lvl7pPr>
-            <a:lvl8pPr marL="3200400" algn="l" defTabSz="914400" rtl="0" eaLnBrk="1" latinLnBrk="0" hangingPunct="1">
-              <a:defRPr sz="1800" kern="1200">
-                <a:solidFill>
-                  <a:schemeClr val="tx1"/>
-                </a:solidFill>
-                <a:latin typeface="+mn-lt"/>
-                <a:ea typeface="+mn-ea"/>
-                <a:cs typeface="+mn-cs"/>
-              </a:defRPr>
-            </a:lvl8pPr>
-            <a:lvl9pPr marL="3657600" algn="l" defTabSz="914400" rtl="0" eaLnBrk="1" latinLnBrk="0" hangingPunct="1">
-              <a:defRPr sz="1800" kern="1200">
-                <a:solidFill>
-                  <a:schemeClr val="tx1"/>
-                </a:solidFill>
-                <a:latin typeface="+mn-lt"/>
-                <a:ea typeface="+mn-ea"/>
-                <a:cs typeface="+mn-cs"/>
-              </a:defRPr>
-            </a:lvl9pPr>
-          </a:lstStyle>
-          <a:p>
-            <a:pPr algn="l"/>
-            <a:r>
-              <a:rPr lang="en-US" dirty="0"/>
-              <a:t>1.0 1.0 2.6</a:t>
-            </a:r>
-          </a:p>
-        </p:txBody>
-      </p:sp>
+            </a:prstGeom>
+            <a:noFill/>
+          </p:spPr>
+          <p:txBody>
+            <a:bodyPr rot="0" spcFirstLastPara="0" vert="horz" wrap="square" lIns="91440" tIns="45720" rIns="91440" bIns="45720" numCol="1" spcCol="0" rtlCol="0" fromWordArt="0" anchor="t" anchorCtr="0" forceAA="0" compatLnSpc="1">
+              <a:prstTxWarp prst="textNoShape">
+                <a:avLst/>
+              </a:prstTxWarp>
+              <a:spAutoFit/>
+            </a:bodyPr>
+            <a:lstStyle>
+              <a:defPPr>
+                <a:defRPr lang="en-US"/>
+              </a:defPPr>
+              <a:lvl1pPr marL="0" algn="l" defTabSz="914400" rtl="0" eaLnBrk="1" latinLnBrk="0" hangingPunct="1">
+                <a:defRPr sz="1800" kern="1200">
+                  <a:solidFill>
+                    <a:schemeClr val="tx1"/>
+                  </a:solidFill>
+                  <a:latin typeface="+mn-lt"/>
+                  <a:ea typeface="+mn-ea"/>
+                  <a:cs typeface="+mn-cs"/>
+                </a:defRPr>
+              </a:lvl1pPr>
+              <a:lvl2pPr marL="457200" algn="l" defTabSz="914400" rtl="0" eaLnBrk="1" latinLnBrk="0" hangingPunct="1">
+                <a:defRPr sz="1800" kern="1200">
+                  <a:solidFill>
+                    <a:schemeClr val="tx1"/>
+                  </a:solidFill>
+                  <a:latin typeface="+mn-lt"/>
+                  <a:ea typeface="+mn-ea"/>
+                  <a:cs typeface="+mn-cs"/>
+                </a:defRPr>
+              </a:lvl2pPr>
+              <a:lvl3pPr marL="914400" algn="l" defTabSz="914400" rtl="0" eaLnBrk="1" latinLnBrk="0" hangingPunct="1">
+                <a:defRPr sz="1800" kern="1200">
+                  <a:solidFill>
+                    <a:schemeClr val="tx1"/>
+                  </a:solidFill>
+                  <a:latin typeface="+mn-lt"/>
+                  <a:ea typeface="+mn-ea"/>
+                  <a:cs typeface="+mn-cs"/>
+                </a:defRPr>
+              </a:lvl3pPr>
+              <a:lvl4pPr marL="1371600" algn="l" defTabSz="914400" rtl="0" eaLnBrk="1" latinLnBrk="0" hangingPunct="1">
+                <a:defRPr sz="1800" kern="1200">
+                  <a:solidFill>
+                    <a:schemeClr val="tx1"/>
+                  </a:solidFill>
+                  <a:latin typeface="+mn-lt"/>
+                  <a:ea typeface="+mn-ea"/>
+                  <a:cs typeface="+mn-cs"/>
+                </a:defRPr>
+              </a:lvl4pPr>
+              <a:lvl5pPr marL="1828800" algn="l" defTabSz="914400" rtl="0" eaLnBrk="1" latinLnBrk="0" hangingPunct="1">
+                <a:defRPr sz="1800" kern="1200">
+                  <a:solidFill>
+                    <a:schemeClr val="tx1"/>
+                  </a:solidFill>
+                  <a:latin typeface="+mn-lt"/>
+                  <a:ea typeface="+mn-ea"/>
+                  <a:cs typeface="+mn-cs"/>
+                </a:defRPr>
+              </a:lvl5pPr>
+              <a:lvl6pPr marL="2286000" algn="l" defTabSz="914400" rtl="0" eaLnBrk="1" latinLnBrk="0" hangingPunct="1">
+                <a:defRPr sz="1800" kern="1200">
+                  <a:solidFill>
+                    <a:schemeClr val="tx1"/>
+                  </a:solidFill>
+                  <a:latin typeface="+mn-lt"/>
+                  <a:ea typeface="+mn-ea"/>
+                  <a:cs typeface="+mn-cs"/>
+                </a:defRPr>
+              </a:lvl6pPr>
+              <a:lvl7pPr marL="2743200" algn="l" defTabSz="914400" rtl="0" eaLnBrk="1" latinLnBrk="0" hangingPunct="1">
+                <a:defRPr sz="1800" kern="1200">
+                  <a:solidFill>
+                    <a:schemeClr val="tx1"/>
+                  </a:solidFill>
+                  <a:latin typeface="+mn-lt"/>
+                  <a:ea typeface="+mn-ea"/>
+                  <a:cs typeface="+mn-cs"/>
+                </a:defRPr>
+              </a:lvl7pPr>
+              <a:lvl8pPr marL="3200400" algn="l" defTabSz="914400" rtl="0" eaLnBrk="1" latinLnBrk="0" hangingPunct="1">
+                <a:defRPr sz="1800" kern="1200">
+                  <a:solidFill>
+                    <a:schemeClr val="tx1"/>
+                  </a:solidFill>
+                  <a:latin typeface="+mn-lt"/>
+                  <a:ea typeface="+mn-ea"/>
+                  <a:cs typeface="+mn-cs"/>
+                </a:defRPr>
+              </a:lvl8pPr>
+              <a:lvl9pPr marL="3657600" algn="l" defTabSz="914400" rtl="0" eaLnBrk="1" latinLnBrk="0" hangingPunct="1">
+                <a:defRPr sz="1800" kern="1200">
+                  <a:solidFill>
+                    <a:schemeClr val="tx1"/>
+                  </a:solidFill>
+                  <a:latin typeface="+mn-lt"/>
+                  <a:ea typeface="+mn-ea"/>
+                  <a:cs typeface="+mn-cs"/>
+                </a:defRPr>
+              </a:lvl9pPr>
+            </a:lstStyle>
+            <a:p>
+              <a:pPr algn="l"/>
+              <a:r>
+                <a:rPr lang="en-US" dirty="0"/>
+                <a:t>1.0 1.0 3.0</a:t>
+              </a:r>
+            </a:p>
+          </p:txBody>
+        </p:sp>
+        <p:sp>
+          <p:nvSpPr>
+            <p:cNvPr id="6" name="TextBox 5">
+              <a:extLst>
+                <a:ext uri="{FF2B5EF4-FFF2-40B4-BE49-F238E27FC236}">
+                  <a16:creationId xmlns:a16="http://schemas.microsoft.com/office/drawing/2014/main" id="{EDE81B5E-1582-EC75-D7DF-078074CEBE61}"/>
+                </a:ext>
+              </a:extLst>
+            </p:cNvPr>
+            <p:cNvSpPr txBox="1"/>
+            <p:nvPr/>
+          </p:nvSpPr>
+          <p:spPr>
+            <a:xfrm>
+              <a:off x="402443" y="3429000"/>
+              <a:ext cx="1828800" cy="369332"/>
+            </a:xfrm>
+            <a:prstGeom prst="rect">
+              <a:avLst/>
+            </a:prstGeom>
+            <a:noFill/>
+          </p:spPr>
+          <p:txBody>
+            <a:bodyPr rot="0" spcFirstLastPara="0" vert="horz" wrap="square" lIns="91440" tIns="45720" rIns="91440" bIns="45720" numCol="1" spcCol="0" rtlCol="0" fromWordArt="0" anchor="t" anchorCtr="0" forceAA="0" compatLnSpc="1">
+              <a:prstTxWarp prst="textNoShape">
+                <a:avLst/>
+              </a:prstTxWarp>
+              <a:spAutoFit/>
+            </a:bodyPr>
+            <a:lstStyle>
+              <a:defPPr>
+                <a:defRPr lang="en-US"/>
+              </a:defPPr>
+              <a:lvl1pPr marL="0" algn="l" defTabSz="914400" rtl="0" eaLnBrk="1" latinLnBrk="0" hangingPunct="1">
+                <a:defRPr sz="1800" kern="1200">
+                  <a:solidFill>
+                    <a:schemeClr val="tx1"/>
+                  </a:solidFill>
+                  <a:latin typeface="+mn-lt"/>
+                  <a:ea typeface="+mn-ea"/>
+                  <a:cs typeface="+mn-cs"/>
+                </a:defRPr>
+              </a:lvl1pPr>
+              <a:lvl2pPr marL="457200" algn="l" defTabSz="914400" rtl="0" eaLnBrk="1" latinLnBrk="0" hangingPunct="1">
+                <a:defRPr sz="1800" kern="1200">
+                  <a:solidFill>
+                    <a:schemeClr val="tx1"/>
+                  </a:solidFill>
+                  <a:latin typeface="+mn-lt"/>
+                  <a:ea typeface="+mn-ea"/>
+                  <a:cs typeface="+mn-cs"/>
+                </a:defRPr>
+              </a:lvl2pPr>
+              <a:lvl3pPr marL="914400" algn="l" defTabSz="914400" rtl="0" eaLnBrk="1" latinLnBrk="0" hangingPunct="1">
+                <a:defRPr sz="1800" kern="1200">
+                  <a:solidFill>
+                    <a:schemeClr val="tx1"/>
+                  </a:solidFill>
+                  <a:latin typeface="+mn-lt"/>
+                  <a:ea typeface="+mn-ea"/>
+                  <a:cs typeface="+mn-cs"/>
+                </a:defRPr>
+              </a:lvl3pPr>
+              <a:lvl4pPr marL="1371600" algn="l" defTabSz="914400" rtl="0" eaLnBrk="1" latinLnBrk="0" hangingPunct="1">
+                <a:defRPr sz="1800" kern="1200">
+                  <a:solidFill>
+                    <a:schemeClr val="tx1"/>
+                  </a:solidFill>
+                  <a:latin typeface="+mn-lt"/>
+                  <a:ea typeface="+mn-ea"/>
+                  <a:cs typeface="+mn-cs"/>
+                </a:defRPr>
+              </a:lvl4pPr>
+              <a:lvl5pPr marL="1828800" algn="l" defTabSz="914400" rtl="0" eaLnBrk="1" latinLnBrk="0" hangingPunct="1">
+                <a:defRPr sz="1800" kern="1200">
+                  <a:solidFill>
+                    <a:schemeClr val="tx1"/>
+                  </a:solidFill>
+                  <a:latin typeface="+mn-lt"/>
+                  <a:ea typeface="+mn-ea"/>
+                  <a:cs typeface="+mn-cs"/>
+                </a:defRPr>
+              </a:lvl5pPr>
+              <a:lvl6pPr marL="2286000" algn="l" defTabSz="914400" rtl="0" eaLnBrk="1" latinLnBrk="0" hangingPunct="1">
+                <a:defRPr sz="1800" kern="1200">
+                  <a:solidFill>
+                    <a:schemeClr val="tx1"/>
+                  </a:solidFill>
+                  <a:latin typeface="+mn-lt"/>
+                  <a:ea typeface="+mn-ea"/>
+                  <a:cs typeface="+mn-cs"/>
+                </a:defRPr>
+              </a:lvl6pPr>
+              <a:lvl7pPr marL="2743200" algn="l" defTabSz="914400" rtl="0" eaLnBrk="1" latinLnBrk="0" hangingPunct="1">
+                <a:defRPr sz="1800" kern="1200">
+                  <a:solidFill>
+                    <a:schemeClr val="tx1"/>
+                  </a:solidFill>
+                  <a:latin typeface="+mn-lt"/>
+                  <a:ea typeface="+mn-ea"/>
+                  <a:cs typeface="+mn-cs"/>
+                </a:defRPr>
+              </a:lvl7pPr>
+              <a:lvl8pPr marL="3200400" algn="l" defTabSz="914400" rtl="0" eaLnBrk="1" latinLnBrk="0" hangingPunct="1">
+                <a:defRPr sz="1800" kern="1200">
+                  <a:solidFill>
+                    <a:schemeClr val="tx1"/>
+                  </a:solidFill>
+                  <a:latin typeface="+mn-lt"/>
+                  <a:ea typeface="+mn-ea"/>
+                  <a:cs typeface="+mn-cs"/>
+                </a:defRPr>
+              </a:lvl8pPr>
+              <a:lvl9pPr marL="3657600" algn="l" defTabSz="914400" rtl="0" eaLnBrk="1" latinLnBrk="0" hangingPunct="1">
+                <a:defRPr sz="1800" kern="1200">
+                  <a:solidFill>
+                    <a:schemeClr val="tx1"/>
+                  </a:solidFill>
+                  <a:latin typeface="+mn-lt"/>
+                  <a:ea typeface="+mn-ea"/>
+                  <a:cs typeface="+mn-cs"/>
+                </a:defRPr>
+              </a:lvl9pPr>
+            </a:lstStyle>
+            <a:p>
+              <a:pPr algn="l"/>
+              <a:r>
+                <a:rPr lang="en-US" dirty="0"/>
+                <a:t>1.2 1.0 2.6</a:t>
+              </a:r>
+            </a:p>
+          </p:txBody>
+        </p:sp>
+        <p:sp>
+          <p:nvSpPr>
+            <p:cNvPr id="7" name="TextBox 6">
+              <a:extLst>
+                <a:ext uri="{FF2B5EF4-FFF2-40B4-BE49-F238E27FC236}">
+                  <a16:creationId xmlns:a16="http://schemas.microsoft.com/office/drawing/2014/main" id="{8AFEFB7E-E7A3-B721-5F37-5257754932E1}"/>
+                </a:ext>
+              </a:extLst>
+            </p:cNvPr>
+            <p:cNvSpPr txBox="1"/>
+            <p:nvPr/>
+          </p:nvSpPr>
+          <p:spPr>
+            <a:xfrm>
+              <a:off x="5277158" y="3432829"/>
+              <a:ext cx="1828800" cy="369332"/>
+            </a:xfrm>
+            <a:prstGeom prst="rect">
+              <a:avLst/>
+            </a:prstGeom>
+            <a:noFill/>
+          </p:spPr>
+          <p:txBody>
+            <a:bodyPr rot="0" spcFirstLastPara="0" vert="horz" wrap="square" lIns="91440" tIns="45720" rIns="91440" bIns="45720" numCol="1" spcCol="0" rtlCol="0" fromWordArt="0" anchor="t" anchorCtr="0" forceAA="0" compatLnSpc="1">
+              <a:prstTxWarp prst="textNoShape">
+                <a:avLst/>
+              </a:prstTxWarp>
+              <a:spAutoFit/>
+            </a:bodyPr>
+            <a:lstStyle>
+              <a:defPPr>
+                <a:defRPr lang="en-US"/>
+              </a:defPPr>
+              <a:lvl1pPr marL="0" algn="l" defTabSz="914400" rtl="0" eaLnBrk="1" latinLnBrk="0" hangingPunct="1">
+                <a:defRPr sz="1800" kern="1200">
+                  <a:solidFill>
+                    <a:schemeClr val="tx1"/>
+                  </a:solidFill>
+                  <a:latin typeface="+mn-lt"/>
+                  <a:ea typeface="+mn-ea"/>
+                  <a:cs typeface="+mn-cs"/>
+                </a:defRPr>
+              </a:lvl1pPr>
+              <a:lvl2pPr marL="457200" algn="l" defTabSz="914400" rtl="0" eaLnBrk="1" latinLnBrk="0" hangingPunct="1">
+                <a:defRPr sz="1800" kern="1200">
+                  <a:solidFill>
+                    <a:schemeClr val="tx1"/>
+                  </a:solidFill>
+                  <a:latin typeface="+mn-lt"/>
+                  <a:ea typeface="+mn-ea"/>
+                  <a:cs typeface="+mn-cs"/>
+                </a:defRPr>
+              </a:lvl2pPr>
+              <a:lvl3pPr marL="914400" algn="l" defTabSz="914400" rtl="0" eaLnBrk="1" latinLnBrk="0" hangingPunct="1">
+                <a:defRPr sz="1800" kern="1200">
+                  <a:solidFill>
+                    <a:schemeClr val="tx1"/>
+                  </a:solidFill>
+                  <a:latin typeface="+mn-lt"/>
+                  <a:ea typeface="+mn-ea"/>
+                  <a:cs typeface="+mn-cs"/>
+                </a:defRPr>
+              </a:lvl3pPr>
+              <a:lvl4pPr marL="1371600" algn="l" defTabSz="914400" rtl="0" eaLnBrk="1" latinLnBrk="0" hangingPunct="1">
+                <a:defRPr sz="1800" kern="1200">
+                  <a:solidFill>
+                    <a:schemeClr val="tx1"/>
+                  </a:solidFill>
+                  <a:latin typeface="+mn-lt"/>
+                  <a:ea typeface="+mn-ea"/>
+                  <a:cs typeface="+mn-cs"/>
+                </a:defRPr>
+              </a:lvl4pPr>
+              <a:lvl5pPr marL="1828800" algn="l" defTabSz="914400" rtl="0" eaLnBrk="1" latinLnBrk="0" hangingPunct="1">
+                <a:defRPr sz="1800" kern="1200">
+                  <a:solidFill>
+                    <a:schemeClr val="tx1"/>
+                  </a:solidFill>
+                  <a:latin typeface="+mn-lt"/>
+                  <a:ea typeface="+mn-ea"/>
+                  <a:cs typeface="+mn-cs"/>
+                </a:defRPr>
+              </a:lvl5pPr>
+              <a:lvl6pPr marL="2286000" algn="l" defTabSz="914400" rtl="0" eaLnBrk="1" latinLnBrk="0" hangingPunct="1">
+                <a:defRPr sz="1800" kern="1200">
+                  <a:solidFill>
+                    <a:schemeClr val="tx1"/>
+                  </a:solidFill>
+                  <a:latin typeface="+mn-lt"/>
+                  <a:ea typeface="+mn-ea"/>
+                  <a:cs typeface="+mn-cs"/>
+                </a:defRPr>
+              </a:lvl6pPr>
+              <a:lvl7pPr marL="2743200" algn="l" defTabSz="914400" rtl="0" eaLnBrk="1" latinLnBrk="0" hangingPunct="1">
+                <a:defRPr sz="1800" kern="1200">
+                  <a:solidFill>
+                    <a:schemeClr val="tx1"/>
+                  </a:solidFill>
+                  <a:latin typeface="+mn-lt"/>
+                  <a:ea typeface="+mn-ea"/>
+                  <a:cs typeface="+mn-cs"/>
+                </a:defRPr>
+              </a:lvl7pPr>
+              <a:lvl8pPr marL="3200400" algn="l" defTabSz="914400" rtl="0" eaLnBrk="1" latinLnBrk="0" hangingPunct="1">
+                <a:defRPr sz="1800" kern="1200">
+                  <a:solidFill>
+                    <a:schemeClr val="tx1"/>
+                  </a:solidFill>
+                  <a:latin typeface="+mn-lt"/>
+                  <a:ea typeface="+mn-ea"/>
+                  <a:cs typeface="+mn-cs"/>
+                </a:defRPr>
+              </a:lvl8pPr>
+              <a:lvl9pPr marL="3657600" algn="l" defTabSz="914400" rtl="0" eaLnBrk="1" latinLnBrk="0" hangingPunct="1">
+                <a:defRPr sz="1800" kern="1200">
+                  <a:solidFill>
+                    <a:schemeClr val="tx1"/>
+                  </a:solidFill>
+                  <a:latin typeface="+mn-lt"/>
+                  <a:ea typeface="+mn-ea"/>
+                  <a:cs typeface="+mn-cs"/>
+                </a:defRPr>
+              </a:lvl9pPr>
+            </a:lstStyle>
+            <a:p>
+              <a:pPr algn="l"/>
+              <a:r>
+                <a:rPr lang="en-US" dirty="0"/>
+                <a:t>1.2 1.0 2.8</a:t>
+              </a:r>
+            </a:p>
+          </p:txBody>
+        </p:sp>
+        <p:sp>
+          <p:nvSpPr>
+            <p:cNvPr id="8" name="TextBox 7">
+              <a:extLst>
+                <a:ext uri="{FF2B5EF4-FFF2-40B4-BE49-F238E27FC236}">
+                  <a16:creationId xmlns:a16="http://schemas.microsoft.com/office/drawing/2014/main" id="{99ACF886-60CC-BF53-BEC8-D996B9591742}"/>
+                </a:ext>
+              </a:extLst>
+            </p:cNvPr>
+            <p:cNvSpPr txBox="1"/>
+            <p:nvPr/>
+          </p:nvSpPr>
+          <p:spPr>
+            <a:xfrm>
+              <a:off x="9833811" y="3429000"/>
+              <a:ext cx="1828800" cy="369332"/>
+            </a:xfrm>
+            <a:prstGeom prst="rect">
+              <a:avLst/>
+            </a:prstGeom>
+            <a:noFill/>
+          </p:spPr>
+          <p:txBody>
+            <a:bodyPr rot="0" spcFirstLastPara="0" vert="horz" wrap="square" lIns="91440" tIns="45720" rIns="91440" bIns="45720" numCol="1" spcCol="0" rtlCol="0" fromWordArt="0" anchor="t" anchorCtr="0" forceAA="0" compatLnSpc="1">
+              <a:prstTxWarp prst="textNoShape">
+                <a:avLst/>
+              </a:prstTxWarp>
+              <a:spAutoFit/>
+            </a:bodyPr>
+            <a:lstStyle>
+              <a:defPPr>
+                <a:defRPr lang="en-US"/>
+              </a:defPPr>
+              <a:lvl1pPr marL="0" algn="l" defTabSz="914400" rtl="0" eaLnBrk="1" latinLnBrk="0" hangingPunct="1">
+                <a:defRPr sz="1800" kern="1200">
+                  <a:solidFill>
+                    <a:schemeClr val="tx1"/>
+                  </a:solidFill>
+                  <a:latin typeface="+mn-lt"/>
+                  <a:ea typeface="+mn-ea"/>
+                  <a:cs typeface="+mn-cs"/>
+                </a:defRPr>
+              </a:lvl1pPr>
+              <a:lvl2pPr marL="457200" algn="l" defTabSz="914400" rtl="0" eaLnBrk="1" latinLnBrk="0" hangingPunct="1">
+                <a:defRPr sz="1800" kern="1200">
+                  <a:solidFill>
+                    <a:schemeClr val="tx1"/>
+                  </a:solidFill>
+                  <a:latin typeface="+mn-lt"/>
+                  <a:ea typeface="+mn-ea"/>
+                  <a:cs typeface="+mn-cs"/>
+                </a:defRPr>
+              </a:lvl2pPr>
+              <a:lvl3pPr marL="914400" algn="l" defTabSz="914400" rtl="0" eaLnBrk="1" latinLnBrk="0" hangingPunct="1">
+                <a:defRPr sz="1800" kern="1200">
+                  <a:solidFill>
+                    <a:schemeClr val="tx1"/>
+                  </a:solidFill>
+                  <a:latin typeface="+mn-lt"/>
+                  <a:ea typeface="+mn-ea"/>
+                  <a:cs typeface="+mn-cs"/>
+                </a:defRPr>
+              </a:lvl3pPr>
+              <a:lvl4pPr marL="1371600" algn="l" defTabSz="914400" rtl="0" eaLnBrk="1" latinLnBrk="0" hangingPunct="1">
+                <a:defRPr sz="1800" kern="1200">
+                  <a:solidFill>
+                    <a:schemeClr val="tx1"/>
+                  </a:solidFill>
+                  <a:latin typeface="+mn-lt"/>
+                  <a:ea typeface="+mn-ea"/>
+                  <a:cs typeface="+mn-cs"/>
+                </a:defRPr>
+              </a:lvl4pPr>
+              <a:lvl5pPr marL="1828800" algn="l" defTabSz="914400" rtl="0" eaLnBrk="1" latinLnBrk="0" hangingPunct="1">
+                <a:defRPr sz="1800" kern="1200">
+                  <a:solidFill>
+                    <a:schemeClr val="tx1"/>
+                  </a:solidFill>
+                  <a:latin typeface="+mn-lt"/>
+                  <a:ea typeface="+mn-ea"/>
+                  <a:cs typeface="+mn-cs"/>
+                </a:defRPr>
+              </a:lvl5pPr>
+              <a:lvl6pPr marL="2286000" algn="l" defTabSz="914400" rtl="0" eaLnBrk="1" latinLnBrk="0" hangingPunct="1">
+                <a:defRPr sz="1800" kern="1200">
+                  <a:solidFill>
+                    <a:schemeClr val="tx1"/>
+                  </a:solidFill>
+                  <a:latin typeface="+mn-lt"/>
+                  <a:ea typeface="+mn-ea"/>
+                  <a:cs typeface="+mn-cs"/>
+                </a:defRPr>
+              </a:lvl6pPr>
+              <a:lvl7pPr marL="2743200" algn="l" defTabSz="914400" rtl="0" eaLnBrk="1" latinLnBrk="0" hangingPunct="1">
+                <a:defRPr sz="1800" kern="1200">
+                  <a:solidFill>
+                    <a:schemeClr val="tx1"/>
+                  </a:solidFill>
+                  <a:latin typeface="+mn-lt"/>
+                  <a:ea typeface="+mn-ea"/>
+                  <a:cs typeface="+mn-cs"/>
+                </a:defRPr>
+              </a:lvl7pPr>
+              <a:lvl8pPr marL="3200400" algn="l" defTabSz="914400" rtl="0" eaLnBrk="1" latinLnBrk="0" hangingPunct="1">
+                <a:defRPr sz="1800" kern="1200">
+                  <a:solidFill>
+                    <a:schemeClr val="tx1"/>
+                  </a:solidFill>
+                  <a:latin typeface="+mn-lt"/>
+                  <a:ea typeface="+mn-ea"/>
+                  <a:cs typeface="+mn-cs"/>
+                </a:defRPr>
+              </a:lvl8pPr>
+              <a:lvl9pPr marL="3657600" algn="l" defTabSz="914400" rtl="0" eaLnBrk="1" latinLnBrk="0" hangingPunct="1">
+                <a:defRPr sz="1800" kern="1200">
+                  <a:solidFill>
+                    <a:schemeClr val="tx1"/>
+                  </a:solidFill>
+                  <a:latin typeface="+mn-lt"/>
+                  <a:ea typeface="+mn-ea"/>
+                  <a:cs typeface="+mn-cs"/>
+                </a:defRPr>
+              </a:lvl9pPr>
+            </a:lstStyle>
+            <a:p>
+              <a:pPr algn="l"/>
+              <a:r>
+                <a:rPr lang="en-US" dirty="0"/>
+                <a:t>1.2 1.0 3.0</a:t>
+              </a:r>
+            </a:p>
+          </p:txBody>
+        </p:sp>
+      </p:grpSp>
       <p:pic>
         <p:nvPicPr>
-          <p:cNvPr id="2050" name="Picture 2">
+          <p:cNvPr id="3074" name="Picture 2">
             <a:extLst>
               <a:ext uri="{FF2B5EF4-FFF2-40B4-BE49-F238E27FC236}">
-                <a16:creationId xmlns:a16="http://schemas.microsoft.com/office/drawing/2014/main" id="{832587E6-C45D-88F2-CD8A-B29F29A0B7E7}"/>
+                <a16:creationId xmlns:a16="http://schemas.microsoft.com/office/drawing/2014/main" id="{5240911C-D0A4-2238-3BAD-D311E2462E56}"/>
               </a:ext>
             </a:extLst>
           </p:cNvPr>
@@ -12758,8 +13180,8 @@
         </p:blipFill>
         <p:spPr bwMode="auto">
           <a:xfrm>
-            <a:off x="193508" y="786553"/>
-            <a:ext cx="3722801" cy="2954505"/>
+            <a:off x="8581577" y="680228"/>
+            <a:ext cx="3305624" cy="2551511"/>
           </a:xfrm>
           <a:prstGeom prst="rect">
             <a:avLst/>
@@ -12778,10 +13200,10 @@
       </p:pic>
       <p:pic>
         <p:nvPicPr>
-          <p:cNvPr id="5" name="Picture 4">
+          <p:cNvPr id="3076" name="Picture 4">
             <a:extLst>
               <a:ext uri="{FF2B5EF4-FFF2-40B4-BE49-F238E27FC236}">
-                <a16:creationId xmlns:a16="http://schemas.microsoft.com/office/drawing/2014/main" id="{85D748BF-1940-6D6F-A7E3-F009D2CCD4C2}"/>
+                <a16:creationId xmlns:a16="http://schemas.microsoft.com/office/drawing/2014/main" id="{40375453-B6D3-5883-0528-2825712855DB}"/>
               </a:ext>
             </a:extLst>
           </p:cNvPr>
@@ -12805,8 +13227,8 @@
         </p:blipFill>
         <p:spPr bwMode="auto">
           <a:xfrm>
-            <a:off x="8469199" y="786553"/>
-            <a:ext cx="3722801" cy="2954504"/>
+            <a:off x="4268370" y="680227"/>
+            <a:ext cx="3305624" cy="2551511"/>
           </a:xfrm>
           <a:prstGeom prst="rect">
             <a:avLst/>
@@ -12823,411 +13245,12 @@
           </a:extLst>
         </p:spPr>
       </p:pic>
-      <p:sp>
-        <p:nvSpPr>
-          <p:cNvPr id="6" name="TextBox 5">
-            <a:extLst>
-              <a:ext uri="{FF2B5EF4-FFF2-40B4-BE49-F238E27FC236}">
-                <a16:creationId xmlns:a16="http://schemas.microsoft.com/office/drawing/2014/main" id="{1C7A5545-BC7D-9A00-0B8D-F97078B5045F}"/>
-              </a:ext>
-            </a:extLst>
-          </p:cNvPr>
-          <p:cNvSpPr txBox="1"/>
-          <p:nvPr/>
-        </p:nvSpPr>
-        <p:spPr>
-          <a:xfrm>
-            <a:off x="402443" y="3884947"/>
-            <a:ext cx="1828800" cy="369332"/>
-          </a:xfrm>
-          <a:prstGeom prst="rect">
-            <a:avLst/>
-          </a:prstGeom>
-          <a:noFill/>
-        </p:spPr>
-        <p:txBody>
-          <a:bodyPr rot="0" spcFirstLastPara="0" vert="horz" wrap="square" lIns="91440" tIns="45720" rIns="91440" bIns="45720" numCol="1" spcCol="0" rtlCol="0" fromWordArt="0" anchor="t" anchorCtr="0" forceAA="0" compatLnSpc="1">
-            <a:prstTxWarp prst="textNoShape">
-              <a:avLst/>
-            </a:prstTxWarp>
-            <a:spAutoFit/>
-          </a:bodyPr>
-          <a:lstStyle>
-            <a:defPPr>
-              <a:defRPr lang="en-US"/>
-            </a:defPPr>
-            <a:lvl1pPr marL="0" algn="l" defTabSz="914400" rtl="0" eaLnBrk="1" latinLnBrk="0" hangingPunct="1">
-              <a:defRPr sz="1800" kern="1200">
-                <a:solidFill>
-                  <a:schemeClr val="tx1"/>
-                </a:solidFill>
-                <a:latin typeface="+mn-lt"/>
-                <a:ea typeface="+mn-ea"/>
-                <a:cs typeface="+mn-cs"/>
-              </a:defRPr>
-            </a:lvl1pPr>
-            <a:lvl2pPr marL="457200" algn="l" defTabSz="914400" rtl="0" eaLnBrk="1" latinLnBrk="0" hangingPunct="1">
-              <a:defRPr sz="1800" kern="1200">
-                <a:solidFill>
-                  <a:schemeClr val="tx1"/>
-                </a:solidFill>
-                <a:latin typeface="+mn-lt"/>
-                <a:ea typeface="+mn-ea"/>
-                <a:cs typeface="+mn-cs"/>
-              </a:defRPr>
-            </a:lvl2pPr>
-            <a:lvl3pPr marL="914400" algn="l" defTabSz="914400" rtl="0" eaLnBrk="1" latinLnBrk="0" hangingPunct="1">
-              <a:defRPr sz="1800" kern="1200">
-                <a:solidFill>
-                  <a:schemeClr val="tx1"/>
-                </a:solidFill>
-                <a:latin typeface="+mn-lt"/>
-                <a:ea typeface="+mn-ea"/>
-                <a:cs typeface="+mn-cs"/>
-              </a:defRPr>
-            </a:lvl3pPr>
-            <a:lvl4pPr marL="1371600" algn="l" defTabSz="914400" rtl="0" eaLnBrk="1" latinLnBrk="0" hangingPunct="1">
-              <a:defRPr sz="1800" kern="1200">
-                <a:solidFill>
-                  <a:schemeClr val="tx1"/>
-                </a:solidFill>
-                <a:latin typeface="+mn-lt"/>
-                <a:ea typeface="+mn-ea"/>
-                <a:cs typeface="+mn-cs"/>
-              </a:defRPr>
-            </a:lvl4pPr>
-            <a:lvl5pPr marL="1828800" algn="l" defTabSz="914400" rtl="0" eaLnBrk="1" latinLnBrk="0" hangingPunct="1">
-              <a:defRPr sz="1800" kern="1200">
-                <a:solidFill>
-                  <a:schemeClr val="tx1"/>
-                </a:solidFill>
-                <a:latin typeface="+mn-lt"/>
-                <a:ea typeface="+mn-ea"/>
-                <a:cs typeface="+mn-cs"/>
-              </a:defRPr>
-            </a:lvl5pPr>
-            <a:lvl6pPr marL="2286000" algn="l" defTabSz="914400" rtl="0" eaLnBrk="1" latinLnBrk="0" hangingPunct="1">
-              <a:defRPr sz="1800" kern="1200">
-                <a:solidFill>
-                  <a:schemeClr val="tx1"/>
-                </a:solidFill>
-                <a:latin typeface="+mn-lt"/>
-                <a:ea typeface="+mn-ea"/>
-                <a:cs typeface="+mn-cs"/>
-              </a:defRPr>
-            </a:lvl6pPr>
-            <a:lvl7pPr marL="2743200" algn="l" defTabSz="914400" rtl="0" eaLnBrk="1" latinLnBrk="0" hangingPunct="1">
-              <a:defRPr sz="1800" kern="1200">
-                <a:solidFill>
-                  <a:schemeClr val="tx1"/>
-                </a:solidFill>
-                <a:latin typeface="+mn-lt"/>
-                <a:ea typeface="+mn-ea"/>
-                <a:cs typeface="+mn-cs"/>
-              </a:defRPr>
-            </a:lvl7pPr>
-            <a:lvl8pPr marL="3200400" algn="l" defTabSz="914400" rtl="0" eaLnBrk="1" latinLnBrk="0" hangingPunct="1">
-              <a:defRPr sz="1800" kern="1200">
-                <a:solidFill>
-                  <a:schemeClr val="tx1"/>
-                </a:solidFill>
-                <a:latin typeface="+mn-lt"/>
-                <a:ea typeface="+mn-ea"/>
-                <a:cs typeface="+mn-cs"/>
-              </a:defRPr>
-            </a:lvl8pPr>
-            <a:lvl9pPr marL="3657600" algn="l" defTabSz="914400" rtl="0" eaLnBrk="1" latinLnBrk="0" hangingPunct="1">
-              <a:defRPr sz="1800" kern="1200">
-                <a:solidFill>
-                  <a:schemeClr val="tx1"/>
-                </a:solidFill>
-                <a:latin typeface="+mn-lt"/>
-                <a:ea typeface="+mn-ea"/>
-                <a:cs typeface="+mn-cs"/>
-              </a:defRPr>
-            </a:lvl9pPr>
-          </a:lstStyle>
-          <a:p>
-            <a:pPr algn="l"/>
-            <a:r>
-              <a:rPr lang="en-US" dirty="0"/>
-              <a:t>1.2 1.0 2.4</a:t>
-            </a:r>
-          </a:p>
-        </p:txBody>
-      </p:sp>
-      <p:sp>
-        <p:nvSpPr>
-          <p:cNvPr id="7" name="TextBox 6">
-            <a:extLst>
-              <a:ext uri="{FF2B5EF4-FFF2-40B4-BE49-F238E27FC236}">
-                <a16:creationId xmlns:a16="http://schemas.microsoft.com/office/drawing/2014/main" id="{9546BBB5-EC88-BBC6-07BD-1D4AA5398A93}"/>
-              </a:ext>
-            </a:extLst>
-          </p:cNvPr>
-          <p:cNvSpPr txBox="1"/>
-          <p:nvPr/>
-        </p:nvSpPr>
-        <p:spPr>
-          <a:xfrm>
-            <a:off x="5373372" y="3884947"/>
-            <a:ext cx="1828800" cy="369332"/>
-          </a:xfrm>
-          <a:prstGeom prst="rect">
-            <a:avLst/>
-          </a:prstGeom>
-          <a:noFill/>
-        </p:spPr>
-        <p:txBody>
-          <a:bodyPr rot="0" spcFirstLastPara="0" vert="horz" wrap="square" lIns="91440" tIns="45720" rIns="91440" bIns="45720" numCol="1" spcCol="0" rtlCol="0" fromWordArt="0" anchor="t" anchorCtr="0" forceAA="0" compatLnSpc="1">
-            <a:prstTxWarp prst="textNoShape">
-              <a:avLst/>
-            </a:prstTxWarp>
-            <a:spAutoFit/>
-          </a:bodyPr>
-          <a:lstStyle>
-            <a:defPPr>
-              <a:defRPr lang="en-US"/>
-            </a:defPPr>
-            <a:lvl1pPr marL="0" algn="l" defTabSz="914400" rtl="0" eaLnBrk="1" latinLnBrk="0" hangingPunct="1">
-              <a:defRPr sz="1800" kern="1200">
-                <a:solidFill>
-                  <a:schemeClr val="tx1"/>
-                </a:solidFill>
-                <a:latin typeface="+mn-lt"/>
-                <a:ea typeface="+mn-ea"/>
-                <a:cs typeface="+mn-cs"/>
-              </a:defRPr>
-            </a:lvl1pPr>
-            <a:lvl2pPr marL="457200" algn="l" defTabSz="914400" rtl="0" eaLnBrk="1" latinLnBrk="0" hangingPunct="1">
-              <a:defRPr sz="1800" kern="1200">
-                <a:solidFill>
-                  <a:schemeClr val="tx1"/>
-                </a:solidFill>
-                <a:latin typeface="+mn-lt"/>
-                <a:ea typeface="+mn-ea"/>
-                <a:cs typeface="+mn-cs"/>
-              </a:defRPr>
-            </a:lvl2pPr>
-            <a:lvl3pPr marL="914400" algn="l" defTabSz="914400" rtl="0" eaLnBrk="1" latinLnBrk="0" hangingPunct="1">
-              <a:defRPr sz="1800" kern="1200">
-                <a:solidFill>
-                  <a:schemeClr val="tx1"/>
-                </a:solidFill>
-                <a:latin typeface="+mn-lt"/>
-                <a:ea typeface="+mn-ea"/>
-                <a:cs typeface="+mn-cs"/>
-              </a:defRPr>
-            </a:lvl3pPr>
-            <a:lvl4pPr marL="1371600" algn="l" defTabSz="914400" rtl="0" eaLnBrk="1" latinLnBrk="0" hangingPunct="1">
-              <a:defRPr sz="1800" kern="1200">
-                <a:solidFill>
-                  <a:schemeClr val="tx1"/>
-                </a:solidFill>
-                <a:latin typeface="+mn-lt"/>
-                <a:ea typeface="+mn-ea"/>
-                <a:cs typeface="+mn-cs"/>
-              </a:defRPr>
-            </a:lvl4pPr>
-            <a:lvl5pPr marL="1828800" algn="l" defTabSz="914400" rtl="0" eaLnBrk="1" latinLnBrk="0" hangingPunct="1">
-              <a:defRPr sz="1800" kern="1200">
-                <a:solidFill>
-                  <a:schemeClr val="tx1"/>
-                </a:solidFill>
-                <a:latin typeface="+mn-lt"/>
-                <a:ea typeface="+mn-ea"/>
-                <a:cs typeface="+mn-cs"/>
-              </a:defRPr>
-            </a:lvl5pPr>
-            <a:lvl6pPr marL="2286000" algn="l" defTabSz="914400" rtl="0" eaLnBrk="1" latinLnBrk="0" hangingPunct="1">
-              <a:defRPr sz="1800" kern="1200">
-                <a:solidFill>
-                  <a:schemeClr val="tx1"/>
-                </a:solidFill>
-                <a:latin typeface="+mn-lt"/>
-                <a:ea typeface="+mn-ea"/>
-                <a:cs typeface="+mn-cs"/>
-              </a:defRPr>
-            </a:lvl6pPr>
-            <a:lvl7pPr marL="2743200" algn="l" defTabSz="914400" rtl="0" eaLnBrk="1" latinLnBrk="0" hangingPunct="1">
-              <a:defRPr sz="1800" kern="1200">
-                <a:solidFill>
-                  <a:schemeClr val="tx1"/>
-                </a:solidFill>
-                <a:latin typeface="+mn-lt"/>
-                <a:ea typeface="+mn-ea"/>
-                <a:cs typeface="+mn-cs"/>
-              </a:defRPr>
-            </a:lvl7pPr>
-            <a:lvl8pPr marL="3200400" algn="l" defTabSz="914400" rtl="0" eaLnBrk="1" latinLnBrk="0" hangingPunct="1">
-              <a:defRPr sz="1800" kern="1200">
-                <a:solidFill>
-                  <a:schemeClr val="tx1"/>
-                </a:solidFill>
-                <a:latin typeface="+mn-lt"/>
-                <a:ea typeface="+mn-ea"/>
-                <a:cs typeface="+mn-cs"/>
-              </a:defRPr>
-            </a:lvl8pPr>
-            <a:lvl9pPr marL="3657600" algn="l" defTabSz="914400" rtl="0" eaLnBrk="1" latinLnBrk="0" hangingPunct="1">
-              <a:defRPr sz="1800" kern="1200">
-                <a:solidFill>
-                  <a:schemeClr val="tx1"/>
-                </a:solidFill>
-                <a:latin typeface="+mn-lt"/>
-                <a:ea typeface="+mn-ea"/>
-                <a:cs typeface="+mn-cs"/>
-              </a:defRPr>
-            </a:lvl9pPr>
-          </a:lstStyle>
-          <a:p>
-            <a:pPr algn="l"/>
-            <a:r>
-              <a:rPr lang="en-US" dirty="0"/>
-              <a:t>1.2 1.0 </a:t>
-            </a:r>
-          </a:p>
-        </p:txBody>
-      </p:sp>
-      <p:sp>
-        <p:nvSpPr>
-          <p:cNvPr id="8" name="TextBox 7">
-            <a:extLst>
-              <a:ext uri="{FF2B5EF4-FFF2-40B4-BE49-F238E27FC236}">
-                <a16:creationId xmlns:a16="http://schemas.microsoft.com/office/drawing/2014/main" id="{EE92269C-C27C-53FD-300C-AE5E5D4626BE}"/>
-              </a:ext>
-            </a:extLst>
-          </p:cNvPr>
-          <p:cNvSpPr txBox="1"/>
-          <p:nvPr/>
-        </p:nvSpPr>
-        <p:spPr>
-          <a:xfrm>
-            <a:off x="9833811" y="3884947"/>
-            <a:ext cx="1828800" cy="369332"/>
-          </a:xfrm>
-          <a:prstGeom prst="rect">
-            <a:avLst/>
-          </a:prstGeom>
-          <a:noFill/>
-        </p:spPr>
-        <p:txBody>
-          <a:bodyPr rot="0" spcFirstLastPara="0" vert="horz" wrap="square" lIns="91440" tIns="45720" rIns="91440" bIns="45720" numCol="1" spcCol="0" rtlCol="0" fromWordArt="0" anchor="t" anchorCtr="0" forceAA="0" compatLnSpc="1">
-            <a:prstTxWarp prst="textNoShape">
-              <a:avLst/>
-            </a:prstTxWarp>
-            <a:spAutoFit/>
-          </a:bodyPr>
-          <a:lstStyle>
-            <a:defPPr>
-              <a:defRPr lang="en-US"/>
-            </a:defPPr>
-            <a:lvl1pPr marL="0" algn="l" defTabSz="914400" rtl="0" eaLnBrk="1" latinLnBrk="0" hangingPunct="1">
-              <a:defRPr sz="1800" kern="1200">
-                <a:solidFill>
-                  <a:schemeClr val="tx1"/>
-                </a:solidFill>
-                <a:latin typeface="+mn-lt"/>
-                <a:ea typeface="+mn-ea"/>
-                <a:cs typeface="+mn-cs"/>
-              </a:defRPr>
-            </a:lvl1pPr>
-            <a:lvl2pPr marL="457200" algn="l" defTabSz="914400" rtl="0" eaLnBrk="1" latinLnBrk="0" hangingPunct="1">
-              <a:defRPr sz="1800" kern="1200">
-                <a:solidFill>
-                  <a:schemeClr val="tx1"/>
-                </a:solidFill>
-                <a:latin typeface="+mn-lt"/>
-                <a:ea typeface="+mn-ea"/>
-                <a:cs typeface="+mn-cs"/>
-              </a:defRPr>
-            </a:lvl2pPr>
-            <a:lvl3pPr marL="914400" algn="l" defTabSz="914400" rtl="0" eaLnBrk="1" latinLnBrk="0" hangingPunct="1">
-              <a:defRPr sz="1800" kern="1200">
-                <a:solidFill>
-                  <a:schemeClr val="tx1"/>
-                </a:solidFill>
-                <a:latin typeface="+mn-lt"/>
-                <a:ea typeface="+mn-ea"/>
-                <a:cs typeface="+mn-cs"/>
-              </a:defRPr>
-            </a:lvl3pPr>
-            <a:lvl4pPr marL="1371600" algn="l" defTabSz="914400" rtl="0" eaLnBrk="1" latinLnBrk="0" hangingPunct="1">
-              <a:defRPr sz="1800" kern="1200">
-                <a:solidFill>
-                  <a:schemeClr val="tx1"/>
-                </a:solidFill>
-                <a:latin typeface="+mn-lt"/>
-                <a:ea typeface="+mn-ea"/>
-                <a:cs typeface="+mn-cs"/>
-              </a:defRPr>
-            </a:lvl4pPr>
-            <a:lvl5pPr marL="1828800" algn="l" defTabSz="914400" rtl="0" eaLnBrk="1" latinLnBrk="0" hangingPunct="1">
-              <a:defRPr sz="1800" kern="1200">
-                <a:solidFill>
-                  <a:schemeClr val="tx1"/>
-                </a:solidFill>
-                <a:latin typeface="+mn-lt"/>
-                <a:ea typeface="+mn-ea"/>
-                <a:cs typeface="+mn-cs"/>
-              </a:defRPr>
-            </a:lvl5pPr>
-            <a:lvl6pPr marL="2286000" algn="l" defTabSz="914400" rtl="0" eaLnBrk="1" latinLnBrk="0" hangingPunct="1">
-              <a:defRPr sz="1800" kern="1200">
-                <a:solidFill>
-                  <a:schemeClr val="tx1"/>
-                </a:solidFill>
-                <a:latin typeface="+mn-lt"/>
-                <a:ea typeface="+mn-ea"/>
-                <a:cs typeface="+mn-cs"/>
-              </a:defRPr>
-            </a:lvl6pPr>
-            <a:lvl7pPr marL="2743200" algn="l" defTabSz="914400" rtl="0" eaLnBrk="1" latinLnBrk="0" hangingPunct="1">
-              <a:defRPr sz="1800" kern="1200">
-                <a:solidFill>
-                  <a:schemeClr val="tx1"/>
-                </a:solidFill>
-                <a:latin typeface="+mn-lt"/>
-                <a:ea typeface="+mn-ea"/>
-                <a:cs typeface="+mn-cs"/>
-              </a:defRPr>
-            </a:lvl7pPr>
-            <a:lvl8pPr marL="3200400" algn="l" defTabSz="914400" rtl="0" eaLnBrk="1" latinLnBrk="0" hangingPunct="1">
-              <a:defRPr sz="1800" kern="1200">
-                <a:solidFill>
-                  <a:schemeClr val="tx1"/>
-                </a:solidFill>
-                <a:latin typeface="+mn-lt"/>
-                <a:ea typeface="+mn-ea"/>
-                <a:cs typeface="+mn-cs"/>
-              </a:defRPr>
-            </a:lvl8pPr>
-            <a:lvl9pPr marL="3657600" algn="l" defTabSz="914400" rtl="0" eaLnBrk="1" latinLnBrk="0" hangingPunct="1">
-              <a:defRPr sz="1800" kern="1200">
-                <a:solidFill>
-                  <a:schemeClr val="tx1"/>
-                </a:solidFill>
-                <a:latin typeface="+mn-lt"/>
-                <a:ea typeface="+mn-ea"/>
-                <a:cs typeface="+mn-cs"/>
-              </a:defRPr>
-            </a:lvl9pPr>
-          </a:lstStyle>
-          <a:p>
-            <a:pPr algn="l"/>
-            <a:r>
-              <a:rPr lang="en-US" dirty="0"/>
-              <a:t>1.2 1.0 2.6</a:t>
-            </a:r>
-          </a:p>
-        </p:txBody>
-      </p:sp>
       <p:pic>
         <p:nvPicPr>
-          <p:cNvPr id="9" name="Picture 8">
+          <p:cNvPr id="3080" name="Picture 8">
             <a:extLst>
               <a:ext uri="{FF2B5EF4-FFF2-40B4-BE49-F238E27FC236}">
-                <a16:creationId xmlns:a16="http://schemas.microsoft.com/office/drawing/2014/main" id="{7DE8DCE2-6DCE-4734-5B89-2B65415D6B8C}"/>
+                <a16:creationId xmlns:a16="http://schemas.microsoft.com/office/drawing/2014/main" id="{C25FD497-4D9A-CCF8-CBF7-8B64DA57498B}"/>
               </a:ext>
             </a:extLst>
           </p:cNvPr>
@@ -13251,7 +13274,7 @@
         </p:blipFill>
         <p:spPr bwMode="auto">
           <a:xfrm>
-            <a:off x="8691487" y="4306487"/>
+            <a:off x="84558" y="3995593"/>
             <a:ext cx="3305627" cy="2551513"/>
           </a:xfrm>
           <a:prstGeom prst="rect">
@@ -13269,10 +13292,151 @@
           </a:extLst>
         </p:spPr>
       </p:pic>
+      <p:pic>
+        <p:nvPicPr>
+          <p:cNvPr id="3082" name="Picture 10">
+            <a:extLst>
+              <a:ext uri="{FF2B5EF4-FFF2-40B4-BE49-F238E27FC236}">
+                <a16:creationId xmlns:a16="http://schemas.microsoft.com/office/drawing/2014/main" id="{25905548-1FF6-3F3D-65D2-9E9997F7E731}"/>
+              </a:ext>
+            </a:extLst>
+          </p:cNvPr>
+          <p:cNvPicPr>
+            <a:picLocks noChangeAspect="1" noChangeArrowheads="1"/>
+          </p:cNvPicPr>
+          <p:nvPr/>
+        </p:nvPicPr>
+        <p:blipFill>
+          <a:blip r:embed="rId5">
+            <a:extLst>
+              <a:ext uri="{28A0092B-C50C-407E-A947-70E740481C1C}">
+                <a14:useLocalDpi xmlns:a14="http://schemas.microsoft.com/office/drawing/2010/main" val="0"/>
+              </a:ext>
+            </a:extLst>
+          </a:blip>
+          <a:srcRect/>
+          <a:stretch>
+            <a:fillRect/>
+          </a:stretch>
+        </p:blipFill>
+        <p:spPr bwMode="auto">
+          <a:xfrm>
+            <a:off x="4365786" y="3995592"/>
+            <a:ext cx="3305627" cy="2551513"/>
+          </a:xfrm>
+          <a:prstGeom prst="rect">
+            <a:avLst/>
+          </a:prstGeom>
+          <a:noFill/>
+          <a:extLst>
+            <a:ext uri="{909E8E84-426E-40DD-AFC4-6F175D3DCCD1}">
+              <a14:hiddenFill xmlns:a14="http://schemas.microsoft.com/office/drawing/2010/main">
+                <a:solidFill>
+                  <a:srgbClr val="FFFFFF"/>
+                </a:solidFill>
+              </a14:hiddenFill>
+            </a:ext>
+          </a:extLst>
+        </p:spPr>
+      </p:pic>
+      <p:pic>
+        <p:nvPicPr>
+          <p:cNvPr id="3084" name="Picture 12">
+            <a:extLst>
+              <a:ext uri="{FF2B5EF4-FFF2-40B4-BE49-F238E27FC236}">
+                <a16:creationId xmlns:a16="http://schemas.microsoft.com/office/drawing/2014/main" id="{175832E8-424E-B81A-5C73-00665AB19209}"/>
+              </a:ext>
+            </a:extLst>
+          </p:cNvPr>
+          <p:cNvPicPr>
+            <a:picLocks noChangeAspect="1" noChangeArrowheads="1"/>
+          </p:cNvPicPr>
+          <p:nvPr/>
+        </p:nvPicPr>
+        <p:blipFill>
+          <a:blip r:embed="rId6">
+            <a:extLst>
+              <a:ext uri="{28A0092B-C50C-407E-A947-70E740481C1C}">
+                <a14:useLocalDpi xmlns:a14="http://schemas.microsoft.com/office/drawing/2010/main" val="0"/>
+              </a:ext>
+            </a:extLst>
+          </a:blip>
+          <a:srcRect/>
+          <a:stretch>
+            <a:fillRect/>
+          </a:stretch>
+        </p:blipFill>
+        <p:spPr bwMode="auto">
+          <a:xfrm>
+            <a:off x="8581577" y="3995592"/>
+            <a:ext cx="3305628" cy="2551514"/>
+          </a:xfrm>
+          <a:prstGeom prst="rect">
+            <a:avLst/>
+          </a:prstGeom>
+          <a:noFill/>
+          <a:extLst>
+            <a:ext uri="{909E8E84-426E-40DD-AFC4-6F175D3DCCD1}">
+              <a14:hiddenFill xmlns:a14="http://schemas.microsoft.com/office/drawing/2010/main">
+                <a:solidFill>
+                  <a:srgbClr val="FFFFFF"/>
+                </a:solidFill>
+              </a14:hiddenFill>
+            </a:ext>
+          </a:extLst>
+        </p:spPr>
+      </p:pic>
+      <p:pic>
+        <p:nvPicPr>
+          <p:cNvPr id="1028" name="Picture 4">
+            <a:extLst>
+              <a:ext uri="{FF2B5EF4-FFF2-40B4-BE49-F238E27FC236}">
+                <a16:creationId xmlns:a16="http://schemas.microsoft.com/office/drawing/2014/main" id="{88293A63-C1A2-8F59-3334-5B47CB071F85}"/>
+              </a:ext>
+            </a:extLst>
+          </p:cNvPr>
+          <p:cNvPicPr>
+            <a:picLocks noChangeAspect="1" noChangeArrowheads="1"/>
+          </p:cNvPicPr>
+          <p:nvPr/>
+        </p:nvPicPr>
+        <p:blipFill>
+          <a:blip r:embed="rId7">
+            <a:extLst>
+              <a:ext uri="{28A0092B-C50C-407E-A947-70E740481C1C}">
+                <a14:useLocalDpi xmlns:a14="http://schemas.microsoft.com/office/drawing/2010/main" val="0"/>
+              </a:ext>
+            </a:extLst>
+          </a:blip>
+          <a:srcRect/>
+          <a:stretch>
+            <a:fillRect/>
+          </a:stretch>
+        </p:blipFill>
+        <p:spPr bwMode="auto">
+          <a:xfrm>
+            <a:off x="304799" y="813136"/>
+            <a:ext cx="3215016" cy="2551514"/>
+          </a:xfrm>
+          <a:prstGeom prst="rect">
+            <a:avLst/>
+          </a:prstGeom>
+          <a:noFill/>
+          <a:extLst>
+            <a:ext uri="{909E8E84-426E-40DD-AFC4-6F175D3DCCD1}">
+              <a14:hiddenFill xmlns:a14="http://schemas.microsoft.com/office/drawing/2010/main">
+                <a:solidFill>
+                  <a:srgbClr val="FFFFFF"/>
+                </a:solidFill>
+              </a14:hiddenFill>
+            </a:ext>
+          </a:extLst>
+        </p:spPr>
+      </p:pic>
     </p:spTree>
     <p:extLst>
       <p:ext uri="{BB962C8B-B14F-4D97-AF65-F5344CB8AC3E}">
-        <p14:creationId xmlns:p14="http://schemas.microsoft.com/office/powerpoint/2010/main" val="3133834885"/>
+        <p14:creationId xmlns:p14="http://schemas.microsoft.com/office/powerpoint/2010/main" val="1552035296"/>
       </p:ext>
     </p:extLst>
   </p:cSld>
@@ -13961,7 +14125,7 @@
               <a:pPr algn="l"/>
               <a:r>
                 <a:rPr lang="en-US" dirty="0"/>
-                <a:t>1.0 1.0 2.6</a:t>
+                <a:t>1.4 1.0 2.6</a:t>
               </a:r>
             </a:p>
           </p:txBody>
@@ -14094,7 +14258,7 @@
               <a:pPr algn="l"/>
               <a:r>
                 <a:rPr lang="en-US" dirty="0"/>
-                <a:t>1.0 1.0 2.8</a:t>
+                <a:t>1.4 1.0 2.8</a:t>
               </a:r>
             </a:p>
           </p:txBody>
@@ -14227,7 +14391,7 @@
               <a:pPr algn="l"/>
               <a:r>
                 <a:rPr lang="en-US" dirty="0"/>
-                <a:t>1.0 1.0 3.0</a:t>
+                <a:t>1.4 1.0 3.0</a:t>
               </a:r>
             </a:p>
           </p:txBody>
@@ -14360,7 +14524,7 @@
               <a:pPr algn="l"/>
               <a:r>
                 <a:rPr lang="en-US" dirty="0"/>
-                <a:t>1.2 1.0 2.6</a:t>
+                <a:t>1.0 1.2 2.6</a:t>
               </a:r>
             </a:p>
           </p:txBody>
@@ -14493,7 +14657,7 @@
               <a:pPr algn="l"/>
               <a:r>
                 <a:rPr lang="en-US" dirty="0"/>
-                <a:t>1.2 1.0 2.8</a:t>
+                <a:t>1.0 1.2 2.8</a:t>
               </a:r>
             </a:p>
           </p:txBody>
@@ -14626,7 +14790,7 @@
               <a:pPr algn="l"/>
               <a:r>
                 <a:rPr lang="en-US" dirty="0"/>
-                <a:t>1.2 1.0 3.0</a:t>
+                <a:t>1.0 1.2 3.0</a:t>
               </a:r>
             </a:p>
           </p:txBody>
@@ -14634,10 +14798,10 @@
       </p:grpSp>
       <p:pic>
         <p:nvPicPr>
-          <p:cNvPr id="3074" name="Picture 2">
+          <p:cNvPr id="4098" name="Picture 2">
             <a:extLst>
               <a:ext uri="{FF2B5EF4-FFF2-40B4-BE49-F238E27FC236}">
-                <a16:creationId xmlns:a16="http://schemas.microsoft.com/office/drawing/2014/main" id="{5240911C-D0A4-2238-3BAD-D311E2462E56}"/>
+                <a16:creationId xmlns:a16="http://schemas.microsoft.com/office/drawing/2014/main" id="{BF1A673E-DA5F-5846-29E9-0FB59BF27E59}"/>
               </a:ext>
             </a:extLst>
           </p:cNvPr>
@@ -14661,8 +14825,8 @@
         </p:blipFill>
         <p:spPr bwMode="auto">
           <a:xfrm>
-            <a:off x="8581577" y="680228"/>
-            <a:ext cx="3305624" cy="2551511"/>
+            <a:off x="231207" y="639758"/>
+            <a:ext cx="3430333" cy="2647770"/>
           </a:xfrm>
           <a:prstGeom prst="rect">
             <a:avLst/>
@@ -14681,10 +14845,10 @@
       </p:pic>
       <p:pic>
         <p:nvPicPr>
-          <p:cNvPr id="3076" name="Picture 4">
+          <p:cNvPr id="4100" name="Picture 4">
             <a:extLst>
               <a:ext uri="{FF2B5EF4-FFF2-40B4-BE49-F238E27FC236}">
-                <a16:creationId xmlns:a16="http://schemas.microsoft.com/office/drawing/2014/main" id="{40375453-B6D3-5883-0528-2825712855DB}"/>
+                <a16:creationId xmlns:a16="http://schemas.microsoft.com/office/drawing/2014/main" id="{74A64A5E-C4DC-D2F1-7C00-1F600E849BB8}"/>
               </a:ext>
             </a:extLst>
           </p:cNvPr>
@@ -14708,8 +14872,8 @@
         </p:blipFill>
         <p:spPr bwMode="auto">
           <a:xfrm>
-            <a:off x="4268370" y="680227"/>
-            <a:ext cx="3305624" cy="2551511"/>
+            <a:off x="231207" y="3816449"/>
+            <a:ext cx="3430334" cy="2647771"/>
           </a:xfrm>
           <a:prstGeom prst="rect">
             <a:avLst/>
@@ -14728,10 +14892,10 @@
       </p:pic>
       <p:pic>
         <p:nvPicPr>
-          <p:cNvPr id="3080" name="Picture 8">
+          <p:cNvPr id="4102" name="Picture 6">
             <a:extLst>
               <a:ext uri="{FF2B5EF4-FFF2-40B4-BE49-F238E27FC236}">
-                <a16:creationId xmlns:a16="http://schemas.microsoft.com/office/drawing/2014/main" id="{C25FD497-4D9A-CCF8-CBF7-8B64DA57498B}"/>
+                <a16:creationId xmlns:a16="http://schemas.microsoft.com/office/drawing/2014/main" id="{C78A2304-CE56-7CA2-4F50-AC8D85E80DDB}"/>
               </a:ext>
             </a:extLst>
           </p:cNvPr>
@@ -14755,8 +14919,8 @@
         </p:blipFill>
         <p:spPr bwMode="auto">
           <a:xfrm>
-            <a:off x="84558" y="3995593"/>
-            <a:ext cx="3305627" cy="2551513"/>
+            <a:off x="4032489" y="3798332"/>
+            <a:ext cx="3430336" cy="2647772"/>
           </a:xfrm>
           <a:prstGeom prst="rect">
             <a:avLst/>
@@ -14775,10 +14939,10 @@
       </p:pic>
       <p:pic>
         <p:nvPicPr>
-          <p:cNvPr id="3082" name="Picture 10">
+          <p:cNvPr id="4104" name="Picture 8">
             <a:extLst>
               <a:ext uri="{FF2B5EF4-FFF2-40B4-BE49-F238E27FC236}">
-                <a16:creationId xmlns:a16="http://schemas.microsoft.com/office/drawing/2014/main" id="{25905548-1FF6-3F3D-65D2-9E9997F7E731}"/>
+                <a16:creationId xmlns:a16="http://schemas.microsoft.com/office/drawing/2014/main" id="{D7EF6A7E-0A56-A49D-8B85-587A43E9D972}"/>
               </a:ext>
             </a:extLst>
           </p:cNvPr>
@@ -14802,8 +14966,8 @@
         </p:blipFill>
         <p:spPr bwMode="auto">
           <a:xfrm>
-            <a:off x="4365786" y="3995592"/>
-            <a:ext cx="3305627" cy="2551513"/>
+            <a:off x="8530461" y="3816448"/>
+            <a:ext cx="3430336" cy="2647772"/>
           </a:xfrm>
           <a:prstGeom prst="rect">
             <a:avLst/>
@@ -14820,104 +14984,10 @@
           </a:extLst>
         </p:spPr>
       </p:pic>
-      <p:pic>
-        <p:nvPicPr>
-          <p:cNvPr id="3084" name="Picture 12">
-            <a:extLst>
-              <a:ext uri="{FF2B5EF4-FFF2-40B4-BE49-F238E27FC236}">
-                <a16:creationId xmlns:a16="http://schemas.microsoft.com/office/drawing/2014/main" id="{175832E8-424E-B81A-5C73-00665AB19209}"/>
-              </a:ext>
-            </a:extLst>
-          </p:cNvPr>
-          <p:cNvPicPr>
-            <a:picLocks noChangeAspect="1" noChangeArrowheads="1"/>
-          </p:cNvPicPr>
-          <p:nvPr/>
-        </p:nvPicPr>
-        <p:blipFill>
-          <a:blip r:embed="rId6">
-            <a:extLst>
-              <a:ext uri="{28A0092B-C50C-407E-A947-70E740481C1C}">
-                <a14:useLocalDpi xmlns:a14="http://schemas.microsoft.com/office/drawing/2010/main" val="0"/>
-              </a:ext>
-            </a:extLst>
-          </a:blip>
-          <a:srcRect/>
-          <a:stretch>
-            <a:fillRect/>
-          </a:stretch>
-        </p:blipFill>
-        <p:spPr bwMode="auto">
-          <a:xfrm>
-            <a:off x="8581577" y="3995592"/>
-            <a:ext cx="3305628" cy="2551514"/>
-          </a:xfrm>
-          <a:prstGeom prst="rect">
-            <a:avLst/>
-          </a:prstGeom>
-          <a:noFill/>
-          <a:extLst>
-            <a:ext uri="{909E8E84-426E-40DD-AFC4-6F175D3DCCD1}">
-              <a14:hiddenFill xmlns:a14="http://schemas.microsoft.com/office/drawing/2010/main">
-                <a:solidFill>
-                  <a:srgbClr val="FFFFFF"/>
-                </a:solidFill>
-              </a14:hiddenFill>
-            </a:ext>
-          </a:extLst>
-        </p:spPr>
-      </p:pic>
-      <p:pic>
-        <p:nvPicPr>
-          <p:cNvPr id="1028" name="Picture 4">
-            <a:extLst>
-              <a:ext uri="{FF2B5EF4-FFF2-40B4-BE49-F238E27FC236}">
-                <a16:creationId xmlns:a16="http://schemas.microsoft.com/office/drawing/2014/main" id="{88293A63-C1A2-8F59-3334-5B47CB071F85}"/>
-              </a:ext>
-            </a:extLst>
-          </p:cNvPr>
-          <p:cNvPicPr>
-            <a:picLocks noChangeAspect="1" noChangeArrowheads="1"/>
-          </p:cNvPicPr>
-          <p:nvPr/>
-        </p:nvPicPr>
-        <p:blipFill>
-          <a:blip r:embed="rId7">
-            <a:extLst>
-              <a:ext uri="{28A0092B-C50C-407E-A947-70E740481C1C}">
-                <a14:useLocalDpi xmlns:a14="http://schemas.microsoft.com/office/drawing/2010/main" val="0"/>
-              </a:ext>
-            </a:extLst>
-          </a:blip>
-          <a:srcRect/>
-          <a:stretch>
-            <a:fillRect/>
-          </a:stretch>
-        </p:blipFill>
-        <p:spPr bwMode="auto">
-          <a:xfrm>
-            <a:off x="304799" y="813136"/>
-            <a:ext cx="3215016" cy="2551514"/>
-          </a:xfrm>
-          <a:prstGeom prst="rect">
-            <a:avLst/>
-          </a:prstGeom>
-          <a:noFill/>
-          <a:extLst>
-            <a:ext uri="{909E8E84-426E-40DD-AFC4-6F175D3DCCD1}">
-              <a14:hiddenFill xmlns:a14="http://schemas.microsoft.com/office/drawing/2010/main">
-                <a:solidFill>
-                  <a:srgbClr val="FFFFFF"/>
-                </a:solidFill>
-              </a14:hiddenFill>
-            </a:ext>
-          </a:extLst>
-        </p:spPr>
-      </p:pic>
     </p:spTree>
     <p:extLst>
       <p:ext uri="{BB962C8B-B14F-4D97-AF65-F5344CB8AC3E}">
-        <p14:creationId xmlns:p14="http://schemas.microsoft.com/office/powerpoint/2010/main" val="1552035296"/>
+        <p14:creationId xmlns:p14="http://schemas.microsoft.com/office/powerpoint/2010/main" val="1126669228"/>
       </p:ext>
     </p:extLst>
   </p:cSld>
@@ -15092,7 +15162,7 @@
               <a:pPr algn="l"/>
               <a:r>
                 <a:rPr lang="en-US" dirty="0"/>
-                <a:t>1.4 1.0 2.6</a:t>
+                <a:t>1.2 1.2 2.6</a:t>
               </a:r>
             </a:p>
           </p:txBody>
@@ -15225,7 +15295,7 @@
               <a:pPr algn="l"/>
               <a:r>
                 <a:rPr lang="en-US" dirty="0"/>
-                <a:t>1.4 1.0 2.8</a:t>
+                <a:t>1.2 1.2 2.8</a:t>
               </a:r>
             </a:p>
           </p:txBody>
@@ -15358,7 +15428,7 @@
               <a:pPr algn="l"/>
               <a:r>
                 <a:rPr lang="en-US" dirty="0"/>
-                <a:t>1.4 1.0 3.0</a:t>
+                <a:t>1.2 1.2 3.0</a:t>
               </a:r>
             </a:p>
           </p:txBody>
@@ -15491,7 +15561,7 @@
               <a:pPr algn="l"/>
               <a:r>
                 <a:rPr lang="en-US" dirty="0"/>
-                <a:t>1.0 1.2 2.6</a:t>
+                <a:t>1.4 1.2 2.6</a:t>
               </a:r>
             </a:p>
           </p:txBody>
@@ -15624,7 +15694,7 @@
               <a:pPr algn="l"/>
               <a:r>
                 <a:rPr lang="en-US" dirty="0"/>
-                <a:t>1.0 1.2 2.8</a:t>
+                <a:t>1.4 1.2 2.8</a:t>
               </a:r>
             </a:p>
           </p:txBody>
@@ -15757,7 +15827,7 @@
               <a:pPr algn="l"/>
               <a:r>
                 <a:rPr lang="en-US" dirty="0"/>
-                <a:t>1.0 1.2 3.0</a:t>
+                <a:t>1.4 1.2 3.0</a:t>
               </a:r>
             </a:p>
           </p:txBody>
@@ -15765,10 +15835,10 @@
       </p:grpSp>
       <p:pic>
         <p:nvPicPr>
-          <p:cNvPr id="4098" name="Picture 2">
+          <p:cNvPr id="5122" name="Picture 2">
             <a:extLst>
               <a:ext uri="{FF2B5EF4-FFF2-40B4-BE49-F238E27FC236}">
-                <a16:creationId xmlns:a16="http://schemas.microsoft.com/office/drawing/2014/main" id="{BF1A673E-DA5F-5846-29E9-0FB59BF27E59}"/>
+                <a16:creationId xmlns:a16="http://schemas.microsoft.com/office/drawing/2014/main" id="{CDB8E33E-1B5C-69EA-CBE3-C146C31B1A20}"/>
               </a:ext>
             </a:extLst>
           </p:cNvPr>
@@ -15792,8 +15862,8 @@
         </p:blipFill>
         <p:spPr bwMode="auto">
           <a:xfrm>
-            <a:off x="231207" y="639758"/>
-            <a:ext cx="3430333" cy="2647770"/>
+            <a:off x="8831743" y="592788"/>
+            <a:ext cx="3266545" cy="2521347"/>
           </a:xfrm>
           <a:prstGeom prst="rect">
             <a:avLst/>
@@ -15812,10 +15882,10 @@
       </p:pic>
       <p:pic>
         <p:nvPicPr>
-          <p:cNvPr id="4100" name="Picture 4">
+          <p:cNvPr id="5124" name="Picture 4">
             <a:extLst>
               <a:ext uri="{FF2B5EF4-FFF2-40B4-BE49-F238E27FC236}">
-                <a16:creationId xmlns:a16="http://schemas.microsoft.com/office/drawing/2014/main" id="{74A64A5E-C4DC-D2F1-7C00-1F600E849BB8}"/>
+                <a16:creationId xmlns:a16="http://schemas.microsoft.com/office/drawing/2014/main" id="{E0ADB9E9-CC3C-1075-21CE-1FFE5714551C}"/>
               </a:ext>
             </a:extLst>
           </p:cNvPr>
@@ -15839,8 +15909,8 @@
         </p:blipFill>
         <p:spPr bwMode="auto">
           <a:xfrm>
-            <a:off x="231207" y="3816449"/>
-            <a:ext cx="3430334" cy="2647771"/>
+            <a:off x="4371886" y="592788"/>
+            <a:ext cx="3266546" cy="2521348"/>
           </a:xfrm>
           <a:prstGeom prst="rect">
             <a:avLst/>
@@ -15859,10 +15929,10 @@
       </p:pic>
       <p:pic>
         <p:nvPicPr>
-          <p:cNvPr id="4102" name="Picture 6">
+          <p:cNvPr id="5126" name="Picture 6">
             <a:extLst>
               <a:ext uri="{FF2B5EF4-FFF2-40B4-BE49-F238E27FC236}">
-                <a16:creationId xmlns:a16="http://schemas.microsoft.com/office/drawing/2014/main" id="{C78A2304-CE56-7CA2-4F50-AC8D85E80DDB}"/>
+                <a16:creationId xmlns:a16="http://schemas.microsoft.com/office/drawing/2014/main" id="{8D7F3E7B-A442-68E5-A3A9-CC7E68F7C53B}"/>
               </a:ext>
             </a:extLst>
           </p:cNvPr>
@@ -15886,8 +15956,8 @@
         </p:blipFill>
         <p:spPr bwMode="auto">
           <a:xfrm>
-            <a:off x="4032489" y="3798332"/>
-            <a:ext cx="3430336" cy="2647772"/>
+            <a:off x="93712" y="592788"/>
+            <a:ext cx="3266546" cy="2521348"/>
           </a:xfrm>
           <a:prstGeom prst="rect">
             <a:avLst/>
@@ -15906,10 +15976,10 @@
       </p:pic>
       <p:pic>
         <p:nvPicPr>
-          <p:cNvPr id="4104" name="Picture 8">
+          <p:cNvPr id="5128" name="Picture 8">
             <a:extLst>
               <a:ext uri="{FF2B5EF4-FFF2-40B4-BE49-F238E27FC236}">
-                <a16:creationId xmlns:a16="http://schemas.microsoft.com/office/drawing/2014/main" id="{D7EF6A7E-0A56-A49D-8B85-587A43E9D972}"/>
+                <a16:creationId xmlns:a16="http://schemas.microsoft.com/office/drawing/2014/main" id="{784E19CA-060C-890F-EB4B-9CCB622F64EA}"/>
               </a:ext>
             </a:extLst>
           </p:cNvPr>
@@ -15933,8 +16003,8 @@
         </p:blipFill>
         <p:spPr bwMode="auto">
           <a:xfrm>
-            <a:off x="8530461" y="3816448"/>
-            <a:ext cx="3430336" cy="2647772"/>
+            <a:off x="93712" y="3956550"/>
+            <a:ext cx="3266546" cy="2521348"/>
           </a:xfrm>
           <a:prstGeom prst="rect">
             <a:avLst/>
@@ -15954,7 +16024,7 @@
     </p:spTree>
     <p:extLst>
       <p:ext uri="{BB962C8B-B14F-4D97-AF65-F5344CB8AC3E}">
-        <p14:creationId xmlns:p14="http://schemas.microsoft.com/office/powerpoint/2010/main" val="1126669228"/>
+        <p14:creationId xmlns:p14="http://schemas.microsoft.com/office/powerpoint/2010/main" val="2354562838"/>
       </p:ext>
     </p:extLst>
   </p:cSld>
@@ -16129,1043 +16199,6 @@
               <a:pPr algn="l"/>
               <a:r>
                 <a:rPr lang="en-US" dirty="0"/>
-                <a:t>1.2 1.2 2.6</a:t>
-              </a:r>
-            </a:p>
-          </p:txBody>
-        </p:sp>
-        <p:sp>
-          <p:nvSpPr>
-            <p:cNvPr id="4" name="TextBox 3">
-              <a:extLst>
-                <a:ext uri="{FF2B5EF4-FFF2-40B4-BE49-F238E27FC236}">
-                  <a16:creationId xmlns:a16="http://schemas.microsoft.com/office/drawing/2014/main" id="{5D9D32C1-EF01-6F19-2847-0465BD547108}"/>
-                </a:ext>
-              </a:extLst>
-            </p:cNvPr>
-            <p:cNvSpPr txBox="1"/>
-            <p:nvPr/>
-          </p:nvSpPr>
-          <p:spPr>
-            <a:xfrm>
-              <a:off x="5373372" y="128954"/>
-              <a:ext cx="1828800" cy="369332"/>
-            </a:xfrm>
-            <a:prstGeom prst="rect">
-              <a:avLst/>
-            </a:prstGeom>
-            <a:noFill/>
-          </p:spPr>
-          <p:txBody>
-            <a:bodyPr rot="0" spcFirstLastPara="0" vert="horz" wrap="square" lIns="91440" tIns="45720" rIns="91440" bIns="45720" numCol="1" spcCol="0" rtlCol="0" fromWordArt="0" anchor="t" anchorCtr="0" forceAA="0" compatLnSpc="1">
-              <a:prstTxWarp prst="textNoShape">
-                <a:avLst/>
-              </a:prstTxWarp>
-              <a:spAutoFit/>
-            </a:bodyPr>
-            <a:lstStyle>
-              <a:defPPr>
-                <a:defRPr lang="en-US"/>
-              </a:defPPr>
-              <a:lvl1pPr marL="0" algn="l" defTabSz="914400" rtl="0" eaLnBrk="1" latinLnBrk="0" hangingPunct="1">
-                <a:defRPr sz="1800" kern="1200">
-                  <a:solidFill>
-                    <a:schemeClr val="tx1"/>
-                  </a:solidFill>
-                  <a:latin typeface="+mn-lt"/>
-                  <a:ea typeface="+mn-ea"/>
-                  <a:cs typeface="+mn-cs"/>
-                </a:defRPr>
-              </a:lvl1pPr>
-              <a:lvl2pPr marL="457200" algn="l" defTabSz="914400" rtl="0" eaLnBrk="1" latinLnBrk="0" hangingPunct="1">
-                <a:defRPr sz="1800" kern="1200">
-                  <a:solidFill>
-                    <a:schemeClr val="tx1"/>
-                  </a:solidFill>
-                  <a:latin typeface="+mn-lt"/>
-                  <a:ea typeface="+mn-ea"/>
-                  <a:cs typeface="+mn-cs"/>
-                </a:defRPr>
-              </a:lvl2pPr>
-              <a:lvl3pPr marL="914400" algn="l" defTabSz="914400" rtl="0" eaLnBrk="1" latinLnBrk="0" hangingPunct="1">
-                <a:defRPr sz="1800" kern="1200">
-                  <a:solidFill>
-                    <a:schemeClr val="tx1"/>
-                  </a:solidFill>
-                  <a:latin typeface="+mn-lt"/>
-                  <a:ea typeface="+mn-ea"/>
-                  <a:cs typeface="+mn-cs"/>
-                </a:defRPr>
-              </a:lvl3pPr>
-              <a:lvl4pPr marL="1371600" algn="l" defTabSz="914400" rtl="0" eaLnBrk="1" latinLnBrk="0" hangingPunct="1">
-                <a:defRPr sz="1800" kern="1200">
-                  <a:solidFill>
-                    <a:schemeClr val="tx1"/>
-                  </a:solidFill>
-                  <a:latin typeface="+mn-lt"/>
-                  <a:ea typeface="+mn-ea"/>
-                  <a:cs typeface="+mn-cs"/>
-                </a:defRPr>
-              </a:lvl4pPr>
-              <a:lvl5pPr marL="1828800" algn="l" defTabSz="914400" rtl="0" eaLnBrk="1" latinLnBrk="0" hangingPunct="1">
-                <a:defRPr sz="1800" kern="1200">
-                  <a:solidFill>
-                    <a:schemeClr val="tx1"/>
-                  </a:solidFill>
-                  <a:latin typeface="+mn-lt"/>
-                  <a:ea typeface="+mn-ea"/>
-                  <a:cs typeface="+mn-cs"/>
-                </a:defRPr>
-              </a:lvl5pPr>
-              <a:lvl6pPr marL="2286000" algn="l" defTabSz="914400" rtl="0" eaLnBrk="1" latinLnBrk="0" hangingPunct="1">
-                <a:defRPr sz="1800" kern="1200">
-                  <a:solidFill>
-                    <a:schemeClr val="tx1"/>
-                  </a:solidFill>
-                  <a:latin typeface="+mn-lt"/>
-                  <a:ea typeface="+mn-ea"/>
-                  <a:cs typeface="+mn-cs"/>
-                </a:defRPr>
-              </a:lvl6pPr>
-              <a:lvl7pPr marL="2743200" algn="l" defTabSz="914400" rtl="0" eaLnBrk="1" latinLnBrk="0" hangingPunct="1">
-                <a:defRPr sz="1800" kern="1200">
-                  <a:solidFill>
-                    <a:schemeClr val="tx1"/>
-                  </a:solidFill>
-                  <a:latin typeface="+mn-lt"/>
-                  <a:ea typeface="+mn-ea"/>
-                  <a:cs typeface="+mn-cs"/>
-                </a:defRPr>
-              </a:lvl7pPr>
-              <a:lvl8pPr marL="3200400" algn="l" defTabSz="914400" rtl="0" eaLnBrk="1" latinLnBrk="0" hangingPunct="1">
-                <a:defRPr sz="1800" kern="1200">
-                  <a:solidFill>
-                    <a:schemeClr val="tx1"/>
-                  </a:solidFill>
-                  <a:latin typeface="+mn-lt"/>
-                  <a:ea typeface="+mn-ea"/>
-                  <a:cs typeface="+mn-cs"/>
-                </a:defRPr>
-              </a:lvl8pPr>
-              <a:lvl9pPr marL="3657600" algn="l" defTabSz="914400" rtl="0" eaLnBrk="1" latinLnBrk="0" hangingPunct="1">
-                <a:defRPr sz="1800" kern="1200">
-                  <a:solidFill>
-                    <a:schemeClr val="tx1"/>
-                  </a:solidFill>
-                  <a:latin typeface="+mn-lt"/>
-                  <a:ea typeface="+mn-ea"/>
-                  <a:cs typeface="+mn-cs"/>
-                </a:defRPr>
-              </a:lvl9pPr>
-            </a:lstStyle>
-            <a:p>
-              <a:pPr algn="l"/>
-              <a:r>
-                <a:rPr lang="en-US" dirty="0"/>
-                <a:t>1.2 1.2 2.8</a:t>
-              </a:r>
-            </a:p>
-          </p:txBody>
-        </p:sp>
-        <p:sp>
-          <p:nvSpPr>
-            <p:cNvPr id="5" name="TextBox 4">
-              <a:extLst>
-                <a:ext uri="{FF2B5EF4-FFF2-40B4-BE49-F238E27FC236}">
-                  <a16:creationId xmlns:a16="http://schemas.microsoft.com/office/drawing/2014/main" id="{A6F07378-5FEC-51FB-FA5B-BA2FB65C7880}"/>
-                </a:ext>
-              </a:extLst>
-            </p:cNvPr>
-            <p:cNvSpPr txBox="1"/>
-            <p:nvPr/>
-          </p:nvSpPr>
-          <p:spPr>
-            <a:xfrm>
-              <a:off x="9833811" y="128954"/>
-              <a:ext cx="1828800" cy="369332"/>
-            </a:xfrm>
-            <a:prstGeom prst="rect">
-              <a:avLst/>
-            </a:prstGeom>
-            <a:noFill/>
-          </p:spPr>
-          <p:txBody>
-            <a:bodyPr rot="0" spcFirstLastPara="0" vert="horz" wrap="square" lIns="91440" tIns="45720" rIns="91440" bIns="45720" numCol="1" spcCol="0" rtlCol="0" fromWordArt="0" anchor="t" anchorCtr="0" forceAA="0" compatLnSpc="1">
-              <a:prstTxWarp prst="textNoShape">
-                <a:avLst/>
-              </a:prstTxWarp>
-              <a:spAutoFit/>
-            </a:bodyPr>
-            <a:lstStyle>
-              <a:defPPr>
-                <a:defRPr lang="en-US"/>
-              </a:defPPr>
-              <a:lvl1pPr marL="0" algn="l" defTabSz="914400" rtl="0" eaLnBrk="1" latinLnBrk="0" hangingPunct="1">
-                <a:defRPr sz="1800" kern="1200">
-                  <a:solidFill>
-                    <a:schemeClr val="tx1"/>
-                  </a:solidFill>
-                  <a:latin typeface="+mn-lt"/>
-                  <a:ea typeface="+mn-ea"/>
-                  <a:cs typeface="+mn-cs"/>
-                </a:defRPr>
-              </a:lvl1pPr>
-              <a:lvl2pPr marL="457200" algn="l" defTabSz="914400" rtl="0" eaLnBrk="1" latinLnBrk="0" hangingPunct="1">
-                <a:defRPr sz="1800" kern="1200">
-                  <a:solidFill>
-                    <a:schemeClr val="tx1"/>
-                  </a:solidFill>
-                  <a:latin typeface="+mn-lt"/>
-                  <a:ea typeface="+mn-ea"/>
-                  <a:cs typeface="+mn-cs"/>
-                </a:defRPr>
-              </a:lvl2pPr>
-              <a:lvl3pPr marL="914400" algn="l" defTabSz="914400" rtl="0" eaLnBrk="1" latinLnBrk="0" hangingPunct="1">
-                <a:defRPr sz="1800" kern="1200">
-                  <a:solidFill>
-                    <a:schemeClr val="tx1"/>
-                  </a:solidFill>
-                  <a:latin typeface="+mn-lt"/>
-                  <a:ea typeface="+mn-ea"/>
-                  <a:cs typeface="+mn-cs"/>
-                </a:defRPr>
-              </a:lvl3pPr>
-              <a:lvl4pPr marL="1371600" algn="l" defTabSz="914400" rtl="0" eaLnBrk="1" latinLnBrk="0" hangingPunct="1">
-                <a:defRPr sz="1800" kern="1200">
-                  <a:solidFill>
-                    <a:schemeClr val="tx1"/>
-                  </a:solidFill>
-                  <a:latin typeface="+mn-lt"/>
-                  <a:ea typeface="+mn-ea"/>
-                  <a:cs typeface="+mn-cs"/>
-                </a:defRPr>
-              </a:lvl4pPr>
-              <a:lvl5pPr marL="1828800" algn="l" defTabSz="914400" rtl="0" eaLnBrk="1" latinLnBrk="0" hangingPunct="1">
-                <a:defRPr sz="1800" kern="1200">
-                  <a:solidFill>
-                    <a:schemeClr val="tx1"/>
-                  </a:solidFill>
-                  <a:latin typeface="+mn-lt"/>
-                  <a:ea typeface="+mn-ea"/>
-                  <a:cs typeface="+mn-cs"/>
-                </a:defRPr>
-              </a:lvl5pPr>
-              <a:lvl6pPr marL="2286000" algn="l" defTabSz="914400" rtl="0" eaLnBrk="1" latinLnBrk="0" hangingPunct="1">
-                <a:defRPr sz="1800" kern="1200">
-                  <a:solidFill>
-                    <a:schemeClr val="tx1"/>
-                  </a:solidFill>
-                  <a:latin typeface="+mn-lt"/>
-                  <a:ea typeface="+mn-ea"/>
-                  <a:cs typeface="+mn-cs"/>
-                </a:defRPr>
-              </a:lvl6pPr>
-              <a:lvl7pPr marL="2743200" algn="l" defTabSz="914400" rtl="0" eaLnBrk="1" latinLnBrk="0" hangingPunct="1">
-                <a:defRPr sz="1800" kern="1200">
-                  <a:solidFill>
-                    <a:schemeClr val="tx1"/>
-                  </a:solidFill>
-                  <a:latin typeface="+mn-lt"/>
-                  <a:ea typeface="+mn-ea"/>
-                  <a:cs typeface="+mn-cs"/>
-                </a:defRPr>
-              </a:lvl7pPr>
-              <a:lvl8pPr marL="3200400" algn="l" defTabSz="914400" rtl="0" eaLnBrk="1" latinLnBrk="0" hangingPunct="1">
-                <a:defRPr sz="1800" kern="1200">
-                  <a:solidFill>
-                    <a:schemeClr val="tx1"/>
-                  </a:solidFill>
-                  <a:latin typeface="+mn-lt"/>
-                  <a:ea typeface="+mn-ea"/>
-                  <a:cs typeface="+mn-cs"/>
-                </a:defRPr>
-              </a:lvl8pPr>
-              <a:lvl9pPr marL="3657600" algn="l" defTabSz="914400" rtl="0" eaLnBrk="1" latinLnBrk="0" hangingPunct="1">
-                <a:defRPr sz="1800" kern="1200">
-                  <a:solidFill>
-                    <a:schemeClr val="tx1"/>
-                  </a:solidFill>
-                  <a:latin typeface="+mn-lt"/>
-                  <a:ea typeface="+mn-ea"/>
-                  <a:cs typeface="+mn-cs"/>
-                </a:defRPr>
-              </a:lvl9pPr>
-            </a:lstStyle>
-            <a:p>
-              <a:pPr algn="l"/>
-              <a:r>
-                <a:rPr lang="en-US" dirty="0"/>
-                <a:t>1.2 1.2 3.0</a:t>
-              </a:r>
-            </a:p>
-          </p:txBody>
-        </p:sp>
-        <p:sp>
-          <p:nvSpPr>
-            <p:cNvPr id="6" name="TextBox 5">
-              <a:extLst>
-                <a:ext uri="{FF2B5EF4-FFF2-40B4-BE49-F238E27FC236}">
-                  <a16:creationId xmlns:a16="http://schemas.microsoft.com/office/drawing/2014/main" id="{EDE81B5E-1582-EC75-D7DF-078074CEBE61}"/>
-                </a:ext>
-              </a:extLst>
-            </p:cNvPr>
-            <p:cNvSpPr txBox="1"/>
-            <p:nvPr/>
-          </p:nvSpPr>
-          <p:spPr>
-            <a:xfrm>
-              <a:off x="402443" y="3429000"/>
-              <a:ext cx="1828800" cy="369332"/>
-            </a:xfrm>
-            <a:prstGeom prst="rect">
-              <a:avLst/>
-            </a:prstGeom>
-            <a:noFill/>
-          </p:spPr>
-          <p:txBody>
-            <a:bodyPr rot="0" spcFirstLastPara="0" vert="horz" wrap="square" lIns="91440" tIns="45720" rIns="91440" bIns="45720" numCol="1" spcCol="0" rtlCol="0" fromWordArt="0" anchor="t" anchorCtr="0" forceAA="0" compatLnSpc="1">
-              <a:prstTxWarp prst="textNoShape">
-                <a:avLst/>
-              </a:prstTxWarp>
-              <a:spAutoFit/>
-            </a:bodyPr>
-            <a:lstStyle>
-              <a:defPPr>
-                <a:defRPr lang="en-US"/>
-              </a:defPPr>
-              <a:lvl1pPr marL="0" algn="l" defTabSz="914400" rtl="0" eaLnBrk="1" latinLnBrk="0" hangingPunct="1">
-                <a:defRPr sz="1800" kern="1200">
-                  <a:solidFill>
-                    <a:schemeClr val="tx1"/>
-                  </a:solidFill>
-                  <a:latin typeface="+mn-lt"/>
-                  <a:ea typeface="+mn-ea"/>
-                  <a:cs typeface="+mn-cs"/>
-                </a:defRPr>
-              </a:lvl1pPr>
-              <a:lvl2pPr marL="457200" algn="l" defTabSz="914400" rtl="0" eaLnBrk="1" latinLnBrk="0" hangingPunct="1">
-                <a:defRPr sz="1800" kern="1200">
-                  <a:solidFill>
-                    <a:schemeClr val="tx1"/>
-                  </a:solidFill>
-                  <a:latin typeface="+mn-lt"/>
-                  <a:ea typeface="+mn-ea"/>
-                  <a:cs typeface="+mn-cs"/>
-                </a:defRPr>
-              </a:lvl2pPr>
-              <a:lvl3pPr marL="914400" algn="l" defTabSz="914400" rtl="0" eaLnBrk="1" latinLnBrk="0" hangingPunct="1">
-                <a:defRPr sz="1800" kern="1200">
-                  <a:solidFill>
-                    <a:schemeClr val="tx1"/>
-                  </a:solidFill>
-                  <a:latin typeface="+mn-lt"/>
-                  <a:ea typeface="+mn-ea"/>
-                  <a:cs typeface="+mn-cs"/>
-                </a:defRPr>
-              </a:lvl3pPr>
-              <a:lvl4pPr marL="1371600" algn="l" defTabSz="914400" rtl="0" eaLnBrk="1" latinLnBrk="0" hangingPunct="1">
-                <a:defRPr sz="1800" kern="1200">
-                  <a:solidFill>
-                    <a:schemeClr val="tx1"/>
-                  </a:solidFill>
-                  <a:latin typeface="+mn-lt"/>
-                  <a:ea typeface="+mn-ea"/>
-                  <a:cs typeface="+mn-cs"/>
-                </a:defRPr>
-              </a:lvl4pPr>
-              <a:lvl5pPr marL="1828800" algn="l" defTabSz="914400" rtl="0" eaLnBrk="1" latinLnBrk="0" hangingPunct="1">
-                <a:defRPr sz="1800" kern="1200">
-                  <a:solidFill>
-                    <a:schemeClr val="tx1"/>
-                  </a:solidFill>
-                  <a:latin typeface="+mn-lt"/>
-                  <a:ea typeface="+mn-ea"/>
-                  <a:cs typeface="+mn-cs"/>
-                </a:defRPr>
-              </a:lvl5pPr>
-              <a:lvl6pPr marL="2286000" algn="l" defTabSz="914400" rtl="0" eaLnBrk="1" latinLnBrk="0" hangingPunct="1">
-                <a:defRPr sz="1800" kern="1200">
-                  <a:solidFill>
-                    <a:schemeClr val="tx1"/>
-                  </a:solidFill>
-                  <a:latin typeface="+mn-lt"/>
-                  <a:ea typeface="+mn-ea"/>
-                  <a:cs typeface="+mn-cs"/>
-                </a:defRPr>
-              </a:lvl6pPr>
-              <a:lvl7pPr marL="2743200" algn="l" defTabSz="914400" rtl="0" eaLnBrk="1" latinLnBrk="0" hangingPunct="1">
-                <a:defRPr sz="1800" kern="1200">
-                  <a:solidFill>
-                    <a:schemeClr val="tx1"/>
-                  </a:solidFill>
-                  <a:latin typeface="+mn-lt"/>
-                  <a:ea typeface="+mn-ea"/>
-                  <a:cs typeface="+mn-cs"/>
-                </a:defRPr>
-              </a:lvl7pPr>
-              <a:lvl8pPr marL="3200400" algn="l" defTabSz="914400" rtl="0" eaLnBrk="1" latinLnBrk="0" hangingPunct="1">
-                <a:defRPr sz="1800" kern="1200">
-                  <a:solidFill>
-                    <a:schemeClr val="tx1"/>
-                  </a:solidFill>
-                  <a:latin typeface="+mn-lt"/>
-                  <a:ea typeface="+mn-ea"/>
-                  <a:cs typeface="+mn-cs"/>
-                </a:defRPr>
-              </a:lvl8pPr>
-              <a:lvl9pPr marL="3657600" algn="l" defTabSz="914400" rtl="0" eaLnBrk="1" latinLnBrk="0" hangingPunct="1">
-                <a:defRPr sz="1800" kern="1200">
-                  <a:solidFill>
-                    <a:schemeClr val="tx1"/>
-                  </a:solidFill>
-                  <a:latin typeface="+mn-lt"/>
-                  <a:ea typeface="+mn-ea"/>
-                  <a:cs typeface="+mn-cs"/>
-                </a:defRPr>
-              </a:lvl9pPr>
-            </a:lstStyle>
-            <a:p>
-              <a:pPr algn="l"/>
-              <a:r>
-                <a:rPr lang="en-US" dirty="0"/>
-                <a:t>1.4 1.2 2.6</a:t>
-              </a:r>
-            </a:p>
-          </p:txBody>
-        </p:sp>
-        <p:sp>
-          <p:nvSpPr>
-            <p:cNvPr id="7" name="TextBox 6">
-              <a:extLst>
-                <a:ext uri="{FF2B5EF4-FFF2-40B4-BE49-F238E27FC236}">
-                  <a16:creationId xmlns:a16="http://schemas.microsoft.com/office/drawing/2014/main" id="{8AFEFB7E-E7A3-B721-5F37-5257754932E1}"/>
-                </a:ext>
-              </a:extLst>
-            </p:cNvPr>
-            <p:cNvSpPr txBox="1"/>
-            <p:nvPr/>
-          </p:nvSpPr>
-          <p:spPr>
-            <a:xfrm>
-              <a:off x="5277158" y="3432829"/>
-              <a:ext cx="1828800" cy="369332"/>
-            </a:xfrm>
-            <a:prstGeom prst="rect">
-              <a:avLst/>
-            </a:prstGeom>
-            <a:noFill/>
-          </p:spPr>
-          <p:txBody>
-            <a:bodyPr rot="0" spcFirstLastPara="0" vert="horz" wrap="square" lIns="91440" tIns="45720" rIns="91440" bIns="45720" numCol="1" spcCol="0" rtlCol="0" fromWordArt="0" anchor="t" anchorCtr="0" forceAA="0" compatLnSpc="1">
-              <a:prstTxWarp prst="textNoShape">
-                <a:avLst/>
-              </a:prstTxWarp>
-              <a:spAutoFit/>
-            </a:bodyPr>
-            <a:lstStyle>
-              <a:defPPr>
-                <a:defRPr lang="en-US"/>
-              </a:defPPr>
-              <a:lvl1pPr marL="0" algn="l" defTabSz="914400" rtl="0" eaLnBrk="1" latinLnBrk="0" hangingPunct="1">
-                <a:defRPr sz="1800" kern="1200">
-                  <a:solidFill>
-                    <a:schemeClr val="tx1"/>
-                  </a:solidFill>
-                  <a:latin typeface="+mn-lt"/>
-                  <a:ea typeface="+mn-ea"/>
-                  <a:cs typeface="+mn-cs"/>
-                </a:defRPr>
-              </a:lvl1pPr>
-              <a:lvl2pPr marL="457200" algn="l" defTabSz="914400" rtl="0" eaLnBrk="1" latinLnBrk="0" hangingPunct="1">
-                <a:defRPr sz="1800" kern="1200">
-                  <a:solidFill>
-                    <a:schemeClr val="tx1"/>
-                  </a:solidFill>
-                  <a:latin typeface="+mn-lt"/>
-                  <a:ea typeface="+mn-ea"/>
-                  <a:cs typeface="+mn-cs"/>
-                </a:defRPr>
-              </a:lvl2pPr>
-              <a:lvl3pPr marL="914400" algn="l" defTabSz="914400" rtl="0" eaLnBrk="1" latinLnBrk="0" hangingPunct="1">
-                <a:defRPr sz="1800" kern="1200">
-                  <a:solidFill>
-                    <a:schemeClr val="tx1"/>
-                  </a:solidFill>
-                  <a:latin typeface="+mn-lt"/>
-                  <a:ea typeface="+mn-ea"/>
-                  <a:cs typeface="+mn-cs"/>
-                </a:defRPr>
-              </a:lvl3pPr>
-              <a:lvl4pPr marL="1371600" algn="l" defTabSz="914400" rtl="0" eaLnBrk="1" latinLnBrk="0" hangingPunct="1">
-                <a:defRPr sz="1800" kern="1200">
-                  <a:solidFill>
-                    <a:schemeClr val="tx1"/>
-                  </a:solidFill>
-                  <a:latin typeface="+mn-lt"/>
-                  <a:ea typeface="+mn-ea"/>
-                  <a:cs typeface="+mn-cs"/>
-                </a:defRPr>
-              </a:lvl4pPr>
-              <a:lvl5pPr marL="1828800" algn="l" defTabSz="914400" rtl="0" eaLnBrk="1" latinLnBrk="0" hangingPunct="1">
-                <a:defRPr sz="1800" kern="1200">
-                  <a:solidFill>
-                    <a:schemeClr val="tx1"/>
-                  </a:solidFill>
-                  <a:latin typeface="+mn-lt"/>
-                  <a:ea typeface="+mn-ea"/>
-                  <a:cs typeface="+mn-cs"/>
-                </a:defRPr>
-              </a:lvl5pPr>
-              <a:lvl6pPr marL="2286000" algn="l" defTabSz="914400" rtl="0" eaLnBrk="1" latinLnBrk="0" hangingPunct="1">
-                <a:defRPr sz="1800" kern="1200">
-                  <a:solidFill>
-                    <a:schemeClr val="tx1"/>
-                  </a:solidFill>
-                  <a:latin typeface="+mn-lt"/>
-                  <a:ea typeface="+mn-ea"/>
-                  <a:cs typeface="+mn-cs"/>
-                </a:defRPr>
-              </a:lvl6pPr>
-              <a:lvl7pPr marL="2743200" algn="l" defTabSz="914400" rtl="0" eaLnBrk="1" latinLnBrk="0" hangingPunct="1">
-                <a:defRPr sz="1800" kern="1200">
-                  <a:solidFill>
-                    <a:schemeClr val="tx1"/>
-                  </a:solidFill>
-                  <a:latin typeface="+mn-lt"/>
-                  <a:ea typeface="+mn-ea"/>
-                  <a:cs typeface="+mn-cs"/>
-                </a:defRPr>
-              </a:lvl7pPr>
-              <a:lvl8pPr marL="3200400" algn="l" defTabSz="914400" rtl="0" eaLnBrk="1" latinLnBrk="0" hangingPunct="1">
-                <a:defRPr sz="1800" kern="1200">
-                  <a:solidFill>
-                    <a:schemeClr val="tx1"/>
-                  </a:solidFill>
-                  <a:latin typeface="+mn-lt"/>
-                  <a:ea typeface="+mn-ea"/>
-                  <a:cs typeface="+mn-cs"/>
-                </a:defRPr>
-              </a:lvl8pPr>
-              <a:lvl9pPr marL="3657600" algn="l" defTabSz="914400" rtl="0" eaLnBrk="1" latinLnBrk="0" hangingPunct="1">
-                <a:defRPr sz="1800" kern="1200">
-                  <a:solidFill>
-                    <a:schemeClr val="tx1"/>
-                  </a:solidFill>
-                  <a:latin typeface="+mn-lt"/>
-                  <a:ea typeface="+mn-ea"/>
-                  <a:cs typeface="+mn-cs"/>
-                </a:defRPr>
-              </a:lvl9pPr>
-            </a:lstStyle>
-            <a:p>
-              <a:pPr algn="l"/>
-              <a:r>
-                <a:rPr lang="en-US" dirty="0"/>
-                <a:t>1.4 1.2 2.8</a:t>
-              </a:r>
-            </a:p>
-          </p:txBody>
-        </p:sp>
-        <p:sp>
-          <p:nvSpPr>
-            <p:cNvPr id="8" name="TextBox 7">
-              <a:extLst>
-                <a:ext uri="{FF2B5EF4-FFF2-40B4-BE49-F238E27FC236}">
-                  <a16:creationId xmlns:a16="http://schemas.microsoft.com/office/drawing/2014/main" id="{99ACF886-60CC-BF53-BEC8-D996B9591742}"/>
-                </a:ext>
-              </a:extLst>
-            </p:cNvPr>
-            <p:cNvSpPr txBox="1"/>
-            <p:nvPr/>
-          </p:nvSpPr>
-          <p:spPr>
-            <a:xfrm>
-              <a:off x="9833811" y="3429000"/>
-              <a:ext cx="1828800" cy="369332"/>
-            </a:xfrm>
-            <a:prstGeom prst="rect">
-              <a:avLst/>
-            </a:prstGeom>
-            <a:noFill/>
-          </p:spPr>
-          <p:txBody>
-            <a:bodyPr rot="0" spcFirstLastPara="0" vert="horz" wrap="square" lIns="91440" tIns="45720" rIns="91440" bIns="45720" numCol="1" spcCol="0" rtlCol="0" fromWordArt="0" anchor="t" anchorCtr="0" forceAA="0" compatLnSpc="1">
-              <a:prstTxWarp prst="textNoShape">
-                <a:avLst/>
-              </a:prstTxWarp>
-              <a:spAutoFit/>
-            </a:bodyPr>
-            <a:lstStyle>
-              <a:defPPr>
-                <a:defRPr lang="en-US"/>
-              </a:defPPr>
-              <a:lvl1pPr marL="0" algn="l" defTabSz="914400" rtl="0" eaLnBrk="1" latinLnBrk="0" hangingPunct="1">
-                <a:defRPr sz="1800" kern="1200">
-                  <a:solidFill>
-                    <a:schemeClr val="tx1"/>
-                  </a:solidFill>
-                  <a:latin typeface="+mn-lt"/>
-                  <a:ea typeface="+mn-ea"/>
-                  <a:cs typeface="+mn-cs"/>
-                </a:defRPr>
-              </a:lvl1pPr>
-              <a:lvl2pPr marL="457200" algn="l" defTabSz="914400" rtl="0" eaLnBrk="1" latinLnBrk="0" hangingPunct="1">
-                <a:defRPr sz="1800" kern="1200">
-                  <a:solidFill>
-                    <a:schemeClr val="tx1"/>
-                  </a:solidFill>
-                  <a:latin typeface="+mn-lt"/>
-                  <a:ea typeface="+mn-ea"/>
-                  <a:cs typeface="+mn-cs"/>
-                </a:defRPr>
-              </a:lvl2pPr>
-              <a:lvl3pPr marL="914400" algn="l" defTabSz="914400" rtl="0" eaLnBrk="1" latinLnBrk="0" hangingPunct="1">
-                <a:defRPr sz="1800" kern="1200">
-                  <a:solidFill>
-                    <a:schemeClr val="tx1"/>
-                  </a:solidFill>
-                  <a:latin typeface="+mn-lt"/>
-                  <a:ea typeface="+mn-ea"/>
-                  <a:cs typeface="+mn-cs"/>
-                </a:defRPr>
-              </a:lvl3pPr>
-              <a:lvl4pPr marL="1371600" algn="l" defTabSz="914400" rtl="0" eaLnBrk="1" latinLnBrk="0" hangingPunct="1">
-                <a:defRPr sz="1800" kern="1200">
-                  <a:solidFill>
-                    <a:schemeClr val="tx1"/>
-                  </a:solidFill>
-                  <a:latin typeface="+mn-lt"/>
-                  <a:ea typeface="+mn-ea"/>
-                  <a:cs typeface="+mn-cs"/>
-                </a:defRPr>
-              </a:lvl4pPr>
-              <a:lvl5pPr marL="1828800" algn="l" defTabSz="914400" rtl="0" eaLnBrk="1" latinLnBrk="0" hangingPunct="1">
-                <a:defRPr sz="1800" kern="1200">
-                  <a:solidFill>
-                    <a:schemeClr val="tx1"/>
-                  </a:solidFill>
-                  <a:latin typeface="+mn-lt"/>
-                  <a:ea typeface="+mn-ea"/>
-                  <a:cs typeface="+mn-cs"/>
-                </a:defRPr>
-              </a:lvl5pPr>
-              <a:lvl6pPr marL="2286000" algn="l" defTabSz="914400" rtl="0" eaLnBrk="1" latinLnBrk="0" hangingPunct="1">
-                <a:defRPr sz="1800" kern="1200">
-                  <a:solidFill>
-                    <a:schemeClr val="tx1"/>
-                  </a:solidFill>
-                  <a:latin typeface="+mn-lt"/>
-                  <a:ea typeface="+mn-ea"/>
-                  <a:cs typeface="+mn-cs"/>
-                </a:defRPr>
-              </a:lvl6pPr>
-              <a:lvl7pPr marL="2743200" algn="l" defTabSz="914400" rtl="0" eaLnBrk="1" latinLnBrk="0" hangingPunct="1">
-                <a:defRPr sz="1800" kern="1200">
-                  <a:solidFill>
-                    <a:schemeClr val="tx1"/>
-                  </a:solidFill>
-                  <a:latin typeface="+mn-lt"/>
-                  <a:ea typeface="+mn-ea"/>
-                  <a:cs typeface="+mn-cs"/>
-                </a:defRPr>
-              </a:lvl7pPr>
-              <a:lvl8pPr marL="3200400" algn="l" defTabSz="914400" rtl="0" eaLnBrk="1" latinLnBrk="0" hangingPunct="1">
-                <a:defRPr sz="1800" kern="1200">
-                  <a:solidFill>
-                    <a:schemeClr val="tx1"/>
-                  </a:solidFill>
-                  <a:latin typeface="+mn-lt"/>
-                  <a:ea typeface="+mn-ea"/>
-                  <a:cs typeface="+mn-cs"/>
-                </a:defRPr>
-              </a:lvl8pPr>
-              <a:lvl9pPr marL="3657600" algn="l" defTabSz="914400" rtl="0" eaLnBrk="1" latinLnBrk="0" hangingPunct="1">
-                <a:defRPr sz="1800" kern="1200">
-                  <a:solidFill>
-                    <a:schemeClr val="tx1"/>
-                  </a:solidFill>
-                  <a:latin typeface="+mn-lt"/>
-                  <a:ea typeface="+mn-ea"/>
-                  <a:cs typeface="+mn-cs"/>
-                </a:defRPr>
-              </a:lvl9pPr>
-            </a:lstStyle>
-            <a:p>
-              <a:pPr algn="l"/>
-              <a:r>
-                <a:rPr lang="en-US" dirty="0"/>
-                <a:t>1.4 1.2 3.0</a:t>
-              </a:r>
-            </a:p>
-          </p:txBody>
-        </p:sp>
-      </p:grpSp>
-      <p:pic>
-        <p:nvPicPr>
-          <p:cNvPr id="5122" name="Picture 2">
-            <a:extLst>
-              <a:ext uri="{FF2B5EF4-FFF2-40B4-BE49-F238E27FC236}">
-                <a16:creationId xmlns:a16="http://schemas.microsoft.com/office/drawing/2014/main" id="{CDB8E33E-1B5C-69EA-CBE3-C146C31B1A20}"/>
-              </a:ext>
-            </a:extLst>
-          </p:cNvPr>
-          <p:cNvPicPr>
-            <a:picLocks noChangeAspect="1" noChangeArrowheads="1"/>
-          </p:cNvPicPr>
-          <p:nvPr/>
-        </p:nvPicPr>
-        <p:blipFill>
-          <a:blip r:embed="rId2">
-            <a:extLst>
-              <a:ext uri="{28A0092B-C50C-407E-A947-70E740481C1C}">
-                <a14:useLocalDpi xmlns:a14="http://schemas.microsoft.com/office/drawing/2010/main" val="0"/>
-              </a:ext>
-            </a:extLst>
-          </a:blip>
-          <a:srcRect/>
-          <a:stretch>
-            <a:fillRect/>
-          </a:stretch>
-        </p:blipFill>
-        <p:spPr bwMode="auto">
-          <a:xfrm>
-            <a:off x="8831743" y="592788"/>
-            <a:ext cx="3266545" cy="2521347"/>
-          </a:xfrm>
-          <a:prstGeom prst="rect">
-            <a:avLst/>
-          </a:prstGeom>
-          <a:noFill/>
-          <a:extLst>
-            <a:ext uri="{909E8E84-426E-40DD-AFC4-6F175D3DCCD1}">
-              <a14:hiddenFill xmlns:a14="http://schemas.microsoft.com/office/drawing/2010/main">
-                <a:solidFill>
-                  <a:srgbClr val="FFFFFF"/>
-                </a:solidFill>
-              </a14:hiddenFill>
-            </a:ext>
-          </a:extLst>
-        </p:spPr>
-      </p:pic>
-      <p:pic>
-        <p:nvPicPr>
-          <p:cNvPr id="5124" name="Picture 4">
-            <a:extLst>
-              <a:ext uri="{FF2B5EF4-FFF2-40B4-BE49-F238E27FC236}">
-                <a16:creationId xmlns:a16="http://schemas.microsoft.com/office/drawing/2014/main" id="{E0ADB9E9-CC3C-1075-21CE-1FFE5714551C}"/>
-              </a:ext>
-            </a:extLst>
-          </p:cNvPr>
-          <p:cNvPicPr>
-            <a:picLocks noChangeAspect="1" noChangeArrowheads="1"/>
-          </p:cNvPicPr>
-          <p:nvPr/>
-        </p:nvPicPr>
-        <p:blipFill>
-          <a:blip r:embed="rId3">
-            <a:extLst>
-              <a:ext uri="{28A0092B-C50C-407E-A947-70E740481C1C}">
-                <a14:useLocalDpi xmlns:a14="http://schemas.microsoft.com/office/drawing/2010/main" val="0"/>
-              </a:ext>
-            </a:extLst>
-          </a:blip>
-          <a:srcRect/>
-          <a:stretch>
-            <a:fillRect/>
-          </a:stretch>
-        </p:blipFill>
-        <p:spPr bwMode="auto">
-          <a:xfrm>
-            <a:off x="4371886" y="592788"/>
-            <a:ext cx="3266546" cy="2521348"/>
-          </a:xfrm>
-          <a:prstGeom prst="rect">
-            <a:avLst/>
-          </a:prstGeom>
-          <a:noFill/>
-          <a:extLst>
-            <a:ext uri="{909E8E84-426E-40DD-AFC4-6F175D3DCCD1}">
-              <a14:hiddenFill xmlns:a14="http://schemas.microsoft.com/office/drawing/2010/main">
-                <a:solidFill>
-                  <a:srgbClr val="FFFFFF"/>
-                </a:solidFill>
-              </a14:hiddenFill>
-            </a:ext>
-          </a:extLst>
-        </p:spPr>
-      </p:pic>
-      <p:pic>
-        <p:nvPicPr>
-          <p:cNvPr id="5126" name="Picture 6">
-            <a:extLst>
-              <a:ext uri="{FF2B5EF4-FFF2-40B4-BE49-F238E27FC236}">
-                <a16:creationId xmlns:a16="http://schemas.microsoft.com/office/drawing/2014/main" id="{8D7F3E7B-A442-68E5-A3A9-CC7E68F7C53B}"/>
-              </a:ext>
-            </a:extLst>
-          </p:cNvPr>
-          <p:cNvPicPr>
-            <a:picLocks noChangeAspect="1" noChangeArrowheads="1"/>
-          </p:cNvPicPr>
-          <p:nvPr/>
-        </p:nvPicPr>
-        <p:blipFill>
-          <a:blip r:embed="rId4">
-            <a:extLst>
-              <a:ext uri="{28A0092B-C50C-407E-A947-70E740481C1C}">
-                <a14:useLocalDpi xmlns:a14="http://schemas.microsoft.com/office/drawing/2010/main" val="0"/>
-              </a:ext>
-            </a:extLst>
-          </a:blip>
-          <a:srcRect/>
-          <a:stretch>
-            <a:fillRect/>
-          </a:stretch>
-        </p:blipFill>
-        <p:spPr bwMode="auto">
-          <a:xfrm>
-            <a:off x="93712" y="592788"/>
-            <a:ext cx="3266546" cy="2521348"/>
-          </a:xfrm>
-          <a:prstGeom prst="rect">
-            <a:avLst/>
-          </a:prstGeom>
-          <a:noFill/>
-          <a:extLst>
-            <a:ext uri="{909E8E84-426E-40DD-AFC4-6F175D3DCCD1}">
-              <a14:hiddenFill xmlns:a14="http://schemas.microsoft.com/office/drawing/2010/main">
-                <a:solidFill>
-                  <a:srgbClr val="FFFFFF"/>
-                </a:solidFill>
-              </a14:hiddenFill>
-            </a:ext>
-          </a:extLst>
-        </p:spPr>
-      </p:pic>
-      <p:pic>
-        <p:nvPicPr>
-          <p:cNvPr id="5128" name="Picture 8">
-            <a:extLst>
-              <a:ext uri="{FF2B5EF4-FFF2-40B4-BE49-F238E27FC236}">
-                <a16:creationId xmlns:a16="http://schemas.microsoft.com/office/drawing/2014/main" id="{784E19CA-060C-890F-EB4B-9CCB622F64EA}"/>
-              </a:ext>
-            </a:extLst>
-          </p:cNvPr>
-          <p:cNvPicPr>
-            <a:picLocks noChangeAspect="1" noChangeArrowheads="1"/>
-          </p:cNvPicPr>
-          <p:nvPr/>
-        </p:nvPicPr>
-        <p:blipFill>
-          <a:blip r:embed="rId5">
-            <a:extLst>
-              <a:ext uri="{28A0092B-C50C-407E-A947-70E740481C1C}">
-                <a14:useLocalDpi xmlns:a14="http://schemas.microsoft.com/office/drawing/2010/main" val="0"/>
-              </a:ext>
-            </a:extLst>
-          </a:blip>
-          <a:srcRect/>
-          <a:stretch>
-            <a:fillRect/>
-          </a:stretch>
-        </p:blipFill>
-        <p:spPr bwMode="auto">
-          <a:xfrm>
-            <a:off x="93712" y="3956550"/>
-            <a:ext cx="3266546" cy="2521348"/>
-          </a:xfrm>
-          <a:prstGeom prst="rect">
-            <a:avLst/>
-          </a:prstGeom>
-          <a:noFill/>
-          <a:extLst>
-            <a:ext uri="{909E8E84-426E-40DD-AFC4-6F175D3DCCD1}">
-              <a14:hiddenFill xmlns:a14="http://schemas.microsoft.com/office/drawing/2010/main">
-                <a:solidFill>
-                  <a:srgbClr val="FFFFFF"/>
-                </a:solidFill>
-              </a14:hiddenFill>
-            </a:ext>
-          </a:extLst>
-        </p:spPr>
-      </p:pic>
-    </p:spTree>
-    <p:extLst>
-      <p:ext uri="{BB962C8B-B14F-4D97-AF65-F5344CB8AC3E}">
-        <p14:creationId xmlns:p14="http://schemas.microsoft.com/office/powerpoint/2010/main" val="2354562838"/>
-      </p:ext>
-    </p:extLst>
-  </p:cSld>
-  <p:clrMapOvr>
-    <a:masterClrMapping/>
-  </p:clrMapOvr>
-</p:sld>
-</file>
-
-<file path=ppt/slides/slide23.xml><?xml version="1.0" encoding="utf-8"?>
-<p:sld xmlns:a="http://schemas.openxmlformats.org/drawingml/2006/main" xmlns:r="http://schemas.openxmlformats.org/officeDocument/2006/relationships" xmlns:p="http://schemas.openxmlformats.org/presentationml/2006/main">
-  <p:cSld>
-    <p:spTree>
-      <p:nvGrpSpPr>
-        <p:cNvPr id="1" name=""/>
-        <p:cNvGrpSpPr/>
-        <p:nvPr/>
-      </p:nvGrpSpPr>
-      <p:grpSpPr>
-        <a:xfrm>
-          <a:off x="0" y="0"/>
-          <a:ext cx="0" cy="0"/>
-          <a:chOff x="0" y="0"/>
-          <a:chExt cx="0" cy="0"/>
-        </a:xfrm>
-      </p:grpSpPr>
-      <p:grpSp>
-        <p:nvGrpSpPr>
-          <p:cNvPr id="2" name="Group 1">
-            <a:extLst>
-              <a:ext uri="{FF2B5EF4-FFF2-40B4-BE49-F238E27FC236}">
-                <a16:creationId xmlns:a16="http://schemas.microsoft.com/office/drawing/2014/main" id="{48BB38F6-EE66-D025-0B25-0FE0898A75A9}"/>
-              </a:ext>
-            </a:extLst>
-          </p:cNvPr>
-          <p:cNvGrpSpPr/>
-          <p:nvPr/>
-        </p:nvGrpSpPr>
-        <p:grpSpPr>
-          <a:xfrm>
-            <a:off x="402443" y="128954"/>
-            <a:ext cx="11260168" cy="3673207"/>
-            <a:chOff x="402443" y="128954"/>
-            <a:chExt cx="11260168" cy="3673207"/>
-          </a:xfrm>
-        </p:grpSpPr>
-        <p:sp>
-          <p:nvSpPr>
-            <p:cNvPr id="3" name="TextBox 2">
-              <a:extLst>
-                <a:ext uri="{FF2B5EF4-FFF2-40B4-BE49-F238E27FC236}">
-                  <a16:creationId xmlns:a16="http://schemas.microsoft.com/office/drawing/2014/main" id="{845A49FA-FE14-09A5-F261-E31E1B9EB010}"/>
-                </a:ext>
-              </a:extLst>
-            </p:cNvPr>
-            <p:cNvSpPr txBox="1"/>
-            <p:nvPr/>
-          </p:nvSpPr>
-          <p:spPr>
-            <a:xfrm>
-              <a:off x="402443" y="128954"/>
-              <a:ext cx="1828800" cy="369332"/>
-            </a:xfrm>
-            <a:prstGeom prst="rect">
-              <a:avLst/>
-            </a:prstGeom>
-            <a:noFill/>
-          </p:spPr>
-          <p:txBody>
-            <a:bodyPr rot="0" spcFirstLastPara="0" vert="horz" wrap="square" lIns="91440" tIns="45720" rIns="91440" bIns="45720" numCol="1" spcCol="0" rtlCol="0" fromWordArt="0" anchor="t" anchorCtr="0" forceAA="0" compatLnSpc="1">
-              <a:prstTxWarp prst="textNoShape">
-                <a:avLst/>
-              </a:prstTxWarp>
-              <a:spAutoFit/>
-            </a:bodyPr>
-            <a:lstStyle>
-              <a:defPPr>
-                <a:defRPr lang="en-US"/>
-              </a:defPPr>
-              <a:lvl1pPr marL="0" algn="l" defTabSz="914400" rtl="0" eaLnBrk="1" latinLnBrk="0" hangingPunct="1">
-                <a:defRPr sz="1800" kern="1200">
-                  <a:solidFill>
-                    <a:schemeClr val="tx1"/>
-                  </a:solidFill>
-                  <a:latin typeface="+mn-lt"/>
-                  <a:ea typeface="+mn-ea"/>
-                  <a:cs typeface="+mn-cs"/>
-                </a:defRPr>
-              </a:lvl1pPr>
-              <a:lvl2pPr marL="457200" algn="l" defTabSz="914400" rtl="0" eaLnBrk="1" latinLnBrk="0" hangingPunct="1">
-                <a:defRPr sz="1800" kern="1200">
-                  <a:solidFill>
-                    <a:schemeClr val="tx1"/>
-                  </a:solidFill>
-                  <a:latin typeface="+mn-lt"/>
-                  <a:ea typeface="+mn-ea"/>
-                  <a:cs typeface="+mn-cs"/>
-                </a:defRPr>
-              </a:lvl2pPr>
-              <a:lvl3pPr marL="914400" algn="l" defTabSz="914400" rtl="0" eaLnBrk="1" latinLnBrk="0" hangingPunct="1">
-                <a:defRPr sz="1800" kern="1200">
-                  <a:solidFill>
-                    <a:schemeClr val="tx1"/>
-                  </a:solidFill>
-                  <a:latin typeface="+mn-lt"/>
-                  <a:ea typeface="+mn-ea"/>
-                  <a:cs typeface="+mn-cs"/>
-                </a:defRPr>
-              </a:lvl3pPr>
-              <a:lvl4pPr marL="1371600" algn="l" defTabSz="914400" rtl="0" eaLnBrk="1" latinLnBrk="0" hangingPunct="1">
-                <a:defRPr sz="1800" kern="1200">
-                  <a:solidFill>
-                    <a:schemeClr val="tx1"/>
-                  </a:solidFill>
-                  <a:latin typeface="+mn-lt"/>
-                  <a:ea typeface="+mn-ea"/>
-                  <a:cs typeface="+mn-cs"/>
-                </a:defRPr>
-              </a:lvl4pPr>
-              <a:lvl5pPr marL="1828800" algn="l" defTabSz="914400" rtl="0" eaLnBrk="1" latinLnBrk="0" hangingPunct="1">
-                <a:defRPr sz="1800" kern="1200">
-                  <a:solidFill>
-                    <a:schemeClr val="tx1"/>
-                  </a:solidFill>
-                  <a:latin typeface="+mn-lt"/>
-                  <a:ea typeface="+mn-ea"/>
-                  <a:cs typeface="+mn-cs"/>
-                </a:defRPr>
-              </a:lvl5pPr>
-              <a:lvl6pPr marL="2286000" algn="l" defTabSz="914400" rtl="0" eaLnBrk="1" latinLnBrk="0" hangingPunct="1">
-                <a:defRPr sz="1800" kern="1200">
-                  <a:solidFill>
-                    <a:schemeClr val="tx1"/>
-                  </a:solidFill>
-                  <a:latin typeface="+mn-lt"/>
-                  <a:ea typeface="+mn-ea"/>
-                  <a:cs typeface="+mn-cs"/>
-                </a:defRPr>
-              </a:lvl6pPr>
-              <a:lvl7pPr marL="2743200" algn="l" defTabSz="914400" rtl="0" eaLnBrk="1" latinLnBrk="0" hangingPunct="1">
-                <a:defRPr sz="1800" kern="1200">
-                  <a:solidFill>
-                    <a:schemeClr val="tx1"/>
-                  </a:solidFill>
-                  <a:latin typeface="+mn-lt"/>
-                  <a:ea typeface="+mn-ea"/>
-                  <a:cs typeface="+mn-cs"/>
-                </a:defRPr>
-              </a:lvl7pPr>
-              <a:lvl8pPr marL="3200400" algn="l" defTabSz="914400" rtl="0" eaLnBrk="1" latinLnBrk="0" hangingPunct="1">
-                <a:defRPr sz="1800" kern="1200">
-                  <a:solidFill>
-                    <a:schemeClr val="tx1"/>
-                  </a:solidFill>
-                  <a:latin typeface="+mn-lt"/>
-                  <a:ea typeface="+mn-ea"/>
-                  <a:cs typeface="+mn-cs"/>
-                </a:defRPr>
-              </a:lvl8pPr>
-              <a:lvl9pPr marL="3657600" algn="l" defTabSz="914400" rtl="0" eaLnBrk="1" latinLnBrk="0" hangingPunct="1">
-                <a:defRPr sz="1800" kern="1200">
-                  <a:solidFill>
-                    <a:schemeClr val="tx1"/>
-                  </a:solidFill>
-                  <a:latin typeface="+mn-lt"/>
-                  <a:ea typeface="+mn-ea"/>
-                  <a:cs typeface="+mn-cs"/>
-                </a:defRPr>
-              </a:lvl9pPr>
-            </a:lstStyle>
-            <a:p>
-              <a:pPr algn="l"/>
-              <a:r>
-                <a:rPr lang="en-US" dirty="0"/>
                 <a:t>1.0 1.4 2.6</a:t>
               </a:r>
             </a:p>
@@ -18132,7 +17165,7 @@
 </p:sld>
 </file>
 
-<file path=ppt/slides/slide24.xml><?xml version="1.0" encoding="utf-8"?>
+<file path=ppt/slides/slide23.xml><?xml version="1.0" encoding="utf-8"?>
 <p:sld xmlns:a="http://schemas.openxmlformats.org/drawingml/2006/main" xmlns:r="http://schemas.openxmlformats.org/officeDocument/2006/relationships" xmlns:p="http://schemas.openxmlformats.org/presentationml/2006/main">
   <p:cSld>
     <p:spTree>
@@ -18714,6 +17747,1564 @@
     <p:extLst>
       <p:ext uri="{BB962C8B-B14F-4D97-AF65-F5344CB8AC3E}">
         <p14:creationId xmlns:p14="http://schemas.microsoft.com/office/powerpoint/2010/main" val="3672273678"/>
+      </p:ext>
+    </p:extLst>
+  </p:cSld>
+  <p:clrMapOvr>
+    <a:masterClrMapping/>
+  </p:clrMapOvr>
+</p:sld>
+</file>
+
+<file path=ppt/slides/slide24.xml><?xml version="1.0" encoding="utf-8"?>
+<p:sld xmlns:a="http://schemas.openxmlformats.org/drawingml/2006/main" xmlns:r="http://schemas.openxmlformats.org/officeDocument/2006/relationships" xmlns:p="http://schemas.openxmlformats.org/presentationml/2006/main">
+  <p:cSld>
+    <p:spTree>
+      <p:nvGrpSpPr>
+        <p:cNvPr id="1" name=""/>
+        <p:cNvGrpSpPr/>
+        <p:nvPr/>
+      </p:nvGrpSpPr>
+      <p:grpSpPr>
+        <a:xfrm>
+          <a:off x="0" y="0"/>
+          <a:ext cx="0" cy="0"/>
+          <a:chOff x="0" y="0"/>
+          <a:chExt cx="0" cy="0"/>
+        </a:xfrm>
+      </p:grpSpPr>
+      <p:sp>
+        <p:nvSpPr>
+          <p:cNvPr id="4" name="TextBox 3">
+            <a:extLst>
+              <a:ext uri="{FF2B5EF4-FFF2-40B4-BE49-F238E27FC236}">
+                <a16:creationId xmlns:a16="http://schemas.microsoft.com/office/drawing/2014/main" id="{58527F87-CE59-731F-AA63-8DA38523242C}"/>
+              </a:ext>
+            </a:extLst>
+          </p:cNvPr>
+          <p:cNvSpPr txBox="1"/>
+          <p:nvPr/>
+        </p:nvSpPr>
+        <p:spPr>
+          <a:xfrm>
+            <a:off x="5181600" y="1526406"/>
+            <a:ext cx="1828800" cy="369332"/>
+          </a:xfrm>
+          <a:prstGeom prst="rect">
+            <a:avLst/>
+          </a:prstGeom>
+          <a:noFill/>
+        </p:spPr>
+        <p:txBody>
+          <a:bodyPr rot="0" spcFirstLastPara="0" vert="horz" wrap="square" lIns="91440" tIns="45720" rIns="91440" bIns="45720" numCol="1" spcCol="0" rtlCol="0" fromWordArt="0" anchor="t" anchorCtr="0" forceAA="0" compatLnSpc="1">
+            <a:prstTxWarp prst="textNoShape">
+              <a:avLst/>
+            </a:prstTxWarp>
+            <a:spAutoFit/>
+          </a:bodyPr>
+          <a:lstStyle>
+            <a:defPPr>
+              <a:defRPr lang="en-US"/>
+            </a:defPPr>
+            <a:lvl1pPr marL="0" algn="l" defTabSz="914400" rtl="0" eaLnBrk="1" latinLnBrk="0" hangingPunct="1">
+              <a:defRPr sz="1800" kern="1200">
+                <a:solidFill>
+                  <a:schemeClr val="tx1"/>
+                </a:solidFill>
+                <a:latin typeface="+mn-lt"/>
+                <a:ea typeface="+mn-ea"/>
+                <a:cs typeface="+mn-cs"/>
+              </a:defRPr>
+            </a:lvl1pPr>
+            <a:lvl2pPr marL="457200" algn="l" defTabSz="914400" rtl="0" eaLnBrk="1" latinLnBrk="0" hangingPunct="1">
+              <a:defRPr sz="1800" kern="1200">
+                <a:solidFill>
+                  <a:schemeClr val="tx1"/>
+                </a:solidFill>
+                <a:latin typeface="+mn-lt"/>
+                <a:ea typeface="+mn-ea"/>
+                <a:cs typeface="+mn-cs"/>
+              </a:defRPr>
+            </a:lvl2pPr>
+            <a:lvl3pPr marL="914400" algn="l" defTabSz="914400" rtl="0" eaLnBrk="1" latinLnBrk="0" hangingPunct="1">
+              <a:defRPr sz="1800" kern="1200">
+                <a:solidFill>
+                  <a:schemeClr val="tx1"/>
+                </a:solidFill>
+                <a:latin typeface="+mn-lt"/>
+                <a:ea typeface="+mn-ea"/>
+                <a:cs typeface="+mn-cs"/>
+              </a:defRPr>
+            </a:lvl3pPr>
+            <a:lvl4pPr marL="1371600" algn="l" defTabSz="914400" rtl="0" eaLnBrk="1" latinLnBrk="0" hangingPunct="1">
+              <a:defRPr sz="1800" kern="1200">
+                <a:solidFill>
+                  <a:schemeClr val="tx1"/>
+                </a:solidFill>
+                <a:latin typeface="+mn-lt"/>
+                <a:ea typeface="+mn-ea"/>
+                <a:cs typeface="+mn-cs"/>
+              </a:defRPr>
+            </a:lvl4pPr>
+            <a:lvl5pPr marL="1828800" algn="l" defTabSz="914400" rtl="0" eaLnBrk="1" latinLnBrk="0" hangingPunct="1">
+              <a:defRPr sz="1800" kern="1200">
+                <a:solidFill>
+                  <a:schemeClr val="tx1"/>
+                </a:solidFill>
+                <a:latin typeface="+mn-lt"/>
+                <a:ea typeface="+mn-ea"/>
+                <a:cs typeface="+mn-cs"/>
+              </a:defRPr>
+            </a:lvl5pPr>
+            <a:lvl6pPr marL="2286000" algn="l" defTabSz="914400" rtl="0" eaLnBrk="1" latinLnBrk="0" hangingPunct="1">
+              <a:defRPr sz="1800" kern="1200">
+                <a:solidFill>
+                  <a:schemeClr val="tx1"/>
+                </a:solidFill>
+                <a:latin typeface="+mn-lt"/>
+                <a:ea typeface="+mn-ea"/>
+                <a:cs typeface="+mn-cs"/>
+              </a:defRPr>
+            </a:lvl6pPr>
+            <a:lvl7pPr marL="2743200" algn="l" defTabSz="914400" rtl="0" eaLnBrk="1" latinLnBrk="0" hangingPunct="1">
+              <a:defRPr sz="1800" kern="1200">
+                <a:solidFill>
+                  <a:schemeClr val="tx1"/>
+                </a:solidFill>
+                <a:latin typeface="+mn-lt"/>
+                <a:ea typeface="+mn-ea"/>
+                <a:cs typeface="+mn-cs"/>
+              </a:defRPr>
+            </a:lvl7pPr>
+            <a:lvl8pPr marL="3200400" algn="l" defTabSz="914400" rtl="0" eaLnBrk="1" latinLnBrk="0" hangingPunct="1">
+              <a:defRPr sz="1800" kern="1200">
+                <a:solidFill>
+                  <a:schemeClr val="tx1"/>
+                </a:solidFill>
+                <a:latin typeface="+mn-lt"/>
+                <a:ea typeface="+mn-ea"/>
+                <a:cs typeface="+mn-cs"/>
+              </a:defRPr>
+            </a:lvl8pPr>
+            <a:lvl9pPr marL="3657600" algn="l" defTabSz="914400" rtl="0" eaLnBrk="1" latinLnBrk="0" hangingPunct="1">
+              <a:defRPr sz="1800" kern="1200">
+                <a:solidFill>
+                  <a:schemeClr val="tx1"/>
+                </a:solidFill>
+                <a:latin typeface="+mn-lt"/>
+                <a:ea typeface="+mn-ea"/>
+                <a:cs typeface="+mn-cs"/>
+              </a:defRPr>
+            </a:lvl9pPr>
+          </a:lstStyle>
+          <a:p>
+            <a:pPr algn="ctr"/>
+            <a:r>
+              <a:rPr lang="en-US" dirty="0"/>
+              <a:t>0.6 0.4 2.6</a:t>
+            </a:r>
+          </a:p>
+        </p:txBody>
+      </p:sp>
+      <p:sp>
+        <p:nvSpPr>
+          <p:cNvPr id="10" name="Rectangle 9">
+            <a:extLst>
+              <a:ext uri="{FF2B5EF4-FFF2-40B4-BE49-F238E27FC236}">
+                <a16:creationId xmlns:a16="http://schemas.microsoft.com/office/drawing/2014/main" id="{961A93A9-61C7-E33A-A9EA-1874A63B30B3}"/>
+              </a:ext>
+            </a:extLst>
+          </p:cNvPr>
+          <p:cNvSpPr/>
+          <p:nvPr/>
+        </p:nvSpPr>
+        <p:spPr>
+          <a:xfrm>
+            <a:off x="4130842" y="353544"/>
+            <a:ext cx="3930316" cy="1042737"/>
+          </a:xfrm>
+          <a:prstGeom prst="rect">
+            <a:avLst/>
+          </a:prstGeom>
+        </p:spPr>
+        <p:style>
+          <a:lnRef idx="2">
+            <a:schemeClr val="accent1">
+              <a:shade val="50000"/>
+            </a:schemeClr>
+          </a:lnRef>
+          <a:fillRef idx="1">
+            <a:schemeClr val="accent1"/>
+          </a:fillRef>
+          <a:effectRef idx="0">
+            <a:schemeClr val="accent1"/>
+          </a:effectRef>
+          <a:fontRef idx="minor">
+            <a:schemeClr val="lt1"/>
+          </a:fontRef>
+        </p:style>
+        <p:txBody>
+          <a:bodyPr rtlCol="0" anchor="ctr"/>
+          <a:lstStyle/>
+          <a:p>
+            <a:pPr algn="ctr"/>
+            <a:r>
+              <a:rPr lang="en-US" dirty="0"/>
+              <a:t>N function of b0</a:t>
+            </a:r>
+          </a:p>
+        </p:txBody>
+      </p:sp>
+      <p:sp>
+        <p:nvSpPr>
+          <p:cNvPr id="11" name="TextBox 10">
+            <a:extLst>
+              <a:ext uri="{FF2B5EF4-FFF2-40B4-BE49-F238E27FC236}">
+                <a16:creationId xmlns:a16="http://schemas.microsoft.com/office/drawing/2014/main" id="{84DAD176-FF58-5A78-32A8-3B91A7220C74}"/>
+              </a:ext>
+            </a:extLst>
+          </p:cNvPr>
+          <p:cNvSpPr txBox="1"/>
+          <p:nvPr/>
+        </p:nvSpPr>
+        <p:spPr>
+          <a:xfrm>
+            <a:off x="1711978" y="1026949"/>
+            <a:ext cx="1828800" cy="369332"/>
+          </a:xfrm>
+          <a:prstGeom prst="rect">
+            <a:avLst/>
+          </a:prstGeom>
+          <a:noFill/>
+        </p:spPr>
+        <p:txBody>
+          <a:bodyPr rot="0" spcFirstLastPara="0" vert="horz" wrap="square" lIns="91440" tIns="45720" rIns="91440" bIns="45720" numCol="1" spcCol="0" rtlCol="0" fromWordArt="0" anchor="t" anchorCtr="0" forceAA="0" compatLnSpc="1">
+            <a:prstTxWarp prst="textNoShape">
+              <a:avLst/>
+            </a:prstTxWarp>
+            <a:spAutoFit/>
+          </a:bodyPr>
+          <a:lstStyle>
+            <a:defPPr>
+              <a:defRPr lang="en-US"/>
+            </a:defPPr>
+            <a:lvl1pPr marL="0" algn="l" defTabSz="914400" rtl="0" eaLnBrk="1" latinLnBrk="0" hangingPunct="1">
+              <a:defRPr sz="1800" kern="1200">
+                <a:solidFill>
+                  <a:schemeClr val="tx1"/>
+                </a:solidFill>
+                <a:latin typeface="+mn-lt"/>
+                <a:ea typeface="+mn-ea"/>
+                <a:cs typeface="+mn-cs"/>
+              </a:defRPr>
+            </a:lvl1pPr>
+            <a:lvl2pPr marL="457200" algn="l" defTabSz="914400" rtl="0" eaLnBrk="1" latinLnBrk="0" hangingPunct="1">
+              <a:defRPr sz="1800" kern="1200">
+                <a:solidFill>
+                  <a:schemeClr val="tx1"/>
+                </a:solidFill>
+                <a:latin typeface="+mn-lt"/>
+                <a:ea typeface="+mn-ea"/>
+                <a:cs typeface="+mn-cs"/>
+              </a:defRPr>
+            </a:lvl2pPr>
+            <a:lvl3pPr marL="914400" algn="l" defTabSz="914400" rtl="0" eaLnBrk="1" latinLnBrk="0" hangingPunct="1">
+              <a:defRPr sz="1800" kern="1200">
+                <a:solidFill>
+                  <a:schemeClr val="tx1"/>
+                </a:solidFill>
+                <a:latin typeface="+mn-lt"/>
+                <a:ea typeface="+mn-ea"/>
+                <a:cs typeface="+mn-cs"/>
+              </a:defRPr>
+            </a:lvl3pPr>
+            <a:lvl4pPr marL="1371600" algn="l" defTabSz="914400" rtl="0" eaLnBrk="1" latinLnBrk="0" hangingPunct="1">
+              <a:defRPr sz="1800" kern="1200">
+                <a:solidFill>
+                  <a:schemeClr val="tx1"/>
+                </a:solidFill>
+                <a:latin typeface="+mn-lt"/>
+                <a:ea typeface="+mn-ea"/>
+                <a:cs typeface="+mn-cs"/>
+              </a:defRPr>
+            </a:lvl4pPr>
+            <a:lvl5pPr marL="1828800" algn="l" defTabSz="914400" rtl="0" eaLnBrk="1" latinLnBrk="0" hangingPunct="1">
+              <a:defRPr sz="1800" kern="1200">
+                <a:solidFill>
+                  <a:schemeClr val="tx1"/>
+                </a:solidFill>
+                <a:latin typeface="+mn-lt"/>
+                <a:ea typeface="+mn-ea"/>
+                <a:cs typeface="+mn-cs"/>
+              </a:defRPr>
+            </a:lvl5pPr>
+            <a:lvl6pPr marL="2286000" algn="l" defTabSz="914400" rtl="0" eaLnBrk="1" latinLnBrk="0" hangingPunct="1">
+              <a:defRPr sz="1800" kern="1200">
+                <a:solidFill>
+                  <a:schemeClr val="tx1"/>
+                </a:solidFill>
+                <a:latin typeface="+mn-lt"/>
+                <a:ea typeface="+mn-ea"/>
+                <a:cs typeface="+mn-cs"/>
+              </a:defRPr>
+            </a:lvl6pPr>
+            <a:lvl7pPr marL="2743200" algn="l" defTabSz="914400" rtl="0" eaLnBrk="1" latinLnBrk="0" hangingPunct="1">
+              <a:defRPr sz="1800" kern="1200">
+                <a:solidFill>
+                  <a:schemeClr val="tx1"/>
+                </a:solidFill>
+                <a:latin typeface="+mn-lt"/>
+                <a:ea typeface="+mn-ea"/>
+                <a:cs typeface="+mn-cs"/>
+              </a:defRPr>
+            </a:lvl7pPr>
+            <a:lvl8pPr marL="3200400" algn="l" defTabSz="914400" rtl="0" eaLnBrk="1" latinLnBrk="0" hangingPunct="1">
+              <a:defRPr sz="1800" kern="1200">
+                <a:solidFill>
+                  <a:schemeClr val="tx1"/>
+                </a:solidFill>
+                <a:latin typeface="+mn-lt"/>
+                <a:ea typeface="+mn-ea"/>
+                <a:cs typeface="+mn-cs"/>
+              </a:defRPr>
+            </a:lvl8pPr>
+            <a:lvl9pPr marL="3657600" algn="l" defTabSz="914400" rtl="0" eaLnBrk="1" latinLnBrk="0" hangingPunct="1">
+              <a:defRPr sz="1800" kern="1200">
+                <a:solidFill>
+                  <a:schemeClr val="tx1"/>
+                </a:solidFill>
+                <a:latin typeface="+mn-lt"/>
+                <a:ea typeface="+mn-ea"/>
+                <a:cs typeface="+mn-cs"/>
+              </a:defRPr>
+            </a:lvl9pPr>
+          </a:lstStyle>
+          <a:p>
+            <a:pPr algn="ctr"/>
+            <a:r>
+              <a:rPr lang="en-US" dirty="0"/>
+              <a:t>Before</a:t>
+            </a:r>
+          </a:p>
+        </p:txBody>
+      </p:sp>
+      <p:sp>
+        <p:nvSpPr>
+          <p:cNvPr id="12" name="TextBox 11">
+            <a:extLst>
+              <a:ext uri="{FF2B5EF4-FFF2-40B4-BE49-F238E27FC236}">
+                <a16:creationId xmlns:a16="http://schemas.microsoft.com/office/drawing/2014/main" id="{78A8276A-C669-4239-425C-957E133E4A81}"/>
+              </a:ext>
+            </a:extLst>
+          </p:cNvPr>
+          <p:cNvSpPr txBox="1"/>
+          <p:nvPr/>
+        </p:nvSpPr>
+        <p:spPr>
+          <a:xfrm>
+            <a:off x="9449317" y="1026949"/>
+            <a:ext cx="1828800" cy="369332"/>
+          </a:xfrm>
+          <a:prstGeom prst="rect">
+            <a:avLst/>
+          </a:prstGeom>
+          <a:noFill/>
+        </p:spPr>
+        <p:txBody>
+          <a:bodyPr rot="0" spcFirstLastPara="0" vert="horz" wrap="square" lIns="91440" tIns="45720" rIns="91440" bIns="45720" numCol="1" spcCol="0" rtlCol="0" fromWordArt="0" anchor="t" anchorCtr="0" forceAA="0" compatLnSpc="1">
+            <a:prstTxWarp prst="textNoShape">
+              <a:avLst/>
+            </a:prstTxWarp>
+            <a:spAutoFit/>
+          </a:bodyPr>
+          <a:lstStyle>
+            <a:defPPr>
+              <a:defRPr lang="en-US"/>
+            </a:defPPr>
+            <a:lvl1pPr marL="0" algn="l" defTabSz="914400" rtl="0" eaLnBrk="1" latinLnBrk="0" hangingPunct="1">
+              <a:defRPr sz="1800" kern="1200">
+                <a:solidFill>
+                  <a:schemeClr val="tx1"/>
+                </a:solidFill>
+                <a:latin typeface="+mn-lt"/>
+                <a:ea typeface="+mn-ea"/>
+                <a:cs typeface="+mn-cs"/>
+              </a:defRPr>
+            </a:lvl1pPr>
+            <a:lvl2pPr marL="457200" algn="l" defTabSz="914400" rtl="0" eaLnBrk="1" latinLnBrk="0" hangingPunct="1">
+              <a:defRPr sz="1800" kern="1200">
+                <a:solidFill>
+                  <a:schemeClr val="tx1"/>
+                </a:solidFill>
+                <a:latin typeface="+mn-lt"/>
+                <a:ea typeface="+mn-ea"/>
+                <a:cs typeface="+mn-cs"/>
+              </a:defRPr>
+            </a:lvl2pPr>
+            <a:lvl3pPr marL="914400" algn="l" defTabSz="914400" rtl="0" eaLnBrk="1" latinLnBrk="0" hangingPunct="1">
+              <a:defRPr sz="1800" kern="1200">
+                <a:solidFill>
+                  <a:schemeClr val="tx1"/>
+                </a:solidFill>
+                <a:latin typeface="+mn-lt"/>
+                <a:ea typeface="+mn-ea"/>
+                <a:cs typeface="+mn-cs"/>
+              </a:defRPr>
+            </a:lvl3pPr>
+            <a:lvl4pPr marL="1371600" algn="l" defTabSz="914400" rtl="0" eaLnBrk="1" latinLnBrk="0" hangingPunct="1">
+              <a:defRPr sz="1800" kern="1200">
+                <a:solidFill>
+                  <a:schemeClr val="tx1"/>
+                </a:solidFill>
+                <a:latin typeface="+mn-lt"/>
+                <a:ea typeface="+mn-ea"/>
+                <a:cs typeface="+mn-cs"/>
+              </a:defRPr>
+            </a:lvl4pPr>
+            <a:lvl5pPr marL="1828800" algn="l" defTabSz="914400" rtl="0" eaLnBrk="1" latinLnBrk="0" hangingPunct="1">
+              <a:defRPr sz="1800" kern="1200">
+                <a:solidFill>
+                  <a:schemeClr val="tx1"/>
+                </a:solidFill>
+                <a:latin typeface="+mn-lt"/>
+                <a:ea typeface="+mn-ea"/>
+                <a:cs typeface="+mn-cs"/>
+              </a:defRPr>
+            </a:lvl5pPr>
+            <a:lvl6pPr marL="2286000" algn="l" defTabSz="914400" rtl="0" eaLnBrk="1" latinLnBrk="0" hangingPunct="1">
+              <a:defRPr sz="1800" kern="1200">
+                <a:solidFill>
+                  <a:schemeClr val="tx1"/>
+                </a:solidFill>
+                <a:latin typeface="+mn-lt"/>
+                <a:ea typeface="+mn-ea"/>
+                <a:cs typeface="+mn-cs"/>
+              </a:defRPr>
+            </a:lvl6pPr>
+            <a:lvl7pPr marL="2743200" algn="l" defTabSz="914400" rtl="0" eaLnBrk="1" latinLnBrk="0" hangingPunct="1">
+              <a:defRPr sz="1800" kern="1200">
+                <a:solidFill>
+                  <a:schemeClr val="tx1"/>
+                </a:solidFill>
+                <a:latin typeface="+mn-lt"/>
+                <a:ea typeface="+mn-ea"/>
+                <a:cs typeface="+mn-cs"/>
+              </a:defRPr>
+            </a:lvl7pPr>
+            <a:lvl8pPr marL="3200400" algn="l" defTabSz="914400" rtl="0" eaLnBrk="1" latinLnBrk="0" hangingPunct="1">
+              <a:defRPr sz="1800" kern="1200">
+                <a:solidFill>
+                  <a:schemeClr val="tx1"/>
+                </a:solidFill>
+                <a:latin typeface="+mn-lt"/>
+                <a:ea typeface="+mn-ea"/>
+                <a:cs typeface="+mn-cs"/>
+              </a:defRPr>
+            </a:lvl8pPr>
+            <a:lvl9pPr marL="3657600" algn="l" defTabSz="914400" rtl="0" eaLnBrk="1" latinLnBrk="0" hangingPunct="1">
+              <a:defRPr sz="1800" kern="1200">
+                <a:solidFill>
+                  <a:schemeClr val="tx1"/>
+                </a:solidFill>
+                <a:latin typeface="+mn-lt"/>
+                <a:ea typeface="+mn-ea"/>
+                <a:cs typeface="+mn-cs"/>
+              </a:defRPr>
+            </a:lvl9pPr>
+          </a:lstStyle>
+          <a:p>
+            <a:pPr algn="ctr"/>
+            <a:r>
+              <a:rPr lang="en-US" dirty="0"/>
+              <a:t>After</a:t>
+            </a:r>
+          </a:p>
+        </p:txBody>
+      </p:sp>
+      <p:pic>
+        <p:nvPicPr>
+          <p:cNvPr id="14" name="Picture 13">
+            <a:extLst>
+              <a:ext uri="{FF2B5EF4-FFF2-40B4-BE49-F238E27FC236}">
+                <a16:creationId xmlns:a16="http://schemas.microsoft.com/office/drawing/2014/main" id="{274526EA-1C0C-964D-AB2E-D7749C0BA05C}"/>
+              </a:ext>
+            </a:extLst>
+          </p:cNvPr>
+          <p:cNvPicPr>
+            <a:picLocks noChangeAspect="1"/>
+          </p:cNvPicPr>
+          <p:nvPr/>
+        </p:nvPicPr>
+        <p:blipFill>
+          <a:blip r:embed="rId2"/>
+          <a:stretch>
+            <a:fillRect/>
+          </a:stretch>
+        </p:blipFill>
+        <p:spPr>
+          <a:xfrm>
+            <a:off x="528720" y="2703272"/>
+            <a:ext cx="3930315" cy="2902600"/>
+          </a:xfrm>
+          <a:prstGeom prst="rect">
+            <a:avLst/>
+          </a:prstGeom>
+        </p:spPr>
+      </p:pic>
+    </p:spTree>
+    <p:extLst>
+      <p:ext uri="{BB962C8B-B14F-4D97-AF65-F5344CB8AC3E}">
+        <p14:creationId xmlns:p14="http://schemas.microsoft.com/office/powerpoint/2010/main" val="3133834885"/>
+      </p:ext>
+    </p:extLst>
+  </p:cSld>
+  <p:clrMapOvr>
+    <a:masterClrMapping/>
+  </p:clrMapOvr>
+</p:sld>
+</file>
+
+<file path=ppt/slides/slide25.xml><?xml version="1.0" encoding="utf-8"?>
+<p:sld xmlns:a="http://schemas.openxmlformats.org/drawingml/2006/main" xmlns:r="http://schemas.openxmlformats.org/officeDocument/2006/relationships" xmlns:p="http://schemas.openxmlformats.org/presentationml/2006/main">
+  <p:cSld>
+    <p:spTree>
+      <p:nvGrpSpPr>
+        <p:cNvPr id="1" name=""/>
+        <p:cNvGrpSpPr/>
+        <p:nvPr/>
+      </p:nvGrpSpPr>
+      <p:grpSpPr>
+        <a:xfrm>
+          <a:off x="0" y="0"/>
+          <a:ext cx="0" cy="0"/>
+          <a:chOff x="0" y="0"/>
+          <a:chExt cx="0" cy="0"/>
+        </a:xfrm>
+      </p:grpSpPr>
+      <p:sp>
+        <p:nvSpPr>
+          <p:cNvPr id="4" name="TextBox 3">
+            <a:extLst>
+              <a:ext uri="{FF2B5EF4-FFF2-40B4-BE49-F238E27FC236}">
+                <a16:creationId xmlns:a16="http://schemas.microsoft.com/office/drawing/2014/main" id="{58527F87-CE59-731F-AA63-8DA38523242C}"/>
+              </a:ext>
+            </a:extLst>
+          </p:cNvPr>
+          <p:cNvSpPr txBox="1"/>
+          <p:nvPr/>
+        </p:nvSpPr>
+        <p:spPr>
+          <a:xfrm>
+            <a:off x="5181600" y="1534364"/>
+            <a:ext cx="1828800" cy="369332"/>
+          </a:xfrm>
+          <a:prstGeom prst="rect">
+            <a:avLst/>
+          </a:prstGeom>
+          <a:noFill/>
+        </p:spPr>
+        <p:txBody>
+          <a:bodyPr rot="0" spcFirstLastPara="0" vert="horz" wrap="square" lIns="91440" tIns="45720" rIns="91440" bIns="45720" numCol="1" spcCol="0" rtlCol="0" fromWordArt="0" anchor="t" anchorCtr="0" forceAA="0" compatLnSpc="1">
+            <a:prstTxWarp prst="textNoShape">
+              <a:avLst/>
+            </a:prstTxWarp>
+            <a:spAutoFit/>
+          </a:bodyPr>
+          <a:lstStyle>
+            <a:defPPr>
+              <a:defRPr lang="en-US"/>
+            </a:defPPr>
+            <a:lvl1pPr marL="0" algn="l" defTabSz="914400" rtl="0" eaLnBrk="1" latinLnBrk="0" hangingPunct="1">
+              <a:defRPr sz="1800" kern="1200">
+                <a:solidFill>
+                  <a:schemeClr val="tx1"/>
+                </a:solidFill>
+                <a:latin typeface="+mn-lt"/>
+                <a:ea typeface="+mn-ea"/>
+                <a:cs typeface="+mn-cs"/>
+              </a:defRPr>
+            </a:lvl1pPr>
+            <a:lvl2pPr marL="457200" algn="l" defTabSz="914400" rtl="0" eaLnBrk="1" latinLnBrk="0" hangingPunct="1">
+              <a:defRPr sz="1800" kern="1200">
+                <a:solidFill>
+                  <a:schemeClr val="tx1"/>
+                </a:solidFill>
+                <a:latin typeface="+mn-lt"/>
+                <a:ea typeface="+mn-ea"/>
+                <a:cs typeface="+mn-cs"/>
+              </a:defRPr>
+            </a:lvl2pPr>
+            <a:lvl3pPr marL="914400" algn="l" defTabSz="914400" rtl="0" eaLnBrk="1" latinLnBrk="0" hangingPunct="1">
+              <a:defRPr sz="1800" kern="1200">
+                <a:solidFill>
+                  <a:schemeClr val="tx1"/>
+                </a:solidFill>
+                <a:latin typeface="+mn-lt"/>
+                <a:ea typeface="+mn-ea"/>
+                <a:cs typeface="+mn-cs"/>
+              </a:defRPr>
+            </a:lvl3pPr>
+            <a:lvl4pPr marL="1371600" algn="l" defTabSz="914400" rtl="0" eaLnBrk="1" latinLnBrk="0" hangingPunct="1">
+              <a:defRPr sz="1800" kern="1200">
+                <a:solidFill>
+                  <a:schemeClr val="tx1"/>
+                </a:solidFill>
+                <a:latin typeface="+mn-lt"/>
+                <a:ea typeface="+mn-ea"/>
+                <a:cs typeface="+mn-cs"/>
+              </a:defRPr>
+            </a:lvl4pPr>
+            <a:lvl5pPr marL="1828800" algn="l" defTabSz="914400" rtl="0" eaLnBrk="1" latinLnBrk="0" hangingPunct="1">
+              <a:defRPr sz="1800" kern="1200">
+                <a:solidFill>
+                  <a:schemeClr val="tx1"/>
+                </a:solidFill>
+                <a:latin typeface="+mn-lt"/>
+                <a:ea typeface="+mn-ea"/>
+                <a:cs typeface="+mn-cs"/>
+              </a:defRPr>
+            </a:lvl5pPr>
+            <a:lvl6pPr marL="2286000" algn="l" defTabSz="914400" rtl="0" eaLnBrk="1" latinLnBrk="0" hangingPunct="1">
+              <a:defRPr sz="1800" kern="1200">
+                <a:solidFill>
+                  <a:schemeClr val="tx1"/>
+                </a:solidFill>
+                <a:latin typeface="+mn-lt"/>
+                <a:ea typeface="+mn-ea"/>
+                <a:cs typeface="+mn-cs"/>
+              </a:defRPr>
+            </a:lvl6pPr>
+            <a:lvl7pPr marL="2743200" algn="l" defTabSz="914400" rtl="0" eaLnBrk="1" latinLnBrk="0" hangingPunct="1">
+              <a:defRPr sz="1800" kern="1200">
+                <a:solidFill>
+                  <a:schemeClr val="tx1"/>
+                </a:solidFill>
+                <a:latin typeface="+mn-lt"/>
+                <a:ea typeface="+mn-ea"/>
+                <a:cs typeface="+mn-cs"/>
+              </a:defRPr>
+            </a:lvl7pPr>
+            <a:lvl8pPr marL="3200400" algn="l" defTabSz="914400" rtl="0" eaLnBrk="1" latinLnBrk="0" hangingPunct="1">
+              <a:defRPr sz="1800" kern="1200">
+                <a:solidFill>
+                  <a:schemeClr val="tx1"/>
+                </a:solidFill>
+                <a:latin typeface="+mn-lt"/>
+                <a:ea typeface="+mn-ea"/>
+                <a:cs typeface="+mn-cs"/>
+              </a:defRPr>
+            </a:lvl8pPr>
+            <a:lvl9pPr marL="3657600" algn="l" defTabSz="914400" rtl="0" eaLnBrk="1" latinLnBrk="0" hangingPunct="1">
+              <a:defRPr sz="1800" kern="1200">
+                <a:solidFill>
+                  <a:schemeClr val="tx1"/>
+                </a:solidFill>
+                <a:latin typeface="+mn-lt"/>
+                <a:ea typeface="+mn-ea"/>
+                <a:cs typeface="+mn-cs"/>
+              </a:defRPr>
+            </a:lvl9pPr>
+          </a:lstStyle>
+          <a:p>
+            <a:pPr algn="ctr"/>
+            <a:r>
+              <a:rPr lang="en-US" dirty="0"/>
+              <a:t>1.0 1.0 2.6</a:t>
+            </a:r>
+          </a:p>
+        </p:txBody>
+      </p:sp>
+      <p:pic>
+        <p:nvPicPr>
+          <p:cNvPr id="5" name="Picture 4">
+            <a:extLst>
+              <a:ext uri="{FF2B5EF4-FFF2-40B4-BE49-F238E27FC236}">
+                <a16:creationId xmlns:a16="http://schemas.microsoft.com/office/drawing/2014/main" id="{85D748BF-1940-6D6F-A7E3-F009D2CCD4C2}"/>
+              </a:ext>
+            </a:extLst>
+          </p:cNvPr>
+          <p:cNvPicPr>
+            <a:picLocks noChangeAspect="1" noChangeArrowheads="1"/>
+          </p:cNvPicPr>
+          <p:nvPr/>
+        </p:nvPicPr>
+        <p:blipFill>
+          <a:blip r:embed="rId2">
+            <a:extLst>
+              <a:ext uri="{28A0092B-C50C-407E-A947-70E740481C1C}">
+                <a14:useLocalDpi xmlns:a14="http://schemas.microsoft.com/office/drawing/2010/main" val="0"/>
+              </a:ext>
+            </a:extLst>
+          </a:blip>
+          <a:srcRect/>
+          <a:stretch>
+            <a:fillRect/>
+          </a:stretch>
+        </p:blipFill>
+        <p:spPr bwMode="auto">
+          <a:xfrm>
+            <a:off x="375957" y="2395195"/>
+            <a:ext cx="4500843" cy="3571977"/>
+          </a:xfrm>
+          <a:prstGeom prst="rect">
+            <a:avLst/>
+          </a:prstGeom>
+          <a:noFill/>
+          <a:extLst>
+            <a:ext uri="{909E8E84-426E-40DD-AFC4-6F175D3DCCD1}">
+              <a14:hiddenFill xmlns:a14="http://schemas.microsoft.com/office/drawing/2010/main">
+                <a:solidFill>
+                  <a:srgbClr val="FFFFFF"/>
+                </a:solidFill>
+              </a14:hiddenFill>
+            </a:ext>
+          </a:extLst>
+        </p:spPr>
+      </p:pic>
+      <p:sp>
+        <p:nvSpPr>
+          <p:cNvPr id="10" name="Rectangle 9">
+            <a:extLst>
+              <a:ext uri="{FF2B5EF4-FFF2-40B4-BE49-F238E27FC236}">
+                <a16:creationId xmlns:a16="http://schemas.microsoft.com/office/drawing/2014/main" id="{961A93A9-61C7-E33A-A9EA-1874A63B30B3}"/>
+              </a:ext>
+            </a:extLst>
+          </p:cNvPr>
+          <p:cNvSpPr/>
+          <p:nvPr/>
+        </p:nvSpPr>
+        <p:spPr>
+          <a:xfrm>
+            <a:off x="4130842" y="369460"/>
+            <a:ext cx="3930316" cy="1042737"/>
+          </a:xfrm>
+          <a:prstGeom prst="rect">
+            <a:avLst/>
+          </a:prstGeom>
+        </p:spPr>
+        <p:style>
+          <a:lnRef idx="2">
+            <a:schemeClr val="accent1">
+              <a:shade val="50000"/>
+            </a:schemeClr>
+          </a:lnRef>
+          <a:fillRef idx="1">
+            <a:schemeClr val="accent1"/>
+          </a:fillRef>
+          <a:effectRef idx="0">
+            <a:schemeClr val="accent1"/>
+          </a:effectRef>
+          <a:fontRef idx="minor">
+            <a:schemeClr val="lt1"/>
+          </a:fontRef>
+        </p:style>
+        <p:txBody>
+          <a:bodyPr rtlCol="0" anchor="ctr"/>
+          <a:lstStyle/>
+          <a:p>
+            <a:pPr algn="ctr"/>
+            <a:r>
+              <a:rPr lang="en-US" dirty="0"/>
+              <a:t>N function of b0</a:t>
+            </a:r>
+          </a:p>
+        </p:txBody>
+      </p:sp>
+      <p:sp>
+        <p:nvSpPr>
+          <p:cNvPr id="11" name="TextBox 10">
+            <a:extLst>
+              <a:ext uri="{FF2B5EF4-FFF2-40B4-BE49-F238E27FC236}">
+                <a16:creationId xmlns:a16="http://schemas.microsoft.com/office/drawing/2014/main" id="{84DAD176-FF58-5A78-32A8-3B91A7220C74}"/>
+              </a:ext>
+            </a:extLst>
+          </p:cNvPr>
+          <p:cNvSpPr txBox="1"/>
+          <p:nvPr/>
+        </p:nvSpPr>
+        <p:spPr>
+          <a:xfrm>
+            <a:off x="1828283" y="890828"/>
+            <a:ext cx="1828800" cy="369332"/>
+          </a:xfrm>
+          <a:prstGeom prst="rect">
+            <a:avLst/>
+          </a:prstGeom>
+          <a:noFill/>
+        </p:spPr>
+        <p:txBody>
+          <a:bodyPr rot="0" spcFirstLastPara="0" vert="horz" wrap="square" lIns="91440" tIns="45720" rIns="91440" bIns="45720" numCol="1" spcCol="0" rtlCol="0" fromWordArt="0" anchor="t" anchorCtr="0" forceAA="0" compatLnSpc="1">
+            <a:prstTxWarp prst="textNoShape">
+              <a:avLst/>
+            </a:prstTxWarp>
+            <a:spAutoFit/>
+          </a:bodyPr>
+          <a:lstStyle>
+            <a:defPPr>
+              <a:defRPr lang="en-US"/>
+            </a:defPPr>
+            <a:lvl1pPr marL="0" algn="l" defTabSz="914400" rtl="0" eaLnBrk="1" latinLnBrk="0" hangingPunct="1">
+              <a:defRPr sz="1800" kern="1200">
+                <a:solidFill>
+                  <a:schemeClr val="tx1"/>
+                </a:solidFill>
+                <a:latin typeface="+mn-lt"/>
+                <a:ea typeface="+mn-ea"/>
+                <a:cs typeface="+mn-cs"/>
+              </a:defRPr>
+            </a:lvl1pPr>
+            <a:lvl2pPr marL="457200" algn="l" defTabSz="914400" rtl="0" eaLnBrk="1" latinLnBrk="0" hangingPunct="1">
+              <a:defRPr sz="1800" kern="1200">
+                <a:solidFill>
+                  <a:schemeClr val="tx1"/>
+                </a:solidFill>
+                <a:latin typeface="+mn-lt"/>
+                <a:ea typeface="+mn-ea"/>
+                <a:cs typeface="+mn-cs"/>
+              </a:defRPr>
+            </a:lvl2pPr>
+            <a:lvl3pPr marL="914400" algn="l" defTabSz="914400" rtl="0" eaLnBrk="1" latinLnBrk="0" hangingPunct="1">
+              <a:defRPr sz="1800" kern="1200">
+                <a:solidFill>
+                  <a:schemeClr val="tx1"/>
+                </a:solidFill>
+                <a:latin typeface="+mn-lt"/>
+                <a:ea typeface="+mn-ea"/>
+                <a:cs typeface="+mn-cs"/>
+              </a:defRPr>
+            </a:lvl3pPr>
+            <a:lvl4pPr marL="1371600" algn="l" defTabSz="914400" rtl="0" eaLnBrk="1" latinLnBrk="0" hangingPunct="1">
+              <a:defRPr sz="1800" kern="1200">
+                <a:solidFill>
+                  <a:schemeClr val="tx1"/>
+                </a:solidFill>
+                <a:latin typeface="+mn-lt"/>
+                <a:ea typeface="+mn-ea"/>
+                <a:cs typeface="+mn-cs"/>
+              </a:defRPr>
+            </a:lvl4pPr>
+            <a:lvl5pPr marL="1828800" algn="l" defTabSz="914400" rtl="0" eaLnBrk="1" latinLnBrk="0" hangingPunct="1">
+              <a:defRPr sz="1800" kern="1200">
+                <a:solidFill>
+                  <a:schemeClr val="tx1"/>
+                </a:solidFill>
+                <a:latin typeface="+mn-lt"/>
+                <a:ea typeface="+mn-ea"/>
+                <a:cs typeface="+mn-cs"/>
+              </a:defRPr>
+            </a:lvl5pPr>
+            <a:lvl6pPr marL="2286000" algn="l" defTabSz="914400" rtl="0" eaLnBrk="1" latinLnBrk="0" hangingPunct="1">
+              <a:defRPr sz="1800" kern="1200">
+                <a:solidFill>
+                  <a:schemeClr val="tx1"/>
+                </a:solidFill>
+                <a:latin typeface="+mn-lt"/>
+                <a:ea typeface="+mn-ea"/>
+                <a:cs typeface="+mn-cs"/>
+              </a:defRPr>
+            </a:lvl6pPr>
+            <a:lvl7pPr marL="2743200" algn="l" defTabSz="914400" rtl="0" eaLnBrk="1" latinLnBrk="0" hangingPunct="1">
+              <a:defRPr sz="1800" kern="1200">
+                <a:solidFill>
+                  <a:schemeClr val="tx1"/>
+                </a:solidFill>
+                <a:latin typeface="+mn-lt"/>
+                <a:ea typeface="+mn-ea"/>
+                <a:cs typeface="+mn-cs"/>
+              </a:defRPr>
+            </a:lvl7pPr>
+            <a:lvl8pPr marL="3200400" algn="l" defTabSz="914400" rtl="0" eaLnBrk="1" latinLnBrk="0" hangingPunct="1">
+              <a:defRPr sz="1800" kern="1200">
+                <a:solidFill>
+                  <a:schemeClr val="tx1"/>
+                </a:solidFill>
+                <a:latin typeface="+mn-lt"/>
+                <a:ea typeface="+mn-ea"/>
+                <a:cs typeface="+mn-cs"/>
+              </a:defRPr>
+            </a:lvl8pPr>
+            <a:lvl9pPr marL="3657600" algn="l" defTabSz="914400" rtl="0" eaLnBrk="1" latinLnBrk="0" hangingPunct="1">
+              <a:defRPr sz="1800" kern="1200">
+                <a:solidFill>
+                  <a:schemeClr val="tx1"/>
+                </a:solidFill>
+                <a:latin typeface="+mn-lt"/>
+                <a:ea typeface="+mn-ea"/>
+                <a:cs typeface="+mn-cs"/>
+              </a:defRPr>
+            </a:lvl9pPr>
+          </a:lstStyle>
+          <a:p>
+            <a:pPr algn="l"/>
+            <a:r>
+              <a:rPr lang="en-US" dirty="0"/>
+              <a:t>Before</a:t>
+            </a:r>
+          </a:p>
+        </p:txBody>
+      </p:sp>
+      <p:sp>
+        <p:nvSpPr>
+          <p:cNvPr id="12" name="TextBox 11">
+            <a:extLst>
+              <a:ext uri="{FF2B5EF4-FFF2-40B4-BE49-F238E27FC236}">
+                <a16:creationId xmlns:a16="http://schemas.microsoft.com/office/drawing/2014/main" id="{78A8276A-C669-4239-425C-957E133E4A81}"/>
+              </a:ext>
+            </a:extLst>
+          </p:cNvPr>
+          <p:cNvSpPr txBox="1"/>
+          <p:nvPr/>
+        </p:nvSpPr>
+        <p:spPr>
+          <a:xfrm>
+            <a:off x="9754117" y="1026949"/>
+            <a:ext cx="1828800" cy="369332"/>
+          </a:xfrm>
+          <a:prstGeom prst="rect">
+            <a:avLst/>
+          </a:prstGeom>
+          <a:noFill/>
+        </p:spPr>
+        <p:txBody>
+          <a:bodyPr rot="0" spcFirstLastPara="0" vert="horz" wrap="square" lIns="91440" tIns="45720" rIns="91440" bIns="45720" numCol="1" spcCol="0" rtlCol="0" fromWordArt="0" anchor="t" anchorCtr="0" forceAA="0" compatLnSpc="1">
+            <a:prstTxWarp prst="textNoShape">
+              <a:avLst/>
+            </a:prstTxWarp>
+            <a:spAutoFit/>
+          </a:bodyPr>
+          <a:lstStyle>
+            <a:defPPr>
+              <a:defRPr lang="en-US"/>
+            </a:defPPr>
+            <a:lvl1pPr marL="0" algn="l" defTabSz="914400" rtl="0" eaLnBrk="1" latinLnBrk="0" hangingPunct="1">
+              <a:defRPr sz="1800" kern="1200">
+                <a:solidFill>
+                  <a:schemeClr val="tx1"/>
+                </a:solidFill>
+                <a:latin typeface="+mn-lt"/>
+                <a:ea typeface="+mn-ea"/>
+                <a:cs typeface="+mn-cs"/>
+              </a:defRPr>
+            </a:lvl1pPr>
+            <a:lvl2pPr marL="457200" algn="l" defTabSz="914400" rtl="0" eaLnBrk="1" latinLnBrk="0" hangingPunct="1">
+              <a:defRPr sz="1800" kern="1200">
+                <a:solidFill>
+                  <a:schemeClr val="tx1"/>
+                </a:solidFill>
+                <a:latin typeface="+mn-lt"/>
+                <a:ea typeface="+mn-ea"/>
+                <a:cs typeface="+mn-cs"/>
+              </a:defRPr>
+            </a:lvl2pPr>
+            <a:lvl3pPr marL="914400" algn="l" defTabSz="914400" rtl="0" eaLnBrk="1" latinLnBrk="0" hangingPunct="1">
+              <a:defRPr sz="1800" kern="1200">
+                <a:solidFill>
+                  <a:schemeClr val="tx1"/>
+                </a:solidFill>
+                <a:latin typeface="+mn-lt"/>
+                <a:ea typeface="+mn-ea"/>
+                <a:cs typeface="+mn-cs"/>
+              </a:defRPr>
+            </a:lvl3pPr>
+            <a:lvl4pPr marL="1371600" algn="l" defTabSz="914400" rtl="0" eaLnBrk="1" latinLnBrk="0" hangingPunct="1">
+              <a:defRPr sz="1800" kern="1200">
+                <a:solidFill>
+                  <a:schemeClr val="tx1"/>
+                </a:solidFill>
+                <a:latin typeface="+mn-lt"/>
+                <a:ea typeface="+mn-ea"/>
+                <a:cs typeface="+mn-cs"/>
+              </a:defRPr>
+            </a:lvl4pPr>
+            <a:lvl5pPr marL="1828800" algn="l" defTabSz="914400" rtl="0" eaLnBrk="1" latinLnBrk="0" hangingPunct="1">
+              <a:defRPr sz="1800" kern="1200">
+                <a:solidFill>
+                  <a:schemeClr val="tx1"/>
+                </a:solidFill>
+                <a:latin typeface="+mn-lt"/>
+                <a:ea typeface="+mn-ea"/>
+                <a:cs typeface="+mn-cs"/>
+              </a:defRPr>
+            </a:lvl5pPr>
+            <a:lvl6pPr marL="2286000" algn="l" defTabSz="914400" rtl="0" eaLnBrk="1" latinLnBrk="0" hangingPunct="1">
+              <a:defRPr sz="1800" kern="1200">
+                <a:solidFill>
+                  <a:schemeClr val="tx1"/>
+                </a:solidFill>
+                <a:latin typeface="+mn-lt"/>
+                <a:ea typeface="+mn-ea"/>
+                <a:cs typeface="+mn-cs"/>
+              </a:defRPr>
+            </a:lvl6pPr>
+            <a:lvl7pPr marL="2743200" algn="l" defTabSz="914400" rtl="0" eaLnBrk="1" latinLnBrk="0" hangingPunct="1">
+              <a:defRPr sz="1800" kern="1200">
+                <a:solidFill>
+                  <a:schemeClr val="tx1"/>
+                </a:solidFill>
+                <a:latin typeface="+mn-lt"/>
+                <a:ea typeface="+mn-ea"/>
+                <a:cs typeface="+mn-cs"/>
+              </a:defRPr>
+            </a:lvl7pPr>
+            <a:lvl8pPr marL="3200400" algn="l" defTabSz="914400" rtl="0" eaLnBrk="1" latinLnBrk="0" hangingPunct="1">
+              <a:defRPr sz="1800" kern="1200">
+                <a:solidFill>
+                  <a:schemeClr val="tx1"/>
+                </a:solidFill>
+                <a:latin typeface="+mn-lt"/>
+                <a:ea typeface="+mn-ea"/>
+                <a:cs typeface="+mn-cs"/>
+              </a:defRPr>
+            </a:lvl8pPr>
+            <a:lvl9pPr marL="3657600" algn="l" defTabSz="914400" rtl="0" eaLnBrk="1" latinLnBrk="0" hangingPunct="1">
+              <a:defRPr sz="1800" kern="1200">
+                <a:solidFill>
+                  <a:schemeClr val="tx1"/>
+                </a:solidFill>
+                <a:latin typeface="+mn-lt"/>
+                <a:ea typeface="+mn-ea"/>
+                <a:cs typeface="+mn-cs"/>
+              </a:defRPr>
+            </a:lvl9pPr>
+          </a:lstStyle>
+          <a:p>
+            <a:pPr algn="l"/>
+            <a:r>
+              <a:rPr lang="en-US" dirty="0"/>
+              <a:t>After</a:t>
+            </a:r>
+          </a:p>
+        </p:txBody>
+      </p:sp>
+    </p:spTree>
+    <p:extLst>
+      <p:ext uri="{BB962C8B-B14F-4D97-AF65-F5344CB8AC3E}">
+        <p14:creationId xmlns:p14="http://schemas.microsoft.com/office/powerpoint/2010/main" val="2633760128"/>
+      </p:ext>
+    </p:extLst>
+  </p:cSld>
+  <p:clrMapOvr>
+    <a:masterClrMapping/>
+  </p:clrMapOvr>
+</p:sld>
+</file>
+
+<file path=ppt/slides/slide26.xml><?xml version="1.0" encoding="utf-8"?>
+<p:sld xmlns:a="http://schemas.openxmlformats.org/drawingml/2006/main" xmlns:r="http://schemas.openxmlformats.org/officeDocument/2006/relationships" xmlns:p="http://schemas.openxmlformats.org/presentationml/2006/main">
+  <p:cSld>
+    <p:spTree>
+      <p:nvGrpSpPr>
+        <p:cNvPr id="1" name=""/>
+        <p:cNvGrpSpPr/>
+        <p:nvPr/>
+      </p:nvGrpSpPr>
+      <p:grpSpPr>
+        <a:xfrm>
+          <a:off x="0" y="0"/>
+          <a:ext cx="0" cy="0"/>
+          <a:chOff x="0" y="0"/>
+          <a:chExt cx="0" cy="0"/>
+        </a:xfrm>
+      </p:grpSpPr>
+      <p:sp>
+        <p:nvSpPr>
+          <p:cNvPr id="4" name="TextBox 3">
+            <a:extLst>
+              <a:ext uri="{FF2B5EF4-FFF2-40B4-BE49-F238E27FC236}">
+                <a16:creationId xmlns:a16="http://schemas.microsoft.com/office/drawing/2014/main" id="{58527F87-CE59-731F-AA63-8DA38523242C}"/>
+              </a:ext>
+            </a:extLst>
+          </p:cNvPr>
+          <p:cNvSpPr txBox="1"/>
+          <p:nvPr/>
+        </p:nvSpPr>
+        <p:spPr>
+          <a:xfrm>
+            <a:off x="5181600" y="1534364"/>
+            <a:ext cx="1828800" cy="369332"/>
+          </a:xfrm>
+          <a:prstGeom prst="rect">
+            <a:avLst/>
+          </a:prstGeom>
+          <a:noFill/>
+        </p:spPr>
+        <p:txBody>
+          <a:bodyPr rot="0" spcFirstLastPara="0" vert="horz" wrap="square" lIns="91440" tIns="45720" rIns="91440" bIns="45720" numCol="1" spcCol="0" rtlCol="0" fromWordArt="0" anchor="t" anchorCtr="0" forceAA="0" compatLnSpc="1">
+            <a:prstTxWarp prst="textNoShape">
+              <a:avLst/>
+            </a:prstTxWarp>
+            <a:spAutoFit/>
+          </a:bodyPr>
+          <a:lstStyle>
+            <a:defPPr>
+              <a:defRPr lang="en-US"/>
+            </a:defPPr>
+            <a:lvl1pPr marL="0" algn="l" defTabSz="914400" rtl="0" eaLnBrk="1" latinLnBrk="0" hangingPunct="1">
+              <a:defRPr sz="1800" kern="1200">
+                <a:solidFill>
+                  <a:schemeClr val="tx1"/>
+                </a:solidFill>
+                <a:latin typeface="+mn-lt"/>
+                <a:ea typeface="+mn-ea"/>
+                <a:cs typeface="+mn-cs"/>
+              </a:defRPr>
+            </a:lvl1pPr>
+            <a:lvl2pPr marL="457200" algn="l" defTabSz="914400" rtl="0" eaLnBrk="1" latinLnBrk="0" hangingPunct="1">
+              <a:defRPr sz="1800" kern="1200">
+                <a:solidFill>
+                  <a:schemeClr val="tx1"/>
+                </a:solidFill>
+                <a:latin typeface="+mn-lt"/>
+                <a:ea typeface="+mn-ea"/>
+                <a:cs typeface="+mn-cs"/>
+              </a:defRPr>
+            </a:lvl2pPr>
+            <a:lvl3pPr marL="914400" algn="l" defTabSz="914400" rtl="0" eaLnBrk="1" latinLnBrk="0" hangingPunct="1">
+              <a:defRPr sz="1800" kern="1200">
+                <a:solidFill>
+                  <a:schemeClr val="tx1"/>
+                </a:solidFill>
+                <a:latin typeface="+mn-lt"/>
+                <a:ea typeface="+mn-ea"/>
+                <a:cs typeface="+mn-cs"/>
+              </a:defRPr>
+            </a:lvl3pPr>
+            <a:lvl4pPr marL="1371600" algn="l" defTabSz="914400" rtl="0" eaLnBrk="1" latinLnBrk="0" hangingPunct="1">
+              <a:defRPr sz="1800" kern="1200">
+                <a:solidFill>
+                  <a:schemeClr val="tx1"/>
+                </a:solidFill>
+                <a:latin typeface="+mn-lt"/>
+                <a:ea typeface="+mn-ea"/>
+                <a:cs typeface="+mn-cs"/>
+              </a:defRPr>
+            </a:lvl4pPr>
+            <a:lvl5pPr marL="1828800" algn="l" defTabSz="914400" rtl="0" eaLnBrk="1" latinLnBrk="0" hangingPunct="1">
+              <a:defRPr sz="1800" kern="1200">
+                <a:solidFill>
+                  <a:schemeClr val="tx1"/>
+                </a:solidFill>
+                <a:latin typeface="+mn-lt"/>
+                <a:ea typeface="+mn-ea"/>
+                <a:cs typeface="+mn-cs"/>
+              </a:defRPr>
+            </a:lvl5pPr>
+            <a:lvl6pPr marL="2286000" algn="l" defTabSz="914400" rtl="0" eaLnBrk="1" latinLnBrk="0" hangingPunct="1">
+              <a:defRPr sz="1800" kern="1200">
+                <a:solidFill>
+                  <a:schemeClr val="tx1"/>
+                </a:solidFill>
+                <a:latin typeface="+mn-lt"/>
+                <a:ea typeface="+mn-ea"/>
+                <a:cs typeface="+mn-cs"/>
+              </a:defRPr>
+            </a:lvl6pPr>
+            <a:lvl7pPr marL="2743200" algn="l" defTabSz="914400" rtl="0" eaLnBrk="1" latinLnBrk="0" hangingPunct="1">
+              <a:defRPr sz="1800" kern="1200">
+                <a:solidFill>
+                  <a:schemeClr val="tx1"/>
+                </a:solidFill>
+                <a:latin typeface="+mn-lt"/>
+                <a:ea typeface="+mn-ea"/>
+                <a:cs typeface="+mn-cs"/>
+              </a:defRPr>
+            </a:lvl7pPr>
+            <a:lvl8pPr marL="3200400" algn="l" defTabSz="914400" rtl="0" eaLnBrk="1" latinLnBrk="0" hangingPunct="1">
+              <a:defRPr sz="1800" kern="1200">
+                <a:solidFill>
+                  <a:schemeClr val="tx1"/>
+                </a:solidFill>
+                <a:latin typeface="+mn-lt"/>
+                <a:ea typeface="+mn-ea"/>
+                <a:cs typeface="+mn-cs"/>
+              </a:defRPr>
+            </a:lvl8pPr>
+            <a:lvl9pPr marL="3657600" algn="l" defTabSz="914400" rtl="0" eaLnBrk="1" latinLnBrk="0" hangingPunct="1">
+              <a:defRPr sz="1800" kern="1200">
+                <a:solidFill>
+                  <a:schemeClr val="tx1"/>
+                </a:solidFill>
+                <a:latin typeface="+mn-lt"/>
+                <a:ea typeface="+mn-ea"/>
+                <a:cs typeface="+mn-cs"/>
+              </a:defRPr>
+            </a:lvl9pPr>
+          </a:lstStyle>
+          <a:p>
+            <a:pPr algn="ctr"/>
+            <a:r>
+              <a:rPr lang="en-US" dirty="0"/>
+              <a:t>1.4 1.4 2.6</a:t>
+            </a:r>
+          </a:p>
+        </p:txBody>
+      </p:sp>
+      <p:pic>
+        <p:nvPicPr>
+          <p:cNvPr id="5" name="Picture 4">
+            <a:extLst>
+              <a:ext uri="{FF2B5EF4-FFF2-40B4-BE49-F238E27FC236}">
+                <a16:creationId xmlns:a16="http://schemas.microsoft.com/office/drawing/2014/main" id="{85D748BF-1940-6D6F-A7E3-F009D2CCD4C2}"/>
+              </a:ext>
+            </a:extLst>
+          </p:cNvPr>
+          <p:cNvPicPr>
+            <a:picLocks noChangeAspect="1" noChangeArrowheads="1"/>
+          </p:cNvPicPr>
+          <p:nvPr/>
+        </p:nvPicPr>
+        <p:blipFill>
+          <a:blip r:embed="rId2">
+            <a:extLst>
+              <a:ext uri="{28A0092B-C50C-407E-A947-70E740481C1C}">
+                <a14:useLocalDpi xmlns:a14="http://schemas.microsoft.com/office/drawing/2010/main" val="0"/>
+              </a:ext>
+            </a:extLst>
+          </a:blip>
+          <a:srcRect/>
+          <a:stretch>
+            <a:fillRect/>
+          </a:stretch>
+        </p:blipFill>
+        <p:spPr bwMode="auto">
+          <a:xfrm>
+            <a:off x="375957" y="2395195"/>
+            <a:ext cx="4500843" cy="3571977"/>
+          </a:xfrm>
+          <a:prstGeom prst="rect">
+            <a:avLst/>
+          </a:prstGeom>
+          <a:noFill/>
+          <a:extLst>
+            <a:ext uri="{909E8E84-426E-40DD-AFC4-6F175D3DCCD1}">
+              <a14:hiddenFill xmlns:a14="http://schemas.microsoft.com/office/drawing/2010/main">
+                <a:solidFill>
+                  <a:srgbClr val="FFFFFF"/>
+                </a:solidFill>
+              </a14:hiddenFill>
+            </a:ext>
+          </a:extLst>
+        </p:spPr>
+      </p:pic>
+      <p:sp>
+        <p:nvSpPr>
+          <p:cNvPr id="10" name="Rectangle 9">
+            <a:extLst>
+              <a:ext uri="{FF2B5EF4-FFF2-40B4-BE49-F238E27FC236}">
+                <a16:creationId xmlns:a16="http://schemas.microsoft.com/office/drawing/2014/main" id="{961A93A9-61C7-E33A-A9EA-1874A63B30B3}"/>
+              </a:ext>
+            </a:extLst>
+          </p:cNvPr>
+          <p:cNvSpPr/>
+          <p:nvPr/>
+        </p:nvSpPr>
+        <p:spPr>
+          <a:xfrm>
+            <a:off x="4130842" y="369460"/>
+            <a:ext cx="3930316" cy="1042737"/>
+          </a:xfrm>
+          <a:prstGeom prst="rect">
+            <a:avLst/>
+          </a:prstGeom>
+        </p:spPr>
+        <p:style>
+          <a:lnRef idx="2">
+            <a:schemeClr val="accent1">
+              <a:shade val="50000"/>
+            </a:schemeClr>
+          </a:lnRef>
+          <a:fillRef idx="1">
+            <a:schemeClr val="accent1"/>
+          </a:fillRef>
+          <a:effectRef idx="0">
+            <a:schemeClr val="accent1"/>
+          </a:effectRef>
+          <a:fontRef idx="minor">
+            <a:schemeClr val="lt1"/>
+          </a:fontRef>
+        </p:style>
+        <p:txBody>
+          <a:bodyPr rtlCol="0" anchor="ctr"/>
+          <a:lstStyle/>
+          <a:p>
+            <a:pPr algn="ctr"/>
+            <a:r>
+              <a:rPr lang="en-US" dirty="0"/>
+              <a:t>N function of b0</a:t>
+            </a:r>
+          </a:p>
+        </p:txBody>
+      </p:sp>
+      <p:sp>
+        <p:nvSpPr>
+          <p:cNvPr id="11" name="TextBox 10">
+            <a:extLst>
+              <a:ext uri="{FF2B5EF4-FFF2-40B4-BE49-F238E27FC236}">
+                <a16:creationId xmlns:a16="http://schemas.microsoft.com/office/drawing/2014/main" id="{84DAD176-FF58-5A78-32A8-3B91A7220C74}"/>
+              </a:ext>
+            </a:extLst>
+          </p:cNvPr>
+          <p:cNvSpPr txBox="1"/>
+          <p:nvPr/>
+        </p:nvSpPr>
+        <p:spPr>
+          <a:xfrm>
+            <a:off x="1828283" y="890828"/>
+            <a:ext cx="1828800" cy="369332"/>
+          </a:xfrm>
+          <a:prstGeom prst="rect">
+            <a:avLst/>
+          </a:prstGeom>
+          <a:noFill/>
+        </p:spPr>
+        <p:txBody>
+          <a:bodyPr rot="0" spcFirstLastPara="0" vert="horz" wrap="square" lIns="91440" tIns="45720" rIns="91440" bIns="45720" numCol="1" spcCol="0" rtlCol="0" fromWordArt="0" anchor="t" anchorCtr="0" forceAA="0" compatLnSpc="1">
+            <a:prstTxWarp prst="textNoShape">
+              <a:avLst/>
+            </a:prstTxWarp>
+            <a:spAutoFit/>
+          </a:bodyPr>
+          <a:lstStyle>
+            <a:defPPr>
+              <a:defRPr lang="en-US"/>
+            </a:defPPr>
+            <a:lvl1pPr marL="0" algn="l" defTabSz="914400" rtl="0" eaLnBrk="1" latinLnBrk="0" hangingPunct="1">
+              <a:defRPr sz="1800" kern="1200">
+                <a:solidFill>
+                  <a:schemeClr val="tx1"/>
+                </a:solidFill>
+                <a:latin typeface="+mn-lt"/>
+                <a:ea typeface="+mn-ea"/>
+                <a:cs typeface="+mn-cs"/>
+              </a:defRPr>
+            </a:lvl1pPr>
+            <a:lvl2pPr marL="457200" algn="l" defTabSz="914400" rtl="0" eaLnBrk="1" latinLnBrk="0" hangingPunct="1">
+              <a:defRPr sz="1800" kern="1200">
+                <a:solidFill>
+                  <a:schemeClr val="tx1"/>
+                </a:solidFill>
+                <a:latin typeface="+mn-lt"/>
+                <a:ea typeface="+mn-ea"/>
+                <a:cs typeface="+mn-cs"/>
+              </a:defRPr>
+            </a:lvl2pPr>
+            <a:lvl3pPr marL="914400" algn="l" defTabSz="914400" rtl="0" eaLnBrk="1" latinLnBrk="0" hangingPunct="1">
+              <a:defRPr sz="1800" kern="1200">
+                <a:solidFill>
+                  <a:schemeClr val="tx1"/>
+                </a:solidFill>
+                <a:latin typeface="+mn-lt"/>
+                <a:ea typeface="+mn-ea"/>
+                <a:cs typeface="+mn-cs"/>
+              </a:defRPr>
+            </a:lvl3pPr>
+            <a:lvl4pPr marL="1371600" algn="l" defTabSz="914400" rtl="0" eaLnBrk="1" latinLnBrk="0" hangingPunct="1">
+              <a:defRPr sz="1800" kern="1200">
+                <a:solidFill>
+                  <a:schemeClr val="tx1"/>
+                </a:solidFill>
+                <a:latin typeface="+mn-lt"/>
+                <a:ea typeface="+mn-ea"/>
+                <a:cs typeface="+mn-cs"/>
+              </a:defRPr>
+            </a:lvl4pPr>
+            <a:lvl5pPr marL="1828800" algn="l" defTabSz="914400" rtl="0" eaLnBrk="1" latinLnBrk="0" hangingPunct="1">
+              <a:defRPr sz="1800" kern="1200">
+                <a:solidFill>
+                  <a:schemeClr val="tx1"/>
+                </a:solidFill>
+                <a:latin typeface="+mn-lt"/>
+                <a:ea typeface="+mn-ea"/>
+                <a:cs typeface="+mn-cs"/>
+              </a:defRPr>
+            </a:lvl5pPr>
+            <a:lvl6pPr marL="2286000" algn="l" defTabSz="914400" rtl="0" eaLnBrk="1" latinLnBrk="0" hangingPunct="1">
+              <a:defRPr sz="1800" kern="1200">
+                <a:solidFill>
+                  <a:schemeClr val="tx1"/>
+                </a:solidFill>
+                <a:latin typeface="+mn-lt"/>
+                <a:ea typeface="+mn-ea"/>
+                <a:cs typeface="+mn-cs"/>
+              </a:defRPr>
+            </a:lvl6pPr>
+            <a:lvl7pPr marL="2743200" algn="l" defTabSz="914400" rtl="0" eaLnBrk="1" latinLnBrk="0" hangingPunct="1">
+              <a:defRPr sz="1800" kern="1200">
+                <a:solidFill>
+                  <a:schemeClr val="tx1"/>
+                </a:solidFill>
+                <a:latin typeface="+mn-lt"/>
+                <a:ea typeface="+mn-ea"/>
+                <a:cs typeface="+mn-cs"/>
+              </a:defRPr>
+            </a:lvl7pPr>
+            <a:lvl8pPr marL="3200400" algn="l" defTabSz="914400" rtl="0" eaLnBrk="1" latinLnBrk="0" hangingPunct="1">
+              <a:defRPr sz="1800" kern="1200">
+                <a:solidFill>
+                  <a:schemeClr val="tx1"/>
+                </a:solidFill>
+                <a:latin typeface="+mn-lt"/>
+                <a:ea typeface="+mn-ea"/>
+                <a:cs typeface="+mn-cs"/>
+              </a:defRPr>
+            </a:lvl8pPr>
+            <a:lvl9pPr marL="3657600" algn="l" defTabSz="914400" rtl="0" eaLnBrk="1" latinLnBrk="0" hangingPunct="1">
+              <a:defRPr sz="1800" kern="1200">
+                <a:solidFill>
+                  <a:schemeClr val="tx1"/>
+                </a:solidFill>
+                <a:latin typeface="+mn-lt"/>
+                <a:ea typeface="+mn-ea"/>
+                <a:cs typeface="+mn-cs"/>
+              </a:defRPr>
+            </a:lvl9pPr>
+          </a:lstStyle>
+          <a:p>
+            <a:pPr algn="l"/>
+            <a:r>
+              <a:rPr lang="en-US" dirty="0"/>
+              <a:t>Before</a:t>
+            </a:r>
+          </a:p>
+        </p:txBody>
+      </p:sp>
+      <p:sp>
+        <p:nvSpPr>
+          <p:cNvPr id="12" name="TextBox 11">
+            <a:extLst>
+              <a:ext uri="{FF2B5EF4-FFF2-40B4-BE49-F238E27FC236}">
+                <a16:creationId xmlns:a16="http://schemas.microsoft.com/office/drawing/2014/main" id="{78A8276A-C669-4239-425C-957E133E4A81}"/>
+              </a:ext>
+            </a:extLst>
+          </p:cNvPr>
+          <p:cNvSpPr txBox="1"/>
+          <p:nvPr/>
+        </p:nvSpPr>
+        <p:spPr>
+          <a:xfrm>
+            <a:off x="9754117" y="1026949"/>
+            <a:ext cx="1828800" cy="369332"/>
+          </a:xfrm>
+          <a:prstGeom prst="rect">
+            <a:avLst/>
+          </a:prstGeom>
+          <a:noFill/>
+        </p:spPr>
+        <p:txBody>
+          <a:bodyPr rot="0" spcFirstLastPara="0" vert="horz" wrap="square" lIns="91440" tIns="45720" rIns="91440" bIns="45720" numCol="1" spcCol="0" rtlCol="0" fromWordArt="0" anchor="t" anchorCtr="0" forceAA="0" compatLnSpc="1">
+            <a:prstTxWarp prst="textNoShape">
+              <a:avLst/>
+            </a:prstTxWarp>
+            <a:spAutoFit/>
+          </a:bodyPr>
+          <a:lstStyle>
+            <a:defPPr>
+              <a:defRPr lang="en-US"/>
+            </a:defPPr>
+            <a:lvl1pPr marL="0" algn="l" defTabSz="914400" rtl="0" eaLnBrk="1" latinLnBrk="0" hangingPunct="1">
+              <a:defRPr sz="1800" kern="1200">
+                <a:solidFill>
+                  <a:schemeClr val="tx1"/>
+                </a:solidFill>
+                <a:latin typeface="+mn-lt"/>
+                <a:ea typeface="+mn-ea"/>
+                <a:cs typeface="+mn-cs"/>
+              </a:defRPr>
+            </a:lvl1pPr>
+            <a:lvl2pPr marL="457200" algn="l" defTabSz="914400" rtl="0" eaLnBrk="1" latinLnBrk="0" hangingPunct="1">
+              <a:defRPr sz="1800" kern="1200">
+                <a:solidFill>
+                  <a:schemeClr val="tx1"/>
+                </a:solidFill>
+                <a:latin typeface="+mn-lt"/>
+                <a:ea typeface="+mn-ea"/>
+                <a:cs typeface="+mn-cs"/>
+              </a:defRPr>
+            </a:lvl2pPr>
+            <a:lvl3pPr marL="914400" algn="l" defTabSz="914400" rtl="0" eaLnBrk="1" latinLnBrk="0" hangingPunct="1">
+              <a:defRPr sz="1800" kern="1200">
+                <a:solidFill>
+                  <a:schemeClr val="tx1"/>
+                </a:solidFill>
+                <a:latin typeface="+mn-lt"/>
+                <a:ea typeface="+mn-ea"/>
+                <a:cs typeface="+mn-cs"/>
+              </a:defRPr>
+            </a:lvl3pPr>
+            <a:lvl4pPr marL="1371600" algn="l" defTabSz="914400" rtl="0" eaLnBrk="1" latinLnBrk="0" hangingPunct="1">
+              <a:defRPr sz="1800" kern="1200">
+                <a:solidFill>
+                  <a:schemeClr val="tx1"/>
+                </a:solidFill>
+                <a:latin typeface="+mn-lt"/>
+                <a:ea typeface="+mn-ea"/>
+                <a:cs typeface="+mn-cs"/>
+              </a:defRPr>
+            </a:lvl4pPr>
+            <a:lvl5pPr marL="1828800" algn="l" defTabSz="914400" rtl="0" eaLnBrk="1" latinLnBrk="0" hangingPunct="1">
+              <a:defRPr sz="1800" kern="1200">
+                <a:solidFill>
+                  <a:schemeClr val="tx1"/>
+                </a:solidFill>
+                <a:latin typeface="+mn-lt"/>
+                <a:ea typeface="+mn-ea"/>
+                <a:cs typeface="+mn-cs"/>
+              </a:defRPr>
+            </a:lvl5pPr>
+            <a:lvl6pPr marL="2286000" algn="l" defTabSz="914400" rtl="0" eaLnBrk="1" latinLnBrk="0" hangingPunct="1">
+              <a:defRPr sz="1800" kern="1200">
+                <a:solidFill>
+                  <a:schemeClr val="tx1"/>
+                </a:solidFill>
+                <a:latin typeface="+mn-lt"/>
+                <a:ea typeface="+mn-ea"/>
+                <a:cs typeface="+mn-cs"/>
+              </a:defRPr>
+            </a:lvl6pPr>
+            <a:lvl7pPr marL="2743200" algn="l" defTabSz="914400" rtl="0" eaLnBrk="1" latinLnBrk="0" hangingPunct="1">
+              <a:defRPr sz="1800" kern="1200">
+                <a:solidFill>
+                  <a:schemeClr val="tx1"/>
+                </a:solidFill>
+                <a:latin typeface="+mn-lt"/>
+                <a:ea typeface="+mn-ea"/>
+                <a:cs typeface="+mn-cs"/>
+              </a:defRPr>
+            </a:lvl7pPr>
+            <a:lvl8pPr marL="3200400" algn="l" defTabSz="914400" rtl="0" eaLnBrk="1" latinLnBrk="0" hangingPunct="1">
+              <a:defRPr sz="1800" kern="1200">
+                <a:solidFill>
+                  <a:schemeClr val="tx1"/>
+                </a:solidFill>
+                <a:latin typeface="+mn-lt"/>
+                <a:ea typeface="+mn-ea"/>
+                <a:cs typeface="+mn-cs"/>
+              </a:defRPr>
+            </a:lvl8pPr>
+            <a:lvl9pPr marL="3657600" algn="l" defTabSz="914400" rtl="0" eaLnBrk="1" latinLnBrk="0" hangingPunct="1">
+              <a:defRPr sz="1800" kern="1200">
+                <a:solidFill>
+                  <a:schemeClr val="tx1"/>
+                </a:solidFill>
+                <a:latin typeface="+mn-lt"/>
+                <a:ea typeface="+mn-ea"/>
+                <a:cs typeface="+mn-cs"/>
+              </a:defRPr>
+            </a:lvl9pPr>
+          </a:lstStyle>
+          <a:p>
+            <a:pPr algn="l"/>
+            <a:r>
+              <a:rPr lang="en-US" dirty="0"/>
+              <a:t>After</a:t>
+            </a:r>
+          </a:p>
+        </p:txBody>
+      </p:sp>
+    </p:spTree>
+    <p:extLst>
+      <p:ext uri="{BB962C8B-B14F-4D97-AF65-F5344CB8AC3E}">
+        <p14:creationId xmlns:p14="http://schemas.microsoft.com/office/powerpoint/2010/main" val="1657068415"/>
       </p:ext>
     </p:extLst>
   </p:cSld>

--- a/p_update.pptx
+++ b/p_update.pptx
@@ -28,9 +28,10 @@
     <p:sldId id="276" r:id="rId22"/>
     <p:sldId id="274" r:id="rId23"/>
     <p:sldId id="275" r:id="rId24"/>
-    <p:sldId id="302" r:id="rId25"/>
-    <p:sldId id="304" r:id="rId26"/>
-    <p:sldId id="303" r:id="rId27"/>
+    <p:sldId id="305" r:id="rId25"/>
+    <p:sldId id="302" r:id="rId26"/>
+    <p:sldId id="304" r:id="rId27"/>
+    <p:sldId id="303" r:id="rId28"/>
   </p:sldIdLst>
   <p:sldSz cx="12192000" cy="6858000"/>
   <p:notesSz cx="6858000" cy="9144000"/>
@@ -284,7 +285,7 @@
           <a:p>
             <a:fld id="{AC0A374C-67DD-7B41-A977-89CB4768BCE6}" type="datetimeFigureOut">
               <a:rPr lang="en-US" smtClean="0"/>
-              <a:t>9/29/2022</a:t>
+              <a:t>10/3/2022</a:t>
             </a:fld>
             <a:endParaRPr lang="en-US"/>
           </a:p>
@@ -482,7 +483,7 @@
           <a:p>
             <a:fld id="{AC0A374C-67DD-7B41-A977-89CB4768BCE6}" type="datetimeFigureOut">
               <a:rPr lang="en-US" smtClean="0"/>
-              <a:t>9/29/2022</a:t>
+              <a:t>10/3/2022</a:t>
             </a:fld>
             <a:endParaRPr lang="en-US"/>
           </a:p>
@@ -690,7 +691,7 @@
           <a:p>
             <a:fld id="{AC0A374C-67DD-7B41-A977-89CB4768BCE6}" type="datetimeFigureOut">
               <a:rPr lang="en-US" smtClean="0"/>
-              <a:t>9/29/2022</a:t>
+              <a:t>10/3/2022</a:t>
             </a:fld>
             <a:endParaRPr lang="en-US"/>
           </a:p>
@@ -888,7 +889,7 @@
           <a:p>
             <a:fld id="{AC0A374C-67DD-7B41-A977-89CB4768BCE6}" type="datetimeFigureOut">
               <a:rPr lang="en-US" smtClean="0"/>
-              <a:t>9/29/2022</a:t>
+              <a:t>10/3/2022</a:t>
             </a:fld>
             <a:endParaRPr lang="en-US"/>
           </a:p>
@@ -1163,7 +1164,7 @@
           <a:p>
             <a:fld id="{AC0A374C-67DD-7B41-A977-89CB4768BCE6}" type="datetimeFigureOut">
               <a:rPr lang="en-US" smtClean="0"/>
-              <a:t>9/29/2022</a:t>
+              <a:t>10/3/2022</a:t>
             </a:fld>
             <a:endParaRPr lang="en-US"/>
           </a:p>
@@ -1428,7 +1429,7 @@
           <a:p>
             <a:fld id="{AC0A374C-67DD-7B41-A977-89CB4768BCE6}" type="datetimeFigureOut">
               <a:rPr lang="en-US" smtClean="0"/>
-              <a:t>9/29/2022</a:t>
+              <a:t>10/3/2022</a:t>
             </a:fld>
             <a:endParaRPr lang="en-US"/>
           </a:p>
@@ -1840,7 +1841,7 @@
           <a:p>
             <a:fld id="{AC0A374C-67DD-7B41-A977-89CB4768BCE6}" type="datetimeFigureOut">
               <a:rPr lang="en-US" smtClean="0"/>
-              <a:t>9/29/2022</a:t>
+              <a:t>10/3/2022</a:t>
             </a:fld>
             <a:endParaRPr lang="en-US"/>
           </a:p>
@@ -1981,7 +1982,7 @@
           <a:p>
             <a:fld id="{AC0A374C-67DD-7B41-A977-89CB4768BCE6}" type="datetimeFigureOut">
               <a:rPr lang="en-US" smtClean="0"/>
-              <a:t>9/29/2022</a:t>
+              <a:t>10/3/2022</a:t>
             </a:fld>
             <a:endParaRPr lang="en-US"/>
           </a:p>
@@ -2094,7 +2095,7 @@
           <a:p>
             <a:fld id="{AC0A374C-67DD-7B41-A977-89CB4768BCE6}" type="datetimeFigureOut">
               <a:rPr lang="en-US" smtClean="0"/>
-              <a:t>9/29/2022</a:t>
+              <a:t>10/3/2022</a:t>
             </a:fld>
             <a:endParaRPr lang="en-US"/>
           </a:p>
@@ -2405,7 +2406,7 @@
           <a:p>
             <a:fld id="{AC0A374C-67DD-7B41-A977-89CB4768BCE6}" type="datetimeFigureOut">
               <a:rPr lang="en-US" smtClean="0"/>
-              <a:t>9/29/2022</a:t>
+              <a:t>10/3/2022</a:t>
             </a:fld>
             <a:endParaRPr lang="en-US"/>
           </a:p>
@@ -2693,7 +2694,7 @@
           <a:p>
             <a:fld id="{AC0A374C-67DD-7B41-A977-89CB4768BCE6}" type="datetimeFigureOut">
               <a:rPr lang="en-US" smtClean="0"/>
-              <a:t>9/29/2022</a:t>
+              <a:t>10/3/2022</a:t>
             </a:fld>
             <a:endParaRPr lang="en-US"/>
           </a:p>
@@ -2934,7 +2935,7 @@
           <a:p>
             <a:fld id="{AC0A374C-67DD-7B41-A977-89CB4768BCE6}" type="datetimeFigureOut">
               <a:rPr lang="en-US" smtClean="0"/>
-              <a:t>9/29/2022</a:t>
+              <a:t>10/3/2022</a:t>
             </a:fld>
             <a:endParaRPr lang="en-US"/>
           </a:p>
@@ -17775,6 +17776,100 @@
       </p:grpSpPr>
       <p:sp>
         <p:nvSpPr>
+          <p:cNvPr id="2" name="Title 1">
+            <a:extLst>
+              <a:ext uri="{FF2B5EF4-FFF2-40B4-BE49-F238E27FC236}">
+                <a16:creationId xmlns:a16="http://schemas.microsoft.com/office/drawing/2014/main" id="{08C32583-BE3A-3CD8-6B4A-00246C6018A6}"/>
+              </a:ext>
+            </a:extLst>
+          </p:cNvPr>
+          <p:cNvSpPr>
+            <a:spLocks noGrp="1"/>
+          </p:cNvSpPr>
+          <p:nvPr>
+            <p:ph type="ctrTitle"/>
+          </p:nvPr>
+        </p:nvSpPr>
+        <p:spPr/>
+        <p:txBody>
+          <a:bodyPr/>
+          <a:lstStyle/>
+          <a:p>
+            <a:r>
+              <a:rPr lang="en-US" dirty="0"/>
+              <a:t>N </a:t>
+            </a:r>
+            <a:r>
+              <a:rPr lang="en-US" dirty="0" err="1"/>
+              <a:t>func</a:t>
+            </a:r>
+            <a:r>
+              <a:rPr lang="en-US" dirty="0"/>
+              <a:t> b0</a:t>
+            </a:r>
+          </a:p>
+        </p:txBody>
+      </p:sp>
+      <p:sp>
+        <p:nvSpPr>
+          <p:cNvPr id="3" name="Subtitle 2">
+            <a:extLst>
+              <a:ext uri="{FF2B5EF4-FFF2-40B4-BE49-F238E27FC236}">
+                <a16:creationId xmlns:a16="http://schemas.microsoft.com/office/drawing/2014/main" id="{BAD0123C-C98E-ADFF-233C-020F3A246368}"/>
+              </a:ext>
+            </a:extLst>
+          </p:cNvPr>
+          <p:cNvSpPr>
+            <a:spLocks noGrp="1"/>
+          </p:cNvSpPr>
+          <p:nvPr>
+            <p:ph type="subTitle" idx="1"/>
+          </p:nvPr>
+        </p:nvSpPr>
+        <p:spPr/>
+        <p:txBody>
+          <a:bodyPr/>
+          <a:lstStyle/>
+          <a:p>
+            <a:r>
+              <a:rPr lang="en-US" dirty="0"/>
+              <a:t>N_K = K_AA * 0.360 [nm/AA] / b0 [nm/Kuhn]</a:t>
+            </a:r>
+          </a:p>
+        </p:txBody>
+      </p:sp>
+    </p:spTree>
+    <p:extLst>
+      <p:ext uri="{BB962C8B-B14F-4D97-AF65-F5344CB8AC3E}">
+        <p14:creationId xmlns:p14="http://schemas.microsoft.com/office/powerpoint/2010/main" val="4045379898"/>
+      </p:ext>
+    </p:extLst>
+  </p:cSld>
+  <p:clrMapOvr>
+    <a:masterClrMapping/>
+  </p:clrMapOvr>
+</p:sld>
+</file>
+
+<file path=ppt/slides/slide25.xml><?xml version="1.0" encoding="utf-8"?>
+<p:sld xmlns:a="http://schemas.openxmlformats.org/drawingml/2006/main" xmlns:r="http://schemas.openxmlformats.org/officeDocument/2006/relationships" xmlns:p="http://schemas.openxmlformats.org/presentationml/2006/main">
+  <p:cSld>
+    <p:spTree>
+      <p:nvGrpSpPr>
+        <p:cNvPr id="1" name=""/>
+        <p:cNvGrpSpPr/>
+        <p:nvPr/>
+      </p:nvGrpSpPr>
+      <p:grpSpPr>
+        <a:xfrm>
+          <a:off x="0" y="0"/>
+          <a:ext cx="0" cy="0"/>
+          <a:chOff x="0" y="0"/>
+          <a:chExt cx="0" cy="0"/>
+        </a:xfrm>
+      </p:grpSpPr>
+      <p:sp>
+        <p:nvSpPr>
           <p:cNvPr id="4" name="TextBox 3">
             <a:extLst>
               <a:ext uri="{FF2B5EF4-FFF2-40B4-BE49-F238E27FC236}">
@@ -18251,6 +18346,53 @@
           </a:prstGeom>
         </p:spPr>
       </p:pic>
+      <p:pic>
+        <p:nvPicPr>
+          <p:cNvPr id="2050" name="Picture 2">
+            <a:extLst>
+              <a:ext uri="{FF2B5EF4-FFF2-40B4-BE49-F238E27FC236}">
+                <a16:creationId xmlns:a16="http://schemas.microsoft.com/office/drawing/2014/main" id="{5396564F-180F-C5AA-5EA1-D2048387DDE1}"/>
+              </a:ext>
+            </a:extLst>
+          </p:cNvPr>
+          <p:cNvPicPr>
+            <a:picLocks noChangeAspect="1" noChangeArrowheads="1"/>
+          </p:cNvPicPr>
+          <p:nvPr/>
+        </p:nvPicPr>
+        <p:blipFill>
+          <a:blip r:embed="rId3">
+            <a:extLst>
+              <a:ext uri="{28A0092B-C50C-407E-A947-70E740481C1C}">
+                <a14:useLocalDpi xmlns:a14="http://schemas.microsoft.com/office/drawing/2010/main" val="0"/>
+              </a:ext>
+            </a:extLst>
+          </a:blip>
+          <a:srcRect/>
+          <a:stretch>
+            <a:fillRect/>
+          </a:stretch>
+        </p:blipFill>
+        <p:spPr bwMode="auto">
+          <a:xfrm>
+            <a:off x="7347803" y="2703272"/>
+            <a:ext cx="3930314" cy="3119192"/>
+          </a:xfrm>
+          <a:prstGeom prst="rect">
+            <a:avLst/>
+          </a:prstGeom>
+          <a:noFill/>
+          <a:extLst>
+            <a:ext uri="{909E8E84-426E-40DD-AFC4-6F175D3DCCD1}">
+              <a14:hiddenFill xmlns:a14="http://schemas.microsoft.com/office/drawing/2010/main">
+                <a:solidFill>
+                  <a:srgbClr val="FFFFFF"/>
+                </a:solidFill>
+              </a14:hiddenFill>
+            </a:ext>
+          </a:extLst>
+        </p:spPr>
+      </p:pic>
     </p:spTree>
     <p:extLst>
       <p:ext uri="{BB962C8B-B14F-4D97-AF65-F5344CB8AC3E}">
@@ -18264,7 +18406,7 @@
 </p:sld>
 </file>
 
-<file path=ppt/slides/slide25.xml><?xml version="1.0" encoding="utf-8"?>
+<file path=ppt/slides/slide26.xml><?xml version="1.0" encoding="utf-8"?>
 <p:sld xmlns:a="http://schemas.openxmlformats.org/drawingml/2006/main" xmlns:r="http://schemas.openxmlformats.org/officeDocument/2006/relationships" xmlns:p="http://schemas.openxmlformats.org/presentationml/2006/main">
   <p:cSld>
     <p:spTree>
@@ -18776,6 +18918,88 @@
           </a:p>
         </p:txBody>
       </p:sp>
+      <p:sp>
+        <p:nvSpPr>
+          <p:cNvPr id="2" name="TextBox 1">
+            <a:extLst>
+              <a:ext uri="{FF2B5EF4-FFF2-40B4-BE49-F238E27FC236}">
+                <a16:creationId xmlns:a16="http://schemas.microsoft.com/office/drawing/2014/main" id="{D51FD63D-C0DD-4985-7B50-BB7FC95675CF}"/>
+              </a:ext>
+            </a:extLst>
+          </p:cNvPr>
+          <p:cNvSpPr txBox="1"/>
+          <p:nvPr/>
+        </p:nvSpPr>
+        <p:spPr>
+          <a:xfrm>
+            <a:off x="10297261" y="6278096"/>
+            <a:ext cx="742511" cy="369332"/>
+          </a:xfrm>
+          <a:prstGeom prst="rect">
+            <a:avLst/>
+          </a:prstGeom>
+          <a:noFill/>
+        </p:spPr>
+        <p:txBody>
+          <a:bodyPr wrap="none" rtlCol="0">
+            <a:spAutoFit/>
+          </a:bodyPr>
+          <a:lstStyle/>
+          <a:p>
+            <a:r>
+              <a:rPr lang="en-US" dirty="0"/>
+              <a:t>10/03</a:t>
+            </a:r>
+          </a:p>
+        </p:txBody>
+      </p:sp>
+      <p:pic>
+        <p:nvPicPr>
+          <p:cNvPr id="1028" name="Picture 4">
+            <a:extLst>
+              <a:ext uri="{FF2B5EF4-FFF2-40B4-BE49-F238E27FC236}">
+                <a16:creationId xmlns:a16="http://schemas.microsoft.com/office/drawing/2014/main" id="{B27858D2-3D4D-D9D5-D03C-453071A2DE95}"/>
+              </a:ext>
+            </a:extLst>
+          </p:cNvPr>
+          <p:cNvPicPr>
+            <a:picLocks noChangeAspect="1" noChangeArrowheads="1"/>
+          </p:cNvPicPr>
+          <p:nvPr/>
+        </p:nvPicPr>
+        <p:blipFill>
+          <a:blip r:embed="rId3">
+            <a:extLst>
+              <a:ext uri="{28A0092B-C50C-407E-A947-70E740481C1C}">
+                <a14:useLocalDpi xmlns:a14="http://schemas.microsoft.com/office/drawing/2010/main" val="0"/>
+              </a:ext>
+            </a:extLst>
+          </a:blip>
+          <a:srcRect/>
+          <a:stretch>
+            <a:fillRect/>
+          </a:stretch>
+        </p:blipFill>
+        <p:spPr bwMode="auto">
+          <a:xfrm>
+            <a:off x="6406192" y="2515128"/>
+            <a:ext cx="4500842" cy="3571977"/>
+          </a:xfrm>
+          <a:prstGeom prst="rect">
+            <a:avLst/>
+          </a:prstGeom>
+          <a:noFill/>
+          <a:extLst>
+            <a:ext uri="{909E8E84-426E-40DD-AFC4-6F175D3DCCD1}">
+              <a14:hiddenFill xmlns:a14="http://schemas.microsoft.com/office/drawing/2010/main">
+                <a:solidFill>
+                  <a:srgbClr val="FFFFFF"/>
+                </a:solidFill>
+              </a14:hiddenFill>
+            </a:ext>
+          </a:extLst>
+        </p:spPr>
+      </p:pic>
     </p:spTree>
     <p:extLst>
       <p:ext uri="{BB962C8B-B14F-4D97-AF65-F5344CB8AC3E}">
@@ -18789,7 +19013,7 @@
 </p:sld>
 </file>
 
-<file path=ppt/slides/slide26.xml><?xml version="1.0" encoding="utf-8"?>
+<file path=ppt/slides/slide27.xml><?xml version="1.0" encoding="utf-8"?>
 <p:sld xmlns:a="http://schemas.openxmlformats.org/drawingml/2006/main" xmlns:r="http://schemas.openxmlformats.org/officeDocument/2006/relationships" xmlns:p="http://schemas.openxmlformats.org/presentationml/2006/main">
   <p:cSld>
     <p:spTree>
@@ -19301,6 +19525,53 @@
           </a:p>
         </p:txBody>
       </p:sp>
+      <p:pic>
+        <p:nvPicPr>
+          <p:cNvPr id="3076" name="Picture 4">
+            <a:extLst>
+              <a:ext uri="{FF2B5EF4-FFF2-40B4-BE49-F238E27FC236}">
+                <a16:creationId xmlns:a16="http://schemas.microsoft.com/office/drawing/2014/main" id="{79792DD2-9A21-9773-4502-F0AD1E8CFFEA}"/>
+              </a:ext>
+            </a:extLst>
+          </p:cNvPr>
+          <p:cNvPicPr>
+            <a:picLocks noChangeAspect="1" noChangeArrowheads="1"/>
+          </p:cNvPicPr>
+          <p:nvPr/>
+        </p:nvPicPr>
+        <p:blipFill>
+          <a:blip r:embed="rId3">
+            <a:extLst>
+              <a:ext uri="{28A0092B-C50C-407E-A947-70E740481C1C}">
+                <a14:useLocalDpi xmlns:a14="http://schemas.microsoft.com/office/drawing/2010/main" val="0"/>
+              </a:ext>
+            </a:extLst>
+          </a:blip>
+          <a:srcRect/>
+          <a:stretch>
+            <a:fillRect/>
+          </a:stretch>
+        </p:blipFill>
+        <p:spPr bwMode="auto">
+          <a:xfrm>
+            <a:off x="6526962" y="2395195"/>
+            <a:ext cx="4500842" cy="3571977"/>
+          </a:xfrm>
+          <a:prstGeom prst="rect">
+            <a:avLst/>
+          </a:prstGeom>
+          <a:noFill/>
+          <a:extLst>
+            <a:ext uri="{909E8E84-426E-40DD-AFC4-6F175D3DCCD1}">
+              <a14:hiddenFill xmlns:a14="http://schemas.microsoft.com/office/drawing/2010/main">
+                <a:solidFill>
+                  <a:srgbClr val="FFFFFF"/>
+                </a:solidFill>
+              </a14:hiddenFill>
+            </a:ext>
+          </a:extLst>
+        </p:spPr>
+      </p:pic>
     </p:spTree>
     <p:extLst>
       <p:ext uri="{BB962C8B-B14F-4D97-AF65-F5344CB8AC3E}">

--- a/p_update.pptx
+++ b/p_update.pptx
@@ -32,6 +32,7 @@
     <p:sldId id="302" r:id="rId26"/>
     <p:sldId id="304" r:id="rId27"/>
     <p:sldId id="303" r:id="rId28"/>
+    <p:sldId id="306" r:id="rId29"/>
   </p:sldIdLst>
   <p:sldSz cx="12192000" cy="6858000"/>
   <p:notesSz cx="6858000" cy="9144000"/>
@@ -19585,6 +19586,211 @@
 </p:sld>
 </file>
 
+<file path=ppt/slides/slide28.xml><?xml version="1.0" encoding="utf-8"?>
+<p:sld xmlns:a="http://schemas.openxmlformats.org/drawingml/2006/main" xmlns:r="http://schemas.openxmlformats.org/officeDocument/2006/relationships" xmlns:p="http://schemas.openxmlformats.org/presentationml/2006/main">
+  <p:cSld>
+    <p:spTree>
+      <p:nvGrpSpPr>
+        <p:cNvPr id="1" name=""/>
+        <p:cNvGrpSpPr/>
+        <p:nvPr/>
+      </p:nvGrpSpPr>
+      <p:grpSpPr>
+        <a:xfrm>
+          <a:off x="0" y="0"/>
+          <a:ext cx="0" cy="0"/>
+          <a:chOff x="0" y="0"/>
+          <a:chExt cx="0" cy="0"/>
+        </a:xfrm>
+      </p:grpSpPr>
+      <p:sp>
+        <p:nvSpPr>
+          <p:cNvPr id="2" name="TextBox 1">
+            <a:extLst>
+              <a:ext uri="{FF2B5EF4-FFF2-40B4-BE49-F238E27FC236}">
+                <a16:creationId xmlns:a16="http://schemas.microsoft.com/office/drawing/2014/main" id="{102DB769-4C79-FD10-27E4-2193562B1510}"/>
+              </a:ext>
+            </a:extLst>
+          </p:cNvPr>
+          <p:cNvSpPr txBox="1"/>
+          <p:nvPr/>
+        </p:nvSpPr>
+        <p:spPr>
+          <a:xfrm>
+            <a:off x="914401" y="940398"/>
+            <a:ext cx="10757647" cy="3970318"/>
+          </a:xfrm>
+          <a:prstGeom prst="rect">
+            <a:avLst/>
+          </a:prstGeom>
+          <a:noFill/>
+        </p:spPr>
+        <p:txBody>
+          <a:bodyPr wrap="square" rtlCol="0">
+            <a:spAutoFit/>
+          </a:bodyPr>
+          <a:lstStyle/>
+          <a:p>
+            <a:pPr marL="285750" indent="-285750">
+              <a:buFont typeface="Arial" panose="020B0604020202020204" pitchFamily="34" charset="0"/>
+              <a:buChar char="•"/>
+            </a:pPr>
+            <a:r>
+              <a:rPr lang="en-US" dirty="0"/>
+              <a:t>Using excluded volume from Rubinstein Ch 3.1</a:t>
+            </a:r>
+          </a:p>
+          <a:p>
+            <a:pPr marL="285750" indent="-285750">
+              <a:buFont typeface="Arial" panose="020B0604020202020204" pitchFamily="34" charset="0"/>
+              <a:buChar char="•"/>
+            </a:pPr>
+            <a:endParaRPr lang="en-US" dirty="0"/>
+          </a:p>
+          <a:p>
+            <a:pPr marL="285750" indent="-285750">
+              <a:buFont typeface="Arial" panose="020B0604020202020204" pitchFamily="34" charset="0"/>
+              <a:buChar char="•"/>
+            </a:pPr>
+            <a:r>
+              <a:rPr lang="en-US" dirty="0"/>
+              <a:t>Start with b = 0.5, 1.0, 1.5, 2.0, 5.0 nm</a:t>
+            </a:r>
+          </a:p>
+          <a:p>
+            <a:pPr marL="742950" lvl="1" indent="-285750">
+              <a:buFont typeface="Arial" panose="020B0604020202020204" pitchFamily="34" charset="0"/>
+              <a:buChar char="•"/>
+            </a:pPr>
+            <a:r>
+              <a:rPr lang="en-US" dirty="0"/>
+              <a:t>V0 = b^3 (spherical) (max flexible)</a:t>
+            </a:r>
+          </a:p>
+          <a:p>
+            <a:pPr marL="742950" lvl="1" indent="-285750">
+              <a:buFont typeface="Arial" panose="020B0604020202020204" pitchFamily="34" charset="0"/>
+              <a:buChar char="•"/>
+            </a:pPr>
+            <a:r>
+              <a:rPr lang="en-US" dirty="0"/>
+              <a:t>b^2 * d (cylindrical)</a:t>
+            </a:r>
+          </a:p>
+          <a:p>
+            <a:pPr marL="1200150" lvl="2" indent="-285750">
+              <a:buFont typeface="Arial" panose="020B0604020202020204" pitchFamily="34" charset="0"/>
+              <a:buChar char="•"/>
+            </a:pPr>
+            <a:r>
+              <a:rPr lang="en-US" dirty="0"/>
+              <a:t>V0 = 4/3*pi*b^3 (b/d = 0.25) (Max flexible)</a:t>
+            </a:r>
+          </a:p>
+          <a:p>
+            <a:pPr marL="1200150" lvl="2" indent="-285750">
+              <a:buFont typeface="Arial" panose="020B0604020202020204" pitchFamily="34" charset="0"/>
+              <a:buChar char="•"/>
+            </a:pPr>
+            <a:r>
+              <a:rPr lang="en-US" dirty="0"/>
+              <a:t>V1 = 1.00*b^3 (b/d = 1.0)</a:t>
+            </a:r>
+          </a:p>
+          <a:p>
+            <a:pPr marL="1200150" lvl="2" indent="-285750">
+              <a:buFont typeface="Arial" panose="020B0604020202020204" pitchFamily="34" charset="0"/>
+              <a:buChar char="•"/>
+            </a:pPr>
+            <a:r>
+              <a:rPr lang="en-US" dirty="0"/>
+              <a:t>V2 = 0.50*b^3 (b/d = 2.0) (Rubinstein “flexible”)</a:t>
+            </a:r>
+          </a:p>
+          <a:p>
+            <a:pPr marL="1200150" lvl="2" indent="-285750">
+              <a:buFont typeface="Arial" panose="020B0604020202020204" pitchFamily="34" charset="0"/>
+              <a:buChar char="•"/>
+            </a:pPr>
+            <a:r>
+              <a:rPr lang="en-US"/>
+              <a:t>V3 </a:t>
+            </a:r>
+            <a:r>
+              <a:rPr lang="en-US" dirty="0"/>
+              <a:t>= 0.33*b^3 (b/d = 3.0) (Rubinstein “flexible”)</a:t>
+            </a:r>
+          </a:p>
+          <a:p>
+            <a:pPr marL="1200150" lvl="2" indent="-285750">
+              <a:buFont typeface="Arial" panose="020B0604020202020204" pitchFamily="34" charset="0"/>
+              <a:buChar char="•"/>
+            </a:pPr>
+            <a:r>
+              <a:rPr lang="en-US" dirty="0"/>
+              <a:t>V4 = 0.15*b^3 (b/d = 6.5)</a:t>
+            </a:r>
+          </a:p>
+          <a:p>
+            <a:pPr marL="1200150" lvl="2" indent="-285750">
+              <a:buFont typeface="Arial" panose="020B0604020202020204" pitchFamily="34" charset="0"/>
+              <a:buChar char="•"/>
+            </a:pPr>
+            <a:endParaRPr lang="en-US" dirty="0"/>
+          </a:p>
+          <a:p>
+            <a:pPr marL="285750" indent="-285750">
+              <a:buFont typeface="Arial" panose="020B0604020202020204" pitchFamily="34" charset="0"/>
+              <a:buChar char="•"/>
+            </a:pPr>
+            <a:r>
+              <a:rPr lang="en-US" dirty="0"/>
+              <a:t>Rubinstein, pdf </a:t>
+            </a:r>
+            <a:r>
+              <a:rPr lang="en-US" dirty="0" err="1"/>
+              <a:t>pg</a:t>
+            </a:r>
+            <a:r>
+              <a:rPr lang="en-US" dirty="0"/>
+              <a:t> 108: b/d 2~3 for flexible, </a:t>
+            </a:r>
+          </a:p>
+          <a:p>
+            <a:pPr marL="742950" lvl="1" indent="-285750">
+              <a:buFont typeface="Arial" panose="020B0604020202020204" pitchFamily="34" charset="0"/>
+              <a:buChar char="•"/>
+            </a:pPr>
+            <a:r>
+              <a:rPr lang="en-US" dirty="0"/>
+              <a:t>PE, PEO: d = 0.8 nm</a:t>
+            </a:r>
+          </a:p>
+          <a:p>
+            <a:pPr marL="742950" lvl="1" indent="-285750">
+              <a:buFont typeface="Arial" panose="020B0604020202020204" pitchFamily="34" charset="0"/>
+              <a:buChar char="•"/>
+            </a:pPr>
+            <a:r>
+              <a:rPr lang="en-US" dirty="0"/>
+              <a:t>PS: d = 0.5 nm</a:t>
+            </a:r>
+          </a:p>
+        </p:txBody>
+      </p:sp>
+    </p:spTree>
+    <p:extLst>
+      <p:ext uri="{BB962C8B-B14F-4D97-AF65-F5344CB8AC3E}">
+        <p14:creationId xmlns:p14="http://schemas.microsoft.com/office/powerpoint/2010/main" val="2840266622"/>
+      </p:ext>
+    </p:extLst>
+  </p:cSld>
+  <p:clrMapOvr>
+    <a:masterClrMapping/>
+  </p:clrMapOvr>
+</p:sld>
+</file>
+
 <file path=ppt/slides/slide3.xml><?xml version="1.0" encoding="utf-8"?>
 <p:sld xmlns:a="http://schemas.openxmlformats.org/drawingml/2006/main" xmlns:r="http://schemas.openxmlformats.org/officeDocument/2006/relationships" xmlns:p="http://schemas.openxmlformats.org/presentationml/2006/main">
   <p:cSld>

--- a/p_update.pptx
+++ b/p_update.pptx
@@ -19618,7 +19618,7 @@
         <p:spPr>
           <a:xfrm>
             <a:off x="914401" y="940398"/>
-            <a:ext cx="10757647" cy="3970318"/>
+            <a:ext cx="10757647" cy="4524315"/>
           </a:xfrm>
           <a:prstGeom prst="rect">
             <a:avLst/>
@@ -19678,17 +19678,35 @@
             </a:r>
           </a:p>
           <a:p>
-            <a:pPr marL="1200150" lvl="2" indent="-285750">
+            <a:pPr marL="742950" lvl="1" indent="-285750">
+              <a:buFont typeface="Arial" panose="020B0604020202020204" pitchFamily="34" charset="0"/>
+              <a:buChar char="•"/>
+            </a:pPr>
+            <a:endParaRPr lang="en-US" dirty="0"/>
+          </a:p>
+          <a:p>
+            <a:pPr marL="285750" indent="-285750">
+              <a:buFont typeface="Arial" panose="020B0604020202020204" pitchFamily="34" charset="0"/>
+              <a:buChar char="•"/>
+            </a:pPr>
+            <a:r>
+              <a:rPr lang="en-US"/>
+              <a:t>New options (09/03 code)</a:t>
+            </a:r>
+            <a:endParaRPr lang="en-US" dirty="0"/>
+          </a:p>
+          <a:p>
+            <a:pPr marL="742950" lvl="1" indent="-285750">
               <a:buFont typeface="Arial" panose="020B0604020202020204" pitchFamily="34" charset="0"/>
               <a:buChar char="•"/>
             </a:pPr>
             <a:r>
               <a:rPr lang="en-US" dirty="0"/>
-              <a:t>V0 = 4/3*pi*b^3 (b/d = 0.25) (Max flexible)</a:t>
+              <a:t>V0 = 4/3*pi*b^3 (b/d = 0.239) (Max flexible)</a:t>
             </a:r>
           </a:p>
           <a:p>
-            <a:pPr marL="1200150" lvl="2" indent="-285750">
+            <a:pPr marL="742950" lvl="1" indent="-285750">
               <a:buFont typeface="Arial" panose="020B0604020202020204" pitchFamily="34" charset="0"/>
               <a:buChar char="•"/>
             </a:pPr>
@@ -19698,7 +19716,7 @@
             </a:r>
           </a:p>
           <a:p>
-            <a:pPr marL="1200150" lvl="2" indent="-285750">
+            <a:pPr marL="742950" lvl="1" indent="-285750">
               <a:buFont typeface="Arial" panose="020B0604020202020204" pitchFamily="34" charset="0"/>
               <a:buChar char="•"/>
             </a:pPr>
@@ -19708,21 +19726,17 @@
             </a:r>
           </a:p>
           <a:p>
-            <a:pPr marL="1200150" lvl="2" indent="-285750">
+            <a:pPr marL="742950" lvl="1" indent="-285750">
               <a:buFont typeface="Arial" panose="020B0604020202020204" pitchFamily="34" charset="0"/>
               <a:buChar char="•"/>
             </a:pPr>
             <a:r>
-              <a:rPr lang="en-US"/>
-              <a:t>V3 </a:t>
-            </a:r>
-            <a:r>
               <a:rPr lang="en-US" dirty="0"/>
-              <a:t>= 0.33*b^3 (b/d = 3.0) (Rubinstein “flexible”)</a:t>
+              <a:t>V3 = 0.33*b^3 (b/d = 3.0) (Rubinstein “flexible”)</a:t>
             </a:r>
           </a:p>
           <a:p>
-            <a:pPr marL="1200150" lvl="2" indent="-285750">
+            <a:pPr marL="742950" lvl="1" indent="-285750">
               <a:buFont typeface="Arial" panose="020B0604020202020204" pitchFamily="34" charset="0"/>
               <a:buChar char="•"/>
             </a:pPr>

--- a/p_update.pptx
+++ b/p_update.pptx
@@ -29,10 +29,8 @@
     <p:sldId id="274" r:id="rId23"/>
     <p:sldId id="275" r:id="rId24"/>
     <p:sldId id="305" r:id="rId25"/>
-    <p:sldId id="302" r:id="rId26"/>
-    <p:sldId id="304" r:id="rId27"/>
-    <p:sldId id="303" r:id="rId28"/>
-    <p:sldId id="306" r:id="rId29"/>
+    <p:sldId id="306" r:id="rId26"/>
+    <p:sldId id="307" r:id="rId27"/>
   </p:sldIdLst>
   <p:sldSz cx="12192000" cy="6858000"/>
   <p:notesSz cx="6858000" cy="9144000"/>
@@ -17871,1740 +17869,6 @@
       </p:grpSpPr>
       <p:sp>
         <p:nvSpPr>
-          <p:cNvPr id="4" name="TextBox 3">
-            <a:extLst>
-              <a:ext uri="{FF2B5EF4-FFF2-40B4-BE49-F238E27FC236}">
-                <a16:creationId xmlns:a16="http://schemas.microsoft.com/office/drawing/2014/main" id="{58527F87-CE59-731F-AA63-8DA38523242C}"/>
-              </a:ext>
-            </a:extLst>
-          </p:cNvPr>
-          <p:cNvSpPr txBox="1"/>
-          <p:nvPr/>
-        </p:nvSpPr>
-        <p:spPr>
-          <a:xfrm>
-            <a:off x="5181600" y="1526406"/>
-            <a:ext cx="1828800" cy="369332"/>
-          </a:xfrm>
-          <a:prstGeom prst="rect">
-            <a:avLst/>
-          </a:prstGeom>
-          <a:noFill/>
-        </p:spPr>
-        <p:txBody>
-          <a:bodyPr rot="0" spcFirstLastPara="0" vert="horz" wrap="square" lIns="91440" tIns="45720" rIns="91440" bIns="45720" numCol="1" spcCol="0" rtlCol="0" fromWordArt="0" anchor="t" anchorCtr="0" forceAA="0" compatLnSpc="1">
-            <a:prstTxWarp prst="textNoShape">
-              <a:avLst/>
-            </a:prstTxWarp>
-            <a:spAutoFit/>
-          </a:bodyPr>
-          <a:lstStyle>
-            <a:defPPr>
-              <a:defRPr lang="en-US"/>
-            </a:defPPr>
-            <a:lvl1pPr marL="0" algn="l" defTabSz="914400" rtl="0" eaLnBrk="1" latinLnBrk="0" hangingPunct="1">
-              <a:defRPr sz="1800" kern="1200">
-                <a:solidFill>
-                  <a:schemeClr val="tx1"/>
-                </a:solidFill>
-                <a:latin typeface="+mn-lt"/>
-                <a:ea typeface="+mn-ea"/>
-                <a:cs typeface="+mn-cs"/>
-              </a:defRPr>
-            </a:lvl1pPr>
-            <a:lvl2pPr marL="457200" algn="l" defTabSz="914400" rtl="0" eaLnBrk="1" latinLnBrk="0" hangingPunct="1">
-              <a:defRPr sz="1800" kern="1200">
-                <a:solidFill>
-                  <a:schemeClr val="tx1"/>
-                </a:solidFill>
-                <a:latin typeface="+mn-lt"/>
-                <a:ea typeface="+mn-ea"/>
-                <a:cs typeface="+mn-cs"/>
-              </a:defRPr>
-            </a:lvl2pPr>
-            <a:lvl3pPr marL="914400" algn="l" defTabSz="914400" rtl="0" eaLnBrk="1" latinLnBrk="0" hangingPunct="1">
-              <a:defRPr sz="1800" kern="1200">
-                <a:solidFill>
-                  <a:schemeClr val="tx1"/>
-                </a:solidFill>
-                <a:latin typeface="+mn-lt"/>
-                <a:ea typeface="+mn-ea"/>
-                <a:cs typeface="+mn-cs"/>
-              </a:defRPr>
-            </a:lvl3pPr>
-            <a:lvl4pPr marL="1371600" algn="l" defTabSz="914400" rtl="0" eaLnBrk="1" latinLnBrk="0" hangingPunct="1">
-              <a:defRPr sz="1800" kern="1200">
-                <a:solidFill>
-                  <a:schemeClr val="tx1"/>
-                </a:solidFill>
-                <a:latin typeface="+mn-lt"/>
-                <a:ea typeface="+mn-ea"/>
-                <a:cs typeface="+mn-cs"/>
-              </a:defRPr>
-            </a:lvl4pPr>
-            <a:lvl5pPr marL="1828800" algn="l" defTabSz="914400" rtl="0" eaLnBrk="1" latinLnBrk="0" hangingPunct="1">
-              <a:defRPr sz="1800" kern="1200">
-                <a:solidFill>
-                  <a:schemeClr val="tx1"/>
-                </a:solidFill>
-                <a:latin typeface="+mn-lt"/>
-                <a:ea typeface="+mn-ea"/>
-                <a:cs typeface="+mn-cs"/>
-              </a:defRPr>
-            </a:lvl5pPr>
-            <a:lvl6pPr marL="2286000" algn="l" defTabSz="914400" rtl="0" eaLnBrk="1" latinLnBrk="0" hangingPunct="1">
-              <a:defRPr sz="1800" kern="1200">
-                <a:solidFill>
-                  <a:schemeClr val="tx1"/>
-                </a:solidFill>
-                <a:latin typeface="+mn-lt"/>
-                <a:ea typeface="+mn-ea"/>
-                <a:cs typeface="+mn-cs"/>
-              </a:defRPr>
-            </a:lvl6pPr>
-            <a:lvl7pPr marL="2743200" algn="l" defTabSz="914400" rtl="0" eaLnBrk="1" latinLnBrk="0" hangingPunct="1">
-              <a:defRPr sz="1800" kern="1200">
-                <a:solidFill>
-                  <a:schemeClr val="tx1"/>
-                </a:solidFill>
-                <a:latin typeface="+mn-lt"/>
-                <a:ea typeface="+mn-ea"/>
-                <a:cs typeface="+mn-cs"/>
-              </a:defRPr>
-            </a:lvl7pPr>
-            <a:lvl8pPr marL="3200400" algn="l" defTabSz="914400" rtl="0" eaLnBrk="1" latinLnBrk="0" hangingPunct="1">
-              <a:defRPr sz="1800" kern="1200">
-                <a:solidFill>
-                  <a:schemeClr val="tx1"/>
-                </a:solidFill>
-                <a:latin typeface="+mn-lt"/>
-                <a:ea typeface="+mn-ea"/>
-                <a:cs typeface="+mn-cs"/>
-              </a:defRPr>
-            </a:lvl8pPr>
-            <a:lvl9pPr marL="3657600" algn="l" defTabSz="914400" rtl="0" eaLnBrk="1" latinLnBrk="0" hangingPunct="1">
-              <a:defRPr sz="1800" kern="1200">
-                <a:solidFill>
-                  <a:schemeClr val="tx1"/>
-                </a:solidFill>
-                <a:latin typeface="+mn-lt"/>
-                <a:ea typeface="+mn-ea"/>
-                <a:cs typeface="+mn-cs"/>
-              </a:defRPr>
-            </a:lvl9pPr>
-          </a:lstStyle>
-          <a:p>
-            <a:pPr algn="ctr"/>
-            <a:r>
-              <a:rPr lang="en-US" dirty="0"/>
-              <a:t>0.6 0.4 2.6</a:t>
-            </a:r>
-          </a:p>
-        </p:txBody>
-      </p:sp>
-      <p:sp>
-        <p:nvSpPr>
-          <p:cNvPr id="10" name="Rectangle 9">
-            <a:extLst>
-              <a:ext uri="{FF2B5EF4-FFF2-40B4-BE49-F238E27FC236}">
-                <a16:creationId xmlns:a16="http://schemas.microsoft.com/office/drawing/2014/main" id="{961A93A9-61C7-E33A-A9EA-1874A63B30B3}"/>
-              </a:ext>
-            </a:extLst>
-          </p:cNvPr>
-          <p:cNvSpPr/>
-          <p:nvPr/>
-        </p:nvSpPr>
-        <p:spPr>
-          <a:xfrm>
-            <a:off x="4130842" y="353544"/>
-            <a:ext cx="3930316" cy="1042737"/>
-          </a:xfrm>
-          <a:prstGeom prst="rect">
-            <a:avLst/>
-          </a:prstGeom>
-        </p:spPr>
-        <p:style>
-          <a:lnRef idx="2">
-            <a:schemeClr val="accent1">
-              <a:shade val="50000"/>
-            </a:schemeClr>
-          </a:lnRef>
-          <a:fillRef idx="1">
-            <a:schemeClr val="accent1"/>
-          </a:fillRef>
-          <a:effectRef idx="0">
-            <a:schemeClr val="accent1"/>
-          </a:effectRef>
-          <a:fontRef idx="minor">
-            <a:schemeClr val="lt1"/>
-          </a:fontRef>
-        </p:style>
-        <p:txBody>
-          <a:bodyPr rtlCol="0" anchor="ctr"/>
-          <a:lstStyle/>
-          <a:p>
-            <a:pPr algn="ctr"/>
-            <a:r>
-              <a:rPr lang="en-US" dirty="0"/>
-              <a:t>N function of b0</a:t>
-            </a:r>
-          </a:p>
-        </p:txBody>
-      </p:sp>
-      <p:sp>
-        <p:nvSpPr>
-          <p:cNvPr id="11" name="TextBox 10">
-            <a:extLst>
-              <a:ext uri="{FF2B5EF4-FFF2-40B4-BE49-F238E27FC236}">
-                <a16:creationId xmlns:a16="http://schemas.microsoft.com/office/drawing/2014/main" id="{84DAD176-FF58-5A78-32A8-3B91A7220C74}"/>
-              </a:ext>
-            </a:extLst>
-          </p:cNvPr>
-          <p:cNvSpPr txBox="1"/>
-          <p:nvPr/>
-        </p:nvSpPr>
-        <p:spPr>
-          <a:xfrm>
-            <a:off x="1711978" y="1026949"/>
-            <a:ext cx="1828800" cy="369332"/>
-          </a:xfrm>
-          <a:prstGeom prst="rect">
-            <a:avLst/>
-          </a:prstGeom>
-          <a:noFill/>
-        </p:spPr>
-        <p:txBody>
-          <a:bodyPr rot="0" spcFirstLastPara="0" vert="horz" wrap="square" lIns="91440" tIns="45720" rIns="91440" bIns="45720" numCol="1" spcCol="0" rtlCol="0" fromWordArt="0" anchor="t" anchorCtr="0" forceAA="0" compatLnSpc="1">
-            <a:prstTxWarp prst="textNoShape">
-              <a:avLst/>
-            </a:prstTxWarp>
-            <a:spAutoFit/>
-          </a:bodyPr>
-          <a:lstStyle>
-            <a:defPPr>
-              <a:defRPr lang="en-US"/>
-            </a:defPPr>
-            <a:lvl1pPr marL="0" algn="l" defTabSz="914400" rtl="0" eaLnBrk="1" latinLnBrk="0" hangingPunct="1">
-              <a:defRPr sz="1800" kern="1200">
-                <a:solidFill>
-                  <a:schemeClr val="tx1"/>
-                </a:solidFill>
-                <a:latin typeface="+mn-lt"/>
-                <a:ea typeface="+mn-ea"/>
-                <a:cs typeface="+mn-cs"/>
-              </a:defRPr>
-            </a:lvl1pPr>
-            <a:lvl2pPr marL="457200" algn="l" defTabSz="914400" rtl="0" eaLnBrk="1" latinLnBrk="0" hangingPunct="1">
-              <a:defRPr sz="1800" kern="1200">
-                <a:solidFill>
-                  <a:schemeClr val="tx1"/>
-                </a:solidFill>
-                <a:latin typeface="+mn-lt"/>
-                <a:ea typeface="+mn-ea"/>
-                <a:cs typeface="+mn-cs"/>
-              </a:defRPr>
-            </a:lvl2pPr>
-            <a:lvl3pPr marL="914400" algn="l" defTabSz="914400" rtl="0" eaLnBrk="1" latinLnBrk="0" hangingPunct="1">
-              <a:defRPr sz="1800" kern="1200">
-                <a:solidFill>
-                  <a:schemeClr val="tx1"/>
-                </a:solidFill>
-                <a:latin typeface="+mn-lt"/>
-                <a:ea typeface="+mn-ea"/>
-                <a:cs typeface="+mn-cs"/>
-              </a:defRPr>
-            </a:lvl3pPr>
-            <a:lvl4pPr marL="1371600" algn="l" defTabSz="914400" rtl="0" eaLnBrk="1" latinLnBrk="0" hangingPunct="1">
-              <a:defRPr sz="1800" kern="1200">
-                <a:solidFill>
-                  <a:schemeClr val="tx1"/>
-                </a:solidFill>
-                <a:latin typeface="+mn-lt"/>
-                <a:ea typeface="+mn-ea"/>
-                <a:cs typeface="+mn-cs"/>
-              </a:defRPr>
-            </a:lvl4pPr>
-            <a:lvl5pPr marL="1828800" algn="l" defTabSz="914400" rtl="0" eaLnBrk="1" latinLnBrk="0" hangingPunct="1">
-              <a:defRPr sz="1800" kern="1200">
-                <a:solidFill>
-                  <a:schemeClr val="tx1"/>
-                </a:solidFill>
-                <a:latin typeface="+mn-lt"/>
-                <a:ea typeface="+mn-ea"/>
-                <a:cs typeface="+mn-cs"/>
-              </a:defRPr>
-            </a:lvl5pPr>
-            <a:lvl6pPr marL="2286000" algn="l" defTabSz="914400" rtl="0" eaLnBrk="1" latinLnBrk="0" hangingPunct="1">
-              <a:defRPr sz="1800" kern="1200">
-                <a:solidFill>
-                  <a:schemeClr val="tx1"/>
-                </a:solidFill>
-                <a:latin typeface="+mn-lt"/>
-                <a:ea typeface="+mn-ea"/>
-                <a:cs typeface="+mn-cs"/>
-              </a:defRPr>
-            </a:lvl6pPr>
-            <a:lvl7pPr marL="2743200" algn="l" defTabSz="914400" rtl="0" eaLnBrk="1" latinLnBrk="0" hangingPunct="1">
-              <a:defRPr sz="1800" kern="1200">
-                <a:solidFill>
-                  <a:schemeClr val="tx1"/>
-                </a:solidFill>
-                <a:latin typeface="+mn-lt"/>
-                <a:ea typeface="+mn-ea"/>
-                <a:cs typeface="+mn-cs"/>
-              </a:defRPr>
-            </a:lvl7pPr>
-            <a:lvl8pPr marL="3200400" algn="l" defTabSz="914400" rtl="0" eaLnBrk="1" latinLnBrk="0" hangingPunct="1">
-              <a:defRPr sz="1800" kern="1200">
-                <a:solidFill>
-                  <a:schemeClr val="tx1"/>
-                </a:solidFill>
-                <a:latin typeface="+mn-lt"/>
-                <a:ea typeface="+mn-ea"/>
-                <a:cs typeface="+mn-cs"/>
-              </a:defRPr>
-            </a:lvl8pPr>
-            <a:lvl9pPr marL="3657600" algn="l" defTabSz="914400" rtl="0" eaLnBrk="1" latinLnBrk="0" hangingPunct="1">
-              <a:defRPr sz="1800" kern="1200">
-                <a:solidFill>
-                  <a:schemeClr val="tx1"/>
-                </a:solidFill>
-                <a:latin typeface="+mn-lt"/>
-                <a:ea typeface="+mn-ea"/>
-                <a:cs typeface="+mn-cs"/>
-              </a:defRPr>
-            </a:lvl9pPr>
-          </a:lstStyle>
-          <a:p>
-            <a:pPr algn="ctr"/>
-            <a:r>
-              <a:rPr lang="en-US" dirty="0"/>
-              <a:t>Before</a:t>
-            </a:r>
-          </a:p>
-        </p:txBody>
-      </p:sp>
-      <p:sp>
-        <p:nvSpPr>
-          <p:cNvPr id="12" name="TextBox 11">
-            <a:extLst>
-              <a:ext uri="{FF2B5EF4-FFF2-40B4-BE49-F238E27FC236}">
-                <a16:creationId xmlns:a16="http://schemas.microsoft.com/office/drawing/2014/main" id="{78A8276A-C669-4239-425C-957E133E4A81}"/>
-              </a:ext>
-            </a:extLst>
-          </p:cNvPr>
-          <p:cNvSpPr txBox="1"/>
-          <p:nvPr/>
-        </p:nvSpPr>
-        <p:spPr>
-          <a:xfrm>
-            <a:off x="9449317" y="1026949"/>
-            <a:ext cx="1828800" cy="369332"/>
-          </a:xfrm>
-          <a:prstGeom prst="rect">
-            <a:avLst/>
-          </a:prstGeom>
-          <a:noFill/>
-        </p:spPr>
-        <p:txBody>
-          <a:bodyPr rot="0" spcFirstLastPara="0" vert="horz" wrap="square" lIns="91440" tIns="45720" rIns="91440" bIns="45720" numCol="1" spcCol="0" rtlCol="0" fromWordArt="0" anchor="t" anchorCtr="0" forceAA="0" compatLnSpc="1">
-            <a:prstTxWarp prst="textNoShape">
-              <a:avLst/>
-            </a:prstTxWarp>
-            <a:spAutoFit/>
-          </a:bodyPr>
-          <a:lstStyle>
-            <a:defPPr>
-              <a:defRPr lang="en-US"/>
-            </a:defPPr>
-            <a:lvl1pPr marL="0" algn="l" defTabSz="914400" rtl="0" eaLnBrk="1" latinLnBrk="0" hangingPunct="1">
-              <a:defRPr sz="1800" kern="1200">
-                <a:solidFill>
-                  <a:schemeClr val="tx1"/>
-                </a:solidFill>
-                <a:latin typeface="+mn-lt"/>
-                <a:ea typeface="+mn-ea"/>
-                <a:cs typeface="+mn-cs"/>
-              </a:defRPr>
-            </a:lvl1pPr>
-            <a:lvl2pPr marL="457200" algn="l" defTabSz="914400" rtl="0" eaLnBrk="1" latinLnBrk="0" hangingPunct="1">
-              <a:defRPr sz="1800" kern="1200">
-                <a:solidFill>
-                  <a:schemeClr val="tx1"/>
-                </a:solidFill>
-                <a:latin typeface="+mn-lt"/>
-                <a:ea typeface="+mn-ea"/>
-                <a:cs typeface="+mn-cs"/>
-              </a:defRPr>
-            </a:lvl2pPr>
-            <a:lvl3pPr marL="914400" algn="l" defTabSz="914400" rtl="0" eaLnBrk="1" latinLnBrk="0" hangingPunct="1">
-              <a:defRPr sz="1800" kern="1200">
-                <a:solidFill>
-                  <a:schemeClr val="tx1"/>
-                </a:solidFill>
-                <a:latin typeface="+mn-lt"/>
-                <a:ea typeface="+mn-ea"/>
-                <a:cs typeface="+mn-cs"/>
-              </a:defRPr>
-            </a:lvl3pPr>
-            <a:lvl4pPr marL="1371600" algn="l" defTabSz="914400" rtl="0" eaLnBrk="1" latinLnBrk="0" hangingPunct="1">
-              <a:defRPr sz="1800" kern="1200">
-                <a:solidFill>
-                  <a:schemeClr val="tx1"/>
-                </a:solidFill>
-                <a:latin typeface="+mn-lt"/>
-                <a:ea typeface="+mn-ea"/>
-                <a:cs typeface="+mn-cs"/>
-              </a:defRPr>
-            </a:lvl4pPr>
-            <a:lvl5pPr marL="1828800" algn="l" defTabSz="914400" rtl="0" eaLnBrk="1" latinLnBrk="0" hangingPunct="1">
-              <a:defRPr sz="1800" kern="1200">
-                <a:solidFill>
-                  <a:schemeClr val="tx1"/>
-                </a:solidFill>
-                <a:latin typeface="+mn-lt"/>
-                <a:ea typeface="+mn-ea"/>
-                <a:cs typeface="+mn-cs"/>
-              </a:defRPr>
-            </a:lvl5pPr>
-            <a:lvl6pPr marL="2286000" algn="l" defTabSz="914400" rtl="0" eaLnBrk="1" latinLnBrk="0" hangingPunct="1">
-              <a:defRPr sz="1800" kern="1200">
-                <a:solidFill>
-                  <a:schemeClr val="tx1"/>
-                </a:solidFill>
-                <a:latin typeface="+mn-lt"/>
-                <a:ea typeface="+mn-ea"/>
-                <a:cs typeface="+mn-cs"/>
-              </a:defRPr>
-            </a:lvl6pPr>
-            <a:lvl7pPr marL="2743200" algn="l" defTabSz="914400" rtl="0" eaLnBrk="1" latinLnBrk="0" hangingPunct="1">
-              <a:defRPr sz="1800" kern="1200">
-                <a:solidFill>
-                  <a:schemeClr val="tx1"/>
-                </a:solidFill>
-                <a:latin typeface="+mn-lt"/>
-                <a:ea typeface="+mn-ea"/>
-                <a:cs typeface="+mn-cs"/>
-              </a:defRPr>
-            </a:lvl7pPr>
-            <a:lvl8pPr marL="3200400" algn="l" defTabSz="914400" rtl="0" eaLnBrk="1" latinLnBrk="0" hangingPunct="1">
-              <a:defRPr sz="1800" kern="1200">
-                <a:solidFill>
-                  <a:schemeClr val="tx1"/>
-                </a:solidFill>
-                <a:latin typeface="+mn-lt"/>
-                <a:ea typeface="+mn-ea"/>
-                <a:cs typeface="+mn-cs"/>
-              </a:defRPr>
-            </a:lvl8pPr>
-            <a:lvl9pPr marL="3657600" algn="l" defTabSz="914400" rtl="0" eaLnBrk="1" latinLnBrk="0" hangingPunct="1">
-              <a:defRPr sz="1800" kern="1200">
-                <a:solidFill>
-                  <a:schemeClr val="tx1"/>
-                </a:solidFill>
-                <a:latin typeface="+mn-lt"/>
-                <a:ea typeface="+mn-ea"/>
-                <a:cs typeface="+mn-cs"/>
-              </a:defRPr>
-            </a:lvl9pPr>
-          </a:lstStyle>
-          <a:p>
-            <a:pPr algn="ctr"/>
-            <a:r>
-              <a:rPr lang="en-US" dirty="0"/>
-              <a:t>After</a:t>
-            </a:r>
-          </a:p>
-        </p:txBody>
-      </p:sp>
-      <p:pic>
-        <p:nvPicPr>
-          <p:cNvPr id="14" name="Picture 13">
-            <a:extLst>
-              <a:ext uri="{FF2B5EF4-FFF2-40B4-BE49-F238E27FC236}">
-                <a16:creationId xmlns:a16="http://schemas.microsoft.com/office/drawing/2014/main" id="{274526EA-1C0C-964D-AB2E-D7749C0BA05C}"/>
-              </a:ext>
-            </a:extLst>
-          </p:cNvPr>
-          <p:cNvPicPr>
-            <a:picLocks noChangeAspect="1"/>
-          </p:cNvPicPr>
-          <p:nvPr/>
-        </p:nvPicPr>
-        <p:blipFill>
-          <a:blip r:embed="rId2"/>
-          <a:stretch>
-            <a:fillRect/>
-          </a:stretch>
-        </p:blipFill>
-        <p:spPr>
-          <a:xfrm>
-            <a:off x="528720" y="2703272"/>
-            <a:ext cx="3930315" cy="2902600"/>
-          </a:xfrm>
-          <a:prstGeom prst="rect">
-            <a:avLst/>
-          </a:prstGeom>
-        </p:spPr>
-      </p:pic>
-      <p:pic>
-        <p:nvPicPr>
-          <p:cNvPr id="2050" name="Picture 2">
-            <a:extLst>
-              <a:ext uri="{FF2B5EF4-FFF2-40B4-BE49-F238E27FC236}">
-                <a16:creationId xmlns:a16="http://schemas.microsoft.com/office/drawing/2014/main" id="{5396564F-180F-C5AA-5EA1-D2048387DDE1}"/>
-              </a:ext>
-            </a:extLst>
-          </p:cNvPr>
-          <p:cNvPicPr>
-            <a:picLocks noChangeAspect="1" noChangeArrowheads="1"/>
-          </p:cNvPicPr>
-          <p:nvPr/>
-        </p:nvPicPr>
-        <p:blipFill>
-          <a:blip r:embed="rId3">
-            <a:extLst>
-              <a:ext uri="{28A0092B-C50C-407E-A947-70E740481C1C}">
-                <a14:useLocalDpi xmlns:a14="http://schemas.microsoft.com/office/drawing/2010/main" val="0"/>
-              </a:ext>
-            </a:extLst>
-          </a:blip>
-          <a:srcRect/>
-          <a:stretch>
-            <a:fillRect/>
-          </a:stretch>
-        </p:blipFill>
-        <p:spPr bwMode="auto">
-          <a:xfrm>
-            <a:off x="7347803" y="2703272"/>
-            <a:ext cx="3930314" cy="3119192"/>
-          </a:xfrm>
-          <a:prstGeom prst="rect">
-            <a:avLst/>
-          </a:prstGeom>
-          <a:noFill/>
-          <a:extLst>
-            <a:ext uri="{909E8E84-426E-40DD-AFC4-6F175D3DCCD1}">
-              <a14:hiddenFill xmlns:a14="http://schemas.microsoft.com/office/drawing/2010/main">
-                <a:solidFill>
-                  <a:srgbClr val="FFFFFF"/>
-                </a:solidFill>
-              </a14:hiddenFill>
-            </a:ext>
-          </a:extLst>
-        </p:spPr>
-      </p:pic>
-    </p:spTree>
-    <p:extLst>
-      <p:ext uri="{BB962C8B-B14F-4D97-AF65-F5344CB8AC3E}">
-        <p14:creationId xmlns:p14="http://schemas.microsoft.com/office/powerpoint/2010/main" val="3133834885"/>
-      </p:ext>
-    </p:extLst>
-  </p:cSld>
-  <p:clrMapOvr>
-    <a:masterClrMapping/>
-  </p:clrMapOvr>
-</p:sld>
-</file>
-
-<file path=ppt/slides/slide26.xml><?xml version="1.0" encoding="utf-8"?>
-<p:sld xmlns:a="http://schemas.openxmlformats.org/drawingml/2006/main" xmlns:r="http://schemas.openxmlformats.org/officeDocument/2006/relationships" xmlns:p="http://schemas.openxmlformats.org/presentationml/2006/main">
-  <p:cSld>
-    <p:spTree>
-      <p:nvGrpSpPr>
-        <p:cNvPr id="1" name=""/>
-        <p:cNvGrpSpPr/>
-        <p:nvPr/>
-      </p:nvGrpSpPr>
-      <p:grpSpPr>
-        <a:xfrm>
-          <a:off x="0" y="0"/>
-          <a:ext cx="0" cy="0"/>
-          <a:chOff x="0" y="0"/>
-          <a:chExt cx="0" cy="0"/>
-        </a:xfrm>
-      </p:grpSpPr>
-      <p:sp>
-        <p:nvSpPr>
-          <p:cNvPr id="4" name="TextBox 3">
-            <a:extLst>
-              <a:ext uri="{FF2B5EF4-FFF2-40B4-BE49-F238E27FC236}">
-                <a16:creationId xmlns:a16="http://schemas.microsoft.com/office/drawing/2014/main" id="{58527F87-CE59-731F-AA63-8DA38523242C}"/>
-              </a:ext>
-            </a:extLst>
-          </p:cNvPr>
-          <p:cNvSpPr txBox="1"/>
-          <p:nvPr/>
-        </p:nvSpPr>
-        <p:spPr>
-          <a:xfrm>
-            <a:off x="5181600" y="1534364"/>
-            <a:ext cx="1828800" cy="369332"/>
-          </a:xfrm>
-          <a:prstGeom prst="rect">
-            <a:avLst/>
-          </a:prstGeom>
-          <a:noFill/>
-        </p:spPr>
-        <p:txBody>
-          <a:bodyPr rot="0" spcFirstLastPara="0" vert="horz" wrap="square" lIns="91440" tIns="45720" rIns="91440" bIns="45720" numCol="1" spcCol="0" rtlCol="0" fromWordArt="0" anchor="t" anchorCtr="0" forceAA="0" compatLnSpc="1">
-            <a:prstTxWarp prst="textNoShape">
-              <a:avLst/>
-            </a:prstTxWarp>
-            <a:spAutoFit/>
-          </a:bodyPr>
-          <a:lstStyle>
-            <a:defPPr>
-              <a:defRPr lang="en-US"/>
-            </a:defPPr>
-            <a:lvl1pPr marL="0" algn="l" defTabSz="914400" rtl="0" eaLnBrk="1" latinLnBrk="0" hangingPunct="1">
-              <a:defRPr sz="1800" kern="1200">
-                <a:solidFill>
-                  <a:schemeClr val="tx1"/>
-                </a:solidFill>
-                <a:latin typeface="+mn-lt"/>
-                <a:ea typeface="+mn-ea"/>
-                <a:cs typeface="+mn-cs"/>
-              </a:defRPr>
-            </a:lvl1pPr>
-            <a:lvl2pPr marL="457200" algn="l" defTabSz="914400" rtl="0" eaLnBrk="1" latinLnBrk="0" hangingPunct="1">
-              <a:defRPr sz="1800" kern="1200">
-                <a:solidFill>
-                  <a:schemeClr val="tx1"/>
-                </a:solidFill>
-                <a:latin typeface="+mn-lt"/>
-                <a:ea typeface="+mn-ea"/>
-                <a:cs typeface="+mn-cs"/>
-              </a:defRPr>
-            </a:lvl2pPr>
-            <a:lvl3pPr marL="914400" algn="l" defTabSz="914400" rtl="0" eaLnBrk="1" latinLnBrk="0" hangingPunct="1">
-              <a:defRPr sz="1800" kern="1200">
-                <a:solidFill>
-                  <a:schemeClr val="tx1"/>
-                </a:solidFill>
-                <a:latin typeface="+mn-lt"/>
-                <a:ea typeface="+mn-ea"/>
-                <a:cs typeface="+mn-cs"/>
-              </a:defRPr>
-            </a:lvl3pPr>
-            <a:lvl4pPr marL="1371600" algn="l" defTabSz="914400" rtl="0" eaLnBrk="1" latinLnBrk="0" hangingPunct="1">
-              <a:defRPr sz="1800" kern="1200">
-                <a:solidFill>
-                  <a:schemeClr val="tx1"/>
-                </a:solidFill>
-                <a:latin typeface="+mn-lt"/>
-                <a:ea typeface="+mn-ea"/>
-                <a:cs typeface="+mn-cs"/>
-              </a:defRPr>
-            </a:lvl4pPr>
-            <a:lvl5pPr marL="1828800" algn="l" defTabSz="914400" rtl="0" eaLnBrk="1" latinLnBrk="0" hangingPunct="1">
-              <a:defRPr sz="1800" kern="1200">
-                <a:solidFill>
-                  <a:schemeClr val="tx1"/>
-                </a:solidFill>
-                <a:latin typeface="+mn-lt"/>
-                <a:ea typeface="+mn-ea"/>
-                <a:cs typeface="+mn-cs"/>
-              </a:defRPr>
-            </a:lvl5pPr>
-            <a:lvl6pPr marL="2286000" algn="l" defTabSz="914400" rtl="0" eaLnBrk="1" latinLnBrk="0" hangingPunct="1">
-              <a:defRPr sz="1800" kern="1200">
-                <a:solidFill>
-                  <a:schemeClr val="tx1"/>
-                </a:solidFill>
-                <a:latin typeface="+mn-lt"/>
-                <a:ea typeface="+mn-ea"/>
-                <a:cs typeface="+mn-cs"/>
-              </a:defRPr>
-            </a:lvl6pPr>
-            <a:lvl7pPr marL="2743200" algn="l" defTabSz="914400" rtl="0" eaLnBrk="1" latinLnBrk="0" hangingPunct="1">
-              <a:defRPr sz="1800" kern="1200">
-                <a:solidFill>
-                  <a:schemeClr val="tx1"/>
-                </a:solidFill>
-                <a:latin typeface="+mn-lt"/>
-                <a:ea typeface="+mn-ea"/>
-                <a:cs typeface="+mn-cs"/>
-              </a:defRPr>
-            </a:lvl7pPr>
-            <a:lvl8pPr marL="3200400" algn="l" defTabSz="914400" rtl="0" eaLnBrk="1" latinLnBrk="0" hangingPunct="1">
-              <a:defRPr sz="1800" kern="1200">
-                <a:solidFill>
-                  <a:schemeClr val="tx1"/>
-                </a:solidFill>
-                <a:latin typeface="+mn-lt"/>
-                <a:ea typeface="+mn-ea"/>
-                <a:cs typeface="+mn-cs"/>
-              </a:defRPr>
-            </a:lvl8pPr>
-            <a:lvl9pPr marL="3657600" algn="l" defTabSz="914400" rtl="0" eaLnBrk="1" latinLnBrk="0" hangingPunct="1">
-              <a:defRPr sz="1800" kern="1200">
-                <a:solidFill>
-                  <a:schemeClr val="tx1"/>
-                </a:solidFill>
-                <a:latin typeface="+mn-lt"/>
-                <a:ea typeface="+mn-ea"/>
-                <a:cs typeface="+mn-cs"/>
-              </a:defRPr>
-            </a:lvl9pPr>
-          </a:lstStyle>
-          <a:p>
-            <a:pPr algn="ctr"/>
-            <a:r>
-              <a:rPr lang="en-US" dirty="0"/>
-              <a:t>1.0 1.0 2.6</a:t>
-            </a:r>
-          </a:p>
-        </p:txBody>
-      </p:sp>
-      <p:pic>
-        <p:nvPicPr>
-          <p:cNvPr id="5" name="Picture 4">
-            <a:extLst>
-              <a:ext uri="{FF2B5EF4-FFF2-40B4-BE49-F238E27FC236}">
-                <a16:creationId xmlns:a16="http://schemas.microsoft.com/office/drawing/2014/main" id="{85D748BF-1940-6D6F-A7E3-F009D2CCD4C2}"/>
-              </a:ext>
-            </a:extLst>
-          </p:cNvPr>
-          <p:cNvPicPr>
-            <a:picLocks noChangeAspect="1" noChangeArrowheads="1"/>
-          </p:cNvPicPr>
-          <p:nvPr/>
-        </p:nvPicPr>
-        <p:blipFill>
-          <a:blip r:embed="rId2">
-            <a:extLst>
-              <a:ext uri="{28A0092B-C50C-407E-A947-70E740481C1C}">
-                <a14:useLocalDpi xmlns:a14="http://schemas.microsoft.com/office/drawing/2010/main" val="0"/>
-              </a:ext>
-            </a:extLst>
-          </a:blip>
-          <a:srcRect/>
-          <a:stretch>
-            <a:fillRect/>
-          </a:stretch>
-        </p:blipFill>
-        <p:spPr bwMode="auto">
-          <a:xfrm>
-            <a:off x="375957" y="2395195"/>
-            <a:ext cx="4500843" cy="3571977"/>
-          </a:xfrm>
-          <a:prstGeom prst="rect">
-            <a:avLst/>
-          </a:prstGeom>
-          <a:noFill/>
-          <a:extLst>
-            <a:ext uri="{909E8E84-426E-40DD-AFC4-6F175D3DCCD1}">
-              <a14:hiddenFill xmlns:a14="http://schemas.microsoft.com/office/drawing/2010/main">
-                <a:solidFill>
-                  <a:srgbClr val="FFFFFF"/>
-                </a:solidFill>
-              </a14:hiddenFill>
-            </a:ext>
-          </a:extLst>
-        </p:spPr>
-      </p:pic>
-      <p:sp>
-        <p:nvSpPr>
-          <p:cNvPr id="10" name="Rectangle 9">
-            <a:extLst>
-              <a:ext uri="{FF2B5EF4-FFF2-40B4-BE49-F238E27FC236}">
-                <a16:creationId xmlns:a16="http://schemas.microsoft.com/office/drawing/2014/main" id="{961A93A9-61C7-E33A-A9EA-1874A63B30B3}"/>
-              </a:ext>
-            </a:extLst>
-          </p:cNvPr>
-          <p:cNvSpPr/>
-          <p:nvPr/>
-        </p:nvSpPr>
-        <p:spPr>
-          <a:xfrm>
-            <a:off x="4130842" y="369460"/>
-            <a:ext cx="3930316" cy="1042737"/>
-          </a:xfrm>
-          <a:prstGeom prst="rect">
-            <a:avLst/>
-          </a:prstGeom>
-        </p:spPr>
-        <p:style>
-          <a:lnRef idx="2">
-            <a:schemeClr val="accent1">
-              <a:shade val="50000"/>
-            </a:schemeClr>
-          </a:lnRef>
-          <a:fillRef idx="1">
-            <a:schemeClr val="accent1"/>
-          </a:fillRef>
-          <a:effectRef idx="0">
-            <a:schemeClr val="accent1"/>
-          </a:effectRef>
-          <a:fontRef idx="minor">
-            <a:schemeClr val="lt1"/>
-          </a:fontRef>
-        </p:style>
-        <p:txBody>
-          <a:bodyPr rtlCol="0" anchor="ctr"/>
-          <a:lstStyle/>
-          <a:p>
-            <a:pPr algn="ctr"/>
-            <a:r>
-              <a:rPr lang="en-US" dirty="0"/>
-              <a:t>N function of b0</a:t>
-            </a:r>
-          </a:p>
-        </p:txBody>
-      </p:sp>
-      <p:sp>
-        <p:nvSpPr>
-          <p:cNvPr id="11" name="TextBox 10">
-            <a:extLst>
-              <a:ext uri="{FF2B5EF4-FFF2-40B4-BE49-F238E27FC236}">
-                <a16:creationId xmlns:a16="http://schemas.microsoft.com/office/drawing/2014/main" id="{84DAD176-FF58-5A78-32A8-3B91A7220C74}"/>
-              </a:ext>
-            </a:extLst>
-          </p:cNvPr>
-          <p:cNvSpPr txBox="1"/>
-          <p:nvPr/>
-        </p:nvSpPr>
-        <p:spPr>
-          <a:xfrm>
-            <a:off x="1828283" y="890828"/>
-            <a:ext cx="1828800" cy="369332"/>
-          </a:xfrm>
-          <a:prstGeom prst="rect">
-            <a:avLst/>
-          </a:prstGeom>
-          <a:noFill/>
-        </p:spPr>
-        <p:txBody>
-          <a:bodyPr rot="0" spcFirstLastPara="0" vert="horz" wrap="square" lIns="91440" tIns="45720" rIns="91440" bIns="45720" numCol="1" spcCol="0" rtlCol="0" fromWordArt="0" anchor="t" anchorCtr="0" forceAA="0" compatLnSpc="1">
-            <a:prstTxWarp prst="textNoShape">
-              <a:avLst/>
-            </a:prstTxWarp>
-            <a:spAutoFit/>
-          </a:bodyPr>
-          <a:lstStyle>
-            <a:defPPr>
-              <a:defRPr lang="en-US"/>
-            </a:defPPr>
-            <a:lvl1pPr marL="0" algn="l" defTabSz="914400" rtl="0" eaLnBrk="1" latinLnBrk="0" hangingPunct="1">
-              <a:defRPr sz="1800" kern="1200">
-                <a:solidFill>
-                  <a:schemeClr val="tx1"/>
-                </a:solidFill>
-                <a:latin typeface="+mn-lt"/>
-                <a:ea typeface="+mn-ea"/>
-                <a:cs typeface="+mn-cs"/>
-              </a:defRPr>
-            </a:lvl1pPr>
-            <a:lvl2pPr marL="457200" algn="l" defTabSz="914400" rtl="0" eaLnBrk="1" latinLnBrk="0" hangingPunct="1">
-              <a:defRPr sz="1800" kern="1200">
-                <a:solidFill>
-                  <a:schemeClr val="tx1"/>
-                </a:solidFill>
-                <a:latin typeface="+mn-lt"/>
-                <a:ea typeface="+mn-ea"/>
-                <a:cs typeface="+mn-cs"/>
-              </a:defRPr>
-            </a:lvl2pPr>
-            <a:lvl3pPr marL="914400" algn="l" defTabSz="914400" rtl="0" eaLnBrk="1" latinLnBrk="0" hangingPunct="1">
-              <a:defRPr sz="1800" kern="1200">
-                <a:solidFill>
-                  <a:schemeClr val="tx1"/>
-                </a:solidFill>
-                <a:latin typeface="+mn-lt"/>
-                <a:ea typeface="+mn-ea"/>
-                <a:cs typeface="+mn-cs"/>
-              </a:defRPr>
-            </a:lvl3pPr>
-            <a:lvl4pPr marL="1371600" algn="l" defTabSz="914400" rtl="0" eaLnBrk="1" latinLnBrk="0" hangingPunct="1">
-              <a:defRPr sz="1800" kern="1200">
-                <a:solidFill>
-                  <a:schemeClr val="tx1"/>
-                </a:solidFill>
-                <a:latin typeface="+mn-lt"/>
-                <a:ea typeface="+mn-ea"/>
-                <a:cs typeface="+mn-cs"/>
-              </a:defRPr>
-            </a:lvl4pPr>
-            <a:lvl5pPr marL="1828800" algn="l" defTabSz="914400" rtl="0" eaLnBrk="1" latinLnBrk="0" hangingPunct="1">
-              <a:defRPr sz="1800" kern="1200">
-                <a:solidFill>
-                  <a:schemeClr val="tx1"/>
-                </a:solidFill>
-                <a:latin typeface="+mn-lt"/>
-                <a:ea typeface="+mn-ea"/>
-                <a:cs typeface="+mn-cs"/>
-              </a:defRPr>
-            </a:lvl5pPr>
-            <a:lvl6pPr marL="2286000" algn="l" defTabSz="914400" rtl="0" eaLnBrk="1" latinLnBrk="0" hangingPunct="1">
-              <a:defRPr sz="1800" kern="1200">
-                <a:solidFill>
-                  <a:schemeClr val="tx1"/>
-                </a:solidFill>
-                <a:latin typeface="+mn-lt"/>
-                <a:ea typeface="+mn-ea"/>
-                <a:cs typeface="+mn-cs"/>
-              </a:defRPr>
-            </a:lvl6pPr>
-            <a:lvl7pPr marL="2743200" algn="l" defTabSz="914400" rtl="0" eaLnBrk="1" latinLnBrk="0" hangingPunct="1">
-              <a:defRPr sz="1800" kern="1200">
-                <a:solidFill>
-                  <a:schemeClr val="tx1"/>
-                </a:solidFill>
-                <a:latin typeface="+mn-lt"/>
-                <a:ea typeface="+mn-ea"/>
-                <a:cs typeface="+mn-cs"/>
-              </a:defRPr>
-            </a:lvl7pPr>
-            <a:lvl8pPr marL="3200400" algn="l" defTabSz="914400" rtl="0" eaLnBrk="1" latinLnBrk="0" hangingPunct="1">
-              <a:defRPr sz="1800" kern="1200">
-                <a:solidFill>
-                  <a:schemeClr val="tx1"/>
-                </a:solidFill>
-                <a:latin typeface="+mn-lt"/>
-                <a:ea typeface="+mn-ea"/>
-                <a:cs typeface="+mn-cs"/>
-              </a:defRPr>
-            </a:lvl8pPr>
-            <a:lvl9pPr marL="3657600" algn="l" defTabSz="914400" rtl="0" eaLnBrk="1" latinLnBrk="0" hangingPunct="1">
-              <a:defRPr sz="1800" kern="1200">
-                <a:solidFill>
-                  <a:schemeClr val="tx1"/>
-                </a:solidFill>
-                <a:latin typeface="+mn-lt"/>
-                <a:ea typeface="+mn-ea"/>
-                <a:cs typeface="+mn-cs"/>
-              </a:defRPr>
-            </a:lvl9pPr>
-          </a:lstStyle>
-          <a:p>
-            <a:pPr algn="l"/>
-            <a:r>
-              <a:rPr lang="en-US" dirty="0"/>
-              <a:t>Before</a:t>
-            </a:r>
-          </a:p>
-        </p:txBody>
-      </p:sp>
-      <p:sp>
-        <p:nvSpPr>
-          <p:cNvPr id="12" name="TextBox 11">
-            <a:extLst>
-              <a:ext uri="{FF2B5EF4-FFF2-40B4-BE49-F238E27FC236}">
-                <a16:creationId xmlns:a16="http://schemas.microsoft.com/office/drawing/2014/main" id="{78A8276A-C669-4239-425C-957E133E4A81}"/>
-              </a:ext>
-            </a:extLst>
-          </p:cNvPr>
-          <p:cNvSpPr txBox="1"/>
-          <p:nvPr/>
-        </p:nvSpPr>
-        <p:spPr>
-          <a:xfrm>
-            <a:off x="9754117" y="1026949"/>
-            <a:ext cx="1828800" cy="369332"/>
-          </a:xfrm>
-          <a:prstGeom prst="rect">
-            <a:avLst/>
-          </a:prstGeom>
-          <a:noFill/>
-        </p:spPr>
-        <p:txBody>
-          <a:bodyPr rot="0" spcFirstLastPara="0" vert="horz" wrap="square" lIns="91440" tIns="45720" rIns="91440" bIns="45720" numCol="1" spcCol="0" rtlCol="0" fromWordArt="0" anchor="t" anchorCtr="0" forceAA="0" compatLnSpc="1">
-            <a:prstTxWarp prst="textNoShape">
-              <a:avLst/>
-            </a:prstTxWarp>
-            <a:spAutoFit/>
-          </a:bodyPr>
-          <a:lstStyle>
-            <a:defPPr>
-              <a:defRPr lang="en-US"/>
-            </a:defPPr>
-            <a:lvl1pPr marL="0" algn="l" defTabSz="914400" rtl="0" eaLnBrk="1" latinLnBrk="0" hangingPunct="1">
-              <a:defRPr sz="1800" kern="1200">
-                <a:solidFill>
-                  <a:schemeClr val="tx1"/>
-                </a:solidFill>
-                <a:latin typeface="+mn-lt"/>
-                <a:ea typeface="+mn-ea"/>
-                <a:cs typeface="+mn-cs"/>
-              </a:defRPr>
-            </a:lvl1pPr>
-            <a:lvl2pPr marL="457200" algn="l" defTabSz="914400" rtl="0" eaLnBrk="1" latinLnBrk="0" hangingPunct="1">
-              <a:defRPr sz="1800" kern="1200">
-                <a:solidFill>
-                  <a:schemeClr val="tx1"/>
-                </a:solidFill>
-                <a:latin typeface="+mn-lt"/>
-                <a:ea typeface="+mn-ea"/>
-                <a:cs typeface="+mn-cs"/>
-              </a:defRPr>
-            </a:lvl2pPr>
-            <a:lvl3pPr marL="914400" algn="l" defTabSz="914400" rtl="0" eaLnBrk="1" latinLnBrk="0" hangingPunct="1">
-              <a:defRPr sz="1800" kern="1200">
-                <a:solidFill>
-                  <a:schemeClr val="tx1"/>
-                </a:solidFill>
-                <a:latin typeface="+mn-lt"/>
-                <a:ea typeface="+mn-ea"/>
-                <a:cs typeface="+mn-cs"/>
-              </a:defRPr>
-            </a:lvl3pPr>
-            <a:lvl4pPr marL="1371600" algn="l" defTabSz="914400" rtl="0" eaLnBrk="1" latinLnBrk="0" hangingPunct="1">
-              <a:defRPr sz="1800" kern="1200">
-                <a:solidFill>
-                  <a:schemeClr val="tx1"/>
-                </a:solidFill>
-                <a:latin typeface="+mn-lt"/>
-                <a:ea typeface="+mn-ea"/>
-                <a:cs typeface="+mn-cs"/>
-              </a:defRPr>
-            </a:lvl4pPr>
-            <a:lvl5pPr marL="1828800" algn="l" defTabSz="914400" rtl="0" eaLnBrk="1" latinLnBrk="0" hangingPunct="1">
-              <a:defRPr sz="1800" kern="1200">
-                <a:solidFill>
-                  <a:schemeClr val="tx1"/>
-                </a:solidFill>
-                <a:latin typeface="+mn-lt"/>
-                <a:ea typeface="+mn-ea"/>
-                <a:cs typeface="+mn-cs"/>
-              </a:defRPr>
-            </a:lvl5pPr>
-            <a:lvl6pPr marL="2286000" algn="l" defTabSz="914400" rtl="0" eaLnBrk="1" latinLnBrk="0" hangingPunct="1">
-              <a:defRPr sz="1800" kern="1200">
-                <a:solidFill>
-                  <a:schemeClr val="tx1"/>
-                </a:solidFill>
-                <a:latin typeface="+mn-lt"/>
-                <a:ea typeface="+mn-ea"/>
-                <a:cs typeface="+mn-cs"/>
-              </a:defRPr>
-            </a:lvl6pPr>
-            <a:lvl7pPr marL="2743200" algn="l" defTabSz="914400" rtl="0" eaLnBrk="1" latinLnBrk="0" hangingPunct="1">
-              <a:defRPr sz="1800" kern="1200">
-                <a:solidFill>
-                  <a:schemeClr val="tx1"/>
-                </a:solidFill>
-                <a:latin typeface="+mn-lt"/>
-                <a:ea typeface="+mn-ea"/>
-                <a:cs typeface="+mn-cs"/>
-              </a:defRPr>
-            </a:lvl7pPr>
-            <a:lvl8pPr marL="3200400" algn="l" defTabSz="914400" rtl="0" eaLnBrk="1" latinLnBrk="0" hangingPunct="1">
-              <a:defRPr sz="1800" kern="1200">
-                <a:solidFill>
-                  <a:schemeClr val="tx1"/>
-                </a:solidFill>
-                <a:latin typeface="+mn-lt"/>
-                <a:ea typeface="+mn-ea"/>
-                <a:cs typeface="+mn-cs"/>
-              </a:defRPr>
-            </a:lvl8pPr>
-            <a:lvl9pPr marL="3657600" algn="l" defTabSz="914400" rtl="0" eaLnBrk="1" latinLnBrk="0" hangingPunct="1">
-              <a:defRPr sz="1800" kern="1200">
-                <a:solidFill>
-                  <a:schemeClr val="tx1"/>
-                </a:solidFill>
-                <a:latin typeface="+mn-lt"/>
-                <a:ea typeface="+mn-ea"/>
-                <a:cs typeface="+mn-cs"/>
-              </a:defRPr>
-            </a:lvl9pPr>
-          </a:lstStyle>
-          <a:p>
-            <a:pPr algn="l"/>
-            <a:r>
-              <a:rPr lang="en-US" dirty="0"/>
-              <a:t>After</a:t>
-            </a:r>
-          </a:p>
-        </p:txBody>
-      </p:sp>
-      <p:sp>
-        <p:nvSpPr>
-          <p:cNvPr id="2" name="TextBox 1">
-            <a:extLst>
-              <a:ext uri="{FF2B5EF4-FFF2-40B4-BE49-F238E27FC236}">
-                <a16:creationId xmlns:a16="http://schemas.microsoft.com/office/drawing/2014/main" id="{D51FD63D-C0DD-4985-7B50-BB7FC95675CF}"/>
-              </a:ext>
-            </a:extLst>
-          </p:cNvPr>
-          <p:cNvSpPr txBox="1"/>
-          <p:nvPr/>
-        </p:nvSpPr>
-        <p:spPr>
-          <a:xfrm>
-            <a:off x="10297261" y="6278096"/>
-            <a:ext cx="742511" cy="369332"/>
-          </a:xfrm>
-          <a:prstGeom prst="rect">
-            <a:avLst/>
-          </a:prstGeom>
-          <a:noFill/>
-        </p:spPr>
-        <p:txBody>
-          <a:bodyPr wrap="none" rtlCol="0">
-            <a:spAutoFit/>
-          </a:bodyPr>
-          <a:lstStyle/>
-          <a:p>
-            <a:r>
-              <a:rPr lang="en-US" dirty="0"/>
-              <a:t>10/03</a:t>
-            </a:r>
-          </a:p>
-        </p:txBody>
-      </p:sp>
-      <p:pic>
-        <p:nvPicPr>
-          <p:cNvPr id="1028" name="Picture 4">
-            <a:extLst>
-              <a:ext uri="{FF2B5EF4-FFF2-40B4-BE49-F238E27FC236}">
-                <a16:creationId xmlns:a16="http://schemas.microsoft.com/office/drawing/2014/main" id="{B27858D2-3D4D-D9D5-D03C-453071A2DE95}"/>
-              </a:ext>
-            </a:extLst>
-          </p:cNvPr>
-          <p:cNvPicPr>
-            <a:picLocks noChangeAspect="1" noChangeArrowheads="1"/>
-          </p:cNvPicPr>
-          <p:nvPr/>
-        </p:nvPicPr>
-        <p:blipFill>
-          <a:blip r:embed="rId3">
-            <a:extLst>
-              <a:ext uri="{28A0092B-C50C-407E-A947-70E740481C1C}">
-                <a14:useLocalDpi xmlns:a14="http://schemas.microsoft.com/office/drawing/2010/main" val="0"/>
-              </a:ext>
-            </a:extLst>
-          </a:blip>
-          <a:srcRect/>
-          <a:stretch>
-            <a:fillRect/>
-          </a:stretch>
-        </p:blipFill>
-        <p:spPr bwMode="auto">
-          <a:xfrm>
-            <a:off x="6406192" y="2515128"/>
-            <a:ext cx="4500842" cy="3571977"/>
-          </a:xfrm>
-          <a:prstGeom prst="rect">
-            <a:avLst/>
-          </a:prstGeom>
-          <a:noFill/>
-          <a:extLst>
-            <a:ext uri="{909E8E84-426E-40DD-AFC4-6F175D3DCCD1}">
-              <a14:hiddenFill xmlns:a14="http://schemas.microsoft.com/office/drawing/2010/main">
-                <a:solidFill>
-                  <a:srgbClr val="FFFFFF"/>
-                </a:solidFill>
-              </a14:hiddenFill>
-            </a:ext>
-          </a:extLst>
-        </p:spPr>
-      </p:pic>
-    </p:spTree>
-    <p:extLst>
-      <p:ext uri="{BB962C8B-B14F-4D97-AF65-F5344CB8AC3E}">
-        <p14:creationId xmlns:p14="http://schemas.microsoft.com/office/powerpoint/2010/main" val="2633760128"/>
-      </p:ext>
-    </p:extLst>
-  </p:cSld>
-  <p:clrMapOvr>
-    <a:masterClrMapping/>
-  </p:clrMapOvr>
-</p:sld>
-</file>
-
-<file path=ppt/slides/slide27.xml><?xml version="1.0" encoding="utf-8"?>
-<p:sld xmlns:a="http://schemas.openxmlformats.org/drawingml/2006/main" xmlns:r="http://schemas.openxmlformats.org/officeDocument/2006/relationships" xmlns:p="http://schemas.openxmlformats.org/presentationml/2006/main">
-  <p:cSld>
-    <p:spTree>
-      <p:nvGrpSpPr>
-        <p:cNvPr id="1" name=""/>
-        <p:cNvGrpSpPr/>
-        <p:nvPr/>
-      </p:nvGrpSpPr>
-      <p:grpSpPr>
-        <a:xfrm>
-          <a:off x="0" y="0"/>
-          <a:ext cx="0" cy="0"/>
-          <a:chOff x="0" y="0"/>
-          <a:chExt cx="0" cy="0"/>
-        </a:xfrm>
-      </p:grpSpPr>
-      <p:sp>
-        <p:nvSpPr>
-          <p:cNvPr id="4" name="TextBox 3">
-            <a:extLst>
-              <a:ext uri="{FF2B5EF4-FFF2-40B4-BE49-F238E27FC236}">
-                <a16:creationId xmlns:a16="http://schemas.microsoft.com/office/drawing/2014/main" id="{58527F87-CE59-731F-AA63-8DA38523242C}"/>
-              </a:ext>
-            </a:extLst>
-          </p:cNvPr>
-          <p:cNvSpPr txBox="1"/>
-          <p:nvPr/>
-        </p:nvSpPr>
-        <p:spPr>
-          <a:xfrm>
-            <a:off x="5181600" y="1534364"/>
-            <a:ext cx="1828800" cy="369332"/>
-          </a:xfrm>
-          <a:prstGeom prst="rect">
-            <a:avLst/>
-          </a:prstGeom>
-          <a:noFill/>
-        </p:spPr>
-        <p:txBody>
-          <a:bodyPr rot="0" spcFirstLastPara="0" vert="horz" wrap="square" lIns="91440" tIns="45720" rIns="91440" bIns="45720" numCol="1" spcCol="0" rtlCol="0" fromWordArt="0" anchor="t" anchorCtr="0" forceAA="0" compatLnSpc="1">
-            <a:prstTxWarp prst="textNoShape">
-              <a:avLst/>
-            </a:prstTxWarp>
-            <a:spAutoFit/>
-          </a:bodyPr>
-          <a:lstStyle>
-            <a:defPPr>
-              <a:defRPr lang="en-US"/>
-            </a:defPPr>
-            <a:lvl1pPr marL="0" algn="l" defTabSz="914400" rtl="0" eaLnBrk="1" latinLnBrk="0" hangingPunct="1">
-              <a:defRPr sz="1800" kern="1200">
-                <a:solidFill>
-                  <a:schemeClr val="tx1"/>
-                </a:solidFill>
-                <a:latin typeface="+mn-lt"/>
-                <a:ea typeface="+mn-ea"/>
-                <a:cs typeface="+mn-cs"/>
-              </a:defRPr>
-            </a:lvl1pPr>
-            <a:lvl2pPr marL="457200" algn="l" defTabSz="914400" rtl="0" eaLnBrk="1" latinLnBrk="0" hangingPunct="1">
-              <a:defRPr sz="1800" kern="1200">
-                <a:solidFill>
-                  <a:schemeClr val="tx1"/>
-                </a:solidFill>
-                <a:latin typeface="+mn-lt"/>
-                <a:ea typeface="+mn-ea"/>
-                <a:cs typeface="+mn-cs"/>
-              </a:defRPr>
-            </a:lvl2pPr>
-            <a:lvl3pPr marL="914400" algn="l" defTabSz="914400" rtl="0" eaLnBrk="1" latinLnBrk="0" hangingPunct="1">
-              <a:defRPr sz="1800" kern="1200">
-                <a:solidFill>
-                  <a:schemeClr val="tx1"/>
-                </a:solidFill>
-                <a:latin typeface="+mn-lt"/>
-                <a:ea typeface="+mn-ea"/>
-                <a:cs typeface="+mn-cs"/>
-              </a:defRPr>
-            </a:lvl3pPr>
-            <a:lvl4pPr marL="1371600" algn="l" defTabSz="914400" rtl="0" eaLnBrk="1" latinLnBrk="0" hangingPunct="1">
-              <a:defRPr sz="1800" kern="1200">
-                <a:solidFill>
-                  <a:schemeClr val="tx1"/>
-                </a:solidFill>
-                <a:latin typeface="+mn-lt"/>
-                <a:ea typeface="+mn-ea"/>
-                <a:cs typeface="+mn-cs"/>
-              </a:defRPr>
-            </a:lvl4pPr>
-            <a:lvl5pPr marL="1828800" algn="l" defTabSz="914400" rtl="0" eaLnBrk="1" latinLnBrk="0" hangingPunct="1">
-              <a:defRPr sz="1800" kern="1200">
-                <a:solidFill>
-                  <a:schemeClr val="tx1"/>
-                </a:solidFill>
-                <a:latin typeface="+mn-lt"/>
-                <a:ea typeface="+mn-ea"/>
-                <a:cs typeface="+mn-cs"/>
-              </a:defRPr>
-            </a:lvl5pPr>
-            <a:lvl6pPr marL="2286000" algn="l" defTabSz="914400" rtl="0" eaLnBrk="1" latinLnBrk="0" hangingPunct="1">
-              <a:defRPr sz="1800" kern="1200">
-                <a:solidFill>
-                  <a:schemeClr val="tx1"/>
-                </a:solidFill>
-                <a:latin typeface="+mn-lt"/>
-                <a:ea typeface="+mn-ea"/>
-                <a:cs typeface="+mn-cs"/>
-              </a:defRPr>
-            </a:lvl6pPr>
-            <a:lvl7pPr marL="2743200" algn="l" defTabSz="914400" rtl="0" eaLnBrk="1" latinLnBrk="0" hangingPunct="1">
-              <a:defRPr sz="1800" kern="1200">
-                <a:solidFill>
-                  <a:schemeClr val="tx1"/>
-                </a:solidFill>
-                <a:latin typeface="+mn-lt"/>
-                <a:ea typeface="+mn-ea"/>
-                <a:cs typeface="+mn-cs"/>
-              </a:defRPr>
-            </a:lvl7pPr>
-            <a:lvl8pPr marL="3200400" algn="l" defTabSz="914400" rtl="0" eaLnBrk="1" latinLnBrk="0" hangingPunct="1">
-              <a:defRPr sz="1800" kern="1200">
-                <a:solidFill>
-                  <a:schemeClr val="tx1"/>
-                </a:solidFill>
-                <a:latin typeface="+mn-lt"/>
-                <a:ea typeface="+mn-ea"/>
-                <a:cs typeface="+mn-cs"/>
-              </a:defRPr>
-            </a:lvl8pPr>
-            <a:lvl9pPr marL="3657600" algn="l" defTabSz="914400" rtl="0" eaLnBrk="1" latinLnBrk="0" hangingPunct="1">
-              <a:defRPr sz="1800" kern="1200">
-                <a:solidFill>
-                  <a:schemeClr val="tx1"/>
-                </a:solidFill>
-                <a:latin typeface="+mn-lt"/>
-                <a:ea typeface="+mn-ea"/>
-                <a:cs typeface="+mn-cs"/>
-              </a:defRPr>
-            </a:lvl9pPr>
-          </a:lstStyle>
-          <a:p>
-            <a:pPr algn="ctr"/>
-            <a:r>
-              <a:rPr lang="en-US" dirty="0"/>
-              <a:t>1.4 1.4 2.6</a:t>
-            </a:r>
-          </a:p>
-        </p:txBody>
-      </p:sp>
-      <p:pic>
-        <p:nvPicPr>
-          <p:cNvPr id="5" name="Picture 4">
-            <a:extLst>
-              <a:ext uri="{FF2B5EF4-FFF2-40B4-BE49-F238E27FC236}">
-                <a16:creationId xmlns:a16="http://schemas.microsoft.com/office/drawing/2014/main" id="{85D748BF-1940-6D6F-A7E3-F009D2CCD4C2}"/>
-              </a:ext>
-            </a:extLst>
-          </p:cNvPr>
-          <p:cNvPicPr>
-            <a:picLocks noChangeAspect="1" noChangeArrowheads="1"/>
-          </p:cNvPicPr>
-          <p:nvPr/>
-        </p:nvPicPr>
-        <p:blipFill>
-          <a:blip r:embed="rId2">
-            <a:extLst>
-              <a:ext uri="{28A0092B-C50C-407E-A947-70E740481C1C}">
-                <a14:useLocalDpi xmlns:a14="http://schemas.microsoft.com/office/drawing/2010/main" val="0"/>
-              </a:ext>
-            </a:extLst>
-          </a:blip>
-          <a:srcRect/>
-          <a:stretch>
-            <a:fillRect/>
-          </a:stretch>
-        </p:blipFill>
-        <p:spPr bwMode="auto">
-          <a:xfrm>
-            <a:off x="375957" y="2395195"/>
-            <a:ext cx="4500843" cy="3571977"/>
-          </a:xfrm>
-          <a:prstGeom prst="rect">
-            <a:avLst/>
-          </a:prstGeom>
-          <a:noFill/>
-          <a:extLst>
-            <a:ext uri="{909E8E84-426E-40DD-AFC4-6F175D3DCCD1}">
-              <a14:hiddenFill xmlns:a14="http://schemas.microsoft.com/office/drawing/2010/main">
-                <a:solidFill>
-                  <a:srgbClr val="FFFFFF"/>
-                </a:solidFill>
-              </a14:hiddenFill>
-            </a:ext>
-          </a:extLst>
-        </p:spPr>
-      </p:pic>
-      <p:sp>
-        <p:nvSpPr>
-          <p:cNvPr id="10" name="Rectangle 9">
-            <a:extLst>
-              <a:ext uri="{FF2B5EF4-FFF2-40B4-BE49-F238E27FC236}">
-                <a16:creationId xmlns:a16="http://schemas.microsoft.com/office/drawing/2014/main" id="{961A93A9-61C7-E33A-A9EA-1874A63B30B3}"/>
-              </a:ext>
-            </a:extLst>
-          </p:cNvPr>
-          <p:cNvSpPr/>
-          <p:nvPr/>
-        </p:nvSpPr>
-        <p:spPr>
-          <a:xfrm>
-            <a:off x="4130842" y="369460"/>
-            <a:ext cx="3930316" cy="1042737"/>
-          </a:xfrm>
-          <a:prstGeom prst="rect">
-            <a:avLst/>
-          </a:prstGeom>
-        </p:spPr>
-        <p:style>
-          <a:lnRef idx="2">
-            <a:schemeClr val="accent1">
-              <a:shade val="50000"/>
-            </a:schemeClr>
-          </a:lnRef>
-          <a:fillRef idx="1">
-            <a:schemeClr val="accent1"/>
-          </a:fillRef>
-          <a:effectRef idx="0">
-            <a:schemeClr val="accent1"/>
-          </a:effectRef>
-          <a:fontRef idx="minor">
-            <a:schemeClr val="lt1"/>
-          </a:fontRef>
-        </p:style>
-        <p:txBody>
-          <a:bodyPr rtlCol="0" anchor="ctr"/>
-          <a:lstStyle/>
-          <a:p>
-            <a:pPr algn="ctr"/>
-            <a:r>
-              <a:rPr lang="en-US" dirty="0"/>
-              <a:t>N function of b0</a:t>
-            </a:r>
-          </a:p>
-        </p:txBody>
-      </p:sp>
-      <p:sp>
-        <p:nvSpPr>
-          <p:cNvPr id="11" name="TextBox 10">
-            <a:extLst>
-              <a:ext uri="{FF2B5EF4-FFF2-40B4-BE49-F238E27FC236}">
-                <a16:creationId xmlns:a16="http://schemas.microsoft.com/office/drawing/2014/main" id="{84DAD176-FF58-5A78-32A8-3B91A7220C74}"/>
-              </a:ext>
-            </a:extLst>
-          </p:cNvPr>
-          <p:cNvSpPr txBox="1"/>
-          <p:nvPr/>
-        </p:nvSpPr>
-        <p:spPr>
-          <a:xfrm>
-            <a:off x="1828283" y="890828"/>
-            <a:ext cx="1828800" cy="369332"/>
-          </a:xfrm>
-          <a:prstGeom prst="rect">
-            <a:avLst/>
-          </a:prstGeom>
-          <a:noFill/>
-        </p:spPr>
-        <p:txBody>
-          <a:bodyPr rot="0" spcFirstLastPara="0" vert="horz" wrap="square" lIns="91440" tIns="45720" rIns="91440" bIns="45720" numCol="1" spcCol="0" rtlCol="0" fromWordArt="0" anchor="t" anchorCtr="0" forceAA="0" compatLnSpc="1">
-            <a:prstTxWarp prst="textNoShape">
-              <a:avLst/>
-            </a:prstTxWarp>
-            <a:spAutoFit/>
-          </a:bodyPr>
-          <a:lstStyle>
-            <a:defPPr>
-              <a:defRPr lang="en-US"/>
-            </a:defPPr>
-            <a:lvl1pPr marL="0" algn="l" defTabSz="914400" rtl="0" eaLnBrk="1" latinLnBrk="0" hangingPunct="1">
-              <a:defRPr sz="1800" kern="1200">
-                <a:solidFill>
-                  <a:schemeClr val="tx1"/>
-                </a:solidFill>
-                <a:latin typeface="+mn-lt"/>
-                <a:ea typeface="+mn-ea"/>
-                <a:cs typeface="+mn-cs"/>
-              </a:defRPr>
-            </a:lvl1pPr>
-            <a:lvl2pPr marL="457200" algn="l" defTabSz="914400" rtl="0" eaLnBrk="1" latinLnBrk="0" hangingPunct="1">
-              <a:defRPr sz="1800" kern="1200">
-                <a:solidFill>
-                  <a:schemeClr val="tx1"/>
-                </a:solidFill>
-                <a:latin typeface="+mn-lt"/>
-                <a:ea typeface="+mn-ea"/>
-                <a:cs typeface="+mn-cs"/>
-              </a:defRPr>
-            </a:lvl2pPr>
-            <a:lvl3pPr marL="914400" algn="l" defTabSz="914400" rtl="0" eaLnBrk="1" latinLnBrk="0" hangingPunct="1">
-              <a:defRPr sz="1800" kern="1200">
-                <a:solidFill>
-                  <a:schemeClr val="tx1"/>
-                </a:solidFill>
-                <a:latin typeface="+mn-lt"/>
-                <a:ea typeface="+mn-ea"/>
-                <a:cs typeface="+mn-cs"/>
-              </a:defRPr>
-            </a:lvl3pPr>
-            <a:lvl4pPr marL="1371600" algn="l" defTabSz="914400" rtl="0" eaLnBrk="1" latinLnBrk="0" hangingPunct="1">
-              <a:defRPr sz="1800" kern="1200">
-                <a:solidFill>
-                  <a:schemeClr val="tx1"/>
-                </a:solidFill>
-                <a:latin typeface="+mn-lt"/>
-                <a:ea typeface="+mn-ea"/>
-                <a:cs typeface="+mn-cs"/>
-              </a:defRPr>
-            </a:lvl4pPr>
-            <a:lvl5pPr marL="1828800" algn="l" defTabSz="914400" rtl="0" eaLnBrk="1" latinLnBrk="0" hangingPunct="1">
-              <a:defRPr sz="1800" kern="1200">
-                <a:solidFill>
-                  <a:schemeClr val="tx1"/>
-                </a:solidFill>
-                <a:latin typeface="+mn-lt"/>
-                <a:ea typeface="+mn-ea"/>
-                <a:cs typeface="+mn-cs"/>
-              </a:defRPr>
-            </a:lvl5pPr>
-            <a:lvl6pPr marL="2286000" algn="l" defTabSz="914400" rtl="0" eaLnBrk="1" latinLnBrk="0" hangingPunct="1">
-              <a:defRPr sz="1800" kern="1200">
-                <a:solidFill>
-                  <a:schemeClr val="tx1"/>
-                </a:solidFill>
-                <a:latin typeface="+mn-lt"/>
-                <a:ea typeface="+mn-ea"/>
-                <a:cs typeface="+mn-cs"/>
-              </a:defRPr>
-            </a:lvl6pPr>
-            <a:lvl7pPr marL="2743200" algn="l" defTabSz="914400" rtl="0" eaLnBrk="1" latinLnBrk="0" hangingPunct="1">
-              <a:defRPr sz="1800" kern="1200">
-                <a:solidFill>
-                  <a:schemeClr val="tx1"/>
-                </a:solidFill>
-                <a:latin typeface="+mn-lt"/>
-                <a:ea typeface="+mn-ea"/>
-                <a:cs typeface="+mn-cs"/>
-              </a:defRPr>
-            </a:lvl7pPr>
-            <a:lvl8pPr marL="3200400" algn="l" defTabSz="914400" rtl="0" eaLnBrk="1" latinLnBrk="0" hangingPunct="1">
-              <a:defRPr sz="1800" kern="1200">
-                <a:solidFill>
-                  <a:schemeClr val="tx1"/>
-                </a:solidFill>
-                <a:latin typeface="+mn-lt"/>
-                <a:ea typeface="+mn-ea"/>
-                <a:cs typeface="+mn-cs"/>
-              </a:defRPr>
-            </a:lvl8pPr>
-            <a:lvl9pPr marL="3657600" algn="l" defTabSz="914400" rtl="0" eaLnBrk="1" latinLnBrk="0" hangingPunct="1">
-              <a:defRPr sz="1800" kern="1200">
-                <a:solidFill>
-                  <a:schemeClr val="tx1"/>
-                </a:solidFill>
-                <a:latin typeface="+mn-lt"/>
-                <a:ea typeface="+mn-ea"/>
-                <a:cs typeface="+mn-cs"/>
-              </a:defRPr>
-            </a:lvl9pPr>
-          </a:lstStyle>
-          <a:p>
-            <a:pPr algn="l"/>
-            <a:r>
-              <a:rPr lang="en-US" dirty="0"/>
-              <a:t>Before</a:t>
-            </a:r>
-          </a:p>
-        </p:txBody>
-      </p:sp>
-      <p:sp>
-        <p:nvSpPr>
-          <p:cNvPr id="12" name="TextBox 11">
-            <a:extLst>
-              <a:ext uri="{FF2B5EF4-FFF2-40B4-BE49-F238E27FC236}">
-                <a16:creationId xmlns:a16="http://schemas.microsoft.com/office/drawing/2014/main" id="{78A8276A-C669-4239-425C-957E133E4A81}"/>
-              </a:ext>
-            </a:extLst>
-          </p:cNvPr>
-          <p:cNvSpPr txBox="1"/>
-          <p:nvPr/>
-        </p:nvSpPr>
-        <p:spPr>
-          <a:xfrm>
-            <a:off x="9754117" y="1026949"/>
-            <a:ext cx="1828800" cy="369332"/>
-          </a:xfrm>
-          <a:prstGeom prst="rect">
-            <a:avLst/>
-          </a:prstGeom>
-          <a:noFill/>
-        </p:spPr>
-        <p:txBody>
-          <a:bodyPr rot="0" spcFirstLastPara="0" vert="horz" wrap="square" lIns="91440" tIns="45720" rIns="91440" bIns="45720" numCol="1" spcCol="0" rtlCol="0" fromWordArt="0" anchor="t" anchorCtr="0" forceAA="0" compatLnSpc="1">
-            <a:prstTxWarp prst="textNoShape">
-              <a:avLst/>
-            </a:prstTxWarp>
-            <a:spAutoFit/>
-          </a:bodyPr>
-          <a:lstStyle>
-            <a:defPPr>
-              <a:defRPr lang="en-US"/>
-            </a:defPPr>
-            <a:lvl1pPr marL="0" algn="l" defTabSz="914400" rtl="0" eaLnBrk="1" latinLnBrk="0" hangingPunct="1">
-              <a:defRPr sz="1800" kern="1200">
-                <a:solidFill>
-                  <a:schemeClr val="tx1"/>
-                </a:solidFill>
-                <a:latin typeface="+mn-lt"/>
-                <a:ea typeface="+mn-ea"/>
-                <a:cs typeface="+mn-cs"/>
-              </a:defRPr>
-            </a:lvl1pPr>
-            <a:lvl2pPr marL="457200" algn="l" defTabSz="914400" rtl="0" eaLnBrk="1" latinLnBrk="0" hangingPunct="1">
-              <a:defRPr sz="1800" kern="1200">
-                <a:solidFill>
-                  <a:schemeClr val="tx1"/>
-                </a:solidFill>
-                <a:latin typeface="+mn-lt"/>
-                <a:ea typeface="+mn-ea"/>
-                <a:cs typeface="+mn-cs"/>
-              </a:defRPr>
-            </a:lvl2pPr>
-            <a:lvl3pPr marL="914400" algn="l" defTabSz="914400" rtl="0" eaLnBrk="1" latinLnBrk="0" hangingPunct="1">
-              <a:defRPr sz="1800" kern="1200">
-                <a:solidFill>
-                  <a:schemeClr val="tx1"/>
-                </a:solidFill>
-                <a:latin typeface="+mn-lt"/>
-                <a:ea typeface="+mn-ea"/>
-                <a:cs typeface="+mn-cs"/>
-              </a:defRPr>
-            </a:lvl3pPr>
-            <a:lvl4pPr marL="1371600" algn="l" defTabSz="914400" rtl="0" eaLnBrk="1" latinLnBrk="0" hangingPunct="1">
-              <a:defRPr sz="1800" kern="1200">
-                <a:solidFill>
-                  <a:schemeClr val="tx1"/>
-                </a:solidFill>
-                <a:latin typeface="+mn-lt"/>
-                <a:ea typeface="+mn-ea"/>
-                <a:cs typeface="+mn-cs"/>
-              </a:defRPr>
-            </a:lvl4pPr>
-            <a:lvl5pPr marL="1828800" algn="l" defTabSz="914400" rtl="0" eaLnBrk="1" latinLnBrk="0" hangingPunct="1">
-              <a:defRPr sz="1800" kern="1200">
-                <a:solidFill>
-                  <a:schemeClr val="tx1"/>
-                </a:solidFill>
-                <a:latin typeface="+mn-lt"/>
-                <a:ea typeface="+mn-ea"/>
-                <a:cs typeface="+mn-cs"/>
-              </a:defRPr>
-            </a:lvl5pPr>
-            <a:lvl6pPr marL="2286000" algn="l" defTabSz="914400" rtl="0" eaLnBrk="1" latinLnBrk="0" hangingPunct="1">
-              <a:defRPr sz="1800" kern="1200">
-                <a:solidFill>
-                  <a:schemeClr val="tx1"/>
-                </a:solidFill>
-                <a:latin typeface="+mn-lt"/>
-                <a:ea typeface="+mn-ea"/>
-                <a:cs typeface="+mn-cs"/>
-              </a:defRPr>
-            </a:lvl6pPr>
-            <a:lvl7pPr marL="2743200" algn="l" defTabSz="914400" rtl="0" eaLnBrk="1" latinLnBrk="0" hangingPunct="1">
-              <a:defRPr sz="1800" kern="1200">
-                <a:solidFill>
-                  <a:schemeClr val="tx1"/>
-                </a:solidFill>
-                <a:latin typeface="+mn-lt"/>
-                <a:ea typeface="+mn-ea"/>
-                <a:cs typeface="+mn-cs"/>
-              </a:defRPr>
-            </a:lvl7pPr>
-            <a:lvl8pPr marL="3200400" algn="l" defTabSz="914400" rtl="0" eaLnBrk="1" latinLnBrk="0" hangingPunct="1">
-              <a:defRPr sz="1800" kern="1200">
-                <a:solidFill>
-                  <a:schemeClr val="tx1"/>
-                </a:solidFill>
-                <a:latin typeface="+mn-lt"/>
-                <a:ea typeface="+mn-ea"/>
-                <a:cs typeface="+mn-cs"/>
-              </a:defRPr>
-            </a:lvl8pPr>
-            <a:lvl9pPr marL="3657600" algn="l" defTabSz="914400" rtl="0" eaLnBrk="1" latinLnBrk="0" hangingPunct="1">
-              <a:defRPr sz="1800" kern="1200">
-                <a:solidFill>
-                  <a:schemeClr val="tx1"/>
-                </a:solidFill>
-                <a:latin typeface="+mn-lt"/>
-                <a:ea typeface="+mn-ea"/>
-                <a:cs typeface="+mn-cs"/>
-              </a:defRPr>
-            </a:lvl9pPr>
-          </a:lstStyle>
-          <a:p>
-            <a:pPr algn="l"/>
-            <a:r>
-              <a:rPr lang="en-US" dirty="0"/>
-              <a:t>After</a:t>
-            </a:r>
-          </a:p>
-        </p:txBody>
-      </p:sp>
-      <p:pic>
-        <p:nvPicPr>
-          <p:cNvPr id="3076" name="Picture 4">
-            <a:extLst>
-              <a:ext uri="{FF2B5EF4-FFF2-40B4-BE49-F238E27FC236}">
-                <a16:creationId xmlns:a16="http://schemas.microsoft.com/office/drawing/2014/main" id="{79792DD2-9A21-9773-4502-F0AD1E8CFFEA}"/>
-              </a:ext>
-            </a:extLst>
-          </p:cNvPr>
-          <p:cNvPicPr>
-            <a:picLocks noChangeAspect="1" noChangeArrowheads="1"/>
-          </p:cNvPicPr>
-          <p:nvPr/>
-        </p:nvPicPr>
-        <p:blipFill>
-          <a:blip r:embed="rId3">
-            <a:extLst>
-              <a:ext uri="{28A0092B-C50C-407E-A947-70E740481C1C}">
-                <a14:useLocalDpi xmlns:a14="http://schemas.microsoft.com/office/drawing/2010/main" val="0"/>
-              </a:ext>
-            </a:extLst>
-          </a:blip>
-          <a:srcRect/>
-          <a:stretch>
-            <a:fillRect/>
-          </a:stretch>
-        </p:blipFill>
-        <p:spPr bwMode="auto">
-          <a:xfrm>
-            <a:off x="6526962" y="2395195"/>
-            <a:ext cx="4500842" cy="3571977"/>
-          </a:xfrm>
-          <a:prstGeom prst="rect">
-            <a:avLst/>
-          </a:prstGeom>
-          <a:noFill/>
-          <a:extLst>
-            <a:ext uri="{909E8E84-426E-40DD-AFC4-6F175D3DCCD1}">
-              <a14:hiddenFill xmlns:a14="http://schemas.microsoft.com/office/drawing/2010/main">
-                <a:solidFill>
-                  <a:srgbClr val="FFFFFF"/>
-                </a:solidFill>
-              </a14:hiddenFill>
-            </a:ext>
-          </a:extLst>
-        </p:spPr>
-      </p:pic>
-    </p:spTree>
-    <p:extLst>
-      <p:ext uri="{BB962C8B-B14F-4D97-AF65-F5344CB8AC3E}">
-        <p14:creationId xmlns:p14="http://schemas.microsoft.com/office/powerpoint/2010/main" val="1657068415"/>
-      </p:ext>
-    </p:extLst>
-  </p:cSld>
-  <p:clrMapOvr>
-    <a:masterClrMapping/>
-  </p:clrMapOvr>
-</p:sld>
-</file>
-
-<file path=ppt/slides/slide28.xml><?xml version="1.0" encoding="utf-8"?>
-<p:sld xmlns:a="http://schemas.openxmlformats.org/drawingml/2006/main" xmlns:r="http://schemas.openxmlformats.org/officeDocument/2006/relationships" xmlns:p="http://schemas.openxmlformats.org/presentationml/2006/main">
-  <p:cSld>
-    <p:spTree>
-      <p:nvGrpSpPr>
-        <p:cNvPr id="1" name=""/>
-        <p:cNvGrpSpPr/>
-        <p:nvPr/>
-      </p:nvGrpSpPr>
-      <p:grpSpPr>
-        <a:xfrm>
-          <a:off x="0" y="0"/>
-          <a:ext cx="0" cy="0"/>
-          <a:chOff x="0" y="0"/>
-          <a:chExt cx="0" cy="0"/>
-        </a:xfrm>
-      </p:grpSpPr>
-      <p:sp>
-        <p:nvSpPr>
           <p:cNvPr id="2" name="TextBox 1">
             <a:extLst>
               <a:ext uri="{FF2B5EF4-FFF2-40B4-BE49-F238E27FC236}">
@@ -19690,10 +17954,9 @@
               <a:buChar char="•"/>
             </a:pPr>
             <a:r>
-              <a:rPr lang="en-US"/>
+              <a:rPr lang="en-US" dirty="0"/>
               <a:t>New options (09/03 code)</a:t>
             </a:r>
-            <a:endParaRPr lang="en-US" dirty="0"/>
           </a:p>
           <a:p>
             <a:pPr marL="742950" lvl="1" indent="-285750">
@@ -19702,7 +17965,7 @@
             </a:pPr>
             <a:r>
               <a:rPr lang="en-US" dirty="0"/>
-              <a:t>V0 = 4/3*pi*b^3 (b/d = 0.239) (Max flexible)</a:t>
+              <a:t>V0 = 4/3*pi*b^3 (b/d = 0.2387…) (Max flexible)</a:t>
             </a:r>
           </a:p>
           <a:p>
@@ -19796,6 +18059,36 @@
     <p:extLst>
       <p:ext uri="{BB962C8B-B14F-4D97-AF65-F5344CB8AC3E}">
         <p14:creationId xmlns:p14="http://schemas.microsoft.com/office/powerpoint/2010/main" val="2840266622"/>
+      </p:ext>
+    </p:extLst>
+  </p:cSld>
+  <p:clrMapOvr>
+    <a:masterClrMapping/>
+  </p:clrMapOvr>
+</p:sld>
+</file>
+
+<file path=ppt/slides/slide26.xml><?xml version="1.0" encoding="utf-8"?>
+<p:sld xmlns:a="http://schemas.openxmlformats.org/drawingml/2006/main" xmlns:r="http://schemas.openxmlformats.org/officeDocument/2006/relationships" xmlns:p="http://schemas.openxmlformats.org/presentationml/2006/main">
+  <p:cSld>
+    <p:spTree>
+      <p:nvGrpSpPr>
+        <p:cNvPr id="1" name=""/>
+        <p:cNvGrpSpPr/>
+        <p:nvPr/>
+      </p:nvGrpSpPr>
+      <p:grpSpPr>
+        <a:xfrm>
+          <a:off x="0" y="0"/>
+          <a:ext cx="0" cy="0"/>
+          <a:chOff x="0" y="0"/>
+          <a:chExt cx="0" cy="0"/>
+        </a:xfrm>
+      </p:grpSpPr>
+    </p:spTree>
+    <p:extLst>
+      <p:ext uri="{BB962C8B-B14F-4D97-AF65-F5344CB8AC3E}">
+        <p14:creationId xmlns:p14="http://schemas.microsoft.com/office/powerpoint/2010/main" val="1629042788"/>
       </p:ext>
     </p:extLst>
   </p:cSld>

--- a/p_update.pptx
+++ b/p_update.pptx
@@ -31,6 +31,11 @@
     <p:sldId id="305" r:id="rId25"/>
     <p:sldId id="306" r:id="rId26"/>
     <p:sldId id="307" r:id="rId27"/>
+    <p:sldId id="309" r:id="rId28"/>
+    <p:sldId id="310" r:id="rId29"/>
+    <p:sldId id="308" r:id="rId30"/>
+    <p:sldId id="312" r:id="rId31"/>
+    <p:sldId id="311" r:id="rId32"/>
   </p:sldIdLst>
   <p:sldSz cx="12192000" cy="6858000"/>
   <p:notesSz cx="6858000" cy="9144000"/>
@@ -284,7 +289,7 @@
           <a:p>
             <a:fld id="{AC0A374C-67DD-7B41-A977-89CB4768BCE6}" type="datetimeFigureOut">
               <a:rPr lang="en-US" smtClean="0"/>
-              <a:t>10/3/2022</a:t>
+              <a:t>10/4/2022</a:t>
             </a:fld>
             <a:endParaRPr lang="en-US"/>
           </a:p>
@@ -482,7 +487,7 @@
           <a:p>
             <a:fld id="{AC0A374C-67DD-7B41-A977-89CB4768BCE6}" type="datetimeFigureOut">
               <a:rPr lang="en-US" smtClean="0"/>
-              <a:t>10/3/2022</a:t>
+              <a:t>10/4/2022</a:t>
             </a:fld>
             <a:endParaRPr lang="en-US"/>
           </a:p>
@@ -690,7 +695,7 @@
           <a:p>
             <a:fld id="{AC0A374C-67DD-7B41-A977-89CB4768BCE6}" type="datetimeFigureOut">
               <a:rPr lang="en-US" smtClean="0"/>
-              <a:t>10/3/2022</a:t>
+              <a:t>10/4/2022</a:t>
             </a:fld>
             <a:endParaRPr lang="en-US"/>
           </a:p>
@@ -888,7 +893,7 @@
           <a:p>
             <a:fld id="{AC0A374C-67DD-7B41-A977-89CB4768BCE6}" type="datetimeFigureOut">
               <a:rPr lang="en-US" smtClean="0"/>
-              <a:t>10/3/2022</a:t>
+              <a:t>10/4/2022</a:t>
             </a:fld>
             <a:endParaRPr lang="en-US"/>
           </a:p>
@@ -1163,7 +1168,7 @@
           <a:p>
             <a:fld id="{AC0A374C-67DD-7B41-A977-89CB4768BCE6}" type="datetimeFigureOut">
               <a:rPr lang="en-US" smtClean="0"/>
-              <a:t>10/3/2022</a:t>
+              <a:t>10/4/2022</a:t>
             </a:fld>
             <a:endParaRPr lang="en-US"/>
           </a:p>
@@ -1428,7 +1433,7 @@
           <a:p>
             <a:fld id="{AC0A374C-67DD-7B41-A977-89CB4768BCE6}" type="datetimeFigureOut">
               <a:rPr lang="en-US" smtClean="0"/>
-              <a:t>10/3/2022</a:t>
+              <a:t>10/4/2022</a:t>
             </a:fld>
             <a:endParaRPr lang="en-US"/>
           </a:p>
@@ -1840,7 +1845,7 @@
           <a:p>
             <a:fld id="{AC0A374C-67DD-7B41-A977-89CB4768BCE6}" type="datetimeFigureOut">
               <a:rPr lang="en-US" smtClean="0"/>
-              <a:t>10/3/2022</a:t>
+              <a:t>10/4/2022</a:t>
             </a:fld>
             <a:endParaRPr lang="en-US"/>
           </a:p>
@@ -1981,7 +1986,7 @@
           <a:p>
             <a:fld id="{AC0A374C-67DD-7B41-A977-89CB4768BCE6}" type="datetimeFigureOut">
               <a:rPr lang="en-US" smtClean="0"/>
-              <a:t>10/3/2022</a:t>
+              <a:t>10/4/2022</a:t>
             </a:fld>
             <a:endParaRPr lang="en-US"/>
           </a:p>
@@ -2094,7 +2099,7 @@
           <a:p>
             <a:fld id="{AC0A374C-67DD-7B41-A977-89CB4768BCE6}" type="datetimeFigureOut">
               <a:rPr lang="en-US" smtClean="0"/>
-              <a:t>10/3/2022</a:t>
+              <a:t>10/4/2022</a:t>
             </a:fld>
             <a:endParaRPr lang="en-US"/>
           </a:p>
@@ -2405,7 +2410,7 @@
           <a:p>
             <a:fld id="{AC0A374C-67DD-7B41-A977-89CB4768BCE6}" type="datetimeFigureOut">
               <a:rPr lang="en-US" smtClean="0"/>
-              <a:t>10/3/2022</a:t>
+              <a:t>10/4/2022</a:t>
             </a:fld>
             <a:endParaRPr lang="en-US"/>
           </a:p>
@@ -2693,7 +2698,7 @@
           <a:p>
             <a:fld id="{AC0A374C-67DD-7B41-A977-89CB4768BCE6}" type="datetimeFigureOut">
               <a:rPr lang="en-US" smtClean="0"/>
-              <a:t>10/3/2022</a:t>
+              <a:t>10/4/2022</a:t>
             </a:fld>
             <a:endParaRPr lang="en-US"/>
           </a:p>
@@ -2934,7 +2939,7 @@
           <a:p>
             <a:fld id="{AC0A374C-67DD-7B41-A977-89CB4768BCE6}" type="datetimeFigureOut">
               <a:rPr lang="en-US" smtClean="0"/>
-              <a:t>10/3/2022</a:t>
+              <a:t>10/4/2022</a:t>
             </a:fld>
             <a:endParaRPr lang="en-US"/>
           </a:p>
@@ -18085,10 +18090,1324 @@
           <a:chExt cx="0" cy="0"/>
         </a:xfrm>
       </p:grpSpPr>
+      <p:sp>
+        <p:nvSpPr>
+          <p:cNvPr id="2" name="Title 1">
+            <a:extLst>
+              <a:ext uri="{FF2B5EF4-FFF2-40B4-BE49-F238E27FC236}">
+                <a16:creationId xmlns:a16="http://schemas.microsoft.com/office/drawing/2014/main" id="{6A56AD22-6B3F-98AD-D76E-B42E3A8BEF8B}"/>
+              </a:ext>
+            </a:extLst>
+          </p:cNvPr>
+          <p:cNvSpPr>
+            <a:spLocks noGrp="1"/>
+          </p:cNvSpPr>
+          <p:nvPr>
+            <p:ph type="title"/>
+          </p:nvPr>
+        </p:nvSpPr>
+        <p:spPr>
+          <a:xfrm>
+            <a:off x="838200" y="166718"/>
+            <a:ext cx="10515600" cy="411252"/>
+          </a:xfrm>
+        </p:spPr>
+        <p:txBody>
+          <a:bodyPr>
+            <a:normAutofit fontScale="90000"/>
+          </a:bodyPr>
+          <a:lstStyle/>
+          <a:p>
+            <a:pPr algn="ctr"/>
+            <a:r>
+              <a:rPr lang="en-US" sz="2400" b="1" dirty="0"/>
+              <a:t>b05</a:t>
+            </a:r>
+          </a:p>
+        </p:txBody>
+      </p:sp>
+      <p:pic>
+        <p:nvPicPr>
+          <p:cNvPr id="1026" name="Picture 2">
+            <a:extLst>
+              <a:ext uri="{FF2B5EF4-FFF2-40B4-BE49-F238E27FC236}">
+                <a16:creationId xmlns:a16="http://schemas.microsoft.com/office/drawing/2014/main" id="{61D73AFC-67DE-0C85-DA9A-0E662080D03C}"/>
+              </a:ext>
+            </a:extLst>
+          </p:cNvPr>
+          <p:cNvPicPr>
+            <a:picLocks noChangeAspect="1" noChangeArrowheads="1"/>
+          </p:cNvPicPr>
+          <p:nvPr/>
+        </p:nvPicPr>
+        <p:blipFill>
+          <a:blip r:embed="rId2">
+            <a:extLst>
+              <a:ext uri="{28A0092B-C50C-407E-A947-70E740481C1C}">
+                <a14:useLocalDpi xmlns:a14="http://schemas.microsoft.com/office/drawing/2010/main" val="0"/>
+              </a:ext>
+            </a:extLst>
+          </a:blip>
+          <a:srcRect/>
+          <a:stretch>
+            <a:fillRect/>
+          </a:stretch>
+        </p:blipFill>
+        <p:spPr bwMode="auto">
+          <a:xfrm>
+            <a:off x="6354074" y="4053247"/>
+            <a:ext cx="3474325" cy="2757308"/>
+          </a:xfrm>
+          <a:prstGeom prst="rect">
+            <a:avLst/>
+          </a:prstGeom>
+          <a:noFill/>
+          <a:extLst>
+            <a:ext uri="{909E8E84-426E-40DD-AFC4-6F175D3DCCD1}">
+              <a14:hiddenFill xmlns:a14="http://schemas.microsoft.com/office/drawing/2010/main">
+                <a:solidFill>
+                  <a:srgbClr val="FFFFFF"/>
+                </a:solidFill>
+              </a14:hiddenFill>
+            </a:ext>
+          </a:extLst>
+        </p:spPr>
+      </p:pic>
+      <p:pic>
+        <p:nvPicPr>
+          <p:cNvPr id="1028" name="Picture 4">
+            <a:extLst>
+              <a:ext uri="{FF2B5EF4-FFF2-40B4-BE49-F238E27FC236}">
+                <a16:creationId xmlns:a16="http://schemas.microsoft.com/office/drawing/2014/main" id="{CBD483F3-38C1-38C1-814C-C3428485D5C5}"/>
+              </a:ext>
+            </a:extLst>
+          </p:cNvPr>
+          <p:cNvPicPr>
+            <a:picLocks noChangeAspect="1" noChangeArrowheads="1"/>
+          </p:cNvPicPr>
+          <p:nvPr/>
+        </p:nvPicPr>
+        <p:blipFill>
+          <a:blip r:embed="rId3">
+            <a:extLst>
+              <a:ext uri="{28A0092B-C50C-407E-A947-70E740481C1C}">
+                <a14:useLocalDpi xmlns:a14="http://schemas.microsoft.com/office/drawing/2010/main" val="0"/>
+              </a:ext>
+            </a:extLst>
+          </a:blip>
+          <a:srcRect/>
+          <a:stretch>
+            <a:fillRect/>
+          </a:stretch>
+        </p:blipFill>
+        <p:spPr bwMode="auto">
+          <a:xfrm>
+            <a:off x="2144741" y="4053247"/>
+            <a:ext cx="3474325" cy="2757308"/>
+          </a:xfrm>
+          <a:prstGeom prst="rect">
+            <a:avLst/>
+          </a:prstGeom>
+          <a:noFill/>
+          <a:extLst>
+            <a:ext uri="{909E8E84-426E-40DD-AFC4-6F175D3DCCD1}">
+              <a14:hiddenFill xmlns:a14="http://schemas.microsoft.com/office/drawing/2010/main">
+                <a:solidFill>
+                  <a:srgbClr val="FFFFFF"/>
+                </a:solidFill>
+              </a14:hiddenFill>
+            </a:ext>
+          </a:extLst>
+        </p:spPr>
+      </p:pic>
+      <p:pic>
+        <p:nvPicPr>
+          <p:cNvPr id="1030" name="Picture 6">
+            <a:extLst>
+              <a:ext uri="{FF2B5EF4-FFF2-40B4-BE49-F238E27FC236}">
+                <a16:creationId xmlns:a16="http://schemas.microsoft.com/office/drawing/2014/main" id="{9BD7EAE0-EE9D-3C93-9581-3E2F236E7C61}"/>
+              </a:ext>
+            </a:extLst>
+          </p:cNvPr>
+          <p:cNvPicPr>
+            <a:picLocks noChangeAspect="1" noChangeArrowheads="1"/>
+          </p:cNvPicPr>
+          <p:nvPr/>
+        </p:nvPicPr>
+        <p:blipFill>
+          <a:blip r:embed="rId4">
+            <a:extLst>
+              <a:ext uri="{28A0092B-C50C-407E-A947-70E740481C1C}">
+                <a14:useLocalDpi xmlns:a14="http://schemas.microsoft.com/office/drawing/2010/main" val="0"/>
+              </a:ext>
+            </a:extLst>
+          </a:blip>
+          <a:srcRect/>
+          <a:stretch>
+            <a:fillRect/>
+          </a:stretch>
+        </p:blipFill>
+        <p:spPr bwMode="auto">
+          <a:xfrm>
+            <a:off x="108909" y="1052423"/>
+            <a:ext cx="3474325" cy="2757308"/>
+          </a:xfrm>
+          <a:prstGeom prst="rect">
+            <a:avLst/>
+          </a:prstGeom>
+          <a:noFill/>
+          <a:extLst>
+            <a:ext uri="{909E8E84-426E-40DD-AFC4-6F175D3DCCD1}">
+              <a14:hiddenFill xmlns:a14="http://schemas.microsoft.com/office/drawing/2010/main">
+                <a:solidFill>
+                  <a:srgbClr val="FFFFFF"/>
+                </a:solidFill>
+              </a14:hiddenFill>
+            </a:ext>
+          </a:extLst>
+        </p:spPr>
+      </p:pic>
+      <p:pic>
+        <p:nvPicPr>
+          <p:cNvPr id="1032" name="Picture 8">
+            <a:extLst>
+              <a:ext uri="{FF2B5EF4-FFF2-40B4-BE49-F238E27FC236}">
+                <a16:creationId xmlns:a16="http://schemas.microsoft.com/office/drawing/2014/main" id="{3C22B1ED-F69B-BAC8-1D4C-D3E1373F5710}"/>
+              </a:ext>
+            </a:extLst>
+          </p:cNvPr>
+          <p:cNvPicPr>
+            <a:picLocks noChangeAspect="1" noChangeArrowheads="1"/>
+          </p:cNvPicPr>
+          <p:nvPr/>
+        </p:nvPicPr>
+        <p:blipFill>
+          <a:blip r:embed="rId5">
+            <a:extLst>
+              <a:ext uri="{28A0092B-C50C-407E-A947-70E740481C1C}">
+                <a14:useLocalDpi xmlns:a14="http://schemas.microsoft.com/office/drawing/2010/main" val="0"/>
+              </a:ext>
+            </a:extLst>
+          </a:blip>
+          <a:srcRect/>
+          <a:stretch>
+            <a:fillRect/>
+          </a:stretch>
+        </p:blipFill>
+        <p:spPr bwMode="auto">
+          <a:xfrm>
+            <a:off x="4358837" y="1052423"/>
+            <a:ext cx="3474325" cy="2757308"/>
+          </a:xfrm>
+          <a:prstGeom prst="rect">
+            <a:avLst/>
+          </a:prstGeom>
+          <a:noFill/>
+          <a:extLst>
+            <a:ext uri="{909E8E84-426E-40DD-AFC4-6F175D3DCCD1}">
+              <a14:hiddenFill xmlns:a14="http://schemas.microsoft.com/office/drawing/2010/main">
+                <a:solidFill>
+                  <a:srgbClr val="FFFFFF"/>
+                </a:solidFill>
+              </a14:hiddenFill>
+            </a:ext>
+          </a:extLst>
+        </p:spPr>
+      </p:pic>
+      <p:pic>
+        <p:nvPicPr>
+          <p:cNvPr id="1034" name="Picture 10">
+            <a:extLst>
+              <a:ext uri="{FF2B5EF4-FFF2-40B4-BE49-F238E27FC236}">
+                <a16:creationId xmlns:a16="http://schemas.microsoft.com/office/drawing/2014/main" id="{895524D7-4D10-06F0-0DFE-6A700DBE2C84}"/>
+              </a:ext>
+            </a:extLst>
+          </p:cNvPr>
+          <p:cNvPicPr>
+            <a:picLocks noChangeAspect="1" noChangeArrowheads="1"/>
+          </p:cNvPicPr>
+          <p:nvPr/>
+        </p:nvPicPr>
+        <p:blipFill>
+          <a:blip r:embed="rId6">
+            <a:extLst>
+              <a:ext uri="{28A0092B-C50C-407E-A947-70E740481C1C}">
+                <a14:useLocalDpi xmlns:a14="http://schemas.microsoft.com/office/drawing/2010/main" val="0"/>
+              </a:ext>
+            </a:extLst>
+          </a:blip>
+          <a:srcRect/>
+          <a:stretch>
+            <a:fillRect/>
+          </a:stretch>
+        </p:blipFill>
+        <p:spPr bwMode="auto">
+          <a:xfrm>
+            <a:off x="8243618" y="1052423"/>
+            <a:ext cx="3474325" cy="2757308"/>
+          </a:xfrm>
+          <a:prstGeom prst="rect">
+            <a:avLst/>
+          </a:prstGeom>
+          <a:noFill/>
+          <a:extLst>
+            <a:ext uri="{909E8E84-426E-40DD-AFC4-6F175D3DCCD1}">
+              <a14:hiddenFill xmlns:a14="http://schemas.microsoft.com/office/drawing/2010/main">
+                <a:solidFill>
+                  <a:srgbClr val="FFFFFF"/>
+                </a:solidFill>
+              </a14:hiddenFill>
+            </a:ext>
+          </a:extLst>
+        </p:spPr>
+      </p:pic>
+      <p:sp>
+        <p:nvSpPr>
+          <p:cNvPr id="3" name="TextBox 2">
+            <a:extLst>
+              <a:ext uri="{FF2B5EF4-FFF2-40B4-BE49-F238E27FC236}">
+                <a16:creationId xmlns:a16="http://schemas.microsoft.com/office/drawing/2014/main" id="{20A65CA9-F6F6-7A6C-D817-9D4CD45908F4}"/>
+              </a:ext>
+            </a:extLst>
+          </p:cNvPr>
+          <p:cNvSpPr txBox="1"/>
+          <p:nvPr/>
+        </p:nvSpPr>
+        <p:spPr>
+          <a:xfrm>
+            <a:off x="224286" y="624241"/>
+            <a:ext cx="1398524" cy="369332"/>
+          </a:xfrm>
+          <a:prstGeom prst="rect">
+            <a:avLst/>
+          </a:prstGeom>
+          <a:noFill/>
+        </p:spPr>
+        <p:txBody>
+          <a:bodyPr wrap="none" rtlCol="0">
+            <a:spAutoFit/>
+          </a:bodyPr>
+          <a:lstStyle/>
+          <a:p>
+            <a:r>
+              <a:rPr lang="en-US" dirty="0"/>
+              <a:t>Most flexible</a:t>
+            </a:r>
+          </a:p>
+        </p:txBody>
+      </p:sp>
+      <p:sp>
+        <p:nvSpPr>
+          <p:cNvPr id="4" name="TextBox 3">
+            <a:extLst>
+              <a:ext uri="{FF2B5EF4-FFF2-40B4-BE49-F238E27FC236}">
+                <a16:creationId xmlns:a16="http://schemas.microsoft.com/office/drawing/2014/main" id="{79D208C9-F982-B295-1049-56F6FEE0F9C7}"/>
+              </a:ext>
+            </a:extLst>
+          </p:cNvPr>
+          <p:cNvSpPr txBox="1"/>
+          <p:nvPr/>
+        </p:nvSpPr>
+        <p:spPr>
+          <a:xfrm>
+            <a:off x="10417833" y="6441223"/>
+            <a:ext cx="1438599" cy="369332"/>
+          </a:xfrm>
+          <a:prstGeom prst="rect">
+            <a:avLst/>
+          </a:prstGeom>
+          <a:noFill/>
+        </p:spPr>
+        <p:txBody>
+          <a:bodyPr wrap="none" rtlCol="0">
+            <a:spAutoFit/>
+          </a:bodyPr>
+          <a:lstStyle/>
+          <a:p>
+            <a:r>
+              <a:rPr lang="en-US" dirty="0"/>
+              <a:t>Least Flexible</a:t>
+            </a:r>
+          </a:p>
+        </p:txBody>
+      </p:sp>
     </p:spTree>
     <p:extLst>
       <p:ext uri="{BB962C8B-B14F-4D97-AF65-F5344CB8AC3E}">
-        <p14:creationId xmlns:p14="http://schemas.microsoft.com/office/powerpoint/2010/main" val="1629042788"/>
+        <p14:creationId xmlns:p14="http://schemas.microsoft.com/office/powerpoint/2010/main" val="4271519835"/>
+      </p:ext>
+    </p:extLst>
+  </p:cSld>
+  <p:clrMapOvr>
+    <a:masterClrMapping/>
+  </p:clrMapOvr>
+</p:sld>
+</file>
+
+<file path=ppt/slides/slide27.xml><?xml version="1.0" encoding="utf-8"?>
+<p:sld xmlns:a="http://schemas.openxmlformats.org/drawingml/2006/main" xmlns:r="http://schemas.openxmlformats.org/officeDocument/2006/relationships" xmlns:p="http://schemas.openxmlformats.org/presentationml/2006/main">
+  <p:cSld>
+    <p:spTree>
+      <p:nvGrpSpPr>
+        <p:cNvPr id="1" name=""/>
+        <p:cNvGrpSpPr/>
+        <p:nvPr/>
+      </p:nvGrpSpPr>
+      <p:grpSpPr>
+        <a:xfrm>
+          <a:off x="0" y="0"/>
+          <a:ext cx="0" cy="0"/>
+          <a:chOff x="0" y="0"/>
+          <a:chExt cx="0" cy="0"/>
+        </a:xfrm>
+      </p:grpSpPr>
+      <p:sp>
+        <p:nvSpPr>
+          <p:cNvPr id="2" name="Title 1">
+            <a:extLst>
+              <a:ext uri="{FF2B5EF4-FFF2-40B4-BE49-F238E27FC236}">
+                <a16:creationId xmlns:a16="http://schemas.microsoft.com/office/drawing/2014/main" id="{6A56AD22-6B3F-98AD-D76E-B42E3A8BEF8B}"/>
+              </a:ext>
+            </a:extLst>
+          </p:cNvPr>
+          <p:cNvSpPr>
+            <a:spLocks noGrp="1"/>
+          </p:cNvSpPr>
+          <p:nvPr>
+            <p:ph type="title"/>
+          </p:nvPr>
+        </p:nvSpPr>
+        <p:spPr>
+          <a:xfrm>
+            <a:off x="838200" y="166718"/>
+            <a:ext cx="10515600" cy="411252"/>
+          </a:xfrm>
+        </p:spPr>
+        <p:txBody>
+          <a:bodyPr>
+            <a:normAutofit fontScale="90000"/>
+          </a:bodyPr>
+          <a:lstStyle/>
+          <a:p>
+            <a:pPr algn="ctr"/>
+            <a:r>
+              <a:rPr lang="en-US" sz="2400" b="1" dirty="0"/>
+              <a:t>b05</a:t>
+            </a:r>
+          </a:p>
+        </p:txBody>
+      </p:sp>
+      <p:sp>
+        <p:nvSpPr>
+          <p:cNvPr id="3" name="TextBox 2">
+            <a:extLst>
+              <a:ext uri="{FF2B5EF4-FFF2-40B4-BE49-F238E27FC236}">
+                <a16:creationId xmlns:a16="http://schemas.microsoft.com/office/drawing/2014/main" id="{54E7E00A-5771-DDE0-47F1-33B2D0263447}"/>
+              </a:ext>
+            </a:extLst>
+          </p:cNvPr>
+          <p:cNvSpPr txBox="1"/>
+          <p:nvPr/>
+        </p:nvSpPr>
+        <p:spPr>
+          <a:xfrm>
+            <a:off x="224286" y="624241"/>
+            <a:ext cx="1398524" cy="369332"/>
+          </a:xfrm>
+          <a:prstGeom prst="rect">
+            <a:avLst/>
+          </a:prstGeom>
+          <a:noFill/>
+        </p:spPr>
+        <p:txBody>
+          <a:bodyPr wrap="none" rtlCol="0">
+            <a:spAutoFit/>
+          </a:bodyPr>
+          <a:lstStyle/>
+          <a:p>
+            <a:r>
+              <a:rPr lang="en-US" dirty="0"/>
+              <a:t>Most flexible</a:t>
+            </a:r>
+          </a:p>
+        </p:txBody>
+      </p:sp>
+      <p:sp>
+        <p:nvSpPr>
+          <p:cNvPr id="4" name="TextBox 3">
+            <a:extLst>
+              <a:ext uri="{FF2B5EF4-FFF2-40B4-BE49-F238E27FC236}">
+                <a16:creationId xmlns:a16="http://schemas.microsoft.com/office/drawing/2014/main" id="{CA84B29A-E2FC-599A-7814-9382CDF18A8F}"/>
+              </a:ext>
+            </a:extLst>
+          </p:cNvPr>
+          <p:cNvSpPr txBox="1"/>
+          <p:nvPr/>
+        </p:nvSpPr>
+        <p:spPr>
+          <a:xfrm>
+            <a:off x="10417833" y="6441223"/>
+            <a:ext cx="1438599" cy="369332"/>
+          </a:xfrm>
+          <a:prstGeom prst="rect">
+            <a:avLst/>
+          </a:prstGeom>
+          <a:noFill/>
+        </p:spPr>
+        <p:txBody>
+          <a:bodyPr wrap="none" rtlCol="0">
+            <a:spAutoFit/>
+          </a:bodyPr>
+          <a:lstStyle/>
+          <a:p>
+            <a:r>
+              <a:rPr lang="en-US" dirty="0"/>
+              <a:t>Least Flexible</a:t>
+            </a:r>
+          </a:p>
+        </p:txBody>
+      </p:sp>
+      <p:pic>
+        <p:nvPicPr>
+          <p:cNvPr id="2050" name="Picture 2">
+            <a:extLst>
+              <a:ext uri="{FF2B5EF4-FFF2-40B4-BE49-F238E27FC236}">
+                <a16:creationId xmlns:a16="http://schemas.microsoft.com/office/drawing/2014/main" id="{E3BFA327-C523-2FDB-88DB-46344E10B264}"/>
+              </a:ext>
+            </a:extLst>
+          </p:cNvPr>
+          <p:cNvPicPr>
+            <a:picLocks noChangeAspect="1" noChangeArrowheads="1"/>
+          </p:cNvPicPr>
+          <p:nvPr/>
+        </p:nvPicPr>
+        <p:blipFill>
+          <a:blip r:embed="rId2">
+            <a:extLst>
+              <a:ext uri="{28A0092B-C50C-407E-A947-70E740481C1C}">
+                <a14:useLocalDpi xmlns:a14="http://schemas.microsoft.com/office/drawing/2010/main" val="0"/>
+              </a:ext>
+            </a:extLst>
+          </a:blip>
+          <a:srcRect/>
+          <a:stretch>
+            <a:fillRect/>
+          </a:stretch>
+        </p:blipFill>
+        <p:spPr bwMode="auto">
+          <a:xfrm>
+            <a:off x="284507" y="1039843"/>
+            <a:ext cx="3734787" cy="2793963"/>
+          </a:xfrm>
+          <a:prstGeom prst="rect">
+            <a:avLst/>
+          </a:prstGeom>
+          <a:noFill/>
+          <a:extLst>
+            <a:ext uri="{909E8E84-426E-40DD-AFC4-6F175D3DCCD1}">
+              <a14:hiddenFill xmlns:a14="http://schemas.microsoft.com/office/drawing/2010/main">
+                <a:solidFill>
+                  <a:srgbClr val="FFFFFF"/>
+                </a:solidFill>
+              </a14:hiddenFill>
+            </a:ext>
+          </a:extLst>
+        </p:spPr>
+      </p:pic>
+      <p:pic>
+        <p:nvPicPr>
+          <p:cNvPr id="2052" name="Picture 4">
+            <a:extLst>
+              <a:ext uri="{FF2B5EF4-FFF2-40B4-BE49-F238E27FC236}">
+                <a16:creationId xmlns:a16="http://schemas.microsoft.com/office/drawing/2014/main" id="{B6B988D7-518F-81BB-2BA4-EBA4A4967ABA}"/>
+              </a:ext>
+            </a:extLst>
+          </p:cNvPr>
+          <p:cNvPicPr>
+            <a:picLocks noChangeAspect="1" noChangeArrowheads="1"/>
+          </p:cNvPicPr>
+          <p:nvPr/>
+        </p:nvPicPr>
+        <p:blipFill>
+          <a:blip r:embed="rId3">
+            <a:extLst>
+              <a:ext uri="{28A0092B-C50C-407E-A947-70E740481C1C}">
+                <a14:useLocalDpi xmlns:a14="http://schemas.microsoft.com/office/drawing/2010/main" val="0"/>
+              </a:ext>
+            </a:extLst>
+          </a:blip>
+          <a:srcRect/>
+          <a:stretch>
+            <a:fillRect/>
+          </a:stretch>
+        </p:blipFill>
+        <p:spPr bwMode="auto">
+          <a:xfrm>
+            <a:off x="4258716" y="1039843"/>
+            <a:ext cx="3734787" cy="2793963"/>
+          </a:xfrm>
+          <a:prstGeom prst="rect">
+            <a:avLst/>
+          </a:prstGeom>
+          <a:noFill/>
+          <a:extLst>
+            <a:ext uri="{909E8E84-426E-40DD-AFC4-6F175D3DCCD1}">
+              <a14:hiddenFill xmlns:a14="http://schemas.microsoft.com/office/drawing/2010/main">
+                <a:solidFill>
+                  <a:srgbClr val="FFFFFF"/>
+                </a:solidFill>
+              </a14:hiddenFill>
+            </a:ext>
+          </a:extLst>
+        </p:spPr>
+      </p:pic>
+      <p:pic>
+        <p:nvPicPr>
+          <p:cNvPr id="2054" name="Picture 6">
+            <a:extLst>
+              <a:ext uri="{FF2B5EF4-FFF2-40B4-BE49-F238E27FC236}">
+                <a16:creationId xmlns:a16="http://schemas.microsoft.com/office/drawing/2014/main" id="{C7A932E8-82D9-FEFC-4226-FD35F872449D}"/>
+              </a:ext>
+            </a:extLst>
+          </p:cNvPr>
+          <p:cNvPicPr>
+            <a:picLocks noChangeAspect="1" noChangeArrowheads="1"/>
+          </p:cNvPicPr>
+          <p:nvPr/>
+        </p:nvPicPr>
+        <p:blipFill>
+          <a:blip r:embed="rId4">
+            <a:extLst>
+              <a:ext uri="{28A0092B-C50C-407E-A947-70E740481C1C}">
+                <a14:useLocalDpi xmlns:a14="http://schemas.microsoft.com/office/drawing/2010/main" val="0"/>
+              </a:ext>
+            </a:extLst>
+          </a:blip>
+          <a:srcRect/>
+          <a:stretch>
+            <a:fillRect/>
+          </a:stretch>
+        </p:blipFill>
+        <p:spPr bwMode="auto">
+          <a:xfrm>
+            <a:off x="8232926" y="1039844"/>
+            <a:ext cx="3734788" cy="2793964"/>
+          </a:xfrm>
+          <a:prstGeom prst="rect">
+            <a:avLst/>
+          </a:prstGeom>
+          <a:noFill/>
+          <a:extLst>
+            <a:ext uri="{909E8E84-426E-40DD-AFC4-6F175D3DCCD1}">
+              <a14:hiddenFill xmlns:a14="http://schemas.microsoft.com/office/drawing/2010/main">
+                <a:solidFill>
+                  <a:srgbClr val="FFFFFF"/>
+                </a:solidFill>
+              </a14:hiddenFill>
+            </a:ext>
+          </a:extLst>
+        </p:spPr>
+      </p:pic>
+      <p:pic>
+        <p:nvPicPr>
+          <p:cNvPr id="2056" name="Picture 8">
+            <a:extLst>
+              <a:ext uri="{FF2B5EF4-FFF2-40B4-BE49-F238E27FC236}">
+                <a16:creationId xmlns:a16="http://schemas.microsoft.com/office/drawing/2014/main" id="{EE397A7B-5F8A-430F-3AFA-6B4B5D5F4A78}"/>
+              </a:ext>
+            </a:extLst>
+          </p:cNvPr>
+          <p:cNvPicPr>
+            <a:picLocks noChangeAspect="1" noChangeArrowheads="1"/>
+          </p:cNvPicPr>
+          <p:nvPr/>
+        </p:nvPicPr>
+        <p:blipFill>
+          <a:blip r:embed="rId5">
+            <a:extLst>
+              <a:ext uri="{28A0092B-C50C-407E-A947-70E740481C1C}">
+                <a14:useLocalDpi xmlns:a14="http://schemas.microsoft.com/office/drawing/2010/main" val="0"/>
+              </a:ext>
+            </a:extLst>
+          </a:blip>
+          <a:srcRect/>
+          <a:stretch>
+            <a:fillRect/>
+          </a:stretch>
+        </p:blipFill>
+        <p:spPr bwMode="auto">
+          <a:xfrm>
+            <a:off x="1711495" y="3964557"/>
+            <a:ext cx="3734789" cy="2793964"/>
+          </a:xfrm>
+          <a:prstGeom prst="rect">
+            <a:avLst/>
+          </a:prstGeom>
+          <a:noFill/>
+          <a:extLst>
+            <a:ext uri="{909E8E84-426E-40DD-AFC4-6F175D3DCCD1}">
+              <a14:hiddenFill xmlns:a14="http://schemas.microsoft.com/office/drawing/2010/main">
+                <a:solidFill>
+                  <a:srgbClr val="FFFFFF"/>
+                </a:solidFill>
+              </a14:hiddenFill>
+            </a:ext>
+          </a:extLst>
+        </p:spPr>
+      </p:pic>
+      <p:pic>
+        <p:nvPicPr>
+          <p:cNvPr id="2058" name="Picture 10">
+            <a:extLst>
+              <a:ext uri="{FF2B5EF4-FFF2-40B4-BE49-F238E27FC236}">
+                <a16:creationId xmlns:a16="http://schemas.microsoft.com/office/drawing/2014/main" id="{05511EBD-0176-F0F6-6577-8D1D07DC2F59}"/>
+              </a:ext>
+            </a:extLst>
+          </p:cNvPr>
+          <p:cNvPicPr>
+            <a:picLocks noChangeAspect="1" noChangeArrowheads="1"/>
+          </p:cNvPicPr>
+          <p:nvPr/>
+        </p:nvPicPr>
+        <p:blipFill>
+          <a:blip r:embed="rId6">
+            <a:extLst>
+              <a:ext uri="{28A0092B-C50C-407E-A947-70E740481C1C}">
+                <a14:useLocalDpi xmlns:a14="http://schemas.microsoft.com/office/drawing/2010/main" val="0"/>
+              </a:ext>
+            </a:extLst>
+          </a:blip>
+          <a:srcRect/>
+          <a:stretch>
+            <a:fillRect/>
+          </a:stretch>
+        </p:blipFill>
+        <p:spPr bwMode="auto">
+          <a:xfrm>
+            <a:off x="5961302" y="3964557"/>
+            <a:ext cx="3734789" cy="2793964"/>
+          </a:xfrm>
+          <a:prstGeom prst="rect">
+            <a:avLst/>
+          </a:prstGeom>
+          <a:noFill/>
+          <a:extLst>
+            <a:ext uri="{909E8E84-426E-40DD-AFC4-6F175D3DCCD1}">
+              <a14:hiddenFill xmlns:a14="http://schemas.microsoft.com/office/drawing/2010/main">
+                <a:solidFill>
+                  <a:srgbClr val="FFFFFF"/>
+                </a:solidFill>
+              </a14:hiddenFill>
+            </a:ext>
+          </a:extLst>
+        </p:spPr>
+      </p:pic>
+    </p:spTree>
+    <p:extLst>
+      <p:ext uri="{BB962C8B-B14F-4D97-AF65-F5344CB8AC3E}">
+        <p14:creationId xmlns:p14="http://schemas.microsoft.com/office/powerpoint/2010/main" val="1455075565"/>
+      </p:ext>
+    </p:extLst>
+  </p:cSld>
+  <p:clrMapOvr>
+    <a:masterClrMapping/>
+  </p:clrMapOvr>
+</p:sld>
+</file>
+
+<file path=ppt/slides/slide28.xml><?xml version="1.0" encoding="utf-8"?>
+<p:sld xmlns:a="http://schemas.openxmlformats.org/drawingml/2006/main" xmlns:r="http://schemas.openxmlformats.org/officeDocument/2006/relationships" xmlns:p="http://schemas.openxmlformats.org/presentationml/2006/main">
+  <p:cSld>
+    <p:spTree>
+      <p:nvGrpSpPr>
+        <p:cNvPr id="1" name=""/>
+        <p:cNvGrpSpPr/>
+        <p:nvPr/>
+      </p:nvGrpSpPr>
+      <p:grpSpPr>
+        <a:xfrm>
+          <a:off x="0" y="0"/>
+          <a:ext cx="0" cy="0"/>
+          <a:chOff x="0" y="0"/>
+          <a:chExt cx="0" cy="0"/>
+        </a:xfrm>
+      </p:grpSpPr>
+      <p:sp>
+        <p:nvSpPr>
+          <p:cNvPr id="2" name="Title 1">
+            <a:extLst>
+              <a:ext uri="{FF2B5EF4-FFF2-40B4-BE49-F238E27FC236}">
+                <a16:creationId xmlns:a16="http://schemas.microsoft.com/office/drawing/2014/main" id="{6A56AD22-6B3F-98AD-D76E-B42E3A8BEF8B}"/>
+              </a:ext>
+            </a:extLst>
+          </p:cNvPr>
+          <p:cNvSpPr>
+            <a:spLocks noGrp="1"/>
+          </p:cNvSpPr>
+          <p:nvPr>
+            <p:ph type="title"/>
+          </p:nvPr>
+        </p:nvSpPr>
+        <p:spPr>
+          <a:xfrm>
+            <a:off x="838200" y="166718"/>
+            <a:ext cx="10515600" cy="411252"/>
+          </a:xfrm>
+        </p:spPr>
+        <p:txBody>
+          <a:bodyPr>
+            <a:normAutofit fontScale="90000"/>
+          </a:bodyPr>
+          <a:lstStyle/>
+          <a:p>
+            <a:pPr algn="ctr"/>
+            <a:r>
+              <a:rPr lang="en-US" sz="2400" b="1" dirty="0"/>
+              <a:t>b10</a:t>
+            </a:r>
+          </a:p>
+        </p:txBody>
+      </p:sp>
+      <p:pic>
+        <p:nvPicPr>
+          <p:cNvPr id="4098" name="Picture 2">
+            <a:extLst>
+              <a:ext uri="{FF2B5EF4-FFF2-40B4-BE49-F238E27FC236}">
+                <a16:creationId xmlns:a16="http://schemas.microsoft.com/office/drawing/2014/main" id="{CA712A5B-27BC-ACA6-B8CC-57BCD355B4A3}"/>
+              </a:ext>
+            </a:extLst>
+          </p:cNvPr>
+          <p:cNvPicPr>
+            <a:picLocks noChangeAspect="1" noChangeArrowheads="1"/>
+          </p:cNvPicPr>
+          <p:nvPr/>
+        </p:nvPicPr>
+        <p:blipFill>
+          <a:blip r:embed="rId2">
+            <a:extLst>
+              <a:ext uri="{28A0092B-C50C-407E-A947-70E740481C1C}">
+                <a14:useLocalDpi xmlns:a14="http://schemas.microsoft.com/office/drawing/2010/main" val="0"/>
+              </a:ext>
+            </a:extLst>
+          </a:blip>
+          <a:srcRect/>
+          <a:stretch>
+            <a:fillRect/>
+          </a:stretch>
+        </p:blipFill>
+        <p:spPr bwMode="auto">
+          <a:xfrm>
+            <a:off x="298689" y="710246"/>
+            <a:ext cx="3738472" cy="2966942"/>
+          </a:xfrm>
+          <a:prstGeom prst="rect">
+            <a:avLst/>
+          </a:prstGeom>
+          <a:noFill/>
+          <a:extLst>
+            <a:ext uri="{909E8E84-426E-40DD-AFC4-6F175D3DCCD1}">
+              <a14:hiddenFill xmlns:a14="http://schemas.microsoft.com/office/drawing/2010/main">
+                <a:solidFill>
+                  <a:srgbClr val="FFFFFF"/>
+                </a:solidFill>
+              </a14:hiddenFill>
+            </a:ext>
+          </a:extLst>
+        </p:spPr>
+      </p:pic>
+      <p:pic>
+        <p:nvPicPr>
+          <p:cNvPr id="4100" name="Picture 4">
+            <a:extLst>
+              <a:ext uri="{FF2B5EF4-FFF2-40B4-BE49-F238E27FC236}">
+                <a16:creationId xmlns:a16="http://schemas.microsoft.com/office/drawing/2014/main" id="{BD07AC80-AFC5-DFCD-E96F-421C15A932C2}"/>
+              </a:ext>
+            </a:extLst>
+          </p:cNvPr>
+          <p:cNvPicPr>
+            <a:picLocks noChangeAspect="1" noChangeArrowheads="1"/>
+          </p:cNvPicPr>
+          <p:nvPr/>
+        </p:nvPicPr>
+        <p:blipFill>
+          <a:blip r:embed="rId3">
+            <a:extLst>
+              <a:ext uri="{28A0092B-C50C-407E-A947-70E740481C1C}">
+                <a14:useLocalDpi xmlns:a14="http://schemas.microsoft.com/office/drawing/2010/main" val="0"/>
+              </a:ext>
+            </a:extLst>
+          </a:blip>
+          <a:srcRect/>
+          <a:stretch>
+            <a:fillRect/>
+          </a:stretch>
+        </p:blipFill>
+        <p:spPr bwMode="auto">
+          <a:xfrm>
+            <a:off x="4266840" y="710246"/>
+            <a:ext cx="3738472" cy="2966942"/>
+          </a:xfrm>
+          <a:prstGeom prst="rect">
+            <a:avLst/>
+          </a:prstGeom>
+          <a:noFill/>
+          <a:extLst>
+            <a:ext uri="{909E8E84-426E-40DD-AFC4-6F175D3DCCD1}">
+              <a14:hiddenFill xmlns:a14="http://schemas.microsoft.com/office/drawing/2010/main">
+                <a:solidFill>
+                  <a:srgbClr val="FFFFFF"/>
+                </a:solidFill>
+              </a14:hiddenFill>
+            </a:ext>
+          </a:extLst>
+        </p:spPr>
+      </p:pic>
+      <p:pic>
+        <p:nvPicPr>
+          <p:cNvPr id="4102" name="Picture 6">
+            <a:extLst>
+              <a:ext uri="{FF2B5EF4-FFF2-40B4-BE49-F238E27FC236}">
+                <a16:creationId xmlns:a16="http://schemas.microsoft.com/office/drawing/2014/main" id="{480CA860-B2A2-C5C9-1522-9A8528A309EB}"/>
+              </a:ext>
+            </a:extLst>
+          </p:cNvPr>
+          <p:cNvPicPr>
+            <a:picLocks noChangeAspect="1" noChangeArrowheads="1"/>
+          </p:cNvPicPr>
+          <p:nvPr/>
+        </p:nvPicPr>
+        <p:blipFill>
+          <a:blip r:embed="rId4">
+            <a:extLst>
+              <a:ext uri="{28A0092B-C50C-407E-A947-70E740481C1C}">
+                <a14:useLocalDpi xmlns:a14="http://schemas.microsoft.com/office/drawing/2010/main" val="0"/>
+              </a:ext>
+            </a:extLst>
+          </a:blip>
+          <a:srcRect/>
+          <a:stretch>
+            <a:fillRect/>
+          </a:stretch>
+        </p:blipFill>
+        <p:spPr bwMode="auto">
+          <a:xfrm>
+            <a:off x="8234991" y="739271"/>
+            <a:ext cx="3738472" cy="2966942"/>
+          </a:xfrm>
+          <a:prstGeom prst="rect">
+            <a:avLst/>
+          </a:prstGeom>
+          <a:noFill/>
+          <a:extLst>
+            <a:ext uri="{909E8E84-426E-40DD-AFC4-6F175D3DCCD1}">
+              <a14:hiddenFill xmlns:a14="http://schemas.microsoft.com/office/drawing/2010/main">
+                <a:solidFill>
+                  <a:srgbClr val="FFFFFF"/>
+                </a:solidFill>
+              </a14:hiddenFill>
+            </a:ext>
+          </a:extLst>
+        </p:spPr>
+      </p:pic>
+      <p:pic>
+        <p:nvPicPr>
+          <p:cNvPr id="4104" name="Picture 8">
+            <a:extLst>
+              <a:ext uri="{FF2B5EF4-FFF2-40B4-BE49-F238E27FC236}">
+                <a16:creationId xmlns:a16="http://schemas.microsoft.com/office/drawing/2014/main" id="{F243BABF-921B-16B0-3B20-A2870FB3F543}"/>
+              </a:ext>
+            </a:extLst>
+          </p:cNvPr>
+          <p:cNvPicPr>
+            <a:picLocks noChangeAspect="1" noChangeArrowheads="1"/>
+          </p:cNvPicPr>
+          <p:nvPr/>
+        </p:nvPicPr>
+        <p:blipFill>
+          <a:blip r:embed="rId5">
+            <a:extLst>
+              <a:ext uri="{28A0092B-C50C-407E-A947-70E740481C1C}">
+                <a14:useLocalDpi xmlns:a14="http://schemas.microsoft.com/office/drawing/2010/main" val="0"/>
+              </a:ext>
+            </a:extLst>
+          </a:blip>
+          <a:srcRect/>
+          <a:stretch>
+            <a:fillRect/>
+          </a:stretch>
+        </p:blipFill>
+        <p:spPr bwMode="auto">
+          <a:xfrm>
+            <a:off x="1962868" y="3708282"/>
+            <a:ext cx="3738472" cy="2966942"/>
+          </a:xfrm>
+          <a:prstGeom prst="rect">
+            <a:avLst/>
+          </a:prstGeom>
+          <a:noFill/>
+          <a:extLst>
+            <a:ext uri="{909E8E84-426E-40DD-AFC4-6F175D3DCCD1}">
+              <a14:hiddenFill xmlns:a14="http://schemas.microsoft.com/office/drawing/2010/main">
+                <a:solidFill>
+                  <a:srgbClr val="FFFFFF"/>
+                </a:solidFill>
+              </a14:hiddenFill>
+            </a:ext>
+          </a:extLst>
+        </p:spPr>
+      </p:pic>
+      <p:pic>
+        <p:nvPicPr>
+          <p:cNvPr id="4106" name="Picture 10">
+            <a:extLst>
+              <a:ext uri="{FF2B5EF4-FFF2-40B4-BE49-F238E27FC236}">
+                <a16:creationId xmlns:a16="http://schemas.microsoft.com/office/drawing/2014/main" id="{DA5C1E3E-DB90-AAE9-0970-BE11BDA68150}"/>
+              </a:ext>
+            </a:extLst>
+          </p:cNvPr>
+          <p:cNvPicPr>
+            <a:picLocks noChangeAspect="1" noChangeArrowheads="1"/>
+          </p:cNvPicPr>
+          <p:nvPr/>
+        </p:nvPicPr>
+        <p:blipFill>
+          <a:blip r:embed="rId6">
+            <a:extLst>
+              <a:ext uri="{28A0092B-C50C-407E-A947-70E740481C1C}">
+                <a14:useLocalDpi xmlns:a14="http://schemas.microsoft.com/office/drawing/2010/main" val="0"/>
+              </a:ext>
+            </a:extLst>
+          </a:blip>
+          <a:srcRect/>
+          <a:stretch>
+            <a:fillRect/>
+          </a:stretch>
+        </p:blipFill>
+        <p:spPr bwMode="auto">
+          <a:xfrm>
+            <a:off x="5931019" y="3706213"/>
+            <a:ext cx="3738472" cy="2966942"/>
+          </a:xfrm>
+          <a:prstGeom prst="rect">
+            <a:avLst/>
+          </a:prstGeom>
+          <a:noFill/>
+          <a:extLst>
+            <a:ext uri="{909E8E84-426E-40DD-AFC4-6F175D3DCCD1}">
+              <a14:hiddenFill xmlns:a14="http://schemas.microsoft.com/office/drawing/2010/main">
+                <a:solidFill>
+                  <a:srgbClr val="FFFFFF"/>
+                </a:solidFill>
+              </a14:hiddenFill>
+            </a:ext>
+          </a:extLst>
+        </p:spPr>
+      </p:pic>
+    </p:spTree>
+    <p:extLst>
+      <p:ext uri="{BB962C8B-B14F-4D97-AF65-F5344CB8AC3E}">
+        <p14:creationId xmlns:p14="http://schemas.microsoft.com/office/powerpoint/2010/main" val="1725207852"/>
+      </p:ext>
+    </p:extLst>
+  </p:cSld>
+  <p:clrMapOvr>
+    <a:masterClrMapping/>
+  </p:clrMapOvr>
+</p:sld>
+</file>
+
+<file path=ppt/slides/slide29.xml><?xml version="1.0" encoding="utf-8"?>
+<p:sld xmlns:a="http://schemas.openxmlformats.org/drawingml/2006/main" xmlns:r="http://schemas.openxmlformats.org/officeDocument/2006/relationships" xmlns:p="http://schemas.openxmlformats.org/presentationml/2006/main">
+  <p:cSld>
+    <p:spTree>
+      <p:nvGrpSpPr>
+        <p:cNvPr id="1" name=""/>
+        <p:cNvGrpSpPr/>
+        <p:nvPr/>
+      </p:nvGrpSpPr>
+      <p:grpSpPr>
+        <a:xfrm>
+          <a:off x="0" y="0"/>
+          <a:ext cx="0" cy="0"/>
+          <a:chOff x="0" y="0"/>
+          <a:chExt cx="0" cy="0"/>
+        </a:xfrm>
+      </p:grpSpPr>
+      <p:sp>
+        <p:nvSpPr>
+          <p:cNvPr id="2" name="Title 1">
+            <a:extLst>
+              <a:ext uri="{FF2B5EF4-FFF2-40B4-BE49-F238E27FC236}">
+                <a16:creationId xmlns:a16="http://schemas.microsoft.com/office/drawing/2014/main" id="{6A56AD22-6B3F-98AD-D76E-B42E3A8BEF8B}"/>
+              </a:ext>
+            </a:extLst>
+          </p:cNvPr>
+          <p:cNvSpPr>
+            <a:spLocks noGrp="1"/>
+          </p:cNvSpPr>
+          <p:nvPr>
+            <p:ph type="title"/>
+          </p:nvPr>
+        </p:nvSpPr>
+        <p:spPr>
+          <a:xfrm>
+            <a:off x="838200" y="166718"/>
+            <a:ext cx="10515600" cy="411252"/>
+          </a:xfrm>
+        </p:spPr>
+        <p:txBody>
+          <a:bodyPr>
+            <a:normAutofit fontScale="90000"/>
+          </a:bodyPr>
+          <a:lstStyle/>
+          <a:p>
+            <a:pPr algn="ctr"/>
+            <a:r>
+              <a:rPr lang="en-US" sz="2400" b="1" dirty="0"/>
+              <a:t>b10</a:t>
+            </a:r>
+          </a:p>
+        </p:txBody>
+      </p:sp>
+      <p:pic>
+        <p:nvPicPr>
+          <p:cNvPr id="3074" name="Picture 2">
+            <a:extLst>
+              <a:ext uri="{FF2B5EF4-FFF2-40B4-BE49-F238E27FC236}">
+                <a16:creationId xmlns:a16="http://schemas.microsoft.com/office/drawing/2014/main" id="{BB65A38D-6091-2ED4-1808-8470593195F3}"/>
+              </a:ext>
+            </a:extLst>
+          </p:cNvPr>
+          <p:cNvPicPr>
+            <a:picLocks noChangeAspect="1" noChangeArrowheads="1"/>
+          </p:cNvPicPr>
+          <p:nvPr/>
+        </p:nvPicPr>
+        <p:blipFill>
+          <a:blip r:embed="rId2">
+            <a:extLst>
+              <a:ext uri="{28A0092B-C50C-407E-A947-70E740481C1C}">
+                <a14:useLocalDpi xmlns:a14="http://schemas.microsoft.com/office/drawing/2010/main" val="0"/>
+              </a:ext>
+            </a:extLst>
+          </a:blip>
+          <a:srcRect/>
+          <a:stretch>
+            <a:fillRect/>
+          </a:stretch>
+        </p:blipFill>
+        <p:spPr bwMode="auto">
+          <a:xfrm>
+            <a:off x="259243" y="785289"/>
+            <a:ext cx="3708907" cy="2774602"/>
+          </a:xfrm>
+          <a:prstGeom prst="rect">
+            <a:avLst/>
+          </a:prstGeom>
+          <a:noFill/>
+          <a:extLst>
+            <a:ext uri="{909E8E84-426E-40DD-AFC4-6F175D3DCCD1}">
+              <a14:hiddenFill xmlns:a14="http://schemas.microsoft.com/office/drawing/2010/main">
+                <a:solidFill>
+                  <a:srgbClr val="FFFFFF"/>
+                </a:solidFill>
+              </a14:hiddenFill>
+            </a:ext>
+          </a:extLst>
+        </p:spPr>
+      </p:pic>
+      <p:pic>
+        <p:nvPicPr>
+          <p:cNvPr id="3076" name="Picture 4">
+            <a:extLst>
+              <a:ext uri="{FF2B5EF4-FFF2-40B4-BE49-F238E27FC236}">
+                <a16:creationId xmlns:a16="http://schemas.microsoft.com/office/drawing/2014/main" id="{B41C19A9-1959-E8B5-1CCA-BEB981FBD5F6}"/>
+              </a:ext>
+            </a:extLst>
+          </p:cNvPr>
+          <p:cNvPicPr>
+            <a:picLocks noChangeAspect="1" noChangeArrowheads="1"/>
+          </p:cNvPicPr>
+          <p:nvPr/>
+        </p:nvPicPr>
+        <p:blipFill>
+          <a:blip r:embed="rId3">
+            <a:extLst>
+              <a:ext uri="{28A0092B-C50C-407E-A947-70E740481C1C}">
+                <a14:useLocalDpi xmlns:a14="http://schemas.microsoft.com/office/drawing/2010/main" val="0"/>
+              </a:ext>
+            </a:extLst>
+          </a:blip>
+          <a:srcRect/>
+          <a:stretch>
+            <a:fillRect/>
+          </a:stretch>
+        </p:blipFill>
+        <p:spPr bwMode="auto">
+          <a:xfrm>
+            <a:off x="4105543" y="791103"/>
+            <a:ext cx="3708909" cy="2774603"/>
+          </a:xfrm>
+          <a:prstGeom prst="rect">
+            <a:avLst/>
+          </a:prstGeom>
+          <a:noFill/>
+          <a:extLst>
+            <a:ext uri="{909E8E84-426E-40DD-AFC4-6F175D3DCCD1}">
+              <a14:hiddenFill xmlns:a14="http://schemas.microsoft.com/office/drawing/2010/main">
+                <a:solidFill>
+                  <a:srgbClr val="FFFFFF"/>
+                </a:solidFill>
+              </a14:hiddenFill>
+            </a:ext>
+          </a:extLst>
+        </p:spPr>
+      </p:pic>
+      <p:pic>
+        <p:nvPicPr>
+          <p:cNvPr id="3078" name="Picture 6">
+            <a:extLst>
+              <a:ext uri="{FF2B5EF4-FFF2-40B4-BE49-F238E27FC236}">
+                <a16:creationId xmlns:a16="http://schemas.microsoft.com/office/drawing/2014/main" id="{520D122C-B10F-10A6-7BE1-DDBB8696D1D9}"/>
+              </a:ext>
+            </a:extLst>
+          </p:cNvPr>
+          <p:cNvPicPr>
+            <a:picLocks noChangeAspect="1" noChangeArrowheads="1"/>
+          </p:cNvPicPr>
+          <p:nvPr/>
+        </p:nvPicPr>
+        <p:blipFill>
+          <a:blip r:embed="rId4">
+            <a:extLst>
+              <a:ext uri="{28A0092B-C50C-407E-A947-70E740481C1C}">
+                <a14:useLocalDpi xmlns:a14="http://schemas.microsoft.com/office/drawing/2010/main" val="0"/>
+              </a:ext>
+            </a:extLst>
+          </a:blip>
+          <a:srcRect/>
+          <a:stretch>
+            <a:fillRect/>
+          </a:stretch>
+        </p:blipFill>
+        <p:spPr bwMode="auto">
+          <a:xfrm>
+            <a:off x="7951845" y="821434"/>
+            <a:ext cx="3708910" cy="2774604"/>
+          </a:xfrm>
+          <a:prstGeom prst="rect">
+            <a:avLst/>
+          </a:prstGeom>
+          <a:noFill/>
+          <a:extLst>
+            <a:ext uri="{909E8E84-426E-40DD-AFC4-6F175D3DCCD1}">
+              <a14:hiddenFill xmlns:a14="http://schemas.microsoft.com/office/drawing/2010/main">
+                <a:solidFill>
+                  <a:srgbClr val="FFFFFF"/>
+                </a:solidFill>
+              </a14:hiddenFill>
+            </a:ext>
+          </a:extLst>
+        </p:spPr>
+      </p:pic>
+      <p:pic>
+        <p:nvPicPr>
+          <p:cNvPr id="3080" name="Picture 8">
+            <a:extLst>
+              <a:ext uri="{FF2B5EF4-FFF2-40B4-BE49-F238E27FC236}">
+                <a16:creationId xmlns:a16="http://schemas.microsoft.com/office/drawing/2014/main" id="{3439655B-B4D6-9313-7968-57FA18CED52E}"/>
+              </a:ext>
+            </a:extLst>
+          </p:cNvPr>
+          <p:cNvPicPr>
+            <a:picLocks noChangeAspect="1" noChangeArrowheads="1"/>
+          </p:cNvPicPr>
+          <p:nvPr/>
+        </p:nvPicPr>
+        <p:blipFill>
+          <a:blip r:embed="rId5">
+            <a:extLst>
+              <a:ext uri="{28A0092B-C50C-407E-A947-70E740481C1C}">
+                <a14:useLocalDpi xmlns:a14="http://schemas.microsoft.com/office/drawing/2010/main" val="0"/>
+              </a:ext>
+            </a:extLst>
+          </a:blip>
+          <a:srcRect/>
+          <a:stretch>
+            <a:fillRect/>
+          </a:stretch>
+        </p:blipFill>
+        <p:spPr bwMode="auto">
+          <a:xfrm>
+            <a:off x="1665797" y="3778840"/>
+            <a:ext cx="3708909" cy="2774603"/>
+          </a:xfrm>
+          <a:prstGeom prst="rect">
+            <a:avLst/>
+          </a:prstGeom>
+          <a:noFill/>
+          <a:extLst>
+            <a:ext uri="{909E8E84-426E-40DD-AFC4-6F175D3DCCD1}">
+              <a14:hiddenFill xmlns:a14="http://schemas.microsoft.com/office/drawing/2010/main">
+                <a:solidFill>
+                  <a:srgbClr val="FFFFFF"/>
+                </a:solidFill>
+              </a14:hiddenFill>
+            </a:ext>
+          </a:extLst>
+        </p:spPr>
+      </p:pic>
+      <p:pic>
+        <p:nvPicPr>
+          <p:cNvPr id="3082" name="Picture 10">
+            <a:extLst>
+              <a:ext uri="{FF2B5EF4-FFF2-40B4-BE49-F238E27FC236}">
+                <a16:creationId xmlns:a16="http://schemas.microsoft.com/office/drawing/2014/main" id="{B48E86EA-0A89-5A75-D053-8708F2C4525C}"/>
+              </a:ext>
+            </a:extLst>
+          </p:cNvPr>
+          <p:cNvPicPr>
+            <a:picLocks noChangeAspect="1" noChangeArrowheads="1"/>
+          </p:cNvPicPr>
+          <p:nvPr/>
+        </p:nvPicPr>
+        <p:blipFill>
+          <a:blip r:embed="rId6">
+            <a:extLst>
+              <a:ext uri="{28A0092B-C50C-407E-A947-70E740481C1C}">
+                <a14:useLocalDpi xmlns:a14="http://schemas.microsoft.com/office/drawing/2010/main" val="0"/>
+              </a:ext>
+            </a:extLst>
+          </a:blip>
+          <a:srcRect/>
+          <a:stretch>
+            <a:fillRect/>
+          </a:stretch>
+        </p:blipFill>
+        <p:spPr bwMode="auto">
+          <a:xfrm>
+            <a:off x="5737016" y="3778839"/>
+            <a:ext cx="3708910" cy="2774604"/>
+          </a:xfrm>
+          <a:prstGeom prst="rect">
+            <a:avLst/>
+          </a:prstGeom>
+          <a:noFill/>
+          <a:extLst>
+            <a:ext uri="{909E8E84-426E-40DD-AFC4-6F175D3DCCD1}">
+              <a14:hiddenFill xmlns:a14="http://schemas.microsoft.com/office/drawing/2010/main">
+                <a:solidFill>
+                  <a:srgbClr val="FFFFFF"/>
+                </a:solidFill>
+              </a14:hiddenFill>
+            </a:ext>
+          </a:extLst>
+        </p:spPr>
+      </p:pic>
+    </p:spTree>
+    <p:extLst>
+      <p:ext uri="{BB962C8B-B14F-4D97-AF65-F5344CB8AC3E}">
+        <p14:creationId xmlns:p14="http://schemas.microsoft.com/office/powerpoint/2010/main" val="3026154245"/>
       </p:ext>
     </p:extLst>
   </p:cSld>
@@ -18334,6 +19653,608 @@
     <p:extLst>
       <p:ext uri="{BB962C8B-B14F-4D97-AF65-F5344CB8AC3E}">
         <p14:creationId xmlns:p14="http://schemas.microsoft.com/office/powerpoint/2010/main" val="3318004504"/>
+      </p:ext>
+    </p:extLst>
+  </p:cSld>
+  <p:clrMapOvr>
+    <a:masterClrMapping/>
+  </p:clrMapOvr>
+</p:sld>
+</file>
+
+<file path=ppt/slides/slide30.xml><?xml version="1.0" encoding="utf-8"?>
+<p:sld xmlns:a="http://schemas.openxmlformats.org/drawingml/2006/main" xmlns:r="http://schemas.openxmlformats.org/officeDocument/2006/relationships" xmlns:p="http://schemas.openxmlformats.org/presentationml/2006/main">
+  <p:cSld>
+    <p:spTree>
+      <p:nvGrpSpPr>
+        <p:cNvPr id="1" name=""/>
+        <p:cNvGrpSpPr/>
+        <p:nvPr/>
+      </p:nvGrpSpPr>
+      <p:grpSpPr>
+        <a:xfrm>
+          <a:off x="0" y="0"/>
+          <a:ext cx="0" cy="0"/>
+          <a:chOff x="0" y="0"/>
+          <a:chExt cx="0" cy="0"/>
+        </a:xfrm>
+      </p:grpSpPr>
+      <p:sp>
+        <p:nvSpPr>
+          <p:cNvPr id="2" name="Title 1">
+            <a:extLst>
+              <a:ext uri="{FF2B5EF4-FFF2-40B4-BE49-F238E27FC236}">
+                <a16:creationId xmlns:a16="http://schemas.microsoft.com/office/drawing/2014/main" id="{6A56AD22-6B3F-98AD-D76E-B42E3A8BEF8B}"/>
+              </a:ext>
+            </a:extLst>
+          </p:cNvPr>
+          <p:cNvSpPr>
+            <a:spLocks noGrp="1"/>
+          </p:cNvSpPr>
+          <p:nvPr>
+            <p:ph type="title"/>
+          </p:nvPr>
+        </p:nvSpPr>
+        <p:spPr>
+          <a:xfrm>
+            <a:off x="838200" y="166718"/>
+            <a:ext cx="10515600" cy="411252"/>
+          </a:xfrm>
+        </p:spPr>
+        <p:txBody>
+          <a:bodyPr>
+            <a:normAutofit fontScale="90000"/>
+          </a:bodyPr>
+          <a:lstStyle/>
+          <a:p>
+            <a:pPr algn="ctr"/>
+            <a:r>
+              <a:rPr lang="en-US" sz="2400" b="1" dirty="0"/>
+              <a:t>b15</a:t>
+            </a:r>
+          </a:p>
+        </p:txBody>
+      </p:sp>
+      <p:pic>
+        <p:nvPicPr>
+          <p:cNvPr id="5122" name="Picture 2">
+            <a:extLst>
+              <a:ext uri="{FF2B5EF4-FFF2-40B4-BE49-F238E27FC236}">
+                <a16:creationId xmlns:a16="http://schemas.microsoft.com/office/drawing/2014/main" id="{26AB8CAA-D84B-7215-451D-A3E5849FB88C}"/>
+              </a:ext>
+            </a:extLst>
+          </p:cNvPr>
+          <p:cNvPicPr>
+            <a:picLocks noChangeAspect="1" noChangeArrowheads="1"/>
+          </p:cNvPicPr>
+          <p:nvPr/>
+        </p:nvPicPr>
+        <p:blipFill>
+          <a:blip r:embed="rId2">
+            <a:extLst>
+              <a:ext uri="{28A0092B-C50C-407E-A947-70E740481C1C}">
+                <a14:useLocalDpi xmlns:a14="http://schemas.microsoft.com/office/drawing/2010/main" val="0"/>
+              </a:ext>
+            </a:extLst>
+          </a:blip>
+          <a:srcRect/>
+          <a:stretch>
+            <a:fillRect/>
+          </a:stretch>
+        </p:blipFill>
+        <p:spPr bwMode="auto">
+          <a:xfrm>
+            <a:off x="384953" y="814028"/>
+            <a:ext cx="3657600" cy="2902760"/>
+          </a:xfrm>
+          <a:prstGeom prst="rect">
+            <a:avLst/>
+          </a:prstGeom>
+          <a:noFill/>
+          <a:extLst>
+            <a:ext uri="{909E8E84-426E-40DD-AFC4-6F175D3DCCD1}">
+              <a14:hiddenFill xmlns:a14="http://schemas.microsoft.com/office/drawing/2010/main">
+                <a:solidFill>
+                  <a:srgbClr val="FFFFFF"/>
+                </a:solidFill>
+              </a14:hiddenFill>
+            </a:ext>
+          </a:extLst>
+        </p:spPr>
+      </p:pic>
+      <p:pic>
+        <p:nvPicPr>
+          <p:cNvPr id="5124" name="Picture 4">
+            <a:extLst>
+              <a:ext uri="{FF2B5EF4-FFF2-40B4-BE49-F238E27FC236}">
+                <a16:creationId xmlns:a16="http://schemas.microsoft.com/office/drawing/2014/main" id="{D84D3526-41CB-3CD6-18FA-0726F2239E28}"/>
+              </a:ext>
+            </a:extLst>
+          </p:cNvPr>
+          <p:cNvPicPr>
+            <a:picLocks noChangeAspect="1" noChangeArrowheads="1"/>
+          </p:cNvPicPr>
+          <p:nvPr/>
+        </p:nvPicPr>
+        <p:blipFill>
+          <a:blip r:embed="rId3">
+            <a:extLst>
+              <a:ext uri="{28A0092B-C50C-407E-A947-70E740481C1C}">
+                <a14:useLocalDpi xmlns:a14="http://schemas.microsoft.com/office/drawing/2010/main" val="0"/>
+              </a:ext>
+            </a:extLst>
+          </a:blip>
+          <a:srcRect/>
+          <a:stretch>
+            <a:fillRect/>
+          </a:stretch>
+        </p:blipFill>
+        <p:spPr bwMode="auto">
+          <a:xfrm>
+            <a:off x="4248150" y="807814"/>
+            <a:ext cx="3657600" cy="2902760"/>
+          </a:xfrm>
+          <a:prstGeom prst="rect">
+            <a:avLst/>
+          </a:prstGeom>
+          <a:noFill/>
+          <a:extLst>
+            <a:ext uri="{909E8E84-426E-40DD-AFC4-6F175D3DCCD1}">
+              <a14:hiddenFill xmlns:a14="http://schemas.microsoft.com/office/drawing/2010/main">
+                <a:solidFill>
+                  <a:srgbClr val="FFFFFF"/>
+                </a:solidFill>
+              </a14:hiddenFill>
+            </a:ext>
+          </a:extLst>
+        </p:spPr>
+      </p:pic>
+      <p:pic>
+        <p:nvPicPr>
+          <p:cNvPr id="5126" name="Picture 6">
+            <a:extLst>
+              <a:ext uri="{FF2B5EF4-FFF2-40B4-BE49-F238E27FC236}">
+                <a16:creationId xmlns:a16="http://schemas.microsoft.com/office/drawing/2014/main" id="{EA5C8C12-3EE0-EF22-4455-71583F0E4AD7}"/>
+              </a:ext>
+            </a:extLst>
+          </p:cNvPr>
+          <p:cNvPicPr>
+            <a:picLocks noChangeAspect="1" noChangeArrowheads="1"/>
+          </p:cNvPicPr>
+          <p:nvPr/>
+        </p:nvPicPr>
+        <p:blipFill>
+          <a:blip r:embed="rId4">
+            <a:extLst>
+              <a:ext uri="{28A0092B-C50C-407E-A947-70E740481C1C}">
+                <a14:useLocalDpi xmlns:a14="http://schemas.microsoft.com/office/drawing/2010/main" val="0"/>
+              </a:ext>
+            </a:extLst>
+          </a:blip>
+          <a:srcRect/>
+          <a:stretch>
+            <a:fillRect/>
+          </a:stretch>
+        </p:blipFill>
+        <p:spPr bwMode="auto">
+          <a:xfrm>
+            <a:off x="8111347" y="807814"/>
+            <a:ext cx="3657600" cy="2902760"/>
+          </a:xfrm>
+          <a:prstGeom prst="rect">
+            <a:avLst/>
+          </a:prstGeom>
+          <a:noFill/>
+          <a:extLst>
+            <a:ext uri="{909E8E84-426E-40DD-AFC4-6F175D3DCCD1}">
+              <a14:hiddenFill xmlns:a14="http://schemas.microsoft.com/office/drawing/2010/main">
+                <a:solidFill>
+                  <a:srgbClr val="FFFFFF"/>
+                </a:solidFill>
+              </a14:hiddenFill>
+            </a:ext>
+          </a:extLst>
+        </p:spPr>
+      </p:pic>
+      <p:pic>
+        <p:nvPicPr>
+          <p:cNvPr id="5128" name="Picture 8">
+            <a:extLst>
+              <a:ext uri="{FF2B5EF4-FFF2-40B4-BE49-F238E27FC236}">
+                <a16:creationId xmlns:a16="http://schemas.microsoft.com/office/drawing/2014/main" id="{7CFE1D46-32C7-473E-9856-01D0A206BFEB}"/>
+              </a:ext>
+            </a:extLst>
+          </p:cNvPr>
+          <p:cNvPicPr>
+            <a:picLocks noChangeAspect="1" noChangeArrowheads="1"/>
+          </p:cNvPicPr>
+          <p:nvPr/>
+        </p:nvPicPr>
+        <p:blipFill>
+          <a:blip r:embed="rId5">
+            <a:extLst>
+              <a:ext uri="{28A0092B-C50C-407E-A947-70E740481C1C}">
+                <a14:useLocalDpi xmlns:a14="http://schemas.microsoft.com/office/drawing/2010/main" val="0"/>
+              </a:ext>
+            </a:extLst>
+          </a:blip>
+          <a:srcRect/>
+          <a:stretch>
+            <a:fillRect/>
+          </a:stretch>
+        </p:blipFill>
+        <p:spPr bwMode="auto">
+          <a:xfrm>
+            <a:off x="1887389" y="3788522"/>
+            <a:ext cx="3657600" cy="2902760"/>
+          </a:xfrm>
+          <a:prstGeom prst="rect">
+            <a:avLst/>
+          </a:prstGeom>
+          <a:noFill/>
+          <a:extLst>
+            <a:ext uri="{909E8E84-426E-40DD-AFC4-6F175D3DCCD1}">
+              <a14:hiddenFill xmlns:a14="http://schemas.microsoft.com/office/drawing/2010/main">
+                <a:solidFill>
+                  <a:srgbClr val="FFFFFF"/>
+                </a:solidFill>
+              </a14:hiddenFill>
+            </a:ext>
+          </a:extLst>
+        </p:spPr>
+      </p:pic>
+      <p:pic>
+        <p:nvPicPr>
+          <p:cNvPr id="5130" name="Picture 10">
+            <a:extLst>
+              <a:ext uri="{FF2B5EF4-FFF2-40B4-BE49-F238E27FC236}">
+                <a16:creationId xmlns:a16="http://schemas.microsoft.com/office/drawing/2014/main" id="{CD959487-B2C2-19B9-B9FE-18073A26EA00}"/>
+              </a:ext>
+            </a:extLst>
+          </p:cNvPr>
+          <p:cNvPicPr>
+            <a:picLocks noChangeAspect="1" noChangeArrowheads="1"/>
+          </p:cNvPicPr>
+          <p:nvPr/>
+        </p:nvPicPr>
+        <p:blipFill>
+          <a:blip r:embed="rId6">
+            <a:extLst>
+              <a:ext uri="{28A0092B-C50C-407E-A947-70E740481C1C}">
+                <a14:useLocalDpi xmlns:a14="http://schemas.microsoft.com/office/drawing/2010/main" val="0"/>
+              </a:ext>
+            </a:extLst>
+          </a:blip>
+          <a:srcRect/>
+          <a:stretch>
+            <a:fillRect/>
+          </a:stretch>
+        </p:blipFill>
+        <p:spPr bwMode="auto">
+          <a:xfrm>
+            <a:off x="5883575" y="3788522"/>
+            <a:ext cx="3657600" cy="2902760"/>
+          </a:xfrm>
+          <a:prstGeom prst="rect">
+            <a:avLst/>
+          </a:prstGeom>
+          <a:noFill/>
+          <a:extLst>
+            <a:ext uri="{909E8E84-426E-40DD-AFC4-6F175D3DCCD1}">
+              <a14:hiddenFill xmlns:a14="http://schemas.microsoft.com/office/drawing/2010/main">
+                <a:solidFill>
+                  <a:srgbClr val="FFFFFF"/>
+                </a:solidFill>
+              </a14:hiddenFill>
+            </a:ext>
+          </a:extLst>
+        </p:spPr>
+      </p:pic>
+    </p:spTree>
+    <p:extLst>
+      <p:ext uri="{BB962C8B-B14F-4D97-AF65-F5344CB8AC3E}">
+        <p14:creationId xmlns:p14="http://schemas.microsoft.com/office/powerpoint/2010/main" val="2188370572"/>
+      </p:ext>
+    </p:extLst>
+  </p:cSld>
+  <p:clrMapOvr>
+    <a:masterClrMapping/>
+  </p:clrMapOvr>
+</p:sld>
+</file>
+
+<file path=ppt/slides/slide31.xml><?xml version="1.0" encoding="utf-8"?>
+<p:sld xmlns:a="http://schemas.openxmlformats.org/drawingml/2006/main" xmlns:r="http://schemas.openxmlformats.org/officeDocument/2006/relationships" xmlns:p="http://schemas.openxmlformats.org/presentationml/2006/main">
+  <p:cSld>
+    <p:spTree>
+      <p:nvGrpSpPr>
+        <p:cNvPr id="1" name=""/>
+        <p:cNvGrpSpPr/>
+        <p:nvPr/>
+      </p:nvGrpSpPr>
+      <p:grpSpPr>
+        <a:xfrm>
+          <a:off x="0" y="0"/>
+          <a:ext cx="0" cy="0"/>
+          <a:chOff x="0" y="0"/>
+          <a:chExt cx="0" cy="0"/>
+        </a:xfrm>
+      </p:grpSpPr>
+      <p:sp>
+        <p:nvSpPr>
+          <p:cNvPr id="2" name="Title 1">
+            <a:extLst>
+              <a:ext uri="{FF2B5EF4-FFF2-40B4-BE49-F238E27FC236}">
+                <a16:creationId xmlns:a16="http://schemas.microsoft.com/office/drawing/2014/main" id="{6A56AD22-6B3F-98AD-D76E-B42E3A8BEF8B}"/>
+              </a:ext>
+            </a:extLst>
+          </p:cNvPr>
+          <p:cNvSpPr>
+            <a:spLocks noGrp="1"/>
+          </p:cNvSpPr>
+          <p:nvPr>
+            <p:ph type="title"/>
+          </p:nvPr>
+        </p:nvSpPr>
+        <p:spPr>
+          <a:xfrm>
+            <a:off x="838200" y="166718"/>
+            <a:ext cx="10515600" cy="411252"/>
+          </a:xfrm>
+        </p:spPr>
+        <p:txBody>
+          <a:bodyPr>
+            <a:normAutofit fontScale="90000"/>
+          </a:bodyPr>
+          <a:lstStyle/>
+          <a:p>
+            <a:pPr algn="ctr"/>
+            <a:r>
+              <a:rPr lang="en-US" sz="2400" b="1" dirty="0"/>
+              <a:t>b15</a:t>
+            </a:r>
+          </a:p>
+        </p:txBody>
+      </p:sp>
+      <p:pic>
+        <p:nvPicPr>
+          <p:cNvPr id="6146" name="Picture 2">
+            <a:extLst>
+              <a:ext uri="{FF2B5EF4-FFF2-40B4-BE49-F238E27FC236}">
+                <a16:creationId xmlns:a16="http://schemas.microsoft.com/office/drawing/2014/main" id="{215CF0B6-8F40-1113-0347-6C17E89D520A}"/>
+              </a:ext>
+            </a:extLst>
+          </p:cNvPr>
+          <p:cNvPicPr>
+            <a:picLocks noChangeAspect="1" noChangeArrowheads="1"/>
+          </p:cNvPicPr>
+          <p:nvPr/>
+        </p:nvPicPr>
+        <p:blipFill>
+          <a:blip r:embed="rId2">
+            <a:extLst>
+              <a:ext uri="{28A0092B-C50C-407E-A947-70E740481C1C}">
+                <a14:useLocalDpi xmlns:a14="http://schemas.microsoft.com/office/drawing/2010/main" val="0"/>
+              </a:ext>
+            </a:extLst>
+          </a:blip>
+          <a:srcRect/>
+          <a:stretch>
+            <a:fillRect/>
+          </a:stretch>
+        </p:blipFill>
+        <p:spPr bwMode="auto">
+          <a:xfrm>
+            <a:off x="337869" y="822325"/>
+            <a:ext cx="3657600" cy="2782957"/>
+          </a:xfrm>
+          <a:prstGeom prst="rect">
+            <a:avLst/>
+          </a:prstGeom>
+          <a:noFill/>
+          <a:extLst>
+            <a:ext uri="{909E8E84-426E-40DD-AFC4-6F175D3DCCD1}">
+              <a14:hiddenFill xmlns:a14="http://schemas.microsoft.com/office/drawing/2010/main">
+                <a:solidFill>
+                  <a:srgbClr val="FFFFFF"/>
+                </a:solidFill>
+              </a14:hiddenFill>
+            </a:ext>
+          </a:extLst>
+        </p:spPr>
+      </p:pic>
+      <p:pic>
+        <p:nvPicPr>
+          <p:cNvPr id="6148" name="Picture 4">
+            <a:extLst>
+              <a:ext uri="{FF2B5EF4-FFF2-40B4-BE49-F238E27FC236}">
+                <a16:creationId xmlns:a16="http://schemas.microsoft.com/office/drawing/2014/main" id="{65D39860-AB11-8DA6-0275-59B4F9E68317}"/>
+              </a:ext>
+            </a:extLst>
+          </p:cNvPr>
+          <p:cNvPicPr>
+            <a:picLocks noChangeAspect="1" noChangeArrowheads="1"/>
+          </p:cNvPicPr>
+          <p:nvPr/>
+        </p:nvPicPr>
+        <p:blipFill>
+          <a:blip r:embed="rId3">
+            <a:extLst>
+              <a:ext uri="{28A0092B-C50C-407E-A947-70E740481C1C}">
+                <a14:useLocalDpi xmlns:a14="http://schemas.microsoft.com/office/drawing/2010/main" val="0"/>
+              </a:ext>
+            </a:extLst>
+          </a:blip>
+          <a:srcRect/>
+          <a:stretch>
+            <a:fillRect/>
+          </a:stretch>
+        </p:blipFill>
+        <p:spPr bwMode="auto">
+          <a:xfrm>
+            <a:off x="4124867" y="822325"/>
+            <a:ext cx="3657600" cy="2782957"/>
+          </a:xfrm>
+          <a:prstGeom prst="rect">
+            <a:avLst/>
+          </a:prstGeom>
+          <a:noFill/>
+          <a:extLst>
+            <a:ext uri="{909E8E84-426E-40DD-AFC4-6F175D3DCCD1}">
+              <a14:hiddenFill xmlns:a14="http://schemas.microsoft.com/office/drawing/2010/main">
+                <a:solidFill>
+                  <a:srgbClr val="FFFFFF"/>
+                </a:solidFill>
+              </a14:hiddenFill>
+            </a:ext>
+          </a:extLst>
+        </p:spPr>
+      </p:pic>
+      <p:pic>
+        <p:nvPicPr>
+          <p:cNvPr id="6150" name="Picture 6">
+            <a:extLst>
+              <a:ext uri="{FF2B5EF4-FFF2-40B4-BE49-F238E27FC236}">
+                <a16:creationId xmlns:a16="http://schemas.microsoft.com/office/drawing/2014/main" id="{1B3D1BE4-ED87-7BB0-66BD-6D510F60892D}"/>
+              </a:ext>
+            </a:extLst>
+          </p:cNvPr>
+          <p:cNvPicPr>
+            <a:picLocks noChangeAspect="1" noChangeArrowheads="1"/>
+          </p:cNvPicPr>
+          <p:nvPr/>
+        </p:nvPicPr>
+        <p:blipFill>
+          <a:blip r:embed="rId4">
+            <a:extLst>
+              <a:ext uri="{28A0092B-C50C-407E-A947-70E740481C1C}">
+                <a14:useLocalDpi xmlns:a14="http://schemas.microsoft.com/office/drawing/2010/main" val="0"/>
+              </a:ext>
+            </a:extLst>
+          </a:blip>
+          <a:srcRect/>
+          <a:stretch>
+            <a:fillRect/>
+          </a:stretch>
+        </p:blipFill>
+        <p:spPr bwMode="auto">
+          <a:xfrm>
+            <a:off x="7911865" y="822325"/>
+            <a:ext cx="3657600" cy="2782957"/>
+          </a:xfrm>
+          <a:prstGeom prst="rect">
+            <a:avLst/>
+          </a:prstGeom>
+          <a:noFill/>
+          <a:extLst>
+            <a:ext uri="{909E8E84-426E-40DD-AFC4-6F175D3DCCD1}">
+              <a14:hiddenFill xmlns:a14="http://schemas.microsoft.com/office/drawing/2010/main">
+                <a:solidFill>
+                  <a:srgbClr val="FFFFFF"/>
+                </a:solidFill>
+              </a14:hiddenFill>
+            </a:ext>
+          </a:extLst>
+        </p:spPr>
+      </p:pic>
+      <p:pic>
+        <p:nvPicPr>
+          <p:cNvPr id="6152" name="Picture 8">
+            <a:extLst>
+              <a:ext uri="{FF2B5EF4-FFF2-40B4-BE49-F238E27FC236}">
+                <a16:creationId xmlns:a16="http://schemas.microsoft.com/office/drawing/2014/main" id="{0B97C13B-2DEE-C721-EAC2-4E4A662AA235}"/>
+              </a:ext>
+            </a:extLst>
+          </p:cNvPr>
+          <p:cNvPicPr>
+            <a:picLocks noChangeAspect="1" noChangeArrowheads="1"/>
+          </p:cNvPicPr>
+          <p:nvPr/>
+        </p:nvPicPr>
+        <p:blipFill>
+          <a:blip r:embed="rId5">
+            <a:extLst>
+              <a:ext uri="{28A0092B-C50C-407E-A947-70E740481C1C}">
+                <a14:useLocalDpi xmlns:a14="http://schemas.microsoft.com/office/drawing/2010/main" val="0"/>
+              </a:ext>
+            </a:extLst>
+          </a:blip>
+          <a:srcRect/>
+          <a:stretch>
+            <a:fillRect/>
+          </a:stretch>
+        </p:blipFill>
+        <p:spPr bwMode="auto">
+          <a:xfrm>
+            <a:off x="2102223" y="3849638"/>
+            <a:ext cx="3734732" cy="2841644"/>
+          </a:xfrm>
+          <a:prstGeom prst="rect">
+            <a:avLst/>
+          </a:prstGeom>
+          <a:noFill/>
+          <a:extLst>
+            <a:ext uri="{909E8E84-426E-40DD-AFC4-6F175D3DCCD1}">
+              <a14:hiddenFill xmlns:a14="http://schemas.microsoft.com/office/drawing/2010/main">
+                <a:solidFill>
+                  <a:srgbClr val="FFFFFF"/>
+                </a:solidFill>
+              </a14:hiddenFill>
+            </a:ext>
+          </a:extLst>
+        </p:spPr>
+      </p:pic>
+      <p:pic>
+        <p:nvPicPr>
+          <p:cNvPr id="6154" name="Picture 10">
+            <a:extLst>
+              <a:ext uri="{FF2B5EF4-FFF2-40B4-BE49-F238E27FC236}">
+                <a16:creationId xmlns:a16="http://schemas.microsoft.com/office/drawing/2014/main" id="{7E44244D-FEAC-1AC1-218D-05AFA8AB8748}"/>
+              </a:ext>
+            </a:extLst>
+          </p:cNvPr>
+          <p:cNvPicPr>
+            <a:picLocks noChangeAspect="1" noChangeArrowheads="1"/>
+          </p:cNvPicPr>
+          <p:nvPr/>
+        </p:nvPicPr>
+        <p:blipFill>
+          <a:blip r:embed="rId6">
+            <a:extLst>
+              <a:ext uri="{28A0092B-C50C-407E-A947-70E740481C1C}">
+                <a14:useLocalDpi xmlns:a14="http://schemas.microsoft.com/office/drawing/2010/main" val="0"/>
+              </a:ext>
+            </a:extLst>
+          </a:blip>
+          <a:srcRect/>
+          <a:stretch>
+            <a:fillRect/>
+          </a:stretch>
+        </p:blipFill>
+        <p:spPr bwMode="auto">
+          <a:xfrm>
+            <a:off x="6259545" y="3849637"/>
+            <a:ext cx="3734732" cy="2841644"/>
+          </a:xfrm>
+          <a:prstGeom prst="rect">
+            <a:avLst/>
+          </a:prstGeom>
+          <a:noFill/>
+          <a:extLst>
+            <a:ext uri="{909E8E84-426E-40DD-AFC4-6F175D3DCCD1}">
+              <a14:hiddenFill xmlns:a14="http://schemas.microsoft.com/office/drawing/2010/main">
+                <a:solidFill>
+                  <a:srgbClr val="FFFFFF"/>
+                </a:solidFill>
+              </a14:hiddenFill>
+            </a:ext>
+          </a:extLst>
+        </p:spPr>
+      </p:pic>
+    </p:spTree>
+    <p:extLst>
+      <p:ext uri="{BB962C8B-B14F-4D97-AF65-F5344CB8AC3E}">
+        <p14:creationId xmlns:p14="http://schemas.microsoft.com/office/powerpoint/2010/main" val="4633685"/>
       </p:ext>
     </p:extLst>
   </p:cSld>

--- a/p_update.pptx
+++ b/p_update.pptx
@@ -17,25 +17,26 @@
     <p:sldId id="308" r:id="rId11"/>
     <p:sldId id="312" r:id="rId12"/>
     <p:sldId id="311" r:id="rId13"/>
-    <p:sldId id="257" r:id="rId14"/>
-    <p:sldId id="258" r:id="rId15"/>
-    <p:sldId id="259" r:id="rId16"/>
-    <p:sldId id="260" r:id="rId17"/>
-    <p:sldId id="261" r:id="rId18"/>
-    <p:sldId id="262" r:id="rId19"/>
-    <p:sldId id="263" r:id="rId20"/>
-    <p:sldId id="264" r:id="rId21"/>
-    <p:sldId id="265" r:id="rId22"/>
-    <p:sldId id="266" r:id="rId23"/>
-    <p:sldId id="267" r:id="rId24"/>
-    <p:sldId id="268" r:id="rId25"/>
-    <p:sldId id="269" r:id="rId26"/>
-    <p:sldId id="271" r:id="rId27"/>
-    <p:sldId id="272" r:id="rId28"/>
-    <p:sldId id="273" r:id="rId29"/>
-    <p:sldId id="276" r:id="rId30"/>
-    <p:sldId id="274" r:id="rId31"/>
-    <p:sldId id="275" r:id="rId32"/>
+    <p:sldId id="313" r:id="rId14"/>
+    <p:sldId id="257" r:id="rId15"/>
+    <p:sldId id="258" r:id="rId16"/>
+    <p:sldId id="259" r:id="rId17"/>
+    <p:sldId id="260" r:id="rId18"/>
+    <p:sldId id="261" r:id="rId19"/>
+    <p:sldId id="262" r:id="rId20"/>
+    <p:sldId id="263" r:id="rId21"/>
+    <p:sldId id="264" r:id="rId22"/>
+    <p:sldId id="265" r:id="rId23"/>
+    <p:sldId id="266" r:id="rId24"/>
+    <p:sldId id="267" r:id="rId25"/>
+    <p:sldId id="268" r:id="rId26"/>
+    <p:sldId id="269" r:id="rId27"/>
+    <p:sldId id="271" r:id="rId28"/>
+    <p:sldId id="272" r:id="rId29"/>
+    <p:sldId id="273" r:id="rId30"/>
+    <p:sldId id="276" r:id="rId31"/>
+    <p:sldId id="274" r:id="rId32"/>
+    <p:sldId id="275" r:id="rId33"/>
   </p:sldIdLst>
   <p:sldSz cx="12192000" cy="6858000"/>
   <p:notesSz cx="6858000" cy="9144000"/>
@@ -289,7 +290,7 @@
           <a:p>
             <a:fld id="{AC0A374C-67DD-7B41-A977-89CB4768BCE6}" type="datetimeFigureOut">
               <a:rPr lang="en-US" smtClean="0"/>
-              <a:t>10/5/2022</a:t>
+              <a:t>10/10/2022</a:t>
             </a:fld>
             <a:endParaRPr lang="en-US"/>
           </a:p>
@@ -487,7 +488,7 @@
           <a:p>
             <a:fld id="{AC0A374C-67DD-7B41-A977-89CB4768BCE6}" type="datetimeFigureOut">
               <a:rPr lang="en-US" smtClean="0"/>
-              <a:t>10/5/2022</a:t>
+              <a:t>10/10/2022</a:t>
             </a:fld>
             <a:endParaRPr lang="en-US"/>
           </a:p>
@@ -695,7 +696,7 @@
           <a:p>
             <a:fld id="{AC0A374C-67DD-7B41-A977-89CB4768BCE6}" type="datetimeFigureOut">
               <a:rPr lang="en-US" smtClean="0"/>
-              <a:t>10/5/2022</a:t>
+              <a:t>10/10/2022</a:t>
             </a:fld>
             <a:endParaRPr lang="en-US"/>
           </a:p>
@@ -893,7 +894,7 @@
           <a:p>
             <a:fld id="{AC0A374C-67DD-7B41-A977-89CB4768BCE6}" type="datetimeFigureOut">
               <a:rPr lang="en-US" smtClean="0"/>
-              <a:t>10/5/2022</a:t>
+              <a:t>10/10/2022</a:t>
             </a:fld>
             <a:endParaRPr lang="en-US"/>
           </a:p>
@@ -1168,7 +1169,7 @@
           <a:p>
             <a:fld id="{AC0A374C-67DD-7B41-A977-89CB4768BCE6}" type="datetimeFigureOut">
               <a:rPr lang="en-US" smtClean="0"/>
-              <a:t>10/5/2022</a:t>
+              <a:t>10/10/2022</a:t>
             </a:fld>
             <a:endParaRPr lang="en-US"/>
           </a:p>
@@ -1433,7 +1434,7 @@
           <a:p>
             <a:fld id="{AC0A374C-67DD-7B41-A977-89CB4768BCE6}" type="datetimeFigureOut">
               <a:rPr lang="en-US" smtClean="0"/>
-              <a:t>10/5/2022</a:t>
+              <a:t>10/10/2022</a:t>
             </a:fld>
             <a:endParaRPr lang="en-US"/>
           </a:p>
@@ -1845,7 +1846,7 @@
           <a:p>
             <a:fld id="{AC0A374C-67DD-7B41-A977-89CB4768BCE6}" type="datetimeFigureOut">
               <a:rPr lang="en-US" smtClean="0"/>
-              <a:t>10/5/2022</a:t>
+              <a:t>10/10/2022</a:t>
             </a:fld>
             <a:endParaRPr lang="en-US"/>
           </a:p>
@@ -1986,7 +1987,7 @@
           <a:p>
             <a:fld id="{AC0A374C-67DD-7B41-A977-89CB4768BCE6}" type="datetimeFigureOut">
               <a:rPr lang="en-US" smtClean="0"/>
-              <a:t>10/5/2022</a:t>
+              <a:t>10/10/2022</a:t>
             </a:fld>
             <a:endParaRPr lang="en-US"/>
           </a:p>
@@ -2099,7 +2100,7 @@
           <a:p>
             <a:fld id="{AC0A374C-67DD-7B41-A977-89CB4768BCE6}" type="datetimeFigureOut">
               <a:rPr lang="en-US" smtClean="0"/>
-              <a:t>10/5/2022</a:t>
+              <a:t>10/10/2022</a:t>
             </a:fld>
             <a:endParaRPr lang="en-US"/>
           </a:p>
@@ -2410,7 +2411,7 @@
           <a:p>
             <a:fld id="{AC0A374C-67DD-7B41-A977-89CB4768BCE6}" type="datetimeFigureOut">
               <a:rPr lang="en-US" smtClean="0"/>
-              <a:t>10/5/2022</a:t>
+              <a:t>10/10/2022</a:t>
             </a:fld>
             <a:endParaRPr lang="en-US"/>
           </a:p>
@@ -2698,7 +2699,7 @@
           <a:p>
             <a:fld id="{AC0A374C-67DD-7B41-A977-89CB4768BCE6}" type="datetimeFigureOut">
               <a:rPr lang="en-US" smtClean="0"/>
-              <a:t>10/5/2022</a:t>
+              <a:t>10/10/2022</a:t>
             </a:fld>
             <a:endParaRPr lang="en-US"/>
           </a:p>
@@ -2939,7 +2940,7 @@
           <a:p>
             <a:fld id="{AC0A374C-67DD-7B41-A977-89CB4768BCE6}" type="datetimeFigureOut">
               <a:rPr lang="en-US" smtClean="0"/>
-              <a:t>10/5/2022</a:t>
+              <a:t>10/10/2022</a:t>
             </a:fld>
             <a:endParaRPr lang="en-US"/>
           </a:p>
@@ -3878,10 +3879,10 @@
       </p:sp>
       <p:pic>
         <p:nvPicPr>
-          <p:cNvPr id="1028" name="Picture 4">
-            <a:extLst>
-              <a:ext uri="{FF2B5EF4-FFF2-40B4-BE49-F238E27FC236}">
-                <a16:creationId xmlns:a16="http://schemas.microsoft.com/office/drawing/2014/main" id="{D3EE7F65-33DB-4CAE-AD61-1681F79C7E83}"/>
+          <p:cNvPr id="1026" name="Picture 2">
+            <a:extLst>
+              <a:ext uri="{FF2B5EF4-FFF2-40B4-BE49-F238E27FC236}">
+                <a16:creationId xmlns:a16="http://schemas.microsoft.com/office/drawing/2014/main" id="{042958DE-527E-F62F-9883-8FB9C976A18D}"/>
               </a:ext>
             </a:extLst>
           </p:cNvPr>
@@ -3905,8 +3906,8 @@
         </p:blipFill>
         <p:spPr bwMode="auto">
           <a:xfrm>
-            <a:off x="4162985" y="709202"/>
-            <a:ext cx="3657600" cy="2902760"/>
+            <a:off x="197564" y="719136"/>
+            <a:ext cx="3778676" cy="2998849"/>
           </a:xfrm>
           <a:prstGeom prst="rect">
             <a:avLst/>
@@ -3925,10 +3926,10 @@
       </p:pic>
       <p:pic>
         <p:nvPicPr>
-          <p:cNvPr id="1030" name="Picture 6">
-            <a:extLst>
-              <a:ext uri="{FF2B5EF4-FFF2-40B4-BE49-F238E27FC236}">
-                <a16:creationId xmlns:a16="http://schemas.microsoft.com/office/drawing/2014/main" id="{51614AEA-6A00-E556-F99F-165F39A54688}"/>
+          <p:cNvPr id="3" name="Picture 4">
+            <a:extLst>
+              <a:ext uri="{FF2B5EF4-FFF2-40B4-BE49-F238E27FC236}">
+                <a16:creationId xmlns:a16="http://schemas.microsoft.com/office/drawing/2014/main" id="{F5FAAAA7-393F-2A8F-14AC-844ACB78BACB}"/>
               </a:ext>
             </a:extLst>
           </p:cNvPr>
@@ -3952,8 +3953,8 @@
         </p:blipFill>
         <p:spPr bwMode="auto">
           <a:xfrm>
-            <a:off x="360004" y="709202"/>
-            <a:ext cx="3657600" cy="2902760"/>
+            <a:off x="4145051" y="719135"/>
+            <a:ext cx="3778676" cy="2998849"/>
           </a:xfrm>
           <a:prstGeom prst="rect">
             <a:avLst/>
@@ -3972,10 +3973,10 @@
       </p:pic>
       <p:pic>
         <p:nvPicPr>
-          <p:cNvPr id="1032" name="Picture 8">
-            <a:extLst>
-              <a:ext uri="{FF2B5EF4-FFF2-40B4-BE49-F238E27FC236}">
-                <a16:creationId xmlns:a16="http://schemas.microsoft.com/office/drawing/2014/main" id="{D208AD56-2313-AB72-E409-668A4EDCEAB4}"/>
+          <p:cNvPr id="4" name="Picture 6">
+            <a:extLst>
+              <a:ext uri="{FF2B5EF4-FFF2-40B4-BE49-F238E27FC236}">
+                <a16:creationId xmlns:a16="http://schemas.microsoft.com/office/drawing/2014/main" id="{9436670B-A25A-0FD3-667B-7732E8730A93}"/>
               </a:ext>
             </a:extLst>
           </p:cNvPr>
@@ -3999,8 +4000,8 @@
         </p:blipFill>
         <p:spPr bwMode="auto">
           <a:xfrm>
-            <a:off x="7965966" y="709202"/>
-            <a:ext cx="3657600" cy="2902760"/>
+            <a:off x="8196230" y="719135"/>
+            <a:ext cx="3778676" cy="2998849"/>
           </a:xfrm>
           <a:prstGeom prst="rect">
             <a:avLst/>
@@ -4019,10 +4020,10 @@
       </p:pic>
       <p:pic>
         <p:nvPicPr>
-          <p:cNvPr id="1034" name="Picture 10">
-            <a:extLst>
-              <a:ext uri="{FF2B5EF4-FFF2-40B4-BE49-F238E27FC236}">
-                <a16:creationId xmlns:a16="http://schemas.microsoft.com/office/drawing/2014/main" id="{9C130459-BAA7-65B4-233F-BB94E78E320A}"/>
+          <p:cNvPr id="5" name="Picture 8">
+            <a:extLst>
+              <a:ext uri="{FF2B5EF4-FFF2-40B4-BE49-F238E27FC236}">
+                <a16:creationId xmlns:a16="http://schemas.microsoft.com/office/drawing/2014/main" id="{D65E271B-3B48-04CD-21F3-1D2215F0FE9A}"/>
               </a:ext>
             </a:extLst>
           </p:cNvPr>
@@ -4046,8 +4047,8 @@
         </p:blipFill>
         <p:spPr bwMode="auto">
           <a:xfrm>
-            <a:off x="2047315" y="3833346"/>
-            <a:ext cx="3657600" cy="2902760"/>
+            <a:off x="1957506" y="3859149"/>
+            <a:ext cx="3778676" cy="2998849"/>
           </a:xfrm>
           <a:prstGeom prst="rect">
             <a:avLst/>
@@ -4066,10 +4067,10 @@
       </p:pic>
       <p:pic>
         <p:nvPicPr>
-          <p:cNvPr id="1036" name="Picture 12">
-            <a:extLst>
-              <a:ext uri="{FF2B5EF4-FFF2-40B4-BE49-F238E27FC236}">
-                <a16:creationId xmlns:a16="http://schemas.microsoft.com/office/drawing/2014/main" id="{66F8B8AA-C70F-480B-091A-4A14D61177EF}"/>
+          <p:cNvPr id="6" name="Picture 10">
+            <a:extLst>
+              <a:ext uri="{FF2B5EF4-FFF2-40B4-BE49-F238E27FC236}">
+                <a16:creationId xmlns:a16="http://schemas.microsoft.com/office/drawing/2014/main" id="{0BB3BF12-4D16-7033-FF05-0B51197F5DD1}"/>
               </a:ext>
             </a:extLst>
           </p:cNvPr>
@@ -4093,8 +4094,8 @@
         </p:blipFill>
         <p:spPr bwMode="auto">
           <a:xfrm>
-            <a:off x="5848350" y="3833346"/>
-            <a:ext cx="3657600" cy="2902760"/>
+            <a:off x="6272386" y="3859151"/>
+            <a:ext cx="3778676" cy="2998849"/>
           </a:xfrm>
           <a:prstGeom prst="rect">
             <a:avLst/>
@@ -4179,10 +4180,10 @@
       </p:sp>
       <p:pic>
         <p:nvPicPr>
-          <p:cNvPr id="2054" name="Picture 6">
-            <a:extLst>
-              <a:ext uri="{FF2B5EF4-FFF2-40B4-BE49-F238E27FC236}">
-                <a16:creationId xmlns:a16="http://schemas.microsoft.com/office/drawing/2014/main" id="{0E0DBB73-F16E-A883-B07D-39F7D457D5F0}"/>
+          <p:cNvPr id="2050" name="Picture 2">
+            <a:extLst>
+              <a:ext uri="{FF2B5EF4-FFF2-40B4-BE49-F238E27FC236}">
+                <a16:creationId xmlns:a16="http://schemas.microsoft.com/office/drawing/2014/main" id="{C01326B7-3297-6D62-076F-6BAE3D5806CC}"/>
               </a:ext>
             </a:extLst>
           </p:cNvPr>
@@ -4206,8 +4207,8 @@
         </p:blipFill>
         <p:spPr bwMode="auto">
           <a:xfrm>
-            <a:off x="4055802" y="792980"/>
-            <a:ext cx="3872907" cy="2870990"/>
+            <a:off x="2413151" y="3899140"/>
+            <a:ext cx="3991442" cy="2958860"/>
           </a:xfrm>
           <a:prstGeom prst="rect">
             <a:avLst/>
@@ -4226,10 +4227,10 @@
       </p:pic>
       <p:pic>
         <p:nvPicPr>
-          <p:cNvPr id="2056" name="Picture 8">
-            <a:extLst>
-              <a:ext uri="{FF2B5EF4-FFF2-40B4-BE49-F238E27FC236}">
-                <a16:creationId xmlns:a16="http://schemas.microsoft.com/office/drawing/2014/main" id="{9D2814A8-2ADA-9AB4-062A-4AF94C7EAEEC}"/>
+          <p:cNvPr id="2052" name="Picture 4">
+            <a:extLst>
+              <a:ext uri="{FF2B5EF4-FFF2-40B4-BE49-F238E27FC236}">
+                <a16:creationId xmlns:a16="http://schemas.microsoft.com/office/drawing/2014/main" id="{BE979B2B-AD8D-1DE4-0EF9-9F782AB055E8}"/>
               </a:ext>
             </a:extLst>
           </p:cNvPr>
@@ -4253,8 +4254,8 @@
         </p:blipFill>
         <p:spPr bwMode="auto">
           <a:xfrm>
-            <a:off x="162148" y="792980"/>
-            <a:ext cx="3833321" cy="2841645"/>
+            <a:off x="6404593" y="3899140"/>
+            <a:ext cx="3991442" cy="2958860"/>
           </a:xfrm>
           <a:prstGeom prst="rect">
             <a:avLst/>
@@ -4273,10 +4274,10 @@
       </p:pic>
       <p:pic>
         <p:nvPicPr>
-          <p:cNvPr id="2058" name="Picture 10">
-            <a:extLst>
-              <a:ext uri="{FF2B5EF4-FFF2-40B4-BE49-F238E27FC236}">
-                <a16:creationId xmlns:a16="http://schemas.microsoft.com/office/drawing/2014/main" id="{576E5760-D8B7-A3D8-05F2-5725E9ADD0F2}"/>
+          <p:cNvPr id="3" name="Picture 6">
+            <a:extLst>
+              <a:ext uri="{FF2B5EF4-FFF2-40B4-BE49-F238E27FC236}">
+                <a16:creationId xmlns:a16="http://schemas.microsoft.com/office/drawing/2014/main" id="{FC9FE66D-2F5C-BA6E-4F56-B3B65FD96E2A}"/>
               </a:ext>
             </a:extLst>
           </p:cNvPr>
@@ -4300,8 +4301,8 @@
         </p:blipFill>
         <p:spPr bwMode="auto">
           <a:xfrm>
-            <a:off x="7989042" y="822324"/>
-            <a:ext cx="3833322" cy="2841646"/>
+            <a:off x="132299" y="754992"/>
+            <a:ext cx="3991442" cy="2958860"/>
           </a:xfrm>
           <a:prstGeom prst="rect">
             <a:avLst/>
@@ -4320,10 +4321,10 @@
       </p:pic>
       <p:pic>
         <p:nvPicPr>
-          <p:cNvPr id="2060" name="Picture 12">
-            <a:extLst>
-              <a:ext uri="{FF2B5EF4-FFF2-40B4-BE49-F238E27FC236}">
-                <a16:creationId xmlns:a16="http://schemas.microsoft.com/office/drawing/2014/main" id="{2507084A-5624-C252-5FA7-F81DBD2E64E0}"/>
+          <p:cNvPr id="4" name="Picture 8">
+            <a:extLst>
+              <a:ext uri="{FF2B5EF4-FFF2-40B4-BE49-F238E27FC236}">
+                <a16:creationId xmlns:a16="http://schemas.microsoft.com/office/drawing/2014/main" id="{AE4A5411-1637-EF9C-C47B-BD36D66E14E6}"/>
               </a:ext>
             </a:extLst>
           </p:cNvPr>
@@ -4347,8 +4348,8 @@
         </p:blipFill>
         <p:spPr bwMode="auto">
           <a:xfrm>
-            <a:off x="2262676" y="3781589"/>
-            <a:ext cx="3833324" cy="2841647"/>
+            <a:off x="4123741" y="759125"/>
+            <a:ext cx="3991442" cy="2958860"/>
           </a:xfrm>
           <a:prstGeom prst="rect">
             <a:avLst/>
@@ -4367,10 +4368,10 @@
       </p:pic>
       <p:pic>
         <p:nvPicPr>
-          <p:cNvPr id="2062" name="Picture 14">
-            <a:extLst>
-              <a:ext uri="{FF2B5EF4-FFF2-40B4-BE49-F238E27FC236}">
-                <a16:creationId xmlns:a16="http://schemas.microsoft.com/office/drawing/2014/main" id="{ABBC9B00-E261-F982-36A9-46A1C62295EF}"/>
+          <p:cNvPr id="5" name="Picture 10">
+            <a:extLst>
+              <a:ext uri="{FF2B5EF4-FFF2-40B4-BE49-F238E27FC236}">
+                <a16:creationId xmlns:a16="http://schemas.microsoft.com/office/drawing/2014/main" id="{E2B9BA26-56C6-67AE-9776-E3F2B28AD867}"/>
               </a:ext>
             </a:extLst>
           </p:cNvPr>
@@ -4394,8 +4395,8 @@
         </p:blipFill>
         <p:spPr bwMode="auto">
           <a:xfrm>
-            <a:off x="6193211" y="3820292"/>
-            <a:ext cx="3872907" cy="2870990"/>
+            <a:off x="8128958" y="759125"/>
+            <a:ext cx="3991442" cy="2958860"/>
           </a:xfrm>
           <a:prstGeom prst="rect">
             <a:avLst/>
@@ -4442,6 +4443,89 @@
           <a:chExt cx="0" cy="0"/>
         </a:xfrm>
       </p:grpSpPr>
+      <p:sp>
+        <p:nvSpPr>
+          <p:cNvPr id="2" name="Title 1">
+            <a:extLst>
+              <a:ext uri="{FF2B5EF4-FFF2-40B4-BE49-F238E27FC236}">
+                <a16:creationId xmlns:a16="http://schemas.microsoft.com/office/drawing/2014/main" id="{6BD89108-95A6-32E2-27D7-F7F7CB8BC3D4}"/>
+              </a:ext>
+            </a:extLst>
+          </p:cNvPr>
+          <p:cNvSpPr>
+            <a:spLocks noGrp="1"/>
+          </p:cNvSpPr>
+          <p:nvPr>
+            <p:ph type="ctrTitle"/>
+          </p:nvPr>
+        </p:nvSpPr>
+        <p:spPr/>
+        <p:txBody>
+          <a:bodyPr/>
+          <a:lstStyle/>
+          <a:p>
+            <a:r>
+              <a:rPr lang="en-US" dirty="0"/>
+              <a:t>PREV</a:t>
+            </a:r>
+          </a:p>
+        </p:txBody>
+      </p:sp>
+      <p:sp>
+        <p:nvSpPr>
+          <p:cNvPr id="3" name="Subtitle 2">
+            <a:extLst>
+              <a:ext uri="{FF2B5EF4-FFF2-40B4-BE49-F238E27FC236}">
+                <a16:creationId xmlns:a16="http://schemas.microsoft.com/office/drawing/2014/main" id="{8D94D645-2D16-E6A9-FFFB-7908C85E0404}"/>
+              </a:ext>
+            </a:extLst>
+          </p:cNvPr>
+          <p:cNvSpPr>
+            <a:spLocks noGrp="1"/>
+          </p:cNvSpPr>
+          <p:nvPr>
+            <p:ph type="subTitle" idx="1"/>
+          </p:nvPr>
+        </p:nvSpPr>
+        <p:spPr/>
+        <p:txBody>
+          <a:bodyPr/>
+          <a:lstStyle/>
+          <a:p>
+            <a:endParaRPr lang="en-US"/>
+          </a:p>
+        </p:txBody>
+      </p:sp>
+    </p:spTree>
+    <p:extLst>
+      <p:ext uri="{BB962C8B-B14F-4D97-AF65-F5344CB8AC3E}">
+        <p14:creationId xmlns:p14="http://schemas.microsoft.com/office/powerpoint/2010/main" val="4181496718"/>
+      </p:ext>
+    </p:extLst>
+  </p:cSld>
+  <p:clrMapOvr>
+    <a:masterClrMapping/>
+  </p:clrMapOvr>
+</p:sld>
+</file>
+
+<file path=ppt/slides/slide14.xml><?xml version="1.0" encoding="utf-8"?>
+<p:sld xmlns:a="http://schemas.openxmlformats.org/drawingml/2006/main" xmlns:r="http://schemas.openxmlformats.org/officeDocument/2006/relationships" xmlns:p="http://schemas.openxmlformats.org/presentationml/2006/main">
+  <p:cSld>
+    <p:spTree>
+      <p:nvGrpSpPr>
+        <p:cNvPr id="1" name=""/>
+        <p:cNvGrpSpPr/>
+        <p:nvPr/>
+      </p:nvGrpSpPr>
+      <p:grpSpPr>
+        <a:xfrm>
+          <a:off x="0" y="0"/>
+          <a:ext cx="0" cy="0"/>
+          <a:chOff x="0" y="0"/>
+          <a:chExt cx="0" cy="0"/>
+        </a:xfrm>
+      </p:grpSpPr>
       <p:pic>
         <p:nvPicPr>
           <p:cNvPr id="4" name="Picture 3">
@@ -5336,7 +5420,7 @@
 </p:sld>
 </file>
 
-<file path=ppt/slides/slide14.xml><?xml version="1.0" encoding="utf-8"?>
+<file path=ppt/slides/slide15.xml><?xml version="1.0" encoding="utf-8"?>
 <p:sld xmlns:a="http://schemas.openxmlformats.org/drawingml/2006/main" xmlns:r="http://schemas.openxmlformats.org/officeDocument/2006/relationships" xmlns:p="http://schemas.openxmlformats.org/presentationml/2006/main">
   <p:cSld>
     <p:spTree>
@@ -6335,7 +6419,7 @@
 </p:sld>
 </file>
 
-<file path=ppt/slides/slide15.xml><?xml version="1.0" encoding="utf-8"?>
+<file path=ppt/slides/slide16.xml><?xml version="1.0" encoding="utf-8"?>
 <p:sld xmlns:a="http://schemas.openxmlformats.org/drawingml/2006/main" xmlns:r="http://schemas.openxmlformats.org/officeDocument/2006/relationships" xmlns:p="http://schemas.openxmlformats.org/presentationml/2006/main">
   <p:cSld>
     <p:spTree>
@@ -6791,7 +6875,7 @@
 </p:sld>
 </file>
 
-<file path=ppt/slides/slide16.xml><?xml version="1.0" encoding="utf-8"?>
+<file path=ppt/slides/slide17.xml><?xml version="1.0" encoding="utf-8"?>
 <p:sld xmlns:a="http://schemas.openxmlformats.org/drawingml/2006/main" xmlns:r="http://schemas.openxmlformats.org/officeDocument/2006/relationships" xmlns:p="http://schemas.openxmlformats.org/presentationml/2006/main">
   <p:cSld>
     <p:spTree>
@@ -7781,7 +7865,7 @@
 </p:sld>
 </file>
 
-<file path=ppt/slides/slide17.xml><?xml version="1.0" encoding="utf-8"?>
+<file path=ppt/slides/slide18.xml><?xml version="1.0" encoding="utf-8"?>
 <p:sld xmlns:a="http://schemas.openxmlformats.org/drawingml/2006/main" xmlns:r="http://schemas.openxmlformats.org/officeDocument/2006/relationships" xmlns:p="http://schemas.openxmlformats.org/presentationml/2006/main">
   <p:cSld>
     <p:spTree>
@@ -8785,7 +8869,7 @@
 </p:sld>
 </file>
 
-<file path=ppt/slides/slide18.xml><?xml version="1.0" encoding="utf-8"?>
+<file path=ppt/slides/slide19.xml><?xml version="1.0" encoding="utf-8"?>
 <p:sld xmlns:a="http://schemas.openxmlformats.org/drawingml/2006/main" xmlns:r="http://schemas.openxmlformats.org/officeDocument/2006/relationships" xmlns:p="http://schemas.openxmlformats.org/presentationml/2006/main">
   <p:cSld>
     <p:spTree>
@@ -9830,1090 +9914,6 @@
     <p:extLst>
       <p:ext uri="{BB962C8B-B14F-4D97-AF65-F5344CB8AC3E}">
         <p14:creationId xmlns:p14="http://schemas.microsoft.com/office/powerpoint/2010/main" val="1068187080"/>
-      </p:ext>
-    </p:extLst>
-  </p:cSld>
-  <p:clrMapOvr>
-    <a:masterClrMapping/>
-  </p:clrMapOvr>
-</p:sld>
-</file>
-
-<file path=ppt/slides/slide19.xml><?xml version="1.0" encoding="utf-8"?>
-<p:sld xmlns:a="http://schemas.openxmlformats.org/drawingml/2006/main" xmlns:r="http://schemas.openxmlformats.org/officeDocument/2006/relationships" xmlns:p="http://schemas.openxmlformats.org/presentationml/2006/main">
-  <p:cSld>
-    <p:spTree>
-      <p:nvGrpSpPr>
-        <p:cNvPr id="1" name=""/>
-        <p:cNvGrpSpPr/>
-        <p:nvPr/>
-      </p:nvGrpSpPr>
-      <p:grpSpPr>
-        <a:xfrm>
-          <a:off x="0" y="0"/>
-          <a:ext cx="0" cy="0"/>
-          <a:chOff x="0" y="0"/>
-          <a:chExt cx="0" cy="0"/>
-        </a:xfrm>
-      </p:grpSpPr>
-      <p:sp>
-        <p:nvSpPr>
-          <p:cNvPr id="2" name="TextBox 1">
-            <a:extLst>
-              <a:ext uri="{FF2B5EF4-FFF2-40B4-BE49-F238E27FC236}">
-                <a16:creationId xmlns:a16="http://schemas.microsoft.com/office/drawing/2014/main" id="{B4A7CCA5-ECF0-8052-0786-C643323DF650}"/>
-              </a:ext>
-            </a:extLst>
-          </p:cNvPr>
-          <p:cNvSpPr txBox="1"/>
-          <p:nvPr/>
-        </p:nvSpPr>
-        <p:spPr>
-          <a:xfrm>
-            <a:off x="931832" y="3429000"/>
-            <a:ext cx="1828800" cy="369332"/>
-          </a:xfrm>
-          <a:prstGeom prst="rect">
-            <a:avLst/>
-          </a:prstGeom>
-          <a:noFill/>
-        </p:spPr>
-        <p:txBody>
-          <a:bodyPr wrap="square" rtlCol="0">
-            <a:spAutoFit/>
-          </a:bodyPr>
-          <a:lstStyle>
-            <a:defPPr>
-              <a:defRPr lang="en-US"/>
-            </a:defPPr>
-            <a:lvl1pPr marL="0" algn="l" defTabSz="914400" rtl="0" eaLnBrk="1" latinLnBrk="0" hangingPunct="1">
-              <a:defRPr sz="1800" kern="1200">
-                <a:solidFill>
-                  <a:schemeClr val="tx1"/>
-                </a:solidFill>
-                <a:latin typeface="+mn-lt"/>
-                <a:ea typeface="+mn-ea"/>
-                <a:cs typeface="+mn-cs"/>
-              </a:defRPr>
-            </a:lvl1pPr>
-            <a:lvl2pPr marL="457200" algn="l" defTabSz="914400" rtl="0" eaLnBrk="1" latinLnBrk="0" hangingPunct="1">
-              <a:defRPr sz="1800" kern="1200">
-                <a:solidFill>
-                  <a:schemeClr val="tx1"/>
-                </a:solidFill>
-                <a:latin typeface="+mn-lt"/>
-                <a:ea typeface="+mn-ea"/>
-                <a:cs typeface="+mn-cs"/>
-              </a:defRPr>
-            </a:lvl2pPr>
-            <a:lvl3pPr marL="914400" algn="l" defTabSz="914400" rtl="0" eaLnBrk="1" latinLnBrk="0" hangingPunct="1">
-              <a:defRPr sz="1800" kern="1200">
-                <a:solidFill>
-                  <a:schemeClr val="tx1"/>
-                </a:solidFill>
-                <a:latin typeface="+mn-lt"/>
-                <a:ea typeface="+mn-ea"/>
-                <a:cs typeface="+mn-cs"/>
-              </a:defRPr>
-            </a:lvl3pPr>
-            <a:lvl4pPr marL="1371600" algn="l" defTabSz="914400" rtl="0" eaLnBrk="1" latinLnBrk="0" hangingPunct="1">
-              <a:defRPr sz="1800" kern="1200">
-                <a:solidFill>
-                  <a:schemeClr val="tx1"/>
-                </a:solidFill>
-                <a:latin typeface="+mn-lt"/>
-                <a:ea typeface="+mn-ea"/>
-                <a:cs typeface="+mn-cs"/>
-              </a:defRPr>
-            </a:lvl4pPr>
-            <a:lvl5pPr marL="1828800" algn="l" defTabSz="914400" rtl="0" eaLnBrk="1" latinLnBrk="0" hangingPunct="1">
-              <a:defRPr sz="1800" kern="1200">
-                <a:solidFill>
-                  <a:schemeClr val="tx1"/>
-                </a:solidFill>
-                <a:latin typeface="+mn-lt"/>
-                <a:ea typeface="+mn-ea"/>
-                <a:cs typeface="+mn-cs"/>
-              </a:defRPr>
-            </a:lvl5pPr>
-            <a:lvl6pPr marL="2286000" algn="l" defTabSz="914400" rtl="0" eaLnBrk="1" latinLnBrk="0" hangingPunct="1">
-              <a:defRPr sz="1800" kern="1200">
-                <a:solidFill>
-                  <a:schemeClr val="tx1"/>
-                </a:solidFill>
-                <a:latin typeface="+mn-lt"/>
-                <a:ea typeface="+mn-ea"/>
-                <a:cs typeface="+mn-cs"/>
-              </a:defRPr>
-            </a:lvl6pPr>
-            <a:lvl7pPr marL="2743200" algn="l" defTabSz="914400" rtl="0" eaLnBrk="1" latinLnBrk="0" hangingPunct="1">
-              <a:defRPr sz="1800" kern="1200">
-                <a:solidFill>
-                  <a:schemeClr val="tx1"/>
-                </a:solidFill>
-                <a:latin typeface="+mn-lt"/>
-                <a:ea typeface="+mn-ea"/>
-                <a:cs typeface="+mn-cs"/>
-              </a:defRPr>
-            </a:lvl7pPr>
-            <a:lvl8pPr marL="3200400" algn="l" defTabSz="914400" rtl="0" eaLnBrk="1" latinLnBrk="0" hangingPunct="1">
-              <a:defRPr sz="1800" kern="1200">
-                <a:solidFill>
-                  <a:schemeClr val="tx1"/>
-                </a:solidFill>
-                <a:latin typeface="+mn-lt"/>
-                <a:ea typeface="+mn-ea"/>
-                <a:cs typeface="+mn-cs"/>
-              </a:defRPr>
-            </a:lvl8pPr>
-            <a:lvl9pPr marL="3657600" algn="l" defTabSz="914400" rtl="0" eaLnBrk="1" latinLnBrk="0" hangingPunct="1">
-              <a:defRPr sz="1800" kern="1200">
-                <a:solidFill>
-                  <a:schemeClr val="tx1"/>
-                </a:solidFill>
-                <a:latin typeface="+mn-lt"/>
-                <a:ea typeface="+mn-ea"/>
-                <a:cs typeface="+mn-cs"/>
-              </a:defRPr>
-            </a:lvl9pPr>
-          </a:lstStyle>
-          <a:p>
-            <a:pPr algn="l"/>
-            <a:r>
-              <a:rPr lang="en-US" dirty="0"/>
-              <a:t>07 05 260</a:t>
-            </a:r>
-          </a:p>
-        </p:txBody>
-      </p:sp>
-      <p:sp>
-        <p:nvSpPr>
-          <p:cNvPr id="3" name="TextBox 2">
-            <a:extLst>
-              <a:ext uri="{FF2B5EF4-FFF2-40B4-BE49-F238E27FC236}">
-                <a16:creationId xmlns:a16="http://schemas.microsoft.com/office/drawing/2014/main" id="{D08FA683-F9A0-4D47-2C0D-61321642E019}"/>
-              </a:ext>
-            </a:extLst>
-          </p:cNvPr>
-          <p:cNvSpPr txBox="1"/>
-          <p:nvPr/>
-        </p:nvSpPr>
-        <p:spPr>
-          <a:xfrm>
-            <a:off x="5902761" y="3429000"/>
-            <a:ext cx="1828800" cy="369332"/>
-          </a:xfrm>
-          <a:prstGeom prst="rect">
-            <a:avLst/>
-          </a:prstGeom>
-          <a:noFill/>
-        </p:spPr>
-        <p:txBody>
-          <a:bodyPr wrap="square" rtlCol="0">
-            <a:spAutoFit/>
-          </a:bodyPr>
-          <a:lstStyle>
-            <a:defPPr>
-              <a:defRPr lang="en-US"/>
-            </a:defPPr>
-            <a:lvl1pPr marL="0" algn="l" defTabSz="914400" rtl="0" eaLnBrk="1" latinLnBrk="0" hangingPunct="1">
-              <a:defRPr sz="1800" kern="1200">
-                <a:solidFill>
-                  <a:schemeClr val="tx1"/>
-                </a:solidFill>
-                <a:latin typeface="+mn-lt"/>
-                <a:ea typeface="+mn-ea"/>
-                <a:cs typeface="+mn-cs"/>
-              </a:defRPr>
-            </a:lvl1pPr>
-            <a:lvl2pPr marL="457200" algn="l" defTabSz="914400" rtl="0" eaLnBrk="1" latinLnBrk="0" hangingPunct="1">
-              <a:defRPr sz="1800" kern="1200">
-                <a:solidFill>
-                  <a:schemeClr val="tx1"/>
-                </a:solidFill>
-                <a:latin typeface="+mn-lt"/>
-                <a:ea typeface="+mn-ea"/>
-                <a:cs typeface="+mn-cs"/>
-              </a:defRPr>
-            </a:lvl2pPr>
-            <a:lvl3pPr marL="914400" algn="l" defTabSz="914400" rtl="0" eaLnBrk="1" latinLnBrk="0" hangingPunct="1">
-              <a:defRPr sz="1800" kern="1200">
-                <a:solidFill>
-                  <a:schemeClr val="tx1"/>
-                </a:solidFill>
-                <a:latin typeface="+mn-lt"/>
-                <a:ea typeface="+mn-ea"/>
-                <a:cs typeface="+mn-cs"/>
-              </a:defRPr>
-            </a:lvl3pPr>
-            <a:lvl4pPr marL="1371600" algn="l" defTabSz="914400" rtl="0" eaLnBrk="1" latinLnBrk="0" hangingPunct="1">
-              <a:defRPr sz="1800" kern="1200">
-                <a:solidFill>
-                  <a:schemeClr val="tx1"/>
-                </a:solidFill>
-                <a:latin typeface="+mn-lt"/>
-                <a:ea typeface="+mn-ea"/>
-                <a:cs typeface="+mn-cs"/>
-              </a:defRPr>
-            </a:lvl4pPr>
-            <a:lvl5pPr marL="1828800" algn="l" defTabSz="914400" rtl="0" eaLnBrk="1" latinLnBrk="0" hangingPunct="1">
-              <a:defRPr sz="1800" kern="1200">
-                <a:solidFill>
-                  <a:schemeClr val="tx1"/>
-                </a:solidFill>
-                <a:latin typeface="+mn-lt"/>
-                <a:ea typeface="+mn-ea"/>
-                <a:cs typeface="+mn-cs"/>
-              </a:defRPr>
-            </a:lvl5pPr>
-            <a:lvl6pPr marL="2286000" algn="l" defTabSz="914400" rtl="0" eaLnBrk="1" latinLnBrk="0" hangingPunct="1">
-              <a:defRPr sz="1800" kern="1200">
-                <a:solidFill>
-                  <a:schemeClr val="tx1"/>
-                </a:solidFill>
-                <a:latin typeface="+mn-lt"/>
-                <a:ea typeface="+mn-ea"/>
-                <a:cs typeface="+mn-cs"/>
-              </a:defRPr>
-            </a:lvl6pPr>
-            <a:lvl7pPr marL="2743200" algn="l" defTabSz="914400" rtl="0" eaLnBrk="1" latinLnBrk="0" hangingPunct="1">
-              <a:defRPr sz="1800" kern="1200">
-                <a:solidFill>
-                  <a:schemeClr val="tx1"/>
-                </a:solidFill>
-                <a:latin typeface="+mn-lt"/>
-                <a:ea typeface="+mn-ea"/>
-                <a:cs typeface="+mn-cs"/>
-              </a:defRPr>
-            </a:lvl7pPr>
-            <a:lvl8pPr marL="3200400" algn="l" defTabSz="914400" rtl="0" eaLnBrk="1" latinLnBrk="0" hangingPunct="1">
-              <a:defRPr sz="1800" kern="1200">
-                <a:solidFill>
-                  <a:schemeClr val="tx1"/>
-                </a:solidFill>
-                <a:latin typeface="+mn-lt"/>
-                <a:ea typeface="+mn-ea"/>
-                <a:cs typeface="+mn-cs"/>
-              </a:defRPr>
-            </a:lvl8pPr>
-            <a:lvl9pPr marL="3657600" algn="l" defTabSz="914400" rtl="0" eaLnBrk="1" latinLnBrk="0" hangingPunct="1">
-              <a:defRPr sz="1800" kern="1200">
-                <a:solidFill>
-                  <a:schemeClr val="tx1"/>
-                </a:solidFill>
-                <a:latin typeface="+mn-lt"/>
-                <a:ea typeface="+mn-ea"/>
-                <a:cs typeface="+mn-cs"/>
-              </a:defRPr>
-            </a:lvl9pPr>
-          </a:lstStyle>
-          <a:p>
-            <a:pPr algn="l"/>
-            <a:r>
-              <a:rPr lang="en-US" dirty="0"/>
-              <a:t>07 05 240</a:t>
-            </a:r>
-          </a:p>
-        </p:txBody>
-      </p:sp>
-      <p:sp>
-        <p:nvSpPr>
-          <p:cNvPr id="4" name="TextBox 3">
-            <a:extLst>
-              <a:ext uri="{FF2B5EF4-FFF2-40B4-BE49-F238E27FC236}">
-                <a16:creationId xmlns:a16="http://schemas.microsoft.com/office/drawing/2014/main" id="{576C06CC-250A-FA54-D453-4B2CF9F6AFB1}"/>
-              </a:ext>
-            </a:extLst>
-          </p:cNvPr>
-          <p:cNvSpPr txBox="1"/>
-          <p:nvPr/>
-        </p:nvSpPr>
-        <p:spPr>
-          <a:xfrm>
-            <a:off x="10363200" y="3429000"/>
-            <a:ext cx="1828800" cy="369332"/>
-          </a:xfrm>
-          <a:prstGeom prst="rect">
-            <a:avLst/>
-          </a:prstGeom>
-          <a:noFill/>
-        </p:spPr>
-        <p:txBody>
-          <a:bodyPr wrap="square" rtlCol="0">
-            <a:spAutoFit/>
-          </a:bodyPr>
-          <a:lstStyle>
-            <a:defPPr>
-              <a:defRPr lang="en-US"/>
-            </a:defPPr>
-            <a:lvl1pPr marL="0" algn="l" defTabSz="914400" rtl="0" eaLnBrk="1" latinLnBrk="0" hangingPunct="1">
-              <a:defRPr sz="1800" kern="1200">
-                <a:solidFill>
-                  <a:schemeClr val="tx1"/>
-                </a:solidFill>
-                <a:latin typeface="+mn-lt"/>
-                <a:ea typeface="+mn-ea"/>
-                <a:cs typeface="+mn-cs"/>
-              </a:defRPr>
-            </a:lvl1pPr>
-            <a:lvl2pPr marL="457200" algn="l" defTabSz="914400" rtl="0" eaLnBrk="1" latinLnBrk="0" hangingPunct="1">
-              <a:defRPr sz="1800" kern="1200">
-                <a:solidFill>
-                  <a:schemeClr val="tx1"/>
-                </a:solidFill>
-                <a:latin typeface="+mn-lt"/>
-                <a:ea typeface="+mn-ea"/>
-                <a:cs typeface="+mn-cs"/>
-              </a:defRPr>
-            </a:lvl2pPr>
-            <a:lvl3pPr marL="914400" algn="l" defTabSz="914400" rtl="0" eaLnBrk="1" latinLnBrk="0" hangingPunct="1">
-              <a:defRPr sz="1800" kern="1200">
-                <a:solidFill>
-                  <a:schemeClr val="tx1"/>
-                </a:solidFill>
-                <a:latin typeface="+mn-lt"/>
-                <a:ea typeface="+mn-ea"/>
-                <a:cs typeface="+mn-cs"/>
-              </a:defRPr>
-            </a:lvl3pPr>
-            <a:lvl4pPr marL="1371600" algn="l" defTabSz="914400" rtl="0" eaLnBrk="1" latinLnBrk="0" hangingPunct="1">
-              <a:defRPr sz="1800" kern="1200">
-                <a:solidFill>
-                  <a:schemeClr val="tx1"/>
-                </a:solidFill>
-                <a:latin typeface="+mn-lt"/>
-                <a:ea typeface="+mn-ea"/>
-                <a:cs typeface="+mn-cs"/>
-              </a:defRPr>
-            </a:lvl4pPr>
-            <a:lvl5pPr marL="1828800" algn="l" defTabSz="914400" rtl="0" eaLnBrk="1" latinLnBrk="0" hangingPunct="1">
-              <a:defRPr sz="1800" kern="1200">
-                <a:solidFill>
-                  <a:schemeClr val="tx1"/>
-                </a:solidFill>
-                <a:latin typeface="+mn-lt"/>
-                <a:ea typeface="+mn-ea"/>
-                <a:cs typeface="+mn-cs"/>
-              </a:defRPr>
-            </a:lvl5pPr>
-            <a:lvl6pPr marL="2286000" algn="l" defTabSz="914400" rtl="0" eaLnBrk="1" latinLnBrk="0" hangingPunct="1">
-              <a:defRPr sz="1800" kern="1200">
-                <a:solidFill>
-                  <a:schemeClr val="tx1"/>
-                </a:solidFill>
-                <a:latin typeface="+mn-lt"/>
-                <a:ea typeface="+mn-ea"/>
-                <a:cs typeface="+mn-cs"/>
-              </a:defRPr>
-            </a:lvl6pPr>
-            <a:lvl7pPr marL="2743200" algn="l" defTabSz="914400" rtl="0" eaLnBrk="1" latinLnBrk="0" hangingPunct="1">
-              <a:defRPr sz="1800" kern="1200">
-                <a:solidFill>
-                  <a:schemeClr val="tx1"/>
-                </a:solidFill>
-                <a:latin typeface="+mn-lt"/>
-                <a:ea typeface="+mn-ea"/>
-                <a:cs typeface="+mn-cs"/>
-              </a:defRPr>
-            </a:lvl7pPr>
-            <a:lvl8pPr marL="3200400" algn="l" defTabSz="914400" rtl="0" eaLnBrk="1" latinLnBrk="0" hangingPunct="1">
-              <a:defRPr sz="1800" kern="1200">
-                <a:solidFill>
-                  <a:schemeClr val="tx1"/>
-                </a:solidFill>
-                <a:latin typeface="+mn-lt"/>
-                <a:ea typeface="+mn-ea"/>
-                <a:cs typeface="+mn-cs"/>
-              </a:defRPr>
-            </a:lvl8pPr>
-            <a:lvl9pPr marL="3657600" algn="l" defTabSz="914400" rtl="0" eaLnBrk="1" latinLnBrk="0" hangingPunct="1">
-              <a:defRPr sz="1800" kern="1200">
-                <a:solidFill>
-                  <a:schemeClr val="tx1"/>
-                </a:solidFill>
-                <a:latin typeface="+mn-lt"/>
-                <a:ea typeface="+mn-ea"/>
-                <a:cs typeface="+mn-cs"/>
-              </a:defRPr>
-            </a:lvl9pPr>
-          </a:lstStyle>
-          <a:p>
-            <a:pPr algn="l"/>
-            <a:r>
-              <a:rPr lang="en-US" dirty="0"/>
-              <a:t>07 05 220</a:t>
-            </a:r>
-          </a:p>
-        </p:txBody>
-      </p:sp>
-      <p:sp>
-        <p:nvSpPr>
-          <p:cNvPr id="5" name="TextBox 4">
-            <a:extLst>
-              <a:ext uri="{FF2B5EF4-FFF2-40B4-BE49-F238E27FC236}">
-                <a16:creationId xmlns:a16="http://schemas.microsoft.com/office/drawing/2014/main" id="{5A5F8213-A5B0-C703-3508-3A99FE169531}"/>
-              </a:ext>
-            </a:extLst>
-          </p:cNvPr>
-          <p:cNvSpPr txBox="1"/>
-          <p:nvPr/>
-        </p:nvSpPr>
-        <p:spPr>
-          <a:xfrm>
-            <a:off x="931832" y="112912"/>
-            <a:ext cx="1828800" cy="369332"/>
-          </a:xfrm>
-          <a:prstGeom prst="rect">
-            <a:avLst/>
-          </a:prstGeom>
-          <a:noFill/>
-        </p:spPr>
-        <p:txBody>
-          <a:bodyPr rot="0" spcFirstLastPara="0" vert="horz" wrap="square" lIns="91440" tIns="45720" rIns="91440" bIns="45720" numCol="1" spcCol="0" rtlCol="0" fromWordArt="0" anchor="t" anchorCtr="0" forceAA="0" compatLnSpc="1">
-            <a:prstTxWarp prst="textNoShape">
-              <a:avLst/>
-            </a:prstTxWarp>
-            <a:spAutoFit/>
-          </a:bodyPr>
-          <a:lstStyle>
-            <a:defPPr>
-              <a:defRPr lang="en-US"/>
-            </a:defPPr>
-            <a:lvl1pPr marL="0" algn="l" defTabSz="914400" rtl="0" eaLnBrk="1" latinLnBrk="0" hangingPunct="1">
-              <a:defRPr sz="1800" kern="1200">
-                <a:solidFill>
-                  <a:schemeClr val="tx1"/>
-                </a:solidFill>
-                <a:latin typeface="+mn-lt"/>
-                <a:ea typeface="+mn-ea"/>
-                <a:cs typeface="+mn-cs"/>
-              </a:defRPr>
-            </a:lvl1pPr>
-            <a:lvl2pPr marL="457200" algn="l" defTabSz="914400" rtl="0" eaLnBrk="1" latinLnBrk="0" hangingPunct="1">
-              <a:defRPr sz="1800" kern="1200">
-                <a:solidFill>
-                  <a:schemeClr val="tx1"/>
-                </a:solidFill>
-                <a:latin typeface="+mn-lt"/>
-                <a:ea typeface="+mn-ea"/>
-                <a:cs typeface="+mn-cs"/>
-              </a:defRPr>
-            </a:lvl2pPr>
-            <a:lvl3pPr marL="914400" algn="l" defTabSz="914400" rtl="0" eaLnBrk="1" latinLnBrk="0" hangingPunct="1">
-              <a:defRPr sz="1800" kern="1200">
-                <a:solidFill>
-                  <a:schemeClr val="tx1"/>
-                </a:solidFill>
-                <a:latin typeface="+mn-lt"/>
-                <a:ea typeface="+mn-ea"/>
-                <a:cs typeface="+mn-cs"/>
-              </a:defRPr>
-            </a:lvl3pPr>
-            <a:lvl4pPr marL="1371600" algn="l" defTabSz="914400" rtl="0" eaLnBrk="1" latinLnBrk="0" hangingPunct="1">
-              <a:defRPr sz="1800" kern="1200">
-                <a:solidFill>
-                  <a:schemeClr val="tx1"/>
-                </a:solidFill>
-                <a:latin typeface="+mn-lt"/>
-                <a:ea typeface="+mn-ea"/>
-                <a:cs typeface="+mn-cs"/>
-              </a:defRPr>
-            </a:lvl4pPr>
-            <a:lvl5pPr marL="1828800" algn="l" defTabSz="914400" rtl="0" eaLnBrk="1" latinLnBrk="0" hangingPunct="1">
-              <a:defRPr sz="1800" kern="1200">
-                <a:solidFill>
-                  <a:schemeClr val="tx1"/>
-                </a:solidFill>
-                <a:latin typeface="+mn-lt"/>
-                <a:ea typeface="+mn-ea"/>
-                <a:cs typeface="+mn-cs"/>
-              </a:defRPr>
-            </a:lvl5pPr>
-            <a:lvl6pPr marL="2286000" algn="l" defTabSz="914400" rtl="0" eaLnBrk="1" latinLnBrk="0" hangingPunct="1">
-              <a:defRPr sz="1800" kern="1200">
-                <a:solidFill>
-                  <a:schemeClr val="tx1"/>
-                </a:solidFill>
-                <a:latin typeface="+mn-lt"/>
-                <a:ea typeface="+mn-ea"/>
-                <a:cs typeface="+mn-cs"/>
-              </a:defRPr>
-            </a:lvl6pPr>
-            <a:lvl7pPr marL="2743200" algn="l" defTabSz="914400" rtl="0" eaLnBrk="1" latinLnBrk="0" hangingPunct="1">
-              <a:defRPr sz="1800" kern="1200">
-                <a:solidFill>
-                  <a:schemeClr val="tx1"/>
-                </a:solidFill>
-                <a:latin typeface="+mn-lt"/>
-                <a:ea typeface="+mn-ea"/>
-                <a:cs typeface="+mn-cs"/>
-              </a:defRPr>
-            </a:lvl7pPr>
-            <a:lvl8pPr marL="3200400" algn="l" defTabSz="914400" rtl="0" eaLnBrk="1" latinLnBrk="0" hangingPunct="1">
-              <a:defRPr sz="1800" kern="1200">
-                <a:solidFill>
-                  <a:schemeClr val="tx1"/>
-                </a:solidFill>
-                <a:latin typeface="+mn-lt"/>
-                <a:ea typeface="+mn-ea"/>
-                <a:cs typeface="+mn-cs"/>
-              </a:defRPr>
-            </a:lvl8pPr>
-            <a:lvl9pPr marL="3657600" algn="l" defTabSz="914400" rtl="0" eaLnBrk="1" latinLnBrk="0" hangingPunct="1">
-              <a:defRPr sz="1800" kern="1200">
-                <a:solidFill>
-                  <a:schemeClr val="tx1"/>
-                </a:solidFill>
-                <a:latin typeface="+mn-lt"/>
-                <a:ea typeface="+mn-ea"/>
-                <a:cs typeface="+mn-cs"/>
-              </a:defRPr>
-            </a:lvl9pPr>
-          </a:lstStyle>
-          <a:p>
-            <a:pPr algn="l"/>
-            <a:r>
-              <a:rPr lang="en-US" dirty="0"/>
-              <a:t>06 05 260</a:t>
-            </a:r>
-          </a:p>
-        </p:txBody>
-      </p:sp>
-      <p:sp>
-        <p:nvSpPr>
-          <p:cNvPr id="6" name="TextBox 5">
-            <a:extLst>
-              <a:ext uri="{FF2B5EF4-FFF2-40B4-BE49-F238E27FC236}">
-                <a16:creationId xmlns:a16="http://schemas.microsoft.com/office/drawing/2014/main" id="{534E573E-50CE-C5BA-55BB-CD22FE9C4795}"/>
-              </a:ext>
-            </a:extLst>
-          </p:cNvPr>
-          <p:cNvSpPr txBox="1"/>
-          <p:nvPr/>
-        </p:nvSpPr>
-        <p:spPr>
-          <a:xfrm>
-            <a:off x="5902761" y="112912"/>
-            <a:ext cx="1828800" cy="369332"/>
-          </a:xfrm>
-          <a:prstGeom prst="rect">
-            <a:avLst/>
-          </a:prstGeom>
-          <a:noFill/>
-        </p:spPr>
-        <p:txBody>
-          <a:bodyPr rot="0" spcFirstLastPara="0" vert="horz" wrap="square" lIns="91440" tIns="45720" rIns="91440" bIns="45720" numCol="1" spcCol="0" rtlCol="0" fromWordArt="0" anchor="t" anchorCtr="0" forceAA="0" compatLnSpc="1">
-            <a:prstTxWarp prst="textNoShape">
-              <a:avLst/>
-            </a:prstTxWarp>
-            <a:spAutoFit/>
-          </a:bodyPr>
-          <a:lstStyle>
-            <a:defPPr>
-              <a:defRPr lang="en-US"/>
-            </a:defPPr>
-            <a:lvl1pPr marL="0" algn="l" defTabSz="914400" rtl="0" eaLnBrk="1" latinLnBrk="0" hangingPunct="1">
-              <a:defRPr sz="1800" kern="1200">
-                <a:solidFill>
-                  <a:schemeClr val="tx1"/>
-                </a:solidFill>
-                <a:latin typeface="+mn-lt"/>
-                <a:ea typeface="+mn-ea"/>
-                <a:cs typeface="+mn-cs"/>
-              </a:defRPr>
-            </a:lvl1pPr>
-            <a:lvl2pPr marL="457200" algn="l" defTabSz="914400" rtl="0" eaLnBrk="1" latinLnBrk="0" hangingPunct="1">
-              <a:defRPr sz="1800" kern="1200">
-                <a:solidFill>
-                  <a:schemeClr val="tx1"/>
-                </a:solidFill>
-                <a:latin typeface="+mn-lt"/>
-                <a:ea typeface="+mn-ea"/>
-                <a:cs typeface="+mn-cs"/>
-              </a:defRPr>
-            </a:lvl2pPr>
-            <a:lvl3pPr marL="914400" algn="l" defTabSz="914400" rtl="0" eaLnBrk="1" latinLnBrk="0" hangingPunct="1">
-              <a:defRPr sz="1800" kern="1200">
-                <a:solidFill>
-                  <a:schemeClr val="tx1"/>
-                </a:solidFill>
-                <a:latin typeface="+mn-lt"/>
-                <a:ea typeface="+mn-ea"/>
-                <a:cs typeface="+mn-cs"/>
-              </a:defRPr>
-            </a:lvl3pPr>
-            <a:lvl4pPr marL="1371600" algn="l" defTabSz="914400" rtl="0" eaLnBrk="1" latinLnBrk="0" hangingPunct="1">
-              <a:defRPr sz="1800" kern="1200">
-                <a:solidFill>
-                  <a:schemeClr val="tx1"/>
-                </a:solidFill>
-                <a:latin typeface="+mn-lt"/>
-                <a:ea typeface="+mn-ea"/>
-                <a:cs typeface="+mn-cs"/>
-              </a:defRPr>
-            </a:lvl4pPr>
-            <a:lvl5pPr marL="1828800" algn="l" defTabSz="914400" rtl="0" eaLnBrk="1" latinLnBrk="0" hangingPunct="1">
-              <a:defRPr sz="1800" kern="1200">
-                <a:solidFill>
-                  <a:schemeClr val="tx1"/>
-                </a:solidFill>
-                <a:latin typeface="+mn-lt"/>
-                <a:ea typeface="+mn-ea"/>
-                <a:cs typeface="+mn-cs"/>
-              </a:defRPr>
-            </a:lvl5pPr>
-            <a:lvl6pPr marL="2286000" algn="l" defTabSz="914400" rtl="0" eaLnBrk="1" latinLnBrk="0" hangingPunct="1">
-              <a:defRPr sz="1800" kern="1200">
-                <a:solidFill>
-                  <a:schemeClr val="tx1"/>
-                </a:solidFill>
-                <a:latin typeface="+mn-lt"/>
-                <a:ea typeface="+mn-ea"/>
-                <a:cs typeface="+mn-cs"/>
-              </a:defRPr>
-            </a:lvl6pPr>
-            <a:lvl7pPr marL="2743200" algn="l" defTabSz="914400" rtl="0" eaLnBrk="1" latinLnBrk="0" hangingPunct="1">
-              <a:defRPr sz="1800" kern="1200">
-                <a:solidFill>
-                  <a:schemeClr val="tx1"/>
-                </a:solidFill>
-                <a:latin typeface="+mn-lt"/>
-                <a:ea typeface="+mn-ea"/>
-                <a:cs typeface="+mn-cs"/>
-              </a:defRPr>
-            </a:lvl7pPr>
-            <a:lvl8pPr marL="3200400" algn="l" defTabSz="914400" rtl="0" eaLnBrk="1" latinLnBrk="0" hangingPunct="1">
-              <a:defRPr sz="1800" kern="1200">
-                <a:solidFill>
-                  <a:schemeClr val="tx1"/>
-                </a:solidFill>
-                <a:latin typeface="+mn-lt"/>
-                <a:ea typeface="+mn-ea"/>
-                <a:cs typeface="+mn-cs"/>
-              </a:defRPr>
-            </a:lvl8pPr>
-            <a:lvl9pPr marL="3657600" algn="l" defTabSz="914400" rtl="0" eaLnBrk="1" latinLnBrk="0" hangingPunct="1">
-              <a:defRPr sz="1800" kern="1200">
-                <a:solidFill>
-                  <a:schemeClr val="tx1"/>
-                </a:solidFill>
-                <a:latin typeface="+mn-lt"/>
-                <a:ea typeface="+mn-ea"/>
-                <a:cs typeface="+mn-cs"/>
-              </a:defRPr>
-            </a:lvl9pPr>
-          </a:lstStyle>
-          <a:p>
-            <a:pPr algn="l"/>
-            <a:r>
-              <a:rPr lang="en-US" dirty="0"/>
-              <a:t>06 05 240</a:t>
-            </a:r>
-          </a:p>
-        </p:txBody>
-      </p:sp>
-      <p:sp>
-        <p:nvSpPr>
-          <p:cNvPr id="7" name="TextBox 6">
-            <a:extLst>
-              <a:ext uri="{FF2B5EF4-FFF2-40B4-BE49-F238E27FC236}">
-                <a16:creationId xmlns:a16="http://schemas.microsoft.com/office/drawing/2014/main" id="{7CF49E84-3AF4-905F-EA46-D114456B9191}"/>
-              </a:ext>
-            </a:extLst>
-          </p:cNvPr>
-          <p:cNvSpPr txBox="1"/>
-          <p:nvPr/>
-        </p:nvSpPr>
-        <p:spPr>
-          <a:xfrm>
-            <a:off x="10363200" y="112912"/>
-            <a:ext cx="1828800" cy="369332"/>
-          </a:xfrm>
-          <a:prstGeom prst="rect">
-            <a:avLst/>
-          </a:prstGeom>
-          <a:noFill/>
-        </p:spPr>
-        <p:txBody>
-          <a:bodyPr rot="0" spcFirstLastPara="0" vert="horz" wrap="square" lIns="91440" tIns="45720" rIns="91440" bIns="45720" numCol="1" spcCol="0" rtlCol="0" fromWordArt="0" anchor="t" anchorCtr="0" forceAA="0" compatLnSpc="1">
-            <a:prstTxWarp prst="textNoShape">
-              <a:avLst/>
-            </a:prstTxWarp>
-            <a:spAutoFit/>
-          </a:bodyPr>
-          <a:lstStyle>
-            <a:defPPr>
-              <a:defRPr lang="en-US"/>
-            </a:defPPr>
-            <a:lvl1pPr marL="0" algn="l" defTabSz="914400" rtl="0" eaLnBrk="1" latinLnBrk="0" hangingPunct="1">
-              <a:defRPr sz="1800" kern="1200">
-                <a:solidFill>
-                  <a:schemeClr val="tx1"/>
-                </a:solidFill>
-                <a:latin typeface="+mn-lt"/>
-                <a:ea typeface="+mn-ea"/>
-                <a:cs typeface="+mn-cs"/>
-              </a:defRPr>
-            </a:lvl1pPr>
-            <a:lvl2pPr marL="457200" algn="l" defTabSz="914400" rtl="0" eaLnBrk="1" latinLnBrk="0" hangingPunct="1">
-              <a:defRPr sz="1800" kern="1200">
-                <a:solidFill>
-                  <a:schemeClr val="tx1"/>
-                </a:solidFill>
-                <a:latin typeface="+mn-lt"/>
-                <a:ea typeface="+mn-ea"/>
-                <a:cs typeface="+mn-cs"/>
-              </a:defRPr>
-            </a:lvl2pPr>
-            <a:lvl3pPr marL="914400" algn="l" defTabSz="914400" rtl="0" eaLnBrk="1" latinLnBrk="0" hangingPunct="1">
-              <a:defRPr sz="1800" kern="1200">
-                <a:solidFill>
-                  <a:schemeClr val="tx1"/>
-                </a:solidFill>
-                <a:latin typeface="+mn-lt"/>
-                <a:ea typeface="+mn-ea"/>
-                <a:cs typeface="+mn-cs"/>
-              </a:defRPr>
-            </a:lvl3pPr>
-            <a:lvl4pPr marL="1371600" algn="l" defTabSz="914400" rtl="0" eaLnBrk="1" latinLnBrk="0" hangingPunct="1">
-              <a:defRPr sz="1800" kern="1200">
-                <a:solidFill>
-                  <a:schemeClr val="tx1"/>
-                </a:solidFill>
-                <a:latin typeface="+mn-lt"/>
-                <a:ea typeface="+mn-ea"/>
-                <a:cs typeface="+mn-cs"/>
-              </a:defRPr>
-            </a:lvl4pPr>
-            <a:lvl5pPr marL="1828800" algn="l" defTabSz="914400" rtl="0" eaLnBrk="1" latinLnBrk="0" hangingPunct="1">
-              <a:defRPr sz="1800" kern="1200">
-                <a:solidFill>
-                  <a:schemeClr val="tx1"/>
-                </a:solidFill>
-                <a:latin typeface="+mn-lt"/>
-                <a:ea typeface="+mn-ea"/>
-                <a:cs typeface="+mn-cs"/>
-              </a:defRPr>
-            </a:lvl5pPr>
-            <a:lvl6pPr marL="2286000" algn="l" defTabSz="914400" rtl="0" eaLnBrk="1" latinLnBrk="0" hangingPunct="1">
-              <a:defRPr sz="1800" kern="1200">
-                <a:solidFill>
-                  <a:schemeClr val="tx1"/>
-                </a:solidFill>
-                <a:latin typeface="+mn-lt"/>
-                <a:ea typeface="+mn-ea"/>
-                <a:cs typeface="+mn-cs"/>
-              </a:defRPr>
-            </a:lvl6pPr>
-            <a:lvl7pPr marL="2743200" algn="l" defTabSz="914400" rtl="0" eaLnBrk="1" latinLnBrk="0" hangingPunct="1">
-              <a:defRPr sz="1800" kern="1200">
-                <a:solidFill>
-                  <a:schemeClr val="tx1"/>
-                </a:solidFill>
-                <a:latin typeface="+mn-lt"/>
-                <a:ea typeface="+mn-ea"/>
-                <a:cs typeface="+mn-cs"/>
-              </a:defRPr>
-            </a:lvl7pPr>
-            <a:lvl8pPr marL="3200400" algn="l" defTabSz="914400" rtl="0" eaLnBrk="1" latinLnBrk="0" hangingPunct="1">
-              <a:defRPr sz="1800" kern="1200">
-                <a:solidFill>
-                  <a:schemeClr val="tx1"/>
-                </a:solidFill>
-                <a:latin typeface="+mn-lt"/>
-                <a:ea typeface="+mn-ea"/>
-                <a:cs typeface="+mn-cs"/>
-              </a:defRPr>
-            </a:lvl8pPr>
-            <a:lvl9pPr marL="3657600" algn="l" defTabSz="914400" rtl="0" eaLnBrk="1" latinLnBrk="0" hangingPunct="1">
-              <a:defRPr sz="1800" kern="1200">
-                <a:solidFill>
-                  <a:schemeClr val="tx1"/>
-                </a:solidFill>
-                <a:latin typeface="+mn-lt"/>
-                <a:ea typeface="+mn-ea"/>
-                <a:cs typeface="+mn-cs"/>
-              </a:defRPr>
-            </a:lvl9pPr>
-          </a:lstStyle>
-          <a:p>
-            <a:pPr algn="l"/>
-            <a:r>
-              <a:rPr lang="en-US" dirty="0"/>
-              <a:t>06 05 220</a:t>
-            </a:r>
-          </a:p>
-        </p:txBody>
-      </p:sp>
-      <p:pic>
-        <p:nvPicPr>
-          <p:cNvPr id="2050" name="Picture 2">
-            <a:extLst>
-              <a:ext uri="{FF2B5EF4-FFF2-40B4-BE49-F238E27FC236}">
-                <a16:creationId xmlns:a16="http://schemas.microsoft.com/office/drawing/2014/main" id="{70B8CA5F-1E3D-4E7D-0823-62A8E2E17E0F}"/>
-              </a:ext>
-            </a:extLst>
-          </p:cNvPr>
-          <p:cNvPicPr>
-            <a:picLocks noChangeAspect="1" noChangeArrowheads="1"/>
-          </p:cNvPicPr>
-          <p:nvPr/>
-        </p:nvPicPr>
-        <p:blipFill>
-          <a:blip r:embed="rId2">
-            <a:extLst>
-              <a:ext uri="{28A0092B-C50C-407E-A947-70E740481C1C}">
-                <a14:useLocalDpi xmlns:a14="http://schemas.microsoft.com/office/drawing/2010/main" val="0"/>
-              </a:ext>
-            </a:extLst>
-          </a:blip>
-          <a:srcRect/>
-          <a:stretch>
-            <a:fillRect/>
-          </a:stretch>
-        </p:blipFill>
-        <p:spPr bwMode="auto">
-          <a:xfrm>
-            <a:off x="8863764" y="482244"/>
-            <a:ext cx="3328236" cy="2517204"/>
-          </a:xfrm>
-          <a:prstGeom prst="rect">
-            <a:avLst/>
-          </a:prstGeom>
-          <a:noFill/>
-          <a:extLst>
-            <a:ext uri="{909E8E84-426E-40DD-AFC4-6F175D3DCCD1}">
-              <a14:hiddenFill xmlns:a14="http://schemas.microsoft.com/office/drawing/2010/main">
-                <a:solidFill>
-                  <a:srgbClr val="FFFFFF"/>
-                </a:solidFill>
-              </a14:hiddenFill>
-            </a:ext>
-          </a:extLst>
-        </p:spPr>
-      </p:pic>
-      <p:pic>
-        <p:nvPicPr>
-          <p:cNvPr id="2052" name="Picture 4">
-            <a:extLst>
-              <a:ext uri="{FF2B5EF4-FFF2-40B4-BE49-F238E27FC236}">
-                <a16:creationId xmlns:a16="http://schemas.microsoft.com/office/drawing/2014/main" id="{F7623D9B-4683-1363-0E15-FD172323F19F}"/>
-              </a:ext>
-            </a:extLst>
-          </p:cNvPr>
-          <p:cNvPicPr>
-            <a:picLocks noChangeAspect="1" noChangeArrowheads="1"/>
-          </p:cNvPicPr>
-          <p:nvPr/>
-        </p:nvPicPr>
-        <p:blipFill>
-          <a:blip r:embed="rId3">
-            <a:extLst>
-              <a:ext uri="{28A0092B-C50C-407E-A947-70E740481C1C}">
-                <a14:useLocalDpi xmlns:a14="http://schemas.microsoft.com/office/drawing/2010/main" val="0"/>
-              </a:ext>
-            </a:extLst>
-          </a:blip>
-          <a:srcRect/>
-          <a:stretch>
-            <a:fillRect/>
-          </a:stretch>
-        </p:blipFill>
-        <p:spPr bwMode="auto">
-          <a:xfrm>
-            <a:off x="4621128" y="482244"/>
-            <a:ext cx="3328236" cy="2517204"/>
-          </a:xfrm>
-          <a:prstGeom prst="rect">
-            <a:avLst/>
-          </a:prstGeom>
-          <a:noFill/>
-          <a:extLst>
-            <a:ext uri="{909E8E84-426E-40DD-AFC4-6F175D3DCCD1}">
-              <a14:hiddenFill xmlns:a14="http://schemas.microsoft.com/office/drawing/2010/main">
-                <a:solidFill>
-                  <a:srgbClr val="FFFFFF"/>
-                </a:solidFill>
-              </a14:hiddenFill>
-            </a:ext>
-          </a:extLst>
-        </p:spPr>
-      </p:pic>
-      <p:pic>
-        <p:nvPicPr>
-          <p:cNvPr id="8" name="Picture 7">
-            <a:extLst>
-              <a:ext uri="{FF2B5EF4-FFF2-40B4-BE49-F238E27FC236}">
-                <a16:creationId xmlns:a16="http://schemas.microsoft.com/office/drawing/2014/main" id="{66E6DF2E-6E03-4336-8738-31E884C40838}"/>
-              </a:ext>
-            </a:extLst>
-          </p:cNvPr>
-          <p:cNvPicPr>
-            <a:picLocks noChangeAspect="1"/>
-          </p:cNvPicPr>
-          <p:nvPr/>
-        </p:nvPicPr>
-        <p:blipFill>
-          <a:blip r:embed="rId4"/>
-          <a:stretch>
-            <a:fillRect/>
-          </a:stretch>
-        </p:blipFill>
-        <p:spPr>
-          <a:xfrm>
-            <a:off x="182114" y="489854"/>
-            <a:ext cx="3328236" cy="2517204"/>
-          </a:xfrm>
-          <a:prstGeom prst="rect">
-            <a:avLst/>
-          </a:prstGeom>
-        </p:spPr>
-      </p:pic>
-      <p:pic>
-        <p:nvPicPr>
-          <p:cNvPr id="2054" name="Picture 6">
-            <a:extLst>
-              <a:ext uri="{FF2B5EF4-FFF2-40B4-BE49-F238E27FC236}">
-                <a16:creationId xmlns:a16="http://schemas.microsoft.com/office/drawing/2014/main" id="{89832D12-2749-D7C9-B675-CDA7790EE7F7}"/>
-              </a:ext>
-            </a:extLst>
-          </p:cNvPr>
-          <p:cNvPicPr>
-            <a:picLocks noChangeAspect="1" noChangeArrowheads="1"/>
-          </p:cNvPicPr>
-          <p:nvPr/>
-        </p:nvPicPr>
-        <p:blipFill>
-          <a:blip r:embed="rId5">
-            <a:extLst>
-              <a:ext uri="{28A0092B-C50C-407E-A947-70E740481C1C}">
-                <a14:useLocalDpi xmlns:a14="http://schemas.microsoft.com/office/drawing/2010/main" val="0"/>
-              </a:ext>
-            </a:extLst>
-          </a:blip>
-          <a:srcRect/>
-          <a:stretch>
-            <a:fillRect/>
-          </a:stretch>
-        </p:blipFill>
-        <p:spPr bwMode="auto">
-          <a:xfrm>
-            <a:off x="182114" y="4062316"/>
-            <a:ext cx="3328236" cy="2517204"/>
-          </a:xfrm>
-          <a:prstGeom prst="rect">
-            <a:avLst/>
-          </a:prstGeom>
-          <a:noFill/>
-          <a:extLst>
-            <a:ext uri="{909E8E84-426E-40DD-AFC4-6F175D3DCCD1}">
-              <a14:hiddenFill xmlns:a14="http://schemas.microsoft.com/office/drawing/2010/main">
-                <a:solidFill>
-                  <a:srgbClr val="FFFFFF"/>
-                </a:solidFill>
-              </a14:hiddenFill>
-            </a:ext>
-          </a:extLst>
-        </p:spPr>
-      </p:pic>
-      <p:pic>
-        <p:nvPicPr>
-          <p:cNvPr id="2056" name="Picture 8">
-            <a:extLst>
-              <a:ext uri="{FF2B5EF4-FFF2-40B4-BE49-F238E27FC236}">
-                <a16:creationId xmlns:a16="http://schemas.microsoft.com/office/drawing/2014/main" id="{023528C3-2D29-F131-CE1E-F733991C8E2D}"/>
-              </a:ext>
-            </a:extLst>
-          </p:cNvPr>
-          <p:cNvPicPr>
-            <a:picLocks noChangeAspect="1" noChangeArrowheads="1"/>
-          </p:cNvPicPr>
-          <p:nvPr/>
-        </p:nvPicPr>
-        <p:blipFill>
-          <a:blip r:embed="rId6">
-            <a:extLst>
-              <a:ext uri="{28A0092B-C50C-407E-A947-70E740481C1C}">
-                <a14:useLocalDpi xmlns:a14="http://schemas.microsoft.com/office/drawing/2010/main" val="0"/>
-              </a:ext>
-            </a:extLst>
-          </a:blip>
-          <a:srcRect/>
-          <a:stretch>
-            <a:fillRect/>
-          </a:stretch>
-        </p:blipFill>
-        <p:spPr bwMode="auto">
-          <a:xfrm>
-            <a:off x="4621128" y="4062316"/>
-            <a:ext cx="3328236" cy="2517204"/>
-          </a:xfrm>
-          <a:prstGeom prst="rect">
-            <a:avLst/>
-          </a:prstGeom>
-          <a:noFill/>
-          <a:extLst>
-            <a:ext uri="{909E8E84-426E-40DD-AFC4-6F175D3DCCD1}">
-              <a14:hiddenFill xmlns:a14="http://schemas.microsoft.com/office/drawing/2010/main">
-                <a:solidFill>
-                  <a:srgbClr val="FFFFFF"/>
-                </a:solidFill>
-              </a14:hiddenFill>
-            </a:ext>
-          </a:extLst>
-        </p:spPr>
-      </p:pic>
-      <p:pic>
-        <p:nvPicPr>
-          <p:cNvPr id="2058" name="Picture 10">
-            <a:extLst>
-              <a:ext uri="{FF2B5EF4-FFF2-40B4-BE49-F238E27FC236}">
-                <a16:creationId xmlns:a16="http://schemas.microsoft.com/office/drawing/2014/main" id="{C5EE4768-A9A0-A459-45D9-62C25B4696C8}"/>
-              </a:ext>
-            </a:extLst>
-          </p:cNvPr>
-          <p:cNvPicPr>
-            <a:picLocks noChangeAspect="1" noChangeArrowheads="1"/>
-          </p:cNvPicPr>
-          <p:nvPr/>
-        </p:nvPicPr>
-        <p:blipFill>
-          <a:blip r:embed="rId7">
-            <a:extLst>
-              <a:ext uri="{28A0092B-C50C-407E-A947-70E740481C1C}">
-                <a14:useLocalDpi xmlns:a14="http://schemas.microsoft.com/office/drawing/2010/main" val="0"/>
-              </a:ext>
-            </a:extLst>
-          </a:blip>
-          <a:srcRect/>
-          <a:stretch>
-            <a:fillRect/>
-          </a:stretch>
-        </p:blipFill>
-        <p:spPr bwMode="auto">
-          <a:xfrm>
-            <a:off x="8833803" y="4025463"/>
-            <a:ext cx="3328236" cy="2517204"/>
-          </a:xfrm>
-          <a:prstGeom prst="rect">
-            <a:avLst/>
-          </a:prstGeom>
-          <a:noFill/>
-          <a:extLst>
-            <a:ext uri="{909E8E84-426E-40DD-AFC4-6F175D3DCCD1}">
-              <a14:hiddenFill xmlns:a14="http://schemas.microsoft.com/office/drawing/2010/main">
-                <a:solidFill>
-                  <a:srgbClr val="FFFFFF"/>
-                </a:solidFill>
-              </a14:hiddenFill>
-            </a:ext>
-          </a:extLst>
-        </p:spPr>
-      </p:pic>
-    </p:spTree>
-    <p:extLst>
-      <p:ext uri="{BB962C8B-B14F-4D97-AF65-F5344CB8AC3E}">
-        <p14:creationId xmlns:p14="http://schemas.microsoft.com/office/powerpoint/2010/main" val="3915003146"/>
       </p:ext>
     </p:extLst>
   </p:cSld>
@@ -11459,6 +10459,1090 @@
           <p:cNvPr id="2" name="TextBox 1">
             <a:extLst>
               <a:ext uri="{FF2B5EF4-FFF2-40B4-BE49-F238E27FC236}">
+                <a16:creationId xmlns:a16="http://schemas.microsoft.com/office/drawing/2014/main" id="{B4A7CCA5-ECF0-8052-0786-C643323DF650}"/>
+              </a:ext>
+            </a:extLst>
+          </p:cNvPr>
+          <p:cNvSpPr txBox="1"/>
+          <p:nvPr/>
+        </p:nvSpPr>
+        <p:spPr>
+          <a:xfrm>
+            <a:off x="931832" y="3429000"/>
+            <a:ext cx="1828800" cy="369332"/>
+          </a:xfrm>
+          <a:prstGeom prst="rect">
+            <a:avLst/>
+          </a:prstGeom>
+          <a:noFill/>
+        </p:spPr>
+        <p:txBody>
+          <a:bodyPr wrap="square" rtlCol="0">
+            <a:spAutoFit/>
+          </a:bodyPr>
+          <a:lstStyle>
+            <a:defPPr>
+              <a:defRPr lang="en-US"/>
+            </a:defPPr>
+            <a:lvl1pPr marL="0" algn="l" defTabSz="914400" rtl="0" eaLnBrk="1" latinLnBrk="0" hangingPunct="1">
+              <a:defRPr sz="1800" kern="1200">
+                <a:solidFill>
+                  <a:schemeClr val="tx1"/>
+                </a:solidFill>
+                <a:latin typeface="+mn-lt"/>
+                <a:ea typeface="+mn-ea"/>
+                <a:cs typeface="+mn-cs"/>
+              </a:defRPr>
+            </a:lvl1pPr>
+            <a:lvl2pPr marL="457200" algn="l" defTabSz="914400" rtl="0" eaLnBrk="1" latinLnBrk="0" hangingPunct="1">
+              <a:defRPr sz="1800" kern="1200">
+                <a:solidFill>
+                  <a:schemeClr val="tx1"/>
+                </a:solidFill>
+                <a:latin typeface="+mn-lt"/>
+                <a:ea typeface="+mn-ea"/>
+                <a:cs typeface="+mn-cs"/>
+              </a:defRPr>
+            </a:lvl2pPr>
+            <a:lvl3pPr marL="914400" algn="l" defTabSz="914400" rtl="0" eaLnBrk="1" latinLnBrk="0" hangingPunct="1">
+              <a:defRPr sz="1800" kern="1200">
+                <a:solidFill>
+                  <a:schemeClr val="tx1"/>
+                </a:solidFill>
+                <a:latin typeface="+mn-lt"/>
+                <a:ea typeface="+mn-ea"/>
+                <a:cs typeface="+mn-cs"/>
+              </a:defRPr>
+            </a:lvl3pPr>
+            <a:lvl4pPr marL="1371600" algn="l" defTabSz="914400" rtl="0" eaLnBrk="1" latinLnBrk="0" hangingPunct="1">
+              <a:defRPr sz="1800" kern="1200">
+                <a:solidFill>
+                  <a:schemeClr val="tx1"/>
+                </a:solidFill>
+                <a:latin typeface="+mn-lt"/>
+                <a:ea typeface="+mn-ea"/>
+                <a:cs typeface="+mn-cs"/>
+              </a:defRPr>
+            </a:lvl4pPr>
+            <a:lvl5pPr marL="1828800" algn="l" defTabSz="914400" rtl="0" eaLnBrk="1" latinLnBrk="0" hangingPunct="1">
+              <a:defRPr sz="1800" kern="1200">
+                <a:solidFill>
+                  <a:schemeClr val="tx1"/>
+                </a:solidFill>
+                <a:latin typeface="+mn-lt"/>
+                <a:ea typeface="+mn-ea"/>
+                <a:cs typeface="+mn-cs"/>
+              </a:defRPr>
+            </a:lvl5pPr>
+            <a:lvl6pPr marL="2286000" algn="l" defTabSz="914400" rtl="0" eaLnBrk="1" latinLnBrk="0" hangingPunct="1">
+              <a:defRPr sz="1800" kern="1200">
+                <a:solidFill>
+                  <a:schemeClr val="tx1"/>
+                </a:solidFill>
+                <a:latin typeface="+mn-lt"/>
+                <a:ea typeface="+mn-ea"/>
+                <a:cs typeface="+mn-cs"/>
+              </a:defRPr>
+            </a:lvl6pPr>
+            <a:lvl7pPr marL="2743200" algn="l" defTabSz="914400" rtl="0" eaLnBrk="1" latinLnBrk="0" hangingPunct="1">
+              <a:defRPr sz="1800" kern="1200">
+                <a:solidFill>
+                  <a:schemeClr val="tx1"/>
+                </a:solidFill>
+                <a:latin typeface="+mn-lt"/>
+                <a:ea typeface="+mn-ea"/>
+                <a:cs typeface="+mn-cs"/>
+              </a:defRPr>
+            </a:lvl7pPr>
+            <a:lvl8pPr marL="3200400" algn="l" defTabSz="914400" rtl="0" eaLnBrk="1" latinLnBrk="0" hangingPunct="1">
+              <a:defRPr sz="1800" kern="1200">
+                <a:solidFill>
+                  <a:schemeClr val="tx1"/>
+                </a:solidFill>
+                <a:latin typeface="+mn-lt"/>
+                <a:ea typeface="+mn-ea"/>
+                <a:cs typeface="+mn-cs"/>
+              </a:defRPr>
+            </a:lvl8pPr>
+            <a:lvl9pPr marL="3657600" algn="l" defTabSz="914400" rtl="0" eaLnBrk="1" latinLnBrk="0" hangingPunct="1">
+              <a:defRPr sz="1800" kern="1200">
+                <a:solidFill>
+                  <a:schemeClr val="tx1"/>
+                </a:solidFill>
+                <a:latin typeface="+mn-lt"/>
+                <a:ea typeface="+mn-ea"/>
+                <a:cs typeface="+mn-cs"/>
+              </a:defRPr>
+            </a:lvl9pPr>
+          </a:lstStyle>
+          <a:p>
+            <a:pPr algn="l"/>
+            <a:r>
+              <a:rPr lang="en-US" dirty="0"/>
+              <a:t>07 05 260</a:t>
+            </a:r>
+          </a:p>
+        </p:txBody>
+      </p:sp>
+      <p:sp>
+        <p:nvSpPr>
+          <p:cNvPr id="3" name="TextBox 2">
+            <a:extLst>
+              <a:ext uri="{FF2B5EF4-FFF2-40B4-BE49-F238E27FC236}">
+                <a16:creationId xmlns:a16="http://schemas.microsoft.com/office/drawing/2014/main" id="{D08FA683-F9A0-4D47-2C0D-61321642E019}"/>
+              </a:ext>
+            </a:extLst>
+          </p:cNvPr>
+          <p:cNvSpPr txBox="1"/>
+          <p:nvPr/>
+        </p:nvSpPr>
+        <p:spPr>
+          <a:xfrm>
+            <a:off x="5902761" y="3429000"/>
+            <a:ext cx="1828800" cy="369332"/>
+          </a:xfrm>
+          <a:prstGeom prst="rect">
+            <a:avLst/>
+          </a:prstGeom>
+          <a:noFill/>
+        </p:spPr>
+        <p:txBody>
+          <a:bodyPr wrap="square" rtlCol="0">
+            <a:spAutoFit/>
+          </a:bodyPr>
+          <a:lstStyle>
+            <a:defPPr>
+              <a:defRPr lang="en-US"/>
+            </a:defPPr>
+            <a:lvl1pPr marL="0" algn="l" defTabSz="914400" rtl="0" eaLnBrk="1" latinLnBrk="0" hangingPunct="1">
+              <a:defRPr sz="1800" kern="1200">
+                <a:solidFill>
+                  <a:schemeClr val="tx1"/>
+                </a:solidFill>
+                <a:latin typeface="+mn-lt"/>
+                <a:ea typeface="+mn-ea"/>
+                <a:cs typeface="+mn-cs"/>
+              </a:defRPr>
+            </a:lvl1pPr>
+            <a:lvl2pPr marL="457200" algn="l" defTabSz="914400" rtl="0" eaLnBrk="1" latinLnBrk="0" hangingPunct="1">
+              <a:defRPr sz="1800" kern="1200">
+                <a:solidFill>
+                  <a:schemeClr val="tx1"/>
+                </a:solidFill>
+                <a:latin typeface="+mn-lt"/>
+                <a:ea typeface="+mn-ea"/>
+                <a:cs typeface="+mn-cs"/>
+              </a:defRPr>
+            </a:lvl2pPr>
+            <a:lvl3pPr marL="914400" algn="l" defTabSz="914400" rtl="0" eaLnBrk="1" latinLnBrk="0" hangingPunct="1">
+              <a:defRPr sz="1800" kern="1200">
+                <a:solidFill>
+                  <a:schemeClr val="tx1"/>
+                </a:solidFill>
+                <a:latin typeface="+mn-lt"/>
+                <a:ea typeface="+mn-ea"/>
+                <a:cs typeface="+mn-cs"/>
+              </a:defRPr>
+            </a:lvl3pPr>
+            <a:lvl4pPr marL="1371600" algn="l" defTabSz="914400" rtl="0" eaLnBrk="1" latinLnBrk="0" hangingPunct="1">
+              <a:defRPr sz="1800" kern="1200">
+                <a:solidFill>
+                  <a:schemeClr val="tx1"/>
+                </a:solidFill>
+                <a:latin typeface="+mn-lt"/>
+                <a:ea typeface="+mn-ea"/>
+                <a:cs typeface="+mn-cs"/>
+              </a:defRPr>
+            </a:lvl4pPr>
+            <a:lvl5pPr marL="1828800" algn="l" defTabSz="914400" rtl="0" eaLnBrk="1" latinLnBrk="0" hangingPunct="1">
+              <a:defRPr sz="1800" kern="1200">
+                <a:solidFill>
+                  <a:schemeClr val="tx1"/>
+                </a:solidFill>
+                <a:latin typeface="+mn-lt"/>
+                <a:ea typeface="+mn-ea"/>
+                <a:cs typeface="+mn-cs"/>
+              </a:defRPr>
+            </a:lvl5pPr>
+            <a:lvl6pPr marL="2286000" algn="l" defTabSz="914400" rtl="0" eaLnBrk="1" latinLnBrk="0" hangingPunct="1">
+              <a:defRPr sz="1800" kern="1200">
+                <a:solidFill>
+                  <a:schemeClr val="tx1"/>
+                </a:solidFill>
+                <a:latin typeface="+mn-lt"/>
+                <a:ea typeface="+mn-ea"/>
+                <a:cs typeface="+mn-cs"/>
+              </a:defRPr>
+            </a:lvl6pPr>
+            <a:lvl7pPr marL="2743200" algn="l" defTabSz="914400" rtl="0" eaLnBrk="1" latinLnBrk="0" hangingPunct="1">
+              <a:defRPr sz="1800" kern="1200">
+                <a:solidFill>
+                  <a:schemeClr val="tx1"/>
+                </a:solidFill>
+                <a:latin typeface="+mn-lt"/>
+                <a:ea typeface="+mn-ea"/>
+                <a:cs typeface="+mn-cs"/>
+              </a:defRPr>
+            </a:lvl7pPr>
+            <a:lvl8pPr marL="3200400" algn="l" defTabSz="914400" rtl="0" eaLnBrk="1" latinLnBrk="0" hangingPunct="1">
+              <a:defRPr sz="1800" kern="1200">
+                <a:solidFill>
+                  <a:schemeClr val="tx1"/>
+                </a:solidFill>
+                <a:latin typeface="+mn-lt"/>
+                <a:ea typeface="+mn-ea"/>
+                <a:cs typeface="+mn-cs"/>
+              </a:defRPr>
+            </a:lvl8pPr>
+            <a:lvl9pPr marL="3657600" algn="l" defTabSz="914400" rtl="0" eaLnBrk="1" latinLnBrk="0" hangingPunct="1">
+              <a:defRPr sz="1800" kern="1200">
+                <a:solidFill>
+                  <a:schemeClr val="tx1"/>
+                </a:solidFill>
+                <a:latin typeface="+mn-lt"/>
+                <a:ea typeface="+mn-ea"/>
+                <a:cs typeface="+mn-cs"/>
+              </a:defRPr>
+            </a:lvl9pPr>
+          </a:lstStyle>
+          <a:p>
+            <a:pPr algn="l"/>
+            <a:r>
+              <a:rPr lang="en-US" dirty="0"/>
+              <a:t>07 05 240</a:t>
+            </a:r>
+          </a:p>
+        </p:txBody>
+      </p:sp>
+      <p:sp>
+        <p:nvSpPr>
+          <p:cNvPr id="4" name="TextBox 3">
+            <a:extLst>
+              <a:ext uri="{FF2B5EF4-FFF2-40B4-BE49-F238E27FC236}">
+                <a16:creationId xmlns:a16="http://schemas.microsoft.com/office/drawing/2014/main" id="{576C06CC-250A-FA54-D453-4B2CF9F6AFB1}"/>
+              </a:ext>
+            </a:extLst>
+          </p:cNvPr>
+          <p:cNvSpPr txBox="1"/>
+          <p:nvPr/>
+        </p:nvSpPr>
+        <p:spPr>
+          <a:xfrm>
+            <a:off x="10363200" y="3429000"/>
+            <a:ext cx="1828800" cy="369332"/>
+          </a:xfrm>
+          <a:prstGeom prst="rect">
+            <a:avLst/>
+          </a:prstGeom>
+          <a:noFill/>
+        </p:spPr>
+        <p:txBody>
+          <a:bodyPr wrap="square" rtlCol="0">
+            <a:spAutoFit/>
+          </a:bodyPr>
+          <a:lstStyle>
+            <a:defPPr>
+              <a:defRPr lang="en-US"/>
+            </a:defPPr>
+            <a:lvl1pPr marL="0" algn="l" defTabSz="914400" rtl="0" eaLnBrk="1" latinLnBrk="0" hangingPunct="1">
+              <a:defRPr sz="1800" kern="1200">
+                <a:solidFill>
+                  <a:schemeClr val="tx1"/>
+                </a:solidFill>
+                <a:latin typeface="+mn-lt"/>
+                <a:ea typeface="+mn-ea"/>
+                <a:cs typeface="+mn-cs"/>
+              </a:defRPr>
+            </a:lvl1pPr>
+            <a:lvl2pPr marL="457200" algn="l" defTabSz="914400" rtl="0" eaLnBrk="1" latinLnBrk="0" hangingPunct="1">
+              <a:defRPr sz="1800" kern="1200">
+                <a:solidFill>
+                  <a:schemeClr val="tx1"/>
+                </a:solidFill>
+                <a:latin typeface="+mn-lt"/>
+                <a:ea typeface="+mn-ea"/>
+                <a:cs typeface="+mn-cs"/>
+              </a:defRPr>
+            </a:lvl2pPr>
+            <a:lvl3pPr marL="914400" algn="l" defTabSz="914400" rtl="0" eaLnBrk="1" latinLnBrk="0" hangingPunct="1">
+              <a:defRPr sz="1800" kern="1200">
+                <a:solidFill>
+                  <a:schemeClr val="tx1"/>
+                </a:solidFill>
+                <a:latin typeface="+mn-lt"/>
+                <a:ea typeface="+mn-ea"/>
+                <a:cs typeface="+mn-cs"/>
+              </a:defRPr>
+            </a:lvl3pPr>
+            <a:lvl4pPr marL="1371600" algn="l" defTabSz="914400" rtl="0" eaLnBrk="1" latinLnBrk="0" hangingPunct="1">
+              <a:defRPr sz="1800" kern="1200">
+                <a:solidFill>
+                  <a:schemeClr val="tx1"/>
+                </a:solidFill>
+                <a:latin typeface="+mn-lt"/>
+                <a:ea typeface="+mn-ea"/>
+                <a:cs typeface="+mn-cs"/>
+              </a:defRPr>
+            </a:lvl4pPr>
+            <a:lvl5pPr marL="1828800" algn="l" defTabSz="914400" rtl="0" eaLnBrk="1" latinLnBrk="0" hangingPunct="1">
+              <a:defRPr sz="1800" kern="1200">
+                <a:solidFill>
+                  <a:schemeClr val="tx1"/>
+                </a:solidFill>
+                <a:latin typeface="+mn-lt"/>
+                <a:ea typeface="+mn-ea"/>
+                <a:cs typeface="+mn-cs"/>
+              </a:defRPr>
+            </a:lvl5pPr>
+            <a:lvl6pPr marL="2286000" algn="l" defTabSz="914400" rtl="0" eaLnBrk="1" latinLnBrk="0" hangingPunct="1">
+              <a:defRPr sz="1800" kern="1200">
+                <a:solidFill>
+                  <a:schemeClr val="tx1"/>
+                </a:solidFill>
+                <a:latin typeface="+mn-lt"/>
+                <a:ea typeface="+mn-ea"/>
+                <a:cs typeface="+mn-cs"/>
+              </a:defRPr>
+            </a:lvl6pPr>
+            <a:lvl7pPr marL="2743200" algn="l" defTabSz="914400" rtl="0" eaLnBrk="1" latinLnBrk="0" hangingPunct="1">
+              <a:defRPr sz="1800" kern="1200">
+                <a:solidFill>
+                  <a:schemeClr val="tx1"/>
+                </a:solidFill>
+                <a:latin typeface="+mn-lt"/>
+                <a:ea typeface="+mn-ea"/>
+                <a:cs typeface="+mn-cs"/>
+              </a:defRPr>
+            </a:lvl7pPr>
+            <a:lvl8pPr marL="3200400" algn="l" defTabSz="914400" rtl="0" eaLnBrk="1" latinLnBrk="0" hangingPunct="1">
+              <a:defRPr sz="1800" kern="1200">
+                <a:solidFill>
+                  <a:schemeClr val="tx1"/>
+                </a:solidFill>
+                <a:latin typeface="+mn-lt"/>
+                <a:ea typeface="+mn-ea"/>
+                <a:cs typeface="+mn-cs"/>
+              </a:defRPr>
+            </a:lvl8pPr>
+            <a:lvl9pPr marL="3657600" algn="l" defTabSz="914400" rtl="0" eaLnBrk="1" latinLnBrk="0" hangingPunct="1">
+              <a:defRPr sz="1800" kern="1200">
+                <a:solidFill>
+                  <a:schemeClr val="tx1"/>
+                </a:solidFill>
+                <a:latin typeface="+mn-lt"/>
+                <a:ea typeface="+mn-ea"/>
+                <a:cs typeface="+mn-cs"/>
+              </a:defRPr>
+            </a:lvl9pPr>
+          </a:lstStyle>
+          <a:p>
+            <a:pPr algn="l"/>
+            <a:r>
+              <a:rPr lang="en-US" dirty="0"/>
+              <a:t>07 05 220</a:t>
+            </a:r>
+          </a:p>
+        </p:txBody>
+      </p:sp>
+      <p:sp>
+        <p:nvSpPr>
+          <p:cNvPr id="5" name="TextBox 4">
+            <a:extLst>
+              <a:ext uri="{FF2B5EF4-FFF2-40B4-BE49-F238E27FC236}">
+                <a16:creationId xmlns:a16="http://schemas.microsoft.com/office/drawing/2014/main" id="{5A5F8213-A5B0-C703-3508-3A99FE169531}"/>
+              </a:ext>
+            </a:extLst>
+          </p:cNvPr>
+          <p:cNvSpPr txBox="1"/>
+          <p:nvPr/>
+        </p:nvSpPr>
+        <p:spPr>
+          <a:xfrm>
+            <a:off x="931832" y="112912"/>
+            <a:ext cx="1828800" cy="369332"/>
+          </a:xfrm>
+          <a:prstGeom prst="rect">
+            <a:avLst/>
+          </a:prstGeom>
+          <a:noFill/>
+        </p:spPr>
+        <p:txBody>
+          <a:bodyPr rot="0" spcFirstLastPara="0" vert="horz" wrap="square" lIns="91440" tIns="45720" rIns="91440" bIns="45720" numCol="1" spcCol="0" rtlCol="0" fromWordArt="0" anchor="t" anchorCtr="0" forceAA="0" compatLnSpc="1">
+            <a:prstTxWarp prst="textNoShape">
+              <a:avLst/>
+            </a:prstTxWarp>
+            <a:spAutoFit/>
+          </a:bodyPr>
+          <a:lstStyle>
+            <a:defPPr>
+              <a:defRPr lang="en-US"/>
+            </a:defPPr>
+            <a:lvl1pPr marL="0" algn="l" defTabSz="914400" rtl="0" eaLnBrk="1" latinLnBrk="0" hangingPunct="1">
+              <a:defRPr sz="1800" kern="1200">
+                <a:solidFill>
+                  <a:schemeClr val="tx1"/>
+                </a:solidFill>
+                <a:latin typeface="+mn-lt"/>
+                <a:ea typeface="+mn-ea"/>
+                <a:cs typeface="+mn-cs"/>
+              </a:defRPr>
+            </a:lvl1pPr>
+            <a:lvl2pPr marL="457200" algn="l" defTabSz="914400" rtl="0" eaLnBrk="1" latinLnBrk="0" hangingPunct="1">
+              <a:defRPr sz="1800" kern="1200">
+                <a:solidFill>
+                  <a:schemeClr val="tx1"/>
+                </a:solidFill>
+                <a:latin typeface="+mn-lt"/>
+                <a:ea typeface="+mn-ea"/>
+                <a:cs typeface="+mn-cs"/>
+              </a:defRPr>
+            </a:lvl2pPr>
+            <a:lvl3pPr marL="914400" algn="l" defTabSz="914400" rtl="0" eaLnBrk="1" latinLnBrk="0" hangingPunct="1">
+              <a:defRPr sz="1800" kern="1200">
+                <a:solidFill>
+                  <a:schemeClr val="tx1"/>
+                </a:solidFill>
+                <a:latin typeface="+mn-lt"/>
+                <a:ea typeface="+mn-ea"/>
+                <a:cs typeface="+mn-cs"/>
+              </a:defRPr>
+            </a:lvl3pPr>
+            <a:lvl4pPr marL="1371600" algn="l" defTabSz="914400" rtl="0" eaLnBrk="1" latinLnBrk="0" hangingPunct="1">
+              <a:defRPr sz="1800" kern="1200">
+                <a:solidFill>
+                  <a:schemeClr val="tx1"/>
+                </a:solidFill>
+                <a:latin typeface="+mn-lt"/>
+                <a:ea typeface="+mn-ea"/>
+                <a:cs typeface="+mn-cs"/>
+              </a:defRPr>
+            </a:lvl4pPr>
+            <a:lvl5pPr marL="1828800" algn="l" defTabSz="914400" rtl="0" eaLnBrk="1" latinLnBrk="0" hangingPunct="1">
+              <a:defRPr sz="1800" kern="1200">
+                <a:solidFill>
+                  <a:schemeClr val="tx1"/>
+                </a:solidFill>
+                <a:latin typeface="+mn-lt"/>
+                <a:ea typeface="+mn-ea"/>
+                <a:cs typeface="+mn-cs"/>
+              </a:defRPr>
+            </a:lvl5pPr>
+            <a:lvl6pPr marL="2286000" algn="l" defTabSz="914400" rtl="0" eaLnBrk="1" latinLnBrk="0" hangingPunct="1">
+              <a:defRPr sz="1800" kern="1200">
+                <a:solidFill>
+                  <a:schemeClr val="tx1"/>
+                </a:solidFill>
+                <a:latin typeface="+mn-lt"/>
+                <a:ea typeface="+mn-ea"/>
+                <a:cs typeface="+mn-cs"/>
+              </a:defRPr>
+            </a:lvl6pPr>
+            <a:lvl7pPr marL="2743200" algn="l" defTabSz="914400" rtl="0" eaLnBrk="1" latinLnBrk="0" hangingPunct="1">
+              <a:defRPr sz="1800" kern="1200">
+                <a:solidFill>
+                  <a:schemeClr val="tx1"/>
+                </a:solidFill>
+                <a:latin typeface="+mn-lt"/>
+                <a:ea typeface="+mn-ea"/>
+                <a:cs typeface="+mn-cs"/>
+              </a:defRPr>
+            </a:lvl7pPr>
+            <a:lvl8pPr marL="3200400" algn="l" defTabSz="914400" rtl="0" eaLnBrk="1" latinLnBrk="0" hangingPunct="1">
+              <a:defRPr sz="1800" kern="1200">
+                <a:solidFill>
+                  <a:schemeClr val="tx1"/>
+                </a:solidFill>
+                <a:latin typeface="+mn-lt"/>
+                <a:ea typeface="+mn-ea"/>
+                <a:cs typeface="+mn-cs"/>
+              </a:defRPr>
+            </a:lvl8pPr>
+            <a:lvl9pPr marL="3657600" algn="l" defTabSz="914400" rtl="0" eaLnBrk="1" latinLnBrk="0" hangingPunct="1">
+              <a:defRPr sz="1800" kern="1200">
+                <a:solidFill>
+                  <a:schemeClr val="tx1"/>
+                </a:solidFill>
+                <a:latin typeface="+mn-lt"/>
+                <a:ea typeface="+mn-ea"/>
+                <a:cs typeface="+mn-cs"/>
+              </a:defRPr>
+            </a:lvl9pPr>
+          </a:lstStyle>
+          <a:p>
+            <a:pPr algn="l"/>
+            <a:r>
+              <a:rPr lang="en-US" dirty="0"/>
+              <a:t>06 05 260</a:t>
+            </a:r>
+          </a:p>
+        </p:txBody>
+      </p:sp>
+      <p:sp>
+        <p:nvSpPr>
+          <p:cNvPr id="6" name="TextBox 5">
+            <a:extLst>
+              <a:ext uri="{FF2B5EF4-FFF2-40B4-BE49-F238E27FC236}">
+                <a16:creationId xmlns:a16="http://schemas.microsoft.com/office/drawing/2014/main" id="{534E573E-50CE-C5BA-55BB-CD22FE9C4795}"/>
+              </a:ext>
+            </a:extLst>
+          </p:cNvPr>
+          <p:cNvSpPr txBox="1"/>
+          <p:nvPr/>
+        </p:nvSpPr>
+        <p:spPr>
+          <a:xfrm>
+            <a:off x="5902761" y="112912"/>
+            <a:ext cx="1828800" cy="369332"/>
+          </a:xfrm>
+          <a:prstGeom prst="rect">
+            <a:avLst/>
+          </a:prstGeom>
+          <a:noFill/>
+        </p:spPr>
+        <p:txBody>
+          <a:bodyPr rot="0" spcFirstLastPara="0" vert="horz" wrap="square" lIns="91440" tIns="45720" rIns="91440" bIns="45720" numCol="1" spcCol="0" rtlCol="0" fromWordArt="0" anchor="t" anchorCtr="0" forceAA="0" compatLnSpc="1">
+            <a:prstTxWarp prst="textNoShape">
+              <a:avLst/>
+            </a:prstTxWarp>
+            <a:spAutoFit/>
+          </a:bodyPr>
+          <a:lstStyle>
+            <a:defPPr>
+              <a:defRPr lang="en-US"/>
+            </a:defPPr>
+            <a:lvl1pPr marL="0" algn="l" defTabSz="914400" rtl="0" eaLnBrk="1" latinLnBrk="0" hangingPunct="1">
+              <a:defRPr sz="1800" kern="1200">
+                <a:solidFill>
+                  <a:schemeClr val="tx1"/>
+                </a:solidFill>
+                <a:latin typeface="+mn-lt"/>
+                <a:ea typeface="+mn-ea"/>
+                <a:cs typeface="+mn-cs"/>
+              </a:defRPr>
+            </a:lvl1pPr>
+            <a:lvl2pPr marL="457200" algn="l" defTabSz="914400" rtl="0" eaLnBrk="1" latinLnBrk="0" hangingPunct="1">
+              <a:defRPr sz="1800" kern="1200">
+                <a:solidFill>
+                  <a:schemeClr val="tx1"/>
+                </a:solidFill>
+                <a:latin typeface="+mn-lt"/>
+                <a:ea typeface="+mn-ea"/>
+                <a:cs typeface="+mn-cs"/>
+              </a:defRPr>
+            </a:lvl2pPr>
+            <a:lvl3pPr marL="914400" algn="l" defTabSz="914400" rtl="0" eaLnBrk="1" latinLnBrk="0" hangingPunct="1">
+              <a:defRPr sz="1800" kern="1200">
+                <a:solidFill>
+                  <a:schemeClr val="tx1"/>
+                </a:solidFill>
+                <a:latin typeface="+mn-lt"/>
+                <a:ea typeface="+mn-ea"/>
+                <a:cs typeface="+mn-cs"/>
+              </a:defRPr>
+            </a:lvl3pPr>
+            <a:lvl4pPr marL="1371600" algn="l" defTabSz="914400" rtl="0" eaLnBrk="1" latinLnBrk="0" hangingPunct="1">
+              <a:defRPr sz="1800" kern="1200">
+                <a:solidFill>
+                  <a:schemeClr val="tx1"/>
+                </a:solidFill>
+                <a:latin typeface="+mn-lt"/>
+                <a:ea typeface="+mn-ea"/>
+                <a:cs typeface="+mn-cs"/>
+              </a:defRPr>
+            </a:lvl4pPr>
+            <a:lvl5pPr marL="1828800" algn="l" defTabSz="914400" rtl="0" eaLnBrk="1" latinLnBrk="0" hangingPunct="1">
+              <a:defRPr sz="1800" kern="1200">
+                <a:solidFill>
+                  <a:schemeClr val="tx1"/>
+                </a:solidFill>
+                <a:latin typeface="+mn-lt"/>
+                <a:ea typeface="+mn-ea"/>
+                <a:cs typeface="+mn-cs"/>
+              </a:defRPr>
+            </a:lvl5pPr>
+            <a:lvl6pPr marL="2286000" algn="l" defTabSz="914400" rtl="0" eaLnBrk="1" latinLnBrk="0" hangingPunct="1">
+              <a:defRPr sz="1800" kern="1200">
+                <a:solidFill>
+                  <a:schemeClr val="tx1"/>
+                </a:solidFill>
+                <a:latin typeface="+mn-lt"/>
+                <a:ea typeface="+mn-ea"/>
+                <a:cs typeface="+mn-cs"/>
+              </a:defRPr>
+            </a:lvl6pPr>
+            <a:lvl7pPr marL="2743200" algn="l" defTabSz="914400" rtl="0" eaLnBrk="1" latinLnBrk="0" hangingPunct="1">
+              <a:defRPr sz="1800" kern="1200">
+                <a:solidFill>
+                  <a:schemeClr val="tx1"/>
+                </a:solidFill>
+                <a:latin typeface="+mn-lt"/>
+                <a:ea typeface="+mn-ea"/>
+                <a:cs typeface="+mn-cs"/>
+              </a:defRPr>
+            </a:lvl7pPr>
+            <a:lvl8pPr marL="3200400" algn="l" defTabSz="914400" rtl="0" eaLnBrk="1" latinLnBrk="0" hangingPunct="1">
+              <a:defRPr sz="1800" kern="1200">
+                <a:solidFill>
+                  <a:schemeClr val="tx1"/>
+                </a:solidFill>
+                <a:latin typeface="+mn-lt"/>
+                <a:ea typeface="+mn-ea"/>
+                <a:cs typeface="+mn-cs"/>
+              </a:defRPr>
+            </a:lvl8pPr>
+            <a:lvl9pPr marL="3657600" algn="l" defTabSz="914400" rtl="0" eaLnBrk="1" latinLnBrk="0" hangingPunct="1">
+              <a:defRPr sz="1800" kern="1200">
+                <a:solidFill>
+                  <a:schemeClr val="tx1"/>
+                </a:solidFill>
+                <a:latin typeface="+mn-lt"/>
+                <a:ea typeface="+mn-ea"/>
+                <a:cs typeface="+mn-cs"/>
+              </a:defRPr>
+            </a:lvl9pPr>
+          </a:lstStyle>
+          <a:p>
+            <a:pPr algn="l"/>
+            <a:r>
+              <a:rPr lang="en-US" dirty="0"/>
+              <a:t>06 05 240</a:t>
+            </a:r>
+          </a:p>
+        </p:txBody>
+      </p:sp>
+      <p:sp>
+        <p:nvSpPr>
+          <p:cNvPr id="7" name="TextBox 6">
+            <a:extLst>
+              <a:ext uri="{FF2B5EF4-FFF2-40B4-BE49-F238E27FC236}">
+                <a16:creationId xmlns:a16="http://schemas.microsoft.com/office/drawing/2014/main" id="{7CF49E84-3AF4-905F-EA46-D114456B9191}"/>
+              </a:ext>
+            </a:extLst>
+          </p:cNvPr>
+          <p:cNvSpPr txBox="1"/>
+          <p:nvPr/>
+        </p:nvSpPr>
+        <p:spPr>
+          <a:xfrm>
+            <a:off x="10363200" y="112912"/>
+            <a:ext cx="1828800" cy="369332"/>
+          </a:xfrm>
+          <a:prstGeom prst="rect">
+            <a:avLst/>
+          </a:prstGeom>
+          <a:noFill/>
+        </p:spPr>
+        <p:txBody>
+          <a:bodyPr rot="0" spcFirstLastPara="0" vert="horz" wrap="square" lIns="91440" tIns="45720" rIns="91440" bIns="45720" numCol="1" spcCol="0" rtlCol="0" fromWordArt="0" anchor="t" anchorCtr="0" forceAA="0" compatLnSpc="1">
+            <a:prstTxWarp prst="textNoShape">
+              <a:avLst/>
+            </a:prstTxWarp>
+            <a:spAutoFit/>
+          </a:bodyPr>
+          <a:lstStyle>
+            <a:defPPr>
+              <a:defRPr lang="en-US"/>
+            </a:defPPr>
+            <a:lvl1pPr marL="0" algn="l" defTabSz="914400" rtl="0" eaLnBrk="1" latinLnBrk="0" hangingPunct="1">
+              <a:defRPr sz="1800" kern="1200">
+                <a:solidFill>
+                  <a:schemeClr val="tx1"/>
+                </a:solidFill>
+                <a:latin typeface="+mn-lt"/>
+                <a:ea typeface="+mn-ea"/>
+                <a:cs typeface="+mn-cs"/>
+              </a:defRPr>
+            </a:lvl1pPr>
+            <a:lvl2pPr marL="457200" algn="l" defTabSz="914400" rtl="0" eaLnBrk="1" latinLnBrk="0" hangingPunct="1">
+              <a:defRPr sz="1800" kern="1200">
+                <a:solidFill>
+                  <a:schemeClr val="tx1"/>
+                </a:solidFill>
+                <a:latin typeface="+mn-lt"/>
+                <a:ea typeface="+mn-ea"/>
+                <a:cs typeface="+mn-cs"/>
+              </a:defRPr>
+            </a:lvl2pPr>
+            <a:lvl3pPr marL="914400" algn="l" defTabSz="914400" rtl="0" eaLnBrk="1" latinLnBrk="0" hangingPunct="1">
+              <a:defRPr sz="1800" kern="1200">
+                <a:solidFill>
+                  <a:schemeClr val="tx1"/>
+                </a:solidFill>
+                <a:latin typeface="+mn-lt"/>
+                <a:ea typeface="+mn-ea"/>
+                <a:cs typeface="+mn-cs"/>
+              </a:defRPr>
+            </a:lvl3pPr>
+            <a:lvl4pPr marL="1371600" algn="l" defTabSz="914400" rtl="0" eaLnBrk="1" latinLnBrk="0" hangingPunct="1">
+              <a:defRPr sz="1800" kern="1200">
+                <a:solidFill>
+                  <a:schemeClr val="tx1"/>
+                </a:solidFill>
+                <a:latin typeface="+mn-lt"/>
+                <a:ea typeface="+mn-ea"/>
+                <a:cs typeface="+mn-cs"/>
+              </a:defRPr>
+            </a:lvl4pPr>
+            <a:lvl5pPr marL="1828800" algn="l" defTabSz="914400" rtl="0" eaLnBrk="1" latinLnBrk="0" hangingPunct="1">
+              <a:defRPr sz="1800" kern="1200">
+                <a:solidFill>
+                  <a:schemeClr val="tx1"/>
+                </a:solidFill>
+                <a:latin typeface="+mn-lt"/>
+                <a:ea typeface="+mn-ea"/>
+                <a:cs typeface="+mn-cs"/>
+              </a:defRPr>
+            </a:lvl5pPr>
+            <a:lvl6pPr marL="2286000" algn="l" defTabSz="914400" rtl="0" eaLnBrk="1" latinLnBrk="0" hangingPunct="1">
+              <a:defRPr sz="1800" kern="1200">
+                <a:solidFill>
+                  <a:schemeClr val="tx1"/>
+                </a:solidFill>
+                <a:latin typeface="+mn-lt"/>
+                <a:ea typeface="+mn-ea"/>
+                <a:cs typeface="+mn-cs"/>
+              </a:defRPr>
+            </a:lvl6pPr>
+            <a:lvl7pPr marL="2743200" algn="l" defTabSz="914400" rtl="0" eaLnBrk="1" latinLnBrk="0" hangingPunct="1">
+              <a:defRPr sz="1800" kern="1200">
+                <a:solidFill>
+                  <a:schemeClr val="tx1"/>
+                </a:solidFill>
+                <a:latin typeface="+mn-lt"/>
+                <a:ea typeface="+mn-ea"/>
+                <a:cs typeface="+mn-cs"/>
+              </a:defRPr>
+            </a:lvl7pPr>
+            <a:lvl8pPr marL="3200400" algn="l" defTabSz="914400" rtl="0" eaLnBrk="1" latinLnBrk="0" hangingPunct="1">
+              <a:defRPr sz="1800" kern="1200">
+                <a:solidFill>
+                  <a:schemeClr val="tx1"/>
+                </a:solidFill>
+                <a:latin typeface="+mn-lt"/>
+                <a:ea typeface="+mn-ea"/>
+                <a:cs typeface="+mn-cs"/>
+              </a:defRPr>
+            </a:lvl8pPr>
+            <a:lvl9pPr marL="3657600" algn="l" defTabSz="914400" rtl="0" eaLnBrk="1" latinLnBrk="0" hangingPunct="1">
+              <a:defRPr sz="1800" kern="1200">
+                <a:solidFill>
+                  <a:schemeClr val="tx1"/>
+                </a:solidFill>
+                <a:latin typeface="+mn-lt"/>
+                <a:ea typeface="+mn-ea"/>
+                <a:cs typeface="+mn-cs"/>
+              </a:defRPr>
+            </a:lvl9pPr>
+          </a:lstStyle>
+          <a:p>
+            <a:pPr algn="l"/>
+            <a:r>
+              <a:rPr lang="en-US" dirty="0"/>
+              <a:t>06 05 220</a:t>
+            </a:r>
+          </a:p>
+        </p:txBody>
+      </p:sp>
+      <p:pic>
+        <p:nvPicPr>
+          <p:cNvPr id="2050" name="Picture 2">
+            <a:extLst>
+              <a:ext uri="{FF2B5EF4-FFF2-40B4-BE49-F238E27FC236}">
+                <a16:creationId xmlns:a16="http://schemas.microsoft.com/office/drawing/2014/main" id="{70B8CA5F-1E3D-4E7D-0823-62A8E2E17E0F}"/>
+              </a:ext>
+            </a:extLst>
+          </p:cNvPr>
+          <p:cNvPicPr>
+            <a:picLocks noChangeAspect="1" noChangeArrowheads="1"/>
+          </p:cNvPicPr>
+          <p:nvPr/>
+        </p:nvPicPr>
+        <p:blipFill>
+          <a:blip r:embed="rId2">
+            <a:extLst>
+              <a:ext uri="{28A0092B-C50C-407E-A947-70E740481C1C}">
+                <a14:useLocalDpi xmlns:a14="http://schemas.microsoft.com/office/drawing/2010/main" val="0"/>
+              </a:ext>
+            </a:extLst>
+          </a:blip>
+          <a:srcRect/>
+          <a:stretch>
+            <a:fillRect/>
+          </a:stretch>
+        </p:blipFill>
+        <p:spPr bwMode="auto">
+          <a:xfrm>
+            <a:off x="8863764" y="482244"/>
+            <a:ext cx="3328236" cy="2517204"/>
+          </a:xfrm>
+          <a:prstGeom prst="rect">
+            <a:avLst/>
+          </a:prstGeom>
+          <a:noFill/>
+          <a:extLst>
+            <a:ext uri="{909E8E84-426E-40DD-AFC4-6F175D3DCCD1}">
+              <a14:hiddenFill xmlns:a14="http://schemas.microsoft.com/office/drawing/2010/main">
+                <a:solidFill>
+                  <a:srgbClr val="FFFFFF"/>
+                </a:solidFill>
+              </a14:hiddenFill>
+            </a:ext>
+          </a:extLst>
+        </p:spPr>
+      </p:pic>
+      <p:pic>
+        <p:nvPicPr>
+          <p:cNvPr id="2052" name="Picture 4">
+            <a:extLst>
+              <a:ext uri="{FF2B5EF4-FFF2-40B4-BE49-F238E27FC236}">
+                <a16:creationId xmlns:a16="http://schemas.microsoft.com/office/drawing/2014/main" id="{F7623D9B-4683-1363-0E15-FD172323F19F}"/>
+              </a:ext>
+            </a:extLst>
+          </p:cNvPr>
+          <p:cNvPicPr>
+            <a:picLocks noChangeAspect="1" noChangeArrowheads="1"/>
+          </p:cNvPicPr>
+          <p:nvPr/>
+        </p:nvPicPr>
+        <p:blipFill>
+          <a:blip r:embed="rId3">
+            <a:extLst>
+              <a:ext uri="{28A0092B-C50C-407E-A947-70E740481C1C}">
+                <a14:useLocalDpi xmlns:a14="http://schemas.microsoft.com/office/drawing/2010/main" val="0"/>
+              </a:ext>
+            </a:extLst>
+          </a:blip>
+          <a:srcRect/>
+          <a:stretch>
+            <a:fillRect/>
+          </a:stretch>
+        </p:blipFill>
+        <p:spPr bwMode="auto">
+          <a:xfrm>
+            <a:off x="4621128" y="482244"/>
+            <a:ext cx="3328236" cy="2517204"/>
+          </a:xfrm>
+          <a:prstGeom prst="rect">
+            <a:avLst/>
+          </a:prstGeom>
+          <a:noFill/>
+          <a:extLst>
+            <a:ext uri="{909E8E84-426E-40DD-AFC4-6F175D3DCCD1}">
+              <a14:hiddenFill xmlns:a14="http://schemas.microsoft.com/office/drawing/2010/main">
+                <a:solidFill>
+                  <a:srgbClr val="FFFFFF"/>
+                </a:solidFill>
+              </a14:hiddenFill>
+            </a:ext>
+          </a:extLst>
+        </p:spPr>
+      </p:pic>
+      <p:pic>
+        <p:nvPicPr>
+          <p:cNvPr id="8" name="Picture 7">
+            <a:extLst>
+              <a:ext uri="{FF2B5EF4-FFF2-40B4-BE49-F238E27FC236}">
+                <a16:creationId xmlns:a16="http://schemas.microsoft.com/office/drawing/2014/main" id="{66E6DF2E-6E03-4336-8738-31E884C40838}"/>
+              </a:ext>
+            </a:extLst>
+          </p:cNvPr>
+          <p:cNvPicPr>
+            <a:picLocks noChangeAspect="1"/>
+          </p:cNvPicPr>
+          <p:nvPr/>
+        </p:nvPicPr>
+        <p:blipFill>
+          <a:blip r:embed="rId4"/>
+          <a:stretch>
+            <a:fillRect/>
+          </a:stretch>
+        </p:blipFill>
+        <p:spPr>
+          <a:xfrm>
+            <a:off x="182114" y="489854"/>
+            <a:ext cx="3328236" cy="2517204"/>
+          </a:xfrm>
+          <a:prstGeom prst="rect">
+            <a:avLst/>
+          </a:prstGeom>
+        </p:spPr>
+      </p:pic>
+      <p:pic>
+        <p:nvPicPr>
+          <p:cNvPr id="2054" name="Picture 6">
+            <a:extLst>
+              <a:ext uri="{FF2B5EF4-FFF2-40B4-BE49-F238E27FC236}">
+                <a16:creationId xmlns:a16="http://schemas.microsoft.com/office/drawing/2014/main" id="{89832D12-2749-D7C9-B675-CDA7790EE7F7}"/>
+              </a:ext>
+            </a:extLst>
+          </p:cNvPr>
+          <p:cNvPicPr>
+            <a:picLocks noChangeAspect="1" noChangeArrowheads="1"/>
+          </p:cNvPicPr>
+          <p:nvPr/>
+        </p:nvPicPr>
+        <p:blipFill>
+          <a:blip r:embed="rId5">
+            <a:extLst>
+              <a:ext uri="{28A0092B-C50C-407E-A947-70E740481C1C}">
+                <a14:useLocalDpi xmlns:a14="http://schemas.microsoft.com/office/drawing/2010/main" val="0"/>
+              </a:ext>
+            </a:extLst>
+          </a:blip>
+          <a:srcRect/>
+          <a:stretch>
+            <a:fillRect/>
+          </a:stretch>
+        </p:blipFill>
+        <p:spPr bwMode="auto">
+          <a:xfrm>
+            <a:off x="182114" y="4062316"/>
+            <a:ext cx="3328236" cy="2517204"/>
+          </a:xfrm>
+          <a:prstGeom prst="rect">
+            <a:avLst/>
+          </a:prstGeom>
+          <a:noFill/>
+          <a:extLst>
+            <a:ext uri="{909E8E84-426E-40DD-AFC4-6F175D3DCCD1}">
+              <a14:hiddenFill xmlns:a14="http://schemas.microsoft.com/office/drawing/2010/main">
+                <a:solidFill>
+                  <a:srgbClr val="FFFFFF"/>
+                </a:solidFill>
+              </a14:hiddenFill>
+            </a:ext>
+          </a:extLst>
+        </p:spPr>
+      </p:pic>
+      <p:pic>
+        <p:nvPicPr>
+          <p:cNvPr id="2056" name="Picture 8">
+            <a:extLst>
+              <a:ext uri="{FF2B5EF4-FFF2-40B4-BE49-F238E27FC236}">
+                <a16:creationId xmlns:a16="http://schemas.microsoft.com/office/drawing/2014/main" id="{023528C3-2D29-F131-CE1E-F733991C8E2D}"/>
+              </a:ext>
+            </a:extLst>
+          </p:cNvPr>
+          <p:cNvPicPr>
+            <a:picLocks noChangeAspect="1" noChangeArrowheads="1"/>
+          </p:cNvPicPr>
+          <p:nvPr/>
+        </p:nvPicPr>
+        <p:blipFill>
+          <a:blip r:embed="rId6">
+            <a:extLst>
+              <a:ext uri="{28A0092B-C50C-407E-A947-70E740481C1C}">
+                <a14:useLocalDpi xmlns:a14="http://schemas.microsoft.com/office/drawing/2010/main" val="0"/>
+              </a:ext>
+            </a:extLst>
+          </a:blip>
+          <a:srcRect/>
+          <a:stretch>
+            <a:fillRect/>
+          </a:stretch>
+        </p:blipFill>
+        <p:spPr bwMode="auto">
+          <a:xfrm>
+            <a:off x="4621128" y="4062316"/>
+            <a:ext cx="3328236" cy="2517204"/>
+          </a:xfrm>
+          <a:prstGeom prst="rect">
+            <a:avLst/>
+          </a:prstGeom>
+          <a:noFill/>
+          <a:extLst>
+            <a:ext uri="{909E8E84-426E-40DD-AFC4-6F175D3DCCD1}">
+              <a14:hiddenFill xmlns:a14="http://schemas.microsoft.com/office/drawing/2010/main">
+                <a:solidFill>
+                  <a:srgbClr val="FFFFFF"/>
+                </a:solidFill>
+              </a14:hiddenFill>
+            </a:ext>
+          </a:extLst>
+        </p:spPr>
+      </p:pic>
+      <p:pic>
+        <p:nvPicPr>
+          <p:cNvPr id="2058" name="Picture 10">
+            <a:extLst>
+              <a:ext uri="{FF2B5EF4-FFF2-40B4-BE49-F238E27FC236}">
+                <a16:creationId xmlns:a16="http://schemas.microsoft.com/office/drawing/2014/main" id="{C5EE4768-A9A0-A459-45D9-62C25B4696C8}"/>
+              </a:ext>
+            </a:extLst>
+          </p:cNvPr>
+          <p:cNvPicPr>
+            <a:picLocks noChangeAspect="1" noChangeArrowheads="1"/>
+          </p:cNvPicPr>
+          <p:nvPr/>
+        </p:nvPicPr>
+        <p:blipFill>
+          <a:blip r:embed="rId7">
+            <a:extLst>
+              <a:ext uri="{28A0092B-C50C-407E-A947-70E740481C1C}">
+                <a14:useLocalDpi xmlns:a14="http://schemas.microsoft.com/office/drawing/2010/main" val="0"/>
+              </a:ext>
+            </a:extLst>
+          </a:blip>
+          <a:srcRect/>
+          <a:stretch>
+            <a:fillRect/>
+          </a:stretch>
+        </p:blipFill>
+        <p:spPr bwMode="auto">
+          <a:xfrm>
+            <a:off x="8833803" y="4025463"/>
+            <a:ext cx="3328236" cy="2517204"/>
+          </a:xfrm>
+          <a:prstGeom prst="rect">
+            <a:avLst/>
+          </a:prstGeom>
+          <a:noFill/>
+          <a:extLst>
+            <a:ext uri="{909E8E84-426E-40DD-AFC4-6F175D3DCCD1}">
+              <a14:hiddenFill xmlns:a14="http://schemas.microsoft.com/office/drawing/2010/main">
+                <a:solidFill>
+                  <a:srgbClr val="FFFFFF"/>
+                </a:solidFill>
+              </a14:hiddenFill>
+            </a:ext>
+          </a:extLst>
+        </p:spPr>
+      </p:pic>
+    </p:spTree>
+    <p:extLst>
+      <p:ext uri="{BB962C8B-B14F-4D97-AF65-F5344CB8AC3E}">
+        <p14:creationId xmlns:p14="http://schemas.microsoft.com/office/powerpoint/2010/main" val="3915003146"/>
+      </p:ext>
+    </p:extLst>
+  </p:cSld>
+  <p:clrMapOvr>
+    <a:masterClrMapping/>
+  </p:clrMapOvr>
+</p:sld>
+</file>
+
+<file path=ppt/slides/slide21.xml><?xml version="1.0" encoding="utf-8"?>
+<p:sld xmlns:a="http://schemas.openxmlformats.org/drawingml/2006/main" xmlns:r="http://schemas.openxmlformats.org/officeDocument/2006/relationships" xmlns:p="http://schemas.openxmlformats.org/presentationml/2006/main">
+  <p:cSld>
+    <p:spTree>
+      <p:nvGrpSpPr>
+        <p:cNvPr id="1" name=""/>
+        <p:cNvGrpSpPr/>
+        <p:nvPr/>
+      </p:nvGrpSpPr>
+      <p:grpSpPr>
+        <a:xfrm>
+          <a:off x="0" y="0"/>
+          <a:ext cx="0" cy="0"/>
+          <a:chOff x="0" y="0"/>
+          <a:chExt cx="0" cy="0"/>
+        </a:xfrm>
+      </p:grpSpPr>
+      <p:sp>
+        <p:nvSpPr>
+          <p:cNvPr id="2" name="TextBox 1">
+            <a:extLst>
+              <a:ext uri="{FF2B5EF4-FFF2-40B4-BE49-F238E27FC236}">
                 <a16:creationId xmlns:a16="http://schemas.microsoft.com/office/drawing/2014/main" id="{C4B3D408-169B-3C17-5FD2-805B4ED1F6F9}"/>
               </a:ext>
             </a:extLst>
@@ -12483,7 +12567,7 @@
 </p:sld>
 </file>
 
-<file path=ppt/slides/slide21.xml><?xml version="1.0" encoding="utf-8"?>
+<file path=ppt/slides/slide22.xml><?xml version="1.0" encoding="utf-8"?>
 <p:sld xmlns:a="http://schemas.openxmlformats.org/drawingml/2006/main" xmlns:r="http://schemas.openxmlformats.org/officeDocument/2006/relationships" xmlns:p="http://schemas.openxmlformats.org/presentationml/2006/main">
   <p:cSld>
     <p:spTree>
@@ -13614,7 +13698,7 @@
 </p:sld>
 </file>
 
-<file path=ppt/slides/slide22.xml><?xml version="1.0" encoding="utf-8"?>
+<file path=ppt/slides/slide23.xml><?xml version="1.0" encoding="utf-8"?>
 <p:sld xmlns:a="http://schemas.openxmlformats.org/drawingml/2006/main" xmlns:r="http://schemas.openxmlformats.org/officeDocument/2006/relationships" xmlns:p="http://schemas.openxmlformats.org/presentationml/2006/main">
   <p:cSld>
     <p:spTree>
@@ -14604,7 +14688,7 @@
 </p:sld>
 </file>
 
-<file path=ppt/slides/slide23.xml><?xml version="1.0" encoding="utf-8"?>
+<file path=ppt/slides/slide24.xml><?xml version="1.0" encoding="utf-8"?>
 <p:sld xmlns:a="http://schemas.openxmlformats.org/drawingml/2006/main" xmlns:r="http://schemas.openxmlformats.org/officeDocument/2006/relationships" xmlns:p="http://schemas.openxmlformats.org/presentationml/2006/main">
   <p:cSld>
     <p:spTree>
@@ -15594,7 +15678,7 @@
 </p:sld>
 </file>
 
-<file path=ppt/slides/slide24.xml><?xml version="1.0" encoding="utf-8"?>
+<file path=ppt/slides/slide25.xml><?xml version="1.0" encoding="utf-8"?>
 <p:sld xmlns:a="http://schemas.openxmlformats.org/drawingml/2006/main" xmlns:r="http://schemas.openxmlformats.org/officeDocument/2006/relationships" xmlns:p="http://schemas.openxmlformats.org/presentationml/2006/main">
   <p:cSld>
     <p:spTree>
@@ -16443,7 +16527,7 @@
 </p:sld>
 </file>
 
-<file path=ppt/slides/slide25.xml><?xml version="1.0" encoding="utf-8"?>
+<file path=ppt/slides/slide26.xml><?xml version="1.0" encoding="utf-8"?>
 <p:sld xmlns:a="http://schemas.openxmlformats.org/drawingml/2006/main" xmlns:r="http://schemas.openxmlformats.org/officeDocument/2006/relationships" xmlns:p="http://schemas.openxmlformats.org/presentationml/2006/main">
   <p:cSld>
     <p:spTree>
@@ -17527,7 +17611,7 @@
 </p:sld>
 </file>
 
-<file path=ppt/slides/slide26.xml><?xml version="1.0" encoding="utf-8"?>
+<file path=ppt/slides/slide27.xml><?xml version="1.0" encoding="utf-8"?>
 <p:sld xmlns:a="http://schemas.openxmlformats.org/drawingml/2006/main" xmlns:r="http://schemas.openxmlformats.org/officeDocument/2006/relationships" xmlns:p="http://schemas.openxmlformats.org/presentationml/2006/main">
   <p:cSld>
     <p:spTree>
@@ -18097,7 +18181,7 @@
 </p:sld>
 </file>
 
-<file path=ppt/slides/slide27.xml><?xml version="1.0" encoding="utf-8"?>
+<file path=ppt/slides/slide28.xml><?xml version="1.0" encoding="utf-8"?>
 <p:sld xmlns:a="http://schemas.openxmlformats.org/drawingml/2006/main" xmlns:r="http://schemas.openxmlformats.org/officeDocument/2006/relationships" xmlns:p="http://schemas.openxmlformats.org/presentationml/2006/main">
   <p:cSld>
     <p:spTree>
@@ -19228,7 +19312,7 @@
 </p:sld>
 </file>
 
-<file path=ppt/slides/slide28.xml><?xml version="1.0" encoding="utf-8"?>
+<file path=ppt/slides/slide29.xml><?xml version="1.0" encoding="utf-8"?>
 <p:sld xmlns:a="http://schemas.openxmlformats.org/drawingml/2006/main" xmlns:r="http://schemas.openxmlformats.org/officeDocument/2006/relationships" xmlns:p="http://schemas.openxmlformats.org/presentationml/2006/main">
   <p:cSld>
     <p:spTree>
@@ -20256,1043 +20340,6 @@
     <p:extLst>
       <p:ext uri="{BB962C8B-B14F-4D97-AF65-F5344CB8AC3E}">
         <p14:creationId xmlns:p14="http://schemas.microsoft.com/office/powerpoint/2010/main" val="1126669228"/>
-      </p:ext>
-    </p:extLst>
-  </p:cSld>
-  <p:clrMapOvr>
-    <a:masterClrMapping/>
-  </p:clrMapOvr>
-</p:sld>
-</file>
-
-<file path=ppt/slides/slide29.xml><?xml version="1.0" encoding="utf-8"?>
-<p:sld xmlns:a="http://schemas.openxmlformats.org/drawingml/2006/main" xmlns:r="http://schemas.openxmlformats.org/officeDocument/2006/relationships" xmlns:p="http://schemas.openxmlformats.org/presentationml/2006/main">
-  <p:cSld>
-    <p:spTree>
-      <p:nvGrpSpPr>
-        <p:cNvPr id="1" name=""/>
-        <p:cNvGrpSpPr/>
-        <p:nvPr/>
-      </p:nvGrpSpPr>
-      <p:grpSpPr>
-        <a:xfrm>
-          <a:off x="0" y="0"/>
-          <a:ext cx="0" cy="0"/>
-          <a:chOff x="0" y="0"/>
-          <a:chExt cx="0" cy="0"/>
-        </a:xfrm>
-      </p:grpSpPr>
-      <p:grpSp>
-        <p:nvGrpSpPr>
-          <p:cNvPr id="2" name="Group 1">
-            <a:extLst>
-              <a:ext uri="{FF2B5EF4-FFF2-40B4-BE49-F238E27FC236}">
-                <a16:creationId xmlns:a16="http://schemas.microsoft.com/office/drawing/2014/main" id="{48BB38F6-EE66-D025-0B25-0FE0898A75A9}"/>
-              </a:ext>
-            </a:extLst>
-          </p:cNvPr>
-          <p:cNvGrpSpPr/>
-          <p:nvPr/>
-        </p:nvGrpSpPr>
-        <p:grpSpPr>
-          <a:xfrm>
-            <a:off x="402443" y="128954"/>
-            <a:ext cx="11260168" cy="3673207"/>
-            <a:chOff x="402443" y="128954"/>
-            <a:chExt cx="11260168" cy="3673207"/>
-          </a:xfrm>
-        </p:grpSpPr>
-        <p:sp>
-          <p:nvSpPr>
-            <p:cNvPr id="3" name="TextBox 2">
-              <a:extLst>
-                <a:ext uri="{FF2B5EF4-FFF2-40B4-BE49-F238E27FC236}">
-                  <a16:creationId xmlns:a16="http://schemas.microsoft.com/office/drawing/2014/main" id="{845A49FA-FE14-09A5-F261-E31E1B9EB010}"/>
-                </a:ext>
-              </a:extLst>
-            </p:cNvPr>
-            <p:cNvSpPr txBox="1"/>
-            <p:nvPr/>
-          </p:nvSpPr>
-          <p:spPr>
-            <a:xfrm>
-              <a:off x="402443" y="128954"/>
-              <a:ext cx="1828800" cy="369332"/>
-            </a:xfrm>
-            <a:prstGeom prst="rect">
-              <a:avLst/>
-            </a:prstGeom>
-            <a:noFill/>
-          </p:spPr>
-          <p:txBody>
-            <a:bodyPr rot="0" spcFirstLastPara="0" vert="horz" wrap="square" lIns="91440" tIns="45720" rIns="91440" bIns="45720" numCol="1" spcCol="0" rtlCol="0" fromWordArt="0" anchor="t" anchorCtr="0" forceAA="0" compatLnSpc="1">
-              <a:prstTxWarp prst="textNoShape">
-                <a:avLst/>
-              </a:prstTxWarp>
-              <a:spAutoFit/>
-            </a:bodyPr>
-            <a:lstStyle>
-              <a:defPPr>
-                <a:defRPr lang="en-US"/>
-              </a:defPPr>
-              <a:lvl1pPr marL="0" algn="l" defTabSz="914400" rtl="0" eaLnBrk="1" latinLnBrk="0" hangingPunct="1">
-                <a:defRPr sz="1800" kern="1200">
-                  <a:solidFill>
-                    <a:schemeClr val="tx1"/>
-                  </a:solidFill>
-                  <a:latin typeface="+mn-lt"/>
-                  <a:ea typeface="+mn-ea"/>
-                  <a:cs typeface="+mn-cs"/>
-                </a:defRPr>
-              </a:lvl1pPr>
-              <a:lvl2pPr marL="457200" algn="l" defTabSz="914400" rtl="0" eaLnBrk="1" latinLnBrk="0" hangingPunct="1">
-                <a:defRPr sz="1800" kern="1200">
-                  <a:solidFill>
-                    <a:schemeClr val="tx1"/>
-                  </a:solidFill>
-                  <a:latin typeface="+mn-lt"/>
-                  <a:ea typeface="+mn-ea"/>
-                  <a:cs typeface="+mn-cs"/>
-                </a:defRPr>
-              </a:lvl2pPr>
-              <a:lvl3pPr marL="914400" algn="l" defTabSz="914400" rtl="0" eaLnBrk="1" latinLnBrk="0" hangingPunct="1">
-                <a:defRPr sz="1800" kern="1200">
-                  <a:solidFill>
-                    <a:schemeClr val="tx1"/>
-                  </a:solidFill>
-                  <a:latin typeface="+mn-lt"/>
-                  <a:ea typeface="+mn-ea"/>
-                  <a:cs typeface="+mn-cs"/>
-                </a:defRPr>
-              </a:lvl3pPr>
-              <a:lvl4pPr marL="1371600" algn="l" defTabSz="914400" rtl="0" eaLnBrk="1" latinLnBrk="0" hangingPunct="1">
-                <a:defRPr sz="1800" kern="1200">
-                  <a:solidFill>
-                    <a:schemeClr val="tx1"/>
-                  </a:solidFill>
-                  <a:latin typeface="+mn-lt"/>
-                  <a:ea typeface="+mn-ea"/>
-                  <a:cs typeface="+mn-cs"/>
-                </a:defRPr>
-              </a:lvl4pPr>
-              <a:lvl5pPr marL="1828800" algn="l" defTabSz="914400" rtl="0" eaLnBrk="1" latinLnBrk="0" hangingPunct="1">
-                <a:defRPr sz="1800" kern="1200">
-                  <a:solidFill>
-                    <a:schemeClr val="tx1"/>
-                  </a:solidFill>
-                  <a:latin typeface="+mn-lt"/>
-                  <a:ea typeface="+mn-ea"/>
-                  <a:cs typeface="+mn-cs"/>
-                </a:defRPr>
-              </a:lvl5pPr>
-              <a:lvl6pPr marL="2286000" algn="l" defTabSz="914400" rtl="0" eaLnBrk="1" latinLnBrk="0" hangingPunct="1">
-                <a:defRPr sz="1800" kern="1200">
-                  <a:solidFill>
-                    <a:schemeClr val="tx1"/>
-                  </a:solidFill>
-                  <a:latin typeface="+mn-lt"/>
-                  <a:ea typeface="+mn-ea"/>
-                  <a:cs typeface="+mn-cs"/>
-                </a:defRPr>
-              </a:lvl6pPr>
-              <a:lvl7pPr marL="2743200" algn="l" defTabSz="914400" rtl="0" eaLnBrk="1" latinLnBrk="0" hangingPunct="1">
-                <a:defRPr sz="1800" kern="1200">
-                  <a:solidFill>
-                    <a:schemeClr val="tx1"/>
-                  </a:solidFill>
-                  <a:latin typeface="+mn-lt"/>
-                  <a:ea typeface="+mn-ea"/>
-                  <a:cs typeface="+mn-cs"/>
-                </a:defRPr>
-              </a:lvl7pPr>
-              <a:lvl8pPr marL="3200400" algn="l" defTabSz="914400" rtl="0" eaLnBrk="1" latinLnBrk="0" hangingPunct="1">
-                <a:defRPr sz="1800" kern="1200">
-                  <a:solidFill>
-                    <a:schemeClr val="tx1"/>
-                  </a:solidFill>
-                  <a:latin typeface="+mn-lt"/>
-                  <a:ea typeface="+mn-ea"/>
-                  <a:cs typeface="+mn-cs"/>
-                </a:defRPr>
-              </a:lvl8pPr>
-              <a:lvl9pPr marL="3657600" algn="l" defTabSz="914400" rtl="0" eaLnBrk="1" latinLnBrk="0" hangingPunct="1">
-                <a:defRPr sz="1800" kern="1200">
-                  <a:solidFill>
-                    <a:schemeClr val="tx1"/>
-                  </a:solidFill>
-                  <a:latin typeface="+mn-lt"/>
-                  <a:ea typeface="+mn-ea"/>
-                  <a:cs typeface="+mn-cs"/>
-                </a:defRPr>
-              </a:lvl9pPr>
-            </a:lstStyle>
-            <a:p>
-              <a:pPr algn="l"/>
-              <a:r>
-                <a:rPr lang="en-US" dirty="0"/>
-                <a:t>1.2 1.2 2.6</a:t>
-              </a:r>
-            </a:p>
-          </p:txBody>
-        </p:sp>
-        <p:sp>
-          <p:nvSpPr>
-            <p:cNvPr id="4" name="TextBox 3">
-              <a:extLst>
-                <a:ext uri="{FF2B5EF4-FFF2-40B4-BE49-F238E27FC236}">
-                  <a16:creationId xmlns:a16="http://schemas.microsoft.com/office/drawing/2014/main" id="{5D9D32C1-EF01-6F19-2847-0465BD547108}"/>
-                </a:ext>
-              </a:extLst>
-            </p:cNvPr>
-            <p:cNvSpPr txBox="1"/>
-            <p:nvPr/>
-          </p:nvSpPr>
-          <p:spPr>
-            <a:xfrm>
-              <a:off x="5373372" y="128954"/>
-              <a:ext cx="1828800" cy="369332"/>
-            </a:xfrm>
-            <a:prstGeom prst="rect">
-              <a:avLst/>
-            </a:prstGeom>
-            <a:noFill/>
-          </p:spPr>
-          <p:txBody>
-            <a:bodyPr rot="0" spcFirstLastPara="0" vert="horz" wrap="square" lIns="91440" tIns="45720" rIns="91440" bIns="45720" numCol="1" spcCol="0" rtlCol="0" fromWordArt="0" anchor="t" anchorCtr="0" forceAA="0" compatLnSpc="1">
-              <a:prstTxWarp prst="textNoShape">
-                <a:avLst/>
-              </a:prstTxWarp>
-              <a:spAutoFit/>
-            </a:bodyPr>
-            <a:lstStyle>
-              <a:defPPr>
-                <a:defRPr lang="en-US"/>
-              </a:defPPr>
-              <a:lvl1pPr marL="0" algn="l" defTabSz="914400" rtl="0" eaLnBrk="1" latinLnBrk="0" hangingPunct="1">
-                <a:defRPr sz="1800" kern="1200">
-                  <a:solidFill>
-                    <a:schemeClr val="tx1"/>
-                  </a:solidFill>
-                  <a:latin typeface="+mn-lt"/>
-                  <a:ea typeface="+mn-ea"/>
-                  <a:cs typeface="+mn-cs"/>
-                </a:defRPr>
-              </a:lvl1pPr>
-              <a:lvl2pPr marL="457200" algn="l" defTabSz="914400" rtl="0" eaLnBrk="1" latinLnBrk="0" hangingPunct="1">
-                <a:defRPr sz="1800" kern="1200">
-                  <a:solidFill>
-                    <a:schemeClr val="tx1"/>
-                  </a:solidFill>
-                  <a:latin typeface="+mn-lt"/>
-                  <a:ea typeface="+mn-ea"/>
-                  <a:cs typeface="+mn-cs"/>
-                </a:defRPr>
-              </a:lvl2pPr>
-              <a:lvl3pPr marL="914400" algn="l" defTabSz="914400" rtl="0" eaLnBrk="1" latinLnBrk="0" hangingPunct="1">
-                <a:defRPr sz="1800" kern="1200">
-                  <a:solidFill>
-                    <a:schemeClr val="tx1"/>
-                  </a:solidFill>
-                  <a:latin typeface="+mn-lt"/>
-                  <a:ea typeface="+mn-ea"/>
-                  <a:cs typeface="+mn-cs"/>
-                </a:defRPr>
-              </a:lvl3pPr>
-              <a:lvl4pPr marL="1371600" algn="l" defTabSz="914400" rtl="0" eaLnBrk="1" latinLnBrk="0" hangingPunct="1">
-                <a:defRPr sz="1800" kern="1200">
-                  <a:solidFill>
-                    <a:schemeClr val="tx1"/>
-                  </a:solidFill>
-                  <a:latin typeface="+mn-lt"/>
-                  <a:ea typeface="+mn-ea"/>
-                  <a:cs typeface="+mn-cs"/>
-                </a:defRPr>
-              </a:lvl4pPr>
-              <a:lvl5pPr marL="1828800" algn="l" defTabSz="914400" rtl="0" eaLnBrk="1" latinLnBrk="0" hangingPunct="1">
-                <a:defRPr sz="1800" kern="1200">
-                  <a:solidFill>
-                    <a:schemeClr val="tx1"/>
-                  </a:solidFill>
-                  <a:latin typeface="+mn-lt"/>
-                  <a:ea typeface="+mn-ea"/>
-                  <a:cs typeface="+mn-cs"/>
-                </a:defRPr>
-              </a:lvl5pPr>
-              <a:lvl6pPr marL="2286000" algn="l" defTabSz="914400" rtl="0" eaLnBrk="1" latinLnBrk="0" hangingPunct="1">
-                <a:defRPr sz="1800" kern="1200">
-                  <a:solidFill>
-                    <a:schemeClr val="tx1"/>
-                  </a:solidFill>
-                  <a:latin typeface="+mn-lt"/>
-                  <a:ea typeface="+mn-ea"/>
-                  <a:cs typeface="+mn-cs"/>
-                </a:defRPr>
-              </a:lvl6pPr>
-              <a:lvl7pPr marL="2743200" algn="l" defTabSz="914400" rtl="0" eaLnBrk="1" latinLnBrk="0" hangingPunct="1">
-                <a:defRPr sz="1800" kern="1200">
-                  <a:solidFill>
-                    <a:schemeClr val="tx1"/>
-                  </a:solidFill>
-                  <a:latin typeface="+mn-lt"/>
-                  <a:ea typeface="+mn-ea"/>
-                  <a:cs typeface="+mn-cs"/>
-                </a:defRPr>
-              </a:lvl7pPr>
-              <a:lvl8pPr marL="3200400" algn="l" defTabSz="914400" rtl="0" eaLnBrk="1" latinLnBrk="0" hangingPunct="1">
-                <a:defRPr sz="1800" kern="1200">
-                  <a:solidFill>
-                    <a:schemeClr val="tx1"/>
-                  </a:solidFill>
-                  <a:latin typeface="+mn-lt"/>
-                  <a:ea typeface="+mn-ea"/>
-                  <a:cs typeface="+mn-cs"/>
-                </a:defRPr>
-              </a:lvl8pPr>
-              <a:lvl9pPr marL="3657600" algn="l" defTabSz="914400" rtl="0" eaLnBrk="1" latinLnBrk="0" hangingPunct="1">
-                <a:defRPr sz="1800" kern="1200">
-                  <a:solidFill>
-                    <a:schemeClr val="tx1"/>
-                  </a:solidFill>
-                  <a:latin typeface="+mn-lt"/>
-                  <a:ea typeface="+mn-ea"/>
-                  <a:cs typeface="+mn-cs"/>
-                </a:defRPr>
-              </a:lvl9pPr>
-            </a:lstStyle>
-            <a:p>
-              <a:pPr algn="l"/>
-              <a:r>
-                <a:rPr lang="en-US" dirty="0"/>
-                <a:t>1.2 1.2 2.8</a:t>
-              </a:r>
-            </a:p>
-          </p:txBody>
-        </p:sp>
-        <p:sp>
-          <p:nvSpPr>
-            <p:cNvPr id="5" name="TextBox 4">
-              <a:extLst>
-                <a:ext uri="{FF2B5EF4-FFF2-40B4-BE49-F238E27FC236}">
-                  <a16:creationId xmlns:a16="http://schemas.microsoft.com/office/drawing/2014/main" id="{A6F07378-5FEC-51FB-FA5B-BA2FB65C7880}"/>
-                </a:ext>
-              </a:extLst>
-            </p:cNvPr>
-            <p:cNvSpPr txBox="1"/>
-            <p:nvPr/>
-          </p:nvSpPr>
-          <p:spPr>
-            <a:xfrm>
-              <a:off x="9833811" y="128954"/>
-              <a:ext cx="1828800" cy="369332"/>
-            </a:xfrm>
-            <a:prstGeom prst="rect">
-              <a:avLst/>
-            </a:prstGeom>
-            <a:noFill/>
-          </p:spPr>
-          <p:txBody>
-            <a:bodyPr rot="0" spcFirstLastPara="0" vert="horz" wrap="square" lIns="91440" tIns="45720" rIns="91440" bIns="45720" numCol="1" spcCol="0" rtlCol="0" fromWordArt="0" anchor="t" anchorCtr="0" forceAA="0" compatLnSpc="1">
-              <a:prstTxWarp prst="textNoShape">
-                <a:avLst/>
-              </a:prstTxWarp>
-              <a:spAutoFit/>
-            </a:bodyPr>
-            <a:lstStyle>
-              <a:defPPr>
-                <a:defRPr lang="en-US"/>
-              </a:defPPr>
-              <a:lvl1pPr marL="0" algn="l" defTabSz="914400" rtl="0" eaLnBrk="1" latinLnBrk="0" hangingPunct="1">
-                <a:defRPr sz="1800" kern="1200">
-                  <a:solidFill>
-                    <a:schemeClr val="tx1"/>
-                  </a:solidFill>
-                  <a:latin typeface="+mn-lt"/>
-                  <a:ea typeface="+mn-ea"/>
-                  <a:cs typeface="+mn-cs"/>
-                </a:defRPr>
-              </a:lvl1pPr>
-              <a:lvl2pPr marL="457200" algn="l" defTabSz="914400" rtl="0" eaLnBrk="1" latinLnBrk="0" hangingPunct="1">
-                <a:defRPr sz="1800" kern="1200">
-                  <a:solidFill>
-                    <a:schemeClr val="tx1"/>
-                  </a:solidFill>
-                  <a:latin typeface="+mn-lt"/>
-                  <a:ea typeface="+mn-ea"/>
-                  <a:cs typeface="+mn-cs"/>
-                </a:defRPr>
-              </a:lvl2pPr>
-              <a:lvl3pPr marL="914400" algn="l" defTabSz="914400" rtl="0" eaLnBrk="1" latinLnBrk="0" hangingPunct="1">
-                <a:defRPr sz="1800" kern="1200">
-                  <a:solidFill>
-                    <a:schemeClr val="tx1"/>
-                  </a:solidFill>
-                  <a:latin typeface="+mn-lt"/>
-                  <a:ea typeface="+mn-ea"/>
-                  <a:cs typeface="+mn-cs"/>
-                </a:defRPr>
-              </a:lvl3pPr>
-              <a:lvl4pPr marL="1371600" algn="l" defTabSz="914400" rtl="0" eaLnBrk="1" latinLnBrk="0" hangingPunct="1">
-                <a:defRPr sz="1800" kern="1200">
-                  <a:solidFill>
-                    <a:schemeClr val="tx1"/>
-                  </a:solidFill>
-                  <a:latin typeface="+mn-lt"/>
-                  <a:ea typeface="+mn-ea"/>
-                  <a:cs typeface="+mn-cs"/>
-                </a:defRPr>
-              </a:lvl4pPr>
-              <a:lvl5pPr marL="1828800" algn="l" defTabSz="914400" rtl="0" eaLnBrk="1" latinLnBrk="0" hangingPunct="1">
-                <a:defRPr sz="1800" kern="1200">
-                  <a:solidFill>
-                    <a:schemeClr val="tx1"/>
-                  </a:solidFill>
-                  <a:latin typeface="+mn-lt"/>
-                  <a:ea typeface="+mn-ea"/>
-                  <a:cs typeface="+mn-cs"/>
-                </a:defRPr>
-              </a:lvl5pPr>
-              <a:lvl6pPr marL="2286000" algn="l" defTabSz="914400" rtl="0" eaLnBrk="1" latinLnBrk="0" hangingPunct="1">
-                <a:defRPr sz="1800" kern="1200">
-                  <a:solidFill>
-                    <a:schemeClr val="tx1"/>
-                  </a:solidFill>
-                  <a:latin typeface="+mn-lt"/>
-                  <a:ea typeface="+mn-ea"/>
-                  <a:cs typeface="+mn-cs"/>
-                </a:defRPr>
-              </a:lvl6pPr>
-              <a:lvl7pPr marL="2743200" algn="l" defTabSz="914400" rtl="0" eaLnBrk="1" latinLnBrk="0" hangingPunct="1">
-                <a:defRPr sz="1800" kern="1200">
-                  <a:solidFill>
-                    <a:schemeClr val="tx1"/>
-                  </a:solidFill>
-                  <a:latin typeface="+mn-lt"/>
-                  <a:ea typeface="+mn-ea"/>
-                  <a:cs typeface="+mn-cs"/>
-                </a:defRPr>
-              </a:lvl7pPr>
-              <a:lvl8pPr marL="3200400" algn="l" defTabSz="914400" rtl="0" eaLnBrk="1" latinLnBrk="0" hangingPunct="1">
-                <a:defRPr sz="1800" kern="1200">
-                  <a:solidFill>
-                    <a:schemeClr val="tx1"/>
-                  </a:solidFill>
-                  <a:latin typeface="+mn-lt"/>
-                  <a:ea typeface="+mn-ea"/>
-                  <a:cs typeface="+mn-cs"/>
-                </a:defRPr>
-              </a:lvl8pPr>
-              <a:lvl9pPr marL="3657600" algn="l" defTabSz="914400" rtl="0" eaLnBrk="1" latinLnBrk="0" hangingPunct="1">
-                <a:defRPr sz="1800" kern="1200">
-                  <a:solidFill>
-                    <a:schemeClr val="tx1"/>
-                  </a:solidFill>
-                  <a:latin typeface="+mn-lt"/>
-                  <a:ea typeface="+mn-ea"/>
-                  <a:cs typeface="+mn-cs"/>
-                </a:defRPr>
-              </a:lvl9pPr>
-            </a:lstStyle>
-            <a:p>
-              <a:pPr algn="l"/>
-              <a:r>
-                <a:rPr lang="en-US" dirty="0"/>
-                <a:t>1.2 1.2 3.0</a:t>
-              </a:r>
-            </a:p>
-          </p:txBody>
-        </p:sp>
-        <p:sp>
-          <p:nvSpPr>
-            <p:cNvPr id="6" name="TextBox 5">
-              <a:extLst>
-                <a:ext uri="{FF2B5EF4-FFF2-40B4-BE49-F238E27FC236}">
-                  <a16:creationId xmlns:a16="http://schemas.microsoft.com/office/drawing/2014/main" id="{EDE81B5E-1582-EC75-D7DF-078074CEBE61}"/>
-                </a:ext>
-              </a:extLst>
-            </p:cNvPr>
-            <p:cNvSpPr txBox="1"/>
-            <p:nvPr/>
-          </p:nvSpPr>
-          <p:spPr>
-            <a:xfrm>
-              <a:off x="402443" y="3429000"/>
-              <a:ext cx="1828800" cy="369332"/>
-            </a:xfrm>
-            <a:prstGeom prst="rect">
-              <a:avLst/>
-            </a:prstGeom>
-            <a:noFill/>
-          </p:spPr>
-          <p:txBody>
-            <a:bodyPr rot="0" spcFirstLastPara="0" vert="horz" wrap="square" lIns="91440" tIns="45720" rIns="91440" bIns="45720" numCol="1" spcCol="0" rtlCol="0" fromWordArt="0" anchor="t" anchorCtr="0" forceAA="0" compatLnSpc="1">
-              <a:prstTxWarp prst="textNoShape">
-                <a:avLst/>
-              </a:prstTxWarp>
-              <a:spAutoFit/>
-            </a:bodyPr>
-            <a:lstStyle>
-              <a:defPPr>
-                <a:defRPr lang="en-US"/>
-              </a:defPPr>
-              <a:lvl1pPr marL="0" algn="l" defTabSz="914400" rtl="0" eaLnBrk="1" latinLnBrk="0" hangingPunct="1">
-                <a:defRPr sz="1800" kern="1200">
-                  <a:solidFill>
-                    <a:schemeClr val="tx1"/>
-                  </a:solidFill>
-                  <a:latin typeface="+mn-lt"/>
-                  <a:ea typeface="+mn-ea"/>
-                  <a:cs typeface="+mn-cs"/>
-                </a:defRPr>
-              </a:lvl1pPr>
-              <a:lvl2pPr marL="457200" algn="l" defTabSz="914400" rtl="0" eaLnBrk="1" latinLnBrk="0" hangingPunct="1">
-                <a:defRPr sz="1800" kern="1200">
-                  <a:solidFill>
-                    <a:schemeClr val="tx1"/>
-                  </a:solidFill>
-                  <a:latin typeface="+mn-lt"/>
-                  <a:ea typeface="+mn-ea"/>
-                  <a:cs typeface="+mn-cs"/>
-                </a:defRPr>
-              </a:lvl2pPr>
-              <a:lvl3pPr marL="914400" algn="l" defTabSz="914400" rtl="0" eaLnBrk="1" latinLnBrk="0" hangingPunct="1">
-                <a:defRPr sz="1800" kern="1200">
-                  <a:solidFill>
-                    <a:schemeClr val="tx1"/>
-                  </a:solidFill>
-                  <a:latin typeface="+mn-lt"/>
-                  <a:ea typeface="+mn-ea"/>
-                  <a:cs typeface="+mn-cs"/>
-                </a:defRPr>
-              </a:lvl3pPr>
-              <a:lvl4pPr marL="1371600" algn="l" defTabSz="914400" rtl="0" eaLnBrk="1" latinLnBrk="0" hangingPunct="1">
-                <a:defRPr sz="1800" kern="1200">
-                  <a:solidFill>
-                    <a:schemeClr val="tx1"/>
-                  </a:solidFill>
-                  <a:latin typeface="+mn-lt"/>
-                  <a:ea typeface="+mn-ea"/>
-                  <a:cs typeface="+mn-cs"/>
-                </a:defRPr>
-              </a:lvl4pPr>
-              <a:lvl5pPr marL="1828800" algn="l" defTabSz="914400" rtl="0" eaLnBrk="1" latinLnBrk="0" hangingPunct="1">
-                <a:defRPr sz="1800" kern="1200">
-                  <a:solidFill>
-                    <a:schemeClr val="tx1"/>
-                  </a:solidFill>
-                  <a:latin typeface="+mn-lt"/>
-                  <a:ea typeface="+mn-ea"/>
-                  <a:cs typeface="+mn-cs"/>
-                </a:defRPr>
-              </a:lvl5pPr>
-              <a:lvl6pPr marL="2286000" algn="l" defTabSz="914400" rtl="0" eaLnBrk="1" latinLnBrk="0" hangingPunct="1">
-                <a:defRPr sz="1800" kern="1200">
-                  <a:solidFill>
-                    <a:schemeClr val="tx1"/>
-                  </a:solidFill>
-                  <a:latin typeface="+mn-lt"/>
-                  <a:ea typeface="+mn-ea"/>
-                  <a:cs typeface="+mn-cs"/>
-                </a:defRPr>
-              </a:lvl6pPr>
-              <a:lvl7pPr marL="2743200" algn="l" defTabSz="914400" rtl="0" eaLnBrk="1" latinLnBrk="0" hangingPunct="1">
-                <a:defRPr sz="1800" kern="1200">
-                  <a:solidFill>
-                    <a:schemeClr val="tx1"/>
-                  </a:solidFill>
-                  <a:latin typeface="+mn-lt"/>
-                  <a:ea typeface="+mn-ea"/>
-                  <a:cs typeface="+mn-cs"/>
-                </a:defRPr>
-              </a:lvl7pPr>
-              <a:lvl8pPr marL="3200400" algn="l" defTabSz="914400" rtl="0" eaLnBrk="1" latinLnBrk="0" hangingPunct="1">
-                <a:defRPr sz="1800" kern="1200">
-                  <a:solidFill>
-                    <a:schemeClr val="tx1"/>
-                  </a:solidFill>
-                  <a:latin typeface="+mn-lt"/>
-                  <a:ea typeface="+mn-ea"/>
-                  <a:cs typeface="+mn-cs"/>
-                </a:defRPr>
-              </a:lvl8pPr>
-              <a:lvl9pPr marL="3657600" algn="l" defTabSz="914400" rtl="0" eaLnBrk="1" latinLnBrk="0" hangingPunct="1">
-                <a:defRPr sz="1800" kern="1200">
-                  <a:solidFill>
-                    <a:schemeClr val="tx1"/>
-                  </a:solidFill>
-                  <a:latin typeface="+mn-lt"/>
-                  <a:ea typeface="+mn-ea"/>
-                  <a:cs typeface="+mn-cs"/>
-                </a:defRPr>
-              </a:lvl9pPr>
-            </a:lstStyle>
-            <a:p>
-              <a:pPr algn="l"/>
-              <a:r>
-                <a:rPr lang="en-US" dirty="0"/>
-                <a:t>1.4 1.2 2.6</a:t>
-              </a:r>
-            </a:p>
-          </p:txBody>
-        </p:sp>
-        <p:sp>
-          <p:nvSpPr>
-            <p:cNvPr id="7" name="TextBox 6">
-              <a:extLst>
-                <a:ext uri="{FF2B5EF4-FFF2-40B4-BE49-F238E27FC236}">
-                  <a16:creationId xmlns:a16="http://schemas.microsoft.com/office/drawing/2014/main" id="{8AFEFB7E-E7A3-B721-5F37-5257754932E1}"/>
-                </a:ext>
-              </a:extLst>
-            </p:cNvPr>
-            <p:cNvSpPr txBox="1"/>
-            <p:nvPr/>
-          </p:nvSpPr>
-          <p:spPr>
-            <a:xfrm>
-              <a:off x="5277158" y="3432829"/>
-              <a:ext cx="1828800" cy="369332"/>
-            </a:xfrm>
-            <a:prstGeom prst="rect">
-              <a:avLst/>
-            </a:prstGeom>
-            <a:noFill/>
-          </p:spPr>
-          <p:txBody>
-            <a:bodyPr rot="0" spcFirstLastPara="0" vert="horz" wrap="square" lIns="91440" tIns="45720" rIns="91440" bIns="45720" numCol="1" spcCol="0" rtlCol="0" fromWordArt="0" anchor="t" anchorCtr="0" forceAA="0" compatLnSpc="1">
-              <a:prstTxWarp prst="textNoShape">
-                <a:avLst/>
-              </a:prstTxWarp>
-              <a:spAutoFit/>
-            </a:bodyPr>
-            <a:lstStyle>
-              <a:defPPr>
-                <a:defRPr lang="en-US"/>
-              </a:defPPr>
-              <a:lvl1pPr marL="0" algn="l" defTabSz="914400" rtl="0" eaLnBrk="1" latinLnBrk="0" hangingPunct="1">
-                <a:defRPr sz="1800" kern="1200">
-                  <a:solidFill>
-                    <a:schemeClr val="tx1"/>
-                  </a:solidFill>
-                  <a:latin typeface="+mn-lt"/>
-                  <a:ea typeface="+mn-ea"/>
-                  <a:cs typeface="+mn-cs"/>
-                </a:defRPr>
-              </a:lvl1pPr>
-              <a:lvl2pPr marL="457200" algn="l" defTabSz="914400" rtl="0" eaLnBrk="1" latinLnBrk="0" hangingPunct="1">
-                <a:defRPr sz="1800" kern="1200">
-                  <a:solidFill>
-                    <a:schemeClr val="tx1"/>
-                  </a:solidFill>
-                  <a:latin typeface="+mn-lt"/>
-                  <a:ea typeface="+mn-ea"/>
-                  <a:cs typeface="+mn-cs"/>
-                </a:defRPr>
-              </a:lvl2pPr>
-              <a:lvl3pPr marL="914400" algn="l" defTabSz="914400" rtl="0" eaLnBrk="1" latinLnBrk="0" hangingPunct="1">
-                <a:defRPr sz="1800" kern="1200">
-                  <a:solidFill>
-                    <a:schemeClr val="tx1"/>
-                  </a:solidFill>
-                  <a:latin typeface="+mn-lt"/>
-                  <a:ea typeface="+mn-ea"/>
-                  <a:cs typeface="+mn-cs"/>
-                </a:defRPr>
-              </a:lvl3pPr>
-              <a:lvl4pPr marL="1371600" algn="l" defTabSz="914400" rtl="0" eaLnBrk="1" latinLnBrk="0" hangingPunct="1">
-                <a:defRPr sz="1800" kern="1200">
-                  <a:solidFill>
-                    <a:schemeClr val="tx1"/>
-                  </a:solidFill>
-                  <a:latin typeface="+mn-lt"/>
-                  <a:ea typeface="+mn-ea"/>
-                  <a:cs typeface="+mn-cs"/>
-                </a:defRPr>
-              </a:lvl4pPr>
-              <a:lvl5pPr marL="1828800" algn="l" defTabSz="914400" rtl="0" eaLnBrk="1" latinLnBrk="0" hangingPunct="1">
-                <a:defRPr sz="1800" kern="1200">
-                  <a:solidFill>
-                    <a:schemeClr val="tx1"/>
-                  </a:solidFill>
-                  <a:latin typeface="+mn-lt"/>
-                  <a:ea typeface="+mn-ea"/>
-                  <a:cs typeface="+mn-cs"/>
-                </a:defRPr>
-              </a:lvl5pPr>
-              <a:lvl6pPr marL="2286000" algn="l" defTabSz="914400" rtl="0" eaLnBrk="1" latinLnBrk="0" hangingPunct="1">
-                <a:defRPr sz="1800" kern="1200">
-                  <a:solidFill>
-                    <a:schemeClr val="tx1"/>
-                  </a:solidFill>
-                  <a:latin typeface="+mn-lt"/>
-                  <a:ea typeface="+mn-ea"/>
-                  <a:cs typeface="+mn-cs"/>
-                </a:defRPr>
-              </a:lvl6pPr>
-              <a:lvl7pPr marL="2743200" algn="l" defTabSz="914400" rtl="0" eaLnBrk="1" latinLnBrk="0" hangingPunct="1">
-                <a:defRPr sz="1800" kern="1200">
-                  <a:solidFill>
-                    <a:schemeClr val="tx1"/>
-                  </a:solidFill>
-                  <a:latin typeface="+mn-lt"/>
-                  <a:ea typeface="+mn-ea"/>
-                  <a:cs typeface="+mn-cs"/>
-                </a:defRPr>
-              </a:lvl7pPr>
-              <a:lvl8pPr marL="3200400" algn="l" defTabSz="914400" rtl="0" eaLnBrk="1" latinLnBrk="0" hangingPunct="1">
-                <a:defRPr sz="1800" kern="1200">
-                  <a:solidFill>
-                    <a:schemeClr val="tx1"/>
-                  </a:solidFill>
-                  <a:latin typeface="+mn-lt"/>
-                  <a:ea typeface="+mn-ea"/>
-                  <a:cs typeface="+mn-cs"/>
-                </a:defRPr>
-              </a:lvl8pPr>
-              <a:lvl9pPr marL="3657600" algn="l" defTabSz="914400" rtl="0" eaLnBrk="1" latinLnBrk="0" hangingPunct="1">
-                <a:defRPr sz="1800" kern="1200">
-                  <a:solidFill>
-                    <a:schemeClr val="tx1"/>
-                  </a:solidFill>
-                  <a:latin typeface="+mn-lt"/>
-                  <a:ea typeface="+mn-ea"/>
-                  <a:cs typeface="+mn-cs"/>
-                </a:defRPr>
-              </a:lvl9pPr>
-            </a:lstStyle>
-            <a:p>
-              <a:pPr algn="l"/>
-              <a:r>
-                <a:rPr lang="en-US" dirty="0"/>
-                <a:t>1.4 1.2 2.8</a:t>
-              </a:r>
-            </a:p>
-          </p:txBody>
-        </p:sp>
-        <p:sp>
-          <p:nvSpPr>
-            <p:cNvPr id="8" name="TextBox 7">
-              <a:extLst>
-                <a:ext uri="{FF2B5EF4-FFF2-40B4-BE49-F238E27FC236}">
-                  <a16:creationId xmlns:a16="http://schemas.microsoft.com/office/drawing/2014/main" id="{99ACF886-60CC-BF53-BEC8-D996B9591742}"/>
-                </a:ext>
-              </a:extLst>
-            </p:cNvPr>
-            <p:cNvSpPr txBox="1"/>
-            <p:nvPr/>
-          </p:nvSpPr>
-          <p:spPr>
-            <a:xfrm>
-              <a:off x="9833811" y="3429000"/>
-              <a:ext cx="1828800" cy="369332"/>
-            </a:xfrm>
-            <a:prstGeom prst="rect">
-              <a:avLst/>
-            </a:prstGeom>
-            <a:noFill/>
-          </p:spPr>
-          <p:txBody>
-            <a:bodyPr rot="0" spcFirstLastPara="0" vert="horz" wrap="square" lIns="91440" tIns="45720" rIns="91440" bIns="45720" numCol="1" spcCol="0" rtlCol="0" fromWordArt="0" anchor="t" anchorCtr="0" forceAA="0" compatLnSpc="1">
-              <a:prstTxWarp prst="textNoShape">
-                <a:avLst/>
-              </a:prstTxWarp>
-              <a:spAutoFit/>
-            </a:bodyPr>
-            <a:lstStyle>
-              <a:defPPr>
-                <a:defRPr lang="en-US"/>
-              </a:defPPr>
-              <a:lvl1pPr marL="0" algn="l" defTabSz="914400" rtl="0" eaLnBrk="1" latinLnBrk="0" hangingPunct="1">
-                <a:defRPr sz="1800" kern="1200">
-                  <a:solidFill>
-                    <a:schemeClr val="tx1"/>
-                  </a:solidFill>
-                  <a:latin typeface="+mn-lt"/>
-                  <a:ea typeface="+mn-ea"/>
-                  <a:cs typeface="+mn-cs"/>
-                </a:defRPr>
-              </a:lvl1pPr>
-              <a:lvl2pPr marL="457200" algn="l" defTabSz="914400" rtl="0" eaLnBrk="1" latinLnBrk="0" hangingPunct="1">
-                <a:defRPr sz="1800" kern="1200">
-                  <a:solidFill>
-                    <a:schemeClr val="tx1"/>
-                  </a:solidFill>
-                  <a:latin typeface="+mn-lt"/>
-                  <a:ea typeface="+mn-ea"/>
-                  <a:cs typeface="+mn-cs"/>
-                </a:defRPr>
-              </a:lvl2pPr>
-              <a:lvl3pPr marL="914400" algn="l" defTabSz="914400" rtl="0" eaLnBrk="1" latinLnBrk="0" hangingPunct="1">
-                <a:defRPr sz="1800" kern="1200">
-                  <a:solidFill>
-                    <a:schemeClr val="tx1"/>
-                  </a:solidFill>
-                  <a:latin typeface="+mn-lt"/>
-                  <a:ea typeface="+mn-ea"/>
-                  <a:cs typeface="+mn-cs"/>
-                </a:defRPr>
-              </a:lvl3pPr>
-              <a:lvl4pPr marL="1371600" algn="l" defTabSz="914400" rtl="0" eaLnBrk="1" latinLnBrk="0" hangingPunct="1">
-                <a:defRPr sz="1800" kern="1200">
-                  <a:solidFill>
-                    <a:schemeClr val="tx1"/>
-                  </a:solidFill>
-                  <a:latin typeface="+mn-lt"/>
-                  <a:ea typeface="+mn-ea"/>
-                  <a:cs typeface="+mn-cs"/>
-                </a:defRPr>
-              </a:lvl4pPr>
-              <a:lvl5pPr marL="1828800" algn="l" defTabSz="914400" rtl="0" eaLnBrk="1" latinLnBrk="0" hangingPunct="1">
-                <a:defRPr sz="1800" kern="1200">
-                  <a:solidFill>
-                    <a:schemeClr val="tx1"/>
-                  </a:solidFill>
-                  <a:latin typeface="+mn-lt"/>
-                  <a:ea typeface="+mn-ea"/>
-                  <a:cs typeface="+mn-cs"/>
-                </a:defRPr>
-              </a:lvl5pPr>
-              <a:lvl6pPr marL="2286000" algn="l" defTabSz="914400" rtl="0" eaLnBrk="1" latinLnBrk="0" hangingPunct="1">
-                <a:defRPr sz="1800" kern="1200">
-                  <a:solidFill>
-                    <a:schemeClr val="tx1"/>
-                  </a:solidFill>
-                  <a:latin typeface="+mn-lt"/>
-                  <a:ea typeface="+mn-ea"/>
-                  <a:cs typeface="+mn-cs"/>
-                </a:defRPr>
-              </a:lvl6pPr>
-              <a:lvl7pPr marL="2743200" algn="l" defTabSz="914400" rtl="0" eaLnBrk="1" latinLnBrk="0" hangingPunct="1">
-                <a:defRPr sz="1800" kern="1200">
-                  <a:solidFill>
-                    <a:schemeClr val="tx1"/>
-                  </a:solidFill>
-                  <a:latin typeface="+mn-lt"/>
-                  <a:ea typeface="+mn-ea"/>
-                  <a:cs typeface="+mn-cs"/>
-                </a:defRPr>
-              </a:lvl7pPr>
-              <a:lvl8pPr marL="3200400" algn="l" defTabSz="914400" rtl="0" eaLnBrk="1" latinLnBrk="0" hangingPunct="1">
-                <a:defRPr sz="1800" kern="1200">
-                  <a:solidFill>
-                    <a:schemeClr val="tx1"/>
-                  </a:solidFill>
-                  <a:latin typeface="+mn-lt"/>
-                  <a:ea typeface="+mn-ea"/>
-                  <a:cs typeface="+mn-cs"/>
-                </a:defRPr>
-              </a:lvl8pPr>
-              <a:lvl9pPr marL="3657600" algn="l" defTabSz="914400" rtl="0" eaLnBrk="1" latinLnBrk="0" hangingPunct="1">
-                <a:defRPr sz="1800" kern="1200">
-                  <a:solidFill>
-                    <a:schemeClr val="tx1"/>
-                  </a:solidFill>
-                  <a:latin typeface="+mn-lt"/>
-                  <a:ea typeface="+mn-ea"/>
-                  <a:cs typeface="+mn-cs"/>
-                </a:defRPr>
-              </a:lvl9pPr>
-            </a:lstStyle>
-            <a:p>
-              <a:pPr algn="l"/>
-              <a:r>
-                <a:rPr lang="en-US" dirty="0"/>
-                <a:t>1.4 1.2 3.0</a:t>
-              </a:r>
-            </a:p>
-          </p:txBody>
-        </p:sp>
-      </p:grpSp>
-      <p:pic>
-        <p:nvPicPr>
-          <p:cNvPr id="5122" name="Picture 2">
-            <a:extLst>
-              <a:ext uri="{FF2B5EF4-FFF2-40B4-BE49-F238E27FC236}">
-                <a16:creationId xmlns:a16="http://schemas.microsoft.com/office/drawing/2014/main" id="{CDB8E33E-1B5C-69EA-CBE3-C146C31B1A20}"/>
-              </a:ext>
-            </a:extLst>
-          </p:cNvPr>
-          <p:cNvPicPr>
-            <a:picLocks noChangeAspect="1" noChangeArrowheads="1"/>
-          </p:cNvPicPr>
-          <p:nvPr/>
-        </p:nvPicPr>
-        <p:blipFill>
-          <a:blip r:embed="rId2">
-            <a:extLst>
-              <a:ext uri="{28A0092B-C50C-407E-A947-70E740481C1C}">
-                <a14:useLocalDpi xmlns:a14="http://schemas.microsoft.com/office/drawing/2010/main" val="0"/>
-              </a:ext>
-            </a:extLst>
-          </a:blip>
-          <a:srcRect/>
-          <a:stretch>
-            <a:fillRect/>
-          </a:stretch>
-        </p:blipFill>
-        <p:spPr bwMode="auto">
-          <a:xfrm>
-            <a:off x="8831743" y="592788"/>
-            <a:ext cx="3266545" cy="2521347"/>
-          </a:xfrm>
-          <a:prstGeom prst="rect">
-            <a:avLst/>
-          </a:prstGeom>
-          <a:noFill/>
-          <a:extLst>
-            <a:ext uri="{909E8E84-426E-40DD-AFC4-6F175D3DCCD1}">
-              <a14:hiddenFill xmlns:a14="http://schemas.microsoft.com/office/drawing/2010/main">
-                <a:solidFill>
-                  <a:srgbClr val="FFFFFF"/>
-                </a:solidFill>
-              </a14:hiddenFill>
-            </a:ext>
-          </a:extLst>
-        </p:spPr>
-      </p:pic>
-      <p:pic>
-        <p:nvPicPr>
-          <p:cNvPr id="5124" name="Picture 4">
-            <a:extLst>
-              <a:ext uri="{FF2B5EF4-FFF2-40B4-BE49-F238E27FC236}">
-                <a16:creationId xmlns:a16="http://schemas.microsoft.com/office/drawing/2014/main" id="{E0ADB9E9-CC3C-1075-21CE-1FFE5714551C}"/>
-              </a:ext>
-            </a:extLst>
-          </p:cNvPr>
-          <p:cNvPicPr>
-            <a:picLocks noChangeAspect="1" noChangeArrowheads="1"/>
-          </p:cNvPicPr>
-          <p:nvPr/>
-        </p:nvPicPr>
-        <p:blipFill>
-          <a:blip r:embed="rId3">
-            <a:extLst>
-              <a:ext uri="{28A0092B-C50C-407E-A947-70E740481C1C}">
-                <a14:useLocalDpi xmlns:a14="http://schemas.microsoft.com/office/drawing/2010/main" val="0"/>
-              </a:ext>
-            </a:extLst>
-          </a:blip>
-          <a:srcRect/>
-          <a:stretch>
-            <a:fillRect/>
-          </a:stretch>
-        </p:blipFill>
-        <p:spPr bwMode="auto">
-          <a:xfrm>
-            <a:off x="4371886" y="592788"/>
-            <a:ext cx="3266546" cy="2521348"/>
-          </a:xfrm>
-          <a:prstGeom prst="rect">
-            <a:avLst/>
-          </a:prstGeom>
-          <a:noFill/>
-          <a:extLst>
-            <a:ext uri="{909E8E84-426E-40DD-AFC4-6F175D3DCCD1}">
-              <a14:hiddenFill xmlns:a14="http://schemas.microsoft.com/office/drawing/2010/main">
-                <a:solidFill>
-                  <a:srgbClr val="FFFFFF"/>
-                </a:solidFill>
-              </a14:hiddenFill>
-            </a:ext>
-          </a:extLst>
-        </p:spPr>
-      </p:pic>
-      <p:pic>
-        <p:nvPicPr>
-          <p:cNvPr id="5126" name="Picture 6">
-            <a:extLst>
-              <a:ext uri="{FF2B5EF4-FFF2-40B4-BE49-F238E27FC236}">
-                <a16:creationId xmlns:a16="http://schemas.microsoft.com/office/drawing/2014/main" id="{8D7F3E7B-A442-68E5-A3A9-CC7E68F7C53B}"/>
-              </a:ext>
-            </a:extLst>
-          </p:cNvPr>
-          <p:cNvPicPr>
-            <a:picLocks noChangeAspect="1" noChangeArrowheads="1"/>
-          </p:cNvPicPr>
-          <p:nvPr/>
-        </p:nvPicPr>
-        <p:blipFill>
-          <a:blip r:embed="rId4">
-            <a:extLst>
-              <a:ext uri="{28A0092B-C50C-407E-A947-70E740481C1C}">
-                <a14:useLocalDpi xmlns:a14="http://schemas.microsoft.com/office/drawing/2010/main" val="0"/>
-              </a:ext>
-            </a:extLst>
-          </a:blip>
-          <a:srcRect/>
-          <a:stretch>
-            <a:fillRect/>
-          </a:stretch>
-        </p:blipFill>
-        <p:spPr bwMode="auto">
-          <a:xfrm>
-            <a:off x="93712" y="592788"/>
-            <a:ext cx="3266546" cy="2521348"/>
-          </a:xfrm>
-          <a:prstGeom prst="rect">
-            <a:avLst/>
-          </a:prstGeom>
-          <a:noFill/>
-          <a:extLst>
-            <a:ext uri="{909E8E84-426E-40DD-AFC4-6F175D3DCCD1}">
-              <a14:hiddenFill xmlns:a14="http://schemas.microsoft.com/office/drawing/2010/main">
-                <a:solidFill>
-                  <a:srgbClr val="FFFFFF"/>
-                </a:solidFill>
-              </a14:hiddenFill>
-            </a:ext>
-          </a:extLst>
-        </p:spPr>
-      </p:pic>
-      <p:pic>
-        <p:nvPicPr>
-          <p:cNvPr id="5128" name="Picture 8">
-            <a:extLst>
-              <a:ext uri="{FF2B5EF4-FFF2-40B4-BE49-F238E27FC236}">
-                <a16:creationId xmlns:a16="http://schemas.microsoft.com/office/drawing/2014/main" id="{784E19CA-060C-890F-EB4B-9CCB622F64EA}"/>
-              </a:ext>
-            </a:extLst>
-          </p:cNvPr>
-          <p:cNvPicPr>
-            <a:picLocks noChangeAspect="1" noChangeArrowheads="1"/>
-          </p:cNvPicPr>
-          <p:nvPr/>
-        </p:nvPicPr>
-        <p:blipFill>
-          <a:blip r:embed="rId5">
-            <a:extLst>
-              <a:ext uri="{28A0092B-C50C-407E-A947-70E740481C1C}">
-                <a14:useLocalDpi xmlns:a14="http://schemas.microsoft.com/office/drawing/2010/main" val="0"/>
-              </a:ext>
-            </a:extLst>
-          </a:blip>
-          <a:srcRect/>
-          <a:stretch>
-            <a:fillRect/>
-          </a:stretch>
-        </p:blipFill>
-        <p:spPr bwMode="auto">
-          <a:xfrm>
-            <a:off x="93712" y="3956550"/>
-            <a:ext cx="3266546" cy="2521348"/>
-          </a:xfrm>
-          <a:prstGeom prst="rect">
-            <a:avLst/>
-          </a:prstGeom>
-          <a:noFill/>
-          <a:extLst>
-            <a:ext uri="{909E8E84-426E-40DD-AFC4-6F175D3DCCD1}">
-              <a14:hiddenFill xmlns:a14="http://schemas.microsoft.com/office/drawing/2010/main">
-                <a:solidFill>
-                  <a:srgbClr val="FFFFFF"/>
-                </a:solidFill>
-              </a14:hiddenFill>
-            </a:ext>
-          </a:extLst>
-        </p:spPr>
-      </p:pic>
-    </p:spTree>
-    <p:extLst>
-      <p:ext uri="{BB962C8B-B14F-4D97-AF65-F5344CB8AC3E}">
-        <p14:creationId xmlns:p14="http://schemas.microsoft.com/office/powerpoint/2010/main" val="2354562838"/>
       </p:ext>
     </p:extLst>
   </p:cSld>
@@ -21712,6 +20759,1043 @@
               <a:pPr algn="l"/>
               <a:r>
                 <a:rPr lang="en-US" dirty="0"/>
+                <a:t>1.2 1.2 2.6</a:t>
+              </a:r>
+            </a:p>
+          </p:txBody>
+        </p:sp>
+        <p:sp>
+          <p:nvSpPr>
+            <p:cNvPr id="4" name="TextBox 3">
+              <a:extLst>
+                <a:ext uri="{FF2B5EF4-FFF2-40B4-BE49-F238E27FC236}">
+                  <a16:creationId xmlns:a16="http://schemas.microsoft.com/office/drawing/2014/main" id="{5D9D32C1-EF01-6F19-2847-0465BD547108}"/>
+                </a:ext>
+              </a:extLst>
+            </p:cNvPr>
+            <p:cNvSpPr txBox="1"/>
+            <p:nvPr/>
+          </p:nvSpPr>
+          <p:spPr>
+            <a:xfrm>
+              <a:off x="5373372" y="128954"/>
+              <a:ext cx="1828800" cy="369332"/>
+            </a:xfrm>
+            <a:prstGeom prst="rect">
+              <a:avLst/>
+            </a:prstGeom>
+            <a:noFill/>
+          </p:spPr>
+          <p:txBody>
+            <a:bodyPr rot="0" spcFirstLastPara="0" vert="horz" wrap="square" lIns="91440" tIns="45720" rIns="91440" bIns="45720" numCol="1" spcCol="0" rtlCol="0" fromWordArt="0" anchor="t" anchorCtr="0" forceAA="0" compatLnSpc="1">
+              <a:prstTxWarp prst="textNoShape">
+                <a:avLst/>
+              </a:prstTxWarp>
+              <a:spAutoFit/>
+            </a:bodyPr>
+            <a:lstStyle>
+              <a:defPPr>
+                <a:defRPr lang="en-US"/>
+              </a:defPPr>
+              <a:lvl1pPr marL="0" algn="l" defTabSz="914400" rtl="0" eaLnBrk="1" latinLnBrk="0" hangingPunct="1">
+                <a:defRPr sz="1800" kern="1200">
+                  <a:solidFill>
+                    <a:schemeClr val="tx1"/>
+                  </a:solidFill>
+                  <a:latin typeface="+mn-lt"/>
+                  <a:ea typeface="+mn-ea"/>
+                  <a:cs typeface="+mn-cs"/>
+                </a:defRPr>
+              </a:lvl1pPr>
+              <a:lvl2pPr marL="457200" algn="l" defTabSz="914400" rtl="0" eaLnBrk="1" latinLnBrk="0" hangingPunct="1">
+                <a:defRPr sz="1800" kern="1200">
+                  <a:solidFill>
+                    <a:schemeClr val="tx1"/>
+                  </a:solidFill>
+                  <a:latin typeface="+mn-lt"/>
+                  <a:ea typeface="+mn-ea"/>
+                  <a:cs typeface="+mn-cs"/>
+                </a:defRPr>
+              </a:lvl2pPr>
+              <a:lvl3pPr marL="914400" algn="l" defTabSz="914400" rtl="0" eaLnBrk="1" latinLnBrk="0" hangingPunct="1">
+                <a:defRPr sz="1800" kern="1200">
+                  <a:solidFill>
+                    <a:schemeClr val="tx1"/>
+                  </a:solidFill>
+                  <a:latin typeface="+mn-lt"/>
+                  <a:ea typeface="+mn-ea"/>
+                  <a:cs typeface="+mn-cs"/>
+                </a:defRPr>
+              </a:lvl3pPr>
+              <a:lvl4pPr marL="1371600" algn="l" defTabSz="914400" rtl="0" eaLnBrk="1" latinLnBrk="0" hangingPunct="1">
+                <a:defRPr sz="1800" kern="1200">
+                  <a:solidFill>
+                    <a:schemeClr val="tx1"/>
+                  </a:solidFill>
+                  <a:latin typeface="+mn-lt"/>
+                  <a:ea typeface="+mn-ea"/>
+                  <a:cs typeface="+mn-cs"/>
+                </a:defRPr>
+              </a:lvl4pPr>
+              <a:lvl5pPr marL="1828800" algn="l" defTabSz="914400" rtl="0" eaLnBrk="1" latinLnBrk="0" hangingPunct="1">
+                <a:defRPr sz="1800" kern="1200">
+                  <a:solidFill>
+                    <a:schemeClr val="tx1"/>
+                  </a:solidFill>
+                  <a:latin typeface="+mn-lt"/>
+                  <a:ea typeface="+mn-ea"/>
+                  <a:cs typeface="+mn-cs"/>
+                </a:defRPr>
+              </a:lvl5pPr>
+              <a:lvl6pPr marL="2286000" algn="l" defTabSz="914400" rtl="0" eaLnBrk="1" latinLnBrk="0" hangingPunct="1">
+                <a:defRPr sz="1800" kern="1200">
+                  <a:solidFill>
+                    <a:schemeClr val="tx1"/>
+                  </a:solidFill>
+                  <a:latin typeface="+mn-lt"/>
+                  <a:ea typeface="+mn-ea"/>
+                  <a:cs typeface="+mn-cs"/>
+                </a:defRPr>
+              </a:lvl6pPr>
+              <a:lvl7pPr marL="2743200" algn="l" defTabSz="914400" rtl="0" eaLnBrk="1" latinLnBrk="0" hangingPunct="1">
+                <a:defRPr sz="1800" kern="1200">
+                  <a:solidFill>
+                    <a:schemeClr val="tx1"/>
+                  </a:solidFill>
+                  <a:latin typeface="+mn-lt"/>
+                  <a:ea typeface="+mn-ea"/>
+                  <a:cs typeface="+mn-cs"/>
+                </a:defRPr>
+              </a:lvl7pPr>
+              <a:lvl8pPr marL="3200400" algn="l" defTabSz="914400" rtl="0" eaLnBrk="1" latinLnBrk="0" hangingPunct="1">
+                <a:defRPr sz="1800" kern="1200">
+                  <a:solidFill>
+                    <a:schemeClr val="tx1"/>
+                  </a:solidFill>
+                  <a:latin typeface="+mn-lt"/>
+                  <a:ea typeface="+mn-ea"/>
+                  <a:cs typeface="+mn-cs"/>
+                </a:defRPr>
+              </a:lvl8pPr>
+              <a:lvl9pPr marL="3657600" algn="l" defTabSz="914400" rtl="0" eaLnBrk="1" latinLnBrk="0" hangingPunct="1">
+                <a:defRPr sz="1800" kern="1200">
+                  <a:solidFill>
+                    <a:schemeClr val="tx1"/>
+                  </a:solidFill>
+                  <a:latin typeface="+mn-lt"/>
+                  <a:ea typeface="+mn-ea"/>
+                  <a:cs typeface="+mn-cs"/>
+                </a:defRPr>
+              </a:lvl9pPr>
+            </a:lstStyle>
+            <a:p>
+              <a:pPr algn="l"/>
+              <a:r>
+                <a:rPr lang="en-US" dirty="0"/>
+                <a:t>1.2 1.2 2.8</a:t>
+              </a:r>
+            </a:p>
+          </p:txBody>
+        </p:sp>
+        <p:sp>
+          <p:nvSpPr>
+            <p:cNvPr id="5" name="TextBox 4">
+              <a:extLst>
+                <a:ext uri="{FF2B5EF4-FFF2-40B4-BE49-F238E27FC236}">
+                  <a16:creationId xmlns:a16="http://schemas.microsoft.com/office/drawing/2014/main" id="{A6F07378-5FEC-51FB-FA5B-BA2FB65C7880}"/>
+                </a:ext>
+              </a:extLst>
+            </p:cNvPr>
+            <p:cNvSpPr txBox="1"/>
+            <p:nvPr/>
+          </p:nvSpPr>
+          <p:spPr>
+            <a:xfrm>
+              <a:off x="9833811" y="128954"/>
+              <a:ext cx="1828800" cy="369332"/>
+            </a:xfrm>
+            <a:prstGeom prst="rect">
+              <a:avLst/>
+            </a:prstGeom>
+            <a:noFill/>
+          </p:spPr>
+          <p:txBody>
+            <a:bodyPr rot="0" spcFirstLastPara="0" vert="horz" wrap="square" lIns="91440" tIns="45720" rIns="91440" bIns="45720" numCol="1" spcCol="0" rtlCol="0" fromWordArt="0" anchor="t" anchorCtr="0" forceAA="0" compatLnSpc="1">
+              <a:prstTxWarp prst="textNoShape">
+                <a:avLst/>
+              </a:prstTxWarp>
+              <a:spAutoFit/>
+            </a:bodyPr>
+            <a:lstStyle>
+              <a:defPPr>
+                <a:defRPr lang="en-US"/>
+              </a:defPPr>
+              <a:lvl1pPr marL="0" algn="l" defTabSz="914400" rtl="0" eaLnBrk="1" latinLnBrk="0" hangingPunct="1">
+                <a:defRPr sz="1800" kern="1200">
+                  <a:solidFill>
+                    <a:schemeClr val="tx1"/>
+                  </a:solidFill>
+                  <a:latin typeface="+mn-lt"/>
+                  <a:ea typeface="+mn-ea"/>
+                  <a:cs typeface="+mn-cs"/>
+                </a:defRPr>
+              </a:lvl1pPr>
+              <a:lvl2pPr marL="457200" algn="l" defTabSz="914400" rtl="0" eaLnBrk="1" latinLnBrk="0" hangingPunct="1">
+                <a:defRPr sz="1800" kern="1200">
+                  <a:solidFill>
+                    <a:schemeClr val="tx1"/>
+                  </a:solidFill>
+                  <a:latin typeface="+mn-lt"/>
+                  <a:ea typeface="+mn-ea"/>
+                  <a:cs typeface="+mn-cs"/>
+                </a:defRPr>
+              </a:lvl2pPr>
+              <a:lvl3pPr marL="914400" algn="l" defTabSz="914400" rtl="0" eaLnBrk="1" latinLnBrk="0" hangingPunct="1">
+                <a:defRPr sz="1800" kern="1200">
+                  <a:solidFill>
+                    <a:schemeClr val="tx1"/>
+                  </a:solidFill>
+                  <a:latin typeface="+mn-lt"/>
+                  <a:ea typeface="+mn-ea"/>
+                  <a:cs typeface="+mn-cs"/>
+                </a:defRPr>
+              </a:lvl3pPr>
+              <a:lvl4pPr marL="1371600" algn="l" defTabSz="914400" rtl="0" eaLnBrk="1" latinLnBrk="0" hangingPunct="1">
+                <a:defRPr sz="1800" kern="1200">
+                  <a:solidFill>
+                    <a:schemeClr val="tx1"/>
+                  </a:solidFill>
+                  <a:latin typeface="+mn-lt"/>
+                  <a:ea typeface="+mn-ea"/>
+                  <a:cs typeface="+mn-cs"/>
+                </a:defRPr>
+              </a:lvl4pPr>
+              <a:lvl5pPr marL="1828800" algn="l" defTabSz="914400" rtl="0" eaLnBrk="1" latinLnBrk="0" hangingPunct="1">
+                <a:defRPr sz="1800" kern="1200">
+                  <a:solidFill>
+                    <a:schemeClr val="tx1"/>
+                  </a:solidFill>
+                  <a:latin typeface="+mn-lt"/>
+                  <a:ea typeface="+mn-ea"/>
+                  <a:cs typeface="+mn-cs"/>
+                </a:defRPr>
+              </a:lvl5pPr>
+              <a:lvl6pPr marL="2286000" algn="l" defTabSz="914400" rtl="0" eaLnBrk="1" latinLnBrk="0" hangingPunct="1">
+                <a:defRPr sz="1800" kern="1200">
+                  <a:solidFill>
+                    <a:schemeClr val="tx1"/>
+                  </a:solidFill>
+                  <a:latin typeface="+mn-lt"/>
+                  <a:ea typeface="+mn-ea"/>
+                  <a:cs typeface="+mn-cs"/>
+                </a:defRPr>
+              </a:lvl6pPr>
+              <a:lvl7pPr marL="2743200" algn="l" defTabSz="914400" rtl="0" eaLnBrk="1" latinLnBrk="0" hangingPunct="1">
+                <a:defRPr sz="1800" kern="1200">
+                  <a:solidFill>
+                    <a:schemeClr val="tx1"/>
+                  </a:solidFill>
+                  <a:latin typeface="+mn-lt"/>
+                  <a:ea typeface="+mn-ea"/>
+                  <a:cs typeface="+mn-cs"/>
+                </a:defRPr>
+              </a:lvl7pPr>
+              <a:lvl8pPr marL="3200400" algn="l" defTabSz="914400" rtl="0" eaLnBrk="1" latinLnBrk="0" hangingPunct="1">
+                <a:defRPr sz="1800" kern="1200">
+                  <a:solidFill>
+                    <a:schemeClr val="tx1"/>
+                  </a:solidFill>
+                  <a:latin typeface="+mn-lt"/>
+                  <a:ea typeface="+mn-ea"/>
+                  <a:cs typeface="+mn-cs"/>
+                </a:defRPr>
+              </a:lvl8pPr>
+              <a:lvl9pPr marL="3657600" algn="l" defTabSz="914400" rtl="0" eaLnBrk="1" latinLnBrk="0" hangingPunct="1">
+                <a:defRPr sz="1800" kern="1200">
+                  <a:solidFill>
+                    <a:schemeClr val="tx1"/>
+                  </a:solidFill>
+                  <a:latin typeface="+mn-lt"/>
+                  <a:ea typeface="+mn-ea"/>
+                  <a:cs typeface="+mn-cs"/>
+                </a:defRPr>
+              </a:lvl9pPr>
+            </a:lstStyle>
+            <a:p>
+              <a:pPr algn="l"/>
+              <a:r>
+                <a:rPr lang="en-US" dirty="0"/>
+                <a:t>1.2 1.2 3.0</a:t>
+              </a:r>
+            </a:p>
+          </p:txBody>
+        </p:sp>
+        <p:sp>
+          <p:nvSpPr>
+            <p:cNvPr id="6" name="TextBox 5">
+              <a:extLst>
+                <a:ext uri="{FF2B5EF4-FFF2-40B4-BE49-F238E27FC236}">
+                  <a16:creationId xmlns:a16="http://schemas.microsoft.com/office/drawing/2014/main" id="{EDE81B5E-1582-EC75-D7DF-078074CEBE61}"/>
+                </a:ext>
+              </a:extLst>
+            </p:cNvPr>
+            <p:cNvSpPr txBox="1"/>
+            <p:nvPr/>
+          </p:nvSpPr>
+          <p:spPr>
+            <a:xfrm>
+              <a:off x="402443" y="3429000"/>
+              <a:ext cx="1828800" cy="369332"/>
+            </a:xfrm>
+            <a:prstGeom prst="rect">
+              <a:avLst/>
+            </a:prstGeom>
+            <a:noFill/>
+          </p:spPr>
+          <p:txBody>
+            <a:bodyPr rot="0" spcFirstLastPara="0" vert="horz" wrap="square" lIns="91440" tIns="45720" rIns="91440" bIns="45720" numCol="1" spcCol="0" rtlCol="0" fromWordArt="0" anchor="t" anchorCtr="0" forceAA="0" compatLnSpc="1">
+              <a:prstTxWarp prst="textNoShape">
+                <a:avLst/>
+              </a:prstTxWarp>
+              <a:spAutoFit/>
+            </a:bodyPr>
+            <a:lstStyle>
+              <a:defPPr>
+                <a:defRPr lang="en-US"/>
+              </a:defPPr>
+              <a:lvl1pPr marL="0" algn="l" defTabSz="914400" rtl="0" eaLnBrk="1" latinLnBrk="0" hangingPunct="1">
+                <a:defRPr sz="1800" kern="1200">
+                  <a:solidFill>
+                    <a:schemeClr val="tx1"/>
+                  </a:solidFill>
+                  <a:latin typeface="+mn-lt"/>
+                  <a:ea typeface="+mn-ea"/>
+                  <a:cs typeface="+mn-cs"/>
+                </a:defRPr>
+              </a:lvl1pPr>
+              <a:lvl2pPr marL="457200" algn="l" defTabSz="914400" rtl="0" eaLnBrk="1" latinLnBrk="0" hangingPunct="1">
+                <a:defRPr sz="1800" kern="1200">
+                  <a:solidFill>
+                    <a:schemeClr val="tx1"/>
+                  </a:solidFill>
+                  <a:latin typeface="+mn-lt"/>
+                  <a:ea typeface="+mn-ea"/>
+                  <a:cs typeface="+mn-cs"/>
+                </a:defRPr>
+              </a:lvl2pPr>
+              <a:lvl3pPr marL="914400" algn="l" defTabSz="914400" rtl="0" eaLnBrk="1" latinLnBrk="0" hangingPunct="1">
+                <a:defRPr sz="1800" kern="1200">
+                  <a:solidFill>
+                    <a:schemeClr val="tx1"/>
+                  </a:solidFill>
+                  <a:latin typeface="+mn-lt"/>
+                  <a:ea typeface="+mn-ea"/>
+                  <a:cs typeface="+mn-cs"/>
+                </a:defRPr>
+              </a:lvl3pPr>
+              <a:lvl4pPr marL="1371600" algn="l" defTabSz="914400" rtl="0" eaLnBrk="1" latinLnBrk="0" hangingPunct="1">
+                <a:defRPr sz="1800" kern="1200">
+                  <a:solidFill>
+                    <a:schemeClr val="tx1"/>
+                  </a:solidFill>
+                  <a:latin typeface="+mn-lt"/>
+                  <a:ea typeface="+mn-ea"/>
+                  <a:cs typeface="+mn-cs"/>
+                </a:defRPr>
+              </a:lvl4pPr>
+              <a:lvl5pPr marL="1828800" algn="l" defTabSz="914400" rtl="0" eaLnBrk="1" latinLnBrk="0" hangingPunct="1">
+                <a:defRPr sz="1800" kern="1200">
+                  <a:solidFill>
+                    <a:schemeClr val="tx1"/>
+                  </a:solidFill>
+                  <a:latin typeface="+mn-lt"/>
+                  <a:ea typeface="+mn-ea"/>
+                  <a:cs typeface="+mn-cs"/>
+                </a:defRPr>
+              </a:lvl5pPr>
+              <a:lvl6pPr marL="2286000" algn="l" defTabSz="914400" rtl="0" eaLnBrk="1" latinLnBrk="0" hangingPunct="1">
+                <a:defRPr sz="1800" kern="1200">
+                  <a:solidFill>
+                    <a:schemeClr val="tx1"/>
+                  </a:solidFill>
+                  <a:latin typeface="+mn-lt"/>
+                  <a:ea typeface="+mn-ea"/>
+                  <a:cs typeface="+mn-cs"/>
+                </a:defRPr>
+              </a:lvl6pPr>
+              <a:lvl7pPr marL="2743200" algn="l" defTabSz="914400" rtl="0" eaLnBrk="1" latinLnBrk="0" hangingPunct="1">
+                <a:defRPr sz="1800" kern="1200">
+                  <a:solidFill>
+                    <a:schemeClr val="tx1"/>
+                  </a:solidFill>
+                  <a:latin typeface="+mn-lt"/>
+                  <a:ea typeface="+mn-ea"/>
+                  <a:cs typeface="+mn-cs"/>
+                </a:defRPr>
+              </a:lvl7pPr>
+              <a:lvl8pPr marL="3200400" algn="l" defTabSz="914400" rtl="0" eaLnBrk="1" latinLnBrk="0" hangingPunct="1">
+                <a:defRPr sz="1800" kern="1200">
+                  <a:solidFill>
+                    <a:schemeClr val="tx1"/>
+                  </a:solidFill>
+                  <a:latin typeface="+mn-lt"/>
+                  <a:ea typeface="+mn-ea"/>
+                  <a:cs typeface="+mn-cs"/>
+                </a:defRPr>
+              </a:lvl8pPr>
+              <a:lvl9pPr marL="3657600" algn="l" defTabSz="914400" rtl="0" eaLnBrk="1" latinLnBrk="0" hangingPunct="1">
+                <a:defRPr sz="1800" kern="1200">
+                  <a:solidFill>
+                    <a:schemeClr val="tx1"/>
+                  </a:solidFill>
+                  <a:latin typeface="+mn-lt"/>
+                  <a:ea typeface="+mn-ea"/>
+                  <a:cs typeface="+mn-cs"/>
+                </a:defRPr>
+              </a:lvl9pPr>
+            </a:lstStyle>
+            <a:p>
+              <a:pPr algn="l"/>
+              <a:r>
+                <a:rPr lang="en-US" dirty="0"/>
+                <a:t>1.4 1.2 2.6</a:t>
+              </a:r>
+            </a:p>
+          </p:txBody>
+        </p:sp>
+        <p:sp>
+          <p:nvSpPr>
+            <p:cNvPr id="7" name="TextBox 6">
+              <a:extLst>
+                <a:ext uri="{FF2B5EF4-FFF2-40B4-BE49-F238E27FC236}">
+                  <a16:creationId xmlns:a16="http://schemas.microsoft.com/office/drawing/2014/main" id="{8AFEFB7E-E7A3-B721-5F37-5257754932E1}"/>
+                </a:ext>
+              </a:extLst>
+            </p:cNvPr>
+            <p:cNvSpPr txBox="1"/>
+            <p:nvPr/>
+          </p:nvSpPr>
+          <p:spPr>
+            <a:xfrm>
+              <a:off x="5277158" y="3432829"/>
+              <a:ext cx="1828800" cy="369332"/>
+            </a:xfrm>
+            <a:prstGeom prst="rect">
+              <a:avLst/>
+            </a:prstGeom>
+            <a:noFill/>
+          </p:spPr>
+          <p:txBody>
+            <a:bodyPr rot="0" spcFirstLastPara="0" vert="horz" wrap="square" lIns="91440" tIns="45720" rIns="91440" bIns="45720" numCol="1" spcCol="0" rtlCol="0" fromWordArt="0" anchor="t" anchorCtr="0" forceAA="0" compatLnSpc="1">
+              <a:prstTxWarp prst="textNoShape">
+                <a:avLst/>
+              </a:prstTxWarp>
+              <a:spAutoFit/>
+            </a:bodyPr>
+            <a:lstStyle>
+              <a:defPPr>
+                <a:defRPr lang="en-US"/>
+              </a:defPPr>
+              <a:lvl1pPr marL="0" algn="l" defTabSz="914400" rtl="0" eaLnBrk="1" latinLnBrk="0" hangingPunct="1">
+                <a:defRPr sz="1800" kern="1200">
+                  <a:solidFill>
+                    <a:schemeClr val="tx1"/>
+                  </a:solidFill>
+                  <a:latin typeface="+mn-lt"/>
+                  <a:ea typeface="+mn-ea"/>
+                  <a:cs typeface="+mn-cs"/>
+                </a:defRPr>
+              </a:lvl1pPr>
+              <a:lvl2pPr marL="457200" algn="l" defTabSz="914400" rtl="0" eaLnBrk="1" latinLnBrk="0" hangingPunct="1">
+                <a:defRPr sz="1800" kern="1200">
+                  <a:solidFill>
+                    <a:schemeClr val="tx1"/>
+                  </a:solidFill>
+                  <a:latin typeface="+mn-lt"/>
+                  <a:ea typeface="+mn-ea"/>
+                  <a:cs typeface="+mn-cs"/>
+                </a:defRPr>
+              </a:lvl2pPr>
+              <a:lvl3pPr marL="914400" algn="l" defTabSz="914400" rtl="0" eaLnBrk="1" latinLnBrk="0" hangingPunct="1">
+                <a:defRPr sz="1800" kern="1200">
+                  <a:solidFill>
+                    <a:schemeClr val="tx1"/>
+                  </a:solidFill>
+                  <a:latin typeface="+mn-lt"/>
+                  <a:ea typeface="+mn-ea"/>
+                  <a:cs typeface="+mn-cs"/>
+                </a:defRPr>
+              </a:lvl3pPr>
+              <a:lvl4pPr marL="1371600" algn="l" defTabSz="914400" rtl="0" eaLnBrk="1" latinLnBrk="0" hangingPunct="1">
+                <a:defRPr sz="1800" kern="1200">
+                  <a:solidFill>
+                    <a:schemeClr val="tx1"/>
+                  </a:solidFill>
+                  <a:latin typeface="+mn-lt"/>
+                  <a:ea typeface="+mn-ea"/>
+                  <a:cs typeface="+mn-cs"/>
+                </a:defRPr>
+              </a:lvl4pPr>
+              <a:lvl5pPr marL="1828800" algn="l" defTabSz="914400" rtl="0" eaLnBrk="1" latinLnBrk="0" hangingPunct="1">
+                <a:defRPr sz="1800" kern="1200">
+                  <a:solidFill>
+                    <a:schemeClr val="tx1"/>
+                  </a:solidFill>
+                  <a:latin typeface="+mn-lt"/>
+                  <a:ea typeface="+mn-ea"/>
+                  <a:cs typeface="+mn-cs"/>
+                </a:defRPr>
+              </a:lvl5pPr>
+              <a:lvl6pPr marL="2286000" algn="l" defTabSz="914400" rtl="0" eaLnBrk="1" latinLnBrk="0" hangingPunct="1">
+                <a:defRPr sz="1800" kern="1200">
+                  <a:solidFill>
+                    <a:schemeClr val="tx1"/>
+                  </a:solidFill>
+                  <a:latin typeface="+mn-lt"/>
+                  <a:ea typeface="+mn-ea"/>
+                  <a:cs typeface="+mn-cs"/>
+                </a:defRPr>
+              </a:lvl6pPr>
+              <a:lvl7pPr marL="2743200" algn="l" defTabSz="914400" rtl="0" eaLnBrk="1" latinLnBrk="0" hangingPunct="1">
+                <a:defRPr sz="1800" kern="1200">
+                  <a:solidFill>
+                    <a:schemeClr val="tx1"/>
+                  </a:solidFill>
+                  <a:latin typeface="+mn-lt"/>
+                  <a:ea typeface="+mn-ea"/>
+                  <a:cs typeface="+mn-cs"/>
+                </a:defRPr>
+              </a:lvl7pPr>
+              <a:lvl8pPr marL="3200400" algn="l" defTabSz="914400" rtl="0" eaLnBrk="1" latinLnBrk="0" hangingPunct="1">
+                <a:defRPr sz="1800" kern="1200">
+                  <a:solidFill>
+                    <a:schemeClr val="tx1"/>
+                  </a:solidFill>
+                  <a:latin typeface="+mn-lt"/>
+                  <a:ea typeface="+mn-ea"/>
+                  <a:cs typeface="+mn-cs"/>
+                </a:defRPr>
+              </a:lvl8pPr>
+              <a:lvl9pPr marL="3657600" algn="l" defTabSz="914400" rtl="0" eaLnBrk="1" latinLnBrk="0" hangingPunct="1">
+                <a:defRPr sz="1800" kern="1200">
+                  <a:solidFill>
+                    <a:schemeClr val="tx1"/>
+                  </a:solidFill>
+                  <a:latin typeface="+mn-lt"/>
+                  <a:ea typeface="+mn-ea"/>
+                  <a:cs typeface="+mn-cs"/>
+                </a:defRPr>
+              </a:lvl9pPr>
+            </a:lstStyle>
+            <a:p>
+              <a:pPr algn="l"/>
+              <a:r>
+                <a:rPr lang="en-US" dirty="0"/>
+                <a:t>1.4 1.2 2.8</a:t>
+              </a:r>
+            </a:p>
+          </p:txBody>
+        </p:sp>
+        <p:sp>
+          <p:nvSpPr>
+            <p:cNvPr id="8" name="TextBox 7">
+              <a:extLst>
+                <a:ext uri="{FF2B5EF4-FFF2-40B4-BE49-F238E27FC236}">
+                  <a16:creationId xmlns:a16="http://schemas.microsoft.com/office/drawing/2014/main" id="{99ACF886-60CC-BF53-BEC8-D996B9591742}"/>
+                </a:ext>
+              </a:extLst>
+            </p:cNvPr>
+            <p:cNvSpPr txBox="1"/>
+            <p:nvPr/>
+          </p:nvSpPr>
+          <p:spPr>
+            <a:xfrm>
+              <a:off x="9833811" y="3429000"/>
+              <a:ext cx="1828800" cy="369332"/>
+            </a:xfrm>
+            <a:prstGeom prst="rect">
+              <a:avLst/>
+            </a:prstGeom>
+            <a:noFill/>
+          </p:spPr>
+          <p:txBody>
+            <a:bodyPr rot="0" spcFirstLastPara="0" vert="horz" wrap="square" lIns="91440" tIns="45720" rIns="91440" bIns="45720" numCol="1" spcCol="0" rtlCol="0" fromWordArt="0" anchor="t" anchorCtr="0" forceAA="0" compatLnSpc="1">
+              <a:prstTxWarp prst="textNoShape">
+                <a:avLst/>
+              </a:prstTxWarp>
+              <a:spAutoFit/>
+            </a:bodyPr>
+            <a:lstStyle>
+              <a:defPPr>
+                <a:defRPr lang="en-US"/>
+              </a:defPPr>
+              <a:lvl1pPr marL="0" algn="l" defTabSz="914400" rtl="0" eaLnBrk="1" latinLnBrk="0" hangingPunct="1">
+                <a:defRPr sz="1800" kern="1200">
+                  <a:solidFill>
+                    <a:schemeClr val="tx1"/>
+                  </a:solidFill>
+                  <a:latin typeface="+mn-lt"/>
+                  <a:ea typeface="+mn-ea"/>
+                  <a:cs typeface="+mn-cs"/>
+                </a:defRPr>
+              </a:lvl1pPr>
+              <a:lvl2pPr marL="457200" algn="l" defTabSz="914400" rtl="0" eaLnBrk="1" latinLnBrk="0" hangingPunct="1">
+                <a:defRPr sz="1800" kern="1200">
+                  <a:solidFill>
+                    <a:schemeClr val="tx1"/>
+                  </a:solidFill>
+                  <a:latin typeface="+mn-lt"/>
+                  <a:ea typeface="+mn-ea"/>
+                  <a:cs typeface="+mn-cs"/>
+                </a:defRPr>
+              </a:lvl2pPr>
+              <a:lvl3pPr marL="914400" algn="l" defTabSz="914400" rtl="0" eaLnBrk="1" latinLnBrk="0" hangingPunct="1">
+                <a:defRPr sz="1800" kern="1200">
+                  <a:solidFill>
+                    <a:schemeClr val="tx1"/>
+                  </a:solidFill>
+                  <a:latin typeface="+mn-lt"/>
+                  <a:ea typeface="+mn-ea"/>
+                  <a:cs typeface="+mn-cs"/>
+                </a:defRPr>
+              </a:lvl3pPr>
+              <a:lvl4pPr marL="1371600" algn="l" defTabSz="914400" rtl="0" eaLnBrk="1" latinLnBrk="0" hangingPunct="1">
+                <a:defRPr sz="1800" kern="1200">
+                  <a:solidFill>
+                    <a:schemeClr val="tx1"/>
+                  </a:solidFill>
+                  <a:latin typeface="+mn-lt"/>
+                  <a:ea typeface="+mn-ea"/>
+                  <a:cs typeface="+mn-cs"/>
+                </a:defRPr>
+              </a:lvl4pPr>
+              <a:lvl5pPr marL="1828800" algn="l" defTabSz="914400" rtl="0" eaLnBrk="1" latinLnBrk="0" hangingPunct="1">
+                <a:defRPr sz="1800" kern="1200">
+                  <a:solidFill>
+                    <a:schemeClr val="tx1"/>
+                  </a:solidFill>
+                  <a:latin typeface="+mn-lt"/>
+                  <a:ea typeface="+mn-ea"/>
+                  <a:cs typeface="+mn-cs"/>
+                </a:defRPr>
+              </a:lvl5pPr>
+              <a:lvl6pPr marL="2286000" algn="l" defTabSz="914400" rtl="0" eaLnBrk="1" latinLnBrk="0" hangingPunct="1">
+                <a:defRPr sz="1800" kern="1200">
+                  <a:solidFill>
+                    <a:schemeClr val="tx1"/>
+                  </a:solidFill>
+                  <a:latin typeface="+mn-lt"/>
+                  <a:ea typeface="+mn-ea"/>
+                  <a:cs typeface="+mn-cs"/>
+                </a:defRPr>
+              </a:lvl6pPr>
+              <a:lvl7pPr marL="2743200" algn="l" defTabSz="914400" rtl="0" eaLnBrk="1" latinLnBrk="0" hangingPunct="1">
+                <a:defRPr sz="1800" kern="1200">
+                  <a:solidFill>
+                    <a:schemeClr val="tx1"/>
+                  </a:solidFill>
+                  <a:latin typeface="+mn-lt"/>
+                  <a:ea typeface="+mn-ea"/>
+                  <a:cs typeface="+mn-cs"/>
+                </a:defRPr>
+              </a:lvl7pPr>
+              <a:lvl8pPr marL="3200400" algn="l" defTabSz="914400" rtl="0" eaLnBrk="1" latinLnBrk="0" hangingPunct="1">
+                <a:defRPr sz="1800" kern="1200">
+                  <a:solidFill>
+                    <a:schemeClr val="tx1"/>
+                  </a:solidFill>
+                  <a:latin typeface="+mn-lt"/>
+                  <a:ea typeface="+mn-ea"/>
+                  <a:cs typeface="+mn-cs"/>
+                </a:defRPr>
+              </a:lvl8pPr>
+              <a:lvl9pPr marL="3657600" algn="l" defTabSz="914400" rtl="0" eaLnBrk="1" latinLnBrk="0" hangingPunct="1">
+                <a:defRPr sz="1800" kern="1200">
+                  <a:solidFill>
+                    <a:schemeClr val="tx1"/>
+                  </a:solidFill>
+                  <a:latin typeface="+mn-lt"/>
+                  <a:ea typeface="+mn-ea"/>
+                  <a:cs typeface="+mn-cs"/>
+                </a:defRPr>
+              </a:lvl9pPr>
+            </a:lstStyle>
+            <a:p>
+              <a:pPr algn="l"/>
+              <a:r>
+                <a:rPr lang="en-US" dirty="0"/>
+                <a:t>1.4 1.2 3.0</a:t>
+              </a:r>
+            </a:p>
+          </p:txBody>
+        </p:sp>
+      </p:grpSp>
+      <p:pic>
+        <p:nvPicPr>
+          <p:cNvPr id="5122" name="Picture 2">
+            <a:extLst>
+              <a:ext uri="{FF2B5EF4-FFF2-40B4-BE49-F238E27FC236}">
+                <a16:creationId xmlns:a16="http://schemas.microsoft.com/office/drawing/2014/main" id="{CDB8E33E-1B5C-69EA-CBE3-C146C31B1A20}"/>
+              </a:ext>
+            </a:extLst>
+          </p:cNvPr>
+          <p:cNvPicPr>
+            <a:picLocks noChangeAspect="1" noChangeArrowheads="1"/>
+          </p:cNvPicPr>
+          <p:nvPr/>
+        </p:nvPicPr>
+        <p:blipFill>
+          <a:blip r:embed="rId2">
+            <a:extLst>
+              <a:ext uri="{28A0092B-C50C-407E-A947-70E740481C1C}">
+                <a14:useLocalDpi xmlns:a14="http://schemas.microsoft.com/office/drawing/2010/main" val="0"/>
+              </a:ext>
+            </a:extLst>
+          </a:blip>
+          <a:srcRect/>
+          <a:stretch>
+            <a:fillRect/>
+          </a:stretch>
+        </p:blipFill>
+        <p:spPr bwMode="auto">
+          <a:xfrm>
+            <a:off x="8831743" y="592788"/>
+            <a:ext cx="3266545" cy="2521347"/>
+          </a:xfrm>
+          <a:prstGeom prst="rect">
+            <a:avLst/>
+          </a:prstGeom>
+          <a:noFill/>
+          <a:extLst>
+            <a:ext uri="{909E8E84-426E-40DD-AFC4-6F175D3DCCD1}">
+              <a14:hiddenFill xmlns:a14="http://schemas.microsoft.com/office/drawing/2010/main">
+                <a:solidFill>
+                  <a:srgbClr val="FFFFFF"/>
+                </a:solidFill>
+              </a14:hiddenFill>
+            </a:ext>
+          </a:extLst>
+        </p:spPr>
+      </p:pic>
+      <p:pic>
+        <p:nvPicPr>
+          <p:cNvPr id="5124" name="Picture 4">
+            <a:extLst>
+              <a:ext uri="{FF2B5EF4-FFF2-40B4-BE49-F238E27FC236}">
+                <a16:creationId xmlns:a16="http://schemas.microsoft.com/office/drawing/2014/main" id="{E0ADB9E9-CC3C-1075-21CE-1FFE5714551C}"/>
+              </a:ext>
+            </a:extLst>
+          </p:cNvPr>
+          <p:cNvPicPr>
+            <a:picLocks noChangeAspect="1" noChangeArrowheads="1"/>
+          </p:cNvPicPr>
+          <p:nvPr/>
+        </p:nvPicPr>
+        <p:blipFill>
+          <a:blip r:embed="rId3">
+            <a:extLst>
+              <a:ext uri="{28A0092B-C50C-407E-A947-70E740481C1C}">
+                <a14:useLocalDpi xmlns:a14="http://schemas.microsoft.com/office/drawing/2010/main" val="0"/>
+              </a:ext>
+            </a:extLst>
+          </a:blip>
+          <a:srcRect/>
+          <a:stretch>
+            <a:fillRect/>
+          </a:stretch>
+        </p:blipFill>
+        <p:spPr bwMode="auto">
+          <a:xfrm>
+            <a:off x="4371886" y="592788"/>
+            <a:ext cx="3266546" cy="2521348"/>
+          </a:xfrm>
+          <a:prstGeom prst="rect">
+            <a:avLst/>
+          </a:prstGeom>
+          <a:noFill/>
+          <a:extLst>
+            <a:ext uri="{909E8E84-426E-40DD-AFC4-6F175D3DCCD1}">
+              <a14:hiddenFill xmlns:a14="http://schemas.microsoft.com/office/drawing/2010/main">
+                <a:solidFill>
+                  <a:srgbClr val="FFFFFF"/>
+                </a:solidFill>
+              </a14:hiddenFill>
+            </a:ext>
+          </a:extLst>
+        </p:spPr>
+      </p:pic>
+      <p:pic>
+        <p:nvPicPr>
+          <p:cNvPr id="5126" name="Picture 6">
+            <a:extLst>
+              <a:ext uri="{FF2B5EF4-FFF2-40B4-BE49-F238E27FC236}">
+                <a16:creationId xmlns:a16="http://schemas.microsoft.com/office/drawing/2014/main" id="{8D7F3E7B-A442-68E5-A3A9-CC7E68F7C53B}"/>
+              </a:ext>
+            </a:extLst>
+          </p:cNvPr>
+          <p:cNvPicPr>
+            <a:picLocks noChangeAspect="1" noChangeArrowheads="1"/>
+          </p:cNvPicPr>
+          <p:nvPr/>
+        </p:nvPicPr>
+        <p:blipFill>
+          <a:blip r:embed="rId4">
+            <a:extLst>
+              <a:ext uri="{28A0092B-C50C-407E-A947-70E740481C1C}">
+                <a14:useLocalDpi xmlns:a14="http://schemas.microsoft.com/office/drawing/2010/main" val="0"/>
+              </a:ext>
+            </a:extLst>
+          </a:blip>
+          <a:srcRect/>
+          <a:stretch>
+            <a:fillRect/>
+          </a:stretch>
+        </p:blipFill>
+        <p:spPr bwMode="auto">
+          <a:xfrm>
+            <a:off x="93712" y="592788"/>
+            <a:ext cx="3266546" cy="2521348"/>
+          </a:xfrm>
+          <a:prstGeom prst="rect">
+            <a:avLst/>
+          </a:prstGeom>
+          <a:noFill/>
+          <a:extLst>
+            <a:ext uri="{909E8E84-426E-40DD-AFC4-6F175D3DCCD1}">
+              <a14:hiddenFill xmlns:a14="http://schemas.microsoft.com/office/drawing/2010/main">
+                <a:solidFill>
+                  <a:srgbClr val="FFFFFF"/>
+                </a:solidFill>
+              </a14:hiddenFill>
+            </a:ext>
+          </a:extLst>
+        </p:spPr>
+      </p:pic>
+      <p:pic>
+        <p:nvPicPr>
+          <p:cNvPr id="5128" name="Picture 8">
+            <a:extLst>
+              <a:ext uri="{FF2B5EF4-FFF2-40B4-BE49-F238E27FC236}">
+                <a16:creationId xmlns:a16="http://schemas.microsoft.com/office/drawing/2014/main" id="{784E19CA-060C-890F-EB4B-9CCB622F64EA}"/>
+              </a:ext>
+            </a:extLst>
+          </p:cNvPr>
+          <p:cNvPicPr>
+            <a:picLocks noChangeAspect="1" noChangeArrowheads="1"/>
+          </p:cNvPicPr>
+          <p:nvPr/>
+        </p:nvPicPr>
+        <p:blipFill>
+          <a:blip r:embed="rId5">
+            <a:extLst>
+              <a:ext uri="{28A0092B-C50C-407E-A947-70E740481C1C}">
+                <a14:useLocalDpi xmlns:a14="http://schemas.microsoft.com/office/drawing/2010/main" val="0"/>
+              </a:ext>
+            </a:extLst>
+          </a:blip>
+          <a:srcRect/>
+          <a:stretch>
+            <a:fillRect/>
+          </a:stretch>
+        </p:blipFill>
+        <p:spPr bwMode="auto">
+          <a:xfrm>
+            <a:off x="93712" y="3956550"/>
+            <a:ext cx="3266546" cy="2521348"/>
+          </a:xfrm>
+          <a:prstGeom prst="rect">
+            <a:avLst/>
+          </a:prstGeom>
+          <a:noFill/>
+          <a:extLst>
+            <a:ext uri="{909E8E84-426E-40DD-AFC4-6F175D3DCCD1}">
+              <a14:hiddenFill xmlns:a14="http://schemas.microsoft.com/office/drawing/2010/main">
+                <a:solidFill>
+                  <a:srgbClr val="FFFFFF"/>
+                </a:solidFill>
+              </a14:hiddenFill>
+            </a:ext>
+          </a:extLst>
+        </p:spPr>
+      </p:pic>
+    </p:spTree>
+    <p:extLst>
+      <p:ext uri="{BB962C8B-B14F-4D97-AF65-F5344CB8AC3E}">
+        <p14:creationId xmlns:p14="http://schemas.microsoft.com/office/powerpoint/2010/main" val="2354562838"/>
+      </p:ext>
+    </p:extLst>
+  </p:cSld>
+  <p:clrMapOvr>
+    <a:masterClrMapping/>
+  </p:clrMapOvr>
+</p:sld>
+</file>
+
+<file path=ppt/slides/slide31.xml><?xml version="1.0" encoding="utf-8"?>
+<p:sld xmlns:a="http://schemas.openxmlformats.org/drawingml/2006/main" xmlns:r="http://schemas.openxmlformats.org/officeDocument/2006/relationships" xmlns:p="http://schemas.openxmlformats.org/presentationml/2006/main">
+  <p:cSld>
+    <p:spTree>
+      <p:nvGrpSpPr>
+        <p:cNvPr id="1" name=""/>
+        <p:cNvGrpSpPr/>
+        <p:nvPr/>
+      </p:nvGrpSpPr>
+      <p:grpSpPr>
+        <a:xfrm>
+          <a:off x="0" y="0"/>
+          <a:ext cx="0" cy="0"/>
+          <a:chOff x="0" y="0"/>
+          <a:chExt cx="0" cy="0"/>
+        </a:xfrm>
+      </p:grpSpPr>
+      <p:grpSp>
+        <p:nvGrpSpPr>
+          <p:cNvPr id="2" name="Group 1">
+            <a:extLst>
+              <a:ext uri="{FF2B5EF4-FFF2-40B4-BE49-F238E27FC236}">
+                <a16:creationId xmlns:a16="http://schemas.microsoft.com/office/drawing/2014/main" id="{48BB38F6-EE66-D025-0B25-0FE0898A75A9}"/>
+              </a:ext>
+            </a:extLst>
+          </p:cNvPr>
+          <p:cNvGrpSpPr/>
+          <p:nvPr/>
+        </p:nvGrpSpPr>
+        <p:grpSpPr>
+          <a:xfrm>
+            <a:off x="402443" y="128954"/>
+            <a:ext cx="11260168" cy="3673207"/>
+            <a:chOff x="402443" y="128954"/>
+            <a:chExt cx="11260168" cy="3673207"/>
+          </a:xfrm>
+        </p:grpSpPr>
+        <p:sp>
+          <p:nvSpPr>
+            <p:cNvPr id="3" name="TextBox 2">
+              <a:extLst>
+                <a:ext uri="{FF2B5EF4-FFF2-40B4-BE49-F238E27FC236}">
+                  <a16:creationId xmlns:a16="http://schemas.microsoft.com/office/drawing/2014/main" id="{845A49FA-FE14-09A5-F261-E31E1B9EB010}"/>
+                </a:ext>
+              </a:extLst>
+            </p:cNvPr>
+            <p:cNvSpPr txBox="1"/>
+            <p:nvPr/>
+          </p:nvSpPr>
+          <p:spPr>
+            <a:xfrm>
+              <a:off x="402443" y="128954"/>
+              <a:ext cx="1828800" cy="369332"/>
+            </a:xfrm>
+            <a:prstGeom prst="rect">
+              <a:avLst/>
+            </a:prstGeom>
+            <a:noFill/>
+          </p:spPr>
+          <p:txBody>
+            <a:bodyPr rot="0" spcFirstLastPara="0" vert="horz" wrap="square" lIns="91440" tIns="45720" rIns="91440" bIns="45720" numCol="1" spcCol="0" rtlCol="0" fromWordArt="0" anchor="t" anchorCtr="0" forceAA="0" compatLnSpc="1">
+              <a:prstTxWarp prst="textNoShape">
+                <a:avLst/>
+              </a:prstTxWarp>
+              <a:spAutoFit/>
+            </a:bodyPr>
+            <a:lstStyle>
+              <a:defPPr>
+                <a:defRPr lang="en-US"/>
+              </a:defPPr>
+              <a:lvl1pPr marL="0" algn="l" defTabSz="914400" rtl="0" eaLnBrk="1" latinLnBrk="0" hangingPunct="1">
+                <a:defRPr sz="1800" kern="1200">
+                  <a:solidFill>
+                    <a:schemeClr val="tx1"/>
+                  </a:solidFill>
+                  <a:latin typeface="+mn-lt"/>
+                  <a:ea typeface="+mn-ea"/>
+                  <a:cs typeface="+mn-cs"/>
+                </a:defRPr>
+              </a:lvl1pPr>
+              <a:lvl2pPr marL="457200" algn="l" defTabSz="914400" rtl="0" eaLnBrk="1" latinLnBrk="0" hangingPunct="1">
+                <a:defRPr sz="1800" kern="1200">
+                  <a:solidFill>
+                    <a:schemeClr val="tx1"/>
+                  </a:solidFill>
+                  <a:latin typeface="+mn-lt"/>
+                  <a:ea typeface="+mn-ea"/>
+                  <a:cs typeface="+mn-cs"/>
+                </a:defRPr>
+              </a:lvl2pPr>
+              <a:lvl3pPr marL="914400" algn="l" defTabSz="914400" rtl="0" eaLnBrk="1" latinLnBrk="0" hangingPunct="1">
+                <a:defRPr sz="1800" kern="1200">
+                  <a:solidFill>
+                    <a:schemeClr val="tx1"/>
+                  </a:solidFill>
+                  <a:latin typeface="+mn-lt"/>
+                  <a:ea typeface="+mn-ea"/>
+                  <a:cs typeface="+mn-cs"/>
+                </a:defRPr>
+              </a:lvl3pPr>
+              <a:lvl4pPr marL="1371600" algn="l" defTabSz="914400" rtl="0" eaLnBrk="1" latinLnBrk="0" hangingPunct="1">
+                <a:defRPr sz="1800" kern="1200">
+                  <a:solidFill>
+                    <a:schemeClr val="tx1"/>
+                  </a:solidFill>
+                  <a:latin typeface="+mn-lt"/>
+                  <a:ea typeface="+mn-ea"/>
+                  <a:cs typeface="+mn-cs"/>
+                </a:defRPr>
+              </a:lvl4pPr>
+              <a:lvl5pPr marL="1828800" algn="l" defTabSz="914400" rtl="0" eaLnBrk="1" latinLnBrk="0" hangingPunct="1">
+                <a:defRPr sz="1800" kern="1200">
+                  <a:solidFill>
+                    <a:schemeClr val="tx1"/>
+                  </a:solidFill>
+                  <a:latin typeface="+mn-lt"/>
+                  <a:ea typeface="+mn-ea"/>
+                  <a:cs typeface="+mn-cs"/>
+                </a:defRPr>
+              </a:lvl5pPr>
+              <a:lvl6pPr marL="2286000" algn="l" defTabSz="914400" rtl="0" eaLnBrk="1" latinLnBrk="0" hangingPunct="1">
+                <a:defRPr sz="1800" kern="1200">
+                  <a:solidFill>
+                    <a:schemeClr val="tx1"/>
+                  </a:solidFill>
+                  <a:latin typeface="+mn-lt"/>
+                  <a:ea typeface="+mn-ea"/>
+                  <a:cs typeface="+mn-cs"/>
+                </a:defRPr>
+              </a:lvl6pPr>
+              <a:lvl7pPr marL="2743200" algn="l" defTabSz="914400" rtl="0" eaLnBrk="1" latinLnBrk="0" hangingPunct="1">
+                <a:defRPr sz="1800" kern="1200">
+                  <a:solidFill>
+                    <a:schemeClr val="tx1"/>
+                  </a:solidFill>
+                  <a:latin typeface="+mn-lt"/>
+                  <a:ea typeface="+mn-ea"/>
+                  <a:cs typeface="+mn-cs"/>
+                </a:defRPr>
+              </a:lvl7pPr>
+              <a:lvl8pPr marL="3200400" algn="l" defTabSz="914400" rtl="0" eaLnBrk="1" latinLnBrk="0" hangingPunct="1">
+                <a:defRPr sz="1800" kern="1200">
+                  <a:solidFill>
+                    <a:schemeClr val="tx1"/>
+                  </a:solidFill>
+                  <a:latin typeface="+mn-lt"/>
+                  <a:ea typeface="+mn-ea"/>
+                  <a:cs typeface="+mn-cs"/>
+                </a:defRPr>
+              </a:lvl8pPr>
+              <a:lvl9pPr marL="3657600" algn="l" defTabSz="914400" rtl="0" eaLnBrk="1" latinLnBrk="0" hangingPunct="1">
+                <a:defRPr sz="1800" kern="1200">
+                  <a:solidFill>
+                    <a:schemeClr val="tx1"/>
+                  </a:solidFill>
+                  <a:latin typeface="+mn-lt"/>
+                  <a:ea typeface="+mn-ea"/>
+                  <a:cs typeface="+mn-cs"/>
+                </a:defRPr>
+              </a:lvl9pPr>
+            </a:lstStyle>
+            <a:p>
+              <a:pPr algn="l"/>
+              <a:r>
+                <a:rPr lang="en-US" dirty="0"/>
                 <a:t>1.0 1.4 2.6</a:t>
               </a:r>
             </a:p>
@@ -22678,7 +22762,7 @@
 </p:sld>
 </file>
 
-<file path=ppt/slides/slide31.xml><?xml version="1.0" encoding="utf-8"?>
+<file path=ppt/slides/slide32.xml><?xml version="1.0" encoding="utf-8"?>
 <p:sld xmlns:a="http://schemas.openxmlformats.org/drawingml/2006/main" xmlns:r="http://schemas.openxmlformats.org/officeDocument/2006/relationships" xmlns:p="http://schemas.openxmlformats.org/presentationml/2006/main">
   <p:cSld>
     <p:spTree>

--- a/p_update.pptx
+++ b/p_update.pptx
@@ -11,12 +11,12 @@
     <p:sldId id="301" r:id="rId5"/>
     <p:sldId id="305" r:id="rId6"/>
     <p:sldId id="306" r:id="rId7"/>
-    <p:sldId id="307" r:id="rId8"/>
-    <p:sldId id="309" r:id="rId9"/>
-    <p:sldId id="310" r:id="rId10"/>
-    <p:sldId id="308" r:id="rId11"/>
-    <p:sldId id="312" r:id="rId12"/>
-    <p:sldId id="311" r:id="rId13"/>
+    <p:sldId id="310" r:id="rId8"/>
+    <p:sldId id="308" r:id="rId9"/>
+    <p:sldId id="312" r:id="rId10"/>
+    <p:sldId id="311" r:id="rId11"/>
+    <p:sldId id="314" r:id="rId12"/>
+    <p:sldId id="315" r:id="rId13"/>
     <p:sldId id="313" r:id="rId14"/>
     <p:sldId id="257" r:id="rId15"/>
     <p:sldId id="258" r:id="rId16"/>
@@ -3571,17 +3571,17 @@
             <a:pPr algn="ctr"/>
             <a:r>
               <a:rPr lang="en-US" sz="2400" b="1" dirty="0"/>
-              <a:t>b10</a:t>
+              <a:t>b15</a:t>
             </a:r>
           </a:p>
         </p:txBody>
       </p:sp>
       <p:pic>
         <p:nvPicPr>
-          <p:cNvPr id="3074" name="Picture 2">
-            <a:extLst>
-              <a:ext uri="{FF2B5EF4-FFF2-40B4-BE49-F238E27FC236}">
-                <a16:creationId xmlns:a16="http://schemas.microsoft.com/office/drawing/2014/main" id="{BB65A38D-6091-2ED4-1808-8470593195F3}"/>
+          <p:cNvPr id="2050" name="Picture 2">
+            <a:extLst>
+              <a:ext uri="{FF2B5EF4-FFF2-40B4-BE49-F238E27FC236}">
+                <a16:creationId xmlns:a16="http://schemas.microsoft.com/office/drawing/2014/main" id="{C01326B7-3297-6D62-076F-6BAE3D5806CC}"/>
               </a:ext>
             </a:extLst>
           </p:cNvPr>
@@ -3605,8 +3605,8 @@
         </p:blipFill>
         <p:spPr bwMode="auto">
           <a:xfrm>
-            <a:off x="259243" y="785289"/>
-            <a:ext cx="3708907" cy="2774602"/>
+            <a:off x="2413151" y="3899140"/>
+            <a:ext cx="3991442" cy="2958860"/>
           </a:xfrm>
           <a:prstGeom prst="rect">
             <a:avLst/>
@@ -3625,10 +3625,10 @@
       </p:pic>
       <p:pic>
         <p:nvPicPr>
-          <p:cNvPr id="3076" name="Picture 4">
-            <a:extLst>
-              <a:ext uri="{FF2B5EF4-FFF2-40B4-BE49-F238E27FC236}">
-                <a16:creationId xmlns:a16="http://schemas.microsoft.com/office/drawing/2014/main" id="{B41C19A9-1959-E8B5-1CCA-BEB981FBD5F6}"/>
+          <p:cNvPr id="2052" name="Picture 4">
+            <a:extLst>
+              <a:ext uri="{FF2B5EF4-FFF2-40B4-BE49-F238E27FC236}">
+                <a16:creationId xmlns:a16="http://schemas.microsoft.com/office/drawing/2014/main" id="{BE979B2B-AD8D-1DE4-0EF9-9F782AB055E8}"/>
               </a:ext>
             </a:extLst>
           </p:cNvPr>
@@ -3652,8 +3652,8 @@
         </p:blipFill>
         <p:spPr bwMode="auto">
           <a:xfrm>
-            <a:off x="4105543" y="791103"/>
-            <a:ext cx="3708909" cy="2774603"/>
+            <a:off x="6404593" y="3899140"/>
+            <a:ext cx="3991442" cy="2958860"/>
           </a:xfrm>
           <a:prstGeom prst="rect">
             <a:avLst/>
@@ -3672,10 +3672,10 @@
       </p:pic>
       <p:pic>
         <p:nvPicPr>
-          <p:cNvPr id="3078" name="Picture 6">
-            <a:extLst>
-              <a:ext uri="{FF2B5EF4-FFF2-40B4-BE49-F238E27FC236}">
-                <a16:creationId xmlns:a16="http://schemas.microsoft.com/office/drawing/2014/main" id="{520D122C-B10F-10A6-7BE1-DDBB8696D1D9}"/>
+          <p:cNvPr id="3" name="Picture 6">
+            <a:extLst>
+              <a:ext uri="{FF2B5EF4-FFF2-40B4-BE49-F238E27FC236}">
+                <a16:creationId xmlns:a16="http://schemas.microsoft.com/office/drawing/2014/main" id="{FC9FE66D-2F5C-BA6E-4F56-B3B65FD96E2A}"/>
               </a:ext>
             </a:extLst>
           </p:cNvPr>
@@ -3699,8 +3699,8 @@
         </p:blipFill>
         <p:spPr bwMode="auto">
           <a:xfrm>
-            <a:off x="7951845" y="821434"/>
-            <a:ext cx="3708910" cy="2774604"/>
+            <a:off x="132299" y="754992"/>
+            <a:ext cx="3991442" cy="2958860"/>
           </a:xfrm>
           <a:prstGeom prst="rect">
             <a:avLst/>
@@ -3719,10 +3719,10 @@
       </p:pic>
       <p:pic>
         <p:nvPicPr>
-          <p:cNvPr id="3080" name="Picture 8">
-            <a:extLst>
-              <a:ext uri="{FF2B5EF4-FFF2-40B4-BE49-F238E27FC236}">
-                <a16:creationId xmlns:a16="http://schemas.microsoft.com/office/drawing/2014/main" id="{3439655B-B4D6-9313-7968-57FA18CED52E}"/>
+          <p:cNvPr id="4" name="Picture 8">
+            <a:extLst>
+              <a:ext uri="{FF2B5EF4-FFF2-40B4-BE49-F238E27FC236}">
+                <a16:creationId xmlns:a16="http://schemas.microsoft.com/office/drawing/2014/main" id="{AE4A5411-1637-EF9C-C47B-BD36D66E14E6}"/>
               </a:ext>
             </a:extLst>
           </p:cNvPr>
@@ -3746,8 +3746,8 @@
         </p:blipFill>
         <p:spPr bwMode="auto">
           <a:xfrm>
-            <a:off x="1665797" y="3778840"/>
-            <a:ext cx="3708909" cy="2774603"/>
+            <a:off x="4123741" y="759125"/>
+            <a:ext cx="3991442" cy="2958860"/>
           </a:xfrm>
           <a:prstGeom prst="rect">
             <a:avLst/>
@@ -3766,10 +3766,10 @@
       </p:pic>
       <p:pic>
         <p:nvPicPr>
-          <p:cNvPr id="3082" name="Picture 10">
-            <a:extLst>
-              <a:ext uri="{FF2B5EF4-FFF2-40B4-BE49-F238E27FC236}">
-                <a16:creationId xmlns:a16="http://schemas.microsoft.com/office/drawing/2014/main" id="{B48E86EA-0A89-5A75-D053-8708F2C4525C}"/>
+          <p:cNvPr id="5" name="Picture 10">
+            <a:extLst>
+              <a:ext uri="{FF2B5EF4-FFF2-40B4-BE49-F238E27FC236}">
+                <a16:creationId xmlns:a16="http://schemas.microsoft.com/office/drawing/2014/main" id="{E2B9BA26-56C6-67AE-9776-E3F2B28AD867}"/>
               </a:ext>
             </a:extLst>
           </p:cNvPr>
@@ -3793,8 +3793,8 @@
         </p:blipFill>
         <p:spPr bwMode="auto">
           <a:xfrm>
-            <a:off x="5737016" y="3778839"/>
-            <a:ext cx="3708910" cy="2774604"/>
+            <a:off x="8128958" y="759125"/>
+            <a:ext cx="3991442" cy="2958860"/>
           </a:xfrm>
           <a:prstGeom prst="rect">
             <a:avLst/>
@@ -3814,7 +3814,7 @@
     </p:spTree>
     <p:extLst>
       <p:ext uri="{BB962C8B-B14F-4D97-AF65-F5344CB8AC3E}">
-        <p14:creationId xmlns:p14="http://schemas.microsoft.com/office/powerpoint/2010/main" val="3026154245"/>
+        <p14:creationId xmlns:p14="http://schemas.microsoft.com/office/powerpoint/2010/main" val="4633685"/>
       </p:ext>
     </p:extLst>
   </p:cSld>
@@ -3872,17 +3872,17 @@
             <a:pPr algn="ctr"/>
             <a:r>
               <a:rPr lang="en-US" sz="2400" b="1" dirty="0"/>
-              <a:t>b15</a:t>
+              <a:t>b20</a:t>
             </a:r>
           </a:p>
         </p:txBody>
       </p:sp>
       <p:pic>
         <p:nvPicPr>
-          <p:cNvPr id="1026" name="Picture 2">
-            <a:extLst>
-              <a:ext uri="{FF2B5EF4-FFF2-40B4-BE49-F238E27FC236}">
-                <a16:creationId xmlns:a16="http://schemas.microsoft.com/office/drawing/2014/main" id="{042958DE-527E-F62F-9883-8FB9C976A18D}"/>
+          <p:cNvPr id="4098" name="Picture 2">
+            <a:extLst>
+              <a:ext uri="{FF2B5EF4-FFF2-40B4-BE49-F238E27FC236}">
+                <a16:creationId xmlns:a16="http://schemas.microsoft.com/office/drawing/2014/main" id="{CA712A5B-27BC-ACA6-B8CC-57BCD355B4A3}"/>
               </a:ext>
             </a:extLst>
           </p:cNvPr>
@@ -3906,8 +3906,8 @@
         </p:blipFill>
         <p:spPr bwMode="auto">
           <a:xfrm>
-            <a:off x="197564" y="719136"/>
-            <a:ext cx="3778676" cy="2998849"/>
+            <a:off x="298689" y="710246"/>
+            <a:ext cx="3738472" cy="2966942"/>
           </a:xfrm>
           <a:prstGeom prst="rect">
             <a:avLst/>
@@ -3926,10 +3926,10 @@
       </p:pic>
       <p:pic>
         <p:nvPicPr>
-          <p:cNvPr id="3" name="Picture 4">
-            <a:extLst>
-              <a:ext uri="{FF2B5EF4-FFF2-40B4-BE49-F238E27FC236}">
-                <a16:creationId xmlns:a16="http://schemas.microsoft.com/office/drawing/2014/main" id="{F5FAAAA7-393F-2A8F-14AC-844ACB78BACB}"/>
+          <p:cNvPr id="4100" name="Picture 4">
+            <a:extLst>
+              <a:ext uri="{FF2B5EF4-FFF2-40B4-BE49-F238E27FC236}">
+                <a16:creationId xmlns:a16="http://schemas.microsoft.com/office/drawing/2014/main" id="{BD07AC80-AFC5-DFCD-E96F-421C15A932C2}"/>
               </a:ext>
             </a:extLst>
           </p:cNvPr>
@@ -3953,8 +3953,8 @@
         </p:blipFill>
         <p:spPr bwMode="auto">
           <a:xfrm>
-            <a:off x="4145051" y="719135"/>
-            <a:ext cx="3778676" cy="2998849"/>
+            <a:off x="4266840" y="710246"/>
+            <a:ext cx="3738472" cy="2966942"/>
           </a:xfrm>
           <a:prstGeom prst="rect">
             <a:avLst/>
@@ -3973,10 +3973,10 @@
       </p:pic>
       <p:pic>
         <p:nvPicPr>
-          <p:cNvPr id="4" name="Picture 6">
-            <a:extLst>
-              <a:ext uri="{FF2B5EF4-FFF2-40B4-BE49-F238E27FC236}">
-                <a16:creationId xmlns:a16="http://schemas.microsoft.com/office/drawing/2014/main" id="{9436670B-A25A-0FD3-667B-7732E8730A93}"/>
+          <p:cNvPr id="4102" name="Picture 6">
+            <a:extLst>
+              <a:ext uri="{FF2B5EF4-FFF2-40B4-BE49-F238E27FC236}">
+                <a16:creationId xmlns:a16="http://schemas.microsoft.com/office/drawing/2014/main" id="{480CA860-B2A2-C5C9-1522-9A8528A309EB}"/>
               </a:ext>
             </a:extLst>
           </p:cNvPr>
@@ -4000,8 +4000,8 @@
         </p:blipFill>
         <p:spPr bwMode="auto">
           <a:xfrm>
-            <a:off x="8196230" y="719135"/>
-            <a:ext cx="3778676" cy="2998849"/>
+            <a:off x="8234991" y="739271"/>
+            <a:ext cx="3738472" cy="2966942"/>
           </a:xfrm>
           <a:prstGeom prst="rect">
             <a:avLst/>
@@ -4020,10 +4020,10 @@
       </p:pic>
       <p:pic>
         <p:nvPicPr>
-          <p:cNvPr id="5" name="Picture 8">
-            <a:extLst>
-              <a:ext uri="{FF2B5EF4-FFF2-40B4-BE49-F238E27FC236}">
-                <a16:creationId xmlns:a16="http://schemas.microsoft.com/office/drawing/2014/main" id="{D65E271B-3B48-04CD-21F3-1D2215F0FE9A}"/>
+          <p:cNvPr id="4104" name="Picture 8">
+            <a:extLst>
+              <a:ext uri="{FF2B5EF4-FFF2-40B4-BE49-F238E27FC236}">
+                <a16:creationId xmlns:a16="http://schemas.microsoft.com/office/drawing/2014/main" id="{F243BABF-921B-16B0-3B20-A2870FB3F543}"/>
               </a:ext>
             </a:extLst>
           </p:cNvPr>
@@ -4047,8 +4047,8 @@
         </p:blipFill>
         <p:spPr bwMode="auto">
           <a:xfrm>
-            <a:off x="1957506" y="3859149"/>
-            <a:ext cx="3778676" cy="2998849"/>
+            <a:off x="1962868" y="3708282"/>
+            <a:ext cx="3738472" cy="2966942"/>
           </a:xfrm>
           <a:prstGeom prst="rect">
             <a:avLst/>
@@ -4067,10 +4067,10 @@
       </p:pic>
       <p:pic>
         <p:nvPicPr>
-          <p:cNvPr id="6" name="Picture 10">
-            <a:extLst>
-              <a:ext uri="{FF2B5EF4-FFF2-40B4-BE49-F238E27FC236}">
-                <a16:creationId xmlns:a16="http://schemas.microsoft.com/office/drawing/2014/main" id="{0BB3BF12-4D16-7033-FF05-0B51197F5DD1}"/>
+          <p:cNvPr id="4106" name="Picture 10">
+            <a:extLst>
+              <a:ext uri="{FF2B5EF4-FFF2-40B4-BE49-F238E27FC236}">
+                <a16:creationId xmlns:a16="http://schemas.microsoft.com/office/drawing/2014/main" id="{DA5C1E3E-DB90-AAE9-0970-BE11BDA68150}"/>
               </a:ext>
             </a:extLst>
           </p:cNvPr>
@@ -4094,8 +4094,8 @@
         </p:blipFill>
         <p:spPr bwMode="auto">
           <a:xfrm>
-            <a:off x="6272386" y="3859151"/>
-            <a:ext cx="3778676" cy="2998849"/>
+            <a:off x="5931019" y="3706213"/>
+            <a:ext cx="3738472" cy="2966942"/>
           </a:xfrm>
           <a:prstGeom prst="rect">
             <a:avLst/>
@@ -4115,7 +4115,7 @@
     </p:spTree>
     <p:extLst>
       <p:ext uri="{BB962C8B-B14F-4D97-AF65-F5344CB8AC3E}">
-        <p14:creationId xmlns:p14="http://schemas.microsoft.com/office/powerpoint/2010/main" val="2188370572"/>
+        <p14:creationId xmlns:p14="http://schemas.microsoft.com/office/powerpoint/2010/main" val="3414405870"/>
       </p:ext>
     </p:extLst>
   </p:cSld>
@@ -4173,17 +4173,17 @@
             <a:pPr algn="ctr"/>
             <a:r>
               <a:rPr lang="en-US" sz="2400" b="1" dirty="0"/>
-              <a:t>b15</a:t>
+              <a:t>b20</a:t>
             </a:r>
           </a:p>
         </p:txBody>
       </p:sp>
       <p:pic>
         <p:nvPicPr>
-          <p:cNvPr id="2050" name="Picture 2">
-            <a:extLst>
-              <a:ext uri="{FF2B5EF4-FFF2-40B4-BE49-F238E27FC236}">
-                <a16:creationId xmlns:a16="http://schemas.microsoft.com/office/drawing/2014/main" id="{C01326B7-3297-6D62-076F-6BAE3D5806CC}"/>
+          <p:cNvPr id="3074" name="Picture 2">
+            <a:extLst>
+              <a:ext uri="{FF2B5EF4-FFF2-40B4-BE49-F238E27FC236}">
+                <a16:creationId xmlns:a16="http://schemas.microsoft.com/office/drawing/2014/main" id="{BB65A38D-6091-2ED4-1808-8470593195F3}"/>
               </a:ext>
             </a:extLst>
           </p:cNvPr>
@@ -4207,8 +4207,8 @@
         </p:blipFill>
         <p:spPr bwMode="auto">
           <a:xfrm>
-            <a:off x="2413151" y="3899140"/>
-            <a:ext cx="3991442" cy="2958860"/>
+            <a:off x="259243" y="785289"/>
+            <a:ext cx="3708907" cy="2774602"/>
           </a:xfrm>
           <a:prstGeom prst="rect">
             <a:avLst/>
@@ -4227,10 +4227,10 @@
       </p:pic>
       <p:pic>
         <p:nvPicPr>
-          <p:cNvPr id="2052" name="Picture 4">
-            <a:extLst>
-              <a:ext uri="{FF2B5EF4-FFF2-40B4-BE49-F238E27FC236}">
-                <a16:creationId xmlns:a16="http://schemas.microsoft.com/office/drawing/2014/main" id="{BE979B2B-AD8D-1DE4-0EF9-9F782AB055E8}"/>
+          <p:cNvPr id="3076" name="Picture 4">
+            <a:extLst>
+              <a:ext uri="{FF2B5EF4-FFF2-40B4-BE49-F238E27FC236}">
+                <a16:creationId xmlns:a16="http://schemas.microsoft.com/office/drawing/2014/main" id="{B41C19A9-1959-E8B5-1CCA-BEB981FBD5F6}"/>
               </a:ext>
             </a:extLst>
           </p:cNvPr>
@@ -4254,8 +4254,8 @@
         </p:blipFill>
         <p:spPr bwMode="auto">
           <a:xfrm>
-            <a:off x="6404593" y="3899140"/>
-            <a:ext cx="3991442" cy="2958860"/>
+            <a:off x="4105543" y="791103"/>
+            <a:ext cx="3708909" cy="2774603"/>
           </a:xfrm>
           <a:prstGeom prst="rect">
             <a:avLst/>
@@ -4274,10 +4274,10 @@
       </p:pic>
       <p:pic>
         <p:nvPicPr>
-          <p:cNvPr id="3" name="Picture 6">
-            <a:extLst>
-              <a:ext uri="{FF2B5EF4-FFF2-40B4-BE49-F238E27FC236}">
-                <a16:creationId xmlns:a16="http://schemas.microsoft.com/office/drawing/2014/main" id="{FC9FE66D-2F5C-BA6E-4F56-B3B65FD96E2A}"/>
+          <p:cNvPr id="3078" name="Picture 6">
+            <a:extLst>
+              <a:ext uri="{FF2B5EF4-FFF2-40B4-BE49-F238E27FC236}">
+                <a16:creationId xmlns:a16="http://schemas.microsoft.com/office/drawing/2014/main" id="{520D122C-B10F-10A6-7BE1-DDBB8696D1D9}"/>
               </a:ext>
             </a:extLst>
           </p:cNvPr>
@@ -4301,8 +4301,8 @@
         </p:blipFill>
         <p:spPr bwMode="auto">
           <a:xfrm>
-            <a:off x="132299" y="754992"/>
-            <a:ext cx="3991442" cy="2958860"/>
+            <a:off x="7951845" y="821434"/>
+            <a:ext cx="3708910" cy="2774604"/>
           </a:xfrm>
           <a:prstGeom prst="rect">
             <a:avLst/>
@@ -4321,10 +4321,10 @@
       </p:pic>
       <p:pic>
         <p:nvPicPr>
-          <p:cNvPr id="4" name="Picture 8">
-            <a:extLst>
-              <a:ext uri="{FF2B5EF4-FFF2-40B4-BE49-F238E27FC236}">
-                <a16:creationId xmlns:a16="http://schemas.microsoft.com/office/drawing/2014/main" id="{AE4A5411-1637-EF9C-C47B-BD36D66E14E6}"/>
+          <p:cNvPr id="3080" name="Picture 8">
+            <a:extLst>
+              <a:ext uri="{FF2B5EF4-FFF2-40B4-BE49-F238E27FC236}">
+                <a16:creationId xmlns:a16="http://schemas.microsoft.com/office/drawing/2014/main" id="{3439655B-B4D6-9313-7968-57FA18CED52E}"/>
               </a:ext>
             </a:extLst>
           </p:cNvPr>
@@ -4348,8 +4348,8 @@
         </p:blipFill>
         <p:spPr bwMode="auto">
           <a:xfrm>
-            <a:off x="4123741" y="759125"/>
-            <a:ext cx="3991442" cy="2958860"/>
+            <a:off x="1665797" y="3778840"/>
+            <a:ext cx="3708909" cy="2774603"/>
           </a:xfrm>
           <a:prstGeom prst="rect">
             <a:avLst/>
@@ -4368,10 +4368,10 @@
       </p:pic>
       <p:pic>
         <p:nvPicPr>
-          <p:cNvPr id="5" name="Picture 10">
-            <a:extLst>
-              <a:ext uri="{FF2B5EF4-FFF2-40B4-BE49-F238E27FC236}">
-                <a16:creationId xmlns:a16="http://schemas.microsoft.com/office/drawing/2014/main" id="{E2B9BA26-56C6-67AE-9776-E3F2B28AD867}"/>
+          <p:cNvPr id="3082" name="Picture 10">
+            <a:extLst>
+              <a:ext uri="{FF2B5EF4-FFF2-40B4-BE49-F238E27FC236}">
+                <a16:creationId xmlns:a16="http://schemas.microsoft.com/office/drawing/2014/main" id="{B48E86EA-0A89-5A75-D053-8708F2C4525C}"/>
               </a:ext>
             </a:extLst>
           </p:cNvPr>
@@ -4395,8 +4395,8 @@
         </p:blipFill>
         <p:spPr bwMode="auto">
           <a:xfrm>
-            <a:off x="8128958" y="759125"/>
-            <a:ext cx="3991442" cy="2958860"/>
+            <a:off x="5737016" y="3778839"/>
+            <a:ext cx="3708910" cy="2774604"/>
           </a:xfrm>
           <a:prstGeom prst="rect">
             <a:avLst/>
@@ -4416,7 +4416,7 @@
     </p:spTree>
     <p:extLst>
       <p:ext uri="{BB962C8B-B14F-4D97-AF65-F5344CB8AC3E}">
-        <p14:creationId xmlns:p14="http://schemas.microsoft.com/office/powerpoint/2010/main" val="4633685"/>
+        <p14:creationId xmlns:p14="http://schemas.microsoft.com/office/powerpoint/2010/main" val="2315754695"/>
       </p:ext>
     </p:extLst>
   </p:cSld>
@@ -24206,6 +24206,36 @@
           </a:p>
         </p:txBody>
       </p:sp>
+      <p:pic>
+        <p:nvPicPr>
+          <p:cNvPr id="4" name="Picture 3">
+            <a:extLst>
+              <a:ext uri="{FF2B5EF4-FFF2-40B4-BE49-F238E27FC236}">
+                <a16:creationId xmlns:a16="http://schemas.microsoft.com/office/drawing/2014/main" id="{B8CABA44-1FAD-0185-FBE0-ABED0B4B4E11}"/>
+              </a:ext>
+            </a:extLst>
+          </p:cNvPr>
+          <p:cNvPicPr>
+            <a:picLocks noChangeAspect="1"/>
+          </p:cNvPicPr>
+          <p:nvPr/>
+        </p:nvPicPr>
+        <p:blipFill>
+          <a:blip r:embed="rId2"/>
+          <a:stretch>
+            <a:fillRect/>
+          </a:stretch>
+        </p:blipFill>
+        <p:spPr>
+          <a:xfrm>
+            <a:off x="6940080" y="2878555"/>
+            <a:ext cx="4507173" cy="1100890"/>
+          </a:xfrm>
+          <a:prstGeom prst="rect">
+            <a:avLst/>
+          </a:prstGeom>
+        </p:spPr>
+      </p:pic>
     </p:spTree>
     <p:extLst>
       <p:ext uri="{BB962C8B-B14F-4D97-AF65-F5344CB8AC3E}">
@@ -24267,17 +24297,17 @@
             <a:pPr algn="ctr"/>
             <a:r>
               <a:rPr lang="en-US" sz="2400" b="1" dirty="0"/>
-              <a:t>b05</a:t>
+              <a:t>b10</a:t>
             </a:r>
           </a:p>
         </p:txBody>
       </p:sp>
       <p:pic>
         <p:nvPicPr>
-          <p:cNvPr id="1026" name="Picture 2">
-            <a:extLst>
-              <a:ext uri="{FF2B5EF4-FFF2-40B4-BE49-F238E27FC236}">
-                <a16:creationId xmlns:a16="http://schemas.microsoft.com/office/drawing/2014/main" id="{61D73AFC-67DE-0C85-DA9A-0E662080D03C}"/>
+          <p:cNvPr id="4098" name="Picture 2">
+            <a:extLst>
+              <a:ext uri="{FF2B5EF4-FFF2-40B4-BE49-F238E27FC236}">
+                <a16:creationId xmlns:a16="http://schemas.microsoft.com/office/drawing/2014/main" id="{CA712A5B-27BC-ACA6-B8CC-57BCD355B4A3}"/>
               </a:ext>
             </a:extLst>
           </p:cNvPr>
@@ -24301,8 +24331,8 @@
         </p:blipFill>
         <p:spPr bwMode="auto">
           <a:xfrm>
-            <a:off x="6354074" y="4053247"/>
-            <a:ext cx="3474325" cy="2757308"/>
+            <a:off x="298689" y="710246"/>
+            <a:ext cx="3738472" cy="2966942"/>
           </a:xfrm>
           <a:prstGeom prst="rect">
             <a:avLst/>
@@ -24321,10 +24351,10 @@
       </p:pic>
       <p:pic>
         <p:nvPicPr>
-          <p:cNvPr id="1028" name="Picture 4">
-            <a:extLst>
-              <a:ext uri="{FF2B5EF4-FFF2-40B4-BE49-F238E27FC236}">
-                <a16:creationId xmlns:a16="http://schemas.microsoft.com/office/drawing/2014/main" id="{CBD483F3-38C1-38C1-814C-C3428485D5C5}"/>
+          <p:cNvPr id="4100" name="Picture 4">
+            <a:extLst>
+              <a:ext uri="{FF2B5EF4-FFF2-40B4-BE49-F238E27FC236}">
+                <a16:creationId xmlns:a16="http://schemas.microsoft.com/office/drawing/2014/main" id="{BD07AC80-AFC5-DFCD-E96F-421C15A932C2}"/>
               </a:ext>
             </a:extLst>
           </p:cNvPr>
@@ -24348,8 +24378,8 @@
         </p:blipFill>
         <p:spPr bwMode="auto">
           <a:xfrm>
-            <a:off x="2144741" y="4053247"/>
-            <a:ext cx="3474325" cy="2757308"/>
+            <a:off x="4266840" y="710246"/>
+            <a:ext cx="3738472" cy="2966942"/>
           </a:xfrm>
           <a:prstGeom prst="rect">
             <a:avLst/>
@@ -24368,10 +24398,10 @@
       </p:pic>
       <p:pic>
         <p:nvPicPr>
-          <p:cNvPr id="1030" name="Picture 6">
-            <a:extLst>
-              <a:ext uri="{FF2B5EF4-FFF2-40B4-BE49-F238E27FC236}">
-                <a16:creationId xmlns:a16="http://schemas.microsoft.com/office/drawing/2014/main" id="{9BD7EAE0-EE9D-3C93-9581-3E2F236E7C61}"/>
+          <p:cNvPr id="4102" name="Picture 6">
+            <a:extLst>
+              <a:ext uri="{FF2B5EF4-FFF2-40B4-BE49-F238E27FC236}">
+                <a16:creationId xmlns:a16="http://schemas.microsoft.com/office/drawing/2014/main" id="{480CA860-B2A2-C5C9-1522-9A8528A309EB}"/>
               </a:ext>
             </a:extLst>
           </p:cNvPr>
@@ -24395,8 +24425,8 @@
         </p:blipFill>
         <p:spPr bwMode="auto">
           <a:xfrm>
-            <a:off x="108909" y="1052423"/>
-            <a:ext cx="3474325" cy="2757308"/>
+            <a:off x="8234991" y="739271"/>
+            <a:ext cx="3738472" cy="2966942"/>
           </a:xfrm>
           <a:prstGeom prst="rect">
             <a:avLst/>
@@ -24415,10 +24445,10 @@
       </p:pic>
       <p:pic>
         <p:nvPicPr>
-          <p:cNvPr id="1032" name="Picture 8">
-            <a:extLst>
-              <a:ext uri="{FF2B5EF4-FFF2-40B4-BE49-F238E27FC236}">
-                <a16:creationId xmlns:a16="http://schemas.microsoft.com/office/drawing/2014/main" id="{3C22B1ED-F69B-BAC8-1D4C-D3E1373F5710}"/>
+          <p:cNvPr id="4104" name="Picture 8">
+            <a:extLst>
+              <a:ext uri="{FF2B5EF4-FFF2-40B4-BE49-F238E27FC236}">
+                <a16:creationId xmlns:a16="http://schemas.microsoft.com/office/drawing/2014/main" id="{F243BABF-921B-16B0-3B20-A2870FB3F543}"/>
               </a:ext>
             </a:extLst>
           </p:cNvPr>
@@ -24442,8 +24472,8 @@
         </p:blipFill>
         <p:spPr bwMode="auto">
           <a:xfrm>
-            <a:off x="4358837" y="1052423"/>
-            <a:ext cx="3474325" cy="2757308"/>
+            <a:off x="1962868" y="3708282"/>
+            <a:ext cx="3738472" cy="2966942"/>
           </a:xfrm>
           <a:prstGeom prst="rect">
             <a:avLst/>
@@ -24462,10 +24492,10 @@
       </p:pic>
       <p:pic>
         <p:nvPicPr>
-          <p:cNvPr id="1034" name="Picture 10">
-            <a:extLst>
-              <a:ext uri="{FF2B5EF4-FFF2-40B4-BE49-F238E27FC236}">
-                <a16:creationId xmlns:a16="http://schemas.microsoft.com/office/drawing/2014/main" id="{895524D7-4D10-06F0-0DFE-6A700DBE2C84}"/>
+          <p:cNvPr id="4106" name="Picture 10">
+            <a:extLst>
+              <a:ext uri="{FF2B5EF4-FFF2-40B4-BE49-F238E27FC236}">
+                <a16:creationId xmlns:a16="http://schemas.microsoft.com/office/drawing/2014/main" id="{DA5C1E3E-DB90-AAE9-0970-BE11BDA68150}"/>
               </a:ext>
             </a:extLst>
           </p:cNvPr>
@@ -24489,8 +24519,8 @@
         </p:blipFill>
         <p:spPr bwMode="auto">
           <a:xfrm>
-            <a:off x="8243618" y="1052423"/>
-            <a:ext cx="3474325" cy="2757308"/>
+            <a:off x="5931019" y="3706213"/>
+            <a:ext cx="3738472" cy="2966942"/>
           </a:xfrm>
           <a:prstGeom prst="rect">
             <a:avLst/>
@@ -24507,80 +24537,10 @@
           </a:extLst>
         </p:spPr>
       </p:pic>
-      <p:sp>
-        <p:nvSpPr>
-          <p:cNvPr id="3" name="TextBox 2">
-            <a:extLst>
-              <a:ext uri="{FF2B5EF4-FFF2-40B4-BE49-F238E27FC236}">
-                <a16:creationId xmlns:a16="http://schemas.microsoft.com/office/drawing/2014/main" id="{20A65CA9-F6F6-7A6C-D817-9D4CD45908F4}"/>
-              </a:ext>
-            </a:extLst>
-          </p:cNvPr>
-          <p:cNvSpPr txBox="1"/>
-          <p:nvPr/>
-        </p:nvSpPr>
-        <p:spPr>
-          <a:xfrm>
-            <a:off x="224286" y="624241"/>
-            <a:ext cx="1398524" cy="369332"/>
-          </a:xfrm>
-          <a:prstGeom prst="rect">
-            <a:avLst/>
-          </a:prstGeom>
-          <a:noFill/>
-        </p:spPr>
-        <p:txBody>
-          <a:bodyPr wrap="none" rtlCol="0">
-            <a:spAutoFit/>
-          </a:bodyPr>
-          <a:lstStyle/>
-          <a:p>
-            <a:r>
-              <a:rPr lang="en-US" dirty="0"/>
-              <a:t>Most flexible</a:t>
-            </a:r>
-          </a:p>
-        </p:txBody>
-      </p:sp>
-      <p:sp>
-        <p:nvSpPr>
-          <p:cNvPr id="4" name="TextBox 3">
-            <a:extLst>
-              <a:ext uri="{FF2B5EF4-FFF2-40B4-BE49-F238E27FC236}">
-                <a16:creationId xmlns:a16="http://schemas.microsoft.com/office/drawing/2014/main" id="{79D208C9-F982-B295-1049-56F6FEE0F9C7}"/>
-              </a:ext>
-            </a:extLst>
-          </p:cNvPr>
-          <p:cNvSpPr txBox="1"/>
-          <p:nvPr/>
-        </p:nvSpPr>
-        <p:spPr>
-          <a:xfrm>
-            <a:off x="10417833" y="6441223"/>
-            <a:ext cx="1438599" cy="369332"/>
-          </a:xfrm>
-          <a:prstGeom prst="rect">
-            <a:avLst/>
-          </a:prstGeom>
-          <a:noFill/>
-        </p:spPr>
-        <p:txBody>
-          <a:bodyPr wrap="none" rtlCol="0">
-            <a:spAutoFit/>
-          </a:bodyPr>
-          <a:lstStyle/>
-          <a:p>
-            <a:r>
-              <a:rPr lang="en-US" dirty="0"/>
-              <a:t>Least Flexible</a:t>
-            </a:r>
-          </a:p>
-        </p:txBody>
-      </p:sp>
     </p:spTree>
     <p:extLst>
       <p:ext uri="{BB962C8B-B14F-4D97-AF65-F5344CB8AC3E}">
-        <p14:creationId xmlns:p14="http://schemas.microsoft.com/office/powerpoint/2010/main" val="4271519835"/>
+        <p14:creationId xmlns:p14="http://schemas.microsoft.com/office/powerpoint/2010/main" val="1725207852"/>
       </p:ext>
     </p:extLst>
   </p:cSld>
@@ -24638,87 +24598,17 @@
             <a:pPr algn="ctr"/>
             <a:r>
               <a:rPr lang="en-US" sz="2400" b="1" dirty="0"/>
-              <a:t>b05</a:t>
-            </a:r>
-          </a:p>
-        </p:txBody>
-      </p:sp>
-      <p:sp>
-        <p:nvSpPr>
-          <p:cNvPr id="3" name="TextBox 2">
-            <a:extLst>
-              <a:ext uri="{FF2B5EF4-FFF2-40B4-BE49-F238E27FC236}">
-                <a16:creationId xmlns:a16="http://schemas.microsoft.com/office/drawing/2014/main" id="{54E7E00A-5771-DDE0-47F1-33B2D0263447}"/>
-              </a:ext>
-            </a:extLst>
-          </p:cNvPr>
-          <p:cNvSpPr txBox="1"/>
-          <p:nvPr/>
-        </p:nvSpPr>
-        <p:spPr>
-          <a:xfrm>
-            <a:off x="224286" y="624241"/>
-            <a:ext cx="1398524" cy="369332"/>
-          </a:xfrm>
-          <a:prstGeom prst="rect">
-            <a:avLst/>
-          </a:prstGeom>
-          <a:noFill/>
-        </p:spPr>
-        <p:txBody>
-          <a:bodyPr wrap="none" rtlCol="0">
-            <a:spAutoFit/>
-          </a:bodyPr>
-          <a:lstStyle/>
-          <a:p>
-            <a:r>
-              <a:rPr lang="en-US" dirty="0"/>
-              <a:t>Most flexible</a:t>
-            </a:r>
-          </a:p>
-        </p:txBody>
-      </p:sp>
-      <p:sp>
-        <p:nvSpPr>
-          <p:cNvPr id="4" name="TextBox 3">
-            <a:extLst>
-              <a:ext uri="{FF2B5EF4-FFF2-40B4-BE49-F238E27FC236}">
-                <a16:creationId xmlns:a16="http://schemas.microsoft.com/office/drawing/2014/main" id="{CA84B29A-E2FC-599A-7814-9382CDF18A8F}"/>
-              </a:ext>
-            </a:extLst>
-          </p:cNvPr>
-          <p:cNvSpPr txBox="1"/>
-          <p:nvPr/>
-        </p:nvSpPr>
-        <p:spPr>
-          <a:xfrm>
-            <a:off x="10417833" y="6441223"/>
-            <a:ext cx="1438599" cy="369332"/>
-          </a:xfrm>
-          <a:prstGeom prst="rect">
-            <a:avLst/>
-          </a:prstGeom>
-          <a:noFill/>
-        </p:spPr>
-        <p:txBody>
-          <a:bodyPr wrap="none" rtlCol="0">
-            <a:spAutoFit/>
-          </a:bodyPr>
-          <a:lstStyle/>
-          <a:p>
-            <a:r>
-              <a:rPr lang="en-US" dirty="0"/>
-              <a:t>Least Flexible</a:t>
+              <a:t>b10</a:t>
             </a:r>
           </a:p>
         </p:txBody>
       </p:sp>
       <p:pic>
         <p:nvPicPr>
-          <p:cNvPr id="2050" name="Picture 2">
-            <a:extLst>
-              <a:ext uri="{FF2B5EF4-FFF2-40B4-BE49-F238E27FC236}">
-                <a16:creationId xmlns:a16="http://schemas.microsoft.com/office/drawing/2014/main" id="{E3BFA327-C523-2FDB-88DB-46344E10B264}"/>
+          <p:cNvPr id="3074" name="Picture 2">
+            <a:extLst>
+              <a:ext uri="{FF2B5EF4-FFF2-40B4-BE49-F238E27FC236}">
+                <a16:creationId xmlns:a16="http://schemas.microsoft.com/office/drawing/2014/main" id="{BB65A38D-6091-2ED4-1808-8470593195F3}"/>
               </a:ext>
             </a:extLst>
           </p:cNvPr>
@@ -24742,8 +24632,8 @@
         </p:blipFill>
         <p:spPr bwMode="auto">
           <a:xfrm>
-            <a:off x="284507" y="1039843"/>
-            <a:ext cx="3734787" cy="2793963"/>
+            <a:off x="259243" y="785289"/>
+            <a:ext cx="3708907" cy="2774602"/>
           </a:xfrm>
           <a:prstGeom prst="rect">
             <a:avLst/>
@@ -24762,10 +24652,10 @@
       </p:pic>
       <p:pic>
         <p:nvPicPr>
-          <p:cNvPr id="2052" name="Picture 4">
-            <a:extLst>
-              <a:ext uri="{FF2B5EF4-FFF2-40B4-BE49-F238E27FC236}">
-                <a16:creationId xmlns:a16="http://schemas.microsoft.com/office/drawing/2014/main" id="{B6B988D7-518F-81BB-2BA4-EBA4A4967ABA}"/>
+          <p:cNvPr id="3076" name="Picture 4">
+            <a:extLst>
+              <a:ext uri="{FF2B5EF4-FFF2-40B4-BE49-F238E27FC236}">
+                <a16:creationId xmlns:a16="http://schemas.microsoft.com/office/drawing/2014/main" id="{B41C19A9-1959-E8B5-1CCA-BEB981FBD5F6}"/>
               </a:ext>
             </a:extLst>
           </p:cNvPr>
@@ -24789,8 +24679,8 @@
         </p:blipFill>
         <p:spPr bwMode="auto">
           <a:xfrm>
-            <a:off x="4258716" y="1039843"/>
-            <a:ext cx="3734787" cy="2793963"/>
+            <a:off x="4105543" y="791103"/>
+            <a:ext cx="3708909" cy="2774603"/>
           </a:xfrm>
           <a:prstGeom prst="rect">
             <a:avLst/>
@@ -24809,10 +24699,10 @@
       </p:pic>
       <p:pic>
         <p:nvPicPr>
-          <p:cNvPr id="2054" name="Picture 6">
-            <a:extLst>
-              <a:ext uri="{FF2B5EF4-FFF2-40B4-BE49-F238E27FC236}">
-                <a16:creationId xmlns:a16="http://schemas.microsoft.com/office/drawing/2014/main" id="{C7A932E8-82D9-FEFC-4226-FD35F872449D}"/>
+          <p:cNvPr id="3078" name="Picture 6">
+            <a:extLst>
+              <a:ext uri="{FF2B5EF4-FFF2-40B4-BE49-F238E27FC236}">
+                <a16:creationId xmlns:a16="http://schemas.microsoft.com/office/drawing/2014/main" id="{520D122C-B10F-10A6-7BE1-DDBB8696D1D9}"/>
               </a:ext>
             </a:extLst>
           </p:cNvPr>
@@ -24836,8 +24726,8 @@
         </p:blipFill>
         <p:spPr bwMode="auto">
           <a:xfrm>
-            <a:off x="8232926" y="1039844"/>
-            <a:ext cx="3734788" cy="2793964"/>
+            <a:off x="7951845" y="821434"/>
+            <a:ext cx="3708910" cy="2774604"/>
           </a:xfrm>
           <a:prstGeom prst="rect">
             <a:avLst/>
@@ -24856,10 +24746,10 @@
       </p:pic>
       <p:pic>
         <p:nvPicPr>
-          <p:cNvPr id="2056" name="Picture 8">
-            <a:extLst>
-              <a:ext uri="{FF2B5EF4-FFF2-40B4-BE49-F238E27FC236}">
-                <a16:creationId xmlns:a16="http://schemas.microsoft.com/office/drawing/2014/main" id="{EE397A7B-5F8A-430F-3AFA-6B4B5D5F4A78}"/>
+          <p:cNvPr id="3080" name="Picture 8">
+            <a:extLst>
+              <a:ext uri="{FF2B5EF4-FFF2-40B4-BE49-F238E27FC236}">
+                <a16:creationId xmlns:a16="http://schemas.microsoft.com/office/drawing/2014/main" id="{3439655B-B4D6-9313-7968-57FA18CED52E}"/>
               </a:ext>
             </a:extLst>
           </p:cNvPr>
@@ -24883,8 +24773,8 @@
         </p:blipFill>
         <p:spPr bwMode="auto">
           <a:xfrm>
-            <a:off x="1711495" y="3964557"/>
-            <a:ext cx="3734789" cy="2793964"/>
+            <a:off x="1665797" y="3778840"/>
+            <a:ext cx="3708909" cy="2774603"/>
           </a:xfrm>
           <a:prstGeom prst="rect">
             <a:avLst/>
@@ -24903,10 +24793,10 @@
       </p:pic>
       <p:pic>
         <p:nvPicPr>
-          <p:cNvPr id="2058" name="Picture 10">
-            <a:extLst>
-              <a:ext uri="{FF2B5EF4-FFF2-40B4-BE49-F238E27FC236}">
-                <a16:creationId xmlns:a16="http://schemas.microsoft.com/office/drawing/2014/main" id="{05511EBD-0176-F0F6-6577-8D1D07DC2F59}"/>
+          <p:cNvPr id="3082" name="Picture 10">
+            <a:extLst>
+              <a:ext uri="{FF2B5EF4-FFF2-40B4-BE49-F238E27FC236}">
+                <a16:creationId xmlns:a16="http://schemas.microsoft.com/office/drawing/2014/main" id="{B48E86EA-0A89-5A75-D053-8708F2C4525C}"/>
               </a:ext>
             </a:extLst>
           </p:cNvPr>
@@ -24930,8 +24820,8 @@
         </p:blipFill>
         <p:spPr bwMode="auto">
           <a:xfrm>
-            <a:off x="5961302" y="3964557"/>
-            <a:ext cx="3734789" cy="2793964"/>
+            <a:off x="5737016" y="3778839"/>
+            <a:ext cx="3708910" cy="2774604"/>
           </a:xfrm>
           <a:prstGeom prst="rect">
             <a:avLst/>
@@ -24951,7 +24841,7 @@
     </p:spTree>
     <p:extLst>
       <p:ext uri="{BB962C8B-B14F-4D97-AF65-F5344CB8AC3E}">
-        <p14:creationId xmlns:p14="http://schemas.microsoft.com/office/powerpoint/2010/main" val="1455075565"/>
+        <p14:creationId xmlns:p14="http://schemas.microsoft.com/office/powerpoint/2010/main" val="3026154245"/>
       </p:ext>
     </p:extLst>
   </p:cSld>
@@ -25009,17 +24899,17 @@
             <a:pPr algn="ctr"/>
             <a:r>
               <a:rPr lang="en-US" sz="2400" b="1" dirty="0"/>
-              <a:t>b10</a:t>
+              <a:t>b15</a:t>
             </a:r>
           </a:p>
         </p:txBody>
       </p:sp>
       <p:pic>
         <p:nvPicPr>
-          <p:cNvPr id="4098" name="Picture 2">
-            <a:extLst>
-              <a:ext uri="{FF2B5EF4-FFF2-40B4-BE49-F238E27FC236}">
-                <a16:creationId xmlns:a16="http://schemas.microsoft.com/office/drawing/2014/main" id="{CA712A5B-27BC-ACA6-B8CC-57BCD355B4A3}"/>
+          <p:cNvPr id="1026" name="Picture 2">
+            <a:extLst>
+              <a:ext uri="{FF2B5EF4-FFF2-40B4-BE49-F238E27FC236}">
+                <a16:creationId xmlns:a16="http://schemas.microsoft.com/office/drawing/2014/main" id="{042958DE-527E-F62F-9883-8FB9C976A18D}"/>
               </a:ext>
             </a:extLst>
           </p:cNvPr>
@@ -25043,8 +24933,8 @@
         </p:blipFill>
         <p:spPr bwMode="auto">
           <a:xfrm>
-            <a:off x="298689" y="710246"/>
-            <a:ext cx="3738472" cy="2966942"/>
+            <a:off x="197564" y="719136"/>
+            <a:ext cx="3778676" cy="2998849"/>
           </a:xfrm>
           <a:prstGeom prst="rect">
             <a:avLst/>
@@ -25063,10 +24953,10 @@
       </p:pic>
       <p:pic>
         <p:nvPicPr>
-          <p:cNvPr id="4100" name="Picture 4">
-            <a:extLst>
-              <a:ext uri="{FF2B5EF4-FFF2-40B4-BE49-F238E27FC236}">
-                <a16:creationId xmlns:a16="http://schemas.microsoft.com/office/drawing/2014/main" id="{BD07AC80-AFC5-DFCD-E96F-421C15A932C2}"/>
+          <p:cNvPr id="3" name="Picture 4">
+            <a:extLst>
+              <a:ext uri="{FF2B5EF4-FFF2-40B4-BE49-F238E27FC236}">
+                <a16:creationId xmlns:a16="http://schemas.microsoft.com/office/drawing/2014/main" id="{F5FAAAA7-393F-2A8F-14AC-844ACB78BACB}"/>
               </a:ext>
             </a:extLst>
           </p:cNvPr>
@@ -25090,8 +24980,8 @@
         </p:blipFill>
         <p:spPr bwMode="auto">
           <a:xfrm>
-            <a:off x="4266840" y="710246"/>
-            <a:ext cx="3738472" cy="2966942"/>
+            <a:off x="4145051" y="719135"/>
+            <a:ext cx="3778676" cy="2998849"/>
           </a:xfrm>
           <a:prstGeom prst="rect">
             <a:avLst/>
@@ -25110,10 +25000,10 @@
       </p:pic>
       <p:pic>
         <p:nvPicPr>
-          <p:cNvPr id="4102" name="Picture 6">
-            <a:extLst>
-              <a:ext uri="{FF2B5EF4-FFF2-40B4-BE49-F238E27FC236}">
-                <a16:creationId xmlns:a16="http://schemas.microsoft.com/office/drawing/2014/main" id="{480CA860-B2A2-C5C9-1522-9A8528A309EB}"/>
+          <p:cNvPr id="4" name="Picture 6">
+            <a:extLst>
+              <a:ext uri="{FF2B5EF4-FFF2-40B4-BE49-F238E27FC236}">
+                <a16:creationId xmlns:a16="http://schemas.microsoft.com/office/drawing/2014/main" id="{9436670B-A25A-0FD3-667B-7732E8730A93}"/>
               </a:ext>
             </a:extLst>
           </p:cNvPr>
@@ -25137,8 +25027,8 @@
         </p:blipFill>
         <p:spPr bwMode="auto">
           <a:xfrm>
-            <a:off x="8234991" y="739271"/>
-            <a:ext cx="3738472" cy="2966942"/>
+            <a:off x="8196230" y="719135"/>
+            <a:ext cx="3778676" cy="2998849"/>
           </a:xfrm>
           <a:prstGeom prst="rect">
             <a:avLst/>
@@ -25157,10 +25047,10 @@
       </p:pic>
       <p:pic>
         <p:nvPicPr>
-          <p:cNvPr id="4104" name="Picture 8">
-            <a:extLst>
-              <a:ext uri="{FF2B5EF4-FFF2-40B4-BE49-F238E27FC236}">
-                <a16:creationId xmlns:a16="http://schemas.microsoft.com/office/drawing/2014/main" id="{F243BABF-921B-16B0-3B20-A2870FB3F543}"/>
+          <p:cNvPr id="5" name="Picture 8">
+            <a:extLst>
+              <a:ext uri="{FF2B5EF4-FFF2-40B4-BE49-F238E27FC236}">
+                <a16:creationId xmlns:a16="http://schemas.microsoft.com/office/drawing/2014/main" id="{D65E271B-3B48-04CD-21F3-1D2215F0FE9A}"/>
               </a:ext>
             </a:extLst>
           </p:cNvPr>
@@ -25184,8 +25074,8 @@
         </p:blipFill>
         <p:spPr bwMode="auto">
           <a:xfrm>
-            <a:off x="1962868" y="3708282"/>
-            <a:ext cx="3738472" cy="2966942"/>
+            <a:off x="1957506" y="3859149"/>
+            <a:ext cx="3778676" cy="2998849"/>
           </a:xfrm>
           <a:prstGeom prst="rect">
             <a:avLst/>
@@ -25204,10 +25094,10 @@
       </p:pic>
       <p:pic>
         <p:nvPicPr>
-          <p:cNvPr id="4106" name="Picture 10">
-            <a:extLst>
-              <a:ext uri="{FF2B5EF4-FFF2-40B4-BE49-F238E27FC236}">
-                <a16:creationId xmlns:a16="http://schemas.microsoft.com/office/drawing/2014/main" id="{DA5C1E3E-DB90-AAE9-0970-BE11BDA68150}"/>
+          <p:cNvPr id="6" name="Picture 10">
+            <a:extLst>
+              <a:ext uri="{FF2B5EF4-FFF2-40B4-BE49-F238E27FC236}">
+                <a16:creationId xmlns:a16="http://schemas.microsoft.com/office/drawing/2014/main" id="{0BB3BF12-4D16-7033-FF05-0B51197F5DD1}"/>
               </a:ext>
             </a:extLst>
           </p:cNvPr>
@@ -25231,8 +25121,8 @@
         </p:blipFill>
         <p:spPr bwMode="auto">
           <a:xfrm>
-            <a:off x="5931019" y="3706213"/>
-            <a:ext cx="3738472" cy="2966942"/>
+            <a:off x="6272386" y="3859151"/>
+            <a:ext cx="3778676" cy="2998849"/>
           </a:xfrm>
           <a:prstGeom prst="rect">
             <a:avLst/>
@@ -25249,10 +25139,59 @@
           </a:extLst>
         </p:spPr>
       </p:pic>
+      <p:sp>
+        <p:nvSpPr>
+          <p:cNvPr id="7" name="Rectangle 6">
+            <a:extLst>
+              <a:ext uri="{FF2B5EF4-FFF2-40B4-BE49-F238E27FC236}">
+                <a16:creationId xmlns:a16="http://schemas.microsoft.com/office/drawing/2014/main" id="{446EEFC6-9954-3BD8-8D05-7D4CD8759487}"/>
+              </a:ext>
+            </a:extLst>
+          </p:cNvPr>
+          <p:cNvSpPr/>
+          <p:nvPr/>
+        </p:nvSpPr>
+        <p:spPr>
+          <a:xfrm>
+            <a:off x="197564" y="5917720"/>
+            <a:ext cx="2665562" cy="678343"/>
+          </a:xfrm>
+          <a:prstGeom prst="rect">
+            <a:avLst/>
+          </a:prstGeom>
+        </p:spPr>
+        <p:style>
+          <a:lnRef idx="2">
+            <a:schemeClr val="accent1">
+              <a:shade val="50000"/>
+            </a:schemeClr>
+          </a:lnRef>
+          <a:fillRef idx="1">
+            <a:schemeClr val="accent1"/>
+          </a:fillRef>
+          <a:effectRef idx="0">
+            <a:schemeClr val="accent1"/>
+          </a:effectRef>
+          <a:fontRef idx="minor">
+            <a:schemeClr val="lt1"/>
+          </a:fontRef>
+        </p:style>
+        <p:txBody>
+          <a:bodyPr rtlCol="0" anchor="ctr"/>
+          <a:lstStyle/>
+          <a:p>
+            <a:pPr algn="ctr"/>
+            <a:r>
+              <a:rPr lang="en-US" dirty="0"/>
+              <a:t>Fairly insensitive to thresh. Currently 1e-04</a:t>
+            </a:r>
+          </a:p>
+        </p:txBody>
+      </p:sp>
     </p:spTree>
     <p:extLst>
       <p:ext uri="{BB962C8B-B14F-4D97-AF65-F5344CB8AC3E}">
-        <p14:creationId xmlns:p14="http://schemas.microsoft.com/office/powerpoint/2010/main" val="1725207852"/>
+        <p14:creationId xmlns:p14="http://schemas.microsoft.com/office/powerpoint/2010/main" val="2188370572"/>
       </p:ext>
     </p:extLst>
   </p:cSld>

--- a/p_update.pptx
+++ b/p_update.pptx
@@ -4173,7 +4173,7 @@
             <a:pPr algn="ctr"/>
             <a:r>
               <a:rPr lang="en-US" sz="2400" b="1" dirty="0"/>
-              <a:t>b20</a:t>
+              <a:t>b10</a:t>
             </a:r>
           </a:p>
         </p:txBody>

--- a/p_update.pptx
+++ b/p_update.pptx
@@ -290,7 +290,7 @@
           <a:p>
             <a:fld id="{AC0A374C-67DD-7B41-A977-89CB4768BCE6}" type="datetimeFigureOut">
               <a:rPr lang="en-US" smtClean="0"/>
-              <a:t>10/10/2022</a:t>
+              <a:t>10/12/2022</a:t>
             </a:fld>
             <a:endParaRPr lang="en-US"/>
           </a:p>
@@ -488,7 +488,7 @@
           <a:p>
             <a:fld id="{AC0A374C-67DD-7B41-A977-89CB4768BCE6}" type="datetimeFigureOut">
               <a:rPr lang="en-US" smtClean="0"/>
-              <a:t>10/10/2022</a:t>
+              <a:t>10/12/2022</a:t>
             </a:fld>
             <a:endParaRPr lang="en-US"/>
           </a:p>
@@ -696,7 +696,7 @@
           <a:p>
             <a:fld id="{AC0A374C-67DD-7B41-A977-89CB4768BCE6}" type="datetimeFigureOut">
               <a:rPr lang="en-US" smtClean="0"/>
-              <a:t>10/10/2022</a:t>
+              <a:t>10/12/2022</a:t>
             </a:fld>
             <a:endParaRPr lang="en-US"/>
           </a:p>
@@ -894,7 +894,7 @@
           <a:p>
             <a:fld id="{AC0A374C-67DD-7B41-A977-89CB4768BCE6}" type="datetimeFigureOut">
               <a:rPr lang="en-US" smtClean="0"/>
-              <a:t>10/10/2022</a:t>
+              <a:t>10/12/2022</a:t>
             </a:fld>
             <a:endParaRPr lang="en-US"/>
           </a:p>
@@ -1169,7 +1169,7 @@
           <a:p>
             <a:fld id="{AC0A374C-67DD-7B41-A977-89CB4768BCE6}" type="datetimeFigureOut">
               <a:rPr lang="en-US" smtClean="0"/>
-              <a:t>10/10/2022</a:t>
+              <a:t>10/12/2022</a:t>
             </a:fld>
             <a:endParaRPr lang="en-US"/>
           </a:p>
@@ -1434,7 +1434,7 @@
           <a:p>
             <a:fld id="{AC0A374C-67DD-7B41-A977-89CB4768BCE6}" type="datetimeFigureOut">
               <a:rPr lang="en-US" smtClean="0"/>
-              <a:t>10/10/2022</a:t>
+              <a:t>10/12/2022</a:t>
             </a:fld>
             <a:endParaRPr lang="en-US"/>
           </a:p>
@@ -1846,7 +1846,7 @@
           <a:p>
             <a:fld id="{AC0A374C-67DD-7B41-A977-89CB4768BCE6}" type="datetimeFigureOut">
               <a:rPr lang="en-US" smtClean="0"/>
-              <a:t>10/10/2022</a:t>
+              <a:t>10/12/2022</a:t>
             </a:fld>
             <a:endParaRPr lang="en-US"/>
           </a:p>
@@ -1987,7 +1987,7 @@
           <a:p>
             <a:fld id="{AC0A374C-67DD-7B41-A977-89CB4768BCE6}" type="datetimeFigureOut">
               <a:rPr lang="en-US" smtClean="0"/>
-              <a:t>10/10/2022</a:t>
+              <a:t>10/12/2022</a:t>
             </a:fld>
             <a:endParaRPr lang="en-US"/>
           </a:p>
@@ -2100,7 +2100,7 @@
           <a:p>
             <a:fld id="{AC0A374C-67DD-7B41-A977-89CB4768BCE6}" type="datetimeFigureOut">
               <a:rPr lang="en-US" smtClean="0"/>
-              <a:t>10/10/2022</a:t>
+              <a:t>10/12/2022</a:t>
             </a:fld>
             <a:endParaRPr lang="en-US"/>
           </a:p>
@@ -2411,7 +2411,7 @@
           <a:p>
             <a:fld id="{AC0A374C-67DD-7B41-A977-89CB4768BCE6}" type="datetimeFigureOut">
               <a:rPr lang="en-US" smtClean="0"/>
-              <a:t>10/10/2022</a:t>
+              <a:t>10/12/2022</a:t>
             </a:fld>
             <a:endParaRPr lang="en-US"/>
           </a:p>
@@ -2699,7 +2699,7 @@
           <a:p>
             <a:fld id="{AC0A374C-67DD-7B41-A977-89CB4768BCE6}" type="datetimeFigureOut">
               <a:rPr lang="en-US" smtClean="0"/>
-              <a:t>10/10/2022</a:t>
+              <a:t>10/12/2022</a:t>
             </a:fld>
             <a:endParaRPr lang="en-US"/>
           </a:p>
@@ -2940,7 +2940,7 @@
           <a:p>
             <a:fld id="{AC0A374C-67DD-7B41-A977-89CB4768BCE6}" type="datetimeFigureOut">
               <a:rPr lang="en-US" smtClean="0"/>
-              <a:t>10/10/2022</a:t>
+              <a:t>10/12/2022</a:t>
             </a:fld>
             <a:endParaRPr lang="en-US"/>
           </a:p>
@@ -24304,10 +24304,10 @@
       </p:sp>
       <p:pic>
         <p:nvPicPr>
-          <p:cNvPr id="4098" name="Picture 2">
-            <a:extLst>
-              <a:ext uri="{FF2B5EF4-FFF2-40B4-BE49-F238E27FC236}">
-                <a16:creationId xmlns:a16="http://schemas.microsoft.com/office/drawing/2014/main" id="{CA712A5B-27BC-ACA6-B8CC-57BCD355B4A3}"/>
+          <p:cNvPr id="1032" name="Picture 8">
+            <a:extLst>
+              <a:ext uri="{FF2B5EF4-FFF2-40B4-BE49-F238E27FC236}">
+                <a16:creationId xmlns:a16="http://schemas.microsoft.com/office/drawing/2014/main" id="{42085124-0ABC-1586-D59F-182B96E9705B}"/>
               </a:ext>
             </a:extLst>
           </p:cNvPr>
@@ -24331,8 +24331,8 @@
         </p:blipFill>
         <p:spPr bwMode="auto">
           <a:xfrm>
-            <a:off x="298689" y="710246"/>
-            <a:ext cx="3738472" cy="2966942"/>
+            <a:off x="1655105" y="3752491"/>
+            <a:ext cx="3780687" cy="3000645"/>
           </a:xfrm>
           <a:prstGeom prst="rect">
             <a:avLst/>
@@ -24351,10 +24351,10 @@
       </p:pic>
       <p:pic>
         <p:nvPicPr>
-          <p:cNvPr id="4100" name="Picture 4">
-            <a:extLst>
-              <a:ext uri="{FF2B5EF4-FFF2-40B4-BE49-F238E27FC236}">
-                <a16:creationId xmlns:a16="http://schemas.microsoft.com/office/drawing/2014/main" id="{BD07AC80-AFC5-DFCD-E96F-421C15A932C2}"/>
+          <p:cNvPr id="1034" name="Picture 10">
+            <a:extLst>
+              <a:ext uri="{FF2B5EF4-FFF2-40B4-BE49-F238E27FC236}">
+                <a16:creationId xmlns:a16="http://schemas.microsoft.com/office/drawing/2014/main" id="{2DDACB6A-ECF4-CF3C-11B8-5A403F1EB969}"/>
               </a:ext>
             </a:extLst>
           </p:cNvPr>
@@ -24378,8 +24378,8 @@
         </p:blipFill>
         <p:spPr bwMode="auto">
           <a:xfrm>
-            <a:off x="4266840" y="710246"/>
-            <a:ext cx="3738472" cy="2966942"/>
+            <a:off x="215660" y="586596"/>
+            <a:ext cx="3780687" cy="3000645"/>
           </a:xfrm>
           <a:prstGeom prst="rect">
             <a:avLst/>
@@ -24398,10 +24398,10 @@
       </p:pic>
       <p:pic>
         <p:nvPicPr>
-          <p:cNvPr id="4102" name="Picture 6">
-            <a:extLst>
-              <a:ext uri="{FF2B5EF4-FFF2-40B4-BE49-F238E27FC236}">
-                <a16:creationId xmlns:a16="http://schemas.microsoft.com/office/drawing/2014/main" id="{480CA860-B2A2-C5C9-1522-9A8528A309EB}"/>
+          <p:cNvPr id="1036" name="Picture 12">
+            <a:extLst>
+              <a:ext uri="{FF2B5EF4-FFF2-40B4-BE49-F238E27FC236}">
+                <a16:creationId xmlns:a16="http://schemas.microsoft.com/office/drawing/2014/main" id="{16525475-3199-6F29-0303-62F3A9D6F192}"/>
               </a:ext>
             </a:extLst>
           </p:cNvPr>
@@ -24425,8 +24425,8 @@
         </p:blipFill>
         <p:spPr bwMode="auto">
           <a:xfrm>
-            <a:off x="8234991" y="739271"/>
-            <a:ext cx="3738472" cy="2966942"/>
+            <a:off x="3996347" y="596569"/>
+            <a:ext cx="3780687" cy="3000645"/>
           </a:xfrm>
           <a:prstGeom prst="rect">
             <a:avLst/>
@@ -24445,10 +24445,10 @@
       </p:pic>
       <p:pic>
         <p:nvPicPr>
-          <p:cNvPr id="4104" name="Picture 8">
-            <a:extLst>
-              <a:ext uri="{FF2B5EF4-FFF2-40B4-BE49-F238E27FC236}">
-                <a16:creationId xmlns:a16="http://schemas.microsoft.com/office/drawing/2014/main" id="{F243BABF-921B-16B0-3B20-A2870FB3F543}"/>
+          <p:cNvPr id="1038" name="Picture 14">
+            <a:extLst>
+              <a:ext uri="{FF2B5EF4-FFF2-40B4-BE49-F238E27FC236}">
+                <a16:creationId xmlns:a16="http://schemas.microsoft.com/office/drawing/2014/main" id="{ADA5972C-E8AA-A686-7B6F-BDF12E11C896}"/>
               </a:ext>
             </a:extLst>
           </p:cNvPr>
@@ -24472,8 +24472,8 @@
         </p:blipFill>
         <p:spPr bwMode="auto">
           <a:xfrm>
-            <a:off x="1962868" y="3708282"/>
-            <a:ext cx="3738472" cy="2966942"/>
+            <a:off x="7943261" y="596569"/>
+            <a:ext cx="3780687" cy="3000645"/>
           </a:xfrm>
           <a:prstGeom prst="rect">
             <a:avLst/>
@@ -24492,10 +24492,10 @@
       </p:pic>
       <p:pic>
         <p:nvPicPr>
-          <p:cNvPr id="4106" name="Picture 10">
-            <a:extLst>
-              <a:ext uri="{FF2B5EF4-FFF2-40B4-BE49-F238E27FC236}">
-                <a16:creationId xmlns:a16="http://schemas.microsoft.com/office/drawing/2014/main" id="{DA5C1E3E-DB90-AAE9-0970-BE11BDA68150}"/>
+          <p:cNvPr id="1040" name="Picture 16">
+            <a:extLst>
+              <a:ext uri="{FF2B5EF4-FFF2-40B4-BE49-F238E27FC236}">
+                <a16:creationId xmlns:a16="http://schemas.microsoft.com/office/drawing/2014/main" id="{F00FD08F-95DC-6BBF-045B-4E0F86F2CB01}"/>
               </a:ext>
             </a:extLst>
           </p:cNvPr>
@@ -24519,8 +24519,8 @@
         </p:blipFill>
         <p:spPr bwMode="auto">
           <a:xfrm>
-            <a:off x="5931019" y="3706213"/>
-            <a:ext cx="3738472" cy="2966942"/>
+            <a:off x="5528365" y="3752490"/>
+            <a:ext cx="3780687" cy="3000645"/>
           </a:xfrm>
           <a:prstGeom prst="rect">
             <a:avLst/>
@@ -24605,10 +24605,10 @@
       </p:sp>
       <p:pic>
         <p:nvPicPr>
-          <p:cNvPr id="3074" name="Picture 2">
-            <a:extLst>
-              <a:ext uri="{FF2B5EF4-FFF2-40B4-BE49-F238E27FC236}">
-                <a16:creationId xmlns:a16="http://schemas.microsoft.com/office/drawing/2014/main" id="{BB65A38D-6091-2ED4-1808-8470593195F3}"/>
+          <p:cNvPr id="2050" name="Picture 2">
+            <a:extLst>
+              <a:ext uri="{FF2B5EF4-FFF2-40B4-BE49-F238E27FC236}">
+                <a16:creationId xmlns:a16="http://schemas.microsoft.com/office/drawing/2014/main" id="{151777B4-96F6-88F9-8DAC-1EC66BCA188C}"/>
               </a:ext>
             </a:extLst>
           </p:cNvPr>
@@ -24632,8 +24632,8 @@
         </p:blipFill>
         <p:spPr bwMode="auto">
           <a:xfrm>
-            <a:off x="259243" y="785289"/>
-            <a:ext cx="3708907" cy="2774602"/>
+            <a:off x="7200" y="970471"/>
+            <a:ext cx="3886024" cy="2825151"/>
           </a:xfrm>
           <a:prstGeom prst="rect">
             <a:avLst/>
@@ -24652,10 +24652,10 @@
       </p:pic>
       <p:pic>
         <p:nvPicPr>
-          <p:cNvPr id="3076" name="Picture 4">
-            <a:extLst>
-              <a:ext uri="{FF2B5EF4-FFF2-40B4-BE49-F238E27FC236}">
-                <a16:creationId xmlns:a16="http://schemas.microsoft.com/office/drawing/2014/main" id="{B41C19A9-1959-E8B5-1CCA-BEB981FBD5F6}"/>
+          <p:cNvPr id="2052" name="Picture 4">
+            <a:extLst>
+              <a:ext uri="{FF2B5EF4-FFF2-40B4-BE49-F238E27FC236}">
+                <a16:creationId xmlns:a16="http://schemas.microsoft.com/office/drawing/2014/main" id="{829ADC95-A726-34D0-B646-18B7723D4027}"/>
               </a:ext>
             </a:extLst>
           </p:cNvPr>
@@ -24679,8 +24679,8 @@
         </p:blipFill>
         <p:spPr bwMode="auto">
           <a:xfrm>
-            <a:off x="4105543" y="791103"/>
-            <a:ext cx="3708909" cy="2774603"/>
+            <a:off x="4152988" y="1036786"/>
+            <a:ext cx="3886024" cy="2825151"/>
           </a:xfrm>
           <a:prstGeom prst="rect">
             <a:avLst/>
@@ -24699,10 +24699,10 @@
       </p:pic>
       <p:pic>
         <p:nvPicPr>
-          <p:cNvPr id="3078" name="Picture 6">
-            <a:extLst>
-              <a:ext uri="{FF2B5EF4-FFF2-40B4-BE49-F238E27FC236}">
-                <a16:creationId xmlns:a16="http://schemas.microsoft.com/office/drawing/2014/main" id="{520D122C-B10F-10A6-7BE1-DDBB8696D1D9}"/>
+          <p:cNvPr id="2054" name="Picture 6">
+            <a:extLst>
+              <a:ext uri="{FF2B5EF4-FFF2-40B4-BE49-F238E27FC236}">
+                <a16:creationId xmlns:a16="http://schemas.microsoft.com/office/drawing/2014/main" id="{E7CEF609-AE7D-6CC3-560B-8CA61FDD3ADB}"/>
               </a:ext>
             </a:extLst>
           </p:cNvPr>
@@ -24726,8 +24726,8 @@
         </p:blipFill>
         <p:spPr bwMode="auto">
           <a:xfrm>
-            <a:off x="7951845" y="821434"/>
-            <a:ext cx="3708910" cy="2774604"/>
+            <a:off x="8228702" y="1036786"/>
+            <a:ext cx="3886024" cy="2825151"/>
           </a:xfrm>
           <a:prstGeom prst="rect">
             <a:avLst/>
@@ -24746,10 +24746,10 @@
       </p:pic>
       <p:pic>
         <p:nvPicPr>
-          <p:cNvPr id="3080" name="Picture 8">
-            <a:extLst>
-              <a:ext uri="{FF2B5EF4-FFF2-40B4-BE49-F238E27FC236}">
-                <a16:creationId xmlns:a16="http://schemas.microsoft.com/office/drawing/2014/main" id="{3439655B-B4D6-9313-7968-57FA18CED52E}"/>
+          <p:cNvPr id="2056" name="Picture 8">
+            <a:extLst>
+              <a:ext uri="{FF2B5EF4-FFF2-40B4-BE49-F238E27FC236}">
+                <a16:creationId xmlns:a16="http://schemas.microsoft.com/office/drawing/2014/main" id="{F98E1320-60D3-E0C2-15B9-C640ECC8602D}"/>
               </a:ext>
             </a:extLst>
           </p:cNvPr>
@@ -24773,8 +24773,8 @@
         </p:blipFill>
         <p:spPr bwMode="auto">
           <a:xfrm>
-            <a:off x="1665797" y="3778840"/>
-            <a:ext cx="3708909" cy="2774603"/>
+            <a:off x="2126950" y="3964014"/>
+            <a:ext cx="3886025" cy="2825152"/>
           </a:xfrm>
           <a:prstGeom prst="rect">
             <a:avLst/>
@@ -24793,10 +24793,10 @@
       </p:pic>
       <p:pic>
         <p:nvPicPr>
-          <p:cNvPr id="3082" name="Picture 10">
-            <a:extLst>
-              <a:ext uri="{FF2B5EF4-FFF2-40B4-BE49-F238E27FC236}">
-                <a16:creationId xmlns:a16="http://schemas.microsoft.com/office/drawing/2014/main" id="{B48E86EA-0A89-5A75-D053-8708F2C4525C}"/>
+          <p:cNvPr id="2058" name="Picture 10">
+            <a:extLst>
+              <a:ext uri="{FF2B5EF4-FFF2-40B4-BE49-F238E27FC236}">
+                <a16:creationId xmlns:a16="http://schemas.microsoft.com/office/drawing/2014/main" id="{6682C420-F50D-55CB-2DF2-99EFEA2593FF}"/>
               </a:ext>
             </a:extLst>
           </p:cNvPr>
@@ -24820,8 +24820,8 @@
         </p:blipFill>
         <p:spPr bwMode="auto">
           <a:xfrm>
-            <a:off x="5737016" y="3778839"/>
-            <a:ext cx="3708910" cy="2774604"/>
+            <a:off x="6096000" y="3964015"/>
+            <a:ext cx="3886024" cy="2825151"/>
           </a:xfrm>
           <a:prstGeom prst="rect">
             <a:avLst/>
